--- a/elsarticle/Images/Thesis charts.pptx
+++ b/elsarticle/Images/Thesis charts.pptx
@@ -27871,7 +27871,7 @@
           <p:nvPr>
             <p:extLst>
               <p:ext uri="{D42A27DB-BD31-4B8C-83A1-F6EECF244321}">
-                <p14:modId xmlns:p14="http://schemas.microsoft.com/office/powerpoint/2010/main" val="1887811469"/>
+                <p14:modId xmlns:p14="http://schemas.microsoft.com/office/powerpoint/2010/main" val="3524812793"/>
               </p:ext>
             </p:extLst>
           </p:nvPr>
@@ -28084,7 +28084,7 @@
           <p:nvPr>
             <p:extLst>
               <p:ext uri="{D42A27DB-BD31-4B8C-83A1-F6EECF244321}">
-                <p14:modId xmlns:p14="http://schemas.microsoft.com/office/powerpoint/2010/main" val="999566801"/>
+                <p14:modId xmlns:p14="http://schemas.microsoft.com/office/powerpoint/2010/main" val="2386583290"/>
               </p:ext>
             </p:extLst>
           </p:nvPr>
@@ -28178,7 +28178,7 @@
           <p:nvPr>
             <p:extLst>
               <p:ext uri="{D42A27DB-BD31-4B8C-83A1-F6EECF244321}">
-                <p14:modId xmlns:p14="http://schemas.microsoft.com/office/powerpoint/2010/main" val="1172617891"/>
+                <p14:modId xmlns:p14="http://schemas.microsoft.com/office/powerpoint/2010/main" val="3966236091"/>
               </p:ext>
             </p:extLst>
           </p:nvPr>

--- a/elsarticle/Images/Thesis charts.pptx
+++ b/elsarticle/Images/Thesis charts.pptx
@@ -129,7 +129,7 @@
   </p:defaultTextStyle>
   <p:extLst>
     <p:ext uri="{EFAFB233-063F-42B5-8137-9DF3F51BA10A}">
-      <p15:sldGuideLst xmlns="" xmlns:p15="http://schemas.microsoft.com/office/powerpoint/2012/main"/>
+      <p15:sldGuideLst xmlns:p15="http://schemas.microsoft.com/office/powerpoint/2012/main" xmlns=""/>
     </p:ext>
   </p:extLst>
 </p:presentation>
@@ -414,11 +414,11 @@
           <c:showPercent val="0"/>
           <c:showBubbleSize val="0"/>
         </c:dLbls>
-        <c:axId val="-2115831688"/>
-        <c:axId val="-2115608376"/>
+        <c:axId val="2107921352"/>
+        <c:axId val="2107930664"/>
       </c:scatterChart>
       <c:valAx>
-        <c:axId val="-2115831688"/>
+        <c:axId val="2107921352"/>
         <c:scaling>
           <c:orientation val="minMax"/>
         </c:scaling>
@@ -520,12 +520,12 @@
             <a:endParaRPr lang="en-US"/>
           </a:p>
         </c:txPr>
-        <c:crossAx val="-2115608376"/>
+        <c:crossAx val="2107930664"/>
         <c:crosses val="autoZero"/>
         <c:crossBetween val="midCat"/>
       </c:valAx>
       <c:valAx>
-        <c:axId val="-2115608376"/>
+        <c:axId val="2107930664"/>
         <c:scaling>
           <c:orientation val="minMax"/>
         </c:scaling>
@@ -631,7 +631,7 @@
             <a:endParaRPr lang="en-US"/>
           </a:p>
         </c:txPr>
-        <c:crossAx val="-2115831688"/>
+        <c:crossAx val="2107921352"/>
         <c:crosses val="autoZero"/>
         <c:crossBetween val="midCat"/>
       </c:valAx>
@@ -2326,11 +2326,11 @@
         </c:dLbls>
         <c:gapWidth val="150"/>
         <c:overlap val="100"/>
-        <c:axId val="-2100756088"/>
-        <c:axId val="-2100752504"/>
+        <c:axId val="2086078216"/>
+        <c:axId val="2086081800"/>
       </c:barChart>
       <c:catAx>
-        <c:axId val="-2100756088"/>
+        <c:axId val="2086078216"/>
         <c:scaling>
           <c:orientation val="minMax"/>
         </c:scaling>
@@ -2373,7 +2373,7 @@
             <a:endParaRPr lang="en-US"/>
           </a:p>
         </c:txPr>
-        <c:crossAx val="-2100752504"/>
+        <c:crossAx val="2086081800"/>
         <c:crosses val="autoZero"/>
         <c:auto val="1"/>
         <c:lblAlgn val="ctr"/>
@@ -2381,7 +2381,7 @@
         <c:noMultiLvlLbl val="0"/>
       </c:catAx>
       <c:valAx>
-        <c:axId val="-2100752504"/>
+        <c:axId val="2086081800"/>
         <c:scaling>
           <c:orientation val="minMax"/>
         </c:scaling>
@@ -2477,7 +2477,7 @@
             <a:endParaRPr lang="en-US"/>
           </a:p>
         </c:txPr>
-        <c:crossAx val="-2100756088"/>
+        <c:crossAx val="2086078216"/>
         <c:crosses val="autoZero"/>
         <c:crossBetween val="between"/>
       </c:valAx>
@@ -2860,11 +2860,11 @@
         </c:dLbls>
         <c:gapWidth val="219"/>
         <c:overlap val="-27"/>
-        <c:axId val="-2119743736"/>
-        <c:axId val="-2119740136"/>
+        <c:axId val="2086137112"/>
+        <c:axId val="2086140760"/>
       </c:barChart>
       <c:catAx>
-        <c:axId val="-2119743736"/>
+        <c:axId val="2086137112"/>
         <c:scaling>
           <c:orientation val="minMax"/>
         </c:scaling>
@@ -2904,7 +2904,7 @@
             <a:endParaRPr lang="en-US"/>
           </a:p>
         </c:txPr>
-        <c:crossAx val="-2119740136"/>
+        <c:crossAx val="2086140760"/>
         <c:crosses val="autoZero"/>
         <c:auto val="1"/>
         <c:lblAlgn val="ctr"/>
@@ -2912,7 +2912,7 @@
         <c:noMultiLvlLbl val="0"/>
       </c:catAx>
       <c:valAx>
-        <c:axId val="-2119740136"/>
+        <c:axId val="2086140760"/>
         <c:scaling>
           <c:orientation val="minMax"/>
         </c:scaling>
@@ -3033,7 +3033,7 @@
             <a:endParaRPr lang="en-US"/>
           </a:p>
         </c:txPr>
-        <c:crossAx val="-2119743736"/>
+        <c:crossAx val="2086137112"/>
         <c:crosses val="autoZero"/>
         <c:crossBetween val="between"/>
       </c:valAx>
@@ -3330,11 +3330,11 @@
         </c:dLbls>
         <c:gapWidth val="219"/>
         <c:overlap val="-27"/>
-        <c:axId val="-2138229448"/>
-        <c:axId val="-2115081576"/>
+        <c:axId val="2086198872"/>
+        <c:axId val="2086202504"/>
       </c:barChart>
       <c:catAx>
-        <c:axId val="-2138229448"/>
+        <c:axId val="2086198872"/>
         <c:scaling>
           <c:orientation val="minMax"/>
         </c:scaling>
@@ -3374,7 +3374,7 @@
             <a:endParaRPr lang="en-US"/>
           </a:p>
         </c:txPr>
-        <c:crossAx val="-2115081576"/>
+        <c:crossAx val="2086202504"/>
         <c:crosses val="autoZero"/>
         <c:auto val="1"/>
         <c:lblAlgn val="ctr"/>
@@ -3382,7 +3382,7 @@
         <c:noMultiLvlLbl val="0"/>
       </c:catAx>
       <c:valAx>
-        <c:axId val="-2115081576"/>
+        <c:axId val="2086202504"/>
         <c:scaling>
           <c:orientation val="minMax"/>
         </c:scaling>
@@ -3503,7 +3503,7 @@
             <a:endParaRPr lang="en-US"/>
           </a:p>
         </c:txPr>
-        <c:crossAx val="-2138229448"/>
+        <c:crossAx val="2086198872"/>
         <c:crosses val="autoZero"/>
         <c:crossBetween val="between"/>
       </c:valAx>
@@ -4033,7 +4033,7 @@
                   <c:v>-6.43</c:v>
                 </c:pt>
                 <c:pt idx="10">
-                  <c:v>-9.739999999999998</c:v>
+                  <c:v>-9.74</c:v>
                 </c:pt>
                 <c:pt idx="11">
                   <c:v>-13.05</c:v>
@@ -4068,11 +4068,11 @@
         </c:dLbls>
         <c:marker val="1"/>
         <c:smooth val="0"/>
-        <c:axId val="-2100676136"/>
-        <c:axId val="-2100672456"/>
+        <c:axId val="2086304088"/>
+        <c:axId val="2086307768"/>
       </c:lineChart>
       <c:catAx>
-        <c:axId val="-2100676136"/>
+        <c:axId val="2086304088"/>
         <c:scaling>
           <c:orientation val="minMax"/>
         </c:scaling>
@@ -4115,7 +4115,7 @@
             <a:endParaRPr lang="en-US"/>
           </a:p>
         </c:txPr>
-        <c:crossAx val="-2100672456"/>
+        <c:crossAx val="2086307768"/>
         <c:crosses val="autoZero"/>
         <c:auto val="1"/>
         <c:lblAlgn val="ctr"/>
@@ -4123,7 +4123,7 @@
         <c:noMultiLvlLbl val="0"/>
       </c:catAx>
       <c:valAx>
-        <c:axId val="-2100672456"/>
+        <c:axId val="2086307768"/>
         <c:scaling>
           <c:orientation val="minMax"/>
         </c:scaling>
@@ -4211,7 +4211,7 @@
             <a:endParaRPr lang="en-US"/>
           </a:p>
         </c:txPr>
-        <c:crossAx val="-2100676136"/>
+        <c:crossAx val="2086304088"/>
         <c:crosses val="autoZero"/>
         <c:crossBetween val="between"/>
       </c:valAx>
@@ -4823,11 +4823,11 @@
         </c:dLbls>
         <c:gapWidth val="219"/>
         <c:overlap val="-27"/>
-        <c:axId val="-2102310840"/>
-        <c:axId val="-2114913464"/>
+        <c:axId val="2113584248"/>
+        <c:axId val="2113588024"/>
       </c:barChart>
       <c:catAx>
-        <c:axId val="-2102310840"/>
+        <c:axId val="2113584248"/>
         <c:scaling>
           <c:orientation val="minMax"/>
         </c:scaling>
@@ -4870,7 +4870,7 @@
             <a:endParaRPr lang="en-US"/>
           </a:p>
         </c:txPr>
-        <c:crossAx val="-2114913464"/>
+        <c:crossAx val="2113588024"/>
         <c:crosses val="autoZero"/>
         <c:auto val="1"/>
         <c:lblAlgn val="ctr"/>
@@ -4878,7 +4878,7 @@
         <c:noMultiLvlLbl val="0"/>
       </c:catAx>
       <c:valAx>
-        <c:axId val="-2114913464"/>
+        <c:axId val="2113588024"/>
         <c:scaling>
           <c:orientation val="minMax"/>
         </c:scaling>
@@ -4982,7 +4982,7 @@
             <a:endParaRPr lang="en-US"/>
           </a:p>
         </c:txPr>
-        <c:crossAx val="-2102310840"/>
+        <c:crossAx val="2113584248"/>
         <c:crosses val="autoZero"/>
         <c:crossBetween val="between"/>
       </c:valAx>
@@ -5666,11 +5666,11 @@
         </c:dLbls>
         <c:gapWidth val="219"/>
         <c:overlap val="100"/>
-        <c:axId val="-2102179080"/>
-        <c:axId val="-2102175240"/>
+        <c:axId val="2144106072"/>
+        <c:axId val="2144109752"/>
       </c:barChart>
       <c:catAx>
-        <c:axId val="-2102179080"/>
+        <c:axId val="2144106072"/>
         <c:scaling>
           <c:orientation val="minMax"/>
         </c:scaling>
@@ -5713,7 +5713,7 @@
             <a:endParaRPr lang="en-US"/>
           </a:p>
         </c:txPr>
-        <c:crossAx val="-2102175240"/>
+        <c:crossAx val="2144109752"/>
         <c:crosses val="autoZero"/>
         <c:auto val="1"/>
         <c:lblAlgn val="ctr"/>
@@ -5721,7 +5721,7 @@
         <c:noMultiLvlLbl val="0"/>
       </c:catAx>
       <c:valAx>
-        <c:axId val="-2102175240"/>
+        <c:axId val="2144109752"/>
         <c:scaling>
           <c:orientation val="minMax"/>
         </c:scaling>
@@ -5843,7 +5843,7 @@
             <a:endParaRPr lang="en-US"/>
           </a:p>
         </c:txPr>
-        <c:crossAx val="-2102179080"/>
+        <c:crossAx val="2144106072"/>
         <c:crosses val="autoZero"/>
         <c:crossBetween val="between"/>
       </c:valAx>
@@ -6309,11 +6309,11 @@
         </c:dLbls>
         <c:gapWidth val="219"/>
         <c:overlap val="-27"/>
-        <c:axId val="-2100997352"/>
-        <c:axId val="-2100995960"/>
+        <c:axId val="2086373656"/>
+        <c:axId val="2108000744"/>
       </c:barChart>
       <c:catAx>
-        <c:axId val="-2100997352"/>
+        <c:axId val="2086373656"/>
         <c:scaling>
           <c:orientation val="minMax"/>
         </c:scaling>
@@ -6353,7 +6353,7 @@
             <a:endParaRPr lang="en-US"/>
           </a:p>
         </c:txPr>
-        <c:crossAx val="-2100995960"/>
+        <c:crossAx val="2108000744"/>
         <c:crosses val="autoZero"/>
         <c:auto val="1"/>
         <c:lblAlgn val="ctr"/>
@@ -6361,7 +6361,7 @@
         <c:noMultiLvlLbl val="0"/>
       </c:catAx>
       <c:valAx>
-        <c:axId val="-2100995960"/>
+        <c:axId val="2108000744"/>
         <c:scaling>
           <c:orientation val="minMax"/>
         </c:scaling>
@@ -6463,7 +6463,7 @@
             <a:endParaRPr lang="en-US"/>
           </a:p>
         </c:txPr>
-        <c:crossAx val="-2100997352"/>
+        <c:crossAx val="2086373656"/>
         <c:crosses val="autoZero"/>
         <c:crossBetween val="between"/>
       </c:valAx>
@@ -6614,7 +6614,7 @@
                   <c:v>419.0</c:v>
                 </c:pt>
                 <c:pt idx="2">
-                  <c:v>326.0</c:v>
+                  <c:v>221.0</c:v>
                 </c:pt>
               </c:numCache>
             </c:numRef>
@@ -6677,7 +6677,7 @@
                   <c:v>367.0</c:v>
                 </c:pt>
                 <c:pt idx="2">
-                  <c:v>221.0</c:v>
+                  <c:v>326.0</c:v>
                 </c:pt>
               </c:numCache>
             </c:numRef>
@@ -6713,15 +6713,6 @@
             <c:bubble3D val="0"/>
           </c:dPt>
           <c:dLbls>
-            <c:dLbl>
-              <c:idx val="0"/>
-              <c:delete val="1"/>
-              <c:extLst>
-                <c:ext xmlns:c15="http://schemas.microsoft.com/office/drawing/2012/chart" uri="{CE6537A1-D6FC-4f65-9D91-7224C49458BB}">
-                  <c15:layout/>
-                </c:ext>
-              </c:extLst>
-            </c:dLbl>
             <c:dLbl>
               <c:idx val="5"/>
               <c:tx>
@@ -6855,11 +6846,11 @@
         </c:dLbls>
         <c:gapWidth val="219"/>
         <c:overlap val="100"/>
-        <c:axId val="-2118921192"/>
-        <c:axId val="-2114137592"/>
+        <c:axId val="2144173304"/>
+        <c:axId val="2144176936"/>
       </c:barChart>
       <c:catAx>
-        <c:axId val="-2118921192"/>
+        <c:axId val="2144173304"/>
         <c:scaling>
           <c:orientation val="minMax"/>
         </c:scaling>
@@ -6902,7 +6893,7 @@
             <a:endParaRPr lang="en-US"/>
           </a:p>
         </c:txPr>
-        <c:crossAx val="-2114137592"/>
+        <c:crossAx val="2144176936"/>
         <c:crosses val="autoZero"/>
         <c:auto val="1"/>
         <c:lblAlgn val="ctr"/>
@@ -6910,7 +6901,7 @@
         <c:noMultiLvlLbl val="0"/>
       </c:catAx>
       <c:valAx>
-        <c:axId val="-2114137592"/>
+        <c:axId val="2144176936"/>
         <c:scaling>
           <c:orientation val="minMax"/>
         </c:scaling>
@@ -7032,7 +7023,7 @@
             <a:endParaRPr lang="en-US"/>
           </a:p>
         </c:txPr>
-        <c:crossAx val="-2118921192"/>
+        <c:crossAx val="2144173304"/>
         <c:crosses val="autoZero"/>
         <c:crossBetween val="between"/>
       </c:valAx>
@@ -7300,11 +7291,11 @@
         </c:dLbls>
         <c:gapWidth val="219"/>
         <c:overlap val="100"/>
-        <c:axId val="-2102260168"/>
-        <c:axId val="-2102254104"/>
+        <c:axId val="2144471656"/>
+        <c:axId val="2144475304"/>
       </c:barChart>
       <c:catAx>
-        <c:axId val="-2102260168"/>
+        <c:axId val="2144471656"/>
         <c:scaling>
           <c:orientation val="minMax"/>
         </c:scaling>
@@ -7344,7 +7335,7 @@
             <a:endParaRPr lang="en-US"/>
           </a:p>
         </c:txPr>
-        <c:crossAx val="-2102254104"/>
+        <c:crossAx val="2144475304"/>
         <c:crosses val="autoZero"/>
         <c:auto val="1"/>
         <c:lblAlgn val="ctr"/>
@@ -7352,7 +7343,7 @@
         <c:noMultiLvlLbl val="0"/>
       </c:catAx>
       <c:valAx>
-        <c:axId val="-2102254104"/>
+        <c:axId val="2144475304"/>
         <c:scaling>
           <c:orientation val="minMax"/>
         </c:scaling>
@@ -7474,7 +7465,7 @@
             <a:endParaRPr lang="en-US"/>
           </a:p>
         </c:txPr>
-        <c:crossAx val="-2102260168"/>
+        <c:crossAx val="2144471656"/>
         <c:crosses val="autoZero"/>
         <c:crossBetween val="between"/>
         <c:majorUnit val="100.0"/>
@@ -7688,11 +7679,11 @@
         </c:dLbls>
         <c:gapWidth val="219"/>
         <c:overlap val="100"/>
-        <c:axId val="-2100558440"/>
-        <c:axId val="-2100554792"/>
+        <c:axId val="2145619304"/>
+        <c:axId val="2145622952"/>
       </c:barChart>
       <c:catAx>
-        <c:axId val="-2100558440"/>
+        <c:axId val="2145619304"/>
         <c:scaling>
           <c:orientation val="minMax"/>
         </c:scaling>
@@ -7732,7 +7723,7 @@
             <a:endParaRPr lang="en-US"/>
           </a:p>
         </c:txPr>
-        <c:crossAx val="-2100554792"/>
+        <c:crossAx val="2145622952"/>
         <c:crosses val="autoZero"/>
         <c:auto val="1"/>
         <c:lblAlgn val="ctr"/>
@@ -7740,7 +7731,7 @@
         <c:noMultiLvlLbl val="0"/>
       </c:catAx>
       <c:valAx>
-        <c:axId val="-2100554792"/>
+        <c:axId val="2145622952"/>
         <c:scaling>
           <c:orientation val="minMax"/>
         </c:scaling>
@@ -7868,7 +7859,7 @@
             <a:endParaRPr lang="en-US"/>
           </a:p>
         </c:txPr>
-        <c:crossAx val="-2100558440"/>
+        <c:crossAx val="2145619304"/>
         <c:crosses val="autoZero"/>
         <c:crossBetween val="between"/>
       </c:valAx>
@@ -8195,11 +8186,11 @@
         </c:dLbls>
         <c:gapWidth val="219"/>
         <c:overlap val="-27"/>
-        <c:axId val="-2132868936"/>
-        <c:axId val="-2118190200"/>
+        <c:axId val="2108786552"/>
+        <c:axId val="2108782952"/>
       </c:barChart>
       <c:catAx>
-        <c:axId val="-2132868936"/>
+        <c:axId val="2108786552"/>
         <c:scaling>
           <c:orientation val="minMax"/>
         </c:scaling>
@@ -8239,7 +8230,7 @@
             <a:endParaRPr lang="en-US"/>
           </a:p>
         </c:txPr>
-        <c:crossAx val="-2118190200"/>
+        <c:crossAx val="2108782952"/>
         <c:crosses val="autoZero"/>
         <c:auto val="1"/>
         <c:lblAlgn val="ctr"/>
@@ -8247,7 +8238,7 @@
         <c:noMultiLvlLbl val="0"/>
       </c:catAx>
       <c:valAx>
-        <c:axId val="-2118190200"/>
+        <c:axId val="2108782952"/>
         <c:scaling>
           <c:orientation val="minMax"/>
         </c:scaling>
@@ -8361,7 +8352,7 @@
             <a:endParaRPr lang="en-US"/>
           </a:p>
         </c:txPr>
-        <c:crossAx val="-2132868936"/>
+        <c:crossAx val="2108786552"/>
         <c:crosses val="autoZero"/>
         <c:crossBetween val="between"/>
       </c:valAx>
@@ -8970,11 +8961,11 @@
         </c:dLbls>
         <c:gapWidth val="219"/>
         <c:overlap val="-27"/>
-        <c:axId val="-2122093992"/>
-        <c:axId val="-2118413368"/>
+        <c:axId val="2141313464"/>
+        <c:axId val="2141309720"/>
       </c:barChart>
       <c:catAx>
-        <c:axId val="-2122093992"/>
+        <c:axId val="2141313464"/>
         <c:scaling>
           <c:orientation val="minMax"/>
         </c:scaling>
@@ -9014,7 +9005,7 @@
             <a:endParaRPr lang="en-US"/>
           </a:p>
         </c:txPr>
-        <c:crossAx val="-2118413368"/>
+        <c:crossAx val="2141309720"/>
         <c:crosses val="autoZero"/>
         <c:auto val="1"/>
         <c:lblAlgn val="ctr"/>
@@ -9022,7 +9013,7 @@
         <c:noMultiLvlLbl val="0"/>
       </c:catAx>
       <c:valAx>
-        <c:axId val="-2118413368"/>
+        <c:axId val="2141309720"/>
         <c:scaling>
           <c:orientation val="minMax"/>
         </c:scaling>
@@ -9151,7 +9142,7 @@
             <a:endParaRPr lang="en-US"/>
           </a:p>
         </c:txPr>
-        <c:crossAx val="-2122093992"/>
+        <c:crossAx val="2141313464"/>
         <c:crosses val="autoZero"/>
         <c:crossBetween val="between"/>
       </c:valAx>
@@ -9543,11 +9534,11 @@
         </c:dLbls>
         <c:gapWidth val="219"/>
         <c:overlap val="-27"/>
-        <c:axId val="-2132932488"/>
-        <c:axId val="2127060248"/>
+        <c:axId val="2108724312"/>
+        <c:axId val="2108720600"/>
       </c:barChart>
       <c:catAx>
-        <c:axId val="-2132932488"/>
+        <c:axId val="2108724312"/>
         <c:scaling>
           <c:orientation val="minMax"/>
         </c:scaling>
@@ -9587,7 +9578,7 @@
             <a:endParaRPr lang="en-US"/>
           </a:p>
         </c:txPr>
-        <c:crossAx val="2127060248"/>
+        <c:crossAx val="2108720600"/>
         <c:crosses val="autoZero"/>
         <c:auto val="1"/>
         <c:lblAlgn val="ctr"/>
@@ -9595,7 +9586,7 @@
         <c:noMultiLvlLbl val="0"/>
       </c:catAx>
       <c:valAx>
-        <c:axId val="2127060248"/>
+        <c:axId val="2108720600"/>
         <c:scaling>
           <c:orientation val="minMax"/>
         </c:scaling>
@@ -9716,7 +9707,7 @@
             <a:endParaRPr lang="en-US"/>
           </a:p>
         </c:txPr>
-        <c:crossAx val="-2132932488"/>
+        <c:crossAx val="2108724312"/>
         <c:crosses val="autoZero"/>
         <c:crossBetween val="between"/>
       </c:valAx>
@@ -9886,11 +9877,11 @@
         </c:dLbls>
         <c:gapWidth val="219"/>
         <c:overlap val="-27"/>
-        <c:axId val="-2100905208"/>
-        <c:axId val="-2100901528"/>
+        <c:axId val="2143497016"/>
+        <c:axId val="2143500776"/>
       </c:barChart>
       <c:catAx>
-        <c:axId val="-2100905208"/>
+        <c:axId val="2143497016"/>
         <c:scaling>
           <c:orientation val="minMax"/>
         </c:scaling>
@@ -9930,7 +9921,7 @@
             <a:endParaRPr lang="en-US"/>
           </a:p>
         </c:txPr>
-        <c:crossAx val="-2100901528"/>
+        <c:crossAx val="2143500776"/>
         <c:crosses val="autoZero"/>
         <c:auto val="1"/>
         <c:lblAlgn val="ctr"/>
@@ -9938,7 +9929,7 @@
         <c:noMultiLvlLbl val="0"/>
       </c:catAx>
       <c:valAx>
-        <c:axId val="-2100901528"/>
+        <c:axId val="2143500776"/>
         <c:scaling>
           <c:orientation val="minMax"/>
         </c:scaling>
@@ -10059,7 +10050,7 @@
             <a:endParaRPr lang="en-US"/>
           </a:p>
         </c:txPr>
-        <c:crossAx val="-2100905208"/>
+        <c:crossAx val="2143497016"/>
         <c:crosses val="autoZero"/>
         <c:crossBetween val="between"/>
       </c:valAx>
@@ -10369,11 +10360,11 @@
         </c:dLbls>
         <c:gapWidth val="219"/>
         <c:overlap val="100"/>
-        <c:axId val="-2119765336"/>
-        <c:axId val="-2119295048"/>
+        <c:axId val="2143555128"/>
+        <c:axId val="2143558840"/>
       </c:barChart>
       <c:catAx>
-        <c:axId val="-2119765336"/>
+        <c:axId val="2143555128"/>
         <c:scaling>
           <c:orientation val="minMax"/>
         </c:scaling>
@@ -10416,7 +10407,7 @@
             <a:endParaRPr lang="en-US"/>
           </a:p>
         </c:txPr>
-        <c:crossAx val="-2119295048"/>
+        <c:crossAx val="2143558840"/>
         <c:crosses val="autoZero"/>
         <c:auto val="1"/>
         <c:lblAlgn val="ctr"/>
@@ -10424,7 +10415,7 @@
         <c:noMultiLvlLbl val="0"/>
       </c:catAx>
       <c:valAx>
-        <c:axId val="-2119295048"/>
+        <c:axId val="2143558840"/>
         <c:scaling>
           <c:orientation val="minMax"/>
         </c:scaling>
@@ -10516,7 +10507,7 @@
             <a:endParaRPr lang="en-US"/>
           </a:p>
         </c:txPr>
-        <c:crossAx val="-2119765336"/>
+        <c:crossAx val="2143555128"/>
         <c:crosses val="autoZero"/>
         <c:crossBetween val="between"/>
       </c:valAx>
@@ -22279,7 +22270,7 @@
           <a:p>
             <a:fld id="{8AF2A637-750D-AC4F-B19A-F61B319C6A55}" type="datetimeFigureOut">
               <a:rPr lang="en-US" smtClean="0"/>
-              <a:t>04/11/15</a:t>
+              <a:t>09/11/15</a:t>
             </a:fld>
             <a:endParaRPr lang="en-US"/>
           </a:p>
@@ -24666,7 +24657,7 @@
           <a:p>
             <a:fld id="{F87648D4-822A-184D-A945-2BBD99FACB30}" type="datetimeFigureOut">
               <a:rPr lang="en-US" smtClean="0"/>
-              <a:t>04/11/15</a:t>
+              <a:t>09/11/15</a:t>
             </a:fld>
             <a:endParaRPr lang="en-US"/>
           </a:p>
@@ -24836,7 +24827,7 @@
           <a:p>
             <a:fld id="{F87648D4-822A-184D-A945-2BBD99FACB30}" type="datetimeFigureOut">
               <a:rPr lang="en-US" smtClean="0"/>
-              <a:t>04/11/15</a:t>
+              <a:t>09/11/15</a:t>
             </a:fld>
             <a:endParaRPr lang="en-US"/>
           </a:p>
@@ -25016,7 +25007,7 @@
           <a:p>
             <a:fld id="{F87648D4-822A-184D-A945-2BBD99FACB30}" type="datetimeFigureOut">
               <a:rPr lang="en-US" smtClean="0"/>
-              <a:t>04/11/15</a:t>
+              <a:t>09/11/15</a:t>
             </a:fld>
             <a:endParaRPr lang="en-US"/>
           </a:p>
@@ -25186,7 +25177,7 @@
           <a:p>
             <a:fld id="{F87648D4-822A-184D-A945-2BBD99FACB30}" type="datetimeFigureOut">
               <a:rPr lang="en-US" smtClean="0"/>
-              <a:t>04/11/15</a:t>
+              <a:t>09/11/15</a:t>
             </a:fld>
             <a:endParaRPr lang="en-US"/>
           </a:p>
@@ -25430,7 +25421,7 @@
           <a:p>
             <a:fld id="{F87648D4-822A-184D-A945-2BBD99FACB30}" type="datetimeFigureOut">
               <a:rPr lang="en-US" smtClean="0"/>
-              <a:t>04/11/15</a:t>
+              <a:t>09/11/15</a:t>
             </a:fld>
             <a:endParaRPr lang="en-US"/>
           </a:p>
@@ -25662,7 +25653,7 @@
           <a:p>
             <a:fld id="{F87648D4-822A-184D-A945-2BBD99FACB30}" type="datetimeFigureOut">
               <a:rPr lang="en-US" smtClean="0"/>
-              <a:t>04/11/15</a:t>
+              <a:t>09/11/15</a:t>
             </a:fld>
             <a:endParaRPr lang="en-US"/>
           </a:p>
@@ -26029,7 +26020,7 @@
           <a:p>
             <a:fld id="{F87648D4-822A-184D-A945-2BBD99FACB30}" type="datetimeFigureOut">
               <a:rPr lang="en-US" smtClean="0"/>
-              <a:t>04/11/15</a:t>
+              <a:t>09/11/15</a:t>
             </a:fld>
             <a:endParaRPr lang="en-US"/>
           </a:p>
@@ -26147,7 +26138,7 @@
           <a:p>
             <a:fld id="{F87648D4-822A-184D-A945-2BBD99FACB30}" type="datetimeFigureOut">
               <a:rPr lang="en-US" smtClean="0"/>
-              <a:t>04/11/15</a:t>
+              <a:t>09/11/15</a:t>
             </a:fld>
             <a:endParaRPr lang="en-US"/>
           </a:p>
@@ -26242,7 +26233,7 @@
           <a:p>
             <a:fld id="{F87648D4-822A-184D-A945-2BBD99FACB30}" type="datetimeFigureOut">
               <a:rPr lang="en-US" smtClean="0"/>
-              <a:t>04/11/15</a:t>
+              <a:t>09/11/15</a:t>
             </a:fld>
             <a:endParaRPr lang="en-US"/>
           </a:p>
@@ -26519,7 +26510,7 @@
           <a:p>
             <a:fld id="{F87648D4-822A-184D-A945-2BBD99FACB30}" type="datetimeFigureOut">
               <a:rPr lang="en-US" smtClean="0"/>
-              <a:t>04/11/15</a:t>
+              <a:t>09/11/15</a:t>
             </a:fld>
             <a:endParaRPr lang="en-US"/>
           </a:p>
@@ -26776,7 +26767,7 @@
           <a:p>
             <a:fld id="{F87648D4-822A-184D-A945-2BBD99FACB30}" type="datetimeFigureOut">
               <a:rPr lang="en-US" smtClean="0"/>
-              <a:t>04/11/15</a:t>
+              <a:t>09/11/15</a:t>
             </a:fld>
             <a:endParaRPr lang="en-US"/>
           </a:p>
@@ -26989,7 +26980,7 @@
           <a:p>
             <a:fld id="{F87648D4-822A-184D-A945-2BBD99FACB30}" type="datetimeFigureOut">
               <a:rPr lang="en-US" smtClean="0"/>
-              <a:t>04/11/15</a:t>
+              <a:t>09/11/15</a:t>
             </a:fld>
             <a:endParaRPr lang="en-US"/>
           </a:p>
@@ -28263,7 +28254,7 @@
           <p:nvPr>
             <p:extLst>
               <p:ext uri="{D42A27DB-BD31-4B8C-83A1-F6EECF244321}">
-                <p14:modId xmlns:p14="http://schemas.microsoft.com/office/powerpoint/2010/main" val="1789377646"/>
+                <p14:modId xmlns:p14="http://schemas.microsoft.com/office/powerpoint/2010/main" val="1254439007"/>
               </p:ext>
             </p:extLst>
           </p:nvPr>
@@ -29785,7 +29776,7 @@
   <a:extraClrSchemeLst/>
   <a:extLst>
     <a:ext uri="{05A4C25C-085E-4340-85A3-A5531E510DB2}">
-      <thm15:themeFamily xmlns="" xmlns:thm15="http://schemas.microsoft.com/office/thememl/2012/main" name="Office Theme" id="{62F939B6-93AF-4DB8-9C6B-D6C7DFDC589F}" vid="{4A3C46E8-61CC-4603-A589-7422A47A8E4A}"/>
+      <thm15:themeFamily xmlns:thm15="http://schemas.microsoft.com/office/thememl/2012/main" xmlns="" name="Office Theme" id="{62F939B6-93AF-4DB8-9C6B-D6C7DFDC589F}" vid="{4A3C46E8-61CC-4603-A589-7422A47A8E4A}"/>
     </a:ext>
   </a:extLst>
 </a:theme>
@@ -30046,7 +30037,7 @@
   <a:extraClrSchemeLst/>
   <a:extLst>
     <a:ext uri="{05A4C25C-085E-4340-85A3-A5531E510DB2}">
-      <thm15:themeFamily xmlns="" xmlns:thm15="http://schemas.microsoft.com/office/thememl/2012/main" name="Office Theme" id="{62F939B6-93AF-4DB8-9C6B-D6C7DFDC589F}" vid="{4A3C46E8-61CC-4603-A589-7422A47A8E4A}"/>
+      <thm15:themeFamily xmlns:thm15="http://schemas.microsoft.com/office/thememl/2012/main" xmlns="" name="Office Theme" id="{62F939B6-93AF-4DB8-9C6B-D6C7DFDC589F}" vid="{4A3C46E8-61CC-4603-A589-7422A47A8E4A}"/>
     </a:ext>
   </a:extLst>
 </a:theme>

--- a/elsarticle/Images/Thesis charts.pptx
+++ b/elsarticle/Images/Thesis charts.pptx
@@ -129,7 +129,7 @@
   </p:defaultTextStyle>
   <p:extLst>
     <p:ext uri="{EFAFB233-063F-42B5-8137-9DF3F51BA10A}">
-      <p15:sldGuideLst xmlns:p15="http://schemas.microsoft.com/office/powerpoint/2012/main" xmlns=""/>
+      <p15:sldGuideLst xmlns="" xmlns:p15="http://schemas.microsoft.com/office/powerpoint/2012/main"/>
     </p:ext>
   </p:extLst>
 </p:presentation>
@@ -414,11 +414,11 @@
           <c:showPercent val="0"/>
           <c:showBubbleSize val="0"/>
         </c:dLbls>
-        <c:axId val="2107921352"/>
-        <c:axId val="2107930664"/>
+        <c:axId val="2124828584"/>
+        <c:axId val="2124841176"/>
       </c:scatterChart>
       <c:valAx>
-        <c:axId val="2107921352"/>
+        <c:axId val="2124828584"/>
         <c:scaling>
           <c:orientation val="minMax"/>
         </c:scaling>
@@ -520,12 +520,12 @@
             <a:endParaRPr lang="en-US"/>
           </a:p>
         </c:txPr>
-        <c:crossAx val="2107930664"/>
+        <c:crossAx val="2124841176"/>
         <c:crosses val="autoZero"/>
         <c:crossBetween val="midCat"/>
       </c:valAx>
       <c:valAx>
-        <c:axId val="2107930664"/>
+        <c:axId val="2124841176"/>
         <c:scaling>
           <c:orientation val="minMax"/>
         </c:scaling>
@@ -631,7 +631,7 @@
             <a:endParaRPr lang="en-US"/>
           </a:p>
         </c:txPr>
-        <c:crossAx val="2107921352"/>
+        <c:crossAx val="2124828584"/>
         <c:crosses val="autoZero"/>
         <c:crossBetween val="midCat"/>
       </c:valAx>
@@ -2326,11 +2326,11 @@
         </c:dLbls>
         <c:gapWidth val="150"/>
         <c:overlap val="100"/>
-        <c:axId val="2086078216"/>
-        <c:axId val="2086081800"/>
+        <c:axId val="2087125944"/>
+        <c:axId val="2087129528"/>
       </c:barChart>
       <c:catAx>
-        <c:axId val="2086078216"/>
+        <c:axId val="2087125944"/>
         <c:scaling>
           <c:orientation val="minMax"/>
         </c:scaling>
@@ -2373,7 +2373,7 @@
             <a:endParaRPr lang="en-US"/>
           </a:p>
         </c:txPr>
-        <c:crossAx val="2086081800"/>
+        <c:crossAx val="2087129528"/>
         <c:crosses val="autoZero"/>
         <c:auto val="1"/>
         <c:lblAlgn val="ctr"/>
@@ -2381,7 +2381,7 @@
         <c:noMultiLvlLbl val="0"/>
       </c:catAx>
       <c:valAx>
-        <c:axId val="2086081800"/>
+        <c:axId val="2087129528"/>
         <c:scaling>
           <c:orientation val="minMax"/>
         </c:scaling>
@@ -2477,7 +2477,7 @@
             <a:endParaRPr lang="en-US"/>
           </a:p>
         </c:txPr>
-        <c:crossAx val="2086078216"/>
+        <c:crossAx val="2087125944"/>
         <c:crosses val="autoZero"/>
         <c:crossBetween val="between"/>
       </c:valAx>
@@ -2860,11 +2860,11 @@
         </c:dLbls>
         <c:gapWidth val="219"/>
         <c:overlap val="-27"/>
-        <c:axId val="2086137112"/>
-        <c:axId val="2086140760"/>
+        <c:axId val="2087185320"/>
+        <c:axId val="2087188968"/>
       </c:barChart>
       <c:catAx>
-        <c:axId val="2086137112"/>
+        <c:axId val="2087185320"/>
         <c:scaling>
           <c:orientation val="minMax"/>
         </c:scaling>
@@ -2904,7 +2904,7 @@
             <a:endParaRPr lang="en-US"/>
           </a:p>
         </c:txPr>
-        <c:crossAx val="2086140760"/>
+        <c:crossAx val="2087188968"/>
         <c:crosses val="autoZero"/>
         <c:auto val="1"/>
         <c:lblAlgn val="ctr"/>
@@ -2912,7 +2912,7 @@
         <c:noMultiLvlLbl val="0"/>
       </c:catAx>
       <c:valAx>
-        <c:axId val="2086140760"/>
+        <c:axId val="2087188968"/>
         <c:scaling>
           <c:orientation val="minMax"/>
         </c:scaling>
@@ -3033,7 +3033,7 @@
             <a:endParaRPr lang="en-US"/>
           </a:p>
         </c:txPr>
-        <c:crossAx val="2086137112"/>
+        <c:crossAx val="2087185320"/>
         <c:crosses val="autoZero"/>
         <c:crossBetween val="between"/>
       </c:valAx>
@@ -3330,11 +3330,11 @@
         </c:dLbls>
         <c:gapWidth val="219"/>
         <c:overlap val="-27"/>
-        <c:axId val="2086198872"/>
-        <c:axId val="2086202504"/>
+        <c:axId val="2087246840"/>
+        <c:axId val="2087250472"/>
       </c:barChart>
       <c:catAx>
-        <c:axId val="2086198872"/>
+        <c:axId val="2087246840"/>
         <c:scaling>
           <c:orientation val="minMax"/>
         </c:scaling>
@@ -3374,7 +3374,7 @@
             <a:endParaRPr lang="en-US"/>
           </a:p>
         </c:txPr>
-        <c:crossAx val="2086202504"/>
+        <c:crossAx val="2087250472"/>
         <c:crosses val="autoZero"/>
         <c:auto val="1"/>
         <c:lblAlgn val="ctr"/>
@@ -3382,7 +3382,7 @@
         <c:noMultiLvlLbl val="0"/>
       </c:catAx>
       <c:valAx>
-        <c:axId val="2086202504"/>
+        <c:axId val="2087250472"/>
         <c:scaling>
           <c:orientation val="minMax"/>
         </c:scaling>
@@ -3503,7 +3503,7 @@
             <a:endParaRPr lang="en-US"/>
           </a:p>
         </c:txPr>
-        <c:crossAx val="2086198872"/>
+        <c:crossAx val="2087246840"/>
         <c:crosses val="autoZero"/>
         <c:crossBetween val="between"/>
       </c:valAx>
@@ -4033,7 +4033,7 @@
                   <c:v>-6.43</c:v>
                 </c:pt>
                 <c:pt idx="10">
-                  <c:v>-9.74</c:v>
+                  <c:v>-9.739999999999998</c:v>
                 </c:pt>
                 <c:pt idx="11">
                   <c:v>-13.05</c:v>
@@ -4068,11 +4068,11 @@
         </c:dLbls>
         <c:marker val="1"/>
         <c:smooth val="0"/>
-        <c:axId val="2086304088"/>
-        <c:axId val="2086307768"/>
+        <c:axId val="2087351176"/>
+        <c:axId val="2087354856"/>
       </c:lineChart>
       <c:catAx>
-        <c:axId val="2086304088"/>
+        <c:axId val="2087351176"/>
         <c:scaling>
           <c:orientation val="minMax"/>
         </c:scaling>
@@ -4115,7 +4115,7 @@
             <a:endParaRPr lang="en-US"/>
           </a:p>
         </c:txPr>
-        <c:crossAx val="2086307768"/>
+        <c:crossAx val="2087354856"/>
         <c:crosses val="autoZero"/>
         <c:auto val="1"/>
         <c:lblAlgn val="ctr"/>
@@ -4123,7 +4123,7 @@
         <c:noMultiLvlLbl val="0"/>
       </c:catAx>
       <c:valAx>
-        <c:axId val="2086307768"/>
+        <c:axId val="2087354856"/>
         <c:scaling>
           <c:orientation val="minMax"/>
         </c:scaling>
@@ -4211,7 +4211,7 @@
             <a:endParaRPr lang="en-US"/>
           </a:p>
         </c:txPr>
-        <c:crossAx val="2086304088"/>
+        <c:crossAx val="2087351176"/>
         <c:crosses val="autoZero"/>
         <c:crossBetween val="between"/>
       </c:valAx>
@@ -4823,11 +4823,11 @@
         </c:dLbls>
         <c:gapWidth val="219"/>
         <c:overlap val="-27"/>
-        <c:axId val="2113584248"/>
-        <c:axId val="2113588024"/>
+        <c:axId val="2087446216"/>
+        <c:axId val="2087449992"/>
       </c:barChart>
       <c:catAx>
-        <c:axId val="2113584248"/>
+        <c:axId val="2087446216"/>
         <c:scaling>
           <c:orientation val="minMax"/>
         </c:scaling>
@@ -4870,7 +4870,7 @@
             <a:endParaRPr lang="en-US"/>
           </a:p>
         </c:txPr>
-        <c:crossAx val="2113588024"/>
+        <c:crossAx val="2087449992"/>
         <c:crosses val="autoZero"/>
         <c:auto val="1"/>
         <c:lblAlgn val="ctr"/>
@@ -4878,7 +4878,7 @@
         <c:noMultiLvlLbl val="0"/>
       </c:catAx>
       <c:valAx>
-        <c:axId val="2113588024"/>
+        <c:axId val="2087449992"/>
         <c:scaling>
           <c:orientation val="minMax"/>
         </c:scaling>
@@ -4982,7 +4982,7 @@
             <a:endParaRPr lang="en-US"/>
           </a:p>
         </c:txPr>
-        <c:crossAx val="2113584248"/>
+        <c:crossAx val="2087446216"/>
         <c:crosses val="autoZero"/>
         <c:crossBetween val="between"/>
       </c:valAx>
@@ -5666,11 +5666,11 @@
         </c:dLbls>
         <c:gapWidth val="219"/>
         <c:overlap val="100"/>
-        <c:axId val="2144106072"/>
-        <c:axId val="2144109752"/>
+        <c:axId val="-2132484088"/>
+        <c:axId val="-2132201640"/>
       </c:barChart>
       <c:catAx>
-        <c:axId val="2144106072"/>
+        <c:axId val="-2132484088"/>
         <c:scaling>
           <c:orientation val="minMax"/>
         </c:scaling>
@@ -5713,7 +5713,7 @@
             <a:endParaRPr lang="en-US"/>
           </a:p>
         </c:txPr>
-        <c:crossAx val="2144109752"/>
+        <c:crossAx val="-2132201640"/>
         <c:crosses val="autoZero"/>
         <c:auto val="1"/>
         <c:lblAlgn val="ctr"/>
@@ -5721,7 +5721,7 @@
         <c:noMultiLvlLbl val="0"/>
       </c:catAx>
       <c:valAx>
-        <c:axId val="2144109752"/>
+        <c:axId val="-2132201640"/>
         <c:scaling>
           <c:orientation val="minMax"/>
         </c:scaling>
@@ -5843,7 +5843,7 @@
             <a:endParaRPr lang="en-US"/>
           </a:p>
         </c:txPr>
-        <c:crossAx val="2144106072"/>
+        <c:crossAx val="-2132484088"/>
         <c:crosses val="autoZero"/>
         <c:crossBetween val="between"/>
       </c:valAx>
@@ -6309,11 +6309,11 @@
         </c:dLbls>
         <c:gapWidth val="219"/>
         <c:overlap val="-27"/>
-        <c:axId val="2086373656"/>
-        <c:axId val="2108000744"/>
+        <c:axId val="-2137830968"/>
+        <c:axId val="-2137828840"/>
       </c:barChart>
       <c:catAx>
-        <c:axId val="2086373656"/>
+        <c:axId val="-2137830968"/>
         <c:scaling>
           <c:orientation val="minMax"/>
         </c:scaling>
@@ -6353,7 +6353,7 @@
             <a:endParaRPr lang="en-US"/>
           </a:p>
         </c:txPr>
-        <c:crossAx val="2108000744"/>
+        <c:crossAx val="-2137828840"/>
         <c:crosses val="autoZero"/>
         <c:auto val="1"/>
         <c:lblAlgn val="ctr"/>
@@ -6361,7 +6361,7 @@
         <c:noMultiLvlLbl val="0"/>
       </c:catAx>
       <c:valAx>
-        <c:axId val="2108000744"/>
+        <c:axId val="-2137828840"/>
         <c:scaling>
           <c:orientation val="minMax"/>
         </c:scaling>
@@ -6463,7 +6463,7 @@
             <a:endParaRPr lang="en-US"/>
           </a:p>
         </c:txPr>
-        <c:crossAx val="2086373656"/>
+        <c:crossAx val="-2137830968"/>
         <c:crosses val="autoZero"/>
         <c:crossBetween val="between"/>
       </c:valAx>
@@ -6846,11 +6846,11 @@
         </c:dLbls>
         <c:gapWidth val="219"/>
         <c:overlap val="100"/>
-        <c:axId val="2144173304"/>
-        <c:axId val="2144176936"/>
+        <c:axId val="2127374776"/>
+        <c:axId val="2127370920"/>
       </c:barChart>
       <c:catAx>
-        <c:axId val="2144173304"/>
+        <c:axId val="2127374776"/>
         <c:scaling>
           <c:orientation val="minMax"/>
         </c:scaling>
@@ -6893,7 +6893,7 @@
             <a:endParaRPr lang="en-US"/>
           </a:p>
         </c:txPr>
-        <c:crossAx val="2144176936"/>
+        <c:crossAx val="2127370920"/>
         <c:crosses val="autoZero"/>
         <c:auto val="1"/>
         <c:lblAlgn val="ctr"/>
@@ -6901,7 +6901,419 @@
         <c:noMultiLvlLbl val="0"/>
       </c:catAx>
       <c:valAx>
-        <c:axId val="2144176936"/>
+        <c:axId val="2127370920"/>
+        <c:scaling>
+          <c:orientation val="minMax"/>
+        </c:scaling>
+        <c:delete val="0"/>
+        <c:axPos val="l"/>
+        <c:majorGridlines>
+          <c:spPr>
+            <a:ln w="9525" cap="flat" cmpd="sng" algn="ctr">
+              <a:solidFill>
+                <a:schemeClr val="tx1">
+                  <a:lumMod val="15000"/>
+                  <a:lumOff val="85000"/>
+                </a:schemeClr>
+              </a:solidFill>
+              <a:round/>
+            </a:ln>
+            <a:effectLst/>
+          </c:spPr>
+        </c:majorGridlines>
+        <c:title>
+          <c:tx>
+            <c:rich>
+              <a:bodyPr rot="-5400000" spcFirstLastPara="1" vertOverflow="ellipsis" vert="horz" wrap="square" anchor="ctr" anchorCtr="1"/>
+              <a:lstStyle/>
+              <a:p>
+                <a:pPr>
+                  <a:defRPr sz="1330" b="0" i="0" u="none" strike="noStrike" kern="1200" baseline="0">
+                    <a:solidFill>
+                      <a:schemeClr val="tx1">
+                        <a:lumMod val="65000"/>
+                        <a:lumOff val="35000"/>
+                      </a:schemeClr>
+                    </a:solidFill>
+                    <a:latin typeface="+mn-lt"/>
+                    <a:ea typeface="+mn-ea"/>
+                    <a:cs typeface="+mn-cs"/>
+                  </a:defRPr>
+                </a:pPr>
+                <a:r>
+                  <a:rPr lang="en-US" sz="1800" b="0" i="0" baseline="0" dirty="0" smtClean="0">
+                    <a:effectLst/>
+                  </a:rPr>
+                  <a:t>Office Energy Load (kWh)</a:t>
+                </a:r>
+                <a:endParaRPr lang="en-US" dirty="0">
+                  <a:effectLst/>
+                </a:endParaRPr>
+              </a:p>
+            </c:rich>
+          </c:tx>
+          <c:layout/>
+          <c:overlay val="0"/>
+          <c:spPr>
+            <a:noFill/>
+            <a:ln>
+              <a:noFill/>
+            </a:ln>
+            <a:effectLst/>
+          </c:spPr>
+        </c:title>
+        <c:numFmt formatCode="General" sourceLinked="1"/>
+        <c:majorTickMark val="none"/>
+        <c:minorTickMark val="none"/>
+        <c:tickLblPos val="nextTo"/>
+        <c:spPr>
+          <a:noFill/>
+          <a:ln>
+            <a:noFill/>
+          </a:ln>
+          <a:effectLst/>
+        </c:spPr>
+        <c:txPr>
+          <a:bodyPr rot="-60000000" spcFirstLastPara="1" vertOverflow="ellipsis" vert="horz" wrap="square" anchor="ctr" anchorCtr="1"/>
+          <a:lstStyle/>
+          <a:p>
+            <a:pPr>
+              <a:defRPr sz="1197" b="0" i="0" u="none" strike="noStrike" kern="1200" baseline="0">
+                <a:solidFill>
+                  <a:schemeClr val="tx1">
+                    <a:lumMod val="65000"/>
+                    <a:lumOff val="35000"/>
+                  </a:schemeClr>
+                </a:solidFill>
+                <a:latin typeface="+mn-lt"/>
+                <a:ea typeface="+mn-ea"/>
+                <a:cs typeface="+mn-cs"/>
+              </a:defRPr>
+            </a:pPr>
+            <a:endParaRPr lang="en-US"/>
+          </a:p>
+        </c:txPr>
+        <c:crossAx val="2127374776"/>
+        <c:crosses val="autoZero"/>
+        <c:crossBetween val="between"/>
+      </c:valAx>
+      <c:spPr>
+        <a:noFill/>
+        <a:ln>
+          <a:solidFill>
+            <a:schemeClr val="accent3"/>
+          </a:solidFill>
+        </a:ln>
+        <a:effectLst/>
+      </c:spPr>
+    </c:plotArea>
+    <c:legend>
+      <c:legendPos val="b"/>
+      <c:layout/>
+      <c:overlay val="0"/>
+      <c:spPr>
+        <a:noFill/>
+        <a:ln>
+          <a:noFill/>
+        </a:ln>
+        <a:effectLst/>
+      </c:spPr>
+      <c:txPr>
+        <a:bodyPr rot="0" spcFirstLastPara="1" vertOverflow="ellipsis" vert="horz" wrap="square" anchor="ctr" anchorCtr="1"/>
+        <a:lstStyle/>
+        <a:p>
+          <a:pPr>
+            <a:defRPr sz="1400" b="0" i="0" u="none" strike="noStrike" kern="1200" baseline="0">
+              <a:solidFill>
+                <a:schemeClr val="tx1">
+                  <a:lumMod val="65000"/>
+                  <a:lumOff val="35000"/>
+                </a:schemeClr>
+              </a:solidFill>
+              <a:latin typeface="+mn-lt"/>
+              <a:ea typeface="+mn-ea"/>
+              <a:cs typeface="+mn-cs"/>
+            </a:defRPr>
+          </a:pPr>
+          <a:endParaRPr lang="en-US"/>
+        </a:p>
+      </c:txPr>
+    </c:legend>
+    <c:plotVisOnly val="1"/>
+    <c:dispBlanksAs val="gap"/>
+    <c:showDLblsOverMax val="0"/>
+  </c:chart>
+  <c:spPr>
+    <a:noFill/>
+    <a:ln>
+      <a:noFill/>
+    </a:ln>
+    <a:effectLst/>
+  </c:spPr>
+  <c:txPr>
+    <a:bodyPr/>
+    <a:lstStyle/>
+    <a:p>
+      <a:pPr>
+        <a:defRPr/>
+      </a:pPr>
+      <a:endParaRPr lang="en-US"/>
+    </a:p>
+  </c:txPr>
+  <c:externalData r:id="rId1">
+    <c:autoUpdate val="0"/>
+  </c:externalData>
+</c:chartSpace>
+</file>
+
+<file path=ppt/charts/chart21.xml><?xml version="1.0" encoding="utf-8"?>
+<c:chartSpace xmlns:c="http://schemas.openxmlformats.org/drawingml/2006/chart" xmlns:a="http://schemas.openxmlformats.org/drawingml/2006/main" xmlns:r="http://schemas.openxmlformats.org/officeDocument/2006/relationships">
+  <c:date1904 val="0"/>
+  <c:lang val="en-US"/>
+  <c:roundedCorners val="0"/>
+  <mc:AlternateContent xmlns:mc="http://schemas.openxmlformats.org/markup-compatibility/2006">
+    <mc:Choice xmlns:c14="http://schemas.microsoft.com/office/drawing/2007/8/2/chart" Requires="c14">
+      <c14:style val="102"/>
+    </mc:Choice>
+    <mc:Fallback>
+      <c:style val="2"/>
+    </mc:Fallback>
+  </mc:AlternateContent>
+  <c:chart>
+    <c:autoTitleDeleted val="1"/>
+    <c:plotArea>
+      <c:layout/>
+      <c:barChart>
+        <c:barDir val="col"/>
+        <c:grouping val="stacked"/>
+        <c:varyColors val="0"/>
+        <c:ser>
+          <c:idx val="0"/>
+          <c:order val="0"/>
+          <c:tx>
+            <c:strRef>
+              <c:f>Sheet1!$B$1</c:f>
+              <c:strCache>
+                <c:ptCount val="1"/>
+                <c:pt idx="0">
+                  <c:v>Series 1</c:v>
+                </c:pt>
+              </c:strCache>
+            </c:strRef>
+          </c:tx>
+          <c:spPr>
+            <a:noFill/>
+            <a:ln>
+              <a:noFill/>
+            </a:ln>
+            <a:effectLst/>
+          </c:spPr>
+          <c:invertIfNegative val="0"/>
+          <c:dPt>
+            <c:idx val="0"/>
+            <c:invertIfNegative val="0"/>
+            <c:bubble3D val="0"/>
+            <c:spPr>
+              <a:solidFill>
+                <a:schemeClr val="accent2"/>
+              </a:solidFill>
+              <a:ln>
+                <a:solidFill>
+                  <a:schemeClr val="accent3"/>
+                </a:solidFill>
+              </a:ln>
+              <a:effectLst/>
+            </c:spPr>
+          </c:dPt>
+          <c:dPt>
+            <c:idx val="3"/>
+            <c:invertIfNegative val="0"/>
+            <c:bubble3D val="0"/>
+            <c:spPr>
+              <a:solidFill>
+                <a:schemeClr val="accent2"/>
+              </a:solidFill>
+              <a:ln>
+                <a:solidFill>
+                  <a:schemeClr val="accent3"/>
+                </a:solidFill>
+              </a:ln>
+              <a:effectLst/>
+            </c:spPr>
+          </c:dPt>
+          <c:cat>
+            <c:strRef>
+              <c:f>Sheet1!$A$2:$A$5</c:f>
+              <c:strCache>
+                <c:ptCount val="4"/>
+                <c:pt idx="0">
+                  <c:v>Operation location: GER/CH</c:v>
+                </c:pt>
+                <c:pt idx="1">
+                  <c:v>Energy efficieny: efficient/inefficient</c:v>
+                </c:pt>
+                <c:pt idx="2">
+                  <c:v>Room size: 30sqm/10sqm</c:v>
+                </c:pt>
+                <c:pt idx="3">
+                  <c:v>Best/worst case scenario</c:v>
+                </c:pt>
+              </c:strCache>
+            </c:strRef>
+          </c:cat>
+          <c:val>
+            <c:numRef>
+              <c:f>Sheet1!$B$2:$B$5</c:f>
+              <c:numCache>
+                <c:formatCode>General</c:formatCode>
+                <c:ptCount val="4"/>
+                <c:pt idx="0">
+                  <c:v>-762.0</c:v>
+                </c:pt>
+                <c:pt idx="1">
+                  <c:v>119.1</c:v>
+                </c:pt>
+                <c:pt idx="2">
+                  <c:v>41.4</c:v>
+                </c:pt>
+                <c:pt idx="3">
+                  <c:v>-1115.0</c:v>
+                </c:pt>
+              </c:numCache>
+            </c:numRef>
+          </c:val>
+        </c:ser>
+        <c:ser>
+          <c:idx val="1"/>
+          <c:order val="1"/>
+          <c:tx>
+            <c:strRef>
+              <c:f>Sheet1!$C$1</c:f>
+              <c:strCache>
+                <c:ptCount val="1"/>
+                <c:pt idx="0">
+                  <c:v>Series 2</c:v>
+                </c:pt>
+              </c:strCache>
+            </c:strRef>
+          </c:tx>
+          <c:spPr>
+            <a:solidFill>
+              <a:schemeClr val="accent2"/>
+            </a:solidFill>
+            <a:ln>
+              <a:solidFill>
+                <a:schemeClr val="accent3"/>
+              </a:solidFill>
+            </a:ln>
+            <a:effectLst/>
+          </c:spPr>
+          <c:invertIfNegative val="0"/>
+          <c:cat>
+            <c:strRef>
+              <c:f>Sheet1!$A$2:$A$5</c:f>
+              <c:strCache>
+                <c:ptCount val="4"/>
+                <c:pt idx="0">
+                  <c:v>Operation location: GER/CH</c:v>
+                </c:pt>
+                <c:pt idx="1">
+                  <c:v>Energy efficieny: efficient/inefficient</c:v>
+                </c:pt>
+                <c:pt idx="2">
+                  <c:v>Room size: 30sqm/10sqm</c:v>
+                </c:pt>
+                <c:pt idx="3">
+                  <c:v>Best/worst case scenario</c:v>
+                </c:pt>
+              </c:strCache>
+            </c:strRef>
+          </c:cat>
+          <c:val>
+            <c:numRef>
+              <c:f>Sheet1!$C$2:$C$5</c:f>
+              <c:numCache>
+                <c:formatCode>General</c:formatCode>
+                <c:ptCount val="4"/>
+                <c:pt idx="0">
+                  <c:v>126.8</c:v>
+                </c:pt>
+                <c:pt idx="1">
+                  <c:v>34.0</c:v>
+                </c:pt>
+                <c:pt idx="2">
+                  <c:v>206.1</c:v>
+                </c:pt>
+                <c:pt idx="3">
+                  <c:v>298.0</c:v>
+                </c:pt>
+              </c:numCache>
+            </c:numRef>
+          </c:val>
+        </c:ser>
+        <c:dLbls>
+          <c:showLegendKey val="0"/>
+          <c:showVal val="0"/>
+          <c:showCatName val="0"/>
+          <c:showSerName val="0"/>
+          <c:showPercent val="0"/>
+          <c:showBubbleSize val="0"/>
+        </c:dLbls>
+        <c:gapWidth val="219"/>
+        <c:overlap val="100"/>
+        <c:axId val="2125636488"/>
+        <c:axId val="2125699720"/>
+      </c:barChart>
+      <c:catAx>
+        <c:axId val="2125636488"/>
+        <c:scaling>
+          <c:orientation val="minMax"/>
+        </c:scaling>
+        <c:delete val="0"/>
+        <c:axPos val="b"/>
+        <c:numFmt formatCode="General" sourceLinked="1"/>
+        <c:majorTickMark val="none"/>
+        <c:minorTickMark val="none"/>
+        <c:tickLblPos val="nextTo"/>
+        <c:spPr>
+          <a:noFill/>
+          <a:ln w="15875" cap="flat" cmpd="sng" algn="ctr">
+            <a:solidFill>
+              <a:schemeClr val="accent3"/>
+            </a:solidFill>
+            <a:round/>
+          </a:ln>
+          <a:effectLst/>
+        </c:spPr>
+        <c:txPr>
+          <a:bodyPr rot="-60000000" spcFirstLastPara="1" vertOverflow="ellipsis" vert="horz" wrap="square" anchor="ctr" anchorCtr="1"/>
+          <a:lstStyle/>
+          <a:p>
+            <a:pPr>
+              <a:defRPr sz="1197" b="0" i="0" u="none" strike="noStrike" kern="1200" baseline="0">
+                <a:solidFill>
+                  <a:schemeClr val="tx1">
+                    <a:lumMod val="65000"/>
+                    <a:lumOff val="35000"/>
+                  </a:schemeClr>
+                </a:solidFill>
+                <a:latin typeface="+mn-lt"/>
+                <a:ea typeface="+mn-ea"/>
+                <a:cs typeface="+mn-cs"/>
+              </a:defRPr>
+            </a:pPr>
+            <a:endParaRPr lang="en-US"/>
+          </a:p>
+        </c:txPr>
+        <c:crossAx val="2125699720"/>
+        <c:crosses val="autoZero"/>
+        <c:auto val="1"/>
+        <c:lblAlgn val="ctr"/>
+        <c:lblOffset val="100"/>
+        <c:noMultiLvlLbl val="0"/>
+      </c:catAx>
+      <c:valAx>
+        <c:axId val="2125699720"/>
         <c:scaling>
           <c:orientation val="minMax"/>
         </c:scaling>
@@ -7023,449 +7435,7 @@
             <a:endParaRPr lang="en-US"/>
           </a:p>
         </c:txPr>
-        <c:crossAx val="2144173304"/>
-        <c:crosses val="autoZero"/>
-        <c:crossBetween val="between"/>
-      </c:valAx>
-      <c:spPr>
-        <a:noFill/>
-        <a:ln>
-          <a:solidFill>
-            <a:schemeClr val="accent3"/>
-          </a:solidFill>
-        </a:ln>
-        <a:effectLst/>
-      </c:spPr>
-    </c:plotArea>
-    <c:legend>
-      <c:legendPos val="b"/>
-      <c:layout/>
-      <c:overlay val="0"/>
-      <c:spPr>
-        <a:noFill/>
-        <a:ln>
-          <a:noFill/>
-        </a:ln>
-        <a:effectLst/>
-      </c:spPr>
-      <c:txPr>
-        <a:bodyPr rot="0" spcFirstLastPara="1" vertOverflow="ellipsis" vert="horz" wrap="square" anchor="ctr" anchorCtr="1"/>
-        <a:lstStyle/>
-        <a:p>
-          <a:pPr>
-            <a:defRPr sz="1400" b="0" i="0" u="none" strike="noStrike" kern="1200" baseline="0">
-              <a:solidFill>
-                <a:schemeClr val="tx1">
-                  <a:lumMod val="65000"/>
-                  <a:lumOff val="35000"/>
-                </a:schemeClr>
-              </a:solidFill>
-              <a:latin typeface="+mn-lt"/>
-              <a:ea typeface="+mn-ea"/>
-              <a:cs typeface="+mn-cs"/>
-            </a:defRPr>
-          </a:pPr>
-          <a:endParaRPr lang="en-US"/>
-        </a:p>
-      </c:txPr>
-    </c:legend>
-    <c:plotVisOnly val="1"/>
-    <c:dispBlanksAs val="gap"/>
-    <c:showDLblsOverMax val="0"/>
-  </c:chart>
-  <c:spPr>
-    <a:noFill/>
-    <a:ln>
-      <a:noFill/>
-    </a:ln>
-    <a:effectLst/>
-  </c:spPr>
-  <c:txPr>
-    <a:bodyPr/>
-    <a:lstStyle/>
-    <a:p>
-      <a:pPr>
-        <a:defRPr/>
-      </a:pPr>
-      <a:endParaRPr lang="en-US"/>
-    </a:p>
-  </c:txPr>
-  <c:externalData r:id="rId1">
-    <c:autoUpdate val="0"/>
-  </c:externalData>
-</c:chartSpace>
-</file>
-
-<file path=ppt/charts/chart21.xml><?xml version="1.0" encoding="utf-8"?>
-<c:chartSpace xmlns:c="http://schemas.openxmlformats.org/drawingml/2006/chart" xmlns:a="http://schemas.openxmlformats.org/drawingml/2006/main" xmlns:r="http://schemas.openxmlformats.org/officeDocument/2006/relationships">
-  <c:date1904 val="0"/>
-  <c:lang val="en-US"/>
-  <c:roundedCorners val="0"/>
-  <mc:AlternateContent xmlns:mc="http://schemas.openxmlformats.org/markup-compatibility/2006">
-    <mc:Choice xmlns:c14="http://schemas.microsoft.com/office/drawing/2007/8/2/chart" Requires="c14">
-      <c14:style val="102"/>
-    </mc:Choice>
-    <mc:Fallback>
-      <c:style val="2"/>
-    </mc:Fallback>
-  </mc:AlternateContent>
-  <c:chart>
-    <c:autoTitleDeleted val="1"/>
-    <c:plotArea>
-      <c:layout/>
-      <c:barChart>
-        <c:barDir val="col"/>
-        <c:grouping val="stacked"/>
-        <c:varyColors val="0"/>
-        <c:ser>
-          <c:idx val="0"/>
-          <c:order val="0"/>
-          <c:tx>
-            <c:strRef>
-              <c:f>Sheet1!$B$1</c:f>
-              <c:strCache>
-                <c:ptCount val="1"/>
-                <c:pt idx="0">
-                  <c:v>Series 1</c:v>
-                </c:pt>
-              </c:strCache>
-            </c:strRef>
-          </c:tx>
-          <c:spPr>
-            <a:noFill/>
-            <a:ln>
-              <a:noFill/>
-            </a:ln>
-            <a:effectLst/>
-          </c:spPr>
-          <c:invertIfNegative val="0"/>
-          <c:dPt>
-            <c:idx val="0"/>
-            <c:invertIfNegative val="0"/>
-            <c:bubble3D val="0"/>
-            <c:spPr>
-              <a:solidFill>
-                <a:schemeClr val="accent2"/>
-              </a:solidFill>
-              <a:ln>
-                <a:solidFill>
-                  <a:schemeClr val="accent3"/>
-                </a:solidFill>
-              </a:ln>
-              <a:effectLst/>
-            </c:spPr>
-          </c:dPt>
-          <c:dPt>
-            <c:idx val="3"/>
-            <c:invertIfNegative val="0"/>
-            <c:bubble3D val="0"/>
-            <c:spPr>
-              <a:solidFill>
-                <a:schemeClr val="accent2"/>
-              </a:solidFill>
-              <a:ln>
-                <a:solidFill>
-                  <a:schemeClr val="accent3"/>
-                </a:solidFill>
-              </a:ln>
-              <a:effectLst/>
-            </c:spPr>
-          </c:dPt>
-          <c:cat>
-            <c:strRef>
-              <c:f>Sheet1!$A$2:$A$5</c:f>
-              <c:strCache>
-                <c:ptCount val="4"/>
-                <c:pt idx="0">
-                  <c:v>Operation location: GER/CH</c:v>
-                </c:pt>
-                <c:pt idx="1">
-                  <c:v>Energy efficieny: efficient/inefficient</c:v>
-                </c:pt>
-                <c:pt idx="2">
-                  <c:v>Room size: 30sqm/10sqm</c:v>
-                </c:pt>
-                <c:pt idx="3">
-                  <c:v>Best/worst case scenario</c:v>
-                </c:pt>
-              </c:strCache>
-            </c:strRef>
-          </c:cat>
-          <c:val>
-            <c:numRef>
-              <c:f>Sheet1!$B$2:$B$5</c:f>
-              <c:numCache>
-                <c:formatCode>General</c:formatCode>
-                <c:ptCount val="4"/>
-                <c:pt idx="0">
-                  <c:v>-762.0</c:v>
-                </c:pt>
-                <c:pt idx="1">
-                  <c:v>119.1</c:v>
-                </c:pt>
-                <c:pt idx="2">
-                  <c:v>41.4</c:v>
-                </c:pt>
-                <c:pt idx="3">
-                  <c:v>-1115.0</c:v>
-                </c:pt>
-              </c:numCache>
-            </c:numRef>
-          </c:val>
-        </c:ser>
-        <c:ser>
-          <c:idx val="1"/>
-          <c:order val="1"/>
-          <c:tx>
-            <c:strRef>
-              <c:f>Sheet1!$C$1</c:f>
-              <c:strCache>
-                <c:ptCount val="1"/>
-                <c:pt idx="0">
-                  <c:v>Series 2</c:v>
-                </c:pt>
-              </c:strCache>
-            </c:strRef>
-          </c:tx>
-          <c:spPr>
-            <a:solidFill>
-              <a:schemeClr val="accent2"/>
-            </a:solidFill>
-            <a:ln>
-              <a:solidFill>
-                <a:schemeClr val="accent3"/>
-              </a:solidFill>
-            </a:ln>
-            <a:effectLst/>
-          </c:spPr>
-          <c:invertIfNegative val="0"/>
-          <c:cat>
-            <c:strRef>
-              <c:f>Sheet1!$A$2:$A$5</c:f>
-              <c:strCache>
-                <c:ptCount val="4"/>
-                <c:pt idx="0">
-                  <c:v>Operation location: GER/CH</c:v>
-                </c:pt>
-                <c:pt idx="1">
-                  <c:v>Energy efficieny: efficient/inefficient</c:v>
-                </c:pt>
-                <c:pt idx="2">
-                  <c:v>Room size: 30sqm/10sqm</c:v>
-                </c:pt>
-                <c:pt idx="3">
-                  <c:v>Best/worst case scenario</c:v>
-                </c:pt>
-              </c:strCache>
-            </c:strRef>
-          </c:cat>
-          <c:val>
-            <c:numRef>
-              <c:f>Sheet1!$C$2:$C$5</c:f>
-              <c:numCache>
-                <c:formatCode>General</c:formatCode>
-                <c:ptCount val="4"/>
-                <c:pt idx="0">
-                  <c:v>126.8</c:v>
-                </c:pt>
-                <c:pt idx="1">
-                  <c:v>34.0</c:v>
-                </c:pt>
-                <c:pt idx="2">
-                  <c:v>206.1</c:v>
-                </c:pt>
-                <c:pt idx="3">
-                  <c:v>298.0</c:v>
-                </c:pt>
-              </c:numCache>
-            </c:numRef>
-          </c:val>
-        </c:ser>
-        <c:dLbls>
-          <c:showLegendKey val="0"/>
-          <c:showVal val="0"/>
-          <c:showCatName val="0"/>
-          <c:showSerName val="0"/>
-          <c:showPercent val="0"/>
-          <c:showBubbleSize val="0"/>
-        </c:dLbls>
-        <c:gapWidth val="219"/>
-        <c:overlap val="100"/>
-        <c:axId val="2144471656"/>
-        <c:axId val="2144475304"/>
-      </c:barChart>
-      <c:catAx>
-        <c:axId val="2144471656"/>
-        <c:scaling>
-          <c:orientation val="minMax"/>
-        </c:scaling>
-        <c:delete val="0"/>
-        <c:axPos val="b"/>
-        <c:numFmt formatCode="General" sourceLinked="1"/>
-        <c:majorTickMark val="none"/>
-        <c:minorTickMark val="none"/>
-        <c:tickLblPos val="nextTo"/>
-        <c:spPr>
-          <a:noFill/>
-          <a:ln w="15875" cap="flat" cmpd="sng" algn="ctr">
-            <a:solidFill>
-              <a:schemeClr val="accent3"/>
-            </a:solidFill>
-            <a:round/>
-          </a:ln>
-          <a:effectLst/>
-        </c:spPr>
-        <c:txPr>
-          <a:bodyPr rot="-60000000" spcFirstLastPara="1" vertOverflow="ellipsis" vert="horz" wrap="square" anchor="ctr" anchorCtr="1"/>
-          <a:lstStyle/>
-          <a:p>
-            <a:pPr>
-              <a:defRPr sz="1197" b="0" i="0" u="none" strike="noStrike" kern="1200" baseline="0">
-                <a:solidFill>
-                  <a:schemeClr val="tx1">
-                    <a:lumMod val="65000"/>
-                    <a:lumOff val="35000"/>
-                  </a:schemeClr>
-                </a:solidFill>
-                <a:latin typeface="+mn-lt"/>
-                <a:ea typeface="+mn-ea"/>
-                <a:cs typeface="+mn-cs"/>
-              </a:defRPr>
-            </a:pPr>
-            <a:endParaRPr lang="en-US"/>
-          </a:p>
-        </c:txPr>
-        <c:crossAx val="2144475304"/>
-        <c:crosses val="autoZero"/>
-        <c:auto val="1"/>
-        <c:lblAlgn val="ctr"/>
-        <c:lblOffset val="100"/>
-        <c:noMultiLvlLbl val="0"/>
-      </c:catAx>
-      <c:valAx>
-        <c:axId val="2144475304"/>
-        <c:scaling>
-          <c:orientation val="minMax"/>
-        </c:scaling>
-        <c:delete val="0"/>
-        <c:axPos val="l"/>
-        <c:majorGridlines>
-          <c:spPr>
-            <a:ln w="9525" cap="flat" cmpd="sng" algn="ctr">
-              <a:solidFill>
-                <a:schemeClr val="tx1">
-                  <a:lumMod val="15000"/>
-                  <a:lumOff val="85000"/>
-                </a:schemeClr>
-              </a:solidFill>
-              <a:round/>
-            </a:ln>
-            <a:effectLst/>
-          </c:spPr>
-        </c:majorGridlines>
-        <c:title>
-          <c:tx>
-            <c:rich>
-              <a:bodyPr rot="-5400000" spcFirstLastPara="1" vertOverflow="ellipsis" vert="horz" wrap="square" anchor="ctr" anchorCtr="1"/>
-              <a:lstStyle/>
-              <a:p>
-                <a:pPr>
-                  <a:defRPr sz="1330" b="0" i="0" u="none" strike="noStrike" kern="1200" baseline="0">
-                    <a:solidFill>
-                      <a:schemeClr val="tx1">
-                        <a:lumMod val="65000"/>
-                        <a:lumOff val="35000"/>
-                      </a:schemeClr>
-                    </a:solidFill>
-                    <a:latin typeface="+mn-lt"/>
-                    <a:ea typeface="+mn-ea"/>
-                    <a:cs typeface="+mn-cs"/>
-                  </a:defRPr>
-                </a:pPr>
-                <a:r>
-                  <a:rPr lang="en-US" sz="1800" b="0" i="0" baseline="0" dirty="0" smtClean="0">
-                    <a:effectLst/>
-                  </a:rPr>
-                  <a:t>GWP (g CO</a:t>
-                </a:r>
-                <a:r>
-                  <a:rPr lang="en-US" sz="1800" b="0" i="0" baseline="-25000" dirty="0" smtClean="0">
-                    <a:effectLst/>
-                  </a:rPr>
-                  <a:t>2eq</a:t>
-                </a:r>
-                <a:r>
-                  <a:rPr lang="en-US" sz="1800" b="0" i="0" baseline="0" dirty="0" smtClean="0">
-                    <a:effectLst/>
-                  </a:rPr>
-                  <a:t>/</a:t>
-                </a:r>
-                <a:r>
-                  <a:rPr lang="en-US" sz="1800" b="0" i="0" baseline="0" dirty="0" err="1" smtClean="0">
-                    <a:effectLst/>
-                  </a:rPr>
-                  <a:t>kWh</a:t>
-                </a:r>
-                <a:r>
-                  <a:rPr lang="en-US" sz="1800" b="0" i="0" baseline="-25000" dirty="0" err="1" smtClean="0">
-                    <a:effectLst/>
-                  </a:rPr>
-                  <a:t>pv</a:t>
-                </a:r>
-                <a:r>
-                  <a:rPr lang="en-US" sz="1800" b="0" i="0" baseline="0" dirty="0" smtClean="0">
-                    <a:effectLst/>
-                  </a:rPr>
-                  <a:t>)</a:t>
-                </a:r>
-                <a:endParaRPr lang="en-US" dirty="0">
-                  <a:effectLst/>
-                </a:endParaRPr>
-              </a:p>
-            </c:rich>
-          </c:tx>
-          <c:layout/>
-          <c:overlay val="0"/>
-          <c:spPr>
-            <a:noFill/>
-            <a:ln>
-              <a:noFill/>
-            </a:ln>
-            <a:effectLst/>
-          </c:spPr>
-        </c:title>
-        <c:numFmt formatCode="General" sourceLinked="1"/>
-        <c:majorTickMark val="none"/>
-        <c:minorTickMark val="none"/>
-        <c:tickLblPos val="nextTo"/>
-        <c:spPr>
-          <a:noFill/>
-          <a:ln>
-            <a:noFill/>
-          </a:ln>
-          <a:effectLst/>
-        </c:spPr>
-        <c:txPr>
-          <a:bodyPr rot="-60000000" spcFirstLastPara="1" vertOverflow="ellipsis" vert="horz" wrap="square" anchor="ctr" anchorCtr="1"/>
-          <a:lstStyle/>
-          <a:p>
-            <a:pPr>
-              <a:defRPr sz="1197" b="0" i="0" u="none" strike="noStrike" kern="1200" baseline="0">
-                <a:solidFill>
-                  <a:schemeClr val="tx1">
-                    <a:lumMod val="65000"/>
-                    <a:lumOff val="35000"/>
-                  </a:schemeClr>
-                </a:solidFill>
-                <a:latin typeface="+mn-lt"/>
-                <a:ea typeface="+mn-ea"/>
-                <a:cs typeface="+mn-cs"/>
-              </a:defRPr>
-            </a:pPr>
-            <a:endParaRPr lang="en-US"/>
-          </a:p>
-        </c:txPr>
-        <c:crossAx val="2144471656"/>
+        <c:crossAx val="2125636488"/>
         <c:crosses val="autoZero"/>
         <c:crossBetween val="between"/>
         <c:majorUnit val="100.0"/>
@@ -7679,11 +7649,11 @@
         </c:dLbls>
         <c:gapWidth val="219"/>
         <c:overlap val="100"/>
-        <c:axId val="2145619304"/>
-        <c:axId val="2145622952"/>
+        <c:axId val="2126759560"/>
+        <c:axId val="2126763208"/>
       </c:barChart>
       <c:catAx>
-        <c:axId val="2145619304"/>
+        <c:axId val="2126759560"/>
         <c:scaling>
           <c:orientation val="minMax"/>
         </c:scaling>
@@ -7723,7 +7693,7 @@
             <a:endParaRPr lang="en-US"/>
           </a:p>
         </c:txPr>
-        <c:crossAx val="2145622952"/>
+        <c:crossAx val="2126763208"/>
         <c:crosses val="autoZero"/>
         <c:auto val="1"/>
         <c:lblAlgn val="ctr"/>
@@ -7731,7 +7701,7 @@
         <c:noMultiLvlLbl val="0"/>
       </c:catAx>
       <c:valAx>
-        <c:axId val="2145622952"/>
+        <c:axId val="2126763208"/>
         <c:scaling>
           <c:orientation val="minMax"/>
         </c:scaling>
@@ -7859,7 +7829,7 @@
             <a:endParaRPr lang="en-US"/>
           </a:p>
         </c:txPr>
-        <c:crossAx val="2145619304"/>
+        <c:crossAx val="2126759560"/>
         <c:crosses val="autoZero"/>
         <c:crossBetween val="between"/>
       </c:valAx>
@@ -8186,11 +8156,11 @@
         </c:dLbls>
         <c:gapWidth val="219"/>
         <c:overlap val="-27"/>
-        <c:axId val="2108786552"/>
-        <c:axId val="2108782952"/>
+        <c:axId val="-2137794440"/>
+        <c:axId val="-2137790792"/>
       </c:barChart>
       <c:catAx>
-        <c:axId val="2108786552"/>
+        <c:axId val="-2137794440"/>
         <c:scaling>
           <c:orientation val="minMax"/>
         </c:scaling>
@@ -8230,7 +8200,7 @@
             <a:endParaRPr lang="en-US"/>
           </a:p>
         </c:txPr>
-        <c:crossAx val="2108782952"/>
+        <c:crossAx val="-2137790792"/>
         <c:crosses val="autoZero"/>
         <c:auto val="1"/>
         <c:lblAlgn val="ctr"/>
@@ -8238,7 +8208,7 @@
         <c:noMultiLvlLbl val="0"/>
       </c:catAx>
       <c:valAx>
-        <c:axId val="2108782952"/>
+        <c:axId val="-2137790792"/>
         <c:scaling>
           <c:orientation val="minMax"/>
         </c:scaling>
@@ -8352,7 +8322,7 @@
             <a:endParaRPr lang="en-US"/>
           </a:p>
         </c:txPr>
-        <c:crossAx val="2108786552"/>
+        <c:crossAx val="-2137794440"/>
         <c:crosses val="autoZero"/>
         <c:crossBetween val="between"/>
       </c:valAx>
@@ -8961,11 +8931,11 @@
         </c:dLbls>
         <c:gapWidth val="219"/>
         <c:overlap val="-27"/>
-        <c:axId val="2141313464"/>
-        <c:axId val="2141309720"/>
+        <c:axId val="-2137042888"/>
+        <c:axId val="-2137039112"/>
       </c:barChart>
       <c:catAx>
-        <c:axId val="2141313464"/>
+        <c:axId val="-2137042888"/>
         <c:scaling>
           <c:orientation val="minMax"/>
         </c:scaling>
@@ -9005,7 +8975,7 @@
             <a:endParaRPr lang="en-US"/>
           </a:p>
         </c:txPr>
-        <c:crossAx val="2141309720"/>
+        <c:crossAx val="-2137039112"/>
         <c:crosses val="autoZero"/>
         <c:auto val="1"/>
         <c:lblAlgn val="ctr"/>
@@ -9013,7 +8983,7 @@
         <c:noMultiLvlLbl val="0"/>
       </c:catAx>
       <c:valAx>
-        <c:axId val="2141309720"/>
+        <c:axId val="-2137039112"/>
         <c:scaling>
           <c:orientation val="minMax"/>
         </c:scaling>
@@ -9142,7 +9112,7 @@
             <a:endParaRPr lang="en-US"/>
           </a:p>
         </c:txPr>
-        <c:crossAx val="2141313464"/>
+        <c:crossAx val="-2137042888"/>
         <c:crosses val="autoZero"/>
         <c:crossBetween val="between"/>
       </c:valAx>
@@ -9534,11 +9504,11 @@
         </c:dLbls>
         <c:gapWidth val="219"/>
         <c:overlap val="-27"/>
-        <c:axId val="2108724312"/>
-        <c:axId val="2108720600"/>
+        <c:axId val="-2137703848"/>
+        <c:axId val="-2137155064"/>
       </c:barChart>
       <c:catAx>
-        <c:axId val="2108724312"/>
+        <c:axId val="-2137703848"/>
         <c:scaling>
           <c:orientation val="minMax"/>
         </c:scaling>
@@ -9578,7 +9548,7 @@
             <a:endParaRPr lang="en-US"/>
           </a:p>
         </c:txPr>
-        <c:crossAx val="2108720600"/>
+        <c:crossAx val="-2137155064"/>
         <c:crosses val="autoZero"/>
         <c:auto val="1"/>
         <c:lblAlgn val="ctr"/>
@@ -9586,7 +9556,7 @@
         <c:noMultiLvlLbl val="0"/>
       </c:catAx>
       <c:valAx>
-        <c:axId val="2108720600"/>
+        <c:axId val="-2137155064"/>
         <c:scaling>
           <c:orientation val="minMax"/>
         </c:scaling>
@@ -9707,7 +9677,7 @@
             <a:endParaRPr lang="en-US"/>
           </a:p>
         </c:txPr>
-        <c:crossAx val="2108724312"/>
+        <c:crossAx val="-2137703848"/>
         <c:crosses val="autoZero"/>
         <c:crossBetween val="between"/>
       </c:valAx>
@@ -9877,11 +9847,11 @@
         </c:dLbls>
         <c:gapWidth val="219"/>
         <c:overlap val="-27"/>
-        <c:axId val="2143497016"/>
-        <c:axId val="2143500776"/>
+        <c:axId val="-2137222968"/>
+        <c:axId val="-2137219288"/>
       </c:barChart>
       <c:catAx>
-        <c:axId val="2143497016"/>
+        <c:axId val="-2137222968"/>
         <c:scaling>
           <c:orientation val="minMax"/>
         </c:scaling>
@@ -9921,7 +9891,7 @@
             <a:endParaRPr lang="en-US"/>
           </a:p>
         </c:txPr>
-        <c:crossAx val="2143500776"/>
+        <c:crossAx val="-2137219288"/>
         <c:crosses val="autoZero"/>
         <c:auto val="1"/>
         <c:lblAlgn val="ctr"/>
@@ -9929,7 +9899,7 @@
         <c:noMultiLvlLbl val="0"/>
       </c:catAx>
       <c:valAx>
-        <c:axId val="2143500776"/>
+        <c:axId val="-2137219288"/>
         <c:scaling>
           <c:orientation val="minMax"/>
         </c:scaling>
@@ -10050,7 +10020,7 @@
             <a:endParaRPr lang="en-US"/>
           </a:p>
         </c:txPr>
-        <c:crossAx val="2143497016"/>
+        <c:crossAx val="-2137222968"/>
         <c:crosses val="autoZero"/>
         <c:crossBetween val="between"/>
       </c:valAx>
@@ -10360,11 +10330,11 @@
         </c:dLbls>
         <c:gapWidth val="219"/>
         <c:overlap val="100"/>
-        <c:axId val="2143555128"/>
-        <c:axId val="2143558840"/>
+        <c:axId val="-2137164888"/>
+        <c:axId val="-2137161400"/>
       </c:barChart>
       <c:catAx>
-        <c:axId val="2143555128"/>
+        <c:axId val="-2137164888"/>
         <c:scaling>
           <c:orientation val="minMax"/>
         </c:scaling>
@@ -10407,7 +10377,7 @@
             <a:endParaRPr lang="en-US"/>
           </a:p>
         </c:txPr>
-        <c:crossAx val="2143558840"/>
+        <c:crossAx val="-2137161400"/>
         <c:crosses val="autoZero"/>
         <c:auto val="1"/>
         <c:lblAlgn val="ctr"/>
@@ -10415,7 +10385,7 @@
         <c:noMultiLvlLbl val="0"/>
       </c:catAx>
       <c:valAx>
-        <c:axId val="2143558840"/>
+        <c:axId val="-2137161400"/>
         <c:scaling>
           <c:orientation val="minMax"/>
         </c:scaling>
@@ -10507,7 +10477,7 @@
             <a:endParaRPr lang="en-US"/>
           </a:p>
         </c:txPr>
-        <c:crossAx val="2143555128"/>
+        <c:crossAx val="-2137164888"/>
         <c:crosses val="autoZero"/>
         <c:crossBetween val="between"/>
       </c:valAx>
@@ -22270,7 +22240,7 @@
           <a:p>
             <a:fld id="{8AF2A637-750D-AC4F-B19A-F61B319C6A55}" type="datetimeFigureOut">
               <a:rPr lang="en-US" smtClean="0"/>
-              <a:t>09/11/15</a:t>
+              <a:t>13/11/15</a:t>
             </a:fld>
             <a:endParaRPr lang="en-US"/>
           </a:p>
@@ -24657,7 +24627,7 @@
           <a:p>
             <a:fld id="{F87648D4-822A-184D-A945-2BBD99FACB30}" type="datetimeFigureOut">
               <a:rPr lang="en-US" smtClean="0"/>
-              <a:t>09/11/15</a:t>
+              <a:t>13/11/15</a:t>
             </a:fld>
             <a:endParaRPr lang="en-US"/>
           </a:p>
@@ -24827,7 +24797,7 @@
           <a:p>
             <a:fld id="{F87648D4-822A-184D-A945-2BBD99FACB30}" type="datetimeFigureOut">
               <a:rPr lang="en-US" smtClean="0"/>
-              <a:t>09/11/15</a:t>
+              <a:t>13/11/15</a:t>
             </a:fld>
             <a:endParaRPr lang="en-US"/>
           </a:p>
@@ -25007,7 +24977,7 @@
           <a:p>
             <a:fld id="{F87648D4-822A-184D-A945-2BBD99FACB30}" type="datetimeFigureOut">
               <a:rPr lang="en-US" smtClean="0"/>
-              <a:t>09/11/15</a:t>
+              <a:t>13/11/15</a:t>
             </a:fld>
             <a:endParaRPr lang="en-US"/>
           </a:p>
@@ -25177,7 +25147,7 @@
           <a:p>
             <a:fld id="{F87648D4-822A-184D-A945-2BBD99FACB30}" type="datetimeFigureOut">
               <a:rPr lang="en-US" smtClean="0"/>
-              <a:t>09/11/15</a:t>
+              <a:t>13/11/15</a:t>
             </a:fld>
             <a:endParaRPr lang="en-US"/>
           </a:p>
@@ -25421,7 +25391,7 @@
           <a:p>
             <a:fld id="{F87648D4-822A-184D-A945-2BBD99FACB30}" type="datetimeFigureOut">
               <a:rPr lang="en-US" smtClean="0"/>
-              <a:t>09/11/15</a:t>
+              <a:t>13/11/15</a:t>
             </a:fld>
             <a:endParaRPr lang="en-US"/>
           </a:p>
@@ -25653,7 +25623,7 @@
           <a:p>
             <a:fld id="{F87648D4-822A-184D-A945-2BBD99FACB30}" type="datetimeFigureOut">
               <a:rPr lang="en-US" smtClean="0"/>
-              <a:t>09/11/15</a:t>
+              <a:t>13/11/15</a:t>
             </a:fld>
             <a:endParaRPr lang="en-US"/>
           </a:p>
@@ -26020,7 +25990,7 @@
           <a:p>
             <a:fld id="{F87648D4-822A-184D-A945-2BBD99FACB30}" type="datetimeFigureOut">
               <a:rPr lang="en-US" smtClean="0"/>
-              <a:t>09/11/15</a:t>
+              <a:t>13/11/15</a:t>
             </a:fld>
             <a:endParaRPr lang="en-US"/>
           </a:p>
@@ -26138,7 +26108,7 @@
           <a:p>
             <a:fld id="{F87648D4-822A-184D-A945-2BBD99FACB30}" type="datetimeFigureOut">
               <a:rPr lang="en-US" smtClean="0"/>
-              <a:t>09/11/15</a:t>
+              <a:t>13/11/15</a:t>
             </a:fld>
             <a:endParaRPr lang="en-US"/>
           </a:p>
@@ -26233,7 +26203,7 @@
           <a:p>
             <a:fld id="{F87648D4-822A-184D-A945-2BBD99FACB30}" type="datetimeFigureOut">
               <a:rPr lang="en-US" smtClean="0"/>
-              <a:t>09/11/15</a:t>
+              <a:t>13/11/15</a:t>
             </a:fld>
             <a:endParaRPr lang="en-US"/>
           </a:p>
@@ -26510,7 +26480,7 @@
           <a:p>
             <a:fld id="{F87648D4-822A-184D-A945-2BBD99FACB30}" type="datetimeFigureOut">
               <a:rPr lang="en-US" smtClean="0"/>
-              <a:t>09/11/15</a:t>
+              <a:t>13/11/15</a:t>
             </a:fld>
             <a:endParaRPr lang="en-US"/>
           </a:p>
@@ -26767,7 +26737,7 @@
           <a:p>
             <a:fld id="{F87648D4-822A-184D-A945-2BBD99FACB30}" type="datetimeFigureOut">
               <a:rPr lang="en-US" smtClean="0"/>
-              <a:t>09/11/15</a:t>
+              <a:t>13/11/15</a:t>
             </a:fld>
             <a:endParaRPr lang="en-US"/>
           </a:p>
@@ -26980,7 +26950,7 @@
           <a:p>
             <a:fld id="{F87648D4-822A-184D-A945-2BBD99FACB30}" type="datetimeFigureOut">
               <a:rPr lang="en-US" smtClean="0"/>
-              <a:t>09/11/15</a:t>
+              <a:t>13/11/15</a:t>
             </a:fld>
             <a:endParaRPr lang="en-US"/>
           </a:p>
@@ -28254,7 +28224,7 @@
           <p:nvPr>
             <p:extLst>
               <p:ext uri="{D42A27DB-BD31-4B8C-83A1-F6EECF244321}">
-                <p14:modId xmlns:p14="http://schemas.microsoft.com/office/powerpoint/2010/main" val="1254439007"/>
+                <p14:modId xmlns:p14="http://schemas.microsoft.com/office/powerpoint/2010/main" val="1429256546"/>
               </p:ext>
             </p:extLst>
           </p:nvPr>
@@ -29776,7 +29746,7 @@
   <a:extraClrSchemeLst/>
   <a:extLst>
     <a:ext uri="{05A4C25C-085E-4340-85A3-A5531E510DB2}">
-      <thm15:themeFamily xmlns:thm15="http://schemas.microsoft.com/office/thememl/2012/main" xmlns="" name="Office Theme" id="{62F939B6-93AF-4DB8-9C6B-D6C7DFDC589F}" vid="{4A3C46E8-61CC-4603-A589-7422A47A8E4A}"/>
+      <thm15:themeFamily xmlns="" xmlns:thm15="http://schemas.microsoft.com/office/thememl/2012/main" name="Office Theme" id="{62F939B6-93AF-4DB8-9C6B-D6C7DFDC589F}" vid="{4A3C46E8-61CC-4603-A589-7422A47A8E4A}"/>
     </a:ext>
   </a:extLst>
 </a:theme>
@@ -30037,7 +30007,7 @@
   <a:extraClrSchemeLst/>
   <a:extLst>
     <a:ext uri="{05A4C25C-085E-4340-85A3-A5531E510DB2}">
-      <thm15:themeFamily xmlns:thm15="http://schemas.microsoft.com/office/thememl/2012/main" xmlns="" name="Office Theme" id="{62F939B6-93AF-4DB8-9C6B-D6C7DFDC589F}" vid="{4A3C46E8-61CC-4603-A589-7422A47A8E4A}"/>
+      <thm15:themeFamily xmlns="" xmlns:thm15="http://schemas.microsoft.com/office/thememl/2012/main" name="Office Theme" id="{62F939B6-93AF-4DB8-9C6B-D6C7DFDC589F}" vid="{4A3C46E8-61CC-4603-A589-7422A47A8E4A}"/>
     </a:ext>
   </a:extLst>
 </a:theme>

--- a/elsarticle/Images/Thesis charts.pptx
+++ b/elsarticle/Images/Thesis charts.pptx
@@ -28224,7 +28224,7 @@
           <p:nvPr>
             <p:extLst>
               <p:ext uri="{D42A27DB-BD31-4B8C-83A1-F6EECF244321}">
-                <p14:modId xmlns:p14="http://schemas.microsoft.com/office/powerpoint/2010/main" val="1429256546"/>
+                <p14:modId xmlns:p14="http://schemas.microsoft.com/office/powerpoint/2010/main" val="3524800563"/>
               </p:ext>
             </p:extLst>
           </p:nvPr>

--- a/elsarticle/Images/Thesis charts.pptx
+++ b/elsarticle/Images/Thesis charts.pptx
@@ -129,7 +129,18 @@
   </p:defaultTextStyle>
   <p:extLst>
     <p:ext uri="{EFAFB233-063F-42B5-8137-9DF3F51BA10A}">
-      <p15:sldGuideLst xmlns="" xmlns:p15="http://schemas.microsoft.com/office/powerpoint/2012/main"/>
+      <p15:sldGuideLst xmlns:p15="http://schemas.microsoft.com/office/powerpoint/2012/main">
+        <p15:guide id="1" orient="horz" pos="2160">
+          <p15:clr>
+            <a:srgbClr val="A4A3A4"/>
+          </p15:clr>
+        </p15:guide>
+        <p15:guide id="2" pos="3120">
+          <p15:clr>
+            <a:srgbClr val="A4A3A4"/>
+          </p15:clr>
+        </p15:guide>
+      </p15:sldGuideLst>
     </p:ext>
   </p:extLst>
 </p:presentation>
@@ -414,11 +425,11 @@
           <c:showPercent val="0"/>
           <c:showBubbleSize val="0"/>
         </c:dLbls>
-        <c:axId val="2124828584"/>
-        <c:axId val="2124841176"/>
+        <c:axId val="2128617984"/>
+        <c:axId val="2128906064"/>
       </c:scatterChart>
       <c:valAx>
-        <c:axId val="2124828584"/>
+        <c:axId val="2128617984"/>
         <c:scaling>
           <c:orientation val="minMax"/>
         </c:scaling>
@@ -482,6 +493,26 @@
             </a:ln>
             <a:effectLst/>
           </c:spPr>
+          <c:txPr>
+            <a:bodyPr rot="0" spcFirstLastPara="1" vertOverflow="ellipsis" vert="horz" wrap="square" anchor="ctr" anchorCtr="1"/>
+            <a:lstStyle/>
+            <a:p>
+              <a:pPr>
+                <a:defRPr sz="1330" b="0" i="0" u="none" strike="noStrike" kern="1200" baseline="0">
+                  <a:solidFill>
+                    <a:schemeClr val="tx1">
+                      <a:lumMod val="65000"/>
+                      <a:lumOff val="35000"/>
+                    </a:schemeClr>
+                  </a:solidFill>
+                  <a:latin typeface="+mn-lt"/>
+                  <a:ea typeface="+mn-ea"/>
+                  <a:cs typeface="+mn-cs"/>
+                </a:defRPr>
+              </a:pPr>
+              <a:endParaRPr lang="en-US"/>
+            </a:p>
+          </c:txPr>
         </c:title>
         <c:numFmt formatCode="General" sourceLinked="1"/>
         <c:majorTickMark val="out"/>
@@ -520,12 +551,12 @@
             <a:endParaRPr lang="en-US"/>
           </a:p>
         </c:txPr>
-        <c:crossAx val="2124841176"/>
+        <c:crossAx val="2128906064"/>
         <c:crosses val="autoZero"/>
         <c:crossBetween val="midCat"/>
       </c:valAx>
       <c:valAx>
-        <c:axId val="2124841176"/>
+        <c:axId val="2128906064"/>
         <c:scaling>
           <c:orientation val="minMax"/>
         </c:scaling>
@@ -593,6 +624,26 @@
             </a:ln>
             <a:effectLst/>
           </c:spPr>
+          <c:txPr>
+            <a:bodyPr rot="-5400000" spcFirstLastPara="1" vertOverflow="ellipsis" vert="horz" wrap="square" anchor="ctr" anchorCtr="1"/>
+            <a:lstStyle/>
+            <a:p>
+              <a:pPr>
+                <a:defRPr sz="1330" b="0" i="0" u="none" strike="noStrike" kern="1200" baseline="0">
+                  <a:solidFill>
+                    <a:schemeClr val="tx1">
+                      <a:lumMod val="65000"/>
+                      <a:lumOff val="35000"/>
+                    </a:schemeClr>
+                  </a:solidFill>
+                  <a:latin typeface="+mn-lt"/>
+                  <a:ea typeface="+mn-ea"/>
+                  <a:cs typeface="+mn-cs"/>
+                </a:defRPr>
+              </a:pPr>
+              <a:endParaRPr lang="en-US"/>
+            </a:p>
+          </c:txPr>
         </c:title>
         <c:numFmt formatCode="General" sourceLinked="1"/>
         <c:majorTickMark val="out"/>
@@ -631,7 +682,7 @@
             <a:endParaRPr lang="en-US"/>
           </a:p>
         </c:txPr>
-        <c:crossAx val="2124828584"/>
+        <c:crossAx val="2128617984"/>
         <c:crosses val="autoZero"/>
         <c:crossBetween val="midCat"/>
       </c:valAx>
@@ -698,7 +749,7 @@
       <a:endParaRPr lang="en-US"/>
     </a:p>
   </c:txPr>
-  <c:externalData r:id="rId1">
+  <c:externalData r:id="rId3">
     <c:autoUpdate val="0"/>
   </c:externalData>
 </c:chartSpace>
@@ -761,6 +812,26 @@
         </a:ln>
         <a:effectLst/>
       </c:spPr>
+      <c:txPr>
+        <a:bodyPr rot="0" spcFirstLastPara="1" vertOverflow="ellipsis" vert="horz" wrap="square" anchor="ctr" anchorCtr="1"/>
+        <a:lstStyle/>
+        <a:p>
+          <a:pPr>
+            <a:defRPr sz="1862" b="0" i="0" u="none" strike="noStrike" kern="1200" spc="0" baseline="0">
+              <a:solidFill>
+                <a:schemeClr val="tx1">
+                  <a:lumMod val="65000"/>
+                  <a:lumOff val="35000"/>
+                </a:schemeClr>
+              </a:solidFill>
+              <a:latin typeface="+mn-lt"/>
+              <a:ea typeface="+mn-ea"/>
+              <a:cs typeface="+mn-cs"/>
+            </a:defRPr>
+          </a:pPr>
+          <a:endParaRPr lang="en-US"/>
+        </a:p>
+      </c:txPr>
     </c:title>
     <c:autoTitleDeleted val="0"/>
     <c:plotArea>
@@ -848,9 +919,7 @@
               </c:spPr>
             </c:leaderLines>
             <c:extLst>
-              <c:ext xmlns:c15="http://schemas.microsoft.com/office/drawing/2012/chart" uri="{CE6537A1-D6FC-4f65-9D91-7224C49458BB}">
-                <c15:layout/>
-              </c:ext>
+              <c:ext xmlns:c15="http://schemas.microsoft.com/office/drawing/2012/chart" uri="{CE6537A1-D6FC-4f65-9D91-7224C49458BB}"/>
             </c:extLst>
           </c:dLbls>
           <c:cat>
@@ -958,7 +1027,7 @@
       <a:endParaRPr lang="en-US"/>
     </a:p>
   </c:txPr>
-  <c:externalData r:id="rId1">
+  <c:externalData r:id="rId3">
     <c:autoUpdate val="0"/>
   </c:externalData>
 </c:chartSpace>
@@ -1025,6 +1094,26 @@
         </a:ln>
         <a:effectLst/>
       </c:spPr>
+      <c:txPr>
+        <a:bodyPr rot="0" spcFirstLastPara="1" vertOverflow="ellipsis" vert="horz" wrap="square" anchor="ctr" anchorCtr="1"/>
+        <a:lstStyle/>
+        <a:p>
+          <a:pPr>
+            <a:defRPr sz="1862" b="0" i="0" u="none" strike="noStrike" kern="1200" spc="0" baseline="0">
+              <a:solidFill>
+                <a:schemeClr val="tx1">
+                  <a:lumMod val="65000"/>
+                  <a:lumOff val="35000"/>
+                </a:schemeClr>
+              </a:solidFill>
+              <a:latin typeface="+mn-lt"/>
+              <a:ea typeface="+mn-ea"/>
+              <a:cs typeface="+mn-cs"/>
+            </a:defRPr>
+          </a:pPr>
+          <a:endParaRPr lang="en-US"/>
+        </a:p>
+      </c:txPr>
     </c:title>
     <c:autoTitleDeleted val="0"/>
     <c:plotArea>
@@ -1151,9 +1240,7 @@
               <c:showPercent val="0"/>
               <c:showBubbleSize val="0"/>
               <c:extLst>
-                <c:ext xmlns:c15="http://schemas.microsoft.com/office/drawing/2012/chart" uri="{CE6537A1-D6FC-4f65-9D91-7224C49458BB}">
-                  <c15:layout/>
-                </c:ext>
+                <c:ext xmlns:c15="http://schemas.microsoft.com/office/drawing/2012/chart" uri="{CE6537A1-D6FC-4f65-9D91-7224C49458BB}"/>
               </c:extLst>
             </c:dLbl>
             <c:dLbl>
@@ -1171,9 +1258,7 @@
               <c:showPercent val="0"/>
               <c:showBubbleSize val="0"/>
               <c:extLst>
-                <c:ext xmlns:c15="http://schemas.microsoft.com/office/drawing/2012/chart" uri="{CE6537A1-D6FC-4f65-9D91-7224C49458BB}">
-                  <c15:layout/>
-                </c:ext>
+                <c:ext xmlns:c15="http://schemas.microsoft.com/office/drawing/2012/chart" uri="{CE6537A1-D6FC-4f65-9D91-7224C49458BB}"/>
               </c:extLst>
             </c:dLbl>
             <c:spPr>
@@ -1227,9 +1312,7 @@
               </c:spPr>
             </c:leaderLines>
             <c:extLst>
-              <c:ext xmlns:c15="http://schemas.microsoft.com/office/drawing/2012/chart" uri="{CE6537A1-D6FC-4f65-9D91-7224C49458BB}">
-                <c15:layout/>
-              </c:ext>
+              <c:ext xmlns:c15="http://schemas.microsoft.com/office/drawing/2012/chart" uri="{CE6537A1-D6FC-4f65-9D91-7224C49458BB}"/>
             </c:extLst>
           </c:dLbls>
           <c:cat>
@@ -1367,7 +1450,7 @@
       <a:endParaRPr lang="en-US"/>
     </a:p>
   </c:txPr>
-  <c:externalData r:id="rId1">
+  <c:externalData r:id="rId3">
     <c:autoUpdate val="0"/>
   </c:externalData>
 </c:chartSpace>
@@ -1586,22 +1669,22 @@
                 <c:formatCode>0.00%</c:formatCode>
                 <c:ptCount val="6"/>
                 <c:pt idx="0">
-                  <c:v>0.3539</c:v>
+                  <c:v>0.5024</c:v>
                 </c:pt>
                 <c:pt idx="1">
-                  <c:v>0.2384</c:v>
+                  <c:v>0.1261</c:v>
                 </c:pt>
                 <c:pt idx="2">
-                  <c:v>0.2133</c:v>
+                  <c:v>0.2042</c:v>
                 </c:pt>
                 <c:pt idx="3">
-                  <c:v>0.1318</c:v>
+                  <c:v>0.1101</c:v>
                 </c:pt>
                 <c:pt idx="4">
-                  <c:v>0.0434</c:v>
+                  <c:v>0.0437</c:v>
                 </c:pt>
                 <c:pt idx="5">
-                  <c:v>0.0193</c:v>
+                  <c:v>0.0134</c:v>
                 </c:pt>
               </c:numCache>
             </c:numRef>
@@ -1688,7 +1771,7 @@
       <a:endParaRPr lang="en-US"/>
     </a:p>
   </c:txPr>
-  <c:externalData r:id="rId1">
+  <c:externalData r:id="rId3">
     <c:autoUpdate val="0"/>
   </c:externalData>
 </c:chartSpace>
@@ -2326,11 +2409,11 @@
         </c:dLbls>
         <c:gapWidth val="150"/>
         <c:overlap val="100"/>
-        <c:axId val="2087125944"/>
-        <c:axId val="2087129528"/>
+        <c:axId val="-2053250464"/>
+        <c:axId val="-2053256928"/>
       </c:barChart>
       <c:catAx>
-        <c:axId val="2087125944"/>
+        <c:axId val="-2053250464"/>
         <c:scaling>
           <c:orientation val="minMax"/>
         </c:scaling>
@@ -2373,7 +2456,7 @@
             <a:endParaRPr lang="en-US"/>
           </a:p>
         </c:txPr>
-        <c:crossAx val="2087129528"/>
+        <c:crossAx val="-2053256928"/>
         <c:crosses val="autoZero"/>
         <c:auto val="1"/>
         <c:lblAlgn val="ctr"/>
@@ -2381,7 +2464,7 @@
         <c:noMultiLvlLbl val="0"/>
       </c:catAx>
       <c:valAx>
-        <c:axId val="2087129528"/>
+        <c:axId val="-2053256928"/>
         <c:scaling>
           <c:orientation val="minMax"/>
         </c:scaling>
@@ -2445,6 +2528,26 @@
             </a:ln>
             <a:effectLst/>
           </c:spPr>
+          <c:txPr>
+            <a:bodyPr rot="-5400000" spcFirstLastPara="1" vertOverflow="ellipsis" vert="horz" wrap="square" anchor="ctr" anchorCtr="1"/>
+            <a:lstStyle/>
+            <a:p>
+              <a:pPr>
+                <a:defRPr sz="1330" b="0" i="0" u="none" strike="noStrike" kern="1200" baseline="0">
+                  <a:solidFill>
+                    <a:schemeClr val="tx1">
+                      <a:lumMod val="65000"/>
+                      <a:lumOff val="35000"/>
+                    </a:schemeClr>
+                  </a:solidFill>
+                  <a:latin typeface="+mn-lt"/>
+                  <a:ea typeface="+mn-ea"/>
+                  <a:cs typeface="+mn-cs"/>
+                </a:defRPr>
+              </a:pPr>
+              <a:endParaRPr lang="en-US"/>
+            </a:p>
+          </c:txPr>
         </c:title>
         <c:numFmt formatCode="General" sourceLinked="1"/>
         <c:majorTickMark val="none"/>
@@ -2477,7 +2580,7 @@
             <a:endParaRPr lang="en-US"/>
           </a:p>
         </c:txPr>
-        <c:crossAx val="2087125944"/>
+        <c:crossAx val="-2053250464"/>
         <c:crosses val="autoZero"/>
         <c:crossBetween val="between"/>
       </c:valAx>
@@ -2512,7 +2615,7 @@
       <a:endParaRPr lang="en-US"/>
     </a:p>
   </c:txPr>
-  <c:externalData r:id="rId1">
+  <c:externalData r:id="rId3">
     <c:autoUpdate val="0"/>
   </c:externalData>
 </c:chartSpace>
@@ -2860,11 +2963,11 @@
         </c:dLbls>
         <c:gapWidth val="219"/>
         <c:overlap val="-27"/>
-        <c:axId val="2087185320"/>
-        <c:axId val="2087188968"/>
+        <c:axId val="-2146378304"/>
+        <c:axId val="-2090514736"/>
       </c:barChart>
       <c:catAx>
-        <c:axId val="2087185320"/>
+        <c:axId val="-2146378304"/>
         <c:scaling>
           <c:orientation val="minMax"/>
         </c:scaling>
@@ -2904,7 +3007,7 @@
             <a:endParaRPr lang="en-US"/>
           </a:p>
         </c:txPr>
-        <c:crossAx val="2087188968"/>
+        <c:crossAx val="-2090514736"/>
         <c:crosses val="autoZero"/>
         <c:auto val="1"/>
         <c:lblAlgn val="ctr"/>
@@ -2912,7 +3015,485 @@
         <c:noMultiLvlLbl val="0"/>
       </c:catAx>
       <c:valAx>
-        <c:axId val="2087188968"/>
+        <c:axId val="-2090514736"/>
+        <c:scaling>
+          <c:orientation val="minMax"/>
+        </c:scaling>
+        <c:delete val="0"/>
+        <c:axPos val="l"/>
+        <c:majorGridlines>
+          <c:spPr>
+            <a:ln w="9525" cap="flat" cmpd="sng" algn="ctr">
+              <a:solidFill>
+                <a:schemeClr val="tx1">
+                  <a:lumMod val="15000"/>
+                  <a:lumOff val="85000"/>
+                </a:schemeClr>
+              </a:solidFill>
+              <a:round/>
+            </a:ln>
+            <a:effectLst/>
+          </c:spPr>
+        </c:majorGridlines>
+        <c:title>
+          <c:tx>
+            <c:rich>
+              <a:bodyPr rot="-5400000" spcFirstLastPara="1" vertOverflow="ellipsis" vert="horz" wrap="square" anchor="ctr" anchorCtr="1"/>
+              <a:lstStyle/>
+              <a:p>
+                <a:pPr>
+                  <a:defRPr sz="1400" b="0" i="0" u="none" strike="noStrike" kern="1200" baseline="0">
+                    <a:solidFill>
+                      <a:schemeClr val="tx1">
+                        <a:lumMod val="65000"/>
+                        <a:lumOff val="35000"/>
+                      </a:schemeClr>
+                    </a:solidFill>
+                    <a:latin typeface="+mn-lt"/>
+                    <a:ea typeface="+mn-ea"/>
+                    <a:cs typeface="+mn-cs"/>
+                  </a:defRPr>
+                </a:pPr>
+                <a:r>
+                  <a:rPr lang="en-US" sz="1600" dirty="0" smtClean="0"/>
+                  <a:t>Electricity production at grid</a:t>
+                </a:r>
+              </a:p>
+              <a:p>
+                <a:pPr>
+                  <a:defRPr sz="1400"/>
+                </a:pPr>
+                <a:r>
+                  <a:rPr lang="en-US" sz="1600" noProof="1" smtClean="0"/>
+                  <a:t>(g</a:t>
+                </a:r>
+                <a:r>
+                  <a:rPr lang="en-US" sz="1600" baseline="-25000" noProof="1" smtClean="0"/>
+                  <a:t>CO2eq</a:t>
+                </a:r>
+                <a:r>
+                  <a:rPr lang="en-US" sz="1600" noProof="1" smtClean="0"/>
+                  <a:t>/kWh</a:t>
+                </a:r>
+                <a:r>
+                  <a:rPr lang="de-DE" sz="1600" dirty="0" smtClean="0"/>
+                  <a:t>)</a:t>
+                </a:r>
+                <a:endParaRPr lang="en-US" sz="1600" dirty="0"/>
+              </a:p>
+            </c:rich>
+          </c:tx>
+          <c:overlay val="0"/>
+          <c:spPr>
+            <a:noFill/>
+            <a:ln>
+              <a:noFill/>
+            </a:ln>
+            <a:effectLst/>
+          </c:spPr>
+          <c:txPr>
+            <a:bodyPr rot="-5400000" spcFirstLastPara="1" vertOverflow="ellipsis" vert="horz" wrap="square" anchor="ctr" anchorCtr="1"/>
+            <a:lstStyle/>
+            <a:p>
+              <a:pPr>
+                <a:defRPr sz="1400" b="0" i="0" u="none" strike="noStrike" kern="1200" baseline="0">
+                  <a:solidFill>
+                    <a:schemeClr val="tx1">
+                      <a:lumMod val="65000"/>
+                      <a:lumOff val="35000"/>
+                    </a:schemeClr>
+                  </a:solidFill>
+                  <a:latin typeface="+mn-lt"/>
+                  <a:ea typeface="+mn-ea"/>
+                  <a:cs typeface="+mn-cs"/>
+                </a:defRPr>
+              </a:pPr>
+              <a:endParaRPr lang="en-US"/>
+            </a:p>
+          </c:txPr>
+        </c:title>
+        <c:numFmt formatCode="General" sourceLinked="1"/>
+        <c:majorTickMark val="none"/>
+        <c:minorTickMark val="none"/>
+        <c:tickLblPos val="nextTo"/>
+        <c:spPr>
+          <a:noFill/>
+          <a:ln>
+            <a:solidFill>
+              <a:schemeClr val="accent3"/>
+            </a:solidFill>
+          </a:ln>
+          <a:effectLst/>
+        </c:spPr>
+        <c:txPr>
+          <a:bodyPr rot="-60000000" spcFirstLastPara="1" vertOverflow="ellipsis" vert="horz" wrap="square" anchor="ctr" anchorCtr="1"/>
+          <a:lstStyle/>
+          <a:p>
+            <a:pPr>
+              <a:defRPr sz="1400" b="0" i="0" u="none" strike="noStrike" kern="1200" baseline="0">
+                <a:solidFill>
+                  <a:schemeClr val="tx1">
+                    <a:lumMod val="65000"/>
+                    <a:lumOff val="35000"/>
+                  </a:schemeClr>
+                </a:solidFill>
+                <a:latin typeface="+mn-lt"/>
+                <a:ea typeface="+mn-ea"/>
+                <a:cs typeface="+mn-cs"/>
+              </a:defRPr>
+            </a:pPr>
+            <a:endParaRPr lang="en-US"/>
+          </a:p>
+        </c:txPr>
+        <c:crossAx val="-2146378304"/>
+        <c:crosses val="autoZero"/>
+        <c:crossBetween val="between"/>
+      </c:valAx>
+      <c:spPr>
+        <a:noFill/>
+        <a:ln>
+          <a:solidFill>
+            <a:schemeClr val="accent3"/>
+          </a:solidFill>
+        </a:ln>
+        <a:effectLst/>
+      </c:spPr>
+    </c:plotArea>
+    <c:legend>
+      <c:legendPos val="b"/>
+      <c:overlay val="0"/>
+      <c:spPr>
+        <a:noFill/>
+        <a:ln>
+          <a:noFill/>
+        </a:ln>
+        <a:effectLst/>
+      </c:spPr>
+      <c:txPr>
+        <a:bodyPr rot="0" spcFirstLastPara="1" vertOverflow="ellipsis" vert="horz" wrap="square" anchor="ctr" anchorCtr="1"/>
+        <a:lstStyle/>
+        <a:p>
+          <a:pPr>
+            <a:defRPr sz="1197" b="0" i="0" u="none" strike="noStrike" kern="1200" baseline="0">
+              <a:solidFill>
+                <a:schemeClr val="tx1">
+                  <a:lumMod val="65000"/>
+                  <a:lumOff val="35000"/>
+                </a:schemeClr>
+              </a:solidFill>
+              <a:latin typeface="+mn-lt"/>
+              <a:ea typeface="+mn-ea"/>
+              <a:cs typeface="+mn-cs"/>
+            </a:defRPr>
+          </a:pPr>
+          <a:endParaRPr lang="en-US"/>
+        </a:p>
+      </c:txPr>
+    </c:legend>
+    <c:plotVisOnly val="1"/>
+    <c:dispBlanksAs val="gap"/>
+    <c:showDLblsOverMax val="0"/>
+  </c:chart>
+  <c:spPr>
+    <a:noFill/>
+    <a:ln>
+      <a:noFill/>
+    </a:ln>
+    <a:effectLst/>
+  </c:spPr>
+  <c:txPr>
+    <a:bodyPr/>
+    <a:lstStyle/>
+    <a:p>
+      <a:pPr>
+        <a:defRPr/>
+      </a:pPr>
+      <a:endParaRPr lang="en-US"/>
+    </a:p>
+  </c:txPr>
+  <c:externalData r:id="rId3">
+    <c:autoUpdate val="0"/>
+  </c:externalData>
+</c:chartSpace>
+</file>
+
+<file path=ppt/charts/chart15.xml><?xml version="1.0" encoding="utf-8"?>
+<c:chartSpace xmlns:c="http://schemas.openxmlformats.org/drawingml/2006/chart" xmlns:a="http://schemas.openxmlformats.org/drawingml/2006/main" xmlns:r="http://schemas.openxmlformats.org/officeDocument/2006/relationships">
+  <c:date1904 val="0"/>
+  <c:lang val="en-US"/>
+  <c:roundedCorners val="0"/>
+  <mc:AlternateContent xmlns:mc="http://schemas.openxmlformats.org/markup-compatibility/2006">
+    <mc:Choice xmlns:c14="http://schemas.microsoft.com/office/drawing/2007/8/2/chart" Requires="c14">
+      <c14:style val="102"/>
+    </mc:Choice>
+    <mc:Fallback>
+      <c:style val="2"/>
+    </mc:Fallback>
+  </mc:AlternateContent>
+  <c:chart>
+    <c:autoTitleDeleted val="1"/>
+    <c:plotArea>
+      <c:layout/>
+      <c:barChart>
+        <c:barDir val="col"/>
+        <c:grouping val="clustered"/>
+        <c:varyColors val="0"/>
+        <c:ser>
+          <c:idx val="0"/>
+          <c:order val="0"/>
+          <c:tx>
+            <c:strRef>
+              <c:f>Sheet1!$B$1</c:f>
+              <c:strCache>
+                <c:ptCount val="1"/>
+                <c:pt idx="0">
+                  <c:v>High voltage at grid</c:v>
+                </c:pt>
+              </c:strCache>
+            </c:strRef>
+          </c:tx>
+          <c:spPr>
+            <a:solidFill>
+              <a:schemeClr val="accent1"/>
+            </a:solidFill>
+            <a:ln>
+              <a:noFill/>
+            </a:ln>
+            <a:effectLst/>
+          </c:spPr>
+          <c:invertIfNegative val="0"/>
+          <c:cat>
+            <c:strRef>
+              <c:f>Sheet1!$A$2:$A$8</c:f>
+              <c:strCache>
+                <c:ptCount val="7"/>
+                <c:pt idx="0">
+                  <c:v>China</c:v>
+                </c:pt>
+                <c:pt idx="1">
+                  <c:v>United States of America</c:v>
+                </c:pt>
+                <c:pt idx="2">
+                  <c:v>Germany</c:v>
+                </c:pt>
+                <c:pt idx="3">
+                  <c:v>UCTE region</c:v>
+                </c:pt>
+                <c:pt idx="4">
+                  <c:v>Switzerland</c:v>
+                </c:pt>
+                <c:pt idx="5">
+                  <c:v>ASF</c:v>
+                </c:pt>
+                <c:pt idx="6">
+                  <c:v>France</c:v>
+                </c:pt>
+              </c:strCache>
+            </c:strRef>
+          </c:cat>
+          <c:val>
+            <c:numRef>
+              <c:f>Sheet1!$B$2:$B$8</c:f>
+              <c:numCache>
+                <c:formatCode>General</c:formatCode>
+                <c:ptCount val="7"/>
+                <c:pt idx="0">
+                  <c:v>1145.8</c:v>
+                </c:pt>
+                <c:pt idx="1">
+                  <c:v>754.8</c:v>
+                </c:pt>
+                <c:pt idx="2">
+                  <c:v>629.5</c:v>
+                </c:pt>
+                <c:pt idx="3">
+                  <c:v>509.3</c:v>
+                </c:pt>
+                <c:pt idx="4">
+                  <c:v>119.6</c:v>
+                </c:pt>
+                <c:pt idx="6">
+                  <c:v>95.7</c:v>
+                </c:pt>
+              </c:numCache>
+            </c:numRef>
+          </c:val>
+        </c:ser>
+        <c:ser>
+          <c:idx val="1"/>
+          <c:order val="1"/>
+          <c:tx>
+            <c:strRef>
+              <c:f>Sheet1!$C$1</c:f>
+              <c:strCache>
+                <c:ptCount val="1"/>
+                <c:pt idx="0">
+                  <c:v>Low voltage at grid</c:v>
+                </c:pt>
+              </c:strCache>
+            </c:strRef>
+          </c:tx>
+          <c:spPr>
+            <a:solidFill>
+              <a:schemeClr val="accent2"/>
+            </a:solidFill>
+            <a:ln>
+              <a:noFill/>
+            </a:ln>
+            <a:effectLst/>
+          </c:spPr>
+          <c:invertIfNegative val="0"/>
+          <c:dPt>
+            <c:idx val="5"/>
+            <c:invertIfNegative val="0"/>
+            <c:bubble3D val="0"/>
+            <c:spPr>
+              <a:solidFill>
+                <a:srgbClr val="C52A15"/>
+              </a:solidFill>
+              <a:ln>
+                <a:noFill/>
+              </a:ln>
+              <a:effectLst/>
+            </c:spPr>
+          </c:dPt>
+          <c:dPt>
+            <c:idx val="14"/>
+            <c:invertIfNegative val="0"/>
+            <c:bubble3D val="0"/>
+            <c:spPr>
+              <a:solidFill>
+                <a:srgbClr val="C00000"/>
+              </a:solidFill>
+              <a:ln>
+                <a:noFill/>
+              </a:ln>
+              <a:effectLst/>
+            </c:spPr>
+          </c:dPt>
+          <c:cat>
+            <c:strRef>
+              <c:f>Sheet1!$A$2:$A$8</c:f>
+              <c:strCache>
+                <c:ptCount val="7"/>
+                <c:pt idx="0">
+                  <c:v>China</c:v>
+                </c:pt>
+                <c:pt idx="1">
+                  <c:v>United States of America</c:v>
+                </c:pt>
+                <c:pt idx="2">
+                  <c:v>Germany</c:v>
+                </c:pt>
+                <c:pt idx="3">
+                  <c:v>UCTE region</c:v>
+                </c:pt>
+                <c:pt idx="4">
+                  <c:v>Switzerland</c:v>
+                </c:pt>
+                <c:pt idx="5">
+                  <c:v>ASF</c:v>
+                </c:pt>
+                <c:pt idx="6">
+                  <c:v>France</c:v>
+                </c:pt>
+              </c:strCache>
+            </c:strRef>
+          </c:cat>
+          <c:val>
+            <c:numRef>
+              <c:f>Sheet1!$C$2:$C$8</c:f>
+              <c:numCache>
+                <c:formatCode>General</c:formatCode>
+                <c:ptCount val="7"/>
+                <c:pt idx="0">
+                  <c:v>1229.6</c:v>
+                </c:pt>
+                <c:pt idx="1">
+                  <c:v>808.4</c:v>
+                </c:pt>
+                <c:pt idx="2">
+                  <c:v>671.5</c:v>
+                </c:pt>
+                <c:pt idx="3">
+                  <c:v>551.7</c:v>
+                </c:pt>
+                <c:pt idx="4">
+                  <c:v>135.0</c:v>
+                </c:pt>
+                <c:pt idx="5">
+                  <c:v>126.8</c:v>
+                </c:pt>
+                <c:pt idx="6">
+                  <c:v>109.0</c:v>
+                </c:pt>
+              </c:numCache>
+            </c:numRef>
+          </c:val>
+        </c:ser>
+        <c:dLbls>
+          <c:showLegendKey val="0"/>
+          <c:showVal val="0"/>
+          <c:showCatName val="0"/>
+          <c:showSerName val="0"/>
+          <c:showPercent val="0"/>
+          <c:showBubbleSize val="0"/>
+        </c:dLbls>
+        <c:gapWidth val="219"/>
+        <c:overlap val="-27"/>
+        <c:axId val="-2108582352"/>
+        <c:axId val="-2108578912"/>
+      </c:barChart>
+      <c:catAx>
+        <c:axId val="-2108582352"/>
+        <c:scaling>
+          <c:orientation val="minMax"/>
+        </c:scaling>
+        <c:delete val="0"/>
+        <c:axPos val="b"/>
+        <c:numFmt formatCode="General" sourceLinked="1"/>
+        <c:majorTickMark val="none"/>
+        <c:minorTickMark val="none"/>
+        <c:tickLblPos val="nextTo"/>
+        <c:spPr>
+          <a:noFill/>
+          <a:ln w="9525" cap="flat" cmpd="sng" algn="ctr">
+            <a:solidFill>
+              <a:schemeClr val="accent3"/>
+            </a:solidFill>
+            <a:round/>
+          </a:ln>
+          <a:effectLst/>
+        </c:spPr>
+        <c:txPr>
+          <a:bodyPr rot="-60000000" spcFirstLastPara="1" vertOverflow="ellipsis" vert="horz" wrap="square" anchor="ctr" anchorCtr="1"/>
+          <a:lstStyle/>
+          <a:p>
+            <a:pPr>
+              <a:defRPr sz="1400" b="0" i="0" u="none" strike="noStrike" kern="1200" baseline="0">
+                <a:solidFill>
+                  <a:schemeClr val="tx1">
+                    <a:lumMod val="65000"/>
+                    <a:lumOff val="35000"/>
+                  </a:schemeClr>
+                </a:solidFill>
+                <a:latin typeface="+mn-lt"/>
+                <a:ea typeface="+mn-ea"/>
+                <a:cs typeface="+mn-cs"/>
+              </a:defRPr>
+            </a:pPr>
+            <a:endParaRPr lang="en-US"/>
+          </a:p>
+        </c:txPr>
+        <c:crossAx val="-2108578912"/>
+        <c:crosses val="autoZero"/>
+        <c:auto val="1"/>
+        <c:lblAlgn val="ctr"/>
+        <c:lblOffset val="100"/>
+        <c:noMultiLvlLbl val="0"/>
+      </c:catAx>
+      <c:valAx>
+        <c:axId val="-2108578912"/>
         <c:scaling>
           <c:orientation val="minMax"/>
         </c:scaling>
@@ -2990,7 +3571,6 @@
               </a:p>
             </c:rich>
           </c:tx>
-          <c:layout/>
           <c:overlay val="0"/>
           <c:spPr>
             <a:noFill/>
@@ -3033,7 +3613,7 @@
             <a:endParaRPr lang="en-US"/>
           </a:p>
         </c:txPr>
-        <c:crossAx val="2087185320"/>
+        <c:crossAx val="-2108582352"/>
         <c:crosses val="autoZero"/>
         <c:crossBetween val="between"/>
       </c:valAx>
@@ -3049,477 +3629,6 @@
     </c:plotArea>
     <c:legend>
       <c:legendPos val="b"/>
-      <c:layout/>
-      <c:overlay val="0"/>
-      <c:spPr>
-        <a:noFill/>
-        <a:ln>
-          <a:noFill/>
-        </a:ln>
-        <a:effectLst/>
-      </c:spPr>
-      <c:txPr>
-        <a:bodyPr rot="0" spcFirstLastPara="1" vertOverflow="ellipsis" vert="horz" wrap="square" anchor="ctr" anchorCtr="1"/>
-        <a:lstStyle/>
-        <a:p>
-          <a:pPr>
-            <a:defRPr sz="1197" b="0" i="0" u="none" strike="noStrike" kern="1200" baseline="0">
-              <a:solidFill>
-                <a:schemeClr val="tx1">
-                  <a:lumMod val="65000"/>
-                  <a:lumOff val="35000"/>
-                </a:schemeClr>
-              </a:solidFill>
-              <a:latin typeface="+mn-lt"/>
-              <a:ea typeface="+mn-ea"/>
-              <a:cs typeface="+mn-cs"/>
-            </a:defRPr>
-          </a:pPr>
-          <a:endParaRPr lang="en-US"/>
-        </a:p>
-      </c:txPr>
-    </c:legend>
-    <c:plotVisOnly val="1"/>
-    <c:dispBlanksAs val="gap"/>
-    <c:showDLblsOverMax val="0"/>
-  </c:chart>
-  <c:spPr>
-    <a:noFill/>
-    <a:ln>
-      <a:noFill/>
-    </a:ln>
-    <a:effectLst/>
-  </c:spPr>
-  <c:txPr>
-    <a:bodyPr/>
-    <a:lstStyle/>
-    <a:p>
-      <a:pPr>
-        <a:defRPr/>
-      </a:pPr>
-      <a:endParaRPr lang="en-US"/>
-    </a:p>
-  </c:txPr>
-  <c:externalData r:id="rId1">
-    <c:autoUpdate val="0"/>
-  </c:externalData>
-</c:chartSpace>
-</file>
-
-<file path=ppt/charts/chart15.xml><?xml version="1.0" encoding="utf-8"?>
-<c:chartSpace xmlns:c="http://schemas.openxmlformats.org/drawingml/2006/chart" xmlns:a="http://schemas.openxmlformats.org/drawingml/2006/main" xmlns:r="http://schemas.openxmlformats.org/officeDocument/2006/relationships">
-  <c:date1904 val="0"/>
-  <c:lang val="en-US"/>
-  <c:roundedCorners val="0"/>
-  <mc:AlternateContent xmlns:mc="http://schemas.openxmlformats.org/markup-compatibility/2006">
-    <mc:Choice xmlns:c14="http://schemas.microsoft.com/office/drawing/2007/8/2/chart" Requires="c14">
-      <c14:style val="102"/>
-    </mc:Choice>
-    <mc:Fallback>
-      <c:style val="2"/>
-    </mc:Fallback>
-  </mc:AlternateContent>
-  <c:chart>
-    <c:autoTitleDeleted val="1"/>
-    <c:plotArea>
-      <c:layout/>
-      <c:barChart>
-        <c:barDir val="col"/>
-        <c:grouping val="clustered"/>
-        <c:varyColors val="0"/>
-        <c:ser>
-          <c:idx val="0"/>
-          <c:order val="0"/>
-          <c:tx>
-            <c:strRef>
-              <c:f>Sheet1!$B$1</c:f>
-              <c:strCache>
-                <c:ptCount val="1"/>
-                <c:pt idx="0">
-                  <c:v>High voltage at grid</c:v>
-                </c:pt>
-              </c:strCache>
-            </c:strRef>
-          </c:tx>
-          <c:spPr>
-            <a:solidFill>
-              <a:schemeClr val="accent1"/>
-            </a:solidFill>
-            <a:ln>
-              <a:noFill/>
-            </a:ln>
-            <a:effectLst/>
-          </c:spPr>
-          <c:invertIfNegative val="0"/>
-          <c:cat>
-            <c:strRef>
-              <c:f>Sheet1!$A$2:$A$8</c:f>
-              <c:strCache>
-                <c:ptCount val="7"/>
-                <c:pt idx="0">
-                  <c:v>China</c:v>
-                </c:pt>
-                <c:pt idx="1">
-                  <c:v>United States of America</c:v>
-                </c:pt>
-                <c:pt idx="2">
-                  <c:v>Germany</c:v>
-                </c:pt>
-                <c:pt idx="3">
-                  <c:v>UCTE region</c:v>
-                </c:pt>
-                <c:pt idx="4">
-                  <c:v>Switzerland</c:v>
-                </c:pt>
-                <c:pt idx="5">
-                  <c:v>ASF</c:v>
-                </c:pt>
-                <c:pt idx="6">
-                  <c:v>France</c:v>
-                </c:pt>
-              </c:strCache>
-            </c:strRef>
-          </c:cat>
-          <c:val>
-            <c:numRef>
-              <c:f>Sheet1!$B$2:$B$8</c:f>
-              <c:numCache>
-                <c:formatCode>General</c:formatCode>
-                <c:ptCount val="7"/>
-                <c:pt idx="0">
-                  <c:v>1145.8</c:v>
-                </c:pt>
-                <c:pt idx="1">
-                  <c:v>754.8</c:v>
-                </c:pt>
-                <c:pt idx="2">
-                  <c:v>629.5</c:v>
-                </c:pt>
-                <c:pt idx="3">
-                  <c:v>509.3</c:v>
-                </c:pt>
-                <c:pt idx="4">
-                  <c:v>119.6</c:v>
-                </c:pt>
-                <c:pt idx="6">
-                  <c:v>95.7</c:v>
-                </c:pt>
-              </c:numCache>
-            </c:numRef>
-          </c:val>
-        </c:ser>
-        <c:ser>
-          <c:idx val="1"/>
-          <c:order val="1"/>
-          <c:tx>
-            <c:strRef>
-              <c:f>Sheet1!$C$1</c:f>
-              <c:strCache>
-                <c:ptCount val="1"/>
-                <c:pt idx="0">
-                  <c:v>Low voltage at grid</c:v>
-                </c:pt>
-              </c:strCache>
-            </c:strRef>
-          </c:tx>
-          <c:spPr>
-            <a:solidFill>
-              <a:schemeClr val="accent2"/>
-            </a:solidFill>
-            <a:ln>
-              <a:noFill/>
-            </a:ln>
-            <a:effectLst/>
-          </c:spPr>
-          <c:invertIfNegative val="0"/>
-          <c:dPt>
-            <c:idx val="5"/>
-            <c:invertIfNegative val="0"/>
-            <c:bubble3D val="0"/>
-            <c:spPr>
-              <a:solidFill>
-                <a:srgbClr val="C52A15"/>
-              </a:solidFill>
-              <a:ln>
-                <a:noFill/>
-              </a:ln>
-              <a:effectLst/>
-            </c:spPr>
-          </c:dPt>
-          <c:dPt>
-            <c:idx val="14"/>
-            <c:invertIfNegative val="0"/>
-            <c:bubble3D val="0"/>
-            <c:spPr>
-              <a:solidFill>
-                <a:srgbClr val="C00000"/>
-              </a:solidFill>
-              <a:ln>
-                <a:noFill/>
-              </a:ln>
-              <a:effectLst/>
-            </c:spPr>
-          </c:dPt>
-          <c:cat>
-            <c:strRef>
-              <c:f>Sheet1!$A$2:$A$8</c:f>
-              <c:strCache>
-                <c:ptCount val="7"/>
-                <c:pt idx="0">
-                  <c:v>China</c:v>
-                </c:pt>
-                <c:pt idx="1">
-                  <c:v>United States of America</c:v>
-                </c:pt>
-                <c:pt idx="2">
-                  <c:v>Germany</c:v>
-                </c:pt>
-                <c:pt idx="3">
-                  <c:v>UCTE region</c:v>
-                </c:pt>
-                <c:pt idx="4">
-                  <c:v>Switzerland</c:v>
-                </c:pt>
-                <c:pt idx="5">
-                  <c:v>ASF</c:v>
-                </c:pt>
-                <c:pt idx="6">
-                  <c:v>France</c:v>
-                </c:pt>
-              </c:strCache>
-            </c:strRef>
-          </c:cat>
-          <c:val>
-            <c:numRef>
-              <c:f>Sheet1!$C$2:$C$8</c:f>
-              <c:numCache>
-                <c:formatCode>General</c:formatCode>
-                <c:ptCount val="7"/>
-                <c:pt idx="0">
-                  <c:v>1229.6</c:v>
-                </c:pt>
-                <c:pt idx="1">
-                  <c:v>808.4</c:v>
-                </c:pt>
-                <c:pt idx="2">
-                  <c:v>671.5</c:v>
-                </c:pt>
-                <c:pt idx="3">
-                  <c:v>551.7</c:v>
-                </c:pt>
-                <c:pt idx="4">
-                  <c:v>135.0</c:v>
-                </c:pt>
-                <c:pt idx="5">
-                  <c:v>126.8</c:v>
-                </c:pt>
-                <c:pt idx="6">
-                  <c:v>109.0</c:v>
-                </c:pt>
-              </c:numCache>
-            </c:numRef>
-          </c:val>
-        </c:ser>
-        <c:dLbls>
-          <c:showLegendKey val="0"/>
-          <c:showVal val="0"/>
-          <c:showCatName val="0"/>
-          <c:showSerName val="0"/>
-          <c:showPercent val="0"/>
-          <c:showBubbleSize val="0"/>
-        </c:dLbls>
-        <c:gapWidth val="219"/>
-        <c:overlap val="-27"/>
-        <c:axId val="2087246840"/>
-        <c:axId val="2087250472"/>
-      </c:barChart>
-      <c:catAx>
-        <c:axId val="2087246840"/>
-        <c:scaling>
-          <c:orientation val="minMax"/>
-        </c:scaling>
-        <c:delete val="0"/>
-        <c:axPos val="b"/>
-        <c:numFmt formatCode="General" sourceLinked="1"/>
-        <c:majorTickMark val="none"/>
-        <c:minorTickMark val="none"/>
-        <c:tickLblPos val="nextTo"/>
-        <c:spPr>
-          <a:noFill/>
-          <a:ln w="9525" cap="flat" cmpd="sng" algn="ctr">
-            <a:solidFill>
-              <a:schemeClr val="accent3"/>
-            </a:solidFill>
-            <a:round/>
-          </a:ln>
-          <a:effectLst/>
-        </c:spPr>
-        <c:txPr>
-          <a:bodyPr rot="-60000000" spcFirstLastPara="1" vertOverflow="ellipsis" vert="horz" wrap="square" anchor="ctr" anchorCtr="1"/>
-          <a:lstStyle/>
-          <a:p>
-            <a:pPr>
-              <a:defRPr sz="1400" b="0" i="0" u="none" strike="noStrike" kern="1200" baseline="0">
-                <a:solidFill>
-                  <a:schemeClr val="tx1">
-                    <a:lumMod val="65000"/>
-                    <a:lumOff val="35000"/>
-                  </a:schemeClr>
-                </a:solidFill>
-                <a:latin typeface="+mn-lt"/>
-                <a:ea typeface="+mn-ea"/>
-                <a:cs typeface="+mn-cs"/>
-              </a:defRPr>
-            </a:pPr>
-            <a:endParaRPr lang="en-US"/>
-          </a:p>
-        </c:txPr>
-        <c:crossAx val="2087250472"/>
-        <c:crosses val="autoZero"/>
-        <c:auto val="1"/>
-        <c:lblAlgn val="ctr"/>
-        <c:lblOffset val="100"/>
-        <c:noMultiLvlLbl val="0"/>
-      </c:catAx>
-      <c:valAx>
-        <c:axId val="2087250472"/>
-        <c:scaling>
-          <c:orientation val="minMax"/>
-        </c:scaling>
-        <c:delete val="0"/>
-        <c:axPos val="l"/>
-        <c:majorGridlines>
-          <c:spPr>
-            <a:ln w="9525" cap="flat" cmpd="sng" algn="ctr">
-              <a:solidFill>
-                <a:schemeClr val="tx1">
-                  <a:lumMod val="15000"/>
-                  <a:lumOff val="85000"/>
-                </a:schemeClr>
-              </a:solidFill>
-              <a:round/>
-            </a:ln>
-            <a:effectLst/>
-          </c:spPr>
-        </c:majorGridlines>
-        <c:title>
-          <c:tx>
-            <c:rich>
-              <a:bodyPr rot="-5400000" spcFirstLastPara="1" vertOverflow="ellipsis" vert="horz" wrap="square" anchor="ctr" anchorCtr="1"/>
-              <a:lstStyle/>
-              <a:p>
-                <a:pPr>
-                  <a:defRPr sz="1400" b="0" i="0" u="none" strike="noStrike" kern="1200" baseline="0">
-                    <a:solidFill>
-                      <a:schemeClr val="tx1">
-                        <a:lumMod val="65000"/>
-                        <a:lumOff val="35000"/>
-                      </a:schemeClr>
-                    </a:solidFill>
-                    <a:latin typeface="+mn-lt"/>
-                    <a:ea typeface="+mn-ea"/>
-                    <a:cs typeface="+mn-cs"/>
-                  </a:defRPr>
-                </a:pPr>
-                <a:r>
-                  <a:rPr lang="en-US" sz="1600" dirty="0" smtClean="0"/>
-                  <a:t>Electricity production at grid</a:t>
-                </a:r>
-              </a:p>
-              <a:p>
-                <a:pPr>
-                  <a:defRPr sz="1400" b="0" i="0" u="none" strike="noStrike" kern="1200" baseline="0">
-                    <a:solidFill>
-                      <a:schemeClr val="tx1">
-                        <a:lumMod val="65000"/>
-                        <a:lumOff val="35000"/>
-                      </a:schemeClr>
-                    </a:solidFill>
-                    <a:latin typeface="+mn-lt"/>
-                    <a:ea typeface="+mn-ea"/>
-                    <a:cs typeface="+mn-cs"/>
-                  </a:defRPr>
-                </a:pPr>
-                <a:r>
-                  <a:rPr lang="en-US" sz="1600" noProof="1" smtClean="0"/>
-                  <a:t>(g</a:t>
-                </a:r>
-                <a:r>
-                  <a:rPr lang="en-US" sz="1600" baseline="-25000" noProof="1" smtClean="0"/>
-                  <a:t>CO2eq</a:t>
-                </a:r>
-                <a:r>
-                  <a:rPr lang="en-US" sz="1600" noProof="1" smtClean="0"/>
-                  <a:t>/kWh</a:t>
-                </a:r>
-                <a:r>
-                  <a:rPr lang="de-DE" sz="1600" dirty="0" smtClean="0"/>
-                  <a:t>)</a:t>
-                </a:r>
-                <a:endParaRPr lang="en-US" sz="1600" dirty="0"/>
-              </a:p>
-            </c:rich>
-          </c:tx>
-          <c:layout/>
-          <c:overlay val="0"/>
-          <c:spPr>
-            <a:noFill/>
-            <a:ln>
-              <a:noFill/>
-            </a:ln>
-            <a:effectLst/>
-          </c:spPr>
-        </c:title>
-        <c:numFmt formatCode="General" sourceLinked="1"/>
-        <c:majorTickMark val="none"/>
-        <c:minorTickMark val="none"/>
-        <c:tickLblPos val="nextTo"/>
-        <c:spPr>
-          <a:noFill/>
-          <a:ln>
-            <a:solidFill>
-              <a:schemeClr val="accent3"/>
-            </a:solidFill>
-          </a:ln>
-          <a:effectLst/>
-        </c:spPr>
-        <c:txPr>
-          <a:bodyPr rot="-60000000" spcFirstLastPara="1" vertOverflow="ellipsis" vert="horz" wrap="square" anchor="ctr" anchorCtr="1"/>
-          <a:lstStyle/>
-          <a:p>
-            <a:pPr>
-              <a:defRPr sz="1400" b="0" i="0" u="none" strike="noStrike" kern="1200" baseline="0">
-                <a:solidFill>
-                  <a:schemeClr val="tx1">
-                    <a:lumMod val="65000"/>
-                    <a:lumOff val="35000"/>
-                  </a:schemeClr>
-                </a:solidFill>
-                <a:latin typeface="+mn-lt"/>
-                <a:ea typeface="+mn-ea"/>
-                <a:cs typeface="+mn-cs"/>
-              </a:defRPr>
-            </a:pPr>
-            <a:endParaRPr lang="en-US"/>
-          </a:p>
-        </c:txPr>
-        <c:crossAx val="2087246840"/>
-        <c:crosses val="autoZero"/>
-        <c:crossBetween val="between"/>
-      </c:valAx>
-      <c:spPr>
-        <a:noFill/>
-        <a:ln>
-          <a:solidFill>
-            <a:schemeClr val="accent3"/>
-          </a:solidFill>
-        </a:ln>
-        <a:effectLst/>
-      </c:spPr>
-    </c:plotArea>
-    <c:legend>
-      <c:legendPos val="b"/>
-      <c:layout/>
       <c:overlay val="0"/>
       <c:spPr>
         <a:noFill/>
@@ -3891,7 +4000,7 @@
       <a:endParaRPr lang="en-US"/>
     </a:p>
   </c:txPr>
-  <c:externalData r:id="rId1">
+  <c:externalData r:id="rId3">
     <c:autoUpdate val="0"/>
   </c:externalData>
 </c:chartSpace>
@@ -4033,7 +4142,7 @@
                   <c:v>-6.43</c:v>
                 </c:pt>
                 <c:pt idx="10">
-                  <c:v>-9.739999999999998</c:v>
+                  <c:v>-9.74</c:v>
                 </c:pt>
                 <c:pt idx="11">
                   <c:v>-13.05</c:v>
@@ -4066,13 +4175,12 @@
           <c:showPercent val="0"/>
           <c:showBubbleSize val="0"/>
         </c:dLbls>
-        <c:marker val="1"/>
         <c:smooth val="0"/>
-        <c:axId val="2087351176"/>
-        <c:axId val="2087354856"/>
+        <c:axId val="-2089979152"/>
+        <c:axId val="-2145635024"/>
       </c:lineChart>
       <c:catAx>
-        <c:axId val="2087351176"/>
+        <c:axId val="-2089979152"/>
         <c:scaling>
           <c:orientation val="minMax"/>
         </c:scaling>
@@ -4115,7 +4223,7 @@
             <a:endParaRPr lang="en-US"/>
           </a:p>
         </c:txPr>
-        <c:crossAx val="2087354856"/>
+        <c:crossAx val="-2145635024"/>
         <c:crosses val="autoZero"/>
         <c:auto val="1"/>
         <c:lblAlgn val="ctr"/>
@@ -4123,7 +4231,7 @@
         <c:noMultiLvlLbl val="0"/>
       </c:catAx>
       <c:valAx>
-        <c:axId val="2087354856"/>
+        <c:axId val="-2145635024"/>
         <c:scaling>
           <c:orientation val="minMax"/>
         </c:scaling>
@@ -4170,7 +4278,6 @@
               </a:p>
             </c:rich>
           </c:tx>
-          <c:layout/>
           <c:overlay val="0"/>
           <c:spPr>
             <a:noFill/>
@@ -4211,7 +4318,7 @@
             <a:endParaRPr lang="en-US"/>
           </a:p>
         </c:txPr>
-        <c:crossAx val="2087351176"/>
+        <c:crossAx val="-2089979152"/>
         <c:crosses val="autoZero"/>
         <c:crossBetween val="between"/>
       </c:valAx>
@@ -4227,7 +4334,6 @@
     </c:plotArea>
     <c:legend>
       <c:legendPos val="b"/>
-      <c:layout/>
       <c:overlay val="0"/>
       <c:spPr>
         <a:noFill/>
@@ -4369,7 +4475,6 @@
             <c:showLeaderLines val="0"/>
             <c:extLst>
               <c:ext xmlns:c15="http://schemas.microsoft.com/office/drawing/2012/chart" uri="{CE6537A1-D6FC-4f65-9D91-7224C49458BB}">
-                <c15:layout/>
                 <c15:showLeaderLines val="1"/>
                 <c15:leaderLines>
                   <c:spPr>
@@ -4482,7 +4587,6 @@
             <c:showLeaderLines val="0"/>
             <c:extLst>
               <c:ext xmlns:c15="http://schemas.microsoft.com/office/drawing/2012/chart" uri="{CE6537A1-D6FC-4f65-9D91-7224C49458BB}">
-                <c15:layout/>
                 <c15:showLeaderLines val="1"/>
                 <c15:leaderLines>
                   <c:spPr>
@@ -4595,7 +4699,6 @@
             <c:showLeaderLines val="0"/>
             <c:extLst>
               <c:ext xmlns:c15="http://schemas.microsoft.com/office/drawing/2012/chart" uri="{CE6537A1-D6FC-4f65-9D91-7224C49458BB}">
-                <c15:layout/>
                 <c15:showLeaderLines val="1"/>
                 <c15:leaderLines>
                   <c:spPr>
@@ -4763,7 +4866,6 @@
             <c:showLeaderLines val="0"/>
             <c:extLst>
               <c:ext xmlns:c15="http://schemas.microsoft.com/office/drawing/2012/chart" uri="{CE6537A1-D6FC-4f65-9D91-7224C49458BB}">
-                <c15:layout/>
                 <c15:showLeaderLines val="1"/>
                 <c15:leaderLines>
                   <c:spPr>
@@ -4823,11 +4925,11 @@
         </c:dLbls>
         <c:gapWidth val="219"/>
         <c:overlap val="-27"/>
-        <c:axId val="2087446216"/>
-        <c:axId val="2087449992"/>
+        <c:axId val="-2053479808"/>
+        <c:axId val="-2053464368"/>
       </c:barChart>
       <c:catAx>
-        <c:axId val="2087446216"/>
+        <c:axId val="-2053479808"/>
         <c:scaling>
           <c:orientation val="minMax"/>
         </c:scaling>
@@ -4870,7 +4972,7 @@
             <a:endParaRPr lang="en-US"/>
           </a:p>
         </c:txPr>
-        <c:crossAx val="2087449992"/>
+        <c:crossAx val="-2053464368"/>
         <c:crosses val="autoZero"/>
         <c:auto val="1"/>
         <c:lblAlgn val="ctr"/>
@@ -4878,7 +4980,7 @@
         <c:noMultiLvlLbl val="0"/>
       </c:catAx>
       <c:valAx>
-        <c:axId val="2087449992"/>
+        <c:axId val="-2053464368"/>
         <c:scaling>
           <c:orientation val="minMax"/>
         </c:scaling>
@@ -4941,7 +5043,6 @@
               </a:p>
             </c:rich>
           </c:tx>
-          <c:layout/>
           <c:overlay val="0"/>
           <c:spPr>
             <a:noFill/>
@@ -4950,6 +5051,26 @@
             </a:ln>
             <a:effectLst/>
           </c:spPr>
+          <c:txPr>
+            <a:bodyPr rot="-5400000" spcFirstLastPara="1" vertOverflow="ellipsis" vert="horz" wrap="square" anchor="ctr" anchorCtr="1"/>
+            <a:lstStyle/>
+            <a:p>
+              <a:pPr>
+                <a:defRPr sz="1600" b="0" i="0" u="none" strike="noStrike" kern="1200" baseline="0">
+                  <a:solidFill>
+                    <a:schemeClr val="tx1">
+                      <a:lumMod val="65000"/>
+                      <a:lumOff val="35000"/>
+                    </a:schemeClr>
+                  </a:solidFill>
+                  <a:latin typeface="+mn-lt"/>
+                  <a:ea typeface="+mn-ea"/>
+                  <a:cs typeface="+mn-cs"/>
+                </a:defRPr>
+              </a:pPr>
+              <a:endParaRPr lang="en-US"/>
+            </a:p>
+          </c:txPr>
         </c:title>
         <c:numFmt formatCode="General" sourceLinked="1"/>
         <c:majorTickMark val="none"/>
@@ -4982,7 +5103,7 @@
             <a:endParaRPr lang="en-US"/>
           </a:p>
         </c:txPr>
-        <c:crossAx val="2087446216"/>
+        <c:crossAx val="-2053479808"/>
         <c:crosses val="autoZero"/>
         <c:crossBetween val="between"/>
       </c:valAx>
@@ -4998,7 +5119,6 @@
     </c:plotArea>
     <c:legend>
       <c:legendPos val="b"/>
-      <c:layout/>
       <c:overlay val="0"/>
       <c:spPr>
         <a:noFill/>
@@ -5049,10 +5169,10 @@
       <a:endParaRPr lang="en-US"/>
     </a:p>
   </c:txPr>
-  <c:externalData r:id="rId1">
+  <c:externalData r:id="rId3">
     <c:autoUpdate val="0"/>
   </c:externalData>
-  <c:userShapes r:id="rId2"/>
+  <c:userShapes r:id="rId4"/>
 </c:chartSpace>
 </file>
 
@@ -5223,6 +5343,28 @@
                 </a:ln>
                 <a:effectLst/>
               </c:spPr>
+              <c:txPr>
+                <a:bodyPr rot="0" spcFirstLastPara="1" vertOverflow="ellipsis" vert="horz" wrap="square" lIns="38100" tIns="19050" rIns="38100" bIns="19050" anchor="ctr" anchorCtr="1">
+                  <a:noAutofit/>
+                </a:bodyPr>
+                <a:lstStyle/>
+                <a:p>
+                  <a:pPr>
+                    <a:defRPr sz="1197" b="0" i="0" u="none" strike="noStrike" kern="1200" baseline="0">
+                      <a:solidFill>
+                        <a:schemeClr val="tx1">
+                          <a:lumMod val="75000"/>
+                          <a:lumOff val="25000"/>
+                        </a:schemeClr>
+                      </a:solidFill>
+                      <a:latin typeface="+mn-lt"/>
+                      <a:ea typeface="+mn-ea"/>
+                      <a:cs typeface="+mn-cs"/>
+                    </a:defRPr>
+                  </a:pPr>
+                  <a:endParaRPr lang="en-US"/>
+                </a:p>
+              </c:txPr>
               <c:showLegendKey val="0"/>
               <c:showVal val="1"/>
               <c:showCatName val="0"/>
@@ -5268,9 +5410,7 @@
               <c:showPercent val="0"/>
               <c:showBubbleSize val="0"/>
               <c:extLst>
-                <c:ext xmlns:c15="http://schemas.microsoft.com/office/drawing/2012/chart" uri="{CE6537A1-D6FC-4f65-9D91-7224C49458BB}">
-                  <c15:layout/>
-                </c:ext>
+                <c:ext xmlns:c15="http://schemas.microsoft.com/office/drawing/2012/chart" uri="{CE6537A1-D6FC-4f65-9D91-7224C49458BB}"/>
               </c:extLst>
             </c:dLbl>
             <c:dLbl>
@@ -5301,9 +5441,7 @@
               <c:showPercent val="0"/>
               <c:showBubbleSize val="0"/>
               <c:extLst>
-                <c:ext xmlns:c15="http://schemas.microsoft.com/office/drawing/2012/chart" uri="{CE6537A1-D6FC-4f65-9D91-7224C49458BB}">
-                  <c15:layout/>
-                </c:ext>
+                <c:ext xmlns:c15="http://schemas.microsoft.com/office/drawing/2012/chart" uri="{CE6537A1-D6FC-4f65-9D91-7224C49458BB}"/>
               </c:extLst>
             </c:dLbl>
             <c:dLbl>
@@ -5334,9 +5472,7 @@
               <c:showPercent val="0"/>
               <c:showBubbleSize val="0"/>
               <c:extLst>
-                <c:ext xmlns:c15="http://schemas.microsoft.com/office/drawing/2012/chart" uri="{CE6537A1-D6FC-4f65-9D91-7224C49458BB}">
-                  <c15:layout/>
-                </c:ext>
+                <c:ext xmlns:c15="http://schemas.microsoft.com/office/drawing/2012/chart" uri="{CE6537A1-D6FC-4f65-9D91-7224C49458BB}"/>
               </c:extLst>
             </c:dLbl>
             <c:dLbl>
@@ -5367,9 +5503,7 @@
               <c:showPercent val="0"/>
               <c:showBubbleSize val="0"/>
               <c:extLst>
-                <c:ext xmlns:c15="http://schemas.microsoft.com/office/drawing/2012/chart" uri="{CE6537A1-D6FC-4f65-9D91-7224C49458BB}">
-                  <c15:layout/>
-                </c:ext>
+                <c:ext xmlns:c15="http://schemas.microsoft.com/office/drawing/2012/chart" uri="{CE6537A1-D6FC-4f65-9D91-7224C49458BB}"/>
               </c:extLst>
             </c:dLbl>
             <c:spPr>
@@ -5524,9 +5658,7 @@
               <c:showPercent val="0"/>
               <c:showBubbleSize val="0"/>
               <c:extLst>
-                <c:ext xmlns:c15="http://schemas.microsoft.com/office/drawing/2012/chart" uri="{CE6537A1-D6FC-4f65-9D91-7224C49458BB}">
-                  <c15:layout/>
-                </c:ext>
+                <c:ext xmlns:c15="http://schemas.microsoft.com/office/drawing/2012/chart" uri="{CE6537A1-D6FC-4f65-9D91-7224C49458BB}"/>
               </c:extLst>
             </c:dLbl>
             <c:dLbl>
@@ -5666,11 +5798,11 @@
         </c:dLbls>
         <c:gapWidth val="219"/>
         <c:overlap val="100"/>
-        <c:axId val="-2132484088"/>
-        <c:axId val="-2132201640"/>
+        <c:axId val="-2053826880"/>
+        <c:axId val="-2049949392"/>
       </c:barChart>
       <c:catAx>
-        <c:axId val="-2132484088"/>
+        <c:axId val="-2053826880"/>
         <c:scaling>
           <c:orientation val="minMax"/>
         </c:scaling>
@@ -5713,7 +5845,7 @@
             <a:endParaRPr lang="en-US"/>
           </a:p>
         </c:txPr>
-        <c:crossAx val="-2132201640"/>
+        <c:crossAx val="-2049949392"/>
         <c:crosses val="autoZero"/>
         <c:auto val="1"/>
         <c:lblAlgn val="ctr"/>
@@ -5721,7 +5853,7 @@
         <c:noMultiLvlLbl val="0"/>
       </c:catAx>
       <c:valAx>
-        <c:axId val="-2132201640"/>
+        <c:axId val="-2049949392"/>
         <c:scaling>
           <c:orientation val="minMax"/>
         </c:scaling>
@@ -5802,7 +5934,6 @@
               </a:p>
             </c:rich>
           </c:tx>
-          <c:layout/>
           <c:overlay val="0"/>
           <c:spPr>
             <a:noFill/>
@@ -5811,6 +5942,26 @@
             </a:ln>
             <a:effectLst/>
           </c:spPr>
+          <c:txPr>
+            <a:bodyPr rot="-5400000" spcFirstLastPara="1" vertOverflow="ellipsis" vert="horz" wrap="square" anchor="ctr" anchorCtr="1"/>
+            <a:lstStyle/>
+            <a:p>
+              <a:pPr>
+                <a:defRPr sz="1330" b="0" i="0" u="none" strike="noStrike" kern="1200" baseline="0">
+                  <a:solidFill>
+                    <a:schemeClr val="tx1">
+                      <a:lumMod val="65000"/>
+                      <a:lumOff val="35000"/>
+                    </a:schemeClr>
+                  </a:solidFill>
+                  <a:latin typeface="+mn-lt"/>
+                  <a:ea typeface="+mn-ea"/>
+                  <a:cs typeface="+mn-cs"/>
+                </a:defRPr>
+              </a:pPr>
+              <a:endParaRPr lang="en-US"/>
+            </a:p>
+          </c:txPr>
         </c:title>
         <c:numFmt formatCode="General" sourceLinked="1"/>
         <c:majorTickMark val="none"/>
@@ -5843,7 +5994,7 @@
             <a:endParaRPr lang="en-US"/>
           </a:p>
         </c:txPr>
-        <c:crossAx val="-2132484088"/>
+        <c:crossAx val="-2053826880"/>
         <c:crosses val="autoZero"/>
         <c:crossBetween val="between"/>
       </c:valAx>
@@ -5859,7 +6010,6 @@
     </c:plotArea>
     <c:legend>
       <c:legendPos val="b"/>
-      <c:layout/>
       <c:overlay val="0"/>
       <c:spPr>
         <a:noFill/>
@@ -5910,7 +6060,7 @@
       <a:endParaRPr lang="en-US"/>
     </a:p>
   </c:txPr>
-  <c:externalData r:id="rId1">
+  <c:externalData r:id="rId3">
     <c:autoUpdate val="0"/>
   </c:externalData>
 </c:chartSpace>
@@ -6309,11 +6459,11 @@
         </c:dLbls>
         <c:gapWidth val="219"/>
         <c:overlap val="-27"/>
-        <c:axId val="-2137830968"/>
-        <c:axId val="-2137828840"/>
+        <c:axId val="-2048305696"/>
+        <c:axId val="-2048302224"/>
       </c:barChart>
       <c:catAx>
-        <c:axId val="-2137830968"/>
+        <c:axId val="-2048305696"/>
         <c:scaling>
           <c:orientation val="minMax"/>
         </c:scaling>
@@ -6353,7 +6503,7 @@
             <a:endParaRPr lang="en-US"/>
           </a:p>
         </c:txPr>
-        <c:crossAx val="-2137828840"/>
+        <c:crossAx val="-2048302224"/>
         <c:crosses val="autoZero"/>
         <c:auto val="1"/>
         <c:lblAlgn val="ctr"/>
@@ -6361,7 +6511,7 @@
         <c:noMultiLvlLbl val="0"/>
       </c:catAx>
       <c:valAx>
-        <c:axId val="-2137828840"/>
+        <c:axId val="-2048302224"/>
         <c:scaling>
           <c:orientation val="minMax"/>
         </c:scaling>
@@ -6429,6 +6579,26 @@
             </a:ln>
             <a:effectLst/>
           </c:spPr>
+          <c:txPr>
+            <a:bodyPr rot="-5400000" spcFirstLastPara="1" vertOverflow="ellipsis" vert="horz" wrap="square" anchor="ctr" anchorCtr="1"/>
+            <a:lstStyle/>
+            <a:p>
+              <a:pPr>
+                <a:defRPr sz="1400" b="0" i="0" u="none" strike="noStrike" kern="1200" baseline="0">
+                  <a:solidFill>
+                    <a:schemeClr val="tx1">
+                      <a:lumMod val="65000"/>
+                      <a:lumOff val="35000"/>
+                    </a:schemeClr>
+                  </a:solidFill>
+                  <a:latin typeface="+mn-lt"/>
+                  <a:ea typeface="+mn-ea"/>
+                  <a:cs typeface="+mn-cs"/>
+                </a:defRPr>
+              </a:pPr>
+              <a:endParaRPr lang="en-US"/>
+            </a:p>
+          </c:txPr>
         </c:title>
         <c:numFmt formatCode="General" sourceLinked="1"/>
         <c:majorTickMark val="none"/>
@@ -6463,7 +6633,7 @@
             <a:endParaRPr lang="en-US"/>
           </a:p>
         </c:txPr>
-        <c:crossAx val="-2137830968"/>
+        <c:crossAx val="-2048305696"/>
         <c:crosses val="autoZero"/>
         <c:crossBetween val="between"/>
       </c:valAx>
@@ -6530,7 +6700,7 @@
       <a:endParaRPr lang="en-US"/>
     </a:p>
   </c:txPr>
-  <c:externalData r:id="rId1">
+  <c:externalData r:id="rId3">
     <c:autoUpdate val="0"/>
   </c:externalData>
 </c:chartSpace>
@@ -6846,11 +7016,11 @@
         </c:dLbls>
         <c:gapWidth val="219"/>
         <c:overlap val="100"/>
-        <c:axId val="2127374776"/>
-        <c:axId val="2127370920"/>
+        <c:axId val="-2053771840"/>
+        <c:axId val="-2053773664"/>
       </c:barChart>
       <c:catAx>
-        <c:axId val="2127374776"/>
+        <c:axId val="-2053771840"/>
         <c:scaling>
           <c:orientation val="minMax"/>
         </c:scaling>
@@ -6893,7 +7063,7 @@
             <a:endParaRPr lang="en-US"/>
           </a:p>
         </c:txPr>
-        <c:crossAx val="2127370920"/>
+        <c:crossAx val="-2053773664"/>
         <c:crosses val="autoZero"/>
         <c:auto val="1"/>
         <c:lblAlgn val="ctr"/>
@@ -6901,7 +7071,7 @@
         <c:noMultiLvlLbl val="0"/>
       </c:catAx>
       <c:valAx>
-        <c:axId val="2127370920"/>
+        <c:axId val="-2053773664"/>
         <c:scaling>
           <c:orientation val="minMax"/>
         </c:scaling>
@@ -6952,7 +7122,6 @@
               </a:p>
             </c:rich>
           </c:tx>
-          <c:layout/>
           <c:overlay val="0"/>
           <c:spPr>
             <a:noFill/>
@@ -6993,7 +7162,7 @@
             <a:endParaRPr lang="en-US"/>
           </a:p>
         </c:txPr>
-        <c:crossAx val="2127374776"/>
+        <c:crossAx val="-2053771840"/>
         <c:crosses val="autoZero"/>
         <c:crossBetween val="between"/>
       </c:valAx>
@@ -7009,7 +7178,6 @@
     </c:plotArea>
     <c:legend>
       <c:legendPos val="b"/>
-      <c:layout/>
       <c:overlay val="0"/>
       <c:spPr>
         <a:noFill/>
@@ -7261,11 +7429,11 @@
         </c:dLbls>
         <c:gapWidth val="219"/>
         <c:overlap val="100"/>
-        <c:axId val="2125636488"/>
-        <c:axId val="2125699720"/>
+        <c:axId val="-2093106112"/>
+        <c:axId val="-2094198752"/>
       </c:barChart>
       <c:catAx>
-        <c:axId val="2125636488"/>
+        <c:axId val="-2093106112"/>
         <c:scaling>
           <c:orientation val="minMax"/>
         </c:scaling>
@@ -7305,7 +7473,7 @@
             <a:endParaRPr lang="en-US"/>
           </a:p>
         </c:txPr>
-        <c:crossAx val="2125699720"/>
+        <c:crossAx val="-2094198752"/>
         <c:crosses val="autoZero"/>
         <c:auto val="1"/>
         <c:lblAlgn val="ctr"/>
@@ -7313,7 +7481,7 @@
         <c:noMultiLvlLbl val="0"/>
       </c:catAx>
       <c:valAx>
-        <c:axId val="2125699720"/>
+        <c:axId val="-2094198752"/>
         <c:scaling>
           <c:orientation val="minMax"/>
         </c:scaling>
@@ -7394,7 +7562,6 @@
               </a:p>
             </c:rich>
           </c:tx>
-          <c:layout/>
           <c:overlay val="0"/>
           <c:spPr>
             <a:noFill/>
@@ -7403,6 +7570,26 @@
             </a:ln>
             <a:effectLst/>
           </c:spPr>
+          <c:txPr>
+            <a:bodyPr rot="-5400000" spcFirstLastPara="1" vertOverflow="ellipsis" vert="horz" wrap="square" anchor="ctr" anchorCtr="1"/>
+            <a:lstStyle/>
+            <a:p>
+              <a:pPr>
+                <a:defRPr sz="1330" b="0" i="0" u="none" strike="noStrike" kern="1200" baseline="0">
+                  <a:solidFill>
+                    <a:schemeClr val="tx1">
+                      <a:lumMod val="65000"/>
+                      <a:lumOff val="35000"/>
+                    </a:schemeClr>
+                  </a:solidFill>
+                  <a:latin typeface="+mn-lt"/>
+                  <a:ea typeface="+mn-ea"/>
+                  <a:cs typeface="+mn-cs"/>
+                </a:defRPr>
+              </a:pPr>
+              <a:endParaRPr lang="en-US"/>
+            </a:p>
+          </c:txPr>
         </c:title>
         <c:numFmt formatCode="General" sourceLinked="1"/>
         <c:majorTickMark val="none"/>
@@ -7435,7 +7622,7 @@
             <a:endParaRPr lang="en-US"/>
           </a:p>
         </c:txPr>
-        <c:crossAx val="2125636488"/>
+        <c:crossAx val="-2093106112"/>
         <c:crosses val="autoZero"/>
         <c:crossBetween val="between"/>
         <c:majorUnit val="100.0"/>
@@ -7471,7 +7658,7 @@
       <a:endParaRPr lang="en-US"/>
     </a:p>
   </c:txPr>
-  <c:externalData r:id="rId1">
+  <c:externalData r:id="rId3">
     <c:autoUpdate val="0"/>
   </c:externalData>
 </c:chartSpace>
@@ -7649,11 +7836,11 @@
         </c:dLbls>
         <c:gapWidth val="219"/>
         <c:overlap val="100"/>
-        <c:axId val="2126759560"/>
-        <c:axId val="2126763208"/>
+        <c:axId val="-2108344448"/>
+        <c:axId val="-2108360000"/>
       </c:barChart>
       <c:catAx>
-        <c:axId val="2126759560"/>
+        <c:axId val="-2108344448"/>
         <c:scaling>
           <c:orientation val="minMax"/>
         </c:scaling>
@@ -7693,7 +7880,7 @@
             <a:endParaRPr lang="en-US"/>
           </a:p>
         </c:txPr>
-        <c:crossAx val="2126763208"/>
+        <c:crossAx val="-2108360000"/>
         <c:crosses val="autoZero"/>
         <c:auto val="1"/>
         <c:lblAlgn val="ctr"/>
@@ -7701,7 +7888,7 @@
         <c:noMultiLvlLbl val="0"/>
       </c:catAx>
       <c:valAx>
-        <c:axId val="2126763208"/>
+        <c:axId val="-2108360000"/>
         <c:scaling>
           <c:orientation val="minMax"/>
         </c:scaling>
@@ -7788,7 +7975,6 @@
               </a:p>
             </c:rich>
           </c:tx>
-          <c:layout/>
           <c:overlay val="0"/>
           <c:spPr>
             <a:noFill/>
@@ -7797,6 +7983,26 @@
             </a:ln>
             <a:effectLst/>
           </c:spPr>
+          <c:txPr>
+            <a:bodyPr rot="-5400000" spcFirstLastPara="1" vertOverflow="ellipsis" vert="horz" wrap="square" anchor="ctr" anchorCtr="1"/>
+            <a:lstStyle/>
+            <a:p>
+              <a:pPr>
+                <a:defRPr sz="1330" b="0" i="0" u="none" strike="noStrike" kern="1200" baseline="0">
+                  <a:solidFill>
+                    <a:schemeClr val="tx1">
+                      <a:lumMod val="65000"/>
+                      <a:lumOff val="35000"/>
+                    </a:schemeClr>
+                  </a:solidFill>
+                  <a:latin typeface="+mn-lt"/>
+                  <a:ea typeface="+mn-ea"/>
+                  <a:cs typeface="+mn-cs"/>
+                </a:defRPr>
+              </a:pPr>
+              <a:endParaRPr lang="en-US"/>
+            </a:p>
+          </c:txPr>
         </c:title>
         <c:numFmt formatCode="General" sourceLinked="1"/>
         <c:majorTickMark val="none"/>
@@ -7829,7 +8035,7 @@
             <a:endParaRPr lang="en-US"/>
           </a:p>
         </c:txPr>
-        <c:crossAx val="2126759560"/>
+        <c:crossAx val="-2108344448"/>
         <c:crosses val="autoZero"/>
         <c:crossBetween val="between"/>
       </c:valAx>
@@ -7864,7 +8070,7 @@
       <a:endParaRPr lang="en-US"/>
     </a:p>
   </c:txPr>
-  <c:externalData r:id="rId1">
+  <c:externalData r:id="rId3">
     <c:autoUpdate val="0"/>
   </c:externalData>
 </c:chartSpace>
@@ -7955,7 +8161,6 @@
             <c:showLeaderLines val="0"/>
             <c:extLst>
               <c:ext xmlns:c15="http://schemas.microsoft.com/office/drawing/2012/chart" uri="{CE6537A1-D6FC-4f65-9D91-7224C49458BB}">
-                <c15:layout/>
                 <c15:showLeaderLines val="1"/>
                 <c15:leaderLines>
                   <c:spPr>
@@ -8085,7 +8290,6 @@
             <c:showLeaderLines val="0"/>
             <c:extLst>
               <c:ext xmlns:c15="http://schemas.microsoft.com/office/drawing/2012/chart" uri="{CE6537A1-D6FC-4f65-9D91-7224C49458BB}">
-                <c15:layout/>
                 <c15:showLeaderLines val="1"/>
                 <c15:leaderLines>
                   <c:spPr>
@@ -8156,11 +8360,11 @@
         </c:dLbls>
         <c:gapWidth val="219"/>
         <c:overlap val="-27"/>
-        <c:axId val="-2137794440"/>
-        <c:axId val="-2137790792"/>
+        <c:axId val="-2051133024"/>
+        <c:axId val="-2051695472"/>
       </c:barChart>
       <c:catAx>
-        <c:axId val="-2137794440"/>
+        <c:axId val="-2051133024"/>
         <c:scaling>
           <c:orientation val="minMax"/>
         </c:scaling>
@@ -8200,7 +8404,7 @@
             <a:endParaRPr lang="en-US"/>
           </a:p>
         </c:txPr>
-        <c:crossAx val="-2137790792"/>
+        <c:crossAx val="-2051695472"/>
         <c:crosses val="autoZero"/>
         <c:auto val="1"/>
         <c:lblAlgn val="ctr"/>
@@ -8208,7 +8412,7 @@
         <c:noMultiLvlLbl val="0"/>
       </c:catAx>
       <c:valAx>
-        <c:axId val="-2137790792"/>
+        <c:axId val="-2051695472"/>
         <c:scaling>
           <c:orientation val="minMax"/>
         </c:scaling>
@@ -8279,7 +8483,6 @@
               </a:p>
             </c:rich>
           </c:tx>
-          <c:layout/>
           <c:overlay val="0"/>
           <c:spPr>
             <a:noFill/>
@@ -8288,6 +8491,26 @@
             </a:ln>
             <a:effectLst/>
           </c:spPr>
+          <c:txPr>
+            <a:bodyPr rot="-5400000" spcFirstLastPara="1" vertOverflow="ellipsis" vert="horz" wrap="square" anchor="ctr" anchorCtr="1"/>
+            <a:lstStyle/>
+            <a:p>
+              <a:pPr>
+                <a:defRPr sz="1400" b="0" i="0" u="none" strike="noStrike" kern="1200" baseline="0">
+                  <a:solidFill>
+                    <a:schemeClr val="tx1">
+                      <a:lumMod val="65000"/>
+                      <a:lumOff val="35000"/>
+                    </a:schemeClr>
+                  </a:solidFill>
+                  <a:latin typeface="+mn-lt"/>
+                  <a:ea typeface="+mn-ea"/>
+                  <a:cs typeface="+mn-cs"/>
+                </a:defRPr>
+              </a:pPr>
+              <a:endParaRPr lang="en-US"/>
+            </a:p>
+          </c:txPr>
         </c:title>
         <c:numFmt formatCode="General" sourceLinked="1"/>
         <c:majorTickMark val="none"/>
@@ -8322,7 +8545,7 @@
             <a:endParaRPr lang="en-US"/>
           </a:p>
         </c:txPr>
-        <c:crossAx val="-2137794440"/>
+        <c:crossAx val="-2051133024"/>
         <c:crosses val="autoZero"/>
         <c:crossBetween val="between"/>
       </c:valAx>
@@ -8338,7 +8561,6 @@
     </c:plotArea>
     <c:legend>
       <c:legendPos val="b"/>
-      <c:layout/>
       <c:overlay val="0"/>
       <c:spPr>
         <a:noFill/>
@@ -8389,7 +8611,7 @@
       <a:endParaRPr lang="en-US"/>
     </a:p>
   </c:txPr>
-  <c:externalData r:id="rId1">
+  <c:externalData r:id="rId3">
     <c:autoUpdate val="0"/>
   </c:externalData>
 </c:chartSpace>
@@ -8480,7 +8702,6 @@
             <c:showLeaderLines val="0"/>
             <c:extLst>
               <c:ext xmlns:c15="http://schemas.microsoft.com/office/drawing/2012/chart" uri="{CE6537A1-D6FC-4f65-9D91-7224C49458BB}">
-                <c15:layout/>
                 <c15:showLeaderLines val="1"/>
                 <c15:leaderLines>
                   <c:spPr>
@@ -8610,7 +8831,6 @@
             <c:showLeaderLines val="0"/>
             <c:extLst>
               <c:ext xmlns:c15="http://schemas.microsoft.com/office/drawing/2012/chart" uri="{CE6537A1-D6FC-4f65-9D91-7224C49458BB}">
-                <c15:layout/>
                 <c15:showLeaderLines val="1"/>
                 <c15:leaderLines>
                   <c:spPr>
@@ -8735,7 +8955,6 @@
             <c:showLeaderLines val="0"/>
             <c:extLst>
               <c:ext xmlns:c15="http://schemas.microsoft.com/office/drawing/2012/chart" uri="{CE6537A1-D6FC-4f65-9D91-7224C49458BB}">
-                <c15:layout/>
                 <c15:showLeaderLines val="1"/>
                 <c15:leaderLines>
                   <c:spPr>
@@ -8860,7 +9079,6 @@
             <c:showLeaderLines val="0"/>
             <c:extLst>
               <c:ext xmlns:c15="http://schemas.microsoft.com/office/drawing/2012/chart" uri="{CE6537A1-D6FC-4f65-9D91-7224C49458BB}">
-                <c15:layout/>
                 <c15:showLeaderLines val="1"/>
                 <c15:leaderLines>
                   <c:spPr>
@@ -8931,11 +9149,11 @@
         </c:dLbls>
         <c:gapWidth val="219"/>
         <c:overlap val="-27"/>
-        <c:axId val="-2137042888"/>
-        <c:axId val="-2137039112"/>
+        <c:axId val="-2051447904"/>
+        <c:axId val="-2051439408"/>
       </c:barChart>
       <c:catAx>
-        <c:axId val="-2137042888"/>
+        <c:axId val="-2051447904"/>
         <c:scaling>
           <c:orientation val="minMax"/>
         </c:scaling>
@@ -8975,7 +9193,7 @@
             <a:endParaRPr lang="en-US"/>
           </a:p>
         </c:txPr>
-        <c:crossAx val="-2137039112"/>
+        <c:crossAx val="-2051439408"/>
         <c:crosses val="autoZero"/>
         <c:auto val="1"/>
         <c:lblAlgn val="ctr"/>
@@ -8983,7 +9201,7 @@
         <c:noMultiLvlLbl val="0"/>
       </c:catAx>
       <c:valAx>
-        <c:axId val="-2137039112"/>
+        <c:axId val="-2051439408"/>
         <c:scaling>
           <c:orientation val="minMax"/>
         </c:scaling>
@@ -9029,17 +9247,7 @@
               </a:p>
               <a:p>
                 <a:pPr>
-                  <a:defRPr sz="1400" b="0" i="0" u="none" strike="noStrike" kern="1200" baseline="0">
-                    <a:solidFill>
-                      <a:schemeClr val="tx1">
-                        <a:lumMod val="65000"/>
-                        <a:lumOff val="35000"/>
-                      </a:schemeClr>
-                    </a:solidFill>
-                    <a:latin typeface="+mn-lt"/>
-                    <a:ea typeface="+mn-ea"/>
-                    <a:cs typeface="+mn-cs"/>
-                  </a:defRPr>
+                  <a:defRPr sz="1400"/>
                 </a:pPr>
                 <a:r>
                   <a:rPr lang="en-US" sz="1600" dirty="0" smtClean="0"/>
@@ -9069,7 +9277,6 @@
               </a:p>
             </c:rich>
           </c:tx>
-          <c:layout/>
           <c:overlay val="0"/>
           <c:spPr>
             <a:noFill/>
@@ -9078,6 +9285,26 @@
             </a:ln>
             <a:effectLst/>
           </c:spPr>
+          <c:txPr>
+            <a:bodyPr rot="-5400000" spcFirstLastPara="1" vertOverflow="ellipsis" vert="horz" wrap="square" anchor="ctr" anchorCtr="1"/>
+            <a:lstStyle/>
+            <a:p>
+              <a:pPr>
+                <a:defRPr sz="1400" b="0" i="0" u="none" strike="noStrike" kern="1200" baseline="0">
+                  <a:solidFill>
+                    <a:schemeClr val="tx1">
+                      <a:lumMod val="65000"/>
+                      <a:lumOff val="35000"/>
+                    </a:schemeClr>
+                  </a:solidFill>
+                  <a:latin typeface="+mn-lt"/>
+                  <a:ea typeface="+mn-ea"/>
+                  <a:cs typeface="+mn-cs"/>
+                </a:defRPr>
+              </a:pPr>
+              <a:endParaRPr lang="en-US"/>
+            </a:p>
+          </c:txPr>
         </c:title>
         <c:numFmt formatCode="General" sourceLinked="1"/>
         <c:majorTickMark val="none"/>
@@ -9112,7 +9339,7 @@
             <a:endParaRPr lang="en-US"/>
           </a:p>
         </c:txPr>
-        <c:crossAx val="-2137042888"/>
+        <c:crossAx val="-2051447904"/>
         <c:crosses val="autoZero"/>
         <c:crossBetween val="between"/>
       </c:valAx>
@@ -9128,7 +9355,6 @@
     </c:plotArea>
     <c:legend>
       <c:legendPos val="b"/>
-      <c:layout/>
       <c:overlay val="0"/>
       <c:spPr>
         <a:noFill/>
@@ -9179,7 +9405,7 @@
       <a:endParaRPr lang="en-US"/>
     </a:p>
   </c:txPr>
-  <c:externalData r:id="rId1">
+  <c:externalData r:id="rId3">
     <c:autoUpdate val="0"/>
   </c:externalData>
 </c:chartSpace>
@@ -9504,11 +9730,11 @@
         </c:dLbls>
         <c:gapWidth val="219"/>
         <c:overlap val="-27"/>
-        <c:axId val="-2137703848"/>
-        <c:axId val="-2137155064"/>
+        <c:axId val="-2051542064"/>
+        <c:axId val="-2051404576"/>
       </c:barChart>
       <c:catAx>
-        <c:axId val="-2137703848"/>
+        <c:axId val="-2051542064"/>
         <c:scaling>
           <c:orientation val="minMax"/>
         </c:scaling>
@@ -9548,7 +9774,7 @@
             <a:endParaRPr lang="en-US"/>
           </a:p>
         </c:txPr>
-        <c:crossAx val="-2137155064"/>
+        <c:crossAx val="-2051404576"/>
         <c:crosses val="autoZero"/>
         <c:auto val="1"/>
         <c:lblAlgn val="ctr"/>
@@ -9556,7 +9782,7 @@
         <c:noMultiLvlLbl val="0"/>
       </c:catAx>
       <c:valAx>
-        <c:axId val="-2137155064"/>
+        <c:axId val="-2051404576"/>
         <c:scaling>
           <c:orientation val="minMax"/>
         </c:scaling>
@@ -9602,17 +9828,7 @@
               </a:p>
               <a:p>
                 <a:pPr>
-                  <a:defRPr sz="1400" b="0" i="0" u="none" strike="noStrike" kern="1200" baseline="0">
-                    <a:solidFill>
-                      <a:schemeClr val="tx1">
-                        <a:lumMod val="65000"/>
-                        <a:lumOff val="35000"/>
-                      </a:schemeClr>
-                    </a:solidFill>
-                    <a:latin typeface="+mn-lt"/>
-                    <a:ea typeface="+mn-ea"/>
-                    <a:cs typeface="+mn-cs"/>
-                  </a:defRPr>
+                  <a:defRPr sz="1400"/>
                 </a:pPr>
                 <a:r>
                   <a:rPr lang="en-US" sz="1600" noProof="1" smtClean="0"/>
@@ -9634,7 +9850,6 @@
               </a:p>
             </c:rich>
           </c:tx>
-          <c:layout/>
           <c:overlay val="0"/>
           <c:spPr>
             <a:noFill/>
@@ -9643,6 +9858,26 @@
             </a:ln>
             <a:effectLst/>
           </c:spPr>
+          <c:txPr>
+            <a:bodyPr rot="-5400000" spcFirstLastPara="1" vertOverflow="ellipsis" vert="horz" wrap="square" anchor="ctr" anchorCtr="1"/>
+            <a:lstStyle/>
+            <a:p>
+              <a:pPr>
+                <a:defRPr sz="1400" b="0" i="0" u="none" strike="noStrike" kern="1200" baseline="0">
+                  <a:solidFill>
+                    <a:schemeClr val="tx1">
+                      <a:lumMod val="65000"/>
+                      <a:lumOff val="35000"/>
+                    </a:schemeClr>
+                  </a:solidFill>
+                  <a:latin typeface="+mn-lt"/>
+                  <a:ea typeface="+mn-ea"/>
+                  <a:cs typeface="+mn-cs"/>
+                </a:defRPr>
+              </a:pPr>
+              <a:endParaRPr lang="en-US"/>
+            </a:p>
+          </c:txPr>
         </c:title>
         <c:numFmt formatCode="General" sourceLinked="1"/>
         <c:majorTickMark val="none"/>
@@ -9677,7 +9912,7 @@
             <a:endParaRPr lang="en-US"/>
           </a:p>
         </c:txPr>
-        <c:crossAx val="-2137703848"/>
+        <c:crossAx val="-2051542064"/>
         <c:crosses val="autoZero"/>
         <c:crossBetween val="between"/>
       </c:valAx>
@@ -9693,7 +9928,6 @@
     </c:plotArea>
     <c:legend>
       <c:legendPos val="b"/>
-      <c:layout/>
       <c:overlay val="0"/>
       <c:spPr>
         <a:noFill/>
@@ -9744,7 +9978,7 @@
       <a:endParaRPr lang="en-US"/>
     </a:p>
   </c:txPr>
-  <c:externalData r:id="rId1">
+  <c:externalData r:id="rId3">
     <c:autoUpdate val="0"/>
   </c:externalData>
 </c:chartSpace>
@@ -9847,11 +10081,11 @@
         </c:dLbls>
         <c:gapWidth val="219"/>
         <c:overlap val="-27"/>
-        <c:axId val="-2137222968"/>
-        <c:axId val="-2137219288"/>
+        <c:axId val="-2093701088"/>
+        <c:axId val="-2048237920"/>
       </c:barChart>
       <c:catAx>
-        <c:axId val="-2137222968"/>
+        <c:axId val="-2093701088"/>
         <c:scaling>
           <c:orientation val="minMax"/>
         </c:scaling>
@@ -9891,7 +10125,7 @@
             <a:endParaRPr lang="en-US"/>
           </a:p>
         </c:txPr>
-        <c:crossAx val="-2137219288"/>
+        <c:crossAx val="-2048237920"/>
         <c:crosses val="autoZero"/>
         <c:auto val="1"/>
         <c:lblAlgn val="ctr"/>
@@ -9899,7 +10133,7 @@
         <c:noMultiLvlLbl val="0"/>
       </c:catAx>
       <c:valAx>
-        <c:axId val="-2137219288"/>
+        <c:axId val="-2048237920"/>
         <c:scaling>
           <c:orientation val="minMax"/>
         </c:scaling>
@@ -9945,17 +10179,7 @@
               </a:p>
               <a:p>
                 <a:pPr>
-                  <a:defRPr sz="1400" b="0" i="0" u="none" strike="noStrike" kern="1200" baseline="0">
-                    <a:solidFill>
-                      <a:schemeClr val="tx1">
-                        <a:lumMod val="65000"/>
-                        <a:lumOff val="35000"/>
-                      </a:schemeClr>
-                    </a:solidFill>
-                    <a:latin typeface="+mn-lt"/>
-                    <a:ea typeface="+mn-ea"/>
-                    <a:cs typeface="+mn-cs"/>
-                  </a:defRPr>
+                  <a:defRPr sz="1400"/>
                 </a:pPr>
                 <a:r>
                   <a:rPr lang="en-US" sz="1600" noProof="1" smtClean="0"/>
@@ -9977,7 +10201,6 @@
               </a:p>
             </c:rich>
           </c:tx>
-          <c:layout/>
           <c:overlay val="0"/>
           <c:spPr>
             <a:noFill/>
@@ -9986,6 +10209,26 @@
             </a:ln>
             <a:effectLst/>
           </c:spPr>
+          <c:txPr>
+            <a:bodyPr rot="-5400000" spcFirstLastPara="1" vertOverflow="ellipsis" vert="horz" wrap="square" anchor="ctr" anchorCtr="1"/>
+            <a:lstStyle/>
+            <a:p>
+              <a:pPr>
+                <a:defRPr sz="1400" b="0" i="0" u="none" strike="noStrike" kern="1200" baseline="0">
+                  <a:solidFill>
+                    <a:schemeClr val="tx1">
+                      <a:lumMod val="65000"/>
+                      <a:lumOff val="35000"/>
+                    </a:schemeClr>
+                  </a:solidFill>
+                  <a:latin typeface="+mn-lt"/>
+                  <a:ea typeface="+mn-ea"/>
+                  <a:cs typeface="+mn-cs"/>
+                </a:defRPr>
+              </a:pPr>
+              <a:endParaRPr lang="en-US"/>
+            </a:p>
+          </c:txPr>
         </c:title>
         <c:numFmt formatCode="General" sourceLinked="1"/>
         <c:majorTickMark val="none"/>
@@ -10020,7 +10263,7 @@
             <a:endParaRPr lang="en-US"/>
           </a:p>
         </c:txPr>
-        <c:crossAx val="-2137222968"/>
+        <c:crossAx val="-2093701088"/>
         <c:crosses val="autoZero"/>
         <c:crossBetween val="between"/>
       </c:valAx>
@@ -10055,7 +10298,7 @@
       <a:endParaRPr lang="en-US"/>
     </a:p>
   </c:txPr>
-  <c:externalData r:id="rId1">
+  <c:externalData r:id="rId3">
     <c:autoUpdate val="0"/>
   </c:externalData>
 </c:chartSpace>
@@ -10330,11 +10573,11 @@
         </c:dLbls>
         <c:gapWidth val="219"/>
         <c:overlap val="100"/>
-        <c:axId val="-2137164888"/>
-        <c:axId val="-2137161400"/>
+        <c:axId val="-2048228288"/>
+        <c:axId val="-2048217104"/>
       </c:barChart>
       <c:catAx>
-        <c:axId val="-2137164888"/>
+        <c:axId val="-2048228288"/>
         <c:scaling>
           <c:orientation val="minMax"/>
         </c:scaling>
@@ -10377,7 +10620,7 @@
             <a:endParaRPr lang="en-US"/>
           </a:p>
         </c:txPr>
-        <c:crossAx val="-2137161400"/>
+        <c:crossAx val="-2048217104"/>
         <c:crosses val="autoZero"/>
         <c:auto val="1"/>
         <c:lblAlgn val="ctr"/>
@@ -10385,7 +10628,7 @@
         <c:noMultiLvlLbl val="0"/>
       </c:catAx>
       <c:valAx>
-        <c:axId val="-2137161400"/>
+        <c:axId val="-2048217104"/>
         <c:scaling>
           <c:orientation val="minMax"/>
         </c:scaling>
@@ -10436,7 +10679,6 @@
               </a:p>
             </c:rich>
           </c:tx>
-          <c:layout/>
           <c:overlay val="0"/>
           <c:spPr>
             <a:noFill/>
@@ -10445,6 +10687,26 @@
             </a:ln>
             <a:effectLst/>
           </c:spPr>
+          <c:txPr>
+            <a:bodyPr rot="-5400000" spcFirstLastPara="1" vertOverflow="ellipsis" vert="horz" wrap="square" anchor="ctr" anchorCtr="1"/>
+            <a:lstStyle/>
+            <a:p>
+              <a:pPr>
+                <a:defRPr sz="1330" b="0" i="0" u="none" strike="noStrike" kern="1200" baseline="0">
+                  <a:solidFill>
+                    <a:schemeClr val="tx1">
+                      <a:lumMod val="65000"/>
+                      <a:lumOff val="35000"/>
+                    </a:schemeClr>
+                  </a:solidFill>
+                  <a:latin typeface="+mn-lt"/>
+                  <a:ea typeface="+mn-ea"/>
+                  <a:cs typeface="+mn-cs"/>
+                </a:defRPr>
+              </a:pPr>
+              <a:endParaRPr lang="en-US"/>
+            </a:p>
+          </c:txPr>
         </c:title>
         <c:numFmt formatCode="0" sourceLinked="1"/>
         <c:majorTickMark val="none"/>
@@ -10477,7 +10739,7 @@
             <a:endParaRPr lang="en-US"/>
           </a:p>
         </c:txPr>
-        <c:crossAx val="-2137164888"/>
+        <c:crossAx val="-2048228288"/>
         <c:crosses val="autoZero"/>
         <c:crossBetween val="between"/>
       </c:valAx>
@@ -10553,7 +10815,7 @@
       <a:endParaRPr lang="en-US"/>
     </a:p>
   </c:txPr>
-  <c:externalData r:id="rId1">
+  <c:externalData r:id="rId3">
     <c:autoUpdate val="0"/>
   </c:externalData>
 </c:chartSpace>
@@ -10616,6 +10878,26 @@
         </a:ln>
         <a:effectLst/>
       </c:spPr>
+      <c:txPr>
+        <a:bodyPr rot="0" spcFirstLastPara="1" vertOverflow="ellipsis" vert="horz" wrap="square" anchor="ctr" anchorCtr="1"/>
+        <a:lstStyle/>
+        <a:p>
+          <a:pPr>
+            <a:defRPr sz="1862" b="0" i="0" u="none" strike="noStrike" kern="1200" spc="0" baseline="0">
+              <a:solidFill>
+                <a:schemeClr val="tx1">
+                  <a:lumMod val="65000"/>
+                  <a:lumOff val="35000"/>
+                </a:schemeClr>
+              </a:solidFill>
+              <a:latin typeface="+mn-lt"/>
+              <a:ea typeface="+mn-ea"/>
+              <a:cs typeface="+mn-cs"/>
+            </a:defRPr>
+          </a:pPr>
+          <a:endParaRPr lang="en-US"/>
+        </a:p>
+      </c:txPr>
     </c:title>
     <c:autoTitleDeleted val="0"/>
     <c:plotArea>
@@ -10748,9 +11030,7 @@
               </c:spPr>
             </c:leaderLines>
             <c:extLst>
-              <c:ext xmlns:c15="http://schemas.microsoft.com/office/drawing/2012/chart" uri="{CE6537A1-D6FC-4f65-9D91-7224C49458BB}">
-                <c15:layout/>
-              </c:ext>
+              <c:ext xmlns:c15="http://schemas.microsoft.com/office/drawing/2012/chart" uri="{CE6537A1-D6FC-4f65-9D91-7224C49458BB}"/>
             </c:extLst>
           </c:dLbls>
           <c:cat>
@@ -10876,7 +11156,7 @@
       <a:endParaRPr lang="en-US"/>
     </a:p>
   </c:txPr>
-  <c:externalData r:id="rId1">
+  <c:externalData r:id="rId3">
     <c:autoUpdate val="0"/>
   </c:externalData>
 </c:chartSpace>
@@ -10947,6 +11227,26 @@
         </a:ln>
         <a:effectLst/>
       </c:spPr>
+      <c:txPr>
+        <a:bodyPr rot="0" spcFirstLastPara="1" vertOverflow="ellipsis" vert="horz" wrap="square" anchor="ctr" anchorCtr="1"/>
+        <a:lstStyle/>
+        <a:p>
+          <a:pPr>
+            <a:defRPr sz="1862" b="0" i="0" u="none" strike="noStrike" kern="1200" spc="0" baseline="0">
+              <a:solidFill>
+                <a:schemeClr val="tx1">
+                  <a:lumMod val="65000"/>
+                  <a:lumOff val="35000"/>
+                </a:schemeClr>
+              </a:solidFill>
+              <a:latin typeface="+mn-lt"/>
+              <a:ea typeface="+mn-ea"/>
+              <a:cs typeface="+mn-cs"/>
+            </a:defRPr>
+          </a:pPr>
+          <a:endParaRPr lang="en-US"/>
+        </a:p>
+      </c:txPr>
     </c:title>
     <c:autoTitleDeleted val="0"/>
     <c:plotArea>
@@ -11034,9 +11334,7 @@
               </c:spPr>
             </c:leaderLines>
             <c:extLst>
-              <c:ext xmlns:c15="http://schemas.microsoft.com/office/drawing/2012/chart" uri="{CE6537A1-D6FC-4f65-9D91-7224C49458BB}">
-                <c15:layout/>
-              </c:ext>
+              <c:ext xmlns:c15="http://schemas.microsoft.com/office/drawing/2012/chart" uri="{CE6537A1-D6FC-4f65-9D91-7224C49458BB}"/>
             </c:extLst>
           </c:dLbls>
           <c:cat>
@@ -11144,7 +11442,7 @@
       <a:endParaRPr lang="en-US"/>
     </a:p>
   </c:txPr>
-  <c:externalData r:id="rId1">
+  <c:externalData r:id="rId3">
     <c:autoUpdate val="0"/>
   </c:externalData>
 </c:chartSpace>
@@ -11630,46 +11928,6 @@
 </cs:colorStyle>
 </file>
 
-<file path=ppt/charts/colors20.xml><?xml version="1.0" encoding="utf-8"?>
-<cs:colorStyle xmlns:cs="http://schemas.microsoft.com/office/drawing/2012/chartStyle" xmlns:a="http://schemas.openxmlformats.org/drawingml/2006/main" meth="cycle" id="10">
-  <a:schemeClr val="accent1"/>
-  <a:schemeClr val="accent2"/>
-  <a:schemeClr val="accent3"/>
-  <a:schemeClr val="accent4"/>
-  <a:schemeClr val="accent5"/>
-  <a:schemeClr val="accent6"/>
-  <cs:variation/>
-  <cs:variation>
-    <a:lumMod val="60000"/>
-  </cs:variation>
-  <cs:variation>
-    <a:lumMod val="80000"/>
-    <a:lumOff val="20000"/>
-  </cs:variation>
-  <cs:variation>
-    <a:lumMod val="80000"/>
-  </cs:variation>
-  <cs:variation>
-    <a:lumMod val="60000"/>
-    <a:lumOff val="40000"/>
-  </cs:variation>
-  <cs:variation>
-    <a:lumMod val="50000"/>
-  </cs:variation>
-  <cs:variation>
-    <a:lumMod val="70000"/>
-    <a:lumOff val="30000"/>
-  </cs:variation>
-  <cs:variation>
-    <a:lumMod val="70000"/>
-  </cs:variation>
-  <cs:variation>
-    <a:lumMod val="50000"/>
-    <a:lumOff val="50000"/>
-  </cs:variation>
-</cs:colorStyle>
-</file>
-
 <file path=ppt/charts/colors3.xml><?xml version="1.0" encoding="utf-8"?>
 <cs:colorStyle xmlns:cs="http://schemas.microsoft.com/office/drawing/2012/chartStyle" xmlns:a="http://schemas.openxmlformats.org/drawingml/2006/main" meth="cycle" id="10">
   <a:schemeClr val="accent1"/>
@@ -18065,509 +18323,6 @@
 </cs:chartStyle>
 </file>
 
-<file path=ppt/charts/style20.xml><?xml version="1.0" encoding="utf-8"?>
-<cs:chartStyle xmlns:cs="http://schemas.microsoft.com/office/drawing/2012/chartStyle" xmlns:a="http://schemas.openxmlformats.org/drawingml/2006/main" id="201">
-  <cs:axisTitle>
-    <cs:lnRef idx="0"/>
-    <cs:fillRef idx="0"/>
-    <cs:effectRef idx="0"/>
-    <cs:fontRef idx="minor">
-      <a:schemeClr val="tx1">
-        <a:lumMod val="65000"/>
-        <a:lumOff val="35000"/>
-      </a:schemeClr>
-    </cs:fontRef>
-    <cs:defRPr sz="1330" kern="1200"/>
-  </cs:axisTitle>
-  <cs:categoryAxis>
-    <cs:lnRef idx="0"/>
-    <cs:fillRef idx="0"/>
-    <cs:effectRef idx="0"/>
-    <cs:fontRef idx="minor">
-      <a:schemeClr val="tx1">
-        <a:lumMod val="65000"/>
-        <a:lumOff val="35000"/>
-      </a:schemeClr>
-    </cs:fontRef>
-    <cs:spPr>
-      <a:ln w="9525" cap="flat" cmpd="sng" algn="ctr">
-        <a:solidFill>
-          <a:schemeClr val="tx1">
-            <a:lumMod val="15000"/>
-            <a:lumOff val="85000"/>
-          </a:schemeClr>
-        </a:solidFill>
-        <a:round/>
-      </a:ln>
-    </cs:spPr>
-    <cs:defRPr sz="1197" kern="1200"/>
-  </cs:categoryAxis>
-  <cs:chartArea mods="allowNoFillOverride allowNoLineOverride">
-    <cs:lnRef idx="0"/>
-    <cs:fillRef idx="0"/>
-    <cs:effectRef idx="0"/>
-    <cs:fontRef idx="minor">
-      <a:schemeClr val="tx1"/>
-    </cs:fontRef>
-    <cs:spPr>
-      <a:solidFill>
-        <a:schemeClr val="bg1"/>
-      </a:solidFill>
-      <a:ln w="9525" cap="flat" cmpd="sng" algn="ctr">
-        <a:solidFill>
-          <a:schemeClr val="tx1">
-            <a:lumMod val="15000"/>
-            <a:lumOff val="85000"/>
-          </a:schemeClr>
-        </a:solidFill>
-        <a:round/>
-      </a:ln>
-    </cs:spPr>
-    <cs:defRPr sz="1330" kern="1200"/>
-  </cs:chartArea>
-  <cs:dataLabel>
-    <cs:lnRef idx="0"/>
-    <cs:fillRef idx="0"/>
-    <cs:effectRef idx="0"/>
-    <cs:fontRef idx="minor">
-      <a:schemeClr val="tx1">
-        <a:lumMod val="75000"/>
-        <a:lumOff val="25000"/>
-      </a:schemeClr>
-    </cs:fontRef>
-    <cs:defRPr sz="1197" kern="1200"/>
-  </cs:dataLabel>
-  <cs:dataLabelCallout>
-    <cs:lnRef idx="0"/>
-    <cs:fillRef idx="0"/>
-    <cs:effectRef idx="0"/>
-    <cs:fontRef idx="minor">
-      <a:schemeClr val="dk1">
-        <a:lumMod val="65000"/>
-        <a:lumOff val="35000"/>
-      </a:schemeClr>
-    </cs:fontRef>
-    <cs:spPr>
-      <a:solidFill>
-        <a:schemeClr val="lt1"/>
-      </a:solidFill>
-      <a:ln>
-        <a:solidFill>
-          <a:schemeClr val="dk1">
-            <a:lumMod val="25000"/>
-            <a:lumOff val="75000"/>
-          </a:schemeClr>
-        </a:solidFill>
-      </a:ln>
-    </cs:spPr>
-    <cs:defRPr sz="1197" kern="1200"/>
-    <cs:bodyPr rot="0" spcFirstLastPara="1" vertOverflow="clip" horzOverflow="clip" vert="horz" wrap="square" lIns="36576" tIns="18288" rIns="36576" bIns="18288" anchor="ctr" anchorCtr="1">
-      <a:spAutoFit/>
-    </cs:bodyPr>
-  </cs:dataLabelCallout>
-  <cs:dataPoint>
-    <cs:lnRef idx="0"/>
-    <cs:fillRef idx="1">
-      <cs:styleClr val="auto"/>
-    </cs:fillRef>
-    <cs:effectRef idx="0"/>
-    <cs:fontRef idx="minor">
-      <a:schemeClr val="tx1"/>
-    </cs:fontRef>
-  </cs:dataPoint>
-  <cs:dataPoint3D>
-    <cs:lnRef idx="0"/>
-    <cs:fillRef idx="1">
-      <cs:styleClr val="auto"/>
-    </cs:fillRef>
-    <cs:effectRef idx="0"/>
-    <cs:fontRef idx="minor">
-      <a:schemeClr val="tx1"/>
-    </cs:fontRef>
-  </cs:dataPoint3D>
-  <cs:dataPointLine>
-    <cs:lnRef idx="0">
-      <cs:styleClr val="auto"/>
-    </cs:lnRef>
-    <cs:fillRef idx="1"/>
-    <cs:effectRef idx="0"/>
-    <cs:fontRef idx="minor">
-      <a:schemeClr val="tx1"/>
-    </cs:fontRef>
-    <cs:spPr>
-      <a:ln w="28575" cap="rnd">
-        <a:solidFill>
-          <a:schemeClr val="phClr"/>
-        </a:solidFill>
-        <a:round/>
-      </a:ln>
-    </cs:spPr>
-  </cs:dataPointLine>
-  <cs:dataPointMarker>
-    <cs:lnRef idx="0">
-      <cs:styleClr val="auto"/>
-    </cs:lnRef>
-    <cs:fillRef idx="1">
-      <cs:styleClr val="auto"/>
-    </cs:fillRef>
-    <cs:effectRef idx="0"/>
-    <cs:fontRef idx="minor">
-      <a:schemeClr val="tx1"/>
-    </cs:fontRef>
-    <cs:spPr>
-      <a:ln w="9525">
-        <a:solidFill>
-          <a:schemeClr val="phClr"/>
-        </a:solidFill>
-      </a:ln>
-    </cs:spPr>
-  </cs:dataPointMarker>
-  <cs:dataPointMarkerLayout symbol="circle" size="5"/>
-  <cs:dataPointWireframe>
-    <cs:lnRef idx="0">
-      <cs:styleClr val="auto"/>
-    </cs:lnRef>
-    <cs:fillRef idx="1"/>
-    <cs:effectRef idx="0"/>
-    <cs:fontRef idx="minor">
-      <a:schemeClr val="tx1"/>
-    </cs:fontRef>
-    <cs:spPr>
-      <a:ln w="9525" cap="rnd">
-        <a:solidFill>
-          <a:schemeClr val="phClr"/>
-        </a:solidFill>
-        <a:round/>
-      </a:ln>
-    </cs:spPr>
-  </cs:dataPointWireframe>
-  <cs:dataTable>
-    <cs:lnRef idx="0"/>
-    <cs:fillRef idx="0"/>
-    <cs:effectRef idx="0"/>
-    <cs:fontRef idx="minor">
-      <a:schemeClr val="tx1">
-        <a:lumMod val="65000"/>
-        <a:lumOff val="35000"/>
-      </a:schemeClr>
-    </cs:fontRef>
-    <cs:spPr>
-      <a:noFill/>
-      <a:ln w="9525" cap="flat" cmpd="sng" algn="ctr">
-        <a:solidFill>
-          <a:schemeClr val="tx1">
-            <a:lumMod val="15000"/>
-            <a:lumOff val="85000"/>
-          </a:schemeClr>
-        </a:solidFill>
-        <a:round/>
-      </a:ln>
-    </cs:spPr>
-    <cs:defRPr sz="1197" kern="1200"/>
-  </cs:dataTable>
-  <cs:downBar>
-    <cs:lnRef idx="0"/>
-    <cs:fillRef idx="0"/>
-    <cs:effectRef idx="0"/>
-    <cs:fontRef idx="minor">
-      <a:schemeClr val="dk1"/>
-    </cs:fontRef>
-    <cs:spPr>
-      <a:solidFill>
-        <a:schemeClr val="dk1">
-          <a:lumMod val="65000"/>
-          <a:lumOff val="35000"/>
-        </a:schemeClr>
-      </a:solidFill>
-      <a:ln w="9525">
-        <a:solidFill>
-          <a:schemeClr val="tx1">
-            <a:lumMod val="65000"/>
-            <a:lumOff val="35000"/>
-          </a:schemeClr>
-        </a:solidFill>
-      </a:ln>
-    </cs:spPr>
-  </cs:downBar>
-  <cs:dropLine>
-    <cs:lnRef idx="0"/>
-    <cs:fillRef idx="0"/>
-    <cs:effectRef idx="0"/>
-    <cs:fontRef idx="minor">
-      <a:schemeClr val="tx1"/>
-    </cs:fontRef>
-    <cs:spPr>
-      <a:ln w="9525" cap="flat" cmpd="sng" algn="ctr">
-        <a:solidFill>
-          <a:schemeClr val="tx1">
-            <a:lumMod val="35000"/>
-            <a:lumOff val="65000"/>
-          </a:schemeClr>
-        </a:solidFill>
-        <a:round/>
-      </a:ln>
-    </cs:spPr>
-  </cs:dropLine>
-  <cs:errorBar>
-    <cs:lnRef idx="0"/>
-    <cs:fillRef idx="0"/>
-    <cs:effectRef idx="0"/>
-    <cs:fontRef idx="minor">
-      <a:schemeClr val="tx1"/>
-    </cs:fontRef>
-    <cs:spPr>
-      <a:ln w="9525" cap="flat" cmpd="sng" algn="ctr">
-        <a:solidFill>
-          <a:schemeClr val="tx1">
-            <a:lumMod val="65000"/>
-            <a:lumOff val="35000"/>
-          </a:schemeClr>
-        </a:solidFill>
-        <a:round/>
-      </a:ln>
-    </cs:spPr>
-  </cs:errorBar>
-  <cs:floor>
-    <cs:lnRef idx="0"/>
-    <cs:fillRef idx="0"/>
-    <cs:effectRef idx="0"/>
-    <cs:fontRef idx="minor">
-      <a:schemeClr val="tx1"/>
-    </cs:fontRef>
-    <cs:spPr>
-      <a:noFill/>
-      <a:ln>
-        <a:noFill/>
-      </a:ln>
-    </cs:spPr>
-  </cs:floor>
-  <cs:gridlineMajor>
-    <cs:lnRef idx="0"/>
-    <cs:fillRef idx="0"/>
-    <cs:effectRef idx="0"/>
-    <cs:fontRef idx="minor">
-      <a:schemeClr val="tx1"/>
-    </cs:fontRef>
-    <cs:spPr>
-      <a:ln w="9525" cap="flat" cmpd="sng" algn="ctr">
-        <a:solidFill>
-          <a:schemeClr val="tx1">
-            <a:lumMod val="15000"/>
-            <a:lumOff val="85000"/>
-          </a:schemeClr>
-        </a:solidFill>
-        <a:round/>
-      </a:ln>
-    </cs:spPr>
-  </cs:gridlineMajor>
-  <cs:gridlineMinor>
-    <cs:lnRef idx="0"/>
-    <cs:fillRef idx="0"/>
-    <cs:effectRef idx="0"/>
-    <cs:fontRef idx="minor">
-      <a:schemeClr val="tx1"/>
-    </cs:fontRef>
-    <cs:spPr>
-      <a:ln w="9525" cap="flat" cmpd="sng" algn="ctr">
-        <a:solidFill>
-          <a:schemeClr val="tx1">
-            <a:lumMod val="5000"/>
-            <a:lumOff val="95000"/>
-          </a:schemeClr>
-        </a:solidFill>
-        <a:round/>
-      </a:ln>
-    </cs:spPr>
-  </cs:gridlineMinor>
-  <cs:hiLoLine>
-    <cs:lnRef idx="0"/>
-    <cs:fillRef idx="0"/>
-    <cs:effectRef idx="0"/>
-    <cs:fontRef idx="minor">
-      <a:schemeClr val="tx1"/>
-    </cs:fontRef>
-    <cs:spPr>
-      <a:ln w="9525" cap="flat" cmpd="sng" algn="ctr">
-        <a:solidFill>
-          <a:schemeClr val="tx1">
-            <a:lumMod val="75000"/>
-            <a:lumOff val="25000"/>
-          </a:schemeClr>
-        </a:solidFill>
-        <a:round/>
-      </a:ln>
-    </cs:spPr>
-  </cs:hiLoLine>
-  <cs:leaderLine>
-    <cs:lnRef idx="0"/>
-    <cs:fillRef idx="0"/>
-    <cs:effectRef idx="0"/>
-    <cs:fontRef idx="minor">
-      <a:schemeClr val="tx1"/>
-    </cs:fontRef>
-    <cs:spPr>
-      <a:ln w="9525" cap="flat" cmpd="sng" algn="ctr">
-        <a:solidFill>
-          <a:schemeClr val="tx1">
-            <a:lumMod val="35000"/>
-            <a:lumOff val="65000"/>
-          </a:schemeClr>
-        </a:solidFill>
-        <a:round/>
-      </a:ln>
-    </cs:spPr>
-  </cs:leaderLine>
-  <cs:legend>
-    <cs:lnRef idx="0"/>
-    <cs:fillRef idx="0"/>
-    <cs:effectRef idx="0"/>
-    <cs:fontRef idx="minor">
-      <a:schemeClr val="tx1">
-        <a:lumMod val="65000"/>
-        <a:lumOff val="35000"/>
-      </a:schemeClr>
-    </cs:fontRef>
-    <cs:defRPr sz="1197" kern="1200"/>
-  </cs:legend>
-  <cs:plotArea mods="allowNoFillOverride allowNoLineOverride">
-    <cs:lnRef idx="0"/>
-    <cs:fillRef idx="0"/>
-    <cs:effectRef idx="0"/>
-    <cs:fontRef idx="minor">
-      <a:schemeClr val="tx1"/>
-    </cs:fontRef>
-  </cs:plotArea>
-  <cs:plotArea3D mods="allowNoFillOverride allowNoLineOverride">
-    <cs:lnRef idx="0"/>
-    <cs:fillRef idx="0"/>
-    <cs:effectRef idx="0"/>
-    <cs:fontRef idx="minor">
-      <a:schemeClr val="tx1"/>
-    </cs:fontRef>
-  </cs:plotArea3D>
-  <cs:seriesAxis>
-    <cs:lnRef idx="0"/>
-    <cs:fillRef idx="0"/>
-    <cs:effectRef idx="0"/>
-    <cs:fontRef idx="minor">
-      <a:schemeClr val="tx1">
-        <a:lumMod val="65000"/>
-        <a:lumOff val="35000"/>
-      </a:schemeClr>
-    </cs:fontRef>
-    <cs:defRPr sz="1197" kern="1200"/>
-  </cs:seriesAxis>
-  <cs:seriesLine>
-    <cs:lnRef idx="0"/>
-    <cs:fillRef idx="0"/>
-    <cs:effectRef idx="0"/>
-    <cs:fontRef idx="minor">
-      <a:schemeClr val="tx1"/>
-    </cs:fontRef>
-    <cs:spPr>
-      <a:ln w="9525" cap="flat" cmpd="sng" algn="ctr">
-        <a:solidFill>
-          <a:schemeClr val="tx1">
-            <a:lumMod val="35000"/>
-            <a:lumOff val="65000"/>
-          </a:schemeClr>
-        </a:solidFill>
-        <a:round/>
-      </a:ln>
-    </cs:spPr>
-  </cs:seriesLine>
-  <cs:title>
-    <cs:lnRef idx="0"/>
-    <cs:fillRef idx="0"/>
-    <cs:effectRef idx="0"/>
-    <cs:fontRef idx="minor">
-      <a:schemeClr val="tx1">
-        <a:lumMod val="65000"/>
-        <a:lumOff val="35000"/>
-      </a:schemeClr>
-    </cs:fontRef>
-    <cs:defRPr sz="1862" b="0" kern="1200" spc="0" baseline="0"/>
-  </cs:title>
-  <cs:trendline>
-    <cs:lnRef idx="0">
-      <cs:styleClr val="auto"/>
-    </cs:lnRef>
-    <cs:fillRef idx="0"/>
-    <cs:effectRef idx="0"/>
-    <cs:fontRef idx="minor">
-      <a:schemeClr val="tx1"/>
-    </cs:fontRef>
-    <cs:spPr>
-      <a:ln w="19050" cap="rnd">
-        <a:solidFill>
-          <a:schemeClr val="phClr"/>
-        </a:solidFill>
-        <a:prstDash val="sysDot"/>
-      </a:ln>
-    </cs:spPr>
-  </cs:trendline>
-  <cs:trendlineLabel>
-    <cs:lnRef idx="0"/>
-    <cs:fillRef idx="0"/>
-    <cs:effectRef idx="0"/>
-    <cs:fontRef idx="minor">
-      <a:schemeClr val="tx1">
-        <a:lumMod val="65000"/>
-        <a:lumOff val="35000"/>
-      </a:schemeClr>
-    </cs:fontRef>
-    <cs:defRPr sz="1197" kern="1200"/>
-  </cs:trendlineLabel>
-  <cs:upBar>
-    <cs:lnRef idx="0"/>
-    <cs:fillRef idx="0"/>
-    <cs:effectRef idx="0"/>
-    <cs:fontRef idx="minor">
-      <a:schemeClr val="dk1"/>
-    </cs:fontRef>
-    <cs:spPr>
-      <a:solidFill>
-        <a:schemeClr val="lt1"/>
-      </a:solidFill>
-      <a:ln w="9525">
-        <a:solidFill>
-          <a:schemeClr val="tx1">
-            <a:lumMod val="15000"/>
-            <a:lumOff val="85000"/>
-          </a:schemeClr>
-        </a:solidFill>
-      </a:ln>
-    </cs:spPr>
-  </cs:upBar>
-  <cs:valueAxis>
-    <cs:lnRef idx="0"/>
-    <cs:fillRef idx="0"/>
-    <cs:effectRef idx="0"/>
-    <cs:fontRef idx="minor">
-      <a:schemeClr val="tx1">
-        <a:lumMod val="65000"/>
-        <a:lumOff val="35000"/>
-      </a:schemeClr>
-    </cs:fontRef>
-    <cs:defRPr sz="1197" kern="1200"/>
-  </cs:valueAxis>
-  <cs:wall>
-    <cs:lnRef idx="0"/>
-    <cs:fillRef idx="0"/>
-    <cs:effectRef idx="0"/>
-    <cs:fontRef idx="minor">
-      <a:schemeClr val="tx1"/>
-    </cs:fontRef>
-    <cs:spPr>
-      <a:noFill/>
-      <a:ln>
-        <a:noFill/>
-      </a:ln>
-    </cs:spPr>
-  </cs:wall>
-</cs:chartStyle>
-</file>
-
 <file path=ppt/charts/style3.xml><?xml version="1.0" encoding="utf-8"?>
 <cs:chartStyle xmlns:cs="http://schemas.microsoft.com/office/drawing/2012/chartStyle" xmlns:a="http://schemas.openxmlformats.org/drawingml/2006/main" id="201">
   <cs:axisTitle>
@@ -22240,7 +21995,7 @@
           <a:p>
             <a:fld id="{8AF2A637-750D-AC4F-B19A-F61B319C6A55}" type="datetimeFigureOut">
               <a:rPr lang="en-US" smtClean="0"/>
-              <a:t>13/11/15</a:t>
+              <a:t>11/13/15</a:t>
             </a:fld>
             <a:endParaRPr lang="en-US"/>
           </a:p>
@@ -22648,11 +22403,19 @@
           <a:p>
             <a:r>
               <a:rPr lang="en-US" dirty="0" smtClean="0"/>
-              <a:t>Embodied GWP in kgCO2eq ASF </a:t>
+              <a:t>Embodied GWP in kgCO2eq </a:t>
+            </a:r>
+            <a:r>
+              <a:rPr lang="en-US" dirty="0" smtClean="0"/>
+              <a:t>HONR </a:t>
             </a:r>
             <a:r>
               <a:rPr lang="en-US" baseline="0" dirty="0" smtClean="0"/>
-              <a:t>pie chart</a:t>
+              <a:t>pie </a:t>
+            </a:r>
+            <a:r>
+              <a:rPr lang="en-US" baseline="0" dirty="0" smtClean="0"/>
+              <a:t>chart</a:t>
             </a:r>
           </a:p>
           <a:p>
@@ -23031,16 +22794,16 @@
               <a:t> </a:t>
             </a:r>
             <a:r>
-              <a:rPr lang="en-US" baseline="0" dirty="0" err="1" smtClean="0"/>
-              <a:t>potential</a:t>
-            </a:r>
-            <a:r>
-              <a:rPr lang="en-US" dirty="0" err="1" smtClean="0"/>
-              <a:t>in</a:t>
+              <a:rPr lang="en-US" baseline="0" dirty="0" smtClean="0"/>
+              <a:t>potential </a:t>
             </a:r>
             <a:r>
               <a:rPr lang="en-US" dirty="0" smtClean="0"/>
-              <a:t> kgCO2eq ASF </a:t>
+              <a:t>in </a:t>
+            </a:r>
+            <a:r>
+              <a:rPr lang="en-US" dirty="0" smtClean="0"/>
+              <a:t>kgCO2eq ASF </a:t>
             </a:r>
             <a:r>
               <a:rPr lang="en-US" baseline="0" dirty="0" smtClean="0"/>
@@ -24627,7 +24390,7 @@
           <a:p>
             <a:fld id="{F87648D4-822A-184D-A945-2BBD99FACB30}" type="datetimeFigureOut">
               <a:rPr lang="en-US" smtClean="0"/>
-              <a:t>13/11/15</a:t>
+              <a:t>11/13/15</a:t>
             </a:fld>
             <a:endParaRPr lang="en-US"/>
           </a:p>
@@ -24797,7 +24560,7 @@
           <a:p>
             <a:fld id="{F87648D4-822A-184D-A945-2BBD99FACB30}" type="datetimeFigureOut">
               <a:rPr lang="en-US" smtClean="0"/>
-              <a:t>13/11/15</a:t>
+              <a:t>11/13/15</a:t>
             </a:fld>
             <a:endParaRPr lang="en-US"/>
           </a:p>
@@ -24977,7 +24740,7 @@
           <a:p>
             <a:fld id="{F87648D4-822A-184D-A945-2BBD99FACB30}" type="datetimeFigureOut">
               <a:rPr lang="en-US" smtClean="0"/>
-              <a:t>13/11/15</a:t>
+              <a:t>11/13/15</a:t>
             </a:fld>
             <a:endParaRPr lang="en-US"/>
           </a:p>
@@ -25147,7 +24910,7 @@
           <a:p>
             <a:fld id="{F87648D4-822A-184D-A945-2BBD99FACB30}" type="datetimeFigureOut">
               <a:rPr lang="en-US" smtClean="0"/>
-              <a:t>13/11/15</a:t>
+              <a:t>11/13/15</a:t>
             </a:fld>
             <a:endParaRPr lang="en-US"/>
           </a:p>
@@ -25391,7 +25154,7 @@
           <a:p>
             <a:fld id="{F87648D4-822A-184D-A945-2BBD99FACB30}" type="datetimeFigureOut">
               <a:rPr lang="en-US" smtClean="0"/>
-              <a:t>13/11/15</a:t>
+              <a:t>11/13/15</a:t>
             </a:fld>
             <a:endParaRPr lang="en-US"/>
           </a:p>
@@ -25623,7 +25386,7 @@
           <a:p>
             <a:fld id="{F87648D4-822A-184D-A945-2BBD99FACB30}" type="datetimeFigureOut">
               <a:rPr lang="en-US" smtClean="0"/>
-              <a:t>13/11/15</a:t>
+              <a:t>11/13/15</a:t>
             </a:fld>
             <a:endParaRPr lang="en-US"/>
           </a:p>
@@ -25990,7 +25753,7 @@
           <a:p>
             <a:fld id="{F87648D4-822A-184D-A945-2BBD99FACB30}" type="datetimeFigureOut">
               <a:rPr lang="en-US" smtClean="0"/>
-              <a:t>13/11/15</a:t>
+              <a:t>11/13/15</a:t>
             </a:fld>
             <a:endParaRPr lang="en-US"/>
           </a:p>
@@ -26108,7 +25871,7 @@
           <a:p>
             <a:fld id="{F87648D4-822A-184D-A945-2BBD99FACB30}" type="datetimeFigureOut">
               <a:rPr lang="en-US" smtClean="0"/>
-              <a:t>13/11/15</a:t>
+              <a:t>11/13/15</a:t>
             </a:fld>
             <a:endParaRPr lang="en-US"/>
           </a:p>
@@ -26203,7 +25966,7 @@
           <a:p>
             <a:fld id="{F87648D4-822A-184D-A945-2BBD99FACB30}" type="datetimeFigureOut">
               <a:rPr lang="en-US" smtClean="0"/>
-              <a:t>13/11/15</a:t>
+              <a:t>11/13/15</a:t>
             </a:fld>
             <a:endParaRPr lang="en-US"/>
           </a:p>
@@ -26480,7 +26243,7 @@
           <a:p>
             <a:fld id="{F87648D4-822A-184D-A945-2BBD99FACB30}" type="datetimeFigureOut">
               <a:rPr lang="en-US" smtClean="0"/>
-              <a:t>13/11/15</a:t>
+              <a:t>11/13/15</a:t>
             </a:fld>
             <a:endParaRPr lang="en-US"/>
           </a:p>
@@ -26737,7 +26500,7 @@
           <a:p>
             <a:fld id="{F87648D4-822A-184D-A945-2BBD99FACB30}" type="datetimeFigureOut">
               <a:rPr lang="en-US" smtClean="0"/>
-              <a:t>13/11/15</a:t>
+              <a:t>11/13/15</a:t>
             </a:fld>
             <a:endParaRPr lang="en-US"/>
           </a:p>
@@ -26950,7 +26713,7 @@
           <a:p>
             <a:fld id="{F87648D4-822A-184D-A945-2BBD99FACB30}" type="datetimeFigureOut">
               <a:rPr lang="en-US" smtClean="0"/>
-              <a:t>13/11/15</a:t>
+              <a:t>11/13/15</a:t>
             </a:fld>
             <a:endParaRPr lang="en-US"/>
           </a:p>
@@ -27390,7 +27153,7 @@
   <p:timing>
     <p:tnLst>
       <p:par>
-        <p:cTn xmlns:p14="http://schemas.microsoft.com/office/powerpoint/2010/main" id="1" dur="indefinite" restart="never" nodeType="tmRoot"/>
+        <p:cTn id="1" dur="indefinite" restart="never" nodeType="tmRoot"/>
       </p:par>
     </p:tnLst>
   </p:timing>
@@ -27421,7 +27184,7 @@
           <p:nvPr>
             <p:extLst>
               <p:ext uri="{D42A27DB-BD31-4B8C-83A1-F6EECF244321}">
-                <p14:modId xmlns:p14="http://schemas.microsoft.com/office/powerpoint/2010/main" val="1333477449"/>
+                <p14:modId xmlns:p14="http://schemas.microsoft.com/office/powerpoint/2010/main" val="837991895"/>
               </p:ext>
             </p:extLst>
           </p:nvPr>
@@ -27449,7 +27212,7 @@
   <p:timing>
     <p:tnLst>
       <p:par>
-        <p:cTn xmlns:p14="http://schemas.microsoft.com/office/powerpoint/2010/main" id="1" dur="indefinite" restart="never" nodeType="tmRoot"/>
+        <p:cTn id="1" dur="indefinite" restart="never" nodeType="tmRoot"/>
       </p:par>
     </p:tnLst>
   </p:timing>
@@ -27568,7 +27331,7 @@
             <a:pPr algn="ctr"/>
             <a:r>
               <a:rPr lang="en-US" sz="1138" dirty="0" smtClean="0"/>
-              <a:t>126.8 gCO</a:t>
+              <a:t>X gCO</a:t>
             </a:r>
             <a:r>
               <a:rPr lang="en-US" sz="1138" baseline="-25000" dirty="0" smtClean="0"/>
@@ -27706,7 +27469,7 @@
   <p:timing>
     <p:tnLst>
       <p:par>
-        <p:cTn xmlns:p14="http://schemas.microsoft.com/office/powerpoint/2010/main" id="1" dur="indefinite" restart="never" nodeType="tmRoot"/>
+        <p:cTn id="1" dur="indefinite" restart="never" nodeType="tmRoot"/>
       </p:par>
     </p:tnLst>
   </p:timing>
@@ -27801,7 +27564,7 @@
   <p:timing>
     <p:tnLst>
       <p:par>
-        <p:cTn xmlns:p14="http://schemas.microsoft.com/office/powerpoint/2010/main" id="1" dur="indefinite" restart="never" nodeType="tmRoot"/>
+        <p:cTn id="1" dur="indefinite" restart="never" nodeType="tmRoot"/>
       </p:par>
     </p:tnLst>
   </p:timing>
@@ -27896,7 +27659,7 @@
   <p:timing>
     <p:tnLst>
       <p:par>
-        <p:cTn xmlns:p14="http://schemas.microsoft.com/office/powerpoint/2010/main" id="1" dur="indefinite" restart="never" nodeType="tmRoot"/>
+        <p:cTn id="1" dur="indefinite" restart="never" nodeType="tmRoot"/>
       </p:par>
     </p:tnLst>
   </p:timing>
@@ -27927,7 +27690,7 @@
           <p:nvPr>
             <p:extLst>
               <p:ext uri="{D42A27DB-BD31-4B8C-83A1-F6EECF244321}">
-                <p14:modId xmlns:p14="http://schemas.microsoft.com/office/powerpoint/2010/main" val="3389552988"/>
+                <p14:modId xmlns:p14="http://schemas.microsoft.com/office/powerpoint/2010/main" val="1884837930"/>
               </p:ext>
             </p:extLst>
           </p:nvPr>
@@ -27955,7 +27718,7 @@
   <p:timing>
     <p:tnLst>
       <p:par>
-        <p:cTn xmlns:p14="http://schemas.microsoft.com/office/powerpoint/2010/main" id="1" dur="indefinite" restart="never" nodeType="tmRoot"/>
+        <p:cTn id="1" dur="indefinite" restart="never" nodeType="tmRoot"/>
       </p:par>
     </p:tnLst>
   </p:timing>
@@ -28014,7 +27777,7 @@
   <p:timing>
     <p:tnLst>
       <p:par>
-        <p:cTn xmlns:p14="http://schemas.microsoft.com/office/powerpoint/2010/main" id="1" dur="indefinite" restart="never" nodeType="tmRoot"/>
+        <p:cTn id="1" dur="indefinite" restart="never" nodeType="tmRoot"/>
       </p:par>
     </p:tnLst>
   </p:timing>
@@ -28108,7 +27871,7 @@
   <p:timing>
     <p:tnLst>
       <p:par>
-        <p:cTn xmlns:p14="http://schemas.microsoft.com/office/powerpoint/2010/main" id="1" dur="indefinite" restart="never" nodeType="tmRoot"/>
+        <p:cTn id="1" dur="indefinite" restart="never" nodeType="tmRoot"/>
       </p:par>
     </p:tnLst>
   </p:timing>
@@ -28193,7 +27956,7 @@
   <p:timing>
     <p:tnLst>
       <p:par>
-        <p:cTn xmlns:p14="http://schemas.microsoft.com/office/powerpoint/2010/main" id="1" dur="indefinite" restart="never" nodeType="tmRoot"/>
+        <p:cTn id="1" dur="indefinite" restart="never" nodeType="tmRoot"/>
       </p:par>
     </p:tnLst>
   </p:timing>
@@ -28278,7 +28041,7 @@
   <p:timing>
     <p:tnLst>
       <p:par>
-        <p:cTn xmlns:p14="http://schemas.microsoft.com/office/powerpoint/2010/main" id="1" dur="indefinite" restart="never" nodeType="tmRoot"/>
+        <p:cTn id="1" dur="indefinite" restart="never" nodeType="tmRoot"/>
       </p:par>
     </p:tnLst>
   </p:timing>
@@ -28399,7 +28162,7 @@
   <p:timing>
     <p:tnLst>
       <p:par>
-        <p:cTn xmlns:p14="http://schemas.microsoft.com/office/powerpoint/2010/main" id="1" dur="indefinite" restart="never" nodeType="tmRoot"/>
+        <p:cTn id="1" dur="indefinite" restart="never" nodeType="tmRoot"/>
       </p:par>
     </p:tnLst>
   </p:timing>
@@ -28458,7 +28221,7 @@
   <p:timing>
     <p:tnLst>
       <p:par>
-        <p:cTn xmlns:p14="http://schemas.microsoft.com/office/powerpoint/2010/main" id="1" dur="indefinite" restart="never" nodeType="tmRoot"/>
+        <p:cTn id="1" dur="indefinite" restart="never" nodeType="tmRoot"/>
       </p:par>
     </p:tnLst>
   </p:timing>
@@ -28579,7 +28342,7 @@
   <p:timing>
     <p:tnLst>
       <p:par>
-        <p:cTn xmlns:p14="http://schemas.microsoft.com/office/powerpoint/2010/main" id="1" dur="indefinite" restart="never" nodeType="tmRoot"/>
+        <p:cTn id="1" dur="indefinite" restart="never" nodeType="tmRoot"/>
       </p:par>
     </p:tnLst>
   </p:timing>
@@ -28668,7 +28431,7 @@
   <p:timing>
     <p:tnLst>
       <p:par>
-        <p:cTn xmlns:p14="http://schemas.microsoft.com/office/powerpoint/2010/main" id="1" dur="indefinite" restart="never" nodeType="tmRoot"/>
+        <p:cTn id="1" dur="indefinite" restart="never" nodeType="tmRoot"/>
       </p:par>
     </p:tnLst>
   </p:timing>
@@ -28727,7 +28490,7 @@
   <p:timing>
     <p:tnLst>
       <p:par>
-        <p:cTn xmlns:p14="http://schemas.microsoft.com/office/powerpoint/2010/main" id="1" dur="indefinite" restart="never" nodeType="tmRoot"/>
+        <p:cTn id="1" dur="indefinite" restart="never" nodeType="tmRoot"/>
       </p:par>
     </p:tnLst>
   </p:timing>
@@ -28786,7 +28549,7 @@
   <p:timing>
     <p:tnLst>
       <p:par>
-        <p:cTn xmlns:p14="http://schemas.microsoft.com/office/powerpoint/2010/main" id="1" dur="indefinite" restart="never" nodeType="tmRoot"/>
+        <p:cTn id="1" dur="indefinite" restart="never" nodeType="tmRoot"/>
       </p:par>
     </p:tnLst>
   </p:timing>
@@ -28845,7 +28608,7 @@
   <p:timing>
     <p:tnLst>
       <p:par>
-        <p:cTn xmlns:p14="http://schemas.microsoft.com/office/powerpoint/2010/main" id="1" dur="indefinite" restart="never" nodeType="tmRoot"/>
+        <p:cTn id="1" dur="indefinite" restart="never" nodeType="tmRoot"/>
       </p:par>
     </p:tnLst>
   </p:timing>
@@ -28904,7 +28667,7 @@
   <p:timing>
     <p:tnLst>
       <p:par>
-        <p:cTn xmlns:p14="http://schemas.microsoft.com/office/powerpoint/2010/main" id="1" dur="indefinite" restart="never" nodeType="tmRoot"/>
+        <p:cTn id="1" dur="indefinite" restart="never" nodeType="tmRoot"/>
       </p:par>
     </p:tnLst>
   </p:timing>
@@ -29266,7 +29029,7 @@
   <p:timing>
     <p:tnLst>
       <p:par>
-        <p:cTn xmlns:p14="http://schemas.microsoft.com/office/powerpoint/2010/main" id="1" dur="indefinite" restart="never" nodeType="tmRoot"/>
+        <p:cTn id="1" dur="indefinite" restart="never" nodeType="tmRoot"/>
       </p:par>
     </p:tnLst>
   </p:timing>
@@ -29359,7 +29122,7 @@
   <p:timing>
     <p:tnLst>
       <p:par>
-        <p:cTn xmlns:p14="http://schemas.microsoft.com/office/powerpoint/2010/main" id="1" dur="indefinite" restart="never" nodeType="tmRoot"/>
+        <p:cTn id="1" dur="indefinite" restart="never" nodeType="tmRoot"/>
       </p:par>
     </p:tnLst>
   </p:timing>
@@ -29484,7 +29247,7 @@
   <p:timing>
     <p:tnLst>
       <p:par>
-        <p:cTn xmlns:p14="http://schemas.microsoft.com/office/powerpoint/2010/main" id="1" dur="indefinite" restart="never" nodeType="tmRoot"/>
+        <p:cTn id="1" dur="indefinite" restart="never" nodeType="tmRoot"/>
       </p:par>
     </p:tnLst>
   </p:timing>
@@ -29746,7 +29509,7 @@
   <a:extraClrSchemeLst/>
   <a:extLst>
     <a:ext uri="{05A4C25C-085E-4340-85A3-A5531E510DB2}">
-      <thm15:themeFamily xmlns="" xmlns:thm15="http://schemas.microsoft.com/office/thememl/2012/main" name="Office Theme" id="{62F939B6-93AF-4DB8-9C6B-D6C7DFDC589F}" vid="{4A3C46E8-61CC-4603-A589-7422A47A8E4A}"/>
+      <thm15:themeFamily xmlns:thm15="http://schemas.microsoft.com/office/thememl/2012/main" name="Office Theme" id="{62F939B6-93AF-4DB8-9C6B-D6C7DFDC589F}" vid="{4A3C46E8-61CC-4603-A589-7422A47A8E4A}"/>
     </a:ext>
   </a:extLst>
 </a:theme>
@@ -30007,7 +29770,7 @@
   <a:extraClrSchemeLst/>
   <a:extLst>
     <a:ext uri="{05A4C25C-085E-4340-85A3-A5531E510DB2}">
-      <thm15:themeFamily xmlns="" xmlns:thm15="http://schemas.microsoft.com/office/thememl/2012/main" name="Office Theme" id="{62F939B6-93AF-4DB8-9C6B-D6C7DFDC589F}" vid="{4A3C46E8-61CC-4603-A589-7422A47A8E4A}"/>
+      <thm15:themeFamily xmlns:thm15="http://schemas.microsoft.com/office/thememl/2012/main" name="Office Theme" id="{62F939B6-93AF-4DB8-9C6B-D6C7DFDC589F}" vid="{4A3C46E8-61CC-4603-A589-7422A47A8E4A}"/>
     </a:ext>
   </a:extLst>
 </a:theme>

--- a/elsarticle/Images/Thesis charts.pptx
+++ b/elsarticle/Images/Thesis charts.pptx
@@ -1820,6 +1820,20 @@
             <a:effectLst/>
           </c:spPr>
           <c:invertIfNegative val="0"/>
+          <c:dPt>
+            <c:idx val="1"/>
+            <c:invertIfNegative val="0"/>
+            <c:bubble3D val="0"/>
+            <c:spPr>
+              <a:solidFill>
+                <a:schemeClr val="accent2"/>
+              </a:solidFill>
+              <a:ln>
+                <a:noFill/>
+              </a:ln>
+              <a:effectLst/>
+            </c:spPr>
+          </c:dPt>
           <c:cat>
             <c:strRef>
               <c:f>Sheet1!$A$2:$A$6</c:f>
@@ -1853,13 +1867,13 @@
                   <c:v>0.0</c:v>
                 </c:pt>
                 <c:pt idx="1">
-                  <c:v>506.5999999999999</c:v>
-                </c:pt>
-                <c:pt idx="2">
-                  <c:v>506.5999999999999</c:v>
+                  <c:v>2676.5</c:v>
+                </c:pt>
+                <c:pt idx="2" formatCode="0.0">
+                  <c:v>-6946.17</c:v>
                 </c:pt>
                 <c:pt idx="3">
-                  <c:v>716.3</c:v>
+                  <c:v>-7103.25</c:v>
                 </c:pt>
                 <c:pt idx="4">
                   <c:v>0.0</c:v>
@@ -1892,140 +1906,6 @@
             <a:effectLst/>
           </c:spPr>
           <c:invertIfNegative val="0"/>
-          <c:dLbls>
-            <c:dLbl>
-              <c:idx val="0"/>
-              <c:layout>
-                <c:manualLayout>
-                  <c:x val="-0.00144230769230769"/>
-                  <c:y val="-0.362139556428385"/>
-                </c:manualLayout>
-              </c:layout>
-              <c:dLblPos val="ctr"/>
-              <c:showLegendKey val="0"/>
-              <c:showVal val="1"/>
-              <c:showCatName val="0"/>
-              <c:showSerName val="0"/>
-              <c:showPercent val="0"/>
-              <c:showBubbleSize val="0"/>
-              <c:extLst>
-                <c:ext xmlns:c15="http://schemas.microsoft.com/office/drawing/2012/chart" uri="{CE6537A1-D6FC-4f65-9D91-7224C49458BB}">
-                  <c15:layout/>
-                </c:ext>
-              </c:extLst>
-            </c:dLbl>
-            <c:dLbl>
-              <c:idx val="1"/>
-              <c:delete val="1"/>
-              <c:extLst>
-                <c:ext xmlns:c15="http://schemas.microsoft.com/office/drawing/2012/chart" uri="{CE6537A1-D6FC-4f65-9D91-7224C49458BB}"/>
-              </c:extLst>
-            </c:dLbl>
-            <c:dLbl>
-              <c:idx val="2"/>
-              <c:layout>
-                <c:manualLayout>
-                  <c:x val="-0.00264415505754081"/>
-                  <c:y val="-0.0563600915163062"/>
-                </c:manualLayout>
-              </c:layout>
-              <c:dLblPos val="ctr"/>
-              <c:showLegendKey val="0"/>
-              <c:showVal val="1"/>
-              <c:showCatName val="0"/>
-              <c:showSerName val="0"/>
-              <c:showPercent val="0"/>
-              <c:showBubbleSize val="0"/>
-              <c:extLst>
-                <c:ext xmlns:c15="http://schemas.microsoft.com/office/drawing/2012/chart" uri="{CE6537A1-D6FC-4f65-9D91-7224C49458BB}">
-                  <c15:layout/>
-                </c:ext>
-              </c:extLst>
-            </c:dLbl>
-            <c:dLbl>
-              <c:idx val="3"/>
-              <c:layout>
-                <c:manualLayout>
-                  <c:x val="0.0"/>
-                  <c:y val="-0.0426287725882791"/>
-                </c:manualLayout>
-              </c:layout>
-              <c:showLegendKey val="0"/>
-              <c:showVal val="1"/>
-              <c:showCatName val="0"/>
-              <c:showSerName val="0"/>
-              <c:showPercent val="0"/>
-              <c:showBubbleSize val="0"/>
-              <c:extLst>
-                <c:ext xmlns:c15="http://schemas.microsoft.com/office/drawing/2012/chart" uri="{CE6537A1-D6FC-4f65-9D91-7224C49458BB}">
-                  <c15:layout/>
-                </c:ext>
-              </c:extLst>
-            </c:dLbl>
-            <c:dLbl>
-              <c:idx val="4"/>
-              <c:delete val="1"/>
-              <c:extLst>
-                <c:ext xmlns:c15="http://schemas.microsoft.com/office/drawing/2012/chart" uri="{CE6537A1-D6FC-4f65-9D91-7224C49458BB}"/>
-              </c:extLst>
-            </c:dLbl>
-            <c:spPr>
-              <a:noFill/>
-              <a:ln>
-                <a:noFill/>
-              </a:ln>
-              <a:effectLst/>
-            </c:spPr>
-            <c:txPr>
-              <a:bodyPr rot="0" spcFirstLastPara="1" vertOverflow="ellipsis" vert="horz" wrap="square" lIns="38100" tIns="19050" rIns="38100" bIns="19050" anchor="ctr" anchorCtr="1">
-                <a:spAutoFit/>
-              </a:bodyPr>
-              <a:lstStyle/>
-              <a:p>
-                <a:pPr>
-                  <a:defRPr sz="1197" b="0" i="0" u="none" strike="noStrike" kern="1200" baseline="0">
-                    <a:solidFill>
-                      <a:schemeClr val="tx1">
-                        <a:lumMod val="75000"/>
-                        <a:lumOff val="25000"/>
-                      </a:schemeClr>
-                    </a:solidFill>
-                    <a:latin typeface="+mn-lt"/>
-                    <a:ea typeface="+mn-ea"/>
-                    <a:cs typeface="+mn-cs"/>
-                  </a:defRPr>
-                </a:pPr>
-                <a:endParaRPr lang="en-US"/>
-              </a:p>
-            </c:txPr>
-            <c:dLblPos val="ctr"/>
-            <c:showLegendKey val="0"/>
-            <c:showVal val="1"/>
-            <c:showCatName val="0"/>
-            <c:showSerName val="0"/>
-            <c:showPercent val="0"/>
-            <c:showBubbleSize val="0"/>
-            <c:showLeaderLines val="0"/>
-            <c:extLst>
-              <c:ext xmlns:c15="http://schemas.microsoft.com/office/drawing/2012/chart" uri="{CE6537A1-D6FC-4f65-9D91-7224C49458BB}">
-                <c15:showLeaderLines val="1"/>
-                <c15:leaderLines>
-                  <c:spPr>
-                    <a:ln w="9525" cap="flat" cmpd="sng" algn="ctr">
-                      <a:solidFill>
-                        <a:schemeClr val="tx1">
-                          <a:lumMod val="35000"/>
-                          <a:lumOff val="65000"/>
-                        </a:schemeClr>
-                      </a:solidFill>
-                      <a:round/>
-                    </a:ln>
-                    <a:effectLst/>
-                  </c:spPr>
-                </c15:leaderLines>
-              </c:ext>
-            </c:extLst>
-          </c:dLbls>
           <c:cat>
             <c:strRef>
               <c:f>Sheet1!$A$2:$A$6</c:f>
@@ -2056,13 +1936,13 @@
                 <c:formatCode>General</c:formatCode>
                 <c:ptCount val="5"/>
                 <c:pt idx="0">
-                  <c:v>1906.1</c:v>
+                  <c:v>2676.5</c:v>
                 </c:pt>
                 <c:pt idx="1">
                   <c:v>0.0</c:v>
                 </c:pt>
                 <c:pt idx="2">
-                  <c:v>209.7</c:v>
+                  <c:v>-157.08</c:v>
                 </c:pt>
                 <c:pt idx="3" formatCode="0.0">
                   <c:v>77.0</c:v>
@@ -2098,80 +1978,6 @@
             <a:effectLst/>
           </c:spPr>
           <c:invertIfNegative val="0"/>
-          <c:dLbls>
-            <c:dLbl>
-              <c:idx val="1"/>
-              <c:layout/>
-              <c:showLegendKey val="0"/>
-              <c:showVal val="1"/>
-              <c:showCatName val="0"/>
-              <c:showSerName val="0"/>
-              <c:showPercent val="0"/>
-              <c:showBubbleSize val="0"/>
-              <c:separator>. </c:separator>
-              <c:extLst>
-                <c:ext xmlns:c15="http://schemas.microsoft.com/office/drawing/2012/chart" uri="{CE6537A1-D6FC-4f65-9D91-7224C49458BB}">
-                  <c15:layout/>
-                </c:ext>
-              </c:extLst>
-            </c:dLbl>
-            <c:numFmt formatCode="0.0" sourceLinked="0"/>
-            <c:spPr>
-              <a:noFill/>
-              <a:ln>
-                <a:noFill/>
-              </a:ln>
-              <a:effectLst/>
-            </c:spPr>
-            <c:txPr>
-              <a:bodyPr rot="0" spcFirstLastPara="1" vertOverflow="ellipsis" vert="horz" wrap="square" lIns="38100" tIns="19050" rIns="38100" bIns="19050" anchor="ctr" anchorCtr="1">
-                <a:spAutoFit/>
-              </a:bodyPr>
-              <a:lstStyle/>
-              <a:p>
-                <a:pPr>
-                  <a:defRPr sz="1197" b="0" i="0" u="none" strike="noStrike" kern="1200" baseline="0">
-                    <a:solidFill>
-                      <a:schemeClr val="tx1">
-                        <a:lumMod val="75000"/>
-                        <a:lumOff val="25000"/>
-                      </a:schemeClr>
-                    </a:solidFill>
-                    <a:latin typeface="+mn-lt"/>
-                    <a:ea typeface="+mn-ea"/>
-                    <a:cs typeface="+mn-cs"/>
-                  </a:defRPr>
-                </a:pPr>
-                <a:endParaRPr lang="en-US"/>
-              </a:p>
-            </c:txPr>
-            <c:showLegendKey val="0"/>
-            <c:showVal val="0"/>
-            <c:showCatName val="0"/>
-            <c:showSerName val="0"/>
-            <c:showPercent val="0"/>
-            <c:showBubbleSize val="0"/>
-            <c:separator>. </c:separator>
-            <c:extLst>
-              <c:ext xmlns:c15="http://schemas.microsoft.com/office/drawing/2012/chart" uri="{CE6537A1-D6FC-4f65-9D91-7224C49458BB}">
-                <c15:showLeaderLines val="1"/>
-                <c15:leaderLines>
-                  <c:spPr>
-                    <a:ln w="9525" cap="flat" cmpd="sng" algn="ctr">
-                      <a:solidFill>
-                        <a:schemeClr val="tx1">
-                          <a:lumMod val="35000"/>
-                          <a:lumOff val="65000"/>
-                        </a:schemeClr>
-                      </a:solidFill>
-                      <a:round/>
-                    </a:ln>
-                    <a:effectLst/>
-                  </c:spPr>
-                </c15:leaderLines>
-              </c:ext>
-            </c:extLst>
-          </c:dLbls>
           <c:cat>
             <c:strRef>
               <c:f>Sheet1!$A$2:$A$6</c:f>
@@ -2205,7 +2011,7 @@
                   <c:v>0.0</c:v>
                 </c:pt>
                 <c:pt idx="1">
-                  <c:v>1399.5</c:v>
+                  <c:v>-7103.25</c:v>
                 </c:pt>
                 <c:pt idx="2" formatCode="General">
                   <c:v>0.0</c:v>
@@ -2244,113 +2050,6 @@
             <a:effectLst/>
           </c:spPr>
           <c:invertIfNegative val="0"/>
-          <c:dLbls>
-            <c:dLbl>
-              <c:idx val="0"/>
-              <c:delete val="1"/>
-              <c:extLst>
-                <c:ext xmlns:c15="http://schemas.microsoft.com/office/drawing/2012/chart" uri="{CE6537A1-D6FC-4f65-9D91-7224C49458BB}"/>
-              </c:extLst>
-            </c:dLbl>
-            <c:dLbl>
-              <c:idx val="1"/>
-              <c:delete val="1"/>
-              <c:extLst>
-                <c:ext xmlns:c15="http://schemas.microsoft.com/office/drawing/2012/chart" uri="{CE6537A1-D6FC-4f65-9D91-7224C49458BB}"/>
-              </c:extLst>
-            </c:dLbl>
-            <c:dLbl>
-              <c:idx val="2"/>
-              <c:delete val="1"/>
-              <c:extLst>
-                <c:ext xmlns:c15="http://schemas.microsoft.com/office/drawing/2012/chart" uri="{CE6537A1-D6FC-4f65-9D91-7224C49458BB}"/>
-              </c:extLst>
-            </c:dLbl>
-            <c:dLbl>
-              <c:idx val="3"/>
-              <c:delete val="1"/>
-              <c:extLst>
-                <c:ext xmlns:c15="http://schemas.microsoft.com/office/drawing/2012/chart" uri="{CE6537A1-D6FC-4f65-9D91-7224C49458BB}"/>
-              </c:extLst>
-            </c:dLbl>
-            <c:dLbl>
-              <c:idx val="4"/>
-              <c:layout>
-                <c:manualLayout>
-                  <c:x val="-0.00300484554815263"/>
-                  <c:y val="-0.150020488147213"/>
-                </c:manualLayout>
-              </c:layout>
-              <c:dLblPos val="ctr"/>
-              <c:showLegendKey val="0"/>
-              <c:showVal val="1"/>
-              <c:showCatName val="0"/>
-              <c:showSerName val="0"/>
-              <c:showPercent val="0"/>
-              <c:showBubbleSize val="0"/>
-              <c:extLst>
-                <c:ext xmlns:c15="http://schemas.microsoft.com/office/drawing/2012/chart" uri="{CE6537A1-D6FC-4f65-9D91-7224C49458BB}">
-                  <c15:layout/>
-                </c:ext>
-              </c:extLst>
-            </c:dLbl>
-            <c:spPr>
-              <a:noFill/>
-              <a:ln>
-                <a:noFill/>
-              </a:ln>
-              <a:effectLst/>
-            </c:spPr>
-            <c:txPr>
-              <a:bodyPr rot="0" spcFirstLastPara="1" vertOverflow="ellipsis" vert="horz" wrap="square" lIns="38100" tIns="19050" rIns="38100" bIns="19050" anchor="ctr" anchorCtr="1">
-                <a:spAutoFit/>
-              </a:bodyPr>
-              <a:lstStyle/>
-              <a:p>
-                <a:pPr>
-                  <a:defRPr sz="1197" b="0" i="0" u="none" strike="noStrike" kern="1200" baseline="0">
-                    <a:solidFill>
-                      <a:schemeClr val="tx1">
-                        <a:lumMod val="75000"/>
-                        <a:lumOff val="25000"/>
-                      </a:schemeClr>
-                    </a:solidFill>
-                    <a:latin typeface="+mn-lt"/>
-                    <a:ea typeface="+mn-ea"/>
-                    <a:cs typeface="+mn-cs"/>
-                  </a:defRPr>
-                </a:pPr>
-                <a:endParaRPr lang="en-US"/>
-              </a:p>
-            </c:txPr>
-            <c:dLblPos val="ctr"/>
-            <c:showLegendKey val="0"/>
-            <c:showVal val="1"/>
-            <c:showCatName val="0"/>
-            <c:showSerName val="0"/>
-            <c:showPercent val="0"/>
-            <c:showBubbleSize val="0"/>
-            <c:showLeaderLines val="0"/>
-            <c:extLst>
-              <c:ext xmlns:c15="http://schemas.microsoft.com/office/drawing/2012/chart" uri="{CE6537A1-D6FC-4f65-9D91-7224C49458BB}">
-                <c15:showLeaderLines val="1"/>
-                <c15:leaderLines>
-                  <c:spPr>
-                    <a:ln w="9525" cap="flat" cmpd="sng" algn="ctr">
-                      <a:solidFill>
-                        <a:schemeClr val="tx1">
-                          <a:lumMod val="35000"/>
-                          <a:lumOff val="65000"/>
-                        </a:schemeClr>
-                      </a:solidFill>
-                      <a:round/>
-                    </a:ln>
-                    <a:effectLst/>
-                  </c:spPr>
-                </c15:leaderLines>
-              </c:ext>
-            </c:extLst>
-          </c:dLbls>
           <c:cat>
             <c:strRef>
               <c:f>Sheet1!$A$2:$A$6</c:f>
@@ -2393,7 +2092,7 @@
                   <c:v>0.0</c:v>
                 </c:pt>
                 <c:pt idx="4">
-                  <c:v>793.3</c:v>
+                  <c:v>-7026.25</c:v>
                 </c:pt>
               </c:numCache>
             </c:numRef>
@@ -2417,45 +2116,12 @@
         <c:scaling>
           <c:orientation val="minMax"/>
         </c:scaling>
-        <c:delete val="0"/>
+        <c:delete val="1"/>
         <c:axPos val="b"/>
         <c:numFmt formatCode="General" sourceLinked="1"/>
         <c:majorTickMark val="none"/>
         <c:minorTickMark val="none"/>
         <c:tickLblPos val="nextTo"/>
-        <c:spPr>
-          <a:noFill/>
-          <a:ln w="9525" cap="flat" cmpd="sng" algn="ctr">
-            <a:solidFill>
-              <a:schemeClr val="tx1">
-                <a:lumMod val="15000"/>
-                <a:lumOff val="85000"/>
-              </a:schemeClr>
-            </a:solidFill>
-            <a:round/>
-          </a:ln>
-          <a:effectLst/>
-        </c:spPr>
-        <c:txPr>
-          <a:bodyPr rot="-60000000" spcFirstLastPara="1" vertOverflow="ellipsis" vert="horz" wrap="square" anchor="ctr" anchorCtr="1"/>
-          <a:lstStyle/>
-          <a:p>
-            <a:pPr>
-              <a:defRPr sz="1197" b="0" i="0" u="none" strike="noStrike" kern="1200" baseline="0">
-                <a:solidFill>
-                  <a:schemeClr val="tx1">
-                    <a:lumMod val="65000"/>
-                    <a:lumOff val="35000"/>
-                  </a:schemeClr>
-                </a:solidFill>
-                <a:latin typeface="+mn-lt"/>
-                <a:ea typeface="+mn-ea"/>
-                <a:cs typeface="+mn-cs"/>
-              </a:defRPr>
-            </a:pPr>
-            <a:endParaRPr lang="en-US"/>
-          </a:p>
-        </c:txPr>
         <c:crossAx val="-2053256928"/>
         <c:crosses val="autoZero"/>
         <c:auto val="1"/>
@@ -7122,6 +6788,7 @@
               </a:p>
             </c:rich>
           </c:tx>
+          <c:layout/>
           <c:overlay val="0"/>
           <c:spPr>
             <a:noFill/>
@@ -7178,6 +6845,7 @@
     </c:plotArea>
     <c:legend>
       <c:legendPos val="b"/>
+      <c:layout/>
       <c:overlay val="0"/>
       <c:spPr>
         <a:noFill/>
@@ -22411,12 +22079,9 @@
             </a:r>
             <a:r>
               <a:rPr lang="en-US" baseline="0" dirty="0" smtClean="0"/>
-              <a:t>pie </a:t>
+              <a:t>pie chart – UPDATED for paper</a:t>
             </a:r>
-            <a:r>
-              <a:rPr lang="en-US" baseline="0" dirty="0" smtClean="0"/>
-              <a:t>chart</a:t>
-            </a:r>
+            <a:endParaRPr lang="en-US" baseline="0" dirty="0" smtClean="0"/>
           </a:p>
           <a:p>
             <a:endParaRPr lang="en-US" dirty="0"/>
@@ -22514,8 +22179,17 @@
             </a:r>
             <a:r>
               <a:rPr lang="en-US" baseline="0" dirty="0" smtClean="0"/>
-              <a:t>in kwh at Swiss mix</a:t>
+              <a:t>in </a:t>
             </a:r>
+            <a:r>
+              <a:rPr lang="en-US" baseline="0" smtClean="0"/>
+              <a:t>kwh </a:t>
+            </a:r>
+            <a:r>
+              <a:rPr lang="en-US" baseline="0" smtClean="0"/>
+              <a:t>at ENTSO-E mix </a:t>
+            </a:r>
+            <a:endParaRPr lang="en-US" baseline="0" dirty="0" smtClean="0"/>
           </a:p>
           <a:p>
             <a:endParaRPr lang="en-US" dirty="0"/>
@@ -27243,13 +26917,13 @@
           <p:nvPr>
             <p:extLst>
               <p:ext uri="{D42A27DB-BD31-4B8C-83A1-F6EECF244321}">
-                <p14:modId xmlns:p14="http://schemas.microsoft.com/office/powerpoint/2010/main" val="3727187238"/>
+                <p14:modId xmlns:p14="http://schemas.microsoft.com/office/powerpoint/2010/main" val="693063977"/>
               </p:ext>
             </p:extLst>
           </p:nvPr>
         </p:nvGraphicFramePr>
         <p:xfrm>
-          <a:off x="1651000" y="1757362"/>
+          <a:off x="1611244" y="1349857"/>
           <a:ext cx="6604000" cy="3872971"/>
         </p:xfrm>
         <a:graphic>
@@ -27258,43 +26932,6 @@
           </a:graphicData>
         </a:graphic>
       </p:graphicFrame>
-      <p:cxnSp>
-        <p:nvCxnSpPr>
-          <p:cNvPr id="6" name="Straight Connector 5"/>
-          <p:cNvCxnSpPr/>
-          <p:nvPr/>
-        </p:nvCxnSpPr>
-        <p:spPr>
-          <a:xfrm>
-            <a:off x="3316556" y="2686953"/>
-            <a:ext cx="648000" cy="0"/>
-          </a:xfrm>
-          <a:prstGeom prst="line">
-            <a:avLst/>
-          </a:prstGeom>
-          <a:ln w="9525">
-            <a:solidFill>
-              <a:schemeClr val="tx1"/>
-            </a:solidFill>
-            <a:prstDash val="sysDash"/>
-            <a:headEnd type="none"/>
-          </a:ln>
-        </p:spPr>
-        <p:style>
-          <a:lnRef idx="1">
-            <a:schemeClr val="accent1"/>
-          </a:lnRef>
-          <a:fillRef idx="0">
-            <a:schemeClr val="accent1"/>
-          </a:fillRef>
-          <a:effectRef idx="0">
-            <a:schemeClr val="accent1"/>
-          </a:effectRef>
-          <a:fontRef idx="minor">
-            <a:schemeClr val="tx1"/>
-          </a:fontRef>
-        </p:style>
-      </p:cxnSp>
       <p:sp>
         <p:nvSpPr>
           <p:cNvPr id="2" name="Rectangle 1"/>
@@ -27303,7 +26940,7 @@
         </p:nvSpPr>
         <p:spPr>
           <a:xfrm>
-            <a:off x="6501339" y="2051067"/>
+            <a:off x="8092578" y="5335942"/>
             <a:ext cx="1369670" cy="310486"/>
           </a:xfrm>
           <a:prstGeom prst="rect">
@@ -27347,87 +26984,13 @@
       </p:sp>
       <p:cxnSp>
         <p:nvCxnSpPr>
-          <p:cNvPr id="10" name="Straight Connector 9"/>
-          <p:cNvCxnSpPr/>
-          <p:nvPr/>
-        </p:nvCxnSpPr>
-        <p:spPr>
-          <a:xfrm>
-            <a:off x="4425238" y="4440609"/>
-            <a:ext cx="648000" cy="0"/>
-          </a:xfrm>
-          <a:prstGeom prst="line">
-            <a:avLst/>
-          </a:prstGeom>
-          <a:ln w="9525">
-            <a:solidFill>
-              <a:schemeClr val="tx1"/>
-            </a:solidFill>
-            <a:prstDash val="sysDash"/>
-            <a:headEnd type="none"/>
-          </a:ln>
-        </p:spPr>
-        <p:style>
-          <a:lnRef idx="1">
-            <a:schemeClr val="accent1"/>
-          </a:lnRef>
-          <a:fillRef idx="0">
-            <a:schemeClr val="accent1"/>
-          </a:fillRef>
-          <a:effectRef idx="0">
-            <a:schemeClr val="accent1"/>
-          </a:effectRef>
-          <a:fontRef idx="minor">
-            <a:schemeClr val="tx1"/>
-          </a:fontRef>
-        </p:style>
-      </p:cxnSp>
-      <p:cxnSp>
-        <p:nvCxnSpPr>
-          <p:cNvPr id="11" name="Straight Connector 10"/>
-          <p:cNvCxnSpPr/>
-          <p:nvPr/>
-        </p:nvCxnSpPr>
-        <p:spPr>
-          <a:xfrm>
-            <a:off x="5533841" y="4180114"/>
-            <a:ext cx="648000" cy="0"/>
-          </a:xfrm>
-          <a:prstGeom prst="line">
-            <a:avLst/>
-          </a:prstGeom>
-          <a:ln w="9525">
-            <a:solidFill>
-              <a:schemeClr val="tx1"/>
-            </a:solidFill>
-            <a:prstDash val="sysDash"/>
-            <a:headEnd type="none"/>
-          </a:ln>
-        </p:spPr>
-        <p:style>
-          <a:lnRef idx="1">
-            <a:schemeClr val="accent1"/>
-          </a:lnRef>
-          <a:fillRef idx="0">
-            <a:schemeClr val="accent1"/>
-          </a:fillRef>
-          <a:effectRef idx="0">
-            <a:schemeClr val="accent1"/>
-          </a:effectRef>
-          <a:fontRef idx="minor">
-            <a:schemeClr val="tx1"/>
-          </a:fontRef>
-        </p:style>
-      </p:cxnSp>
-      <p:cxnSp>
-        <p:nvCxnSpPr>
           <p:cNvPr id="12" name="Straight Connector 11"/>
           <p:cNvCxnSpPr/>
           <p:nvPr/>
         </p:nvCxnSpPr>
         <p:spPr>
           <a:xfrm>
-            <a:off x="6654431" y="4082862"/>
+            <a:off x="8453413" y="5881845"/>
             <a:ext cx="648000" cy="0"/>
           </a:xfrm>
           <a:prstGeom prst="line">
@@ -27987,7 +27550,7 @@
           <p:nvPr>
             <p:extLst>
               <p:ext uri="{D42A27DB-BD31-4B8C-83A1-F6EECF244321}">
-                <p14:modId xmlns:p14="http://schemas.microsoft.com/office/powerpoint/2010/main" val="3524800563"/>
+                <p14:modId xmlns:p14="http://schemas.microsoft.com/office/powerpoint/2010/main" val="611872437"/>
               </p:ext>
             </p:extLst>
           </p:nvPr>

--- a/elsarticle/Images/Thesis charts.pptx
+++ b/elsarticle/Images/Thesis charts.pptx
@@ -425,11 +425,11 @@
           <c:showPercent val="0"/>
           <c:showBubbleSize val="0"/>
         </c:dLbls>
-        <c:axId val="2128617984"/>
-        <c:axId val="2128906064"/>
+        <c:axId val="-2053355648"/>
+        <c:axId val="-2053141952"/>
       </c:scatterChart>
       <c:valAx>
-        <c:axId val="2128617984"/>
+        <c:axId val="-2053355648"/>
         <c:scaling>
           <c:orientation val="minMax"/>
         </c:scaling>
@@ -551,12 +551,12 @@
             <a:endParaRPr lang="en-US"/>
           </a:p>
         </c:txPr>
-        <c:crossAx val="2128906064"/>
+        <c:crossAx val="-2053141952"/>
         <c:crosses val="autoZero"/>
         <c:crossBetween val="midCat"/>
       </c:valAx>
       <c:valAx>
-        <c:axId val="2128906064"/>
+        <c:axId val="-2053141952"/>
         <c:scaling>
           <c:orientation val="minMax"/>
         </c:scaling>
@@ -682,7 +682,7 @@
             <a:endParaRPr lang="en-US"/>
           </a:p>
         </c:txPr>
-        <c:crossAx val="2128617984"/>
+        <c:crossAx val="-2053355648"/>
         <c:crosses val="autoZero"/>
         <c:crossBetween val="midCat"/>
       </c:valAx>
@@ -1631,9 +1631,7 @@
               </c:spPr>
             </c:leaderLines>
             <c:extLst>
-              <c:ext xmlns:c15="http://schemas.microsoft.com/office/drawing/2012/chart" uri="{CE6537A1-D6FC-4f65-9D91-7224C49458BB}">
-                <c15:layout/>
-              </c:ext>
+              <c:ext xmlns:c15="http://schemas.microsoft.com/office/drawing/2012/chart" uri="{CE6537A1-D6FC-4f65-9D91-7224C49458BB}"/>
             </c:extLst>
           </c:dLbls>
           <c:cat>
@@ -1836,9 +1834,9 @@
           </c:dPt>
           <c:cat>
             <c:strRef>
-              <c:f>Sheet1!$A$2:$A$6</c:f>
+              <c:f>Sheet1!$A$2:$A$7</c:f>
               <c:strCache>
-                <c:ptCount val="5"/>
+                <c:ptCount val="6"/>
                 <c:pt idx="0">
                   <c:v>Embodied</c:v>
                 </c:pt>
@@ -1846,12 +1844,15 @@
                   <c:v>Heating, cooling and lighting offset</c:v>
                 </c:pt>
                 <c:pt idx="2">
+                  <c:v>Compressor</c:v>
+                </c:pt>
+                <c:pt idx="3">
                   <c:v>Maintenance</c:v>
                 </c:pt>
-                <c:pt idx="3">
+                <c:pt idx="4">
                   <c:v>Disposal</c:v>
                 </c:pt>
-                <c:pt idx="4">
+                <c:pt idx="5">
                   <c:v>Total</c:v>
                 </c:pt>
               </c:strCache>
@@ -1859,10 +1860,10 @@
           </c:cat>
           <c:val>
             <c:numRef>
-              <c:f>Sheet1!$B$2:$B$6</c:f>
+              <c:f>Sheet1!$B$2:$B$7</c:f>
               <c:numCache>
                 <c:formatCode>0.0</c:formatCode>
-                <c:ptCount val="5"/>
+                <c:ptCount val="6"/>
                 <c:pt idx="0">
                   <c:v>0.0</c:v>
                 </c:pt>
@@ -1870,12 +1871,15 @@
                   <c:v>2676.5</c:v>
                 </c:pt>
                 <c:pt idx="2">
-                  <c:v>-4270.67</c:v>
+                  <c:v>-4347.35</c:v>
                 </c:pt>
                 <c:pt idx="3">
-                  <c:v>-4193.67</c:v>
+                  <c:v>-4190.27</c:v>
                 </c:pt>
                 <c:pt idx="4">
+                  <c:v>-4113.27</c:v>
+                </c:pt>
+                <c:pt idx="5">
                   <c:v>0.0</c:v>
                 </c:pt>
               </c:numCache>
@@ -1911,9 +1915,7 @@
               <c:idx val="1"/>
               <c:delete val="1"/>
               <c:extLst>
-                <c:ext xmlns:c15="http://schemas.microsoft.com/office/drawing/2012/chart" uri="{CE6537A1-D6FC-4f65-9D91-7224C49458BB}">
-                  <c15:layout/>
-                </c:ext>
+                <c:ext xmlns:c15="http://schemas.microsoft.com/office/drawing/2012/chart" uri="{CE6537A1-D6FC-4f65-9D91-7224C49458BB}"/>
               </c:extLst>
             </c:dLbl>
             <c:dLbl>
@@ -1929,18 +1931,21 @@
               <c:idx val="3"/>
               <c:delete val="1"/>
               <c:extLst>
-                <c:ext xmlns:c15="http://schemas.microsoft.com/office/drawing/2012/chart" uri="{CE6537A1-D6FC-4f65-9D91-7224C49458BB}">
-                  <c15:layout/>
-                </c:ext>
+                <c:ext xmlns:c15="http://schemas.microsoft.com/office/drawing/2012/chart" uri="{CE6537A1-D6FC-4f65-9D91-7224C49458BB}"/>
               </c:extLst>
             </c:dLbl>
             <c:dLbl>
               <c:idx val="4"/>
               <c:delete val="1"/>
               <c:extLst>
-                <c:ext xmlns:c15="http://schemas.microsoft.com/office/drawing/2012/chart" uri="{CE6537A1-D6FC-4f65-9D91-7224C49458BB}">
-                  <c15:layout/>
-                </c:ext>
+                <c:ext xmlns:c15="http://schemas.microsoft.com/office/drawing/2012/chart" uri="{CE6537A1-D6FC-4f65-9D91-7224C49458BB}"/>
+              </c:extLst>
+            </c:dLbl>
+            <c:dLbl>
+              <c:idx val="5"/>
+              <c:delete val="1"/>
+              <c:extLst>
+                <c:ext xmlns:c15="http://schemas.microsoft.com/office/drawing/2012/chart" uri="{CE6537A1-D6FC-4f65-9D91-7224C49458BB}"/>
               </c:extLst>
             </c:dLbl>
             <c:spPr>
@@ -2002,9 +2007,9 @@
           </c:dLbls>
           <c:cat>
             <c:strRef>
-              <c:f>Sheet1!$A$2:$A$6</c:f>
+              <c:f>Sheet1!$A$2:$A$7</c:f>
               <c:strCache>
-                <c:ptCount val="5"/>
+                <c:ptCount val="6"/>
                 <c:pt idx="0">
                   <c:v>Embodied</c:v>
                 </c:pt>
@@ -2012,12 +2017,15 @@
                   <c:v>Heating, cooling and lighting offset</c:v>
                 </c:pt>
                 <c:pt idx="2">
+                  <c:v>Compressor</c:v>
+                </c:pt>
+                <c:pt idx="3">
                   <c:v>Maintenance</c:v>
                 </c:pt>
-                <c:pt idx="3">
+                <c:pt idx="4">
                   <c:v>Disposal</c:v>
                 </c:pt>
-                <c:pt idx="4">
+                <c:pt idx="5">
                   <c:v>Total</c:v>
                 </c:pt>
               </c:strCache>
@@ -2025,10 +2033,10 @@
           </c:cat>
           <c:val>
             <c:numRef>
-              <c:f>Sheet1!$C$2:$C$6</c:f>
+              <c:f>Sheet1!$C$2:$C$7</c:f>
               <c:numCache>
                 <c:formatCode>0.0</c:formatCode>
-                <c:ptCount val="5"/>
+                <c:ptCount val="6"/>
                 <c:pt idx="0">
                   <c:v>2676.5</c:v>
                 </c:pt>
@@ -2036,12 +2044,15 @@
                   <c:v>0.0</c:v>
                 </c:pt>
                 <c:pt idx="2">
+                  <c:v>-80.4</c:v>
+                </c:pt>
+                <c:pt idx="3">
                   <c:v>-157.08</c:v>
                 </c:pt>
-                <c:pt idx="3">
+                <c:pt idx="4">
                   <c:v>-77.0</c:v>
                 </c:pt>
-                <c:pt idx="4">
+                <c:pt idx="5">
                   <c:v>0.0</c:v>
                 </c:pt>
               </c:numCache>
@@ -2074,9 +2085,9 @@
           <c:invertIfNegative val="0"/>
           <c:cat>
             <c:strRef>
-              <c:f>Sheet1!$A$2:$A$6</c:f>
+              <c:f>Sheet1!$A$2:$A$7</c:f>
               <c:strCache>
-                <c:ptCount val="5"/>
+                <c:ptCount val="6"/>
                 <c:pt idx="0">
                   <c:v>Embodied</c:v>
                 </c:pt>
@@ -2084,12 +2095,15 @@
                   <c:v>Heating, cooling and lighting offset</c:v>
                 </c:pt>
                 <c:pt idx="2">
+                  <c:v>Compressor</c:v>
+                </c:pt>
+                <c:pt idx="3">
                   <c:v>Maintenance</c:v>
                 </c:pt>
-                <c:pt idx="3">
+                <c:pt idx="4">
                   <c:v>Disposal</c:v>
                 </c:pt>
-                <c:pt idx="4">
+                <c:pt idx="5">
                   <c:v>Total</c:v>
                 </c:pt>
               </c:strCache>
@@ -2097,23 +2111,23 @@
           </c:cat>
           <c:val>
             <c:numRef>
-              <c:f>Sheet1!$D$2:$D$6</c:f>
+              <c:f>Sheet1!$D$2:$D$7</c:f>
               <c:numCache>
                 <c:formatCode>0.0</c:formatCode>
-                <c:ptCount val="5"/>
+                <c:ptCount val="6"/>
                 <c:pt idx="0">
                   <c:v>0.0</c:v>
                 </c:pt>
                 <c:pt idx="1">
                   <c:v>-4427.75</c:v>
                 </c:pt>
-                <c:pt idx="2">
-                  <c:v>0.0</c:v>
-                </c:pt>
                 <c:pt idx="3">
                   <c:v>0.0</c:v>
                 </c:pt>
                 <c:pt idx="4">
+                  <c:v>0.0</c:v>
+                </c:pt>
+                <c:pt idx="5">
                   <c:v>0.0</c:v>
                 </c:pt>
               </c:numCache>
@@ -2149,36 +2163,28 @@
               <c:idx val="0"/>
               <c:delete val="1"/>
               <c:extLst>
-                <c:ext xmlns:c15="http://schemas.microsoft.com/office/drawing/2012/chart" uri="{CE6537A1-D6FC-4f65-9D91-7224C49458BB}">
-                  <c15:layout/>
-                </c:ext>
+                <c:ext xmlns:c15="http://schemas.microsoft.com/office/drawing/2012/chart" uri="{CE6537A1-D6FC-4f65-9D91-7224C49458BB}"/>
               </c:extLst>
             </c:dLbl>
             <c:dLbl>
               <c:idx val="1"/>
               <c:delete val="1"/>
               <c:extLst>
-                <c:ext xmlns:c15="http://schemas.microsoft.com/office/drawing/2012/chart" uri="{CE6537A1-D6FC-4f65-9D91-7224C49458BB}">
-                  <c15:layout/>
-                </c:ext>
-              </c:extLst>
-            </c:dLbl>
-            <c:dLbl>
-              <c:idx val="2"/>
-              <c:delete val="1"/>
-              <c:extLst>
-                <c:ext xmlns:c15="http://schemas.microsoft.com/office/drawing/2012/chart" uri="{CE6537A1-D6FC-4f65-9D91-7224C49458BB}">
-                  <c15:layout/>
-                </c:ext>
+                <c:ext xmlns:c15="http://schemas.microsoft.com/office/drawing/2012/chart" uri="{CE6537A1-D6FC-4f65-9D91-7224C49458BB}"/>
               </c:extLst>
             </c:dLbl>
             <c:dLbl>
               <c:idx val="3"/>
               <c:delete val="1"/>
               <c:extLst>
-                <c:ext xmlns:c15="http://schemas.microsoft.com/office/drawing/2012/chart" uri="{CE6537A1-D6FC-4f65-9D91-7224C49458BB}">
-                  <c15:layout/>
-                </c:ext>
+                <c:ext xmlns:c15="http://schemas.microsoft.com/office/drawing/2012/chart" uri="{CE6537A1-D6FC-4f65-9D91-7224C49458BB}"/>
+              </c:extLst>
+            </c:dLbl>
+            <c:dLbl>
+              <c:idx val="4"/>
+              <c:delete val="1"/>
+              <c:extLst>
+                <c:ext xmlns:c15="http://schemas.microsoft.com/office/drawing/2012/chart" uri="{CE6537A1-D6FC-4f65-9D91-7224C49458BB}"/>
               </c:extLst>
             </c:dLbl>
             <c:spPr>
@@ -2240,9 +2246,9 @@
           </c:dLbls>
           <c:cat>
             <c:strRef>
-              <c:f>Sheet1!$A$2:$A$6</c:f>
+              <c:f>Sheet1!$A$2:$A$7</c:f>
               <c:strCache>
-                <c:ptCount val="5"/>
+                <c:ptCount val="6"/>
                 <c:pt idx="0">
                   <c:v>Embodied</c:v>
                 </c:pt>
@@ -2250,12 +2256,15 @@
                   <c:v>Heating, cooling and lighting offset</c:v>
                 </c:pt>
                 <c:pt idx="2">
+                  <c:v>Compressor</c:v>
+                </c:pt>
+                <c:pt idx="3">
                   <c:v>Maintenance</c:v>
                 </c:pt>
-                <c:pt idx="3">
+                <c:pt idx="4">
                   <c:v>Disposal</c:v>
                 </c:pt>
-                <c:pt idx="4">
+                <c:pt idx="5">
                   <c:v>Total</c:v>
                 </c:pt>
               </c:strCache>
@@ -2263,24 +2272,24 @@
           </c:cat>
           <c:val>
             <c:numRef>
-              <c:f>Sheet1!$E$2:$E$6</c:f>
+              <c:f>Sheet1!$E$2:$E$7</c:f>
               <c:numCache>
                 <c:formatCode>0.0</c:formatCode>
-                <c:ptCount val="5"/>
+                <c:ptCount val="6"/>
                 <c:pt idx="0">
                   <c:v>0.0</c:v>
                 </c:pt>
                 <c:pt idx="1">
                   <c:v>0.0</c:v>
                 </c:pt>
-                <c:pt idx="2">
-                  <c:v>0.0</c:v>
-                </c:pt>
                 <c:pt idx="3">
                   <c:v>0.0</c:v>
                 </c:pt>
                 <c:pt idx="4">
-                  <c:v>-4193.67</c:v>
+                  <c:v>0.0</c:v>
+                </c:pt>
+                <c:pt idx="5">
+                  <c:v>-4113.27</c:v>
                 </c:pt>
               </c:numCache>
             </c:numRef>
@@ -2296,11 +2305,11 @@
         </c:dLbls>
         <c:gapWidth val="150"/>
         <c:overlap val="100"/>
-        <c:axId val="-2053250464"/>
-        <c:axId val="-2053256928"/>
+        <c:axId val="-2106059696"/>
+        <c:axId val="-2106331760"/>
       </c:barChart>
       <c:catAx>
-        <c:axId val="-2053250464"/>
+        <c:axId val="-2106059696"/>
         <c:scaling>
           <c:orientation val="minMax"/>
         </c:scaling>
@@ -2310,7 +2319,7 @@
         <c:majorTickMark val="none"/>
         <c:minorTickMark val="none"/>
         <c:tickLblPos val="nextTo"/>
-        <c:crossAx val="-2053256928"/>
+        <c:crossAx val="-2106331760"/>
         <c:crosses val="autoZero"/>
         <c:auto val="1"/>
         <c:lblAlgn val="ctr"/>
@@ -2318,7 +2327,7 @@
         <c:noMultiLvlLbl val="0"/>
       </c:catAx>
       <c:valAx>
-        <c:axId val="-2053256928"/>
+        <c:axId val="-2106331760"/>
         <c:scaling>
           <c:orientation val="minMax"/>
         </c:scaling>
@@ -2434,7 +2443,7 @@
             <a:endParaRPr lang="en-US"/>
           </a:p>
         </c:txPr>
-        <c:crossAx val="-2053250464"/>
+        <c:crossAx val="-2106059696"/>
         <c:crosses val="autoZero"/>
         <c:crossBetween val="between"/>
       </c:valAx>
@@ -2817,11 +2826,11 @@
         </c:dLbls>
         <c:gapWidth val="219"/>
         <c:overlap val="-27"/>
-        <c:axId val="-2146378304"/>
-        <c:axId val="-2090514736"/>
+        <c:axId val="-2013761920"/>
+        <c:axId val="-2014095216"/>
       </c:barChart>
       <c:catAx>
-        <c:axId val="-2146378304"/>
+        <c:axId val="-2013761920"/>
         <c:scaling>
           <c:orientation val="minMax"/>
         </c:scaling>
@@ -2861,7 +2870,7 @@
             <a:endParaRPr lang="en-US"/>
           </a:p>
         </c:txPr>
-        <c:crossAx val="-2090514736"/>
+        <c:crossAx val="-2014095216"/>
         <c:crosses val="autoZero"/>
         <c:auto val="1"/>
         <c:lblAlgn val="ctr"/>
@@ -2869,7 +2878,7 @@
         <c:noMultiLvlLbl val="0"/>
       </c:catAx>
       <c:valAx>
-        <c:axId val="-2090514736"/>
+        <c:axId val="-2014095216"/>
         <c:scaling>
           <c:orientation val="minMax"/>
         </c:scaling>
@@ -3000,7 +3009,7 @@
             <a:endParaRPr lang="en-US"/>
           </a:p>
         </c:txPr>
-        <c:crossAx val="-2146378304"/>
+        <c:crossAx val="-2013761920"/>
         <c:crosses val="autoZero"/>
         <c:crossBetween val="between"/>
       </c:valAx>
@@ -3297,11 +3306,11 @@
         </c:dLbls>
         <c:gapWidth val="219"/>
         <c:overlap val="-27"/>
-        <c:axId val="-2108582352"/>
-        <c:axId val="-2108578912"/>
+        <c:axId val="-2016193104"/>
+        <c:axId val="-2106712880"/>
       </c:barChart>
       <c:catAx>
-        <c:axId val="-2108582352"/>
+        <c:axId val="-2016193104"/>
         <c:scaling>
           <c:orientation val="minMax"/>
         </c:scaling>
@@ -3341,7 +3350,7 @@
             <a:endParaRPr lang="en-US"/>
           </a:p>
         </c:txPr>
-        <c:crossAx val="-2108578912"/>
+        <c:crossAx val="-2106712880"/>
         <c:crosses val="autoZero"/>
         <c:auto val="1"/>
         <c:lblAlgn val="ctr"/>
@@ -3349,7 +3358,7 @@
         <c:noMultiLvlLbl val="0"/>
       </c:catAx>
       <c:valAx>
-        <c:axId val="-2108578912"/>
+        <c:axId val="-2106712880"/>
         <c:scaling>
           <c:orientation val="minMax"/>
         </c:scaling>
@@ -3469,7 +3478,7 @@
             <a:endParaRPr lang="en-US"/>
           </a:p>
         </c:txPr>
-        <c:crossAx val="-2108582352"/>
+        <c:crossAx val="-2016193104"/>
         <c:crosses val="autoZero"/>
         <c:crossBetween val="between"/>
       </c:valAx>
@@ -3716,9 +3725,7 @@
               </c:spPr>
             </c:leaderLines>
             <c:extLst>
-              <c:ext xmlns:c15="http://schemas.microsoft.com/office/drawing/2012/chart" uri="{CE6537A1-D6FC-4f65-9D91-7224C49458BB}">
-                <c15:layout/>
-              </c:ext>
+              <c:ext xmlns:c15="http://schemas.microsoft.com/office/drawing/2012/chart" uri="{CE6537A1-D6FC-4f65-9D91-7224C49458BB}"/>
             </c:extLst>
           </c:dLbls>
           <c:cat>
@@ -3998,7 +4005,7 @@
                   <c:v>-6.43</c:v>
                 </c:pt>
                 <c:pt idx="10">
-                  <c:v>-9.74</c:v>
+                  <c:v>-9.739999999999998</c:v>
                 </c:pt>
                 <c:pt idx="11">
                   <c:v>-13.05</c:v>
@@ -4032,11 +4039,11 @@
           <c:showBubbleSize val="0"/>
         </c:dLbls>
         <c:smooth val="0"/>
-        <c:axId val="-2089979152"/>
-        <c:axId val="-2145635024"/>
+        <c:axId val="-2013325072"/>
+        <c:axId val="-2013320416"/>
       </c:lineChart>
       <c:catAx>
-        <c:axId val="-2089979152"/>
+        <c:axId val="-2013325072"/>
         <c:scaling>
           <c:orientation val="minMax"/>
         </c:scaling>
@@ -4079,7 +4086,7 @@
             <a:endParaRPr lang="en-US"/>
           </a:p>
         </c:txPr>
-        <c:crossAx val="-2145635024"/>
+        <c:crossAx val="-2013320416"/>
         <c:crosses val="autoZero"/>
         <c:auto val="1"/>
         <c:lblAlgn val="ctr"/>
@@ -4087,7 +4094,7 @@
         <c:noMultiLvlLbl val="0"/>
       </c:catAx>
       <c:valAx>
-        <c:axId val="-2145635024"/>
+        <c:axId val="-2013320416"/>
         <c:scaling>
           <c:orientation val="minMax"/>
         </c:scaling>
@@ -4174,7 +4181,7 @@
             <a:endParaRPr lang="en-US"/>
           </a:p>
         </c:txPr>
-        <c:crossAx val="-2089979152"/>
+        <c:crossAx val="-2013325072"/>
         <c:crosses val="autoZero"/>
         <c:crossBetween val="between"/>
       </c:valAx>
@@ -4781,11 +4788,11 @@
         </c:dLbls>
         <c:gapWidth val="219"/>
         <c:overlap val="-27"/>
-        <c:axId val="-2053479808"/>
-        <c:axId val="-2053464368"/>
+        <c:axId val="-2011774880"/>
+        <c:axId val="-2011810320"/>
       </c:barChart>
       <c:catAx>
-        <c:axId val="-2053479808"/>
+        <c:axId val="-2011774880"/>
         <c:scaling>
           <c:orientation val="minMax"/>
         </c:scaling>
@@ -4828,7 +4835,7 @@
             <a:endParaRPr lang="en-US"/>
           </a:p>
         </c:txPr>
-        <c:crossAx val="-2053464368"/>
+        <c:crossAx val="-2011810320"/>
         <c:crosses val="autoZero"/>
         <c:auto val="1"/>
         <c:lblAlgn val="ctr"/>
@@ -4836,7 +4843,7 @@
         <c:noMultiLvlLbl val="0"/>
       </c:catAx>
       <c:valAx>
-        <c:axId val="-2053464368"/>
+        <c:axId val="-2011810320"/>
         <c:scaling>
           <c:orientation val="minMax"/>
         </c:scaling>
@@ -4959,7 +4966,7 @@
             <a:endParaRPr lang="en-US"/>
           </a:p>
         </c:txPr>
-        <c:crossAx val="-2053479808"/>
+        <c:crossAx val="-2011774880"/>
         <c:crosses val="autoZero"/>
         <c:crossBetween val="between"/>
       </c:valAx>
@@ -5654,11 +5661,11 @@
         </c:dLbls>
         <c:gapWidth val="219"/>
         <c:overlap val="100"/>
-        <c:axId val="-2053826880"/>
-        <c:axId val="-2049949392"/>
+        <c:axId val="-2054329504"/>
+        <c:axId val="-2051518832"/>
       </c:barChart>
       <c:catAx>
-        <c:axId val="-2053826880"/>
+        <c:axId val="-2054329504"/>
         <c:scaling>
           <c:orientation val="minMax"/>
         </c:scaling>
@@ -5701,7 +5708,7 @@
             <a:endParaRPr lang="en-US"/>
           </a:p>
         </c:txPr>
-        <c:crossAx val="-2049949392"/>
+        <c:crossAx val="-2051518832"/>
         <c:crosses val="autoZero"/>
         <c:auto val="1"/>
         <c:lblAlgn val="ctr"/>
@@ -5709,7 +5716,7 @@
         <c:noMultiLvlLbl val="0"/>
       </c:catAx>
       <c:valAx>
-        <c:axId val="-2049949392"/>
+        <c:axId val="-2051518832"/>
         <c:scaling>
           <c:orientation val="minMax"/>
         </c:scaling>
@@ -5850,7 +5857,7 @@
             <a:endParaRPr lang="en-US"/>
           </a:p>
         </c:txPr>
-        <c:crossAx val="-2053826880"/>
+        <c:crossAx val="-2054329504"/>
         <c:crosses val="autoZero"/>
         <c:crossBetween val="between"/>
       </c:valAx>
@@ -6007,7 +6014,6 @@
             <c:showLeaderLines val="0"/>
             <c:extLst>
               <c:ext xmlns:c15="http://schemas.microsoft.com/office/drawing/2012/chart" uri="{CE6537A1-D6FC-4f65-9D91-7224C49458BB}">
-                <c15:layout/>
                 <c15:showLeaderLines val="1"/>
                 <c15:leaderLines>
                   <c:spPr>
@@ -6131,7 +6137,6 @@
             <c:showLeaderLines val="0"/>
             <c:extLst>
               <c:ext xmlns:c15="http://schemas.microsoft.com/office/drawing/2012/chart" uri="{CE6537A1-D6FC-4f65-9D91-7224C49458BB}">
-                <c15:layout/>
                 <c15:showLeaderLines val="1"/>
                 <c15:leaderLines>
                   <c:spPr>
@@ -6250,7 +6255,6 @@
             <c:showLeaderLines val="0"/>
             <c:extLst>
               <c:ext xmlns:c15="http://schemas.microsoft.com/office/drawing/2012/chart" uri="{CE6537A1-D6FC-4f65-9D91-7224C49458BB}">
-                <c15:layout/>
                 <c15:showLeaderLines val="1"/>
                 <c15:leaderLines>
                   <c:spPr>
@@ -6315,11 +6319,11 @@
         </c:dLbls>
         <c:gapWidth val="219"/>
         <c:overlap val="-27"/>
-        <c:axId val="-2048305696"/>
-        <c:axId val="-2048302224"/>
+        <c:axId val="-2016385824"/>
+        <c:axId val="-2107183072"/>
       </c:barChart>
       <c:catAx>
-        <c:axId val="-2048305696"/>
+        <c:axId val="-2016385824"/>
         <c:scaling>
           <c:orientation val="minMax"/>
         </c:scaling>
@@ -6359,7 +6363,7 @@
             <a:endParaRPr lang="en-US"/>
           </a:p>
         </c:txPr>
-        <c:crossAx val="-2048302224"/>
+        <c:crossAx val="-2107183072"/>
         <c:crosses val="autoZero"/>
         <c:auto val="1"/>
         <c:lblAlgn val="ctr"/>
@@ -6367,7 +6371,7 @@
         <c:noMultiLvlLbl val="0"/>
       </c:catAx>
       <c:valAx>
-        <c:axId val="-2048302224"/>
+        <c:axId val="-2107183072"/>
         <c:scaling>
           <c:orientation val="minMax"/>
         </c:scaling>
@@ -6426,7 +6430,6 @@
               </a:p>
             </c:rich>
           </c:tx>
-          <c:layout/>
           <c:overlay val="0"/>
           <c:spPr>
             <a:noFill/>
@@ -6489,7 +6492,7 @@
             <a:endParaRPr lang="en-US"/>
           </a:p>
         </c:txPr>
-        <c:crossAx val="-2048305696"/>
+        <c:crossAx val="-2016385824"/>
         <c:crosses val="autoZero"/>
         <c:crossBetween val="between"/>
       </c:valAx>
@@ -6505,7 +6508,6 @@
     </c:plotArea>
     <c:legend>
       <c:legendPos val="b"/>
-      <c:layout/>
       <c:overlay val="0"/>
       <c:spPr>
         <a:noFill/>
@@ -6872,11 +6874,11 @@
         </c:dLbls>
         <c:gapWidth val="219"/>
         <c:overlap val="100"/>
-        <c:axId val="-2053771840"/>
-        <c:axId val="-2053773664"/>
+        <c:axId val="-2054376736"/>
+        <c:axId val="-2052062704"/>
       </c:barChart>
       <c:catAx>
-        <c:axId val="-2053771840"/>
+        <c:axId val="-2054376736"/>
         <c:scaling>
           <c:orientation val="minMax"/>
         </c:scaling>
@@ -6919,7 +6921,7 @@
             <a:endParaRPr lang="en-US"/>
           </a:p>
         </c:txPr>
-        <c:crossAx val="-2053773664"/>
+        <c:crossAx val="-2052062704"/>
         <c:crosses val="autoZero"/>
         <c:auto val="1"/>
         <c:lblAlgn val="ctr"/>
@@ -6927,7 +6929,7 @@
         <c:noMultiLvlLbl val="0"/>
       </c:catAx>
       <c:valAx>
-        <c:axId val="-2053773664"/>
+        <c:axId val="-2052062704"/>
         <c:scaling>
           <c:orientation val="minMax"/>
         </c:scaling>
@@ -6978,7 +6980,6 @@
               </a:p>
             </c:rich>
           </c:tx>
-          <c:layout/>
           <c:overlay val="0"/>
           <c:spPr>
             <a:noFill/>
@@ -7019,7 +7020,7 @@
             <a:endParaRPr lang="en-US"/>
           </a:p>
         </c:txPr>
-        <c:crossAx val="-2053771840"/>
+        <c:crossAx val="-2054376736"/>
         <c:crosses val="autoZero"/>
         <c:crossBetween val="between"/>
       </c:valAx>
@@ -7035,7 +7036,6 @@
     </c:plotArea>
     <c:legend>
       <c:legendPos val="b"/>
-      <c:layout/>
       <c:overlay val="0"/>
       <c:spPr>
         <a:noFill/>
@@ -7287,11 +7287,11 @@
         </c:dLbls>
         <c:gapWidth val="219"/>
         <c:overlap val="100"/>
-        <c:axId val="-2093106112"/>
-        <c:axId val="-2094198752"/>
+        <c:axId val="-2013550048"/>
+        <c:axId val="-2015884288"/>
       </c:barChart>
       <c:catAx>
-        <c:axId val="-2093106112"/>
+        <c:axId val="-2013550048"/>
         <c:scaling>
           <c:orientation val="minMax"/>
         </c:scaling>
@@ -7331,7 +7331,7 @@
             <a:endParaRPr lang="en-US"/>
           </a:p>
         </c:txPr>
-        <c:crossAx val="-2094198752"/>
+        <c:crossAx val="-2015884288"/>
         <c:crosses val="autoZero"/>
         <c:auto val="1"/>
         <c:lblAlgn val="ctr"/>
@@ -7339,7 +7339,7 @@
         <c:noMultiLvlLbl val="0"/>
       </c:catAx>
       <c:valAx>
-        <c:axId val="-2094198752"/>
+        <c:axId val="-2015884288"/>
         <c:scaling>
           <c:orientation val="minMax"/>
         </c:scaling>
@@ -7480,7 +7480,7 @@
             <a:endParaRPr lang="en-US"/>
           </a:p>
         </c:txPr>
-        <c:crossAx val="-2093106112"/>
+        <c:crossAx val="-2013550048"/>
         <c:crosses val="autoZero"/>
         <c:crossBetween val="between"/>
         <c:majorUnit val="100.0"/>
@@ -7694,11 +7694,11 @@
         </c:dLbls>
         <c:gapWidth val="219"/>
         <c:overlap val="100"/>
-        <c:axId val="-2108344448"/>
-        <c:axId val="-2108360000"/>
+        <c:axId val="-2055080000"/>
+        <c:axId val="-2051221936"/>
       </c:barChart>
       <c:catAx>
-        <c:axId val="-2108344448"/>
+        <c:axId val="-2055080000"/>
         <c:scaling>
           <c:orientation val="minMax"/>
         </c:scaling>
@@ -7738,7 +7738,7 @@
             <a:endParaRPr lang="en-US"/>
           </a:p>
         </c:txPr>
-        <c:crossAx val="-2108360000"/>
+        <c:crossAx val="-2051221936"/>
         <c:crosses val="autoZero"/>
         <c:auto val="1"/>
         <c:lblAlgn val="ctr"/>
@@ -7746,7 +7746,7 @@
         <c:noMultiLvlLbl val="0"/>
       </c:catAx>
       <c:valAx>
-        <c:axId val="-2108360000"/>
+        <c:axId val="-2051221936"/>
         <c:scaling>
           <c:orientation val="minMax"/>
         </c:scaling>
@@ -7893,7 +7893,7 @@
             <a:endParaRPr lang="en-US"/>
           </a:p>
         </c:txPr>
-        <c:crossAx val="-2108344448"/>
+        <c:crossAx val="-2055080000"/>
         <c:crosses val="autoZero"/>
         <c:crossBetween val="between"/>
       </c:valAx>
@@ -8218,11 +8218,11 @@
         </c:dLbls>
         <c:gapWidth val="219"/>
         <c:overlap val="-27"/>
-        <c:axId val="-2051133024"/>
-        <c:axId val="-2051695472"/>
+        <c:axId val="-2139285056"/>
+        <c:axId val="-2139309584"/>
       </c:barChart>
       <c:catAx>
-        <c:axId val="-2051133024"/>
+        <c:axId val="-2139285056"/>
         <c:scaling>
           <c:orientation val="minMax"/>
         </c:scaling>
@@ -8262,7 +8262,7 @@
             <a:endParaRPr lang="en-US"/>
           </a:p>
         </c:txPr>
-        <c:crossAx val="-2051695472"/>
+        <c:crossAx val="-2139309584"/>
         <c:crosses val="autoZero"/>
         <c:auto val="1"/>
         <c:lblAlgn val="ctr"/>
@@ -8270,7 +8270,7 @@
         <c:noMultiLvlLbl val="0"/>
       </c:catAx>
       <c:valAx>
-        <c:axId val="-2051695472"/>
+        <c:axId val="-2139309584"/>
         <c:scaling>
           <c:orientation val="minMax"/>
         </c:scaling>
@@ -8403,7 +8403,7 @@
             <a:endParaRPr lang="en-US"/>
           </a:p>
         </c:txPr>
-        <c:crossAx val="-2051133024"/>
+        <c:crossAx val="-2139285056"/>
         <c:crosses val="autoZero"/>
         <c:crossBetween val="between"/>
       </c:valAx>
@@ -9007,11 +9007,11 @@
         </c:dLbls>
         <c:gapWidth val="219"/>
         <c:overlap val="-27"/>
-        <c:axId val="-2051447904"/>
-        <c:axId val="-2051439408"/>
+        <c:axId val="-2011313296"/>
+        <c:axId val="-2011309952"/>
       </c:barChart>
       <c:catAx>
-        <c:axId val="-2051447904"/>
+        <c:axId val="-2011313296"/>
         <c:scaling>
           <c:orientation val="minMax"/>
         </c:scaling>
@@ -9051,7 +9051,7 @@
             <a:endParaRPr lang="en-US"/>
           </a:p>
         </c:txPr>
-        <c:crossAx val="-2051439408"/>
+        <c:crossAx val="-2011309952"/>
         <c:crosses val="autoZero"/>
         <c:auto val="1"/>
         <c:lblAlgn val="ctr"/>
@@ -9059,7 +9059,7 @@
         <c:noMultiLvlLbl val="0"/>
       </c:catAx>
       <c:valAx>
-        <c:axId val="-2051439408"/>
+        <c:axId val="-2011309952"/>
         <c:scaling>
           <c:orientation val="minMax"/>
         </c:scaling>
@@ -9197,7 +9197,7 @@
             <a:endParaRPr lang="en-US"/>
           </a:p>
         </c:txPr>
-        <c:crossAx val="-2051447904"/>
+        <c:crossAx val="-2011313296"/>
         <c:crosses val="autoZero"/>
         <c:crossBetween val="between"/>
       </c:valAx>
@@ -9588,11 +9588,11 @@
         </c:dLbls>
         <c:gapWidth val="219"/>
         <c:overlap val="-27"/>
-        <c:axId val="-2051542064"/>
-        <c:axId val="-2051404576"/>
+        <c:axId val="-2142089056"/>
+        <c:axId val="-2142020160"/>
       </c:barChart>
       <c:catAx>
-        <c:axId val="-2051542064"/>
+        <c:axId val="-2142089056"/>
         <c:scaling>
           <c:orientation val="minMax"/>
         </c:scaling>
@@ -9632,7 +9632,7 @@
             <a:endParaRPr lang="en-US"/>
           </a:p>
         </c:txPr>
-        <c:crossAx val="-2051404576"/>
+        <c:crossAx val="-2142020160"/>
         <c:crosses val="autoZero"/>
         <c:auto val="1"/>
         <c:lblAlgn val="ctr"/>
@@ -9640,7 +9640,7 @@
         <c:noMultiLvlLbl val="0"/>
       </c:catAx>
       <c:valAx>
-        <c:axId val="-2051404576"/>
+        <c:axId val="-2142020160"/>
         <c:scaling>
           <c:orientation val="minMax"/>
         </c:scaling>
@@ -9770,7 +9770,7 @@
             <a:endParaRPr lang="en-US"/>
           </a:p>
         </c:txPr>
-        <c:crossAx val="-2051542064"/>
+        <c:crossAx val="-2142089056"/>
         <c:crosses val="autoZero"/>
         <c:crossBetween val="between"/>
       </c:valAx>
@@ -9939,11 +9939,11 @@
         </c:dLbls>
         <c:gapWidth val="219"/>
         <c:overlap val="-27"/>
-        <c:axId val="-2093701088"/>
-        <c:axId val="-2048237920"/>
+        <c:axId val="-2139570944"/>
+        <c:axId val="-2141795680"/>
       </c:barChart>
       <c:catAx>
-        <c:axId val="-2093701088"/>
+        <c:axId val="-2139570944"/>
         <c:scaling>
           <c:orientation val="minMax"/>
         </c:scaling>
@@ -9983,7 +9983,7 @@
             <a:endParaRPr lang="en-US"/>
           </a:p>
         </c:txPr>
-        <c:crossAx val="-2048237920"/>
+        <c:crossAx val="-2141795680"/>
         <c:crosses val="autoZero"/>
         <c:auto val="1"/>
         <c:lblAlgn val="ctr"/>
@@ -9991,7 +9991,7 @@
         <c:noMultiLvlLbl val="0"/>
       </c:catAx>
       <c:valAx>
-        <c:axId val="-2048237920"/>
+        <c:axId val="-2141795680"/>
         <c:scaling>
           <c:orientation val="minMax"/>
         </c:scaling>
@@ -10121,7 +10121,7 @@
             <a:endParaRPr lang="en-US"/>
           </a:p>
         </c:txPr>
-        <c:crossAx val="-2093701088"/>
+        <c:crossAx val="-2139570944"/>
         <c:crosses val="autoZero"/>
         <c:crossBetween val="between"/>
       </c:valAx>
@@ -10431,11 +10431,11 @@
         </c:dLbls>
         <c:gapWidth val="219"/>
         <c:overlap val="100"/>
-        <c:axId val="-2048228288"/>
-        <c:axId val="-2048217104"/>
+        <c:axId val="-2015648896"/>
+        <c:axId val="-2088820128"/>
       </c:barChart>
       <c:catAx>
-        <c:axId val="-2048228288"/>
+        <c:axId val="-2015648896"/>
         <c:scaling>
           <c:orientation val="minMax"/>
         </c:scaling>
@@ -10478,7 +10478,7 @@
             <a:endParaRPr lang="en-US"/>
           </a:p>
         </c:txPr>
-        <c:crossAx val="-2048217104"/>
+        <c:crossAx val="-2088820128"/>
         <c:crosses val="autoZero"/>
         <c:auto val="1"/>
         <c:lblAlgn val="ctr"/>
@@ -10486,7 +10486,7 @@
         <c:noMultiLvlLbl val="0"/>
       </c:catAx>
       <c:valAx>
-        <c:axId val="-2048217104"/>
+        <c:axId val="-2088820128"/>
         <c:scaling>
           <c:orientation val="minMax"/>
         </c:scaling>
@@ -10597,7 +10597,7 @@
             <a:endParaRPr lang="en-US"/>
           </a:p>
         </c:txPr>
-        <c:crossAx val="-2048228288"/>
+        <c:crossAx val="-2015648896"/>
         <c:crosses val="autoZero"/>
         <c:crossBetween val="between"/>
       </c:valAx>
@@ -22261,17 +22261,12 @@
           <a:p>
             <a:r>
               <a:rPr lang="en-US" dirty="0" smtClean="0"/>
-              <a:t>Embodied GWP in kgCO2eq </a:t>
-            </a:r>
-            <a:r>
-              <a:rPr lang="en-US" dirty="0" smtClean="0"/>
-              <a:t>HONR </a:t>
+              <a:t>Embodied GWP in kgCO2eq HONR </a:t>
             </a:r>
             <a:r>
               <a:rPr lang="en-US" baseline="0" dirty="0" smtClean="0"/>
               <a:t>pie chart – UPDATED for paper</a:t>
             </a:r>
-            <a:endParaRPr lang="en-US" baseline="0" dirty="0" smtClean="0"/>
           </a:p>
           <a:p>
             <a:endParaRPr lang="en-US" dirty="0"/>
@@ -22369,13 +22364,8 @@
             </a:r>
             <a:r>
               <a:rPr lang="en-US" baseline="0" dirty="0" smtClean="0"/>
-              <a:t>in kwh </a:t>
+              <a:t>in kwh at ENTSO-E mix </a:t>
             </a:r>
-            <a:r>
-              <a:rPr lang="en-US" baseline="0" dirty="0" smtClean="0"/>
-              <a:t>at ENTSO-E mix </a:t>
-            </a:r>
-            <a:endParaRPr lang="en-US" baseline="0" dirty="0" smtClean="0"/>
           </a:p>
           <a:p>
             <a:endParaRPr lang="en-US" dirty="0"/>
@@ -22651,19 +22641,11 @@
             </a:r>
             <a:r>
               <a:rPr lang="en-US" baseline="0" dirty="0" smtClean="0"/>
-              <a:t> </a:t>
-            </a:r>
-            <a:r>
-              <a:rPr lang="en-US" baseline="0" dirty="0" smtClean="0"/>
-              <a:t>potential </a:t>
+              <a:t> potential </a:t>
             </a:r>
             <a:r>
               <a:rPr lang="en-US" dirty="0" smtClean="0"/>
-              <a:t>in </a:t>
-            </a:r>
-            <a:r>
-              <a:rPr lang="en-US" dirty="0" smtClean="0"/>
-              <a:t>kgCO2eq ASF </a:t>
+              <a:t>in kgCO2eq ASF </a:t>
             </a:r>
             <a:r>
               <a:rPr lang="en-US" baseline="0" dirty="0" smtClean="0"/>
@@ -27103,7 +27085,7 @@
           <p:nvPr>
             <p:extLst>
               <p:ext uri="{D42A27DB-BD31-4B8C-83A1-F6EECF244321}">
-                <p14:modId xmlns:p14="http://schemas.microsoft.com/office/powerpoint/2010/main" val="822635453"/>
+                <p14:modId xmlns:p14="http://schemas.microsoft.com/office/powerpoint/2010/main" val="821193964"/>
               </p:ext>
             </p:extLst>
           </p:nvPr>
@@ -27154,7 +27136,15 @@
             <a:pPr algn="ctr"/>
             <a:r>
               <a:rPr lang="en-US" sz="1138" dirty="0" smtClean="0"/>
-              <a:t>-482.0 gCO</a:t>
+              <a:t>-</a:t>
+            </a:r>
+            <a:r>
+              <a:rPr lang="en-US" sz="1138" dirty="0" smtClean="0"/>
+              <a:t>472.8 </a:t>
+            </a:r>
+            <a:r>
+              <a:rPr lang="en-US" sz="1138" dirty="0" smtClean="0"/>
+              <a:t>gCO</a:t>
             </a:r>
             <a:r>
               <a:rPr lang="en-US" sz="1138" baseline="-25000" dirty="0" smtClean="0"/>
@@ -27170,14 +27160,14 @@
       </p:sp>
       <p:cxnSp>
         <p:nvCxnSpPr>
-          <p:cNvPr id="12" name="Straight Connector 11"/>
+          <p:cNvPr id="13" name="Straight Connector 12"/>
           <p:cNvCxnSpPr/>
           <p:nvPr/>
         </p:nvCxnSpPr>
         <p:spPr>
           <a:xfrm>
-            <a:off x="6644491" y="4728905"/>
-            <a:ext cx="648000" cy="0"/>
+            <a:off x="4201398" y="4825259"/>
+            <a:ext cx="504000" cy="0"/>
           </a:xfrm>
           <a:prstGeom prst="line">
             <a:avLst/>
@@ -27207,14 +27197,14 @@
       </p:cxnSp>
       <p:cxnSp>
         <p:nvCxnSpPr>
-          <p:cNvPr id="8" name="Straight Connector 7"/>
+          <p:cNvPr id="10" name="Straight Connector 9"/>
           <p:cNvCxnSpPr/>
           <p:nvPr/>
         </p:nvCxnSpPr>
         <p:spPr>
           <a:xfrm>
-            <a:off x="5554500" y="4762036"/>
-            <a:ext cx="648000" cy="0"/>
+            <a:off x="3293348" y="2050309"/>
+            <a:ext cx="504000" cy="0"/>
           </a:xfrm>
           <a:prstGeom prst="line">
             <a:avLst/>
@@ -27244,14 +27234,14 @@
       </p:cxnSp>
       <p:cxnSp>
         <p:nvCxnSpPr>
-          <p:cNvPr id="9" name="Straight Connector 8"/>
+          <p:cNvPr id="11" name="Straight Connector 10"/>
           <p:cNvCxnSpPr/>
           <p:nvPr/>
         </p:nvCxnSpPr>
         <p:spPr>
           <a:xfrm>
-            <a:off x="3401022" y="2042028"/>
-            <a:ext cx="648000" cy="0"/>
+            <a:off x="5103098" y="4799859"/>
+            <a:ext cx="504000" cy="0"/>
           </a:xfrm>
           <a:prstGeom prst="line">
             <a:avLst/>
@@ -27281,14 +27271,14 @@
       </p:cxnSp>
       <p:cxnSp>
         <p:nvCxnSpPr>
-          <p:cNvPr id="13" name="Straight Connector 12"/>
+          <p:cNvPr id="14" name="Straight Connector 13"/>
           <p:cNvCxnSpPr/>
           <p:nvPr/>
         </p:nvCxnSpPr>
         <p:spPr>
           <a:xfrm>
-            <a:off x="4477761" y="4818359"/>
-            <a:ext cx="648000" cy="0"/>
+            <a:off x="5995557" y="4742709"/>
+            <a:ext cx="504000" cy="0"/>
           </a:xfrm>
           <a:prstGeom prst="line">
             <a:avLst/>
@@ -27299,6 +27289,338 @@
             </a:solidFill>
             <a:prstDash val="sysDash"/>
             <a:headEnd type="none"/>
+          </a:ln>
+        </p:spPr>
+        <p:style>
+          <a:lnRef idx="1">
+            <a:schemeClr val="accent1"/>
+          </a:lnRef>
+          <a:fillRef idx="0">
+            <a:schemeClr val="accent1"/>
+          </a:fillRef>
+          <a:effectRef idx="0">
+            <a:schemeClr val="accent1"/>
+          </a:effectRef>
+          <a:fontRef idx="minor">
+            <a:schemeClr val="tx1"/>
+          </a:fontRef>
+        </p:style>
+      </p:cxnSp>
+      <p:cxnSp>
+        <p:nvCxnSpPr>
+          <p:cNvPr id="15" name="Straight Connector 14"/>
+          <p:cNvCxnSpPr/>
+          <p:nvPr/>
+        </p:nvCxnSpPr>
+        <p:spPr>
+          <a:xfrm>
+            <a:off x="6903607" y="4703868"/>
+            <a:ext cx="504000" cy="0"/>
+          </a:xfrm>
+          <a:prstGeom prst="line">
+            <a:avLst/>
+          </a:prstGeom>
+          <a:ln w="9525">
+            <a:solidFill>
+              <a:schemeClr val="tx1"/>
+            </a:solidFill>
+            <a:prstDash val="sysDash"/>
+            <a:headEnd type="none"/>
+          </a:ln>
+        </p:spPr>
+        <p:style>
+          <a:lnRef idx="1">
+            <a:schemeClr val="accent1"/>
+          </a:lnRef>
+          <a:fillRef idx="0">
+            <a:schemeClr val="accent1"/>
+          </a:fillRef>
+          <a:effectRef idx="0">
+            <a:schemeClr val="accent1"/>
+          </a:effectRef>
+          <a:fontRef idx="minor">
+            <a:schemeClr val="tx1"/>
+          </a:fontRef>
+        </p:style>
+      </p:cxnSp>
+      <p:sp>
+        <p:nvSpPr>
+          <p:cNvPr id="3" name="TextBox 2"/>
+          <p:cNvSpPr txBox="1"/>
+          <p:nvPr/>
+        </p:nvSpPr>
+        <p:spPr>
+          <a:xfrm>
+            <a:off x="2660217" y="5074326"/>
+            <a:ext cx="965248" cy="261610"/>
+          </a:xfrm>
+          <a:prstGeom prst="rect">
+            <a:avLst/>
+          </a:prstGeom>
+          <a:noFill/>
+        </p:spPr>
+        <p:txBody>
+          <a:bodyPr wrap="square" rtlCol="0">
+            <a:spAutoFit/>
+          </a:bodyPr>
+          <a:lstStyle/>
+          <a:p>
+            <a:pPr algn="ctr"/>
+            <a:r>
+              <a:rPr lang="en-US" sz="1100" dirty="0" smtClean="0">
+                <a:solidFill>
+                  <a:schemeClr val="bg2">
+                    <a:lumMod val="25000"/>
+                  </a:schemeClr>
+                </a:solidFill>
+              </a:rPr>
+              <a:t>Embodied</a:t>
+            </a:r>
+            <a:endParaRPr lang="en-US" sz="1100" dirty="0">
+              <a:solidFill>
+                <a:schemeClr val="bg2">
+                  <a:lumMod val="25000"/>
+                </a:schemeClr>
+              </a:solidFill>
+            </a:endParaRPr>
+          </a:p>
+        </p:txBody>
+      </p:sp>
+      <p:sp>
+        <p:nvSpPr>
+          <p:cNvPr id="16" name="TextBox 15"/>
+          <p:cNvSpPr txBox="1"/>
+          <p:nvPr/>
+        </p:nvSpPr>
+        <p:spPr>
+          <a:xfrm>
+            <a:off x="3532160" y="5074326"/>
+            <a:ext cx="965248" cy="600164"/>
+          </a:xfrm>
+          <a:prstGeom prst="rect">
+            <a:avLst/>
+          </a:prstGeom>
+          <a:noFill/>
+        </p:spPr>
+        <p:txBody>
+          <a:bodyPr wrap="square" rtlCol="0">
+            <a:spAutoFit/>
+          </a:bodyPr>
+          <a:lstStyle/>
+          <a:p>
+            <a:pPr algn="ctr"/>
+            <a:r>
+              <a:rPr lang="en-US" sz="1100" dirty="0" smtClean="0">
+                <a:solidFill>
+                  <a:schemeClr val="bg2">
+                    <a:lumMod val="25000"/>
+                  </a:schemeClr>
+                </a:solidFill>
+              </a:rPr>
+              <a:t>Heating, cooling and lighting offset</a:t>
+            </a:r>
+            <a:endParaRPr lang="en-US" sz="1100" dirty="0">
+              <a:solidFill>
+                <a:schemeClr val="bg2">
+                  <a:lumMod val="25000"/>
+                </a:schemeClr>
+              </a:solidFill>
+            </a:endParaRPr>
+          </a:p>
+        </p:txBody>
+      </p:sp>
+      <p:sp>
+        <p:nvSpPr>
+          <p:cNvPr id="17" name="TextBox 16"/>
+          <p:cNvSpPr txBox="1"/>
+          <p:nvPr/>
+        </p:nvSpPr>
+        <p:spPr>
+          <a:xfrm>
+            <a:off x="4397836" y="5074326"/>
+            <a:ext cx="1087961" cy="261610"/>
+          </a:xfrm>
+          <a:prstGeom prst="rect">
+            <a:avLst/>
+          </a:prstGeom>
+          <a:noFill/>
+        </p:spPr>
+        <p:txBody>
+          <a:bodyPr wrap="square" rtlCol="0">
+            <a:spAutoFit/>
+          </a:bodyPr>
+          <a:lstStyle/>
+          <a:p>
+            <a:pPr algn="ctr"/>
+            <a:r>
+              <a:rPr lang="en-US" sz="1100" smtClean="0">
+                <a:solidFill>
+                  <a:schemeClr val="bg2">
+                    <a:lumMod val="25000"/>
+                  </a:schemeClr>
+                </a:solidFill>
+              </a:rPr>
+              <a:t>Compressor</a:t>
+            </a:r>
+            <a:endParaRPr lang="en-US" sz="1100" dirty="0">
+              <a:solidFill>
+                <a:schemeClr val="bg2">
+                  <a:lumMod val="25000"/>
+                </a:schemeClr>
+              </a:solidFill>
+            </a:endParaRPr>
+          </a:p>
+        </p:txBody>
+      </p:sp>
+      <p:sp>
+        <p:nvSpPr>
+          <p:cNvPr id="18" name="TextBox 17"/>
+          <p:cNvSpPr txBox="1"/>
+          <p:nvPr/>
+        </p:nvSpPr>
+        <p:spPr>
+          <a:xfrm>
+            <a:off x="5346280" y="5099984"/>
+            <a:ext cx="1087961" cy="261610"/>
+          </a:xfrm>
+          <a:prstGeom prst="rect">
+            <a:avLst/>
+          </a:prstGeom>
+          <a:noFill/>
+        </p:spPr>
+        <p:txBody>
+          <a:bodyPr wrap="square" rtlCol="0">
+            <a:spAutoFit/>
+          </a:bodyPr>
+          <a:lstStyle/>
+          <a:p>
+            <a:pPr algn="ctr"/>
+            <a:r>
+              <a:rPr lang="en-US" sz="1100" dirty="0" smtClean="0">
+                <a:solidFill>
+                  <a:schemeClr val="bg2">
+                    <a:lumMod val="25000"/>
+                  </a:schemeClr>
+                </a:solidFill>
+              </a:rPr>
+              <a:t>Maintenance</a:t>
+            </a:r>
+            <a:endParaRPr lang="en-US" sz="1100" dirty="0">
+              <a:solidFill>
+                <a:schemeClr val="bg2">
+                  <a:lumMod val="25000"/>
+                </a:schemeClr>
+              </a:solidFill>
+            </a:endParaRPr>
+          </a:p>
+        </p:txBody>
+      </p:sp>
+      <p:sp>
+        <p:nvSpPr>
+          <p:cNvPr id="19" name="TextBox 18"/>
+          <p:cNvSpPr txBox="1"/>
+          <p:nvPr/>
+        </p:nvSpPr>
+        <p:spPr>
+          <a:xfrm>
+            <a:off x="6179568" y="5110104"/>
+            <a:ext cx="1087961" cy="261610"/>
+          </a:xfrm>
+          <a:prstGeom prst="rect">
+            <a:avLst/>
+          </a:prstGeom>
+          <a:noFill/>
+        </p:spPr>
+        <p:txBody>
+          <a:bodyPr wrap="square" rtlCol="0">
+            <a:spAutoFit/>
+          </a:bodyPr>
+          <a:lstStyle/>
+          <a:p>
+            <a:pPr algn="ctr"/>
+            <a:r>
+              <a:rPr lang="en-US" sz="1100" smtClean="0">
+                <a:solidFill>
+                  <a:schemeClr val="bg2">
+                    <a:lumMod val="25000"/>
+                  </a:schemeClr>
+                </a:solidFill>
+              </a:rPr>
+              <a:t>Disposal</a:t>
+            </a:r>
+            <a:endParaRPr lang="en-US" sz="1100" dirty="0">
+              <a:solidFill>
+                <a:schemeClr val="bg2">
+                  <a:lumMod val="25000"/>
+                </a:schemeClr>
+              </a:solidFill>
+            </a:endParaRPr>
+          </a:p>
+        </p:txBody>
+      </p:sp>
+      <p:sp>
+        <p:nvSpPr>
+          <p:cNvPr id="20" name="TextBox 19"/>
+          <p:cNvSpPr txBox="1"/>
+          <p:nvPr/>
+        </p:nvSpPr>
+        <p:spPr>
+          <a:xfrm>
+            <a:off x="7040517" y="5080598"/>
+            <a:ext cx="1087961" cy="261610"/>
+          </a:xfrm>
+          <a:prstGeom prst="rect">
+            <a:avLst/>
+          </a:prstGeom>
+          <a:noFill/>
+        </p:spPr>
+        <p:txBody>
+          <a:bodyPr wrap="square" rtlCol="0">
+            <a:spAutoFit/>
+          </a:bodyPr>
+          <a:lstStyle/>
+          <a:p>
+            <a:pPr algn="ctr"/>
+            <a:r>
+              <a:rPr lang="en-US" sz="1100" dirty="0" smtClean="0">
+                <a:solidFill>
+                  <a:schemeClr val="bg2">
+                    <a:lumMod val="25000"/>
+                  </a:schemeClr>
+                </a:solidFill>
+              </a:rPr>
+              <a:t>Total</a:t>
+            </a:r>
+            <a:endParaRPr lang="en-US" sz="1100" dirty="0">
+              <a:solidFill>
+                <a:schemeClr val="bg2">
+                  <a:lumMod val="25000"/>
+                </a:schemeClr>
+              </a:solidFill>
+            </a:endParaRPr>
+          </a:p>
+        </p:txBody>
+      </p:sp>
+      <p:cxnSp>
+        <p:nvCxnSpPr>
+          <p:cNvPr id="6" name="Straight Connector 5"/>
+          <p:cNvCxnSpPr/>
+          <p:nvPr/>
+        </p:nvCxnSpPr>
+        <p:spPr>
+          <a:xfrm flipV="1">
+            <a:off x="2660217" y="3079102"/>
+            <a:ext cx="5392101" cy="0"/>
+          </a:xfrm>
+          <a:prstGeom prst="line">
+            <a:avLst/>
+          </a:prstGeom>
+          <a:ln>
+            <a:solidFill>
+              <a:schemeClr val="bg2">
+                <a:lumMod val="50000"/>
+              </a:schemeClr>
+            </a:solidFill>
           </a:ln>
         </p:spPr>
         <p:style>

--- a/elsarticle/Images/Thesis charts.pptx
+++ b/elsarticle/Images/Thesis charts.pptx
@@ -425,11 +425,11 @@
           <c:showPercent val="0"/>
           <c:showBubbleSize val="0"/>
         </c:dLbls>
-        <c:axId val="-2053355648"/>
-        <c:axId val="-2053141952"/>
+        <c:axId val="2072281216"/>
+        <c:axId val="-2094781024"/>
       </c:scatterChart>
       <c:valAx>
-        <c:axId val="-2053355648"/>
+        <c:axId val="2072281216"/>
         <c:scaling>
           <c:orientation val="minMax"/>
         </c:scaling>
@@ -551,12 +551,12 @@
             <a:endParaRPr lang="en-US"/>
           </a:p>
         </c:txPr>
-        <c:crossAx val="-2053141952"/>
+        <c:crossAx val="-2094781024"/>
         <c:crosses val="autoZero"/>
         <c:crossBetween val="midCat"/>
       </c:valAx>
       <c:valAx>
-        <c:axId val="-2053141952"/>
+        <c:axId val="-2094781024"/>
         <c:scaling>
           <c:orientation val="minMax"/>
         </c:scaling>
@@ -682,7 +682,7 @@
             <a:endParaRPr lang="en-US"/>
           </a:p>
         </c:txPr>
-        <c:crossAx val="-2053355648"/>
+        <c:crossAx val="2072281216"/>
         <c:crosses val="autoZero"/>
         <c:crossBetween val="midCat"/>
       </c:valAx>
@@ -1871,13 +1871,13 @@
                   <c:v>2676.5</c:v>
                 </c:pt>
                 <c:pt idx="2">
-                  <c:v>-4347.35</c:v>
+                  <c:v>-4324.1</c:v>
                 </c:pt>
                 <c:pt idx="3">
-                  <c:v>-4190.27</c:v>
+                  <c:v>-4167.02</c:v>
                 </c:pt>
                 <c:pt idx="4">
-                  <c:v>-4113.27</c:v>
+                  <c:v>-4090.02</c:v>
                 </c:pt>
                 <c:pt idx="5">
                   <c:v>0.0</c:v>
@@ -1912,6 +1912,26 @@
           <c:invertIfNegative val="0"/>
           <c:dLbls>
             <c:dLbl>
+              <c:idx val="0"/>
+              <c:layout>
+                <c:manualLayout>
+                  <c:x val="0.00172410094923293"/>
+                  <c:y val="-0.157398544941338"/>
+                </c:manualLayout>
+              </c:layout>
+              <c:showLegendKey val="0"/>
+              <c:showVal val="1"/>
+              <c:showCatName val="0"/>
+              <c:showSerName val="0"/>
+              <c:showPercent val="0"/>
+              <c:showBubbleSize val="0"/>
+              <c:extLst>
+                <c:ext xmlns:c15="http://schemas.microsoft.com/office/drawing/2012/chart" uri="{CE6537A1-D6FC-4f65-9D91-7224C49458BB}">
+                  <c15:layout/>
+                </c:ext>
+              </c:extLst>
+            </c:dLbl>
+            <c:dLbl>
               <c:idx val="1"/>
               <c:delete val="1"/>
               <c:extLst>
@@ -1922,9 +1942,7 @@
               <c:idx val="2"/>
               <c:delete val="1"/>
               <c:extLst>
-                <c:ext xmlns:c15="http://schemas.microsoft.com/office/drawing/2012/chart" uri="{CE6537A1-D6FC-4f65-9D91-7224C49458BB}">
-                  <c15:layout/>
-                </c:ext>
+                <c:ext xmlns:c15="http://schemas.microsoft.com/office/drawing/2012/chart" uri="{CE6537A1-D6FC-4f65-9D91-7224C49458BB}"/>
               </c:extLst>
             </c:dLbl>
             <c:dLbl>
@@ -1945,7 +1963,9 @@
               <c:idx val="5"/>
               <c:delete val="1"/>
               <c:extLst>
-                <c:ext xmlns:c15="http://schemas.microsoft.com/office/drawing/2012/chart" uri="{CE6537A1-D6FC-4f65-9D91-7224C49458BB}"/>
+                <c:ext xmlns:c15="http://schemas.microsoft.com/office/drawing/2012/chart" uri="{CE6537A1-D6FC-4f65-9D91-7224C49458BB}">
+                  <c15:layout/>
+                </c:ext>
               </c:extLst>
             </c:dLbl>
             <c:spPr>
@@ -1962,7 +1982,7 @@
               <a:lstStyle/>
               <a:p>
                 <a:pPr>
-                  <a:defRPr sz="1197" b="0" i="0" u="none" strike="noStrike" kern="1200" baseline="0">
+                  <a:defRPr sz="1100" b="0" i="0" u="none" strike="noStrike" kern="1200" baseline="0">
                     <a:solidFill>
                       <a:schemeClr val="tx1">
                         <a:lumMod val="75000"/>
@@ -2119,7 +2139,7 @@
                   <c:v>0.0</c:v>
                 </c:pt>
                 <c:pt idx="1">
-                  <c:v>-4427.75</c:v>
+                  <c:v>-4404.5</c:v>
                 </c:pt>
                 <c:pt idx="3">
                   <c:v>0.0</c:v>
@@ -2163,7 +2183,9 @@
               <c:idx val="0"/>
               <c:delete val="1"/>
               <c:extLst>
-                <c:ext xmlns:c15="http://schemas.microsoft.com/office/drawing/2012/chart" uri="{CE6537A1-D6FC-4f65-9D91-7224C49458BB}"/>
+                <c:ext xmlns:c15="http://schemas.microsoft.com/office/drawing/2012/chart" uri="{CE6537A1-D6FC-4f65-9D91-7224C49458BB}">
+                  <c15:layout/>
+                </c:ext>
               </c:extLst>
             </c:dLbl>
             <c:dLbl>
@@ -2187,6 +2209,26 @@
                 <c:ext xmlns:c15="http://schemas.microsoft.com/office/drawing/2012/chart" uri="{CE6537A1-D6FC-4f65-9D91-7224C49458BB}"/>
               </c:extLst>
             </c:dLbl>
+            <c:dLbl>
+              <c:idx val="5"/>
+              <c:layout>
+                <c:manualLayout>
+                  <c:x val="0.0"/>
+                  <c:y val="-0.232818681059063"/>
+                </c:manualLayout>
+              </c:layout>
+              <c:showLegendKey val="0"/>
+              <c:showVal val="1"/>
+              <c:showCatName val="0"/>
+              <c:showSerName val="0"/>
+              <c:showPercent val="0"/>
+              <c:showBubbleSize val="0"/>
+              <c:extLst>
+                <c:ext xmlns:c15="http://schemas.microsoft.com/office/drawing/2012/chart" uri="{CE6537A1-D6FC-4f65-9D91-7224C49458BB}">
+                  <c15:layout/>
+                </c:ext>
+              </c:extLst>
+            </c:dLbl>
             <c:spPr>
               <a:noFill/>
               <a:ln>
@@ -2201,7 +2243,7 @@
               <a:lstStyle/>
               <a:p>
                 <a:pPr>
-                  <a:defRPr sz="1197" b="0" i="0" u="none" strike="noStrike" kern="1200" baseline="0">
+                  <a:defRPr sz="1100" b="0" i="0" u="none" strike="noStrike" kern="1200" baseline="0">
                     <a:solidFill>
                       <a:schemeClr val="tx1">
                         <a:lumMod val="75000"/>
@@ -2289,7 +2331,7 @@
                   <c:v>0.0</c:v>
                 </c:pt>
                 <c:pt idx="5">
-                  <c:v>-4113.27</c:v>
+                  <c:v>-4090.02</c:v>
                 </c:pt>
               </c:numCache>
             </c:numRef>
@@ -2305,11 +2347,11 @@
         </c:dLbls>
         <c:gapWidth val="150"/>
         <c:overlap val="100"/>
-        <c:axId val="-2106059696"/>
-        <c:axId val="-2106331760"/>
+        <c:axId val="-2062739888"/>
+        <c:axId val="-2062736640"/>
       </c:barChart>
       <c:catAx>
-        <c:axId val="-2106059696"/>
+        <c:axId val="-2062739888"/>
         <c:scaling>
           <c:orientation val="minMax"/>
         </c:scaling>
@@ -2319,7 +2361,7 @@
         <c:majorTickMark val="none"/>
         <c:minorTickMark val="none"/>
         <c:tickLblPos val="nextTo"/>
-        <c:crossAx val="-2106331760"/>
+        <c:crossAx val="-2062736640"/>
         <c:crosses val="autoZero"/>
         <c:auto val="1"/>
         <c:lblAlgn val="ctr"/>
@@ -2327,7 +2369,7 @@
         <c:noMultiLvlLbl val="0"/>
       </c:catAx>
       <c:valAx>
-        <c:axId val="-2106331760"/>
+        <c:axId val="-2062736640"/>
         <c:scaling>
           <c:orientation val="minMax"/>
         </c:scaling>
@@ -2443,7 +2485,7 @@
             <a:endParaRPr lang="en-US"/>
           </a:p>
         </c:txPr>
-        <c:crossAx val="-2106059696"/>
+        <c:crossAx val="-2062739888"/>
         <c:crosses val="autoZero"/>
         <c:crossBetween val="between"/>
       </c:valAx>
@@ -2826,11 +2868,11 @@
         </c:dLbls>
         <c:gapWidth val="219"/>
         <c:overlap val="-27"/>
-        <c:axId val="-2013761920"/>
-        <c:axId val="-2014095216"/>
+        <c:axId val="-2090765504"/>
+        <c:axId val="-2092366320"/>
       </c:barChart>
       <c:catAx>
-        <c:axId val="-2013761920"/>
+        <c:axId val="-2090765504"/>
         <c:scaling>
           <c:orientation val="minMax"/>
         </c:scaling>
@@ -2870,7 +2912,7 @@
             <a:endParaRPr lang="en-US"/>
           </a:p>
         </c:txPr>
-        <c:crossAx val="-2014095216"/>
+        <c:crossAx val="-2092366320"/>
         <c:crosses val="autoZero"/>
         <c:auto val="1"/>
         <c:lblAlgn val="ctr"/>
@@ -2878,7 +2920,7 @@
         <c:noMultiLvlLbl val="0"/>
       </c:catAx>
       <c:valAx>
-        <c:axId val="-2014095216"/>
+        <c:axId val="-2092366320"/>
         <c:scaling>
           <c:orientation val="minMax"/>
         </c:scaling>
@@ -3009,7 +3051,7 @@
             <a:endParaRPr lang="en-US"/>
           </a:p>
         </c:txPr>
-        <c:crossAx val="-2013761920"/>
+        <c:crossAx val="-2090765504"/>
         <c:crosses val="autoZero"/>
         <c:crossBetween val="between"/>
       </c:valAx>
@@ -3306,11 +3348,11 @@
         </c:dLbls>
         <c:gapWidth val="219"/>
         <c:overlap val="-27"/>
-        <c:axId val="-2016193104"/>
-        <c:axId val="-2106712880"/>
+        <c:axId val="-2060186832"/>
+        <c:axId val="-2060308736"/>
       </c:barChart>
       <c:catAx>
-        <c:axId val="-2016193104"/>
+        <c:axId val="-2060186832"/>
         <c:scaling>
           <c:orientation val="minMax"/>
         </c:scaling>
@@ -3350,7 +3392,7 @@
             <a:endParaRPr lang="en-US"/>
           </a:p>
         </c:txPr>
-        <c:crossAx val="-2106712880"/>
+        <c:crossAx val="-2060308736"/>
         <c:crosses val="autoZero"/>
         <c:auto val="1"/>
         <c:lblAlgn val="ctr"/>
@@ -3358,7 +3400,7 @@
         <c:noMultiLvlLbl val="0"/>
       </c:catAx>
       <c:valAx>
-        <c:axId val="-2106712880"/>
+        <c:axId val="-2060308736"/>
         <c:scaling>
           <c:orientation val="minMax"/>
         </c:scaling>
@@ -3478,7 +3520,7 @@
             <a:endParaRPr lang="en-US"/>
           </a:p>
         </c:txPr>
-        <c:crossAx val="-2016193104"/>
+        <c:crossAx val="-2060186832"/>
         <c:crosses val="autoZero"/>
         <c:crossBetween val="between"/>
       </c:valAx>
@@ -4005,7 +4047,7 @@
                   <c:v>-6.43</c:v>
                 </c:pt>
                 <c:pt idx="10">
-                  <c:v>-9.739999999999998</c:v>
+                  <c:v>-9.74</c:v>
                 </c:pt>
                 <c:pt idx="11">
                   <c:v>-13.05</c:v>
@@ -4039,11 +4081,11 @@
           <c:showBubbleSize val="0"/>
         </c:dLbls>
         <c:smooth val="0"/>
-        <c:axId val="-2013325072"/>
-        <c:axId val="-2013320416"/>
+        <c:axId val="-2061447856"/>
+        <c:axId val="-2061444496"/>
       </c:lineChart>
       <c:catAx>
-        <c:axId val="-2013325072"/>
+        <c:axId val="-2061447856"/>
         <c:scaling>
           <c:orientation val="minMax"/>
         </c:scaling>
@@ -4086,7 +4128,7 @@
             <a:endParaRPr lang="en-US"/>
           </a:p>
         </c:txPr>
-        <c:crossAx val="-2013320416"/>
+        <c:crossAx val="-2061444496"/>
         <c:crosses val="autoZero"/>
         <c:auto val="1"/>
         <c:lblAlgn val="ctr"/>
@@ -4094,7 +4136,7 @@
         <c:noMultiLvlLbl val="0"/>
       </c:catAx>
       <c:valAx>
-        <c:axId val="-2013320416"/>
+        <c:axId val="-2061444496"/>
         <c:scaling>
           <c:orientation val="minMax"/>
         </c:scaling>
@@ -4181,7 +4223,7 @@
             <a:endParaRPr lang="en-US"/>
           </a:p>
         </c:txPr>
-        <c:crossAx val="-2013325072"/>
+        <c:crossAx val="-2061447856"/>
         <c:crosses val="autoZero"/>
         <c:crossBetween val="between"/>
       </c:valAx>
@@ -4788,11 +4830,11 @@
         </c:dLbls>
         <c:gapWidth val="219"/>
         <c:overlap val="-27"/>
-        <c:axId val="-2011774880"/>
-        <c:axId val="-2011810320"/>
+        <c:axId val="-2061333792"/>
+        <c:axId val="-2061330704"/>
       </c:barChart>
       <c:catAx>
-        <c:axId val="-2011774880"/>
+        <c:axId val="-2061333792"/>
         <c:scaling>
           <c:orientation val="minMax"/>
         </c:scaling>
@@ -4835,7 +4877,7 @@
             <a:endParaRPr lang="en-US"/>
           </a:p>
         </c:txPr>
-        <c:crossAx val="-2011810320"/>
+        <c:crossAx val="-2061330704"/>
         <c:crosses val="autoZero"/>
         <c:auto val="1"/>
         <c:lblAlgn val="ctr"/>
@@ -4843,7 +4885,7 @@
         <c:noMultiLvlLbl val="0"/>
       </c:catAx>
       <c:valAx>
-        <c:axId val="-2011810320"/>
+        <c:axId val="-2061330704"/>
         <c:scaling>
           <c:orientation val="minMax"/>
         </c:scaling>
@@ -4966,7 +5008,7 @@
             <a:endParaRPr lang="en-US"/>
           </a:p>
         </c:txPr>
-        <c:crossAx val="-2011774880"/>
+        <c:crossAx val="-2061333792"/>
         <c:crosses val="autoZero"/>
         <c:crossBetween val="between"/>
       </c:valAx>
@@ -5661,11 +5703,11 @@
         </c:dLbls>
         <c:gapWidth val="219"/>
         <c:overlap val="100"/>
-        <c:axId val="-2054329504"/>
-        <c:axId val="-2051518832"/>
+        <c:axId val="-2061265056"/>
+        <c:axId val="-2061262064"/>
       </c:barChart>
       <c:catAx>
-        <c:axId val="-2054329504"/>
+        <c:axId val="-2061265056"/>
         <c:scaling>
           <c:orientation val="minMax"/>
         </c:scaling>
@@ -5708,7 +5750,7 @@
             <a:endParaRPr lang="en-US"/>
           </a:p>
         </c:txPr>
-        <c:crossAx val="-2051518832"/>
+        <c:crossAx val="-2061262064"/>
         <c:crosses val="autoZero"/>
         <c:auto val="1"/>
         <c:lblAlgn val="ctr"/>
@@ -5716,7 +5758,7 @@
         <c:noMultiLvlLbl val="0"/>
       </c:catAx>
       <c:valAx>
-        <c:axId val="-2051518832"/>
+        <c:axId val="-2061262064"/>
         <c:scaling>
           <c:orientation val="minMax"/>
         </c:scaling>
@@ -5857,7 +5899,7 @@
             <a:endParaRPr lang="en-US"/>
           </a:p>
         </c:txPr>
-        <c:crossAx val="-2054329504"/>
+        <c:crossAx val="-2061265056"/>
         <c:crosses val="autoZero"/>
         <c:crossBetween val="between"/>
       </c:valAx>
@@ -6319,11 +6361,11 @@
         </c:dLbls>
         <c:gapWidth val="219"/>
         <c:overlap val="-27"/>
-        <c:axId val="-2016385824"/>
-        <c:axId val="-2107183072"/>
+        <c:axId val="-2116166496"/>
+        <c:axId val="-2116163024"/>
       </c:barChart>
       <c:catAx>
-        <c:axId val="-2016385824"/>
+        <c:axId val="-2116166496"/>
         <c:scaling>
           <c:orientation val="minMax"/>
         </c:scaling>
@@ -6363,7 +6405,7 @@
             <a:endParaRPr lang="en-US"/>
           </a:p>
         </c:txPr>
-        <c:crossAx val="-2107183072"/>
+        <c:crossAx val="-2116163024"/>
         <c:crosses val="autoZero"/>
         <c:auto val="1"/>
         <c:lblAlgn val="ctr"/>
@@ -6371,7 +6413,7 @@
         <c:noMultiLvlLbl val="0"/>
       </c:catAx>
       <c:valAx>
-        <c:axId val="-2107183072"/>
+        <c:axId val="-2116163024"/>
         <c:scaling>
           <c:orientation val="minMax"/>
         </c:scaling>
@@ -6492,7 +6534,7 @@
             <a:endParaRPr lang="en-US"/>
           </a:p>
         </c:txPr>
-        <c:crossAx val="-2016385824"/>
+        <c:crossAx val="-2116166496"/>
         <c:crosses val="autoZero"/>
         <c:crossBetween val="between"/>
       </c:valAx>
@@ -6874,11 +6916,11 @@
         </c:dLbls>
         <c:gapWidth val="219"/>
         <c:overlap val="100"/>
-        <c:axId val="-2054376736"/>
-        <c:axId val="-2052062704"/>
+        <c:axId val="2140333024"/>
+        <c:axId val="2140324064"/>
       </c:barChart>
       <c:catAx>
-        <c:axId val="-2054376736"/>
+        <c:axId val="2140333024"/>
         <c:scaling>
           <c:orientation val="minMax"/>
         </c:scaling>
@@ -6921,7 +6963,7 @@
             <a:endParaRPr lang="en-US"/>
           </a:p>
         </c:txPr>
-        <c:crossAx val="-2052062704"/>
+        <c:crossAx val="2140324064"/>
         <c:crosses val="autoZero"/>
         <c:auto val="1"/>
         <c:lblAlgn val="ctr"/>
@@ -6929,7 +6971,7 @@
         <c:noMultiLvlLbl val="0"/>
       </c:catAx>
       <c:valAx>
-        <c:axId val="-2052062704"/>
+        <c:axId val="2140324064"/>
         <c:scaling>
           <c:orientation val="minMax"/>
         </c:scaling>
@@ -7020,7 +7062,7 @@
             <a:endParaRPr lang="en-US"/>
           </a:p>
         </c:txPr>
-        <c:crossAx val="-2054376736"/>
+        <c:crossAx val="2140333024"/>
         <c:crosses val="autoZero"/>
         <c:crossBetween val="between"/>
       </c:valAx>
@@ -7287,11 +7329,11 @@
         </c:dLbls>
         <c:gapWidth val="219"/>
         <c:overlap val="100"/>
-        <c:axId val="-2013550048"/>
-        <c:axId val="-2015884288"/>
+        <c:axId val="-2061220992"/>
+        <c:axId val="-2061217568"/>
       </c:barChart>
       <c:catAx>
-        <c:axId val="-2013550048"/>
+        <c:axId val="-2061220992"/>
         <c:scaling>
           <c:orientation val="minMax"/>
         </c:scaling>
@@ -7331,7 +7373,7 @@
             <a:endParaRPr lang="en-US"/>
           </a:p>
         </c:txPr>
-        <c:crossAx val="-2015884288"/>
+        <c:crossAx val="-2061217568"/>
         <c:crosses val="autoZero"/>
         <c:auto val="1"/>
         <c:lblAlgn val="ctr"/>
@@ -7339,7 +7381,7 @@
         <c:noMultiLvlLbl val="0"/>
       </c:catAx>
       <c:valAx>
-        <c:axId val="-2015884288"/>
+        <c:axId val="-2061217568"/>
         <c:scaling>
           <c:orientation val="minMax"/>
         </c:scaling>
@@ -7480,7 +7522,7 @@
             <a:endParaRPr lang="en-US"/>
           </a:p>
         </c:txPr>
-        <c:crossAx val="-2013550048"/>
+        <c:crossAx val="-2061220992"/>
         <c:crosses val="autoZero"/>
         <c:crossBetween val="between"/>
         <c:majorUnit val="100.0"/>
@@ -7694,11 +7736,11 @@
         </c:dLbls>
         <c:gapWidth val="219"/>
         <c:overlap val="100"/>
-        <c:axId val="-2055080000"/>
-        <c:axId val="-2051221936"/>
+        <c:axId val="-2061146592"/>
+        <c:axId val="-2061143232"/>
       </c:barChart>
       <c:catAx>
-        <c:axId val="-2055080000"/>
+        <c:axId val="-2061146592"/>
         <c:scaling>
           <c:orientation val="minMax"/>
         </c:scaling>
@@ -7738,7 +7780,7 @@
             <a:endParaRPr lang="en-US"/>
           </a:p>
         </c:txPr>
-        <c:crossAx val="-2051221936"/>
+        <c:crossAx val="-2061143232"/>
         <c:crosses val="autoZero"/>
         <c:auto val="1"/>
         <c:lblAlgn val="ctr"/>
@@ -7746,7 +7788,7 @@
         <c:noMultiLvlLbl val="0"/>
       </c:catAx>
       <c:valAx>
-        <c:axId val="-2051221936"/>
+        <c:axId val="-2061143232"/>
         <c:scaling>
           <c:orientation val="minMax"/>
         </c:scaling>
@@ -7893,7 +7935,7 @@
             <a:endParaRPr lang="en-US"/>
           </a:p>
         </c:txPr>
-        <c:crossAx val="-2055080000"/>
+        <c:crossAx val="-2061146592"/>
         <c:crosses val="autoZero"/>
         <c:crossBetween val="between"/>
       </c:valAx>
@@ -8019,6 +8061,7 @@
             <c:showLeaderLines val="0"/>
             <c:extLst>
               <c:ext xmlns:c15="http://schemas.microsoft.com/office/drawing/2012/chart" uri="{CE6537A1-D6FC-4f65-9D91-7224C49458BB}">
+                <c15:layout/>
                 <c15:showLeaderLines val="1"/>
                 <c15:leaderLines>
                   <c:spPr>
@@ -8148,6 +8191,7 @@
             <c:showLeaderLines val="0"/>
             <c:extLst>
               <c:ext xmlns:c15="http://schemas.microsoft.com/office/drawing/2012/chart" uri="{CE6537A1-D6FC-4f65-9D91-7224C49458BB}">
+                <c15:layout/>
                 <c15:showLeaderLines val="1"/>
                 <c15:leaderLines>
                   <c:spPr>
@@ -8218,11 +8262,11 @@
         </c:dLbls>
         <c:gapWidth val="219"/>
         <c:overlap val="-27"/>
-        <c:axId val="-2139285056"/>
-        <c:axId val="-2139309584"/>
+        <c:axId val="2139959088"/>
+        <c:axId val="2139962496"/>
       </c:barChart>
       <c:catAx>
-        <c:axId val="-2139285056"/>
+        <c:axId val="2139959088"/>
         <c:scaling>
           <c:orientation val="minMax"/>
         </c:scaling>
@@ -8262,7 +8306,7 @@
             <a:endParaRPr lang="en-US"/>
           </a:p>
         </c:txPr>
-        <c:crossAx val="-2139309584"/>
+        <c:crossAx val="2139962496"/>
         <c:crosses val="autoZero"/>
         <c:auto val="1"/>
         <c:lblAlgn val="ctr"/>
@@ -8270,7 +8314,7 @@
         <c:noMultiLvlLbl val="0"/>
       </c:catAx>
       <c:valAx>
-        <c:axId val="-2139309584"/>
+        <c:axId val="2139962496"/>
         <c:scaling>
           <c:orientation val="minMax"/>
         </c:scaling>
@@ -8341,6 +8385,7 @@
               </a:p>
             </c:rich>
           </c:tx>
+          <c:layout/>
           <c:overlay val="0"/>
           <c:spPr>
             <a:noFill/>
@@ -8403,7 +8448,7 @@
             <a:endParaRPr lang="en-US"/>
           </a:p>
         </c:txPr>
-        <c:crossAx val="-2139285056"/>
+        <c:crossAx val="2139959088"/>
         <c:crosses val="autoZero"/>
         <c:crossBetween val="between"/>
       </c:valAx>
@@ -8419,6 +8464,7 @@
     </c:plotArea>
     <c:legend>
       <c:legendPos val="b"/>
+      <c:layout/>
       <c:overlay val="0"/>
       <c:spPr>
         <a:noFill/>
@@ -9007,11 +9053,11 @@
         </c:dLbls>
         <c:gapWidth val="219"/>
         <c:overlap val="-27"/>
-        <c:axId val="-2011313296"/>
-        <c:axId val="-2011309952"/>
+        <c:axId val="2139820752"/>
+        <c:axId val="2139824096"/>
       </c:barChart>
       <c:catAx>
-        <c:axId val="-2011313296"/>
+        <c:axId val="2139820752"/>
         <c:scaling>
           <c:orientation val="minMax"/>
         </c:scaling>
@@ -9051,7 +9097,7 @@
             <a:endParaRPr lang="en-US"/>
           </a:p>
         </c:txPr>
-        <c:crossAx val="-2011309952"/>
+        <c:crossAx val="2139824096"/>
         <c:crosses val="autoZero"/>
         <c:auto val="1"/>
         <c:lblAlgn val="ctr"/>
@@ -9059,7 +9105,7 @@
         <c:noMultiLvlLbl val="0"/>
       </c:catAx>
       <c:valAx>
-        <c:axId val="-2011309952"/>
+        <c:axId val="2139824096"/>
         <c:scaling>
           <c:orientation val="minMax"/>
         </c:scaling>
@@ -9197,7 +9243,7 @@
             <a:endParaRPr lang="en-US"/>
           </a:p>
         </c:txPr>
-        <c:crossAx val="-2011313296"/>
+        <c:crossAx val="2139820752"/>
         <c:crosses val="autoZero"/>
         <c:crossBetween val="between"/>
       </c:valAx>
@@ -9588,11 +9634,11 @@
         </c:dLbls>
         <c:gapWidth val="219"/>
         <c:overlap val="-27"/>
-        <c:axId val="-2142089056"/>
-        <c:axId val="-2142020160"/>
+        <c:axId val="-2116343216"/>
+        <c:axId val="-2116339792"/>
       </c:barChart>
       <c:catAx>
-        <c:axId val="-2142089056"/>
+        <c:axId val="-2116343216"/>
         <c:scaling>
           <c:orientation val="minMax"/>
         </c:scaling>
@@ -9632,7 +9678,7 @@
             <a:endParaRPr lang="en-US"/>
           </a:p>
         </c:txPr>
-        <c:crossAx val="-2142020160"/>
+        <c:crossAx val="-2116339792"/>
         <c:crosses val="autoZero"/>
         <c:auto val="1"/>
         <c:lblAlgn val="ctr"/>
@@ -9640,7 +9686,7 @@
         <c:noMultiLvlLbl val="0"/>
       </c:catAx>
       <c:valAx>
-        <c:axId val="-2142020160"/>
+        <c:axId val="-2116339792"/>
         <c:scaling>
           <c:orientation val="minMax"/>
         </c:scaling>
@@ -9770,7 +9816,7 @@
             <a:endParaRPr lang="en-US"/>
           </a:p>
         </c:txPr>
-        <c:crossAx val="-2142089056"/>
+        <c:crossAx val="-2116343216"/>
         <c:crosses val="autoZero"/>
         <c:crossBetween val="between"/>
       </c:valAx>
@@ -9939,11 +9985,11 @@
         </c:dLbls>
         <c:gapWidth val="219"/>
         <c:overlap val="-27"/>
-        <c:axId val="-2139570944"/>
-        <c:axId val="-2141795680"/>
+        <c:axId val="2072249744"/>
+        <c:axId val="2072460672"/>
       </c:barChart>
       <c:catAx>
-        <c:axId val="-2139570944"/>
+        <c:axId val="2072249744"/>
         <c:scaling>
           <c:orientation val="minMax"/>
         </c:scaling>
@@ -9983,7 +10029,7 @@
             <a:endParaRPr lang="en-US"/>
           </a:p>
         </c:txPr>
-        <c:crossAx val="-2141795680"/>
+        <c:crossAx val="2072460672"/>
         <c:crosses val="autoZero"/>
         <c:auto val="1"/>
         <c:lblAlgn val="ctr"/>
@@ -9991,7 +10037,7 @@
         <c:noMultiLvlLbl val="0"/>
       </c:catAx>
       <c:valAx>
-        <c:axId val="-2141795680"/>
+        <c:axId val="2072460672"/>
         <c:scaling>
           <c:orientation val="minMax"/>
         </c:scaling>
@@ -10121,7 +10167,7 @@
             <a:endParaRPr lang="en-US"/>
           </a:p>
         </c:txPr>
-        <c:crossAx val="-2139570944"/>
+        <c:crossAx val="2072249744"/>
         <c:crosses val="autoZero"/>
         <c:crossBetween val="between"/>
       </c:valAx>
@@ -10431,11 +10477,11 @@
         </c:dLbls>
         <c:gapWidth val="219"/>
         <c:overlap val="100"/>
-        <c:axId val="-2015648896"/>
-        <c:axId val="-2088820128"/>
+        <c:axId val="-2117114720"/>
+        <c:axId val="2073583472"/>
       </c:barChart>
       <c:catAx>
-        <c:axId val="-2015648896"/>
+        <c:axId val="-2117114720"/>
         <c:scaling>
           <c:orientation val="minMax"/>
         </c:scaling>
@@ -10478,7 +10524,7 @@
             <a:endParaRPr lang="en-US"/>
           </a:p>
         </c:txPr>
-        <c:crossAx val="-2088820128"/>
+        <c:crossAx val="2073583472"/>
         <c:crosses val="autoZero"/>
         <c:auto val="1"/>
         <c:lblAlgn val="ctr"/>
@@ -10486,7 +10532,7 @@
         <c:noMultiLvlLbl val="0"/>
       </c:catAx>
       <c:valAx>
-        <c:axId val="-2088820128"/>
+        <c:axId val="2073583472"/>
         <c:scaling>
           <c:orientation val="minMax"/>
         </c:scaling>
@@ -10597,7 +10643,7 @@
             <a:endParaRPr lang="en-US"/>
           </a:p>
         </c:txPr>
-        <c:crossAx val="-2015648896"/>
+        <c:crossAx val="-2117114720"/>
         <c:crosses val="autoZero"/>
         <c:crossBetween val="between"/>
       </c:valAx>
@@ -21853,7 +21899,7 @@
           <a:p>
             <a:fld id="{8AF2A637-750D-AC4F-B19A-F61B319C6A55}" type="datetimeFigureOut">
               <a:rPr lang="en-US" smtClean="0"/>
-              <a:t>11/13/15</a:t>
+              <a:t>11/14/15</a:t>
             </a:fld>
             <a:endParaRPr lang="en-US"/>
           </a:p>
@@ -24232,7 +24278,7 @@
           <a:p>
             <a:fld id="{F87648D4-822A-184D-A945-2BBD99FACB30}" type="datetimeFigureOut">
               <a:rPr lang="en-US" smtClean="0"/>
-              <a:t>11/13/15</a:t>
+              <a:t>11/14/15</a:t>
             </a:fld>
             <a:endParaRPr lang="en-US"/>
           </a:p>
@@ -24402,7 +24448,7 @@
           <a:p>
             <a:fld id="{F87648D4-822A-184D-A945-2BBD99FACB30}" type="datetimeFigureOut">
               <a:rPr lang="en-US" smtClean="0"/>
-              <a:t>11/13/15</a:t>
+              <a:t>11/14/15</a:t>
             </a:fld>
             <a:endParaRPr lang="en-US"/>
           </a:p>
@@ -24582,7 +24628,7 @@
           <a:p>
             <a:fld id="{F87648D4-822A-184D-A945-2BBD99FACB30}" type="datetimeFigureOut">
               <a:rPr lang="en-US" smtClean="0"/>
-              <a:t>11/13/15</a:t>
+              <a:t>11/14/15</a:t>
             </a:fld>
             <a:endParaRPr lang="en-US"/>
           </a:p>
@@ -24752,7 +24798,7 @@
           <a:p>
             <a:fld id="{F87648D4-822A-184D-A945-2BBD99FACB30}" type="datetimeFigureOut">
               <a:rPr lang="en-US" smtClean="0"/>
-              <a:t>11/13/15</a:t>
+              <a:t>11/14/15</a:t>
             </a:fld>
             <a:endParaRPr lang="en-US"/>
           </a:p>
@@ -24996,7 +25042,7 @@
           <a:p>
             <a:fld id="{F87648D4-822A-184D-A945-2BBD99FACB30}" type="datetimeFigureOut">
               <a:rPr lang="en-US" smtClean="0"/>
-              <a:t>11/13/15</a:t>
+              <a:t>11/14/15</a:t>
             </a:fld>
             <a:endParaRPr lang="en-US"/>
           </a:p>
@@ -25228,7 +25274,7 @@
           <a:p>
             <a:fld id="{F87648D4-822A-184D-A945-2BBD99FACB30}" type="datetimeFigureOut">
               <a:rPr lang="en-US" smtClean="0"/>
-              <a:t>11/13/15</a:t>
+              <a:t>11/14/15</a:t>
             </a:fld>
             <a:endParaRPr lang="en-US"/>
           </a:p>
@@ -25595,7 +25641,7 @@
           <a:p>
             <a:fld id="{F87648D4-822A-184D-A945-2BBD99FACB30}" type="datetimeFigureOut">
               <a:rPr lang="en-US" smtClean="0"/>
-              <a:t>11/13/15</a:t>
+              <a:t>11/14/15</a:t>
             </a:fld>
             <a:endParaRPr lang="en-US"/>
           </a:p>
@@ -25713,7 +25759,7 @@
           <a:p>
             <a:fld id="{F87648D4-822A-184D-A945-2BBD99FACB30}" type="datetimeFigureOut">
               <a:rPr lang="en-US" smtClean="0"/>
-              <a:t>11/13/15</a:t>
+              <a:t>11/14/15</a:t>
             </a:fld>
             <a:endParaRPr lang="en-US"/>
           </a:p>
@@ -25808,7 +25854,7 @@
           <a:p>
             <a:fld id="{F87648D4-822A-184D-A945-2BBD99FACB30}" type="datetimeFigureOut">
               <a:rPr lang="en-US" smtClean="0"/>
-              <a:t>11/13/15</a:t>
+              <a:t>11/14/15</a:t>
             </a:fld>
             <a:endParaRPr lang="en-US"/>
           </a:p>
@@ -26085,7 +26131,7 @@
           <a:p>
             <a:fld id="{F87648D4-822A-184D-A945-2BBD99FACB30}" type="datetimeFigureOut">
               <a:rPr lang="en-US" smtClean="0"/>
-              <a:t>11/13/15</a:t>
+              <a:t>11/14/15</a:t>
             </a:fld>
             <a:endParaRPr lang="en-US"/>
           </a:p>
@@ -26342,7 +26388,7 @@
           <a:p>
             <a:fld id="{F87648D4-822A-184D-A945-2BBD99FACB30}" type="datetimeFigureOut">
               <a:rPr lang="en-US" smtClean="0"/>
-              <a:t>11/13/15</a:t>
+              <a:t>11/14/15</a:t>
             </a:fld>
             <a:endParaRPr lang="en-US"/>
           </a:p>
@@ -26555,7 +26601,7 @@
           <a:p>
             <a:fld id="{F87648D4-822A-184D-A945-2BBD99FACB30}" type="datetimeFigureOut">
               <a:rPr lang="en-US" smtClean="0"/>
-              <a:t>11/13/15</a:t>
+              <a:t>11/14/15</a:t>
             </a:fld>
             <a:endParaRPr lang="en-US"/>
           </a:p>
@@ -27085,14 +27131,14 @@
           <p:nvPr>
             <p:extLst>
               <p:ext uri="{D42A27DB-BD31-4B8C-83A1-F6EECF244321}">
-                <p14:modId xmlns:p14="http://schemas.microsoft.com/office/powerpoint/2010/main" val="821193964"/>
+                <p14:modId xmlns:p14="http://schemas.microsoft.com/office/powerpoint/2010/main" val="1116074858"/>
               </p:ext>
             </p:extLst>
           </p:nvPr>
         </p:nvGraphicFramePr>
         <p:xfrm>
-          <a:off x="1611244" y="1349857"/>
-          <a:ext cx="6604000" cy="3872971"/>
+          <a:off x="849086" y="1349857"/>
+          <a:ext cx="7366158" cy="3872971"/>
         </p:xfrm>
         <a:graphic>
           <a:graphicData uri="http://schemas.openxmlformats.org/drawingml/2006/chart">
@@ -27108,7 +27154,7 @@
         </p:nvSpPr>
         <p:spPr>
           <a:xfrm>
-            <a:off x="6512257" y="1638586"/>
+            <a:off x="6628468" y="1551718"/>
             <a:ext cx="1369670" cy="310486"/>
           </a:xfrm>
           <a:prstGeom prst="rect">
@@ -27140,7 +27186,7 @@
             </a:r>
             <a:r>
               <a:rPr lang="en-US" sz="1138" dirty="0" smtClean="0"/>
-              <a:t>472.8 </a:t>
+              <a:t>470.1 </a:t>
             </a:r>
             <a:r>
               <a:rPr lang="en-US" sz="1138" dirty="0" smtClean="0"/>
@@ -27160,167 +27206,19 @@
       </p:sp>
       <p:cxnSp>
         <p:nvCxnSpPr>
-          <p:cNvPr id="13" name="Straight Connector 12"/>
-          <p:cNvCxnSpPr/>
-          <p:nvPr/>
-        </p:nvCxnSpPr>
-        <p:spPr>
-          <a:xfrm>
-            <a:off x="4201398" y="4825259"/>
-            <a:ext cx="504000" cy="0"/>
-          </a:xfrm>
-          <a:prstGeom prst="line">
-            <a:avLst/>
-          </a:prstGeom>
-          <a:ln w="9525">
-            <a:solidFill>
-              <a:schemeClr val="tx1"/>
-            </a:solidFill>
-            <a:prstDash val="sysDash"/>
-            <a:headEnd type="none"/>
-          </a:ln>
-        </p:spPr>
-        <p:style>
-          <a:lnRef idx="1">
-            <a:schemeClr val="accent1"/>
-          </a:lnRef>
-          <a:fillRef idx="0">
-            <a:schemeClr val="accent1"/>
-          </a:fillRef>
-          <a:effectRef idx="0">
-            <a:schemeClr val="accent1"/>
-          </a:effectRef>
-          <a:fontRef idx="minor">
-            <a:schemeClr val="tx1"/>
-          </a:fontRef>
-        </p:style>
-      </p:cxnSp>
-      <p:cxnSp>
-        <p:nvCxnSpPr>
           <p:cNvPr id="10" name="Straight Connector 9"/>
           <p:cNvCxnSpPr/>
           <p:nvPr/>
         </p:nvCxnSpPr>
         <p:spPr>
           <a:xfrm>
-            <a:off x="3293348" y="2050309"/>
-            <a:ext cx="504000" cy="0"/>
+            <a:off x="2609407" y="2040978"/>
+            <a:ext cx="612000" cy="0"/>
           </a:xfrm>
           <a:prstGeom prst="line">
             <a:avLst/>
           </a:prstGeom>
-          <a:ln w="9525">
-            <a:solidFill>
-              <a:schemeClr val="tx1"/>
-            </a:solidFill>
-            <a:prstDash val="sysDash"/>
-            <a:headEnd type="none"/>
-          </a:ln>
-        </p:spPr>
-        <p:style>
-          <a:lnRef idx="1">
-            <a:schemeClr val="accent1"/>
-          </a:lnRef>
-          <a:fillRef idx="0">
-            <a:schemeClr val="accent1"/>
-          </a:fillRef>
-          <a:effectRef idx="0">
-            <a:schemeClr val="accent1"/>
-          </a:effectRef>
-          <a:fontRef idx="minor">
-            <a:schemeClr val="tx1"/>
-          </a:fontRef>
-        </p:style>
-      </p:cxnSp>
-      <p:cxnSp>
-        <p:nvCxnSpPr>
-          <p:cNvPr id="11" name="Straight Connector 10"/>
-          <p:cNvCxnSpPr/>
-          <p:nvPr/>
-        </p:nvCxnSpPr>
-        <p:spPr>
-          <a:xfrm>
-            <a:off x="5103098" y="4799859"/>
-            <a:ext cx="504000" cy="0"/>
-          </a:xfrm>
-          <a:prstGeom prst="line">
-            <a:avLst/>
-          </a:prstGeom>
-          <a:ln w="9525">
-            <a:solidFill>
-              <a:schemeClr val="tx1"/>
-            </a:solidFill>
-            <a:prstDash val="sysDash"/>
-            <a:headEnd type="none"/>
-          </a:ln>
-        </p:spPr>
-        <p:style>
-          <a:lnRef idx="1">
-            <a:schemeClr val="accent1"/>
-          </a:lnRef>
-          <a:fillRef idx="0">
-            <a:schemeClr val="accent1"/>
-          </a:fillRef>
-          <a:effectRef idx="0">
-            <a:schemeClr val="accent1"/>
-          </a:effectRef>
-          <a:fontRef idx="minor">
-            <a:schemeClr val="tx1"/>
-          </a:fontRef>
-        </p:style>
-      </p:cxnSp>
-      <p:cxnSp>
-        <p:nvCxnSpPr>
-          <p:cNvPr id="14" name="Straight Connector 13"/>
-          <p:cNvCxnSpPr/>
-          <p:nvPr/>
-        </p:nvCxnSpPr>
-        <p:spPr>
-          <a:xfrm>
-            <a:off x="5995557" y="4742709"/>
-            <a:ext cx="504000" cy="0"/>
-          </a:xfrm>
-          <a:prstGeom prst="line">
-            <a:avLst/>
-          </a:prstGeom>
-          <a:ln w="9525">
-            <a:solidFill>
-              <a:schemeClr val="tx1"/>
-            </a:solidFill>
-            <a:prstDash val="sysDash"/>
-            <a:headEnd type="none"/>
-          </a:ln>
-        </p:spPr>
-        <p:style>
-          <a:lnRef idx="1">
-            <a:schemeClr val="accent1"/>
-          </a:lnRef>
-          <a:fillRef idx="0">
-            <a:schemeClr val="accent1"/>
-          </a:fillRef>
-          <a:effectRef idx="0">
-            <a:schemeClr val="accent1"/>
-          </a:effectRef>
-          <a:fontRef idx="minor">
-            <a:schemeClr val="tx1"/>
-          </a:fontRef>
-        </p:style>
-      </p:cxnSp>
-      <p:cxnSp>
-        <p:nvCxnSpPr>
-          <p:cNvPr id="15" name="Straight Connector 14"/>
-          <p:cNvCxnSpPr/>
-          <p:nvPr/>
-        </p:nvCxnSpPr>
-        <p:spPr>
-          <a:xfrm>
-            <a:off x="6903607" y="4703868"/>
-            <a:ext cx="504000" cy="0"/>
-          </a:xfrm>
-          <a:prstGeom prst="line">
-            <a:avLst/>
-          </a:prstGeom>
-          <a:ln w="9525">
+          <a:ln w="6350">
             <a:solidFill>
               <a:schemeClr val="tx1"/>
             </a:solidFill>
@@ -27351,7 +27249,7 @@
         </p:nvSpPr>
         <p:spPr>
           <a:xfrm>
-            <a:off x="2660217" y="5074326"/>
+            <a:off x="1947533" y="5055643"/>
             <a:ext cx="965248" cy="261610"/>
           </a:xfrm>
           <a:prstGeom prst="rect">
@@ -27394,7 +27292,7 @@
         </p:nvSpPr>
         <p:spPr>
           <a:xfrm>
-            <a:off x="3532160" y="5074326"/>
+            <a:off x="2899049" y="5055643"/>
             <a:ext cx="965248" cy="600164"/>
           </a:xfrm>
           <a:prstGeom prst="rect">
@@ -27437,7 +27335,7 @@
         </p:nvSpPr>
         <p:spPr>
           <a:xfrm>
-            <a:off x="4397836" y="5074326"/>
+            <a:off x="3915226" y="5055643"/>
             <a:ext cx="1087961" cy="261610"/>
           </a:xfrm>
           <a:prstGeom prst="rect">
@@ -27460,7 +27358,7 @@
                   </a:schemeClr>
                 </a:solidFill>
               </a:rPr>
-              <a:t>Compressor</a:t>
+              <a:t>Actuation</a:t>
             </a:r>
             <a:endParaRPr lang="en-US" sz="1100" dirty="0">
               <a:solidFill>
@@ -27480,7 +27378,7 @@
         </p:nvSpPr>
         <p:spPr>
           <a:xfrm>
-            <a:off x="5346280" y="5099984"/>
+            <a:off x="4974182" y="5055643"/>
             <a:ext cx="1087961" cy="261610"/>
           </a:xfrm>
           <a:prstGeom prst="rect">
@@ -27523,7 +27421,7 @@
         </p:nvSpPr>
         <p:spPr>
           <a:xfrm>
-            <a:off x="6179568" y="5110104"/>
+            <a:off x="5999583" y="5055643"/>
             <a:ext cx="1087961" cy="261610"/>
           </a:xfrm>
           <a:prstGeom prst="rect">
@@ -27539,7 +27437,7 @@
           <a:p>
             <a:pPr algn="ctr"/>
             <a:r>
-              <a:rPr lang="en-US" sz="1100" smtClean="0">
+              <a:rPr lang="en-US" sz="1100" dirty="0" smtClean="0">
                 <a:solidFill>
                   <a:schemeClr val="bg2">
                     <a:lumMod val="25000"/>
@@ -27566,7 +27464,7 @@
         </p:nvSpPr>
         <p:spPr>
           <a:xfrm>
-            <a:off x="7040517" y="5080598"/>
+            <a:off x="6983675" y="5055643"/>
             <a:ext cx="1087961" cy="261610"/>
           </a:xfrm>
           <a:prstGeom prst="rect">
@@ -27609,8 +27507,8 @@
         </p:nvCxnSpPr>
         <p:spPr>
           <a:xfrm flipV="1">
-            <a:off x="2660217" y="3079102"/>
-            <a:ext cx="5392101" cy="0"/>
+            <a:off x="1896043" y="3085633"/>
+            <a:ext cx="6156000" cy="0"/>
           </a:xfrm>
           <a:prstGeom prst="line">
             <a:avLst/>
@@ -27621,6 +27519,326 @@
                 <a:lumMod val="50000"/>
               </a:schemeClr>
             </a:solidFill>
+          </a:ln>
+        </p:spPr>
+        <p:style>
+          <a:lnRef idx="1">
+            <a:schemeClr val="accent1"/>
+          </a:lnRef>
+          <a:fillRef idx="0">
+            <a:schemeClr val="accent1"/>
+          </a:fillRef>
+          <a:effectRef idx="0">
+            <a:schemeClr val="accent1"/>
+          </a:effectRef>
+          <a:fontRef idx="minor">
+            <a:schemeClr val="tx1"/>
+          </a:fontRef>
+        </p:style>
+      </p:cxnSp>
+      <p:sp>
+        <p:nvSpPr>
+          <p:cNvPr id="21" name="TextBox 20"/>
+          <p:cNvSpPr txBox="1"/>
+          <p:nvPr/>
+        </p:nvSpPr>
+        <p:spPr>
+          <a:xfrm>
+            <a:off x="2944768" y="4784540"/>
+            <a:ext cx="965248" cy="261610"/>
+          </a:xfrm>
+          <a:prstGeom prst="rect">
+            <a:avLst/>
+          </a:prstGeom>
+          <a:noFill/>
+        </p:spPr>
+        <p:txBody>
+          <a:bodyPr wrap="square" rtlCol="0">
+            <a:spAutoFit/>
+          </a:bodyPr>
+          <a:lstStyle/>
+          <a:p>
+            <a:pPr algn="ctr"/>
+            <a:r>
+              <a:rPr lang="en-US" sz="1100" dirty="0" smtClean="0">
+                <a:solidFill>
+                  <a:schemeClr val="bg2">
+                    <a:lumMod val="25000"/>
+                  </a:schemeClr>
+                </a:solidFill>
+              </a:rPr>
+              <a:t>-7081.0</a:t>
+            </a:r>
+            <a:endParaRPr lang="en-US" sz="1100" dirty="0">
+              <a:solidFill>
+                <a:schemeClr val="bg2">
+                  <a:lumMod val="25000"/>
+                </a:schemeClr>
+              </a:solidFill>
+            </a:endParaRPr>
+          </a:p>
+        </p:txBody>
+      </p:sp>
+      <p:sp>
+        <p:nvSpPr>
+          <p:cNvPr id="22" name="TextBox 21"/>
+          <p:cNvSpPr txBox="1"/>
+          <p:nvPr/>
+        </p:nvSpPr>
+        <p:spPr>
+          <a:xfrm>
+            <a:off x="3971462" y="4578025"/>
+            <a:ext cx="965248" cy="261610"/>
+          </a:xfrm>
+          <a:prstGeom prst="rect">
+            <a:avLst/>
+          </a:prstGeom>
+          <a:noFill/>
+        </p:spPr>
+        <p:txBody>
+          <a:bodyPr wrap="square" rtlCol="0">
+            <a:spAutoFit/>
+          </a:bodyPr>
+          <a:lstStyle/>
+          <a:p>
+            <a:pPr algn="ctr"/>
+            <a:r>
+              <a:rPr lang="en-US" sz="1100" dirty="0" smtClean="0">
+                <a:solidFill>
+                  <a:schemeClr val="bg2">
+                    <a:lumMod val="25000"/>
+                  </a:schemeClr>
+                </a:solidFill>
+              </a:rPr>
+              <a:t>80.4</a:t>
+            </a:r>
+            <a:endParaRPr lang="en-US" sz="1100" dirty="0">
+              <a:solidFill>
+                <a:schemeClr val="bg2">
+                  <a:lumMod val="25000"/>
+                </a:schemeClr>
+              </a:solidFill>
+            </a:endParaRPr>
+          </a:p>
+        </p:txBody>
+      </p:sp>
+      <p:sp>
+        <p:nvSpPr>
+          <p:cNvPr id="23" name="TextBox 22"/>
+          <p:cNvSpPr txBox="1"/>
+          <p:nvPr/>
+        </p:nvSpPr>
+        <p:spPr>
+          <a:xfrm>
+            <a:off x="5006837" y="4527754"/>
+            <a:ext cx="965248" cy="261610"/>
+          </a:xfrm>
+          <a:prstGeom prst="rect">
+            <a:avLst/>
+          </a:prstGeom>
+          <a:noFill/>
+        </p:spPr>
+        <p:txBody>
+          <a:bodyPr wrap="square" rtlCol="0">
+            <a:spAutoFit/>
+          </a:bodyPr>
+          <a:lstStyle/>
+          <a:p>
+            <a:pPr algn="ctr"/>
+            <a:r>
+              <a:rPr lang="en-US" sz="1100" smtClean="0">
+                <a:solidFill>
+                  <a:schemeClr val="bg2">
+                    <a:lumMod val="25000"/>
+                  </a:schemeClr>
+                </a:solidFill>
+              </a:rPr>
+              <a:t>157.1</a:t>
+            </a:r>
+            <a:endParaRPr lang="en-US" sz="1100" dirty="0">
+              <a:solidFill>
+                <a:schemeClr val="bg2">
+                  <a:lumMod val="25000"/>
+                </a:schemeClr>
+              </a:solidFill>
+            </a:endParaRPr>
+          </a:p>
+        </p:txBody>
+      </p:sp>
+      <p:sp>
+        <p:nvSpPr>
+          <p:cNvPr id="24" name="TextBox 23"/>
+          <p:cNvSpPr txBox="1"/>
+          <p:nvPr/>
+        </p:nvSpPr>
+        <p:spPr>
+          <a:xfrm>
+            <a:off x="6019595" y="4490430"/>
+            <a:ext cx="965248" cy="261610"/>
+          </a:xfrm>
+          <a:prstGeom prst="rect">
+            <a:avLst/>
+          </a:prstGeom>
+          <a:noFill/>
+        </p:spPr>
+        <p:txBody>
+          <a:bodyPr wrap="square" rtlCol="0">
+            <a:spAutoFit/>
+          </a:bodyPr>
+          <a:lstStyle/>
+          <a:p>
+            <a:pPr algn="ctr"/>
+            <a:r>
+              <a:rPr lang="en-US" sz="1100" smtClean="0">
+                <a:solidFill>
+                  <a:schemeClr val="bg2">
+                    <a:lumMod val="25000"/>
+                  </a:schemeClr>
+                </a:solidFill>
+              </a:rPr>
+              <a:t>77.0</a:t>
+            </a:r>
+            <a:endParaRPr lang="en-US" sz="1100" dirty="0">
+              <a:solidFill>
+                <a:schemeClr val="bg2">
+                  <a:lumMod val="25000"/>
+                </a:schemeClr>
+              </a:solidFill>
+            </a:endParaRPr>
+          </a:p>
+        </p:txBody>
+      </p:sp>
+      <p:cxnSp>
+        <p:nvCxnSpPr>
+          <p:cNvPr id="25" name="Straight Connector 24"/>
+          <p:cNvCxnSpPr/>
+          <p:nvPr/>
+        </p:nvCxnSpPr>
+        <p:spPr>
+          <a:xfrm>
+            <a:off x="3630839" y="4818859"/>
+            <a:ext cx="612000" cy="0"/>
+          </a:xfrm>
+          <a:prstGeom prst="line">
+            <a:avLst/>
+          </a:prstGeom>
+          <a:ln w="6350">
+            <a:solidFill>
+              <a:schemeClr val="tx1"/>
+            </a:solidFill>
+            <a:prstDash val="sysDash"/>
+            <a:headEnd type="none"/>
+          </a:ln>
+        </p:spPr>
+        <p:style>
+          <a:lnRef idx="1">
+            <a:schemeClr val="accent1"/>
+          </a:lnRef>
+          <a:fillRef idx="0">
+            <a:schemeClr val="accent1"/>
+          </a:fillRef>
+          <a:effectRef idx="0">
+            <a:schemeClr val="accent1"/>
+          </a:effectRef>
+          <a:fontRef idx="minor">
+            <a:schemeClr val="tx1"/>
+          </a:fontRef>
+        </p:style>
+      </p:cxnSp>
+      <p:cxnSp>
+        <p:nvCxnSpPr>
+          <p:cNvPr id="26" name="Straight Connector 25"/>
+          <p:cNvCxnSpPr/>
+          <p:nvPr/>
+        </p:nvCxnSpPr>
+        <p:spPr>
+          <a:xfrm>
+            <a:off x="4662214" y="4787387"/>
+            <a:ext cx="612000" cy="0"/>
+          </a:xfrm>
+          <a:prstGeom prst="line">
+            <a:avLst/>
+          </a:prstGeom>
+          <a:ln w="6350">
+            <a:solidFill>
+              <a:schemeClr val="tx1"/>
+            </a:solidFill>
+            <a:prstDash val="sysDash"/>
+            <a:headEnd type="none"/>
+          </a:ln>
+        </p:spPr>
+        <p:style>
+          <a:lnRef idx="1">
+            <a:schemeClr val="accent1"/>
+          </a:lnRef>
+          <a:fillRef idx="0">
+            <a:schemeClr val="accent1"/>
+          </a:fillRef>
+          <a:effectRef idx="0">
+            <a:schemeClr val="accent1"/>
+          </a:effectRef>
+          <a:fontRef idx="minor">
+            <a:schemeClr val="tx1"/>
+          </a:fontRef>
+        </p:style>
+      </p:cxnSp>
+      <p:cxnSp>
+        <p:nvCxnSpPr>
+          <p:cNvPr id="27" name="Straight Connector 26"/>
+          <p:cNvCxnSpPr/>
+          <p:nvPr/>
+        </p:nvCxnSpPr>
+        <p:spPr>
+          <a:xfrm>
+            <a:off x="5685678" y="4730450"/>
+            <a:ext cx="612000" cy="0"/>
+          </a:xfrm>
+          <a:prstGeom prst="line">
+            <a:avLst/>
+          </a:prstGeom>
+          <a:ln w="6350">
+            <a:solidFill>
+              <a:schemeClr val="tx1"/>
+            </a:solidFill>
+            <a:prstDash val="sysDash"/>
+            <a:headEnd type="none"/>
+          </a:ln>
+        </p:spPr>
+        <p:style>
+          <a:lnRef idx="1">
+            <a:schemeClr val="accent1"/>
+          </a:lnRef>
+          <a:fillRef idx="0">
+            <a:schemeClr val="accent1"/>
+          </a:fillRef>
+          <a:effectRef idx="0">
+            <a:schemeClr val="accent1"/>
+          </a:effectRef>
+          <a:fontRef idx="minor">
+            <a:schemeClr val="tx1"/>
+          </a:fontRef>
+        </p:style>
+      </p:cxnSp>
+      <p:cxnSp>
+        <p:nvCxnSpPr>
+          <p:cNvPr id="28" name="Straight Connector 27"/>
+          <p:cNvCxnSpPr/>
+          <p:nvPr/>
+        </p:nvCxnSpPr>
+        <p:spPr>
+          <a:xfrm>
+            <a:off x="6717017" y="4693109"/>
+            <a:ext cx="612000" cy="0"/>
+          </a:xfrm>
+          <a:prstGeom prst="line">
+            <a:avLst/>
+          </a:prstGeom>
+          <a:ln w="6350">
+            <a:solidFill>
+              <a:schemeClr val="tx1"/>
+            </a:solidFill>
+            <a:prstDash val="sysDash"/>
+            <a:headEnd type="none"/>
           </a:ln>
         </p:spPr>
         <p:style>

--- a/elsarticle/Images/Thesis charts.pptx
+++ b/elsarticle/Images/Thesis charts.pptx
@@ -129,7 +129,7 @@
   </p:defaultTextStyle>
   <p:extLst>
     <p:ext uri="{EFAFB233-063F-42B5-8137-9DF3F51BA10A}">
-      <p15:sldGuideLst xmlns:p15="http://schemas.microsoft.com/office/powerpoint/2012/main">
+      <p15:sldGuideLst xmlns:p15="http://schemas.microsoft.com/office/powerpoint/2012/main" xmlns="">
         <p15:guide id="1" orient="horz" pos="2160">
           <p15:clr>
             <a:srgbClr val="A4A3A4"/>
@@ -425,11 +425,11 @@
           <c:showPercent val="0"/>
           <c:showBubbleSize val="0"/>
         </c:dLbls>
-        <c:axId val="2072281216"/>
-        <c:axId val="-2094781024"/>
+        <c:axId val="2031149816"/>
+        <c:axId val="2031091768"/>
       </c:scatterChart>
       <c:valAx>
-        <c:axId val="2072281216"/>
+        <c:axId val="2031149816"/>
         <c:scaling>
           <c:orientation val="minMax"/>
         </c:scaling>
@@ -493,26 +493,6 @@
             </a:ln>
             <a:effectLst/>
           </c:spPr>
-          <c:txPr>
-            <a:bodyPr rot="0" spcFirstLastPara="1" vertOverflow="ellipsis" vert="horz" wrap="square" anchor="ctr" anchorCtr="1"/>
-            <a:lstStyle/>
-            <a:p>
-              <a:pPr>
-                <a:defRPr sz="1330" b="0" i="0" u="none" strike="noStrike" kern="1200" baseline="0">
-                  <a:solidFill>
-                    <a:schemeClr val="tx1">
-                      <a:lumMod val="65000"/>
-                      <a:lumOff val="35000"/>
-                    </a:schemeClr>
-                  </a:solidFill>
-                  <a:latin typeface="+mn-lt"/>
-                  <a:ea typeface="+mn-ea"/>
-                  <a:cs typeface="+mn-cs"/>
-                </a:defRPr>
-              </a:pPr>
-              <a:endParaRPr lang="en-US"/>
-            </a:p>
-          </c:txPr>
         </c:title>
         <c:numFmt formatCode="General" sourceLinked="1"/>
         <c:majorTickMark val="out"/>
@@ -551,12 +531,12 @@
             <a:endParaRPr lang="en-US"/>
           </a:p>
         </c:txPr>
-        <c:crossAx val="-2094781024"/>
+        <c:crossAx val="2031091768"/>
         <c:crosses val="autoZero"/>
         <c:crossBetween val="midCat"/>
       </c:valAx>
       <c:valAx>
-        <c:axId val="-2094781024"/>
+        <c:axId val="2031091768"/>
         <c:scaling>
           <c:orientation val="minMax"/>
         </c:scaling>
@@ -624,26 +604,6 @@
             </a:ln>
             <a:effectLst/>
           </c:spPr>
-          <c:txPr>
-            <a:bodyPr rot="-5400000" spcFirstLastPara="1" vertOverflow="ellipsis" vert="horz" wrap="square" anchor="ctr" anchorCtr="1"/>
-            <a:lstStyle/>
-            <a:p>
-              <a:pPr>
-                <a:defRPr sz="1330" b="0" i="0" u="none" strike="noStrike" kern="1200" baseline="0">
-                  <a:solidFill>
-                    <a:schemeClr val="tx1">
-                      <a:lumMod val="65000"/>
-                      <a:lumOff val="35000"/>
-                    </a:schemeClr>
-                  </a:solidFill>
-                  <a:latin typeface="+mn-lt"/>
-                  <a:ea typeface="+mn-ea"/>
-                  <a:cs typeface="+mn-cs"/>
-                </a:defRPr>
-              </a:pPr>
-              <a:endParaRPr lang="en-US"/>
-            </a:p>
-          </c:txPr>
         </c:title>
         <c:numFmt formatCode="General" sourceLinked="1"/>
         <c:majorTickMark val="out"/>
@@ -682,7 +642,7 @@
             <a:endParaRPr lang="en-US"/>
           </a:p>
         </c:txPr>
-        <c:crossAx val="2072281216"/>
+        <c:crossAx val="2031149816"/>
         <c:crosses val="autoZero"/>
         <c:crossBetween val="midCat"/>
       </c:valAx>
@@ -749,7 +709,7 @@
       <a:endParaRPr lang="en-US"/>
     </a:p>
   </c:txPr>
-  <c:externalData r:id="rId3">
+  <c:externalData r:id="rId1">
     <c:autoUpdate val="0"/>
   </c:externalData>
 </c:chartSpace>
@@ -812,26 +772,6 @@
         </a:ln>
         <a:effectLst/>
       </c:spPr>
-      <c:txPr>
-        <a:bodyPr rot="0" spcFirstLastPara="1" vertOverflow="ellipsis" vert="horz" wrap="square" anchor="ctr" anchorCtr="1"/>
-        <a:lstStyle/>
-        <a:p>
-          <a:pPr>
-            <a:defRPr sz="1862" b="0" i="0" u="none" strike="noStrike" kern="1200" spc="0" baseline="0">
-              <a:solidFill>
-                <a:schemeClr val="tx1">
-                  <a:lumMod val="65000"/>
-                  <a:lumOff val="35000"/>
-                </a:schemeClr>
-              </a:solidFill>
-              <a:latin typeface="+mn-lt"/>
-              <a:ea typeface="+mn-ea"/>
-              <a:cs typeface="+mn-cs"/>
-            </a:defRPr>
-          </a:pPr>
-          <a:endParaRPr lang="en-US"/>
-        </a:p>
-      </c:txPr>
     </c:title>
     <c:autoTitleDeleted val="0"/>
     <c:plotArea>
@@ -1027,7 +967,7 @@
       <a:endParaRPr lang="en-US"/>
     </a:p>
   </c:txPr>
-  <c:externalData r:id="rId3">
+  <c:externalData r:id="rId1">
     <c:autoUpdate val="0"/>
   </c:externalData>
 </c:chartSpace>
@@ -1094,26 +1034,6 @@
         </a:ln>
         <a:effectLst/>
       </c:spPr>
-      <c:txPr>
-        <a:bodyPr rot="0" spcFirstLastPara="1" vertOverflow="ellipsis" vert="horz" wrap="square" anchor="ctr" anchorCtr="1"/>
-        <a:lstStyle/>
-        <a:p>
-          <a:pPr>
-            <a:defRPr sz="1862" b="0" i="0" u="none" strike="noStrike" kern="1200" spc="0" baseline="0">
-              <a:solidFill>
-                <a:schemeClr val="tx1">
-                  <a:lumMod val="65000"/>
-                  <a:lumOff val="35000"/>
-                </a:schemeClr>
-              </a:solidFill>
-              <a:latin typeface="+mn-lt"/>
-              <a:ea typeface="+mn-ea"/>
-              <a:cs typeface="+mn-cs"/>
-            </a:defRPr>
-          </a:pPr>
-          <a:endParaRPr lang="en-US"/>
-        </a:p>
-      </c:txPr>
     </c:title>
     <c:autoTitleDeleted val="0"/>
     <c:plotArea>
@@ -1450,13 +1370,2150 @@
       <a:endParaRPr lang="en-US"/>
     </a:p>
   </c:txPr>
-  <c:externalData r:id="rId3">
+  <c:externalData r:id="rId1">
     <c:autoUpdate val="0"/>
   </c:externalData>
 </c:chartSpace>
 </file>
 
 <file path=ppt/charts/chart12.xml><?xml version="1.0" encoding="utf-8"?>
+<c:chartSpace xmlns:c="http://schemas.openxmlformats.org/drawingml/2006/chart" xmlns:a="http://schemas.openxmlformats.org/drawingml/2006/main" xmlns:r="http://schemas.openxmlformats.org/officeDocument/2006/relationships">
+  <c:date1904 val="0"/>
+  <c:lang val="en-US"/>
+  <c:roundedCorners val="0"/>
+  <mc:AlternateContent xmlns:mc="http://schemas.openxmlformats.org/markup-compatibility/2006">
+    <mc:Choice xmlns:c14="http://schemas.microsoft.com/office/drawing/2007/8/2/chart" Requires="c14">
+      <c14:style val="102"/>
+    </mc:Choice>
+    <mc:Fallback>
+      <c:style val="2"/>
+    </mc:Fallback>
+  </mc:AlternateContent>
+  <c:chart>
+    <c:autoTitleDeleted val="1"/>
+    <c:plotArea>
+      <c:layout/>
+      <c:pieChart>
+        <c:varyColors val="1"/>
+        <c:ser>
+          <c:idx val="0"/>
+          <c:order val="0"/>
+          <c:tx>
+            <c:strRef>
+              <c:f>Sheet1!$B$1</c:f>
+              <c:strCache>
+                <c:ptCount val="1"/>
+                <c:pt idx="0">
+                  <c:v>Column1</c:v>
+                </c:pt>
+              </c:strCache>
+            </c:strRef>
+          </c:tx>
+          <c:dPt>
+            <c:idx val="0"/>
+            <c:bubble3D val="0"/>
+            <c:spPr>
+              <a:solidFill>
+                <a:schemeClr val="accent1"/>
+              </a:solidFill>
+              <a:ln w="19050">
+                <a:solidFill>
+                  <a:schemeClr val="lt1"/>
+                </a:solidFill>
+              </a:ln>
+              <a:effectLst/>
+            </c:spPr>
+          </c:dPt>
+          <c:dPt>
+            <c:idx val="1"/>
+            <c:bubble3D val="0"/>
+            <c:spPr>
+              <a:solidFill>
+                <a:schemeClr val="accent2"/>
+              </a:solidFill>
+              <a:ln w="19050">
+                <a:solidFill>
+                  <a:schemeClr val="lt1"/>
+                </a:solidFill>
+              </a:ln>
+              <a:effectLst/>
+            </c:spPr>
+          </c:dPt>
+          <c:dPt>
+            <c:idx val="2"/>
+            <c:bubble3D val="0"/>
+            <c:spPr>
+              <a:solidFill>
+                <a:schemeClr val="accent3"/>
+              </a:solidFill>
+              <a:ln w="19050">
+                <a:solidFill>
+                  <a:schemeClr val="lt1"/>
+                </a:solidFill>
+              </a:ln>
+              <a:effectLst/>
+            </c:spPr>
+          </c:dPt>
+          <c:dPt>
+            <c:idx val="3"/>
+            <c:bubble3D val="0"/>
+            <c:spPr>
+              <a:solidFill>
+                <a:schemeClr val="accent4"/>
+              </a:solidFill>
+              <a:ln w="19050">
+                <a:solidFill>
+                  <a:schemeClr val="lt1"/>
+                </a:solidFill>
+              </a:ln>
+              <a:effectLst/>
+            </c:spPr>
+          </c:dPt>
+          <c:dPt>
+            <c:idx val="4"/>
+            <c:bubble3D val="0"/>
+            <c:spPr>
+              <a:solidFill>
+                <a:schemeClr val="accent5"/>
+              </a:solidFill>
+              <a:ln w="19050">
+                <a:solidFill>
+                  <a:schemeClr val="lt1"/>
+                </a:solidFill>
+              </a:ln>
+              <a:effectLst/>
+            </c:spPr>
+          </c:dPt>
+          <c:dPt>
+            <c:idx val="5"/>
+            <c:bubble3D val="0"/>
+            <c:spPr>
+              <a:solidFill>
+                <a:schemeClr val="accent6"/>
+              </a:solidFill>
+              <a:ln w="19050">
+                <a:solidFill>
+                  <a:schemeClr val="lt1"/>
+                </a:solidFill>
+              </a:ln>
+              <a:effectLst/>
+            </c:spPr>
+          </c:dPt>
+          <c:dLbls>
+            <c:spPr>
+              <a:noFill/>
+              <a:ln>
+                <a:noFill/>
+              </a:ln>
+              <a:effectLst/>
+            </c:spPr>
+            <c:txPr>
+              <a:bodyPr rot="0" spcFirstLastPara="1" vertOverflow="ellipsis" vert="horz" wrap="square" lIns="38100" tIns="19050" rIns="38100" bIns="19050" anchor="ctr" anchorCtr="1">
+                <a:spAutoFit/>
+              </a:bodyPr>
+              <a:lstStyle/>
+              <a:p>
+                <a:pPr>
+                  <a:defRPr sz="1800" b="0" i="0" u="none" strike="noStrike" kern="1200" baseline="0">
+                    <a:solidFill>
+                      <a:schemeClr val="tx1">
+                        <a:lumMod val="75000"/>
+                        <a:lumOff val="25000"/>
+                      </a:schemeClr>
+                    </a:solidFill>
+                    <a:latin typeface="+mn-lt"/>
+                    <a:ea typeface="+mn-ea"/>
+                    <a:cs typeface="+mn-cs"/>
+                  </a:defRPr>
+                </a:pPr>
+                <a:endParaRPr lang="en-US"/>
+              </a:p>
+            </c:txPr>
+            <c:showLegendKey val="0"/>
+            <c:showVal val="1"/>
+            <c:showCatName val="0"/>
+            <c:showSerName val="0"/>
+            <c:showPercent val="0"/>
+            <c:showBubbleSize val="0"/>
+            <c:showLeaderLines val="1"/>
+            <c:leaderLines>
+              <c:spPr>
+                <a:ln w="9525" cap="flat" cmpd="sng" algn="ctr">
+                  <a:solidFill>
+                    <a:schemeClr val="tx1">
+                      <a:lumMod val="35000"/>
+                      <a:lumOff val="65000"/>
+                    </a:schemeClr>
+                  </a:solidFill>
+                  <a:round/>
+                </a:ln>
+                <a:effectLst/>
+              </c:spPr>
+            </c:leaderLines>
+            <c:extLst>
+              <c:ext xmlns:c15="http://schemas.microsoft.com/office/drawing/2012/chart" uri="{CE6537A1-D6FC-4f65-9D91-7224C49458BB}"/>
+            </c:extLst>
+          </c:dLbls>
+          <c:cat>
+            <c:strRef>
+              <c:f>Sheet1!$A$2:$A$7</c:f>
+              <c:strCache>
+                <c:ptCount val="6"/>
+                <c:pt idx="0">
+                  <c:v>Solar panels</c:v>
+                </c:pt>
+                <c:pt idx="1">
+                  <c:v>Control &amp; electronic systems</c:v>
+                </c:pt>
+                <c:pt idx="2">
+                  <c:v>Steel frame</c:v>
+                </c:pt>
+                <c:pt idx="3">
+                  <c:v>Actuators</c:v>
+                </c:pt>
+                <c:pt idx="4">
+                  <c:v>Cantilever brackets</c:v>
+                </c:pt>
+                <c:pt idx="5">
+                  <c:v>Assembling ASF</c:v>
+                </c:pt>
+              </c:strCache>
+            </c:strRef>
+          </c:cat>
+          <c:val>
+            <c:numRef>
+              <c:f>Sheet1!$B$2:$B$7</c:f>
+              <c:numCache>
+                <c:formatCode>0.00%</c:formatCode>
+                <c:ptCount val="6"/>
+                <c:pt idx="0">
+                  <c:v>0.5024</c:v>
+                </c:pt>
+                <c:pt idx="1">
+                  <c:v>0.1261</c:v>
+                </c:pt>
+                <c:pt idx="2">
+                  <c:v>0.2042</c:v>
+                </c:pt>
+                <c:pt idx="3">
+                  <c:v>0.1101</c:v>
+                </c:pt>
+                <c:pt idx="4">
+                  <c:v>0.0437</c:v>
+                </c:pt>
+                <c:pt idx="5">
+                  <c:v>0.0134</c:v>
+                </c:pt>
+              </c:numCache>
+            </c:numRef>
+          </c:val>
+        </c:ser>
+        <c:dLbls>
+          <c:showLegendKey val="0"/>
+          <c:showVal val="0"/>
+          <c:showCatName val="0"/>
+          <c:showSerName val="0"/>
+          <c:showPercent val="0"/>
+          <c:showBubbleSize val="0"/>
+          <c:showLeaderLines val="1"/>
+        </c:dLbls>
+        <c:firstSliceAng val="0"/>
+      </c:pieChart>
+      <c:spPr>
+        <a:noFill/>
+        <a:ln>
+          <a:noFill/>
+        </a:ln>
+        <a:effectLst/>
+      </c:spPr>
+    </c:plotArea>
+    <c:legend>
+      <c:legendPos val="r"/>
+      <c:layout>
+        <c:manualLayout>
+          <c:xMode val="edge"/>
+          <c:yMode val="edge"/>
+          <c:x val="0.616209721380981"/>
+          <c:y val="0.0629407129814724"/>
+          <c:w val="0.37032874015748"/>
+          <c:h val="0.822195273910109"/>
+        </c:manualLayout>
+      </c:layout>
+      <c:overlay val="0"/>
+      <c:spPr>
+        <a:noFill/>
+        <a:ln>
+          <a:noFill/>
+        </a:ln>
+        <a:effectLst/>
+      </c:spPr>
+      <c:txPr>
+        <a:bodyPr rot="0" spcFirstLastPara="1" vertOverflow="ellipsis" vert="horz" wrap="square" anchor="ctr" anchorCtr="1"/>
+        <a:lstStyle/>
+        <a:p>
+          <a:pPr>
+            <a:defRPr sz="2000" b="0" i="0" u="none" strike="noStrike" kern="1200" baseline="0">
+              <a:solidFill>
+                <a:schemeClr val="tx1">
+                  <a:lumMod val="65000"/>
+                  <a:lumOff val="35000"/>
+                </a:schemeClr>
+              </a:solidFill>
+              <a:latin typeface="+mn-lt"/>
+              <a:ea typeface="+mn-ea"/>
+              <a:cs typeface="+mn-cs"/>
+            </a:defRPr>
+          </a:pPr>
+          <a:endParaRPr lang="en-US"/>
+        </a:p>
+      </c:txPr>
+    </c:legend>
+    <c:plotVisOnly val="1"/>
+    <c:dispBlanksAs val="gap"/>
+    <c:showDLblsOverMax val="0"/>
+  </c:chart>
+  <c:spPr>
+    <a:noFill/>
+    <a:ln>
+      <a:noFill/>
+    </a:ln>
+    <a:effectLst/>
+  </c:spPr>
+  <c:txPr>
+    <a:bodyPr/>
+    <a:lstStyle/>
+    <a:p>
+      <a:pPr>
+        <a:defRPr/>
+      </a:pPr>
+      <a:endParaRPr lang="en-US"/>
+    </a:p>
+  </c:txPr>
+  <c:externalData r:id="rId1">
+    <c:autoUpdate val="0"/>
+  </c:externalData>
+</c:chartSpace>
+</file>
+
+<file path=ppt/charts/chart13.xml><?xml version="1.0" encoding="utf-8"?>
+<c:chartSpace xmlns:c="http://schemas.openxmlformats.org/drawingml/2006/chart" xmlns:a="http://schemas.openxmlformats.org/drawingml/2006/main" xmlns:r="http://schemas.openxmlformats.org/officeDocument/2006/relationships">
+  <c:date1904 val="0"/>
+  <c:lang val="en-US"/>
+  <c:roundedCorners val="0"/>
+  <mc:AlternateContent xmlns:mc="http://schemas.openxmlformats.org/markup-compatibility/2006">
+    <mc:Choice xmlns:c14="http://schemas.microsoft.com/office/drawing/2007/8/2/chart" Requires="c14">
+      <c14:style val="102"/>
+    </mc:Choice>
+    <mc:Fallback>
+      <c:style val="2"/>
+    </mc:Fallback>
+  </mc:AlternateContent>
+  <c:chart>
+    <c:autoTitleDeleted val="1"/>
+    <c:plotArea>
+      <c:layout/>
+      <c:barChart>
+        <c:barDir val="col"/>
+        <c:grouping val="stacked"/>
+        <c:varyColors val="0"/>
+        <c:ser>
+          <c:idx val="0"/>
+          <c:order val="0"/>
+          <c:tx>
+            <c:strRef>
+              <c:f>Sheet1!$B$1</c:f>
+              <c:strCache>
+                <c:ptCount val="1"/>
+                <c:pt idx="0">
+                  <c:v>Wit</c:v>
+                </c:pt>
+              </c:strCache>
+            </c:strRef>
+          </c:tx>
+          <c:spPr>
+            <a:noFill/>
+            <a:ln>
+              <a:noFill/>
+            </a:ln>
+            <a:effectLst/>
+          </c:spPr>
+          <c:invertIfNegative val="0"/>
+          <c:dPt>
+            <c:idx val="1"/>
+            <c:invertIfNegative val="0"/>
+            <c:bubble3D val="0"/>
+            <c:spPr>
+              <a:solidFill>
+                <a:schemeClr val="accent2"/>
+              </a:solidFill>
+              <a:ln>
+                <a:noFill/>
+              </a:ln>
+              <a:effectLst/>
+            </c:spPr>
+          </c:dPt>
+          <c:cat>
+            <c:strRef>
+              <c:f>Sheet1!$A$2:$A$7</c:f>
+              <c:strCache>
+                <c:ptCount val="6"/>
+                <c:pt idx="0">
+                  <c:v>Embodied</c:v>
+                </c:pt>
+                <c:pt idx="1">
+                  <c:v>Heating, cooling and lighting offset</c:v>
+                </c:pt>
+                <c:pt idx="2">
+                  <c:v>Compressor</c:v>
+                </c:pt>
+                <c:pt idx="3">
+                  <c:v>Maintenance</c:v>
+                </c:pt>
+                <c:pt idx="4">
+                  <c:v>Disposal</c:v>
+                </c:pt>
+                <c:pt idx="5">
+                  <c:v>Total</c:v>
+                </c:pt>
+              </c:strCache>
+            </c:strRef>
+          </c:cat>
+          <c:val>
+            <c:numRef>
+              <c:f>Sheet1!$B$2:$B$7</c:f>
+              <c:numCache>
+                <c:formatCode>0.0</c:formatCode>
+                <c:ptCount val="6"/>
+                <c:pt idx="0">
+                  <c:v>0.0</c:v>
+                </c:pt>
+                <c:pt idx="1">
+                  <c:v>2676.5</c:v>
+                </c:pt>
+                <c:pt idx="2">
+                  <c:v>-4324.1</c:v>
+                </c:pt>
+                <c:pt idx="3">
+                  <c:v>-4167.02</c:v>
+                </c:pt>
+                <c:pt idx="4">
+                  <c:v>-4090.02</c:v>
+                </c:pt>
+                <c:pt idx="5">
+                  <c:v>0.0</c:v>
+                </c:pt>
+              </c:numCache>
+            </c:numRef>
+          </c:val>
+        </c:ser>
+        <c:ser>
+          <c:idx val="1"/>
+          <c:order val="1"/>
+          <c:tx>
+            <c:strRef>
+              <c:f>Sheet1!$C$1</c:f>
+              <c:strCache>
+                <c:ptCount val="1"/>
+                <c:pt idx="0">
+                  <c:v>Series 2</c:v>
+                </c:pt>
+              </c:strCache>
+            </c:strRef>
+          </c:tx>
+          <c:spPr>
+            <a:solidFill>
+              <a:schemeClr val="accent1"/>
+            </a:solidFill>
+            <a:ln>
+              <a:noFill/>
+            </a:ln>
+            <a:effectLst/>
+          </c:spPr>
+          <c:invertIfNegative val="0"/>
+          <c:dLbls>
+            <c:dLbl>
+              <c:idx val="0"/>
+              <c:layout>
+                <c:manualLayout>
+                  <c:x val="0.00172410094923293"/>
+                  <c:y val="-0.157398544941338"/>
+                </c:manualLayout>
+              </c:layout>
+              <c:showLegendKey val="0"/>
+              <c:showVal val="1"/>
+              <c:showCatName val="0"/>
+              <c:showSerName val="0"/>
+              <c:showPercent val="0"/>
+              <c:showBubbleSize val="0"/>
+              <c:extLst>
+                <c:ext xmlns:c15="http://schemas.microsoft.com/office/drawing/2012/chart" uri="{CE6537A1-D6FC-4f65-9D91-7224C49458BB}">
+                  <c15:layout/>
+                </c:ext>
+              </c:extLst>
+            </c:dLbl>
+            <c:dLbl>
+              <c:idx val="1"/>
+              <c:delete val="1"/>
+              <c:extLst>
+                <c:ext xmlns:c15="http://schemas.microsoft.com/office/drawing/2012/chart" uri="{CE6537A1-D6FC-4f65-9D91-7224C49458BB}"/>
+              </c:extLst>
+            </c:dLbl>
+            <c:dLbl>
+              <c:idx val="2"/>
+              <c:delete val="1"/>
+              <c:extLst>
+                <c:ext xmlns:c15="http://schemas.microsoft.com/office/drawing/2012/chart" uri="{CE6537A1-D6FC-4f65-9D91-7224C49458BB}"/>
+              </c:extLst>
+            </c:dLbl>
+            <c:dLbl>
+              <c:idx val="3"/>
+              <c:delete val="1"/>
+              <c:extLst>
+                <c:ext xmlns:c15="http://schemas.microsoft.com/office/drawing/2012/chart" uri="{CE6537A1-D6FC-4f65-9D91-7224C49458BB}"/>
+              </c:extLst>
+            </c:dLbl>
+            <c:dLbl>
+              <c:idx val="4"/>
+              <c:delete val="1"/>
+              <c:extLst>
+                <c:ext xmlns:c15="http://schemas.microsoft.com/office/drawing/2012/chart" uri="{CE6537A1-D6FC-4f65-9D91-7224C49458BB}"/>
+              </c:extLst>
+            </c:dLbl>
+            <c:dLbl>
+              <c:idx val="5"/>
+              <c:delete val="1"/>
+              <c:extLst>
+                <c:ext xmlns:c15="http://schemas.microsoft.com/office/drawing/2012/chart" uri="{CE6537A1-D6FC-4f65-9D91-7224C49458BB}">
+                  <c15:layout/>
+                </c:ext>
+              </c:extLst>
+            </c:dLbl>
+            <c:spPr>
+              <a:noFill/>
+              <a:ln>
+                <a:noFill/>
+              </a:ln>
+              <a:effectLst/>
+            </c:spPr>
+            <c:txPr>
+              <a:bodyPr rot="0" spcFirstLastPara="1" vertOverflow="ellipsis" vert="horz" wrap="square" lIns="38100" tIns="19050" rIns="38100" bIns="19050" anchor="ctr" anchorCtr="1">
+                <a:spAutoFit/>
+              </a:bodyPr>
+              <a:lstStyle/>
+              <a:p>
+                <a:pPr>
+                  <a:defRPr sz="1600" b="0" i="0" u="none" strike="noStrike" kern="1200" baseline="0">
+                    <a:solidFill>
+                      <a:schemeClr val="tx1">
+                        <a:lumMod val="75000"/>
+                        <a:lumOff val="25000"/>
+                      </a:schemeClr>
+                    </a:solidFill>
+                    <a:latin typeface="+mn-lt"/>
+                    <a:ea typeface="+mn-ea"/>
+                    <a:cs typeface="+mn-cs"/>
+                  </a:defRPr>
+                </a:pPr>
+                <a:endParaRPr lang="en-US"/>
+              </a:p>
+            </c:txPr>
+            <c:showLegendKey val="0"/>
+            <c:showVal val="1"/>
+            <c:showCatName val="0"/>
+            <c:showSerName val="0"/>
+            <c:showPercent val="0"/>
+            <c:showBubbleSize val="0"/>
+            <c:showLeaderLines val="0"/>
+            <c:extLst>
+              <c:ext xmlns:c15="http://schemas.microsoft.com/office/drawing/2012/chart" uri="{CE6537A1-D6FC-4f65-9D91-7224C49458BB}">
+                <c15:layout/>
+                <c15:showLeaderLines val="1"/>
+                <c15:leaderLines>
+                  <c:spPr>
+                    <a:ln w="9525" cap="flat" cmpd="sng" algn="ctr">
+                      <a:solidFill>
+                        <a:schemeClr val="tx1">
+                          <a:lumMod val="35000"/>
+                          <a:lumOff val="65000"/>
+                        </a:schemeClr>
+                      </a:solidFill>
+                      <a:round/>
+                    </a:ln>
+                    <a:effectLst/>
+                  </c:spPr>
+                </c15:leaderLines>
+              </c:ext>
+            </c:extLst>
+          </c:dLbls>
+          <c:cat>
+            <c:strRef>
+              <c:f>Sheet1!$A$2:$A$7</c:f>
+              <c:strCache>
+                <c:ptCount val="6"/>
+                <c:pt idx="0">
+                  <c:v>Embodied</c:v>
+                </c:pt>
+                <c:pt idx="1">
+                  <c:v>Heating, cooling and lighting offset</c:v>
+                </c:pt>
+                <c:pt idx="2">
+                  <c:v>Compressor</c:v>
+                </c:pt>
+                <c:pt idx="3">
+                  <c:v>Maintenance</c:v>
+                </c:pt>
+                <c:pt idx="4">
+                  <c:v>Disposal</c:v>
+                </c:pt>
+                <c:pt idx="5">
+                  <c:v>Total</c:v>
+                </c:pt>
+              </c:strCache>
+            </c:strRef>
+          </c:cat>
+          <c:val>
+            <c:numRef>
+              <c:f>Sheet1!$C$2:$C$7</c:f>
+              <c:numCache>
+                <c:formatCode>0.0</c:formatCode>
+                <c:ptCount val="6"/>
+                <c:pt idx="0">
+                  <c:v>2676.5</c:v>
+                </c:pt>
+                <c:pt idx="1">
+                  <c:v>0.0</c:v>
+                </c:pt>
+                <c:pt idx="2">
+                  <c:v>-80.4</c:v>
+                </c:pt>
+                <c:pt idx="3">
+                  <c:v>-157.08</c:v>
+                </c:pt>
+                <c:pt idx="4">
+                  <c:v>-77.0</c:v>
+                </c:pt>
+                <c:pt idx="5">
+                  <c:v>0.0</c:v>
+                </c:pt>
+              </c:numCache>
+            </c:numRef>
+          </c:val>
+        </c:ser>
+        <c:ser>
+          <c:idx val="2"/>
+          <c:order val="2"/>
+          <c:tx>
+            <c:strRef>
+              <c:f>Sheet1!$D$1</c:f>
+              <c:strCache>
+                <c:ptCount val="1"/>
+                <c:pt idx="0">
+                  <c:v>Series 3</c:v>
+                </c:pt>
+              </c:strCache>
+            </c:strRef>
+          </c:tx>
+          <c:spPr>
+            <a:solidFill>
+              <a:schemeClr val="accent2"/>
+            </a:solidFill>
+            <a:ln>
+              <a:noFill/>
+            </a:ln>
+            <a:effectLst/>
+          </c:spPr>
+          <c:invertIfNegative val="0"/>
+          <c:cat>
+            <c:strRef>
+              <c:f>Sheet1!$A$2:$A$7</c:f>
+              <c:strCache>
+                <c:ptCount val="6"/>
+                <c:pt idx="0">
+                  <c:v>Embodied</c:v>
+                </c:pt>
+                <c:pt idx="1">
+                  <c:v>Heating, cooling and lighting offset</c:v>
+                </c:pt>
+                <c:pt idx="2">
+                  <c:v>Compressor</c:v>
+                </c:pt>
+                <c:pt idx="3">
+                  <c:v>Maintenance</c:v>
+                </c:pt>
+                <c:pt idx="4">
+                  <c:v>Disposal</c:v>
+                </c:pt>
+                <c:pt idx="5">
+                  <c:v>Total</c:v>
+                </c:pt>
+              </c:strCache>
+            </c:strRef>
+          </c:cat>
+          <c:val>
+            <c:numRef>
+              <c:f>Sheet1!$D$2:$D$7</c:f>
+              <c:numCache>
+                <c:formatCode>0.0</c:formatCode>
+                <c:ptCount val="6"/>
+                <c:pt idx="0">
+                  <c:v>0.0</c:v>
+                </c:pt>
+                <c:pt idx="1">
+                  <c:v>-4404.5</c:v>
+                </c:pt>
+                <c:pt idx="3">
+                  <c:v>0.0</c:v>
+                </c:pt>
+                <c:pt idx="4">
+                  <c:v>0.0</c:v>
+                </c:pt>
+                <c:pt idx="5">
+                  <c:v>0.0</c:v>
+                </c:pt>
+              </c:numCache>
+            </c:numRef>
+          </c:val>
+        </c:ser>
+        <c:ser>
+          <c:idx val="3"/>
+          <c:order val="3"/>
+          <c:tx>
+            <c:strRef>
+              <c:f>Sheet1!$E$1</c:f>
+              <c:strCache>
+                <c:ptCount val="1"/>
+                <c:pt idx="0">
+                  <c:v>Series 4</c:v>
+                </c:pt>
+              </c:strCache>
+            </c:strRef>
+          </c:tx>
+          <c:spPr>
+            <a:solidFill>
+              <a:schemeClr val="accent3"/>
+            </a:solidFill>
+            <a:ln>
+              <a:noFill/>
+            </a:ln>
+            <a:effectLst/>
+          </c:spPr>
+          <c:invertIfNegative val="0"/>
+          <c:dLbls>
+            <c:dLbl>
+              <c:idx val="0"/>
+              <c:delete val="1"/>
+              <c:extLst>
+                <c:ext xmlns:c15="http://schemas.microsoft.com/office/drawing/2012/chart" uri="{CE6537A1-D6FC-4f65-9D91-7224C49458BB}">
+                  <c15:layout/>
+                </c:ext>
+              </c:extLst>
+            </c:dLbl>
+            <c:dLbl>
+              <c:idx val="1"/>
+              <c:delete val="1"/>
+              <c:extLst>
+                <c:ext xmlns:c15="http://schemas.microsoft.com/office/drawing/2012/chart" uri="{CE6537A1-D6FC-4f65-9D91-7224C49458BB}"/>
+              </c:extLst>
+            </c:dLbl>
+            <c:dLbl>
+              <c:idx val="3"/>
+              <c:delete val="1"/>
+              <c:extLst>
+                <c:ext xmlns:c15="http://schemas.microsoft.com/office/drawing/2012/chart" uri="{CE6537A1-D6FC-4f65-9D91-7224C49458BB}"/>
+              </c:extLst>
+            </c:dLbl>
+            <c:dLbl>
+              <c:idx val="4"/>
+              <c:delete val="1"/>
+              <c:extLst>
+                <c:ext xmlns:c15="http://schemas.microsoft.com/office/drawing/2012/chart" uri="{CE6537A1-D6FC-4f65-9D91-7224C49458BB}"/>
+              </c:extLst>
+            </c:dLbl>
+            <c:dLbl>
+              <c:idx val="5"/>
+              <c:layout>
+                <c:manualLayout>
+                  <c:x val="0.0"/>
+                  <c:y val="-0.232818681059063"/>
+                </c:manualLayout>
+              </c:layout>
+              <c:spPr>
+                <a:noFill/>
+                <a:ln>
+                  <a:noFill/>
+                </a:ln>
+                <a:effectLst/>
+              </c:spPr>
+              <c:txPr>
+                <a:bodyPr rot="0" spcFirstLastPara="1" vertOverflow="ellipsis" vert="horz" wrap="square" lIns="38100" tIns="19050" rIns="38100" bIns="19050" anchor="ctr" anchorCtr="1">
+                  <a:spAutoFit/>
+                </a:bodyPr>
+                <a:lstStyle/>
+                <a:p>
+                  <a:pPr>
+                    <a:defRPr sz="1600" b="0" i="0" u="none" strike="noStrike" kern="1200" baseline="0">
+                      <a:solidFill>
+                        <a:schemeClr val="tx1">
+                          <a:lumMod val="75000"/>
+                          <a:lumOff val="25000"/>
+                        </a:schemeClr>
+                      </a:solidFill>
+                      <a:latin typeface="+mn-lt"/>
+                      <a:ea typeface="+mn-ea"/>
+                      <a:cs typeface="+mn-cs"/>
+                    </a:defRPr>
+                  </a:pPr>
+                  <a:endParaRPr lang="en-US"/>
+                </a:p>
+              </c:txPr>
+              <c:showLegendKey val="0"/>
+              <c:showVal val="1"/>
+              <c:showCatName val="0"/>
+              <c:showSerName val="0"/>
+              <c:showPercent val="0"/>
+              <c:showBubbleSize val="0"/>
+              <c:extLst>
+                <c:ext xmlns:c15="http://schemas.microsoft.com/office/drawing/2012/chart" uri="{CE6537A1-D6FC-4f65-9D91-7224C49458BB}">
+                  <c15:layout/>
+                </c:ext>
+              </c:extLst>
+            </c:dLbl>
+            <c:spPr>
+              <a:noFill/>
+              <a:ln>
+                <a:noFill/>
+              </a:ln>
+              <a:effectLst/>
+            </c:spPr>
+            <c:txPr>
+              <a:bodyPr rot="0" spcFirstLastPara="1" vertOverflow="ellipsis" vert="horz" wrap="square" lIns="38100" tIns="19050" rIns="38100" bIns="19050" anchor="ctr" anchorCtr="1">
+                <a:spAutoFit/>
+              </a:bodyPr>
+              <a:lstStyle/>
+              <a:p>
+                <a:pPr>
+                  <a:defRPr sz="1100" b="0" i="0" u="none" strike="noStrike" kern="1200" baseline="0">
+                    <a:solidFill>
+                      <a:schemeClr val="tx1">
+                        <a:lumMod val="75000"/>
+                        <a:lumOff val="25000"/>
+                      </a:schemeClr>
+                    </a:solidFill>
+                    <a:latin typeface="+mn-lt"/>
+                    <a:ea typeface="+mn-ea"/>
+                    <a:cs typeface="+mn-cs"/>
+                  </a:defRPr>
+                </a:pPr>
+                <a:endParaRPr lang="en-US"/>
+              </a:p>
+            </c:txPr>
+            <c:showLegendKey val="0"/>
+            <c:showVal val="1"/>
+            <c:showCatName val="0"/>
+            <c:showSerName val="0"/>
+            <c:showPercent val="0"/>
+            <c:showBubbleSize val="0"/>
+            <c:showLeaderLines val="0"/>
+            <c:extLst>
+              <c:ext xmlns:c15="http://schemas.microsoft.com/office/drawing/2012/chart" uri="{CE6537A1-D6FC-4f65-9D91-7224C49458BB}">
+                <c15:layout/>
+                <c15:showLeaderLines val="1"/>
+                <c15:leaderLines>
+                  <c:spPr>
+                    <a:ln w="9525" cap="flat" cmpd="sng" algn="ctr">
+                      <a:solidFill>
+                        <a:schemeClr val="tx1">
+                          <a:lumMod val="35000"/>
+                          <a:lumOff val="65000"/>
+                        </a:schemeClr>
+                      </a:solidFill>
+                      <a:round/>
+                    </a:ln>
+                    <a:effectLst/>
+                  </c:spPr>
+                </c15:leaderLines>
+              </c:ext>
+            </c:extLst>
+          </c:dLbls>
+          <c:cat>
+            <c:strRef>
+              <c:f>Sheet1!$A$2:$A$7</c:f>
+              <c:strCache>
+                <c:ptCount val="6"/>
+                <c:pt idx="0">
+                  <c:v>Embodied</c:v>
+                </c:pt>
+                <c:pt idx="1">
+                  <c:v>Heating, cooling and lighting offset</c:v>
+                </c:pt>
+                <c:pt idx="2">
+                  <c:v>Compressor</c:v>
+                </c:pt>
+                <c:pt idx="3">
+                  <c:v>Maintenance</c:v>
+                </c:pt>
+                <c:pt idx="4">
+                  <c:v>Disposal</c:v>
+                </c:pt>
+                <c:pt idx="5">
+                  <c:v>Total</c:v>
+                </c:pt>
+              </c:strCache>
+            </c:strRef>
+          </c:cat>
+          <c:val>
+            <c:numRef>
+              <c:f>Sheet1!$E$2:$E$7</c:f>
+              <c:numCache>
+                <c:formatCode>0.0</c:formatCode>
+                <c:ptCount val="6"/>
+                <c:pt idx="0">
+                  <c:v>0.0</c:v>
+                </c:pt>
+                <c:pt idx="1">
+                  <c:v>0.0</c:v>
+                </c:pt>
+                <c:pt idx="3">
+                  <c:v>0.0</c:v>
+                </c:pt>
+                <c:pt idx="4">
+                  <c:v>0.0</c:v>
+                </c:pt>
+                <c:pt idx="5">
+                  <c:v>-4090.02</c:v>
+                </c:pt>
+              </c:numCache>
+            </c:numRef>
+          </c:val>
+        </c:ser>
+        <c:dLbls>
+          <c:showLegendKey val="0"/>
+          <c:showVal val="0"/>
+          <c:showCatName val="0"/>
+          <c:showSerName val="0"/>
+          <c:showPercent val="0"/>
+          <c:showBubbleSize val="0"/>
+        </c:dLbls>
+        <c:gapWidth val="150"/>
+        <c:overlap val="100"/>
+        <c:axId val="-2130737224"/>
+        <c:axId val="-2130734040"/>
+      </c:barChart>
+      <c:catAx>
+        <c:axId val="-2130737224"/>
+        <c:scaling>
+          <c:orientation val="minMax"/>
+        </c:scaling>
+        <c:delete val="1"/>
+        <c:axPos val="b"/>
+        <c:numFmt formatCode="General" sourceLinked="1"/>
+        <c:majorTickMark val="none"/>
+        <c:minorTickMark val="none"/>
+        <c:tickLblPos val="nextTo"/>
+        <c:crossAx val="-2130734040"/>
+        <c:crosses val="autoZero"/>
+        <c:auto val="1"/>
+        <c:lblAlgn val="ctr"/>
+        <c:lblOffset val="100"/>
+        <c:noMultiLvlLbl val="0"/>
+      </c:catAx>
+      <c:valAx>
+        <c:axId val="-2130734040"/>
+        <c:scaling>
+          <c:orientation val="minMax"/>
+        </c:scaling>
+        <c:delete val="0"/>
+        <c:axPos val="l"/>
+        <c:majorGridlines>
+          <c:spPr>
+            <a:ln w="9525" cap="flat" cmpd="sng" algn="ctr">
+              <a:solidFill>
+                <a:schemeClr val="tx1">
+                  <a:lumMod val="15000"/>
+                  <a:lumOff val="85000"/>
+                </a:schemeClr>
+              </a:solidFill>
+              <a:round/>
+            </a:ln>
+            <a:effectLst/>
+          </c:spPr>
+        </c:majorGridlines>
+        <c:title>
+          <c:tx>
+            <c:rich>
+              <a:bodyPr rot="-5400000" spcFirstLastPara="1" vertOverflow="ellipsis" vert="horz" wrap="square" anchor="ctr" anchorCtr="1"/>
+              <a:lstStyle/>
+              <a:p>
+                <a:pPr>
+                  <a:defRPr sz="1330" b="0" i="0" u="none" strike="noStrike" kern="1200" baseline="0">
+                    <a:solidFill>
+                      <a:schemeClr val="tx1">
+                        <a:lumMod val="65000"/>
+                        <a:lumOff val="35000"/>
+                      </a:schemeClr>
+                    </a:solidFill>
+                    <a:latin typeface="+mn-lt"/>
+                    <a:ea typeface="+mn-ea"/>
+                    <a:cs typeface="+mn-cs"/>
+                  </a:defRPr>
+                </a:pPr>
+                <a:r>
+                  <a:rPr lang="en-US" sz="2000" dirty="0" smtClean="0"/>
+                  <a:t>GWP (kg CO</a:t>
+                </a:r>
+                <a:r>
+                  <a:rPr lang="en-US" sz="2000" baseline="-25000" dirty="0" smtClean="0"/>
+                  <a:t>2eq</a:t>
+                </a:r>
+                <a:r>
+                  <a:rPr lang="en-US" sz="2000" dirty="0" smtClean="0"/>
+                  <a:t>)</a:t>
+                </a:r>
+                <a:endParaRPr lang="en-US" sz="2000" dirty="0"/>
+              </a:p>
+            </c:rich>
+          </c:tx>
+          <c:layout/>
+          <c:overlay val="0"/>
+          <c:spPr>
+            <a:noFill/>
+            <a:ln>
+              <a:noFill/>
+            </a:ln>
+            <a:effectLst/>
+          </c:spPr>
+        </c:title>
+        <c:numFmt formatCode="0.0" sourceLinked="1"/>
+        <c:majorTickMark val="none"/>
+        <c:minorTickMark val="none"/>
+        <c:tickLblPos val="nextTo"/>
+        <c:spPr>
+          <a:noFill/>
+          <a:ln>
+            <a:noFill/>
+          </a:ln>
+          <a:effectLst/>
+        </c:spPr>
+        <c:txPr>
+          <a:bodyPr rot="-60000000" spcFirstLastPara="1" vertOverflow="ellipsis" vert="horz" wrap="square" anchor="ctr" anchorCtr="1"/>
+          <a:lstStyle/>
+          <a:p>
+            <a:pPr>
+              <a:defRPr sz="1400" b="0" i="0" u="none" strike="noStrike" kern="1200" baseline="0">
+                <a:solidFill>
+                  <a:schemeClr val="tx1">
+                    <a:lumMod val="65000"/>
+                    <a:lumOff val="35000"/>
+                  </a:schemeClr>
+                </a:solidFill>
+                <a:latin typeface="+mn-lt"/>
+                <a:ea typeface="+mn-ea"/>
+                <a:cs typeface="+mn-cs"/>
+              </a:defRPr>
+            </a:pPr>
+            <a:endParaRPr lang="en-US"/>
+          </a:p>
+        </c:txPr>
+        <c:crossAx val="-2130737224"/>
+        <c:crosses val="autoZero"/>
+        <c:crossBetween val="between"/>
+      </c:valAx>
+      <c:spPr>
+        <a:noFill/>
+        <a:ln>
+          <a:solidFill>
+            <a:schemeClr val="accent3"/>
+          </a:solidFill>
+        </a:ln>
+        <a:effectLst/>
+      </c:spPr>
+    </c:plotArea>
+    <c:plotVisOnly val="1"/>
+    <c:dispBlanksAs val="gap"/>
+    <c:showDLblsOverMax val="0"/>
+  </c:chart>
+  <c:spPr>
+    <a:noFill/>
+    <a:ln>
+      <a:noFill/>
+    </a:ln>
+    <a:effectLst/>
+  </c:spPr>
+  <c:txPr>
+    <a:bodyPr/>
+    <a:lstStyle/>
+    <a:p>
+      <a:pPr>
+        <a:defRPr/>
+      </a:pPr>
+      <a:endParaRPr lang="en-US"/>
+    </a:p>
+  </c:txPr>
+  <c:externalData r:id="rId1">
+    <c:autoUpdate val="0"/>
+  </c:externalData>
+</c:chartSpace>
+</file>
+
+<file path=ppt/charts/chart14.xml><?xml version="1.0" encoding="utf-8"?>
+<c:chartSpace xmlns:c="http://schemas.openxmlformats.org/drawingml/2006/chart" xmlns:a="http://schemas.openxmlformats.org/drawingml/2006/main" xmlns:r="http://schemas.openxmlformats.org/officeDocument/2006/relationships">
+  <c:date1904 val="0"/>
+  <c:lang val="en-US"/>
+  <c:roundedCorners val="0"/>
+  <mc:AlternateContent xmlns:mc="http://schemas.openxmlformats.org/markup-compatibility/2006">
+    <mc:Choice xmlns:c14="http://schemas.microsoft.com/office/drawing/2007/8/2/chart" Requires="c14">
+      <c14:style val="102"/>
+    </mc:Choice>
+    <mc:Fallback>
+      <c:style val="2"/>
+    </mc:Fallback>
+  </mc:AlternateContent>
+  <c:chart>
+    <c:autoTitleDeleted val="1"/>
+    <c:plotArea>
+      <c:layout/>
+      <c:barChart>
+        <c:barDir val="col"/>
+        <c:grouping val="clustered"/>
+        <c:varyColors val="0"/>
+        <c:ser>
+          <c:idx val="0"/>
+          <c:order val="0"/>
+          <c:tx>
+            <c:strRef>
+              <c:f>Sheet1!$B$1</c:f>
+              <c:strCache>
+                <c:ptCount val="1"/>
+                <c:pt idx="0">
+                  <c:v>High voltage at grid</c:v>
+                </c:pt>
+              </c:strCache>
+            </c:strRef>
+          </c:tx>
+          <c:spPr>
+            <a:solidFill>
+              <a:schemeClr val="accent1"/>
+            </a:solidFill>
+            <a:ln>
+              <a:noFill/>
+            </a:ln>
+            <a:effectLst/>
+          </c:spPr>
+          <c:invertIfNegative val="0"/>
+          <c:cat>
+            <c:strRef>
+              <c:f>Sheet1!$A$2:$A$19</c:f>
+              <c:strCache>
+                <c:ptCount val="18"/>
+                <c:pt idx="0">
+                  <c:v>China</c:v>
+                </c:pt>
+                <c:pt idx="1">
+                  <c:v>India</c:v>
+                </c:pt>
+                <c:pt idx="2">
+                  <c:v>Australia</c:v>
+                </c:pt>
+                <c:pt idx="3">
+                  <c:v>United States of America</c:v>
+                </c:pt>
+                <c:pt idx="4">
+                  <c:v>Netherlands</c:v>
+                </c:pt>
+                <c:pt idx="5">
+                  <c:v>Russia</c:v>
+                </c:pt>
+                <c:pt idx="6">
+                  <c:v>Japan</c:v>
+                </c:pt>
+                <c:pt idx="7">
+                  <c:v>Germany</c:v>
+                </c:pt>
+                <c:pt idx="8">
+                  <c:v>United Kingdom</c:v>
+                </c:pt>
+                <c:pt idx="9">
+                  <c:v>UCTE region</c:v>
+                </c:pt>
+                <c:pt idx="10">
+                  <c:v>Spain</c:v>
+                </c:pt>
+                <c:pt idx="11">
+                  <c:v>Belgium</c:v>
+                </c:pt>
+                <c:pt idx="12">
+                  <c:v>Brazil</c:v>
+                </c:pt>
+                <c:pt idx="13">
+                  <c:v>Switzerland</c:v>
+                </c:pt>
+                <c:pt idx="14">
+                  <c:v>ASF</c:v>
+                </c:pt>
+                <c:pt idx="15">
+                  <c:v>France</c:v>
+                </c:pt>
+                <c:pt idx="16">
+                  <c:v>Norway</c:v>
+                </c:pt>
+                <c:pt idx="17">
+                  <c:v>Iceland</c:v>
+                </c:pt>
+              </c:strCache>
+            </c:strRef>
+          </c:cat>
+          <c:val>
+            <c:numRef>
+              <c:f>Sheet1!$B$2:$B$19</c:f>
+              <c:numCache>
+                <c:formatCode>General</c:formatCode>
+                <c:ptCount val="18"/>
+                <c:pt idx="0">
+                  <c:v>1145.8</c:v>
+                </c:pt>
+                <c:pt idx="1">
+                  <c:v>1090.5</c:v>
+                </c:pt>
+                <c:pt idx="2">
+                  <c:v>1068.7</c:v>
+                </c:pt>
+                <c:pt idx="3">
+                  <c:v>754.8</c:v>
+                </c:pt>
+                <c:pt idx="4">
+                  <c:v>649.5</c:v>
+                </c:pt>
+                <c:pt idx="5">
+                  <c:v>640.1</c:v>
+                </c:pt>
+                <c:pt idx="6">
+                  <c:v>637.7</c:v>
+                </c:pt>
+                <c:pt idx="7">
+                  <c:v>629.5</c:v>
+                </c:pt>
+                <c:pt idx="8">
+                  <c:v>628.7</c:v>
+                </c:pt>
+                <c:pt idx="9">
+                  <c:v>509.3</c:v>
+                </c:pt>
+                <c:pt idx="10">
+                  <c:v>463.2</c:v>
+                </c:pt>
+                <c:pt idx="11">
+                  <c:v>321.1</c:v>
+                </c:pt>
+                <c:pt idx="12">
+                  <c:v>165.3</c:v>
+                </c:pt>
+                <c:pt idx="13">
+                  <c:v>119.6</c:v>
+                </c:pt>
+                <c:pt idx="15">
+                  <c:v>95.7</c:v>
+                </c:pt>
+                <c:pt idx="16">
+                  <c:v>27.6</c:v>
+                </c:pt>
+                <c:pt idx="17">
+                  <c:v>18.4</c:v>
+                </c:pt>
+              </c:numCache>
+            </c:numRef>
+          </c:val>
+        </c:ser>
+        <c:ser>
+          <c:idx val="1"/>
+          <c:order val="1"/>
+          <c:tx>
+            <c:strRef>
+              <c:f>Sheet1!$C$1</c:f>
+              <c:strCache>
+                <c:ptCount val="1"/>
+                <c:pt idx="0">
+                  <c:v>Low voltage at grid</c:v>
+                </c:pt>
+              </c:strCache>
+            </c:strRef>
+          </c:tx>
+          <c:spPr>
+            <a:solidFill>
+              <a:schemeClr val="accent2"/>
+            </a:solidFill>
+            <a:ln>
+              <a:noFill/>
+            </a:ln>
+            <a:effectLst/>
+          </c:spPr>
+          <c:invertIfNegative val="0"/>
+          <c:dPt>
+            <c:idx val="14"/>
+            <c:invertIfNegative val="0"/>
+            <c:bubble3D val="0"/>
+            <c:spPr>
+              <a:solidFill>
+                <a:srgbClr val="C00000"/>
+              </a:solidFill>
+              <a:ln>
+                <a:noFill/>
+              </a:ln>
+              <a:effectLst/>
+            </c:spPr>
+          </c:dPt>
+          <c:cat>
+            <c:strRef>
+              <c:f>Sheet1!$A$2:$A$19</c:f>
+              <c:strCache>
+                <c:ptCount val="18"/>
+                <c:pt idx="0">
+                  <c:v>China</c:v>
+                </c:pt>
+                <c:pt idx="1">
+                  <c:v>India</c:v>
+                </c:pt>
+                <c:pt idx="2">
+                  <c:v>Australia</c:v>
+                </c:pt>
+                <c:pt idx="3">
+                  <c:v>United States of America</c:v>
+                </c:pt>
+                <c:pt idx="4">
+                  <c:v>Netherlands</c:v>
+                </c:pt>
+                <c:pt idx="5">
+                  <c:v>Russia</c:v>
+                </c:pt>
+                <c:pt idx="6">
+                  <c:v>Japan</c:v>
+                </c:pt>
+                <c:pt idx="7">
+                  <c:v>Germany</c:v>
+                </c:pt>
+                <c:pt idx="8">
+                  <c:v>United Kingdom</c:v>
+                </c:pt>
+                <c:pt idx="9">
+                  <c:v>UCTE region</c:v>
+                </c:pt>
+                <c:pt idx="10">
+                  <c:v>Spain</c:v>
+                </c:pt>
+                <c:pt idx="11">
+                  <c:v>Belgium</c:v>
+                </c:pt>
+                <c:pt idx="12">
+                  <c:v>Brazil</c:v>
+                </c:pt>
+                <c:pt idx="13">
+                  <c:v>Switzerland</c:v>
+                </c:pt>
+                <c:pt idx="14">
+                  <c:v>ASF</c:v>
+                </c:pt>
+                <c:pt idx="15">
+                  <c:v>France</c:v>
+                </c:pt>
+                <c:pt idx="16">
+                  <c:v>Norway</c:v>
+                </c:pt>
+                <c:pt idx="17">
+                  <c:v>Iceland</c:v>
+                </c:pt>
+              </c:strCache>
+            </c:strRef>
+          </c:cat>
+          <c:val>
+            <c:numRef>
+              <c:f>Sheet1!$C$2:$C$19</c:f>
+              <c:numCache>
+                <c:formatCode>General</c:formatCode>
+                <c:ptCount val="18"/>
+                <c:pt idx="0">
+                  <c:v>1229.6</c:v>
+                </c:pt>
+                <c:pt idx="1">
+                  <c:v>1272.2</c:v>
+                </c:pt>
+                <c:pt idx="2">
+                  <c:v>1153.6</c:v>
+                </c:pt>
+                <c:pt idx="3">
+                  <c:v>808.4</c:v>
+                </c:pt>
+                <c:pt idx="4">
+                  <c:v>684.2</c:v>
+                </c:pt>
+                <c:pt idx="5">
+                  <c:v>725.2</c:v>
+                </c:pt>
+                <c:pt idx="6">
+                  <c:v>675.9</c:v>
+                </c:pt>
+                <c:pt idx="7">
+                  <c:v>671.5</c:v>
+                </c:pt>
+                <c:pt idx="8">
+                  <c:v>684.7</c:v>
+                </c:pt>
+                <c:pt idx="9">
+                  <c:v>551.7</c:v>
+                </c:pt>
+                <c:pt idx="10">
+                  <c:v>496.3</c:v>
+                </c:pt>
+                <c:pt idx="11">
+                  <c:v>345.0</c:v>
+                </c:pt>
+                <c:pt idx="12">
+                  <c:v>199.7</c:v>
+                </c:pt>
+                <c:pt idx="13">
+                  <c:v>135.0</c:v>
+                </c:pt>
+                <c:pt idx="14">
+                  <c:v>126.8</c:v>
+                </c:pt>
+                <c:pt idx="15">
+                  <c:v>109.0</c:v>
+                </c:pt>
+                <c:pt idx="16">
+                  <c:v>38.5</c:v>
+                </c:pt>
+                <c:pt idx="17">
+                  <c:v>27.5</c:v>
+                </c:pt>
+              </c:numCache>
+            </c:numRef>
+          </c:val>
+        </c:ser>
+        <c:dLbls>
+          <c:showLegendKey val="0"/>
+          <c:showVal val="0"/>
+          <c:showCatName val="0"/>
+          <c:showSerName val="0"/>
+          <c:showPercent val="0"/>
+          <c:showBubbleSize val="0"/>
+        </c:dLbls>
+        <c:gapWidth val="219"/>
+        <c:overlap val="-27"/>
+        <c:axId val="-2131406232"/>
+        <c:axId val="-2131409976"/>
+      </c:barChart>
+      <c:catAx>
+        <c:axId val="-2131406232"/>
+        <c:scaling>
+          <c:orientation val="minMax"/>
+        </c:scaling>
+        <c:delete val="0"/>
+        <c:axPos val="b"/>
+        <c:numFmt formatCode="General" sourceLinked="1"/>
+        <c:majorTickMark val="none"/>
+        <c:minorTickMark val="none"/>
+        <c:tickLblPos val="nextTo"/>
+        <c:spPr>
+          <a:noFill/>
+          <a:ln w="9525" cap="flat" cmpd="sng" algn="ctr">
+            <a:solidFill>
+              <a:schemeClr val="accent3"/>
+            </a:solidFill>
+            <a:round/>
+          </a:ln>
+          <a:effectLst/>
+        </c:spPr>
+        <c:txPr>
+          <a:bodyPr rot="-60000000" spcFirstLastPara="1" vertOverflow="ellipsis" vert="horz" wrap="square" anchor="ctr" anchorCtr="1"/>
+          <a:lstStyle/>
+          <a:p>
+            <a:pPr>
+              <a:defRPr sz="1400" b="0" i="0" u="none" strike="noStrike" kern="1200" baseline="0">
+                <a:solidFill>
+                  <a:schemeClr val="tx1">
+                    <a:lumMod val="65000"/>
+                    <a:lumOff val="35000"/>
+                  </a:schemeClr>
+                </a:solidFill>
+                <a:latin typeface="+mn-lt"/>
+                <a:ea typeface="+mn-ea"/>
+                <a:cs typeface="+mn-cs"/>
+              </a:defRPr>
+            </a:pPr>
+            <a:endParaRPr lang="en-US"/>
+          </a:p>
+        </c:txPr>
+        <c:crossAx val="-2131409976"/>
+        <c:crosses val="autoZero"/>
+        <c:auto val="1"/>
+        <c:lblAlgn val="ctr"/>
+        <c:lblOffset val="100"/>
+        <c:noMultiLvlLbl val="0"/>
+      </c:catAx>
+      <c:valAx>
+        <c:axId val="-2131409976"/>
+        <c:scaling>
+          <c:orientation val="minMax"/>
+        </c:scaling>
+        <c:delete val="0"/>
+        <c:axPos val="l"/>
+        <c:majorGridlines>
+          <c:spPr>
+            <a:ln w="9525" cap="flat" cmpd="sng" algn="ctr">
+              <a:solidFill>
+                <a:schemeClr val="tx1">
+                  <a:lumMod val="15000"/>
+                  <a:lumOff val="85000"/>
+                </a:schemeClr>
+              </a:solidFill>
+              <a:round/>
+            </a:ln>
+            <a:effectLst/>
+          </c:spPr>
+        </c:majorGridlines>
+        <c:title>
+          <c:tx>
+            <c:rich>
+              <a:bodyPr rot="-5400000" spcFirstLastPara="1" vertOverflow="ellipsis" vert="horz" wrap="square" anchor="ctr" anchorCtr="1"/>
+              <a:lstStyle/>
+              <a:p>
+                <a:pPr>
+                  <a:defRPr sz="1400" b="0" i="0" u="none" strike="noStrike" kern="1200" baseline="0">
+                    <a:solidFill>
+                      <a:schemeClr val="tx1">
+                        <a:lumMod val="65000"/>
+                        <a:lumOff val="35000"/>
+                      </a:schemeClr>
+                    </a:solidFill>
+                    <a:latin typeface="+mn-lt"/>
+                    <a:ea typeface="+mn-ea"/>
+                    <a:cs typeface="+mn-cs"/>
+                  </a:defRPr>
+                </a:pPr>
+                <a:r>
+                  <a:rPr lang="en-US" sz="1600" dirty="0" smtClean="0"/>
+                  <a:t>Electricity production at grid</a:t>
+                </a:r>
+              </a:p>
+              <a:p>
+                <a:pPr>
+                  <a:defRPr sz="1400" b="0" i="0" u="none" strike="noStrike" kern="1200" baseline="0">
+                    <a:solidFill>
+                      <a:schemeClr val="tx1">
+                        <a:lumMod val="65000"/>
+                        <a:lumOff val="35000"/>
+                      </a:schemeClr>
+                    </a:solidFill>
+                    <a:latin typeface="+mn-lt"/>
+                    <a:ea typeface="+mn-ea"/>
+                    <a:cs typeface="+mn-cs"/>
+                  </a:defRPr>
+                </a:pPr>
+                <a:r>
+                  <a:rPr lang="en-US" sz="1600" noProof="1" smtClean="0"/>
+                  <a:t>(g</a:t>
+                </a:r>
+                <a:r>
+                  <a:rPr lang="en-US" sz="1600" baseline="-25000" noProof="1" smtClean="0"/>
+                  <a:t>CO2eq</a:t>
+                </a:r>
+                <a:r>
+                  <a:rPr lang="en-US" sz="1600" noProof="1" smtClean="0"/>
+                  <a:t>/kWh</a:t>
+                </a:r>
+                <a:r>
+                  <a:rPr lang="de-DE" sz="1600" dirty="0" smtClean="0"/>
+                  <a:t>)</a:t>
+                </a:r>
+                <a:endParaRPr lang="en-US" sz="1600" dirty="0"/>
+              </a:p>
+            </c:rich>
+          </c:tx>
+          <c:layout/>
+          <c:overlay val="0"/>
+          <c:spPr>
+            <a:noFill/>
+            <a:ln>
+              <a:noFill/>
+            </a:ln>
+            <a:effectLst/>
+          </c:spPr>
+        </c:title>
+        <c:numFmt formatCode="General" sourceLinked="1"/>
+        <c:majorTickMark val="none"/>
+        <c:minorTickMark val="none"/>
+        <c:tickLblPos val="nextTo"/>
+        <c:spPr>
+          <a:noFill/>
+          <a:ln>
+            <a:solidFill>
+              <a:schemeClr val="accent3"/>
+            </a:solidFill>
+          </a:ln>
+          <a:effectLst/>
+        </c:spPr>
+        <c:txPr>
+          <a:bodyPr rot="-60000000" spcFirstLastPara="1" vertOverflow="ellipsis" vert="horz" wrap="square" anchor="ctr" anchorCtr="1"/>
+          <a:lstStyle/>
+          <a:p>
+            <a:pPr>
+              <a:defRPr sz="1400" b="0" i="0" u="none" strike="noStrike" kern="1200" baseline="0">
+                <a:solidFill>
+                  <a:schemeClr val="tx1">
+                    <a:lumMod val="65000"/>
+                    <a:lumOff val="35000"/>
+                  </a:schemeClr>
+                </a:solidFill>
+                <a:latin typeface="+mn-lt"/>
+                <a:ea typeface="+mn-ea"/>
+                <a:cs typeface="+mn-cs"/>
+              </a:defRPr>
+            </a:pPr>
+            <a:endParaRPr lang="en-US"/>
+          </a:p>
+        </c:txPr>
+        <c:crossAx val="-2131406232"/>
+        <c:crosses val="autoZero"/>
+        <c:crossBetween val="between"/>
+      </c:valAx>
+      <c:spPr>
+        <a:noFill/>
+        <a:ln>
+          <a:solidFill>
+            <a:schemeClr val="accent3"/>
+          </a:solidFill>
+        </a:ln>
+        <a:effectLst/>
+      </c:spPr>
+    </c:plotArea>
+    <c:legend>
+      <c:legendPos val="b"/>
+      <c:layout/>
+      <c:overlay val="0"/>
+      <c:spPr>
+        <a:noFill/>
+        <a:ln>
+          <a:noFill/>
+        </a:ln>
+        <a:effectLst/>
+      </c:spPr>
+      <c:txPr>
+        <a:bodyPr rot="0" spcFirstLastPara="1" vertOverflow="ellipsis" vert="horz" wrap="square" anchor="ctr" anchorCtr="1"/>
+        <a:lstStyle/>
+        <a:p>
+          <a:pPr>
+            <a:defRPr sz="1197" b="0" i="0" u="none" strike="noStrike" kern="1200" baseline="0">
+              <a:solidFill>
+                <a:schemeClr val="tx1">
+                  <a:lumMod val="65000"/>
+                  <a:lumOff val="35000"/>
+                </a:schemeClr>
+              </a:solidFill>
+              <a:latin typeface="+mn-lt"/>
+              <a:ea typeface="+mn-ea"/>
+              <a:cs typeface="+mn-cs"/>
+            </a:defRPr>
+          </a:pPr>
+          <a:endParaRPr lang="en-US"/>
+        </a:p>
+      </c:txPr>
+    </c:legend>
+    <c:plotVisOnly val="1"/>
+    <c:dispBlanksAs val="gap"/>
+    <c:showDLblsOverMax val="0"/>
+  </c:chart>
+  <c:spPr>
+    <a:noFill/>
+    <a:ln>
+      <a:noFill/>
+    </a:ln>
+    <a:effectLst/>
+  </c:spPr>
+  <c:txPr>
+    <a:bodyPr/>
+    <a:lstStyle/>
+    <a:p>
+      <a:pPr>
+        <a:defRPr/>
+      </a:pPr>
+      <a:endParaRPr lang="en-US"/>
+    </a:p>
+  </c:txPr>
+  <c:externalData r:id="rId1">
+    <c:autoUpdate val="0"/>
+  </c:externalData>
+</c:chartSpace>
+</file>
+
+<file path=ppt/charts/chart15.xml><?xml version="1.0" encoding="utf-8"?>
+<c:chartSpace xmlns:c="http://schemas.openxmlformats.org/drawingml/2006/chart" xmlns:a="http://schemas.openxmlformats.org/drawingml/2006/main" xmlns:r="http://schemas.openxmlformats.org/officeDocument/2006/relationships">
+  <c:date1904 val="0"/>
+  <c:lang val="en-US"/>
+  <c:roundedCorners val="0"/>
+  <mc:AlternateContent xmlns:mc="http://schemas.openxmlformats.org/markup-compatibility/2006">
+    <mc:Choice xmlns:c14="http://schemas.microsoft.com/office/drawing/2007/8/2/chart" Requires="c14">
+      <c14:style val="102"/>
+    </mc:Choice>
+    <mc:Fallback>
+      <c:style val="2"/>
+    </mc:Fallback>
+  </mc:AlternateContent>
+  <c:chart>
+    <c:autoTitleDeleted val="1"/>
+    <c:plotArea>
+      <c:layout/>
+      <c:barChart>
+        <c:barDir val="col"/>
+        <c:grouping val="clustered"/>
+        <c:varyColors val="0"/>
+        <c:ser>
+          <c:idx val="0"/>
+          <c:order val="0"/>
+          <c:tx>
+            <c:strRef>
+              <c:f>Sheet1!$B$1</c:f>
+              <c:strCache>
+                <c:ptCount val="1"/>
+                <c:pt idx="0">
+                  <c:v>High voltage at grid</c:v>
+                </c:pt>
+              </c:strCache>
+            </c:strRef>
+          </c:tx>
+          <c:spPr>
+            <a:solidFill>
+              <a:schemeClr val="accent1"/>
+            </a:solidFill>
+            <a:ln>
+              <a:noFill/>
+            </a:ln>
+            <a:effectLst/>
+          </c:spPr>
+          <c:invertIfNegative val="0"/>
+          <c:cat>
+            <c:strRef>
+              <c:f>Sheet1!$A$2:$A$8</c:f>
+              <c:strCache>
+                <c:ptCount val="7"/>
+                <c:pt idx="0">
+                  <c:v>China</c:v>
+                </c:pt>
+                <c:pt idx="1">
+                  <c:v>United States of America</c:v>
+                </c:pt>
+                <c:pt idx="2">
+                  <c:v>Germany</c:v>
+                </c:pt>
+                <c:pt idx="3">
+                  <c:v>UCTE region</c:v>
+                </c:pt>
+                <c:pt idx="4">
+                  <c:v>Switzerland</c:v>
+                </c:pt>
+                <c:pt idx="5">
+                  <c:v>ASF</c:v>
+                </c:pt>
+                <c:pt idx="6">
+                  <c:v>France</c:v>
+                </c:pt>
+              </c:strCache>
+            </c:strRef>
+          </c:cat>
+          <c:val>
+            <c:numRef>
+              <c:f>Sheet1!$B$2:$B$8</c:f>
+              <c:numCache>
+                <c:formatCode>General</c:formatCode>
+                <c:ptCount val="7"/>
+                <c:pt idx="0">
+                  <c:v>1145.8</c:v>
+                </c:pt>
+                <c:pt idx="1">
+                  <c:v>754.8</c:v>
+                </c:pt>
+                <c:pt idx="2">
+                  <c:v>629.5</c:v>
+                </c:pt>
+                <c:pt idx="3">
+                  <c:v>509.3</c:v>
+                </c:pt>
+                <c:pt idx="4">
+                  <c:v>119.6</c:v>
+                </c:pt>
+                <c:pt idx="6">
+                  <c:v>95.7</c:v>
+                </c:pt>
+              </c:numCache>
+            </c:numRef>
+          </c:val>
+        </c:ser>
+        <c:ser>
+          <c:idx val="1"/>
+          <c:order val="1"/>
+          <c:tx>
+            <c:strRef>
+              <c:f>Sheet1!$C$1</c:f>
+              <c:strCache>
+                <c:ptCount val="1"/>
+                <c:pt idx="0">
+                  <c:v>Low voltage at grid</c:v>
+                </c:pt>
+              </c:strCache>
+            </c:strRef>
+          </c:tx>
+          <c:spPr>
+            <a:solidFill>
+              <a:schemeClr val="accent2"/>
+            </a:solidFill>
+            <a:ln>
+              <a:noFill/>
+            </a:ln>
+            <a:effectLst/>
+          </c:spPr>
+          <c:invertIfNegative val="0"/>
+          <c:dPt>
+            <c:idx val="5"/>
+            <c:invertIfNegative val="0"/>
+            <c:bubble3D val="0"/>
+            <c:spPr>
+              <a:solidFill>
+                <a:srgbClr val="C52A15"/>
+              </a:solidFill>
+              <a:ln>
+                <a:noFill/>
+              </a:ln>
+              <a:effectLst/>
+            </c:spPr>
+          </c:dPt>
+          <c:dPt>
+            <c:idx val="14"/>
+            <c:invertIfNegative val="0"/>
+            <c:bubble3D val="0"/>
+            <c:spPr>
+              <a:solidFill>
+                <a:srgbClr val="C00000"/>
+              </a:solidFill>
+              <a:ln>
+                <a:noFill/>
+              </a:ln>
+              <a:effectLst/>
+            </c:spPr>
+          </c:dPt>
+          <c:cat>
+            <c:strRef>
+              <c:f>Sheet1!$A$2:$A$8</c:f>
+              <c:strCache>
+                <c:ptCount val="7"/>
+                <c:pt idx="0">
+                  <c:v>China</c:v>
+                </c:pt>
+                <c:pt idx="1">
+                  <c:v>United States of America</c:v>
+                </c:pt>
+                <c:pt idx="2">
+                  <c:v>Germany</c:v>
+                </c:pt>
+                <c:pt idx="3">
+                  <c:v>UCTE region</c:v>
+                </c:pt>
+                <c:pt idx="4">
+                  <c:v>Switzerland</c:v>
+                </c:pt>
+                <c:pt idx="5">
+                  <c:v>ASF</c:v>
+                </c:pt>
+                <c:pt idx="6">
+                  <c:v>France</c:v>
+                </c:pt>
+              </c:strCache>
+            </c:strRef>
+          </c:cat>
+          <c:val>
+            <c:numRef>
+              <c:f>Sheet1!$C$2:$C$8</c:f>
+              <c:numCache>
+                <c:formatCode>General</c:formatCode>
+                <c:ptCount val="7"/>
+                <c:pt idx="0">
+                  <c:v>1229.6</c:v>
+                </c:pt>
+                <c:pt idx="1">
+                  <c:v>808.4</c:v>
+                </c:pt>
+                <c:pt idx="2">
+                  <c:v>671.5</c:v>
+                </c:pt>
+                <c:pt idx="3">
+                  <c:v>551.7</c:v>
+                </c:pt>
+                <c:pt idx="4">
+                  <c:v>135.0</c:v>
+                </c:pt>
+                <c:pt idx="5">
+                  <c:v>126.8</c:v>
+                </c:pt>
+                <c:pt idx="6">
+                  <c:v>109.0</c:v>
+                </c:pt>
+              </c:numCache>
+            </c:numRef>
+          </c:val>
+        </c:ser>
+        <c:dLbls>
+          <c:showLegendKey val="0"/>
+          <c:showVal val="0"/>
+          <c:showCatName val="0"/>
+          <c:showSerName val="0"/>
+          <c:showPercent val="0"/>
+          <c:showBubbleSize val="0"/>
+        </c:dLbls>
+        <c:gapWidth val="219"/>
+        <c:overlap val="-27"/>
+        <c:axId val="2145959400"/>
+        <c:axId val="2145962952"/>
+      </c:barChart>
+      <c:catAx>
+        <c:axId val="2145959400"/>
+        <c:scaling>
+          <c:orientation val="minMax"/>
+        </c:scaling>
+        <c:delete val="0"/>
+        <c:axPos val="b"/>
+        <c:numFmt formatCode="General" sourceLinked="1"/>
+        <c:majorTickMark val="none"/>
+        <c:minorTickMark val="none"/>
+        <c:tickLblPos val="nextTo"/>
+        <c:spPr>
+          <a:noFill/>
+          <a:ln w="9525" cap="flat" cmpd="sng" algn="ctr">
+            <a:solidFill>
+              <a:schemeClr val="accent3"/>
+            </a:solidFill>
+            <a:round/>
+          </a:ln>
+          <a:effectLst/>
+        </c:spPr>
+        <c:txPr>
+          <a:bodyPr rot="-60000000" spcFirstLastPara="1" vertOverflow="ellipsis" vert="horz" wrap="square" anchor="ctr" anchorCtr="1"/>
+          <a:lstStyle/>
+          <a:p>
+            <a:pPr>
+              <a:defRPr sz="1400" b="0" i="0" u="none" strike="noStrike" kern="1200" baseline="0">
+                <a:solidFill>
+                  <a:schemeClr val="tx1">
+                    <a:lumMod val="65000"/>
+                    <a:lumOff val="35000"/>
+                  </a:schemeClr>
+                </a:solidFill>
+                <a:latin typeface="+mn-lt"/>
+                <a:ea typeface="+mn-ea"/>
+                <a:cs typeface="+mn-cs"/>
+              </a:defRPr>
+            </a:pPr>
+            <a:endParaRPr lang="en-US"/>
+          </a:p>
+        </c:txPr>
+        <c:crossAx val="2145962952"/>
+        <c:crosses val="autoZero"/>
+        <c:auto val="1"/>
+        <c:lblAlgn val="ctr"/>
+        <c:lblOffset val="100"/>
+        <c:noMultiLvlLbl val="0"/>
+      </c:catAx>
+      <c:valAx>
+        <c:axId val="2145962952"/>
+        <c:scaling>
+          <c:orientation val="minMax"/>
+        </c:scaling>
+        <c:delete val="0"/>
+        <c:axPos val="l"/>
+        <c:majorGridlines>
+          <c:spPr>
+            <a:ln w="9525" cap="flat" cmpd="sng" algn="ctr">
+              <a:solidFill>
+                <a:schemeClr val="tx1">
+                  <a:lumMod val="15000"/>
+                  <a:lumOff val="85000"/>
+                </a:schemeClr>
+              </a:solidFill>
+              <a:round/>
+            </a:ln>
+            <a:effectLst/>
+          </c:spPr>
+        </c:majorGridlines>
+        <c:title>
+          <c:tx>
+            <c:rich>
+              <a:bodyPr rot="-5400000" spcFirstLastPara="1" vertOverflow="ellipsis" vert="horz" wrap="square" anchor="ctr" anchorCtr="1"/>
+              <a:lstStyle/>
+              <a:p>
+                <a:pPr>
+                  <a:defRPr sz="1400" b="0" i="0" u="none" strike="noStrike" kern="1200" baseline="0">
+                    <a:solidFill>
+                      <a:schemeClr val="tx1">
+                        <a:lumMod val="65000"/>
+                        <a:lumOff val="35000"/>
+                      </a:schemeClr>
+                    </a:solidFill>
+                    <a:latin typeface="+mn-lt"/>
+                    <a:ea typeface="+mn-ea"/>
+                    <a:cs typeface="+mn-cs"/>
+                  </a:defRPr>
+                </a:pPr>
+                <a:r>
+                  <a:rPr lang="en-US" sz="1600" dirty="0" smtClean="0"/>
+                  <a:t>Electricity production at grid</a:t>
+                </a:r>
+              </a:p>
+              <a:p>
+                <a:pPr>
+                  <a:defRPr sz="1400" b="0" i="0" u="none" strike="noStrike" kern="1200" baseline="0">
+                    <a:solidFill>
+                      <a:schemeClr val="tx1">
+                        <a:lumMod val="65000"/>
+                        <a:lumOff val="35000"/>
+                      </a:schemeClr>
+                    </a:solidFill>
+                    <a:latin typeface="+mn-lt"/>
+                    <a:ea typeface="+mn-ea"/>
+                    <a:cs typeface="+mn-cs"/>
+                  </a:defRPr>
+                </a:pPr>
+                <a:r>
+                  <a:rPr lang="en-US" sz="1600" noProof="1" smtClean="0"/>
+                  <a:t>(g</a:t>
+                </a:r>
+                <a:r>
+                  <a:rPr lang="en-US" sz="1600" baseline="-25000" noProof="1" smtClean="0"/>
+                  <a:t>CO2eq</a:t>
+                </a:r>
+                <a:r>
+                  <a:rPr lang="en-US" sz="1600" noProof="1" smtClean="0"/>
+                  <a:t>/kWh</a:t>
+                </a:r>
+                <a:r>
+                  <a:rPr lang="de-DE" sz="1600" dirty="0" smtClean="0"/>
+                  <a:t>)</a:t>
+                </a:r>
+                <a:endParaRPr lang="en-US" sz="1600" dirty="0"/>
+              </a:p>
+            </c:rich>
+          </c:tx>
+          <c:layout/>
+          <c:overlay val="0"/>
+          <c:spPr>
+            <a:noFill/>
+            <a:ln>
+              <a:noFill/>
+            </a:ln>
+            <a:effectLst/>
+          </c:spPr>
+        </c:title>
+        <c:numFmt formatCode="General" sourceLinked="1"/>
+        <c:majorTickMark val="none"/>
+        <c:minorTickMark val="none"/>
+        <c:tickLblPos val="nextTo"/>
+        <c:spPr>
+          <a:noFill/>
+          <a:ln>
+            <a:solidFill>
+              <a:schemeClr val="accent3"/>
+            </a:solidFill>
+          </a:ln>
+          <a:effectLst/>
+        </c:spPr>
+        <c:txPr>
+          <a:bodyPr rot="-60000000" spcFirstLastPara="1" vertOverflow="ellipsis" vert="horz" wrap="square" anchor="ctr" anchorCtr="1"/>
+          <a:lstStyle/>
+          <a:p>
+            <a:pPr>
+              <a:defRPr sz="1400" b="0" i="0" u="none" strike="noStrike" kern="1200" baseline="0">
+                <a:solidFill>
+                  <a:schemeClr val="tx1">
+                    <a:lumMod val="65000"/>
+                    <a:lumOff val="35000"/>
+                  </a:schemeClr>
+                </a:solidFill>
+                <a:latin typeface="+mn-lt"/>
+                <a:ea typeface="+mn-ea"/>
+                <a:cs typeface="+mn-cs"/>
+              </a:defRPr>
+            </a:pPr>
+            <a:endParaRPr lang="en-US"/>
+          </a:p>
+        </c:txPr>
+        <c:crossAx val="2145959400"/>
+        <c:crosses val="autoZero"/>
+        <c:crossBetween val="between"/>
+      </c:valAx>
+      <c:spPr>
+        <a:noFill/>
+        <a:ln>
+          <a:solidFill>
+            <a:schemeClr val="accent3"/>
+          </a:solidFill>
+        </a:ln>
+        <a:effectLst/>
+      </c:spPr>
+    </c:plotArea>
+    <c:legend>
+      <c:legendPos val="b"/>
+      <c:layout/>
+      <c:overlay val="0"/>
+      <c:spPr>
+        <a:noFill/>
+        <a:ln>
+          <a:noFill/>
+        </a:ln>
+        <a:effectLst/>
+      </c:spPr>
+      <c:txPr>
+        <a:bodyPr rot="0" spcFirstLastPara="1" vertOverflow="ellipsis" vert="horz" wrap="square" anchor="ctr" anchorCtr="1"/>
+        <a:lstStyle/>
+        <a:p>
+          <a:pPr>
+            <a:defRPr sz="1197" b="0" i="0" u="none" strike="noStrike" kern="1200" baseline="0">
+              <a:solidFill>
+                <a:schemeClr val="tx1">
+                  <a:lumMod val="65000"/>
+                  <a:lumOff val="35000"/>
+                </a:schemeClr>
+              </a:solidFill>
+              <a:latin typeface="+mn-lt"/>
+              <a:ea typeface="+mn-ea"/>
+              <a:cs typeface="+mn-cs"/>
+            </a:defRPr>
+          </a:pPr>
+          <a:endParaRPr lang="en-US"/>
+        </a:p>
+      </c:txPr>
+    </c:legend>
+    <c:plotVisOnly val="1"/>
+    <c:dispBlanksAs val="gap"/>
+    <c:showDLblsOverMax val="0"/>
+  </c:chart>
+  <c:spPr>
+    <a:noFill/>
+    <a:ln>
+      <a:noFill/>
+    </a:ln>
+    <a:effectLst/>
+  </c:spPr>
+  <c:txPr>
+    <a:bodyPr/>
+    <a:lstStyle/>
+    <a:p>
+      <a:pPr>
+        <a:defRPr/>
+      </a:pPr>
+      <a:endParaRPr lang="en-US"/>
+    </a:p>
+  </c:txPr>
+  <c:externalData r:id="rId1">
+    <c:autoUpdate val="0"/>
+  </c:externalData>
+</c:chartSpace>
+</file>
+
+<file path=ppt/charts/chart16.xml><?xml version="1.0" encoding="utf-8"?>
 <c:chartSpace xmlns:c="http://schemas.openxmlformats.org/drawingml/2006/chart" xmlns:a="http://schemas.openxmlformats.org/drawingml/2006/main" xmlns:r="http://schemas.openxmlformats.org/officeDocument/2006/relationships">
   <c:date1904 val="0"/>
   <c:lang val="en-US"/>
@@ -1667,2142 +3724,6 @@
                 <c:formatCode>0.00%</c:formatCode>
                 <c:ptCount val="6"/>
                 <c:pt idx="0">
-                  <c:v>0.5024</c:v>
-                </c:pt>
-                <c:pt idx="1">
-                  <c:v>0.1261</c:v>
-                </c:pt>
-                <c:pt idx="2">
-                  <c:v>0.2042</c:v>
-                </c:pt>
-                <c:pt idx="3">
-                  <c:v>0.1101</c:v>
-                </c:pt>
-                <c:pt idx="4">
-                  <c:v>0.0437</c:v>
-                </c:pt>
-                <c:pt idx="5">
-                  <c:v>0.0134</c:v>
-                </c:pt>
-              </c:numCache>
-            </c:numRef>
-          </c:val>
-        </c:ser>
-        <c:dLbls>
-          <c:showLegendKey val="0"/>
-          <c:showVal val="0"/>
-          <c:showCatName val="0"/>
-          <c:showSerName val="0"/>
-          <c:showPercent val="0"/>
-          <c:showBubbleSize val="0"/>
-          <c:showLeaderLines val="1"/>
-        </c:dLbls>
-        <c:firstSliceAng val="0"/>
-      </c:pieChart>
-      <c:spPr>
-        <a:noFill/>
-        <a:ln>
-          <a:noFill/>
-        </a:ln>
-        <a:effectLst/>
-      </c:spPr>
-    </c:plotArea>
-    <c:legend>
-      <c:legendPos val="r"/>
-      <c:layout>
-        <c:manualLayout>
-          <c:xMode val="edge"/>
-          <c:yMode val="edge"/>
-          <c:x val="0.616209721380981"/>
-          <c:y val="0.264863774616613"/>
-          <c:w val="0.37032874015748"/>
-          <c:h val="0.476041453964154"/>
-        </c:manualLayout>
-      </c:layout>
-      <c:overlay val="0"/>
-      <c:spPr>
-        <a:noFill/>
-        <a:ln>
-          <a:noFill/>
-        </a:ln>
-        <a:effectLst/>
-      </c:spPr>
-      <c:txPr>
-        <a:bodyPr rot="0" spcFirstLastPara="1" vertOverflow="ellipsis" vert="horz" wrap="square" anchor="ctr" anchorCtr="1"/>
-        <a:lstStyle/>
-        <a:p>
-          <a:pPr>
-            <a:defRPr sz="1400" b="0" i="0" u="none" strike="noStrike" kern="1200" baseline="0">
-              <a:solidFill>
-                <a:schemeClr val="tx1">
-                  <a:lumMod val="65000"/>
-                  <a:lumOff val="35000"/>
-                </a:schemeClr>
-              </a:solidFill>
-              <a:latin typeface="+mn-lt"/>
-              <a:ea typeface="+mn-ea"/>
-              <a:cs typeface="+mn-cs"/>
-            </a:defRPr>
-          </a:pPr>
-          <a:endParaRPr lang="en-US"/>
-        </a:p>
-      </c:txPr>
-    </c:legend>
-    <c:plotVisOnly val="1"/>
-    <c:dispBlanksAs val="gap"/>
-    <c:showDLblsOverMax val="0"/>
-  </c:chart>
-  <c:spPr>
-    <a:noFill/>
-    <a:ln>
-      <a:noFill/>
-    </a:ln>
-    <a:effectLst/>
-  </c:spPr>
-  <c:txPr>
-    <a:bodyPr/>
-    <a:lstStyle/>
-    <a:p>
-      <a:pPr>
-        <a:defRPr/>
-      </a:pPr>
-      <a:endParaRPr lang="en-US"/>
-    </a:p>
-  </c:txPr>
-  <c:externalData r:id="rId3">
-    <c:autoUpdate val="0"/>
-  </c:externalData>
-</c:chartSpace>
-</file>
-
-<file path=ppt/charts/chart13.xml><?xml version="1.0" encoding="utf-8"?>
-<c:chartSpace xmlns:c="http://schemas.openxmlformats.org/drawingml/2006/chart" xmlns:a="http://schemas.openxmlformats.org/drawingml/2006/main" xmlns:r="http://schemas.openxmlformats.org/officeDocument/2006/relationships">
-  <c:date1904 val="0"/>
-  <c:lang val="en-US"/>
-  <c:roundedCorners val="0"/>
-  <mc:AlternateContent xmlns:mc="http://schemas.openxmlformats.org/markup-compatibility/2006">
-    <mc:Choice xmlns:c14="http://schemas.microsoft.com/office/drawing/2007/8/2/chart" Requires="c14">
-      <c14:style val="102"/>
-    </mc:Choice>
-    <mc:Fallback>
-      <c:style val="2"/>
-    </mc:Fallback>
-  </mc:AlternateContent>
-  <c:chart>
-    <c:autoTitleDeleted val="1"/>
-    <c:plotArea>
-      <c:layout/>
-      <c:barChart>
-        <c:barDir val="col"/>
-        <c:grouping val="stacked"/>
-        <c:varyColors val="0"/>
-        <c:ser>
-          <c:idx val="0"/>
-          <c:order val="0"/>
-          <c:tx>
-            <c:strRef>
-              <c:f>Sheet1!$B$1</c:f>
-              <c:strCache>
-                <c:ptCount val="1"/>
-                <c:pt idx="0">
-                  <c:v>Wit</c:v>
-                </c:pt>
-              </c:strCache>
-            </c:strRef>
-          </c:tx>
-          <c:spPr>
-            <a:noFill/>
-            <a:ln>
-              <a:noFill/>
-            </a:ln>
-            <a:effectLst/>
-          </c:spPr>
-          <c:invertIfNegative val="0"/>
-          <c:dPt>
-            <c:idx val="1"/>
-            <c:invertIfNegative val="0"/>
-            <c:bubble3D val="0"/>
-            <c:spPr>
-              <a:solidFill>
-                <a:schemeClr val="accent2"/>
-              </a:solidFill>
-              <a:ln>
-                <a:noFill/>
-              </a:ln>
-              <a:effectLst/>
-            </c:spPr>
-          </c:dPt>
-          <c:cat>
-            <c:strRef>
-              <c:f>Sheet1!$A$2:$A$7</c:f>
-              <c:strCache>
-                <c:ptCount val="6"/>
-                <c:pt idx="0">
-                  <c:v>Embodied</c:v>
-                </c:pt>
-                <c:pt idx="1">
-                  <c:v>Heating, cooling and lighting offset</c:v>
-                </c:pt>
-                <c:pt idx="2">
-                  <c:v>Compressor</c:v>
-                </c:pt>
-                <c:pt idx="3">
-                  <c:v>Maintenance</c:v>
-                </c:pt>
-                <c:pt idx="4">
-                  <c:v>Disposal</c:v>
-                </c:pt>
-                <c:pt idx="5">
-                  <c:v>Total</c:v>
-                </c:pt>
-              </c:strCache>
-            </c:strRef>
-          </c:cat>
-          <c:val>
-            <c:numRef>
-              <c:f>Sheet1!$B$2:$B$7</c:f>
-              <c:numCache>
-                <c:formatCode>0.0</c:formatCode>
-                <c:ptCount val="6"/>
-                <c:pt idx="0">
-                  <c:v>0.0</c:v>
-                </c:pt>
-                <c:pt idx="1">
-                  <c:v>2676.5</c:v>
-                </c:pt>
-                <c:pt idx="2">
-                  <c:v>-4324.1</c:v>
-                </c:pt>
-                <c:pt idx="3">
-                  <c:v>-4167.02</c:v>
-                </c:pt>
-                <c:pt idx="4">
-                  <c:v>-4090.02</c:v>
-                </c:pt>
-                <c:pt idx="5">
-                  <c:v>0.0</c:v>
-                </c:pt>
-              </c:numCache>
-            </c:numRef>
-          </c:val>
-        </c:ser>
-        <c:ser>
-          <c:idx val="1"/>
-          <c:order val="1"/>
-          <c:tx>
-            <c:strRef>
-              <c:f>Sheet1!$C$1</c:f>
-              <c:strCache>
-                <c:ptCount val="1"/>
-                <c:pt idx="0">
-                  <c:v>Series 2</c:v>
-                </c:pt>
-              </c:strCache>
-            </c:strRef>
-          </c:tx>
-          <c:spPr>
-            <a:solidFill>
-              <a:schemeClr val="accent1"/>
-            </a:solidFill>
-            <a:ln>
-              <a:noFill/>
-            </a:ln>
-            <a:effectLst/>
-          </c:spPr>
-          <c:invertIfNegative val="0"/>
-          <c:dLbls>
-            <c:dLbl>
-              <c:idx val="0"/>
-              <c:layout>
-                <c:manualLayout>
-                  <c:x val="0.00172410094923293"/>
-                  <c:y val="-0.157398544941338"/>
-                </c:manualLayout>
-              </c:layout>
-              <c:showLegendKey val="0"/>
-              <c:showVal val="1"/>
-              <c:showCatName val="0"/>
-              <c:showSerName val="0"/>
-              <c:showPercent val="0"/>
-              <c:showBubbleSize val="0"/>
-              <c:extLst>
-                <c:ext xmlns:c15="http://schemas.microsoft.com/office/drawing/2012/chart" uri="{CE6537A1-D6FC-4f65-9D91-7224C49458BB}">
-                  <c15:layout/>
-                </c:ext>
-              </c:extLst>
-            </c:dLbl>
-            <c:dLbl>
-              <c:idx val="1"/>
-              <c:delete val="1"/>
-              <c:extLst>
-                <c:ext xmlns:c15="http://schemas.microsoft.com/office/drawing/2012/chart" uri="{CE6537A1-D6FC-4f65-9D91-7224C49458BB}"/>
-              </c:extLst>
-            </c:dLbl>
-            <c:dLbl>
-              <c:idx val="2"/>
-              <c:delete val="1"/>
-              <c:extLst>
-                <c:ext xmlns:c15="http://schemas.microsoft.com/office/drawing/2012/chart" uri="{CE6537A1-D6FC-4f65-9D91-7224C49458BB}"/>
-              </c:extLst>
-            </c:dLbl>
-            <c:dLbl>
-              <c:idx val="3"/>
-              <c:delete val="1"/>
-              <c:extLst>
-                <c:ext xmlns:c15="http://schemas.microsoft.com/office/drawing/2012/chart" uri="{CE6537A1-D6FC-4f65-9D91-7224C49458BB}"/>
-              </c:extLst>
-            </c:dLbl>
-            <c:dLbl>
-              <c:idx val="4"/>
-              <c:delete val="1"/>
-              <c:extLst>
-                <c:ext xmlns:c15="http://schemas.microsoft.com/office/drawing/2012/chart" uri="{CE6537A1-D6FC-4f65-9D91-7224C49458BB}"/>
-              </c:extLst>
-            </c:dLbl>
-            <c:dLbl>
-              <c:idx val="5"/>
-              <c:delete val="1"/>
-              <c:extLst>
-                <c:ext xmlns:c15="http://schemas.microsoft.com/office/drawing/2012/chart" uri="{CE6537A1-D6FC-4f65-9D91-7224C49458BB}">
-                  <c15:layout/>
-                </c:ext>
-              </c:extLst>
-            </c:dLbl>
-            <c:spPr>
-              <a:noFill/>
-              <a:ln>
-                <a:noFill/>
-              </a:ln>
-              <a:effectLst/>
-            </c:spPr>
-            <c:txPr>
-              <a:bodyPr rot="0" spcFirstLastPara="1" vertOverflow="ellipsis" vert="horz" wrap="square" lIns="38100" tIns="19050" rIns="38100" bIns="19050" anchor="ctr" anchorCtr="1">
-                <a:spAutoFit/>
-              </a:bodyPr>
-              <a:lstStyle/>
-              <a:p>
-                <a:pPr>
-                  <a:defRPr sz="1100" b="0" i="0" u="none" strike="noStrike" kern="1200" baseline="0">
-                    <a:solidFill>
-                      <a:schemeClr val="tx1">
-                        <a:lumMod val="75000"/>
-                        <a:lumOff val="25000"/>
-                      </a:schemeClr>
-                    </a:solidFill>
-                    <a:latin typeface="+mn-lt"/>
-                    <a:ea typeface="+mn-ea"/>
-                    <a:cs typeface="+mn-cs"/>
-                  </a:defRPr>
-                </a:pPr>
-                <a:endParaRPr lang="en-US"/>
-              </a:p>
-            </c:txPr>
-            <c:showLegendKey val="0"/>
-            <c:showVal val="1"/>
-            <c:showCatName val="0"/>
-            <c:showSerName val="0"/>
-            <c:showPercent val="0"/>
-            <c:showBubbleSize val="0"/>
-            <c:showLeaderLines val="0"/>
-            <c:extLst>
-              <c:ext xmlns:c15="http://schemas.microsoft.com/office/drawing/2012/chart" uri="{CE6537A1-D6FC-4f65-9D91-7224C49458BB}">
-                <c15:layout/>
-                <c15:showLeaderLines val="1"/>
-                <c15:leaderLines>
-                  <c:spPr>
-                    <a:ln w="9525" cap="flat" cmpd="sng" algn="ctr">
-                      <a:solidFill>
-                        <a:schemeClr val="tx1">
-                          <a:lumMod val="35000"/>
-                          <a:lumOff val="65000"/>
-                        </a:schemeClr>
-                      </a:solidFill>
-                      <a:round/>
-                    </a:ln>
-                    <a:effectLst/>
-                  </c:spPr>
-                </c15:leaderLines>
-              </c:ext>
-            </c:extLst>
-          </c:dLbls>
-          <c:cat>
-            <c:strRef>
-              <c:f>Sheet1!$A$2:$A$7</c:f>
-              <c:strCache>
-                <c:ptCount val="6"/>
-                <c:pt idx="0">
-                  <c:v>Embodied</c:v>
-                </c:pt>
-                <c:pt idx="1">
-                  <c:v>Heating, cooling and lighting offset</c:v>
-                </c:pt>
-                <c:pt idx="2">
-                  <c:v>Compressor</c:v>
-                </c:pt>
-                <c:pt idx="3">
-                  <c:v>Maintenance</c:v>
-                </c:pt>
-                <c:pt idx="4">
-                  <c:v>Disposal</c:v>
-                </c:pt>
-                <c:pt idx="5">
-                  <c:v>Total</c:v>
-                </c:pt>
-              </c:strCache>
-            </c:strRef>
-          </c:cat>
-          <c:val>
-            <c:numRef>
-              <c:f>Sheet1!$C$2:$C$7</c:f>
-              <c:numCache>
-                <c:formatCode>0.0</c:formatCode>
-                <c:ptCount val="6"/>
-                <c:pt idx="0">
-                  <c:v>2676.5</c:v>
-                </c:pt>
-                <c:pt idx="1">
-                  <c:v>0.0</c:v>
-                </c:pt>
-                <c:pt idx="2">
-                  <c:v>-80.4</c:v>
-                </c:pt>
-                <c:pt idx="3">
-                  <c:v>-157.08</c:v>
-                </c:pt>
-                <c:pt idx="4">
-                  <c:v>-77.0</c:v>
-                </c:pt>
-                <c:pt idx="5">
-                  <c:v>0.0</c:v>
-                </c:pt>
-              </c:numCache>
-            </c:numRef>
-          </c:val>
-        </c:ser>
-        <c:ser>
-          <c:idx val="2"/>
-          <c:order val="2"/>
-          <c:tx>
-            <c:strRef>
-              <c:f>Sheet1!$D$1</c:f>
-              <c:strCache>
-                <c:ptCount val="1"/>
-                <c:pt idx="0">
-                  <c:v>Series 3</c:v>
-                </c:pt>
-              </c:strCache>
-            </c:strRef>
-          </c:tx>
-          <c:spPr>
-            <a:solidFill>
-              <a:schemeClr val="accent2"/>
-            </a:solidFill>
-            <a:ln>
-              <a:noFill/>
-            </a:ln>
-            <a:effectLst/>
-          </c:spPr>
-          <c:invertIfNegative val="0"/>
-          <c:cat>
-            <c:strRef>
-              <c:f>Sheet1!$A$2:$A$7</c:f>
-              <c:strCache>
-                <c:ptCount val="6"/>
-                <c:pt idx="0">
-                  <c:v>Embodied</c:v>
-                </c:pt>
-                <c:pt idx="1">
-                  <c:v>Heating, cooling and lighting offset</c:v>
-                </c:pt>
-                <c:pt idx="2">
-                  <c:v>Compressor</c:v>
-                </c:pt>
-                <c:pt idx="3">
-                  <c:v>Maintenance</c:v>
-                </c:pt>
-                <c:pt idx="4">
-                  <c:v>Disposal</c:v>
-                </c:pt>
-                <c:pt idx="5">
-                  <c:v>Total</c:v>
-                </c:pt>
-              </c:strCache>
-            </c:strRef>
-          </c:cat>
-          <c:val>
-            <c:numRef>
-              <c:f>Sheet1!$D$2:$D$7</c:f>
-              <c:numCache>
-                <c:formatCode>0.0</c:formatCode>
-                <c:ptCount val="6"/>
-                <c:pt idx="0">
-                  <c:v>0.0</c:v>
-                </c:pt>
-                <c:pt idx="1">
-                  <c:v>-4404.5</c:v>
-                </c:pt>
-                <c:pt idx="3">
-                  <c:v>0.0</c:v>
-                </c:pt>
-                <c:pt idx="4">
-                  <c:v>0.0</c:v>
-                </c:pt>
-                <c:pt idx="5">
-                  <c:v>0.0</c:v>
-                </c:pt>
-              </c:numCache>
-            </c:numRef>
-          </c:val>
-        </c:ser>
-        <c:ser>
-          <c:idx val="3"/>
-          <c:order val="3"/>
-          <c:tx>
-            <c:strRef>
-              <c:f>Sheet1!$E$1</c:f>
-              <c:strCache>
-                <c:ptCount val="1"/>
-                <c:pt idx="0">
-                  <c:v>Series 4</c:v>
-                </c:pt>
-              </c:strCache>
-            </c:strRef>
-          </c:tx>
-          <c:spPr>
-            <a:solidFill>
-              <a:schemeClr val="accent3"/>
-            </a:solidFill>
-            <a:ln>
-              <a:noFill/>
-            </a:ln>
-            <a:effectLst/>
-          </c:spPr>
-          <c:invertIfNegative val="0"/>
-          <c:dLbls>
-            <c:dLbl>
-              <c:idx val="0"/>
-              <c:delete val="1"/>
-              <c:extLst>
-                <c:ext xmlns:c15="http://schemas.microsoft.com/office/drawing/2012/chart" uri="{CE6537A1-D6FC-4f65-9D91-7224C49458BB}">
-                  <c15:layout/>
-                </c:ext>
-              </c:extLst>
-            </c:dLbl>
-            <c:dLbl>
-              <c:idx val="1"/>
-              <c:delete val="1"/>
-              <c:extLst>
-                <c:ext xmlns:c15="http://schemas.microsoft.com/office/drawing/2012/chart" uri="{CE6537A1-D6FC-4f65-9D91-7224C49458BB}"/>
-              </c:extLst>
-            </c:dLbl>
-            <c:dLbl>
-              <c:idx val="3"/>
-              <c:delete val="1"/>
-              <c:extLst>
-                <c:ext xmlns:c15="http://schemas.microsoft.com/office/drawing/2012/chart" uri="{CE6537A1-D6FC-4f65-9D91-7224C49458BB}"/>
-              </c:extLst>
-            </c:dLbl>
-            <c:dLbl>
-              <c:idx val="4"/>
-              <c:delete val="1"/>
-              <c:extLst>
-                <c:ext xmlns:c15="http://schemas.microsoft.com/office/drawing/2012/chart" uri="{CE6537A1-D6FC-4f65-9D91-7224C49458BB}"/>
-              </c:extLst>
-            </c:dLbl>
-            <c:dLbl>
-              <c:idx val="5"/>
-              <c:layout>
-                <c:manualLayout>
-                  <c:x val="0.0"/>
-                  <c:y val="-0.232818681059063"/>
-                </c:manualLayout>
-              </c:layout>
-              <c:showLegendKey val="0"/>
-              <c:showVal val="1"/>
-              <c:showCatName val="0"/>
-              <c:showSerName val="0"/>
-              <c:showPercent val="0"/>
-              <c:showBubbleSize val="0"/>
-              <c:extLst>
-                <c:ext xmlns:c15="http://schemas.microsoft.com/office/drawing/2012/chart" uri="{CE6537A1-D6FC-4f65-9D91-7224C49458BB}">
-                  <c15:layout/>
-                </c:ext>
-              </c:extLst>
-            </c:dLbl>
-            <c:spPr>
-              <a:noFill/>
-              <a:ln>
-                <a:noFill/>
-              </a:ln>
-              <a:effectLst/>
-            </c:spPr>
-            <c:txPr>
-              <a:bodyPr rot="0" spcFirstLastPara="1" vertOverflow="ellipsis" vert="horz" wrap="square" lIns="38100" tIns="19050" rIns="38100" bIns="19050" anchor="ctr" anchorCtr="1">
-                <a:spAutoFit/>
-              </a:bodyPr>
-              <a:lstStyle/>
-              <a:p>
-                <a:pPr>
-                  <a:defRPr sz="1100" b="0" i="0" u="none" strike="noStrike" kern="1200" baseline="0">
-                    <a:solidFill>
-                      <a:schemeClr val="tx1">
-                        <a:lumMod val="75000"/>
-                        <a:lumOff val="25000"/>
-                      </a:schemeClr>
-                    </a:solidFill>
-                    <a:latin typeface="+mn-lt"/>
-                    <a:ea typeface="+mn-ea"/>
-                    <a:cs typeface="+mn-cs"/>
-                  </a:defRPr>
-                </a:pPr>
-                <a:endParaRPr lang="en-US"/>
-              </a:p>
-            </c:txPr>
-            <c:showLegendKey val="0"/>
-            <c:showVal val="1"/>
-            <c:showCatName val="0"/>
-            <c:showSerName val="0"/>
-            <c:showPercent val="0"/>
-            <c:showBubbleSize val="0"/>
-            <c:showLeaderLines val="0"/>
-            <c:extLst>
-              <c:ext xmlns:c15="http://schemas.microsoft.com/office/drawing/2012/chart" uri="{CE6537A1-D6FC-4f65-9D91-7224C49458BB}">
-                <c15:layout/>
-                <c15:showLeaderLines val="1"/>
-                <c15:leaderLines>
-                  <c:spPr>
-                    <a:ln w="9525" cap="flat" cmpd="sng" algn="ctr">
-                      <a:solidFill>
-                        <a:schemeClr val="tx1">
-                          <a:lumMod val="35000"/>
-                          <a:lumOff val="65000"/>
-                        </a:schemeClr>
-                      </a:solidFill>
-                      <a:round/>
-                    </a:ln>
-                    <a:effectLst/>
-                  </c:spPr>
-                </c15:leaderLines>
-              </c:ext>
-            </c:extLst>
-          </c:dLbls>
-          <c:cat>
-            <c:strRef>
-              <c:f>Sheet1!$A$2:$A$7</c:f>
-              <c:strCache>
-                <c:ptCount val="6"/>
-                <c:pt idx="0">
-                  <c:v>Embodied</c:v>
-                </c:pt>
-                <c:pt idx="1">
-                  <c:v>Heating, cooling and lighting offset</c:v>
-                </c:pt>
-                <c:pt idx="2">
-                  <c:v>Compressor</c:v>
-                </c:pt>
-                <c:pt idx="3">
-                  <c:v>Maintenance</c:v>
-                </c:pt>
-                <c:pt idx="4">
-                  <c:v>Disposal</c:v>
-                </c:pt>
-                <c:pt idx="5">
-                  <c:v>Total</c:v>
-                </c:pt>
-              </c:strCache>
-            </c:strRef>
-          </c:cat>
-          <c:val>
-            <c:numRef>
-              <c:f>Sheet1!$E$2:$E$7</c:f>
-              <c:numCache>
-                <c:formatCode>0.0</c:formatCode>
-                <c:ptCount val="6"/>
-                <c:pt idx="0">
-                  <c:v>0.0</c:v>
-                </c:pt>
-                <c:pt idx="1">
-                  <c:v>0.0</c:v>
-                </c:pt>
-                <c:pt idx="3">
-                  <c:v>0.0</c:v>
-                </c:pt>
-                <c:pt idx="4">
-                  <c:v>0.0</c:v>
-                </c:pt>
-                <c:pt idx="5">
-                  <c:v>-4090.02</c:v>
-                </c:pt>
-              </c:numCache>
-            </c:numRef>
-          </c:val>
-        </c:ser>
-        <c:dLbls>
-          <c:showLegendKey val="0"/>
-          <c:showVal val="0"/>
-          <c:showCatName val="0"/>
-          <c:showSerName val="0"/>
-          <c:showPercent val="0"/>
-          <c:showBubbleSize val="0"/>
-        </c:dLbls>
-        <c:gapWidth val="150"/>
-        <c:overlap val="100"/>
-        <c:axId val="-2062739888"/>
-        <c:axId val="-2062736640"/>
-      </c:barChart>
-      <c:catAx>
-        <c:axId val="-2062739888"/>
-        <c:scaling>
-          <c:orientation val="minMax"/>
-        </c:scaling>
-        <c:delete val="1"/>
-        <c:axPos val="b"/>
-        <c:numFmt formatCode="General" sourceLinked="1"/>
-        <c:majorTickMark val="none"/>
-        <c:minorTickMark val="none"/>
-        <c:tickLblPos val="nextTo"/>
-        <c:crossAx val="-2062736640"/>
-        <c:crosses val="autoZero"/>
-        <c:auto val="1"/>
-        <c:lblAlgn val="ctr"/>
-        <c:lblOffset val="100"/>
-        <c:noMultiLvlLbl val="0"/>
-      </c:catAx>
-      <c:valAx>
-        <c:axId val="-2062736640"/>
-        <c:scaling>
-          <c:orientation val="minMax"/>
-        </c:scaling>
-        <c:delete val="0"/>
-        <c:axPos val="l"/>
-        <c:majorGridlines>
-          <c:spPr>
-            <a:ln w="9525" cap="flat" cmpd="sng" algn="ctr">
-              <a:solidFill>
-                <a:schemeClr val="tx1">
-                  <a:lumMod val="15000"/>
-                  <a:lumOff val="85000"/>
-                </a:schemeClr>
-              </a:solidFill>
-              <a:round/>
-            </a:ln>
-            <a:effectLst/>
-          </c:spPr>
-        </c:majorGridlines>
-        <c:title>
-          <c:tx>
-            <c:rich>
-              <a:bodyPr rot="-5400000" spcFirstLastPara="1" vertOverflow="ellipsis" vert="horz" wrap="square" anchor="ctr" anchorCtr="1"/>
-              <a:lstStyle/>
-              <a:p>
-                <a:pPr>
-                  <a:defRPr sz="1330" b="0" i="0" u="none" strike="noStrike" kern="1200" baseline="0">
-                    <a:solidFill>
-                      <a:schemeClr val="tx1">
-                        <a:lumMod val="65000"/>
-                        <a:lumOff val="35000"/>
-                      </a:schemeClr>
-                    </a:solidFill>
-                    <a:latin typeface="+mn-lt"/>
-                    <a:ea typeface="+mn-ea"/>
-                    <a:cs typeface="+mn-cs"/>
-                  </a:defRPr>
-                </a:pPr>
-                <a:r>
-                  <a:rPr lang="en-US" dirty="0" smtClean="0"/>
-                  <a:t>GWP (kg CO</a:t>
-                </a:r>
-                <a:r>
-                  <a:rPr lang="en-US" baseline="-25000" dirty="0" smtClean="0"/>
-                  <a:t>2eq</a:t>
-                </a:r>
-                <a:r>
-                  <a:rPr lang="en-US" dirty="0" smtClean="0"/>
-                  <a:t>)</a:t>
-                </a:r>
-                <a:endParaRPr lang="en-US" dirty="0"/>
-              </a:p>
-            </c:rich>
-          </c:tx>
-          <c:layout/>
-          <c:overlay val="0"/>
-          <c:spPr>
-            <a:noFill/>
-            <a:ln>
-              <a:noFill/>
-            </a:ln>
-            <a:effectLst/>
-          </c:spPr>
-          <c:txPr>
-            <a:bodyPr rot="-5400000" spcFirstLastPara="1" vertOverflow="ellipsis" vert="horz" wrap="square" anchor="ctr" anchorCtr="1"/>
-            <a:lstStyle/>
-            <a:p>
-              <a:pPr>
-                <a:defRPr sz="1330" b="0" i="0" u="none" strike="noStrike" kern="1200" baseline="0">
-                  <a:solidFill>
-                    <a:schemeClr val="tx1">
-                      <a:lumMod val="65000"/>
-                      <a:lumOff val="35000"/>
-                    </a:schemeClr>
-                  </a:solidFill>
-                  <a:latin typeface="+mn-lt"/>
-                  <a:ea typeface="+mn-ea"/>
-                  <a:cs typeface="+mn-cs"/>
-                </a:defRPr>
-              </a:pPr>
-              <a:endParaRPr lang="en-US"/>
-            </a:p>
-          </c:txPr>
-        </c:title>
-        <c:numFmt formatCode="0.0" sourceLinked="1"/>
-        <c:majorTickMark val="none"/>
-        <c:minorTickMark val="none"/>
-        <c:tickLblPos val="nextTo"/>
-        <c:spPr>
-          <a:noFill/>
-          <a:ln>
-            <a:noFill/>
-          </a:ln>
-          <a:effectLst/>
-        </c:spPr>
-        <c:txPr>
-          <a:bodyPr rot="-60000000" spcFirstLastPara="1" vertOverflow="ellipsis" vert="horz" wrap="square" anchor="ctr" anchorCtr="1"/>
-          <a:lstStyle/>
-          <a:p>
-            <a:pPr>
-              <a:defRPr sz="1197" b="0" i="0" u="none" strike="noStrike" kern="1200" baseline="0">
-                <a:solidFill>
-                  <a:schemeClr val="tx1">
-                    <a:lumMod val="65000"/>
-                    <a:lumOff val="35000"/>
-                  </a:schemeClr>
-                </a:solidFill>
-                <a:latin typeface="+mn-lt"/>
-                <a:ea typeface="+mn-ea"/>
-                <a:cs typeface="+mn-cs"/>
-              </a:defRPr>
-            </a:pPr>
-            <a:endParaRPr lang="en-US"/>
-          </a:p>
-        </c:txPr>
-        <c:crossAx val="-2062739888"/>
-        <c:crosses val="autoZero"/>
-        <c:crossBetween val="between"/>
-      </c:valAx>
-      <c:spPr>
-        <a:noFill/>
-        <a:ln>
-          <a:solidFill>
-            <a:schemeClr val="accent3"/>
-          </a:solidFill>
-        </a:ln>
-        <a:effectLst/>
-      </c:spPr>
-    </c:plotArea>
-    <c:plotVisOnly val="1"/>
-    <c:dispBlanksAs val="gap"/>
-    <c:showDLblsOverMax val="0"/>
-  </c:chart>
-  <c:spPr>
-    <a:noFill/>
-    <a:ln>
-      <a:noFill/>
-    </a:ln>
-    <a:effectLst/>
-  </c:spPr>
-  <c:txPr>
-    <a:bodyPr/>
-    <a:lstStyle/>
-    <a:p>
-      <a:pPr>
-        <a:defRPr/>
-      </a:pPr>
-      <a:endParaRPr lang="en-US"/>
-    </a:p>
-  </c:txPr>
-  <c:externalData r:id="rId3">
-    <c:autoUpdate val="0"/>
-  </c:externalData>
-</c:chartSpace>
-</file>
-
-<file path=ppt/charts/chart14.xml><?xml version="1.0" encoding="utf-8"?>
-<c:chartSpace xmlns:c="http://schemas.openxmlformats.org/drawingml/2006/chart" xmlns:a="http://schemas.openxmlformats.org/drawingml/2006/main" xmlns:r="http://schemas.openxmlformats.org/officeDocument/2006/relationships">
-  <c:date1904 val="0"/>
-  <c:lang val="en-US"/>
-  <c:roundedCorners val="0"/>
-  <mc:AlternateContent xmlns:mc="http://schemas.openxmlformats.org/markup-compatibility/2006">
-    <mc:Choice xmlns:c14="http://schemas.microsoft.com/office/drawing/2007/8/2/chart" Requires="c14">
-      <c14:style val="102"/>
-    </mc:Choice>
-    <mc:Fallback>
-      <c:style val="2"/>
-    </mc:Fallback>
-  </mc:AlternateContent>
-  <c:chart>
-    <c:autoTitleDeleted val="1"/>
-    <c:plotArea>
-      <c:layout/>
-      <c:barChart>
-        <c:barDir val="col"/>
-        <c:grouping val="clustered"/>
-        <c:varyColors val="0"/>
-        <c:ser>
-          <c:idx val="0"/>
-          <c:order val="0"/>
-          <c:tx>
-            <c:strRef>
-              <c:f>Sheet1!$B$1</c:f>
-              <c:strCache>
-                <c:ptCount val="1"/>
-                <c:pt idx="0">
-                  <c:v>High voltage at grid</c:v>
-                </c:pt>
-              </c:strCache>
-            </c:strRef>
-          </c:tx>
-          <c:spPr>
-            <a:solidFill>
-              <a:schemeClr val="accent1"/>
-            </a:solidFill>
-            <a:ln>
-              <a:noFill/>
-            </a:ln>
-            <a:effectLst/>
-          </c:spPr>
-          <c:invertIfNegative val="0"/>
-          <c:cat>
-            <c:strRef>
-              <c:f>Sheet1!$A$2:$A$19</c:f>
-              <c:strCache>
-                <c:ptCount val="18"/>
-                <c:pt idx="0">
-                  <c:v>China</c:v>
-                </c:pt>
-                <c:pt idx="1">
-                  <c:v>India</c:v>
-                </c:pt>
-                <c:pt idx="2">
-                  <c:v>Australia</c:v>
-                </c:pt>
-                <c:pt idx="3">
-                  <c:v>United States of America</c:v>
-                </c:pt>
-                <c:pt idx="4">
-                  <c:v>Netherlands</c:v>
-                </c:pt>
-                <c:pt idx="5">
-                  <c:v>Russia</c:v>
-                </c:pt>
-                <c:pt idx="6">
-                  <c:v>Japan</c:v>
-                </c:pt>
-                <c:pt idx="7">
-                  <c:v>Germany</c:v>
-                </c:pt>
-                <c:pt idx="8">
-                  <c:v>United Kingdom</c:v>
-                </c:pt>
-                <c:pt idx="9">
-                  <c:v>UCTE region</c:v>
-                </c:pt>
-                <c:pt idx="10">
-                  <c:v>Spain</c:v>
-                </c:pt>
-                <c:pt idx="11">
-                  <c:v>Belgium</c:v>
-                </c:pt>
-                <c:pt idx="12">
-                  <c:v>Brazil</c:v>
-                </c:pt>
-                <c:pt idx="13">
-                  <c:v>Switzerland</c:v>
-                </c:pt>
-                <c:pt idx="14">
-                  <c:v>ASF</c:v>
-                </c:pt>
-                <c:pt idx="15">
-                  <c:v>France</c:v>
-                </c:pt>
-                <c:pt idx="16">
-                  <c:v>Norway</c:v>
-                </c:pt>
-                <c:pt idx="17">
-                  <c:v>Iceland</c:v>
-                </c:pt>
-              </c:strCache>
-            </c:strRef>
-          </c:cat>
-          <c:val>
-            <c:numRef>
-              <c:f>Sheet1!$B$2:$B$19</c:f>
-              <c:numCache>
-                <c:formatCode>General</c:formatCode>
-                <c:ptCount val="18"/>
-                <c:pt idx="0">
-                  <c:v>1145.8</c:v>
-                </c:pt>
-                <c:pt idx="1">
-                  <c:v>1090.5</c:v>
-                </c:pt>
-                <c:pt idx="2">
-                  <c:v>1068.7</c:v>
-                </c:pt>
-                <c:pt idx="3">
-                  <c:v>754.8</c:v>
-                </c:pt>
-                <c:pt idx="4">
-                  <c:v>649.5</c:v>
-                </c:pt>
-                <c:pt idx="5">
-                  <c:v>640.1</c:v>
-                </c:pt>
-                <c:pt idx="6">
-                  <c:v>637.7</c:v>
-                </c:pt>
-                <c:pt idx="7">
-                  <c:v>629.5</c:v>
-                </c:pt>
-                <c:pt idx="8">
-                  <c:v>628.7</c:v>
-                </c:pt>
-                <c:pt idx="9">
-                  <c:v>509.3</c:v>
-                </c:pt>
-                <c:pt idx="10">
-                  <c:v>463.2</c:v>
-                </c:pt>
-                <c:pt idx="11">
-                  <c:v>321.1</c:v>
-                </c:pt>
-                <c:pt idx="12">
-                  <c:v>165.3</c:v>
-                </c:pt>
-                <c:pt idx="13">
-                  <c:v>119.6</c:v>
-                </c:pt>
-                <c:pt idx="15">
-                  <c:v>95.7</c:v>
-                </c:pt>
-                <c:pt idx="16">
-                  <c:v>27.6</c:v>
-                </c:pt>
-                <c:pt idx="17">
-                  <c:v>18.4</c:v>
-                </c:pt>
-              </c:numCache>
-            </c:numRef>
-          </c:val>
-        </c:ser>
-        <c:ser>
-          <c:idx val="1"/>
-          <c:order val="1"/>
-          <c:tx>
-            <c:strRef>
-              <c:f>Sheet1!$C$1</c:f>
-              <c:strCache>
-                <c:ptCount val="1"/>
-                <c:pt idx="0">
-                  <c:v>Low voltage at grid</c:v>
-                </c:pt>
-              </c:strCache>
-            </c:strRef>
-          </c:tx>
-          <c:spPr>
-            <a:solidFill>
-              <a:schemeClr val="accent2"/>
-            </a:solidFill>
-            <a:ln>
-              <a:noFill/>
-            </a:ln>
-            <a:effectLst/>
-          </c:spPr>
-          <c:invertIfNegative val="0"/>
-          <c:dPt>
-            <c:idx val="14"/>
-            <c:invertIfNegative val="0"/>
-            <c:bubble3D val="0"/>
-            <c:spPr>
-              <a:solidFill>
-                <a:srgbClr val="C00000"/>
-              </a:solidFill>
-              <a:ln>
-                <a:noFill/>
-              </a:ln>
-              <a:effectLst/>
-            </c:spPr>
-          </c:dPt>
-          <c:cat>
-            <c:strRef>
-              <c:f>Sheet1!$A$2:$A$19</c:f>
-              <c:strCache>
-                <c:ptCount val="18"/>
-                <c:pt idx="0">
-                  <c:v>China</c:v>
-                </c:pt>
-                <c:pt idx="1">
-                  <c:v>India</c:v>
-                </c:pt>
-                <c:pt idx="2">
-                  <c:v>Australia</c:v>
-                </c:pt>
-                <c:pt idx="3">
-                  <c:v>United States of America</c:v>
-                </c:pt>
-                <c:pt idx="4">
-                  <c:v>Netherlands</c:v>
-                </c:pt>
-                <c:pt idx="5">
-                  <c:v>Russia</c:v>
-                </c:pt>
-                <c:pt idx="6">
-                  <c:v>Japan</c:v>
-                </c:pt>
-                <c:pt idx="7">
-                  <c:v>Germany</c:v>
-                </c:pt>
-                <c:pt idx="8">
-                  <c:v>United Kingdom</c:v>
-                </c:pt>
-                <c:pt idx="9">
-                  <c:v>UCTE region</c:v>
-                </c:pt>
-                <c:pt idx="10">
-                  <c:v>Spain</c:v>
-                </c:pt>
-                <c:pt idx="11">
-                  <c:v>Belgium</c:v>
-                </c:pt>
-                <c:pt idx="12">
-                  <c:v>Brazil</c:v>
-                </c:pt>
-                <c:pt idx="13">
-                  <c:v>Switzerland</c:v>
-                </c:pt>
-                <c:pt idx="14">
-                  <c:v>ASF</c:v>
-                </c:pt>
-                <c:pt idx="15">
-                  <c:v>France</c:v>
-                </c:pt>
-                <c:pt idx="16">
-                  <c:v>Norway</c:v>
-                </c:pt>
-                <c:pt idx="17">
-                  <c:v>Iceland</c:v>
-                </c:pt>
-              </c:strCache>
-            </c:strRef>
-          </c:cat>
-          <c:val>
-            <c:numRef>
-              <c:f>Sheet1!$C$2:$C$19</c:f>
-              <c:numCache>
-                <c:formatCode>General</c:formatCode>
-                <c:ptCount val="18"/>
-                <c:pt idx="0">
-                  <c:v>1229.6</c:v>
-                </c:pt>
-                <c:pt idx="1">
-                  <c:v>1272.2</c:v>
-                </c:pt>
-                <c:pt idx="2">
-                  <c:v>1153.6</c:v>
-                </c:pt>
-                <c:pt idx="3">
-                  <c:v>808.4</c:v>
-                </c:pt>
-                <c:pt idx="4">
-                  <c:v>684.2</c:v>
-                </c:pt>
-                <c:pt idx="5">
-                  <c:v>725.2</c:v>
-                </c:pt>
-                <c:pt idx="6">
-                  <c:v>675.9</c:v>
-                </c:pt>
-                <c:pt idx="7">
-                  <c:v>671.5</c:v>
-                </c:pt>
-                <c:pt idx="8">
-                  <c:v>684.7</c:v>
-                </c:pt>
-                <c:pt idx="9">
-                  <c:v>551.7</c:v>
-                </c:pt>
-                <c:pt idx="10">
-                  <c:v>496.3</c:v>
-                </c:pt>
-                <c:pt idx="11">
-                  <c:v>345.0</c:v>
-                </c:pt>
-                <c:pt idx="12">
-                  <c:v>199.7</c:v>
-                </c:pt>
-                <c:pt idx="13">
-                  <c:v>135.0</c:v>
-                </c:pt>
-                <c:pt idx="14">
-                  <c:v>126.8</c:v>
-                </c:pt>
-                <c:pt idx="15">
-                  <c:v>109.0</c:v>
-                </c:pt>
-                <c:pt idx="16">
-                  <c:v>38.5</c:v>
-                </c:pt>
-                <c:pt idx="17">
-                  <c:v>27.5</c:v>
-                </c:pt>
-              </c:numCache>
-            </c:numRef>
-          </c:val>
-        </c:ser>
-        <c:dLbls>
-          <c:showLegendKey val="0"/>
-          <c:showVal val="0"/>
-          <c:showCatName val="0"/>
-          <c:showSerName val="0"/>
-          <c:showPercent val="0"/>
-          <c:showBubbleSize val="0"/>
-        </c:dLbls>
-        <c:gapWidth val="219"/>
-        <c:overlap val="-27"/>
-        <c:axId val="-2090765504"/>
-        <c:axId val="-2092366320"/>
-      </c:barChart>
-      <c:catAx>
-        <c:axId val="-2090765504"/>
-        <c:scaling>
-          <c:orientation val="minMax"/>
-        </c:scaling>
-        <c:delete val="0"/>
-        <c:axPos val="b"/>
-        <c:numFmt formatCode="General" sourceLinked="1"/>
-        <c:majorTickMark val="none"/>
-        <c:minorTickMark val="none"/>
-        <c:tickLblPos val="nextTo"/>
-        <c:spPr>
-          <a:noFill/>
-          <a:ln w="9525" cap="flat" cmpd="sng" algn="ctr">
-            <a:solidFill>
-              <a:schemeClr val="accent3"/>
-            </a:solidFill>
-            <a:round/>
-          </a:ln>
-          <a:effectLst/>
-        </c:spPr>
-        <c:txPr>
-          <a:bodyPr rot="-60000000" spcFirstLastPara="1" vertOverflow="ellipsis" vert="horz" wrap="square" anchor="ctr" anchorCtr="1"/>
-          <a:lstStyle/>
-          <a:p>
-            <a:pPr>
-              <a:defRPr sz="1400" b="0" i="0" u="none" strike="noStrike" kern="1200" baseline="0">
-                <a:solidFill>
-                  <a:schemeClr val="tx1">
-                    <a:lumMod val="65000"/>
-                    <a:lumOff val="35000"/>
-                  </a:schemeClr>
-                </a:solidFill>
-                <a:latin typeface="+mn-lt"/>
-                <a:ea typeface="+mn-ea"/>
-                <a:cs typeface="+mn-cs"/>
-              </a:defRPr>
-            </a:pPr>
-            <a:endParaRPr lang="en-US"/>
-          </a:p>
-        </c:txPr>
-        <c:crossAx val="-2092366320"/>
-        <c:crosses val="autoZero"/>
-        <c:auto val="1"/>
-        <c:lblAlgn val="ctr"/>
-        <c:lblOffset val="100"/>
-        <c:noMultiLvlLbl val="0"/>
-      </c:catAx>
-      <c:valAx>
-        <c:axId val="-2092366320"/>
-        <c:scaling>
-          <c:orientation val="minMax"/>
-        </c:scaling>
-        <c:delete val="0"/>
-        <c:axPos val="l"/>
-        <c:majorGridlines>
-          <c:spPr>
-            <a:ln w="9525" cap="flat" cmpd="sng" algn="ctr">
-              <a:solidFill>
-                <a:schemeClr val="tx1">
-                  <a:lumMod val="15000"/>
-                  <a:lumOff val="85000"/>
-                </a:schemeClr>
-              </a:solidFill>
-              <a:round/>
-            </a:ln>
-            <a:effectLst/>
-          </c:spPr>
-        </c:majorGridlines>
-        <c:title>
-          <c:tx>
-            <c:rich>
-              <a:bodyPr rot="-5400000" spcFirstLastPara="1" vertOverflow="ellipsis" vert="horz" wrap="square" anchor="ctr" anchorCtr="1"/>
-              <a:lstStyle/>
-              <a:p>
-                <a:pPr>
-                  <a:defRPr sz="1400" b="0" i="0" u="none" strike="noStrike" kern="1200" baseline="0">
-                    <a:solidFill>
-                      <a:schemeClr val="tx1">
-                        <a:lumMod val="65000"/>
-                        <a:lumOff val="35000"/>
-                      </a:schemeClr>
-                    </a:solidFill>
-                    <a:latin typeface="+mn-lt"/>
-                    <a:ea typeface="+mn-ea"/>
-                    <a:cs typeface="+mn-cs"/>
-                  </a:defRPr>
-                </a:pPr>
-                <a:r>
-                  <a:rPr lang="en-US" sz="1600" dirty="0" smtClean="0"/>
-                  <a:t>Electricity production at grid</a:t>
-                </a:r>
-              </a:p>
-              <a:p>
-                <a:pPr>
-                  <a:defRPr sz="1400"/>
-                </a:pPr>
-                <a:r>
-                  <a:rPr lang="en-US" sz="1600" noProof="1" smtClean="0"/>
-                  <a:t>(g</a:t>
-                </a:r>
-                <a:r>
-                  <a:rPr lang="en-US" sz="1600" baseline="-25000" noProof="1" smtClean="0"/>
-                  <a:t>CO2eq</a:t>
-                </a:r>
-                <a:r>
-                  <a:rPr lang="en-US" sz="1600" noProof="1" smtClean="0"/>
-                  <a:t>/kWh</a:t>
-                </a:r>
-                <a:r>
-                  <a:rPr lang="de-DE" sz="1600" dirty="0" smtClean="0"/>
-                  <a:t>)</a:t>
-                </a:r>
-                <a:endParaRPr lang="en-US" sz="1600" dirty="0"/>
-              </a:p>
-            </c:rich>
-          </c:tx>
-          <c:layout/>
-          <c:overlay val="0"/>
-          <c:spPr>
-            <a:noFill/>
-            <a:ln>
-              <a:noFill/>
-            </a:ln>
-            <a:effectLst/>
-          </c:spPr>
-          <c:txPr>
-            <a:bodyPr rot="-5400000" spcFirstLastPara="1" vertOverflow="ellipsis" vert="horz" wrap="square" anchor="ctr" anchorCtr="1"/>
-            <a:lstStyle/>
-            <a:p>
-              <a:pPr>
-                <a:defRPr sz="1400" b="0" i="0" u="none" strike="noStrike" kern="1200" baseline="0">
-                  <a:solidFill>
-                    <a:schemeClr val="tx1">
-                      <a:lumMod val="65000"/>
-                      <a:lumOff val="35000"/>
-                    </a:schemeClr>
-                  </a:solidFill>
-                  <a:latin typeface="+mn-lt"/>
-                  <a:ea typeface="+mn-ea"/>
-                  <a:cs typeface="+mn-cs"/>
-                </a:defRPr>
-              </a:pPr>
-              <a:endParaRPr lang="en-US"/>
-            </a:p>
-          </c:txPr>
-        </c:title>
-        <c:numFmt formatCode="General" sourceLinked="1"/>
-        <c:majorTickMark val="none"/>
-        <c:minorTickMark val="none"/>
-        <c:tickLblPos val="nextTo"/>
-        <c:spPr>
-          <a:noFill/>
-          <a:ln>
-            <a:solidFill>
-              <a:schemeClr val="accent3"/>
-            </a:solidFill>
-          </a:ln>
-          <a:effectLst/>
-        </c:spPr>
-        <c:txPr>
-          <a:bodyPr rot="-60000000" spcFirstLastPara="1" vertOverflow="ellipsis" vert="horz" wrap="square" anchor="ctr" anchorCtr="1"/>
-          <a:lstStyle/>
-          <a:p>
-            <a:pPr>
-              <a:defRPr sz="1400" b="0" i="0" u="none" strike="noStrike" kern="1200" baseline="0">
-                <a:solidFill>
-                  <a:schemeClr val="tx1">
-                    <a:lumMod val="65000"/>
-                    <a:lumOff val="35000"/>
-                  </a:schemeClr>
-                </a:solidFill>
-                <a:latin typeface="+mn-lt"/>
-                <a:ea typeface="+mn-ea"/>
-                <a:cs typeface="+mn-cs"/>
-              </a:defRPr>
-            </a:pPr>
-            <a:endParaRPr lang="en-US"/>
-          </a:p>
-        </c:txPr>
-        <c:crossAx val="-2090765504"/>
-        <c:crosses val="autoZero"/>
-        <c:crossBetween val="between"/>
-      </c:valAx>
-      <c:spPr>
-        <a:noFill/>
-        <a:ln>
-          <a:solidFill>
-            <a:schemeClr val="accent3"/>
-          </a:solidFill>
-        </a:ln>
-        <a:effectLst/>
-      </c:spPr>
-    </c:plotArea>
-    <c:legend>
-      <c:legendPos val="b"/>
-      <c:layout/>
-      <c:overlay val="0"/>
-      <c:spPr>
-        <a:noFill/>
-        <a:ln>
-          <a:noFill/>
-        </a:ln>
-        <a:effectLst/>
-      </c:spPr>
-      <c:txPr>
-        <a:bodyPr rot="0" spcFirstLastPara="1" vertOverflow="ellipsis" vert="horz" wrap="square" anchor="ctr" anchorCtr="1"/>
-        <a:lstStyle/>
-        <a:p>
-          <a:pPr>
-            <a:defRPr sz="1197" b="0" i="0" u="none" strike="noStrike" kern="1200" baseline="0">
-              <a:solidFill>
-                <a:schemeClr val="tx1">
-                  <a:lumMod val="65000"/>
-                  <a:lumOff val="35000"/>
-                </a:schemeClr>
-              </a:solidFill>
-              <a:latin typeface="+mn-lt"/>
-              <a:ea typeface="+mn-ea"/>
-              <a:cs typeface="+mn-cs"/>
-            </a:defRPr>
-          </a:pPr>
-          <a:endParaRPr lang="en-US"/>
-        </a:p>
-      </c:txPr>
-    </c:legend>
-    <c:plotVisOnly val="1"/>
-    <c:dispBlanksAs val="gap"/>
-    <c:showDLblsOverMax val="0"/>
-  </c:chart>
-  <c:spPr>
-    <a:noFill/>
-    <a:ln>
-      <a:noFill/>
-    </a:ln>
-    <a:effectLst/>
-  </c:spPr>
-  <c:txPr>
-    <a:bodyPr/>
-    <a:lstStyle/>
-    <a:p>
-      <a:pPr>
-        <a:defRPr/>
-      </a:pPr>
-      <a:endParaRPr lang="en-US"/>
-    </a:p>
-  </c:txPr>
-  <c:externalData r:id="rId3">
-    <c:autoUpdate val="0"/>
-  </c:externalData>
-</c:chartSpace>
-</file>
-
-<file path=ppt/charts/chart15.xml><?xml version="1.0" encoding="utf-8"?>
-<c:chartSpace xmlns:c="http://schemas.openxmlformats.org/drawingml/2006/chart" xmlns:a="http://schemas.openxmlformats.org/drawingml/2006/main" xmlns:r="http://schemas.openxmlformats.org/officeDocument/2006/relationships">
-  <c:date1904 val="0"/>
-  <c:lang val="en-US"/>
-  <c:roundedCorners val="0"/>
-  <mc:AlternateContent xmlns:mc="http://schemas.openxmlformats.org/markup-compatibility/2006">
-    <mc:Choice xmlns:c14="http://schemas.microsoft.com/office/drawing/2007/8/2/chart" Requires="c14">
-      <c14:style val="102"/>
-    </mc:Choice>
-    <mc:Fallback>
-      <c:style val="2"/>
-    </mc:Fallback>
-  </mc:AlternateContent>
-  <c:chart>
-    <c:autoTitleDeleted val="1"/>
-    <c:plotArea>
-      <c:layout/>
-      <c:barChart>
-        <c:barDir val="col"/>
-        <c:grouping val="clustered"/>
-        <c:varyColors val="0"/>
-        <c:ser>
-          <c:idx val="0"/>
-          <c:order val="0"/>
-          <c:tx>
-            <c:strRef>
-              <c:f>Sheet1!$B$1</c:f>
-              <c:strCache>
-                <c:ptCount val="1"/>
-                <c:pt idx="0">
-                  <c:v>High voltage at grid</c:v>
-                </c:pt>
-              </c:strCache>
-            </c:strRef>
-          </c:tx>
-          <c:spPr>
-            <a:solidFill>
-              <a:schemeClr val="accent1"/>
-            </a:solidFill>
-            <a:ln>
-              <a:noFill/>
-            </a:ln>
-            <a:effectLst/>
-          </c:spPr>
-          <c:invertIfNegative val="0"/>
-          <c:cat>
-            <c:strRef>
-              <c:f>Sheet1!$A$2:$A$8</c:f>
-              <c:strCache>
-                <c:ptCount val="7"/>
-                <c:pt idx="0">
-                  <c:v>China</c:v>
-                </c:pt>
-                <c:pt idx="1">
-                  <c:v>United States of America</c:v>
-                </c:pt>
-                <c:pt idx="2">
-                  <c:v>Germany</c:v>
-                </c:pt>
-                <c:pt idx="3">
-                  <c:v>UCTE region</c:v>
-                </c:pt>
-                <c:pt idx="4">
-                  <c:v>Switzerland</c:v>
-                </c:pt>
-                <c:pt idx="5">
-                  <c:v>ASF</c:v>
-                </c:pt>
-                <c:pt idx="6">
-                  <c:v>France</c:v>
-                </c:pt>
-              </c:strCache>
-            </c:strRef>
-          </c:cat>
-          <c:val>
-            <c:numRef>
-              <c:f>Sheet1!$B$2:$B$8</c:f>
-              <c:numCache>
-                <c:formatCode>General</c:formatCode>
-                <c:ptCount val="7"/>
-                <c:pt idx="0">
-                  <c:v>1145.8</c:v>
-                </c:pt>
-                <c:pt idx="1">
-                  <c:v>754.8</c:v>
-                </c:pt>
-                <c:pt idx="2">
-                  <c:v>629.5</c:v>
-                </c:pt>
-                <c:pt idx="3">
-                  <c:v>509.3</c:v>
-                </c:pt>
-                <c:pt idx="4">
-                  <c:v>119.6</c:v>
-                </c:pt>
-                <c:pt idx="6">
-                  <c:v>95.7</c:v>
-                </c:pt>
-              </c:numCache>
-            </c:numRef>
-          </c:val>
-        </c:ser>
-        <c:ser>
-          <c:idx val="1"/>
-          <c:order val="1"/>
-          <c:tx>
-            <c:strRef>
-              <c:f>Sheet1!$C$1</c:f>
-              <c:strCache>
-                <c:ptCount val="1"/>
-                <c:pt idx="0">
-                  <c:v>Low voltage at grid</c:v>
-                </c:pt>
-              </c:strCache>
-            </c:strRef>
-          </c:tx>
-          <c:spPr>
-            <a:solidFill>
-              <a:schemeClr val="accent2"/>
-            </a:solidFill>
-            <a:ln>
-              <a:noFill/>
-            </a:ln>
-            <a:effectLst/>
-          </c:spPr>
-          <c:invertIfNegative val="0"/>
-          <c:dPt>
-            <c:idx val="5"/>
-            <c:invertIfNegative val="0"/>
-            <c:bubble3D val="0"/>
-            <c:spPr>
-              <a:solidFill>
-                <a:srgbClr val="C52A15"/>
-              </a:solidFill>
-              <a:ln>
-                <a:noFill/>
-              </a:ln>
-              <a:effectLst/>
-            </c:spPr>
-          </c:dPt>
-          <c:dPt>
-            <c:idx val="14"/>
-            <c:invertIfNegative val="0"/>
-            <c:bubble3D val="0"/>
-            <c:spPr>
-              <a:solidFill>
-                <a:srgbClr val="C00000"/>
-              </a:solidFill>
-              <a:ln>
-                <a:noFill/>
-              </a:ln>
-              <a:effectLst/>
-            </c:spPr>
-          </c:dPt>
-          <c:cat>
-            <c:strRef>
-              <c:f>Sheet1!$A$2:$A$8</c:f>
-              <c:strCache>
-                <c:ptCount val="7"/>
-                <c:pt idx="0">
-                  <c:v>China</c:v>
-                </c:pt>
-                <c:pt idx="1">
-                  <c:v>United States of America</c:v>
-                </c:pt>
-                <c:pt idx="2">
-                  <c:v>Germany</c:v>
-                </c:pt>
-                <c:pt idx="3">
-                  <c:v>UCTE region</c:v>
-                </c:pt>
-                <c:pt idx="4">
-                  <c:v>Switzerland</c:v>
-                </c:pt>
-                <c:pt idx="5">
-                  <c:v>ASF</c:v>
-                </c:pt>
-                <c:pt idx="6">
-                  <c:v>France</c:v>
-                </c:pt>
-              </c:strCache>
-            </c:strRef>
-          </c:cat>
-          <c:val>
-            <c:numRef>
-              <c:f>Sheet1!$C$2:$C$8</c:f>
-              <c:numCache>
-                <c:formatCode>General</c:formatCode>
-                <c:ptCount val="7"/>
-                <c:pt idx="0">
-                  <c:v>1229.6</c:v>
-                </c:pt>
-                <c:pt idx="1">
-                  <c:v>808.4</c:v>
-                </c:pt>
-                <c:pt idx="2">
-                  <c:v>671.5</c:v>
-                </c:pt>
-                <c:pt idx="3">
-                  <c:v>551.7</c:v>
-                </c:pt>
-                <c:pt idx="4">
-                  <c:v>135.0</c:v>
-                </c:pt>
-                <c:pt idx="5">
-                  <c:v>126.8</c:v>
-                </c:pt>
-                <c:pt idx="6">
-                  <c:v>109.0</c:v>
-                </c:pt>
-              </c:numCache>
-            </c:numRef>
-          </c:val>
-        </c:ser>
-        <c:dLbls>
-          <c:showLegendKey val="0"/>
-          <c:showVal val="0"/>
-          <c:showCatName val="0"/>
-          <c:showSerName val="0"/>
-          <c:showPercent val="0"/>
-          <c:showBubbleSize val="0"/>
-        </c:dLbls>
-        <c:gapWidth val="219"/>
-        <c:overlap val="-27"/>
-        <c:axId val="-2060186832"/>
-        <c:axId val="-2060308736"/>
-      </c:barChart>
-      <c:catAx>
-        <c:axId val="-2060186832"/>
-        <c:scaling>
-          <c:orientation val="minMax"/>
-        </c:scaling>
-        <c:delete val="0"/>
-        <c:axPos val="b"/>
-        <c:numFmt formatCode="General" sourceLinked="1"/>
-        <c:majorTickMark val="none"/>
-        <c:minorTickMark val="none"/>
-        <c:tickLblPos val="nextTo"/>
-        <c:spPr>
-          <a:noFill/>
-          <a:ln w="9525" cap="flat" cmpd="sng" algn="ctr">
-            <a:solidFill>
-              <a:schemeClr val="accent3"/>
-            </a:solidFill>
-            <a:round/>
-          </a:ln>
-          <a:effectLst/>
-        </c:spPr>
-        <c:txPr>
-          <a:bodyPr rot="-60000000" spcFirstLastPara="1" vertOverflow="ellipsis" vert="horz" wrap="square" anchor="ctr" anchorCtr="1"/>
-          <a:lstStyle/>
-          <a:p>
-            <a:pPr>
-              <a:defRPr sz="1400" b="0" i="0" u="none" strike="noStrike" kern="1200" baseline="0">
-                <a:solidFill>
-                  <a:schemeClr val="tx1">
-                    <a:lumMod val="65000"/>
-                    <a:lumOff val="35000"/>
-                  </a:schemeClr>
-                </a:solidFill>
-                <a:latin typeface="+mn-lt"/>
-                <a:ea typeface="+mn-ea"/>
-                <a:cs typeface="+mn-cs"/>
-              </a:defRPr>
-            </a:pPr>
-            <a:endParaRPr lang="en-US"/>
-          </a:p>
-        </c:txPr>
-        <c:crossAx val="-2060308736"/>
-        <c:crosses val="autoZero"/>
-        <c:auto val="1"/>
-        <c:lblAlgn val="ctr"/>
-        <c:lblOffset val="100"/>
-        <c:noMultiLvlLbl val="0"/>
-      </c:catAx>
-      <c:valAx>
-        <c:axId val="-2060308736"/>
-        <c:scaling>
-          <c:orientation val="minMax"/>
-        </c:scaling>
-        <c:delete val="0"/>
-        <c:axPos val="l"/>
-        <c:majorGridlines>
-          <c:spPr>
-            <a:ln w="9525" cap="flat" cmpd="sng" algn="ctr">
-              <a:solidFill>
-                <a:schemeClr val="tx1">
-                  <a:lumMod val="15000"/>
-                  <a:lumOff val="85000"/>
-                </a:schemeClr>
-              </a:solidFill>
-              <a:round/>
-            </a:ln>
-            <a:effectLst/>
-          </c:spPr>
-        </c:majorGridlines>
-        <c:title>
-          <c:tx>
-            <c:rich>
-              <a:bodyPr rot="-5400000" spcFirstLastPara="1" vertOverflow="ellipsis" vert="horz" wrap="square" anchor="ctr" anchorCtr="1"/>
-              <a:lstStyle/>
-              <a:p>
-                <a:pPr>
-                  <a:defRPr sz="1400" b="0" i="0" u="none" strike="noStrike" kern="1200" baseline="0">
-                    <a:solidFill>
-                      <a:schemeClr val="tx1">
-                        <a:lumMod val="65000"/>
-                        <a:lumOff val="35000"/>
-                      </a:schemeClr>
-                    </a:solidFill>
-                    <a:latin typeface="+mn-lt"/>
-                    <a:ea typeface="+mn-ea"/>
-                    <a:cs typeface="+mn-cs"/>
-                  </a:defRPr>
-                </a:pPr>
-                <a:r>
-                  <a:rPr lang="en-US" sz="1600" dirty="0" smtClean="0"/>
-                  <a:t>Electricity production at grid</a:t>
-                </a:r>
-              </a:p>
-              <a:p>
-                <a:pPr>
-                  <a:defRPr sz="1400" b="0" i="0" u="none" strike="noStrike" kern="1200" baseline="0">
-                    <a:solidFill>
-                      <a:schemeClr val="tx1">
-                        <a:lumMod val="65000"/>
-                        <a:lumOff val="35000"/>
-                      </a:schemeClr>
-                    </a:solidFill>
-                    <a:latin typeface="+mn-lt"/>
-                    <a:ea typeface="+mn-ea"/>
-                    <a:cs typeface="+mn-cs"/>
-                  </a:defRPr>
-                </a:pPr>
-                <a:r>
-                  <a:rPr lang="en-US" sz="1600" noProof="1" smtClean="0"/>
-                  <a:t>(g</a:t>
-                </a:r>
-                <a:r>
-                  <a:rPr lang="en-US" sz="1600" baseline="-25000" noProof="1" smtClean="0"/>
-                  <a:t>CO2eq</a:t>
-                </a:r>
-                <a:r>
-                  <a:rPr lang="en-US" sz="1600" noProof="1" smtClean="0"/>
-                  <a:t>/kWh</a:t>
-                </a:r>
-                <a:r>
-                  <a:rPr lang="de-DE" sz="1600" dirty="0" smtClean="0"/>
-                  <a:t>)</a:t>
-                </a:r>
-                <a:endParaRPr lang="en-US" sz="1600" dirty="0"/>
-              </a:p>
-            </c:rich>
-          </c:tx>
-          <c:overlay val="0"/>
-          <c:spPr>
-            <a:noFill/>
-            <a:ln>
-              <a:noFill/>
-            </a:ln>
-            <a:effectLst/>
-          </c:spPr>
-        </c:title>
-        <c:numFmt formatCode="General" sourceLinked="1"/>
-        <c:majorTickMark val="none"/>
-        <c:minorTickMark val="none"/>
-        <c:tickLblPos val="nextTo"/>
-        <c:spPr>
-          <a:noFill/>
-          <a:ln>
-            <a:solidFill>
-              <a:schemeClr val="accent3"/>
-            </a:solidFill>
-          </a:ln>
-          <a:effectLst/>
-        </c:spPr>
-        <c:txPr>
-          <a:bodyPr rot="-60000000" spcFirstLastPara="1" vertOverflow="ellipsis" vert="horz" wrap="square" anchor="ctr" anchorCtr="1"/>
-          <a:lstStyle/>
-          <a:p>
-            <a:pPr>
-              <a:defRPr sz="1400" b="0" i="0" u="none" strike="noStrike" kern="1200" baseline="0">
-                <a:solidFill>
-                  <a:schemeClr val="tx1">
-                    <a:lumMod val="65000"/>
-                    <a:lumOff val="35000"/>
-                  </a:schemeClr>
-                </a:solidFill>
-                <a:latin typeface="+mn-lt"/>
-                <a:ea typeface="+mn-ea"/>
-                <a:cs typeface="+mn-cs"/>
-              </a:defRPr>
-            </a:pPr>
-            <a:endParaRPr lang="en-US"/>
-          </a:p>
-        </c:txPr>
-        <c:crossAx val="-2060186832"/>
-        <c:crosses val="autoZero"/>
-        <c:crossBetween val="between"/>
-      </c:valAx>
-      <c:spPr>
-        <a:noFill/>
-        <a:ln>
-          <a:solidFill>
-            <a:schemeClr val="accent3"/>
-          </a:solidFill>
-        </a:ln>
-        <a:effectLst/>
-      </c:spPr>
-    </c:plotArea>
-    <c:legend>
-      <c:legendPos val="b"/>
-      <c:overlay val="0"/>
-      <c:spPr>
-        <a:noFill/>
-        <a:ln>
-          <a:noFill/>
-        </a:ln>
-        <a:effectLst/>
-      </c:spPr>
-      <c:txPr>
-        <a:bodyPr rot="0" spcFirstLastPara="1" vertOverflow="ellipsis" vert="horz" wrap="square" anchor="ctr" anchorCtr="1"/>
-        <a:lstStyle/>
-        <a:p>
-          <a:pPr>
-            <a:defRPr sz="1197" b="0" i="0" u="none" strike="noStrike" kern="1200" baseline="0">
-              <a:solidFill>
-                <a:schemeClr val="tx1">
-                  <a:lumMod val="65000"/>
-                  <a:lumOff val="35000"/>
-                </a:schemeClr>
-              </a:solidFill>
-              <a:latin typeface="+mn-lt"/>
-              <a:ea typeface="+mn-ea"/>
-              <a:cs typeface="+mn-cs"/>
-            </a:defRPr>
-          </a:pPr>
-          <a:endParaRPr lang="en-US"/>
-        </a:p>
-      </c:txPr>
-    </c:legend>
-    <c:plotVisOnly val="1"/>
-    <c:dispBlanksAs val="gap"/>
-    <c:showDLblsOverMax val="0"/>
-  </c:chart>
-  <c:spPr>
-    <a:noFill/>
-    <a:ln>
-      <a:noFill/>
-    </a:ln>
-    <a:effectLst/>
-  </c:spPr>
-  <c:txPr>
-    <a:bodyPr/>
-    <a:lstStyle/>
-    <a:p>
-      <a:pPr>
-        <a:defRPr/>
-      </a:pPr>
-      <a:endParaRPr lang="en-US"/>
-    </a:p>
-  </c:txPr>
-  <c:externalData r:id="rId1">
-    <c:autoUpdate val="0"/>
-  </c:externalData>
-</c:chartSpace>
-</file>
-
-<file path=ppt/charts/chart16.xml><?xml version="1.0" encoding="utf-8"?>
-<c:chartSpace xmlns:c="http://schemas.openxmlformats.org/drawingml/2006/chart" xmlns:a="http://schemas.openxmlformats.org/drawingml/2006/main" xmlns:r="http://schemas.openxmlformats.org/officeDocument/2006/relationships">
-  <c:date1904 val="0"/>
-  <c:lang val="en-US"/>
-  <c:roundedCorners val="0"/>
-  <mc:AlternateContent xmlns:mc="http://schemas.openxmlformats.org/markup-compatibility/2006">
-    <mc:Choice xmlns:c14="http://schemas.microsoft.com/office/drawing/2007/8/2/chart" Requires="c14">
-      <c14:style val="102"/>
-    </mc:Choice>
-    <mc:Fallback>
-      <c:style val="2"/>
-    </mc:Fallback>
-  </mc:AlternateContent>
-  <c:chart>
-    <c:autoTitleDeleted val="1"/>
-    <c:plotArea>
-      <c:layout/>
-      <c:pieChart>
-        <c:varyColors val="1"/>
-        <c:ser>
-          <c:idx val="0"/>
-          <c:order val="0"/>
-          <c:tx>
-            <c:strRef>
-              <c:f>Sheet1!$B$1</c:f>
-              <c:strCache>
-                <c:ptCount val="1"/>
-                <c:pt idx="0">
-                  <c:v>Column1</c:v>
-                </c:pt>
-              </c:strCache>
-            </c:strRef>
-          </c:tx>
-          <c:dPt>
-            <c:idx val="0"/>
-            <c:bubble3D val="0"/>
-            <c:spPr>
-              <a:solidFill>
-                <a:schemeClr val="accent1"/>
-              </a:solidFill>
-              <a:ln w="19050">
-                <a:solidFill>
-                  <a:schemeClr val="lt1"/>
-                </a:solidFill>
-              </a:ln>
-              <a:effectLst/>
-            </c:spPr>
-          </c:dPt>
-          <c:dPt>
-            <c:idx val="1"/>
-            <c:bubble3D val="0"/>
-            <c:spPr>
-              <a:solidFill>
-                <a:schemeClr val="accent2"/>
-              </a:solidFill>
-              <a:ln w="19050">
-                <a:solidFill>
-                  <a:schemeClr val="lt1"/>
-                </a:solidFill>
-              </a:ln>
-              <a:effectLst/>
-            </c:spPr>
-          </c:dPt>
-          <c:dPt>
-            <c:idx val="2"/>
-            <c:bubble3D val="0"/>
-            <c:spPr>
-              <a:solidFill>
-                <a:schemeClr val="accent3"/>
-              </a:solidFill>
-              <a:ln w="19050">
-                <a:solidFill>
-                  <a:schemeClr val="lt1"/>
-                </a:solidFill>
-              </a:ln>
-              <a:effectLst/>
-            </c:spPr>
-          </c:dPt>
-          <c:dPt>
-            <c:idx val="3"/>
-            <c:bubble3D val="0"/>
-            <c:spPr>
-              <a:solidFill>
-                <a:schemeClr val="accent4"/>
-              </a:solidFill>
-              <a:ln w="19050">
-                <a:solidFill>
-                  <a:schemeClr val="lt1"/>
-                </a:solidFill>
-              </a:ln>
-              <a:effectLst/>
-            </c:spPr>
-          </c:dPt>
-          <c:dPt>
-            <c:idx val="4"/>
-            <c:bubble3D val="0"/>
-            <c:spPr>
-              <a:solidFill>
-                <a:schemeClr val="accent5"/>
-              </a:solidFill>
-              <a:ln w="19050">
-                <a:solidFill>
-                  <a:schemeClr val="lt1"/>
-                </a:solidFill>
-              </a:ln>
-              <a:effectLst/>
-            </c:spPr>
-          </c:dPt>
-          <c:dPt>
-            <c:idx val="5"/>
-            <c:bubble3D val="0"/>
-            <c:spPr>
-              <a:solidFill>
-                <a:schemeClr val="accent6"/>
-              </a:solidFill>
-              <a:ln w="19050">
-                <a:solidFill>
-                  <a:schemeClr val="lt1"/>
-                </a:solidFill>
-              </a:ln>
-              <a:effectLst/>
-            </c:spPr>
-          </c:dPt>
-          <c:dLbls>
-            <c:spPr>
-              <a:noFill/>
-              <a:ln>
-                <a:noFill/>
-              </a:ln>
-              <a:effectLst/>
-            </c:spPr>
-            <c:txPr>
-              <a:bodyPr rot="0" spcFirstLastPara="1" vertOverflow="ellipsis" vert="horz" wrap="square" lIns="38100" tIns="19050" rIns="38100" bIns="19050" anchor="ctr" anchorCtr="1">
-                <a:spAutoFit/>
-              </a:bodyPr>
-              <a:lstStyle/>
-              <a:p>
-                <a:pPr>
-                  <a:defRPr sz="1197" b="0" i="0" u="none" strike="noStrike" kern="1200" baseline="0">
-                    <a:solidFill>
-                      <a:schemeClr val="tx1">
-                        <a:lumMod val="75000"/>
-                        <a:lumOff val="25000"/>
-                      </a:schemeClr>
-                    </a:solidFill>
-                    <a:latin typeface="+mn-lt"/>
-                    <a:ea typeface="+mn-ea"/>
-                    <a:cs typeface="+mn-cs"/>
-                  </a:defRPr>
-                </a:pPr>
-                <a:endParaRPr lang="en-US"/>
-              </a:p>
-            </c:txPr>
-            <c:showLegendKey val="0"/>
-            <c:showVal val="1"/>
-            <c:showCatName val="0"/>
-            <c:showSerName val="0"/>
-            <c:showPercent val="0"/>
-            <c:showBubbleSize val="0"/>
-            <c:showLeaderLines val="1"/>
-            <c:leaderLines>
-              <c:spPr>
-                <a:ln w="9525" cap="flat" cmpd="sng" algn="ctr">
-                  <a:solidFill>
-                    <a:schemeClr val="tx1">
-                      <a:lumMod val="35000"/>
-                      <a:lumOff val="65000"/>
-                    </a:schemeClr>
-                  </a:solidFill>
-                  <a:round/>
-                </a:ln>
-                <a:effectLst/>
-              </c:spPr>
-            </c:leaderLines>
-            <c:extLst>
-              <c:ext xmlns:c15="http://schemas.microsoft.com/office/drawing/2012/chart" uri="{CE6537A1-D6FC-4f65-9D91-7224C49458BB}"/>
-            </c:extLst>
-          </c:dLbls>
-          <c:cat>
-            <c:strRef>
-              <c:f>Sheet1!$A$2:$A$7</c:f>
-              <c:strCache>
-                <c:ptCount val="6"/>
-                <c:pt idx="0">
-                  <c:v>Solar panels</c:v>
-                </c:pt>
-                <c:pt idx="1">
-                  <c:v>Control &amp; electronic systems</c:v>
-                </c:pt>
-                <c:pt idx="2">
-                  <c:v>Steel frame</c:v>
-                </c:pt>
-                <c:pt idx="3">
-                  <c:v>Actuators</c:v>
-                </c:pt>
-                <c:pt idx="4">
-                  <c:v>Cantilever brackets</c:v>
-                </c:pt>
-                <c:pt idx="5">
-                  <c:v>Assembling ASF</c:v>
-                </c:pt>
-              </c:strCache>
-            </c:strRef>
-          </c:cat>
-          <c:val>
-            <c:numRef>
-              <c:f>Sheet1!$B$2:$B$7</c:f>
-              <c:numCache>
-                <c:formatCode>0.00%</c:formatCode>
-                <c:ptCount val="6"/>
-                <c:pt idx="0">
                   <c:v>0.152198962269307</c:v>
                 </c:pt>
                 <c:pt idx="1">
@@ -3905,7 +3826,7 @@
       <a:endParaRPr lang="en-US"/>
     </a:p>
   </c:txPr>
-  <c:externalData r:id="rId3">
+  <c:externalData r:id="rId1">
     <c:autoUpdate val="0"/>
   </c:externalData>
 </c:chartSpace>
@@ -4047,7 +3968,7 @@
                   <c:v>-6.43</c:v>
                 </c:pt>
                 <c:pt idx="10">
-                  <c:v>-9.74</c:v>
+                  <c:v>-9.739999999999998</c:v>
                 </c:pt>
                 <c:pt idx="11">
                   <c:v>-13.05</c:v>
@@ -4080,12 +4001,13 @@
           <c:showPercent val="0"/>
           <c:showBubbleSize val="0"/>
         </c:dLbls>
+        <c:marker val="1"/>
         <c:smooth val="0"/>
-        <c:axId val="-2061447856"/>
-        <c:axId val="-2061444496"/>
+        <c:axId val="-2133634536"/>
+        <c:axId val="-2133630856"/>
       </c:lineChart>
       <c:catAx>
-        <c:axId val="-2061447856"/>
+        <c:axId val="-2133634536"/>
         <c:scaling>
           <c:orientation val="minMax"/>
         </c:scaling>
@@ -4128,7 +4050,7 @@
             <a:endParaRPr lang="en-US"/>
           </a:p>
         </c:txPr>
-        <c:crossAx val="-2061444496"/>
+        <c:crossAx val="-2133630856"/>
         <c:crosses val="autoZero"/>
         <c:auto val="1"/>
         <c:lblAlgn val="ctr"/>
@@ -4136,7 +4058,7 @@
         <c:noMultiLvlLbl val="0"/>
       </c:catAx>
       <c:valAx>
-        <c:axId val="-2061444496"/>
+        <c:axId val="-2133630856"/>
         <c:scaling>
           <c:orientation val="minMax"/>
         </c:scaling>
@@ -4183,6 +4105,7 @@
               </a:p>
             </c:rich>
           </c:tx>
+          <c:layout/>
           <c:overlay val="0"/>
           <c:spPr>
             <a:noFill/>
@@ -4223,7 +4146,7 @@
             <a:endParaRPr lang="en-US"/>
           </a:p>
         </c:txPr>
-        <c:crossAx val="-2061447856"/>
+        <c:crossAx val="-2133634536"/>
         <c:crosses val="autoZero"/>
         <c:crossBetween val="between"/>
       </c:valAx>
@@ -4239,6 +4162,7 @@
     </c:plotArea>
     <c:legend>
       <c:legendPos val="b"/>
+      <c:layout/>
       <c:overlay val="0"/>
       <c:spPr>
         <a:noFill/>
@@ -4830,11 +4754,11 @@
         </c:dLbls>
         <c:gapWidth val="219"/>
         <c:overlap val="-27"/>
-        <c:axId val="-2061333792"/>
-        <c:axId val="-2061330704"/>
+        <c:axId val="2107657768"/>
+        <c:axId val="2107649368"/>
       </c:barChart>
       <c:catAx>
-        <c:axId val="-2061333792"/>
+        <c:axId val="2107657768"/>
         <c:scaling>
           <c:orientation val="minMax"/>
         </c:scaling>
@@ -4877,7 +4801,7 @@
             <a:endParaRPr lang="en-US"/>
           </a:p>
         </c:txPr>
-        <c:crossAx val="-2061330704"/>
+        <c:crossAx val="2107649368"/>
         <c:crosses val="autoZero"/>
         <c:auto val="1"/>
         <c:lblAlgn val="ctr"/>
@@ -4885,7 +4809,7 @@
         <c:noMultiLvlLbl val="0"/>
       </c:catAx>
       <c:valAx>
-        <c:axId val="-2061330704"/>
+        <c:axId val="2107649368"/>
         <c:scaling>
           <c:orientation val="minMax"/>
         </c:scaling>
@@ -4948,6 +4872,7 @@
               </a:p>
             </c:rich>
           </c:tx>
+          <c:layout/>
           <c:overlay val="0"/>
           <c:spPr>
             <a:noFill/>
@@ -4956,26 +4881,6 @@
             </a:ln>
             <a:effectLst/>
           </c:spPr>
-          <c:txPr>
-            <a:bodyPr rot="-5400000" spcFirstLastPara="1" vertOverflow="ellipsis" vert="horz" wrap="square" anchor="ctr" anchorCtr="1"/>
-            <a:lstStyle/>
-            <a:p>
-              <a:pPr>
-                <a:defRPr sz="1600" b="0" i="0" u="none" strike="noStrike" kern="1200" baseline="0">
-                  <a:solidFill>
-                    <a:schemeClr val="tx1">
-                      <a:lumMod val="65000"/>
-                      <a:lumOff val="35000"/>
-                    </a:schemeClr>
-                  </a:solidFill>
-                  <a:latin typeface="+mn-lt"/>
-                  <a:ea typeface="+mn-ea"/>
-                  <a:cs typeface="+mn-cs"/>
-                </a:defRPr>
-              </a:pPr>
-              <a:endParaRPr lang="en-US"/>
-            </a:p>
-          </c:txPr>
         </c:title>
         <c:numFmt formatCode="General" sourceLinked="1"/>
         <c:majorTickMark val="none"/>
@@ -5008,7 +4913,7 @@
             <a:endParaRPr lang="en-US"/>
           </a:p>
         </c:txPr>
-        <c:crossAx val="-2061333792"/>
+        <c:crossAx val="2107657768"/>
         <c:crosses val="autoZero"/>
         <c:crossBetween val="between"/>
       </c:valAx>
@@ -5024,6 +4929,7 @@
     </c:plotArea>
     <c:legend>
       <c:legendPos val="b"/>
+      <c:layout/>
       <c:overlay val="0"/>
       <c:spPr>
         <a:noFill/>
@@ -5074,10 +4980,10 @@
       <a:endParaRPr lang="en-US"/>
     </a:p>
   </c:txPr>
-  <c:externalData r:id="rId3">
+  <c:externalData r:id="rId1">
     <c:autoUpdate val="0"/>
   </c:externalData>
-  <c:userShapes r:id="rId4"/>
+  <c:userShapes r:id="rId2"/>
 </c:chartSpace>
 </file>
 
@@ -5248,28 +5154,6 @@
                 </a:ln>
                 <a:effectLst/>
               </c:spPr>
-              <c:txPr>
-                <a:bodyPr rot="0" spcFirstLastPara="1" vertOverflow="ellipsis" vert="horz" wrap="square" lIns="38100" tIns="19050" rIns="38100" bIns="19050" anchor="ctr" anchorCtr="1">
-                  <a:noAutofit/>
-                </a:bodyPr>
-                <a:lstStyle/>
-                <a:p>
-                  <a:pPr>
-                    <a:defRPr sz="1197" b="0" i="0" u="none" strike="noStrike" kern="1200" baseline="0">
-                      <a:solidFill>
-                        <a:schemeClr val="tx1">
-                          <a:lumMod val="75000"/>
-                          <a:lumOff val="25000"/>
-                        </a:schemeClr>
-                      </a:solidFill>
-                      <a:latin typeface="+mn-lt"/>
-                      <a:ea typeface="+mn-ea"/>
-                      <a:cs typeface="+mn-cs"/>
-                    </a:defRPr>
-                  </a:pPr>
-                  <a:endParaRPr lang="en-US"/>
-                </a:p>
-              </c:txPr>
               <c:showLegendKey val="0"/>
               <c:showVal val="1"/>
               <c:showCatName val="0"/>
@@ -5703,11 +5587,11 @@
         </c:dLbls>
         <c:gapWidth val="219"/>
         <c:overlap val="100"/>
-        <c:axId val="-2061265056"/>
-        <c:axId val="-2061262064"/>
+        <c:axId val="-2129734920"/>
+        <c:axId val="-2129731368"/>
       </c:barChart>
       <c:catAx>
-        <c:axId val="-2061265056"/>
+        <c:axId val="-2129734920"/>
         <c:scaling>
           <c:orientation val="minMax"/>
         </c:scaling>
@@ -5750,7 +5634,7 @@
             <a:endParaRPr lang="en-US"/>
           </a:p>
         </c:txPr>
-        <c:crossAx val="-2061262064"/>
+        <c:crossAx val="-2129731368"/>
         <c:crosses val="autoZero"/>
         <c:auto val="1"/>
         <c:lblAlgn val="ctr"/>
@@ -5758,7 +5642,7 @@
         <c:noMultiLvlLbl val="0"/>
       </c:catAx>
       <c:valAx>
-        <c:axId val="-2061262064"/>
+        <c:axId val="-2129731368"/>
         <c:scaling>
           <c:orientation val="minMax"/>
         </c:scaling>
@@ -5839,6 +5723,7 @@
               </a:p>
             </c:rich>
           </c:tx>
+          <c:layout/>
           <c:overlay val="0"/>
           <c:spPr>
             <a:noFill/>
@@ -5847,26 +5732,6 @@
             </a:ln>
             <a:effectLst/>
           </c:spPr>
-          <c:txPr>
-            <a:bodyPr rot="-5400000" spcFirstLastPara="1" vertOverflow="ellipsis" vert="horz" wrap="square" anchor="ctr" anchorCtr="1"/>
-            <a:lstStyle/>
-            <a:p>
-              <a:pPr>
-                <a:defRPr sz="1330" b="0" i="0" u="none" strike="noStrike" kern="1200" baseline="0">
-                  <a:solidFill>
-                    <a:schemeClr val="tx1">
-                      <a:lumMod val="65000"/>
-                      <a:lumOff val="35000"/>
-                    </a:schemeClr>
-                  </a:solidFill>
-                  <a:latin typeface="+mn-lt"/>
-                  <a:ea typeface="+mn-ea"/>
-                  <a:cs typeface="+mn-cs"/>
-                </a:defRPr>
-              </a:pPr>
-              <a:endParaRPr lang="en-US"/>
-            </a:p>
-          </c:txPr>
         </c:title>
         <c:numFmt formatCode="General" sourceLinked="1"/>
         <c:majorTickMark val="none"/>
@@ -5899,7 +5764,7 @@
             <a:endParaRPr lang="en-US"/>
           </a:p>
         </c:txPr>
-        <c:crossAx val="-2061265056"/>
+        <c:crossAx val="-2129734920"/>
         <c:crosses val="autoZero"/>
         <c:crossBetween val="between"/>
       </c:valAx>
@@ -5915,6 +5780,7 @@
     </c:plotArea>
     <c:legend>
       <c:legendPos val="b"/>
+      <c:layout/>
       <c:overlay val="0"/>
       <c:spPr>
         <a:noFill/>
@@ -5965,7 +5831,7 @@
       <a:endParaRPr lang="en-US"/>
     </a:p>
   </c:txPr>
-  <c:externalData r:id="rId3">
+  <c:externalData r:id="rId1">
     <c:autoUpdate val="0"/>
   </c:externalData>
 </c:chartSpace>
@@ -6361,11 +6227,11 @@
         </c:dLbls>
         <c:gapWidth val="219"/>
         <c:overlap val="-27"/>
-        <c:axId val="-2116166496"/>
-        <c:axId val="-2116163024"/>
+        <c:axId val="2146081576"/>
+        <c:axId val="2145875688"/>
       </c:barChart>
       <c:catAx>
-        <c:axId val="-2116166496"/>
+        <c:axId val="2146081576"/>
         <c:scaling>
           <c:orientation val="minMax"/>
         </c:scaling>
@@ -6405,7 +6271,7 @@
             <a:endParaRPr lang="en-US"/>
           </a:p>
         </c:txPr>
-        <c:crossAx val="-2116163024"/>
+        <c:crossAx val="2145875688"/>
         <c:crosses val="autoZero"/>
         <c:auto val="1"/>
         <c:lblAlgn val="ctr"/>
@@ -6413,7 +6279,7 @@
         <c:noMultiLvlLbl val="0"/>
       </c:catAx>
       <c:valAx>
-        <c:axId val="-2116163024"/>
+        <c:axId val="2145875688"/>
         <c:scaling>
           <c:orientation val="minMax"/>
         </c:scaling>
@@ -6472,6 +6338,7 @@
               </a:p>
             </c:rich>
           </c:tx>
+          <c:layout/>
           <c:overlay val="0"/>
           <c:spPr>
             <a:noFill/>
@@ -6480,26 +6347,6 @@
             </a:ln>
             <a:effectLst/>
           </c:spPr>
-          <c:txPr>
-            <a:bodyPr rot="-5400000" spcFirstLastPara="1" vertOverflow="ellipsis" vert="horz" wrap="square" anchor="ctr" anchorCtr="1"/>
-            <a:lstStyle/>
-            <a:p>
-              <a:pPr>
-                <a:defRPr sz="1400" b="0" i="0" u="none" strike="noStrike" kern="1200" baseline="0">
-                  <a:solidFill>
-                    <a:schemeClr val="tx1">
-                      <a:lumMod val="65000"/>
-                      <a:lumOff val="35000"/>
-                    </a:schemeClr>
-                  </a:solidFill>
-                  <a:latin typeface="+mn-lt"/>
-                  <a:ea typeface="+mn-ea"/>
-                  <a:cs typeface="+mn-cs"/>
-                </a:defRPr>
-              </a:pPr>
-              <a:endParaRPr lang="en-US"/>
-            </a:p>
-          </c:txPr>
         </c:title>
         <c:numFmt formatCode="General" sourceLinked="1"/>
         <c:majorTickMark val="none"/>
@@ -6534,7 +6381,7 @@
             <a:endParaRPr lang="en-US"/>
           </a:p>
         </c:txPr>
-        <c:crossAx val="-2116166496"/>
+        <c:crossAx val="2146081576"/>
         <c:crosses val="autoZero"/>
         <c:crossBetween val="between"/>
       </c:valAx>
@@ -6550,6 +6397,7 @@
     </c:plotArea>
     <c:legend>
       <c:legendPos val="b"/>
+      <c:layout/>
       <c:overlay val="0"/>
       <c:spPr>
         <a:noFill/>
@@ -6600,7 +6448,7 @@
       <a:endParaRPr lang="en-US"/>
     </a:p>
   </c:txPr>
-  <c:externalData r:id="rId3">
+  <c:externalData r:id="rId1">
     <c:autoUpdate val="0"/>
   </c:externalData>
 </c:chartSpace>
@@ -6916,11 +6764,11 @@
         </c:dLbls>
         <c:gapWidth val="219"/>
         <c:overlap val="100"/>
-        <c:axId val="2140333024"/>
-        <c:axId val="2140324064"/>
+        <c:axId val="-2129692632"/>
+        <c:axId val="-2135793736"/>
       </c:barChart>
       <c:catAx>
-        <c:axId val="2140333024"/>
+        <c:axId val="-2129692632"/>
         <c:scaling>
           <c:orientation val="minMax"/>
         </c:scaling>
@@ -6963,7 +6811,7 @@
             <a:endParaRPr lang="en-US"/>
           </a:p>
         </c:txPr>
-        <c:crossAx val="2140324064"/>
+        <c:crossAx val="-2135793736"/>
         <c:crosses val="autoZero"/>
         <c:auto val="1"/>
         <c:lblAlgn val="ctr"/>
@@ -6971,7 +6819,7 @@
         <c:noMultiLvlLbl val="0"/>
       </c:catAx>
       <c:valAx>
-        <c:axId val="2140324064"/>
+        <c:axId val="-2135793736"/>
         <c:scaling>
           <c:orientation val="minMax"/>
         </c:scaling>
@@ -7022,6 +6870,7 @@
               </a:p>
             </c:rich>
           </c:tx>
+          <c:layout/>
           <c:overlay val="0"/>
           <c:spPr>
             <a:noFill/>
@@ -7062,7 +6911,7 @@
             <a:endParaRPr lang="en-US"/>
           </a:p>
         </c:txPr>
-        <c:crossAx val="2140333024"/>
+        <c:crossAx val="-2129692632"/>
         <c:crosses val="autoZero"/>
         <c:crossBetween val="between"/>
       </c:valAx>
@@ -7078,6 +6927,7 @@
     </c:plotArea>
     <c:legend>
       <c:legendPos val="b"/>
+      <c:layout/>
       <c:overlay val="0"/>
       <c:spPr>
         <a:noFill/>
@@ -7329,11 +7179,11 @@
         </c:dLbls>
         <c:gapWidth val="219"/>
         <c:overlap val="100"/>
-        <c:axId val="-2061220992"/>
-        <c:axId val="-2061217568"/>
+        <c:axId val="2145878792"/>
+        <c:axId val="2108443896"/>
       </c:barChart>
       <c:catAx>
-        <c:axId val="-2061220992"/>
+        <c:axId val="2145878792"/>
         <c:scaling>
           <c:orientation val="minMax"/>
         </c:scaling>
@@ -7373,7 +7223,7 @@
             <a:endParaRPr lang="en-US"/>
           </a:p>
         </c:txPr>
-        <c:crossAx val="-2061217568"/>
+        <c:crossAx val="2108443896"/>
         <c:crosses val="autoZero"/>
         <c:auto val="1"/>
         <c:lblAlgn val="ctr"/>
@@ -7381,7 +7231,7 @@
         <c:noMultiLvlLbl val="0"/>
       </c:catAx>
       <c:valAx>
-        <c:axId val="-2061217568"/>
+        <c:axId val="2108443896"/>
         <c:scaling>
           <c:orientation val="minMax"/>
         </c:scaling>
@@ -7462,6 +7312,7 @@
               </a:p>
             </c:rich>
           </c:tx>
+          <c:layout/>
           <c:overlay val="0"/>
           <c:spPr>
             <a:noFill/>
@@ -7470,26 +7321,6 @@
             </a:ln>
             <a:effectLst/>
           </c:spPr>
-          <c:txPr>
-            <a:bodyPr rot="-5400000" spcFirstLastPara="1" vertOverflow="ellipsis" vert="horz" wrap="square" anchor="ctr" anchorCtr="1"/>
-            <a:lstStyle/>
-            <a:p>
-              <a:pPr>
-                <a:defRPr sz="1330" b="0" i="0" u="none" strike="noStrike" kern="1200" baseline="0">
-                  <a:solidFill>
-                    <a:schemeClr val="tx1">
-                      <a:lumMod val="65000"/>
-                      <a:lumOff val="35000"/>
-                    </a:schemeClr>
-                  </a:solidFill>
-                  <a:latin typeface="+mn-lt"/>
-                  <a:ea typeface="+mn-ea"/>
-                  <a:cs typeface="+mn-cs"/>
-                </a:defRPr>
-              </a:pPr>
-              <a:endParaRPr lang="en-US"/>
-            </a:p>
-          </c:txPr>
         </c:title>
         <c:numFmt formatCode="General" sourceLinked="1"/>
         <c:majorTickMark val="none"/>
@@ -7522,7 +7353,7 @@
             <a:endParaRPr lang="en-US"/>
           </a:p>
         </c:txPr>
-        <c:crossAx val="-2061220992"/>
+        <c:crossAx val="2145878792"/>
         <c:crosses val="autoZero"/>
         <c:crossBetween val="between"/>
         <c:majorUnit val="100.0"/>
@@ -7558,7 +7389,7 @@
       <a:endParaRPr lang="en-US"/>
     </a:p>
   </c:txPr>
-  <c:externalData r:id="rId3">
+  <c:externalData r:id="rId1">
     <c:autoUpdate val="0"/>
   </c:externalData>
 </c:chartSpace>
@@ -7736,11 +7567,11 @@
         </c:dLbls>
         <c:gapWidth val="219"/>
         <c:overlap val="100"/>
-        <c:axId val="-2061146592"/>
-        <c:axId val="-2061143232"/>
+        <c:axId val="-2129863512"/>
+        <c:axId val="2145914808"/>
       </c:barChart>
       <c:catAx>
-        <c:axId val="-2061146592"/>
+        <c:axId val="-2129863512"/>
         <c:scaling>
           <c:orientation val="minMax"/>
         </c:scaling>
@@ -7780,7 +7611,7 @@
             <a:endParaRPr lang="en-US"/>
           </a:p>
         </c:txPr>
-        <c:crossAx val="-2061143232"/>
+        <c:crossAx val="2145914808"/>
         <c:crosses val="autoZero"/>
         <c:auto val="1"/>
         <c:lblAlgn val="ctr"/>
@@ -7788,7 +7619,7 @@
         <c:noMultiLvlLbl val="0"/>
       </c:catAx>
       <c:valAx>
-        <c:axId val="-2061143232"/>
+        <c:axId val="2145914808"/>
         <c:scaling>
           <c:orientation val="minMax"/>
         </c:scaling>
@@ -7875,6 +7706,7 @@
               </a:p>
             </c:rich>
           </c:tx>
+          <c:layout/>
           <c:overlay val="0"/>
           <c:spPr>
             <a:noFill/>
@@ -7883,26 +7715,6 @@
             </a:ln>
             <a:effectLst/>
           </c:spPr>
-          <c:txPr>
-            <a:bodyPr rot="-5400000" spcFirstLastPara="1" vertOverflow="ellipsis" vert="horz" wrap="square" anchor="ctr" anchorCtr="1"/>
-            <a:lstStyle/>
-            <a:p>
-              <a:pPr>
-                <a:defRPr sz="1330" b="0" i="0" u="none" strike="noStrike" kern="1200" baseline="0">
-                  <a:solidFill>
-                    <a:schemeClr val="tx1">
-                      <a:lumMod val="65000"/>
-                      <a:lumOff val="35000"/>
-                    </a:schemeClr>
-                  </a:solidFill>
-                  <a:latin typeface="+mn-lt"/>
-                  <a:ea typeface="+mn-ea"/>
-                  <a:cs typeface="+mn-cs"/>
-                </a:defRPr>
-              </a:pPr>
-              <a:endParaRPr lang="en-US"/>
-            </a:p>
-          </c:txPr>
         </c:title>
         <c:numFmt formatCode="General" sourceLinked="1"/>
         <c:majorTickMark val="none"/>
@@ -7935,7 +7747,7 @@
             <a:endParaRPr lang="en-US"/>
           </a:p>
         </c:txPr>
-        <c:crossAx val="-2061146592"/>
+        <c:crossAx val="-2129863512"/>
         <c:crosses val="autoZero"/>
         <c:crossBetween val="between"/>
       </c:valAx>
@@ -7970,7 +7782,7 @@
       <a:endParaRPr lang="en-US"/>
     </a:p>
   </c:txPr>
-  <c:externalData r:id="rId3">
+  <c:externalData r:id="rId1">
     <c:autoUpdate val="0"/>
   </c:externalData>
 </c:chartSpace>
@@ -8262,11 +8074,11 @@
         </c:dLbls>
         <c:gapWidth val="219"/>
         <c:overlap val="-27"/>
-        <c:axId val="2139959088"/>
-        <c:axId val="2139962496"/>
+        <c:axId val="2106480824"/>
+        <c:axId val="2105918600"/>
       </c:barChart>
       <c:catAx>
-        <c:axId val="2139959088"/>
+        <c:axId val="2106480824"/>
         <c:scaling>
           <c:orientation val="minMax"/>
         </c:scaling>
@@ -8306,7 +8118,7 @@
             <a:endParaRPr lang="en-US"/>
           </a:p>
         </c:txPr>
-        <c:crossAx val="2139962496"/>
+        <c:crossAx val="2105918600"/>
         <c:crosses val="autoZero"/>
         <c:auto val="1"/>
         <c:lblAlgn val="ctr"/>
@@ -8314,7 +8126,7 @@
         <c:noMultiLvlLbl val="0"/>
       </c:catAx>
       <c:valAx>
-        <c:axId val="2139962496"/>
+        <c:axId val="2105918600"/>
         <c:scaling>
           <c:orientation val="minMax"/>
         </c:scaling>
@@ -8394,26 +8206,6 @@
             </a:ln>
             <a:effectLst/>
           </c:spPr>
-          <c:txPr>
-            <a:bodyPr rot="-5400000" spcFirstLastPara="1" vertOverflow="ellipsis" vert="horz" wrap="square" anchor="ctr" anchorCtr="1"/>
-            <a:lstStyle/>
-            <a:p>
-              <a:pPr>
-                <a:defRPr sz="1400" b="0" i="0" u="none" strike="noStrike" kern="1200" baseline="0">
-                  <a:solidFill>
-                    <a:schemeClr val="tx1">
-                      <a:lumMod val="65000"/>
-                      <a:lumOff val="35000"/>
-                    </a:schemeClr>
-                  </a:solidFill>
-                  <a:latin typeface="+mn-lt"/>
-                  <a:ea typeface="+mn-ea"/>
-                  <a:cs typeface="+mn-cs"/>
-                </a:defRPr>
-              </a:pPr>
-              <a:endParaRPr lang="en-US"/>
-            </a:p>
-          </c:txPr>
         </c:title>
         <c:numFmt formatCode="General" sourceLinked="1"/>
         <c:majorTickMark val="none"/>
@@ -8448,7 +8240,7 @@
             <a:endParaRPr lang="en-US"/>
           </a:p>
         </c:txPr>
-        <c:crossAx val="2139959088"/>
+        <c:crossAx val="2106480824"/>
         <c:crosses val="autoZero"/>
         <c:crossBetween val="between"/>
       </c:valAx>
@@ -8515,7 +8307,7 @@
       <a:endParaRPr lang="en-US"/>
     </a:p>
   </c:txPr>
-  <c:externalData r:id="rId3">
+  <c:externalData r:id="rId1">
     <c:autoUpdate val="0"/>
   </c:externalData>
 </c:chartSpace>
@@ -9053,11 +8845,11 @@
         </c:dLbls>
         <c:gapWidth val="219"/>
         <c:overlap val="-27"/>
-        <c:axId val="2139820752"/>
-        <c:axId val="2139824096"/>
+        <c:axId val="-2133492904"/>
+        <c:axId val="-2133489128"/>
       </c:barChart>
       <c:catAx>
-        <c:axId val="2139820752"/>
+        <c:axId val="-2133492904"/>
         <c:scaling>
           <c:orientation val="minMax"/>
         </c:scaling>
@@ -9097,7 +8889,7 @@
             <a:endParaRPr lang="en-US"/>
           </a:p>
         </c:txPr>
-        <c:crossAx val="2139824096"/>
+        <c:crossAx val="-2133489128"/>
         <c:crosses val="autoZero"/>
         <c:auto val="1"/>
         <c:lblAlgn val="ctr"/>
@@ -9105,7 +8897,7 @@
         <c:noMultiLvlLbl val="0"/>
       </c:catAx>
       <c:valAx>
-        <c:axId val="2139824096"/>
+        <c:axId val="-2133489128"/>
         <c:scaling>
           <c:orientation val="minMax"/>
         </c:scaling>
@@ -9151,7 +8943,17 @@
               </a:p>
               <a:p>
                 <a:pPr>
-                  <a:defRPr sz="1400"/>
+                  <a:defRPr sz="1400" b="0" i="0" u="none" strike="noStrike" kern="1200" baseline="0">
+                    <a:solidFill>
+                      <a:schemeClr val="tx1">
+                        <a:lumMod val="65000"/>
+                        <a:lumOff val="35000"/>
+                      </a:schemeClr>
+                    </a:solidFill>
+                    <a:latin typeface="+mn-lt"/>
+                    <a:ea typeface="+mn-ea"/>
+                    <a:cs typeface="+mn-cs"/>
+                  </a:defRPr>
                 </a:pPr>
                 <a:r>
                   <a:rPr lang="en-US" sz="1600" dirty="0" smtClean="0"/>
@@ -9181,6 +8983,7 @@
               </a:p>
             </c:rich>
           </c:tx>
+          <c:layout/>
           <c:overlay val="0"/>
           <c:spPr>
             <a:noFill/>
@@ -9189,26 +8992,6 @@
             </a:ln>
             <a:effectLst/>
           </c:spPr>
-          <c:txPr>
-            <a:bodyPr rot="-5400000" spcFirstLastPara="1" vertOverflow="ellipsis" vert="horz" wrap="square" anchor="ctr" anchorCtr="1"/>
-            <a:lstStyle/>
-            <a:p>
-              <a:pPr>
-                <a:defRPr sz="1400" b="0" i="0" u="none" strike="noStrike" kern="1200" baseline="0">
-                  <a:solidFill>
-                    <a:schemeClr val="tx1">
-                      <a:lumMod val="65000"/>
-                      <a:lumOff val="35000"/>
-                    </a:schemeClr>
-                  </a:solidFill>
-                  <a:latin typeface="+mn-lt"/>
-                  <a:ea typeface="+mn-ea"/>
-                  <a:cs typeface="+mn-cs"/>
-                </a:defRPr>
-              </a:pPr>
-              <a:endParaRPr lang="en-US"/>
-            </a:p>
-          </c:txPr>
         </c:title>
         <c:numFmt formatCode="General" sourceLinked="1"/>
         <c:majorTickMark val="none"/>
@@ -9243,7 +9026,7 @@
             <a:endParaRPr lang="en-US"/>
           </a:p>
         </c:txPr>
-        <c:crossAx val="2139820752"/>
+        <c:crossAx val="-2133492904"/>
         <c:crosses val="autoZero"/>
         <c:crossBetween val="between"/>
       </c:valAx>
@@ -9259,6 +9042,7 @@
     </c:plotArea>
     <c:legend>
       <c:legendPos val="b"/>
+      <c:layout/>
       <c:overlay val="0"/>
       <c:spPr>
         <a:noFill/>
@@ -9309,7 +9093,7 @@
       <a:endParaRPr lang="en-US"/>
     </a:p>
   </c:txPr>
-  <c:externalData r:id="rId3">
+  <c:externalData r:id="rId1">
     <c:autoUpdate val="0"/>
   </c:externalData>
 </c:chartSpace>
@@ -9634,11 +9418,11 @@
         </c:dLbls>
         <c:gapWidth val="219"/>
         <c:overlap val="-27"/>
-        <c:axId val="-2116343216"/>
-        <c:axId val="-2116339792"/>
+        <c:axId val="2107751528"/>
+        <c:axId val="2108663464"/>
       </c:barChart>
       <c:catAx>
-        <c:axId val="-2116343216"/>
+        <c:axId val="2107751528"/>
         <c:scaling>
           <c:orientation val="minMax"/>
         </c:scaling>
@@ -9678,7 +9462,7 @@
             <a:endParaRPr lang="en-US"/>
           </a:p>
         </c:txPr>
-        <c:crossAx val="-2116339792"/>
+        <c:crossAx val="2108663464"/>
         <c:crosses val="autoZero"/>
         <c:auto val="1"/>
         <c:lblAlgn val="ctr"/>
@@ -9686,7 +9470,7 @@
         <c:noMultiLvlLbl val="0"/>
       </c:catAx>
       <c:valAx>
-        <c:axId val="-2116339792"/>
+        <c:axId val="2108663464"/>
         <c:scaling>
           <c:orientation val="minMax"/>
         </c:scaling>
@@ -9732,7 +9516,17 @@
               </a:p>
               <a:p>
                 <a:pPr>
-                  <a:defRPr sz="1400"/>
+                  <a:defRPr sz="1400" b="0" i="0" u="none" strike="noStrike" kern="1200" baseline="0">
+                    <a:solidFill>
+                      <a:schemeClr val="tx1">
+                        <a:lumMod val="65000"/>
+                        <a:lumOff val="35000"/>
+                      </a:schemeClr>
+                    </a:solidFill>
+                    <a:latin typeface="+mn-lt"/>
+                    <a:ea typeface="+mn-ea"/>
+                    <a:cs typeface="+mn-cs"/>
+                  </a:defRPr>
                 </a:pPr>
                 <a:r>
                   <a:rPr lang="en-US" sz="1600" noProof="1" smtClean="0"/>
@@ -9754,6 +9548,7 @@
               </a:p>
             </c:rich>
           </c:tx>
+          <c:layout/>
           <c:overlay val="0"/>
           <c:spPr>
             <a:noFill/>
@@ -9762,26 +9557,6 @@
             </a:ln>
             <a:effectLst/>
           </c:spPr>
-          <c:txPr>
-            <a:bodyPr rot="-5400000" spcFirstLastPara="1" vertOverflow="ellipsis" vert="horz" wrap="square" anchor="ctr" anchorCtr="1"/>
-            <a:lstStyle/>
-            <a:p>
-              <a:pPr>
-                <a:defRPr sz="1400" b="0" i="0" u="none" strike="noStrike" kern="1200" baseline="0">
-                  <a:solidFill>
-                    <a:schemeClr val="tx1">
-                      <a:lumMod val="65000"/>
-                      <a:lumOff val="35000"/>
-                    </a:schemeClr>
-                  </a:solidFill>
-                  <a:latin typeface="+mn-lt"/>
-                  <a:ea typeface="+mn-ea"/>
-                  <a:cs typeface="+mn-cs"/>
-                </a:defRPr>
-              </a:pPr>
-              <a:endParaRPr lang="en-US"/>
-            </a:p>
-          </c:txPr>
         </c:title>
         <c:numFmt formatCode="General" sourceLinked="1"/>
         <c:majorTickMark val="none"/>
@@ -9816,7 +9591,7 @@
             <a:endParaRPr lang="en-US"/>
           </a:p>
         </c:txPr>
-        <c:crossAx val="-2116343216"/>
+        <c:crossAx val="2107751528"/>
         <c:crosses val="autoZero"/>
         <c:crossBetween val="between"/>
       </c:valAx>
@@ -9832,6 +9607,7 @@
     </c:plotArea>
     <c:legend>
       <c:legendPos val="b"/>
+      <c:layout/>
       <c:overlay val="0"/>
       <c:spPr>
         <a:noFill/>
@@ -9882,7 +9658,7 @@
       <a:endParaRPr lang="en-US"/>
     </a:p>
   </c:txPr>
-  <c:externalData r:id="rId3">
+  <c:externalData r:id="rId1">
     <c:autoUpdate val="0"/>
   </c:externalData>
 </c:chartSpace>
@@ -9985,11 +9761,11 @@
         </c:dLbls>
         <c:gapWidth val="219"/>
         <c:overlap val="-27"/>
-        <c:axId val="2072249744"/>
-        <c:axId val="2072460672"/>
+        <c:axId val="2107679688"/>
+        <c:axId val="2145926744"/>
       </c:barChart>
       <c:catAx>
-        <c:axId val="2072249744"/>
+        <c:axId val="2107679688"/>
         <c:scaling>
           <c:orientation val="minMax"/>
         </c:scaling>
@@ -10029,7 +9805,7 @@
             <a:endParaRPr lang="en-US"/>
           </a:p>
         </c:txPr>
-        <c:crossAx val="2072460672"/>
+        <c:crossAx val="2145926744"/>
         <c:crosses val="autoZero"/>
         <c:auto val="1"/>
         <c:lblAlgn val="ctr"/>
@@ -10037,7 +9813,7 @@
         <c:noMultiLvlLbl val="0"/>
       </c:catAx>
       <c:valAx>
-        <c:axId val="2072460672"/>
+        <c:axId val="2145926744"/>
         <c:scaling>
           <c:orientation val="minMax"/>
         </c:scaling>
@@ -10083,7 +9859,17 @@
               </a:p>
               <a:p>
                 <a:pPr>
-                  <a:defRPr sz="1400"/>
+                  <a:defRPr sz="1400" b="0" i="0" u="none" strike="noStrike" kern="1200" baseline="0">
+                    <a:solidFill>
+                      <a:schemeClr val="tx1">
+                        <a:lumMod val="65000"/>
+                        <a:lumOff val="35000"/>
+                      </a:schemeClr>
+                    </a:solidFill>
+                    <a:latin typeface="+mn-lt"/>
+                    <a:ea typeface="+mn-ea"/>
+                    <a:cs typeface="+mn-cs"/>
+                  </a:defRPr>
                 </a:pPr>
                 <a:r>
                   <a:rPr lang="en-US" sz="1600" noProof="1" smtClean="0"/>
@@ -10105,6 +9891,7 @@
               </a:p>
             </c:rich>
           </c:tx>
+          <c:layout/>
           <c:overlay val="0"/>
           <c:spPr>
             <a:noFill/>
@@ -10113,26 +9900,6 @@
             </a:ln>
             <a:effectLst/>
           </c:spPr>
-          <c:txPr>
-            <a:bodyPr rot="-5400000" spcFirstLastPara="1" vertOverflow="ellipsis" vert="horz" wrap="square" anchor="ctr" anchorCtr="1"/>
-            <a:lstStyle/>
-            <a:p>
-              <a:pPr>
-                <a:defRPr sz="1400" b="0" i="0" u="none" strike="noStrike" kern="1200" baseline="0">
-                  <a:solidFill>
-                    <a:schemeClr val="tx1">
-                      <a:lumMod val="65000"/>
-                      <a:lumOff val="35000"/>
-                    </a:schemeClr>
-                  </a:solidFill>
-                  <a:latin typeface="+mn-lt"/>
-                  <a:ea typeface="+mn-ea"/>
-                  <a:cs typeface="+mn-cs"/>
-                </a:defRPr>
-              </a:pPr>
-              <a:endParaRPr lang="en-US"/>
-            </a:p>
-          </c:txPr>
         </c:title>
         <c:numFmt formatCode="General" sourceLinked="1"/>
         <c:majorTickMark val="none"/>
@@ -10167,7 +9934,7 @@
             <a:endParaRPr lang="en-US"/>
           </a:p>
         </c:txPr>
-        <c:crossAx val="2072249744"/>
+        <c:crossAx val="2107679688"/>
         <c:crosses val="autoZero"/>
         <c:crossBetween val="between"/>
       </c:valAx>
@@ -10202,7 +9969,7 @@
       <a:endParaRPr lang="en-US"/>
     </a:p>
   </c:txPr>
-  <c:externalData r:id="rId3">
+  <c:externalData r:id="rId1">
     <c:autoUpdate val="0"/>
   </c:externalData>
 </c:chartSpace>
@@ -10477,11 +10244,11 @@
         </c:dLbls>
         <c:gapWidth val="219"/>
         <c:overlap val="100"/>
-        <c:axId val="-2117114720"/>
-        <c:axId val="2073583472"/>
+        <c:axId val="-2134197160"/>
+        <c:axId val="-2134280712"/>
       </c:barChart>
       <c:catAx>
-        <c:axId val="-2117114720"/>
+        <c:axId val="-2134197160"/>
         <c:scaling>
           <c:orientation val="minMax"/>
         </c:scaling>
@@ -10524,7 +10291,7 @@
             <a:endParaRPr lang="en-US"/>
           </a:p>
         </c:txPr>
-        <c:crossAx val="2073583472"/>
+        <c:crossAx val="-2134280712"/>
         <c:crosses val="autoZero"/>
         <c:auto val="1"/>
         <c:lblAlgn val="ctr"/>
@@ -10532,7 +10299,7 @@
         <c:noMultiLvlLbl val="0"/>
       </c:catAx>
       <c:valAx>
-        <c:axId val="2073583472"/>
+        <c:axId val="-2134280712"/>
         <c:scaling>
           <c:orientation val="minMax"/>
         </c:scaling>
@@ -10583,6 +10350,7 @@
               </a:p>
             </c:rich>
           </c:tx>
+          <c:layout/>
           <c:overlay val="0"/>
           <c:spPr>
             <a:noFill/>
@@ -10591,26 +10359,6 @@
             </a:ln>
             <a:effectLst/>
           </c:spPr>
-          <c:txPr>
-            <a:bodyPr rot="-5400000" spcFirstLastPara="1" vertOverflow="ellipsis" vert="horz" wrap="square" anchor="ctr" anchorCtr="1"/>
-            <a:lstStyle/>
-            <a:p>
-              <a:pPr>
-                <a:defRPr sz="1330" b="0" i="0" u="none" strike="noStrike" kern="1200" baseline="0">
-                  <a:solidFill>
-                    <a:schemeClr val="tx1">
-                      <a:lumMod val="65000"/>
-                      <a:lumOff val="35000"/>
-                    </a:schemeClr>
-                  </a:solidFill>
-                  <a:latin typeface="+mn-lt"/>
-                  <a:ea typeface="+mn-ea"/>
-                  <a:cs typeface="+mn-cs"/>
-                </a:defRPr>
-              </a:pPr>
-              <a:endParaRPr lang="en-US"/>
-            </a:p>
-          </c:txPr>
         </c:title>
         <c:numFmt formatCode="0" sourceLinked="1"/>
         <c:majorTickMark val="none"/>
@@ -10643,7 +10391,7 @@
             <a:endParaRPr lang="en-US"/>
           </a:p>
         </c:txPr>
-        <c:crossAx val="-2117114720"/>
+        <c:crossAx val="-2134197160"/>
         <c:crosses val="autoZero"/>
         <c:crossBetween val="between"/>
       </c:valAx>
@@ -10719,7 +10467,7 @@
       <a:endParaRPr lang="en-US"/>
     </a:p>
   </c:txPr>
-  <c:externalData r:id="rId3">
+  <c:externalData r:id="rId1">
     <c:autoUpdate val="0"/>
   </c:externalData>
 </c:chartSpace>
@@ -10782,26 +10530,6 @@
         </a:ln>
         <a:effectLst/>
       </c:spPr>
-      <c:txPr>
-        <a:bodyPr rot="0" spcFirstLastPara="1" vertOverflow="ellipsis" vert="horz" wrap="square" anchor="ctr" anchorCtr="1"/>
-        <a:lstStyle/>
-        <a:p>
-          <a:pPr>
-            <a:defRPr sz="1862" b="0" i="0" u="none" strike="noStrike" kern="1200" spc="0" baseline="0">
-              <a:solidFill>
-                <a:schemeClr val="tx1">
-                  <a:lumMod val="65000"/>
-                  <a:lumOff val="35000"/>
-                </a:schemeClr>
-              </a:solidFill>
-              <a:latin typeface="+mn-lt"/>
-              <a:ea typeface="+mn-ea"/>
-              <a:cs typeface="+mn-cs"/>
-            </a:defRPr>
-          </a:pPr>
-          <a:endParaRPr lang="en-US"/>
-        </a:p>
-      </c:txPr>
     </c:title>
     <c:autoTitleDeleted val="0"/>
     <c:plotArea>
@@ -11060,7 +10788,7 @@
       <a:endParaRPr lang="en-US"/>
     </a:p>
   </c:txPr>
-  <c:externalData r:id="rId3">
+  <c:externalData r:id="rId1">
     <c:autoUpdate val="0"/>
   </c:externalData>
 </c:chartSpace>
@@ -11131,26 +10859,6 @@
         </a:ln>
         <a:effectLst/>
       </c:spPr>
-      <c:txPr>
-        <a:bodyPr rot="0" spcFirstLastPara="1" vertOverflow="ellipsis" vert="horz" wrap="square" anchor="ctr" anchorCtr="1"/>
-        <a:lstStyle/>
-        <a:p>
-          <a:pPr>
-            <a:defRPr sz="1862" b="0" i="0" u="none" strike="noStrike" kern="1200" spc="0" baseline="0">
-              <a:solidFill>
-                <a:schemeClr val="tx1">
-                  <a:lumMod val="65000"/>
-                  <a:lumOff val="35000"/>
-                </a:schemeClr>
-              </a:solidFill>
-              <a:latin typeface="+mn-lt"/>
-              <a:ea typeface="+mn-ea"/>
-              <a:cs typeface="+mn-cs"/>
-            </a:defRPr>
-          </a:pPr>
-          <a:endParaRPr lang="en-US"/>
-        </a:p>
-      </c:txPr>
     </c:title>
     <c:autoTitleDeleted val="0"/>
     <c:plotArea>
@@ -11346,7 +11054,7 @@
       <a:endParaRPr lang="en-US"/>
     </a:p>
   </c:txPr>
-  <c:externalData r:id="rId3">
+  <c:externalData r:id="rId1">
     <c:autoUpdate val="0"/>
   </c:externalData>
 </c:chartSpace>
@@ -21899,7 +21607,7 @@
           <a:p>
             <a:fld id="{8AF2A637-750D-AC4F-B19A-F61B319C6A55}" type="datetimeFigureOut">
               <a:rPr lang="en-US" smtClean="0"/>
-              <a:t>11/14/15</a:t>
+              <a:t>17/11/15</a:t>
             </a:fld>
             <a:endParaRPr lang="en-US"/>
           </a:p>
@@ -24278,7 +23986,7 @@
           <a:p>
             <a:fld id="{F87648D4-822A-184D-A945-2BBD99FACB30}" type="datetimeFigureOut">
               <a:rPr lang="en-US" smtClean="0"/>
-              <a:t>11/14/15</a:t>
+              <a:t>17/11/15</a:t>
             </a:fld>
             <a:endParaRPr lang="en-US"/>
           </a:p>
@@ -24448,7 +24156,7 @@
           <a:p>
             <a:fld id="{F87648D4-822A-184D-A945-2BBD99FACB30}" type="datetimeFigureOut">
               <a:rPr lang="en-US" smtClean="0"/>
-              <a:t>11/14/15</a:t>
+              <a:t>17/11/15</a:t>
             </a:fld>
             <a:endParaRPr lang="en-US"/>
           </a:p>
@@ -24628,7 +24336,7 @@
           <a:p>
             <a:fld id="{F87648D4-822A-184D-A945-2BBD99FACB30}" type="datetimeFigureOut">
               <a:rPr lang="en-US" smtClean="0"/>
-              <a:t>11/14/15</a:t>
+              <a:t>17/11/15</a:t>
             </a:fld>
             <a:endParaRPr lang="en-US"/>
           </a:p>
@@ -24798,7 +24506,7 @@
           <a:p>
             <a:fld id="{F87648D4-822A-184D-A945-2BBD99FACB30}" type="datetimeFigureOut">
               <a:rPr lang="en-US" smtClean="0"/>
-              <a:t>11/14/15</a:t>
+              <a:t>17/11/15</a:t>
             </a:fld>
             <a:endParaRPr lang="en-US"/>
           </a:p>
@@ -25042,7 +24750,7 @@
           <a:p>
             <a:fld id="{F87648D4-822A-184D-A945-2BBD99FACB30}" type="datetimeFigureOut">
               <a:rPr lang="en-US" smtClean="0"/>
-              <a:t>11/14/15</a:t>
+              <a:t>17/11/15</a:t>
             </a:fld>
             <a:endParaRPr lang="en-US"/>
           </a:p>
@@ -25274,7 +24982,7 @@
           <a:p>
             <a:fld id="{F87648D4-822A-184D-A945-2BBD99FACB30}" type="datetimeFigureOut">
               <a:rPr lang="en-US" smtClean="0"/>
-              <a:t>11/14/15</a:t>
+              <a:t>17/11/15</a:t>
             </a:fld>
             <a:endParaRPr lang="en-US"/>
           </a:p>
@@ -25641,7 +25349,7 @@
           <a:p>
             <a:fld id="{F87648D4-822A-184D-A945-2BBD99FACB30}" type="datetimeFigureOut">
               <a:rPr lang="en-US" smtClean="0"/>
-              <a:t>11/14/15</a:t>
+              <a:t>17/11/15</a:t>
             </a:fld>
             <a:endParaRPr lang="en-US"/>
           </a:p>
@@ -25759,7 +25467,7 @@
           <a:p>
             <a:fld id="{F87648D4-822A-184D-A945-2BBD99FACB30}" type="datetimeFigureOut">
               <a:rPr lang="en-US" smtClean="0"/>
-              <a:t>11/14/15</a:t>
+              <a:t>17/11/15</a:t>
             </a:fld>
             <a:endParaRPr lang="en-US"/>
           </a:p>
@@ -25854,7 +25562,7 @@
           <a:p>
             <a:fld id="{F87648D4-822A-184D-A945-2BBD99FACB30}" type="datetimeFigureOut">
               <a:rPr lang="en-US" smtClean="0"/>
-              <a:t>11/14/15</a:t>
+              <a:t>17/11/15</a:t>
             </a:fld>
             <a:endParaRPr lang="en-US"/>
           </a:p>
@@ -26131,7 +25839,7 @@
           <a:p>
             <a:fld id="{F87648D4-822A-184D-A945-2BBD99FACB30}" type="datetimeFigureOut">
               <a:rPr lang="en-US" smtClean="0"/>
-              <a:t>11/14/15</a:t>
+              <a:t>17/11/15</a:t>
             </a:fld>
             <a:endParaRPr lang="en-US"/>
           </a:p>
@@ -26388,7 +26096,7 @@
           <a:p>
             <a:fld id="{F87648D4-822A-184D-A945-2BBD99FACB30}" type="datetimeFigureOut">
               <a:rPr lang="en-US" smtClean="0"/>
-              <a:t>11/14/15</a:t>
+              <a:t>17/11/15</a:t>
             </a:fld>
             <a:endParaRPr lang="en-US"/>
           </a:p>
@@ -26601,7 +26309,7 @@
           <a:p>
             <a:fld id="{F87648D4-822A-184D-A945-2BBD99FACB30}" type="datetimeFigureOut">
               <a:rPr lang="en-US" smtClean="0"/>
-              <a:t>11/14/15</a:t>
+              <a:t>17/11/15</a:t>
             </a:fld>
             <a:endParaRPr lang="en-US"/>
           </a:p>
@@ -27041,7 +26749,7 @@
   <p:timing>
     <p:tnLst>
       <p:par>
-        <p:cTn id="1" dur="indefinite" restart="never" nodeType="tmRoot"/>
+        <p:cTn xmlns:p14="http://schemas.microsoft.com/office/powerpoint/2010/main" id="1" dur="indefinite" restart="never" nodeType="tmRoot"/>
       </p:par>
     </p:tnLst>
   </p:timing>
@@ -27072,7 +26780,7 @@
           <p:nvPr>
             <p:extLst>
               <p:ext uri="{D42A27DB-BD31-4B8C-83A1-F6EECF244321}">
-                <p14:modId xmlns:p14="http://schemas.microsoft.com/office/powerpoint/2010/main" val="837991895"/>
+                <p14:modId xmlns:p14="http://schemas.microsoft.com/office/powerpoint/2010/main" val="1507938078"/>
               </p:ext>
             </p:extLst>
           </p:nvPr>
@@ -27100,7 +26808,7 @@
   <p:timing>
     <p:tnLst>
       <p:par>
-        <p:cTn id="1" dur="indefinite" restart="never" nodeType="tmRoot"/>
+        <p:cTn xmlns:p14="http://schemas.microsoft.com/office/powerpoint/2010/main" id="1" dur="indefinite" restart="never" nodeType="tmRoot"/>
       </p:par>
     </p:tnLst>
   </p:timing>
@@ -27131,7 +26839,7 @@
           <p:nvPr>
             <p:extLst>
               <p:ext uri="{D42A27DB-BD31-4B8C-83A1-F6EECF244321}">
-                <p14:modId xmlns:p14="http://schemas.microsoft.com/office/powerpoint/2010/main" val="1116074858"/>
+                <p14:modId xmlns:p14="http://schemas.microsoft.com/office/powerpoint/2010/main" val="3726831166"/>
               </p:ext>
             </p:extLst>
           </p:nvPr>
@@ -27154,8 +26862,8 @@
         </p:nvSpPr>
         <p:spPr>
           <a:xfrm>
-            <a:off x="6628468" y="1551718"/>
-            <a:ext cx="1369670" cy="310486"/>
+            <a:off x="5235505" y="1513618"/>
+            <a:ext cx="2816538" cy="721582"/>
           </a:xfrm>
           <a:prstGeom prst="rect">
             <a:avLst/>
@@ -27181,26 +26889,18 @@
           <a:p>
             <a:pPr algn="ctr"/>
             <a:r>
-              <a:rPr lang="en-US" sz="1138" dirty="0" smtClean="0"/>
-              <a:t>-</a:t>
+              <a:rPr lang="en-US" sz="2400" dirty="0" smtClean="0"/>
+              <a:t>-470.1 gCO</a:t>
             </a:r>
             <a:r>
-              <a:rPr lang="en-US" sz="1138" dirty="0" smtClean="0"/>
-              <a:t>470.1 </a:t>
-            </a:r>
-            <a:r>
-              <a:rPr lang="en-US" sz="1138" dirty="0" smtClean="0"/>
-              <a:t>gCO</a:t>
-            </a:r>
-            <a:r>
-              <a:rPr lang="en-US" sz="1138" baseline="-25000" dirty="0" smtClean="0"/>
+              <a:rPr lang="en-US" sz="2400" baseline="-25000" dirty="0" smtClean="0"/>
               <a:t>2eq</a:t>
             </a:r>
             <a:r>
-              <a:rPr lang="en-US" sz="1138" dirty="0" smtClean="0"/>
+              <a:rPr lang="en-US" sz="2400" dirty="0" smtClean="0"/>
               <a:t>/kWh</a:t>
             </a:r>
-            <a:endParaRPr lang="en-US" sz="1138" dirty="0"/>
+            <a:endParaRPr lang="en-US" sz="2400" dirty="0"/>
           </a:p>
         </p:txBody>
       </p:sp>
@@ -27212,7 +26912,7 @@
         </p:nvCxnSpPr>
         <p:spPr>
           <a:xfrm>
-            <a:off x="2609407" y="2040978"/>
+            <a:off x="2799907" y="2040978"/>
             <a:ext cx="612000" cy="0"/>
           </a:xfrm>
           <a:prstGeom prst="line">
@@ -27248,9 +26948,9 @@
           <p:nvPr/>
         </p:nvSpPr>
         <p:spPr>
-          <a:xfrm>
-            <a:off x="1947533" y="5055643"/>
-            <a:ext cx="965248" cy="261610"/>
+          <a:xfrm rot="17339126">
+            <a:off x="1381641" y="5729107"/>
+            <a:ext cx="1563632" cy="338554"/>
           </a:xfrm>
           <a:prstGeom prst="rect">
             <a:avLst/>
@@ -27263,9 +26963,9 @@
           </a:bodyPr>
           <a:lstStyle/>
           <a:p>
-            <a:pPr algn="ctr"/>
+            <a:pPr algn="r"/>
             <a:r>
-              <a:rPr lang="en-US" sz="1100" dirty="0" smtClean="0">
+              <a:rPr lang="en-US" sz="1600" dirty="0" smtClean="0">
                 <a:solidFill>
                   <a:schemeClr val="bg2">
                     <a:lumMod val="25000"/>
@@ -27274,7 +26974,7 @@
               </a:rPr>
               <a:t>Embodied</a:t>
             </a:r>
-            <a:endParaRPr lang="en-US" sz="1100" dirty="0">
+            <a:endParaRPr lang="en-US" sz="1600" dirty="0">
               <a:solidFill>
                 <a:schemeClr val="bg2">
                   <a:lumMod val="25000"/>
@@ -27291,9 +26991,9 @@
           <p:nvPr/>
         </p:nvSpPr>
         <p:spPr>
-          <a:xfrm>
-            <a:off x="2899049" y="5055643"/>
-            <a:ext cx="965248" cy="600164"/>
+          <a:xfrm rot="17339126">
+            <a:off x="2333156" y="5482885"/>
+            <a:ext cx="1563632" cy="830997"/>
           </a:xfrm>
           <a:prstGeom prst="rect">
             <a:avLst/>
@@ -27306,9 +27006,9 @@
           </a:bodyPr>
           <a:lstStyle/>
           <a:p>
-            <a:pPr algn="ctr"/>
+            <a:pPr algn="r"/>
             <a:r>
-              <a:rPr lang="en-US" sz="1100" dirty="0" smtClean="0">
+              <a:rPr lang="en-US" sz="1600" dirty="0" smtClean="0">
                 <a:solidFill>
                   <a:schemeClr val="bg2">
                     <a:lumMod val="25000"/>
@@ -27317,7 +27017,7 @@
               </a:rPr>
               <a:t>Heating, cooling and lighting offset</a:t>
             </a:r>
-            <a:endParaRPr lang="en-US" sz="1100" dirty="0">
+            <a:endParaRPr lang="en-US" sz="1600" dirty="0">
               <a:solidFill>
                 <a:schemeClr val="bg2">
                   <a:lumMod val="25000"/>
@@ -27334,9 +27034,9 @@
           <p:nvPr/>
         </p:nvSpPr>
         <p:spPr>
-          <a:xfrm>
-            <a:off x="3915226" y="5055643"/>
-            <a:ext cx="1087961" cy="261610"/>
+          <a:xfrm rot="17339126">
+            <a:off x="3311297" y="5828503"/>
+            <a:ext cx="1762419" cy="338554"/>
           </a:xfrm>
           <a:prstGeom prst="rect">
             <a:avLst/>
@@ -27349,9 +27049,9 @@
           </a:bodyPr>
           <a:lstStyle/>
           <a:p>
-            <a:pPr algn="ctr"/>
+            <a:pPr algn="r"/>
             <a:r>
-              <a:rPr lang="en-US" sz="1100" smtClean="0">
+              <a:rPr lang="en-US" sz="1600" smtClean="0">
                 <a:solidFill>
                   <a:schemeClr val="bg2">
                     <a:lumMod val="25000"/>
@@ -27360,7 +27060,7 @@
               </a:rPr>
               <a:t>Actuation</a:t>
             </a:r>
-            <a:endParaRPr lang="en-US" sz="1100" dirty="0">
+            <a:endParaRPr lang="en-US" sz="1600" dirty="0">
               <a:solidFill>
                 <a:schemeClr val="bg2">
                   <a:lumMod val="25000"/>
@@ -27377,9 +27077,9 @@
           <p:nvPr/>
         </p:nvSpPr>
         <p:spPr>
-          <a:xfrm>
-            <a:off x="4974182" y="5055643"/>
-            <a:ext cx="1087961" cy="261610"/>
+          <a:xfrm rot="17339126">
+            <a:off x="4370254" y="5828501"/>
+            <a:ext cx="1762418" cy="338554"/>
           </a:xfrm>
           <a:prstGeom prst="rect">
             <a:avLst/>
@@ -27392,9 +27092,9 @@
           </a:bodyPr>
           <a:lstStyle/>
           <a:p>
-            <a:pPr algn="ctr"/>
+            <a:pPr algn="r"/>
             <a:r>
-              <a:rPr lang="en-US" sz="1100" dirty="0" smtClean="0">
+              <a:rPr lang="en-US" sz="1600" dirty="0" smtClean="0">
                 <a:solidFill>
                   <a:schemeClr val="bg2">
                     <a:lumMod val="25000"/>
@@ -27403,7 +27103,7 @@
               </a:rPr>
               <a:t>Maintenance</a:t>
             </a:r>
-            <a:endParaRPr lang="en-US" sz="1100" dirty="0">
+            <a:endParaRPr lang="en-US" sz="1600" dirty="0">
               <a:solidFill>
                 <a:schemeClr val="bg2">
                   <a:lumMod val="25000"/>
@@ -27420,9 +27120,9 @@
           <p:nvPr/>
         </p:nvSpPr>
         <p:spPr>
-          <a:xfrm>
-            <a:off x="5999583" y="5055643"/>
-            <a:ext cx="1087961" cy="261610"/>
+          <a:xfrm rot="17339126">
+            <a:off x="5395655" y="5828501"/>
+            <a:ext cx="1762418" cy="338554"/>
           </a:xfrm>
           <a:prstGeom prst="rect">
             <a:avLst/>
@@ -27435,9 +27135,9 @@
           </a:bodyPr>
           <a:lstStyle/>
           <a:p>
-            <a:pPr algn="ctr"/>
+            <a:pPr algn="r"/>
             <a:r>
-              <a:rPr lang="en-US" sz="1100" dirty="0" smtClean="0">
+              <a:rPr lang="en-US" sz="1600" dirty="0" smtClean="0">
                 <a:solidFill>
                   <a:schemeClr val="bg2">
                     <a:lumMod val="25000"/>
@@ -27446,7 +27146,7 @@
               </a:rPr>
               <a:t>Disposal</a:t>
             </a:r>
-            <a:endParaRPr lang="en-US" sz="1100" dirty="0">
+            <a:endParaRPr lang="en-US" sz="1600" dirty="0">
               <a:solidFill>
                 <a:schemeClr val="bg2">
                   <a:lumMod val="25000"/>
@@ -27463,9 +27163,9 @@
           <p:nvPr/>
         </p:nvSpPr>
         <p:spPr>
-          <a:xfrm>
-            <a:off x="6983675" y="5055643"/>
-            <a:ext cx="1087961" cy="261610"/>
+          <a:xfrm rot="17339126">
+            <a:off x="6379747" y="5828501"/>
+            <a:ext cx="1762418" cy="338554"/>
           </a:xfrm>
           <a:prstGeom prst="rect">
             <a:avLst/>
@@ -27478,9 +27178,9 @@
           </a:bodyPr>
           <a:lstStyle/>
           <a:p>
-            <a:pPr algn="ctr"/>
+            <a:pPr algn="r"/>
             <a:r>
-              <a:rPr lang="en-US" sz="1100" dirty="0" smtClean="0">
+              <a:rPr lang="en-US" sz="1600" dirty="0" smtClean="0">
                 <a:solidFill>
                   <a:schemeClr val="bg2">
                     <a:lumMod val="25000"/>
@@ -27489,7 +27189,7 @@
               </a:rPr>
               <a:t>Total</a:t>
             </a:r>
-            <a:endParaRPr lang="en-US" sz="1100" dirty="0">
+            <a:endParaRPr lang="en-US" sz="1600" dirty="0">
               <a:solidFill>
                 <a:schemeClr val="bg2">
                   <a:lumMod val="25000"/>
@@ -27506,9 +27206,9 @@
           <p:nvPr/>
         </p:nvCxnSpPr>
         <p:spPr>
-          <a:xfrm flipV="1">
-            <a:off x="1896043" y="3085633"/>
-            <a:ext cx="6156000" cy="0"/>
+          <a:xfrm>
+            <a:off x="2095500" y="3085633"/>
+            <a:ext cx="5956543" cy="0"/>
           </a:xfrm>
           <a:prstGeom prst="line">
             <a:avLst/>
@@ -27544,8 +27244,8 @@
         </p:nvSpPr>
         <p:spPr>
           <a:xfrm>
-            <a:off x="2944768" y="4784540"/>
-            <a:ext cx="965248" cy="261610"/>
+            <a:off x="3008268" y="4733740"/>
+            <a:ext cx="965248" cy="338554"/>
           </a:xfrm>
           <a:prstGeom prst="rect">
             <a:avLst/>
@@ -27560,7 +27260,7 @@
           <a:p>
             <a:pPr algn="ctr"/>
             <a:r>
-              <a:rPr lang="en-US" sz="1100" dirty="0" smtClean="0">
+              <a:rPr lang="en-US" sz="1600" dirty="0" smtClean="0">
                 <a:solidFill>
                   <a:schemeClr val="bg2">
                     <a:lumMod val="25000"/>
@@ -27569,7 +27269,7 @@
               </a:rPr>
               <a:t>-7081.0</a:t>
             </a:r>
-            <a:endParaRPr lang="en-US" sz="1100" dirty="0">
+            <a:endParaRPr lang="en-US" sz="1600" dirty="0">
               <a:solidFill>
                 <a:schemeClr val="bg2">
                   <a:lumMod val="25000"/>
@@ -27587,8 +27287,8 @@
         </p:nvSpPr>
         <p:spPr>
           <a:xfrm>
-            <a:off x="3971462" y="4578025"/>
-            <a:ext cx="965248" cy="261610"/>
+            <a:off x="3996862" y="4501825"/>
+            <a:ext cx="965248" cy="338554"/>
           </a:xfrm>
           <a:prstGeom prst="rect">
             <a:avLst/>
@@ -27603,7 +27303,7 @@
           <a:p>
             <a:pPr algn="ctr"/>
             <a:r>
-              <a:rPr lang="en-US" sz="1100" dirty="0" smtClean="0">
+              <a:rPr lang="en-US" sz="1600" dirty="0" smtClean="0">
                 <a:solidFill>
                   <a:schemeClr val="bg2">
                     <a:lumMod val="25000"/>
@@ -27612,7 +27312,7 @@
               </a:rPr>
               <a:t>80.4</a:t>
             </a:r>
-            <a:endParaRPr lang="en-US" sz="1100" dirty="0">
+            <a:endParaRPr lang="en-US" sz="1600" dirty="0">
               <a:solidFill>
                 <a:schemeClr val="bg2">
                   <a:lumMod val="25000"/>
@@ -27630,8 +27330,8 @@
         </p:nvSpPr>
         <p:spPr>
           <a:xfrm>
-            <a:off x="5006837" y="4527754"/>
-            <a:ext cx="965248" cy="261610"/>
+            <a:off x="5032237" y="4451554"/>
+            <a:ext cx="965248" cy="338554"/>
           </a:xfrm>
           <a:prstGeom prst="rect">
             <a:avLst/>
@@ -27646,7 +27346,7 @@
           <a:p>
             <a:pPr algn="ctr"/>
             <a:r>
-              <a:rPr lang="en-US" sz="1100" smtClean="0">
+              <a:rPr lang="en-US" sz="1600" smtClean="0">
                 <a:solidFill>
                   <a:schemeClr val="bg2">
                     <a:lumMod val="25000"/>
@@ -27655,7 +27355,7 @@
               </a:rPr>
               <a:t>157.1</a:t>
             </a:r>
-            <a:endParaRPr lang="en-US" sz="1100" dirty="0">
+            <a:endParaRPr lang="en-US" sz="1600" dirty="0">
               <a:solidFill>
                 <a:schemeClr val="bg2">
                   <a:lumMod val="25000"/>
@@ -27673,8 +27373,8 @@
         </p:nvSpPr>
         <p:spPr>
           <a:xfrm>
-            <a:off x="6019595" y="4490430"/>
-            <a:ext cx="965248" cy="261610"/>
+            <a:off x="6044995" y="4414230"/>
+            <a:ext cx="965248" cy="338554"/>
           </a:xfrm>
           <a:prstGeom prst="rect">
             <a:avLst/>
@@ -27689,7 +27389,7 @@
           <a:p>
             <a:pPr algn="ctr"/>
             <a:r>
-              <a:rPr lang="en-US" sz="1100" smtClean="0">
+              <a:rPr lang="en-US" sz="1600" smtClean="0">
                 <a:solidFill>
                   <a:schemeClr val="bg2">
                     <a:lumMod val="25000"/>
@@ -27698,7 +27398,7 @@
               </a:rPr>
               <a:t>77.0</a:t>
             </a:r>
-            <a:endParaRPr lang="en-US" sz="1100" dirty="0">
+            <a:endParaRPr lang="en-US" sz="1600" dirty="0">
               <a:solidFill>
                 <a:schemeClr val="bg2">
                   <a:lumMod val="25000"/>
@@ -27716,7 +27416,7 @@
         </p:nvCxnSpPr>
         <p:spPr>
           <a:xfrm>
-            <a:off x="3630839" y="4818859"/>
+            <a:off x="3795939" y="4818859"/>
             <a:ext cx="612000" cy="0"/>
           </a:xfrm>
           <a:prstGeom prst="line">
@@ -27753,7 +27453,7 @@
         </p:nvCxnSpPr>
         <p:spPr>
           <a:xfrm>
-            <a:off x="4662214" y="4787387"/>
+            <a:off x="4763814" y="4787387"/>
             <a:ext cx="612000" cy="0"/>
           </a:xfrm>
           <a:prstGeom prst="line">
@@ -27790,7 +27490,7 @@
         </p:nvCxnSpPr>
         <p:spPr>
           <a:xfrm>
-            <a:off x="5685678" y="4730450"/>
+            <a:off x="5774578" y="4730450"/>
             <a:ext cx="612000" cy="0"/>
           </a:xfrm>
           <a:prstGeom prst="line">
@@ -27827,7 +27527,7 @@
         </p:nvCxnSpPr>
         <p:spPr>
           <a:xfrm>
-            <a:off x="6717017" y="4693109"/>
+            <a:off x="6767817" y="4693109"/>
             <a:ext cx="612000" cy="0"/>
           </a:xfrm>
           <a:prstGeom prst="line">
@@ -27869,7 +27569,7 @@
   <p:timing>
     <p:tnLst>
       <p:par>
-        <p:cTn id="1" dur="indefinite" restart="never" nodeType="tmRoot"/>
+        <p:cTn xmlns:p14="http://schemas.microsoft.com/office/powerpoint/2010/main" id="1" dur="indefinite" restart="never" nodeType="tmRoot"/>
       </p:par>
     </p:tnLst>
   </p:timing>
@@ -27964,7 +27664,7 @@
   <p:timing>
     <p:tnLst>
       <p:par>
-        <p:cTn id="1" dur="indefinite" restart="never" nodeType="tmRoot"/>
+        <p:cTn xmlns:p14="http://schemas.microsoft.com/office/powerpoint/2010/main" id="1" dur="indefinite" restart="never" nodeType="tmRoot"/>
       </p:par>
     </p:tnLst>
   </p:timing>
@@ -28059,7 +27759,7 @@
   <p:timing>
     <p:tnLst>
       <p:par>
-        <p:cTn id="1" dur="indefinite" restart="never" nodeType="tmRoot"/>
+        <p:cTn xmlns:p14="http://schemas.microsoft.com/office/powerpoint/2010/main" id="1" dur="indefinite" restart="never" nodeType="tmRoot"/>
       </p:par>
     </p:tnLst>
   </p:timing>
@@ -28118,7 +27818,7 @@
   <p:timing>
     <p:tnLst>
       <p:par>
-        <p:cTn id="1" dur="indefinite" restart="never" nodeType="tmRoot"/>
+        <p:cTn xmlns:p14="http://schemas.microsoft.com/office/powerpoint/2010/main" id="1" dur="indefinite" restart="never" nodeType="tmRoot"/>
       </p:par>
     </p:tnLst>
   </p:timing>
@@ -28177,7 +27877,7 @@
   <p:timing>
     <p:tnLst>
       <p:par>
-        <p:cTn id="1" dur="indefinite" restart="never" nodeType="tmRoot"/>
+        <p:cTn xmlns:p14="http://schemas.microsoft.com/office/powerpoint/2010/main" id="1" dur="indefinite" restart="never" nodeType="tmRoot"/>
       </p:par>
     </p:tnLst>
   </p:timing>
@@ -28271,7 +27971,7 @@
   <p:timing>
     <p:tnLst>
       <p:par>
-        <p:cTn id="1" dur="indefinite" restart="never" nodeType="tmRoot"/>
+        <p:cTn xmlns:p14="http://schemas.microsoft.com/office/powerpoint/2010/main" id="1" dur="indefinite" restart="never" nodeType="tmRoot"/>
       </p:par>
     </p:tnLst>
   </p:timing>
@@ -28356,7 +28056,7 @@
   <p:timing>
     <p:tnLst>
       <p:par>
-        <p:cTn id="1" dur="indefinite" restart="never" nodeType="tmRoot"/>
+        <p:cTn xmlns:p14="http://schemas.microsoft.com/office/powerpoint/2010/main" id="1" dur="indefinite" restart="never" nodeType="tmRoot"/>
       </p:par>
     </p:tnLst>
   </p:timing>
@@ -28441,7 +28141,7 @@
   <p:timing>
     <p:tnLst>
       <p:par>
-        <p:cTn id="1" dur="indefinite" restart="never" nodeType="tmRoot"/>
+        <p:cTn xmlns:p14="http://schemas.microsoft.com/office/powerpoint/2010/main" id="1" dur="indefinite" restart="never" nodeType="tmRoot"/>
       </p:par>
     </p:tnLst>
   </p:timing>
@@ -28562,7 +28262,7 @@
   <p:timing>
     <p:tnLst>
       <p:par>
-        <p:cTn id="1" dur="indefinite" restart="never" nodeType="tmRoot"/>
+        <p:cTn xmlns:p14="http://schemas.microsoft.com/office/powerpoint/2010/main" id="1" dur="indefinite" restart="never" nodeType="tmRoot"/>
       </p:par>
     </p:tnLst>
   </p:timing>
@@ -28621,7 +28321,7 @@
   <p:timing>
     <p:tnLst>
       <p:par>
-        <p:cTn id="1" dur="indefinite" restart="never" nodeType="tmRoot"/>
+        <p:cTn xmlns:p14="http://schemas.microsoft.com/office/powerpoint/2010/main" id="1" dur="indefinite" restart="never" nodeType="tmRoot"/>
       </p:par>
     </p:tnLst>
   </p:timing>
@@ -28742,7 +28442,7 @@
   <p:timing>
     <p:tnLst>
       <p:par>
-        <p:cTn id="1" dur="indefinite" restart="never" nodeType="tmRoot"/>
+        <p:cTn xmlns:p14="http://schemas.microsoft.com/office/powerpoint/2010/main" id="1" dur="indefinite" restart="never" nodeType="tmRoot"/>
       </p:par>
     </p:tnLst>
   </p:timing>
@@ -28831,7 +28531,7 @@
   <p:timing>
     <p:tnLst>
       <p:par>
-        <p:cTn id="1" dur="indefinite" restart="never" nodeType="tmRoot"/>
+        <p:cTn xmlns:p14="http://schemas.microsoft.com/office/powerpoint/2010/main" id="1" dur="indefinite" restart="never" nodeType="tmRoot"/>
       </p:par>
     </p:tnLst>
   </p:timing>
@@ -28890,7 +28590,7 @@
   <p:timing>
     <p:tnLst>
       <p:par>
-        <p:cTn id="1" dur="indefinite" restart="never" nodeType="tmRoot"/>
+        <p:cTn xmlns:p14="http://schemas.microsoft.com/office/powerpoint/2010/main" id="1" dur="indefinite" restart="never" nodeType="tmRoot"/>
       </p:par>
     </p:tnLst>
   </p:timing>
@@ -28949,7 +28649,7 @@
   <p:timing>
     <p:tnLst>
       <p:par>
-        <p:cTn id="1" dur="indefinite" restart="never" nodeType="tmRoot"/>
+        <p:cTn xmlns:p14="http://schemas.microsoft.com/office/powerpoint/2010/main" id="1" dur="indefinite" restart="never" nodeType="tmRoot"/>
       </p:par>
     </p:tnLst>
   </p:timing>
@@ -29008,7 +28708,7 @@
   <p:timing>
     <p:tnLst>
       <p:par>
-        <p:cTn id="1" dur="indefinite" restart="never" nodeType="tmRoot"/>
+        <p:cTn xmlns:p14="http://schemas.microsoft.com/office/powerpoint/2010/main" id="1" dur="indefinite" restart="never" nodeType="tmRoot"/>
       </p:par>
     </p:tnLst>
   </p:timing>
@@ -29067,7 +28767,7 @@
   <p:timing>
     <p:tnLst>
       <p:par>
-        <p:cTn id="1" dur="indefinite" restart="never" nodeType="tmRoot"/>
+        <p:cTn xmlns:p14="http://schemas.microsoft.com/office/powerpoint/2010/main" id="1" dur="indefinite" restart="never" nodeType="tmRoot"/>
       </p:par>
     </p:tnLst>
   </p:timing>
@@ -29429,7 +29129,7 @@
   <p:timing>
     <p:tnLst>
       <p:par>
-        <p:cTn id="1" dur="indefinite" restart="never" nodeType="tmRoot"/>
+        <p:cTn xmlns:p14="http://schemas.microsoft.com/office/powerpoint/2010/main" id="1" dur="indefinite" restart="never" nodeType="tmRoot"/>
       </p:par>
     </p:tnLst>
   </p:timing>
@@ -29522,7 +29222,7 @@
   <p:timing>
     <p:tnLst>
       <p:par>
-        <p:cTn id="1" dur="indefinite" restart="never" nodeType="tmRoot"/>
+        <p:cTn xmlns:p14="http://schemas.microsoft.com/office/powerpoint/2010/main" id="1" dur="indefinite" restart="never" nodeType="tmRoot"/>
       </p:par>
     </p:tnLst>
   </p:timing>
@@ -29647,7 +29347,7 @@
   <p:timing>
     <p:tnLst>
       <p:par>
-        <p:cTn id="1" dur="indefinite" restart="never" nodeType="tmRoot"/>
+        <p:cTn xmlns:p14="http://schemas.microsoft.com/office/powerpoint/2010/main" id="1" dur="indefinite" restart="never" nodeType="tmRoot"/>
       </p:par>
     </p:tnLst>
   </p:timing>
@@ -29909,7 +29609,7 @@
   <a:extraClrSchemeLst/>
   <a:extLst>
     <a:ext uri="{05A4C25C-085E-4340-85A3-A5531E510DB2}">
-      <thm15:themeFamily xmlns:thm15="http://schemas.microsoft.com/office/thememl/2012/main" name="Office Theme" id="{62F939B6-93AF-4DB8-9C6B-D6C7DFDC589F}" vid="{4A3C46E8-61CC-4603-A589-7422A47A8E4A}"/>
+      <thm15:themeFamily xmlns:thm15="http://schemas.microsoft.com/office/thememl/2012/main" xmlns="" name="Office Theme" id="{62F939B6-93AF-4DB8-9C6B-D6C7DFDC589F}" vid="{4A3C46E8-61CC-4603-A589-7422A47A8E4A}"/>
     </a:ext>
   </a:extLst>
 </a:theme>
@@ -30170,7 +29870,7 @@
   <a:extraClrSchemeLst/>
   <a:extLst>
     <a:ext uri="{05A4C25C-085E-4340-85A3-A5531E510DB2}">
-      <thm15:themeFamily xmlns:thm15="http://schemas.microsoft.com/office/thememl/2012/main" name="Office Theme" id="{62F939B6-93AF-4DB8-9C6B-D6C7DFDC589F}" vid="{4A3C46E8-61CC-4603-A589-7422A47A8E4A}"/>
+      <thm15:themeFamily xmlns:thm15="http://schemas.microsoft.com/office/thememl/2012/main" xmlns="" name="Office Theme" id="{62F939B6-93AF-4DB8-9C6B-D6C7DFDC589F}" vid="{4A3C46E8-61CC-4603-A589-7422A47A8E4A}"/>
     </a:ext>
   </a:extLst>
 </a:theme>

--- a/elsarticle/Images/Thesis charts.pptx
+++ b/elsarticle/Images/Thesis charts.pptx
@@ -2192,7 +2192,7 @@
               <a:lstStyle/>
               <a:p>
                 <a:pPr>
-                  <a:defRPr sz="1100" b="0" i="0" u="none" strike="noStrike" kern="1200" baseline="0">
+                  <a:defRPr sz="1600" b="0" i="0" u="none" strike="noStrike" kern="1200" baseline="0">
                     <a:solidFill>
                       <a:schemeClr val="tx1">
                         <a:lumMod val="75000"/>
@@ -3703,7 +3703,7 @@
                   <c:v>Control &amp; electronic systems</c:v>
                 </c:pt>
                 <c:pt idx="2">
-                  <c:v>Steel frame</c:v>
+                  <c:v>Supporting Structure</c:v>
                 </c:pt>
                 <c:pt idx="3">
                   <c:v>Actuators</c:v>
@@ -6796,7 +6796,7 @@
           <a:lstStyle/>
           <a:p>
             <a:pPr>
-              <a:defRPr sz="1197" b="0" i="0" u="none" strike="noStrike" kern="1200" baseline="0">
+              <a:defRPr sz="1800" b="0" i="0" u="none" strike="noStrike" kern="1200" baseline="0">
                 <a:solidFill>
                   <a:schemeClr val="tx1">
                     <a:lumMod val="65000"/>
@@ -6846,7 +6846,7 @@
               <a:lstStyle/>
               <a:p>
                 <a:pPr>
-                  <a:defRPr sz="1330" b="0" i="0" u="none" strike="noStrike" kern="1200" baseline="0">
+                  <a:defRPr sz="2000" b="0" i="0" u="none" strike="noStrike" kern="1200" baseline="0">
                     <a:solidFill>
                       <a:schemeClr val="tx1">
                         <a:lumMod val="65000"/>
@@ -6859,12 +6859,12 @@
                   </a:defRPr>
                 </a:pPr>
                 <a:r>
-                  <a:rPr lang="en-US" sz="1800" b="0" i="0" baseline="0" dirty="0" smtClean="0">
+                  <a:rPr lang="en-US" sz="2000" b="0" i="0" baseline="0" dirty="0" smtClean="0">
                     <a:effectLst/>
                   </a:rPr>
                   <a:t>Office Energy Load (kWh)</a:t>
                 </a:r>
-                <a:endParaRPr lang="en-US" dirty="0">
+                <a:endParaRPr lang="en-US" sz="2000" dirty="0">
                   <a:effectLst/>
                 </a:endParaRPr>
               </a:p>
@@ -6941,7 +6941,7 @@
         <a:lstStyle/>
         <a:p>
           <a:pPr>
-            <a:defRPr sz="1400" b="0" i="0" u="none" strike="noStrike" kern="1200" baseline="0">
+            <a:defRPr sz="2400" b="0" i="0" u="none" strike="noStrike" kern="1200" baseline="0">
               <a:solidFill>
                 <a:schemeClr val="tx1">
                   <a:lumMod val="65000"/>
@@ -26839,7 +26839,7 @@
           <p:nvPr>
             <p:extLst>
               <p:ext uri="{D42A27DB-BD31-4B8C-83A1-F6EECF244321}">
-                <p14:modId xmlns:p14="http://schemas.microsoft.com/office/powerpoint/2010/main" val="3726831166"/>
+                <p14:modId xmlns:p14="http://schemas.microsoft.com/office/powerpoint/2010/main" val="342937534"/>
               </p:ext>
             </p:extLst>
           </p:nvPr>
@@ -26918,9 +26918,9 @@
           <a:prstGeom prst="line">
             <a:avLst/>
           </a:prstGeom>
-          <a:ln w="6350">
+          <a:ln w="9525" cmpd="sng">
             <a:solidFill>
-              <a:schemeClr val="tx1"/>
+              <a:srgbClr val="3B3838"/>
             </a:solidFill>
             <a:prstDash val="sysDash"/>
             <a:headEnd type="none"/>
@@ -27244,7 +27244,7 @@
         </p:nvSpPr>
         <p:spPr>
           <a:xfrm>
-            <a:off x="3008268" y="4733740"/>
+            <a:off x="3097168" y="4733740"/>
             <a:ext cx="965248" cy="338554"/>
           </a:xfrm>
           <a:prstGeom prst="rect">
@@ -27287,7 +27287,7 @@
         </p:nvSpPr>
         <p:spPr>
           <a:xfrm>
-            <a:off x="3996862" y="4501825"/>
+            <a:off x="4085762" y="4501825"/>
             <a:ext cx="965248" cy="338554"/>
           </a:xfrm>
           <a:prstGeom prst="rect">
@@ -27330,7 +27330,7 @@
         </p:nvSpPr>
         <p:spPr>
           <a:xfrm>
-            <a:off x="5032237" y="4451554"/>
+            <a:off x="5083037" y="4451554"/>
             <a:ext cx="965248" cy="338554"/>
           </a:xfrm>
           <a:prstGeom prst="rect">
@@ -27346,7 +27346,7 @@
           <a:p>
             <a:pPr algn="ctr"/>
             <a:r>
-              <a:rPr lang="en-US" sz="1600" smtClean="0">
+              <a:rPr lang="en-US" sz="1600" dirty="0" smtClean="0">
                 <a:solidFill>
                   <a:schemeClr val="bg2">
                     <a:lumMod val="25000"/>
@@ -27373,7 +27373,7 @@
         </p:nvSpPr>
         <p:spPr>
           <a:xfrm>
-            <a:off x="6044995" y="4414230"/>
+            <a:off x="6057695" y="4414230"/>
             <a:ext cx="965248" cy="338554"/>
           </a:xfrm>
           <a:prstGeom prst="rect">
@@ -27389,7 +27389,7 @@
           <a:p>
             <a:pPr algn="ctr"/>
             <a:r>
-              <a:rPr lang="en-US" sz="1600" smtClean="0">
+              <a:rPr lang="en-US" sz="1600" dirty="0" smtClean="0">
                 <a:solidFill>
                   <a:schemeClr val="bg2">
                     <a:lumMod val="25000"/>
@@ -27416,15 +27416,15 @@
         </p:nvCxnSpPr>
         <p:spPr>
           <a:xfrm>
-            <a:off x="3795939" y="4818859"/>
+            <a:off x="3783239" y="4818859"/>
             <a:ext cx="612000" cy="0"/>
           </a:xfrm>
           <a:prstGeom prst="line">
             <a:avLst/>
           </a:prstGeom>
-          <a:ln w="6350">
+          <a:ln w="9525" cmpd="sng">
             <a:solidFill>
-              <a:schemeClr val="tx1"/>
+              <a:srgbClr val="3B3838"/>
             </a:solidFill>
             <a:prstDash val="sysDash"/>
             <a:headEnd type="none"/>
@@ -27453,15 +27453,15 @@
         </p:nvCxnSpPr>
         <p:spPr>
           <a:xfrm>
-            <a:off x="4763814" y="4787387"/>
+            <a:off x="4776514" y="4787387"/>
             <a:ext cx="612000" cy="0"/>
           </a:xfrm>
           <a:prstGeom prst="line">
             <a:avLst/>
           </a:prstGeom>
-          <a:ln w="6350">
+          <a:ln w="3175" cmpd="sng">
             <a:solidFill>
-              <a:schemeClr val="tx1"/>
+              <a:srgbClr val="3B3838"/>
             </a:solidFill>
             <a:prstDash val="sysDash"/>
             <a:headEnd type="none"/>
@@ -27490,15 +27490,15 @@
         </p:nvCxnSpPr>
         <p:spPr>
           <a:xfrm>
-            <a:off x="5774578" y="4730450"/>
+            <a:off x="5761878" y="4730450"/>
             <a:ext cx="612000" cy="0"/>
           </a:xfrm>
           <a:prstGeom prst="line">
             <a:avLst/>
           </a:prstGeom>
-          <a:ln w="6350">
+          <a:ln w="9525" cmpd="sng">
             <a:solidFill>
-              <a:schemeClr val="tx1"/>
+              <a:srgbClr val="3B3838"/>
             </a:solidFill>
             <a:prstDash val="sysDash"/>
             <a:headEnd type="none"/>
@@ -27533,9 +27533,9 @@
           <a:prstGeom prst="line">
             <a:avLst/>
           </a:prstGeom>
-          <a:ln w="6350">
+          <a:ln w="9525" cmpd="sng">
             <a:solidFill>
-              <a:schemeClr val="tx1"/>
+              <a:srgbClr val="3B3838"/>
             </a:solidFill>
             <a:prstDash val="sysDash"/>
             <a:headEnd type="none"/>
@@ -27790,7 +27790,7 @@
           <p:nvPr>
             <p:extLst>
               <p:ext uri="{D42A27DB-BD31-4B8C-83A1-F6EECF244321}">
-                <p14:modId xmlns:p14="http://schemas.microsoft.com/office/powerpoint/2010/main" val="1884837930"/>
+                <p14:modId xmlns:p14="http://schemas.microsoft.com/office/powerpoint/2010/main" val="3783796885"/>
               </p:ext>
             </p:extLst>
           </p:nvPr>
@@ -28087,7 +28087,7 @@
           <p:nvPr>
             <p:extLst>
               <p:ext uri="{D42A27DB-BD31-4B8C-83A1-F6EECF244321}">
-                <p14:modId xmlns:p14="http://schemas.microsoft.com/office/powerpoint/2010/main" val="611872437"/>
+                <p14:modId xmlns:p14="http://schemas.microsoft.com/office/powerpoint/2010/main" val="1505254204"/>
               </p:ext>
             </p:extLst>
           </p:nvPr>
@@ -28102,32 +28102,6 @@
           </a:graphicData>
         </a:graphic>
       </p:graphicFrame>
-      <p:sp>
-        <p:nvSpPr>
-          <p:cNvPr id="3" name="TextBox 2"/>
-          <p:cNvSpPr txBox="1"/>
-          <p:nvPr/>
-        </p:nvSpPr>
-        <p:spPr>
-          <a:xfrm>
-            <a:off x="9746166" y="2709746"/>
-            <a:ext cx="184731" cy="369332"/>
-          </a:xfrm>
-          <a:prstGeom prst="rect">
-            <a:avLst/>
-          </a:prstGeom>
-          <a:noFill/>
-        </p:spPr>
-        <p:txBody>
-          <a:bodyPr wrap="none" rtlCol="0">
-            <a:spAutoFit/>
-          </a:bodyPr>
-          <a:lstStyle/>
-          <a:p>
-            <a:endParaRPr lang="en-US" dirty="0"/>
-          </a:p>
-        </p:txBody>
-      </p:sp>
     </p:spTree>
     <p:extLst>
       <p:ext uri="{BB962C8B-B14F-4D97-AF65-F5344CB8AC3E}">

--- a/elsarticle/Images/Thesis charts.pptx
+++ b/elsarticle/Images/Thesis charts.pptx
@@ -129,7 +129,7 @@
   </p:defaultTextStyle>
   <p:extLst>
     <p:ext uri="{EFAFB233-063F-42B5-8137-9DF3F51BA10A}">
-      <p15:sldGuideLst xmlns:p15="http://schemas.microsoft.com/office/powerpoint/2012/main" xmlns="">
+      <p15:sldGuideLst xmlns="" xmlns:p15="http://schemas.microsoft.com/office/powerpoint/2012/main">
         <p15:guide id="1" orient="horz" pos="2160">
           <p15:clr>
             <a:srgbClr val="A4A3A4"/>
@@ -425,11 +425,11 @@
           <c:showPercent val="0"/>
           <c:showBubbleSize val="0"/>
         </c:dLbls>
-        <c:axId val="2031149816"/>
-        <c:axId val="2031091768"/>
+        <c:axId val="2132216744"/>
+        <c:axId val="2132199448"/>
       </c:scatterChart>
       <c:valAx>
-        <c:axId val="2031149816"/>
+        <c:axId val="2132216744"/>
         <c:scaling>
           <c:orientation val="minMax"/>
         </c:scaling>
@@ -531,12 +531,12 @@
             <a:endParaRPr lang="en-US"/>
           </a:p>
         </c:txPr>
-        <c:crossAx val="2031091768"/>
+        <c:crossAx val="2132199448"/>
         <c:crosses val="autoZero"/>
         <c:crossBetween val="midCat"/>
       </c:valAx>
       <c:valAx>
-        <c:axId val="2031091768"/>
+        <c:axId val="2132199448"/>
         <c:scaling>
           <c:orientation val="minMax"/>
         </c:scaling>
@@ -642,7 +642,7 @@
             <a:endParaRPr lang="en-US"/>
           </a:p>
         </c:txPr>
-        <c:crossAx val="2031149816"/>
+        <c:crossAx val="2132216744"/>
         <c:crosses val="autoZero"/>
         <c:crossBetween val="midCat"/>
       </c:valAx>
@@ -2137,35 +2137,6 @@
                   <c:y val="-0.232818681059063"/>
                 </c:manualLayout>
               </c:layout>
-              <c:spPr>
-                <a:noFill/>
-                <a:ln>
-                  <a:noFill/>
-                </a:ln>
-                <a:effectLst/>
-              </c:spPr>
-              <c:txPr>
-                <a:bodyPr rot="0" spcFirstLastPara="1" vertOverflow="ellipsis" vert="horz" wrap="square" lIns="38100" tIns="19050" rIns="38100" bIns="19050" anchor="ctr" anchorCtr="1">
-                  <a:spAutoFit/>
-                </a:bodyPr>
-                <a:lstStyle/>
-                <a:p>
-                  <a:pPr>
-                    <a:defRPr sz="1600" b="0" i="0" u="none" strike="noStrike" kern="1200" baseline="0">
-                      <a:solidFill>
-                        <a:schemeClr val="tx1">
-                          <a:lumMod val="75000"/>
-                          <a:lumOff val="25000"/>
-                        </a:schemeClr>
-                      </a:solidFill>
-                      <a:latin typeface="+mn-lt"/>
-                      <a:ea typeface="+mn-ea"/>
-                      <a:cs typeface="+mn-cs"/>
-                    </a:defRPr>
-                  </a:pPr>
-                  <a:endParaRPr lang="en-US"/>
-                </a:p>
-              </c:txPr>
               <c:showLegendKey val="0"/>
               <c:showVal val="1"/>
               <c:showCatName val="0"/>
@@ -2296,11 +2267,11 @@
         </c:dLbls>
         <c:gapWidth val="150"/>
         <c:overlap val="100"/>
-        <c:axId val="-2130737224"/>
-        <c:axId val="-2130734040"/>
+        <c:axId val="2133927736"/>
+        <c:axId val="2133924536"/>
       </c:barChart>
       <c:catAx>
-        <c:axId val="-2130737224"/>
+        <c:axId val="2133927736"/>
         <c:scaling>
           <c:orientation val="minMax"/>
         </c:scaling>
@@ -2310,7 +2281,7 @@
         <c:majorTickMark val="none"/>
         <c:minorTickMark val="none"/>
         <c:tickLblPos val="nextTo"/>
-        <c:crossAx val="-2130734040"/>
+        <c:crossAx val="2133924536"/>
         <c:crosses val="autoZero"/>
         <c:auto val="1"/>
         <c:lblAlgn val="ctr"/>
@@ -2318,7 +2289,7 @@
         <c:noMultiLvlLbl val="0"/>
       </c:catAx>
       <c:valAx>
-        <c:axId val="-2130734040"/>
+        <c:axId val="2133924536"/>
         <c:scaling>
           <c:orientation val="minMax"/>
         </c:scaling>
@@ -2414,7 +2385,7 @@
             <a:endParaRPr lang="en-US"/>
           </a:p>
         </c:txPr>
-        <c:crossAx val="-2130737224"/>
+        <c:crossAx val="2133927736"/>
         <c:crosses val="autoZero"/>
         <c:crossBetween val="between"/>
       </c:valAx>
@@ -2797,11 +2768,11 @@
         </c:dLbls>
         <c:gapWidth val="219"/>
         <c:overlap val="-27"/>
-        <c:axId val="-2131406232"/>
-        <c:axId val="-2131409976"/>
+        <c:axId val="-2116988216"/>
+        <c:axId val="-2116984488"/>
       </c:barChart>
       <c:catAx>
-        <c:axId val="-2131406232"/>
+        <c:axId val="-2116988216"/>
         <c:scaling>
           <c:orientation val="minMax"/>
         </c:scaling>
@@ -2841,7 +2812,7 @@
             <a:endParaRPr lang="en-US"/>
           </a:p>
         </c:txPr>
-        <c:crossAx val="-2131409976"/>
+        <c:crossAx val="-2116984488"/>
         <c:crosses val="autoZero"/>
         <c:auto val="1"/>
         <c:lblAlgn val="ctr"/>
@@ -2849,7 +2820,7 @@
         <c:noMultiLvlLbl val="0"/>
       </c:catAx>
       <c:valAx>
-        <c:axId val="-2131409976"/>
+        <c:axId val="-2116984488"/>
         <c:scaling>
           <c:orientation val="minMax"/>
         </c:scaling>
@@ -2970,7 +2941,7 @@
             <a:endParaRPr lang="en-US"/>
           </a:p>
         </c:txPr>
-        <c:crossAx val="-2131406232"/>
+        <c:crossAx val="-2116988216"/>
         <c:crosses val="autoZero"/>
         <c:crossBetween val="between"/>
       </c:valAx>
@@ -3267,11 +3238,11 @@
         </c:dLbls>
         <c:gapWidth val="219"/>
         <c:overlap val="-27"/>
-        <c:axId val="2145959400"/>
-        <c:axId val="2145962952"/>
+        <c:axId val="-2116926680"/>
+        <c:axId val="-2116923000"/>
       </c:barChart>
       <c:catAx>
-        <c:axId val="2145959400"/>
+        <c:axId val="-2116926680"/>
         <c:scaling>
           <c:orientation val="minMax"/>
         </c:scaling>
@@ -3311,7 +3282,7 @@
             <a:endParaRPr lang="en-US"/>
           </a:p>
         </c:txPr>
-        <c:crossAx val="2145962952"/>
+        <c:crossAx val="-2116923000"/>
         <c:crosses val="autoZero"/>
         <c:auto val="1"/>
         <c:lblAlgn val="ctr"/>
@@ -3319,7 +3290,7 @@
         <c:noMultiLvlLbl val="0"/>
       </c:catAx>
       <c:valAx>
-        <c:axId val="2145962952"/>
+        <c:axId val="-2116923000"/>
         <c:scaling>
           <c:orientation val="minMax"/>
         </c:scaling>
@@ -3440,7 +3411,7 @@
             <a:endParaRPr lang="en-US"/>
           </a:p>
         </c:txPr>
-        <c:crossAx val="2145959400"/>
+        <c:crossAx val="-2116926680"/>
         <c:crosses val="autoZero"/>
         <c:crossBetween val="between"/>
       </c:valAx>
@@ -3968,7 +3939,7 @@
                   <c:v>-6.43</c:v>
                 </c:pt>
                 <c:pt idx="10">
-                  <c:v>-9.739999999999998</c:v>
+                  <c:v>-9.74</c:v>
                 </c:pt>
                 <c:pt idx="11">
                   <c:v>-13.05</c:v>
@@ -4003,11 +3974,11 @@
         </c:dLbls>
         <c:marker val="1"/>
         <c:smooth val="0"/>
-        <c:axId val="-2133634536"/>
-        <c:axId val="-2133630856"/>
+        <c:axId val="-2119087112"/>
+        <c:axId val="-2119083432"/>
       </c:lineChart>
       <c:catAx>
-        <c:axId val="-2133634536"/>
+        <c:axId val="-2119087112"/>
         <c:scaling>
           <c:orientation val="minMax"/>
         </c:scaling>
@@ -4050,7 +4021,7 @@
             <a:endParaRPr lang="en-US"/>
           </a:p>
         </c:txPr>
-        <c:crossAx val="-2133630856"/>
+        <c:crossAx val="-2119083432"/>
         <c:crosses val="autoZero"/>
         <c:auto val="1"/>
         <c:lblAlgn val="ctr"/>
@@ -4058,7 +4029,7 @@
         <c:noMultiLvlLbl val="0"/>
       </c:catAx>
       <c:valAx>
-        <c:axId val="-2133630856"/>
+        <c:axId val="-2119083432"/>
         <c:scaling>
           <c:orientation val="minMax"/>
         </c:scaling>
@@ -4146,7 +4117,7 @@
             <a:endParaRPr lang="en-US"/>
           </a:p>
         </c:txPr>
-        <c:crossAx val="-2133634536"/>
+        <c:crossAx val="-2119087112"/>
         <c:crosses val="autoZero"/>
         <c:crossBetween val="between"/>
       </c:valAx>
@@ -4754,11 +4725,11 @@
         </c:dLbls>
         <c:gapWidth val="219"/>
         <c:overlap val="-27"/>
-        <c:axId val="2107657768"/>
-        <c:axId val="2107649368"/>
+        <c:axId val="-2116779512"/>
+        <c:axId val="-2116775656"/>
       </c:barChart>
       <c:catAx>
-        <c:axId val="2107657768"/>
+        <c:axId val="-2116779512"/>
         <c:scaling>
           <c:orientation val="minMax"/>
         </c:scaling>
@@ -4801,7 +4772,7 @@
             <a:endParaRPr lang="en-US"/>
           </a:p>
         </c:txPr>
-        <c:crossAx val="2107649368"/>
+        <c:crossAx val="-2116775656"/>
         <c:crosses val="autoZero"/>
         <c:auto val="1"/>
         <c:lblAlgn val="ctr"/>
@@ -4809,7 +4780,7 @@
         <c:noMultiLvlLbl val="0"/>
       </c:catAx>
       <c:valAx>
-        <c:axId val="2107649368"/>
+        <c:axId val="-2116775656"/>
         <c:scaling>
           <c:orientation val="minMax"/>
         </c:scaling>
@@ -4913,7 +4884,7 @@
             <a:endParaRPr lang="en-US"/>
           </a:p>
         </c:txPr>
-        <c:crossAx val="2107657768"/>
+        <c:crossAx val="-2116779512"/>
         <c:crosses val="autoZero"/>
         <c:crossBetween val="between"/>
       </c:valAx>
@@ -5587,11 +5558,11 @@
         </c:dLbls>
         <c:gapWidth val="219"/>
         <c:overlap val="100"/>
-        <c:axId val="-2129734920"/>
-        <c:axId val="-2129731368"/>
+        <c:axId val="-2116498984"/>
+        <c:axId val="-2116495432"/>
       </c:barChart>
       <c:catAx>
-        <c:axId val="-2129734920"/>
+        <c:axId val="-2116498984"/>
         <c:scaling>
           <c:orientation val="minMax"/>
         </c:scaling>
@@ -5634,7 +5605,7 @@
             <a:endParaRPr lang="en-US"/>
           </a:p>
         </c:txPr>
-        <c:crossAx val="-2129731368"/>
+        <c:crossAx val="-2116495432"/>
         <c:crosses val="autoZero"/>
         <c:auto val="1"/>
         <c:lblAlgn val="ctr"/>
@@ -5642,7 +5613,7 @@
         <c:noMultiLvlLbl val="0"/>
       </c:catAx>
       <c:valAx>
-        <c:axId val="-2129731368"/>
+        <c:axId val="-2116495432"/>
         <c:scaling>
           <c:orientation val="minMax"/>
         </c:scaling>
@@ -5764,7 +5735,7 @@
             <a:endParaRPr lang="en-US"/>
           </a:p>
         </c:txPr>
-        <c:crossAx val="-2129734920"/>
+        <c:crossAx val="-2116498984"/>
         <c:crosses val="autoZero"/>
         <c:crossBetween val="between"/>
       </c:valAx>
@@ -6227,11 +6198,11 @@
         </c:dLbls>
         <c:gapWidth val="219"/>
         <c:overlap val="-27"/>
-        <c:axId val="2146081576"/>
-        <c:axId val="2145875688"/>
+        <c:axId val="-2117282744"/>
+        <c:axId val="-2117279112"/>
       </c:barChart>
       <c:catAx>
-        <c:axId val="2146081576"/>
+        <c:axId val="-2117282744"/>
         <c:scaling>
           <c:orientation val="minMax"/>
         </c:scaling>
@@ -6271,7 +6242,7 @@
             <a:endParaRPr lang="en-US"/>
           </a:p>
         </c:txPr>
-        <c:crossAx val="2145875688"/>
+        <c:crossAx val="-2117279112"/>
         <c:crosses val="autoZero"/>
         <c:auto val="1"/>
         <c:lblAlgn val="ctr"/>
@@ -6279,7 +6250,7 @@
         <c:noMultiLvlLbl val="0"/>
       </c:catAx>
       <c:valAx>
-        <c:axId val="2145875688"/>
+        <c:axId val="-2117279112"/>
         <c:scaling>
           <c:orientation val="minMax"/>
         </c:scaling>
@@ -6381,7 +6352,7 @@
             <a:endParaRPr lang="en-US"/>
           </a:p>
         </c:txPr>
-        <c:crossAx val="2146081576"/>
+        <c:crossAx val="-2117282744"/>
         <c:crosses val="autoZero"/>
         <c:crossBetween val="between"/>
       </c:valAx>
@@ -6764,11 +6735,11 @@
         </c:dLbls>
         <c:gapWidth val="219"/>
         <c:overlap val="100"/>
-        <c:axId val="-2129692632"/>
-        <c:axId val="-2135793736"/>
+        <c:axId val="-2116436632"/>
+        <c:axId val="-2116432984"/>
       </c:barChart>
       <c:catAx>
-        <c:axId val="-2129692632"/>
+        <c:axId val="-2116436632"/>
         <c:scaling>
           <c:orientation val="minMax"/>
         </c:scaling>
@@ -6796,7 +6767,7 @@
           <a:lstStyle/>
           <a:p>
             <a:pPr>
-              <a:defRPr sz="1800" b="0" i="0" u="none" strike="noStrike" kern="1200" baseline="0">
+              <a:defRPr sz="2400" b="0" i="0" u="none" strike="noStrike" kern="1200" baseline="0">
                 <a:solidFill>
                   <a:schemeClr val="tx1">
                     <a:lumMod val="65000"/>
@@ -6811,7 +6782,7 @@
             <a:endParaRPr lang="en-US"/>
           </a:p>
         </c:txPr>
-        <c:crossAx val="-2135793736"/>
+        <c:crossAx val="-2116432984"/>
         <c:crosses val="autoZero"/>
         <c:auto val="1"/>
         <c:lblAlgn val="ctr"/>
@@ -6819,7 +6790,7 @@
         <c:noMultiLvlLbl val="0"/>
       </c:catAx>
       <c:valAx>
-        <c:axId val="-2135793736"/>
+        <c:axId val="-2116432984"/>
         <c:scaling>
           <c:orientation val="minMax"/>
         </c:scaling>
@@ -6846,7 +6817,7 @@
               <a:lstStyle/>
               <a:p>
                 <a:pPr>
-                  <a:defRPr sz="2000" b="0" i="0" u="none" strike="noStrike" kern="1200" baseline="0">
+                  <a:defRPr sz="2800" b="0" i="0" u="none" strike="noStrike" kern="1200" baseline="0">
                     <a:solidFill>
                       <a:schemeClr val="tx1">
                         <a:lumMod val="65000"/>
@@ -6859,12 +6830,12 @@
                   </a:defRPr>
                 </a:pPr>
                 <a:r>
-                  <a:rPr lang="en-US" sz="2000" b="0" i="0" baseline="0" dirty="0" smtClean="0">
+                  <a:rPr lang="en-US" sz="2800" b="0" i="0" baseline="0" dirty="0" smtClean="0">
                     <a:effectLst/>
                   </a:rPr>
                   <a:t>Office Energy Load (kWh)</a:t>
                 </a:r>
-                <a:endParaRPr lang="en-US" sz="2000" dirty="0">
+                <a:endParaRPr lang="en-US" sz="2800" dirty="0">
                   <a:effectLst/>
                 </a:endParaRPr>
               </a:p>
@@ -6896,7 +6867,7 @@
           <a:lstStyle/>
           <a:p>
             <a:pPr>
-              <a:defRPr sz="1197" b="0" i="0" u="none" strike="noStrike" kern="1200" baseline="0">
+              <a:defRPr sz="1800" b="0" i="0" u="none" strike="noStrike" kern="1200" baseline="0">
                 <a:solidFill>
                   <a:schemeClr val="tx1">
                     <a:lumMod val="65000"/>
@@ -6911,7 +6882,7 @@
             <a:endParaRPr lang="en-US"/>
           </a:p>
         </c:txPr>
-        <c:crossAx val="-2129692632"/>
+        <c:crossAx val="-2116436632"/>
         <c:crosses val="autoZero"/>
         <c:crossBetween val="between"/>
       </c:valAx>
@@ -7179,11 +7150,11 @@
         </c:dLbls>
         <c:gapWidth val="219"/>
         <c:overlap val="100"/>
-        <c:axId val="2145878792"/>
-        <c:axId val="2108443896"/>
+        <c:axId val="-2116653608"/>
+        <c:axId val="-2116649960"/>
       </c:barChart>
       <c:catAx>
-        <c:axId val="2145878792"/>
+        <c:axId val="-2116653608"/>
         <c:scaling>
           <c:orientation val="minMax"/>
         </c:scaling>
@@ -7223,7 +7194,7 @@
             <a:endParaRPr lang="en-US"/>
           </a:p>
         </c:txPr>
-        <c:crossAx val="2108443896"/>
+        <c:crossAx val="-2116649960"/>
         <c:crosses val="autoZero"/>
         <c:auto val="1"/>
         <c:lblAlgn val="ctr"/>
@@ -7231,7 +7202,7 @@
         <c:noMultiLvlLbl val="0"/>
       </c:catAx>
       <c:valAx>
-        <c:axId val="2108443896"/>
+        <c:axId val="-2116649960"/>
         <c:scaling>
           <c:orientation val="minMax"/>
         </c:scaling>
@@ -7353,7 +7324,7 @@
             <a:endParaRPr lang="en-US"/>
           </a:p>
         </c:txPr>
-        <c:crossAx val="2145878792"/>
+        <c:crossAx val="-2116653608"/>
         <c:crosses val="autoZero"/>
         <c:crossBetween val="between"/>
         <c:majorUnit val="100.0"/>
@@ -7567,11 +7538,11 @@
         </c:dLbls>
         <c:gapWidth val="219"/>
         <c:overlap val="100"/>
-        <c:axId val="-2129863512"/>
-        <c:axId val="2145914808"/>
+        <c:axId val="-2116594456"/>
+        <c:axId val="-2116590808"/>
       </c:barChart>
       <c:catAx>
-        <c:axId val="-2129863512"/>
+        <c:axId val="-2116594456"/>
         <c:scaling>
           <c:orientation val="minMax"/>
         </c:scaling>
@@ -7611,7 +7582,7 @@
             <a:endParaRPr lang="en-US"/>
           </a:p>
         </c:txPr>
-        <c:crossAx val="2145914808"/>
+        <c:crossAx val="-2116590808"/>
         <c:crosses val="autoZero"/>
         <c:auto val="1"/>
         <c:lblAlgn val="ctr"/>
@@ -7619,7 +7590,7 @@
         <c:noMultiLvlLbl val="0"/>
       </c:catAx>
       <c:valAx>
-        <c:axId val="2145914808"/>
+        <c:axId val="-2116590808"/>
         <c:scaling>
           <c:orientation val="minMax"/>
         </c:scaling>
@@ -7747,7 +7718,7 @@
             <a:endParaRPr lang="en-US"/>
           </a:p>
         </c:txPr>
-        <c:crossAx val="-2129863512"/>
+        <c:crossAx val="-2116594456"/>
         <c:crosses val="autoZero"/>
         <c:crossBetween val="between"/>
       </c:valAx>
@@ -8074,11 +8045,11 @@
         </c:dLbls>
         <c:gapWidth val="219"/>
         <c:overlap val="-27"/>
-        <c:axId val="2106480824"/>
-        <c:axId val="2105918600"/>
+        <c:axId val="-2117219320"/>
+        <c:axId val="-2117215752"/>
       </c:barChart>
       <c:catAx>
-        <c:axId val="2106480824"/>
+        <c:axId val="-2117219320"/>
         <c:scaling>
           <c:orientation val="minMax"/>
         </c:scaling>
@@ -8118,7 +8089,7 @@
             <a:endParaRPr lang="en-US"/>
           </a:p>
         </c:txPr>
-        <c:crossAx val="2105918600"/>
+        <c:crossAx val="-2117215752"/>
         <c:crosses val="autoZero"/>
         <c:auto val="1"/>
         <c:lblAlgn val="ctr"/>
@@ -8126,7 +8097,7 @@
         <c:noMultiLvlLbl val="0"/>
       </c:catAx>
       <c:valAx>
-        <c:axId val="2105918600"/>
+        <c:axId val="-2117215752"/>
         <c:scaling>
           <c:orientation val="minMax"/>
         </c:scaling>
@@ -8240,7 +8211,7 @@
             <a:endParaRPr lang="en-US"/>
           </a:p>
         </c:txPr>
-        <c:crossAx val="2106480824"/>
+        <c:crossAx val="-2117219320"/>
         <c:crosses val="autoZero"/>
         <c:crossBetween val="between"/>
       </c:valAx>
@@ -8845,11 +8816,11 @@
         </c:dLbls>
         <c:gapWidth val="219"/>
         <c:overlap val="-27"/>
-        <c:axId val="-2133492904"/>
-        <c:axId val="-2133489128"/>
+        <c:axId val="2134407880"/>
+        <c:axId val="2134411688"/>
       </c:barChart>
       <c:catAx>
-        <c:axId val="-2133492904"/>
+        <c:axId val="2134407880"/>
         <c:scaling>
           <c:orientation val="minMax"/>
         </c:scaling>
@@ -8889,7 +8860,7 @@
             <a:endParaRPr lang="en-US"/>
           </a:p>
         </c:txPr>
-        <c:crossAx val="-2133489128"/>
+        <c:crossAx val="2134411688"/>
         <c:crosses val="autoZero"/>
         <c:auto val="1"/>
         <c:lblAlgn val="ctr"/>
@@ -8897,7 +8868,7 @@
         <c:noMultiLvlLbl val="0"/>
       </c:catAx>
       <c:valAx>
-        <c:axId val="-2133489128"/>
+        <c:axId val="2134411688"/>
         <c:scaling>
           <c:orientation val="minMax"/>
         </c:scaling>
@@ -9026,7 +8997,7 @@
             <a:endParaRPr lang="en-US"/>
           </a:p>
         </c:txPr>
-        <c:crossAx val="-2133492904"/>
+        <c:crossAx val="2134407880"/>
         <c:crosses val="autoZero"/>
         <c:crossBetween val="between"/>
       </c:valAx>
@@ -9418,11 +9389,11 @@
         </c:dLbls>
         <c:gapWidth val="219"/>
         <c:overlap val="-27"/>
-        <c:axId val="2107751528"/>
-        <c:axId val="2108663464"/>
+        <c:axId val="2134357752"/>
+        <c:axId val="2134328056"/>
       </c:barChart>
       <c:catAx>
-        <c:axId val="2107751528"/>
+        <c:axId val="2134357752"/>
         <c:scaling>
           <c:orientation val="minMax"/>
         </c:scaling>
@@ -9462,7 +9433,7 @@
             <a:endParaRPr lang="en-US"/>
           </a:p>
         </c:txPr>
-        <c:crossAx val="2108663464"/>
+        <c:crossAx val="2134328056"/>
         <c:crosses val="autoZero"/>
         <c:auto val="1"/>
         <c:lblAlgn val="ctr"/>
@@ -9470,7 +9441,7 @@
         <c:noMultiLvlLbl val="0"/>
       </c:catAx>
       <c:valAx>
-        <c:axId val="2108663464"/>
+        <c:axId val="2134328056"/>
         <c:scaling>
           <c:orientation val="minMax"/>
         </c:scaling>
@@ -9591,7 +9562,7 @@
             <a:endParaRPr lang="en-US"/>
           </a:p>
         </c:txPr>
-        <c:crossAx val="2107751528"/>
+        <c:crossAx val="2134357752"/>
         <c:crosses val="autoZero"/>
         <c:crossBetween val="between"/>
       </c:valAx>
@@ -9761,11 +9732,11 @@
         </c:dLbls>
         <c:gapWidth val="219"/>
         <c:overlap val="-27"/>
-        <c:axId val="2107679688"/>
-        <c:axId val="2145926744"/>
+        <c:axId val="2134323064"/>
+        <c:axId val="2134326744"/>
       </c:barChart>
       <c:catAx>
-        <c:axId val="2107679688"/>
+        <c:axId val="2134323064"/>
         <c:scaling>
           <c:orientation val="minMax"/>
         </c:scaling>
@@ -9805,7 +9776,7 @@
             <a:endParaRPr lang="en-US"/>
           </a:p>
         </c:txPr>
-        <c:crossAx val="2145926744"/>
+        <c:crossAx val="2134326744"/>
         <c:crosses val="autoZero"/>
         <c:auto val="1"/>
         <c:lblAlgn val="ctr"/>
@@ -9813,7 +9784,7 @@
         <c:noMultiLvlLbl val="0"/>
       </c:catAx>
       <c:valAx>
-        <c:axId val="2145926744"/>
+        <c:axId val="2134326744"/>
         <c:scaling>
           <c:orientation val="minMax"/>
         </c:scaling>
@@ -9934,7 +9905,7 @@
             <a:endParaRPr lang="en-US"/>
           </a:p>
         </c:txPr>
-        <c:crossAx val="2107679688"/>
+        <c:crossAx val="2134323064"/>
         <c:crosses val="autoZero"/>
         <c:crossBetween val="between"/>
       </c:valAx>
@@ -10244,11 +10215,11 @@
         </c:dLbls>
         <c:gapWidth val="219"/>
         <c:overlap val="100"/>
-        <c:axId val="-2134197160"/>
-        <c:axId val="-2134280712"/>
+        <c:axId val="2134538216"/>
+        <c:axId val="2134541928"/>
       </c:barChart>
       <c:catAx>
-        <c:axId val="-2134197160"/>
+        <c:axId val="2134538216"/>
         <c:scaling>
           <c:orientation val="minMax"/>
         </c:scaling>
@@ -10291,7 +10262,7 @@
             <a:endParaRPr lang="en-US"/>
           </a:p>
         </c:txPr>
-        <c:crossAx val="-2134280712"/>
+        <c:crossAx val="2134541928"/>
         <c:crosses val="autoZero"/>
         <c:auto val="1"/>
         <c:lblAlgn val="ctr"/>
@@ -10299,7 +10270,7 @@
         <c:noMultiLvlLbl val="0"/>
       </c:catAx>
       <c:valAx>
-        <c:axId val="-2134280712"/>
+        <c:axId val="2134541928"/>
         <c:scaling>
           <c:orientation val="minMax"/>
         </c:scaling>
@@ -10391,7 +10362,7 @@
             <a:endParaRPr lang="en-US"/>
           </a:p>
         </c:txPr>
-        <c:crossAx val="-2134197160"/>
+        <c:crossAx val="2134538216"/>
         <c:crosses val="autoZero"/>
         <c:crossBetween val="between"/>
       </c:valAx>
@@ -26780,7 +26751,7 @@
           <p:nvPr>
             <p:extLst>
               <p:ext uri="{D42A27DB-BD31-4B8C-83A1-F6EECF244321}">
-                <p14:modId xmlns:p14="http://schemas.microsoft.com/office/powerpoint/2010/main" val="1507938078"/>
+                <p14:modId xmlns:p14="http://schemas.microsoft.com/office/powerpoint/2010/main" val="2614050290"/>
               </p:ext>
             </p:extLst>
           </p:nvPr>
@@ -28087,7 +28058,7 @@
           <p:nvPr>
             <p:extLst>
               <p:ext uri="{D42A27DB-BD31-4B8C-83A1-F6EECF244321}">
-                <p14:modId xmlns:p14="http://schemas.microsoft.com/office/powerpoint/2010/main" val="1505254204"/>
+                <p14:modId xmlns:p14="http://schemas.microsoft.com/office/powerpoint/2010/main" val="3348548957"/>
               </p:ext>
             </p:extLst>
           </p:nvPr>
@@ -29583,7 +29554,7 @@
   <a:extraClrSchemeLst/>
   <a:extLst>
     <a:ext uri="{05A4C25C-085E-4340-85A3-A5531E510DB2}">
-      <thm15:themeFamily xmlns:thm15="http://schemas.microsoft.com/office/thememl/2012/main" xmlns="" name="Office Theme" id="{62F939B6-93AF-4DB8-9C6B-D6C7DFDC589F}" vid="{4A3C46E8-61CC-4603-A589-7422A47A8E4A}"/>
+      <thm15:themeFamily xmlns="" xmlns:thm15="http://schemas.microsoft.com/office/thememl/2012/main" name="Office Theme" id="{62F939B6-93AF-4DB8-9C6B-D6C7DFDC589F}" vid="{4A3C46E8-61CC-4603-A589-7422A47A8E4A}"/>
     </a:ext>
   </a:extLst>
 </a:theme>
@@ -29844,7 +29815,7 @@
   <a:extraClrSchemeLst/>
   <a:extLst>
     <a:ext uri="{05A4C25C-085E-4340-85A3-A5531E510DB2}">
-      <thm15:themeFamily xmlns:thm15="http://schemas.microsoft.com/office/thememl/2012/main" xmlns="" name="Office Theme" id="{62F939B6-93AF-4DB8-9C6B-D6C7DFDC589F}" vid="{4A3C46E8-61CC-4603-A589-7422A47A8E4A}"/>
+      <thm15:themeFamily xmlns="" xmlns:thm15="http://schemas.microsoft.com/office/thememl/2012/main" name="Office Theme" id="{62F939B6-93AF-4DB8-9C6B-D6C7DFDC589F}" vid="{4A3C46E8-61CC-4603-A589-7422A47A8E4A}"/>
     </a:ext>
   </a:extLst>
 </a:theme>

--- a/elsarticle/Images/Thesis charts.pptx
+++ b/elsarticle/Images/Thesis charts.pptx
@@ -129,7 +129,7 @@
   </p:defaultTextStyle>
   <p:extLst>
     <p:ext uri="{EFAFB233-063F-42B5-8137-9DF3F51BA10A}">
-      <p15:sldGuideLst xmlns="" xmlns:p15="http://schemas.microsoft.com/office/powerpoint/2012/main">
+      <p15:sldGuideLst xmlns:p15="http://schemas.microsoft.com/office/powerpoint/2012/main">
         <p15:guide id="1" orient="horz" pos="2160">
           <p15:clr>
             <a:srgbClr val="A4A3A4"/>
@@ -425,11 +425,11 @@
           <c:showPercent val="0"/>
           <c:showBubbleSize val="0"/>
         </c:dLbls>
-        <c:axId val="2132216744"/>
-        <c:axId val="2132199448"/>
+        <c:axId val="2068195376"/>
+        <c:axId val="2068140608"/>
       </c:scatterChart>
       <c:valAx>
-        <c:axId val="2132216744"/>
+        <c:axId val="2068195376"/>
         <c:scaling>
           <c:orientation val="minMax"/>
         </c:scaling>
@@ -493,6 +493,26 @@
             </a:ln>
             <a:effectLst/>
           </c:spPr>
+          <c:txPr>
+            <a:bodyPr rot="0" spcFirstLastPara="1" vertOverflow="ellipsis" vert="horz" wrap="square" anchor="ctr" anchorCtr="1"/>
+            <a:lstStyle/>
+            <a:p>
+              <a:pPr>
+                <a:defRPr sz="1330" b="0" i="0" u="none" strike="noStrike" kern="1200" baseline="0">
+                  <a:solidFill>
+                    <a:schemeClr val="tx1">
+                      <a:lumMod val="65000"/>
+                      <a:lumOff val="35000"/>
+                    </a:schemeClr>
+                  </a:solidFill>
+                  <a:latin typeface="+mn-lt"/>
+                  <a:ea typeface="+mn-ea"/>
+                  <a:cs typeface="+mn-cs"/>
+                </a:defRPr>
+              </a:pPr>
+              <a:endParaRPr lang="en-US"/>
+            </a:p>
+          </c:txPr>
         </c:title>
         <c:numFmt formatCode="General" sourceLinked="1"/>
         <c:majorTickMark val="out"/>
@@ -531,12 +551,12 @@
             <a:endParaRPr lang="en-US"/>
           </a:p>
         </c:txPr>
-        <c:crossAx val="2132199448"/>
+        <c:crossAx val="2068140608"/>
         <c:crosses val="autoZero"/>
         <c:crossBetween val="midCat"/>
       </c:valAx>
       <c:valAx>
-        <c:axId val="2132199448"/>
+        <c:axId val="2068140608"/>
         <c:scaling>
           <c:orientation val="minMax"/>
         </c:scaling>
@@ -604,6 +624,26 @@
             </a:ln>
             <a:effectLst/>
           </c:spPr>
+          <c:txPr>
+            <a:bodyPr rot="-5400000" spcFirstLastPara="1" vertOverflow="ellipsis" vert="horz" wrap="square" anchor="ctr" anchorCtr="1"/>
+            <a:lstStyle/>
+            <a:p>
+              <a:pPr>
+                <a:defRPr sz="1330" b="0" i="0" u="none" strike="noStrike" kern="1200" baseline="0">
+                  <a:solidFill>
+                    <a:schemeClr val="tx1">
+                      <a:lumMod val="65000"/>
+                      <a:lumOff val="35000"/>
+                    </a:schemeClr>
+                  </a:solidFill>
+                  <a:latin typeface="+mn-lt"/>
+                  <a:ea typeface="+mn-ea"/>
+                  <a:cs typeface="+mn-cs"/>
+                </a:defRPr>
+              </a:pPr>
+              <a:endParaRPr lang="en-US"/>
+            </a:p>
+          </c:txPr>
         </c:title>
         <c:numFmt formatCode="General" sourceLinked="1"/>
         <c:majorTickMark val="out"/>
@@ -642,7 +682,7 @@
             <a:endParaRPr lang="en-US"/>
           </a:p>
         </c:txPr>
-        <c:crossAx val="2132216744"/>
+        <c:crossAx val="2068195376"/>
         <c:crosses val="autoZero"/>
         <c:crossBetween val="midCat"/>
       </c:valAx>
@@ -709,7 +749,7 @@
       <a:endParaRPr lang="en-US"/>
     </a:p>
   </c:txPr>
-  <c:externalData r:id="rId1">
+  <c:externalData r:id="rId3">
     <c:autoUpdate val="0"/>
   </c:externalData>
 </c:chartSpace>
@@ -772,6 +812,26 @@
         </a:ln>
         <a:effectLst/>
       </c:spPr>
+      <c:txPr>
+        <a:bodyPr rot="0" spcFirstLastPara="1" vertOverflow="ellipsis" vert="horz" wrap="square" anchor="ctr" anchorCtr="1"/>
+        <a:lstStyle/>
+        <a:p>
+          <a:pPr>
+            <a:defRPr sz="1862" b="0" i="0" u="none" strike="noStrike" kern="1200" spc="0" baseline="0">
+              <a:solidFill>
+                <a:schemeClr val="tx1">
+                  <a:lumMod val="65000"/>
+                  <a:lumOff val="35000"/>
+                </a:schemeClr>
+              </a:solidFill>
+              <a:latin typeface="+mn-lt"/>
+              <a:ea typeface="+mn-ea"/>
+              <a:cs typeface="+mn-cs"/>
+            </a:defRPr>
+          </a:pPr>
+          <a:endParaRPr lang="en-US"/>
+        </a:p>
+      </c:txPr>
     </c:title>
     <c:autoTitleDeleted val="0"/>
     <c:plotArea>
@@ -859,7 +919,9 @@
               </c:spPr>
             </c:leaderLines>
             <c:extLst>
-              <c:ext xmlns:c15="http://schemas.microsoft.com/office/drawing/2012/chart" uri="{CE6537A1-D6FC-4f65-9D91-7224C49458BB}"/>
+              <c:ext xmlns:c15="http://schemas.microsoft.com/office/drawing/2012/chart" uri="{CE6537A1-D6FC-4f65-9D91-7224C49458BB}">
+                <c15:layout/>
+              </c:ext>
             </c:extLst>
           </c:dLbls>
           <c:cat>
@@ -967,7 +1029,7 @@
       <a:endParaRPr lang="en-US"/>
     </a:p>
   </c:txPr>
-  <c:externalData r:id="rId1">
+  <c:externalData r:id="rId3">
     <c:autoUpdate val="0"/>
   </c:externalData>
 </c:chartSpace>
@@ -1034,6 +1096,26 @@
         </a:ln>
         <a:effectLst/>
       </c:spPr>
+      <c:txPr>
+        <a:bodyPr rot="0" spcFirstLastPara="1" vertOverflow="ellipsis" vert="horz" wrap="square" anchor="ctr" anchorCtr="1"/>
+        <a:lstStyle/>
+        <a:p>
+          <a:pPr>
+            <a:defRPr sz="1862" b="0" i="0" u="none" strike="noStrike" kern="1200" spc="0" baseline="0">
+              <a:solidFill>
+                <a:schemeClr val="tx1">
+                  <a:lumMod val="65000"/>
+                  <a:lumOff val="35000"/>
+                </a:schemeClr>
+              </a:solidFill>
+              <a:latin typeface="+mn-lt"/>
+              <a:ea typeface="+mn-ea"/>
+              <a:cs typeface="+mn-cs"/>
+            </a:defRPr>
+          </a:pPr>
+          <a:endParaRPr lang="en-US"/>
+        </a:p>
+      </c:txPr>
     </c:title>
     <c:autoTitleDeleted val="0"/>
     <c:plotArea>
@@ -1160,7 +1242,9 @@
               <c:showPercent val="0"/>
               <c:showBubbleSize val="0"/>
               <c:extLst>
-                <c:ext xmlns:c15="http://schemas.microsoft.com/office/drawing/2012/chart" uri="{CE6537A1-D6FC-4f65-9D91-7224C49458BB}"/>
+                <c:ext xmlns:c15="http://schemas.microsoft.com/office/drawing/2012/chart" uri="{CE6537A1-D6FC-4f65-9D91-7224C49458BB}">
+                  <c15:layout/>
+                </c:ext>
               </c:extLst>
             </c:dLbl>
             <c:dLbl>
@@ -1178,7 +1262,9 @@
               <c:showPercent val="0"/>
               <c:showBubbleSize val="0"/>
               <c:extLst>
-                <c:ext xmlns:c15="http://schemas.microsoft.com/office/drawing/2012/chart" uri="{CE6537A1-D6FC-4f65-9D91-7224C49458BB}"/>
+                <c:ext xmlns:c15="http://schemas.microsoft.com/office/drawing/2012/chart" uri="{CE6537A1-D6FC-4f65-9D91-7224C49458BB}">
+                  <c15:layout/>
+                </c:ext>
               </c:extLst>
             </c:dLbl>
             <c:spPr>
@@ -1232,7 +1318,9 @@
               </c:spPr>
             </c:leaderLines>
             <c:extLst>
-              <c:ext xmlns:c15="http://schemas.microsoft.com/office/drawing/2012/chart" uri="{CE6537A1-D6FC-4f65-9D91-7224C49458BB}"/>
+              <c:ext xmlns:c15="http://schemas.microsoft.com/office/drawing/2012/chart" uri="{CE6537A1-D6FC-4f65-9D91-7224C49458BB}">
+                <c15:layout/>
+              </c:ext>
             </c:extLst>
           </c:dLbls>
           <c:cat>
@@ -1370,7 +1458,7 @@
       <a:endParaRPr lang="en-US"/>
     </a:p>
   </c:txPr>
-  <c:externalData r:id="rId1">
+  <c:externalData r:id="rId3">
     <c:autoUpdate val="0"/>
   </c:externalData>
 </c:chartSpace>
@@ -1551,7 +1639,9 @@
               </c:spPr>
             </c:leaderLines>
             <c:extLst>
-              <c:ext xmlns:c15="http://schemas.microsoft.com/office/drawing/2012/chart" uri="{CE6537A1-D6FC-4f65-9D91-7224C49458BB}"/>
+              <c:ext xmlns:c15="http://schemas.microsoft.com/office/drawing/2012/chart" uri="{CE6537A1-D6FC-4f65-9D91-7224C49458BB}">
+                <c15:layout/>
+              </c:ext>
             </c:extLst>
           </c:dLbls>
           <c:cat>
@@ -1689,7 +1779,7 @@
       <a:endParaRPr lang="en-US"/>
     </a:p>
   </c:txPr>
-  <c:externalData r:id="rId1">
+  <c:externalData r:id="rId3">
     <c:autoUpdate val="0"/>
   </c:externalData>
 </c:chartSpace>
@@ -1791,13 +1881,13 @@
                   <c:v>2676.5</c:v>
                 </c:pt>
                 <c:pt idx="2">
-                  <c:v>-4324.1</c:v>
+                  <c:v>-5708.6</c:v>
                 </c:pt>
                 <c:pt idx="3">
-                  <c:v>-4167.02</c:v>
+                  <c:v>-5473</c:v>
                 </c:pt>
                 <c:pt idx="4">
-                  <c:v>-4090.02</c:v>
+                  <c:v>-5396</c:v>
                 </c:pt>
                 <c:pt idx="5">
                   <c:v>0.0</c:v>
@@ -1835,8 +1925,8 @@
               <c:idx val="0"/>
               <c:layout>
                 <c:manualLayout>
-                  <c:x val="0.00172410094923293"/>
-                  <c:y val="-0.157398544941338"/>
+                  <c:x val="-0.00172410094923296"/>
+                  <c:y val="-0.141002863176616"/>
                 </c:manualLayout>
               </c:layout>
               <c:showLegendKey val="0"/>
@@ -1883,9 +1973,7 @@
               <c:idx val="5"/>
               <c:delete val="1"/>
               <c:extLst>
-                <c:ext xmlns:c15="http://schemas.microsoft.com/office/drawing/2012/chart" uri="{CE6537A1-D6FC-4f65-9D91-7224C49458BB}">
-                  <c15:layout/>
-                </c:ext>
+                <c:ext xmlns:c15="http://schemas.microsoft.com/office/drawing/2012/chart" uri="{CE6537A1-D6FC-4f65-9D91-7224C49458BB}"/>
               </c:extLst>
             </c:dLbl>
             <c:spPr>
@@ -1926,7 +2014,6 @@
             <c:showLeaderLines val="0"/>
             <c:extLst>
               <c:ext xmlns:c15="http://schemas.microsoft.com/office/drawing/2012/chart" uri="{CE6537A1-D6FC-4f65-9D91-7224C49458BB}">
-                <c15:layout/>
                 <c15:showLeaderLines val="1"/>
                 <c15:leaderLines>
                   <c:spPr>
@@ -1984,10 +2071,10 @@
                   <c:v>0.0</c:v>
                 </c:pt>
                 <c:pt idx="2">
-                  <c:v>-80.4</c:v>
+                  <c:v>-1056.3</c:v>
                 </c:pt>
                 <c:pt idx="3">
-                  <c:v>-157.08</c:v>
+                  <c:v>-235.6</c:v>
                 </c:pt>
                 <c:pt idx="4">
                   <c:v>-77.0</c:v>
@@ -2059,7 +2146,10 @@
                   <c:v>0.0</c:v>
                 </c:pt>
                 <c:pt idx="1">
-                  <c:v>-4404.5</c:v>
+                  <c:v>-6764.9</c:v>
+                </c:pt>
+                <c:pt idx="2">
+                  <c:v>0.0</c:v>
                 </c:pt>
                 <c:pt idx="3">
                   <c:v>0.0</c:v>
@@ -2103,9 +2193,7 @@
               <c:idx val="0"/>
               <c:delete val="1"/>
               <c:extLst>
-                <c:ext xmlns:c15="http://schemas.microsoft.com/office/drawing/2012/chart" uri="{CE6537A1-D6FC-4f65-9D91-7224C49458BB}">
-                  <c15:layout/>
-                </c:ext>
+                <c:ext xmlns:c15="http://schemas.microsoft.com/office/drawing/2012/chart" uri="{CE6537A1-D6FC-4f65-9D91-7224C49458BB}"/>
               </c:extLst>
             </c:dLbl>
             <c:dLbl>
@@ -2113,6 +2201,15 @@
               <c:delete val="1"/>
               <c:extLst>
                 <c:ext xmlns:c15="http://schemas.microsoft.com/office/drawing/2012/chart" uri="{CE6537A1-D6FC-4f65-9D91-7224C49458BB}"/>
+              </c:extLst>
+            </c:dLbl>
+            <c:dLbl>
+              <c:idx val="2"/>
+              <c:delete val="1"/>
+              <c:extLst>
+                <c:ext xmlns:c15="http://schemas.microsoft.com/office/drawing/2012/chart" uri="{CE6537A1-D6FC-4f65-9D91-7224C49458BB}">
+                  <c15:layout/>
+                </c:ext>
               </c:extLst>
             </c:dLbl>
             <c:dLbl>
@@ -2244,6 +2341,9 @@
                 <c:pt idx="1">
                   <c:v>0.0</c:v>
                 </c:pt>
+                <c:pt idx="2">
+                  <c:v>0.0</c:v>
+                </c:pt>
                 <c:pt idx="3">
                   <c:v>0.0</c:v>
                 </c:pt>
@@ -2251,7 +2351,7 @@
                   <c:v>0.0</c:v>
                 </c:pt>
                 <c:pt idx="5">
-                  <c:v>-4090.02</c:v>
+                  <c:v>-5396</c:v>
                 </c:pt>
               </c:numCache>
             </c:numRef>
@@ -2267,11 +2367,11 @@
         </c:dLbls>
         <c:gapWidth val="150"/>
         <c:overlap val="100"/>
-        <c:axId val="2133927736"/>
-        <c:axId val="2133924536"/>
+        <c:axId val="-2100754800"/>
+        <c:axId val="-2100751552"/>
       </c:barChart>
       <c:catAx>
-        <c:axId val="2133927736"/>
+        <c:axId val="-2100754800"/>
         <c:scaling>
           <c:orientation val="minMax"/>
         </c:scaling>
@@ -2281,7 +2381,7 @@
         <c:majorTickMark val="none"/>
         <c:minorTickMark val="none"/>
         <c:tickLblPos val="nextTo"/>
-        <c:crossAx val="2133924536"/>
+        <c:crossAx val="-2100751552"/>
         <c:crosses val="autoZero"/>
         <c:auto val="1"/>
         <c:lblAlgn val="ctr"/>
@@ -2289,7 +2389,7 @@
         <c:noMultiLvlLbl val="0"/>
       </c:catAx>
       <c:valAx>
-        <c:axId val="2133924536"/>
+        <c:axId val="-2100751552"/>
         <c:scaling>
           <c:orientation val="minMax"/>
         </c:scaling>
@@ -2353,6 +2453,26 @@
             </a:ln>
             <a:effectLst/>
           </c:spPr>
+          <c:txPr>
+            <a:bodyPr rot="-5400000" spcFirstLastPara="1" vertOverflow="ellipsis" vert="horz" wrap="square" anchor="ctr" anchorCtr="1"/>
+            <a:lstStyle/>
+            <a:p>
+              <a:pPr>
+                <a:defRPr sz="1330" b="0" i="0" u="none" strike="noStrike" kern="1200" baseline="0">
+                  <a:solidFill>
+                    <a:schemeClr val="tx1">
+                      <a:lumMod val="65000"/>
+                      <a:lumOff val="35000"/>
+                    </a:schemeClr>
+                  </a:solidFill>
+                  <a:latin typeface="+mn-lt"/>
+                  <a:ea typeface="+mn-ea"/>
+                  <a:cs typeface="+mn-cs"/>
+                </a:defRPr>
+              </a:pPr>
+              <a:endParaRPr lang="en-US"/>
+            </a:p>
+          </c:txPr>
         </c:title>
         <c:numFmt formatCode="0.0" sourceLinked="1"/>
         <c:majorTickMark val="none"/>
@@ -2385,7 +2505,7 @@
             <a:endParaRPr lang="en-US"/>
           </a:p>
         </c:txPr>
-        <c:crossAx val="2133927736"/>
+        <c:crossAx val="-2100754800"/>
         <c:crosses val="autoZero"/>
         <c:crossBetween val="between"/>
       </c:valAx>
@@ -2420,7 +2540,7 @@
       <a:endParaRPr lang="en-US"/>
     </a:p>
   </c:txPr>
-  <c:externalData r:id="rId1">
+  <c:externalData r:id="rId3">
     <c:autoUpdate val="0"/>
   </c:externalData>
 </c:chartSpace>
@@ -2768,11 +2888,11 @@
         </c:dLbls>
         <c:gapWidth val="219"/>
         <c:overlap val="-27"/>
-        <c:axId val="-2116988216"/>
-        <c:axId val="-2116984488"/>
+        <c:axId val="-2101265552"/>
+        <c:axId val="-2101251104"/>
       </c:barChart>
       <c:catAx>
-        <c:axId val="-2116988216"/>
+        <c:axId val="-2101265552"/>
         <c:scaling>
           <c:orientation val="minMax"/>
         </c:scaling>
@@ -2812,7 +2932,7 @@
             <a:endParaRPr lang="en-US"/>
           </a:p>
         </c:txPr>
-        <c:crossAx val="-2116984488"/>
+        <c:crossAx val="-2101251104"/>
         <c:crosses val="autoZero"/>
         <c:auto val="1"/>
         <c:lblAlgn val="ctr"/>
@@ -2820,7 +2940,487 @@
         <c:noMultiLvlLbl val="0"/>
       </c:catAx>
       <c:valAx>
-        <c:axId val="-2116984488"/>
+        <c:axId val="-2101251104"/>
+        <c:scaling>
+          <c:orientation val="minMax"/>
+        </c:scaling>
+        <c:delete val="0"/>
+        <c:axPos val="l"/>
+        <c:majorGridlines>
+          <c:spPr>
+            <a:ln w="9525" cap="flat" cmpd="sng" algn="ctr">
+              <a:solidFill>
+                <a:schemeClr val="tx1">
+                  <a:lumMod val="15000"/>
+                  <a:lumOff val="85000"/>
+                </a:schemeClr>
+              </a:solidFill>
+              <a:round/>
+            </a:ln>
+            <a:effectLst/>
+          </c:spPr>
+        </c:majorGridlines>
+        <c:title>
+          <c:tx>
+            <c:rich>
+              <a:bodyPr rot="-5400000" spcFirstLastPara="1" vertOverflow="ellipsis" vert="horz" wrap="square" anchor="ctr" anchorCtr="1"/>
+              <a:lstStyle/>
+              <a:p>
+                <a:pPr>
+                  <a:defRPr sz="1400" b="0" i="0" u="none" strike="noStrike" kern="1200" baseline="0">
+                    <a:solidFill>
+                      <a:schemeClr val="tx1">
+                        <a:lumMod val="65000"/>
+                        <a:lumOff val="35000"/>
+                      </a:schemeClr>
+                    </a:solidFill>
+                    <a:latin typeface="+mn-lt"/>
+                    <a:ea typeface="+mn-ea"/>
+                    <a:cs typeface="+mn-cs"/>
+                  </a:defRPr>
+                </a:pPr>
+                <a:r>
+                  <a:rPr lang="en-US" sz="1600" dirty="0" smtClean="0"/>
+                  <a:t>Electricity production at grid</a:t>
+                </a:r>
+              </a:p>
+              <a:p>
+                <a:pPr>
+                  <a:defRPr sz="1400"/>
+                </a:pPr>
+                <a:r>
+                  <a:rPr lang="en-US" sz="1600" noProof="1" smtClean="0"/>
+                  <a:t>(g</a:t>
+                </a:r>
+                <a:r>
+                  <a:rPr lang="en-US" sz="1600" baseline="-25000" noProof="1" smtClean="0"/>
+                  <a:t>CO2eq</a:t>
+                </a:r>
+                <a:r>
+                  <a:rPr lang="en-US" sz="1600" noProof="1" smtClean="0"/>
+                  <a:t>/kWh</a:t>
+                </a:r>
+                <a:r>
+                  <a:rPr lang="de-DE" sz="1600" dirty="0" smtClean="0"/>
+                  <a:t>)</a:t>
+                </a:r>
+                <a:endParaRPr lang="en-US" sz="1600" dirty="0"/>
+              </a:p>
+            </c:rich>
+          </c:tx>
+          <c:layout/>
+          <c:overlay val="0"/>
+          <c:spPr>
+            <a:noFill/>
+            <a:ln>
+              <a:noFill/>
+            </a:ln>
+            <a:effectLst/>
+          </c:spPr>
+          <c:txPr>
+            <a:bodyPr rot="-5400000" spcFirstLastPara="1" vertOverflow="ellipsis" vert="horz" wrap="square" anchor="ctr" anchorCtr="1"/>
+            <a:lstStyle/>
+            <a:p>
+              <a:pPr>
+                <a:defRPr sz="1400" b="0" i="0" u="none" strike="noStrike" kern="1200" baseline="0">
+                  <a:solidFill>
+                    <a:schemeClr val="tx1">
+                      <a:lumMod val="65000"/>
+                      <a:lumOff val="35000"/>
+                    </a:schemeClr>
+                  </a:solidFill>
+                  <a:latin typeface="+mn-lt"/>
+                  <a:ea typeface="+mn-ea"/>
+                  <a:cs typeface="+mn-cs"/>
+                </a:defRPr>
+              </a:pPr>
+              <a:endParaRPr lang="en-US"/>
+            </a:p>
+          </c:txPr>
+        </c:title>
+        <c:numFmt formatCode="General" sourceLinked="1"/>
+        <c:majorTickMark val="none"/>
+        <c:minorTickMark val="none"/>
+        <c:tickLblPos val="nextTo"/>
+        <c:spPr>
+          <a:noFill/>
+          <a:ln>
+            <a:solidFill>
+              <a:schemeClr val="accent3"/>
+            </a:solidFill>
+          </a:ln>
+          <a:effectLst/>
+        </c:spPr>
+        <c:txPr>
+          <a:bodyPr rot="-60000000" spcFirstLastPara="1" vertOverflow="ellipsis" vert="horz" wrap="square" anchor="ctr" anchorCtr="1"/>
+          <a:lstStyle/>
+          <a:p>
+            <a:pPr>
+              <a:defRPr sz="1400" b="0" i="0" u="none" strike="noStrike" kern="1200" baseline="0">
+                <a:solidFill>
+                  <a:schemeClr val="tx1">
+                    <a:lumMod val="65000"/>
+                    <a:lumOff val="35000"/>
+                  </a:schemeClr>
+                </a:solidFill>
+                <a:latin typeface="+mn-lt"/>
+                <a:ea typeface="+mn-ea"/>
+                <a:cs typeface="+mn-cs"/>
+              </a:defRPr>
+            </a:pPr>
+            <a:endParaRPr lang="en-US"/>
+          </a:p>
+        </c:txPr>
+        <c:crossAx val="-2101265552"/>
+        <c:crosses val="autoZero"/>
+        <c:crossBetween val="between"/>
+      </c:valAx>
+      <c:spPr>
+        <a:noFill/>
+        <a:ln>
+          <a:solidFill>
+            <a:schemeClr val="accent3"/>
+          </a:solidFill>
+        </a:ln>
+        <a:effectLst/>
+      </c:spPr>
+    </c:plotArea>
+    <c:legend>
+      <c:legendPos val="b"/>
+      <c:layout/>
+      <c:overlay val="0"/>
+      <c:spPr>
+        <a:noFill/>
+        <a:ln>
+          <a:noFill/>
+        </a:ln>
+        <a:effectLst/>
+      </c:spPr>
+      <c:txPr>
+        <a:bodyPr rot="0" spcFirstLastPara="1" vertOverflow="ellipsis" vert="horz" wrap="square" anchor="ctr" anchorCtr="1"/>
+        <a:lstStyle/>
+        <a:p>
+          <a:pPr>
+            <a:defRPr sz="1197" b="0" i="0" u="none" strike="noStrike" kern="1200" baseline="0">
+              <a:solidFill>
+                <a:schemeClr val="tx1">
+                  <a:lumMod val="65000"/>
+                  <a:lumOff val="35000"/>
+                </a:schemeClr>
+              </a:solidFill>
+              <a:latin typeface="+mn-lt"/>
+              <a:ea typeface="+mn-ea"/>
+              <a:cs typeface="+mn-cs"/>
+            </a:defRPr>
+          </a:pPr>
+          <a:endParaRPr lang="en-US"/>
+        </a:p>
+      </c:txPr>
+    </c:legend>
+    <c:plotVisOnly val="1"/>
+    <c:dispBlanksAs val="gap"/>
+    <c:showDLblsOverMax val="0"/>
+  </c:chart>
+  <c:spPr>
+    <a:noFill/>
+    <a:ln>
+      <a:noFill/>
+    </a:ln>
+    <a:effectLst/>
+  </c:spPr>
+  <c:txPr>
+    <a:bodyPr/>
+    <a:lstStyle/>
+    <a:p>
+      <a:pPr>
+        <a:defRPr/>
+      </a:pPr>
+      <a:endParaRPr lang="en-US"/>
+    </a:p>
+  </c:txPr>
+  <c:externalData r:id="rId3">
+    <c:autoUpdate val="0"/>
+  </c:externalData>
+</c:chartSpace>
+</file>
+
+<file path=ppt/charts/chart15.xml><?xml version="1.0" encoding="utf-8"?>
+<c:chartSpace xmlns:c="http://schemas.openxmlformats.org/drawingml/2006/chart" xmlns:a="http://schemas.openxmlformats.org/drawingml/2006/main" xmlns:r="http://schemas.openxmlformats.org/officeDocument/2006/relationships">
+  <c:date1904 val="0"/>
+  <c:lang val="en-US"/>
+  <c:roundedCorners val="0"/>
+  <mc:AlternateContent xmlns:mc="http://schemas.openxmlformats.org/markup-compatibility/2006">
+    <mc:Choice xmlns:c14="http://schemas.microsoft.com/office/drawing/2007/8/2/chart" Requires="c14">
+      <c14:style val="102"/>
+    </mc:Choice>
+    <mc:Fallback>
+      <c:style val="2"/>
+    </mc:Fallback>
+  </mc:AlternateContent>
+  <c:chart>
+    <c:autoTitleDeleted val="1"/>
+    <c:plotArea>
+      <c:layout/>
+      <c:barChart>
+        <c:barDir val="col"/>
+        <c:grouping val="clustered"/>
+        <c:varyColors val="0"/>
+        <c:ser>
+          <c:idx val="0"/>
+          <c:order val="0"/>
+          <c:tx>
+            <c:strRef>
+              <c:f>Sheet1!$B$1</c:f>
+              <c:strCache>
+                <c:ptCount val="1"/>
+                <c:pt idx="0">
+                  <c:v>High voltage at grid</c:v>
+                </c:pt>
+              </c:strCache>
+            </c:strRef>
+          </c:tx>
+          <c:spPr>
+            <a:solidFill>
+              <a:schemeClr val="accent1"/>
+            </a:solidFill>
+            <a:ln>
+              <a:noFill/>
+            </a:ln>
+            <a:effectLst/>
+          </c:spPr>
+          <c:invertIfNegative val="0"/>
+          <c:cat>
+            <c:strRef>
+              <c:f>Sheet1!$A$2:$A$8</c:f>
+              <c:strCache>
+                <c:ptCount val="7"/>
+                <c:pt idx="0">
+                  <c:v>China</c:v>
+                </c:pt>
+                <c:pt idx="1">
+                  <c:v>United States of America</c:v>
+                </c:pt>
+                <c:pt idx="2">
+                  <c:v>Germany</c:v>
+                </c:pt>
+                <c:pt idx="3">
+                  <c:v>UCTE region</c:v>
+                </c:pt>
+                <c:pt idx="4">
+                  <c:v>Switzerland</c:v>
+                </c:pt>
+                <c:pt idx="5">
+                  <c:v>ASF</c:v>
+                </c:pt>
+                <c:pt idx="6">
+                  <c:v>France</c:v>
+                </c:pt>
+              </c:strCache>
+            </c:strRef>
+          </c:cat>
+          <c:val>
+            <c:numRef>
+              <c:f>Sheet1!$B$2:$B$8</c:f>
+              <c:numCache>
+                <c:formatCode>General</c:formatCode>
+                <c:ptCount val="7"/>
+                <c:pt idx="0">
+                  <c:v>1145.8</c:v>
+                </c:pt>
+                <c:pt idx="1">
+                  <c:v>754.8</c:v>
+                </c:pt>
+                <c:pt idx="2">
+                  <c:v>629.5</c:v>
+                </c:pt>
+                <c:pt idx="3">
+                  <c:v>509.3</c:v>
+                </c:pt>
+                <c:pt idx="4">
+                  <c:v>119.6</c:v>
+                </c:pt>
+                <c:pt idx="6">
+                  <c:v>95.7</c:v>
+                </c:pt>
+              </c:numCache>
+            </c:numRef>
+          </c:val>
+        </c:ser>
+        <c:ser>
+          <c:idx val="1"/>
+          <c:order val="1"/>
+          <c:tx>
+            <c:strRef>
+              <c:f>Sheet1!$C$1</c:f>
+              <c:strCache>
+                <c:ptCount val="1"/>
+                <c:pt idx="0">
+                  <c:v>Low voltage at grid</c:v>
+                </c:pt>
+              </c:strCache>
+            </c:strRef>
+          </c:tx>
+          <c:spPr>
+            <a:solidFill>
+              <a:schemeClr val="accent2"/>
+            </a:solidFill>
+            <a:ln>
+              <a:noFill/>
+            </a:ln>
+            <a:effectLst/>
+          </c:spPr>
+          <c:invertIfNegative val="0"/>
+          <c:dPt>
+            <c:idx val="5"/>
+            <c:invertIfNegative val="0"/>
+            <c:bubble3D val="0"/>
+            <c:spPr>
+              <a:solidFill>
+                <a:srgbClr val="C52A15"/>
+              </a:solidFill>
+              <a:ln>
+                <a:noFill/>
+              </a:ln>
+              <a:effectLst/>
+            </c:spPr>
+          </c:dPt>
+          <c:dPt>
+            <c:idx val="14"/>
+            <c:invertIfNegative val="0"/>
+            <c:bubble3D val="0"/>
+            <c:spPr>
+              <a:solidFill>
+                <a:srgbClr val="C00000"/>
+              </a:solidFill>
+              <a:ln>
+                <a:noFill/>
+              </a:ln>
+              <a:effectLst/>
+            </c:spPr>
+          </c:dPt>
+          <c:cat>
+            <c:strRef>
+              <c:f>Sheet1!$A$2:$A$8</c:f>
+              <c:strCache>
+                <c:ptCount val="7"/>
+                <c:pt idx="0">
+                  <c:v>China</c:v>
+                </c:pt>
+                <c:pt idx="1">
+                  <c:v>United States of America</c:v>
+                </c:pt>
+                <c:pt idx="2">
+                  <c:v>Germany</c:v>
+                </c:pt>
+                <c:pt idx="3">
+                  <c:v>UCTE region</c:v>
+                </c:pt>
+                <c:pt idx="4">
+                  <c:v>Switzerland</c:v>
+                </c:pt>
+                <c:pt idx="5">
+                  <c:v>ASF</c:v>
+                </c:pt>
+                <c:pt idx="6">
+                  <c:v>France</c:v>
+                </c:pt>
+              </c:strCache>
+            </c:strRef>
+          </c:cat>
+          <c:val>
+            <c:numRef>
+              <c:f>Sheet1!$C$2:$C$8</c:f>
+              <c:numCache>
+                <c:formatCode>General</c:formatCode>
+                <c:ptCount val="7"/>
+                <c:pt idx="0">
+                  <c:v>1229.6</c:v>
+                </c:pt>
+                <c:pt idx="1">
+                  <c:v>808.4</c:v>
+                </c:pt>
+                <c:pt idx="2">
+                  <c:v>671.5</c:v>
+                </c:pt>
+                <c:pt idx="3">
+                  <c:v>551.7</c:v>
+                </c:pt>
+                <c:pt idx="4">
+                  <c:v>135.0</c:v>
+                </c:pt>
+                <c:pt idx="5">
+                  <c:v>126.8</c:v>
+                </c:pt>
+                <c:pt idx="6">
+                  <c:v>109.0</c:v>
+                </c:pt>
+              </c:numCache>
+            </c:numRef>
+          </c:val>
+        </c:ser>
+        <c:dLbls>
+          <c:showLegendKey val="0"/>
+          <c:showVal val="0"/>
+          <c:showCatName val="0"/>
+          <c:showSerName val="0"/>
+          <c:showPercent val="0"/>
+          <c:showBubbleSize val="0"/>
+        </c:dLbls>
+        <c:gapWidth val="219"/>
+        <c:overlap val="-27"/>
+        <c:axId val="-2100871312"/>
+        <c:axId val="-2100850784"/>
+      </c:barChart>
+      <c:catAx>
+        <c:axId val="-2100871312"/>
+        <c:scaling>
+          <c:orientation val="minMax"/>
+        </c:scaling>
+        <c:delete val="0"/>
+        <c:axPos val="b"/>
+        <c:numFmt formatCode="General" sourceLinked="1"/>
+        <c:majorTickMark val="none"/>
+        <c:minorTickMark val="none"/>
+        <c:tickLblPos val="nextTo"/>
+        <c:spPr>
+          <a:noFill/>
+          <a:ln w="9525" cap="flat" cmpd="sng" algn="ctr">
+            <a:solidFill>
+              <a:schemeClr val="accent3"/>
+            </a:solidFill>
+            <a:round/>
+          </a:ln>
+          <a:effectLst/>
+        </c:spPr>
+        <c:txPr>
+          <a:bodyPr rot="-60000000" spcFirstLastPara="1" vertOverflow="ellipsis" vert="horz" wrap="square" anchor="ctr" anchorCtr="1"/>
+          <a:lstStyle/>
+          <a:p>
+            <a:pPr>
+              <a:defRPr sz="1400" b="0" i="0" u="none" strike="noStrike" kern="1200" baseline="0">
+                <a:solidFill>
+                  <a:schemeClr val="tx1">
+                    <a:lumMod val="65000"/>
+                    <a:lumOff val="35000"/>
+                  </a:schemeClr>
+                </a:solidFill>
+                <a:latin typeface="+mn-lt"/>
+                <a:ea typeface="+mn-ea"/>
+                <a:cs typeface="+mn-cs"/>
+              </a:defRPr>
+            </a:pPr>
+            <a:endParaRPr lang="en-US"/>
+          </a:p>
+        </c:txPr>
+        <c:crossAx val="-2100850784"/>
+        <c:crosses val="autoZero"/>
+        <c:auto val="1"/>
+        <c:lblAlgn val="ctr"/>
+        <c:lblOffset val="100"/>
+        <c:noMultiLvlLbl val="0"/>
+      </c:catAx>
+      <c:valAx>
+        <c:axId val="-2100850784"/>
         <c:scaling>
           <c:orientation val="minMax"/>
         </c:scaling>
@@ -2941,477 +3541,7 @@
             <a:endParaRPr lang="en-US"/>
           </a:p>
         </c:txPr>
-        <c:crossAx val="-2116988216"/>
-        <c:crosses val="autoZero"/>
-        <c:crossBetween val="between"/>
-      </c:valAx>
-      <c:spPr>
-        <a:noFill/>
-        <a:ln>
-          <a:solidFill>
-            <a:schemeClr val="accent3"/>
-          </a:solidFill>
-        </a:ln>
-        <a:effectLst/>
-      </c:spPr>
-    </c:plotArea>
-    <c:legend>
-      <c:legendPos val="b"/>
-      <c:layout/>
-      <c:overlay val="0"/>
-      <c:spPr>
-        <a:noFill/>
-        <a:ln>
-          <a:noFill/>
-        </a:ln>
-        <a:effectLst/>
-      </c:spPr>
-      <c:txPr>
-        <a:bodyPr rot="0" spcFirstLastPara="1" vertOverflow="ellipsis" vert="horz" wrap="square" anchor="ctr" anchorCtr="1"/>
-        <a:lstStyle/>
-        <a:p>
-          <a:pPr>
-            <a:defRPr sz="1197" b="0" i="0" u="none" strike="noStrike" kern="1200" baseline="0">
-              <a:solidFill>
-                <a:schemeClr val="tx1">
-                  <a:lumMod val="65000"/>
-                  <a:lumOff val="35000"/>
-                </a:schemeClr>
-              </a:solidFill>
-              <a:latin typeface="+mn-lt"/>
-              <a:ea typeface="+mn-ea"/>
-              <a:cs typeface="+mn-cs"/>
-            </a:defRPr>
-          </a:pPr>
-          <a:endParaRPr lang="en-US"/>
-        </a:p>
-      </c:txPr>
-    </c:legend>
-    <c:plotVisOnly val="1"/>
-    <c:dispBlanksAs val="gap"/>
-    <c:showDLblsOverMax val="0"/>
-  </c:chart>
-  <c:spPr>
-    <a:noFill/>
-    <a:ln>
-      <a:noFill/>
-    </a:ln>
-    <a:effectLst/>
-  </c:spPr>
-  <c:txPr>
-    <a:bodyPr/>
-    <a:lstStyle/>
-    <a:p>
-      <a:pPr>
-        <a:defRPr/>
-      </a:pPr>
-      <a:endParaRPr lang="en-US"/>
-    </a:p>
-  </c:txPr>
-  <c:externalData r:id="rId1">
-    <c:autoUpdate val="0"/>
-  </c:externalData>
-</c:chartSpace>
-</file>
-
-<file path=ppt/charts/chart15.xml><?xml version="1.0" encoding="utf-8"?>
-<c:chartSpace xmlns:c="http://schemas.openxmlformats.org/drawingml/2006/chart" xmlns:a="http://schemas.openxmlformats.org/drawingml/2006/main" xmlns:r="http://schemas.openxmlformats.org/officeDocument/2006/relationships">
-  <c:date1904 val="0"/>
-  <c:lang val="en-US"/>
-  <c:roundedCorners val="0"/>
-  <mc:AlternateContent xmlns:mc="http://schemas.openxmlformats.org/markup-compatibility/2006">
-    <mc:Choice xmlns:c14="http://schemas.microsoft.com/office/drawing/2007/8/2/chart" Requires="c14">
-      <c14:style val="102"/>
-    </mc:Choice>
-    <mc:Fallback>
-      <c:style val="2"/>
-    </mc:Fallback>
-  </mc:AlternateContent>
-  <c:chart>
-    <c:autoTitleDeleted val="1"/>
-    <c:plotArea>
-      <c:layout/>
-      <c:barChart>
-        <c:barDir val="col"/>
-        <c:grouping val="clustered"/>
-        <c:varyColors val="0"/>
-        <c:ser>
-          <c:idx val="0"/>
-          <c:order val="0"/>
-          <c:tx>
-            <c:strRef>
-              <c:f>Sheet1!$B$1</c:f>
-              <c:strCache>
-                <c:ptCount val="1"/>
-                <c:pt idx="0">
-                  <c:v>High voltage at grid</c:v>
-                </c:pt>
-              </c:strCache>
-            </c:strRef>
-          </c:tx>
-          <c:spPr>
-            <a:solidFill>
-              <a:schemeClr val="accent1"/>
-            </a:solidFill>
-            <a:ln>
-              <a:noFill/>
-            </a:ln>
-            <a:effectLst/>
-          </c:spPr>
-          <c:invertIfNegative val="0"/>
-          <c:cat>
-            <c:strRef>
-              <c:f>Sheet1!$A$2:$A$8</c:f>
-              <c:strCache>
-                <c:ptCount val="7"/>
-                <c:pt idx="0">
-                  <c:v>China</c:v>
-                </c:pt>
-                <c:pt idx="1">
-                  <c:v>United States of America</c:v>
-                </c:pt>
-                <c:pt idx="2">
-                  <c:v>Germany</c:v>
-                </c:pt>
-                <c:pt idx="3">
-                  <c:v>UCTE region</c:v>
-                </c:pt>
-                <c:pt idx="4">
-                  <c:v>Switzerland</c:v>
-                </c:pt>
-                <c:pt idx="5">
-                  <c:v>ASF</c:v>
-                </c:pt>
-                <c:pt idx="6">
-                  <c:v>France</c:v>
-                </c:pt>
-              </c:strCache>
-            </c:strRef>
-          </c:cat>
-          <c:val>
-            <c:numRef>
-              <c:f>Sheet1!$B$2:$B$8</c:f>
-              <c:numCache>
-                <c:formatCode>General</c:formatCode>
-                <c:ptCount val="7"/>
-                <c:pt idx="0">
-                  <c:v>1145.8</c:v>
-                </c:pt>
-                <c:pt idx="1">
-                  <c:v>754.8</c:v>
-                </c:pt>
-                <c:pt idx="2">
-                  <c:v>629.5</c:v>
-                </c:pt>
-                <c:pt idx="3">
-                  <c:v>509.3</c:v>
-                </c:pt>
-                <c:pt idx="4">
-                  <c:v>119.6</c:v>
-                </c:pt>
-                <c:pt idx="6">
-                  <c:v>95.7</c:v>
-                </c:pt>
-              </c:numCache>
-            </c:numRef>
-          </c:val>
-        </c:ser>
-        <c:ser>
-          <c:idx val="1"/>
-          <c:order val="1"/>
-          <c:tx>
-            <c:strRef>
-              <c:f>Sheet1!$C$1</c:f>
-              <c:strCache>
-                <c:ptCount val="1"/>
-                <c:pt idx="0">
-                  <c:v>Low voltage at grid</c:v>
-                </c:pt>
-              </c:strCache>
-            </c:strRef>
-          </c:tx>
-          <c:spPr>
-            <a:solidFill>
-              <a:schemeClr val="accent2"/>
-            </a:solidFill>
-            <a:ln>
-              <a:noFill/>
-            </a:ln>
-            <a:effectLst/>
-          </c:spPr>
-          <c:invertIfNegative val="0"/>
-          <c:dPt>
-            <c:idx val="5"/>
-            <c:invertIfNegative val="0"/>
-            <c:bubble3D val="0"/>
-            <c:spPr>
-              <a:solidFill>
-                <a:srgbClr val="C52A15"/>
-              </a:solidFill>
-              <a:ln>
-                <a:noFill/>
-              </a:ln>
-              <a:effectLst/>
-            </c:spPr>
-          </c:dPt>
-          <c:dPt>
-            <c:idx val="14"/>
-            <c:invertIfNegative val="0"/>
-            <c:bubble3D val="0"/>
-            <c:spPr>
-              <a:solidFill>
-                <a:srgbClr val="C00000"/>
-              </a:solidFill>
-              <a:ln>
-                <a:noFill/>
-              </a:ln>
-              <a:effectLst/>
-            </c:spPr>
-          </c:dPt>
-          <c:cat>
-            <c:strRef>
-              <c:f>Sheet1!$A$2:$A$8</c:f>
-              <c:strCache>
-                <c:ptCount val="7"/>
-                <c:pt idx="0">
-                  <c:v>China</c:v>
-                </c:pt>
-                <c:pt idx="1">
-                  <c:v>United States of America</c:v>
-                </c:pt>
-                <c:pt idx="2">
-                  <c:v>Germany</c:v>
-                </c:pt>
-                <c:pt idx="3">
-                  <c:v>UCTE region</c:v>
-                </c:pt>
-                <c:pt idx="4">
-                  <c:v>Switzerland</c:v>
-                </c:pt>
-                <c:pt idx="5">
-                  <c:v>ASF</c:v>
-                </c:pt>
-                <c:pt idx="6">
-                  <c:v>France</c:v>
-                </c:pt>
-              </c:strCache>
-            </c:strRef>
-          </c:cat>
-          <c:val>
-            <c:numRef>
-              <c:f>Sheet1!$C$2:$C$8</c:f>
-              <c:numCache>
-                <c:formatCode>General</c:formatCode>
-                <c:ptCount val="7"/>
-                <c:pt idx="0">
-                  <c:v>1229.6</c:v>
-                </c:pt>
-                <c:pt idx="1">
-                  <c:v>808.4</c:v>
-                </c:pt>
-                <c:pt idx="2">
-                  <c:v>671.5</c:v>
-                </c:pt>
-                <c:pt idx="3">
-                  <c:v>551.7</c:v>
-                </c:pt>
-                <c:pt idx="4">
-                  <c:v>135.0</c:v>
-                </c:pt>
-                <c:pt idx="5">
-                  <c:v>126.8</c:v>
-                </c:pt>
-                <c:pt idx="6">
-                  <c:v>109.0</c:v>
-                </c:pt>
-              </c:numCache>
-            </c:numRef>
-          </c:val>
-        </c:ser>
-        <c:dLbls>
-          <c:showLegendKey val="0"/>
-          <c:showVal val="0"/>
-          <c:showCatName val="0"/>
-          <c:showSerName val="0"/>
-          <c:showPercent val="0"/>
-          <c:showBubbleSize val="0"/>
-        </c:dLbls>
-        <c:gapWidth val="219"/>
-        <c:overlap val="-27"/>
-        <c:axId val="-2116926680"/>
-        <c:axId val="-2116923000"/>
-      </c:barChart>
-      <c:catAx>
-        <c:axId val="-2116926680"/>
-        <c:scaling>
-          <c:orientation val="minMax"/>
-        </c:scaling>
-        <c:delete val="0"/>
-        <c:axPos val="b"/>
-        <c:numFmt formatCode="General" sourceLinked="1"/>
-        <c:majorTickMark val="none"/>
-        <c:minorTickMark val="none"/>
-        <c:tickLblPos val="nextTo"/>
-        <c:spPr>
-          <a:noFill/>
-          <a:ln w="9525" cap="flat" cmpd="sng" algn="ctr">
-            <a:solidFill>
-              <a:schemeClr val="accent3"/>
-            </a:solidFill>
-            <a:round/>
-          </a:ln>
-          <a:effectLst/>
-        </c:spPr>
-        <c:txPr>
-          <a:bodyPr rot="-60000000" spcFirstLastPara="1" vertOverflow="ellipsis" vert="horz" wrap="square" anchor="ctr" anchorCtr="1"/>
-          <a:lstStyle/>
-          <a:p>
-            <a:pPr>
-              <a:defRPr sz="1400" b="0" i="0" u="none" strike="noStrike" kern="1200" baseline="0">
-                <a:solidFill>
-                  <a:schemeClr val="tx1">
-                    <a:lumMod val="65000"/>
-                    <a:lumOff val="35000"/>
-                  </a:schemeClr>
-                </a:solidFill>
-                <a:latin typeface="+mn-lt"/>
-                <a:ea typeface="+mn-ea"/>
-                <a:cs typeface="+mn-cs"/>
-              </a:defRPr>
-            </a:pPr>
-            <a:endParaRPr lang="en-US"/>
-          </a:p>
-        </c:txPr>
-        <c:crossAx val="-2116923000"/>
-        <c:crosses val="autoZero"/>
-        <c:auto val="1"/>
-        <c:lblAlgn val="ctr"/>
-        <c:lblOffset val="100"/>
-        <c:noMultiLvlLbl val="0"/>
-      </c:catAx>
-      <c:valAx>
-        <c:axId val="-2116923000"/>
-        <c:scaling>
-          <c:orientation val="minMax"/>
-        </c:scaling>
-        <c:delete val="0"/>
-        <c:axPos val="l"/>
-        <c:majorGridlines>
-          <c:spPr>
-            <a:ln w="9525" cap="flat" cmpd="sng" algn="ctr">
-              <a:solidFill>
-                <a:schemeClr val="tx1">
-                  <a:lumMod val="15000"/>
-                  <a:lumOff val="85000"/>
-                </a:schemeClr>
-              </a:solidFill>
-              <a:round/>
-            </a:ln>
-            <a:effectLst/>
-          </c:spPr>
-        </c:majorGridlines>
-        <c:title>
-          <c:tx>
-            <c:rich>
-              <a:bodyPr rot="-5400000" spcFirstLastPara="1" vertOverflow="ellipsis" vert="horz" wrap="square" anchor="ctr" anchorCtr="1"/>
-              <a:lstStyle/>
-              <a:p>
-                <a:pPr>
-                  <a:defRPr sz="1400" b="0" i="0" u="none" strike="noStrike" kern="1200" baseline="0">
-                    <a:solidFill>
-                      <a:schemeClr val="tx1">
-                        <a:lumMod val="65000"/>
-                        <a:lumOff val="35000"/>
-                      </a:schemeClr>
-                    </a:solidFill>
-                    <a:latin typeface="+mn-lt"/>
-                    <a:ea typeface="+mn-ea"/>
-                    <a:cs typeface="+mn-cs"/>
-                  </a:defRPr>
-                </a:pPr>
-                <a:r>
-                  <a:rPr lang="en-US" sz="1600" dirty="0" smtClean="0"/>
-                  <a:t>Electricity production at grid</a:t>
-                </a:r>
-              </a:p>
-              <a:p>
-                <a:pPr>
-                  <a:defRPr sz="1400" b="0" i="0" u="none" strike="noStrike" kern="1200" baseline="0">
-                    <a:solidFill>
-                      <a:schemeClr val="tx1">
-                        <a:lumMod val="65000"/>
-                        <a:lumOff val="35000"/>
-                      </a:schemeClr>
-                    </a:solidFill>
-                    <a:latin typeface="+mn-lt"/>
-                    <a:ea typeface="+mn-ea"/>
-                    <a:cs typeface="+mn-cs"/>
-                  </a:defRPr>
-                </a:pPr>
-                <a:r>
-                  <a:rPr lang="en-US" sz="1600" noProof="1" smtClean="0"/>
-                  <a:t>(g</a:t>
-                </a:r>
-                <a:r>
-                  <a:rPr lang="en-US" sz="1600" baseline="-25000" noProof="1" smtClean="0"/>
-                  <a:t>CO2eq</a:t>
-                </a:r>
-                <a:r>
-                  <a:rPr lang="en-US" sz="1600" noProof="1" smtClean="0"/>
-                  <a:t>/kWh</a:t>
-                </a:r>
-                <a:r>
-                  <a:rPr lang="de-DE" sz="1600" dirty="0" smtClean="0"/>
-                  <a:t>)</a:t>
-                </a:r>
-                <a:endParaRPr lang="en-US" sz="1600" dirty="0"/>
-              </a:p>
-            </c:rich>
-          </c:tx>
-          <c:layout/>
-          <c:overlay val="0"/>
-          <c:spPr>
-            <a:noFill/>
-            <a:ln>
-              <a:noFill/>
-            </a:ln>
-            <a:effectLst/>
-          </c:spPr>
-        </c:title>
-        <c:numFmt formatCode="General" sourceLinked="1"/>
-        <c:majorTickMark val="none"/>
-        <c:minorTickMark val="none"/>
-        <c:tickLblPos val="nextTo"/>
-        <c:spPr>
-          <a:noFill/>
-          <a:ln>
-            <a:solidFill>
-              <a:schemeClr val="accent3"/>
-            </a:solidFill>
-          </a:ln>
-          <a:effectLst/>
-        </c:spPr>
-        <c:txPr>
-          <a:bodyPr rot="-60000000" spcFirstLastPara="1" vertOverflow="ellipsis" vert="horz" wrap="square" anchor="ctr" anchorCtr="1"/>
-          <a:lstStyle/>
-          <a:p>
-            <a:pPr>
-              <a:defRPr sz="1400" b="0" i="0" u="none" strike="noStrike" kern="1200" baseline="0">
-                <a:solidFill>
-                  <a:schemeClr val="tx1">
-                    <a:lumMod val="65000"/>
-                    <a:lumOff val="35000"/>
-                  </a:schemeClr>
-                </a:solidFill>
-                <a:latin typeface="+mn-lt"/>
-                <a:ea typeface="+mn-ea"/>
-                <a:cs typeface="+mn-cs"/>
-              </a:defRPr>
-            </a:pPr>
-            <a:endParaRPr lang="en-US"/>
-          </a:p>
-        </c:txPr>
-        <c:crossAx val="-2116926680"/>
+        <c:crossAx val="-2100871312"/>
         <c:crosses val="autoZero"/>
         <c:crossBetween val="between"/>
       </c:valAx>
@@ -3659,7 +3789,9 @@
               </c:spPr>
             </c:leaderLines>
             <c:extLst>
-              <c:ext xmlns:c15="http://schemas.microsoft.com/office/drawing/2012/chart" uri="{CE6537A1-D6FC-4f65-9D91-7224C49458BB}"/>
+              <c:ext xmlns:c15="http://schemas.microsoft.com/office/drawing/2012/chart" uri="{CE6537A1-D6FC-4f65-9D91-7224C49458BB}">
+                <c15:layout/>
+              </c:ext>
             </c:extLst>
           </c:dLbls>
           <c:cat>
@@ -3797,7 +3929,7 @@
       <a:endParaRPr lang="en-US"/>
     </a:p>
   </c:txPr>
-  <c:externalData r:id="rId1">
+  <c:externalData r:id="rId3">
     <c:autoUpdate val="0"/>
   </c:externalData>
 </c:chartSpace>
@@ -3939,7 +4071,7 @@
                   <c:v>-6.43</c:v>
                 </c:pt>
                 <c:pt idx="10">
-                  <c:v>-9.74</c:v>
+                  <c:v>-9.739999999999998</c:v>
                 </c:pt>
                 <c:pt idx="11">
                   <c:v>-13.05</c:v>
@@ -3972,13 +4104,12 @@
           <c:showPercent val="0"/>
           <c:showBubbleSize val="0"/>
         </c:dLbls>
-        <c:marker val="1"/>
         <c:smooth val="0"/>
-        <c:axId val="-2119087112"/>
-        <c:axId val="-2119083432"/>
+        <c:axId val="2070387056"/>
+        <c:axId val="2070517008"/>
       </c:lineChart>
       <c:catAx>
-        <c:axId val="-2119087112"/>
+        <c:axId val="2070387056"/>
         <c:scaling>
           <c:orientation val="minMax"/>
         </c:scaling>
@@ -4021,7 +4152,7 @@
             <a:endParaRPr lang="en-US"/>
           </a:p>
         </c:txPr>
-        <c:crossAx val="-2119083432"/>
+        <c:crossAx val="2070517008"/>
         <c:crosses val="autoZero"/>
         <c:auto val="1"/>
         <c:lblAlgn val="ctr"/>
@@ -4029,7 +4160,7 @@
         <c:noMultiLvlLbl val="0"/>
       </c:catAx>
       <c:valAx>
-        <c:axId val="-2119083432"/>
+        <c:axId val="2070517008"/>
         <c:scaling>
           <c:orientation val="minMax"/>
         </c:scaling>
@@ -4117,7 +4248,7 @@
             <a:endParaRPr lang="en-US"/>
           </a:p>
         </c:txPr>
-        <c:crossAx val="-2119087112"/>
+        <c:crossAx val="2070387056"/>
         <c:crosses val="autoZero"/>
         <c:crossBetween val="between"/>
       </c:valAx>
@@ -4275,6 +4406,7 @@
             <c:showLeaderLines val="0"/>
             <c:extLst>
               <c:ext xmlns:c15="http://schemas.microsoft.com/office/drawing/2012/chart" uri="{CE6537A1-D6FC-4f65-9D91-7224C49458BB}">
+                <c15:layout/>
                 <c15:showLeaderLines val="1"/>
                 <c15:leaderLines>
                   <c:spPr>
@@ -4387,6 +4519,7 @@
             <c:showLeaderLines val="0"/>
             <c:extLst>
               <c:ext xmlns:c15="http://schemas.microsoft.com/office/drawing/2012/chart" uri="{CE6537A1-D6FC-4f65-9D91-7224C49458BB}">
+                <c15:layout/>
                 <c15:showLeaderLines val="1"/>
                 <c15:leaderLines>
                   <c:spPr>
@@ -4499,6 +4632,7 @@
             <c:showLeaderLines val="0"/>
             <c:extLst>
               <c:ext xmlns:c15="http://schemas.microsoft.com/office/drawing/2012/chart" uri="{CE6537A1-D6FC-4f65-9D91-7224C49458BB}">
+                <c15:layout/>
                 <c15:showLeaderLines val="1"/>
                 <c15:leaderLines>
                   <c:spPr>
@@ -4666,6 +4800,7 @@
             <c:showLeaderLines val="0"/>
             <c:extLst>
               <c:ext xmlns:c15="http://schemas.microsoft.com/office/drawing/2012/chart" uri="{CE6537A1-D6FC-4f65-9D91-7224C49458BB}">
+                <c15:layout/>
                 <c15:showLeaderLines val="1"/>
                 <c15:leaderLines>
                   <c:spPr>
@@ -4725,11 +4860,11 @@
         </c:dLbls>
         <c:gapWidth val="219"/>
         <c:overlap val="-27"/>
-        <c:axId val="-2116779512"/>
-        <c:axId val="-2116775656"/>
+        <c:axId val="2068891408"/>
+        <c:axId val="2111284224"/>
       </c:barChart>
       <c:catAx>
-        <c:axId val="-2116779512"/>
+        <c:axId val="2068891408"/>
         <c:scaling>
           <c:orientation val="minMax"/>
         </c:scaling>
@@ -4772,7 +4907,7 @@
             <a:endParaRPr lang="en-US"/>
           </a:p>
         </c:txPr>
-        <c:crossAx val="-2116775656"/>
+        <c:crossAx val="2111284224"/>
         <c:crosses val="autoZero"/>
         <c:auto val="1"/>
         <c:lblAlgn val="ctr"/>
@@ -4780,7 +4915,7 @@
         <c:noMultiLvlLbl val="0"/>
       </c:catAx>
       <c:valAx>
-        <c:axId val="-2116775656"/>
+        <c:axId val="2111284224"/>
         <c:scaling>
           <c:orientation val="minMax"/>
         </c:scaling>
@@ -4852,6 +4987,26 @@
             </a:ln>
             <a:effectLst/>
           </c:spPr>
+          <c:txPr>
+            <a:bodyPr rot="-5400000" spcFirstLastPara="1" vertOverflow="ellipsis" vert="horz" wrap="square" anchor="ctr" anchorCtr="1"/>
+            <a:lstStyle/>
+            <a:p>
+              <a:pPr>
+                <a:defRPr sz="1600" b="0" i="0" u="none" strike="noStrike" kern="1200" baseline="0">
+                  <a:solidFill>
+                    <a:schemeClr val="tx1">
+                      <a:lumMod val="65000"/>
+                      <a:lumOff val="35000"/>
+                    </a:schemeClr>
+                  </a:solidFill>
+                  <a:latin typeface="+mn-lt"/>
+                  <a:ea typeface="+mn-ea"/>
+                  <a:cs typeface="+mn-cs"/>
+                </a:defRPr>
+              </a:pPr>
+              <a:endParaRPr lang="en-US"/>
+            </a:p>
+          </c:txPr>
         </c:title>
         <c:numFmt formatCode="General" sourceLinked="1"/>
         <c:majorTickMark val="none"/>
@@ -4884,7 +5039,7 @@
             <a:endParaRPr lang="en-US"/>
           </a:p>
         </c:txPr>
-        <c:crossAx val="-2116779512"/>
+        <c:crossAx val="2068891408"/>
         <c:crosses val="autoZero"/>
         <c:crossBetween val="between"/>
       </c:valAx>
@@ -4951,10 +5106,10 @@
       <a:endParaRPr lang="en-US"/>
     </a:p>
   </c:txPr>
-  <c:externalData r:id="rId1">
+  <c:externalData r:id="rId3">
     <c:autoUpdate val="0"/>
   </c:externalData>
-  <c:userShapes r:id="rId2"/>
+  <c:userShapes r:id="rId4"/>
 </c:chartSpace>
 </file>
 
@@ -5125,6 +5280,28 @@
                 </a:ln>
                 <a:effectLst/>
               </c:spPr>
+              <c:txPr>
+                <a:bodyPr rot="0" spcFirstLastPara="1" vertOverflow="ellipsis" vert="horz" wrap="square" lIns="38100" tIns="19050" rIns="38100" bIns="19050" anchor="ctr" anchorCtr="1">
+                  <a:noAutofit/>
+                </a:bodyPr>
+                <a:lstStyle/>
+                <a:p>
+                  <a:pPr>
+                    <a:defRPr sz="1197" b="0" i="0" u="none" strike="noStrike" kern="1200" baseline="0">
+                      <a:solidFill>
+                        <a:schemeClr val="tx1">
+                          <a:lumMod val="75000"/>
+                          <a:lumOff val="25000"/>
+                        </a:schemeClr>
+                      </a:solidFill>
+                      <a:latin typeface="+mn-lt"/>
+                      <a:ea typeface="+mn-ea"/>
+                      <a:cs typeface="+mn-cs"/>
+                    </a:defRPr>
+                  </a:pPr>
+                  <a:endParaRPr lang="en-US"/>
+                </a:p>
+              </c:txPr>
               <c:showLegendKey val="0"/>
               <c:showVal val="1"/>
               <c:showCatName val="0"/>
@@ -5170,7 +5347,9 @@
               <c:showPercent val="0"/>
               <c:showBubbleSize val="0"/>
               <c:extLst>
-                <c:ext xmlns:c15="http://schemas.microsoft.com/office/drawing/2012/chart" uri="{CE6537A1-D6FC-4f65-9D91-7224C49458BB}"/>
+                <c:ext xmlns:c15="http://schemas.microsoft.com/office/drawing/2012/chart" uri="{CE6537A1-D6FC-4f65-9D91-7224C49458BB}">
+                  <c15:layout/>
+                </c:ext>
               </c:extLst>
             </c:dLbl>
             <c:dLbl>
@@ -5201,7 +5380,9 @@
               <c:showPercent val="0"/>
               <c:showBubbleSize val="0"/>
               <c:extLst>
-                <c:ext xmlns:c15="http://schemas.microsoft.com/office/drawing/2012/chart" uri="{CE6537A1-D6FC-4f65-9D91-7224C49458BB}"/>
+                <c:ext xmlns:c15="http://schemas.microsoft.com/office/drawing/2012/chart" uri="{CE6537A1-D6FC-4f65-9D91-7224C49458BB}">
+                  <c15:layout/>
+                </c:ext>
               </c:extLst>
             </c:dLbl>
             <c:dLbl>
@@ -5232,7 +5413,9 @@
               <c:showPercent val="0"/>
               <c:showBubbleSize val="0"/>
               <c:extLst>
-                <c:ext xmlns:c15="http://schemas.microsoft.com/office/drawing/2012/chart" uri="{CE6537A1-D6FC-4f65-9D91-7224C49458BB}"/>
+                <c:ext xmlns:c15="http://schemas.microsoft.com/office/drawing/2012/chart" uri="{CE6537A1-D6FC-4f65-9D91-7224C49458BB}">
+                  <c15:layout/>
+                </c:ext>
               </c:extLst>
             </c:dLbl>
             <c:dLbl>
@@ -5263,7 +5446,9 @@
               <c:showPercent val="0"/>
               <c:showBubbleSize val="0"/>
               <c:extLst>
-                <c:ext xmlns:c15="http://schemas.microsoft.com/office/drawing/2012/chart" uri="{CE6537A1-D6FC-4f65-9D91-7224C49458BB}"/>
+                <c:ext xmlns:c15="http://schemas.microsoft.com/office/drawing/2012/chart" uri="{CE6537A1-D6FC-4f65-9D91-7224C49458BB}">
+                  <c15:layout/>
+                </c:ext>
               </c:extLst>
             </c:dLbl>
             <c:spPr>
@@ -5418,7 +5603,9 @@
               <c:showPercent val="0"/>
               <c:showBubbleSize val="0"/>
               <c:extLst>
-                <c:ext xmlns:c15="http://schemas.microsoft.com/office/drawing/2012/chart" uri="{CE6537A1-D6FC-4f65-9D91-7224C49458BB}"/>
+                <c:ext xmlns:c15="http://schemas.microsoft.com/office/drawing/2012/chart" uri="{CE6537A1-D6FC-4f65-9D91-7224C49458BB}">
+                  <c15:layout/>
+                </c:ext>
               </c:extLst>
             </c:dLbl>
             <c:dLbl>
@@ -5558,11 +5745,11 @@
         </c:dLbls>
         <c:gapWidth val="219"/>
         <c:overlap val="100"/>
-        <c:axId val="-2116498984"/>
-        <c:axId val="-2116495432"/>
+        <c:axId val="2107061808"/>
+        <c:axId val="2107064416"/>
       </c:barChart>
       <c:catAx>
-        <c:axId val="-2116498984"/>
+        <c:axId val="2107061808"/>
         <c:scaling>
           <c:orientation val="minMax"/>
         </c:scaling>
@@ -5605,7 +5792,7 @@
             <a:endParaRPr lang="en-US"/>
           </a:p>
         </c:txPr>
-        <c:crossAx val="-2116495432"/>
+        <c:crossAx val="2107064416"/>
         <c:crosses val="autoZero"/>
         <c:auto val="1"/>
         <c:lblAlgn val="ctr"/>
@@ -5613,7 +5800,7 @@
         <c:noMultiLvlLbl val="0"/>
       </c:catAx>
       <c:valAx>
-        <c:axId val="-2116495432"/>
+        <c:axId val="2107064416"/>
         <c:scaling>
           <c:orientation val="minMax"/>
         </c:scaling>
@@ -5703,6 +5890,26 @@
             </a:ln>
             <a:effectLst/>
           </c:spPr>
+          <c:txPr>
+            <a:bodyPr rot="-5400000" spcFirstLastPara="1" vertOverflow="ellipsis" vert="horz" wrap="square" anchor="ctr" anchorCtr="1"/>
+            <a:lstStyle/>
+            <a:p>
+              <a:pPr>
+                <a:defRPr sz="1330" b="0" i="0" u="none" strike="noStrike" kern="1200" baseline="0">
+                  <a:solidFill>
+                    <a:schemeClr val="tx1">
+                      <a:lumMod val="65000"/>
+                      <a:lumOff val="35000"/>
+                    </a:schemeClr>
+                  </a:solidFill>
+                  <a:latin typeface="+mn-lt"/>
+                  <a:ea typeface="+mn-ea"/>
+                  <a:cs typeface="+mn-cs"/>
+                </a:defRPr>
+              </a:pPr>
+              <a:endParaRPr lang="en-US"/>
+            </a:p>
+          </c:txPr>
         </c:title>
         <c:numFmt formatCode="General" sourceLinked="1"/>
         <c:majorTickMark val="none"/>
@@ -5735,7 +5942,7 @@
             <a:endParaRPr lang="en-US"/>
           </a:p>
         </c:txPr>
-        <c:crossAx val="-2116498984"/>
+        <c:crossAx val="2107061808"/>
         <c:crosses val="autoZero"/>
         <c:crossBetween val="between"/>
       </c:valAx>
@@ -5802,7 +6009,7 @@
       <a:endParaRPr lang="en-US"/>
     </a:p>
   </c:txPr>
-  <c:externalData r:id="rId1">
+  <c:externalData r:id="rId3">
     <c:autoUpdate val="0"/>
   </c:externalData>
 </c:chartSpace>
@@ -5893,6 +6100,7 @@
             <c:showLeaderLines val="0"/>
             <c:extLst>
               <c:ext xmlns:c15="http://schemas.microsoft.com/office/drawing/2012/chart" uri="{CE6537A1-D6FC-4f65-9D91-7224C49458BB}">
+                <c15:layout/>
                 <c15:showLeaderLines val="1"/>
                 <c15:leaderLines>
                   <c:spPr>
@@ -6016,6 +6224,7 @@
             <c:showLeaderLines val="0"/>
             <c:extLst>
               <c:ext xmlns:c15="http://schemas.microsoft.com/office/drawing/2012/chart" uri="{CE6537A1-D6FC-4f65-9D91-7224C49458BB}">
+                <c15:layout/>
                 <c15:showLeaderLines val="1"/>
                 <c15:leaderLines>
                   <c:spPr>
@@ -6134,6 +6343,7 @@
             <c:showLeaderLines val="0"/>
             <c:extLst>
               <c:ext xmlns:c15="http://schemas.microsoft.com/office/drawing/2012/chart" uri="{CE6537A1-D6FC-4f65-9D91-7224C49458BB}">
+                <c15:layout/>
                 <c15:showLeaderLines val="1"/>
                 <c15:leaderLines>
                   <c:spPr>
@@ -6198,11 +6408,11 @@
         </c:dLbls>
         <c:gapWidth val="219"/>
         <c:overlap val="-27"/>
-        <c:axId val="-2117282744"/>
-        <c:axId val="-2117279112"/>
+        <c:axId val="-2125096448"/>
+        <c:axId val="-2125209056"/>
       </c:barChart>
       <c:catAx>
-        <c:axId val="-2117282744"/>
+        <c:axId val="-2125096448"/>
         <c:scaling>
           <c:orientation val="minMax"/>
         </c:scaling>
@@ -6242,7 +6452,7 @@
             <a:endParaRPr lang="en-US"/>
           </a:p>
         </c:txPr>
-        <c:crossAx val="-2117279112"/>
+        <c:crossAx val="-2125209056"/>
         <c:crosses val="autoZero"/>
         <c:auto val="1"/>
         <c:lblAlgn val="ctr"/>
@@ -6250,7 +6460,7 @@
         <c:noMultiLvlLbl val="0"/>
       </c:catAx>
       <c:valAx>
-        <c:axId val="-2117279112"/>
+        <c:axId val="-2125209056"/>
         <c:scaling>
           <c:orientation val="minMax"/>
         </c:scaling>
@@ -6318,6 +6528,26 @@
             </a:ln>
             <a:effectLst/>
           </c:spPr>
+          <c:txPr>
+            <a:bodyPr rot="-5400000" spcFirstLastPara="1" vertOverflow="ellipsis" vert="horz" wrap="square" anchor="ctr" anchorCtr="1"/>
+            <a:lstStyle/>
+            <a:p>
+              <a:pPr>
+                <a:defRPr sz="1400" b="0" i="0" u="none" strike="noStrike" kern="1200" baseline="0">
+                  <a:solidFill>
+                    <a:schemeClr val="tx1">
+                      <a:lumMod val="65000"/>
+                      <a:lumOff val="35000"/>
+                    </a:schemeClr>
+                  </a:solidFill>
+                  <a:latin typeface="+mn-lt"/>
+                  <a:ea typeface="+mn-ea"/>
+                  <a:cs typeface="+mn-cs"/>
+                </a:defRPr>
+              </a:pPr>
+              <a:endParaRPr lang="en-US"/>
+            </a:p>
+          </c:txPr>
         </c:title>
         <c:numFmt formatCode="General" sourceLinked="1"/>
         <c:majorTickMark val="none"/>
@@ -6352,7 +6582,7 @@
             <a:endParaRPr lang="en-US"/>
           </a:p>
         </c:txPr>
-        <c:crossAx val="-2117282744"/>
+        <c:crossAx val="-2125096448"/>
         <c:crosses val="autoZero"/>
         <c:crossBetween val="between"/>
       </c:valAx>
@@ -6419,7 +6649,7 @@
       <a:endParaRPr lang="en-US"/>
     </a:p>
   </c:txPr>
-  <c:externalData r:id="rId1">
+  <c:externalData r:id="rId3">
     <c:autoUpdate val="0"/>
   </c:externalData>
 </c:chartSpace>
@@ -6735,11 +6965,11 @@
         </c:dLbls>
         <c:gapWidth val="219"/>
         <c:overlap val="100"/>
-        <c:axId val="-2116436632"/>
-        <c:axId val="-2116432984"/>
+        <c:axId val="2070803264"/>
+        <c:axId val="2070802496"/>
       </c:barChart>
       <c:catAx>
-        <c:axId val="-2116436632"/>
+        <c:axId val="2070803264"/>
         <c:scaling>
           <c:orientation val="minMax"/>
         </c:scaling>
@@ -6782,7 +7012,7 @@
             <a:endParaRPr lang="en-US"/>
           </a:p>
         </c:txPr>
-        <c:crossAx val="-2116432984"/>
+        <c:crossAx val="2070802496"/>
         <c:crosses val="autoZero"/>
         <c:auto val="1"/>
         <c:lblAlgn val="ctr"/>
@@ -6790,7 +7020,7 @@
         <c:noMultiLvlLbl val="0"/>
       </c:catAx>
       <c:valAx>
-        <c:axId val="-2116432984"/>
+        <c:axId val="2070802496"/>
         <c:scaling>
           <c:orientation val="minMax"/>
         </c:scaling>
@@ -6882,7 +7112,7 @@
             <a:endParaRPr lang="en-US"/>
           </a:p>
         </c:txPr>
-        <c:crossAx val="-2116436632"/>
+        <c:crossAx val="2070803264"/>
         <c:crosses val="autoZero"/>
         <c:crossBetween val="between"/>
       </c:valAx>
@@ -7150,11 +7380,11 @@
         </c:dLbls>
         <c:gapWidth val="219"/>
         <c:overlap val="100"/>
-        <c:axId val="-2116653608"/>
-        <c:axId val="-2116649960"/>
+        <c:axId val="2107180992"/>
+        <c:axId val="2107183296"/>
       </c:barChart>
       <c:catAx>
-        <c:axId val="-2116653608"/>
+        <c:axId val="2107180992"/>
         <c:scaling>
           <c:orientation val="minMax"/>
         </c:scaling>
@@ -7194,7 +7424,7 @@
             <a:endParaRPr lang="en-US"/>
           </a:p>
         </c:txPr>
-        <c:crossAx val="-2116649960"/>
+        <c:crossAx val="2107183296"/>
         <c:crosses val="autoZero"/>
         <c:auto val="1"/>
         <c:lblAlgn val="ctr"/>
@@ -7202,7 +7432,7 @@
         <c:noMultiLvlLbl val="0"/>
       </c:catAx>
       <c:valAx>
-        <c:axId val="-2116649960"/>
+        <c:axId val="2107183296"/>
         <c:scaling>
           <c:orientation val="minMax"/>
         </c:scaling>
@@ -7292,6 +7522,26 @@
             </a:ln>
             <a:effectLst/>
           </c:spPr>
+          <c:txPr>
+            <a:bodyPr rot="-5400000" spcFirstLastPara="1" vertOverflow="ellipsis" vert="horz" wrap="square" anchor="ctr" anchorCtr="1"/>
+            <a:lstStyle/>
+            <a:p>
+              <a:pPr>
+                <a:defRPr sz="1330" b="0" i="0" u="none" strike="noStrike" kern="1200" baseline="0">
+                  <a:solidFill>
+                    <a:schemeClr val="tx1">
+                      <a:lumMod val="65000"/>
+                      <a:lumOff val="35000"/>
+                    </a:schemeClr>
+                  </a:solidFill>
+                  <a:latin typeface="+mn-lt"/>
+                  <a:ea typeface="+mn-ea"/>
+                  <a:cs typeface="+mn-cs"/>
+                </a:defRPr>
+              </a:pPr>
+              <a:endParaRPr lang="en-US"/>
+            </a:p>
+          </c:txPr>
         </c:title>
         <c:numFmt formatCode="General" sourceLinked="1"/>
         <c:majorTickMark val="none"/>
@@ -7324,7 +7574,7 @@
             <a:endParaRPr lang="en-US"/>
           </a:p>
         </c:txPr>
-        <c:crossAx val="-2116653608"/>
+        <c:crossAx val="2107180992"/>
         <c:crosses val="autoZero"/>
         <c:crossBetween val="between"/>
         <c:majorUnit val="100.0"/>
@@ -7360,7 +7610,7 @@
       <a:endParaRPr lang="en-US"/>
     </a:p>
   </c:txPr>
-  <c:externalData r:id="rId1">
+  <c:externalData r:id="rId3">
     <c:autoUpdate val="0"/>
   </c:externalData>
 </c:chartSpace>
@@ -7538,11 +7788,11 @@
         </c:dLbls>
         <c:gapWidth val="219"/>
         <c:overlap val="100"/>
-        <c:axId val="-2116594456"/>
-        <c:axId val="-2116590808"/>
+        <c:axId val="2068918768"/>
+        <c:axId val="2068911008"/>
       </c:barChart>
       <c:catAx>
-        <c:axId val="-2116594456"/>
+        <c:axId val="2068918768"/>
         <c:scaling>
           <c:orientation val="minMax"/>
         </c:scaling>
@@ -7582,7 +7832,7 @@
             <a:endParaRPr lang="en-US"/>
           </a:p>
         </c:txPr>
-        <c:crossAx val="-2116590808"/>
+        <c:crossAx val="2068911008"/>
         <c:crosses val="autoZero"/>
         <c:auto val="1"/>
         <c:lblAlgn val="ctr"/>
@@ -7590,7 +7840,7 @@
         <c:noMultiLvlLbl val="0"/>
       </c:catAx>
       <c:valAx>
-        <c:axId val="-2116590808"/>
+        <c:axId val="2068911008"/>
         <c:scaling>
           <c:orientation val="minMax"/>
         </c:scaling>
@@ -7686,6 +7936,26 @@
             </a:ln>
             <a:effectLst/>
           </c:spPr>
+          <c:txPr>
+            <a:bodyPr rot="-5400000" spcFirstLastPara="1" vertOverflow="ellipsis" vert="horz" wrap="square" anchor="ctr" anchorCtr="1"/>
+            <a:lstStyle/>
+            <a:p>
+              <a:pPr>
+                <a:defRPr sz="1330" b="0" i="0" u="none" strike="noStrike" kern="1200" baseline="0">
+                  <a:solidFill>
+                    <a:schemeClr val="tx1">
+                      <a:lumMod val="65000"/>
+                      <a:lumOff val="35000"/>
+                    </a:schemeClr>
+                  </a:solidFill>
+                  <a:latin typeface="+mn-lt"/>
+                  <a:ea typeface="+mn-ea"/>
+                  <a:cs typeface="+mn-cs"/>
+                </a:defRPr>
+              </a:pPr>
+              <a:endParaRPr lang="en-US"/>
+            </a:p>
+          </c:txPr>
         </c:title>
         <c:numFmt formatCode="General" sourceLinked="1"/>
         <c:majorTickMark val="none"/>
@@ -7718,7 +7988,7 @@
             <a:endParaRPr lang="en-US"/>
           </a:p>
         </c:txPr>
-        <c:crossAx val="-2116594456"/>
+        <c:crossAx val="2068918768"/>
         <c:crosses val="autoZero"/>
         <c:crossBetween val="between"/>
       </c:valAx>
@@ -7753,7 +8023,7 @@
       <a:endParaRPr lang="en-US"/>
     </a:p>
   </c:txPr>
-  <c:externalData r:id="rId1">
+  <c:externalData r:id="rId3">
     <c:autoUpdate val="0"/>
   </c:externalData>
 </c:chartSpace>
@@ -8045,11 +8315,11 @@
         </c:dLbls>
         <c:gapWidth val="219"/>
         <c:overlap val="-27"/>
-        <c:axId val="-2117219320"/>
-        <c:axId val="-2117215752"/>
+        <c:axId val="2071510048"/>
+        <c:axId val="2071513456"/>
       </c:barChart>
       <c:catAx>
-        <c:axId val="-2117219320"/>
+        <c:axId val="2071510048"/>
         <c:scaling>
           <c:orientation val="minMax"/>
         </c:scaling>
@@ -8089,7 +8359,7 @@
             <a:endParaRPr lang="en-US"/>
           </a:p>
         </c:txPr>
-        <c:crossAx val="-2117215752"/>
+        <c:crossAx val="2071513456"/>
         <c:crosses val="autoZero"/>
         <c:auto val="1"/>
         <c:lblAlgn val="ctr"/>
@@ -8097,7 +8367,7 @@
         <c:noMultiLvlLbl val="0"/>
       </c:catAx>
       <c:valAx>
-        <c:axId val="-2117215752"/>
+        <c:axId val="2071513456"/>
         <c:scaling>
           <c:orientation val="minMax"/>
         </c:scaling>
@@ -8177,6 +8447,26 @@
             </a:ln>
             <a:effectLst/>
           </c:spPr>
+          <c:txPr>
+            <a:bodyPr rot="-5400000" spcFirstLastPara="1" vertOverflow="ellipsis" vert="horz" wrap="square" anchor="ctr" anchorCtr="1"/>
+            <a:lstStyle/>
+            <a:p>
+              <a:pPr>
+                <a:defRPr sz="1400" b="0" i="0" u="none" strike="noStrike" kern="1200" baseline="0">
+                  <a:solidFill>
+                    <a:schemeClr val="tx1">
+                      <a:lumMod val="65000"/>
+                      <a:lumOff val="35000"/>
+                    </a:schemeClr>
+                  </a:solidFill>
+                  <a:latin typeface="+mn-lt"/>
+                  <a:ea typeface="+mn-ea"/>
+                  <a:cs typeface="+mn-cs"/>
+                </a:defRPr>
+              </a:pPr>
+              <a:endParaRPr lang="en-US"/>
+            </a:p>
+          </c:txPr>
         </c:title>
         <c:numFmt formatCode="General" sourceLinked="1"/>
         <c:majorTickMark val="none"/>
@@ -8211,7 +8501,7 @@
             <a:endParaRPr lang="en-US"/>
           </a:p>
         </c:txPr>
-        <c:crossAx val="-2117219320"/>
+        <c:crossAx val="2071510048"/>
         <c:crosses val="autoZero"/>
         <c:crossBetween val="between"/>
       </c:valAx>
@@ -8278,7 +8568,7 @@
       <a:endParaRPr lang="en-US"/>
     </a:p>
   </c:txPr>
-  <c:externalData r:id="rId1">
+  <c:externalData r:id="rId3">
     <c:autoUpdate val="0"/>
   </c:externalData>
 </c:chartSpace>
@@ -8369,6 +8659,7 @@
             <c:showLeaderLines val="0"/>
             <c:extLst>
               <c:ext xmlns:c15="http://schemas.microsoft.com/office/drawing/2012/chart" uri="{CE6537A1-D6FC-4f65-9D91-7224C49458BB}">
+                <c15:layout/>
                 <c15:showLeaderLines val="1"/>
                 <c15:leaderLines>
                   <c:spPr>
@@ -8498,6 +8789,7 @@
             <c:showLeaderLines val="0"/>
             <c:extLst>
               <c:ext xmlns:c15="http://schemas.microsoft.com/office/drawing/2012/chart" uri="{CE6537A1-D6FC-4f65-9D91-7224C49458BB}">
+                <c15:layout/>
                 <c15:showLeaderLines val="1"/>
                 <c15:leaderLines>
                   <c:spPr>
@@ -8622,6 +8914,7 @@
             <c:showLeaderLines val="0"/>
             <c:extLst>
               <c:ext xmlns:c15="http://schemas.microsoft.com/office/drawing/2012/chart" uri="{CE6537A1-D6FC-4f65-9D91-7224C49458BB}">
+                <c15:layout/>
                 <c15:showLeaderLines val="1"/>
                 <c15:leaderLines>
                   <c:spPr>
@@ -8746,6 +9039,7 @@
             <c:showLeaderLines val="0"/>
             <c:extLst>
               <c:ext xmlns:c15="http://schemas.microsoft.com/office/drawing/2012/chart" uri="{CE6537A1-D6FC-4f65-9D91-7224C49458BB}">
+                <c15:layout/>
                 <c15:showLeaderLines val="1"/>
                 <c15:leaderLines>
                   <c:spPr>
@@ -8816,11 +9110,11 @@
         </c:dLbls>
         <c:gapWidth val="219"/>
         <c:overlap val="-27"/>
-        <c:axId val="2134407880"/>
-        <c:axId val="2134411688"/>
+        <c:axId val="2071467200"/>
+        <c:axId val="2071458320"/>
       </c:barChart>
       <c:catAx>
-        <c:axId val="2134407880"/>
+        <c:axId val="2071467200"/>
         <c:scaling>
           <c:orientation val="minMax"/>
         </c:scaling>
@@ -8860,7 +9154,7 @@
             <a:endParaRPr lang="en-US"/>
           </a:p>
         </c:txPr>
-        <c:crossAx val="2134411688"/>
+        <c:crossAx val="2071458320"/>
         <c:crosses val="autoZero"/>
         <c:auto val="1"/>
         <c:lblAlgn val="ctr"/>
@@ -8868,7 +9162,7 @@
         <c:noMultiLvlLbl val="0"/>
       </c:catAx>
       <c:valAx>
-        <c:axId val="2134411688"/>
+        <c:axId val="2071458320"/>
         <c:scaling>
           <c:orientation val="minMax"/>
         </c:scaling>
@@ -8914,17 +9208,7 @@
               </a:p>
               <a:p>
                 <a:pPr>
-                  <a:defRPr sz="1400" b="0" i="0" u="none" strike="noStrike" kern="1200" baseline="0">
-                    <a:solidFill>
-                      <a:schemeClr val="tx1">
-                        <a:lumMod val="65000"/>
-                        <a:lumOff val="35000"/>
-                      </a:schemeClr>
-                    </a:solidFill>
-                    <a:latin typeface="+mn-lt"/>
-                    <a:ea typeface="+mn-ea"/>
-                    <a:cs typeface="+mn-cs"/>
-                  </a:defRPr>
+                  <a:defRPr sz="1400"/>
                 </a:pPr>
                 <a:r>
                   <a:rPr lang="en-US" sz="1600" dirty="0" smtClean="0"/>
@@ -8963,6 +9247,26 @@
             </a:ln>
             <a:effectLst/>
           </c:spPr>
+          <c:txPr>
+            <a:bodyPr rot="-5400000" spcFirstLastPara="1" vertOverflow="ellipsis" vert="horz" wrap="square" anchor="ctr" anchorCtr="1"/>
+            <a:lstStyle/>
+            <a:p>
+              <a:pPr>
+                <a:defRPr sz="1400" b="0" i="0" u="none" strike="noStrike" kern="1200" baseline="0">
+                  <a:solidFill>
+                    <a:schemeClr val="tx1">
+                      <a:lumMod val="65000"/>
+                      <a:lumOff val="35000"/>
+                    </a:schemeClr>
+                  </a:solidFill>
+                  <a:latin typeface="+mn-lt"/>
+                  <a:ea typeface="+mn-ea"/>
+                  <a:cs typeface="+mn-cs"/>
+                </a:defRPr>
+              </a:pPr>
+              <a:endParaRPr lang="en-US"/>
+            </a:p>
+          </c:txPr>
         </c:title>
         <c:numFmt formatCode="General" sourceLinked="1"/>
         <c:majorTickMark val="none"/>
@@ -8997,7 +9301,7 @@
             <a:endParaRPr lang="en-US"/>
           </a:p>
         </c:txPr>
-        <c:crossAx val="2134407880"/>
+        <c:crossAx val="2071467200"/>
         <c:crosses val="autoZero"/>
         <c:crossBetween val="between"/>
       </c:valAx>
@@ -9064,7 +9368,7 @@
       <a:endParaRPr lang="en-US"/>
     </a:p>
   </c:txPr>
-  <c:externalData r:id="rId1">
+  <c:externalData r:id="rId3">
     <c:autoUpdate val="0"/>
   </c:externalData>
 </c:chartSpace>
@@ -9389,11 +9693,11 @@
         </c:dLbls>
         <c:gapWidth val="219"/>
         <c:overlap val="-27"/>
-        <c:axId val="2134357752"/>
-        <c:axId val="2134328056"/>
+        <c:axId val="2071566352"/>
+        <c:axId val="2071563504"/>
       </c:barChart>
       <c:catAx>
-        <c:axId val="2134357752"/>
+        <c:axId val="2071566352"/>
         <c:scaling>
           <c:orientation val="minMax"/>
         </c:scaling>
@@ -9433,7 +9737,7 @@
             <a:endParaRPr lang="en-US"/>
           </a:p>
         </c:txPr>
-        <c:crossAx val="2134328056"/>
+        <c:crossAx val="2071563504"/>
         <c:crosses val="autoZero"/>
         <c:auto val="1"/>
         <c:lblAlgn val="ctr"/>
@@ -9441,7 +9745,7 @@
         <c:noMultiLvlLbl val="0"/>
       </c:catAx>
       <c:valAx>
-        <c:axId val="2134328056"/>
+        <c:axId val="2071563504"/>
         <c:scaling>
           <c:orientation val="minMax"/>
         </c:scaling>
@@ -9487,17 +9791,7 @@
               </a:p>
               <a:p>
                 <a:pPr>
-                  <a:defRPr sz="1400" b="0" i="0" u="none" strike="noStrike" kern="1200" baseline="0">
-                    <a:solidFill>
-                      <a:schemeClr val="tx1">
-                        <a:lumMod val="65000"/>
-                        <a:lumOff val="35000"/>
-                      </a:schemeClr>
-                    </a:solidFill>
-                    <a:latin typeface="+mn-lt"/>
-                    <a:ea typeface="+mn-ea"/>
-                    <a:cs typeface="+mn-cs"/>
-                  </a:defRPr>
+                  <a:defRPr sz="1400"/>
                 </a:pPr>
                 <a:r>
                   <a:rPr lang="en-US" sz="1600" noProof="1" smtClean="0"/>
@@ -9528,6 +9822,26 @@
             </a:ln>
             <a:effectLst/>
           </c:spPr>
+          <c:txPr>
+            <a:bodyPr rot="-5400000" spcFirstLastPara="1" vertOverflow="ellipsis" vert="horz" wrap="square" anchor="ctr" anchorCtr="1"/>
+            <a:lstStyle/>
+            <a:p>
+              <a:pPr>
+                <a:defRPr sz="1400" b="0" i="0" u="none" strike="noStrike" kern="1200" baseline="0">
+                  <a:solidFill>
+                    <a:schemeClr val="tx1">
+                      <a:lumMod val="65000"/>
+                      <a:lumOff val="35000"/>
+                    </a:schemeClr>
+                  </a:solidFill>
+                  <a:latin typeface="+mn-lt"/>
+                  <a:ea typeface="+mn-ea"/>
+                  <a:cs typeface="+mn-cs"/>
+                </a:defRPr>
+              </a:pPr>
+              <a:endParaRPr lang="en-US"/>
+            </a:p>
+          </c:txPr>
         </c:title>
         <c:numFmt formatCode="General" sourceLinked="1"/>
         <c:majorTickMark val="none"/>
@@ -9562,7 +9876,7 @@
             <a:endParaRPr lang="en-US"/>
           </a:p>
         </c:txPr>
-        <c:crossAx val="2134357752"/>
+        <c:crossAx val="2071566352"/>
         <c:crosses val="autoZero"/>
         <c:crossBetween val="between"/>
       </c:valAx>
@@ -9629,7 +9943,7 @@
       <a:endParaRPr lang="en-US"/>
     </a:p>
   </c:txPr>
-  <c:externalData r:id="rId1">
+  <c:externalData r:id="rId3">
     <c:autoUpdate val="0"/>
   </c:externalData>
 </c:chartSpace>
@@ -9732,11 +10046,11 @@
         </c:dLbls>
         <c:gapWidth val="219"/>
         <c:overlap val="-27"/>
-        <c:axId val="2134323064"/>
-        <c:axId val="2134326744"/>
+        <c:axId val="2069120592"/>
+        <c:axId val="2069079072"/>
       </c:barChart>
       <c:catAx>
-        <c:axId val="2134323064"/>
+        <c:axId val="2069120592"/>
         <c:scaling>
           <c:orientation val="minMax"/>
         </c:scaling>
@@ -9776,7 +10090,7 @@
             <a:endParaRPr lang="en-US"/>
           </a:p>
         </c:txPr>
-        <c:crossAx val="2134326744"/>
+        <c:crossAx val="2069079072"/>
         <c:crosses val="autoZero"/>
         <c:auto val="1"/>
         <c:lblAlgn val="ctr"/>
@@ -9784,7 +10098,7 @@
         <c:noMultiLvlLbl val="0"/>
       </c:catAx>
       <c:valAx>
-        <c:axId val="2134326744"/>
+        <c:axId val="2069079072"/>
         <c:scaling>
           <c:orientation val="minMax"/>
         </c:scaling>
@@ -9830,17 +10144,7 @@
               </a:p>
               <a:p>
                 <a:pPr>
-                  <a:defRPr sz="1400" b="0" i="0" u="none" strike="noStrike" kern="1200" baseline="0">
-                    <a:solidFill>
-                      <a:schemeClr val="tx1">
-                        <a:lumMod val="65000"/>
-                        <a:lumOff val="35000"/>
-                      </a:schemeClr>
-                    </a:solidFill>
-                    <a:latin typeface="+mn-lt"/>
-                    <a:ea typeface="+mn-ea"/>
-                    <a:cs typeface="+mn-cs"/>
-                  </a:defRPr>
+                  <a:defRPr sz="1400"/>
                 </a:pPr>
                 <a:r>
                   <a:rPr lang="en-US" sz="1600" noProof="1" smtClean="0"/>
@@ -9871,6 +10175,26 @@
             </a:ln>
             <a:effectLst/>
           </c:spPr>
+          <c:txPr>
+            <a:bodyPr rot="-5400000" spcFirstLastPara="1" vertOverflow="ellipsis" vert="horz" wrap="square" anchor="ctr" anchorCtr="1"/>
+            <a:lstStyle/>
+            <a:p>
+              <a:pPr>
+                <a:defRPr sz="1400" b="0" i="0" u="none" strike="noStrike" kern="1200" baseline="0">
+                  <a:solidFill>
+                    <a:schemeClr val="tx1">
+                      <a:lumMod val="65000"/>
+                      <a:lumOff val="35000"/>
+                    </a:schemeClr>
+                  </a:solidFill>
+                  <a:latin typeface="+mn-lt"/>
+                  <a:ea typeface="+mn-ea"/>
+                  <a:cs typeface="+mn-cs"/>
+                </a:defRPr>
+              </a:pPr>
+              <a:endParaRPr lang="en-US"/>
+            </a:p>
+          </c:txPr>
         </c:title>
         <c:numFmt formatCode="General" sourceLinked="1"/>
         <c:majorTickMark val="none"/>
@@ -9905,7 +10229,7 @@
             <a:endParaRPr lang="en-US"/>
           </a:p>
         </c:txPr>
-        <c:crossAx val="2134323064"/>
+        <c:crossAx val="2069120592"/>
         <c:crosses val="autoZero"/>
         <c:crossBetween val="between"/>
       </c:valAx>
@@ -9940,7 +10264,7 @@
       <a:endParaRPr lang="en-US"/>
     </a:p>
   </c:txPr>
-  <c:externalData r:id="rId1">
+  <c:externalData r:id="rId3">
     <c:autoUpdate val="0"/>
   </c:externalData>
 </c:chartSpace>
@@ -10215,11 +10539,11 @@
         </c:dLbls>
         <c:gapWidth val="219"/>
         <c:overlap val="100"/>
-        <c:axId val="2134538216"/>
-        <c:axId val="2134541928"/>
+        <c:axId val="2071601088"/>
+        <c:axId val="2071427152"/>
       </c:barChart>
       <c:catAx>
-        <c:axId val="2134538216"/>
+        <c:axId val="2071601088"/>
         <c:scaling>
           <c:orientation val="minMax"/>
         </c:scaling>
@@ -10262,7 +10586,7 @@
             <a:endParaRPr lang="en-US"/>
           </a:p>
         </c:txPr>
-        <c:crossAx val="2134541928"/>
+        <c:crossAx val="2071427152"/>
         <c:crosses val="autoZero"/>
         <c:auto val="1"/>
         <c:lblAlgn val="ctr"/>
@@ -10270,7 +10594,7 @@
         <c:noMultiLvlLbl val="0"/>
       </c:catAx>
       <c:valAx>
-        <c:axId val="2134541928"/>
+        <c:axId val="2071427152"/>
         <c:scaling>
           <c:orientation val="minMax"/>
         </c:scaling>
@@ -10330,6 +10654,26 @@
             </a:ln>
             <a:effectLst/>
           </c:spPr>
+          <c:txPr>
+            <a:bodyPr rot="-5400000" spcFirstLastPara="1" vertOverflow="ellipsis" vert="horz" wrap="square" anchor="ctr" anchorCtr="1"/>
+            <a:lstStyle/>
+            <a:p>
+              <a:pPr>
+                <a:defRPr sz="1330" b="0" i="0" u="none" strike="noStrike" kern="1200" baseline="0">
+                  <a:solidFill>
+                    <a:schemeClr val="tx1">
+                      <a:lumMod val="65000"/>
+                      <a:lumOff val="35000"/>
+                    </a:schemeClr>
+                  </a:solidFill>
+                  <a:latin typeface="+mn-lt"/>
+                  <a:ea typeface="+mn-ea"/>
+                  <a:cs typeface="+mn-cs"/>
+                </a:defRPr>
+              </a:pPr>
+              <a:endParaRPr lang="en-US"/>
+            </a:p>
+          </c:txPr>
         </c:title>
         <c:numFmt formatCode="0" sourceLinked="1"/>
         <c:majorTickMark val="none"/>
@@ -10362,7 +10706,7 @@
             <a:endParaRPr lang="en-US"/>
           </a:p>
         </c:txPr>
-        <c:crossAx val="2134538216"/>
+        <c:crossAx val="2071601088"/>
         <c:crosses val="autoZero"/>
         <c:crossBetween val="between"/>
       </c:valAx>
@@ -10438,7 +10782,7 @@
       <a:endParaRPr lang="en-US"/>
     </a:p>
   </c:txPr>
-  <c:externalData r:id="rId1">
+  <c:externalData r:id="rId3">
     <c:autoUpdate val="0"/>
   </c:externalData>
 </c:chartSpace>
@@ -10501,6 +10845,26 @@
         </a:ln>
         <a:effectLst/>
       </c:spPr>
+      <c:txPr>
+        <a:bodyPr rot="0" spcFirstLastPara="1" vertOverflow="ellipsis" vert="horz" wrap="square" anchor="ctr" anchorCtr="1"/>
+        <a:lstStyle/>
+        <a:p>
+          <a:pPr>
+            <a:defRPr sz="1862" b="0" i="0" u="none" strike="noStrike" kern="1200" spc="0" baseline="0">
+              <a:solidFill>
+                <a:schemeClr val="tx1">
+                  <a:lumMod val="65000"/>
+                  <a:lumOff val="35000"/>
+                </a:schemeClr>
+              </a:solidFill>
+              <a:latin typeface="+mn-lt"/>
+              <a:ea typeface="+mn-ea"/>
+              <a:cs typeface="+mn-cs"/>
+            </a:defRPr>
+          </a:pPr>
+          <a:endParaRPr lang="en-US"/>
+        </a:p>
+      </c:txPr>
     </c:title>
     <c:autoTitleDeleted val="0"/>
     <c:plotArea>
@@ -10633,7 +10997,9 @@
               </c:spPr>
             </c:leaderLines>
             <c:extLst>
-              <c:ext xmlns:c15="http://schemas.microsoft.com/office/drawing/2012/chart" uri="{CE6537A1-D6FC-4f65-9D91-7224C49458BB}"/>
+              <c:ext xmlns:c15="http://schemas.microsoft.com/office/drawing/2012/chart" uri="{CE6537A1-D6FC-4f65-9D91-7224C49458BB}">
+                <c15:layout/>
+              </c:ext>
             </c:extLst>
           </c:dLbls>
           <c:cat>
@@ -10759,7 +11125,7 @@
       <a:endParaRPr lang="en-US"/>
     </a:p>
   </c:txPr>
-  <c:externalData r:id="rId1">
+  <c:externalData r:id="rId3">
     <c:autoUpdate val="0"/>
   </c:externalData>
 </c:chartSpace>
@@ -10830,6 +11196,26 @@
         </a:ln>
         <a:effectLst/>
       </c:spPr>
+      <c:txPr>
+        <a:bodyPr rot="0" spcFirstLastPara="1" vertOverflow="ellipsis" vert="horz" wrap="square" anchor="ctr" anchorCtr="1"/>
+        <a:lstStyle/>
+        <a:p>
+          <a:pPr>
+            <a:defRPr sz="1862" b="0" i="0" u="none" strike="noStrike" kern="1200" spc="0" baseline="0">
+              <a:solidFill>
+                <a:schemeClr val="tx1">
+                  <a:lumMod val="65000"/>
+                  <a:lumOff val="35000"/>
+                </a:schemeClr>
+              </a:solidFill>
+              <a:latin typeface="+mn-lt"/>
+              <a:ea typeface="+mn-ea"/>
+              <a:cs typeface="+mn-cs"/>
+            </a:defRPr>
+          </a:pPr>
+          <a:endParaRPr lang="en-US"/>
+        </a:p>
+      </c:txPr>
     </c:title>
     <c:autoTitleDeleted val="0"/>
     <c:plotArea>
@@ -10917,7 +11303,9 @@
               </c:spPr>
             </c:leaderLines>
             <c:extLst>
-              <c:ext xmlns:c15="http://schemas.microsoft.com/office/drawing/2012/chart" uri="{CE6537A1-D6FC-4f65-9D91-7224C49458BB}"/>
+              <c:ext xmlns:c15="http://schemas.microsoft.com/office/drawing/2012/chart" uri="{CE6537A1-D6FC-4f65-9D91-7224C49458BB}">
+                <c15:layout/>
+              </c:ext>
             </c:extLst>
           </c:dLbls>
           <c:cat>
@@ -11025,7 +11413,7 @@
       <a:endParaRPr lang="en-US"/>
     </a:p>
   </c:txPr>
-  <c:externalData r:id="rId1">
+  <c:externalData r:id="rId3">
     <c:autoUpdate val="0"/>
   </c:externalData>
 </c:chartSpace>
@@ -21578,7 +21966,7 @@
           <a:p>
             <a:fld id="{8AF2A637-750D-AC4F-B19A-F61B319C6A55}" type="datetimeFigureOut">
               <a:rPr lang="en-US" smtClean="0"/>
-              <a:t>17/11/15</a:t>
+              <a:t>11/18/15</a:t>
             </a:fld>
             <a:endParaRPr lang="en-US"/>
           </a:p>
@@ -23957,7 +24345,7 @@
           <a:p>
             <a:fld id="{F87648D4-822A-184D-A945-2BBD99FACB30}" type="datetimeFigureOut">
               <a:rPr lang="en-US" smtClean="0"/>
-              <a:t>17/11/15</a:t>
+              <a:t>11/18/15</a:t>
             </a:fld>
             <a:endParaRPr lang="en-US"/>
           </a:p>
@@ -24127,7 +24515,7 @@
           <a:p>
             <a:fld id="{F87648D4-822A-184D-A945-2BBD99FACB30}" type="datetimeFigureOut">
               <a:rPr lang="en-US" smtClean="0"/>
-              <a:t>17/11/15</a:t>
+              <a:t>11/18/15</a:t>
             </a:fld>
             <a:endParaRPr lang="en-US"/>
           </a:p>
@@ -24307,7 +24695,7 @@
           <a:p>
             <a:fld id="{F87648D4-822A-184D-A945-2BBD99FACB30}" type="datetimeFigureOut">
               <a:rPr lang="en-US" smtClean="0"/>
-              <a:t>17/11/15</a:t>
+              <a:t>11/18/15</a:t>
             </a:fld>
             <a:endParaRPr lang="en-US"/>
           </a:p>
@@ -24477,7 +24865,7 @@
           <a:p>
             <a:fld id="{F87648D4-822A-184D-A945-2BBD99FACB30}" type="datetimeFigureOut">
               <a:rPr lang="en-US" smtClean="0"/>
-              <a:t>17/11/15</a:t>
+              <a:t>11/18/15</a:t>
             </a:fld>
             <a:endParaRPr lang="en-US"/>
           </a:p>
@@ -24721,7 +25109,7 @@
           <a:p>
             <a:fld id="{F87648D4-822A-184D-A945-2BBD99FACB30}" type="datetimeFigureOut">
               <a:rPr lang="en-US" smtClean="0"/>
-              <a:t>17/11/15</a:t>
+              <a:t>11/18/15</a:t>
             </a:fld>
             <a:endParaRPr lang="en-US"/>
           </a:p>
@@ -24953,7 +25341,7 @@
           <a:p>
             <a:fld id="{F87648D4-822A-184D-A945-2BBD99FACB30}" type="datetimeFigureOut">
               <a:rPr lang="en-US" smtClean="0"/>
-              <a:t>17/11/15</a:t>
+              <a:t>11/18/15</a:t>
             </a:fld>
             <a:endParaRPr lang="en-US"/>
           </a:p>
@@ -25320,7 +25708,7 @@
           <a:p>
             <a:fld id="{F87648D4-822A-184D-A945-2BBD99FACB30}" type="datetimeFigureOut">
               <a:rPr lang="en-US" smtClean="0"/>
-              <a:t>17/11/15</a:t>
+              <a:t>11/18/15</a:t>
             </a:fld>
             <a:endParaRPr lang="en-US"/>
           </a:p>
@@ -25438,7 +25826,7 @@
           <a:p>
             <a:fld id="{F87648D4-822A-184D-A945-2BBD99FACB30}" type="datetimeFigureOut">
               <a:rPr lang="en-US" smtClean="0"/>
-              <a:t>17/11/15</a:t>
+              <a:t>11/18/15</a:t>
             </a:fld>
             <a:endParaRPr lang="en-US"/>
           </a:p>
@@ -25533,7 +25921,7 @@
           <a:p>
             <a:fld id="{F87648D4-822A-184D-A945-2BBD99FACB30}" type="datetimeFigureOut">
               <a:rPr lang="en-US" smtClean="0"/>
-              <a:t>17/11/15</a:t>
+              <a:t>11/18/15</a:t>
             </a:fld>
             <a:endParaRPr lang="en-US"/>
           </a:p>
@@ -25810,7 +26198,7 @@
           <a:p>
             <a:fld id="{F87648D4-822A-184D-A945-2BBD99FACB30}" type="datetimeFigureOut">
               <a:rPr lang="en-US" smtClean="0"/>
-              <a:t>17/11/15</a:t>
+              <a:t>11/18/15</a:t>
             </a:fld>
             <a:endParaRPr lang="en-US"/>
           </a:p>
@@ -26067,7 +26455,7 @@
           <a:p>
             <a:fld id="{F87648D4-822A-184D-A945-2BBD99FACB30}" type="datetimeFigureOut">
               <a:rPr lang="en-US" smtClean="0"/>
-              <a:t>17/11/15</a:t>
+              <a:t>11/18/15</a:t>
             </a:fld>
             <a:endParaRPr lang="en-US"/>
           </a:p>
@@ -26280,7 +26668,7 @@
           <a:p>
             <a:fld id="{F87648D4-822A-184D-A945-2BBD99FACB30}" type="datetimeFigureOut">
               <a:rPr lang="en-US" smtClean="0"/>
-              <a:t>17/11/15</a:t>
+              <a:t>11/18/15</a:t>
             </a:fld>
             <a:endParaRPr lang="en-US"/>
           </a:p>
@@ -26720,7 +27108,7 @@
   <p:timing>
     <p:tnLst>
       <p:par>
-        <p:cTn xmlns:p14="http://schemas.microsoft.com/office/powerpoint/2010/main" id="1" dur="indefinite" restart="never" nodeType="tmRoot"/>
+        <p:cTn id="1" dur="indefinite" restart="never" nodeType="tmRoot"/>
       </p:par>
     </p:tnLst>
   </p:timing>
@@ -26779,7 +27167,7 @@
   <p:timing>
     <p:tnLst>
       <p:par>
-        <p:cTn xmlns:p14="http://schemas.microsoft.com/office/powerpoint/2010/main" id="1" dur="indefinite" restart="never" nodeType="tmRoot"/>
+        <p:cTn id="1" dur="indefinite" restart="never" nodeType="tmRoot"/>
       </p:par>
     </p:tnLst>
   </p:timing>
@@ -26810,7 +27198,7 @@
           <p:nvPr>
             <p:extLst>
               <p:ext uri="{D42A27DB-BD31-4B8C-83A1-F6EECF244321}">
-                <p14:modId xmlns:p14="http://schemas.microsoft.com/office/powerpoint/2010/main" val="342937534"/>
+                <p14:modId xmlns:p14="http://schemas.microsoft.com/office/powerpoint/2010/main" val="1842773882"/>
               </p:ext>
             </p:extLst>
           </p:nvPr>
@@ -26883,7 +27271,7 @@
         </p:nvCxnSpPr>
         <p:spPr>
           <a:xfrm>
-            <a:off x="2799907" y="2040978"/>
+            <a:off x="2772475" y="1912962"/>
             <a:ext cx="612000" cy="0"/>
           </a:xfrm>
           <a:prstGeom prst="line">
@@ -27215,7 +27603,7 @@
         </p:nvSpPr>
         <p:spPr>
           <a:xfrm>
-            <a:off x="3097168" y="4733740"/>
+            <a:off x="3105907" y="4652133"/>
             <a:ext cx="965248" cy="338554"/>
           </a:xfrm>
           <a:prstGeom prst="rect">
@@ -27238,7 +27626,7 @@
                   </a:schemeClr>
                 </a:solidFill>
               </a:rPr>
-              <a:t>-7081.0</a:t>
+              <a:t>-9441.4</a:t>
             </a:r>
             <a:endParaRPr lang="en-US" sz="1600" dirty="0">
               <a:solidFill>
@@ -27258,7 +27646,50 @@
         </p:nvSpPr>
         <p:spPr>
           <a:xfrm>
-            <a:off x="4085762" y="4501825"/>
+            <a:off x="4093946" y="4105479"/>
+            <a:ext cx="965248" cy="338554"/>
+          </a:xfrm>
+          <a:prstGeom prst="rect">
+            <a:avLst/>
+          </a:prstGeom>
+          <a:noFill/>
+        </p:spPr>
+        <p:txBody>
+          <a:bodyPr wrap="square" rtlCol="0">
+            <a:spAutoFit/>
+          </a:bodyPr>
+          <a:lstStyle/>
+          <a:p>
+            <a:pPr algn="ctr"/>
+            <a:r>
+              <a:rPr lang="en-US" sz="1600" smtClean="0">
+                <a:solidFill>
+                  <a:schemeClr val="bg2">
+                    <a:lumMod val="25000"/>
+                  </a:schemeClr>
+                </a:solidFill>
+              </a:rPr>
+              <a:t>1056.3</a:t>
+            </a:r>
+            <a:endParaRPr lang="en-US" sz="1600" dirty="0">
+              <a:solidFill>
+                <a:schemeClr val="bg2">
+                  <a:lumMod val="25000"/>
+                </a:schemeClr>
+              </a:solidFill>
+            </a:endParaRPr>
+          </a:p>
+        </p:txBody>
+      </p:sp>
+      <p:sp>
+        <p:nvSpPr>
+          <p:cNvPr id="23" name="TextBox 22"/>
+          <p:cNvSpPr txBox="1"/>
+          <p:nvPr/>
+        </p:nvSpPr>
+        <p:spPr>
+          <a:xfrm>
+            <a:off x="5102630" y="4033127"/>
             <a:ext cx="965248" cy="338554"/>
           </a:xfrm>
           <a:prstGeom prst="rect">
@@ -27281,50 +27712,7 @@
                   </a:schemeClr>
                 </a:solidFill>
               </a:rPr>
-              <a:t>80.4</a:t>
-            </a:r>
-            <a:endParaRPr lang="en-US" sz="1600" dirty="0">
-              <a:solidFill>
-                <a:schemeClr val="bg2">
-                  <a:lumMod val="25000"/>
-                </a:schemeClr>
-              </a:solidFill>
-            </a:endParaRPr>
-          </a:p>
-        </p:txBody>
-      </p:sp>
-      <p:sp>
-        <p:nvSpPr>
-          <p:cNvPr id="23" name="TextBox 22"/>
-          <p:cNvSpPr txBox="1"/>
-          <p:nvPr/>
-        </p:nvSpPr>
-        <p:spPr>
-          <a:xfrm>
-            <a:off x="5083037" y="4451554"/>
-            <a:ext cx="965248" cy="338554"/>
-          </a:xfrm>
-          <a:prstGeom prst="rect">
-            <a:avLst/>
-          </a:prstGeom>
-          <a:noFill/>
-        </p:spPr>
-        <p:txBody>
-          <a:bodyPr wrap="square" rtlCol="0">
-            <a:spAutoFit/>
-          </a:bodyPr>
-          <a:lstStyle/>
-          <a:p>
-            <a:pPr algn="ctr"/>
-            <a:r>
-              <a:rPr lang="en-US" sz="1600" dirty="0" smtClean="0">
-                <a:solidFill>
-                  <a:schemeClr val="bg2">
-                    <a:lumMod val="25000"/>
-                  </a:schemeClr>
-                </a:solidFill>
-              </a:rPr>
-              <a:t>157.1</a:t>
+              <a:t>235.6</a:t>
             </a:r>
             <a:endParaRPr lang="en-US" sz="1600" dirty="0">
               <a:solidFill>
@@ -27344,7 +27732,7 @@
         </p:nvSpPr>
         <p:spPr>
           <a:xfrm>
-            <a:off x="6057695" y="4414230"/>
+            <a:off x="6078279" y="4012912"/>
             <a:ext cx="965248" cy="338554"/>
           </a:xfrm>
           <a:prstGeom prst="rect">
@@ -27387,7 +27775,7 @@
         </p:nvCxnSpPr>
         <p:spPr>
           <a:xfrm>
-            <a:off x="3783239" y="4818859"/>
+            <a:off x="3769658" y="4683936"/>
             <a:ext cx="612000" cy="0"/>
           </a:xfrm>
           <a:prstGeom prst="line">
@@ -27424,7 +27812,7 @@
         </p:nvCxnSpPr>
         <p:spPr>
           <a:xfrm>
-            <a:off x="4776514" y="4787387"/>
+            <a:off x="4768136" y="4380825"/>
             <a:ext cx="612000" cy="0"/>
           </a:xfrm>
           <a:prstGeom prst="line">
@@ -27461,7 +27849,7 @@
         </p:nvCxnSpPr>
         <p:spPr>
           <a:xfrm>
-            <a:off x="5761878" y="4730450"/>
+            <a:off x="5761878" y="4305190"/>
             <a:ext cx="612000" cy="0"/>
           </a:xfrm>
           <a:prstGeom prst="line">
@@ -27498,7 +27886,7 @@
         </p:nvCxnSpPr>
         <p:spPr>
           <a:xfrm>
-            <a:off x="6767817" y="4693109"/>
+            <a:off x="6746671" y="4283900"/>
             <a:ext cx="612000" cy="0"/>
           </a:xfrm>
           <a:prstGeom prst="line">
@@ -27540,7 +27928,7 @@
   <p:timing>
     <p:tnLst>
       <p:par>
-        <p:cTn xmlns:p14="http://schemas.microsoft.com/office/powerpoint/2010/main" id="1" dur="indefinite" restart="never" nodeType="tmRoot"/>
+        <p:cTn id="1" dur="indefinite" restart="never" nodeType="tmRoot"/>
       </p:par>
     </p:tnLst>
   </p:timing>
@@ -27635,7 +28023,7 @@
   <p:timing>
     <p:tnLst>
       <p:par>
-        <p:cTn xmlns:p14="http://schemas.microsoft.com/office/powerpoint/2010/main" id="1" dur="indefinite" restart="never" nodeType="tmRoot"/>
+        <p:cTn id="1" dur="indefinite" restart="never" nodeType="tmRoot"/>
       </p:par>
     </p:tnLst>
   </p:timing>
@@ -27730,7 +28118,7 @@
   <p:timing>
     <p:tnLst>
       <p:par>
-        <p:cTn xmlns:p14="http://schemas.microsoft.com/office/powerpoint/2010/main" id="1" dur="indefinite" restart="never" nodeType="tmRoot"/>
+        <p:cTn id="1" dur="indefinite" restart="never" nodeType="tmRoot"/>
       </p:par>
     </p:tnLst>
   </p:timing>
@@ -27789,7 +28177,7 @@
   <p:timing>
     <p:tnLst>
       <p:par>
-        <p:cTn xmlns:p14="http://schemas.microsoft.com/office/powerpoint/2010/main" id="1" dur="indefinite" restart="never" nodeType="tmRoot"/>
+        <p:cTn id="1" dur="indefinite" restart="never" nodeType="tmRoot"/>
       </p:par>
     </p:tnLst>
   </p:timing>
@@ -27848,7 +28236,7 @@
   <p:timing>
     <p:tnLst>
       <p:par>
-        <p:cTn xmlns:p14="http://schemas.microsoft.com/office/powerpoint/2010/main" id="1" dur="indefinite" restart="never" nodeType="tmRoot"/>
+        <p:cTn id="1" dur="indefinite" restart="never" nodeType="tmRoot"/>
       </p:par>
     </p:tnLst>
   </p:timing>
@@ -27942,7 +28330,7 @@
   <p:timing>
     <p:tnLst>
       <p:par>
-        <p:cTn xmlns:p14="http://schemas.microsoft.com/office/powerpoint/2010/main" id="1" dur="indefinite" restart="never" nodeType="tmRoot"/>
+        <p:cTn id="1" dur="indefinite" restart="never" nodeType="tmRoot"/>
       </p:par>
     </p:tnLst>
   </p:timing>
@@ -28027,7 +28415,7 @@
   <p:timing>
     <p:tnLst>
       <p:par>
-        <p:cTn xmlns:p14="http://schemas.microsoft.com/office/powerpoint/2010/main" id="1" dur="indefinite" restart="never" nodeType="tmRoot"/>
+        <p:cTn id="1" dur="indefinite" restart="never" nodeType="tmRoot"/>
       </p:par>
     </p:tnLst>
   </p:timing>
@@ -28086,7 +28474,7 @@
   <p:timing>
     <p:tnLst>
       <p:par>
-        <p:cTn xmlns:p14="http://schemas.microsoft.com/office/powerpoint/2010/main" id="1" dur="indefinite" restart="never" nodeType="tmRoot"/>
+        <p:cTn id="1" dur="indefinite" restart="never" nodeType="tmRoot"/>
       </p:par>
     </p:tnLst>
   </p:timing>
@@ -28207,7 +28595,7 @@
   <p:timing>
     <p:tnLst>
       <p:par>
-        <p:cTn xmlns:p14="http://schemas.microsoft.com/office/powerpoint/2010/main" id="1" dur="indefinite" restart="never" nodeType="tmRoot"/>
+        <p:cTn id="1" dur="indefinite" restart="never" nodeType="tmRoot"/>
       </p:par>
     </p:tnLst>
   </p:timing>
@@ -28266,7 +28654,7 @@
   <p:timing>
     <p:tnLst>
       <p:par>
-        <p:cTn xmlns:p14="http://schemas.microsoft.com/office/powerpoint/2010/main" id="1" dur="indefinite" restart="never" nodeType="tmRoot"/>
+        <p:cTn id="1" dur="indefinite" restart="never" nodeType="tmRoot"/>
       </p:par>
     </p:tnLst>
   </p:timing>
@@ -28387,7 +28775,7 @@
   <p:timing>
     <p:tnLst>
       <p:par>
-        <p:cTn xmlns:p14="http://schemas.microsoft.com/office/powerpoint/2010/main" id="1" dur="indefinite" restart="never" nodeType="tmRoot"/>
+        <p:cTn id="1" dur="indefinite" restart="never" nodeType="tmRoot"/>
       </p:par>
     </p:tnLst>
   </p:timing>
@@ -28476,7 +28864,7 @@
   <p:timing>
     <p:tnLst>
       <p:par>
-        <p:cTn xmlns:p14="http://schemas.microsoft.com/office/powerpoint/2010/main" id="1" dur="indefinite" restart="never" nodeType="tmRoot"/>
+        <p:cTn id="1" dur="indefinite" restart="never" nodeType="tmRoot"/>
       </p:par>
     </p:tnLst>
   </p:timing>
@@ -28535,7 +28923,7 @@
   <p:timing>
     <p:tnLst>
       <p:par>
-        <p:cTn xmlns:p14="http://schemas.microsoft.com/office/powerpoint/2010/main" id="1" dur="indefinite" restart="never" nodeType="tmRoot"/>
+        <p:cTn id="1" dur="indefinite" restart="never" nodeType="tmRoot"/>
       </p:par>
     </p:tnLst>
   </p:timing>
@@ -28594,7 +28982,7 @@
   <p:timing>
     <p:tnLst>
       <p:par>
-        <p:cTn xmlns:p14="http://schemas.microsoft.com/office/powerpoint/2010/main" id="1" dur="indefinite" restart="never" nodeType="tmRoot"/>
+        <p:cTn id="1" dur="indefinite" restart="never" nodeType="tmRoot"/>
       </p:par>
     </p:tnLst>
   </p:timing>
@@ -28653,7 +29041,7 @@
   <p:timing>
     <p:tnLst>
       <p:par>
-        <p:cTn xmlns:p14="http://schemas.microsoft.com/office/powerpoint/2010/main" id="1" dur="indefinite" restart="never" nodeType="tmRoot"/>
+        <p:cTn id="1" dur="indefinite" restart="never" nodeType="tmRoot"/>
       </p:par>
     </p:tnLst>
   </p:timing>
@@ -28712,7 +29100,7 @@
   <p:timing>
     <p:tnLst>
       <p:par>
-        <p:cTn xmlns:p14="http://schemas.microsoft.com/office/powerpoint/2010/main" id="1" dur="indefinite" restart="never" nodeType="tmRoot"/>
+        <p:cTn id="1" dur="indefinite" restart="never" nodeType="tmRoot"/>
       </p:par>
     </p:tnLst>
   </p:timing>
@@ -29074,7 +29462,7 @@
   <p:timing>
     <p:tnLst>
       <p:par>
-        <p:cTn xmlns:p14="http://schemas.microsoft.com/office/powerpoint/2010/main" id="1" dur="indefinite" restart="never" nodeType="tmRoot"/>
+        <p:cTn id="1" dur="indefinite" restart="never" nodeType="tmRoot"/>
       </p:par>
     </p:tnLst>
   </p:timing>
@@ -29167,7 +29555,7 @@
   <p:timing>
     <p:tnLst>
       <p:par>
-        <p:cTn xmlns:p14="http://schemas.microsoft.com/office/powerpoint/2010/main" id="1" dur="indefinite" restart="never" nodeType="tmRoot"/>
+        <p:cTn id="1" dur="indefinite" restart="never" nodeType="tmRoot"/>
       </p:par>
     </p:tnLst>
   </p:timing>
@@ -29292,7 +29680,7 @@
   <p:timing>
     <p:tnLst>
       <p:par>
-        <p:cTn xmlns:p14="http://schemas.microsoft.com/office/powerpoint/2010/main" id="1" dur="indefinite" restart="never" nodeType="tmRoot"/>
+        <p:cTn id="1" dur="indefinite" restart="never" nodeType="tmRoot"/>
       </p:par>
     </p:tnLst>
   </p:timing>
@@ -29554,7 +29942,7 @@
   <a:extraClrSchemeLst/>
   <a:extLst>
     <a:ext uri="{05A4C25C-085E-4340-85A3-A5531E510DB2}">
-      <thm15:themeFamily xmlns="" xmlns:thm15="http://schemas.microsoft.com/office/thememl/2012/main" name="Office Theme" id="{62F939B6-93AF-4DB8-9C6B-D6C7DFDC589F}" vid="{4A3C46E8-61CC-4603-A589-7422A47A8E4A}"/>
+      <thm15:themeFamily xmlns:thm15="http://schemas.microsoft.com/office/thememl/2012/main" name="Office Theme" id="{62F939B6-93AF-4DB8-9C6B-D6C7DFDC589F}" vid="{4A3C46E8-61CC-4603-A589-7422A47A8E4A}"/>
     </a:ext>
   </a:extLst>
 </a:theme>
@@ -29815,7 +30203,7 @@
   <a:extraClrSchemeLst/>
   <a:extLst>
     <a:ext uri="{05A4C25C-085E-4340-85A3-A5531E510DB2}">
-      <thm15:themeFamily xmlns="" xmlns:thm15="http://schemas.microsoft.com/office/thememl/2012/main" name="Office Theme" id="{62F939B6-93AF-4DB8-9C6B-D6C7DFDC589F}" vid="{4A3C46E8-61CC-4603-A589-7422A47A8E4A}"/>
+      <thm15:themeFamily xmlns:thm15="http://schemas.microsoft.com/office/thememl/2012/main" name="Office Theme" id="{62F939B6-93AF-4DB8-9C6B-D6C7DFDC589F}" vid="{4A3C46E8-61CC-4603-A589-7422A47A8E4A}"/>
     </a:ext>
   </a:extLst>
 </a:theme>

--- a/elsarticle/Images/Thesis charts.pptx
+++ b/elsarticle/Images/Thesis charts.pptx
@@ -27221,8 +27221,8 @@
         </p:nvSpPr>
         <p:spPr>
           <a:xfrm>
-            <a:off x="5235505" y="1513618"/>
-            <a:ext cx="2816538" cy="721582"/>
+            <a:off x="5897880" y="1147342"/>
+            <a:ext cx="2154163" cy="339552"/>
           </a:xfrm>
           <a:prstGeom prst="rect">
             <a:avLst/>
@@ -27248,18 +27248,26 @@
           <a:p>
             <a:pPr algn="ctr"/>
             <a:r>
-              <a:rPr lang="en-US" sz="2400" dirty="0" smtClean="0"/>
-              <a:t>-470.1 gCO</a:t>
+              <a:rPr lang="en-US" sz="2000" dirty="0" smtClean="0"/>
+              <a:t>-</a:t>
             </a:r>
             <a:r>
-              <a:rPr lang="en-US" sz="2400" baseline="-25000" dirty="0" smtClean="0"/>
+              <a:rPr lang="en-US" sz="2000" dirty="0" smtClean="0"/>
+              <a:t>465.2 </a:t>
+            </a:r>
+            <a:r>
+              <a:rPr lang="en-US" sz="2000" dirty="0" smtClean="0"/>
+              <a:t>gCO</a:t>
+            </a:r>
+            <a:r>
+              <a:rPr lang="en-US" sz="2000" baseline="-25000" dirty="0" smtClean="0"/>
               <a:t>2eq</a:t>
             </a:r>
             <a:r>
-              <a:rPr lang="en-US" sz="2400" dirty="0" smtClean="0"/>
+              <a:rPr lang="en-US" sz="2000" dirty="0" smtClean="0"/>
               <a:t>/kWh</a:t>
             </a:r>
-            <a:endParaRPr lang="en-US" sz="2400" dirty="0"/>
+            <a:endParaRPr lang="en-US" sz="2000" dirty="0"/>
           </a:p>
         </p:txBody>
       </p:sp>
@@ -27271,13 +27279,13 @@
         </p:nvCxnSpPr>
         <p:spPr>
           <a:xfrm>
-            <a:off x="2772475" y="1912962"/>
-            <a:ext cx="612000" cy="0"/>
+            <a:off x="2788377" y="1912962"/>
+            <a:ext cx="594000" cy="0"/>
           </a:xfrm>
           <a:prstGeom prst="line">
             <a:avLst/>
           </a:prstGeom>
-          <a:ln w="9525" cmpd="sng">
+          <a:ln w="3175" cmpd="sng">
             <a:solidFill>
               <a:srgbClr val="3B3838"/>
             </a:solidFill>
@@ -27308,7 +27316,7 @@
         </p:nvSpPr>
         <p:spPr>
           <a:xfrm rot="17339126">
-            <a:off x="1381641" y="5729107"/>
+            <a:off x="1445649" y="5729107"/>
             <a:ext cx="1563632" cy="338554"/>
           </a:xfrm>
           <a:prstGeom prst="rect">
@@ -27351,7 +27359,7 @@
         </p:nvSpPr>
         <p:spPr>
           <a:xfrm rot="17339126">
-            <a:off x="2333156" y="5482885"/>
+            <a:off x="2497748" y="5482885"/>
             <a:ext cx="1563632" cy="830997"/>
           </a:xfrm>
           <a:prstGeom prst="rect">
@@ -27394,7 +27402,7 @@
         </p:nvSpPr>
         <p:spPr>
           <a:xfrm rot="17339126">
-            <a:off x="3311297" y="5828503"/>
+            <a:off x="3402737" y="5828503"/>
             <a:ext cx="1762419" cy="338554"/>
           </a:xfrm>
           <a:prstGeom prst="rect">
@@ -27566,7 +27574,7 @@
         </p:nvCxnSpPr>
         <p:spPr>
           <a:xfrm>
-            <a:off x="2095500" y="3085633"/>
+            <a:off x="2095500" y="2693634"/>
             <a:ext cx="5956543" cy="0"/>
           </a:xfrm>
           <a:prstGeom prst="line">
@@ -27775,13 +27783,13 @@
         </p:nvCxnSpPr>
         <p:spPr>
           <a:xfrm>
-            <a:off x="3769658" y="4683936"/>
-            <a:ext cx="612000" cy="0"/>
+            <a:off x="3785560" y="4683936"/>
+            <a:ext cx="594000" cy="0"/>
           </a:xfrm>
           <a:prstGeom prst="line">
             <a:avLst/>
           </a:prstGeom>
-          <a:ln w="9525" cmpd="sng">
+          <a:ln w="3175" cmpd="sng">
             <a:solidFill>
               <a:srgbClr val="3B3838"/>
             </a:solidFill>
@@ -27812,8 +27820,8 @@
         </p:nvCxnSpPr>
         <p:spPr>
           <a:xfrm>
-            <a:off x="4768136" y="4380825"/>
-            <a:ext cx="612000" cy="0"/>
+            <a:off x="4776087" y="4372874"/>
+            <a:ext cx="594000" cy="0"/>
           </a:xfrm>
           <a:prstGeom prst="line">
             <a:avLst/>
@@ -27849,13 +27857,13 @@
         </p:nvCxnSpPr>
         <p:spPr>
           <a:xfrm>
-            <a:off x="5761878" y="4305190"/>
-            <a:ext cx="612000" cy="0"/>
+            <a:off x="5769829" y="4305190"/>
+            <a:ext cx="594000" cy="0"/>
           </a:xfrm>
           <a:prstGeom prst="line">
             <a:avLst/>
           </a:prstGeom>
-          <a:ln w="9525" cmpd="sng">
+          <a:ln w="3175" cmpd="sng">
             <a:solidFill>
               <a:srgbClr val="3B3838"/>
             </a:solidFill>
@@ -27886,13 +27894,13 @@
         </p:nvCxnSpPr>
         <p:spPr>
           <a:xfrm>
-            <a:off x="6746671" y="4283900"/>
-            <a:ext cx="612000" cy="0"/>
+            <a:off x="6754622" y="4283900"/>
+            <a:ext cx="594000" cy="0"/>
           </a:xfrm>
           <a:prstGeom prst="line">
             <a:avLst/>
           </a:prstGeom>
-          <a:ln w="9525" cmpd="sng">
+          <a:ln w="3175" cmpd="sng">
             <a:solidFill>
               <a:srgbClr val="3B3838"/>
             </a:solidFill>

--- a/elsarticle/Images/Thesis charts.pptx
+++ b/elsarticle/Images/Thesis charts.pptx
@@ -5163,25 +5163,28 @@
           </c:dLbls>
           <c:cat>
             <c:strRef>
-              <c:f>Sheet1!$A$2:$A$7</c:f>
+              <c:f>Sheet1!$A$2:$A$8</c:f>
               <c:strCache>
-                <c:ptCount val="6"/>
+                <c:ptCount val="7"/>
                 <c:pt idx="0">
-                  <c:v>UCTE</c:v>
+                  <c:v>ENTSO-E</c:v>
                 </c:pt>
                 <c:pt idx="1">
+                  <c:v>Switzerland</c:v>
+                </c:pt>
+                <c:pt idx="2">
                   <c:v>ASF (CIGS) incl. shading benefits</c:v>
                 </c:pt>
-                <c:pt idx="2">
+                <c:pt idx="3">
                   <c:v>CIGS (thin)</c:v>
                 </c:pt>
-                <c:pt idx="3">
+                <c:pt idx="4">
                   <c:v>mono-Si</c:v>
                 </c:pt>
-                <c:pt idx="4">
+                <c:pt idx="5">
                   <c:v>poly-Si</c:v>
                 </c:pt>
-                <c:pt idx="5">
+                <c:pt idx="6">
                   <c:v>CdTe (thin)</c:v>
                 </c:pt>
               </c:strCache>
@@ -5189,23 +5192,23 @@
           </c:cat>
           <c:val>
             <c:numRef>
-              <c:f>Sheet1!$B$2:$B$7</c:f>
+              <c:f>Sheet1!$B$2:$B$8</c:f>
               <c:numCache>
                 <c:formatCode>General</c:formatCode>
-                <c:ptCount val="6"/>
-                <c:pt idx="1">
+                <c:ptCount val="7"/>
+                <c:pt idx="2">
                   <c:v>107.9</c:v>
                 </c:pt>
-                <c:pt idx="2">
+                <c:pt idx="3">
                   <c:v>59.2</c:v>
                 </c:pt>
-                <c:pt idx="3">
+                <c:pt idx="4">
                   <c:v>114.9</c:v>
                 </c:pt>
-                <c:pt idx="4">
+                <c:pt idx="5">
                   <c:v>107.7</c:v>
                 </c:pt>
-                <c:pt idx="5">
+                <c:pt idx="6">
                   <c:v>53.4</c:v>
                 </c:pt>
               </c:numCache>
@@ -5238,7 +5241,7 @@
           <c:invertIfNegative val="0"/>
           <c:dLbls>
             <c:dLbl>
-              <c:idx val="1"/>
+              <c:idx val="2"/>
               <c:layout>
                 <c:manualLayout>
                   <c:x val="5.69781804337156E-8"/>
@@ -5320,7 +5323,7 @@
               </c:extLst>
             </c:dLbl>
             <c:dLbl>
-              <c:idx val="2"/>
+              <c:idx val="3"/>
               <c:layout>
                 <c:manualLayout>
                   <c:x val="-0.00144724578301638"/>
@@ -5353,7 +5356,7 @@
               </c:extLst>
             </c:dLbl>
             <c:dLbl>
-              <c:idx val="3"/>
+              <c:idx val="4"/>
               <c:layout>
                 <c:manualLayout>
                   <c:x val="0.0"/>
@@ -5386,7 +5389,7 @@
               </c:extLst>
             </c:dLbl>
             <c:dLbl>
-              <c:idx val="4"/>
+              <c:idx val="5"/>
               <c:layout>
                 <c:manualLayout>
                   <c:x val="0.0"/>
@@ -5419,7 +5422,7 @@
               </c:extLst>
             </c:dLbl>
             <c:dLbl>
-              <c:idx val="5"/>
+              <c:idx val="6"/>
               <c:layout>
                 <c:manualLayout>
                   <c:x val="0.0"/>
@@ -5489,6 +5492,7 @@
             <c:showLeaderLines val="0"/>
             <c:extLst>
               <c:ext xmlns:c15="http://schemas.microsoft.com/office/drawing/2012/chart" uri="{CE6537A1-D6FC-4f65-9D91-7224C49458BB}">
+                <c15:layout/>
                 <c15:showLeaderLines val="1"/>
                 <c15:leaderLines>
                   <c:spPr>
@@ -5509,25 +5513,28 @@
           </c:dLbls>
           <c:cat>
             <c:strRef>
-              <c:f>Sheet1!$A$2:$A$7</c:f>
+              <c:f>Sheet1!$A$2:$A$8</c:f>
               <c:strCache>
-                <c:ptCount val="6"/>
+                <c:ptCount val="7"/>
                 <c:pt idx="0">
-                  <c:v>UCTE</c:v>
+                  <c:v>ENTSO-E</c:v>
                 </c:pt>
                 <c:pt idx="1">
+                  <c:v>Switzerland</c:v>
+                </c:pt>
+                <c:pt idx="2">
                   <c:v>ASF (CIGS) incl. shading benefits</c:v>
                 </c:pt>
-                <c:pt idx="2">
+                <c:pt idx="3">
                   <c:v>CIGS (thin)</c:v>
                 </c:pt>
-                <c:pt idx="3">
+                <c:pt idx="4">
                   <c:v>mono-Si</c:v>
                 </c:pt>
-                <c:pt idx="4">
+                <c:pt idx="5">
                   <c:v>poly-Si</c:v>
                 </c:pt>
-                <c:pt idx="5">
+                <c:pt idx="6">
                   <c:v>CdTe (thin)</c:v>
                 </c:pt>
               </c:strCache>
@@ -5535,23 +5542,23 @@
           </c:cat>
           <c:val>
             <c:numRef>
-              <c:f>Sheet1!$C$2:$C$7</c:f>
+              <c:f>Sheet1!$C$2:$C$8</c:f>
               <c:numCache>
-                <c:formatCode>0.0</c:formatCode>
-                <c:ptCount val="6"/>
-                <c:pt idx="1">
+                <c:formatCode>General</c:formatCode>
+                <c:ptCount val="7"/>
+                <c:pt idx="2" formatCode="0.0">
                   <c:v>18.9</c:v>
                 </c:pt>
-                <c:pt idx="2">
+                <c:pt idx="3" formatCode="0.0">
                   <c:v>6.1</c:v>
                 </c:pt>
-                <c:pt idx="3">
+                <c:pt idx="4" formatCode="0.0">
                   <c:v>26.0</c:v>
                 </c:pt>
-                <c:pt idx="4">
+                <c:pt idx="5" formatCode="0.0">
                   <c:v>30.6</c:v>
                 </c:pt>
-                <c:pt idx="5">
+                <c:pt idx="6" formatCode="0.0">
                   <c:v>8.6</c:v>
                 </c:pt>
               </c:numCache>
@@ -5592,7 +5599,7 @@
               <c:idx val="0"/>
               <c:layout>
                 <c:manualLayout>
-                  <c:x val="-0.00289449156603275"/>
+                  <c:x val="0.0"/>
                   <c:y val="-0.376736192040411"/>
                 </c:manualLayout>
               </c:layout>
@@ -5609,7 +5616,27 @@
               </c:extLst>
             </c:dLbl>
             <c:dLbl>
-              <c:idx val="5"/>
+              <c:idx val="1"/>
+              <c:layout>
+                <c:manualLayout>
+                  <c:x val="0.0"/>
+                  <c:y val="-0.112764574488286"/>
+                </c:manualLayout>
+              </c:layout>
+              <c:showLegendKey val="0"/>
+              <c:showVal val="1"/>
+              <c:showCatName val="0"/>
+              <c:showSerName val="0"/>
+              <c:showPercent val="0"/>
+              <c:showBubbleSize val="0"/>
+              <c:extLst>
+                <c:ext xmlns:c15="http://schemas.microsoft.com/office/drawing/2012/chart" uri="{CE6537A1-D6FC-4f65-9D91-7224C49458BB}">
+                  <c15:layout/>
+                </c:ext>
+              </c:extLst>
+            </c:dLbl>
+            <c:dLbl>
+              <c:idx val="6"/>
               <c:tx>
                 <c:rich>
                   <a:bodyPr/>
@@ -5678,6 +5705,7 @@
             <c:showLeaderLines val="0"/>
             <c:extLst>
               <c:ext xmlns:c15="http://schemas.microsoft.com/office/drawing/2012/chart" uri="{CE6537A1-D6FC-4f65-9D91-7224C49458BB}">
+                <c15:layout/>
                 <c15:showLeaderLines val="1"/>
                 <c15:leaderLines>
                   <c:spPr>
@@ -5698,25 +5726,28 @@
           </c:dLbls>
           <c:cat>
             <c:strRef>
-              <c:f>Sheet1!$A$2:$A$7</c:f>
+              <c:f>Sheet1!$A$2:$A$8</c:f>
               <c:strCache>
-                <c:ptCount val="6"/>
+                <c:ptCount val="7"/>
                 <c:pt idx="0">
-                  <c:v>UCTE</c:v>
+                  <c:v>ENTSO-E</c:v>
                 </c:pt>
                 <c:pt idx="1">
+                  <c:v>Switzerland</c:v>
+                </c:pt>
+                <c:pt idx="2">
                   <c:v>ASF (CIGS) incl. shading benefits</c:v>
                 </c:pt>
-                <c:pt idx="2">
+                <c:pt idx="3">
                   <c:v>CIGS (thin)</c:v>
                 </c:pt>
-                <c:pt idx="3">
+                <c:pt idx="4">
                   <c:v>mono-Si</c:v>
                 </c:pt>
-                <c:pt idx="4">
+                <c:pt idx="5">
                   <c:v>poly-Si</c:v>
                 </c:pt>
-                <c:pt idx="5">
+                <c:pt idx="6">
                   <c:v>CdTe (thin)</c:v>
                 </c:pt>
               </c:strCache>
@@ -5724,12 +5755,15 @@
           </c:cat>
           <c:val>
             <c:numRef>
-              <c:f>Sheet1!$D$2:$D$7</c:f>
+              <c:f>Sheet1!$D$2:$D$8</c:f>
               <c:numCache>
                 <c:formatCode>General</c:formatCode>
-                <c:ptCount val="6"/>
-                <c:pt idx="0">
-                  <c:v>551.7</c:v>
+                <c:ptCount val="7"/>
+                <c:pt idx="0" formatCode="0.0">
+                  <c:v>462.1</c:v>
+                </c:pt>
+                <c:pt idx="1">
+                  <c:v>113.1</c:v>
                 </c:pt>
               </c:numCache>
             </c:numRef>
@@ -28369,7 +28403,7 @@
           <p:nvPr>
             <p:extLst>
               <p:ext uri="{D42A27DB-BD31-4B8C-83A1-F6EECF244321}">
-                <p14:modId xmlns:p14="http://schemas.microsoft.com/office/powerpoint/2010/main" val="3966236091"/>
+                <p14:modId xmlns:p14="http://schemas.microsoft.com/office/powerpoint/2010/main" val="1234554607"/>
               </p:ext>
             </p:extLst>
           </p:nvPr>

--- a/elsarticle/Images/Thesis charts.pptx
+++ b/elsarticle/Images/Thesis charts.pptx
@@ -425,11 +425,11 @@
           <c:showPercent val="0"/>
           <c:showBubbleSize val="0"/>
         </c:dLbls>
-        <c:axId val="2068195376"/>
-        <c:axId val="2068140608"/>
+        <c:axId val="-2103851504"/>
+        <c:axId val="-2100828768"/>
       </c:scatterChart>
       <c:valAx>
-        <c:axId val="2068195376"/>
+        <c:axId val="-2103851504"/>
         <c:scaling>
           <c:orientation val="minMax"/>
         </c:scaling>
@@ -551,12 +551,12 @@
             <a:endParaRPr lang="en-US"/>
           </a:p>
         </c:txPr>
-        <c:crossAx val="2068140608"/>
+        <c:crossAx val="-2100828768"/>
         <c:crosses val="autoZero"/>
         <c:crossBetween val="midCat"/>
       </c:valAx>
       <c:valAx>
-        <c:axId val="2068140608"/>
+        <c:axId val="-2100828768"/>
         <c:scaling>
           <c:orientation val="minMax"/>
         </c:scaling>
@@ -682,7 +682,7 @@
             <a:endParaRPr lang="en-US"/>
           </a:p>
         </c:txPr>
-        <c:crossAx val="2068195376"/>
+        <c:crossAx val="-2103851504"/>
         <c:crosses val="autoZero"/>
         <c:crossBetween val="midCat"/>
       </c:valAx>
@@ -919,9 +919,7 @@
               </c:spPr>
             </c:leaderLines>
             <c:extLst>
-              <c:ext xmlns:c15="http://schemas.microsoft.com/office/drawing/2012/chart" uri="{CE6537A1-D6FC-4f65-9D91-7224C49458BB}">
-                <c15:layout/>
-              </c:ext>
+              <c:ext xmlns:c15="http://schemas.microsoft.com/office/drawing/2012/chart" uri="{CE6537A1-D6FC-4f65-9D91-7224C49458BB}"/>
             </c:extLst>
           </c:dLbls>
           <c:cat>
@@ -1242,9 +1240,7 @@
               <c:showPercent val="0"/>
               <c:showBubbleSize val="0"/>
               <c:extLst>
-                <c:ext xmlns:c15="http://schemas.microsoft.com/office/drawing/2012/chart" uri="{CE6537A1-D6FC-4f65-9D91-7224C49458BB}">
-                  <c15:layout/>
-                </c:ext>
+                <c:ext xmlns:c15="http://schemas.microsoft.com/office/drawing/2012/chart" uri="{CE6537A1-D6FC-4f65-9D91-7224C49458BB}"/>
               </c:extLst>
             </c:dLbl>
             <c:dLbl>
@@ -1262,9 +1258,7 @@
               <c:showPercent val="0"/>
               <c:showBubbleSize val="0"/>
               <c:extLst>
-                <c:ext xmlns:c15="http://schemas.microsoft.com/office/drawing/2012/chart" uri="{CE6537A1-D6FC-4f65-9D91-7224C49458BB}">
-                  <c15:layout/>
-                </c:ext>
+                <c:ext xmlns:c15="http://schemas.microsoft.com/office/drawing/2012/chart" uri="{CE6537A1-D6FC-4f65-9D91-7224C49458BB}"/>
               </c:extLst>
             </c:dLbl>
             <c:spPr>
@@ -1318,9 +1312,7 @@
               </c:spPr>
             </c:leaderLines>
             <c:extLst>
-              <c:ext xmlns:c15="http://schemas.microsoft.com/office/drawing/2012/chart" uri="{CE6537A1-D6FC-4f65-9D91-7224C49458BB}">
-                <c15:layout/>
-              </c:ext>
+              <c:ext xmlns:c15="http://schemas.microsoft.com/office/drawing/2012/chart" uri="{CE6537A1-D6FC-4f65-9D91-7224C49458BB}"/>
             </c:extLst>
           </c:dLbls>
           <c:cat>
@@ -1639,9 +1631,7 @@
               </c:spPr>
             </c:leaderLines>
             <c:extLst>
-              <c:ext xmlns:c15="http://schemas.microsoft.com/office/drawing/2012/chart" uri="{CE6537A1-D6FC-4f65-9D91-7224C49458BB}">
-                <c15:layout/>
-              </c:ext>
+              <c:ext xmlns:c15="http://schemas.microsoft.com/office/drawing/2012/chart" uri="{CE6537A1-D6FC-4f65-9D91-7224C49458BB}"/>
             </c:extLst>
           </c:dLbls>
           <c:cat>
@@ -1884,10 +1874,10 @@
                   <c:v>-5708.6</c:v>
                 </c:pt>
                 <c:pt idx="3">
-                  <c:v>-5473</c:v>
+                  <c:v>-5473.0</c:v>
                 </c:pt>
                 <c:pt idx="4">
-                  <c:v>-5396</c:v>
+                  <c:v>-5396.0</c:v>
                 </c:pt>
                 <c:pt idx="5">
                   <c:v>0.0</c:v>
@@ -1936,9 +1926,7 @@
               <c:showPercent val="0"/>
               <c:showBubbleSize val="0"/>
               <c:extLst>
-                <c:ext xmlns:c15="http://schemas.microsoft.com/office/drawing/2012/chart" uri="{CE6537A1-D6FC-4f65-9D91-7224C49458BB}">
-                  <c15:layout/>
-                </c:ext>
+                <c:ext xmlns:c15="http://schemas.microsoft.com/office/drawing/2012/chart" uri="{CE6537A1-D6FC-4f65-9D91-7224C49458BB}"/>
               </c:extLst>
             </c:dLbl>
             <c:dLbl>
@@ -2207,9 +2195,7 @@
               <c:idx val="2"/>
               <c:delete val="1"/>
               <c:extLst>
-                <c:ext xmlns:c15="http://schemas.microsoft.com/office/drawing/2012/chart" uri="{CE6537A1-D6FC-4f65-9D91-7224C49458BB}">
-                  <c15:layout/>
-                </c:ext>
+                <c:ext xmlns:c15="http://schemas.microsoft.com/office/drawing/2012/chart" uri="{CE6537A1-D6FC-4f65-9D91-7224C49458BB}"/>
               </c:extLst>
             </c:dLbl>
             <c:dLbl>
@@ -2241,9 +2227,7 @@
               <c:showPercent val="0"/>
               <c:showBubbleSize val="0"/>
               <c:extLst>
-                <c:ext xmlns:c15="http://schemas.microsoft.com/office/drawing/2012/chart" uri="{CE6537A1-D6FC-4f65-9D91-7224C49458BB}">
-                  <c15:layout/>
-                </c:ext>
+                <c:ext xmlns:c15="http://schemas.microsoft.com/office/drawing/2012/chart" uri="{CE6537A1-D6FC-4f65-9D91-7224C49458BB}"/>
               </c:extLst>
             </c:dLbl>
             <c:spPr>
@@ -2284,7 +2268,6 @@
             <c:showLeaderLines val="0"/>
             <c:extLst>
               <c:ext xmlns:c15="http://schemas.microsoft.com/office/drawing/2012/chart" uri="{CE6537A1-D6FC-4f65-9D91-7224C49458BB}">
-                <c15:layout/>
                 <c15:showLeaderLines val="1"/>
                 <c15:leaderLines>
                   <c:spPr>
@@ -2351,7 +2334,7 @@
                   <c:v>0.0</c:v>
                 </c:pt>
                 <c:pt idx="5">
-                  <c:v>-5396</c:v>
+                  <c:v>-5396.0</c:v>
                 </c:pt>
               </c:numCache>
             </c:numRef>
@@ -2367,11 +2350,11 @@
         </c:dLbls>
         <c:gapWidth val="150"/>
         <c:overlap val="100"/>
-        <c:axId val="-2100754800"/>
-        <c:axId val="-2100751552"/>
+        <c:axId val="-2083543408"/>
+        <c:axId val="-2083540160"/>
       </c:barChart>
       <c:catAx>
-        <c:axId val="-2100754800"/>
+        <c:axId val="-2083543408"/>
         <c:scaling>
           <c:orientation val="minMax"/>
         </c:scaling>
@@ -2381,7 +2364,7 @@
         <c:majorTickMark val="none"/>
         <c:minorTickMark val="none"/>
         <c:tickLblPos val="nextTo"/>
-        <c:crossAx val="-2100751552"/>
+        <c:crossAx val="-2083540160"/>
         <c:crosses val="autoZero"/>
         <c:auto val="1"/>
         <c:lblAlgn val="ctr"/>
@@ -2389,7 +2372,7 @@
         <c:noMultiLvlLbl val="0"/>
       </c:catAx>
       <c:valAx>
-        <c:axId val="-2100751552"/>
+        <c:axId val="-2083540160"/>
         <c:scaling>
           <c:orientation val="minMax"/>
         </c:scaling>
@@ -2444,7 +2427,6 @@
               </a:p>
             </c:rich>
           </c:tx>
-          <c:layout/>
           <c:overlay val="0"/>
           <c:spPr>
             <a:noFill/>
@@ -2505,7 +2487,7 @@
             <a:endParaRPr lang="en-US"/>
           </a:p>
         </c:txPr>
-        <c:crossAx val="-2100754800"/>
+        <c:crossAx val="-2083543408"/>
         <c:crosses val="autoZero"/>
         <c:crossBetween val="between"/>
       </c:valAx>
@@ -2888,11 +2870,11 @@
         </c:dLbls>
         <c:gapWidth val="219"/>
         <c:overlap val="-27"/>
-        <c:axId val="-2101265552"/>
-        <c:axId val="-2101251104"/>
+        <c:axId val="-2086665824"/>
+        <c:axId val="2071297728"/>
       </c:barChart>
       <c:catAx>
-        <c:axId val="-2101265552"/>
+        <c:axId val="-2086665824"/>
         <c:scaling>
           <c:orientation val="minMax"/>
         </c:scaling>
@@ -2932,7 +2914,7 @@
             <a:endParaRPr lang="en-US"/>
           </a:p>
         </c:txPr>
-        <c:crossAx val="-2101251104"/>
+        <c:crossAx val="2071297728"/>
         <c:crosses val="autoZero"/>
         <c:auto val="1"/>
         <c:lblAlgn val="ctr"/>
@@ -2940,7 +2922,7 @@
         <c:noMultiLvlLbl val="0"/>
       </c:catAx>
       <c:valAx>
-        <c:axId val="-2101251104"/>
+        <c:axId val="2071297728"/>
         <c:scaling>
           <c:orientation val="minMax"/>
         </c:scaling>
@@ -3008,7 +2990,6 @@
               </a:p>
             </c:rich>
           </c:tx>
-          <c:layout/>
           <c:overlay val="0"/>
           <c:spPr>
             <a:noFill/>
@@ -3071,7 +3052,7 @@
             <a:endParaRPr lang="en-US"/>
           </a:p>
         </c:txPr>
-        <c:crossAx val="-2101265552"/>
+        <c:crossAx val="-2086665824"/>
         <c:crosses val="autoZero"/>
         <c:crossBetween val="between"/>
       </c:valAx>
@@ -3087,7 +3068,6 @@
     </c:plotArea>
     <c:legend>
       <c:legendPos val="b"/>
-      <c:layout/>
       <c:overlay val="0"/>
       <c:spPr>
         <a:noFill/>
@@ -3368,11 +3348,11 @@
         </c:dLbls>
         <c:gapWidth val="219"/>
         <c:overlap val="-27"/>
-        <c:axId val="-2100871312"/>
-        <c:axId val="-2100850784"/>
+        <c:axId val="2071957696"/>
+        <c:axId val="2071763472"/>
       </c:barChart>
       <c:catAx>
-        <c:axId val="-2100871312"/>
+        <c:axId val="2071957696"/>
         <c:scaling>
           <c:orientation val="minMax"/>
         </c:scaling>
@@ -3412,7 +3392,7 @@
             <a:endParaRPr lang="en-US"/>
           </a:p>
         </c:txPr>
-        <c:crossAx val="-2100850784"/>
+        <c:crossAx val="2071763472"/>
         <c:crosses val="autoZero"/>
         <c:auto val="1"/>
         <c:lblAlgn val="ctr"/>
@@ -3420,7 +3400,7 @@
         <c:noMultiLvlLbl val="0"/>
       </c:catAx>
       <c:valAx>
-        <c:axId val="-2100850784"/>
+        <c:axId val="2071763472"/>
         <c:scaling>
           <c:orientation val="minMax"/>
         </c:scaling>
@@ -3498,7 +3478,6 @@
               </a:p>
             </c:rich>
           </c:tx>
-          <c:layout/>
           <c:overlay val="0"/>
           <c:spPr>
             <a:noFill/>
@@ -3541,7 +3520,7 @@
             <a:endParaRPr lang="en-US"/>
           </a:p>
         </c:txPr>
-        <c:crossAx val="-2100871312"/>
+        <c:crossAx val="2071957696"/>
         <c:crosses val="autoZero"/>
         <c:crossBetween val="between"/>
       </c:valAx>
@@ -3557,7 +3536,6 @@
     </c:plotArea>
     <c:legend>
       <c:legendPos val="b"/>
-      <c:layout/>
       <c:overlay val="0"/>
       <c:spPr>
         <a:noFill/>
@@ -3789,9 +3767,7 @@
               </c:spPr>
             </c:leaderLines>
             <c:extLst>
-              <c:ext xmlns:c15="http://schemas.microsoft.com/office/drawing/2012/chart" uri="{CE6537A1-D6FC-4f65-9D91-7224C49458BB}">
-                <c15:layout/>
-              </c:ext>
+              <c:ext xmlns:c15="http://schemas.microsoft.com/office/drawing/2012/chart" uri="{CE6537A1-D6FC-4f65-9D91-7224C49458BB}"/>
             </c:extLst>
           </c:dLbls>
           <c:cat>
@@ -4071,7 +4047,7 @@
                   <c:v>-6.43</c:v>
                 </c:pt>
                 <c:pt idx="10">
-                  <c:v>-9.739999999999998</c:v>
+                  <c:v>-9.74</c:v>
                 </c:pt>
                 <c:pt idx="11">
                   <c:v>-13.05</c:v>
@@ -4105,11 +4081,11 @@
           <c:showBubbleSize val="0"/>
         </c:dLbls>
         <c:smooth val="0"/>
-        <c:axId val="2070387056"/>
-        <c:axId val="2070517008"/>
+        <c:axId val="-2095145904"/>
+        <c:axId val="-2095142544"/>
       </c:lineChart>
       <c:catAx>
-        <c:axId val="2070387056"/>
+        <c:axId val="-2095145904"/>
         <c:scaling>
           <c:orientation val="minMax"/>
         </c:scaling>
@@ -4152,7 +4128,7 @@
             <a:endParaRPr lang="en-US"/>
           </a:p>
         </c:txPr>
-        <c:crossAx val="2070517008"/>
+        <c:crossAx val="-2095142544"/>
         <c:crosses val="autoZero"/>
         <c:auto val="1"/>
         <c:lblAlgn val="ctr"/>
@@ -4160,7 +4136,7 @@
         <c:noMultiLvlLbl val="0"/>
       </c:catAx>
       <c:valAx>
-        <c:axId val="2070517008"/>
+        <c:axId val="-2095142544"/>
         <c:scaling>
           <c:orientation val="minMax"/>
         </c:scaling>
@@ -4207,7 +4183,6 @@
               </a:p>
             </c:rich>
           </c:tx>
-          <c:layout/>
           <c:overlay val="0"/>
           <c:spPr>
             <a:noFill/>
@@ -4248,7 +4223,7 @@
             <a:endParaRPr lang="en-US"/>
           </a:p>
         </c:txPr>
-        <c:crossAx val="2070387056"/>
+        <c:crossAx val="-2095145904"/>
         <c:crosses val="autoZero"/>
         <c:crossBetween val="between"/>
       </c:valAx>
@@ -4264,7 +4239,6 @@
     </c:plotArea>
     <c:legend>
       <c:legendPos val="b"/>
-      <c:layout/>
       <c:overlay val="0"/>
       <c:spPr>
         <a:noFill/>
@@ -4406,7 +4380,6 @@
             <c:showLeaderLines val="0"/>
             <c:extLst>
               <c:ext xmlns:c15="http://schemas.microsoft.com/office/drawing/2012/chart" uri="{CE6537A1-D6FC-4f65-9D91-7224C49458BB}">
-                <c15:layout/>
                 <c15:showLeaderLines val="1"/>
                 <c15:leaderLines>
                   <c:spPr>
@@ -4519,7 +4492,6 @@
             <c:showLeaderLines val="0"/>
             <c:extLst>
               <c:ext xmlns:c15="http://schemas.microsoft.com/office/drawing/2012/chart" uri="{CE6537A1-D6FC-4f65-9D91-7224C49458BB}">
-                <c15:layout/>
                 <c15:showLeaderLines val="1"/>
                 <c15:leaderLines>
                   <c:spPr>
@@ -4632,7 +4604,6 @@
             <c:showLeaderLines val="0"/>
             <c:extLst>
               <c:ext xmlns:c15="http://schemas.microsoft.com/office/drawing/2012/chart" uri="{CE6537A1-D6FC-4f65-9D91-7224C49458BB}">
-                <c15:layout/>
                 <c15:showLeaderLines val="1"/>
                 <c15:leaderLines>
                   <c:spPr>
@@ -4800,7 +4771,6 @@
             <c:showLeaderLines val="0"/>
             <c:extLst>
               <c:ext xmlns:c15="http://schemas.microsoft.com/office/drawing/2012/chart" uri="{CE6537A1-D6FC-4f65-9D91-7224C49458BB}">
-                <c15:layout/>
                 <c15:showLeaderLines val="1"/>
                 <c15:leaderLines>
                   <c:spPr>
@@ -4860,11 +4830,11 @@
         </c:dLbls>
         <c:gapWidth val="219"/>
         <c:overlap val="-27"/>
-        <c:axId val="2068891408"/>
-        <c:axId val="2111284224"/>
+        <c:axId val="2044902576"/>
+        <c:axId val="-2095722144"/>
       </c:barChart>
       <c:catAx>
-        <c:axId val="2068891408"/>
+        <c:axId val="2044902576"/>
         <c:scaling>
           <c:orientation val="minMax"/>
         </c:scaling>
@@ -4907,7 +4877,7 @@
             <a:endParaRPr lang="en-US"/>
           </a:p>
         </c:txPr>
-        <c:crossAx val="2111284224"/>
+        <c:crossAx val="-2095722144"/>
         <c:crosses val="autoZero"/>
         <c:auto val="1"/>
         <c:lblAlgn val="ctr"/>
@@ -4915,7 +4885,7 @@
         <c:noMultiLvlLbl val="0"/>
       </c:catAx>
       <c:valAx>
-        <c:axId val="2111284224"/>
+        <c:axId val="-2095722144"/>
         <c:scaling>
           <c:orientation val="minMax"/>
         </c:scaling>
@@ -4978,7 +4948,6 @@
               </a:p>
             </c:rich>
           </c:tx>
-          <c:layout/>
           <c:overlay val="0"/>
           <c:spPr>
             <a:noFill/>
@@ -5039,7 +5008,7 @@
             <a:endParaRPr lang="en-US"/>
           </a:p>
         </c:txPr>
-        <c:crossAx val="2068891408"/>
+        <c:crossAx val="2044902576"/>
         <c:crosses val="autoZero"/>
         <c:crossBetween val="between"/>
       </c:valAx>
@@ -5055,7 +5024,6 @@
     </c:plotArea>
     <c:legend>
       <c:legendPos val="b"/>
-      <c:layout/>
       <c:overlay val="0"/>
       <c:spPr>
         <a:noFill/>
@@ -5163,9 +5131,9 @@
           </c:dLbls>
           <c:cat>
             <c:strRef>
-              <c:f>Sheet1!$A$2:$A$8</c:f>
+              <c:f>Sheet1!$A$2:$A$10</c:f>
               <c:strCache>
-                <c:ptCount val="7"/>
+                <c:ptCount val="9"/>
                 <c:pt idx="0">
                   <c:v>ENTSO-E</c:v>
                 </c:pt>
@@ -5173,18 +5141,24 @@
                   <c:v>Switzerland</c:v>
                 </c:pt>
                 <c:pt idx="2">
-                  <c:v>ASF (CIGS) incl. shading benefits</c:v>
+                  <c:v>ASF (CIGS) ENTSO-E mix incl. shading benefits</c:v>
                 </c:pt>
                 <c:pt idx="3">
+                  <c:v>ASF (CIGS) ENTSO-E mix excl. shading benefits</c:v>
+                </c:pt>
+                <c:pt idx="4">
+                  <c:v>ASF (CIGS) Swiss mix incl. shading benefits</c:v>
+                </c:pt>
+                <c:pt idx="5">
                   <c:v>CIGS (thin)</c:v>
                 </c:pt>
-                <c:pt idx="4">
+                <c:pt idx="6">
                   <c:v>mono-Si</c:v>
                 </c:pt>
-                <c:pt idx="5">
+                <c:pt idx="7">
                   <c:v>poly-Si</c:v>
                 </c:pt>
-                <c:pt idx="6">
+                <c:pt idx="8">
                   <c:v>CdTe (thin)</c:v>
                 </c:pt>
               </c:strCache>
@@ -5192,23 +5166,29 @@
           </c:cat>
           <c:val>
             <c:numRef>
-              <c:f>Sheet1!$B$2:$B$8</c:f>
+              <c:f>Sheet1!$B$2:$B$10</c:f>
               <c:numCache>
                 <c:formatCode>General</c:formatCode>
-                <c:ptCount val="7"/>
+                <c:ptCount val="9"/>
                 <c:pt idx="2">
                   <c:v>107.9</c:v>
                 </c:pt>
                 <c:pt idx="3">
+                  <c:v>107.9</c:v>
+                </c:pt>
+                <c:pt idx="4">
+                  <c:v>107.9</c:v>
+                </c:pt>
+                <c:pt idx="5">
                   <c:v>59.2</c:v>
                 </c:pt>
-                <c:pt idx="4">
+                <c:pt idx="6">
                   <c:v>114.9</c:v>
                 </c:pt>
-                <c:pt idx="5">
+                <c:pt idx="7">
                   <c:v>107.7</c:v>
                 </c:pt>
-                <c:pt idx="6">
+                <c:pt idx="8">
                   <c:v>53.4</c:v>
                 </c:pt>
               </c:numCache>
@@ -5324,6 +5304,24 @@
             </c:dLbl>
             <c:dLbl>
               <c:idx val="3"/>
+              <c:delete val="1"/>
+              <c:extLst>
+                <c:ext xmlns:c15="http://schemas.microsoft.com/office/drawing/2012/chart" uri="{CE6537A1-D6FC-4f65-9D91-7224C49458BB}">
+                  <c15:layout/>
+                </c:ext>
+              </c:extLst>
+            </c:dLbl>
+            <c:dLbl>
+              <c:idx val="4"/>
+              <c:delete val="1"/>
+              <c:extLst>
+                <c:ext xmlns:c15="http://schemas.microsoft.com/office/drawing/2012/chart" uri="{CE6537A1-D6FC-4f65-9D91-7224C49458BB}">
+                  <c15:layout/>
+                </c:ext>
+              </c:extLst>
+            </c:dLbl>
+            <c:dLbl>
+              <c:idx val="5"/>
               <c:layout>
                 <c:manualLayout>
                   <c:x val="-0.00144724578301638"/>
@@ -5356,7 +5354,7 @@
               </c:extLst>
             </c:dLbl>
             <c:dLbl>
-              <c:idx val="4"/>
+              <c:idx val="6"/>
               <c:layout>
                 <c:manualLayout>
                   <c:x val="0.0"/>
@@ -5389,7 +5387,7 @@
               </c:extLst>
             </c:dLbl>
             <c:dLbl>
-              <c:idx val="5"/>
+              <c:idx val="7"/>
               <c:layout>
                 <c:manualLayout>
                   <c:x val="0.0"/>
@@ -5422,7 +5420,7 @@
               </c:extLst>
             </c:dLbl>
             <c:dLbl>
-              <c:idx val="6"/>
+              <c:idx val="8"/>
               <c:layout>
                 <c:manualLayout>
                   <c:x val="0.0"/>
@@ -5513,9 +5511,9 @@
           </c:dLbls>
           <c:cat>
             <c:strRef>
-              <c:f>Sheet1!$A$2:$A$8</c:f>
+              <c:f>Sheet1!$A$2:$A$10</c:f>
               <c:strCache>
-                <c:ptCount val="7"/>
+                <c:ptCount val="9"/>
                 <c:pt idx="0">
                   <c:v>ENTSO-E</c:v>
                 </c:pt>
@@ -5523,18 +5521,24 @@
                   <c:v>Switzerland</c:v>
                 </c:pt>
                 <c:pt idx="2">
-                  <c:v>ASF (CIGS) incl. shading benefits</c:v>
+                  <c:v>ASF (CIGS) ENTSO-E mix incl. shading benefits</c:v>
                 </c:pt>
                 <c:pt idx="3">
+                  <c:v>ASF (CIGS) ENTSO-E mix excl. shading benefits</c:v>
+                </c:pt>
+                <c:pt idx="4">
+                  <c:v>ASF (CIGS) Swiss mix incl. shading benefits</c:v>
+                </c:pt>
+                <c:pt idx="5">
                   <c:v>CIGS (thin)</c:v>
                 </c:pt>
-                <c:pt idx="4">
+                <c:pt idx="6">
                   <c:v>mono-Si</c:v>
                 </c:pt>
-                <c:pt idx="5">
+                <c:pt idx="7">
                   <c:v>poly-Si</c:v>
                 </c:pt>
-                <c:pt idx="6">
+                <c:pt idx="8">
                   <c:v>CdTe (thin)</c:v>
                 </c:pt>
               </c:strCache>
@@ -5542,23 +5546,29 @@
           </c:cat>
           <c:val>
             <c:numRef>
-              <c:f>Sheet1!$C$2:$C$8</c:f>
+              <c:f>Sheet1!$C$2:$C$10</c:f>
               <c:numCache>
                 <c:formatCode>General</c:formatCode>
-                <c:ptCount val="7"/>
+                <c:ptCount val="9"/>
                 <c:pt idx="2" formatCode="0.0">
                   <c:v>18.9</c:v>
                 </c:pt>
                 <c:pt idx="3" formatCode="0.0">
+                  <c:v>18.9</c:v>
+                </c:pt>
+                <c:pt idx="4" formatCode="0.0">
+                  <c:v>18.9</c:v>
+                </c:pt>
+                <c:pt idx="5" formatCode="0.0">
                   <c:v>6.1</c:v>
                 </c:pt>
-                <c:pt idx="4" formatCode="0.0">
+                <c:pt idx="6" formatCode="0.0">
                   <c:v>26.0</c:v>
                 </c:pt>
-                <c:pt idx="5" formatCode="0.0">
+                <c:pt idx="7" formatCode="0.0">
                   <c:v>30.6</c:v>
                 </c:pt>
-                <c:pt idx="6" formatCode="0.0">
+                <c:pt idx="8" formatCode="0.0">
                   <c:v>8.6</c:v>
                 </c:pt>
               </c:numCache>
@@ -5574,7 +5584,7 @@
               <c:strCache>
                 <c:ptCount val="1"/>
                 <c:pt idx="0">
-                  <c:v>UCTE</c:v>
+                  <c:v>Electricity mix</c:v>
                 </c:pt>
               </c:strCache>
             </c:strRef>
@@ -5620,7 +5630,7 @@
               <c:layout>
                 <c:manualLayout>
                   <c:x val="0.0"/>
-                  <c:y val="-0.112764574488286"/>
+                  <c:y val="-0.102513249534806"/>
                 </c:manualLayout>
               </c:layout>
               <c:showLegendKey val="0"/>
@@ -5636,7 +5646,7 @@
               </c:extLst>
             </c:dLbl>
             <c:dLbl>
-              <c:idx val="6"/>
+              <c:idx val="8"/>
               <c:tx>
                 <c:rich>
                   <a:bodyPr/>
@@ -5705,7 +5715,6 @@
             <c:showLeaderLines val="0"/>
             <c:extLst>
               <c:ext xmlns:c15="http://schemas.microsoft.com/office/drawing/2012/chart" uri="{CE6537A1-D6FC-4f65-9D91-7224C49458BB}">
-                <c15:layout/>
                 <c15:showLeaderLines val="1"/>
                 <c15:leaderLines>
                   <c:spPr>
@@ -5726,9 +5735,9 @@
           </c:dLbls>
           <c:cat>
             <c:strRef>
-              <c:f>Sheet1!$A$2:$A$8</c:f>
+              <c:f>Sheet1!$A$2:$A$10</c:f>
               <c:strCache>
-                <c:ptCount val="7"/>
+                <c:ptCount val="9"/>
                 <c:pt idx="0">
                   <c:v>ENTSO-E</c:v>
                 </c:pt>
@@ -5736,18 +5745,24 @@
                   <c:v>Switzerland</c:v>
                 </c:pt>
                 <c:pt idx="2">
-                  <c:v>ASF (CIGS) incl. shading benefits</c:v>
+                  <c:v>ASF (CIGS) ENTSO-E mix incl. shading benefits</c:v>
                 </c:pt>
                 <c:pt idx="3">
+                  <c:v>ASF (CIGS) ENTSO-E mix excl. shading benefits</c:v>
+                </c:pt>
+                <c:pt idx="4">
+                  <c:v>ASF (CIGS) Swiss mix incl. shading benefits</c:v>
+                </c:pt>
+                <c:pt idx="5">
                   <c:v>CIGS (thin)</c:v>
                 </c:pt>
-                <c:pt idx="4">
+                <c:pt idx="6">
                   <c:v>mono-Si</c:v>
                 </c:pt>
-                <c:pt idx="5">
+                <c:pt idx="7">
                   <c:v>poly-Si</c:v>
                 </c:pt>
-                <c:pt idx="6">
+                <c:pt idx="8">
                   <c:v>CdTe (thin)</c:v>
                 </c:pt>
               </c:strCache>
@@ -5755,10 +5770,10 @@
           </c:cat>
           <c:val>
             <c:numRef>
-              <c:f>Sheet1!$D$2:$D$8</c:f>
+              <c:f>Sheet1!$D$2:$D$10</c:f>
               <c:numCache>
                 <c:formatCode>General</c:formatCode>
-                <c:ptCount val="7"/>
+                <c:ptCount val="9"/>
                 <c:pt idx="0" formatCode="0.0">
                   <c:v>462.1</c:v>
                 </c:pt>
@@ -5779,11 +5794,11 @@
         </c:dLbls>
         <c:gapWidth val="219"/>
         <c:overlap val="100"/>
-        <c:axId val="2107061808"/>
-        <c:axId val="2107064416"/>
+        <c:axId val="-2095217248"/>
+        <c:axId val="-2123442512"/>
       </c:barChart>
       <c:catAx>
-        <c:axId val="2107061808"/>
+        <c:axId val="-2095217248"/>
         <c:scaling>
           <c:orientation val="minMax"/>
         </c:scaling>
@@ -5826,7 +5841,7 @@
             <a:endParaRPr lang="en-US"/>
           </a:p>
         </c:txPr>
-        <c:crossAx val="2107064416"/>
+        <c:crossAx val="-2123442512"/>
         <c:crosses val="autoZero"/>
         <c:auto val="1"/>
         <c:lblAlgn val="ctr"/>
@@ -5834,7 +5849,7 @@
         <c:noMultiLvlLbl val="0"/>
       </c:catAx>
       <c:valAx>
-        <c:axId val="2107064416"/>
+        <c:axId val="-2123442512"/>
         <c:scaling>
           <c:orientation val="minMax"/>
         </c:scaling>
@@ -5976,7 +5991,7 @@
             <a:endParaRPr lang="en-US"/>
           </a:p>
         </c:txPr>
-        <c:crossAx val="2107061808"/>
+        <c:crossAx val="-2095217248"/>
         <c:crosses val="autoZero"/>
         <c:crossBetween val="between"/>
       </c:valAx>
@@ -6134,7 +6149,6 @@
             <c:showLeaderLines val="0"/>
             <c:extLst>
               <c:ext xmlns:c15="http://schemas.microsoft.com/office/drawing/2012/chart" uri="{CE6537A1-D6FC-4f65-9D91-7224C49458BB}">
-                <c15:layout/>
                 <c15:showLeaderLines val="1"/>
                 <c15:leaderLines>
                   <c:spPr>
@@ -6258,7 +6272,6 @@
             <c:showLeaderLines val="0"/>
             <c:extLst>
               <c:ext xmlns:c15="http://schemas.microsoft.com/office/drawing/2012/chart" uri="{CE6537A1-D6FC-4f65-9D91-7224C49458BB}">
-                <c15:layout/>
                 <c15:showLeaderLines val="1"/>
                 <c15:leaderLines>
                   <c:spPr>
@@ -6377,7 +6390,6 @@
             <c:showLeaderLines val="0"/>
             <c:extLst>
               <c:ext xmlns:c15="http://schemas.microsoft.com/office/drawing/2012/chart" uri="{CE6537A1-D6FC-4f65-9D91-7224C49458BB}">
-                <c15:layout/>
                 <c15:showLeaderLines val="1"/>
                 <c15:leaderLines>
                   <c:spPr>
@@ -6442,11 +6454,11 @@
         </c:dLbls>
         <c:gapWidth val="219"/>
         <c:overlap val="-27"/>
-        <c:axId val="-2125096448"/>
-        <c:axId val="-2125209056"/>
+        <c:axId val="-2095662288"/>
+        <c:axId val="-2129402688"/>
       </c:barChart>
       <c:catAx>
-        <c:axId val="-2125096448"/>
+        <c:axId val="-2095662288"/>
         <c:scaling>
           <c:orientation val="minMax"/>
         </c:scaling>
@@ -6486,7 +6498,7 @@
             <a:endParaRPr lang="en-US"/>
           </a:p>
         </c:txPr>
-        <c:crossAx val="-2125209056"/>
+        <c:crossAx val="-2129402688"/>
         <c:crosses val="autoZero"/>
         <c:auto val="1"/>
         <c:lblAlgn val="ctr"/>
@@ -6494,7 +6506,7 @@
         <c:noMultiLvlLbl val="0"/>
       </c:catAx>
       <c:valAx>
-        <c:axId val="-2125209056"/>
+        <c:axId val="-2129402688"/>
         <c:scaling>
           <c:orientation val="minMax"/>
         </c:scaling>
@@ -6553,7 +6565,6 @@
               </a:p>
             </c:rich>
           </c:tx>
-          <c:layout/>
           <c:overlay val="0"/>
           <c:spPr>
             <a:noFill/>
@@ -6616,7 +6627,7 @@
             <a:endParaRPr lang="en-US"/>
           </a:p>
         </c:txPr>
-        <c:crossAx val="-2125096448"/>
+        <c:crossAx val="-2095662288"/>
         <c:crosses val="autoZero"/>
         <c:crossBetween val="between"/>
       </c:valAx>
@@ -6632,7 +6643,6 @@
     </c:plotArea>
     <c:legend>
       <c:legendPos val="b"/>
-      <c:layout/>
       <c:overlay val="0"/>
       <c:spPr>
         <a:noFill/>
@@ -6999,11 +7009,11 @@
         </c:dLbls>
         <c:gapWidth val="219"/>
         <c:overlap val="100"/>
-        <c:axId val="2070803264"/>
-        <c:axId val="2070802496"/>
+        <c:axId val="-2084209648"/>
+        <c:axId val="-2100715824"/>
       </c:barChart>
       <c:catAx>
-        <c:axId val="2070803264"/>
+        <c:axId val="-2084209648"/>
         <c:scaling>
           <c:orientation val="minMax"/>
         </c:scaling>
@@ -7046,7 +7056,7 @@
             <a:endParaRPr lang="en-US"/>
           </a:p>
         </c:txPr>
-        <c:crossAx val="2070802496"/>
+        <c:crossAx val="-2100715824"/>
         <c:crosses val="autoZero"/>
         <c:auto val="1"/>
         <c:lblAlgn val="ctr"/>
@@ -7054,7 +7064,7 @@
         <c:noMultiLvlLbl val="0"/>
       </c:catAx>
       <c:valAx>
-        <c:axId val="2070802496"/>
+        <c:axId val="-2100715824"/>
         <c:scaling>
           <c:orientation val="minMax"/>
         </c:scaling>
@@ -7105,7 +7115,6 @@
               </a:p>
             </c:rich>
           </c:tx>
-          <c:layout/>
           <c:overlay val="0"/>
           <c:spPr>
             <a:noFill/>
@@ -7146,7 +7155,7 @@
             <a:endParaRPr lang="en-US"/>
           </a:p>
         </c:txPr>
-        <c:crossAx val="2070803264"/>
+        <c:crossAx val="-2084209648"/>
         <c:crosses val="autoZero"/>
         <c:crossBetween val="between"/>
       </c:valAx>
@@ -7162,7 +7171,6 @@
     </c:plotArea>
     <c:legend>
       <c:legendPos val="b"/>
-      <c:layout/>
       <c:overlay val="0"/>
       <c:spPr>
         <a:noFill/>
@@ -7414,11 +7422,11 @@
         </c:dLbls>
         <c:gapWidth val="219"/>
         <c:overlap val="100"/>
-        <c:axId val="2107180992"/>
-        <c:axId val="2107183296"/>
+        <c:axId val="2144097616"/>
+        <c:axId val="2144079232"/>
       </c:barChart>
       <c:catAx>
-        <c:axId val="2107180992"/>
+        <c:axId val="2144097616"/>
         <c:scaling>
           <c:orientation val="minMax"/>
         </c:scaling>
@@ -7458,7 +7466,7 @@
             <a:endParaRPr lang="en-US"/>
           </a:p>
         </c:txPr>
-        <c:crossAx val="2107183296"/>
+        <c:crossAx val="2144079232"/>
         <c:crosses val="autoZero"/>
         <c:auto val="1"/>
         <c:lblAlgn val="ctr"/>
@@ -7466,7 +7474,7 @@
         <c:noMultiLvlLbl val="0"/>
       </c:catAx>
       <c:valAx>
-        <c:axId val="2107183296"/>
+        <c:axId val="2144079232"/>
         <c:scaling>
           <c:orientation val="minMax"/>
         </c:scaling>
@@ -7547,7 +7555,6 @@
               </a:p>
             </c:rich>
           </c:tx>
-          <c:layout/>
           <c:overlay val="0"/>
           <c:spPr>
             <a:noFill/>
@@ -7608,7 +7615,7 @@
             <a:endParaRPr lang="en-US"/>
           </a:p>
         </c:txPr>
-        <c:crossAx val="2107180992"/>
+        <c:crossAx val="2144097616"/>
         <c:crosses val="autoZero"/>
         <c:crossBetween val="between"/>
         <c:majorUnit val="100.0"/>
@@ -7822,11 +7829,11 @@
         </c:dLbls>
         <c:gapWidth val="219"/>
         <c:overlap val="100"/>
-        <c:axId val="2068918768"/>
-        <c:axId val="2068911008"/>
+        <c:axId val="-2095298592"/>
+        <c:axId val="-2095292208"/>
       </c:barChart>
       <c:catAx>
-        <c:axId val="2068918768"/>
+        <c:axId val="-2095298592"/>
         <c:scaling>
           <c:orientation val="minMax"/>
         </c:scaling>
@@ -7866,7 +7873,7 @@
             <a:endParaRPr lang="en-US"/>
           </a:p>
         </c:txPr>
-        <c:crossAx val="2068911008"/>
+        <c:crossAx val="-2095292208"/>
         <c:crosses val="autoZero"/>
         <c:auto val="1"/>
         <c:lblAlgn val="ctr"/>
@@ -7874,7 +7881,7 @@
         <c:noMultiLvlLbl val="0"/>
       </c:catAx>
       <c:valAx>
-        <c:axId val="2068911008"/>
+        <c:axId val="-2095292208"/>
         <c:scaling>
           <c:orientation val="minMax"/>
         </c:scaling>
@@ -7961,7 +7968,6 @@
               </a:p>
             </c:rich>
           </c:tx>
-          <c:layout/>
           <c:overlay val="0"/>
           <c:spPr>
             <a:noFill/>
@@ -8022,7 +8028,7 @@
             <a:endParaRPr lang="en-US"/>
           </a:p>
         </c:txPr>
-        <c:crossAx val="2068918768"/>
+        <c:crossAx val="-2095298592"/>
         <c:crosses val="autoZero"/>
         <c:crossBetween val="between"/>
       </c:valAx>
@@ -8148,7 +8154,6 @@
             <c:showLeaderLines val="0"/>
             <c:extLst>
               <c:ext xmlns:c15="http://schemas.microsoft.com/office/drawing/2012/chart" uri="{CE6537A1-D6FC-4f65-9D91-7224C49458BB}">
-                <c15:layout/>
                 <c15:showLeaderLines val="1"/>
                 <c15:leaderLines>
                   <c:spPr>
@@ -8278,7 +8283,6 @@
             <c:showLeaderLines val="0"/>
             <c:extLst>
               <c:ext xmlns:c15="http://schemas.microsoft.com/office/drawing/2012/chart" uri="{CE6537A1-D6FC-4f65-9D91-7224C49458BB}">
-                <c15:layout/>
                 <c15:showLeaderLines val="1"/>
                 <c15:leaderLines>
                   <c:spPr>
@@ -8349,11 +8353,11 @@
         </c:dLbls>
         <c:gapWidth val="219"/>
         <c:overlap val="-27"/>
-        <c:axId val="2071510048"/>
-        <c:axId val="2071513456"/>
+        <c:axId val="-2095643600"/>
+        <c:axId val="-2129107552"/>
       </c:barChart>
       <c:catAx>
-        <c:axId val="2071510048"/>
+        <c:axId val="-2095643600"/>
         <c:scaling>
           <c:orientation val="minMax"/>
         </c:scaling>
@@ -8393,7 +8397,7 @@
             <a:endParaRPr lang="en-US"/>
           </a:p>
         </c:txPr>
-        <c:crossAx val="2071513456"/>
+        <c:crossAx val="-2129107552"/>
         <c:crosses val="autoZero"/>
         <c:auto val="1"/>
         <c:lblAlgn val="ctr"/>
@@ -8401,7 +8405,7 @@
         <c:noMultiLvlLbl val="0"/>
       </c:catAx>
       <c:valAx>
-        <c:axId val="2071513456"/>
+        <c:axId val="-2129107552"/>
         <c:scaling>
           <c:orientation val="minMax"/>
         </c:scaling>
@@ -8472,7 +8476,6 @@
               </a:p>
             </c:rich>
           </c:tx>
-          <c:layout/>
           <c:overlay val="0"/>
           <c:spPr>
             <a:noFill/>
@@ -8535,7 +8538,7 @@
             <a:endParaRPr lang="en-US"/>
           </a:p>
         </c:txPr>
-        <c:crossAx val="2071510048"/>
+        <c:crossAx val="-2095643600"/>
         <c:crosses val="autoZero"/>
         <c:crossBetween val="between"/>
       </c:valAx>
@@ -8551,7 +8554,6 @@
     </c:plotArea>
     <c:legend>
       <c:legendPos val="b"/>
-      <c:layout/>
       <c:overlay val="0"/>
       <c:spPr>
         <a:noFill/>
@@ -8693,7 +8695,6 @@
             <c:showLeaderLines val="0"/>
             <c:extLst>
               <c:ext xmlns:c15="http://schemas.microsoft.com/office/drawing/2012/chart" uri="{CE6537A1-D6FC-4f65-9D91-7224C49458BB}">
-                <c15:layout/>
                 <c15:showLeaderLines val="1"/>
                 <c15:leaderLines>
                   <c:spPr>
@@ -8823,7 +8824,6 @@
             <c:showLeaderLines val="0"/>
             <c:extLst>
               <c:ext xmlns:c15="http://schemas.microsoft.com/office/drawing/2012/chart" uri="{CE6537A1-D6FC-4f65-9D91-7224C49458BB}">
-                <c15:layout/>
                 <c15:showLeaderLines val="1"/>
                 <c15:leaderLines>
                   <c:spPr>
@@ -8948,7 +8948,6 @@
             <c:showLeaderLines val="0"/>
             <c:extLst>
               <c:ext xmlns:c15="http://schemas.microsoft.com/office/drawing/2012/chart" uri="{CE6537A1-D6FC-4f65-9D91-7224C49458BB}">
-                <c15:layout/>
                 <c15:showLeaderLines val="1"/>
                 <c15:leaderLines>
                   <c:spPr>
@@ -9073,7 +9072,6 @@
             <c:showLeaderLines val="0"/>
             <c:extLst>
               <c:ext xmlns:c15="http://schemas.microsoft.com/office/drawing/2012/chart" uri="{CE6537A1-D6FC-4f65-9D91-7224C49458BB}">
-                <c15:layout/>
                 <c15:showLeaderLines val="1"/>
                 <c15:leaderLines>
                   <c:spPr>
@@ -9144,11 +9142,11 @@
         </c:dLbls>
         <c:gapWidth val="219"/>
         <c:overlap val="-27"/>
-        <c:axId val="2071467200"/>
-        <c:axId val="2071458320"/>
+        <c:axId val="-2103102240"/>
+        <c:axId val="-2100245904"/>
       </c:barChart>
       <c:catAx>
-        <c:axId val="2071467200"/>
+        <c:axId val="-2103102240"/>
         <c:scaling>
           <c:orientation val="minMax"/>
         </c:scaling>
@@ -9188,7 +9186,7 @@
             <a:endParaRPr lang="en-US"/>
           </a:p>
         </c:txPr>
-        <c:crossAx val="2071458320"/>
+        <c:crossAx val="-2100245904"/>
         <c:crosses val="autoZero"/>
         <c:auto val="1"/>
         <c:lblAlgn val="ctr"/>
@@ -9196,7 +9194,7 @@
         <c:noMultiLvlLbl val="0"/>
       </c:catAx>
       <c:valAx>
-        <c:axId val="2071458320"/>
+        <c:axId val="-2100245904"/>
         <c:scaling>
           <c:orientation val="minMax"/>
         </c:scaling>
@@ -9272,7 +9270,6 @@
               </a:p>
             </c:rich>
           </c:tx>
-          <c:layout/>
           <c:overlay val="0"/>
           <c:spPr>
             <a:noFill/>
@@ -9335,7 +9332,7 @@
             <a:endParaRPr lang="en-US"/>
           </a:p>
         </c:txPr>
-        <c:crossAx val="2071467200"/>
+        <c:crossAx val="-2103102240"/>
         <c:crosses val="autoZero"/>
         <c:crossBetween val="between"/>
       </c:valAx>
@@ -9351,7 +9348,6 @@
     </c:plotArea>
     <c:legend>
       <c:legendPos val="b"/>
-      <c:layout/>
       <c:overlay val="0"/>
       <c:spPr>
         <a:noFill/>
@@ -9727,11 +9723,11 @@
         </c:dLbls>
         <c:gapWidth val="219"/>
         <c:overlap val="-27"/>
-        <c:axId val="2071566352"/>
-        <c:axId val="2071563504"/>
+        <c:axId val="2108492800"/>
+        <c:axId val="-2125977040"/>
       </c:barChart>
       <c:catAx>
-        <c:axId val="2071566352"/>
+        <c:axId val="2108492800"/>
         <c:scaling>
           <c:orientation val="minMax"/>
         </c:scaling>
@@ -9771,7 +9767,7 @@
             <a:endParaRPr lang="en-US"/>
           </a:p>
         </c:txPr>
-        <c:crossAx val="2071563504"/>
+        <c:crossAx val="-2125977040"/>
         <c:crosses val="autoZero"/>
         <c:auto val="1"/>
         <c:lblAlgn val="ctr"/>
@@ -9779,7 +9775,7 @@
         <c:noMultiLvlLbl val="0"/>
       </c:catAx>
       <c:valAx>
-        <c:axId val="2071563504"/>
+        <c:axId val="-2125977040"/>
         <c:scaling>
           <c:orientation val="minMax"/>
         </c:scaling>
@@ -9847,7 +9843,6 @@
               </a:p>
             </c:rich>
           </c:tx>
-          <c:layout/>
           <c:overlay val="0"/>
           <c:spPr>
             <a:noFill/>
@@ -9910,7 +9905,7 @@
             <a:endParaRPr lang="en-US"/>
           </a:p>
         </c:txPr>
-        <c:crossAx val="2071566352"/>
+        <c:crossAx val="2108492800"/>
         <c:crosses val="autoZero"/>
         <c:crossBetween val="between"/>
       </c:valAx>
@@ -9926,7 +9921,6 @@
     </c:plotArea>
     <c:legend>
       <c:legendPos val="b"/>
-      <c:layout/>
       <c:overlay val="0"/>
       <c:spPr>
         <a:noFill/>
@@ -10080,11 +10074,11 @@
         </c:dLbls>
         <c:gapWidth val="219"/>
         <c:overlap val="-27"/>
-        <c:axId val="2069120592"/>
-        <c:axId val="2069079072"/>
+        <c:axId val="-2096837360"/>
+        <c:axId val="2070112432"/>
       </c:barChart>
       <c:catAx>
-        <c:axId val="2069120592"/>
+        <c:axId val="-2096837360"/>
         <c:scaling>
           <c:orientation val="minMax"/>
         </c:scaling>
@@ -10124,7 +10118,7 @@
             <a:endParaRPr lang="en-US"/>
           </a:p>
         </c:txPr>
-        <c:crossAx val="2069079072"/>
+        <c:crossAx val="2070112432"/>
         <c:crosses val="autoZero"/>
         <c:auto val="1"/>
         <c:lblAlgn val="ctr"/>
@@ -10132,7 +10126,7 @@
         <c:noMultiLvlLbl val="0"/>
       </c:catAx>
       <c:valAx>
-        <c:axId val="2069079072"/>
+        <c:axId val="2070112432"/>
         <c:scaling>
           <c:orientation val="minMax"/>
         </c:scaling>
@@ -10200,7 +10194,6 @@
               </a:p>
             </c:rich>
           </c:tx>
-          <c:layout/>
           <c:overlay val="0"/>
           <c:spPr>
             <a:noFill/>
@@ -10263,7 +10256,7 @@
             <a:endParaRPr lang="en-US"/>
           </a:p>
         </c:txPr>
-        <c:crossAx val="2069120592"/>
+        <c:crossAx val="-2096837360"/>
         <c:crosses val="autoZero"/>
         <c:crossBetween val="between"/>
       </c:valAx>
@@ -10573,11 +10566,11 @@
         </c:dLbls>
         <c:gapWidth val="219"/>
         <c:overlap val="100"/>
-        <c:axId val="2071601088"/>
-        <c:axId val="2071427152"/>
+        <c:axId val="-2085955216"/>
+        <c:axId val="-2085948272"/>
       </c:barChart>
       <c:catAx>
-        <c:axId val="2071601088"/>
+        <c:axId val="-2085955216"/>
         <c:scaling>
           <c:orientation val="minMax"/>
         </c:scaling>
@@ -10620,7 +10613,7 @@
             <a:endParaRPr lang="en-US"/>
           </a:p>
         </c:txPr>
-        <c:crossAx val="2071427152"/>
+        <c:crossAx val="-2085948272"/>
         <c:crosses val="autoZero"/>
         <c:auto val="1"/>
         <c:lblAlgn val="ctr"/>
@@ -10628,7 +10621,7 @@
         <c:noMultiLvlLbl val="0"/>
       </c:catAx>
       <c:valAx>
-        <c:axId val="2071427152"/>
+        <c:axId val="-2085948272"/>
         <c:scaling>
           <c:orientation val="minMax"/>
         </c:scaling>
@@ -10679,7 +10672,6 @@
               </a:p>
             </c:rich>
           </c:tx>
-          <c:layout/>
           <c:overlay val="0"/>
           <c:spPr>
             <a:noFill/>
@@ -10740,7 +10732,7 @@
             <a:endParaRPr lang="en-US"/>
           </a:p>
         </c:txPr>
-        <c:crossAx val="2071601088"/>
+        <c:crossAx val="-2085955216"/>
         <c:crosses val="autoZero"/>
         <c:crossBetween val="between"/>
       </c:valAx>
@@ -11031,9 +11023,7 @@
               </c:spPr>
             </c:leaderLines>
             <c:extLst>
-              <c:ext xmlns:c15="http://schemas.microsoft.com/office/drawing/2012/chart" uri="{CE6537A1-D6FC-4f65-9D91-7224C49458BB}">
-                <c15:layout/>
-              </c:ext>
+              <c:ext xmlns:c15="http://schemas.microsoft.com/office/drawing/2012/chart" uri="{CE6537A1-D6FC-4f65-9D91-7224C49458BB}"/>
             </c:extLst>
           </c:dLbls>
           <c:cat>
@@ -11337,9 +11327,7 @@
               </c:spPr>
             </c:leaderLines>
             <c:extLst>
-              <c:ext xmlns:c15="http://schemas.microsoft.com/office/drawing/2012/chart" uri="{CE6537A1-D6FC-4f65-9D91-7224C49458BB}">
-                <c15:layout/>
-              </c:ext>
+              <c:ext xmlns:c15="http://schemas.microsoft.com/office/drawing/2012/chart" uri="{CE6537A1-D6FC-4f65-9D91-7224C49458BB}"/>
             </c:extLst>
           </c:dLbls>
           <c:cat>
@@ -27283,15 +27271,7 @@
             <a:pPr algn="ctr"/>
             <a:r>
               <a:rPr lang="en-US" sz="2000" dirty="0" smtClean="0"/>
-              <a:t>-</a:t>
-            </a:r>
-            <a:r>
-              <a:rPr lang="en-US" sz="2000" dirty="0" smtClean="0"/>
-              <a:t>465.2 </a:t>
-            </a:r>
-            <a:r>
-              <a:rPr lang="en-US" sz="2000" dirty="0" smtClean="0"/>
-              <a:t>gCO</a:t>
+              <a:t>-465.2 gCO</a:t>
             </a:r>
             <a:r>
               <a:rPr lang="en-US" sz="2000" baseline="-25000" dirty="0" smtClean="0"/>
@@ -28403,7 +28383,7 @@
           <p:nvPr>
             <p:extLst>
               <p:ext uri="{D42A27DB-BD31-4B8C-83A1-F6EECF244321}">
-                <p14:modId xmlns:p14="http://schemas.microsoft.com/office/powerpoint/2010/main" val="1234554607"/>
+                <p14:modId xmlns:p14="http://schemas.microsoft.com/office/powerpoint/2010/main" val="337523327"/>
               </p:ext>
             </p:extLst>
           </p:nvPr>

--- a/elsarticle/Images/Thesis charts.pptx
+++ b/elsarticle/Images/Thesis charts.pptx
@@ -1926,7 +1926,9 @@
               <c:showPercent val="0"/>
               <c:showBubbleSize val="0"/>
               <c:extLst>
-                <c:ext xmlns:c15="http://schemas.microsoft.com/office/drawing/2012/chart" uri="{CE6537A1-D6FC-4f65-9D91-7224C49458BB}"/>
+                <c:ext xmlns:c15="http://schemas.microsoft.com/office/drawing/2012/chart" uri="{CE6537A1-D6FC-4f65-9D91-7224C49458BB}">
+                  <c15:layout/>
+                </c:ext>
               </c:extLst>
             </c:dLbl>
             <c:dLbl>
@@ -2227,7 +2229,9 @@
               <c:showPercent val="0"/>
               <c:showBubbleSize val="0"/>
               <c:extLst>
-                <c:ext xmlns:c15="http://schemas.microsoft.com/office/drawing/2012/chart" uri="{CE6537A1-D6FC-4f65-9D91-7224C49458BB}"/>
+                <c:ext xmlns:c15="http://schemas.microsoft.com/office/drawing/2012/chart" uri="{CE6537A1-D6FC-4f65-9D91-7224C49458BB}">
+                  <c15:layout/>
+                </c:ext>
               </c:extLst>
             </c:dLbl>
             <c:spPr>
@@ -2427,6 +2431,7 @@
               </a:p>
             </c:rich>
           </c:tx>
+          <c:layout/>
           <c:overlay val="0"/>
           <c:spPr>
             <a:noFill/>
@@ -5097,7 +5102,17 @@
   <c:chart>
     <c:autoTitleDeleted val="1"/>
     <c:plotArea>
-      <c:layout/>
+      <c:layout>
+        <c:manualLayout>
+          <c:layoutTarget val="inner"/>
+          <c:xMode val="edge"/>
+          <c:yMode val="edge"/>
+          <c:x val="0.118708113202881"/>
+          <c:y val="0.0264823754257671"/>
+          <c:w val="0.862477691617906"/>
+          <c:h val="0.667404334665321"/>
+        </c:manualLayout>
+      </c:layout>
       <c:barChart>
         <c:barDir val="col"/>
         <c:grouping val="stacked"/>
@@ -5111,107 +5126,14 @@
               <c:strCache>
                 <c:ptCount val="1"/>
                 <c:pt idx="0">
-                  <c:v>Laminate/panel</c:v>
+                  <c:v>ASF</c:v>
                 </c:pt>
               </c:strCache>
             </c:strRef>
           </c:tx>
           <c:spPr>
             <a:solidFill>
-              <a:schemeClr val="accent1"/>
-            </a:solidFill>
-            <a:ln>
-              <a:noFill/>
-            </a:ln>
-            <a:effectLst/>
-          </c:spPr>
-          <c:invertIfNegative val="0"/>
-          <c:dLbls>
-            <c:delete val="1"/>
-          </c:dLbls>
-          <c:cat>
-            <c:strRef>
-              <c:f>Sheet1!$A$2:$A$10</c:f>
-              <c:strCache>
-                <c:ptCount val="9"/>
-                <c:pt idx="0">
-                  <c:v>ENTSO-E</c:v>
-                </c:pt>
-                <c:pt idx="1">
-                  <c:v>Switzerland</c:v>
-                </c:pt>
-                <c:pt idx="2">
-                  <c:v>ASF (CIGS) ENTSO-E mix incl. shading benefits</c:v>
-                </c:pt>
-                <c:pt idx="3">
-                  <c:v>ASF (CIGS) ENTSO-E mix excl. shading benefits</c:v>
-                </c:pt>
-                <c:pt idx="4">
-                  <c:v>ASF (CIGS) Swiss mix incl. shading benefits</c:v>
-                </c:pt>
-                <c:pt idx="5">
-                  <c:v>CIGS (thin)</c:v>
-                </c:pt>
-                <c:pt idx="6">
-                  <c:v>mono-Si</c:v>
-                </c:pt>
-                <c:pt idx="7">
-                  <c:v>poly-Si</c:v>
-                </c:pt>
-                <c:pt idx="8">
-                  <c:v>CdTe (thin)</c:v>
-                </c:pt>
-              </c:strCache>
-            </c:strRef>
-          </c:cat>
-          <c:val>
-            <c:numRef>
-              <c:f>Sheet1!$B$2:$B$10</c:f>
-              <c:numCache>
-                <c:formatCode>General</c:formatCode>
-                <c:ptCount val="9"/>
-                <c:pt idx="2">
-                  <c:v>107.9</c:v>
-                </c:pt>
-                <c:pt idx="3">
-                  <c:v>107.9</c:v>
-                </c:pt>
-                <c:pt idx="4">
-                  <c:v>107.9</c:v>
-                </c:pt>
-                <c:pt idx="5">
-                  <c:v>59.2</c:v>
-                </c:pt>
-                <c:pt idx="6">
-                  <c:v>114.9</c:v>
-                </c:pt>
-                <c:pt idx="7">
-                  <c:v>107.7</c:v>
-                </c:pt>
-                <c:pt idx="8">
-                  <c:v>53.4</c:v>
-                </c:pt>
-              </c:numCache>
-            </c:numRef>
-          </c:val>
-        </c:ser>
-        <c:ser>
-          <c:idx val="1"/>
-          <c:order val="1"/>
-          <c:tx>
-            <c:strRef>
-              <c:f>Sheet1!$C$1</c:f>
-              <c:strCache>
-                <c:ptCount val="1"/>
-                <c:pt idx="0">
-                  <c:v>BOS</c:v>
-                </c:pt>
-              </c:strCache>
-            </c:strRef>
-          </c:tx>
-          <c:spPr>
-            <a:solidFill>
-              <a:schemeClr val="accent2"/>
+              <a:schemeClr val="accent3"/>
             </a:solidFill>
             <a:ln>
               <a:noFill/>
@@ -5221,126 +5143,13 @@
           <c:invertIfNegative val="0"/>
           <c:dLbls>
             <c:dLbl>
-              <c:idx val="2"/>
+              <c:idx val="0"/>
               <c:layout>
                 <c:manualLayout>
-                  <c:x val="5.69781804337156E-8"/>
-                  <c:y val="-0.0435680301534248"/>
+                  <c:x val="0.00134333252239769"/>
+                  <c:y val="-0.145829721853049"/>
                 </c:manualLayout>
               </c:layout>
-              <c:tx>
-                <c:rich>
-                  <a:bodyPr rot="0" spcFirstLastPara="1" vertOverflow="ellipsis" vert="horz" wrap="square" lIns="38100" tIns="19050" rIns="38100" bIns="19050" anchor="ctr" anchorCtr="1">
-                    <a:noAutofit/>
-                  </a:bodyPr>
-                  <a:lstStyle/>
-                  <a:p>
-                    <a:pPr>
-                      <a:defRPr sz="1197" b="0" i="0" u="none" strike="noStrike" kern="1200" baseline="0">
-                        <a:solidFill>
-                          <a:schemeClr val="tx1">
-                            <a:lumMod val="75000"/>
-                            <a:lumOff val="25000"/>
-                          </a:schemeClr>
-                        </a:solidFill>
-                        <a:latin typeface="+mn-lt"/>
-                        <a:ea typeface="+mn-ea"/>
-                        <a:cs typeface="+mn-cs"/>
-                      </a:defRPr>
-                    </a:pPr>
-                    <a:r>
-                      <a:rPr lang="tr-TR" dirty="0" smtClean="0"/>
-                      <a:t>126.8</a:t>
-                    </a:r>
-                    <a:endParaRPr lang="tr-TR" dirty="0"/>
-                  </a:p>
-                </c:rich>
-              </c:tx>
-              <c:spPr>
-                <a:noFill/>
-                <a:ln>
-                  <a:noFill/>
-                </a:ln>
-                <a:effectLst/>
-              </c:spPr>
-              <c:txPr>
-                <a:bodyPr rot="0" spcFirstLastPara="1" vertOverflow="ellipsis" vert="horz" wrap="square" lIns="38100" tIns="19050" rIns="38100" bIns="19050" anchor="ctr" anchorCtr="1">
-                  <a:noAutofit/>
-                </a:bodyPr>
-                <a:lstStyle/>
-                <a:p>
-                  <a:pPr>
-                    <a:defRPr sz="1197" b="0" i="0" u="none" strike="noStrike" kern="1200" baseline="0">
-                      <a:solidFill>
-                        <a:schemeClr val="tx1">
-                          <a:lumMod val="75000"/>
-                          <a:lumOff val="25000"/>
-                        </a:schemeClr>
-                      </a:solidFill>
-                      <a:latin typeface="+mn-lt"/>
-                      <a:ea typeface="+mn-ea"/>
-                      <a:cs typeface="+mn-cs"/>
-                    </a:defRPr>
-                  </a:pPr>
-                  <a:endParaRPr lang="en-US"/>
-                </a:p>
-              </c:txPr>
-              <c:showLegendKey val="0"/>
-              <c:showVal val="1"/>
-              <c:showCatName val="0"/>
-              <c:showSerName val="0"/>
-              <c:showPercent val="0"/>
-              <c:showBubbleSize val="0"/>
-              <c:extLst>
-                <c:ext xmlns:c15="http://schemas.microsoft.com/office/drawing/2012/chart" uri="{CE6537A1-D6FC-4f65-9D91-7224C49458BB}">
-                  <c15:layout>
-                    <c:manualLayout>
-                      <c:w val="0.048164339658785"/>
-                      <c:h val="0.0502571205844385"/>
-                    </c:manualLayout>
-                  </c15:layout>
-                </c:ext>
-              </c:extLst>
-            </c:dLbl>
-            <c:dLbl>
-              <c:idx val="3"/>
-              <c:delete val="1"/>
-              <c:extLst>
-                <c:ext xmlns:c15="http://schemas.microsoft.com/office/drawing/2012/chart" uri="{CE6537A1-D6FC-4f65-9D91-7224C49458BB}">
-                  <c15:layout/>
-                </c:ext>
-              </c:extLst>
-            </c:dLbl>
-            <c:dLbl>
-              <c:idx val="4"/>
-              <c:delete val="1"/>
-              <c:extLst>
-                <c:ext xmlns:c15="http://schemas.microsoft.com/office/drawing/2012/chart" uri="{CE6537A1-D6FC-4f65-9D91-7224C49458BB}">
-                  <c15:layout/>
-                </c:ext>
-              </c:extLst>
-            </c:dLbl>
-            <c:dLbl>
-              <c:idx val="5"/>
-              <c:layout>
-                <c:manualLayout>
-                  <c:x val="-0.00144724578301638"/>
-                  <c:y val="-0.0281911436220716"/>
-                </c:manualLayout>
-              </c:layout>
-              <c:tx>
-                <c:rich>
-                  <a:bodyPr/>
-                  <a:lstStyle/>
-                  <a:p>
-                    <a:r>
-                      <a:rPr lang="nb-NO" dirty="0" smtClean="0"/>
-                      <a:t>65.3</a:t>
-                    </a:r>
-                    <a:endParaRPr lang="nb-NO" dirty="0"/>
-                  </a:p>
-                </c:rich>
-              </c:tx>
               <c:showLegendKey val="0"/>
               <c:showVal val="1"/>
               <c:showCatName val="0"/>
@@ -5354,92 +5163,13 @@
               </c:extLst>
             </c:dLbl>
             <c:dLbl>
-              <c:idx val="6"/>
+              <c:idx val="1"/>
               <c:layout>
                 <c:manualLayout>
-                  <c:x val="0.0"/>
-                  <c:y val="-0.0384424685755522"/>
+                  <c:x val="-4.92549568237843E-17"/>
+                  <c:y val="-0.0493939380470003"/>
                 </c:manualLayout>
               </c:layout>
-              <c:tx>
-                <c:rich>
-                  <a:bodyPr/>
-                  <a:lstStyle/>
-                  <a:p>
-                    <a:r>
-                      <a:rPr lang="nb-NO" dirty="0" smtClean="0"/>
-                      <a:t>140.9</a:t>
-                    </a:r>
-                    <a:endParaRPr lang="nb-NO" dirty="0"/>
-                  </a:p>
-                </c:rich>
-              </c:tx>
-              <c:showLegendKey val="0"/>
-              <c:showVal val="1"/>
-              <c:showCatName val="0"/>
-              <c:showSerName val="0"/>
-              <c:showPercent val="0"/>
-              <c:showBubbleSize val="0"/>
-              <c:extLst>
-                <c:ext xmlns:c15="http://schemas.microsoft.com/office/drawing/2012/chart" uri="{CE6537A1-D6FC-4f65-9D91-7224C49458BB}">
-                  <c15:layout/>
-                </c:ext>
-              </c:extLst>
-            </c:dLbl>
-            <c:dLbl>
-              <c:idx val="7"/>
-              <c:layout>
-                <c:manualLayout>
-                  <c:x val="0.0"/>
-                  <c:y val="-0.0435681310522925"/>
-                </c:manualLayout>
-              </c:layout>
-              <c:tx>
-                <c:rich>
-                  <a:bodyPr/>
-                  <a:lstStyle/>
-                  <a:p>
-                    <a:r>
-                      <a:rPr lang="hr-HR" dirty="0" smtClean="0"/>
-                      <a:t>138.3</a:t>
-                    </a:r>
-                    <a:endParaRPr lang="hr-HR" dirty="0"/>
-                  </a:p>
-                </c:rich>
-              </c:tx>
-              <c:showLegendKey val="0"/>
-              <c:showVal val="1"/>
-              <c:showCatName val="0"/>
-              <c:showSerName val="0"/>
-              <c:showPercent val="0"/>
-              <c:showBubbleSize val="0"/>
-              <c:extLst>
-                <c:ext xmlns:c15="http://schemas.microsoft.com/office/drawing/2012/chart" uri="{CE6537A1-D6FC-4f65-9D91-7224C49458BB}">
-                  <c15:layout/>
-                </c:ext>
-              </c:extLst>
-            </c:dLbl>
-            <c:dLbl>
-              <c:idx val="8"/>
-              <c:layout>
-                <c:manualLayout>
-                  <c:x val="0.0"/>
-                  <c:y val="-0.0281911436220716"/>
-                </c:manualLayout>
-              </c:layout>
-              <c:tx>
-                <c:rich>
-                  <a:bodyPr/>
-                  <a:lstStyle/>
-                  <a:p>
-                    <a:r>
-                      <a:rPr lang="hr-HR" dirty="0" smtClean="0"/>
-                      <a:t>62.0</a:t>
-                    </a:r>
-                    <a:endParaRPr lang="hr-HR" dirty="0"/>
-                  </a:p>
-                </c:rich>
-              </c:tx>
               <c:showLegendKey val="0"/>
               <c:showVal val="1"/>
               <c:showCatName val="0"/>
@@ -5511,9 +5241,9 @@
           </c:dLbls>
           <c:cat>
             <c:strRef>
-              <c:f>Sheet1!$A$2:$A$10</c:f>
+              <c:f>Sheet1!$A$2:$A$9</c:f>
               <c:strCache>
-                <c:ptCount val="9"/>
+                <c:ptCount val="8"/>
                 <c:pt idx="0">
                   <c:v>ENTSO-E</c:v>
                 </c:pt>
@@ -5527,60 +5257,42 @@
                   <c:v>ASF (CIGS) ENTSO-E mix excl. shading benefits</c:v>
                 </c:pt>
                 <c:pt idx="4">
-                  <c:v>ASF (CIGS) Swiss mix incl. shading benefits</c:v>
+                  <c:v>ASF (CIGS) CH mix incl. shading benefits</c:v>
                 </c:pt>
                 <c:pt idx="5">
-                  <c:v>CIGS (thin)</c:v>
+                  <c:v>Poly-Si</c:v>
                 </c:pt>
                 <c:pt idx="6">
-                  <c:v>mono-Si</c:v>
+                  <c:v>CIS</c:v>
                 </c:pt>
                 <c:pt idx="7">
-                  <c:v>poly-Si</c:v>
-                </c:pt>
-                <c:pt idx="8">
-                  <c:v>CdTe (thin)</c:v>
+                  <c:v>CdTe</c:v>
                 </c:pt>
               </c:strCache>
             </c:strRef>
           </c:cat>
           <c:val>
             <c:numRef>
-              <c:f>Sheet1!$C$2:$C$10</c:f>
+              <c:f>Sheet1!$B$2:$B$9</c:f>
               <c:numCache>
                 <c:formatCode>General</c:formatCode>
-                <c:ptCount val="9"/>
-                <c:pt idx="2" formatCode="0.0">
-                  <c:v>18.9</c:v>
-                </c:pt>
-                <c:pt idx="3" formatCode="0.0">
-                  <c:v>18.9</c:v>
-                </c:pt>
-                <c:pt idx="4" formatCode="0.0">
-                  <c:v>18.9</c:v>
-                </c:pt>
-                <c:pt idx="5" formatCode="0.0">
-                  <c:v>6.1</c:v>
-                </c:pt>
-                <c:pt idx="6" formatCode="0.0">
-                  <c:v>26.0</c:v>
-                </c:pt>
-                <c:pt idx="7" formatCode="0.0">
-                  <c:v>30.6</c:v>
-                </c:pt>
-                <c:pt idx="8" formatCode="0.0">
-                  <c:v>8.6</c:v>
+                <c:ptCount val="8"/>
+                <c:pt idx="0" formatCode="0.0">
+                  <c:v>462.1</c:v>
+                </c:pt>
+                <c:pt idx="1">
+                  <c:v>113.1</c:v>
                 </c:pt>
               </c:numCache>
             </c:numRef>
           </c:val>
         </c:ser>
         <c:ser>
-          <c:idx val="2"/>
-          <c:order val="2"/>
+          <c:idx val="1"/>
+          <c:order val="1"/>
           <c:tx>
             <c:strRef>
-              <c:f>Sheet1!$D$1</c:f>
+              <c:f>Sheet1!$C$1</c:f>
               <c:strCache>
                 <c:ptCount val="1"/>
                 <c:pt idx="0">
@@ -5591,7 +5303,7 @@
           </c:tx>
           <c:spPr>
             <a:solidFill>
-              <a:schemeClr val="accent3"/>
+              <a:schemeClr val="accent1"/>
             </a:solidFill>
             <a:ln>
               <a:noFill/>
@@ -5606,11 +5318,11 @@
           </c:dPt>
           <c:dLbls>
             <c:dLbl>
-              <c:idx val="0"/>
+              <c:idx val="2"/>
               <c:layout>
                 <c:manualLayout>
-                  <c:x val="0.0"/>
-                  <c:y val="-0.376736192040411"/>
+                  <c:x val="-4.92549568237843E-17"/>
+                  <c:y val="-0.145829721853049"/>
                 </c:manualLayout>
               </c:layout>
               <c:showLegendKey val="0"/>
@@ -5626,11 +5338,11 @@
               </c:extLst>
             </c:dLbl>
             <c:dLbl>
-              <c:idx val="1"/>
+              <c:idx val="3"/>
               <c:layout>
                 <c:manualLayout>
                   <c:x val="0.0"/>
-                  <c:y val="-0.102513249534806"/>
+                  <c:y val="-0.11760461439762"/>
                 </c:manualLayout>
               </c:layout>
               <c:showLegendKey val="0"/>
@@ -5646,24 +5358,13 @@
               </c:extLst>
             </c:dLbl>
             <c:dLbl>
-              <c:idx val="8"/>
-              <c:tx>
-                <c:rich>
-                  <a:bodyPr/>
-                  <a:lstStyle/>
-                  <a:p>
-                    <a:fld id="{85FCA69E-2D32-464D-89D9-B98ACF98E7F1}" type="VALUE">
-                      <a:rPr lang="hr-HR" smtClean="0"/>
-                      <a:pPr/>
-                      <a:t>[VALUE]</a:t>
-                    </a:fld>
-                    <a:r>
-                      <a:rPr lang="hr-HR" smtClean="0"/>
-                      <a:t>.0</a:t>
-                    </a:r>
-                  </a:p>
-                </c:rich>
-              </c:tx>
+              <c:idx val="4"/>
+              <c:layout>
+                <c:manualLayout>
+                  <c:x val="0.0"/>
+                  <c:y val="-0.0399855688951907"/>
+                </c:manualLayout>
+              </c:layout>
               <c:showLegendKey val="0"/>
               <c:showVal val="1"/>
               <c:showCatName val="0"/>
@@ -5672,8 +5373,7 @@
               <c:showBubbleSize val="0"/>
               <c:extLst>
                 <c:ext xmlns:c15="http://schemas.microsoft.com/office/drawing/2012/chart" uri="{CE6537A1-D6FC-4f65-9D91-7224C49458BB}">
-                  <c15:dlblFieldTable/>
-                  <c15:showDataLabelsRange val="0"/>
+                  <c15:layout/>
                 </c:ext>
               </c:extLst>
             </c:dLbl>
@@ -5715,6 +5415,7 @@
             <c:showLeaderLines val="0"/>
             <c:extLst>
               <c:ext xmlns:c15="http://schemas.microsoft.com/office/drawing/2012/chart" uri="{CE6537A1-D6FC-4f65-9D91-7224C49458BB}">
+                <c15:layout/>
                 <c15:showLeaderLines val="1"/>
                 <c15:leaderLines>
                   <c:spPr>
@@ -5735,9 +5436,9 @@
           </c:dLbls>
           <c:cat>
             <c:strRef>
-              <c:f>Sheet1!$A$2:$A$10</c:f>
+              <c:f>Sheet1!$A$2:$A$9</c:f>
               <c:strCache>
-                <c:ptCount val="9"/>
+                <c:ptCount val="8"/>
                 <c:pt idx="0">
                   <c:v>ENTSO-E</c:v>
                 </c:pt>
@@ -5751,34 +5452,231 @@
                   <c:v>ASF (CIGS) ENTSO-E mix excl. shading benefits</c:v>
                 </c:pt>
                 <c:pt idx="4">
-                  <c:v>ASF (CIGS) Swiss mix incl. shading benefits</c:v>
+                  <c:v>ASF (CIGS) CH mix incl. shading benefits</c:v>
                 </c:pt>
                 <c:pt idx="5">
-                  <c:v>CIGS (thin)</c:v>
+                  <c:v>Poly-Si</c:v>
                 </c:pt>
                 <c:pt idx="6">
-                  <c:v>mono-Si</c:v>
+                  <c:v>CIS</c:v>
                 </c:pt>
                 <c:pt idx="7">
-                  <c:v>poly-Si</c:v>
-                </c:pt>
-                <c:pt idx="8">
-                  <c:v>CdTe (thin)</c:v>
+                  <c:v>CdTe</c:v>
                 </c:pt>
               </c:strCache>
             </c:strRef>
           </c:cat>
           <c:val>
             <c:numRef>
-              <c:f>Sheet1!$D$2:$D$10</c:f>
+              <c:f>Sheet1!$C$2:$C$9</c:f>
               <c:numCache>
                 <c:formatCode>General</c:formatCode>
-                <c:ptCount val="9"/>
-                <c:pt idx="0" formatCode="0.0">
-                  <c:v>462.1</c:v>
+                <c:ptCount val="8"/>
+                <c:pt idx="2">
+                  <c:v>-465.2</c:v>
+                </c:pt>
+                <c:pt idx="3">
+                  <c:v>348.7</c:v>
+                </c:pt>
+                <c:pt idx="4">
+                  <c:v>75.1</c:v>
+                </c:pt>
+              </c:numCache>
+            </c:numRef>
+          </c:val>
+        </c:ser>
+        <c:ser>
+          <c:idx val="2"/>
+          <c:order val="2"/>
+          <c:tx>
+            <c:strRef>
+              <c:f>Sheet1!$D$1</c:f>
+              <c:strCache>
+                <c:ptCount val="1"/>
+                <c:pt idx="0">
+                  <c:v>Raugei et.al (2007)</c:v>
+                </c:pt>
+              </c:strCache>
+            </c:strRef>
+          </c:tx>
+          <c:spPr>
+            <a:solidFill>
+              <a:schemeClr val="accent2"/>
+            </a:solidFill>
+            <a:ln>
+              <a:noFill/>
+            </a:ln>
+            <a:effectLst/>
+          </c:spPr>
+          <c:invertIfNegative val="0"/>
+          <c:dLbls>
+            <c:dLbl>
+              <c:idx val="5"/>
+              <c:layout>
+                <c:manualLayout>
+                  <c:x val="-0.00134333252239769"/>
+                  <c:y val="-0.0658585840626672"/>
+                </c:manualLayout>
+              </c:layout>
+              <c:dLblPos val="ctr"/>
+              <c:showLegendKey val="0"/>
+              <c:showVal val="1"/>
+              <c:showCatName val="0"/>
+              <c:showSerName val="0"/>
+              <c:showPercent val="0"/>
+              <c:showBubbleSize val="0"/>
+              <c:extLst>
+                <c:ext xmlns:c15="http://schemas.microsoft.com/office/drawing/2012/chart" uri="{CE6537A1-D6FC-4f65-9D91-7224C49458BB}">
+                  <c15:layout/>
+                </c:ext>
+              </c:extLst>
+            </c:dLbl>
+            <c:dLbl>
+              <c:idx val="6"/>
+              <c:layout>
+                <c:manualLayout>
+                  <c:x val="-0.00134333252239779"/>
+                  <c:y val="-0.047041845759048"/>
+                </c:manualLayout>
+              </c:layout>
+              <c:dLblPos val="ctr"/>
+              <c:showLegendKey val="0"/>
+              <c:showVal val="1"/>
+              <c:showCatName val="0"/>
+              <c:showSerName val="0"/>
+              <c:showPercent val="0"/>
+              <c:showBubbleSize val="0"/>
+              <c:extLst>
+                <c:ext xmlns:c15="http://schemas.microsoft.com/office/drawing/2012/chart" uri="{CE6537A1-D6FC-4f65-9D91-7224C49458BB}">
+                  <c15:layout/>
+                </c:ext>
+              </c:extLst>
+            </c:dLbl>
+            <c:dLbl>
+              <c:idx val="7"/>
+              <c:layout>
+                <c:manualLayout>
+                  <c:x val="-0.00268666504479538"/>
+                  <c:y val="-0.035281384319286"/>
+                </c:manualLayout>
+              </c:layout>
+              <c:dLblPos val="ctr"/>
+              <c:showLegendKey val="0"/>
+              <c:showVal val="1"/>
+              <c:showCatName val="0"/>
+              <c:showSerName val="0"/>
+              <c:showPercent val="0"/>
+              <c:showBubbleSize val="0"/>
+              <c:extLst>
+                <c:ext xmlns:c15="http://schemas.microsoft.com/office/drawing/2012/chart" uri="{CE6537A1-D6FC-4f65-9D91-7224C49458BB}">
+                  <c15:layout/>
+                </c:ext>
+              </c:extLst>
+            </c:dLbl>
+            <c:spPr>
+              <a:noFill/>
+              <a:ln>
+                <a:noFill/>
+              </a:ln>
+              <a:effectLst/>
+            </c:spPr>
+            <c:txPr>
+              <a:bodyPr rot="0" spcFirstLastPara="1" vertOverflow="ellipsis" vert="horz" wrap="square" lIns="38100" tIns="19050" rIns="38100" bIns="19050" anchor="ctr" anchorCtr="1">
+                <a:spAutoFit/>
+              </a:bodyPr>
+              <a:lstStyle/>
+              <a:p>
+                <a:pPr>
+                  <a:defRPr sz="1197" b="0" i="0" u="none" strike="noStrike" kern="1200" baseline="0">
+                    <a:solidFill>
+                      <a:schemeClr val="tx1">
+                        <a:lumMod val="75000"/>
+                        <a:lumOff val="25000"/>
+                      </a:schemeClr>
+                    </a:solidFill>
+                    <a:latin typeface="+mn-lt"/>
+                    <a:ea typeface="+mn-ea"/>
+                    <a:cs typeface="+mn-cs"/>
+                  </a:defRPr>
+                </a:pPr>
+                <a:endParaRPr lang="en-US"/>
+              </a:p>
+            </c:txPr>
+            <c:dLblPos val="ctr"/>
+            <c:showLegendKey val="0"/>
+            <c:showVal val="1"/>
+            <c:showCatName val="0"/>
+            <c:showSerName val="0"/>
+            <c:showPercent val="0"/>
+            <c:showBubbleSize val="0"/>
+            <c:showLeaderLines val="0"/>
+            <c:extLst>
+              <c:ext xmlns:c15="http://schemas.microsoft.com/office/drawing/2012/chart" uri="{CE6537A1-D6FC-4f65-9D91-7224C49458BB}">
+                <c15:layout/>
+                <c15:showLeaderLines val="1"/>
+                <c15:leaderLines>
+                  <c:spPr>
+                    <a:ln w="9525" cap="flat" cmpd="sng" algn="ctr">
+                      <a:solidFill>
+                        <a:schemeClr val="tx1">
+                          <a:lumMod val="35000"/>
+                          <a:lumOff val="65000"/>
+                        </a:schemeClr>
+                      </a:solidFill>
+                      <a:round/>
+                    </a:ln>
+                    <a:effectLst/>
+                  </c:spPr>
+                </c15:leaderLines>
+              </c:ext>
+            </c:extLst>
+          </c:dLbls>
+          <c:cat>
+            <c:strRef>
+              <c:f>Sheet1!$A$2:$A$9</c:f>
+              <c:strCache>
+                <c:ptCount val="8"/>
+                <c:pt idx="0">
+                  <c:v>ENTSO-E</c:v>
                 </c:pt>
                 <c:pt idx="1">
-                  <c:v>113.1</c:v>
+                  <c:v>Switzerland</c:v>
+                </c:pt>
+                <c:pt idx="2">
+                  <c:v>ASF (CIGS) ENTSO-E mix incl. shading benefits</c:v>
+                </c:pt>
+                <c:pt idx="3">
+                  <c:v>ASF (CIGS) ENTSO-E mix excl. shading benefits</c:v>
+                </c:pt>
+                <c:pt idx="4">
+                  <c:v>ASF (CIGS) CH mix incl. shading benefits</c:v>
+                </c:pt>
+                <c:pt idx="5">
+                  <c:v>Poly-Si</c:v>
+                </c:pt>
+                <c:pt idx="6">
+                  <c:v>CIS</c:v>
+                </c:pt>
+                <c:pt idx="7">
+                  <c:v>CdTe</c:v>
+                </c:pt>
+              </c:strCache>
+            </c:strRef>
+          </c:cat>
+          <c:val>
+            <c:numRef>
+              <c:f>Sheet1!$D$2:$D$9</c:f>
+              <c:numCache>
+                <c:formatCode>General</c:formatCode>
+                <c:ptCount val="8"/>
+                <c:pt idx="5" formatCode="0.0">
+                  <c:v>167.0</c:v>
+                </c:pt>
+                <c:pt idx="6" formatCode="0.0">
+                  <c:v>95.0</c:v>
+                </c:pt>
+                <c:pt idx="7" formatCode="0.0">
+                  <c:v>48.0</c:v>
                 </c:pt>
               </c:numCache>
             </c:numRef>
@@ -5786,7 +5684,7 @@
         </c:ser>
         <c:dLbls>
           <c:showLegendKey val="0"/>
-          <c:showVal val="1"/>
+          <c:showVal val="0"/>
           <c:showCatName val="0"/>
           <c:showSerName val="0"/>
           <c:showPercent val="0"/>
@@ -5802,45 +5700,12 @@
         <c:scaling>
           <c:orientation val="minMax"/>
         </c:scaling>
-        <c:delete val="0"/>
+        <c:delete val="1"/>
         <c:axPos val="b"/>
         <c:numFmt formatCode="General" sourceLinked="1"/>
         <c:majorTickMark val="none"/>
         <c:minorTickMark val="none"/>
         <c:tickLblPos val="nextTo"/>
-        <c:spPr>
-          <a:noFill/>
-          <a:ln w="9525" cap="flat" cmpd="sng" algn="ctr">
-            <a:solidFill>
-              <a:schemeClr val="tx1">
-                <a:lumMod val="15000"/>
-                <a:lumOff val="85000"/>
-              </a:schemeClr>
-            </a:solidFill>
-            <a:round/>
-          </a:ln>
-          <a:effectLst/>
-        </c:spPr>
-        <c:txPr>
-          <a:bodyPr rot="-60000000" spcFirstLastPara="1" vertOverflow="ellipsis" vert="horz" wrap="square" anchor="ctr" anchorCtr="1"/>
-          <a:lstStyle/>
-          <a:p>
-            <a:pPr>
-              <a:defRPr sz="1197" b="0" i="0" u="none" strike="noStrike" kern="1200" baseline="0">
-                <a:solidFill>
-                  <a:schemeClr val="tx1">
-                    <a:lumMod val="65000"/>
-                    <a:lumOff val="35000"/>
-                  </a:schemeClr>
-                </a:solidFill>
-                <a:latin typeface="+mn-lt"/>
-                <a:ea typeface="+mn-ea"/>
-                <a:cs typeface="+mn-cs"/>
-              </a:defRPr>
-            </a:pPr>
-            <a:endParaRPr lang="en-US"/>
-          </a:p>
-        </c:txPr>
         <c:crossAx val="-2123442512"/>
         <c:crosses val="autoZero"/>
         <c:auto val="1"/>
@@ -5960,7 +5825,7 @@
             </a:p>
           </c:txPr>
         </c:title>
-        <c:numFmt formatCode="General" sourceLinked="1"/>
+        <c:numFmt formatCode="0.0" sourceLinked="1"/>
         <c:majorTickMark val="none"/>
         <c:minorTickMark val="none"/>
         <c:tickLblPos val="nextTo"/>
@@ -6007,7 +5872,16 @@
     </c:plotArea>
     <c:legend>
       <c:legendPos val="b"/>
-      <c:layout/>
+      <c:layout>
+        <c:manualLayout>
+          <c:xMode val="edge"/>
+          <c:yMode val="edge"/>
+          <c:x val="0.301308109709015"/>
+          <c:y val="0.936684083261844"/>
+          <c:w val="0.408130440761151"/>
+          <c:h val="0.0586117321622506"/>
+        </c:manualLayout>
+      </c:layout>
       <c:overlay val="0"/>
       <c:spPr>
         <a:noFill/>
@@ -7115,6 +6989,7 @@
               </a:p>
             </c:rich>
           </c:tx>
+          <c:layout/>
           <c:overlay val="0"/>
           <c:spPr>
             <a:noFill/>
@@ -7171,6 +7046,7 @@
     </c:plotArea>
     <c:legend>
       <c:legendPos val="b"/>
+      <c:layout/>
       <c:overlay val="0"/>
       <c:spPr>
         <a:noFill/>
@@ -28383,14 +28259,14 @@
           <p:nvPr>
             <p:extLst>
               <p:ext uri="{D42A27DB-BD31-4B8C-83A1-F6EECF244321}">
-                <p14:modId xmlns:p14="http://schemas.microsoft.com/office/powerpoint/2010/main" val="337523327"/>
+                <p14:modId xmlns:p14="http://schemas.microsoft.com/office/powerpoint/2010/main" val="336985461"/>
               </p:ext>
             </p:extLst>
           </p:nvPr>
         </p:nvGraphicFramePr>
         <p:xfrm>
-          <a:off x="560439" y="1327355"/>
-          <a:ext cx="8775289" cy="4955457"/>
+          <a:off x="222637" y="492469"/>
+          <a:ext cx="9454100" cy="5399448"/>
         </p:xfrm>
         <a:graphic>
           <a:graphicData uri="http://schemas.openxmlformats.org/drawingml/2006/chart">
@@ -28421,6 +28297,383 @@
           <a:lstStyle/>
           <a:p>
             <a:endParaRPr lang="en-US" dirty="0"/>
+          </a:p>
+        </p:txBody>
+      </p:sp>
+      <p:sp>
+        <p:nvSpPr>
+          <p:cNvPr id="4" name="TextBox 3"/>
+          <p:cNvSpPr txBox="1"/>
+          <p:nvPr/>
+        </p:nvSpPr>
+        <p:spPr>
+          <a:xfrm>
+            <a:off x="1294566" y="4246190"/>
+            <a:ext cx="1152000" cy="338554"/>
+          </a:xfrm>
+          <a:prstGeom prst="rect">
+            <a:avLst/>
+          </a:prstGeom>
+          <a:noFill/>
+        </p:spPr>
+        <p:txBody>
+          <a:bodyPr wrap="square" rtlCol="0">
+            <a:spAutoFit/>
+          </a:bodyPr>
+          <a:lstStyle/>
+          <a:p>
+            <a:pPr algn="ctr"/>
+            <a:r>
+              <a:rPr lang="en-US" sz="1600" smtClean="0">
+                <a:solidFill>
+                  <a:schemeClr val="bg2">
+                    <a:lumMod val="25000"/>
+                  </a:schemeClr>
+                </a:solidFill>
+              </a:rPr>
+              <a:t>ENTSO-E</a:t>
+            </a:r>
+          </a:p>
+        </p:txBody>
+      </p:sp>
+      <p:sp>
+        <p:nvSpPr>
+          <p:cNvPr id="5" name="TextBox 4"/>
+          <p:cNvSpPr txBox="1"/>
+          <p:nvPr/>
+        </p:nvSpPr>
+        <p:spPr>
+          <a:xfrm>
+            <a:off x="2307484" y="4246190"/>
+            <a:ext cx="1152000" cy="338554"/>
+          </a:xfrm>
+          <a:prstGeom prst="rect">
+            <a:avLst/>
+          </a:prstGeom>
+          <a:noFill/>
+        </p:spPr>
+        <p:txBody>
+          <a:bodyPr wrap="square" rtlCol="0">
+            <a:spAutoFit/>
+          </a:bodyPr>
+          <a:lstStyle/>
+          <a:p>
+            <a:pPr algn="ctr"/>
+            <a:r>
+              <a:rPr lang="en-US" sz="1600" dirty="0" smtClean="0">
+                <a:solidFill>
+                  <a:schemeClr val="bg2">
+                    <a:lumMod val="25000"/>
+                  </a:schemeClr>
+                </a:solidFill>
+              </a:rPr>
+              <a:t>CH</a:t>
+            </a:r>
+            <a:endParaRPr lang="en-US" sz="1600" dirty="0" smtClean="0">
+              <a:solidFill>
+                <a:schemeClr val="bg2">
+                  <a:lumMod val="25000"/>
+                </a:schemeClr>
+              </a:solidFill>
+            </a:endParaRPr>
+          </a:p>
+        </p:txBody>
+      </p:sp>
+      <p:sp>
+        <p:nvSpPr>
+          <p:cNvPr id="6" name="TextBox 5"/>
+          <p:cNvSpPr txBox="1"/>
+          <p:nvPr/>
+        </p:nvSpPr>
+        <p:spPr>
+          <a:xfrm>
+            <a:off x="3320402" y="4246190"/>
+            <a:ext cx="1152000" cy="1077218"/>
+          </a:xfrm>
+          <a:prstGeom prst="rect">
+            <a:avLst/>
+          </a:prstGeom>
+          <a:noFill/>
+        </p:spPr>
+        <p:txBody>
+          <a:bodyPr wrap="square" rtlCol="0">
+            <a:spAutoFit/>
+          </a:bodyPr>
+          <a:lstStyle/>
+          <a:p>
+            <a:pPr algn="ctr"/>
+            <a:r>
+              <a:rPr lang="en-US" sz="1600" dirty="0" smtClean="0">
+                <a:solidFill>
+                  <a:schemeClr val="bg2">
+                    <a:lumMod val="25000"/>
+                  </a:schemeClr>
+                </a:solidFill>
+              </a:rPr>
+              <a:t>ASF (CIGS) ENTSO-E mix incl. shading benefits</a:t>
+            </a:r>
+            <a:endParaRPr lang="en-US" sz="1600" dirty="0" smtClean="0">
+              <a:solidFill>
+                <a:schemeClr val="bg2">
+                  <a:lumMod val="25000"/>
+                </a:schemeClr>
+              </a:solidFill>
+            </a:endParaRPr>
+          </a:p>
+        </p:txBody>
+      </p:sp>
+      <p:sp>
+        <p:nvSpPr>
+          <p:cNvPr id="7" name="TextBox 6"/>
+          <p:cNvSpPr txBox="1"/>
+          <p:nvPr/>
+        </p:nvSpPr>
+        <p:spPr>
+          <a:xfrm>
+            <a:off x="4333320" y="4246190"/>
+            <a:ext cx="1152000" cy="1077218"/>
+          </a:xfrm>
+          <a:prstGeom prst="rect">
+            <a:avLst/>
+          </a:prstGeom>
+          <a:noFill/>
+        </p:spPr>
+        <p:txBody>
+          <a:bodyPr wrap="square" rtlCol="0">
+            <a:spAutoFit/>
+          </a:bodyPr>
+          <a:lstStyle/>
+          <a:p>
+            <a:pPr algn="ctr"/>
+            <a:r>
+              <a:rPr lang="en-US" sz="1600" dirty="0" smtClean="0">
+                <a:solidFill>
+                  <a:schemeClr val="bg2">
+                    <a:lumMod val="25000"/>
+                  </a:schemeClr>
+                </a:solidFill>
+              </a:rPr>
+              <a:t>ASF (CIGS) ENTSO-E mix excl. shading benefits</a:t>
+            </a:r>
+            <a:endParaRPr lang="en-US" sz="1600" dirty="0" smtClean="0">
+              <a:solidFill>
+                <a:schemeClr val="bg2">
+                  <a:lumMod val="25000"/>
+                </a:schemeClr>
+              </a:solidFill>
+            </a:endParaRPr>
+          </a:p>
+        </p:txBody>
+      </p:sp>
+      <p:sp>
+        <p:nvSpPr>
+          <p:cNvPr id="8" name="TextBox 7"/>
+          <p:cNvSpPr txBox="1"/>
+          <p:nvPr/>
+        </p:nvSpPr>
+        <p:spPr>
+          <a:xfrm>
+            <a:off x="5346238" y="4246190"/>
+            <a:ext cx="1152000" cy="830997"/>
+          </a:xfrm>
+          <a:prstGeom prst="rect">
+            <a:avLst/>
+          </a:prstGeom>
+          <a:noFill/>
+        </p:spPr>
+        <p:txBody>
+          <a:bodyPr wrap="square" rtlCol="0">
+            <a:spAutoFit/>
+          </a:bodyPr>
+          <a:lstStyle/>
+          <a:p>
+            <a:pPr algn="ctr"/>
+            <a:r>
+              <a:rPr lang="en-US" sz="1600" dirty="0" smtClean="0">
+                <a:solidFill>
+                  <a:schemeClr val="bg2">
+                    <a:lumMod val="25000"/>
+                  </a:schemeClr>
+                </a:solidFill>
+              </a:rPr>
+              <a:t>ASF (CIGS</a:t>
+            </a:r>
+            <a:r>
+              <a:rPr lang="en-US" sz="1600" smtClean="0">
+                <a:solidFill>
+                  <a:schemeClr val="bg2">
+                    <a:lumMod val="25000"/>
+                  </a:schemeClr>
+                </a:solidFill>
+              </a:rPr>
+              <a:t>) CH mix incl</a:t>
+            </a:r>
+            <a:r>
+              <a:rPr lang="en-US" sz="1600" dirty="0" smtClean="0">
+                <a:solidFill>
+                  <a:schemeClr val="bg2">
+                    <a:lumMod val="25000"/>
+                  </a:schemeClr>
+                </a:solidFill>
+              </a:rPr>
+              <a:t>. shading benefits</a:t>
+            </a:r>
+            <a:endParaRPr lang="en-US" sz="1600" dirty="0" smtClean="0">
+              <a:solidFill>
+                <a:schemeClr val="bg2">
+                  <a:lumMod val="25000"/>
+                </a:schemeClr>
+              </a:solidFill>
+            </a:endParaRPr>
+          </a:p>
+        </p:txBody>
+      </p:sp>
+      <p:sp>
+        <p:nvSpPr>
+          <p:cNvPr id="9" name="TextBox 8"/>
+          <p:cNvSpPr txBox="1"/>
+          <p:nvPr/>
+        </p:nvSpPr>
+        <p:spPr>
+          <a:xfrm>
+            <a:off x="6359156" y="4246190"/>
+            <a:ext cx="1152000" cy="338554"/>
+          </a:xfrm>
+          <a:prstGeom prst="rect">
+            <a:avLst/>
+          </a:prstGeom>
+          <a:noFill/>
+        </p:spPr>
+        <p:txBody>
+          <a:bodyPr wrap="square" rtlCol="0">
+            <a:spAutoFit/>
+          </a:bodyPr>
+          <a:lstStyle/>
+          <a:p>
+            <a:pPr algn="ctr"/>
+            <a:r>
+              <a:rPr lang="en-US" sz="1600" smtClean="0">
+                <a:solidFill>
+                  <a:schemeClr val="bg2">
+                    <a:lumMod val="25000"/>
+                  </a:schemeClr>
+                </a:solidFill>
+              </a:rPr>
+              <a:t>Poly-</a:t>
+            </a:r>
+            <a:r>
+              <a:rPr lang="en-US" sz="1600">
+                <a:solidFill>
+                  <a:schemeClr val="bg2">
+                    <a:lumMod val="25000"/>
+                  </a:schemeClr>
+                </a:solidFill>
+              </a:rPr>
+              <a:t>S</a:t>
+            </a:r>
+            <a:r>
+              <a:rPr lang="en-US" sz="1600" smtClean="0">
+                <a:solidFill>
+                  <a:schemeClr val="bg2">
+                    <a:lumMod val="25000"/>
+                  </a:schemeClr>
+                </a:solidFill>
+              </a:rPr>
+              <a:t>i</a:t>
+            </a:r>
+            <a:endParaRPr lang="en-US" sz="1600" dirty="0" smtClean="0">
+              <a:solidFill>
+                <a:schemeClr val="bg2">
+                  <a:lumMod val="25000"/>
+                </a:schemeClr>
+              </a:solidFill>
+            </a:endParaRPr>
+          </a:p>
+        </p:txBody>
+      </p:sp>
+      <p:sp>
+        <p:nvSpPr>
+          <p:cNvPr id="10" name="TextBox 9"/>
+          <p:cNvSpPr txBox="1"/>
+          <p:nvPr/>
+        </p:nvSpPr>
+        <p:spPr>
+          <a:xfrm>
+            <a:off x="7372074" y="4246190"/>
+            <a:ext cx="1152000" cy="338554"/>
+          </a:xfrm>
+          <a:prstGeom prst="rect">
+            <a:avLst/>
+          </a:prstGeom>
+          <a:noFill/>
+        </p:spPr>
+        <p:txBody>
+          <a:bodyPr wrap="square" rtlCol="0">
+            <a:spAutoFit/>
+          </a:bodyPr>
+          <a:lstStyle/>
+          <a:p>
+            <a:pPr algn="ctr"/>
+            <a:r>
+              <a:rPr lang="en-US" sz="1600" dirty="0" smtClean="0">
+                <a:solidFill>
+                  <a:schemeClr val="bg2">
+                    <a:lumMod val="25000"/>
+                  </a:schemeClr>
+                </a:solidFill>
+              </a:rPr>
+              <a:t>CIS</a:t>
+            </a:r>
+            <a:endParaRPr lang="en-US" sz="1600" dirty="0" smtClean="0">
+              <a:solidFill>
+                <a:schemeClr val="bg2">
+                  <a:lumMod val="25000"/>
+                </a:schemeClr>
+              </a:solidFill>
+            </a:endParaRPr>
+          </a:p>
+        </p:txBody>
+      </p:sp>
+      <p:sp>
+        <p:nvSpPr>
+          <p:cNvPr id="11" name="TextBox 10"/>
+          <p:cNvSpPr txBox="1"/>
+          <p:nvPr/>
+        </p:nvSpPr>
+        <p:spPr>
+          <a:xfrm>
+            <a:off x="8392942" y="4246190"/>
+            <a:ext cx="1152000" cy="338554"/>
+          </a:xfrm>
+          <a:prstGeom prst="rect">
+            <a:avLst/>
+          </a:prstGeom>
+          <a:noFill/>
+        </p:spPr>
+        <p:txBody>
+          <a:bodyPr wrap="square" rtlCol="0">
+            <a:spAutoFit/>
+          </a:bodyPr>
+          <a:lstStyle/>
+          <a:p>
+            <a:pPr algn="ctr"/>
+            <a:r>
+              <a:rPr lang="en-US" sz="1600" dirty="0" err="1" smtClean="0">
+                <a:solidFill>
+                  <a:schemeClr val="bg2">
+                    <a:lumMod val="25000"/>
+                  </a:schemeClr>
+                </a:solidFill>
+              </a:rPr>
+              <a:t>CdTe</a:t>
+            </a:r>
+            <a:endParaRPr lang="en-US" sz="1600" dirty="0" smtClean="0">
+              <a:solidFill>
+                <a:schemeClr val="bg2">
+                  <a:lumMod val="25000"/>
+                </a:schemeClr>
+              </a:solidFill>
+            </a:endParaRPr>
           </a:p>
         </p:txBody>
       </p:sp>

--- a/elsarticle/Images/Thesis charts.pptx
+++ b/elsarticle/Images/Thesis charts.pptx
@@ -425,11 +425,11 @@
           <c:showPercent val="0"/>
           <c:showBubbleSize val="0"/>
         </c:dLbls>
-        <c:axId val="-2103851504"/>
-        <c:axId val="-2100828768"/>
+        <c:axId val="2090403328"/>
+        <c:axId val="-2133551712"/>
       </c:scatterChart>
       <c:valAx>
-        <c:axId val="-2103851504"/>
+        <c:axId val="2090403328"/>
         <c:scaling>
           <c:orientation val="minMax"/>
         </c:scaling>
@@ -551,12 +551,12 @@
             <a:endParaRPr lang="en-US"/>
           </a:p>
         </c:txPr>
-        <c:crossAx val="-2100828768"/>
+        <c:crossAx val="-2133551712"/>
         <c:crosses val="autoZero"/>
         <c:crossBetween val="midCat"/>
       </c:valAx>
       <c:valAx>
-        <c:axId val="-2100828768"/>
+        <c:axId val="-2133551712"/>
         <c:scaling>
           <c:orientation val="minMax"/>
         </c:scaling>
@@ -682,7 +682,7 @@
             <a:endParaRPr lang="en-US"/>
           </a:p>
         </c:txPr>
-        <c:crossAx val="-2103851504"/>
+        <c:crossAx val="2090403328"/>
         <c:crosses val="autoZero"/>
         <c:crossBetween val="midCat"/>
       </c:valAx>
@@ -919,7 +919,9 @@
               </c:spPr>
             </c:leaderLines>
             <c:extLst>
-              <c:ext xmlns:c15="http://schemas.microsoft.com/office/drawing/2012/chart" uri="{CE6537A1-D6FC-4f65-9D91-7224C49458BB}"/>
+              <c:ext xmlns:c15="http://schemas.microsoft.com/office/drawing/2012/chart" uri="{CE6537A1-D6FC-4f65-9D91-7224C49458BB}">
+                <c15:layout/>
+              </c:ext>
             </c:extLst>
           </c:dLbls>
           <c:cat>
@@ -1240,7 +1242,9 @@
               <c:showPercent val="0"/>
               <c:showBubbleSize val="0"/>
               <c:extLst>
-                <c:ext xmlns:c15="http://schemas.microsoft.com/office/drawing/2012/chart" uri="{CE6537A1-D6FC-4f65-9D91-7224C49458BB}"/>
+                <c:ext xmlns:c15="http://schemas.microsoft.com/office/drawing/2012/chart" uri="{CE6537A1-D6FC-4f65-9D91-7224C49458BB}">
+                  <c15:layout/>
+                </c:ext>
               </c:extLst>
             </c:dLbl>
             <c:dLbl>
@@ -1258,7 +1262,9 @@
               <c:showPercent val="0"/>
               <c:showBubbleSize val="0"/>
               <c:extLst>
-                <c:ext xmlns:c15="http://schemas.microsoft.com/office/drawing/2012/chart" uri="{CE6537A1-D6FC-4f65-9D91-7224C49458BB}"/>
+                <c:ext xmlns:c15="http://schemas.microsoft.com/office/drawing/2012/chart" uri="{CE6537A1-D6FC-4f65-9D91-7224C49458BB}">
+                  <c15:layout/>
+                </c:ext>
               </c:extLst>
             </c:dLbl>
             <c:spPr>
@@ -1312,7 +1318,9 @@
               </c:spPr>
             </c:leaderLines>
             <c:extLst>
-              <c:ext xmlns:c15="http://schemas.microsoft.com/office/drawing/2012/chart" uri="{CE6537A1-D6FC-4f65-9D91-7224C49458BB}"/>
+              <c:ext xmlns:c15="http://schemas.microsoft.com/office/drawing/2012/chart" uri="{CE6537A1-D6FC-4f65-9D91-7224C49458BB}">
+                <c15:layout/>
+              </c:ext>
             </c:extLst>
           </c:dLbls>
           <c:cat>
@@ -1631,7 +1639,9 @@
               </c:spPr>
             </c:leaderLines>
             <c:extLst>
-              <c:ext xmlns:c15="http://schemas.microsoft.com/office/drawing/2012/chart" uri="{CE6537A1-D6FC-4f65-9D91-7224C49458BB}"/>
+              <c:ext xmlns:c15="http://schemas.microsoft.com/office/drawing/2012/chart" uri="{CE6537A1-D6FC-4f65-9D91-7224C49458BB}">
+                <c15:layout/>
+              </c:ext>
             </c:extLst>
           </c:dLbls>
           <c:cat>
@@ -1871,13 +1881,13 @@
                   <c:v>2676.5</c:v>
                 </c:pt>
                 <c:pt idx="2">
-                  <c:v>-5708.6</c:v>
+                  <c:v>-5710.5</c:v>
                 </c:pt>
                 <c:pt idx="3">
-                  <c:v>-5473.0</c:v>
+                  <c:v>-5474.9</c:v>
                 </c:pt>
                 <c:pt idx="4">
-                  <c:v>-5396.0</c:v>
+                  <c:v>-5397.9</c:v>
                 </c:pt>
                 <c:pt idx="5">
                   <c:v>0.0</c:v>
@@ -2061,7 +2071,7 @@
                   <c:v>0.0</c:v>
                 </c:pt>
                 <c:pt idx="2">
-                  <c:v>-1056.3</c:v>
+                  <c:v>-1056.5</c:v>
                 </c:pt>
                 <c:pt idx="3">
                   <c:v>-235.6</c:v>
@@ -2136,7 +2146,7 @@
                   <c:v>0.0</c:v>
                 </c:pt>
                 <c:pt idx="1">
-                  <c:v>-6764.9</c:v>
+                  <c:v>-6767.0</c:v>
                 </c:pt>
                 <c:pt idx="2">
                   <c:v>0.0</c:v>
@@ -2338,7 +2348,7 @@
                   <c:v>0.0</c:v>
                 </c:pt>
                 <c:pt idx="5">
-                  <c:v>-5396.0</c:v>
+                  <c:v>-5397.9</c:v>
                 </c:pt>
               </c:numCache>
             </c:numRef>
@@ -2354,11 +2364,11 @@
         </c:dLbls>
         <c:gapWidth val="150"/>
         <c:overlap val="100"/>
-        <c:axId val="-2083543408"/>
-        <c:axId val="-2083540160"/>
+        <c:axId val="-2135287344"/>
+        <c:axId val="-2083147600"/>
       </c:barChart>
       <c:catAx>
-        <c:axId val="-2083543408"/>
+        <c:axId val="-2135287344"/>
         <c:scaling>
           <c:orientation val="minMax"/>
         </c:scaling>
@@ -2368,7 +2378,7 @@
         <c:majorTickMark val="none"/>
         <c:minorTickMark val="none"/>
         <c:tickLblPos val="nextTo"/>
-        <c:crossAx val="-2083540160"/>
+        <c:crossAx val="-2083147600"/>
         <c:crosses val="autoZero"/>
         <c:auto val="1"/>
         <c:lblAlgn val="ctr"/>
@@ -2376,7 +2386,7 @@
         <c:noMultiLvlLbl val="0"/>
       </c:catAx>
       <c:valAx>
-        <c:axId val="-2083540160"/>
+        <c:axId val="-2083147600"/>
         <c:scaling>
           <c:orientation val="minMax"/>
         </c:scaling>
@@ -2492,7 +2502,7 @@
             <a:endParaRPr lang="en-US"/>
           </a:p>
         </c:txPr>
-        <c:crossAx val="-2083543408"/>
+        <c:crossAx val="-2135287344"/>
         <c:crosses val="autoZero"/>
         <c:crossBetween val="between"/>
       </c:valAx>
@@ -2875,11 +2885,11 @@
         </c:dLbls>
         <c:gapWidth val="219"/>
         <c:overlap val="-27"/>
-        <c:axId val="-2086665824"/>
-        <c:axId val="2071297728"/>
+        <c:axId val="-2135205872"/>
+        <c:axId val="-2135204416"/>
       </c:barChart>
       <c:catAx>
-        <c:axId val="-2086665824"/>
+        <c:axId val="-2135205872"/>
         <c:scaling>
           <c:orientation val="minMax"/>
         </c:scaling>
@@ -2919,7 +2929,7 @@
             <a:endParaRPr lang="en-US"/>
           </a:p>
         </c:txPr>
-        <c:crossAx val="2071297728"/>
+        <c:crossAx val="-2135204416"/>
         <c:crosses val="autoZero"/>
         <c:auto val="1"/>
         <c:lblAlgn val="ctr"/>
@@ -2927,7 +2937,7 @@
         <c:noMultiLvlLbl val="0"/>
       </c:catAx>
       <c:valAx>
-        <c:axId val="2071297728"/>
+        <c:axId val="-2135204416"/>
         <c:scaling>
           <c:orientation val="minMax"/>
         </c:scaling>
@@ -2995,6 +3005,7 @@
               </a:p>
             </c:rich>
           </c:tx>
+          <c:layout/>
           <c:overlay val="0"/>
           <c:spPr>
             <a:noFill/>
@@ -3057,7 +3068,7 @@
             <a:endParaRPr lang="en-US"/>
           </a:p>
         </c:txPr>
-        <c:crossAx val="-2086665824"/>
+        <c:crossAx val="-2135205872"/>
         <c:crosses val="autoZero"/>
         <c:crossBetween val="between"/>
       </c:valAx>
@@ -3073,6 +3084,7 @@
     </c:plotArea>
     <c:legend>
       <c:legendPos val="b"/>
+      <c:layout/>
       <c:overlay val="0"/>
       <c:spPr>
         <a:noFill/>
@@ -3353,11 +3365,11 @@
         </c:dLbls>
         <c:gapWidth val="219"/>
         <c:overlap val="-27"/>
-        <c:axId val="2071957696"/>
-        <c:axId val="2071763472"/>
+        <c:axId val="2123321056"/>
+        <c:axId val="2122364384"/>
       </c:barChart>
       <c:catAx>
-        <c:axId val="2071957696"/>
+        <c:axId val="2123321056"/>
         <c:scaling>
           <c:orientation val="minMax"/>
         </c:scaling>
@@ -3397,7 +3409,7 @@
             <a:endParaRPr lang="en-US"/>
           </a:p>
         </c:txPr>
-        <c:crossAx val="2071763472"/>
+        <c:crossAx val="2122364384"/>
         <c:crosses val="autoZero"/>
         <c:auto val="1"/>
         <c:lblAlgn val="ctr"/>
@@ -3405,7 +3417,7 @@
         <c:noMultiLvlLbl val="0"/>
       </c:catAx>
       <c:valAx>
-        <c:axId val="2071763472"/>
+        <c:axId val="2122364384"/>
         <c:scaling>
           <c:orientation val="minMax"/>
         </c:scaling>
@@ -3525,7 +3537,7 @@
             <a:endParaRPr lang="en-US"/>
           </a:p>
         </c:txPr>
-        <c:crossAx val="2071957696"/>
+        <c:crossAx val="2123321056"/>
         <c:crosses val="autoZero"/>
         <c:crossBetween val="between"/>
       </c:valAx>
@@ -4052,7 +4064,7 @@
                   <c:v>-6.43</c:v>
                 </c:pt>
                 <c:pt idx="10">
-                  <c:v>-9.74</c:v>
+                  <c:v>-9.739999999999998</c:v>
                 </c:pt>
                 <c:pt idx="11">
                   <c:v>-13.05</c:v>
@@ -4086,11 +4098,11 @@
           <c:showBubbleSize val="0"/>
         </c:dLbls>
         <c:smooth val="0"/>
-        <c:axId val="-2095145904"/>
-        <c:axId val="-2095142544"/>
+        <c:axId val="-2135201104"/>
+        <c:axId val="-2135199648"/>
       </c:lineChart>
       <c:catAx>
-        <c:axId val="-2095145904"/>
+        <c:axId val="-2135201104"/>
         <c:scaling>
           <c:orientation val="minMax"/>
         </c:scaling>
@@ -4133,7 +4145,7 @@
             <a:endParaRPr lang="en-US"/>
           </a:p>
         </c:txPr>
-        <c:crossAx val="-2095142544"/>
+        <c:crossAx val="-2135199648"/>
         <c:crosses val="autoZero"/>
         <c:auto val="1"/>
         <c:lblAlgn val="ctr"/>
@@ -4141,7 +4153,7 @@
         <c:noMultiLvlLbl val="0"/>
       </c:catAx>
       <c:valAx>
-        <c:axId val="-2095142544"/>
+        <c:axId val="-2135199648"/>
         <c:scaling>
           <c:orientation val="minMax"/>
         </c:scaling>
@@ -4228,7 +4240,7 @@
             <a:endParaRPr lang="en-US"/>
           </a:p>
         </c:txPr>
-        <c:crossAx val="-2095145904"/>
+        <c:crossAx val="-2135201104"/>
         <c:crosses val="autoZero"/>
         <c:crossBetween val="between"/>
       </c:valAx>
@@ -4835,11 +4847,11 @@
         </c:dLbls>
         <c:gapWidth val="219"/>
         <c:overlap val="-27"/>
-        <c:axId val="2044902576"/>
-        <c:axId val="-2095722144"/>
+        <c:axId val="-2116162016"/>
+        <c:axId val="-2116158928"/>
       </c:barChart>
       <c:catAx>
-        <c:axId val="2044902576"/>
+        <c:axId val="-2116162016"/>
         <c:scaling>
           <c:orientation val="minMax"/>
         </c:scaling>
@@ -4882,7 +4894,7 @@
             <a:endParaRPr lang="en-US"/>
           </a:p>
         </c:txPr>
-        <c:crossAx val="-2095722144"/>
+        <c:crossAx val="-2116158928"/>
         <c:crosses val="autoZero"/>
         <c:auto val="1"/>
         <c:lblAlgn val="ctr"/>
@@ -4890,7 +4902,7 @@
         <c:noMultiLvlLbl val="0"/>
       </c:catAx>
       <c:valAx>
-        <c:axId val="-2095722144"/>
+        <c:axId val="-2116158928"/>
         <c:scaling>
           <c:orientation val="minMax"/>
         </c:scaling>
@@ -5013,7 +5025,7 @@
             <a:endParaRPr lang="en-US"/>
           </a:p>
         </c:txPr>
-        <c:crossAx val="2044902576"/>
+        <c:crossAx val="-2116162016"/>
         <c:crosses val="autoZero"/>
         <c:crossBetween val="between"/>
       </c:valAx>
@@ -5220,7 +5232,6 @@
             <c:showLeaderLines val="0"/>
             <c:extLst>
               <c:ext xmlns:c15="http://schemas.microsoft.com/office/drawing/2012/chart" uri="{CE6537A1-D6FC-4f65-9D91-7224C49458BB}">
-                <c15:layout/>
                 <c15:showLeaderLines val="1"/>
                 <c15:leaderLines>
                   <c:spPr>
@@ -5415,7 +5426,6 @@
             <c:showLeaderLines val="0"/>
             <c:extLst>
               <c:ext xmlns:c15="http://schemas.microsoft.com/office/drawing/2012/chart" uri="{CE6537A1-D6FC-4f65-9D91-7224C49458BB}">
-                <c15:layout/>
                 <c15:showLeaderLines val="1"/>
                 <c15:leaderLines>
                   <c:spPr>
@@ -5473,13 +5483,13 @@
                 <c:formatCode>General</c:formatCode>
                 <c:ptCount val="8"/>
                 <c:pt idx="2">
-                  <c:v>-465.2</c:v>
+                  <c:v>-465.3</c:v>
                 </c:pt>
                 <c:pt idx="3">
-                  <c:v>348.7</c:v>
+                  <c:v>348.8</c:v>
                 </c:pt>
                 <c:pt idx="4">
-                  <c:v>75.1</c:v>
+                  <c:v>80.7</c:v>
                 </c:pt>
               </c:numCache>
             </c:numRef>
@@ -5612,7 +5622,6 @@
             <c:showLeaderLines val="0"/>
             <c:extLst>
               <c:ext xmlns:c15="http://schemas.microsoft.com/office/drawing/2012/chart" uri="{CE6537A1-D6FC-4f65-9D91-7224C49458BB}">
-                <c15:layout/>
                 <c15:showLeaderLines val="1"/>
                 <c15:leaderLines>
                   <c:spPr>
@@ -5692,11 +5701,11 @@
         </c:dLbls>
         <c:gapWidth val="219"/>
         <c:overlap val="100"/>
-        <c:axId val="-2095217248"/>
-        <c:axId val="-2123442512"/>
+        <c:axId val="-2081449552"/>
+        <c:axId val="-2081446176"/>
       </c:barChart>
       <c:catAx>
-        <c:axId val="-2095217248"/>
+        <c:axId val="-2081449552"/>
         <c:scaling>
           <c:orientation val="minMax"/>
         </c:scaling>
@@ -5706,7 +5715,7 @@
         <c:majorTickMark val="none"/>
         <c:minorTickMark val="none"/>
         <c:tickLblPos val="nextTo"/>
-        <c:crossAx val="-2123442512"/>
+        <c:crossAx val="-2081446176"/>
         <c:crosses val="autoZero"/>
         <c:auto val="1"/>
         <c:lblAlgn val="ctr"/>
@@ -5714,7 +5723,7 @@
         <c:noMultiLvlLbl val="0"/>
       </c:catAx>
       <c:valAx>
-        <c:axId val="-2123442512"/>
+        <c:axId val="-2081446176"/>
         <c:scaling>
           <c:orientation val="minMax"/>
         </c:scaling>
@@ -5856,7 +5865,7 @@
             <a:endParaRPr lang="en-US"/>
           </a:p>
         </c:txPr>
-        <c:crossAx val="-2095217248"/>
+        <c:crossAx val="-2081449552"/>
         <c:crosses val="autoZero"/>
         <c:crossBetween val="between"/>
       </c:valAx>
@@ -6023,6 +6032,7 @@
             <c:showLeaderLines val="0"/>
             <c:extLst>
               <c:ext xmlns:c15="http://schemas.microsoft.com/office/drawing/2012/chart" uri="{CE6537A1-D6FC-4f65-9D91-7224C49458BB}">
+                <c15:layout/>
                 <c15:showLeaderLines val="1"/>
                 <c15:leaderLines>
                   <c:spPr>
@@ -6146,6 +6156,7 @@
             <c:showLeaderLines val="0"/>
             <c:extLst>
               <c:ext xmlns:c15="http://schemas.microsoft.com/office/drawing/2012/chart" uri="{CE6537A1-D6FC-4f65-9D91-7224C49458BB}">
+                <c15:layout/>
                 <c15:showLeaderLines val="1"/>
                 <c15:leaderLines>
                   <c:spPr>
@@ -6264,6 +6275,7 @@
             <c:showLeaderLines val="0"/>
             <c:extLst>
               <c:ext xmlns:c15="http://schemas.microsoft.com/office/drawing/2012/chart" uri="{CE6537A1-D6FC-4f65-9D91-7224C49458BB}">
+                <c15:layout/>
                 <c15:showLeaderLines val="1"/>
                 <c15:leaderLines>
                   <c:spPr>
@@ -6328,11 +6340,11 @@
         </c:dLbls>
         <c:gapWidth val="219"/>
         <c:overlap val="-27"/>
-        <c:axId val="-2095662288"/>
-        <c:axId val="-2129402688"/>
+        <c:axId val="2123015568"/>
+        <c:axId val="2123019040"/>
       </c:barChart>
       <c:catAx>
-        <c:axId val="-2095662288"/>
+        <c:axId val="2123015568"/>
         <c:scaling>
           <c:orientation val="minMax"/>
         </c:scaling>
@@ -6372,7 +6384,7 @@
             <a:endParaRPr lang="en-US"/>
           </a:p>
         </c:txPr>
-        <c:crossAx val="-2129402688"/>
+        <c:crossAx val="2123019040"/>
         <c:crosses val="autoZero"/>
         <c:auto val="1"/>
         <c:lblAlgn val="ctr"/>
@@ -6380,7 +6392,7 @@
         <c:noMultiLvlLbl val="0"/>
       </c:catAx>
       <c:valAx>
-        <c:axId val="-2129402688"/>
+        <c:axId val="2123019040"/>
         <c:scaling>
           <c:orientation val="minMax"/>
         </c:scaling>
@@ -6439,6 +6451,7 @@
               </a:p>
             </c:rich>
           </c:tx>
+          <c:layout/>
           <c:overlay val="0"/>
           <c:spPr>
             <a:noFill/>
@@ -6501,7 +6514,7 @@
             <a:endParaRPr lang="en-US"/>
           </a:p>
         </c:txPr>
-        <c:crossAx val="-2095662288"/>
+        <c:crossAx val="2123015568"/>
         <c:crosses val="autoZero"/>
         <c:crossBetween val="between"/>
       </c:valAx>
@@ -6517,6 +6530,7 @@
     </c:plotArea>
     <c:legend>
       <c:legendPos val="b"/>
+      <c:layout/>
       <c:overlay val="0"/>
       <c:spPr>
         <a:noFill/>
@@ -6883,11 +6897,11 @@
         </c:dLbls>
         <c:gapWidth val="219"/>
         <c:overlap val="100"/>
-        <c:axId val="-2084209648"/>
-        <c:axId val="-2100715824"/>
+        <c:axId val="2124429360"/>
+        <c:axId val="-2085337680"/>
       </c:barChart>
       <c:catAx>
-        <c:axId val="-2084209648"/>
+        <c:axId val="2124429360"/>
         <c:scaling>
           <c:orientation val="minMax"/>
         </c:scaling>
@@ -6930,7 +6944,7 @@
             <a:endParaRPr lang="en-US"/>
           </a:p>
         </c:txPr>
-        <c:crossAx val="-2100715824"/>
+        <c:crossAx val="-2085337680"/>
         <c:crosses val="autoZero"/>
         <c:auto val="1"/>
         <c:lblAlgn val="ctr"/>
@@ -6938,7 +6952,7 @@
         <c:noMultiLvlLbl val="0"/>
       </c:catAx>
       <c:valAx>
-        <c:axId val="-2100715824"/>
+        <c:axId val="-2085337680"/>
         <c:scaling>
           <c:orientation val="minMax"/>
         </c:scaling>
@@ -6989,7 +7003,6 @@
               </a:p>
             </c:rich>
           </c:tx>
-          <c:layout/>
           <c:overlay val="0"/>
           <c:spPr>
             <a:noFill/>
@@ -7030,7 +7043,7 @@
             <a:endParaRPr lang="en-US"/>
           </a:p>
         </c:txPr>
-        <c:crossAx val="-2084209648"/>
+        <c:crossAx val="2124429360"/>
         <c:crosses val="autoZero"/>
         <c:crossBetween val="between"/>
       </c:valAx>
@@ -7046,7 +7059,6 @@
     </c:plotArea>
     <c:legend>
       <c:legendPos val="b"/>
-      <c:layout/>
       <c:overlay val="0"/>
       <c:spPr>
         <a:noFill/>
@@ -7298,11 +7310,11 @@
         </c:dLbls>
         <c:gapWidth val="219"/>
         <c:overlap val="100"/>
-        <c:axId val="2144097616"/>
-        <c:axId val="2144079232"/>
+        <c:axId val="-2116132928"/>
+        <c:axId val="-2116164352"/>
       </c:barChart>
       <c:catAx>
-        <c:axId val="2144097616"/>
+        <c:axId val="-2116132928"/>
         <c:scaling>
           <c:orientation val="minMax"/>
         </c:scaling>
@@ -7342,7 +7354,7 @@
             <a:endParaRPr lang="en-US"/>
           </a:p>
         </c:txPr>
-        <c:crossAx val="2144079232"/>
+        <c:crossAx val="-2116164352"/>
         <c:crosses val="autoZero"/>
         <c:auto val="1"/>
         <c:lblAlgn val="ctr"/>
@@ -7350,7 +7362,7 @@
         <c:noMultiLvlLbl val="0"/>
       </c:catAx>
       <c:valAx>
-        <c:axId val="2144079232"/>
+        <c:axId val="-2116164352"/>
         <c:scaling>
           <c:orientation val="minMax"/>
         </c:scaling>
@@ -7491,7 +7503,7 @@
             <a:endParaRPr lang="en-US"/>
           </a:p>
         </c:txPr>
-        <c:crossAx val="2144097616"/>
+        <c:crossAx val="-2116132928"/>
         <c:crosses val="autoZero"/>
         <c:crossBetween val="between"/>
         <c:majorUnit val="100.0"/>
@@ -7705,11 +7717,11 @@
         </c:dLbls>
         <c:gapWidth val="219"/>
         <c:overlap val="100"/>
-        <c:axId val="-2095298592"/>
-        <c:axId val="-2095292208"/>
+        <c:axId val="-2083119328"/>
+        <c:axId val="2124966016"/>
       </c:barChart>
       <c:catAx>
-        <c:axId val="-2095298592"/>
+        <c:axId val="-2083119328"/>
         <c:scaling>
           <c:orientation val="minMax"/>
         </c:scaling>
@@ -7749,7 +7761,7 @@
             <a:endParaRPr lang="en-US"/>
           </a:p>
         </c:txPr>
-        <c:crossAx val="-2095292208"/>
+        <c:crossAx val="2124966016"/>
         <c:crosses val="autoZero"/>
         <c:auto val="1"/>
         <c:lblAlgn val="ctr"/>
@@ -7757,7 +7769,7 @@
         <c:noMultiLvlLbl val="0"/>
       </c:catAx>
       <c:valAx>
-        <c:axId val="-2095292208"/>
+        <c:axId val="2124966016"/>
         <c:scaling>
           <c:orientation val="minMax"/>
         </c:scaling>
@@ -7904,7 +7916,7 @@
             <a:endParaRPr lang="en-US"/>
           </a:p>
         </c:txPr>
-        <c:crossAx val="-2095298592"/>
+        <c:crossAx val="-2083119328"/>
         <c:crosses val="autoZero"/>
         <c:crossBetween val="between"/>
       </c:valAx>
@@ -8030,6 +8042,7 @@
             <c:showLeaderLines val="0"/>
             <c:extLst>
               <c:ext xmlns:c15="http://schemas.microsoft.com/office/drawing/2012/chart" uri="{CE6537A1-D6FC-4f65-9D91-7224C49458BB}">
+                <c15:layout/>
                 <c15:showLeaderLines val="1"/>
                 <c15:leaderLines>
                   <c:spPr>
@@ -8159,6 +8172,7 @@
             <c:showLeaderLines val="0"/>
             <c:extLst>
               <c:ext xmlns:c15="http://schemas.microsoft.com/office/drawing/2012/chart" uri="{CE6537A1-D6FC-4f65-9D91-7224C49458BB}">
+                <c15:layout/>
                 <c15:showLeaderLines val="1"/>
                 <c15:leaderLines>
                   <c:spPr>
@@ -8229,11 +8243,11 @@
         </c:dLbls>
         <c:gapWidth val="219"/>
         <c:overlap val="-27"/>
-        <c:axId val="-2095643600"/>
-        <c:axId val="-2129107552"/>
+        <c:axId val="2123921152"/>
+        <c:axId val="2123924560"/>
       </c:barChart>
       <c:catAx>
-        <c:axId val="-2095643600"/>
+        <c:axId val="2123921152"/>
         <c:scaling>
           <c:orientation val="minMax"/>
         </c:scaling>
@@ -8273,7 +8287,7 @@
             <a:endParaRPr lang="en-US"/>
           </a:p>
         </c:txPr>
-        <c:crossAx val="-2129107552"/>
+        <c:crossAx val="2123924560"/>
         <c:crosses val="autoZero"/>
         <c:auto val="1"/>
         <c:lblAlgn val="ctr"/>
@@ -8281,7 +8295,7 @@
         <c:noMultiLvlLbl val="0"/>
       </c:catAx>
       <c:valAx>
-        <c:axId val="-2129107552"/>
+        <c:axId val="2123924560"/>
         <c:scaling>
           <c:orientation val="minMax"/>
         </c:scaling>
@@ -8352,6 +8366,7 @@
               </a:p>
             </c:rich>
           </c:tx>
+          <c:layout/>
           <c:overlay val="0"/>
           <c:spPr>
             <a:noFill/>
@@ -8414,7 +8429,7 @@
             <a:endParaRPr lang="en-US"/>
           </a:p>
         </c:txPr>
-        <c:crossAx val="-2095643600"/>
+        <c:crossAx val="2123921152"/>
         <c:crosses val="autoZero"/>
         <c:crossBetween val="between"/>
       </c:valAx>
@@ -8430,6 +8445,7 @@
     </c:plotArea>
     <c:legend>
       <c:legendPos val="b"/>
+      <c:layout/>
       <c:overlay val="0"/>
       <c:spPr>
         <a:noFill/>
@@ -8571,6 +8587,7 @@
             <c:showLeaderLines val="0"/>
             <c:extLst>
               <c:ext xmlns:c15="http://schemas.microsoft.com/office/drawing/2012/chart" uri="{CE6537A1-D6FC-4f65-9D91-7224C49458BB}">
+                <c15:layout/>
                 <c15:showLeaderLines val="1"/>
                 <c15:leaderLines>
                   <c:spPr>
@@ -8700,6 +8717,7 @@
             <c:showLeaderLines val="0"/>
             <c:extLst>
               <c:ext xmlns:c15="http://schemas.microsoft.com/office/drawing/2012/chart" uri="{CE6537A1-D6FC-4f65-9D91-7224C49458BB}">
+                <c15:layout/>
                 <c15:showLeaderLines val="1"/>
                 <c15:leaderLines>
                   <c:spPr>
@@ -8824,6 +8842,7 @@
             <c:showLeaderLines val="0"/>
             <c:extLst>
               <c:ext xmlns:c15="http://schemas.microsoft.com/office/drawing/2012/chart" uri="{CE6537A1-D6FC-4f65-9D91-7224C49458BB}">
+                <c15:layout/>
                 <c15:showLeaderLines val="1"/>
                 <c15:leaderLines>
                   <c:spPr>
@@ -8948,6 +8967,7 @@
             <c:showLeaderLines val="0"/>
             <c:extLst>
               <c:ext xmlns:c15="http://schemas.microsoft.com/office/drawing/2012/chart" uri="{CE6537A1-D6FC-4f65-9D91-7224C49458BB}">
+                <c15:layout/>
                 <c15:showLeaderLines val="1"/>
                 <c15:leaderLines>
                   <c:spPr>
@@ -9018,11 +9038,11 @@
         </c:dLbls>
         <c:gapWidth val="219"/>
         <c:overlap val="-27"/>
-        <c:axId val="-2103102240"/>
-        <c:axId val="-2100245904"/>
+        <c:axId val="2122841984"/>
+        <c:axId val="2122845328"/>
       </c:barChart>
       <c:catAx>
-        <c:axId val="-2103102240"/>
+        <c:axId val="2122841984"/>
         <c:scaling>
           <c:orientation val="minMax"/>
         </c:scaling>
@@ -9062,7 +9082,7 @@
             <a:endParaRPr lang="en-US"/>
           </a:p>
         </c:txPr>
-        <c:crossAx val="-2100245904"/>
+        <c:crossAx val="2122845328"/>
         <c:crosses val="autoZero"/>
         <c:auto val="1"/>
         <c:lblAlgn val="ctr"/>
@@ -9070,7 +9090,7 @@
         <c:noMultiLvlLbl val="0"/>
       </c:catAx>
       <c:valAx>
-        <c:axId val="-2100245904"/>
+        <c:axId val="2122845328"/>
         <c:scaling>
           <c:orientation val="minMax"/>
         </c:scaling>
@@ -9146,6 +9166,7 @@
               </a:p>
             </c:rich>
           </c:tx>
+          <c:layout/>
           <c:overlay val="0"/>
           <c:spPr>
             <a:noFill/>
@@ -9208,7 +9229,7 @@
             <a:endParaRPr lang="en-US"/>
           </a:p>
         </c:txPr>
-        <c:crossAx val="-2103102240"/>
+        <c:crossAx val="2122841984"/>
         <c:crosses val="autoZero"/>
         <c:crossBetween val="between"/>
       </c:valAx>
@@ -9224,6 +9245,7 @@
     </c:plotArea>
     <c:legend>
       <c:legendPos val="b"/>
+      <c:layout/>
       <c:overlay val="0"/>
       <c:spPr>
         <a:noFill/>
@@ -9599,11 +9621,11 @@
         </c:dLbls>
         <c:gapWidth val="219"/>
         <c:overlap val="-27"/>
-        <c:axId val="2108492800"/>
-        <c:axId val="-2125977040"/>
+        <c:axId val="2123163696"/>
+        <c:axId val="2122850320"/>
       </c:barChart>
       <c:catAx>
-        <c:axId val="2108492800"/>
+        <c:axId val="2123163696"/>
         <c:scaling>
           <c:orientation val="minMax"/>
         </c:scaling>
@@ -9643,7 +9665,7 @@
             <a:endParaRPr lang="en-US"/>
           </a:p>
         </c:txPr>
-        <c:crossAx val="-2125977040"/>
+        <c:crossAx val="2122850320"/>
         <c:crosses val="autoZero"/>
         <c:auto val="1"/>
         <c:lblAlgn val="ctr"/>
@@ -9651,7 +9673,7 @@
         <c:noMultiLvlLbl val="0"/>
       </c:catAx>
       <c:valAx>
-        <c:axId val="-2125977040"/>
+        <c:axId val="2122850320"/>
         <c:scaling>
           <c:orientation val="minMax"/>
         </c:scaling>
@@ -9719,6 +9741,7 @@
               </a:p>
             </c:rich>
           </c:tx>
+          <c:layout/>
           <c:overlay val="0"/>
           <c:spPr>
             <a:noFill/>
@@ -9781,7 +9804,7 @@
             <a:endParaRPr lang="en-US"/>
           </a:p>
         </c:txPr>
-        <c:crossAx val="2108492800"/>
+        <c:crossAx val="2123163696"/>
         <c:crosses val="autoZero"/>
         <c:crossBetween val="between"/>
       </c:valAx>
@@ -9797,6 +9820,7 @@
     </c:plotArea>
     <c:legend>
       <c:legendPos val="b"/>
+      <c:layout/>
       <c:overlay val="0"/>
       <c:spPr>
         <a:noFill/>
@@ -9950,11 +9974,11 @@
         </c:dLbls>
         <c:gapWidth val="219"/>
         <c:overlap val="-27"/>
-        <c:axId val="-2096837360"/>
-        <c:axId val="2070112432"/>
+        <c:axId val="2123819104"/>
+        <c:axId val="2123822464"/>
       </c:barChart>
       <c:catAx>
-        <c:axId val="-2096837360"/>
+        <c:axId val="2123819104"/>
         <c:scaling>
           <c:orientation val="minMax"/>
         </c:scaling>
@@ -9994,7 +10018,7 @@
             <a:endParaRPr lang="en-US"/>
           </a:p>
         </c:txPr>
-        <c:crossAx val="2070112432"/>
+        <c:crossAx val="2123822464"/>
         <c:crosses val="autoZero"/>
         <c:auto val="1"/>
         <c:lblAlgn val="ctr"/>
@@ -10002,7 +10026,7 @@
         <c:noMultiLvlLbl val="0"/>
       </c:catAx>
       <c:valAx>
-        <c:axId val="2070112432"/>
+        <c:axId val="2123822464"/>
         <c:scaling>
           <c:orientation val="minMax"/>
         </c:scaling>
@@ -10070,6 +10094,7 @@
               </a:p>
             </c:rich>
           </c:tx>
+          <c:layout/>
           <c:overlay val="0"/>
           <c:spPr>
             <a:noFill/>
@@ -10132,7 +10157,7 @@
             <a:endParaRPr lang="en-US"/>
           </a:p>
         </c:txPr>
-        <c:crossAx val="-2096837360"/>
+        <c:crossAx val="2123819104"/>
         <c:crosses val="autoZero"/>
         <c:crossBetween val="between"/>
       </c:valAx>
@@ -10442,11 +10467,11 @@
         </c:dLbls>
         <c:gapWidth val="219"/>
         <c:overlap val="100"/>
-        <c:axId val="-2085955216"/>
-        <c:axId val="-2085948272"/>
+        <c:axId val="-2135237232"/>
+        <c:axId val="-2135233872"/>
       </c:barChart>
       <c:catAx>
-        <c:axId val="-2085955216"/>
+        <c:axId val="-2135237232"/>
         <c:scaling>
           <c:orientation val="minMax"/>
         </c:scaling>
@@ -10489,7 +10514,7 @@
             <a:endParaRPr lang="en-US"/>
           </a:p>
         </c:txPr>
-        <c:crossAx val="-2085948272"/>
+        <c:crossAx val="-2135233872"/>
         <c:crosses val="autoZero"/>
         <c:auto val="1"/>
         <c:lblAlgn val="ctr"/>
@@ -10497,7 +10522,7 @@
         <c:noMultiLvlLbl val="0"/>
       </c:catAx>
       <c:valAx>
-        <c:axId val="-2085948272"/>
+        <c:axId val="-2135233872"/>
         <c:scaling>
           <c:orientation val="minMax"/>
         </c:scaling>
@@ -10548,6 +10573,7 @@
               </a:p>
             </c:rich>
           </c:tx>
+          <c:layout/>
           <c:overlay val="0"/>
           <c:spPr>
             <a:noFill/>
@@ -10608,7 +10634,7 @@
             <a:endParaRPr lang="en-US"/>
           </a:p>
         </c:txPr>
-        <c:crossAx val="-2085955216"/>
+        <c:crossAx val="-2135237232"/>
         <c:crosses val="autoZero"/>
         <c:crossBetween val="between"/>
       </c:valAx>
@@ -10899,7 +10925,9 @@
               </c:spPr>
             </c:leaderLines>
             <c:extLst>
-              <c:ext xmlns:c15="http://schemas.microsoft.com/office/drawing/2012/chart" uri="{CE6537A1-D6FC-4f65-9D91-7224C49458BB}"/>
+              <c:ext xmlns:c15="http://schemas.microsoft.com/office/drawing/2012/chart" uri="{CE6537A1-D6FC-4f65-9D91-7224C49458BB}">
+                <c15:layout/>
+              </c:ext>
             </c:extLst>
           </c:dLbls>
           <c:cat>
@@ -11203,7 +11231,9 @@
               </c:spPr>
             </c:leaderLines>
             <c:extLst>
-              <c:ext xmlns:c15="http://schemas.microsoft.com/office/drawing/2012/chart" uri="{CE6537A1-D6FC-4f65-9D91-7224C49458BB}"/>
+              <c:ext xmlns:c15="http://schemas.microsoft.com/office/drawing/2012/chart" uri="{CE6537A1-D6FC-4f65-9D91-7224C49458BB}">
+                <c15:layout/>
+              </c:ext>
             </c:extLst>
           </c:dLbls>
           <c:cat>
@@ -27096,7 +27126,7 @@
           <p:nvPr>
             <p:extLst>
               <p:ext uri="{D42A27DB-BD31-4B8C-83A1-F6EECF244321}">
-                <p14:modId xmlns:p14="http://schemas.microsoft.com/office/powerpoint/2010/main" val="1842773882"/>
+                <p14:modId xmlns:p14="http://schemas.microsoft.com/office/powerpoint/2010/main" val="520360285"/>
               </p:ext>
             </p:extLst>
           </p:nvPr>
@@ -27147,7 +27177,15 @@
             <a:pPr algn="ctr"/>
             <a:r>
               <a:rPr lang="en-US" sz="2000" dirty="0" smtClean="0"/>
-              <a:t>-465.2 gCO</a:t>
+              <a:t>-</a:t>
+            </a:r>
+            <a:r>
+              <a:rPr lang="en-US" sz="2000" dirty="0" smtClean="0"/>
+              <a:t>465.3 </a:t>
+            </a:r>
+            <a:r>
+              <a:rPr lang="en-US" sz="2000" dirty="0" smtClean="0"/>
+              <a:t>gCO</a:t>
             </a:r>
             <a:r>
               <a:rPr lang="en-US" sz="2000" baseline="-25000" dirty="0" smtClean="0"/>
@@ -28259,7 +28297,7 @@
           <p:nvPr>
             <p:extLst>
               <p:ext uri="{D42A27DB-BD31-4B8C-83A1-F6EECF244321}">
-                <p14:modId xmlns:p14="http://schemas.microsoft.com/office/powerpoint/2010/main" val="336985461"/>
+                <p14:modId xmlns:p14="http://schemas.microsoft.com/office/powerpoint/2010/main" val="930977133"/>
               </p:ext>
             </p:extLst>
           </p:nvPr>
@@ -28369,13 +28407,6 @@
               </a:rPr>
               <a:t>CH</a:t>
             </a:r>
-            <a:endParaRPr lang="en-US" sz="1600" dirty="0" smtClean="0">
-              <a:solidFill>
-                <a:schemeClr val="bg2">
-                  <a:lumMod val="25000"/>
-                </a:schemeClr>
-              </a:solidFill>
-            </a:endParaRPr>
           </a:p>
         </p:txBody>
       </p:sp>
@@ -28412,13 +28443,6 @@
               </a:rPr>
               <a:t>ASF (CIGS) ENTSO-E mix incl. shading benefits</a:t>
             </a:r>
-            <a:endParaRPr lang="en-US" sz="1600" dirty="0" smtClean="0">
-              <a:solidFill>
-                <a:schemeClr val="bg2">
-                  <a:lumMod val="25000"/>
-                </a:schemeClr>
-              </a:solidFill>
-            </a:endParaRPr>
           </a:p>
         </p:txBody>
       </p:sp>
@@ -28455,13 +28479,6 @@
               </a:rPr>
               <a:t>ASF (CIGS) ENTSO-E mix excl. shading benefits</a:t>
             </a:r>
-            <a:endParaRPr lang="en-US" sz="1600" dirty="0" smtClean="0">
-              <a:solidFill>
-                <a:schemeClr val="bg2">
-                  <a:lumMod val="25000"/>
-                </a:schemeClr>
-              </a:solidFill>
-            </a:endParaRPr>
           </a:p>
         </p:txBody>
       </p:sp>
@@ -28518,13 +28535,6 @@
               </a:rPr>
               <a:t>. shading benefits</a:t>
             </a:r>
-            <a:endParaRPr lang="en-US" sz="1600" dirty="0" smtClean="0">
-              <a:solidFill>
-                <a:schemeClr val="bg2">
-                  <a:lumMod val="25000"/>
-                </a:schemeClr>
-              </a:solidFill>
-            </a:endParaRPr>
           </a:p>
         </p:txBody>
       </p:sp>
@@ -28624,13 +28634,6 @@
               </a:rPr>
               <a:t>CIS</a:t>
             </a:r>
-            <a:endParaRPr lang="en-US" sz="1600" dirty="0" smtClean="0">
-              <a:solidFill>
-                <a:schemeClr val="bg2">
-                  <a:lumMod val="25000"/>
-                </a:schemeClr>
-              </a:solidFill>
-            </a:endParaRPr>
           </a:p>
         </p:txBody>
       </p:sp>

--- a/elsarticle/Images/Thesis charts.pptx
+++ b/elsarticle/Images/Thesis charts.pptx
@@ -3495,6 +3495,7 @@
               </a:p>
             </c:rich>
           </c:tx>
+          <c:layout/>
           <c:overlay val="0"/>
           <c:spPr>
             <a:noFill/>
@@ -3553,6 +3554,7 @@
     </c:plotArea>
     <c:legend>
       <c:legendPos val="b"/>
+      <c:layout/>
       <c:overlay val="0"/>
       <c:spPr>
         <a:noFill/>
@@ -4397,6 +4399,7 @@
             <c:showLeaderLines val="0"/>
             <c:extLst>
               <c:ext xmlns:c15="http://schemas.microsoft.com/office/drawing/2012/chart" uri="{CE6537A1-D6FC-4f65-9D91-7224C49458BB}">
+                <c15:layout/>
                 <c15:showLeaderLines val="1"/>
                 <c15:leaderLines>
                   <c:spPr>
@@ -4509,6 +4512,7 @@
             <c:showLeaderLines val="0"/>
             <c:extLst>
               <c:ext xmlns:c15="http://schemas.microsoft.com/office/drawing/2012/chart" uri="{CE6537A1-D6FC-4f65-9D91-7224C49458BB}">
+                <c15:layout/>
                 <c15:showLeaderLines val="1"/>
                 <c15:leaderLines>
                   <c:spPr>
@@ -4621,6 +4625,7 @@
             <c:showLeaderLines val="0"/>
             <c:extLst>
               <c:ext xmlns:c15="http://schemas.microsoft.com/office/drawing/2012/chart" uri="{CE6537A1-D6FC-4f65-9D91-7224C49458BB}">
+                <c15:layout/>
                 <c15:showLeaderLines val="1"/>
                 <c15:leaderLines>
                   <c:spPr>
@@ -4788,6 +4793,7 @@
             <c:showLeaderLines val="0"/>
             <c:extLst>
               <c:ext xmlns:c15="http://schemas.microsoft.com/office/drawing/2012/chart" uri="{CE6537A1-D6FC-4f65-9D91-7224C49458BB}">
+                <c15:layout/>
                 <c15:showLeaderLines val="1"/>
                 <c15:leaderLines>
                   <c:spPr>
@@ -4965,6 +4971,7 @@
               </a:p>
             </c:rich>
           </c:tx>
+          <c:layout/>
           <c:overlay val="0"/>
           <c:spPr>
             <a:noFill/>
@@ -5041,6 +5048,7 @@
     </c:plotArea>
     <c:legend>
       <c:legendPos val="b"/>
+      <c:layout/>
       <c:overlay val="0"/>
       <c:spPr>
         <a:noFill/>
@@ -5208,7 +5216,7 @@
               <a:lstStyle/>
               <a:p>
                 <a:pPr>
-                  <a:defRPr sz="1197" b="0" i="0" u="none" strike="noStrike" kern="1200" baseline="0">
+                  <a:defRPr sz="1600" b="0" i="0" u="none" strike="noStrike" kern="1200" baseline="0">
                     <a:solidFill>
                       <a:schemeClr val="tx1">
                         <a:lumMod val="75000"/>
@@ -5402,7 +5410,7 @@
               <a:lstStyle/>
               <a:p>
                 <a:pPr>
-                  <a:defRPr sz="1197" b="0" i="0" u="none" strike="noStrike" kern="1200" baseline="0">
+                  <a:defRPr sz="1600" b="0" i="0" u="none" strike="noStrike" kern="1200" baseline="0">
                     <a:solidFill>
                       <a:schemeClr val="tx1">
                         <a:lumMod val="75000"/>
@@ -5597,7 +5605,7 @@
               <a:lstStyle/>
               <a:p>
                 <a:pPr>
-                  <a:defRPr sz="1197" b="0" i="0" u="none" strike="noStrike" kern="1200" baseline="0">
+                  <a:defRPr sz="1600" b="0" i="0" u="none" strike="noStrike" kern="1200" baseline="0">
                     <a:solidFill>
                       <a:schemeClr val="tx1">
                         <a:lumMod val="75000"/>
@@ -5750,7 +5758,7 @@
               <a:lstStyle/>
               <a:p>
                 <a:pPr>
-                  <a:defRPr sz="1330" b="0" i="0" u="none" strike="noStrike" kern="1200" baseline="0">
+                  <a:defRPr sz="2000" b="0" i="0" u="none" strike="noStrike" kern="1200" baseline="0">
                     <a:solidFill>
                       <a:schemeClr val="tx1">
                         <a:lumMod val="65000"/>
@@ -5763,48 +5771,55 @@
                   </a:defRPr>
                 </a:pPr>
                 <a:r>
-                  <a:rPr lang="en-US" sz="1800" b="0" i="0" baseline="0" dirty="0" smtClean="0">
+                  <a:rPr lang="en-US" sz="2000" b="0" i="0" baseline="0" dirty="0" smtClean="0">
                     <a:effectLst/>
                   </a:rPr>
                   <a:t>GWP (g CO</a:t>
                 </a:r>
                 <a:r>
-                  <a:rPr lang="en-US" sz="1800" b="0" i="0" baseline="-25000" dirty="0" smtClean="0">
+                  <a:rPr lang="en-US" sz="2000" b="0" i="0" baseline="-25000" dirty="0" smtClean="0">
                     <a:effectLst/>
                   </a:rPr>
                   <a:t>2eq</a:t>
                 </a:r>
                 <a:r>
-                  <a:rPr lang="en-US" sz="1800" b="0" i="0" baseline="0" dirty="0" smtClean="0">
+                  <a:rPr lang="en-US" sz="2000" b="0" i="0" baseline="0" dirty="0" smtClean="0">
                     <a:effectLst/>
                   </a:rPr>
                   <a:t>/</a:t>
                 </a:r>
                 <a:r>
-                  <a:rPr lang="en-US" sz="1800" b="0" i="0" baseline="0" dirty="0" err="1" smtClean="0">
+                  <a:rPr lang="en-US" sz="2000" b="0" i="0" baseline="0" dirty="0" err="1" smtClean="0">
                     <a:effectLst/>
                   </a:rPr>
                   <a:t>kWh</a:t>
                 </a:r>
                 <a:r>
-                  <a:rPr lang="en-US" sz="1800" b="0" i="0" baseline="-25000" dirty="0" err="1" smtClean="0">
+                  <a:rPr lang="en-US" sz="2000" b="0" i="0" baseline="-25000" dirty="0" err="1" smtClean="0">
                     <a:effectLst/>
                   </a:rPr>
                   <a:t>pv</a:t>
                 </a:r>
                 <a:r>
-                  <a:rPr lang="en-US" sz="1800" b="0" i="0" baseline="0" dirty="0" smtClean="0">
+                  <a:rPr lang="en-US" sz="2000" b="0" i="0" baseline="0" dirty="0" smtClean="0">
                     <a:effectLst/>
                   </a:rPr>
                   <a:t>)</a:t>
                 </a:r>
-                <a:endParaRPr lang="en-US" dirty="0">
+                <a:endParaRPr lang="en-US" sz="2000" dirty="0">
                   <a:effectLst/>
                 </a:endParaRPr>
               </a:p>
             </c:rich>
           </c:tx>
-          <c:layout/>
+          <c:layout>
+            <c:manualLayout>
+              <c:xMode val="edge"/>
+              <c:yMode val="edge"/>
+              <c:x val="0.0"/>
+              <c:y val="0.133348631193411"/>
+            </c:manualLayout>
+          </c:layout>
           <c:overlay val="0"/>
           <c:spPr>
             <a:noFill/>
@@ -5818,7 +5833,7 @@
             <a:lstStyle/>
             <a:p>
               <a:pPr>
-                <a:defRPr sz="1330" b="0" i="0" u="none" strike="noStrike" kern="1200" baseline="0">
+                <a:defRPr sz="2000" b="0" i="0" u="none" strike="noStrike" kern="1200" baseline="0">
                   <a:solidFill>
                     <a:schemeClr val="tx1">
                       <a:lumMod val="65000"/>
@@ -5850,7 +5865,7 @@
           <a:lstStyle/>
           <a:p>
             <a:pPr>
-              <a:defRPr sz="1197" b="0" i="0" u="none" strike="noStrike" kern="1200" baseline="0">
+              <a:defRPr sz="1400" b="0" i="0" u="none" strike="noStrike" kern="1200" baseline="0">
                 <a:solidFill>
                   <a:schemeClr val="tx1">
                     <a:lumMod val="65000"/>
@@ -5904,7 +5919,7 @@
         <a:lstStyle/>
         <a:p>
           <a:pPr>
-            <a:defRPr sz="1400" b="0" i="0" u="none" strike="noStrike" kern="1200" baseline="0">
+            <a:defRPr sz="1600" b="0" i="0" u="none" strike="noStrike" kern="1200" baseline="0">
               <a:solidFill>
                 <a:schemeClr val="tx1">
                   <a:lumMod val="65000"/>
@@ -7003,6 +7018,7 @@
               </a:p>
             </c:rich>
           </c:tx>
+          <c:layout/>
           <c:overlay val="0"/>
           <c:spPr>
             <a:noFill/>
@@ -7059,6 +7075,7 @@
     </c:plotArea>
     <c:legend>
       <c:legendPos val="b"/>
+      <c:layout/>
       <c:overlay val="0"/>
       <c:spPr>
         <a:noFill/>
@@ -7443,6 +7460,7 @@
               </a:p>
             </c:rich>
           </c:tx>
+          <c:layout/>
           <c:overlay val="0"/>
           <c:spPr>
             <a:noFill/>
@@ -28297,7 +28315,7 @@
           <p:nvPr>
             <p:extLst>
               <p:ext uri="{D42A27DB-BD31-4B8C-83A1-F6EECF244321}">
-                <p14:modId xmlns:p14="http://schemas.microsoft.com/office/powerpoint/2010/main" val="930977133"/>
+                <p14:modId xmlns:p14="http://schemas.microsoft.com/office/powerpoint/2010/main" val="1290751912"/>
               </p:ext>
             </p:extLst>
           </p:nvPr>

--- a/elsarticle/Images/Thesis charts.pptx
+++ b/elsarticle/Images/Thesis charts.pptx
@@ -5,7 +5,7 @@
     <p:sldMasterId id="2147483660" r:id="rId1"/>
   </p:sldMasterIdLst>
   <p:notesMasterIdLst>
-    <p:notesMasterId r:id="rId23"/>
+    <p:notesMasterId r:id="rId22"/>
   </p:notesMasterIdLst>
   <p:sldIdLst>
     <p:sldId id="262" r:id="rId2"/>
@@ -27,8 +27,7 @@
     <p:sldId id="258" r:id="rId18"/>
     <p:sldId id="277" r:id="rId19"/>
     <p:sldId id="268" r:id="rId20"/>
-    <p:sldId id="275" r:id="rId21"/>
-    <p:sldId id="266" r:id="rId22"/>
+    <p:sldId id="266" r:id="rId21"/>
   </p:sldIdLst>
   <p:sldSz cx="9906000" cy="6858000" type="A4"/>
   <p:notesSz cx="6858000" cy="9144000"/>
@@ -425,11 +424,11 @@
           <c:showPercent val="0"/>
           <c:showBubbleSize val="0"/>
         </c:dLbls>
-        <c:axId val="2090403328"/>
-        <c:axId val="-2133551712"/>
+        <c:axId val="2038023280"/>
+        <c:axId val="2038012112"/>
       </c:scatterChart>
       <c:valAx>
-        <c:axId val="2090403328"/>
+        <c:axId val="2038023280"/>
         <c:scaling>
           <c:orientation val="minMax"/>
         </c:scaling>
@@ -551,12 +550,12 @@
             <a:endParaRPr lang="en-US"/>
           </a:p>
         </c:txPr>
-        <c:crossAx val="-2133551712"/>
+        <c:crossAx val="2038012112"/>
         <c:crosses val="autoZero"/>
         <c:crossBetween val="midCat"/>
       </c:valAx>
       <c:valAx>
-        <c:axId val="-2133551712"/>
+        <c:axId val="2038012112"/>
         <c:scaling>
           <c:orientation val="minMax"/>
         </c:scaling>
@@ -682,7 +681,7 @@
             <a:endParaRPr lang="en-US"/>
           </a:p>
         </c:txPr>
-        <c:crossAx val="2090403328"/>
+        <c:crossAx val="2038023280"/>
         <c:crosses val="autoZero"/>
         <c:crossBetween val="midCat"/>
       </c:valAx>
@@ -2364,11 +2363,11 @@
         </c:dLbls>
         <c:gapWidth val="150"/>
         <c:overlap val="100"/>
-        <c:axId val="-2135287344"/>
-        <c:axId val="-2083147600"/>
+        <c:axId val="-2109199872"/>
+        <c:axId val="-2109196624"/>
       </c:barChart>
       <c:catAx>
-        <c:axId val="-2135287344"/>
+        <c:axId val="-2109199872"/>
         <c:scaling>
           <c:orientation val="minMax"/>
         </c:scaling>
@@ -2378,7 +2377,7 @@
         <c:majorTickMark val="none"/>
         <c:minorTickMark val="none"/>
         <c:tickLblPos val="nextTo"/>
-        <c:crossAx val="-2083147600"/>
+        <c:crossAx val="-2109196624"/>
         <c:crosses val="autoZero"/>
         <c:auto val="1"/>
         <c:lblAlgn val="ctr"/>
@@ -2386,7 +2385,7 @@
         <c:noMultiLvlLbl val="0"/>
       </c:catAx>
       <c:valAx>
-        <c:axId val="-2083147600"/>
+        <c:axId val="-2109196624"/>
         <c:scaling>
           <c:orientation val="minMax"/>
         </c:scaling>
@@ -2502,7 +2501,7 @@
             <a:endParaRPr lang="en-US"/>
           </a:p>
         </c:txPr>
-        <c:crossAx val="-2135287344"/>
+        <c:crossAx val="-2109199872"/>
         <c:crosses val="autoZero"/>
         <c:crossBetween val="between"/>
       </c:valAx>
@@ -2885,11 +2884,11 @@
         </c:dLbls>
         <c:gapWidth val="219"/>
         <c:overlap val="-27"/>
-        <c:axId val="-2135205872"/>
-        <c:axId val="-2135204416"/>
+        <c:axId val="-2109319088"/>
+        <c:axId val="-2109317696"/>
       </c:barChart>
       <c:catAx>
-        <c:axId val="-2135205872"/>
+        <c:axId val="-2109319088"/>
         <c:scaling>
           <c:orientation val="minMax"/>
         </c:scaling>
@@ -2929,7 +2928,7 @@
             <a:endParaRPr lang="en-US"/>
           </a:p>
         </c:txPr>
-        <c:crossAx val="-2135204416"/>
+        <c:crossAx val="-2109317696"/>
         <c:crosses val="autoZero"/>
         <c:auto val="1"/>
         <c:lblAlgn val="ctr"/>
@@ -2937,7 +2936,7 @@
         <c:noMultiLvlLbl val="0"/>
       </c:catAx>
       <c:valAx>
-        <c:axId val="-2135204416"/>
+        <c:axId val="-2109317696"/>
         <c:scaling>
           <c:orientation val="minMax"/>
         </c:scaling>
@@ -3068,7 +3067,7 @@
             <a:endParaRPr lang="en-US"/>
           </a:p>
         </c:txPr>
-        <c:crossAx val="-2135205872"/>
+        <c:crossAx val="-2109319088"/>
         <c:crosses val="autoZero"/>
         <c:crossBetween val="between"/>
       </c:valAx>
@@ -3365,11 +3364,11 @@
         </c:dLbls>
         <c:gapWidth val="219"/>
         <c:overlap val="-27"/>
-        <c:axId val="2123321056"/>
-        <c:axId val="2122364384"/>
+        <c:axId val="-2106390576"/>
+        <c:axId val="-2106210960"/>
       </c:barChart>
       <c:catAx>
-        <c:axId val="2123321056"/>
+        <c:axId val="-2106390576"/>
         <c:scaling>
           <c:orientation val="minMax"/>
         </c:scaling>
@@ -3409,7 +3408,7 @@
             <a:endParaRPr lang="en-US"/>
           </a:p>
         </c:txPr>
-        <c:crossAx val="2122364384"/>
+        <c:crossAx val="-2106210960"/>
         <c:crosses val="autoZero"/>
         <c:auto val="1"/>
         <c:lblAlgn val="ctr"/>
@@ -3417,7 +3416,7 @@
         <c:noMultiLvlLbl val="0"/>
       </c:catAx>
       <c:valAx>
-        <c:axId val="2122364384"/>
+        <c:axId val="-2106210960"/>
         <c:scaling>
           <c:orientation val="minMax"/>
         </c:scaling>
@@ -3538,7 +3537,7 @@
             <a:endParaRPr lang="en-US"/>
           </a:p>
         </c:txPr>
-        <c:crossAx val="2123321056"/>
+        <c:crossAx val="-2106390576"/>
         <c:crosses val="autoZero"/>
         <c:crossBetween val="between"/>
       </c:valAx>
@@ -3786,7 +3785,9 @@
               </c:spPr>
             </c:leaderLines>
             <c:extLst>
-              <c:ext xmlns:c15="http://schemas.microsoft.com/office/drawing/2012/chart" uri="{CE6537A1-D6FC-4f65-9D91-7224C49458BB}"/>
+              <c:ext xmlns:c15="http://schemas.microsoft.com/office/drawing/2012/chart" uri="{CE6537A1-D6FC-4f65-9D91-7224C49458BB}">
+                <c15:layout/>
+              </c:ext>
             </c:extLst>
           </c:dLbls>
           <c:cat>
@@ -4066,7 +4067,7 @@
                   <c:v>-6.43</c:v>
                 </c:pt>
                 <c:pt idx="10">
-                  <c:v>-9.739999999999998</c:v>
+                  <c:v>-9.74</c:v>
                 </c:pt>
                 <c:pt idx="11">
                   <c:v>-13.05</c:v>
@@ -4100,11 +4101,11 @@
           <c:showBubbleSize val="0"/>
         </c:dLbls>
         <c:smooth val="0"/>
-        <c:axId val="-2135201104"/>
-        <c:axId val="-2135199648"/>
+        <c:axId val="-2109028992"/>
+        <c:axId val="-2109026816"/>
       </c:lineChart>
       <c:catAx>
-        <c:axId val="-2135201104"/>
+        <c:axId val="-2109028992"/>
         <c:scaling>
           <c:orientation val="minMax"/>
         </c:scaling>
@@ -4147,7 +4148,7 @@
             <a:endParaRPr lang="en-US"/>
           </a:p>
         </c:txPr>
-        <c:crossAx val="-2135199648"/>
+        <c:crossAx val="-2109026816"/>
         <c:crosses val="autoZero"/>
         <c:auto val="1"/>
         <c:lblAlgn val="ctr"/>
@@ -4155,7 +4156,7 @@
         <c:noMultiLvlLbl val="0"/>
       </c:catAx>
       <c:valAx>
-        <c:axId val="-2135199648"/>
+        <c:axId val="-2109026816"/>
         <c:scaling>
           <c:orientation val="minMax"/>
         </c:scaling>
@@ -4202,6 +4203,7 @@
               </a:p>
             </c:rich>
           </c:tx>
+          <c:layout/>
           <c:overlay val="0"/>
           <c:spPr>
             <a:noFill/>
@@ -4242,7 +4244,7 @@
             <a:endParaRPr lang="en-US"/>
           </a:p>
         </c:txPr>
-        <c:crossAx val="-2135201104"/>
+        <c:crossAx val="-2109028992"/>
         <c:crosses val="autoZero"/>
         <c:crossBetween val="between"/>
       </c:valAx>
@@ -4258,6 +4260,7 @@
     </c:plotArea>
     <c:legend>
       <c:legendPos val="b"/>
+      <c:layout/>
       <c:overlay val="0"/>
       <c:spPr>
         <a:noFill/>
@@ -4853,11 +4856,11 @@
         </c:dLbls>
         <c:gapWidth val="219"/>
         <c:overlap val="-27"/>
-        <c:axId val="-2116162016"/>
-        <c:axId val="-2116158928"/>
+        <c:axId val="-2108163840"/>
+        <c:axId val="-2108091440"/>
       </c:barChart>
       <c:catAx>
-        <c:axId val="-2116162016"/>
+        <c:axId val="-2108163840"/>
         <c:scaling>
           <c:orientation val="minMax"/>
         </c:scaling>
@@ -4900,7 +4903,7 @@
             <a:endParaRPr lang="en-US"/>
           </a:p>
         </c:txPr>
-        <c:crossAx val="-2116158928"/>
+        <c:crossAx val="-2108091440"/>
         <c:crosses val="autoZero"/>
         <c:auto val="1"/>
         <c:lblAlgn val="ctr"/>
@@ -4908,7 +4911,7 @@
         <c:noMultiLvlLbl val="0"/>
       </c:catAx>
       <c:valAx>
-        <c:axId val="-2116158928"/>
+        <c:axId val="-2108091440"/>
         <c:scaling>
           <c:orientation val="minMax"/>
         </c:scaling>
@@ -5032,7 +5035,7 @@
             <a:endParaRPr lang="en-US"/>
           </a:p>
         </c:txPr>
-        <c:crossAx val="-2116162016"/>
+        <c:crossAx val="-2108163840"/>
         <c:crosses val="autoZero"/>
         <c:crossBetween val="between"/>
       </c:valAx>
@@ -5709,11 +5712,11 @@
         </c:dLbls>
         <c:gapWidth val="219"/>
         <c:overlap val="100"/>
-        <c:axId val="-2081449552"/>
-        <c:axId val="-2081446176"/>
+        <c:axId val="-2107338416"/>
+        <c:axId val="-2107248832"/>
       </c:barChart>
       <c:catAx>
-        <c:axId val="-2081449552"/>
+        <c:axId val="-2107338416"/>
         <c:scaling>
           <c:orientation val="minMax"/>
         </c:scaling>
@@ -5723,7 +5726,7 @@
         <c:majorTickMark val="none"/>
         <c:minorTickMark val="none"/>
         <c:tickLblPos val="nextTo"/>
-        <c:crossAx val="-2081446176"/>
+        <c:crossAx val="-2107248832"/>
         <c:crosses val="autoZero"/>
         <c:auto val="1"/>
         <c:lblAlgn val="ctr"/>
@@ -5731,7 +5734,7 @@
         <c:noMultiLvlLbl val="0"/>
       </c:catAx>
       <c:valAx>
-        <c:axId val="-2081446176"/>
+        <c:axId val="-2107248832"/>
         <c:scaling>
           <c:orientation val="minMax"/>
         </c:scaling>
@@ -5880,7 +5883,7 @@
             <a:endParaRPr lang="en-US"/>
           </a:p>
         </c:txPr>
-        <c:crossAx val="-2081449552"/>
+        <c:crossAx val="-2107338416"/>
         <c:crosses val="autoZero"/>
         <c:crossBetween val="between"/>
       </c:valAx>
@@ -6047,7 +6050,6 @@
             <c:showLeaderLines val="0"/>
             <c:extLst>
               <c:ext xmlns:c15="http://schemas.microsoft.com/office/drawing/2012/chart" uri="{CE6537A1-D6FC-4f65-9D91-7224C49458BB}">
-                <c15:layout/>
                 <c15:showLeaderLines val="1"/>
                 <c15:leaderLines>
                   <c:spPr>
@@ -6171,7 +6173,6 @@
             <c:showLeaderLines val="0"/>
             <c:extLst>
               <c:ext xmlns:c15="http://schemas.microsoft.com/office/drawing/2012/chart" uri="{CE6537A1-D6FC-4f65-9D91-7224C49458BB}">
-                <c15:layout/>
                 <c15:showLeaderLines val="1"/>
                 <c15:leaderLines>
                   <c:spPr>
@@ -6290,7 +6291,6 @@
             <c:showLeaderLines val="0"/>
             <c:extLst>
               <c:ext xmlns:c15="http://schemas.microsoft.com/office/drawing/2012/chart" uri="{CE6537A1-D6FC-4f65-9D91-7224C49458BB}">
-                <c15:layout/>
                 <c15:showLeaderLines val="1"/>
                 <c15:leaderLines>
                   <c:spPr>
@@ -6355,11 +6355,11 @@
         </c:dLbls>
         <c:gapWidth val="219"/>
         <c:overlap val="-27"/>
-        <c:axId val="2123015568"/>
-        <c:axId val="2123019040"/>
+        <c:axId val="-2133845664"/>
+        <c:axId val="-2133849312"/>
       </c:barChart>
       <c:catAx>
-        <c:axId val="2123015568"/>
+        <c:axId val="-2133845664"/>
         <c:scaling>
           <c:orientation val="minMax"/>
         </c:scaling>
@@ -6399,7 +6399,7 @@
             <a:endParaRPr lang="en-US"/>
           </a:p>
         </c:txPr>
-        <c:crossAx val="2123019040"/>
+        <c:crossAx val="-2133849312"/>
         <c:crosses val="autoZero"/>
         <c:auto val="1"/>
         <c:lblAlgn val="ctr"/>
@@ -6407,7 +6407,7 @@
         <c:noMultiLvlLbl val="0"/>
       </c:catAx>
       <c:valAx>
-        <c:axId val="2123019040"/>
+        <c:axId val="-2133849312"/>
         <c:scaling>
           <c:orientation val="minMax"/>
         </c:scaling>
@@ -6466,7 +6466,6 @@
               </a:p>
             </c:rich>
           </c:tx>
-          <c:layout/>
           <c:overlay val="0"/>
           <c:spPr>
             <a:noFill/>
@@ -6529,7 +6528,7 @@
             <a:endParaRPr lang="en-US"/>
           </a:p>
         </c:txPr>
-        <c:crossAx val="2123015568"/>
+        <c:crossAx val="-2133845664"/>
         <c:crosses val="autoZero"/>
         <c:crossBetween val="between"/>
       </c:valAx>
@@ -6545,7 +6544,6 @@
     </c:plotArea>
     <c:legend>
       <c:legendPos val="b"/>
-      <c:layout/>
       <c:overlay val="0"/>
       <c:spPr>
         <a:noFill/>
@@ -6912,11 +6910,11 @@
         </c:dLbls>
         <c:gapWidth val="219"/>
         <c:overlap val="100"/>
-        <c:axId val="2124429360"/>
-        <c:axId val="-2085337680"/>
+        <c:axId val="-2106353392"/>
+        <c:axId val="-2106350800"/>
       </c:barChart>
       <c:catAx>
-        <c:axId val="2124429360"/>
+        <c:axId val="-2106353392"/>
         <c:scaling>
           <c:orientation val="minMax"/>
         </c:scaling>
@@ -6959,7 +6957,7 @@
             <a:endParaRPr lang="en-US"/>
           </a:p>
         </c:txPr>
-        <c:crossAx val="-2085337680"/>
+        <c:crossAx val="-2106350800"/>
         <c:crosses val="autoZero"/>
         <c:auto val="1"/>
         <c:lblAlgn val="ctr"/>
@@ -6967,7 +6965,7 @@
         <c:noMultiLvlLbl val="0"/>
       </c:catAx>
       <c:valAx>
-        <c:axId val="-2085337680"/>
+        <c:axId val="-2106350800"/>
         <c:scaling>
           <c:orientation val="minMax"/>
         </c:scaling>
@@ -7059,7 +7057,7 @@
             <a:endParaRPr lang="en-US"/>
           </a:p>
         </c:txPr>
-        <c:crossAx val="2124429360"/>
+        <c:crossAx val="-2106353392"/>
         <c:crosses val="autoZero"/>
         <c:crossBetween val="between"/>
       </c:valAx>
@@ -7216,10 +7214,10 @@
                   <c:v>Operation location: GER/CH</c:v>
                 </c:pt>
                 <c:pt idx="1">
-                  <c:v>Energy efficieny: efficient/inefficient</c:v>
+                  <c:v>Actuator: soft/motor</c:v>
                 </c:pt>
                 <c:pt idx="2">
-                  <c:v>Room size: 30sqm/10sqm</c:v>
+                  <c:v>Control: individual/per row</c:v>
                 </c:pt>
                 <c:pt idx="3">
                   <c:v>Best/worst case scenario</c:v>
@@ -7284,10 +7282,10 @@
                   <c:v>Operation location: GER/CH</c:v>
                 </c:pt>
                 <c:pt idx="1">
-                  <c:v>Energy efficieny: efficient/inefficient</c:v>
+                  <c:v>Actuator: soft/motor</c:v>
                 </c:pt>
                 <c:pt idx="2">
-                  <c:v>Room size: 30sqm/10sqm</c:v>
+                  <c:v>Control: individual/per row</c:v>
                 </c:pt>
                 <c:pt idx="3">
                   <c:v>Best/worst case scenario</c:v>
@@ -7327,11 +7325,11 @@
         </c:dLbls>
         <c:gapWidth val="219"/>
         <c:overlap val="100"/>
-        <c:axId val="-2116132928"/>
-        <c:axId val="-2116164352"/>
+        <c:axId val="-2108924576"/>
+        <c:axId val="-2108921152"/>
       </c:barChart>
       <c:catAx>
-        <c:axId val="-2116132928"/>
+        <c:axId val="-2108924576"/>
         <c:scaling>
           <c:orientation val="minMax"/>
         </c:scaling>
@@ -7371,7 +7369,7 @@
             <a:endParaRPr lang="en-US"/>
           </a:p>
         </c:txPr>
-        <c:crossAx val="-2116164352"/>
+        <c:crossAx val="-2108921152"/>
         <c:crosses val="autoZero"/>
         <c:auto val="1"/>
         <c:lblAlgn val="ctr"/>
@@ -7379,7 +7377,7 @@
         <c:noMultiLvlLbl val="0"/>
       </c:catAx>
       <c:valAx>
-        <c:axId val="-2116164352"/>
+        <c:axId val="-2108921152"/>
         <c:scaling>
           <c:orientation val="minMax"/>
         </c:scaling>
@@ -7521,422 +7519,10 @@
             <a:endParaRPr lang="en-US"/>
           </a:p>
         </c:txPr>
-        <c:crossAx val="-2116132928"/>
+        <c:crossAx val="-2108924576"/>
         <c:crosses val="autoZero"/>
         <c:crossBetween val="between"/>
         <c:majorUnit val="100.0"/>
-      </c:valAx>
-      <c:spPr>
-        <a:noFill/>
-        <a:ln>
-          <a:solidFill>
-            <a:schemeClr val="accent3"/>
-          </a:solidFill>
-        </a:ln>
-        <a:effectLst/>
-      </c:spPr>
-    </c:plotArea>
-    <c:plotVisOnly val="1"/>
-    <c:dispBlanksAs val="gap"/>
-    <c:showDLblsOverMax val="0"/>
-  </c:chart>
-  <c:spPr>
-    <a:noFill/>
-    <a:ln>
-      <a:noFill/>
-    </a:ln>
-    <a:effectLst/>
-  </c:spPr>
-  <c:txPr>
-    <a:bodyPr/>
-    <a:lstStyle/>
-    <a:p>
-      <a:pPr>
-        <a:defRPr/>
-      </a:pPr>
-      <a:endParaRPr lang="en-US"/>
-    </a:p>
-  </c:txPr>
-  <c:externalData r:id="rId3">
-    <c:autoUpdate val="0"/>
-  </c:externalData>
-</c:chartSpace>
-</file>
-
-<file path=ppt/charts/chart22.xml><?xml version="1.0" encoding="utf-8"?>
-<c:chartSpace xmlns:c="http://schemas.openxmlformats.org/drawingml/2006/chart" xmlns:a="http://schemas.openxmlformats.org/drawingml/2006/main" xmlns:r="http://schemas.openxmlformats.org/officeDocument/2006/relationships">
-  <c:date1904 val="0"/>
-  <c:lang val="en-US"/>
-  <c:roundedCorners val="0"/>
-  <mc:AlternateContent xmlns:mc="http://schemas.openxmlformats.org/markup-compatibility/2006">
-    <mc:Choice xmlns:c14="http://schemas.microsoft.com/office/drawing/2007/8/2/chart" Requires="c14">
-      <c14:style val="102"/>
-    </mc:Choice>
-    <mc:Fallback>
-      <c:style val="2"/>
-    </mc:Fallback>
-  </mc:AlternateContent>
-  <c:chart>
-    <c:autoTitleDeleted val="1"/>
-    <c:plotArea>
-      <c:layout/>
-      <c:barChart>
-        <c:barDir val="col"/>
-        <c:grouping val="stacked"/>
-        <c:varyColors val="0"/>
-        <c:ser>
-          <c:idx val="0"/>
-          <c:order val="0"/>
-          <c:tx>
-            <c:strRef>
-              <c:f>Sheet1!$B$1</c:f>
-              <c:strCache>
-                <c:ptCount val="1"/>
-                <c:pt idx="0">
-                  <c:v>Series 1</c:v>
-                </c:pt>
-              </c:strCache>
-            </c:strRef>
-          </c:tx>
-          <c:spPr>
-            <a:solidFill>
-              <a:schemeClr val="accent2"/>
-            </a:solidFill>
-            <a:ln>
-              <a:solidFill>
-                <a:schemeClr val="accent3"/>
-              </a:solidFill>
-            </a:ln>
-            <a:effectLst/>
-          </c:spPr>
-          <c:invertIfNegative val="0"/>
-          <c:dPt>
-            <c:idx val="0"/>
-            <c:invertIfNegative val="0"/>
-            <c:bubble3D val="0"/>
-          </c:dPt>
-          <c:cat>
-            <c:strRef>
-              <c:f>Sheet1!$A$2:$A$5</c:f>
-              <c:strCache>
-                <c:ptCount val="4"/>
-                <c:pt idx="0">
-                  <c:v>Operation location: GER/CH</c:v>
-                </c:pt>
-                <c:pt idx="1">
-                  <c:v>Energy efficieny: efficient/inefficient</c:v>
-                </c:pt>
-                <c:pt idx="2">
-                  <c:v>Room size: 30sqm/10sqm</c:v>
-                </c:pt>
-                <c:pt idx="3">
-                  <c:v>Best/worst case scenario</c:v>
-                </c:pt>
-              </c:strCache>
-            </c:strRef>
-          </c:cat>
-          <c:val>
-            <c:numRef>
-              <c:f>Sheet1!$B$2:$B$5</c:f>
-              <c:numCache>
-                <c:formatCode>General</c:formatCode>
-                <c:ptCount val="4"/>
-                <c:pt idx="0">
-                  <c:v>-27.5</c:v>
-                </c:pt>
-                <c:pt idx="1">
-                  <c:v>-4.9</c:v>
-                </c:pt>
-                <c:pt idx="2">
-                  <c:v>-1.3</c:v>
-                </c:pt>
-                <c:pt idx="3">
-                  <c:v>-26.4</c:v>
-                </c:pt>
-              </c:numCache>
-            </c:numRef>
-          </c:val>
-        </c:ser>
-        <c:ser>
-          <c:idx val="1"/>
-          <c:order val="1"/>
-          <c:tx>
-            <c:strRef>
-              <c:f>Sheet1!$C$1</c:f>
-              <c:strCache>
-                <c:ptCount val="1"/>
-                <c:pt idx="0">
-                  <c:v>Series 2</c:v>
-                </c:pt>
-              </c:strCache>
-            </c:strRef>
-          </c:tx>
-          <c:spPr>
-            <a:solidFill>
-              <a:schemeClr val="accent2"/>
-            </a:solidFill>
-            <a:ln>
-              <a:solidFill>
-                <a:schemeClr val="accent3"/>
-              </a:solidFill>
-            </a:ln>
-            <a:effectLst/>
-          </c:spPr>
-          <c:invertIfNegative val="0"/>
-          <c:cat>
-            <c:strRef>
-              <c:f>Sheet1!$A$2:$A$5</c:f>
-              <c:strCache>
-                <c:ptCount val="4"/>
-                <c:pt idx="0">
-                  <c:v>Operation location: GER/CH</c:v>
-                </c:pt>
-                <c:pt idx="1">
-                  <c:v>Energy efficieny: efficient/inefficient</c:v>
-                </c:pt>
-                <c:pt idx="2">
-                  <c:v>Room size: 30sqm/10sqm</c:v>
-                </c:pt>
-                <c:pt idx="3">
-                  <c:v>Best/worst case scenario</c:v>
-                </c:pt>
-              </c:strCache>
-            </c:strRef>
-          </c:cat>
-          <c:val>
-            <c:numRef>
-              <c:f>Sheet1!$C$2:$C$5</c:f>
-              <c:numCache>
-                <c:formatCode>General</c:formatCode>
-                <c:ptCount val="4"/>
-                <c:pt idx="0">
-                  <c:v>0.0</c:v>
-                </c:pt>
-                <c:pt idx="1">
-                  <c:v>4.3</c:v>
-                </c:pt>
-                <c:pt idx="2">
-                  <c:v>4.689999999999999</c:v>
-                </c:pt>
-                <c:pt idx="3">
-                  <c:v>5.7</c:v>
-                </c:pt>
-              </c:numCache>
-            </c:numRef>
-          </c:val>
-        </c:ser>
-        <c:dLbls>
-          <c:showLegendKey val="0"/>
-          <c:showVal val="0"/>
-          <c:showCatName val="0"/>
-          <c:showSerName val="0"/>
-          <c:showPercent val="0"/>
-          <c:showBubbleSize val="0"/>
-        </c:dLbls>
-        <c:gapWidth val="219"/>
-        <c:overlap val="100"/>
-        <c:axId val="-2083119328"/>
-        <c:axId val="2124966016"/>
-      </c:barChart>
-      <c:catAx>
-        <c:axId val="-2083119328"/>
-        <c:scaling>
-          <c:orientation val="minMax"/>
-        </c:scaling>
-        <c:delete val="0"/>
-        <c:axPos val="b"/>
-        <c:numFmt formatCode="General" sourceLinked="1"/>
-        <c:majorTickMark val="none"/>
-        <c:minorTickMark val="none"/>
-        <c:tickLblPos val="nextTo"/>
-        <c:spPr>
-          <a:noFill/>
-          <a:ln w="15875" cap="flat" cmpd="sng" algn="ctr">
-            <a:solidFill>
-              <a:schemeClr val="accent3"/>
-            </a:solidFill>
-            <a:round/>
-          </a:ln>
-          <a:effectLst/>
-        </c:spPr>
-        <c:txPr>
-          <a:bodyPr rot="-60000000" spcFirstLastPara="1" vertOverflow="ellipsis" vert="horz" wrap="square" anchor="ctr" anchorCtr="1"/>
-          <a:lstStyle/>
-          <a:p>
-            <a:pPr>
-              <a:defRPr sz="1197" b="0" i="0" u="none" strike="noStrike" kern="1200" baseline="0">
-                <a:solidFill>
-                  <a:schemeClr val="tx1">
-                    <a:lumMod val="65000"/>
-                    <a:lumOff val="35000"/>
-                  </a:schemeClr>
-                </a:solidFill>
-                <a:latin typeface="+mn-lt"/>
-                <a:ea typeface="+mn-ea"/>
-                <a:cs typeface="+mn-cs"/>
-              </a:defRPr>
-            </a:pPr>
-            <a:endParaRPr lang="en-US"/>
-          </a:p>
-        </c:txPr>
-        <c:crossAx val="2124966016"/>
-        <c:crosses val="autoZero"/>
-        <c:auto val="1"/>
-        <c:lblAlgn val="ctr"/>
-        <c:lblOffset val="100"/>
-        <c:noMultiLvlLbl val="0"/>
-      </c:catAx>
-      <c:valAx>
-        <c:axId val="2124966016"/>
-        <c:scaling>
-          <c:orientation val="minMax"/>
-        </c:scaling>
-        <c:delete val="0"/>
-        <c:axPos val="l"/>
-        <c:majorGridlines>
-          <c:spPr>
-            <a:ln w="9525" cap="flat" cmpd="sng" algn="ctr">
-              <a:solidFill>
-                <a:schemeClr val="tx1">
-                  <a:lumMod val="15000"/>
-                  <a:lumOff val="85000"/>
-                </a:schemeClr>
-              </a:solidFill>
-              <a:round/>
-            </a:ln>
-            <a:effectLst/>
-          </c:spPr>
-        </c:majorGridlines>
-        <c:title>
-          <c:tx>
-            <c:rich>
-              <a:bodyPr rot="-5400000" spcFirstLastPara="1" vertOverflow="ellipsis" vert="horz" wrap="square" anchor="ctr" anchorCtr="1"/>
-              <a:lstStyle/>
-              <a:p>
-                <a:pPr>
-                  <a:defRPr sz="1330" b="0" i="0" u="none" strike="noStrike" kern="1200" baseline="0">
-                    <a:solidFill>
-                      <a:schemeClr val="tx1">
-                        <a:lumMod val="65000"/>
-                        <a:lumOff val="35000"/>
-                      </a:schemeClr>
-                    </a:solidFill>
-                    <a:latin typeface="+mn-lt"/>
-                    <a:ea typeface="+mn-ea"/>
-                    <a:cs typeface="+mn-cs"/>
-                  </a:defRPr>
-                </a:pPr>
-                <a:r>
-                  <a:rPr lang="en-US" sz="1800" b="0" i="0" baseline="0" dirty="0" smtClean="0">
-                    <a:effectLst/>
-                  </a:rPr>
-                  <a:t>GWP (kg CO</a:t>
-                </a:r>
-                <a:r>
-                  <a:rPr lang="en-US" sz="1800" b="0" i="0" baseline="-25000" dirty="0" smtClean="0">
-                    <a:effectLst/>
-                  </a:rPr>
-                  <a:t>2eq</a:t>
-                </a:r>
-                <a:r>
-                  <a:rPr lang="en-US" sz="1800" b="0" i="0" baseline="0" dirty="0" smtClean="0">
-                    <a:effectLst/>
-                  </a:rPr>
-                  <a:t>/m</a:t>
-                </a:r>
-                <a:r>
-                  <a:rPr lang="en-US" sz="1800" b="0" i="0" baseline="-25000" dirty="0" smtClean="0">
-                    <a:effectLst/>
-                  </a:rPr>
-                  <a:t>2</a:t>
-                </a:r>
-                <a:r>
-                  <a:rPr lang="en-US" sz="1800" b="0" i="0" baseline="0" dirty="0" smtClean="0">
-                    <a:effectLst/>
-                  </a:rPr>
-                  <a:t>*</a:t>
-                </a:r>
-                <a:r>
-                  <a:rPr lang="en-US" sz="1800" b="0" i="0" baseline="0" dirty="0" err="1" smtClean="0">
-                    <a:effectLst/>
-                  </a:rPr>
-                  <a:t>yr</a:t>
-                </a:r>
-                <a:r>
-                  <a:rPr lang="en-US" sz="1800" b="0" i="0" baseline="0" dirty="0" smtClean="0">
-                    <a:effectLst/>
-                  </a:rPr>
-                  <a:t>)</a:t>
-                </a:r>
-                <a:endParaRPr lang="en-US" dirty="0">
-                  <a:effectLst/>
-                </a:endParaRPr>
-              </a:p>
-            </c:rich>
-          </c:tx>
-          <c:overlay val="0"/>
-          <c:spPr>
-            <a:noFill/>
-            <a:ln>
-              <a:noFill/>
-            </a:ln>
-            <a:effectLst/>
-          </c:spPr>
-          <c:txPr>
-            <a:bodyPr rot="-5400000" spcFirstLastPara="1" vertOverflow="ellipsis" vert="horz" wrap="square" anchor="ctr" anchorCtr="1"/>
-            <a:lstStyle/>
-            <a:p>
-              <a:pPr>
-                <a:defRPr sz="1330" b="0" i="0" u="none" strike="noStrike" kern="1200" baseline="0">
-                  <a:solidFill>
-                    <a:schemeClr val="tx1">
-                      <a:lumMod val="65000"/>
-                      <a:lumOff val="35000"/>
-                    </a:schemeClr>
-                  </a:solidFill>
-                  <a:latin typeface="+mn-lt"/>
-                  <a:ea typeface="+mn-ea"/>
-                  <a:cs typeface="+mn-cs"/>
-                </a:defRPr>
-              </a:pPr>
-              <a:endParaRPr lang="en-US"/>
-            </a:p>
-          </c:txPr>
-        </c:title>
-        <c:numFmt formatCode="General" sourceLinked="1"/>
-        <c:majorTickMark val="none"/>
-        <c:minorTickMark val="none"/>
-        <c:tickLblPos val="nextTo"/>
-        <c:spPr>
-          <a:noFill/>
-          <a:ln>
-            <a:noFill/>
-          </a:ln>
-          <a:effectLst/>
-        </c:spPr>
-        <c:txPr>
-          <a:bodyPr rot="-60000000" spcFirstLastPara="1" vertOverflow="ellipsis" vert="horz" wrap="square" anchor="ctr" anchorCtr="1"/>
-          <a:lstStyle/>
-          <a:p>
-            <a:pPr>
-              <a:defRPr sz="1197" b="0" i="0" u="none" strike="noStrike" kern="1200" baseline="0">
-                <a:solidFill>
-                  <a:schemeClr val="tx1">
-                    <a:lumMod val="65000"/>
-                    <a:lumOff val="35000"/>
-                  </a:schemeClr>
-                </a:solidFill>
-                <a:latin typeface="+mn-lt"/>
-                <a:ea typeface="+mn-ea"/>
-                <a:cs typeface="+mn-cs"/>
-              </a:defRPr>
-            </a:pPr>
-            <a:endParaRPr lang="en-US"/>
-          </a:p>
-        </c:txPr>
-        <c:crossAx val="-2083119328"/>
-        <c:crosses val="autoZero"/>
-        <c:crossBetween val="between"/>
       </c:valAx>
       <c:spPr>
         <a:noFill/>
@@ -8261,11 +7847,11 @@
         </c:dLbls>
         <c:gapWidth val="219"/>
         <c:overlap val="-27"/>
-        <c:axId val="2123921152"/>
-        <c:axId val="2123924560"/>
+        <c:axId val="2112197648"/>
+        <c:axId val="2109651072"/>
       </c:barChart>
       <c:catAx>
-        <c:axId val="2123921152"/>
+        <c:axId val="2112197648"/>
         <c:scaling>
           <c:orientation val="minMax"/>
         </c:scaling>
@@ -8305,7 +7891,7 @@
             <a:endParaRPr lang="en-US"/>
           </a:p>
         </c:txPr>
-        <c:crossAx val="2123924560"/>
+        <c:crossAx val="2109651072"/>
         <c:crosses val="autoZero"/>
         <c:auto val="1"/>
         <c:lblAlgn val="ctr"/>
@@ -8313,7 +7899,7 @@
         <c:noMultiLvlLbl val="0"/>
       </c:catAx>
       <c:valAx>
-        <c:axId val="2123924560"/>
+        <c:axId val="2109651072"/>
         <c:scaling>
           <c:orientation val="minMax"/>
         </c:scaling>
@@ -8447,7 +8033,7 @@
             <a:endParaRPr lang="en-US"/>
           </a:p>
         </c:txPr>
-        <c:crossAx val="2123921152"/>
+        <c:crossAx val="2112197648"/>
         <c:crosses val="autoZero"/>
         <c:crossBetween val="between"/>
       </c:valAx>
@@ -9056,11 +8642,11 @@
         </c:dLbls>
         <c:gapWidth val="219"/>
         <c:overlap val="-27"/>
-        <c:axId val="2122841984"/>
-        <c:axId val="2122845328"/>
+        <c:axId val="2109088752"/>
+        <c:axId val="2109092096"/>
       </c:barChart>
       <c:catAx>
-        <c:axId val="2122841984"/>
+        <c:axId val="2109088752"/>
         <c:scaling>
           <c:orientation val="minMax"/>
         </c:scaling>
@@ -9100,7 +8686,7 @@
             <a:endParaRPr lang="en-US"/>
           </a:p>
         </c:txPr>
-        <c:crossAx val="2122845328"/>
+        <c:crossAx val="2109092096"/>
         <c:crosses val="autoZero"/>
         <c:auto val="1"/>
         <c:lblAlgn val="ctr"/>
@@ -9108,7 +8694,7 @@
         <c:noMultiLvlLbl val="0"/>
       </c:catAx>
       <c:valAx>
-        <c:axId val="2122845328"/>
+        <c:axId val="2109092096"/>
         <c:scaling>
           <c:orientation val="minMax"/>
         </c:scaling>
@@ -9247,7 +8833,7 @@
             <a:endParaRPr lang="en-US"/>
           </a:p>
         </c:txPr>
-        <c:crossAx val="2122841984"/>
+        <c:crossAx val="2109088752"/>
         <c:crosses val="autoZero"/>
         <c:crossBetween val="between"/>
       </c:valAx>
@@ -9639,11 +9225,11 @@
         </c:dLbls>
         <c:gapWidth val="219"/>
         <c:overlap val="-27"/>
-        <c:axId val="2123163696"/>
-        <c:axId val="2122850320"/>
+        <c:axId val="2112132176"/>
+        <c:axId val="2112135600"/>
       </c:barChart>
       <c:catAx>
-        <c:axId val="2123163696"/>
+        <c:axId val="2112132176"/>
         <c:scaling>
           <c:orientation val="minMax"/>
         </c:scaling>
@@ -9683,7 +9269,7 @@
             <a:endParaRPr lang="en-US"/>
           </a:p>
         </c:txPr>
-        <c:crossAx val="2122850320"/>
+        <c:crossAx val="2112135600"/>
         <c:crosses val="autoZero"/>
         <c:auto val="1"/>
         <c:lblAlgn val="ctr"/>
@@ -9691,7 +9277,7 @@
         <c:noMultiLvlLbl val="0"/>
       </c:catAx>
       <c:valAx>
-        <c:axId val="2122850320"/>
+        <c:axId val="2112135600"/>
         <c:scaling>
           <c:orientation val="minMax"/>
         </c:scaling>
@@ -9822,7 +9408,7 @@
             <a:endParaRPr lang="en-US"/>
           </a:p>
         </c:txPr>
-        <c:crossAx val="2123163696"/>
+        <c:crossAx val="2112132176"/>
         <c:crosses val="autoZero"/>
         <c:crossBetween val="between"/>
       </c:valAx>
@@ -9992,11 +9578,11 @@
         </c:dLbls>
         <c:gapWidth val="219"/>
         <c:overlap val="-27"/>
-        <c:axId val="2123819104"/>
-        <c:axId val="2123822464"/>
+        <c:axId val="2133579008"/>
+        <c:axId val="2133582512"/>
       </c:barChart>
       <c:catAx>
-        <c:axId val="2123819104"/>
+        <c:axId val="2133579008"/>
         <c:scaling>
           <c:orientation val="minMax"/>
         </c:scaling>
@@ -10036,7 +9622,7 @@
             <a:endParaRPr lang="en-US"/>
           </a:p>
         </c:txPr>
-        <c:crossAx val="2123822464"/>
+        <c:crossAx val="2133582512"/>
         <c:crosses val="autoZero"/>
         <c:auto val="1"/>
         <c:lblAlgn val="ctr"/>
@@ -10044,7 +9630,7 @@
         <c:noMultiLvlLbl val="0"/>
       </c:catAx>
       <c:valAx>
-        <c:axId val="2123822464"/>
+        <c:axId val="2133582512"/>
         <c:scaling>
           <c:orientation val="minMax"/>
         </c:scaling>
@@ -10175,7 +9761,7 @@
             <a:endParaRPr lang="en-US"/>
           </a:p>
         </c:txPr>
-        <c:crossAx val="2123819104"/>
+        <c:crossAx val="2133579008"/>
         <c:crosses val="autoZero"/>
         <c:crossBetween val="between"/>
       </c:valAx>
@@ -10485,11 +10071,11 @@
         </c:dLbls>
         <c:gapWidth val="219"/>
         <c:overlap val="100"/>
-        <c:axId val="-2135237232"/>
-        <c:axId val="-2135233872"/>
+        <c:axId val="2112093312"/>
+        <c:axId val="2112096672"/>
       </c:barChart>
       <c:catAx>
-        <c:axId val="-2135237232"/>
+        <c:axId val="2112093312"/>
         <c:scaling>
           <c:orientation val="minMax"/>
         </c:scaling>
@@ -10532,7 +10118,7 @@
             <a:endParaRPr lang="en-US"/>
           </a:p>
         </c:txPr>
-        <c:crossAx val="-2135233872"/>
+        <c:crossAx val="2112096672"/>
         <c:crosses val="autoZero"/>
         <c:auto val="1"/>
         <c:lblAlgn val="ctr"/>
@@ -10540,7 +10126,7 @@
         <c:noMultiLvlLbl val="0"/>
       </c:catAx>
       <c:valAx>
-        <c:axId val="-2135233872"/>
+        <c:axId val="2112096672"/>
         <c:scaling>
           <c:orientation val="minMax"/>
         </c:scaling>
@@ -10652,7 +10238,7 @@
             <a:endParaRPr lang="en-US"/>
           </a:p>
         </c:txPr>
-        <c:crossAx val="-2135237232"/>
+        <c:crossAx val="2112093312"/>
         <c:crosses val="autoZero"/>
         <c:crossBetween val="between"/>
       </c:valAx>
@@ -11765,46 +11351,6 @@
 </cs:colorStyle>
 </file>
 
-<file path=ppt/charts/colors19.xml><?xml version="1.0" encoding="utf-8"?>
-<cs:colorStyle xmlns:cs="http://schemas.microsoft.com/office/drawing/2012/chartStyle" xmlns:a="http://schemas.openxmlformats.org/drawingml/2006/main" meth="cycle" id="10">
-  <a:schemeClr val="accent1"/>
-  <a:schemeClr val="accent2"/>
-  <a:schemeClr val="accent3"/>
-  <a:schemeClr val="accent4"/>
-  <a:schemeClr val="accent5"/>
-  <a:schemeClr val="accent6"/>
-  <cs:variation/>
-  <cs:variation>
-    <a:lumMod val="60000"/>
-  </cs:variation>
-  <cs:variation>
-    <a:lumMod val="80000"/>
-    <a:lumOff val="20000"/>
-  </cs:variation>
-  <cs:variation>
-    <a:lumMod val="80000"/>
-  </cs:variation>
-  <cs:variation>
-    <a:lumMod val="60000"/>
-    <a:lumOff val="40000"/>
-  </cs:variation>
-  <cs:variation>
-    <a:lumMod val="50000"/>
-  </cs:variation>
-  <cs:variation>
-    <a:lumMod val="70000"/>
-    <a:lumOff val="30000"/>
-  </cs:variation>
-  <cs:variation>
-    <a:lumMod val="70000"/>
-  </cs:variation>
-  <cs:variation>
-    <a:lumMod val="50000"/>
-    <a:lumOff val="50000"/>
-  </cs:variation>
-</cs:colorStyle>
-</file>
-
 <file path=ppt/charts/colors2.xml><?xml version="1.0" encoding="utf-8"?>
 <cs:colorStyle xmlns:cs="http://schemas.microsoft.com/office/drawing/2012/chartStyle" xmlns:a="http://schemas.openxmlformats.org/drawingml/2006/main" meth="cycle" id="10">
   <a:schemeClr val="accent1"/>
@@ -16732,509 +16278,6 @@
 </file>
 
 <file path=ppt/charts/style18.xml><?xml version="1.0" encoding="utf-8"?>
-<cs:chartStyle xmlns:cs="http://schemas.microsoft.com/office/drawing/2012/chartStyle" xmlns:a="http://schemas.openxmlformats.org/drawingml/2006/main" id="201">
-  <cs:axisTitle>
-    <cs:lnRef idx="0"/>
-    <cs:fillRef idx="0"/>
-    <cs:effectRef idx="0"/>
-    <cs:fontRef idx="minor">
-      <a:schemeClr val="tx1">
-        <a:lumMod val="65000"/>
-        <a:lumOff val="35000"/>
-      </a:schemeClr>
-    </cs:fontRef>
-    <cs:defRPr sz="1330" kern="1200"/>
-  </cs:axisTitle>
-  <cs:categoryAxis>
-    <cs:lnRef idx="0"/>
-    <cs:fillRef idx="0"/>
-    <cs:effectRef idx="0"/>
-    <cs:fontRef idx="minor">
-      <a:schemeClr val="tx1">
-        <a:lumMod val="65000"/>
-        <a:lumOff val="35000"/>
-      </a:schemeClr>
-    </cs:fontRef>
-    <cs:spPr>
-      <a:ln w="9525" cap="flat" cmpd="sng" algn="ctr">
-        <a:solidFill>
-          <a:schemeClr val="tx1">
-            <a:lumMod val="15000"/>
-            <a:lumOff val="85000"/>
-          </a:schemeClr>
-        </a:solidFill>
-        <a:round/>
-      </a:ln>
-    </cs:spPr>
-    <cs:defRPr sz="1197" kern="1200"/>
-  </cs:categoryAxis>
-  <cs:chartArea mods="allowNoFillOverride allowNoLineOverride">
-    <cs:lnRef idx="0"/>
-    <cs:fillRef idx="0"/>
-    <cs:effectRef idx="0"/>
-    <cs:fontRef idx="minor">
-      <a:schemeClr val="tx1"/>
-    </cs:fontRef>
-    <cs:spPr>
-      <a:solidFill>
-        <a:schemeClr val="bg1"/>
-      </a:solidFill>
-      <a:ln w="9525" cap="flat" cmpd="sng" algn="ctr">
-        <a:solidFill>
-          <a:schemeClr val="tx1">
-            <a:lumMod val="15000"/>
-            <a:lumOff val="85000"/>
-          </a:schemeClr>
-        </a:solidFill>
-        <a:round/>
-      </a:ln>
-    </cs:spPr>
-    <cs:defRPr sz="1330" kern="1200"/>
-  </cs:chartArea>
-  <cs:dataLabel>
-    <cs:lnRef idx="0"/>
-    <cs:fillRef idx="0"/>
-    <cs:effectRef idx="0"/>
-    <cs:fontRef idx="minor">
-      <a:schemeClr val="tx1">
-        <a:lumMod val="75000"/>
-        <a:lumOff val="25000"/>
-      </a:schemeClr>
-    </cs:fontRef>
-    <cs:defRPr sz="1197" kern="1200"/>
-  </cs:dataLabel>
-  <cs:dataLabelCallout>
-    <cs:lnRef idx="0"/>
-    <cs:fillRef idx="0"/>
-    <cs:effectRef idx="0"/>
-    <cs:fontRef idx="minor">
-      <a:schemeClr val="dk1">
-        <a:lumMod val="65000"/>
-        <a:lumOff val="35000"/>
-      </a:schemeClr>
-    </cs:fontRef>
-    <cs:spPr>
-      <a:solidFill>
-        <a:schemeClr val="lt1"/>
-      </a:solidFill>
-      <a:ln>
-        <a:solidFill>
-          <a:schemeClr val="dk1">
-            <a:lumMod val="25000"/>
-            <a:lumOff val="75000"/>
-          </a:schemeClr>
-        </a:solidFill>
-      </a:ln>
-    </cs:spPr>
-    <cs:defRPr sz="1197" kern="1200"/>
-    <cs:bodyPr rot="0" spcFirstLastPara="1" vertOverflow="clip" horzOverflow="clip" vert="horz" wrap="square" lIns="36576" tIns="18288" rIns="36576" bIns="18288" anchor="ctr" anchorCtr="1">
-      <a:spAutoFit/>
-    </cs:bodyPr>
-  </cs:dataLabelCallout>
-  <cs:dataPoint>
-    <cs:lnRef idx="0"/>
-    <cs:fillRef idx="1">
-      <cs:styleClr val="auto"/>
-    </cs:fillRef>
-    <cs:effectRef idx="0"/>
-    <cs:fontRef idx="minor">
-      <a:schemeClr val="tx1"/>
-    </cs:fontRef>
-  </cs:dataPoint>
-  <cs:dataPoint3D>
-    <cs:lnRef idx="0"/>
-    <cs:fillRef idx="1">
-      <cs:styleClr val="auto"/>
-    </cs:fillRef>
-    <cs:effectRef idx="0"/>
-    <cs:fontRef idx="minor">
-      <a:schemeClr val="tx1"/>
-    </cs:fontRef>
-  </cs:dataPoint3D>
-  <cs:dataPointLine>
-    <cs:lnRef idx="0">
-      <cs:styleClr val="auto"/>
-    </cs:lnRef>
-    <cs:fillRef idx="1"/>
-    <cs:effectRef idx="0"/>
-    <cs:fontRef idx="minor">
-      <a:schemeClr val="tx1"/>
-    </cs:fontRef>
-    <cs:spPr>
-      <a:ln w="28575" cap="rnd">
-        <a:solidFill>
-          <a:schemeClr val="phClr"/>
-        </a:solidFill>
-        <a:round/>
-      </a:ln>
-    </cs:spPr>
-  </cs:dataPointLine>
-  <cs:dataPointMarker>
-    <cs:lnRef idx="0">
-      <cs:styleClr val="auto"/>
-    </cs:lnRef>
-    <cs:fillRef idx="1">
-      <cs:styleClr val="auto"/>
-    </cs:fillRef>
-    <cs:effectRef idx="0"/>
-    <cs:fontRef idx="minor">
-      <a:schemeClr val="tx1"/>
-    </cs:fontRef>
-    <cs:spPr>
-      <a:ln w="9525">
-        <a:solidFill>
-          <a:schemeClr val="phClr"/>
-        </a:solidFill>
-      </a:ln>
-    </cs:spPr>
-  </cs:dataPointMarker>
-  <cs:dataPointMarkerLayout symbol="circle" size="5"/>
-  <cs:dataPointWireframe>
-    <cs:lnRef idx="0">
-      <cs:styleClr val="auto"/>
-    </cs:lnRef>
-    <cs:fillRef idx="1"/>
-    <cs:effectRef idx="0"/>
-    <cs:fontRef idx="minor">
-      <a:schemeClr val="tx1"/>
-    </cs:fontRef>
-    <cs:spPr>
-      <a:ln w="9525" cap="rnd">
-        <a:solidFill>
-          <a:schemeClr val="phClr"/>
-        </a:solidFill>
-        <a:round/>
-      </a:ln>
-    </cs:spPr>
-  </cs:dataPointWireframe>
-  <cs:dataTable>
-    <cs:lnRef idx="0"/>
-    <cs:fillRef idx="0"/>
-    <cs:effectRef idx="0"/>
-    <cs:fontRef idx="minor">
-      <a:schemeClr val="tx1">
-        <a:lumMod val="65000"/>
-        <a:lumOff val="35000"/>
-      </a:schemeClr>
-    </cs:fontRef>
-    <cs:spPr>
-      <a:noFill/>
-      <a:ln w="9525" cap="flat" cmpd="sng" algn="ctr">
-        <a:solidFill>
-          <a:schemeClr val="tx1">
-            <a:lumMod val="15000"/>
-            <a:lumOff val="85000"/>
-          </a:schemeClr>
-        </a:solidFill>
-        <a:round/>
-      </a:ln>
-    </cs:spPr>
-    <cs:defRPr sz="1197" kern="1200"/>
-  </cs:dataTable>
-  <cs:downBar>
-    <cs:lnRef idx="0"/>
-    <cs:fillRef idx="0"/>
-    <cs:effectRef idx="0"/>
-    <cs:fontRef idx="minor">
-      <a:schemeClr val="dk1"/>
-    </cs:fontRef>
-    <cs:spPr>
-      <a:solidFill>
-        <a:schemeClr val="dk1">
-          <a:lumMod val="65000"/>
-          <a:lumOff val="35000"/>
-        </a:schemeClr>
-      </a:solidFill>
-      <a:ln w="9525">
-        <a:solidFill>
-          <a:schemeClr val="tx1">
-            <a:lumMod val="65000"/>
-            <a:lumOff val="35000"/>
-          </a:schemeClr>
-        </a:solidFill>
-      </a:ln>
-    </cs:spPr>
-  </cs:downBar>
-  <cs:dropLine>
-    <cs:lnRef idx="0"/>
-    <cs:fillRef idx="0"/>
-    <cs:effectRef idx="0"/>
-    <cs:fontRef idx="minor">
-      <a:schemeClr val="tx1"/>
-    </cs:fontRef>
-    <cs:spPr>
-      <a:ln w="9525" cap="flat" cmpd="sng" algn="ctr">
-        <a:solidFill>
-          <a:schemeClr val="tx1">
-            <a:lumMod val="35000"/>
-            <a:lumOff val="65000"/>
-          </a:schemeClr>
-        </a:solidFill>
-        <a:round/>
-      </a:ln>
-    </cs:spPr>
-  </cs:dropLine>
-  <cs:errorBar>
-    <cs:lnRef idx="0"/>
-    <cs:fillRef idx="0"/>
-    <cs:effectRef idx="0"/>
-    <cs:fontRef idx="minor">
-      <a:schemeClr val="tx1"/>
-    </cs:fontRef>
-    <cs:spPr>
-      <a:ln w="9525" cap="flat" cmpd="sng" algn="ctr">
-        <a:solidFill>
-          <a:schemeClr val="tx1">
-            <a:lumMod val="65000"/>
-            <a:lumOff val="35000"/>
-          </a:schemeClr>
-        </a:solidFill>
-        <a:round/>
-      </a:ln>
-    </cs:spPr>
-  </cs:errorBar>
-  <cs:floor>
-    <cs:lnRef idx="0"/>
-    <cs:fillRef idx="0"/>
-    <cs:effectRef idx="0"/>
-    <cs:fontRef idx="minor">
-      <a:schemeClr val="tx1"/>
-    </cs:fontRef>
-    <cs:spPr>
-      <a:noFill/>
-      <a:ln>
-        <a:noFill/>
-      </a:ln>
-    </cs:spPr>
-  </cs:floor>
-  <cs:gridlineMajor>
-    <cs:lnRef idx="0"/>
-    <cs:fillRef idx="0"/>
-    <cs:effectRef idx="0"/>
-    <cs:fontRef idx="minor">
-      <a:schemeClr val="tx1"/>
-    </cs:fontRef>
-    <cs:spPr>
-      <a:ln w="9525" cap="flat" cmpd="sng" algn="ctr">
-        <a:solidFill>
-          <a:schemeClr val="tx1">
-            <a:lumMod val="15000"/>
-            <a:lumOff val="85000"/>
-          </a:schemeClr>
-        </a:solidFill>
-        <a:round/>
-      </a:ln>
-    </cs:spPr>
-  </cs:gridlineMajor>
-  <cs:gridlineMinor>
-    <cs:lnRef idx="0"/>
-    <cs:fillRef idx="0"/>
-    <cs:effectRef idx="0"/>
-    <cs:fontRef idx="minor">
-      <a:schemeClr val="tx1"/>
-    </cs:fontRef>
-    <cs:spPr>
-      <a:ln w="9525" cap="flat" cmpd="sng" algn="ctr">
-        <a:solidFill>
-          <a:schemeClr val="tx1">
-            <a:lumMod val="5000"/>
-            <a:lumOff val="95000"/>
-          </a:schemeClr>
-        </a:solidFill>
-        <a:round/>
-      </a:ln>
-    </cs:spPr>
-  </cs:gridlineMinor>
-  <cs:hiLoLine>
-    <cs:lnRef idx="0"/>
-    <cs:fillRef idx="0"/>
-    <cs:effectRef idx="0"/>
-    <cs:fontRef idx="minor">
-      <a:schemeClr val="tx1"/>
-    </cs:fontRef>
-    <cs:spPr>
-      <a:ln w="9525" cap="flat" cmpd="sng" algn="ctr">
-        <a:solidFill>
-          <a:schemeClr val="tx1">
-            <a:lumMod val="75000"/>
-            <a:lumOff val="25000"/>
-          </a:schemeClr>
-        </a:solidFill>
-        <a:round/>
-      </a:ln>
-    </cs:spPr>
-  </cs:hiLoLine>
-  <cs:leaderLine>
-    <cs:lnRef idx="0"/>
-    <cs:fillRef idx="0"/>
-    <cs:effectRef idx="0"/>
-    <cs:fontRef idx="minor">
-      <a:schemeClr val="tx1"/>
-    </cs:fontRef>
-    <cs:spPr>
-      <a:ln w="9525" cap="flat" cmpd="sng" algn="ctr">
-        <a:solidFill>
-          <a:schemeClr val="tx1">
-            <a:lumMod val="35000"/>
-            <a:lumOff val="65000"/>
-          </a:schemeClr>
-        </a:solidFill>
-        <a:round/>
-      </a:ln>
-    </cs:spPr>
-  </cs:leaderLine>
-  <cs:legend>
-    <cs:lnRef idx="0"/>
-    <cs:fillRef idx="0"/>
-    <cs:effectRef idx="0"/>
-    <cs:fontRef idx="minor">
-      <a:schemeClr val="tx1">
-        <a:lumMod val="65000"/>
-        <a:lumOff val="35000"/>
-      </a:schemeClr>
-    </cs:fontRef>
-    <cs:defRPr sz="1197" kern="1200"/>
-  </cs:legend>
-  <cs:plotArea mods="allowNoFillOverride allowNoLineOverride">
-    <cs:lnRef idx="0"/>
-    <cs:fillRef idx="0"/>
-    <cs:effectRef idx="0"/>
-    <cs:fontRef idx="minor">
-      <a:schemeClr val="tx1"/>
-    </cs:fontRef>
-  </cs:plotArea>
-  <cs:plotArea3D mods="allowNoFillOverride allowNoLineOverride">
-    <cs:lnRef idx="0"/>
-    <cs:fillRef idx="0"/>
-    <cs:effectRef idx="0"/>
-    <cs:fontRef idx="minor">
-      <a:schemeClr val="tx1"/>
-    </cs:fontRef>
-  </cs:plotArea3D>
-  <cs:seriesAxis>
-    <cs:lnRef idx="0"/>
-    <cs:fillRef idx="0"/>
-    <cs:effectRef idx="0"/>
-    <cs:fontRef idx="minor">
-      <a:schemeClr val="tx1">
-        <a:lumMod val="65000"/>
-        <a:lumOff val="35000"/>
-      </a:schemeClr>
-    </cs:fontRef>
-    <cs:defRPr sz="1197" kern="1200"/>
-  </cs:seriesAxis>
-  <cs:seriesLine>
-    <cs:lnRef idx="0"/>
-    <cs:fillRef idx="0"/>
-    <cs:effectRef idx="0"/>
-    <cs:fontRef idx="minor">
-      <a:schemeClr val="tx1"/>
-    </cs:fontRef>
-    <cs:spPr>
-      <a:ln w="9525" cap="flat" cmpd="sng" algn="ctr">
-        <a:solidFill>
-          <a:schemeClr val="tx1">
-            <a:lumMod val="35000"/>
-            <a:lumOff val="65000"/>
-          </a:schemeClr>
-        </a:solidFill>
-        <a:round/>
-      </a:ln>
-    </cs:spPr>
-  </cs:seriesLine>
-  <cs:title>
-    <cs:lnRef idx="0"/>
-    <cs:fillRef idx="0"/>
-    <cs:effectRef idx="0"/>
-    <cs:fontRef idx="minor">
-      <a:schemeClr val="tx1">
-        <a:lumMod val="65000"/>
-        <a:lumOff val="35000"/>
-      </a:schemeClr>
-    </cs:fontRef>
-    <cs:defRPr sz="1862" b="0" kern="1200" spc="0" baseline="0"/>
-  </cs:title>
-  <cs:trendline>
-    <cs:lnRef idx="0">
-      <cs:styleClr val="auto"/>
-    </cs:lnRef>
-    <cs:fillRef idx="0"/>
-    <cs:effectRef idx="0"/>
-    <cs:fontRef idx="minor">
-      <a:schemeClr val="tx1"/>
-    </cs:fontRef>
-    <cs:spPr>
-      <a:ln w="19050" cap="rnd">
-        <a:solidFill>
-          <a:schemeClr val="phClr"/>
-        </a:solidFill>
-        <a:prstDash val="sysDot"/>
-      </a:ln>
-    </cs:spPr>
-  </cs:trendline>
-  <cs:trendlineLabel>
-    <cs:lnRef idx="0"/>
-    <cs:fillRef idx="0"/>
-    <cs:effectRef idx="0"/>
-    <cs:fontRef idx="minor">
-      <a:schemeClr val="tx1">
-        <a:lumMod val="65000"/>
-        <a:lumOff val="35000"/>
-      </a:schemeClr>
-    </cs:fontRef>
-    <cs:defRPr sz="1197" kern="1200"/>
-  </cs:trendlineLabel>
-  <cs:upBar>
-    <cs:lnRef idx="0"/>
-    <cs:fillRef idx="0"/>
-    <cs:effectRef idx="0"/>
-    <cs:fontRef idx="minor">
-      <a:schemeClr val="dk1"/>
-    </cs:fontRef>
-    <cs:spPr>
-      <a:solidFill>
-        <a:schemeClr val="lt1"/>
-      </a:solidFill>
-      <a:ln w="9525">
-        <a:solidFill>
-          <a:schemeClr val="tx1">
-            <a:lumMod val="15000"/>
-            <a:lumOff val="85000"/>
-          </a:schemeClr>
-        </a:solidFill>
-      </a:ln>
-    </cs:spPr>
-  </cs:upBar>
-  <cs:valueAxis>
-    <cs:lnRef idx="0"/>
-    <cs:fillRef idx="0"/>
-    <cs:effectRef idx="0"/>
-    <cs:fontRef idx="minor">
-      <a:schemeClr val="tx1">
-        <a:lumMod val="65000"/>
-        <a:lumOff val="35000"/>
-      </a:schemeClr>
-    </cs:fontRef>
-    <cs:defRPr sz="1197" kern="1200"/>
-  </cs:valueAxis>
-  <cs:wall>
-    <cs:lnRef idx="0"/>
-    <cs:fillRef idx="0"/>
-    <cs:effectRef idx="0"/>
-    <cs:fontRef idx="minor">
-      <a:schemeClr val="tx1"/>
-    </cs:fontRef>
-    <cs:spPr>
-      <a:noFill/>
-      <a:ln>
-        <a:noFill/>
-      </a:ln>
-    </cs:spPr>
-  </cs:wall>
-</cs:chartStyle>
-</file>
-
-<file path=ppt/charts/style19.xml><?xml version="1.0" encoding="utf-8"?>
 <cs:chartStyle xmlns:cs="http://schemas.microsoft.com/office/drawing/2012/chartStyle" xmlns:a="http://schemas.openxmlformats.org/drawingml/2006/main" id="201">
   <cs:axisTitle>
     <cs:lnRef idx="0"/>
@@ -23383,10 +22426,6 @@
           <a:bodyPr/>
           <a:lstStyle/>
           <a:p>
-            <a:r>
-              <a:rPr lang="en-US" dirty="0" smtClean="0"/>
-              <a:t>Sensitivity</a:t>
-            </a:r>
             <a:endParaRPr lang="en-US" baseline="0" dirty="0" smtClean="0"/>
           </a:p>
         </p:txBody>
@@ -23409,95 +22448,6 @@
             <a:fld id="{CBB4D0D9-A80C-8E44-A98C-B80FACCCE6B7}" type="slidenum">
               <a:rPr lang="en-US" smtClean="0"/>
               <a:t>20</a:t>
-            </a:fld>
-            <a:endParaRPr lang="en-US"/>
-          </a:p>
-        </p:txBody>
-      </p:sp>
-    </p:spTree>
-    <p:extLst>
-      <p:ext uri="{BB962C8B-B14F-4D97-AF65-F5344CB8AC3E}">
-        <p14:creationId xmlns:p14="http://schemas.microsoft.com/office/powerpoint/2010/main" val="1998928717"/>
-      </p:ext>
-    </p:extLst>
-  </p:cSld>
-  <p:clrMapOvr>
-    <a:masterClrMapping/>
-  </p:clrMapOvr>
-</p:notes>
-</file>
-
-<file path=ppt/notesSlides/notesSlide21.xml><?xml version="1.0" encoding="utf-8"?>
-<p:notes xmlns:a="http://schemas.openxmlformats.org/drawingml/2006/main" xmlns:r="http://schemas.openxmlformats.org/officeDocument/2006/relationships" xmlns:p="http://schemas.openxmlformats.org/presentationml/2006/main">
-  <p:cSld>
-    <p:spTree>
-      <p:nvGrpSpPr>
-        <p:cNvPr id="1" name=""/>
-        <p:cNvGrpSpPr/>
-        <p:nvPr/>
-      </p:nvGrpSpPr>
-      <p:grpSpPr>
-        <a:xfrm>
-          <a:off x="0" y="0"/>
-          <a:ext cx="0" cy="0"/>
-          <a:chOff x="0" y="0"/>
-          <a:chExt cx="0" cy="0"/>
-        </a:xfrm>
-      </p:grpSpPr>
-      <p:sp>
-        <p:nvSpPr>
-          <p:cNvPr id="2" name="Slide Image Placeholder 1"/>
-          <p:cNvSpPr>
-            <a:spLocks noGrp="1" noRot="1" noChangeAspect="1"/>
-          </p:cNvSpPr>
-          <p:nvPr>
-            <p:ph type="sldImg"/>
-          </p:nvPr>
-        </p:nvSpPr>
-        <p:spPr>
-          <a:xfrm>
-            <a:off x="1200150" y="1143000"/>
-            <a:ext cx="4457700" cy="3086100"/>
-          </a:xfrm>
-        </p:spPr>
-      </p:sp>
-      <p:sp>
-        <p:nvSpPr>
-          <p:cNvPr id="3" name="Notes Placeholder 2"/>
-          <p:cNvSpPr>
-            <a:spLocks noGrp="1"/>
-          </p:cNvSpPr>
-          <p:nvPr>
-            <p:ph type="body" idx="1"/>
-          </p:nvPr>
-        </p:nvSpPr>
-        <p:spPr/>
-        <p:txBody>
-          <a:bodyPr/>
-          <a:lstStyle/>
-          <a:p>
-            <a:endParaRPr lang="en-US" baseline="0" dirty="0" smtClean="0"/>
-          </a:p>
-        </p:txBody>
-      </p:sp>
-      <p:sp>
-        <p:nvSpPr>
-          <p:cNvPr id="4" name="Slide Number Placeholder 3"/>
-          <p:cNvSpPr>
-            <a:spLocks noGrp="1"/>
-          </p:cNvSpPr>
-          <p:nvPr>
-            <p:ph type="sldNum" sz="quarter" idx="10"/>
-          </p:nvPr>
-        </p:nvSpPr>
-        <p:spPr/>
-        <p:txBody>
-          <a:bodyPr/>
-          <a:lstStyle/>
-          <a:p>
-            <a:fld id="{CBB4D0D9-A80C-8E44-A98C-B80FACCCE6B7}" type="slidenum">
-              <a:rPr lang="en-US" smtClean="0"/>
-              <a:t>21</a:t>
             </a:fld>
             <a:endParaRPr lang="en-US"/>
           </a:p>
@@ -27195,15 +26145,7 @@
             <a:pPr algn="ctr"/>
             <a:r>
               <a:rPr lang="en-US" sz="2000" dirty="0" smtClean="0"/>
-              <a:t>-</a:t>
-            </a:r>
-            <a:r>
-              <a:rPr lang="en-US" sz="2000" dirty="0" smtClean="0"/>
-              <a:t>465.3 </a:t>
-            </a:r>
-            <a:r>
-              <a:rPr lang="en-US" sz="2000" dirty="0" smtClean="0"/>
-              <a:t>gCO</a:t>
+              <a:t>-465.3 gCO</a:t>
             </a:r>
             <a:r>
               <a:rPr lang="en-US" sz="2000" baseline="-25000" dirty="0" smtClean="0"/>
@@ -28827,7 +27769,7 @@
           <p:nvPr>
             <p:extLst>
               <p:ext uri="{D42A27DB-BD31-4B8C-83A1-F6EECF244321}">
-                <p14:modId xmlns:p14="http://schemas.microsoft.com/office/powerpoint/2010/main" val="830460845"/>
+                <p14:modId xmlns:p14="http://schemas.microsoft.com/office/powerpoint/2010/main" val="930977133"/>
               </p:ext>
             </p:extLst>
           </p:nvPr>
@@ -28958,127 +27900,6 @@
 </file>
 
 <file path=ppt/slides/slide20.xml><?xml version="1.0" encoding="utf-8"?>
-<p:sld xmlns:a="http://schemas.openxmlformats.org/drawingml/2006/main" xmlns:r="http://schemas.openxmlformats.org/officeDocument/2006/relationships" xmlns:p="http://schemas.openxmlformats.org/presentationml/2006/main">
-  <p:cSld>
-    <p:spTree>
-      <p:nvGrpSpPr>
-        <p:cNvPr id="1" name=""/>
-        <p:cNvGrpSpPr/>
-        <p:nvPr/>
-      </p:nvGrpSpPr>
-      <p:grpSpPr>
-        <a:xfrm>
-          <a:off x="0" y="0"/>
-          <a:ext cx="0" cy="0"/>
-          <a:chOff x="0" y="0"/>
-          <a:chExt cx="0" cy="0"/>
-        </a:xfrm>
-      </p:grpSpPr>
-      <p:sp>
-        <p:nvSpPr>
-          <p:cNvPr id="3" name="TextBox 2"/>
-          <p:cNvSpPr txBox="1"/>
-          <p:nvPr/>
-        </p:nvSpPr>
-        <p:spPr>
-          <a:xfrm>
-            <a:off x="9746166" y="2709746"/>
-            <a:ext cx="184731" cy="369332"/>
-          </a:xfrm>
-          <a:prstGeom prst="rect">
-            <a:avLst/>
-          </a:prstGeom>
-          <a:noFill/>
-        </p:spPr>
-        <p:txBody>
-          <a:bodyPr wrap="none" rtlCol="0">
-            <a:spAutoFit/>
-          </a:bodyPr>
-          <a:lstStyle/>
-          <a:p>
-            <a:endParaRPr lang="en-US" dirty="0"/>
-          </a:p>
-        </p:txBody>
-      </p:sp>
-      <p:graphicFrame>
-        <p:nvGraphicFramePr>
-          <p:cNvPr id="4" name="Chart 3"/>
-          <p:cNvGraphicFramePr/>
-          <p:nvPr>
-            <p:extLst>
-              <p:ext uri="{D42A27DB-BD31-4B8C-83A1-F6EECF244321}">
-                <p14:modId xmlns:p14="http://schemas.microsoft.com/office/powerpoint/2010/main" val="670304605"/>
-              </p:ext>
-            </p:extLst>
-          </p:nvPr>
-        </p:nvGraphicFramePr>
-        <p:xfrm>
-          <a:off x="722210" y="919284"/>
-          <a:ext cx="8329612" cy="4319587"/>
-        </p:xfrm>
-        <a:graphic>
-          <a:graphicData uri="http://schemas.openxmlformats.org/drawingml/2006/chart">
-            <c:chart xmlns:c="http://schemas.openxmlformats.org/drawingml/2006/chart" xmlns:r="http://schemas.openxmlformats.org/officeDocument/2006/relationships" r:id="rId3"/>
-          </a:graphicData>
-        </a:graphic>
-      </p:graphicFrame>
-      <p:cxnSp>
-        <p:nvCxnSpPr>
-          <p:cNvPr id="7" name="Straight Connector 6"/>
-          <p:cNvCxnSpPr/>
-          <p:nvPr/>
-        </p:nvCxnSpPr>
-        <p:spPr>
-          <a:xfrm>
-            <a:off x="1589141" y="2110247"/>
-            <a:ext cx="7272000" cy="0"/>
-          </a:xfrm>
-          <a:prstGeom prst="line">
-            <a:avLst/>
-          </a:prstGeom>
-          <a:ln w="22225">
-            <a:solidFill>
-              <a:srgbClr val="C00000"/>
-            </a:solidFill>
-            <a:prstDash val="sysDash"/>
-          </a:ln>
-        </p:spPr>
-        <p:style>
-          <a:lnRef idx="1">
-            <a:schemeClr val="accent1"/>
-          </a:lnRef>
-          <a:fillRef idx="0">
-            <a:schemeClr val="accent1"/>
-          </a:fillRef>
-          <a:effectRef idx="0">
-            <a:schemeClr val="accent1"/>
-          </a:effectRef>
-          <a:fontRef idx="minor">
-            <a:schemeClr val="tx1"/>
-          </a:fontRef>
-        </p:style>
-      </p:cxnSp>
-    </p:spTree>
-    <p:extLst>
-      <p:ext uri="{BB962C8B-B14F-4D97-AF65-F5344CB8AC3E}">
-        <p14:creationId xmlns:p14="http://schemas.microsoft.com/office/powerpoint/2010/main" val="1584761773"/>
-      </p:ext>
-    </p:extLst>
-  </p:cSld>
-  <p:clrMapOvr>
-    <a:masterClrMapping/>
-  </p:clrMapOvr>
-  <p:timing>
-    <p:tnLst>
-      <p:par>
-        <p:cTn id="1" dur="indefinite" restart="never" nodeType="tmRoot"/>
-      </p:par>
-    </p:tnLst>
-  </p:timing>
-</p:sld>
-</file>
-
-<file path=ppt/slides/slide21.xml><?xml version="1.0" encoding="utf-8"?>
 <p:sld xmlns:a="http://schemas.openxmlformats.org/drawingml/2006/main" xmlns:r="http://schemas.openxmlformats.org/officeDocument/2006/relationships" xmlns:p="http://schemas.openxmlformats.org/presentationml/2006/main">
   <p:cSld>
     <p:spTree>

--- a/elsarticle/Images/Thesis charts.pptx
+++ b/elsarticle/Images/Thesis charts.pptx
@@ -424,11 +424,11 @@
           <c:showPercent val="0"/>
           <c:showBubbleSize val="0"/>
         </c:dLbls>
-        <c:axId val="2038023280"/>
-        <c:axId val="2038012112"/>
+        <c:axId val="-2133925328"/>
+        <c:axId val="2064680400"/>
       </c:scatterChart>
       <c:valAx>
-        <c:axId val="2038023280"/>
+        <c:axId val="-2133925328"/>
         <c:scaling>
           <c:orientation val="minMax"/>
         </c:scaling>
@@ -550,12 +550,12 @@
             <a:endParaRPr lang="en-US"/>
           </a:p>
         </c:txPr>
-        <c:crossAx val="2038012112"/>
+        <c:crossAx val="2064680400"/>
         <c:crosses val="autoZero"/>
         <c:crossBetween val="midCat"/>
       </c:valAx>
       <c:valAx>
-        <c:axId val="2038012112"/>
+        <c:axId val="2064680400"/>
         <c:scaling>
           <c:orientation val="minMax"/>
         </c:scaling>
@@ -681,7 +681,7 @@
             <a:endParaRPr lang="en-US"/>
           </a:p>
         </c:txPr>
-        <c:crossAx val="2038023280"/>
+        <c:crossAx val="-2133925328"/>
         <c:crosses val="autoZero"/>
         <c:crossBetween val="midCat"/>
       </c:valAx>
@@ -2363,11 +2363,11 @@
         </c:dLbls>
         <c:gapWidth val="150"/>
         <c:overlap val="100"/>
-        <c:axId val="-2109199872"/>
-        <c:axId val="-2109196624"/>
+        <c:axId val="-2074657312"/>
+        <c:axId val="-2079278848"/>
       </c:barChart>
       <c:catAx>
-        <c:axId val="-2109199872"/>
+        <c:axId val="-2074657312"/>
         <c:scaling>
           <c:orientation val="minMax"/>
         </c:scaling>
@@ -2377,7 +2377,7 @@
         <c:majorTickMark val="none"/>
         <c:minorTickMark val="none"/>
         <c:tickLblPos val="nextTo"/>
-        <c:crossAx val="-2109196624"/>
+        <c:crossAx val="-2079278848"/>
         <c:crosses val="autoZero"/>
         <c:auto val="1"/>
         <c:lblAlgn val="ctr"/>
@@ -2385,7 +2385,7 @@
         <c:noMultiLvlLbl val="0"/>
       </c:catAx>
       <c:valAx>
-        <c:axId val="-2109196624"/>
+        <c:axId val="-2079278848"/>
         <c:scaling>
           <c:orientation val="minMax"/>
         </c:scaling>
@@ -2501,7 +2501,7 @@
             <a:endParaRPr lang="en-US"/>
           </a:p>
         </c:txPr>
-        <c:crossAx val="-2109199872"/>
+        <c:crossAx val="-2074657312"/>
         <c:crosses val="autoZero"/>
         <c:crossBetween val="between"/>
       </c:valAx>
@@ -2884,11 +2884,11 @@
         </c:dLbls>
         <c:gapWidth val="219"/>
         <c:overlap val="-27"/>
-        <c:axId val="-2109319088"/>
-        <c:axId val="-2109317696"/>
+        <c:axId val="-2109557792"/>
+        <c:axId val="-2076304256"/>
       </c:barChart>
       <c:catAx>
-        <c:axId val="-2109319088"/>
+        <c:axId val="-2109557792"/>
         <c:scaling>
           <c:orientation val="minMax"/>
         </c:scaling>
@@ -2928,7 +2928,7 @@
             <a:endParaRPr lang="en-US"/>
           </a:p>
         </c:txPr>
-        <c:crossAx val="-2109317696"/>
+        <c:crossAx val="-2076304256"/>
         <c:crosses val="autoZero"/>
         <c:auto val="1"/>
         <c:lblAlgn val="ctr"/>
@@ -2936,7 +2936,7 @@
         <c:noMultiLvlLbl val="0"/>
       </c:catAx>
       <c:valAx>
-        <c:axId val="-2109317696"/>
+        <c:axId val="-2076304256"/>
         <c:scaling>
           <c:orientation val="minMax"/>
         </c:scaling>
@@ -3067,7 +3067,7 @@
             <a:endParaRPr lang="en-US"/>
           </a:p>
         </c:txPr>
-        <c:crossAx val="-2109319088"/>
+        <c:crossAx val="-2109557792"/>
         <c:crosses val="autoZero"/>
         <c:crossBetween val="between"/>
       </c:valAx>
@@ -3364,11 +3364,11 @@
         </c:dLbls>
         <c:gapWidth val="219"/>
         <c:overlap val="-27"/>
-        <c:axId val="-2106390576"/>
-        <c:axId val="-2106210960"/>
+        <c:axId val="-2074193616"/>
+        <c:axId val="-2074750352"/>
       </c:barChart>
       <c:catAx>
-        <c:axId val="-2106390576"/>
+        <c:axId val="-2074193616"/>
         <c:scaling>
           <c:orientation val="minMax"/>
         </c:scaling>
@@ -3408,7 +3408,7 @@
             <a:endParaRPr lang="en-US"/>
           </a:p>
         </c:txPr>
-        <c:crossAx val="-2106210960"/>
+        <c:crossAx val="-2074750352"/>
         <c:crosses val="autoZero"/>
         <c:auto val="1"/>
         <c:lblAlgn val="ctr"/>
@@ -3416,7 +3416,7 @@
         <c:noMultiLvlLbl val="0"/>
       </c:catAx>
       <c:valAx>
-        <c:axId val="-2106210960"/>
+        <c:axId val="-2074750352"/>
         <c:scaling>
           <c:orientation val="minMax"/>
         </c:scaling>
@@ -3537,7 +3537,7 @@
             <a:endParaRPr lang="en-US"/>
           </a:p>
         </c:txPr>
-        <c:crossAx val="-2106390576"/>
+        <c:crossAx val="-2074193616"/>
         <c:crosses val="autoZero"/>
         <c:crossBetween val="between"/>
       </c:valAx>
@@ -4067,7 +4067,7 @@
                   <c:v>-6.43</c:v>
                 </c:pt>
                 <c:pt idx="10">
-                  <c:v>-9.74</c:v>
+                  <c:v>-9.739999999999998</c:v>
                 </c:pt>
                 <c:pt idx="11">
                   <c:v>-13.05</c:v>
@@ -4101,11 +4101,11 @@
           <c:showBubbleSize val="0"/>
         </c:dLbls>
         <c:smooth val="0"/>
-        <c:axId val="-2109028992"/>
-        <c:axId val="-2109026816"/>
+        <c:axId val="-2108309392"/>
+        <c:axId val="-2108307552"/>
       </c:lineChart>
       <c:catAx>
-        <c:axId val="-2109028992"/>
+        <c:axId val="-2108309392"/>
         <c:scaling>
           <c:orientation val="minMax"/>
         </c:scaling>
@@ -4148,7 +4148,7 @@
             <a:endParaRPr lang="en-US"/>
           </a:p>
         </c:txPr>
-        <c:crossAx val="-2109026816"/>
+        <c:crossAx val="-2108307552"/>
         <c:crosses val="autoZero"/>
         <c:auto val="1"/>
         <c:lblAlgn val="ctr"/>
@@ -4156,7 +4156,7 @@
         <c:noMultiLvlLbl val="0"/>
       </c:catAx>
       <c:valAx>
-        <c:axId val="-2109026816"/>
+        <c:axId val="-2108307552"/>
         <c:scaling>
           <c:orientation val="minMax"/>
         </c:scaling>
@@ -4244,7 +4244,7 @@
             <a:endParaRPr lang="en-US"/>
           </a:p>
         </c:txPr>
-        <c:crossAx val="-2109028992"/>
+        <c:crossAx val="-2108309392"/>
         <c:crosses val="autoZero"/>
         <c:crossBetween val="between"/>
       </c:valAx>
@@ -4856,11 +4856,11 @@
         </c:dLbls>
         <c:gapWidth val="219"/>
         <c:overlap val="-27"/>
-        <c:axId val="-2108163840"/>
-        <c:axId val="-2108091440"/>
+        <c:axId val="2071525792"/>
+        <c:axId val="2071585184"/>
       </c:barChart>
       <c:catAx>
-        <c:axId val="-2108163840"/>
+        <c:axId val="2071525792"/>
         <c:scaling>
           <c:orientation val="minMax"/>
         </c:scaling>
@@ -4903,7 +4903,7 @@
             <a:endParaRPr lang="en-US"/>
           </a:p>
         </c:txPr>
-        <c:crossAx val="-2108091440"/>
+        <c:crossAx val="2071585184"/>
         <c:crosses val="autoZero"/>
         <c:auto val="1"/>
         <c:lblAlgn val="ctr"/>
@@ -4911,7 +4911,7 @@
         <c:noMultiLvlLbl val="0"/>
       </c:catAx>
       <c:valAx>
-        <c:axId val="-2108091440"/>
+        <c:axId val="2071585184"/>
         <c:scaling>
           <c:orientation val="minMax"/>
         </c:scaling>
@@ -5035,7 +5035,7 @@
             <a:endParaRPr lang="en-US"/>
           </a:p>
         </c:txPr>
-        <c:crossAx val="-2108163840"/>
+        <c:crossAx val="2071525792"/>
         <c:crosses val="autoZero"/>
         <c:crossBetween val="between"/>
       </c:valAx>
@@ -5712,11 +5712,11 @@
         </c:dLbls>
         <c:gapWidth val="219"/>
         <c:overlap val="100"/>
-        <c:axId val="-2107338416"/>
-        <c:axId val="-2107248832"/>
+        <c:axId val="2103364352"/>
+        <c:axId val="2103367440"/>
       </c:barChart>
       <c:catAx>
-        <c:axId val="-2107338416"/>
+        <c:axId val="2103364352"/>
         <c:scaling>
           <c:orientation val="minMax"/>
         </c:scaling>
@@ -5726,7 +5726,7 @@
         <c:majorTickMark val="none"/>
         <c:minorTickMark val="none"/>
         <c:tickLblPos val="nextTo"/>
-        <c:crossAx val="-2107248832"/>
+        <c:crossAx val="2103367440"/>
         <c:crosses val="autoZero"/>
         <c:auto val="1"/>
         <c:lblAlgn val="ctr"/>
@@ -5734,7 +5734,7 @@
         <c:noMultiLvlLbl val="0"/>
       </c:catAx>
       <c:valAx>
-        <c:axId val="-2107248832"/>
+        <c:axId val="2103367440"/>
         <c:scaling>
           <c:orientation val="minMax"/>
         </c:scaling>
@@ -5883,7 +5883,7 @@
             <a:endParaRPr lang="en-US"/>
           </a:p>
         </c:txPr>
-        <c:crossAx val="-2107338416"/>
+        <c:crossAx val="2103364352"/>
         <c:crosses val="autoZero"/>
         <c:crossBetween val="between"/>
       </c:valAx>
@@ -6050,6 +6050,7 @@
             <c:showLeaderLines val="0"/>
             <c:extLst>
               <c:ext xmlns:c15="http://schemas.microsoft.com/office/drawing/2012/chart" uri="{CE6537A1-D6FC-4f65-9D91-7224C49458BB}">
+                <c15:layout/>
                 <c15:showLeaderLines val="1"/>
                 <c15:leaderLines>
                   <c:spPr>
@@ -6173,6 +6174,7 @@
             <c:showLeaderLines val="0"/>
             <c:extLst>
               <c:ext xmlns:c15="http://schemas.microsoft.com/office/drawing/2012/chart" uri="{CE6537A1-D6FC-4f65-9D91-7224C49458BB}">
+                <c15:layout/>
                 <c15:showLeaderLines val="1"/>
                 <c15:leaderLines>
                   <c:spPr>
@@ -6291,6 +6293,7 @@
             <c:showLeaderLines val="0"/>
             <c:extLst>
               <c:ext xmlns:c15="http://schemas.microsoft.com/office/drawing/2012/chart" uri="{CE6537A1-D6FC-4f65-9D91-7224C49458BB}">
+                <c15:layout/>
                 <c15:showLeaderLines val="1"/>
                 <c15:leaderLines>
                   <c:spPr>
@@ -6355,11 +6358,11 @@
         </c:dLbls>
         <c:gapWidth val="219"/>
         <c:overlap val="-27"/>
-        <c:axId val="-2133845664"/>
-        <c:axId val="-2133849312"/>
+        <c:axId val="-2135943616"/>
+        <c:axId val="-2135941904"/>
       </c:barChart>
       <c:catAx>
-        <c:axId val="-2133845664"/>
+        <c:axId val="-2135943616"/>
         <c:scaling>
           <c:orientation val="minMax"/>
         </c:scaling>
@@ -6399,7 +6402,7 @@
             <a:endParaRPr lang="en-US"/>
           </a:p>
         </c:txPr>
-        <c:crossAx val="-2133849312"/>
+        <c:crossAx val="-2135941904"/>
         <c:crosses val="autoZero"/>
         <c:auto val="1"/>
         <c:lblAlgn val="ctr"/>
@@ -6407,7 +6410,7 @@
         <c:noMultiLvlLbl val="0"/>
       </c:catAx>
       <c:valAx>
-        <c:axId val="-2133849312"/>
+        <c:axId val="-2135941904"/>
         <c:scaling>
           <c:orientation val="minMax"/>
         </c:scaling>
@@ -6466,6 +6469,7 @@
               </a:p>
             </c:rich>
           </c:tx>
+          <c:layout/>
           <c:overlay val="0"/>
           <c:spPr>
             <a:noFill/>
@@ -6528,7 +6532,7 @@
             <a:endParaRPr lang="en-US"/>
           </a:p>
         </c:txPr>
-        <c:crossAx val="-2133845664"/>
+        <c:crossAx val="-2135943616"/>
         <c:crosses val="autoZero"/>
         <c:crossBetween val="between"/>
       </c:valAx>
@@ -6544,6 +6548,7 @@
     </c:plotArea>
     <c:legend>
       <c:legendPos val="b"/>
+      <c:layout/>
       <c:overlay val="0"/>
       <c:spPr>
         <a:noFill/>
@@ -6910,11 +6915,11 @@
         </c:dLbls>
         <c:gapWidth val="219"/>
         <c:overlap val="100"/>
-        <c:axId val="-2106353392"/>
-        <c:axId val="-2106350800"/>
+        <c:axId val="2071564624"/>
+        <c:axId val="2071556768"/>
       </c:barChart>
       <c:catAx>
-        <c:axId val="-2106353392"/>
+        <c:axId val="2071564624"/>
         <c:scaling>
           <c:orientation val="minMax"/>
         </c:scaling>
@@ -6957,7 +6962,7 @@
             <a:endParaRPr lang="en-US"/>
           </a:p>
         </c:txPr>
-        <c:crossAx val="-2106350800"/>
+        <c:crossAx val="2071556768"/>
         <c:crosses val="autoZero"/>
         <c:auto val="1"/>
         <c:lblAlgn val="ctr"/>
@@ -6965,7 +6970,7 @@
         <c:noMultiLvlLbl val="0"/>
       </c:catAx>
       <c:valAx>
-        <c:axId val="-2106350800"/>
+        <c:axId val="2071556768"/>
         <c:scaling>
           <c:orientation val="minMax"/>
         </c:scaling>
@@ -7057,7 +7062,7 @@
             <a:endParaRPr lang="en-US"/>
           </a:p>
         </c:txPr>
-        <c:crossAx val="-2106353392"/>
+        <c:crossAx val="2071564624"/>
         <c:crosses val="autoZero"/>
         <c:crossBetween val="between"/>
       </c:valAx>
@@ -7189,27 +7194,11 @@
               <a:effectLst/>
             </c:spPr>
           </c:dPt>
-          <c:dPt>
-            <c:idx val="3"/>
-            <c:invertIfNegative val="0"/>
-            <c:bubble3D val="0"/>
-            <c:spPr>
-              <a:solidFill>
-                <a:schemeClr val="accent2"/>
-              </a:solidFill>
-              <a:ln>
-                <a:solidFill>
-                  <a:schemeClr val="accent3"/>
-                </a:solidFill>
-              </a:ln>
-              <a:effectLst/>
-            </c:spPr>
-          </c:dPt>
           <c:cat>
             <c:strRef>
-              <c:f>Sheet1!$A$2:$A$5</c:f>
+              <c:f>Sheet1!$A$2:$A$4</c:f>
               <c:strCache>
-                <c:ptCount val="4"/>
+                <c:ptCount val="3"/>
                 <c:pt idx="0">
                   <c:v>Operation location: GER/CH</c:v>
                 </c:pt>
@@ -7218,30 +7207,24 @@
                 </c:pt>
                 <c:pt idx="2">
                   <c:v>Control: individual/per row</c:v>
-                </c:pt>
-                <c:pt idx="3">
-                  <c:v>Best/worst case scenario</c:v>
                 </c:pt>
               </c:strCache>
             </c:strRef>
           </c:cat>
           <c:val>
             <c:numRef>
-              <c:f>Sheet1!$B$2:$B$5</c:f>
+              <c:f>Sheet1!$B$2:$B$4</c:f>
               <c:numCache>
                 <c:formatCode>General</c:formatCode>
-                <c:ptCount val="4"/>
+                <c:ptCount val="3"/>
                 <c:pt idx="0">
-                  <c:v>-762.0</c:v>
+                  <c:v>-698.1</c:v>
                 </c:pt>
                 <c:pt idx="1">
-                  <c:v>119.1</c:v>
+                  <c:v>20.0</c:v>
                 </c:pt>
                 <c:pt idx="2">
-                  <c:v>41.4</c:v>
-                </c:pt>
-                <c:pt idx="3">
-                  <c:v>-1115.0</c:v>
+                  <c:v>20.0</c:v>
                 </c:pt>
               </c:numCache>
             </c:numRef>
@@ -7275,9 +7258,9 @@
           <c:invertIfNegative val="0"/>
           <c:cat>
             <c:strRef>
-              <c:f>Sheet1!$A$2:$A$5</c:f>
+              <c:f>Sheet1!$A$2:$A$4</c:f>
               <c:strCache>
-                <c:ptCount val="4"/>
+                <c:ptCount val="3"/>
                 <c:pt idx="0">
                   <c:v>Operation location: GER/CH</c:v>
                 </c:pt>
@@ -7286,30 +7269,24 @@
                 </c:pt>
                 <c:pt idx="2">
                   <c:v>Control: individual/per row</c:v>
-                </c:pt>
-                <c:pt idx="3">
-                  <c:v>Best/worst case scenario</c:v>
                 </c:pt>
               </c:strCache>
             </c:strRef>
           </c:cat>
           <c:val>
             <c:numRef>
-              <c:f>Sheet1!$C$2:$C$5</c:f>
+              <c:f>Sheet1!$C$2:$C$4</c:f>
               <c:numCache>
                 <c:formatCode>General</c:formatCode>
-                <c:ptCount val="4"/>
+                <c:ptCount val="3"/>
                 <c:pt idx="0">
-                  <c:v>126.8</c:v>
+                  <c:v>80.7</c:v>
                 </c:pt>
                 <c:pt idx="1">
-                  <c:v>34.0</c:v>
+                  <c:v>5.0</c:v>
                 </c:pt>
                 <c:pt idx="2">
-                  <c:v>206.1</c:v>
-                </c:pt>
-                <c:pt idx="3">
-                  <c:v>298.0</c:v>
+                  <c:v>5.0</c:v>
                 </c:pt>
               </c:numCache>
             </c:numRef>
@@ -7325,11 +7302,11 @@
         </c:dLbls>
         <c:gapWidth val="219"/>
         <c:overlap val="100"/>
-        <c:axId val="-2108924576"/>
-        <c:axId val="-2108921152"/>
+        <c:axId val="-2074286080"/>
+        <c:axId val="-2074283984"/>
       </c:barChart>
       <c:catAx>
-        <c:axId val="-2108924576"/>
+        <c:axId val="-2074286080"/>
         <c:scaling>
           <c:orientation val="minMax"/>
         </c:scaling>
@@ -7369,7 +7346,7 @@
             <a:endParaRPr lang="en-US"/>
           </a:p>
         </c:txPr>
-        <c:crossAx val="-2108921152"/>
+        <c:crossAx val="-2074283984"/>
         <c:crosses val="autoZero"/>
         <c:auto val="1"/>
         <c:lblAlgn val="ctr"/>
@@ -7377,7 +7354,7 @@
         <c:noMultiLvlLbl val="0"/>
       </c:catAx>
       <c:valAx>
-        <c:axId val="-2108921152"/>
+        <c:axId val="-2074283984"/>
         <c:scaling>
           <c:orientation val="minMax"/>
         </c:scaling>
@@ -7519,7 +7496,7 @@
             <a:endParaRPr lang="en-US"/>
           </a:p>
         </c:txPr>
-        <c:crossAx val="-2108924576"/>
+        <c:crossAx val="-2074286080"/>
         <c:crosses val="autoZero"/>
         <c:crossBetween val="between"/>
         <c:majorUnit val="100.0"/>
@@ -7847,11 +7824,11 @@
         </c:dLbls>
         <c:gapWidth val="219"/>
         <c:overlap val="-27"/>
-        <c:axId val="2112197648"/>
-        <c:axId val="2109651072"/>
+        <c:axId val="-2134776224"/>
+        <c:axId val="-2134772816"/>
       </c:barChart>
       <c:catAx>
-        <c:axId val="2112197648"/>
+        <c:axId val="-2134776224"/>
         <c:scaling>
           <c:orientation val="minMax"/>
         </c:scaling>
@@ -7891,7 +7868,7 @@
             <a:endParaRPr lang="en-US"/>
           </a:p>
         </c:txPr>
-        <c:crossAx val="2109651072"/>
+        <c:crossAx val="-2134772816"/>
         <c:crosses val="autoZero"/>
         <c:auto val="1"/>
         <c:lblAlgn val="ctr"/>
@@ -7899,7 +7876,7 @@
         <c:noMultiLvlLbl val="0"/>
       </c:catAx>
       <c:valAx>
-        <c:axId val="2109651072"/>
+        <c:axId val="-2134772816"/>
         <c:scaling>
           <c:orientation val="minMax"/>
         </c:scaling>
@@ -8033,7 +8010,7 @@
             <a:endParaRPr lang="en-US"/>
           </a:p>
         </c:txPr>
-        <c:crossAx val="2112197648"/>
+        <c:crossAx val="-2134776224"/>
         <c:crosses val="autoZero"/>
         <c:crossBetween val="between"/>
       </c:valAx>
@@ -8642,11 +8619,11 @@
         </c:dLbls>
         <c:gapWidth val="219"/>
         <c:overlap val="-27"/>
-        <c:axId val="2109088752"/>
-        <c:axId val="2109092096"/>
+        <c:axId val="2103879008"/>
+        <c:axId val="2104415184"/>
       </c:barChart>
       <c:catAx>
-        <c:axId val="2109088752"/>
+        <c:axId val="2103879008"/>
         <c:scaling>
           <c:orientation val="minMax"/>
         </c:scaling>
@@ -8686,7 +8663,7 @@
             <a:endParaRPr lang="en-US"/>
           </a:p>
         </c:txPr>
-        <c:crossAx val="2109092096"/>
+        <c:crossAx val="2104415184"/>
         <c:crosses val="autoZero"/>
         <c:auto val="1"/>
         <c:lblAlgn val="ctr"/>
@@ -8694,7 +8671,7 @@
         <c:noMultiLvlLbl val="0"/>
       </c:catAx>
       <c:valAx>
-        <c:axId val="2109092096"/>
+        <c:axId val="2104415184"/>
         <c:scaling>
           <c:orientation val="minMax"/>
         </c:scaling>
@@ -8833,7 +8810,7 @@
             <a:endParaRPr lang="en-US"/>
           </a:p>
         </c:txPr>
-        <c:crossAx val="2109088752"/>
+        <c:crossAx val="2103879008"/>
         <c:crosses val="autoZero"/>
         <c:crossBetween val="between"/>
       </c:valAx>
@@ -9225,11 +9202,11 @@
         </c:dLbls>
         <c:gapWidth val="219"/>
         <c:overlap val="-27"/>
-        <c:axId val="2112132176"/>
-        <c:axId val="2112135600"/>
+        <c:axId val="-2134863248"/>
+        <c:axId val="-2134840464"/>
       </c:barChart>
       <c:catAx>
-        <c:axId val="2112132176"/>
+        <c:axId val="-2134863248"/>
         <c:scaling>
           <c:orientation val="minMax"/>
         </c:scaling>
@@ -9269,7 +9246,7 @@
             <a:endParaRPr lang="en-US"/>
           </a:p>
         </c:txPr>
-        <c:crossAx val="2112135600"/>
+        <c:crossAx val="-2134840464"/>
         <c:crosses val="autoZero"/>
         <c:auto val="1"/>
         <c:lblAlgn val="ctr"/>
@@ -9277,7 +9254,7 @@
         <c:noMultiLvlLbl val="0"/>
       </c:catAx>
       <c:valAx>
-        <c:axId val="2112135600"/>
+        <c:axId val="-2134840464"/>
         <c:scaling>
           <c:orientation val="minMax"/>
         </c:scaling>
@@ -9408,7 +9385,7 @@
             <a:endParaRPr lang="en-US"/>
           </a:p>
         </c:txPr>
-        <c:crossAx val="2112132176"/>
+        <c:crossAx val="-2134863248"/>
         <c:crosses val="autoZero"/>
         <c:crossBetween val="between"/>
       </c:valAx>
@@ -9578,11 +9555,11 @@
         </c:dLbls>
         <c:gapWidth val="219"/>
         <c:overlap val="-27"/>
-        <c:axId val="2133579008"/>
-        <c:axId val="2133582512"/>
+        <c:axId val="2055156496"/>
+        <c:axId val="2055024560"/>
       </c:barChart>
       <c:catAx>
-        <c:axId val="2133579008"/>
+        <c:axId val="2055156496"/>
         <c:scaling>
           <c:orientation val="minMax"/>
         </c:scaling>
@@ -9622,7 +9599,7 @@
             <a:endParaRPr lang="en-US"/>
           </a:p>
         </c:txPr>
-        <c:crossAx val="2133582512"/>
+        <c:crossAx val="2055024560"/>
         <c:crosses val="autoZero"/>
         <c:auto val="1"/>
         <c:lblAlgn val="ctr"/>
@@ -9630,7 +9607,7 @@
         <c:noMultiLvlLbl val="0"/>
       </c:catAx>
       <c:valAx>
-        <c:axId val="2133582512"/>
+        <c:axId val="2055024560"/>
         <c:scaling>
           <c:orientation val="minMax"/>
         </c:scaling>
@@ -9761,7 +9738,7 @@
             <a:endParaRPr lang="en-US"/>
           </a:p>
         </c:txPr>
-        <c:crossAx val="2133579008"/>
+        <c:crossAx val="2055156496"/>
         <c:crosses val="autoZero"/>
         <c:crossBetween val="between"/>
       </c:valAx>
@@ -10071,11 +10048,11 @@
         </c:dLbls>
         <c:gapWidth val="219"/>
         <c:overlap val="100"/>
-        <c:axId val="2112093312"/>
-        <c:axId val="2112096672"/>
+        <c:axId val="-2109784784"/>
+        <c:axId val="-2109781120"/>
       </c:barChart>
       <c:catAx>
-        <c:axId val="2112093312"/>
+        <c:axId val="-2109784784"/>
         <c:scaling>
           <c:orientation val="minMax"/>
         </c:scaling>
@@ -10118,7 +10095,7 @@
             <a:endParaRPr lang="en-US"/>
           </a:p>
         </c:txPr>
-        <c:crossAx val="2112096672"/>
+        <c:crossAx val="-2109781120"/>
         <c:crosses val="autoZero"/>
         <c:auto val="1"/>
         <c:lblAlgn val="ctr"/>
@@ -10126,7 +10103,7 @@
         <c:noMultiLvlLbl val="0"/>
       </c:catAx>
       <c:valAx>
-        <c:axId val="2112096672"/>
+        <c:axId val="-2109781120"/>
         <c:scaling>
           <c:orientation val="minMax"/>
         </c:scaling>
@@ -10238,7 +10215,7 @@
             <a:endParaRPr lang="en-US"/>
           </a:p>
         </c:txPr>
-        <c:crossAx val="2112093312"/>
+        <c:crossAx val="-2109784784"/>
         <c:crosses val="autoZero"/>
         <c:crossBetween val="between"/>
       </c:valAx>
@@ -20955,7 +20932,7 @@
           <a:p>
             <a:fld id="{8AF2A637-750D-AC4F-B19A-F61B319C6A55}" type="datetimeFigureOut">
               <a:rPr lang="en-US" smtClean="0"/>
-              <a:t>11/18/15</a:t>
+              <a:t>11/19/15</a:t>
             </a:fld>
             <a:endParaRPr lang="en-US"/>
           </a:p>
@@ -23241,7 +23218,7 @@
           <a:p>
             <a:fld id="{F87648D4-822A-184D-A945-2BBD99FACB30}" type="datetimeFigureOut">
               <a:rPr lang="en-US" smtClean="0"/>
-              <a:t>11/18/15</a:t>
+              <a:t>11/19/15</a:t>
             </a:fld>
             <a:endParaRPr lang="en-US"/>
           </a:p>
@@ -23411,7 +23388,7 @@
           <a:p>
             <a:fld id="{F87648D4-822A-184D-A945-2BBD99FACB30}" type="datetimeFigureOut">
               <a:rPr lang="en-US" smtClean="0"/>
-              <a:t>11/18/15</a:t>
+              <a:t>11/19/15</a:t>
             </a:fld>
             <a:endParaRPr lang="en-US"/>
           </a:p>
@@ -23591,7 +23568,7 @@
           <a:p>
             <a:fld id="{F87648D4-822A-184D-A945-2BBD99FACB30}" type="datetimeFigureOut">
               <a:rPr lang="en-US" smtClean="0"/>
-              <a:t>11/18/15</a:t>
+              <a:t>11/19/15</a:t>
             </a:fld>
             <a:endParaRPr lang="en-US"/>
           </a:p>
@@ -23761,7 +23738,7 @@
           <a:p>
             <a:fld id="{F87648D4-822A-184D-A945-2BBD99FACB30}" type="datetimeFigureOut">
               <a:rPr lang="en-US" smtClean="0"/>
-              <a:t>11/18/15</a:t>
+              <a:t>11/19/15</a:t>
             </a:fld>
             <a:endParaRPr lang="en-US"/>
           </a:p>
@@ -24005,7 +23982,7 @@
           <a:p>
             <a:fld id="{F87648D4-822A-184D-A945-2BBD99FACB30}" type="datetimeFigureOut">
               <a:rPr lang="en-US" smtClean="0"/>
-              <a:t>11/18/15</a:t>
+              <a:t>11/19/15</a:t>
             </a:fld>
             <a:endParaRPr lang="en-US"/>
           </a:p>
@@ -24237,7 +24214,7 @@
           <a:p>
             <a:fld id="{F87648D4-822A-184D-A945-2BBD99FACB30}" type="datetimeFigureOut">
               <a:rPr lang="en-US" smtClean="0"/>
-              <a:t>11/18/15</a:t>
+              <a:t>11/19/15</a:t>
             </a:fld>
             <a:endParaRPr lang="en-US"/>
           </a:p>
@@ -24604,7 +24581,7 @@
           <a:p>
             <a:fld id="{F87648D4-822A-184D-A945-2BBD99FACB30}" type="datetimeFigureOut">
               <a:rPr lang="en-US" smtClean="0"/>
-              <a:t>11/18/15</a:t>
+              <a:t>11/19/15</a:t>
             </a:fld>
             <a:endParaRPr lang="en-US"/>
           </a:p>
@@ -24722,7 +24699,7 @@
           <a:p>
             <a:fld id="{F87648D4-822A-184D-A945-2BBD99FACB30}" type="datetimeFigureOut">
               <a:rPr lang="en-US" smtClean="0"/>
-              <a:t>11/18/15</a:t>
+              <a:t>11/19/15</a:t>
             </a:fld>
             <a:endParaRPr lang="en-US"/>
           </a:p>
@@ -24817,7 +24794,7 @@
           <a:p>
             <a:fld id="{F87648D4-822A-184D-A945-2BBD99FACB30}" type="datetimeFigureOut">
               <a:rPr lang="en-US" smtClean="0"/>
-              <a:t>11/18/15</a:t>
+              <a:t>11/19/15</a:t>
             </a:fld>
             <a:endParaRPr lang="en-US"/>
           </a:p>
@@ -25094,7 +25071,7 @@
           <a:p>
             <a:fld id="{F87648D4-822A-184D-A945-2BBD99FACB30}" type="datetimeFigureOut">
               <a:rPr lang="en-US" smtClean="0"/>
-              <a:t>11/18/15</a:t>
+              <a:t>11/19/15</a:t>
             </a:fld>
             <a:endParaRPr lang="en-US"/>
           </a:p>
@@ -25351,7 +25328,7 @@
           <a:p>
             <a:fld id="{F87648D4-822A-184D-A945-2BBD99FACB30}" type="datetimeFigureOut">
               <a:rPr lang="en-US" smtClean="0"/>
-              <a:t>11/18/15</a:t>
+              <a:t>11/19/15</a:t>
             </a:fld>
             <a:endParaRPr lang="en-US"/>
           </a:p>
@@ -25564,7 +25541,7 @@
           <a:p>
             <a:fld id="{F87648D4-822A-184D-A945-2BBD99FACB30}" type="datetimeFigureOut">
               <a:rPr lang="en-US" smtClean="0"/>
-              <a:t>11/18/15</a:t>
+              <a:t>11/19/15</a:t>
             </a:fld>
             <a:endParaRPr lang="en-US"/>
           </a:p>
@@ -27769,7 +27746,7 @@
           <p:nvPr>
             <p:extLst>
               <p:ext uri="{D42A27DB-BD31-4B8C-83A1-F6EECF244321}">
-                <p14:modId xmlns:p14="http://schemas.microsoft.com/office/powerpoint/2010/main" val="930977133"/>
+                <p14:modId xmlns:p14="http://schemas.microsoft.com/office/powerpoint/2010/main" val="1761598087"/>
               </p:ext>
             </p:extLst>
           </p:nvPr>

--- a/elsarticle/Images/Thesis charts.pptx
+++ b/elsarticle/Images/Thesis charts.pptx
@@ -5149,7 +5149,7 @@
               <c:strCache>
                 <c:ptCount val="1"/>
                 <c:pt idx="0">
-                  <c:v>ASF</c:v>
+                  <c:v>Electricity mix</c:v>
                 </c:pt>
               </c:strCache>
             </c:strRef>
@@ -5318,7 +5318,7 @@
               <c:strCache>
                 <c:ptCount val="1"/>
                 <c:pt idx="0">
-                  <c:v>Electricity mix</c:v>
+                  <c:v>ASF</c:v>
                 </c:pt>
               </c:strCache>
             </c:strRef>
@@ -7200,7 +7200,7 @@
               <c:strCache>
                 <c:ptCount val="3"/>
                 <c:pt idx="0">
-                  <c:v>Operation location: GER/CH</c:v>
+                  <c:v>Operation location: CH/GER</c:v>
                 </c:pt>
                 <c:pt idx="1">
                   <c:v>Actuator: soft/motor</c:v>
@@ -7221,7 +7221,7 @@
                   <c:v>-698.1</c:v>
                 </c:pt>
                 <c:pt idx="1">
-                  <c:v>20.0</c:v>
+                  <c:v>-465.3</c:v>
                 </c:pt>
                 <c:pt idx="2">
                   <c:v>20.0</c:v>
@@ -7262,7 +7262,7 @@
               <c:strCache>
                 <c:ptCount val="3"/>
                 <c:pt idx="0">
-                  <c:v>Operation location: GER/CH</c:v>
+                  <c:v>Operation location: CH/GER</c:v>
                 </c:pt>
                 <c:pt idx="1">
                   <c:v>Actuator: soft/motor</c:v>
@@ -7283,7 +7283,7 @@
                   <c:v>80.7</c:v>
                 </c:pt>
                 <c:pt idx="1">
-                  <c:v>5.0</c:v>
+                  <c:v>-60.30000000000001</c:v>
                 </c:pt>
                 <c:pt idx="2">
                   <c:v>5.0</c:v>
@@ -27234,7 +27234,7 @@
           <p:nvPr>
             <p:extLst>
               <p:ext uri="{D42A27DB-BD31-4B8C-83A1-F6EECF244321}">
-                <p14:modId xmlns:p14="http://schemas.microsoft.com/office/powerpoint/2010/main" val="1290751912"/>
+                <p14:modId xmlns:p14="http://schemas.microsoft.com/office/powerpoint/2010/main" val="1174315288"/>
               </p:ext>
             </p:extLst>
           </p:nvPr>
@@ -27746,7 +27746,7 @@
           <p:nvPr>
             <p:extLst>
               <p:ext uri="{D42A27DB-BD31-4B8C-83A1-F6EECF244321}">
-                <p14:modId xmlns:p14="http://schemas.microsoft.com/office/powerpoint/2010/main" val="1761598087"/>
+                <p14:modId xmlns:p14="http://schemas.microsoft.com/office/powerpoint/2010/main" val="1392289078"/>
               </p:ext>
             </p:extLst>
           </p:nvPr>
@@ -27769,7 +27769,7 @@
         </p:nvCxnSpPr>
         <p:spPr>
           <a:xfrm>
-            <a:off x="1657966" y="1756284"/>
+            <a:off x="1657966" y="3733942"/>
             <a:ext cx="7236000" cy="0"/>
           </a:xfrm>
           <a:prstGeom prst="line">

--- a/elsarticle/Images/Thesis charts.pptx
+++ b/elsarticle/Images/Thesis charts.pptx
@@ -424,11 +424,11 @@
           <c:showPercent val="0"/>
           <c:showBubbleSize val="0"/>
         </c:dLbls>
-        <c:axId val="-2133925328"/>
-        <c:axId val="2064680400"/>
+        <c:axId val="-2135520832"/>
+        <c:axId val="2104496400"/>
       </c:scatterChart>
       <c:valAx>
-        <c:axId val="-2133925328"/>
+        <c:axId val="-2135520832"/>
         <c:scaling>
           <c:orientation val="minMax"/>
         </c:scaling>
@@ -550,12 +550,12 @@
             <a:endParaRPr lang="en-US"/>
           </a:p>
         </c:txPr>
-        <c:crossAx val="2064680400"/>
+        <c:crossAx val="2104496400"/>
         <c:crosses val="autoZero"/>
         <c:crossBetween val="midCat"/>
       </c:valAx>
       <c:valAx>
-        <c:axId val="2064680400"/>
+        <c:axId val="2104496400"/>
         <c:scaling>
           <c:orientation val="minMax"/>
         </c:scaling>
@@ -681,7 +681,7 @@
             <a:endParaRPr lang="en-US"/>
           </a:p>
         </c:txPr>
-        <c:crossAx val="-2133925328"/>
+        <c:crossAx val="-2135520832"/>
         <c:crosses val="autoZero"/>
         <c:crossBetween val="midCat"/>
       </c:valAx>
@@ -918,9 +918,7 @@
               </c:spPr>
             </c:leaderLines>
             <c:extLst>
-              <c:ext xmlns:c15="http://schemas.microsoft.com/office/drawing/2012/chart" uri="{CE6537A1-D6FC-4f65-9D91-7224C49458BB}">
-                <c15:layout/>
-              </c:ext>
+              <c:ext xmlns:c15="http://schemas.microsoft.com/office/drawing/2012/chart" uri="{CE6537A1-D6FC-4f65-9D91-7224C49458BB}"/>
             </c:extLst>
           </c:dLbls>
           <c:cat>
@@ -1241,9 +1239,7 @@
               <c:showPercent val="0"/>
               <c:showBubbleSize val="0"/>
               <c:extLst>
-                <c:ext xmlns:c15="http://schemas.microsoft.com/office/drawing/2012/chart" uri="{CE6537A1-D6FC-4f65-9D91-7224C49458BB}">
-                  <c15:layout/>
-                </c:ext>
+                <c:ext xmlns:c15="http://schemas.microsoft.com/office/drawing/2012/chart" uri="{CE6537A1-D6FC-4f65-9D91-7224C49458BB}"/>
               </c:extLst>
             </c:dLbl>
             <c:dLbl>
@@ -1261,9 +1257,7 @@
               <c:showPercent val="0"/>
               <c:showBubbleSize val="0"/>
               <c:extLst>
-                <c:ext xmlns:c15="http://schemas.microsoft.com/office/drawing/2012/chart" uri="{CE6537A1-D6FC-4f65-9D91-7224C49458BB}">
-                  <c15:layout/>
-                </c:ext>
+                <c:ext xmlns:c15="http://schemas.microsoft.com/office/drawing/2012/chart" uri="{CE6537A1-D6FC-4f65-9D91-7224C49458BB}"/>
               </c:extLst>
             </c:dLbl>
             <c:spPr>
@@ -1317,9 +1311,7 @@
               </c:spPr>
             </c:leaderLines>
             <c:extLst>
-              <c:ext xmlns:c15="http://schemas.microsoft.com/office/drawing/2012/chart" uri="{CE6537A1-D6FC-4f65-9D91-7224C49458BB}">
-                <c15:layout/>
-              </c:ext>
+              <c:ext xmlns:c15="http://schemas.microsoft.com/office/drawing/2012/chart" uri="{CE6537A1-D6FC-4f65-9D91-7224C49458BB}"/>
             </c:extLst>
           </c:dLbls>
           <c:cat>
@@ -1638,9 +1630,7 @@
               </c:spPr>
             </c:leaderLines>
             <c:extLst>
-              <c:ext xmlns:c15="http://schemas.microsoft.com/office/drawing/2012/chart" uri="{CE6537A1-D6FC-4f65-9D91-7224C49458BB}">
-                <c15:layout/>
-              </c:ext>
+              <c:ext xmlns:c15="http://schemas.microsoft.com/office/drawing/2012/chart" uri="{CE6537A1-D6FC-4f65-9D91-7224C49458BB}"/>
             </c:extLst>
           </c:dLbls>
           <c:cat>
@@ -1877,16 +1867,16 @@
                   <c:v>0.0</c:v>
                 </c:pt>
                 <c:pt idx="1">
-                  <c:v>2676.5</c:v>
+                  <c:v>2675.4</c:v>
                 </c:pt>
                 <c:pt idx="2">
-                  <c:v>-5710.5</c:v>
+                  <c:v>-6542.200000000001</c:v>
                 </c:pt>
                 <c:pt idx="3">
-                  <c:v>-5474.9</c:v>
+                  <c:v>-6306.6</c:v>
                 </c:pt>
                 <c:pt idx="4">
-                  <c:v>-5397.9</c:v>
+                  <c:v>-6229.6</c:v>
                 </c:pt>
                 <c:pt idx="5">
                   <c:v>0.0</c:v>
@@ -2064,13 +2054,13 @@
                 <c:formatCode>0.0</c:formatCode>
                 <c:ptCount val="6"/>
                 <c:pt idx="0">
-                  <c:v>2676.5</c:v>
+                  <c:v>2675.4</c:v>
                 </c:pt>
                 <c:pt idx="1">
                   <c:v>0.0</c:v>
                 </c:pt>
                 <c:pt idx="2">
-                  <c:v>-1056.5</c:v>
+                  <c:v>-225.9</c:v>
                 </c:pt>
                 <c:pt idx="3">
                   <c:v>-235.6</c:v>
@@ -2145,7 +2135,7 @@
                   <c:v>0.0</c:v>
                 </c:pt>
                 <c:pt idx="1">
-                  <c:v>-6767.0</c:v>
+                  <c:v>-6768.1</c:v>
                 </c:pt>
                 <c:pt idx="2">
                   <c:v>0.0</c:v>
@@ -2227,8 +2217,8 @@
               <c:idx val="5"/>
               <c:layout>
                 <c:manualLayout>
-                  <c:x val="0.0"/>
-                  <c:y val="-0.232818681059063"/>
+                  <c:x val="-0.00344820189846606"/>
+                  <c:y val="-0.26560926998937"/>
                 </c:manualLayout>
               </c:layout>
               <c:showLegendKey val="0"/>
@@ -2347,7 +2337,7 @@
                   <c:v>0.0</c:v>
                 </c:pt>
                 <c:pt idx="5">
-                  <c:v>-5397.9</c:v>
+                  <c:v>-6229.6</c:v>
                 </c:pt>
               </c:numCache>
             </c:numRef>
@@ -2363,11 +2353,11 @@
         </c:dLbls>
         <c:gapWidth val="150"/>
         <c:overlap val="100"/>
-        <c:axId val="-2074657312"/>
-        <c:axId val="-2079278848"/>
+        <c:axId val="-2130916944"/>
+        <c:axId val="-2072251856"/>
       </c:barChart>
       <c:catAx>
-        <c:axId val="-2074657312"/>
+        <c:axId val="-2130916944"/>
         <c:scaling>
           <c:orientation val="minMax"/>
         </c:scaling>
@@ -2377,7 +2367,7 @@
         <c:majorTickMark val="none"/>
         <c:minorTickMark val="none"/>
         <c:tickLblPos val="nextTo"/>
-        <c:crossAx val="-2079278848"/>
+        <c:crossAx val="-2072251856"/>
         <c:crosses val="autoZero"/>
         <c:auto val="1"/>
         <c:lblAlgn val="ctr"/>
@@ -2385,7 +2375,7 @@
         <c:noMultiLvlLbl val="0"/>
       </c:catAx>
       <c:valAx>
-        <c:axId val="-2079278848"/>
+        <c:axId val="-2072251856"/>
         <c:scaling>
           <c:orientation val="minMax"/>
         </c:scaling>
@@ -2501,7 +2491,7 @@
             <a:endParaRPr lang="en-US"/>
           </a:p>
         </c:txPr>
-        <c:crossAx val="-2074657312"/>
+        <c:crossAx val="-2130916944"/>
         <c:crosses val="autoZero"/>
         <c:crossBetween val="between"/>
       </c:valAx>
@@ -2884,11 +2874,11 @@
         </c:dLbls>
         <c:gapWidth val="219"/>
         <c:overlap val="-27"/>
-        <c:axId val="-2109557792"/>
-        <c:axId val="-2076304256"/>
+        <c:axId val="-2074190496"/>
+        <c:axId val="-2074675056"/>
       </c:barChart>
       <c:catAx>
-        <c:axId val="-2109557792"/>
+        <c:axId val="-2074190496"/>
         <c:scaling>
           <c:orientation val="minMax"/>
         </c:scaling>
@@ -2928,7 +2918,7 @@
             <a:endParaRPr lang="en-US"/>
           </a:p>
         </c:txPr>
-        <c:crossAx val="-2076304256"/>
+        <c:crossAx val="-2074675056"/>
         <c:crosses val="autoZero"/>
         <c:auto val="1"/>
         <c:lblAlgn val="ctr"/>
@@ -2936,7 +2926,7 @@
         <c:noMultiLvlLbl val="0"/>
       </c:catAx>
       <c:valAx>
-        <c:axId val="-2076304256"/>
+        <c:axId val="-2074675056"/>
         <c:scaling>
           <c:orientation val="minMax"/>
         </c:scaling>
@@ -3067,7 +3057,7 @@
             <a:endParaRPr lang="en-US"/>
           </a:p>
         </c:txPr>
-        <c:crossAx val="-2109557792"/>
+        <c:crossAx val="-2074190496"/>
         <c:crosses val="autoZero"/>
         <c:crossBetween val="between"/>
       </c:valAx>
@@ -3364,11 +3354,11 @@
         </c:dLbls>
         <c:gapWidth val="219"/>
         <c:overlap val="-27"/>
-        <c:axId val="-2074193616"/>
-        <c:axId val="-2074750352"/>
+        <c:axId val="-2032444032"/>
+        <c:axId val="-2032417488"/>
       </c:barChart>
       <c:catAx>
-        <c:axId val="-2074193616"/>
+        <c:axId val="-2032444032"/>
         <c:scaling>
           <c:orientation val="minMax"/>
         </c:scaling>
@@ -3408,7 +3398,7 @@
             <a:endParaRPr lang="en-US"/>
           </a:p>
         </c:txPr>
-        <c:crossAx val="-2074750352"/>
+        <c:crossAx val="-2032417488"/>
         <c:crosses val="autoZero"/>
         <c:auto val="1"/>
         <c:lblAlgn val="ctr"/>
@@ -3416,7 +3406,7 @@
         <c:noMultiLvlLbl val="0"/>
       </c:catAx>
       <c:valAx>
-        <c:axId val="-2074750352"/>
+        <c:axId val="-2032417488"/>
         <c:scaling>
           <c:orientation val="minMax"/>
         </c:scaling>
@@ -3537,7 +3527,7 @@
             <a:endParaRPr lang="en-US"/>
           </a:p>
         </c:txPr>
-        <c:crossAx val="-2074193616"/>
+        <c:crossAx val="-2032444032"/>
         <c:crosses val="autoZero"/>
         <c:crossBetween val="between"/>
       </c:valAx>
@@ -4067,7 +4057,7 @@
                   <c:v>-6.43</c:v>
                 </c:pt>
                 <c:pt idx="10">
-                  <c:v>-9.739999999999998</c:v>
+                  <c:v>-9.74</c:v>
                 </c:pt>
                 <c:pt idx="11">
                   <c:v>-13.05</c:v>
@@ -4101,11 +4091,11 @@
           <c:showBubbleSize val="0"/>
         </c:dLbls>
         <c:smooth val="0"/>
-        <c:axId val="-2108309392"/>
-        <c:axId val="-2108307552"/>
+        <c:axId val="-2032476960"/>
+        <c:axId val="-2032474544"/>
       </c:lineChart>
       <c:catAx>
-        <c:axId val="-2108309392"/>
+        <c:axId val="-2032476960"/>
         <c:scaling>
           <c:orientation val="minMax"/>
         </c:scaling>
@@ -4148,7 +4138,7 @@
             <a:endParaRPr lang="en-US"/>
           </a:p>
         </c:txPr>
-        <c:crossAx val="-2108307552"/>
+        <c:crossAx val="-2032474544"/>
         <c:crosses val="autoZero"/>
         <c:auto val="1"/>
         <c:lblAlgn val="ctr"/>
@@ -4156,7 +4146,7 @@
         <c:noMultiLvlLbl val="0"/>
       </c:catAx>
       <c:valAx>
-        <c:axId val="-2108307552"/>
+        <c:axId val="-2032474544"/>
         <c:scaling>
           <c:orientation val="minMax"/>
         </c:scaling>
@@ -4244,7 +4234,7 @@
             <a:endParaRPr lang="en-US"/>
           </a:p>
         </c:txPr>
-        <c:crossAx val="-2108309392"/>
+        <c:crossAx val="-2032476960"/>
         <c:crosses val="autoZero"/>
         <c:crossBetween val="between"/>
       </c:valAx>
@@ -4856,11 +4846,11 @@
         </c:dLbls>
         <c:gapWidth val="219"/>
         <c:overlap val="-27"/>
-        <c:axId val="2071525792"/>
-        <c:axId val="2071585184"/>
+        <c:axId val="-2031869088"/>
+        <c:axId val="-2031837232"/>
       </c:barChart>
       <c:catAx>
-        <c:axId val="2071525792"/>
+        <c:axId val="-2031869088"/>
         <c:scaling>
           <c:orientation val="minMax"/>
         </c:scaling>
@@ -4903,7 +4893,7 @@
             <a:endParaRPr lang="en-US"/>
           </a:p>
         </c:txPr>
-        <c:crossAx val="2071585184"/>
+        <c:crossAx val="-2031837232"/>
         <c:crosses val="autoZero"/>
         <c:auto val="1"/>
         <c:lblAlgn val="ctr"/>
@@ -4911,7 +4901,7 @@
         <c:noMultiLvlLbl val="0"/>
       </c:catAx>
       <c:valAx>
-        <c:axId val="2071585184"/>
+        <c:axId val="-2031837232"/>
         <c:scaling>
           <c:orientation val="minMax"/>
         </c:scaling>
@@ -5035,7 +5025,7 @@
             <a:endParaRPr lang="en-US"/>
           </a:p>
         </c:txPr>
-        <c:crossAx val="2071525792"/>
+        <c:crossAx val="-2031869088"/>
         <c:crosses val="autoZero"/>
         <c:crossBetween val="between"/>
       </c:valAx>
@@ -5133,7 +5123,7 @@
           <c:x val="0.118708113202881"/>
           <c:y val="0.0264823754257671"/>
           <c:w val="0.862477691617906"/>
-          <c:h val="0.667404334665321"/>
+          <c:h val="0.676334734250319"/>
         </c:manualLayout>
       </c:layout>
       <c:barChart>
@@ -5343,8 +5333,8 @@
               <c:idx val="2"/>
               <c:layout>
                 <c:manualLayout>
-                  <c:x val="-4.92549568237843E-17"/>
-                  <c:y val="-0.145829721853049"/>
+                  <c:x val="0.0"/>
+                  <c:y val="-0.166580966198505"/>
                 </c:manualLayout>
               </c:layout>
               <c:showLegendKey val="0"/>
@@ -5364,7 +5354,7 @@
               <c:layout>
                 <c:manualLayout>
                   <c:x val="0.0"/>
-                  <c:y val="-0.11760461439762"/>
+                  <c:y val="-0.101139968381953"/>
                 </c:manualLayout>
               </c:layout>
               <c:showLegendKey val="0"/>
@@ -5493,14 +5483,14 @@
               <c:numCache>
                 <c:formatCode>General</c:formatCode>
                 <c:ptCount val="8"/>
-                <c:pt idx="2">
-                  <c:v>-465.3</c:v>
+                <c:pt idx="2" formatCode="0.0">
+                  <c:v>-537.0</c:v>
                 </c:pt>
                 <c:pt idx="3">
-                  <c:v>348.8</c:v>
+                  <c:v>277.1</c:v>
                 </c:pt>
                 <c:pt idx="4">
-                  <c:v>80.7</c:v>
+                  <c:v>63.1</c:v>
                 </c:pt>
               </c:numCache>
             </c:numRef>
@@ -5712,11 +5702,11 @@
         </c:dLbls>
         <c:gapWidth val="219"/>
         <c:overlap val="100"/>
-        <c:axId val="2103364352"/>
-        <c:axId val="2103367440"/>
+        <c:axId val="-2032258480"/>
+        <c:axId val="-2032932544"/>
       </c:barChart>
       <c:catAx>
-        <c:axId val="2103364352"/>
+        <c:axId val="-2032258480"/>
         <c:scaling>
           <c:orientation val="minMax"/>
         </c:scaling>
@@ -5726,7 +5716,7 @@
         <c:majorTickMark val="none"/>
         <c:minorTickMark val="none"/>
         <c:tickLblPos val="nextTo"/>
-        <c:crossAx val="2103367440"/>
+        <c:crossAx val="-2032932544"/>
         <c:crosses val="autoZero"/>
         <c:auto val="1"/>
         <c:lblAlgn val="ctr"/>
@@ -5734,7 +5724,7 @@
         <c:noMultiLvlLbl val="0"/>
       </c:catAx>
       <c:valAx>
-        <c:axId val="2103367440"/>
+        <c:axId val="-2032932544"/>
         <c:scaling>
           <c:orientation val="minMax"/>
         </c:scaling>
@@ -5883,7 +5873,7 @@
             <a:endParaRPr lang="en-US"/>
           </a:p>
         </c:txPr>
-        <c:crossAx val="2103364352"/>
+        <c:crossAx val="-2032258480"/>
         <c:crosses val="autoZero"/>
         <c:crossBetween val="between"/>
       </c:valAx>
@@ -6050,7 +6040,6 @@
             <c:showLeaderLines val="0"/>
             <c:extLst>
               <c:ext xmlns:c15="http://schemas.microsoft.com/office/drawing/2012/chart" uri="{CE6537A1-D6FC-4f65-9D91-7224C49458BB}">
-                <c15:layout/>
                 <c15:showLeaderLines val="1"/>
                 <c15:leaderLines>
                   <c:spPr>
@@ -6174,7 +6163,6 @@
             <c:showLeaderLines val="0"/>
             <c:extLst>
               <c:ext xmlns:c15="http://schemas.microsoft.com/office/drawing/2012/chart" uri="{CE6537A1-D6FC-4f65-9D91-7224C49458BB}">
-                <c15:layout/>
                 <c15:showLeaderLines val="1"/>
                 <c15:leaderLines>
                   <c:spPr>
@@ -6293,7 +6281,6 @@
             <c:showLeaderLines val="0"/>
             <c:extLst>
               <c:ext xmlns:c15="http://schemas.microsoft.com/office/drawing/2012/chart" uri="{CE6537A1-D6FC-4f65-9D91-7224C49458BB}">
-                <c15:layout/>
                 <c15:showLeaderLines val="1"/>
                 <c15:leaderLines>
                   <c:spPr>
@@ -6358,11 +6345,11 @@
         </c:dLbls>
         <c:gapWidth val="219"/>
         <c:overlap val="-27"/>
-        <c:axId val="-2135943616"/>
-        <c:axId val="-2135941904"/>
+        <c:axId val="-2105928576"/>
+        <c:axId val="-2105925104"/>
       </c:barChart>
       <c:catAx>
-        <c:axId val="-2135943616"/>
+        <c:axId val="-2105928576"/>
         <c:scaling>
           <c:orientation val="minMax"/>
         </c:scaling>
@@ -6402,7 +6389,7 @@
             <a:endParaRPr lang="en-US"/>
           </a:p>
         </c:txPr>
-        <c:crossAx val="-2135941904"/>
+        <c:crossAx val="-2105925104"/>
         <c:crosses val="autoZero"/>
         <c:auto val="1"/>
         <c:lblAlgn val="ctr"/>
@@ -6410,7 +6397,7 @@
         <c:noMultiLvlLbl val="0"/>
       </c:catAx>
       <c:valAx>
-        <c:axId val="-2135941904"/>
+        <c:axId val="-2105925104"/>
         <c:scaling>
           <c:orientation val="minMax"/>
         </c:scaling>
@@ -6469,7 +6456,6 @@
               </a:p>
             </c:rich>
           </c:tx>
-          <c:layout/>
           <c:overlay val="0"/>
           <c:spPr>
             <a:noFill/>
@@ -6532,7 +6518,7 @@
             <a:endParaRPr lang="en-US"/>
           </a:p>
         </c:txPr>
-        <c:crossAx val="-2135943616"/>
+        <c:crossAx val="-2105928576"/>
         <c:crosses val="autoZero"/>
         <c:crossBetween val="between"/>
       </c:valAx>
@@ -6548,7 +6534,6 @@
     </c:plotArea>
     <c:legend>
       <c:legendPos val="b"/>
-      <c:layout/>
       <c:overlay val="0"/>
       <c:spPr>
         <a:noFill/>
@@ -6915,11 +6900,11 @@
         </c:dLbls>
         <c:gapWidth val="219"/>
         <c:overlap val="100"/>
-        <c:axId val="2071564624"/>
-        <c:axId val="2071556768"/>
+        <c:axId val="-2033186096"/>
+        <c:axId val="-2033183408"/>
       </c:barChart>
       <c:catAx>
-        <c:axId val="2071564624"/>
+        <c:axId val="-2033186096"/>
         <c:scaling>
           <c:orientation val="minMax"/>
         </c:scaling>
@@ -6962,7 +6947,7 @@
             <a:endParaRPr lang="en-US"/>
           </a:p>
         </c:txPr>
-        <c:crossAx val="2071556768"/>
+        <c:crossAx val="-2033183408"/>
         <c:crosses val="autoZero"/>
         <c:auto val="1"/>
         <c:lblAlgn val="ctr"/>
@@ -6970,7 +6955,7 @@
         <c:noMultiLvlLbl val="0"/>
       </c:catAx>
       <c:valAx>
-        <c:axId val="2071556768"/>
+        <c:axId val="-2033183408"/>
         <c:scaling>
           <c:orientation val="minMax"/>
         </c:scaling>
@@ -7062,7 +7047,7 @@
             <a:endParaRPr lang="en-US"/>
           </a:p>
         </c:txPr>
-        <c:crossAx val="2071564624"/>
+        <c:crossAx val="-2033186096"/>
         <c:crosses val="autoZero"/>
         <c:crossBetween val="between"/>
       </c:valAx>
@@ -7203,10 +7188,10 @@
                   <c:v>Operation location: CH/GER</c:v>
                 </c:pt>
                 <c:pt idx="1">
-                  <c:v>Actuator: soft/motor</c:v>
+                  <c:v>Actuator: motor/soft</c:v>
                 </c:pt>
                 <c:pt idx="2">
-                  <c:v>Control: individual/per row</c:v>
+                  <c:v>Control: individual/row</c:v>
                 </c:pt>
               </c:strCache>
             </c:strRef>
@@ -7218,13 +7203,13 @@
                 <c:formatCode>General</c:formatCode>
                 <c:ptCount val="3"/>
                 <c:pt idx="0">
-                  <c:v>-698.1</c:v>
+                  <c:v>-792.9</c:v>
                 </c:pt>
                 <c:pt idx="1">
-                  <c:v>-465.3</c:v>
+                  <c:v>-525.7</c:v>
                 </c:pt>
                 <c:pt idx="2">
-                  <c:v>20.0</c:v>
+                  <c:v>-535.6</c:v>
                 </c:pt>
               </c:numCache>
             </c:numRef>
@@ -7265,10 +7250,10 @@
                   <c:v>Operation location: CH/GER</c:v>
                 </c:pt>
                 <c:pt idx="1">
-                  <c:v>Actuator: soft/motor</c:v>
+                  <c:v>Actuator: motor/soft</c:v>
                 </c:pt>
                 <c:pt idx="2">
-                  <c:v>Control: individual/per row</c:v>
+                  <c:v>Control: individual/row</c:v>
                 </c:pt>
               </c:strCache>
             </c:strRef>
@@ -7280,13 +7265,13 @@
                 <c:formatCode>General</c:formatCode>
                 <c:ptCount val="3"/>
                 <c:pt idx="0">
-                  <c:v>80.7</c:v>
+                  <c:v>63.1</c:v>
                 </c:pt>
                 <c:pt idx="1">
-                  <c:v>-60.30000000000001</c:v>
+                  <c:v>-11.3</c:v>
                 </c:pt>
                 <c:pt idx="2">
-                  <c:v>5.0</c:v>
+                  <c:v>-1.4</c:v>
                 </c:pt>
               </c:numCache>
             </c:numRef>
@@ -7302,51 +7287,21 @@
         </c:dLbls>
         <c:gapWidth val="219"/>
         <c:overlap val="100"/>
-        <c:axId val="-2074286080"/>
-        <c:axId val="-2074283984"/>
+        <c:axId val="-2131011232"/>
+        <c:axId val="-2038662800"/>
       </c:barChart>
       <c:catAx>
-        <c:axId val="-2074286080"/>
+        <c:axId val="-2131011232"/>
         <c:scaling>
           <c:orientation val="minMax"/>
         </c:scaling>
-        <c:delete val="0"/>
+        <c:delete val="1"/>
         <c:axPos val="b"/>
         <c:numFmt formatCode="General" sourceLinked="1"/>
         <c:majorTickMark val="none"/>
         <c:minorTickMark val="none"/>
         <c:tickLblPos val="nextTo"/>
-        <c:spPr>
-          <a:noFill/>
-          <a:ln w="15875" cap="flat" cmpd="sng" algn="ctr">
-            <a:solidFill>
-              <a:schemeClr val="accent3"/>
-            </a:solidFill>
-            <a:round/>
-          </a:ln>
-          <a:effectLst/>
-        </c:spPr>
-        <c:txPr>
-          <a:bodyPr rot="-60000000" spcFirstLastPara="1" vertOverflow="ellipsis" vert="horz" wrap="square" anchor="ctr" anchorCtr="1"/>
-          <a:lstStyle/>
-          <a:p>
-            <a:pPr>
-              <a:defRPr sz="1197" b="0" i="0" u="none" strike="noStrike" kern="1200" baseline="0">
-                <a:solidFill>
-                  <a:schemeClr val="tx1">
-                    <a:lumMod val="65000"/>
-                    <a:lumOff val="35000"/>
-                  </a:schemeClr>
-                </a:solidFill>
-                <a:latin typeface="+mn-lt"/>
-                <a:ea typeface="+mn-ea"/>
-                <a:cs typeface="+mn-cs"/>
-              </a:defRPr>
-            </a:pPr>
-            <a:endParaRPr lang="en-US"/>
-          </a:p>
-        </c:txPr>
-        <c:crossAx val="-2074283984"/>
+        <c:crossAx val="-2038662800"/>
         <c:crosses val="autoZero"/>
         <c:auto val="1"/>
         <c:lblAlgn val="ctr"/>
@@ -7354,7 +7309,7 @@
         <c:noMultiLvlLbl val="0"/>
       </c:catAx>
       <c:valAx>
-        <c:axId val="-2074283984"/>
+        <c:axId val="-2038662800"/>
         <c:scaling>
           <c:orientation val="minMax"/>
         </c:scaling>
@@ -7496,7 +7451,7 @@
             <a:endParaRPr lang="en-US"/>
           </a:p>
         </c:txPr>
-        <c:crossAx val="-2074286080"/>
+        <c:crossAx val="-2131011232"/>
         <c:crosses val="autoZero"/>
         <c:crossBetween val="between"/>
         <c:majorUnit val="100.0"/>
@@ -7824,11 +7779,11 @@
         </c:dLbls>
         <c:gapWidth val="219"/>
         <c:overlap val="-27"/>
-        <c:axId val="-2134776224"/>
-        <c:axId val="-2134772816"/>
+        <c:axId val="-2131423136"/>
+        <c:axId val="-2108800016"/>
       </c:barChart>
       <c:catAx>
-        <c:axId val="-2134776224"/>
+        <c:axId val="-2131423136"/>
         <c:scaling>
           <c:orientation val="minMax"/>
         </c:scaling>
@@ -7868,7 +7823,7 @@
             <a:endParaRPr lang="en-US"/>
           </a:p>
         </c:txPr>
-        <c:crossAx val="-2134772816"/>
+        <c:crossAx val="-2108800016"/>
         <c:crosses val="autoZero"/>
         <c:auto val="1"/>
         <c:lblAlgn val="ctr"/>
@@ -7876,7 +7831,7 @@
         <c:noMultiLvlLbl val="0"/>
       </c:catAx>
       <c:valAx>
-        <c:axId val="-2134772816"/>
+        <c:axId val="-2108800016"/>
         <c:scaling>
           <c:orientation val="minMax"/>
         </c:scaling>
@@ -8010,7 +7965,7 @@
             <a:endParaRPr lang="en-US"/>
           </a:p>
         </c:txPr>
-        <c:crossAx val="-2134776224"/>
+        <c:crossAx val="-2131423136"/>
         <c:crosses val="autoZero"/>
         <c:crossBetween val="between"/>
       </c:valAx>
@@ -8168,7 +8123,6 @@
             <c:showLeaderLines val="0"/>
             <c:extLst>
               <c:ext xmlns:c15="http://schemas.microsoft.com/office/drawing/2012/chart" uri="{CE6537A1-D6FC-4f65-9D91-7224C49458BB}">
-                <c15:layout/>
                 <c15:showLeaderLines val="1"/>
                 <c15:leaderLines>
                   <c:spPr>
@@ -8298,7 +8252,6 @@
             <c:showLeaderLines val="0"/>
             <c:extLst>
               <c:ext xmlns:c15="http://schemas.microsoft.com/office/drawing/2012/chart" uri="{CE6537A1-D6FC-4f65-9D91-7224C49458BB}">
-                <c15:layout/>
                 <c15:showLeaderLines val="1"/>
                 <c15:leaderLines>
                   <c:spPr>
@@ -8423,7 +8376,6 @@
             <c:showLeaderLines val="0"/>
             <c:extLst>
               <c:ext xmlns:c15="http://schemas.microsoft.com/office/drawing/2012/chart" uri="{CE6537A1-D6FC-4f65-9D91-7224C49458BB}">
-                <c15:layout/>
                 <c15:showLeaderLines val="1"/>
                 <c15:leaderLines>
                   <c:spPr>
@@ -8548,7 +8500,6 @@
             <c:showLeaderLines val="0"/>
             <c:extLst>
               <c:ext xmlns:c15="http://schemas.microsoft.com/office/drawing/2012/chart" uri="{CE6537A1-D6FC-4f65-9D91-7224C49458BB}">
-                <c15:layout/>
                 <c15:showLeaderLines val="1"/>
                 <c15:leaderLines>
                   <c:spPr>
@@ -8619,11 +8570,11 @@
         </c:dLbls>
         <c:gapWidth val="219"/>
         <c:overlap val="-27"/>
-        <c:axId val="2103879008"/>
-        <c:axId val="2104415184"/>
+        <c:axId val="2126017392"/>
+        <c:axId val="2125768992"/>
       </c:barChart>
       <c:catAx>
-        <c:axId val="2103879008"/>
+        <c:axId val="2126017392"/>
         <c:scaling>
           <c:orientation val="minMax"/>
         </c:scaling>
@@ -8663,7 +8614,7 @@
             <a:endParaRPr lang="en-US"/>
           </a:p>
         </c:txPr>
-        <c:crossAx val="2104415184"/>
+        <c:crossAx val="2125768992"/>
         <c:crosses val="autoZero"/>
         <c:auto val="1"/>
         <c:lblAlgn val="ctr"/>
@@ -8671,7 +8622,7 @@
         <c:noMultiLvlLbl val="0"/>
       </c:catAx>
       <c:valAx>
-        <c:axId val="2104415184"/>
+        <c:axId val="2125768992"/>
         <c:scaling>
           <c:orientation val="minMax"/>
         </c:scaling>
@@ -8747,7 +8698,6 @@
               </a:p>
             </c:rich>
           </c:tx>
-          <c:layout/>
           <c:overlay val="0"/>
           <c:spPr>
             <a:noFill/>
@@ -8810,7 +8760,7 @@
             <a:endParaRPr lang="en-US"/>
           </a:p>
         </c:txPr>
-        <c:crossAx val="2103879008"/>
+        <c:crossAx val="2126017392"/>
         <c:crosses val="autoZero"/>
         <c:crossBetween val="between"/>
       </c:valAx>
@@ -8826,7 +8776,6 @@
     </c:plotArea>
     <c:legend>
       <c:legendPos val="b"/>
-      <c:layout/>
       <c:overlay val="0"/>
       <c:spPr>
         <a:noFill/>
@@ -9202,11 +9151,11 @@
         </c:dLbls>
         <c:gapWidth val="219"/>
         <c:overlap val="-27"/>
-        <c:axId val="-2134863248"/>
-        <c:axId val="-2134840464"/>
+        <c:axId val="-2038824960"/>
+        <c:axId val="-2076590288"/>
       </c:barChart>
       <c:catAx>
-        <c:axId val="-2134863248"/>
+        <c:axId val="-2038824960"/>
         <c:scaling>
           <c:orientation val="minMax"/>
         </c:scaling>
@@ -9246,7 +9195,7 @@
             <a:endParaRPr lang="en-US"/>
           </a:p>
         </c:txPr>
-        <c:crossAx val="-2134840464"/>
+        <c:crossAx val="-2076590288"/>
         <c:crosses val="autoZero"/>
         <c:auto val="1"/>
         <c:lblAlgn val="ctr"/>
@@ -9254,7 +9203,7 @@
         <c:noMultiLvlLbl val="0"/>
       </c:catAx>
       <c:valAx>
-        <c:axId val="-2134840464"/>
+        <c:axId val="-2076590288"/>
         <c:scaling>
           <c:orientation val="minMax"/>
         </c:scaling>
@@ -9322,7 +9271,6 @@
               </a:p>
             </c:rich>
           </c:tx>
-          <c:layout/>
           <c:overlay val="0"/>
           <c:spPr>
             <a:noFill/>
@@ -9385,7 +9333,7 @@
             <a:endParaRPr lang="en-US"/>
           </a:p>
         </c:txPr>
-        <c:crossAx val="-2134863248"/>
+        <c:crossAx val="-2038824960"/>
         <c:crosses val="autoZero"/>
         <c:crossBetween val="between"/>
       </c:valAx>
@@ -9401,7 +9349,6 @@
     </c:plotArea>
     <c:legend>
       <c:legendPos val="b"/>
-      <c:layout/>
       <c:overlay val="0"/>
       <c:spPr>
         <a:noFill/>
@@ -9555,11 +9502,11 @@
         </c:dLbls>
         <c:gapWidth val="219"/>
         <c:overlap val="-27"/>
-        <c:axId val="2055156496"/>
-        <c:axId val="2055024560"/>
+        <c:axId val="2125583472"/>
+        <c:axId val="2125532912"/>
       </c:barChart>
       <c:catAx>
-        <c:axId val="2055156496"/>
+        <c:axId val="2125583472"/>
         <c:scaling>
           <c:orientation val="minMax"/>
         </c:scaling>
@@ -9599,7 +9546,7 @@
             <a:endParaRPr lang="en-US"/>
           </a:p>
         </c:txPr>
-        <c:crossAx val="2055024560"/>
+        <c:crossAx val="2125532912"/>
         <c:crosses val="autoZero"/>
         <c:auto val="1"/>
         <c:lblAlgn val="ctr"/>
@@ -9607,7 +9554,7 @@
         <c:noMultiLvlLbl val="0"/>
       </c:catAx>
       <c:valAx>
-        <c:axId val="2055024560"/>
+        <c:axId val="2125532912"/>
         <c:scaling>
           <c:orientation val="minMax"/>
         </c:scaling>
@@ -9675,7 +9622,6 @@
               </a:p>
             </c:rich>
           </c:tx>
-          <c:layout/>
           <c:overlay val="0"/>
           <c:spPr>
             <a:noFill/>
@@ -9738,7 +9684,7 @@
             <a:endParaRPr lang="en-US"/>
           </a:p>
         </c:txPr>
-        <c:crossAx val="2055156496"/>
+        <c:crossAx val="2125583472"/>
         <c:crosses val="autoZero"/>
         <c:crossBetween val="between"/>
       </c:valAx>
@@ -10048,11 +9994,11 @@
         </c:dLbls>
         <c:gapWidth val="219"/>
         <c:overlap val="100"/>
-        <c:axId val="-2109784784"/>
-        <c:axId val="-2109781120"/>
+        <c:axId val="2105025968"/>
+        <c:axId val="2123691168"/>
       </c:barChart>
       <c:catAx>
-        <c:axId val="-2109784784"/>
+        <c:axId val="2105025968"/>
         <c:scaling>
           <c:orientation val="minMax"/>
         </c:scaling>
@@ -10095,7 +10041,7 @@
             <a:endParaRPr lang="en-US"/>
           </a:p>
         </c:txPr>
-        <c:crossAx val="-2109781120"/>
+        <c:crossAx val="2123691168"/>
         <c:crosses val="autoZero"/>
         <c:auto val="1"/>
         <c:lblAlgn val="ctr"/>
@@ -10103,7 +10049,7 @@
         <c:noMultiLvlLbl val="0"/>
       </c:catAx>
       <c:valAx>
-        <c:axId val="-2109781120"/>
+        <c:axId val="2123691168"/>
         <c:scaling>
           <c:orientation val="minMax"/>
         </c:scaling>
@@ -10154,7 +10100,6 @@
               </a:p>
             </c:rich>
           </c:tx>
-          <c:layout/>
           <c:overlay val="0"/>
           <c:spPr>
             <a:noFill/>
@@ -10215,7 +10160,7 @@
             <a:endParaRPr lang="en-US"/>
           </a:p>
         </c:txPr>
-        <c:crossAx val="-2109784784"/>
+        <c:crossAx val="2105025968"/>
         <c:crosses val="autoZero"/>
         <c:crossBetween val="between"/>
       </c:valAx>
@@ -10506,9 +10451,7 @@
               </c:spPr>
             </c:leaderLines>
             <c:extLst>
-              <c:ext xmlns:c15="http://schemas.microsoft.com/office/drawing/2012/chart" uri="{CE6537A1-D6FC-4f65-9D91-7224C49458BB}">
-                <c15:layout/>
-              </c:ext>
+              <c:ext xmlns:c15="http://schemas.microsoft.com/office/drawing/2012/chart" uri="{CE6537A1-D6FC-4f65-9D91-7224C49458BB}"/>
             </c:extLst>
           </c:dLbls>
           <c:cat>
@@ -10812,9 +10755,7 @@
               </c:spPr>
             </c:leaderLines>
             <c:extLst>
-              <c:ext xmlns:c15="http://schemas.microsoft.com/office/drawing/2012/chart" uri="{CE6537A1-D6FC-4f65-9D91-7224C49458BB}">
-                <c15:layout/>
-              </c:ext>
+              <c:ext xmlns:c15="http://schemas.microsoft.com/office/drawing/2012/chart" uri="{CE6537A1-D6FC-4f65-9D91-7224C49458BB}"/>
             </c:extLst>
           </c:dLbls>
           <c:cat>
@@ -26071,7 +26012,7 @@
           <p:nvPr>
             <p:extLst>
               <p:ext uri="{D42A27DB-BD31-4B8C-83A1-F6EECF244321}">
-                <p14:modId xmlns:p14="http://schemas.microsoft.com/office/powerpoint/2010/main" val="520360285"/>
+                <p14:modId xmlns:p14="http://schemas.microsoft.com/office/powerpoint/2010/main" val="1928287329"/>
               </p:ext>
             </p:extLst>
           </p:nvPr>
@@ -26122,7 +26063,11 @@
             <a:pPr algn="ctr"/>
             <a:r>
               <a:rPr lang="en-US" sz="2000" dirty="0" smtClean="0"/>
-              <a:t>-465.3 gCO</a:t>
+              <a:t>-537.0 </a:t>
+            </a:r>
+            <a:r>
+              <a:rPr lang="en-US" sz="2000" dirty="0" smtClean="0"/>
+              <a:t>gCO</a:t>
             </a:r>
             <a:r>
               <a:rPr lang="en-US" sz="2000" baseline="-25000" dirty="0" smtClean="0"/>
@@ -26499,7 +26444,17 @@
                   </a:schemeClr>
                 </a:solidFill>
               </a:rPr>
-              <a:t>-9441.4</a:t>
+              <a:t>-</a:t>
+            </a:r>
+            <a:r>
+              <a:rPr lang="en-US" sz="1600" dirty="0" smtClean="0">
+                <a:solidFill>
+                  <a:schemeClr val="bg2">
+                    <a:lumMod val="25000"/>
+                  </a:schemeClr>
+                </a:solidFill>
+              </a:rPr>
+              <a:t>9443.5</a:t>
             </a:r>
             <a:endParaRPr lang="en-US" sz="1600" dirty="0">
               <a:solidFill>
@@ -26519,7 +26474,7 @@
         </p:nvSpPr>
         <p:spPr>
           <a:xfrm>
-            <a:off x="4093946" y="4105479"/>
+            <a:off x="4088929" y="4351466"/>
             <a:ext cx="965248" cy="338554"/>
           </a:xfrm>
           <a:prstGeom prst="rect">
@@ -26535,14 +26490,14 @@
           <a:p>
             <a:pPr algn="ctr"/>
             <a:r>
-              <a:rPr lang="en-US" sz="1600" smtClean="0">
+              <a:rPr lang="en-US" sz="1600" dirty="0" smtClean="0">
                 <a:solidFill>
                   <a:schemeClr val="bg2">
                     <a:lumMod val="25000"/>
                   </a:schemeClr>
                 </a:solidFill>
               </a:rPr>
-              <a:t>1056.3</a:t>
+              <a:t>225.9</a:t>
             </a:r>
             <a:endParaRPr lang="en-US" sz="1600" dirty="0">
               <a:solidFill>
@@ -26562,7 +26517,7 @@
         </p:nvSpPr>
         <p:spPr>
           <a:xfrm>
-            <a:off x="5102630" y="4033127"/>
+            <a:off x="5101581" y="4277004"/>
             <a:ext cx="965248" cy="338554"/>
           </a:xfrm>
           <a:prstGeom prst="rect">
@@ -26605,7 +26560,7 @@
         </p:nvSpPr>
         <p:spPr>
           <a:xfrm>
-            <a:off x="6078279" y="4012912"/>
+            <a:off x="6066829" y="4235496"/>
             <a:ext cx="965248" cy="338554"/>
           </a:xfrm>
           <a:prstGeom prst="rect">
@@ -26685,7 +26640,7 @@
         </p:nvCxnSpPr>
         <p:spPr>
           <a:xfrm>
-            <a:off x="4776087" y="4372874"/>
+            <a:off x="4776087" y="4617423"/>
             <a:ext cx="594000" cy="0"/>
           </a:xfrm>
           <a:prstGeom prst="line">
@@ -26722,7 +26677,7 @@
         </p:nvCxnSpPr>
         <p:spPr>
           <a:xfrm>
-            <a:off x="5769829" y="4305190"/>
+            <a:off x="5769829" y="4549743"/>
             <a:ext cx="594000" cy="0"/>
           </a:xfrm>
           <a:prstGeom prst="line">
@@ -26759,7 +26714,7 @@
         </p:nvCxnSpPr>
         <p:spPr>
           <a:xfrm>
-            <a:off x="6754622" y="4283900"/>
+            <a:off x="6754622" y="4517824"/>
             <a:ext cx="594000" cy="0"/>
           </a:xfrm>
           <a:prstGeom prst="line">
@@ -27234,14 +27189,14 @@
           <p:nvPr>
             <p:extLst>
               <p:ext uri="{D42A27DB-BD31-4B8C-83A1-F6EECF244321}">
-                <p14:modId xmlns:p14="http://schemas.microsoft.com/office/powerpoint/2010/main" val="1174315288"/>
+                <p14:modId xmlns:p14="http://schemas.microsoft.com/office/powerpoint/2010/main" val="701771237"/>
               </p:ext>
             </p:extLst>
           </p:nvPr>
         </p:nvGraphicFramePr>
         <p:xfrm>
-          <a:off x="222637" y="492469"/>
-          <a:ext cx="9454100" cy="5399448"/>
+          <a:off x="222637" y="340242"/>
+          <a:ext cx="9454100" cy="5688417"/>
         </p:xfrm>
         <a:graphic>
           <a:graphicData uri="http://schemas.openxmlformats.org/drawingml/2006/chart">
@@ -27283,7 +27238,7 @@
         </p:nvSpPr>
         <p:spPr>
           <a:xfrm>
-            <a:off x="1294566" y="4246190"/>
+            <a:off x="1294566" y="4341886"/>
             <a:ext cx="1152000" cy="338554"/>
           </a:xfrm>
           <a:prstGeom prst="rect">
@@ -27299,7 +27254,7 @@
           <a:p>
             <a:pPr algn="ctr"/>
             <a:r>
-              <a:rPr lang="en-US" sz="1600" smtClean="0">
+              <a:rPr lang="en-US" sz="1600" dirty="0" smtClean="0">
                 <a:solidFill>
                   <a:schemeClr val="bg2">
                     <a:lumMod val="25000"/>
@@ -27319,7 +27274,7 @@
         </p:nvSpPr>
         <p:spPr>
           <a:xfrm>
-            <a:off x="2307484" y="4246190"/>
+            <a:off x="2307484" y="4341886"/>
             <a:ext cx="1152000" cy="338554"/>
           </a:xfrm>
           <a:prstGeom prst="rect">
@@ -27355,7 +27310,7 @@
         </p:nvSpPr>
         <p:spPr>
           <a:xfrm>
-            <a:off x="3320402" y="4246190"/>
+            <a:off x="3320402" y="4341886"/>
             <a:ext cx="1152000" cy="1077218"/>
           </a:xfrm>
           <a:prstGeom prst="rect">
@@ -27391,7 +27346,7 @@
         </p:nvSpPr>
         <p:spPr>
           <a:xfrm>
-            <a:off x="4333320" y="4246190"/>
+            <a:off x="4333320" y="4341886"/>
             <a:ext cx="1152000" cy="1077218"/>
           </a:xfrm>
           <a:prstGeom prst="rect">
@@ -27427,7 +27382,7 @@
         </p:nvSpPr>
         <p:spPr>
           <a:xfrm>
-            <a:off x="5346238" y="4246190"/>
+            <a:off x="5346238" y="4341886"/>
             <a:ext cx="1152000" cy="830997"/>
           </a:xfrm>
           <a:prstGeom prst="rect">
@@ -27483,7 +27438,7 @@
         </p:nvSpPr>
         <p:spPr>
           <a:xfrm>
-            <a:off x="6359156" y="4246190"/>
+            <a:off x="6359156" y="4341886"/>
             <a:ext cx="1152000" cy="338554"/>
           </a:xfrm>
           <a:prstGeom prst="rect">
@@ -27546,7 +27501,7 @@
         </p:nvSpPr>
         <p:spPr>
           <a:xfrm>
-            <a:off x="7372074" y="4246190"/>
+            <a:off x="7372074" y="4341886"/>
             <a:ext cx="1152000" cy="338554"/>
           </a:xfrm>
           <a:prstGeom prst="rect">
@@ -27582,7 +27537,7 @@
         </p:nvSpPr>
         <p:spPr>
           <a:xfrm>
-            <a:off x="8392942" y="4246190"/>
+            <a:off x="8392942" y="4341886"/>
             <a:ext cx="1152000" cy="338554"/>
           </a:xfrm>
           <a:prstGeom prst="rect">
@@ -27617,6 +27572,43 @@
           </a:p>
         </p:txBody>
       </p:sp>
+      <p:cxnSp>
+        <p:nvCxnSpPr>
+          <p:cNvPr id="12" name="Straight Connector 11"/>
+          <p:cNvCxnSpPr/>
+          <p:nvPr/>
+        </p:nvCxnSpPr>
+        <p:spPr>
+          <a:xfrm>
+            <a:off x="1334707" y="2406553"/>
+            <a:ext cx="8172000" cy="0"/>
+          </a:xfrm>
+          <a:prstGeom prst="line">
+            <a:avLst/>
+          </a:prstGeom>
+          <a:ln>
+            <a:solidFill>
+              <a:schemeClr val="bg2">
+                <a:lumMod val="50000"/>
+              </a:schemeClr>
+            </a:solidFill>
+          </a:ln>
+        </p:spPr>
+        <p:style>
+          <a:lnRef idx="1">
+            <a:schemeClr val="accent1"/>
+          </a:lnRef>
+          <a:fillRef idx="0">
+            <a:schemeClr val="accent1"/>
+          </a:fillRef>
+          <a:effectRef idx="0">
+            <a:schemeClr val="accent1"/>
+          </a:effectRef>
+          <a:fontRef idx="minor">
+            <a:schemeClr val="tx1"/>
+          </a:fontRef>
+        </p:style>
+      </p:cxnSp>
     </p:spTree>
     <p:extLst>
       <p:ext uri="{BB962C8B-B14F-4D97-AF65-F5344CB8AC3E}">
@@ -27746,7 +27738,7 @@
           <p:nvPr>
             <p:extLst>
               <p:ext uri="{D42A27DB-BD31-4B8C-83A1-F6EECF244321}">
-                <p14:modId xmlns:p14="http://schemas.microsoft.com/office/powerpoint/2010/main" val="1392289078"/>
+                <p14:modId xmlns:p14="http://schemas.microsoft.com/office/powerpoint/2010/main" val="1078591759"/>
               </p:ext>
             </p:extLst>
           </p:nvPr>
@@ -27769,7 +27761,7 @@
         </p:nvCxnSpPr>
         <p:spPr>
           <a:xfrm>
-            <a:off x="1657966" y="3733942"/>
+            <a:off x="1657966" y="3765841"/>
             <a:ext cx="7236000" cy="0"/>
           </a:xfrm>
           <a:prstGeom prst="line">
@@ -27780,6 +27772,188 @@
               <a:srgbClr val="C00000"/>
             </a:solidFill>
             <a:prstDash val="sysDash"/>
+          </a:ln>
+        </p:spPr>
+        <p:style>
+          <a:lnRef idx="1">
+            <a:schemeClr val="accent1"/>
+          </a:lnRef>
+          <a:fillRef idx="0">
+            <a:schemeClr val="accent1"/>
+          </a:fillRef>
+          <a:effectRef idx="0">
+            <a:schemeClr val="accent1"/>
+          </a:effectRef>
+          <a:fontRef idx="minor">
+            <a:schemeClr val="tx1"/>
+          </a:fontRef>
+        </p:style>
+      </p:cxnSp>
+      <p:sp>
+        <p:nvSpPr>
+          <p:cNvPr id="5" name="TextBox 4"/>
+          <p:cNvSpPr txBox="1"/>
+          <p:nvPr/>
+        </p:nvSpPr>
+        <p:spPr>
+          <a:xfrm>
+            <a:off x="1950862" y="5083718"/>
+            <a:ext cx="1800000" cy="584775"/>
+          </a:xfrm>
+          <a:prstGeom prst="rect">
+            <a:avLst/>
+          </a:prstGeom>
+          <a:noFill/>
+        </p:spPr>
+        <p:txBody>
+          <a:bodyPr wrap="square" rtlCol="0">
+            <a:spAutoFit/>
+          </a:bodyPr>
+          <a:lstStyle/>
+          <a:p>
+            <a:pPr algn="ctr"/>
+            <a:r>
+              <a:rPr lang="en-US" sz="1600" dirty="0" smtClean="0">
+                <a:solidFill>
+                  <a:schemeClr val="bg2">
+                    <a:lumMod val="25000"/>
+                  </a:schemeClr>
+                </a:solidFill>
+              </a:rPr>
+              <a:t>Operation location: CH/GER</a:t>
+            </a:r>
+          </a:p>
+        </p:txBody>
+      </p:sp>
+      <p:sp>
+        <p:nvSpPr>
+          <p:cNvPr id="6" name="TextBox 5"/>
+          <p:cNvSpPr txBox="1"/>
+          <p:nvPr/>
+        </p:nvSpPr>
+        <p:spPr>
+          <a:xfrm>
+            <a:off x="4395319" y="5083718"/>
+            <a:ext cx="1800000" cy="584775"/>
+          </a:xfrm>
+          <a:prstGeom prst="rect">
+            <a:avLst/>
+          </a:prstGeom>
+          <a:noFill/>
+        </p:spPr>
+        <p:txBody>
+          <a:bodyPr wrap="square" rtlCol="0">
+            <a:spAutoFit/>
+          </a:bodyPr>
+          <a:lstStyle/>
+          <a:p>
+            <a:pPr algn="ctr"/>
+            <a:r>
+              <a:rPr lang="en-US" sz="1600" dirty="0" smtClean="0">
+                <a:solidFill>
+                  <a:schemeClr val="bg2">
+                    <a:lumMod val="25000"/>
+                  </a:schemeClr>
+                </a:solidFill>
+              </a:rPr>
+              <a:t>Actuator: </a:t>
+            </a:r>
+            <a:r>
+              <a:rPr lang="en-US" sz="1600" dirty="0" smtClean="0">
+                <a:solidFill>
+                  <a:schemeClr val="bg2">
+                    <a:lumMod val="25000"/>
+                  </a:schemeClr>
+                </a:solidFill>
+              </a:rPr>
+              <a:t>motor/soft</a:t>
+            </a:r>
+            <a:endParaRPr lang="en-US" sz="1600" dirty="0" smtClean="0">
+              <a:solidFill>
+                <a:schemeClr val="bg2">
+                  <a:lumMod val="25000"/>
+                </a:schemeClr>
+              </a:solidFill>
+            </a:endParaRPr>
+          </a:p>
+        </p:txBody>
+      </p:sp>
+      <p:sp>
+        <p:nvSpPr>
+          <p:cNvPr id="8" name="TextBox 7"/>
+          <p:cNvSpPr txBox="1"/>
+          <p:nvPr/>
+        </p:nvSpPr>
+        <p:spPr>
+          <a:xfrm>
+            <a:off x="6839776" y="5083718"/>
+            <a:ext cx="1800000" cy="584775"/>
+          </a:xfrm>
+          <a:prstGeom prst="rect">
+            <a:avLst/>
+          </a:prstGeom>
+          <a:noFill/>
+        </p:spPr>
+        <p:txBody>
+          <a:bodyPr wrap="square" rtlCol="0">
+            <a:spAutoFit/>
+          </a:bodyPr>
+          <a:lstStyle/>
+          <a:p>
+            <a:pPr algn="ctr"/>
+            <a:r>
+              <a:rPr lang="en-US" sz="1600" dirty="0" smtClean="0">
+                <a:solidFill>
+                  <a:schemeClr val="bg2">
+                    <a:lumMod val="25000"/>
+                  </a:schemeClr>
+                </a:solidFill>
+              </a:rPr>
+              <a:t>Control: </a:t>
+            </a:r>
+          </a:p>
+          <a:p>
+            <a:pPr algn="ctr"/>
+            <a:r>
+              <a:rPr lang="en-US" sz="1600" dirty="0" smtClean="0">
+                <a:solidFill>
+                  <a:schemeClr val="bg2">
+                    <a:lumMod val="25000"/>
+                  </a:schemeClr>
+                </a:solidFill>
+              </a:rPr>
+              <a:t>Individual/row</a:t>
+            </a:r>
+            <a:endParaRPr lang="en-US" sz="1600" dirty="0" smtClean="0">
+              <a:solidFill>
+                <a:schemeClr val="bg2">
+                  <a:lumMod val="25000"/>
+                </a:schemeClr>
+              </a:solidFill>
+            </a:endParaRPr>
+          </a:p>
+        </p:txBody>
+      </p:sp>
+      <p:cxnSp>
+        <p:nvCxnSpPr>
+          <p:cNvPr id="9" name="Straight Connector 8"/>
+          <p:cNvCxnSpPr/>
+          <p:nvPr/>
+        </p:nvCxnSpPr>
+        <p:spPr>
+          <a:xfrm>
+            <a:off x="1657965" y="1811128"/>
+            <a:ext cx="7200000" cy="0"/>
+          </a:xfrm>
+          <a:prstGeom prst="line">
+            <a:avLst/>
+          </a:prstGeom>
+          <a:ln>
+            <a:solidFill>
+              <a:schemeClr val="bg2">
+                <a:lumMod val="50000"/>
+              </a:schemeClr>
+            </a:solidFill>
           </a:ln>
         </p:spPr>
         <p:style>

--- a/elsarticle/Images/Thesis charts.pptx
+++ b/elsarticle/Images/Thesis charts.pptx
@@ -424,11 +424,11 @@
           <c:showPercent val="0"/>
           <c:showBubbleSize val="0"/>
         </c:dLbls>
-        <c:axId val="-2135520832"/>
-        <c:axId val="2104496400"/>
+        <c:axId val="-2103977168"/>
+        <c:axId val="-2104033184"/>
       </c:scatterChart>
       <c:valAx>
-        <c:axId val="-2135520832"/>
+        <c:axId val="-2103977168"/>
         <c:scaling>
           <c:orientation val="minMax"/>
         </c:scaling>
@@ -550,12 +550,12 @@
             <a:endParaRPr lang="en-US"/>
           </a:p>
         </c:txPr>
-        <c:crossAx val="2104496400"/>
+        <c:crossAx val="-2104033184"/>
         <c:crosses val="autoZero"/>
         <c:crossBetween val="midCat"/>
       </c:valAx>
       <c:valAx>
-        <c:axId val="2104496400"/>
+        <c:axId val="-2104033184"/>
         <c:scaling>
           <c:orientation val="minMax"/>
         </c:scaling>
@@ -681,7 +681,7 @@
             <a:endParaRPr lang="en-US"/>
           </a:p>
         </c:txPr>
-        <c:crossAx val="-2135520832"/>
+        <c:crossAx val="-2103977168"/>
         <c:crosses val="autoZero"/>
         <c:crossBetween val="midCat"/>
       </c:valAx>
@@ -2353,11 +2353,11 @@
         </c:dLbls>
         <c:gapWidth val="150"/>
         <c:overlap val="100"/>
-        <c:axId val="-2130916944"/>
-        <c:axId val="-2072251856"/>
+        <c:axId val="-2104300784"/>
+        <c:axId val="-2077606576"/>
       </c:barChart>
       <c:catAx>
-        <c:axId val="-2130916944"/>
+        <c:axId val="-2104300784"/>
         <c:scaling>
           <c:orientation val="minMax"/>
         </c:scaling>
@@ -2367,7 +2367,7 @@
         <c:majorTickMark val="none"/>
         <c:minorTickMark val="none"/>
         <c:tickLblPos val="nextTo"/>
-        <c:crossAx val="-2072251856"/>
+        <c:crossAx val="-2077606576"/>
         <c:crosses val="autoZero"/>
         <c:auto val="1"/>
         <c:lblAlgn val="ctr"/>
@@ -2375,7 +2375,7 @@
         <c:noMultiLvlLbl val="0"/>
       </c:catAx>
       <c:valAx>
-        <c:axId val="-2072251856"/>
+        <c:axId val="-2077606576"/>
         <c:scaling>
           <c:orientation val="minMax"/>
         </c:scaling>
@@ -2491,7 +2491,7 @@
             <a:endParaRPr lang="en-US"/>
           </a:p>
         </c:txPr>
-        <c:crossAx val="-2130916944"/>
+        <c:crossAx val="-2104300784"/>
         <c:crosses val="autoZero"/>
         <c:crossBetween val="between"/>
       </c:valAx>
@@ -2874,11 +2874,11 @@
         </c:dLbls>
         <c:gapWidth val="219"/>
         <c:overlap val="-27"/>
-        <c:axId val="-2074190496"/>
-        <c:axId val="-2074675056"/>
+        <c:axId val="2122911344"/>
+        <c:axId val="-2078216416"/>
       </c:barChart>
       <c:catAx>
-        <c:axId val="-2074190496"/>
+        <c:axId val="2122911344"/>
         <c:scaling>
           <c:orientation val="minMax"/>
         </c:scaling>
@@ -2918,7 +2918,7 @@
             <a:endParaRPr lang="en-US"/>
           </a:p>
         </c:txPr>
-        <c:crossAx val="-2074675056"/>
+        <c:crossAx val="-2078216416"/>
         <c:crosses val="autoZero"/>
         <c:auto val="1"/>
         <c:lblAlgn val="ctr"/>
@@ -2926,7 +2926,7 @@
         <c:noMultiLvlLbl val="0"/>
       </c:catAx>
       <c:valAx>
-        <c:axId val="-2074675056"/>
+        <c:axId val="-2078216416"/>
         <c:scaling>
           <c:orientation val="minMax"/>
         </c:scaling>
@@ -3057,7 +3057,7 @@
             <a:endParaRPr lang="en-US"/>
           </a:p>
         </c:txPr>
-        <c:crossAx val="-2074190496"/>
+        <c:crossAx val="2122911344"/>
         <c:crosses val="autoZero"/>
         <c:crossBetween val="between"/>
       </c:valAx>
@@ -3354,11 +3354,11 @@
         </c:dLbls>
         <c:gapWidth val="219"/>
         <c:overlap val="-27"/>
-        <c:axId val="-2032444032"/>
-        <c:axId val="-2032417488"/>
+        <c:axId val="2123694416"/>
+        <c:axId val="2124262512"/>
       </c:barChart>
       <c:catAx>
-        <c:axId val="-2032444032"/>
+        <c:axId val="2123694416"/>
         <c:scaling>
           <c:orientation val="minMax"/>
         </c:scaling>
@@ -3398,7 +3398,7 @@
             <a:endParaRPr lang="en-US"/>
           </a:p>
         </c:txPr>
-        <c:crossAx val="-2032417488"/>
+        <c:crossAx val="2124262512"/>
         <c:crosses val="autoZero"/>
         <c:auto val="1"/>
         <c:lblAlgn val="ctr"/>
@@ -3406,7 +3406,7 @@
         <c:noMultiLvlLbl val="0"/>
       </c:catAx>
       <c:valAx>
-        <c:axId val="-2032417488"/>
+        <c:axId val="2124262512"/>
         <c:scaling>
           <c:orientation val="minMax"/>
         </c:scaling>
@@ -3484,7 +3484,6 @@
               </a:p>
             </c:rich>
           </c:tx>
-          <c:layout/>
           <c:overlay val="0"/>
           <c:spPr>
             <a:noFill/>
@@ -3527,7 +3526,7 @@
             <a:endParaRPr lang="en-US"/>
           </a:p>
         </c:txPr>
-        <c:crossAx val="-2032444032"/>
+        <c:crossAx val="2123694416"/>
         <c:crosses val="autoZero"/>
         <c:crossBetween val="between"/>
       </c:valAx>
@@ -3543,7 +3542,6 @@
     </c:plotArea>
     <c:legend>
       <c:legendPos val="b"/>
-      <c:layout/>
       <c:overlay val="0"/>
       <c:spPr>
         <a:noFill/>
@@ -3775,9 +3773,7 @@
               </c:spPr>
             </c:leaderLines>
             <c:extLst>
-              <c:ext xmlns:c15="http://schemas.microsoft.com/office/drawing/2012/chart" uri="{CE6537A1-D6FC-4f65-9D91-7224C49458BB}">
-                <c15:layout/>
-              </c:ext>
+              <c:ext xmlns:c15="http://schemas.microsoft.com/office/drawing/2012/chart" uri="{CE6537A1-D6FC-4f65-9D91-7224C49458BB}"/>
             </c:extLst>
           </c:dLbls>
           <c:cat>
@@ -4057,7 +4053,7 @@
                   <c:v>-6.43</c:v>
                 </c:pt>
                 <c:pt idx="10">
-                  <c:v>-9.74</c:v>
+                  <c:v>-9.739999999999998</c:v>
                 </c:pt>
                 <c:pt idx="11">
                   <c:v>-13.05</c:v>
@@ -4091,11 +4087,11 @@
           <c:showBubbleSize val="0"/>
         </c:dLbls>
         <c:smooth val="0"/>
-        <c:axId val="-2032476960"/>
-        <c:axId val="-2032474544"/>
+        <c:axId val="2122772288"/>
+        <c:axId val="2122675584"/>
       </c:lineChart>
       <c:catAx>
-        <c:axId val="-2032476960"/>
+        <c:axId val="2122772288"/>
         <c:scaling>
           <c:orientation val="minMax"/>
         </c:scaling>
@@ -4138,7 +4134,7 @@
             <a:endParaRPr lang="en-US"/>
           </a:p>
         </c:txPr>
-        <c:crossAx val="-2032474544"/>
+        <c:crossAx val="2122675584"/>
         <c:crosses val="autoZero"/>
         <c:auto val="1"/>
         <c:lblAlgn val="ctr"/>
@@ -4146,7 +4142,7 @@
         <c:noMultiLvlLbl val="0"/>
       </c:catAx>
       <c:valAx>
-        <c:axId val="-2032474544"/>
+        <c:axId val="2122675584"/>
         <c:scaling>
           <c:orientation val="minMax"/>
         </c:scaling>
@@ -4193,7 +4189,6 @@
               </a:p>
             </c:rich>
           </c:tx>
-          <c:layout/>
           <c:overlay val="0"/>
           <c:spPr>
             <a:noFill/>
@@ -4234,7 +4229,7 @@
             <a:endParaRPr lang="en-US"/>
           </a:p>
         </c:txPr>
-        <c:crossAx val="-2032476960"/>
+        <c:crossAx val="2122772288"/>
         <c:crosses val="autoZero"/>
         <c:crossBetween val="between"/>
       </c:valAx>
@@ -4250,7 +4245,6 @@
     </c:plotArea>
     <c:legend>
       <c:legendPos val="b"/>
-      <c:layout/>
       <c:overlay val="0"/>
       <c:spPr>
         <a:noFill/>
@@ -4392,7 +4386,6 @@
             <c:showLeaderLines val="0"/>
             <c:extLst>
               <c:ext xmlns:c15="http://schemas.microsoft.com/office/drawing/2012/chart" uri="{CE6537A1-D6FC-4f65-9D91-7224C49458BB}">
-                <c15:layout/>
                 <c15:showLeaderLines val="1"/>
                 <c15:leaderLines>
                   <c:spPr>
@@ -4505,7 +4498,6 @@
             <c:showLeaderLines val="0"/>
             <c:extLst>
               <c:ext xmlns:c15="http://schemas.microsoft.com/office/drawing/2012/chart" uri="{CE6537A1-D6FC-4f65-9D91-7224C49458BB}">
-                <c15:layout/>
                 <c15:showLeaderLines val="1"/>
                 <c15:leaderLines>
                   <c:spPr>
@@ -4618,7 +4610,6 @@
             <c:showLeaderLines val="0"/>
             <c:extLst>
               <c:ext xmlns:c15="http://schemas.microsoft.com/office/drawing/2012/chart" uri="{CE6537A1-D6FC-4f65-9D91-7224C49458BB}">
-                <c15:layout/>
                 <c15:showLeaderLines val="1"/>
                 <c15:leaderLines>
                   <c:spPr>
@@ -4786,7 +4777,6 @@
             <c:showLeaderLines val="0"/>
             <c:extLst>
               <c:ext xmlns:c15="http://schemas.microsoft.com/office/drawing/2012/chart" uri="{CE6537A1-D6FC-4f65-9D91-7224C49458BB}">
-                <c15:layout/>
                 <c15:showLeaderLines val="1"/>
                 <c15:leaderLines>
                   <c:spPr>
@@ -4846,11 +4836,11 @@
         </c:dLbls>
         <c:gapWidth val="219"/>
         <c:overlap val="-27"/>
-        <c:axId val="-2031869088"/>
-        <c:axId val="-2031837232"/>
+        <c:axId val="-2141343856"/>
+        <c:axId val="-2141340752"/>
       </c:barChart>
       <c:catAx>
-        <c:axId val="-2031869088"/>
+        <c:axId val="-2141343856"/>
         <c:scaling>
           <c:orientation val="minMax"/>
         </c:scaling>
@@ -4893,7 +4883,7 @@
             <a:endParaRPr lang="en-US"/>
           </a:p>
         </c:txPr>
-        <c:crossAx val="-2031837232"/>
+        <c:crossAx val="-2141340752"/>
         <c:crosses val="autoZero"/>
         <c:auto val="1"/>
         <c:lblAlgn val="ctr"/>
@@ -4901,7 +4891,7 @@
         <c:noMultiLvlLbl val="0"/>
       </c:catAx>
       <c:valAx>
-        <c:axId val="-2031837232"/>
+        <c:axId val="-2141340752"/>
         <c:scaling>
           <c:orientation val="minMax"/>
         </c:scaling>
@@ -4964,7 +4954,6 @@
               </a:p>
             </c:rich>
           </c:tx>
-          <c:layout/>
           <c:overlay val="0"/>
           <c:spPr>
             <a:noFill/>
@@ -5025,7 +5014,7 @@
             <a:endParaRPr lang="en-US"/>
           </a:p>
         </c:txPr>
-        <c:crossAx val="-2031869088"/>
+        <c:crossAx val="-2141343856"/>
         <c:crosses val="autoZero"/>
         <c:crossBetween val="between"/>
       </c:valAx>
@@ -5041,7 +5030,6 @@
     </c:plotArea>
     <c:legend>
       <c:legendPos val="b"/>
-      <c:layout/>
       <c:overlay val="0"/>
       <c:spPr>
         <a:noFill/>
@@ -5170,9 +5158,7 @@
               <c:showPercent val="0"/>
               <c:showBubbleSize val="0"/>
               <c:extLst>
-                <c:ext xmlns:c15="http://schemas.microsoft.com/office/drawing/2012/chart" uri="{CE6537A1-D6FC-4f65-9D91-7224C49458BB}">
-                  <c15:layout/>
-                </c:ext>
+                <c:ext xmlns:c15="http://schemas.microsoft.com/office/drawing/2012/chart" uri="{CE6537A1-D6FC-4f65-9D91-7224C49458BB}"/>
               </c:extLst>
             </c:dLbl>
             <c:dLbl>
@@ -5190,9 +5176,7 @@
               <c:showPercent val="0"/>
               <c:showBubbleSize val="0"/>
               <c:extLst>
-                <c:ext xmlns:c15="http://schemas.microsoft.com/office/drawing/2012/chart" uri="{CE6537A1-D6FC-4f65-9D91-7224C49458BB}">
-                  <c15:layout/>
-                </c:ext>
+                <c:ext xmlns:c15="http://schemas.microsoft.com/office/drawing/2012/chart" uri="{CE6537A1-D6FC-4f65-9D91-7224C49458BB}"/>
               </c:extLst>
             </c:dLbl>
             <c:spPr>
@@ -5344,9 +5328,7 @@
               <c:showPercent val="0"/>
               <c:showBubbleSize val="0"/>
               <c:extLst>
-                <c:ext xmlns:c15="http://schemas.microsoft.com/office/drawing/2012/chart" uri="{CE6537A1-D6FC-4f65-9D91-7224C49458BB}">
-                  <c15:layout/>
-                </c:ext>
+                <c:ext xmlns:c15="http://schemas.microsoft.com/office/drawing/2012/chart" uri="{CE6537A1-D6FC-4f65-9D91-7224C49458BB}"/>
               </c:extLst>
             </c:dLbl>
             <c:dLbl>
@@ -5364,9 +5346,7 @@
               <c:showPercent val="0"/>
               <c:showBubbleSize val="0"/>
               <c:extLst>
-                <c:ext xmlns:c15="http://schemas.microsoft.com/office/drawing/2012/chart" uri="{CE6537A1-D6FC-4f65-9D91-7224C49458BB}">
-                  <c15:layout/>
-                </c:ext>
+                <c:ext xmlns:c15="http://schemas.microsoft.com/office/drawing/2012/chart" uri="{CE6537A1-D6FC-4f65-9D91-7224C49458BB}"/>
               </c:extLst>
             </c:dLbl>
             <c:dLbl>
@@ -5384,9 +5364,7 @@
               <c:showPercent val="0"/>
               <c:showBubbleSize val="0"/>
               <c:extLst>
-                <c:ext xmlns:c15="http://schemas.microsoft.com/office/drawing/2012/chart" uri="{CE6537A1-D6FC-4f65-9D91-7224C49458BB}">
-                  <c15:layout/>
-                </c:ext>
+                <c:ext xmlns:c15="http://schemas.microsoft.com/office/drawing/2012/chart" uri="{CE6537A1-D6FC-4f65-9D91-7224C49458BB}"/>
               </c:extLst>
             </c:dLbl>
             <c:spPr>
@@ -5537,9 +5515,7 @@
               <c:showPercent val="0"/>
               <c:showBubbleSize val="0"/>
               <c:extLst>
-                <c:ext xmlns:c15="http://schemas.microsoft.com/office/drawing/2012/chart" uri="{CE6537A1-D6FC-4f65-9D91-7224C49458BB}">
-                  <c15:layout/>
-                </c:ext>
+                <c:ext xmlns:c15="http://schemas.microsoft.com/office/drawing/2012/chart" uri="{CE6537A1-D6FC-4f65-9D91-7224C49458BB}"/>
               </c:extLst>
             </c:dLbl>
             <c:dLbl>
@@ -5558,9 +5534,7 @@
               <c:showPercent val="0"/>
               <c:showBubbleSize val="0"/>
               <c:extLst>
-                <c:ext xmlns:c15="http://schemas.microsoft.com/office/drawing/2012/chart" uri="{CE6537A1-D6FC-4f65-9D91-7224C49458BB}">
-                  <c15:layout/>
-                </c:ext>
+                <c:ext xmlns:c15="http://schemas.microsoft.com/office/drawing/2012/chart" uri="{CE6537A1-D6FC-4f65-9D91-7224C49458BB}"/>
               </c:extLst>
             </c:dLbl>
             <c:dLbl>
@@ -5579,9 +5553,7 @@
               <c:showPercent val="0"/>
               <c:showBubbleSize val="0"/>
               <c:extLst>
-                <c:ext xmlns:c15="http://schemas.microsoft.com/office/drawing/2012/chart" uri="{CE6537A1-D6FC-4f65-9D91-7224C49458BB}">
-                  <c15:layout/>
-                </c:ext>
+                <c:ext xmlns:c15="http://schemas.microsoft.com/office/drawing/2012/chart" uri="{CE6537A1-D6FC-4f65-9D91-7224C49458BB}"/>
               </c:extLst>
             </c:dLbl>
             <c:spPr>
@@ -5702,11 +5674,11 @@
         </c:dLbls>
         <c:gapWidth val="219"/>
         <c:overlap val="100"/>
-        <c:axId val="-2032258480"/>
-        <c:axId val="-2032932544"/>
+        <c:axId val="-2076081168"/>
+        <c:axId val="2089784320"/>
       </c:barChart>
       <c:catAx>
-        <c:axId val="-2032258480"/>
+        <c:axId val="-2076081168"/>
         <c:scaling>
           <c:orientation val="minMax"/>
         </c:scaling>
@@ -5716,7 +5688,7 @@
         <c:majorTickMark val="none"/>
         <c:minorTickMark val="none"/>
         <c:tickLblPos val="nextTo"/>
-        <c:crossAx val="-2032932544"/>
+        <c:crossAx val="2089784320"/>
         <c:crosses val="autoZero"/>
         <c:auto val="1"/>
         <c:lblAlgn val="ctr"/>
@@ -5724,7 +5696,7 @@
         <c:noMultiLvlLbl val="0"/>
       </c:catAx>
       <c:valAx>
-        <c:axId val="-2032932544"/>
+        <c:axId val="2089784320"/>
         <c:scaling>
           <c:orientation val="minMax"/>
         </c:scaling>
@@ -5873,7 +5845,7 @@
             <a:endParaRPr lang="en-US"/>
           </a:p>
         </c:txPr>
-        <c:crossAx val="-2032258480"/>
+        <c:crossAx val="-2076081168"/>
         <c:crosses val="autoZero"/>
         <c:crossBetween val="between"/>
       </c:valAx>
@@ -6345,11 +6317,11 @@
         </c:dLbls>
         <c:gapWidth val="219"/>
         <c:overlap val="-27"/>
-        <c:axId val="-2105928576"/>
-        <c:axId val="-2105925104"/>
+        <c:axId val="-2103085920"/>
+        <c:axId val="-2103062896"/>
       </c:barChart>
       <c:catAx>
-        <c:axId val="-2105928576"/>
+        <c:axId val="-2103085920"/>
         <c:scaling>
           <c:orientation val="minMax"/>
         </c:scaling>
@@ -6389,7 +6361,7 @@
             <a:endParaRPr lang="en-US"/>
           </a:p>
         </c:txPr>
-        <c:crossAx val="-2105925104"/>
+        <c:crossAx val="-2103062896"/>
         <c:crosses val="autoZero"/>
         <c:auto val="1"/>
         <c:lblAlgn val="ctr"/>
@@ -6397,7 +6369,7 @@
         <c:noMultiLvlLbl val="0"/>
       </c:catAx>
       <c:valAx>
-        <c:axId val="-2105925104"/>
+        <c:axId val="-2103062896"/>
         <c:scaling>
           <c:orientation val="minMax"/>
         </c:scaling>
@@ -6518,7 +6490,7 @@
             <a:endParaRPr lang="en-US"/>
           </a:p>
         </c:txPr>
-        <c:crossAx val="-2105928576"/>
+        <c:crossAx val="-2103085920"/>
         <c:crosses val="autoZero"/>
         <c:crossBetween val="between"/>
       </c:valAx>
@@ -6900,11 +6872,11 @@
         </c:dLbls>
         <c:gapWidth val="219"/>
         <c:overlap val="100"/>
-        <c:axId val="-2033186096"/>
-        <c:axId val="-2033183408"/>
+        <c:axId val="-2145508928"/>
+        <c:axId val="-2141215824"/>
       </c:barChart>
       <c:catAx>
-        <c:axId val="-2033186096"/>
+        <c:axId val="-2145508928"/>
         <c:scaling>
           <c:orientation val="minMax"/>
         </c:scaling>
@@ -6947,7 +6919,7 @@
             <a:endParaRPr lang="en-US"/>
           </a:p>
         </c:txPr>
-        <c:crossAx val="-2033183408"/>
+        <c:crossAx val="-2141215824"/>
         <c:crosses val="autoZero"/>
         <c:auto val="1"/>
         <c:lblAlgn val="ctr"/>
@@ -6955,7 +6927,7 @@
         <c:noMultiLvlLbl val="0"/>
       </c:catAx>
       <c:valAx>
-        <c:axId val="-2033183408"/>
+        <c:axId val="-2141215824"/>
         <c:scaling>
           <c:orientation val="minMax"/>
         </c:scaling>
@@ -7006,7 +6978,6 @@
               </a:p>
             </c:rich>
           </c:tx>
-          <c:layout/>
           <c:overlay val="0"/>
           <c:spPr>
             <a:noFill/>
@@ -7047,7 +7018,7 @@
             <a:endParaRPr lang="en-US"/>
           </a:p>
         </c:txPr>
-        <c:crossAx val="-2033186096"/>
+        <c:crossAx val="-2145508928"/>
         <c:crosses val="autoZero"/>
         <c:crossBetween val="between"/>
       </c:valAx>
@@ -7063,7 +7034,6 @@
     </c:plotArea>
     <c:legend>
       <c:legendPos val="b"/>
-      <c:layout/>
       <c:overlay val="0"/>
       <c:spPr>
         <a:noFill/>
@@ -7287,11 +7257,11 @@
         </c:dLbls>
         <c:gapWidth val="219"/>
         <c:overlap val="100"/>
-        <c:axId val="-2131011232"/>
-        <c:axId val="-2038662800"/>
+        <c:axId val="-2077288768"/>
+        <c:axId val="-2077311552"/>
       </c:barChart>
       <c:catAx>
-        <c:axId val="-2131011232"/>
+        <c:axId val="-2077288768"/>
         <c:scaling>
           <c:orientation val="minMax"/>
         </c:scaling>
@@ -7301,7 +7271,7 @@
         <c:majorTickMark val="none"/>
         <c:minorTickMark val="none"/>
         <c:tickLblPos val="nextTo"/>
-        <c:crossAx val="-2038662800"/>
+        <c:crossAx val="-2077311552"/>
         <c:crosses val="autoZero"/>
         <c:auto val="1"/>
         <c:lblAlgn val="ctr"/>
@@ -7309,7 +7279,7 @@
         <c:noMultiLvlLbl val="0"/>
       </c:catAx>
       <c:valAx>
-        <c:axId val="-2038662800"/>
+        <c:axId val="-2077311552"/>
         <c:scaling>
           <c:orientation val="minMax"/>
         </c:scaling>
@@ -7390,7 +7360,6 @@
               </a:p>
             </c:rich>
           </c:tx>
-          <c:layout/>
           <c:overlay val="0"/>
           <c:spPr>
             <a:noFill/>
@@ -7451,7 +7420,7 @@
             <a:endParaRPr lang="en-US"/>
           </a:p>
         </c:txPr>
-        <c:crossAx val="-2131011232"/>
+        <c:crossAx val="-2077288768"/>
         <c:crosses val="autoZero"/>
         <c:crossBetween val="between"/>
         <c:majorUnit val="100.0"/>
@@ -7578,7 +7547,6 @@
             <c:showLeaderLines val="0"/>
             <c:extLst>
               <c:ext xmlns:c15="http://schemas.microsoft.com/office/drawing/2012/chart" uri="{CE6537A1-D6FC-4f65-9D91-7224C49458BB}">
-                <c15:layout/>
                 <c15:showLeaderLines val="1"/>
                 <c15:leaderLines>
                   <c:spPr>
@@ -7708,7 +7676,6 @@
             <c:showLeaderLines val="0"/>
             <c:extLst>
               <c:ext xmlns:c15="http://schemas.microsoft.com/office/drawing/2012/chart" uri="{CE6537A1-D6FC-4f65-9D91-7224C49458BB}">
-                <c15:layout/>
                 <c15:showLeaderLines val="1"/>
                 <c15:leaderLines>
                   <c:spPr>
@@ -7779,11 +7746,11 @@
         </c:dLbls>
         <c:gapWidth val="219"/>
         <c:overlap val="-27"/>
-        <c:axId val="-2131423136"/>
-        <c:axId val="-2108800016"/>
+        <c:axId val="2124163376"/>
+        <c:axId val="2124166784"/>
       </c:barChart>
       <c:catAx>
-        <c:axId val="-2131423136"/>
+        <c:axId val="2124163376"/>
         <c:scaling>
           <c:orientation val="minMax"/>
         </c:scaling>
@@ -7823,7 +7790,7 @@
             <a:endParaRPr lang="en-US"/>
           </a:p>
         </c:txPr>
-        <c:crossAx val="-2108800016"/>
+        <c:crossAx val="2124166784"/>
         <c:crosses val="autoZero"/>
         <c:auto val="1"/>
         <c:lblAlgn val="ctr"/>
@@ -7831,7 +7798,7 @@
         <c:noMultiLvlLbl val="0"/>
       </c:catAx>
       <c:valAx>
-        <c:axId val="-2108800016"/>
+        <c:axId val="2124166784"/>
         <c:scaling>
           <c:orientation val="minMax"/>
         </c:scaling>
@@ -7902,7 +7869,6 @@
               </a:p>
             </c:rich>
           </c:tx>
-          <c:layout/>
           <c:overlay val="0"/>
           <c:spPr>
             <a:noFill/>
@@ -7965,7 +7931,7 @@
             <a:endParaRPr lang="en-US"/>
           </a:p>
         </c:txPr>
-        <c:crossAx val="-2131423136"/>
+        <c:crossAx val="2124163376"/>
         <c:crosses val="autoZero"/>
         <c:crossBetween val="between"/>
       </c:valAx>
@@ -7981,7 +7947,6 @@
     </c:plotArea>
     <c:legend>
       <c:legendPos val="b"/>
-      <c:layout/>
       <c:overlay val="0"/>
       <c:spPr>
         <a:noFill/>
@@ -8570,11 +8535,11 @@
         </c:dLbls>
         <c:gapWidth val="219"/>
         <c:overlap val="-27"/>
-        <c:axId val="2126017392"/>
-        <c:axId val="2125768992"/>
+        <c:axId val="2123133264"/>
+        <c:axId val="2123136608"/>
       </c:barChart>
       <c:catAx>
-        <c:axId val="2126017392"/>
+        <c:axId val="2123133264"/>
         <c:scaling>
           <c:orientation val="minMax"/>
         </c:scaling>
@@ -8614,7 +8579,7 @@
             <a:endParaRPr lang="en-US"/>
           </a:p>
         </c:txPr>
-        <c:crossAx val="2125768992"/>
+        <c:crossAx val="2123136608"/>
         <c:crosses val="autoZero"/>
         <c:auto val="1"/>
         <c:lblAlgn val="ctr"/>
@@ -8622,7 +8587,7 @@
         <c:noMultiLvlLbl val="0"/>
       </c:catAx>
       <c:valAx>
-        <c:axId val="2125768992"/>
+        <c:axId val="2123136608"/>
         <c:scaling>
           <c:orientation val="minMax"/>
         </c:scaling>
@@ -8760,7 +8725,7 @@
             <a:endParaRPr lang="en-US"/>
           </a:p>
         </c:txPr>
-        <c:crossAx val="2126017392"/>
+        <c:crossAx val="2123133264"/>
         <c:crosses val="autoZero"/>
         <c:crossBetween val="between"/>
       </c:valAx>
@@ -9151,11 +9116,11 @@
         </c:dLbls>
         <c:gapWidth val="219"/>
         <c:overlap val="-27"/>
-        <c:axId val="-2038824960"/>
-        <c:axId val="-2076590288"/>
+        <c:axId val="2123249376"/>
+        <c:axId val="2123248416"/>
       </c:barChart>
       <c:catAx>
-        <c:axId val="-2038824960"/>
+        <c:axId val="2123249376"/>
         <c:scaling>
           <c:orientation val="minMax"/>
         </c:scaling>
@@ -9195,7 +9160,7 @@
             <a:endParaRPr lang="en-US"/>
           </a:p>
         </c:txPr>
-        <c:crossAx val="-2076590288"/>
+        <c:crossAx val="2123248416"/>
         <c:crosses val="autoZero"/>
         <c:auto val="1"/>
         <c:lblAlgn val="ctr"/>
@@ -9203,7 +9168,7 @@
         <c:noMultiLvlLbl val="0"/>
       </c:catAx>
       <c:valAx>
-        <c:axId val="-2076590288"/>
+        <c:axId val="2123248416"/>
         <c:scaling>
           <c:orientation val="minMax"/>
         </c:scaling>
@@ -9333,7 +9298,7 @@
             <a:endParaRPr lang="en-US"/>
           </a:p>
         </c:txPr>
-        <c:crossAx val="-2038824960"/>
+        <c:crossAx val="2123249376"/>
         <c:crosses val="autoZero"/>
         <c:crossBetween val="between"/>
       </c:valAx>
@@ -9502,11 +9467,11 @@
         </c:dLbls>
         <c:gapWidth val="219"/>
         <c:overlap val="-27"/>
-        <c:axId val="2125583472"/>
-        <c:axId val="2125532912"/>
+        <c:axId val="2123965408"/>
+        <c:axId val="2123968768"/>
       </c:barChart>
       <c:catAx>
-        <c:axId val="2125583472"/>
+        <c:axId val="2123965408"/>
         <c:scaling>
           <c:orientation val="minMax"/>
         </c:scaling>
@@ -9546,7 +9511,7 @@
             <a:endParaRPr lang="en-US"/>
           </a:p>
         </c:txPr>
-        <c:crossAx val="2125532912"/>
+        <c:crossAx val="2123968768"/>
         <c:crosses val="autoZero"/>
         <c:auto val="1"/>
         <c:lblAlgn val="ctr"/>
@@ -9554,7 +9519,7 @@
         <c:noMultiLvlLbl val="0"/>
       </c:catAx>
       <c:valAx>
-        <c:axId val="2125532912"/>
+        <c:axId val="2123968768"/>
         <c:scaling>
           <c:orientation val="minMax"/>
         </c:scaling>
@@ -9684,7 +9649,7 @@
             <a:endParaRPr lang="en-US"/>
           </a:p>
         </c:txPr>
-        <c:crossAx val="2125583472"/>
+        <c:crossAx val="2123965408"/>
         <c:crosses val="autoZero"/>
         <c:crossBetween val="between"/>
       </c:valAx>
@@ -9994,11 +9959,11 @@
         </c:dLbls>
         <c:gapWidth val="219"/>
         <c:overlap val="100"/>
-        <c:axId val="2105025968"/>
-        <c:axId val="2123691168"/>
+        <c:axId val="2124024880"/>
+        <c:axId val="2123947152"/>
       </c:barChart>
       <c:catAx>
-        <c:axId val="2105025968"/>
+        <c:axId val="2124024880"/>
         <c:scaling>
           <c:orientation val="minMax"/>
         </c:scaling>
@@ -10041,7 +10006,7 @@
             <a:endParaRPr lang="en-US"/>
           </a:p>
         </c:txPr>
-        <c:crossAx val="2123691168"/>
+        <c:crossAx val="2123947152"/>
         <c:crosses val="autoZero"/>
         <c:auto val="1"/>
         <c:lblAlgn val="ctr"/>
@@ -10049,7 +10014,7 @@
         <c:noMultiLvlLbl val="0"/>
       </c:catAx>
       <c:valAx>
-        <c:axId val="2123691168"/>
+        <c:axId val="2123947152"/>
         <c:scaling>
           <c:orientation val="minMax"/>
         </c:scaling>
@@ -10160,7 +10125,7 @@
             <a:endParaRPr lang="en-US"/>
           </a:p>
         </c:txPr>
-        <c:crossAx val="2105025968"/>
+        <c:crossAx val="2124024880"/>
         <c:crosses val="autoZero"/>
         <c:crossBetween val="between"/>
       </c:valAx>
@@ -26035,7 +26000,7 @@
         </p:nvSpPr>
         <p:spPr>
           <a:xfrm>
-            <a:off x="5897880" y="1147342"/>
+            <a:off x="5897880" y="1115443"/>
             <a:ext cx="2154163" cy="339552"/>
           </a:xfrm>
           <a:prstGeom prst="rect">
@@ -26063,11 +26028,7 @@
             <a:pPr algn="ctr"/>
             <a:r>
               <a:rPr lang="en-US" sz="2000" dirty="0" smtClean="0"/>
-              <a:t>-537.0 </a:t>
-            </a:r>
-            <a:r>
-              <a:rPr lang="en-US" sz="2000" dirty="0" smtClean="0"/>
-              <a:t>gCO</a:t>
+              <a:t>-537.0 gCO</a:t>
             </a:r>
             <a:r>
               <a:rPr lang="en-US" sz="2000" baseline="-25000" dirty="0" smtClean="0"/>
@@ -26444,17 +26405,7 @@
                   </a:schemeClr>
                 </a:solidFill>
               </a:rPr>
-              <a:t>-</a:t>
-            </a:r>
-            <a:r>
-              <a:rPr lang="en-US" sz="1600" dirty="0" smtClean="0">
-                <a:solidFill>
-                  <a:schemeClr val="bg2">
-                    <a:lumMod val="25000"/>
-                  </a:schemeClr>
-                </a:solidFill>
-              </a:rPr>
-              <a:t>9443.5</a:t>
+              <a:t>-9443.5</a:t>
             </a:r>
             <a:endParaRPr lang="en-US" sz="1600" dirty="0">
               <a:solidFill>
@@ -27856,25 +27807,8 @@
                   </a:schemeClr>
                 </a:solidFill>
               </a:rPr>
-              <a:t>Actuator: </a:t>
+              <a:t>Actuator: motor/soft</a:t>
             </a:r>
-            <a:r>
-              <a:rPr lang="en-US" sz="1600" dirty="0" smtClean="0">
-                <a:solidFill>
-                  <a:schemeClr val="bg2">
-                    <a:lumMod val="25000"/>
-                  </a:schemeClr>
-                </a:solidFill>
-              </a:rPr>
-              <a:t>motor/soft</a:t>
-            </a:r>
-            <a:endParaRPr lang="en-US" sz="1600" dirty="0" smtClean="0">
-              <a:solidFill>
-                <a:schemeClr val="bg2">
-                  <a:lumMod val="25000"/>
-                </a:schemeClr>
-              </a:solidFill>
-            </a:endParaRPr>
           </a:p>
         </p:txBody>
       </p:sp>
@@ -27924,13 +27858,6 @@
               </a:rPr>
               <a:t>Individual/row</a:t>
             </a:r>
-            <a:endParaRPr lang="en-US" sz="1600" dirty="0" smtClean="0">
-              <a:solidFill>
-                <a:schemeClr val="bg2">
-                  <a:lumMod val="25000"/>
-                </a:schemeClr>
-              </a:solidFill>
-            </a:endParaRPr>
           </a:p>
         </p:txBody>
       </p:sp>

--- a/elsarticle/Images/Thesis charts.pptx
+++ b/elsarticle/Images/Thesis charts.pptx
@@ -128,7 +128,7 @@
   </p:defaultTextStyle>
   <p:extLst>
     <p:ext uri="{EFAFB233-063F-42B5-8137-9DF3F51BA10A}">
-      <p15:sldGuideLst xmlns:p15="http://schemas.microsoft.com/office/powerpoint/2012/main">
+      <p15:sldGuideLst xmlns:p15="http://schemas.microsoft.com/office/powerpoint/2012/main" xmlns="">
         <p15:guide id="1" orient="horz" pos="2160">
           <p15:clr>
             <a:srgbClr val="A4A3A4"/>
@@ -424,11 +424,11 @@
           <c:showPercent val="0"/>
           <c:showBubbleSize val="0"/>
         </c:dLbls>
-        <c:axId val="-2103977168"/>
-        <c:axId val="-2104033184"/>
+        <c:axId val="-2146064504"/>
+        <c:axId val="2113054552"/>
       </c:scatterChart>
       <c:valAx>
-        <c:axId val="-2103977168"/>
+        <c:axId val="-2146064504"/>
         <c:scaling>
           <c:orientation val="minMax"/>
         </c:scaling>
@@ -492,26 +492,6 @@
             </a:ln>
             <a:effectLst/>
           </c:spPr>
-          <c:txPr>
-            <a:bodyPr rot="0" spcFirstLastPara="1" vertOverflow="ellipsis" vert="horz" wrap="square" anchor="ctr" anchorCtr="1"/>
-            <a:lstStyle/>
-            <a:p>
-              <a:pPr>
-                <a:defRPr sz="1330" b="0" i="0" u="none" strike="noStrike" kern="1200" baseline="0">
-                  <a:solidFill>
-                    <a:schemeClr val="tx1">
-                      <a:lumMod val="65000"/>
-                      <a:lumOff val="35000"/>
-                    </a:schemeClr>
-                  </a:solidFill>
-                  <a:latin typeface="+mn-lt"/>
-                  <a:ea typeface="+mn-ea"/>
-                  <a:cs typeface="+mn-cs"/>
-                </a:defRPr>
-              </a:pPr>
-              <a:endParaRPr lang="en-US"/>
-            </a:p>
-          </c:txPr>
         </c:title>
         <c:numFmt formatCode="General" sourceLinked="1"/>
         <c:majorTickMark val="out"/>
@@ -550,12 +530,12 @@
             <a:endParaRPr lang="en-US"/>
           </a:p>
         </c:txPr>
-        <c:crossAx val="-2104033184"/>
+        <c:crossAx val="2113054552"/>
         <c:crosses val="autoZero"/>
         <c:crossBetween val="midCat"/>
       </c:valAx>
       <c:valAx>
-        <c:axId val="-2104033184"/>
+        <c:axId val="2113054552"/>
         <c:scaling>
           <c:orientation val="minMax"/>
         </c:scaling>
@@ -623,26 +603,6 @@
             </a:ln>
             <a:effectLst/>
           </c:spPr>
-          <c:txPr>
-            <a:bodyPr rot="-5400000" spcFirstLastPara="1" vertOverflow="ellipsis" vert="horz" wrap="square" anchor="ctr" anchorCtr="1"/>
-            <a:lstStyle/>
-            <a:p>
-              <a:pPr>
-                <a:defRPr sz="1330" b="0" i="0" u="none" strike="noStrike" kern="1200" baseline="0">
-                  <a:solidFill>
-                    <a:schemeClr val="tx1">
-                      <a:lumMod val="65000"/>
-                      <a:lumOff val="35000"/>
-                    </a:schemeClr>
-                  </a:solidFill>
-                  <a:latin typeface="+mn-lt"/>
-                  <a:ea typeface="+mn-ea"/>
-                  <a:cs typeface="+mn-cs"/>
-                </a:defRPr>
-              </a:pPr>
-              <a:endParaRPr lang="en-US"/>
-            </a:p>
-          </c:txPr>
         </c:title>
         <c:numFmt formatCode="General" sourceLinked="1"/>
         <c:majorTickMark val="out"/>
@@ -681,7 +641,7 @@
             <a:endParaRPr lang="en-US"/>
           </a:p>
         </c:txPr>
-        <c:crossAx val="-2103977168"/>
+        <c:crossAx val="-2146064504"/>
         <c:crosses val="autoZero"/>
         <c:crossBetween val="midCat"/>
       </c:valAx>
@@ -748,7 +708,7 @@
       <a:endParaRPr lang="en-US"/>
     </a:p>
   </c:txPr>
-  <c:externalData r:id="rId3">
+  <c:externalData r:id="rId1">
     <c:autoUpdate val="0"/>
   </c:externalData>
 </c:chartSpace>
@@ -811,26 +771,6 @@
         </a:ln>
         <a:effectLst/>
       </c:spPr>
-      <c:txPr>
-        <a:bodyPr rot="0" spcFirstLastPara="1" vertOverflow="ellipsis" vert="horz" wrap="square" anchor="ctr" anchorCtr="1"/>
-        <a:lstStyle/>
-        <a:p>
-          <a:pPr>
-            <a:defRPr sz="1862" b="0" i="0" u="none" strike="noStrike" kern="1200" spc="0" baseline="0">
-              <a:solidFill>
-                <a:schemeClr val="tx1">
-                  <a:lumMod val="65000"/>
-                  <a:lumOff val="35000"/>
-                </a:schemeClr>
-              </a:solidFill>
-              <a:latin typeface="+mn-lt"/>
-              <a:ea typeface="+mn-ea"/>
-              <a:cs typeface="+mn-cs"/>
-            </a:defRPr>
-          </a:pPr>
-          <a:endParaRPr lang="en-US"/>
-        </a:p>
-      </c:txPr>
     </c:title>
     <c:autoTitleDeleted val="0"/>
     <c:plotArea>
@@ -1026,7 +966,7 @@
       <a:endParaRPr lang="en-US"/>
     </a:p>
   </c:txPr>
-  <c:externalData r:id="rId3">
+  <c:externalData r:id="rId1">
     <c:autoUpdate val="0"/>
   </c:externalData>
 </c:chartSpace>
@@ -1093,26 +1033,6 @@
         </a:ln>
         <a:effectLst/>
       </c:spPr>
-      <c:txPr>
-        <a:bodyPr rot="0" spcFirstLastPara="1" vertOverflow="ellipsis" vert="horz" wrap="square" anchor="ctr" anchorCtr="1"/>
-        <a:lstStyle/>
-        <a:p>
-          <a:pPr>
-            <a:defRPr sz="1862" b="0" i="0" u="none" strike="noStrike" kern="1200" spc="0" baseline="0">
-              <a:solidFill>
-                <a:schemeClr val="tx1">
-                  <a:lumMod val="65000"/>
-                  <a:lumOff val="35000"/>
-                </a:schemeClr>
-              </a:solidFill>
-              <a:latin typeface="+mn-lt"/>
-              <a:ea typeface="+mn-ea"/>
-              <a:cs typeface="+mn-cs"/>
-            </a:defRPr>
-          </a:pPr>
-          <a:endParaRPr lang="en-US"/>
-        </a:p>
-      </c:txPr>
     </c:title>
     <c:autoTitleDeleted val="0"/>
     <c:plotArea>
@@ -1449,7 +1369,7 @@
       <a:endParaRPr lang="en-US"/>
     </a:p>
   </c:txPr>
-  <c:externalData r:id="rId3">
+  <c:externalData r:id="rId1">
     <c:autoUpdate val="0"/>
   </c:externalData>
 </c:chartSpace>
@@ -1768,7 +1688,7 @@
       <a:endParaRPr lang="en-US"/>
     </a:p>
   </c:txPr>
-  <c:externalData r:id="rId3">
+  <c:externalData r:id="rId1">
     <c:autoUpdate val="0"/>
   </c:externalData>
 </c:chartSpace>
@@ -2353,11 +2273,11 @@
         </c:dLbls>
         <c:gapWidth val="150"/>
         <c:overlap val="100"/>
-        <c:axId val="-2104300784"/>
-        <c:axId val="-2077606576"/>
+        <c:axId val="-2142072536"/>
+        <c:axId val="-2142075736"/>
       </c:barChart>
       <c:catAx>
-        <c:axId val="-2104300784"/>
+        <c:axId val="-2142072536"/>
         <c:scaling>
           <c:orientation val="minMax"/>
         </c:scaling>
@@ -2367,7 +2287,7 @@
         <c:majorTickMark val="none"/>
         <c:minorTickMark val="none"/>
         <c:tickLblPos val="nextTo"/>
-        <c:crossAx val="-2077606576"/>
+        <c:crossAx val="-2142075736"/>
         <c:crosses val="autoZero"/>
         <c:auto val="1"/>
         <c:lblAlgn val="ctr"/>
@@ -2375,7 +2295,7 @@
         <c:noMultiLvlLbl val="0"/>
       </c:catAx>
       <c:valAx>
-        <c:axId val="-2077606576"/>
+        <c:axId val="-2142075736"/>
         <c:scaling>
           <c:orientation val="minMax"/>
         </c:scaling>
@@ -2439,26 +2359,6 @@
             </a:ln>
             <a:effectLst/>
           </c:spPr>
-          <c:txPr>
-            <a:bodyPr rot="-5400000" spcFirstLastPara="1" vertOverflow="ellipsis" vert="horz" wrap="square" anchor="ctr" anchorCtr="1"/>
-            <a:lstStyle/>
-            <a:p>
-              <a:pPr>
-                <a:defRPr sz="1330" b="0" i="0" u="none" strike="noStrike" kern="1200" baseline="0">
-                  <a:solidFill>
-                    <a:schemeClr val="tx1">
-                      <a:lumMod val="65000"/>
-                      <a:lumOff val="35000"/>
-                    </a:schemeClr>
-                  </a:solidFill>
-                  <a:latin typeface="+mn-lt"/>
-                  <a:ea typeface="+mn-ea"/>
-                  <a:cs typeface="+mn-cs"/>
-                </a:defRPr>
-              </a:pPr>
-              <a:endParaRPr lang="en-US"/>
-            </a:p>
-          </c:txPr>
         </c:title>
         <c:numFmt formatCode="0.0" sourceLinked="1"/>
         <c:majorTickMark val="none"/>
@@ -2491,7 +2391,7 @@
             <a:endParaRPr lang="en-US"/>
           </a:p>
         </c:txPr>
-        <c:crossAx val="-2104300784"/>
+        <c:crossAx val="-2142072536"/>
         <c:crosses val="autoZero"/>
         <c:crossBetween val="between"/>
       </c:valAx>
@@ -2526,7 +2426,7 @@
       <a:endParaRPr lang="en-US"/>
     </a:p>
   </c:txPr>
-  <c:externalData r:id="rId3">
+  <c:externalData r:id="rId1">
     <c:autoUpdate val="0"/>
   </c:externalData>
 </c:chartSpace>
@@ -2874,11 +2774,11 @@
         </c:dLbls>
         <c:gapWidth val="219"/>
         <c:overlap val="-27"/>
-        <c:axId val="2122911344"/>
-        <c:axId val="-2078216416"/>
+        <c:axId val="-2142156856"/>
+        <c:axId val="-2142160600"/>
       </c:barChart>
       <c:catAx>
-        <c:axId val="2122911344"/>
+        <c:axId val="-2142156856"/>
         <c:scaling>
           <c:orientation val="minMax"/>
         </c:scaling>
@@ -2918,7 +2818,7 @@
             <a:endParaRPr lang="en-US"/>
           </a:p>
         </c:txPr>
-        <c:crossAx val="-2078216416"/>
+        <c:crossAx val="-2142160600"/>
         <c:crosses val="autoZero"/>
         <c:auto val="1"/>
         <c:lblAlgn val="ctr"/>
@@ -2926,487 +2826,7 @@
         <c:noMultiLvlLbl val="0"/>
       </c:catAx>
       <c:valAx>
-        <c:axId val="-2078216416"/>
-        <c:scaling>
-          <c:orientation val="minMax"/>
-        </c:scaling>
-        <c:delete val="0"/>
-        <c:axPos val="l"/>
-        <c:majorGridlines>
-          <c:spPr>
-            <a:ln w="9525" cap="flat" cmpd="sng" algn="ctr">
-              <a:solidFill>
-                <a:schemeClr val="tx1">
-                  <a:lumMod val="15000"/>
-                  <a:lumOff val="85000"/>
-                </a:schemeClr>
-              </a:solidFill>
-              <a:round/>
-            </a:ln>
-            <a:effectLst/>
-          </c:spPr>
-        </c:majorGridlines>
-        <c:title>
-          <c:tx>
-            <c:rich>
-              <a:bodyPr rot="-5400000" spcFirstLastPara="1" vertOverflow="ellipsis" vert="horz" wrap="square" anchor="ctr" anchorCtr="1"/>
-              <a:lstStyle/>
-              <a:p>
-                <a:pPr>
-                  <a:defRPr sz="1400" b="0" i="0" u="none" strike="noStrike" kern="1200" baseline="0">
-                    <a:solidFill>
-                      <a:schemeClr val="tx1">
-                        <a:lumMod val="65000"/>
-                        <a:lumOff val="35000"/>
-                      </a:schemeClr>
-                    </a:solidFill>
-                    <a:latin typeface="+mn-lt"/>
-                    <a:ea typeface="+mn-ea"/>
-                    <a:cs typeface="+mn-cs"/>
-                  </a:defRPr>
-                </a:pPr>
-                <a:r>
-                  <a:rPr lang="en-US" sz="1600" dirty="0" smtClean="0"/>
-                  <a:t>Electricity production at grid</a:t>
-                </a:r>
-              </a:p>
-              <a:p>
-                <a:pPr>
-                  <a:defRPr sz="1400"/>
-                </a:pPr>
-                <a:r>
-                  <a:rPr lang="en-US" sz="1600" noProof="1" smtClean="0"/>
-                  <a:t>(g</a:t>
-                </a:r>
-                <a:r>
-                  <a:rPr lang="en-US" sz="1600" baseline="-25000" noProof="1" smtClean="0"/>
-                  <a:t>CO2eq</a:t>
-                </a:r>
-                <a:r>
-                  <a:rPr lang="en-US" sz="1600" noProof="1" smtClean="0"/>
-                  <a:t>/kWh</a:t>
-                </a:r>
-                <a:r>
-                  <a:rPr lang="de-DE" sz="1600" dirty="0" smtClean="0"/>
-                  <a:t>)</a:t>
-                </a:r>
-                <a:endParaRPr lang="en-US" sz="1600" dirty="0"/>
-              </a:p>
-            </c:rich>
-          </c:tx>
-          <c:layout/>
-          <c:overlay val="0"/>
-          <c:spPr>
-            <a:noFill/>
-            <a:ln>
-              <a:noFill/>
-            </a:ln>
-            <a:effectLst/>
-          </c:spPr>
-          <c:txPr>
-            <a:bodyPr rot="-5400000" spcFirstLastPara="1" vertOverflow="ellipsis" vert="horz" wrap="square" anchor="ctr" anchorCtr="1"/>
-            <a:lstStyle/>
-            <a:p>
-              <a:pPr>
-                <a:defRPr sz="1400" b="0" i="0" u="none" strike="noStrike" kern="1200" baseline="0">
-                  <a:solidFill>
-                    <a:schemeClr val="tx1">
-                      <a:lumMod val="65000"/>
-                      <a:lumOff val="35000"/>
-                    </a:schemeClr>
-                  </a:solidFill>
-                  <a:latin typeface="+mn-lt"/>
-                  <a:ea typeface="+mn-ea"/>
-                  <a:cs typeface="+mn-cs"/>
-                </a:defRPr>
-              </a:pPr>
-              <a:endParaRPr lang="en-US"/>
-            </a:p>
-          </c:txPr>
-        </c:title>
-        <c:numFmt formatCode="General" sourceLinked="1"/>
-        <c:majorTickMark val="none"/>
-        <c:minorTickMark val="none"/>
-        <c:tickLblPos val="nextTo"/>
-        <c:spPr>
-          <a:noFill/>
-          <a:ln>
-            <a:solidFill>
-              <a:schemeClr val="accent3"/>
-            </a:solidFill>
-          </a:ln>
-          <a:effectLst/>
-        </c:spPr>
-        <c:txPr>
-          <a:bodyPr rot="-60000000" spcFirstLastPara="1" vertOverflow="ellipsis" vert="horz" wrap="square" anchor="ctr" anchorCtr="1"/>
-          <a:lstStyle/>
-          <a:p>
-            <a:pPr>
-              <a:defRPr sz="1400" b="0" i="0" u="none" strike="noStrike" kern="1200" baseline="0">
-                <a:solidFill>
-                  <a:schemeClr val="tx1">
-                    <a:lumMod val="65000"/>
-                    <a:lumOff val="35000"/>
-                  </a:schemeClr>
-                </a:solidFill>
-                <a:latin typeface="+mn-lt"/>
-                <a:ea typeface="+mn-ea"/>
-                <a:cs typeface="+mn-cs"/>
-              </a:defRPr>
-            </a:pPr>
-            <a:endParaRPr lang="en-US"/>
-          </a:p>
-        </c:txPr>
-        <c:crossAx val="2122911344"/>
-        <c:crosses val="autoZero"/>
-        <c:crossBetween val="between"/>
-      </c:valAx>
-      <c:spPr>
-        <a:noFill/>
-        <a:ln>
-          <a:solidFill>
-            <a:schemeClr val="accent3"/>
-          </a:solidFill>
-        </a:ln>
-        <a:effectLst/>
-      </c:spPr>
-    </c:plotArea>
-    <c:legend>
-      <c:legendPos val="b"/>
-      <c:layout/>
-      <c:overlay val="0"/>
-      <c:spPr>
-        <a:noFill/>
-        <a:ln>
-          <a:noFill/>
-        </a:ln>
-        <a:effectLst/>
-      </c:spPr>
-      <c:txPr>
-        <a:bodyPr rot="0" spcFirstLastPara="1" vertOverflow="ellipsis" vert="horz" wrap="square" anchor="ctr" anchorCtr="1"/>
-        <a:lstStyle/>
-        <a:p>
-          <a:pPr>
-            <a:defRPr sz="1197" b="0" i="0" u="none" strike="noStrike" kern="1200" baseline="0">
-              <a:solidFill>
-                <a:schemeClr val="tx1">
-                  <a:lumMod val="65000"/>
-                  <a:lumOff val="35000"/>
-                </a:schemeClr>
-              </a:solidFill>
-              <a:latin typeface="+mn-lt"/>
-              <a:ea typeface="+mn-ea"/>
-              <a:cs typeface="+mn-cs"/>
-            </a:defRPr>
-          </a:pPr>
-          <a:endParaRPr lang="en-US"/>
-        </a:p>
-      </c:txPr>
-    </c:legend>
-    <c:plotVisOnly val="1"/>
-    <c:dispBlanksAs val="gap"/>
-    <c:showDLblsOverMax val="0"/>
-  </c:chart>
-  <c:spPr>
-    <a:noFill/>
-    <a:ln>
-      <a:noFill/>
-    </a:ln>
-    <a:effectLst/>
-  </c:spPr>
-  <c:txPr>
-    <a:bodyPr/>
-    <a:lstStyle/>
-    <a:p>
-      <a:pPr>
-        <a:defRPr/>
-      </a:pPr>
-      <a:endParaRPr lang="en-US"/>
-    </a:p>
-  </c:txPr>
-  <c:externalData r:id="rId3">
-    <c:autoUpdate val="0"/>
-  </c:externalData>
-</c:chartSpace>
-</file>
-
-<file path=ppt/charts/chart15.xml><?xml version="1.0" encoding="utf-8"?>
-<c:chartSpace xmlns:c="http://schemas.openxmlformats.org/drawingml/2006/chart" xmlns:a="http://schemas.openxmlformats.org/drawingml/2006/main" xmlns:r="http://schemas.openxmlformats.org/officeDocument/2006/relationships">
-  <c:date1904 val="0"/>
-  <c:lang val="en-US"/>
-  <c:roundedCorners val="0"/>
-  <mc:AlternateContent xmlns:mc="http://schemas.openxmlformats.org/markup-compatibility/2006">
-    <mc:Choice xmlns:c14="http://schemas.microsoft.com/office/drawing/2007/8/2/chart" Requires="c14">
-      <c14:style val="102"/>
-    </mc:Choice>
-    <mc:Fallback>
-      <c:style val="2"/>
-    </mc:Fallback>
-  </mc:AlternateContent>
-  <c:chart>
-    <c:autoTitleDeleted val="1"/>
-    <c:plotArea>
-      <c:layout/>
-      <c:barChart>
-        <c:barDir val="col"/>
-        <c:grouping val="clustered"/>
-        <c:varyColors val="0"/>
-        <c:ser>
-          <c:idx val="0"/>
-          <c:order val="0"/>
-          <c:tx>
-            <c:strRef>
-              <c:f>Sheet1!$B$1</c:f>
-              <c:strCache>
-                <c:ptCount val="1"/>
-                <c:pt idx="0">
-                  <c:v>High voltage at grid</c:v>
-                </c:pt>
-              </c:strCache>
-            </c:strRef>
-          </c:tx>
-          <c:spPr>
-            <a:solidFill>
-              <a:schemeClr val="accent1"/>
-            </a:solidFill>
-            <a:ln>
-              <a:noFill/>
-            </a:ln>
-            <a:effectLst/>
-          </c:spPr>
-          <c:invertIfNegative val="0"/>
-          <c:cat>
-            <c:strRef>
-              <c:f>Sheet1!$A$2:$A$8</c:f>
-              <c:strCache>
-                <c:ptCount val="7"/>
-                <c:pt idx="0">
-                  <c:v>China</c:v>
-                </c:pt>
-                <c:pt idx="1">
-                  <c:v>United States of America</c:v>
-                </c:pt>
-                <c:pt idx="2">
-                  <c:v>Germany</c:v>
-                </c:pt>
-                <c:pt idx="3">
-                  <c:v>UCTE region</c:v>
-                </c:pt>
-                <c:pt idx="4">
-                  <c:v>Switzerland</c:v>
-                </c:pt>
-                <c:pt idx="5">
-                  <c:v>ASF</c:v>
-                </c:pt>
-                <c:pt idx="6">
-                  <c:v>France</c:v>
-                </c:pt>
-              </c:strCache>
-            </c:strRef>
-          </c:cat>
-          <c:val>
-            <c:numRef>
-              <c:f>Sheet1!$B$2:$B$8</c:f>
-              <c:numCache>
-                <c:formatCode>General</c:formatCode>
-                <c:ptCount val="7"/>
-                <c:pt idx="0">
-                  <c:v>1145.8</c:v>
-                </c:pt>
-                <c:pt idx="1">
-                  <c:v>754.8</c:v>
-                </c:pt>
-                <c:pt idx="2">
-                  <c:v>629.5</c:v>
-                </c:pt>
-                <c:pt idx="3">
-                  <c:v>509.3</c:v>
-                </c:pt>
-                <c:pt idx="4">
-                  <c:v>119.6</c:v>
-                </c:pt>
-                <c:pt idx="6">
-                  <c:v>95.7</c:v>
-                </c:pt>
-              </c:numCache>
-            </c:numRef>
-          </c:val>
-        </c:ser>
-        <c:ser>
-          <c:idx val="1"/>
-          <c:order val="1"/>
-          <c:tx>
-            <c:strRef>
-              <c:f>Sheet1!$C$1</c:f>
-              <c:strCache>
-                <c:ptCount val="1"/>
-                <c:pt idx="0">
-                  <c:v>Low voltage at grid</c:v>
-                </c:pt>
-              </c:strCache>
-            </c:strRef>
-          </c:tx>
-          <c:spPr>
-            <a:solidFill>
-              <a:schemeClr val="accent2"/>
-            </a:solidFill>
-            <a:ln>
-              <a:noFill/>
-            </a:ln>
-            <a:effectLst/>
-          </c:spPr>
-          <c:invertIfNegative val="0"/>
-          <c:dPt>
-            <c:idx val="5"/>
-            <c:invertIfNegative val="0"/>
-            <c:bubble3D val="0"/>
-            <c:spPr>
-              <a:solidFill>
-                <a:srgbClr val="C52A15"/>
-              </a:solidFill>
-              <a:ln>
-                <a:noFill/>
-              </a:ln>
-              <a:effectLst/>
-            </c:spPr>
-          </c:dPt>
-          <c:dPt>
-            <c:idx val="14"/>
-            <c:invertIfNegative val="0"/>
-            <c:bubble3D val="0"/>
-            <c:spPr>
-              <a:solidFill>
-                <a:srgbClr val="C00000"/>
-              </a:solidFill>
-              <a:ln>
-                <a:noFill/>
-              </a:ln>
-              <a:effectLst/>
-            </c:spPr>
-          </c:dPt>
-          <c:cat>
-            <c:strRef>
-              <c:f>Sheet1!$A$2:$A$8</c:f>
-              <c:strCache>
-                <c:ptCount val="7"/>
-                <c:pt idx="0">
-                  <c:v>China</c:v>
-                </c:pt>
-                <c:pt idx="1">
-                  <c:v>United States of America</c:v>
-                </c:pt>
-                <c:pt idx="2">
-                  <c:v>Germany</c:v>
-                </c:pt>
-                <c:pt idx="3">
-                  <c:v>UCTE region</c:v>
-                </c:pt>
-                <c:pt idx="4">
-                  <c:v>Switzerland</c:v>
-                </c:pt>
-                <c:pt idx="5">
-                  <c:v>ASF</c:v>
-                </c:pt>
-                <c:pt idx="6">
-                  <c:v>France</c:v>
-                </c:pt>
-              </c:strCache>
-            </c:strRef>
-          </c:cat>
-          <c:val>
-            <c:numRef>
-              <c:f>Sheet1!$C$2:$C$8</c:f>
-              <c:numCache>
-                <c:formatCode>General</c:formatCode>
-                <c:ptCount val="7"/>
-                <c:pt idx="0">
-                  <c:v>1229.6</c:v>
-                </c:pt>
-                <c:pt idx="1">
-                  <c:v>808.4</c:v>
-                </c:pt>
-                <c:pt idx="2">
-                  <c:v>671.5</c:v>
-                </c:pt>
-                <c:pt idx="3">
-                  <c:v>551.7</c:v>
-                </c:pt>
-                <c:pt idx="4">
-                  <c:v>135.0</c:v>
-                </c:pt>
-                <c:pt idx="5">
-                  <c:v>126.8</c:v>
-                </c:pt>
-                <c:pt idx="6">
-                  <c:v>109.0</c:v>
-                </c:pt>
-              </c:numCache>
-            </c:numRef>
-          </c:val>
-        </c:ser>
-        <c:dLbls>
-          <c:showLegendKey val="0"/>
-          <c:showVal val="0"/>
-          <c:showCatName val="0"/>
-          <c:showSerName val="0"/>
-          <c:showPercent val="0"/>
-          <c:showBubbleSize val="0"/>
-        </c:dLbls>
-        <c:gapWidth val="219"/>
-        <c:overlap val="-27"/>
-        <c:axId val="2123694416"/>
-        <c:axId val="2124262512"/>
-      </c:barChart>
-      <c:catAx>
-        <c:axId val="2123694416"/>
-        <c:scaling>
-          <c:orientation val="minMax"/>
-        </c:scaling>
-        <c:delete val="0"/>
-        <c:axPos val="b"/>
-        <c:numFmt formatCode="General" sourceLinked="1"/>
-        <c:majorTickMark val="none"/>
-        <c:minorTickMark val="none"/>
-        <c:tickLblPos val="nextTo"/>
-        <c:spPr>
-          <a:noFill/>
-          <a:ln w="9525" cap="flat" cmpd="sng" algn="ctr">
-            <a:solidFill>
-              <a:schemeClr val="accent3"/>
-            </a:solidFill>
-            <a:round/>
-          </a:ln>
-          <a:effectLst/>
-        </c:spPr>
-        <c:txPr>
-          <a:bodyPr rot="-60000000" spcFirstLastPara="1" vertOverflow="ellipsis" vert="horz" wrap="square" anchor="ctr" anchorCtr="1"/>
-          <a:lstStyle/>
-          <a:p>
-            <a:pPr>
-              <a:defRPr sz="1400" b="0" i="0" u="none" strike="noStrike" kern="1200" baseline="0">
-                <a:solidFill>
-                  <a:schemeClr val="tx1">
-                    <a:lumMod val="65000"/>
-                    <a:lumOff val="35000"/>
-                  </a:schemeClr>
-                </a:solidFill>
-                <a:latin typeface="+mn-lt"/>
-                <a:ea typeface="+mn-ea"/>
-                <a:cs typeface="+mn-cs"/>
-              </a:defRPr>
-            </a:pPr>
-            <a:endParaRPr lang="en-US"/>
-          </a:p>
-        </c:txPr>
-        <c:crossAx val="2124262512"/>
-        <c:crosses val="autoZero"/>
-        <c:auto val="1"/>
-        <c:lblAlgn val="ctr"/>
-        <c:lblOffset val="100"/>
-        <c:noMultiLvlLbl val="0"/>
-      </c:catAx>
-      <c:valAx>
-        <c:axId val="2124262512"/>
+        <c:axId val="-2142160600"/>
         <c:scaling>
           <c:orientation val="minMax"/>
         </c:scaling>
@@ -3484,6 +2904,7 @@
               </a:p>
             </c:rich>
           </c:tx>
+          <c:layout/>
           <c:overlay val="0"/>
           <c:spPr>
             <a:noFill/>
@@ -3526,7 +2947,7 @@
             <a:endParaRPr lang="en-US"/>
           </a:p>
         </c:txPr>
-        <c:crossAx val="2123694416"/>
+        <c:crossAx val="-2142156856"/>
         <c:crosses val="autoZero"/>
         <c:crossBetween val="between"/>
       </c:valAx>
@@ -3542,6 +2963,477 @@
     </c:plotArea>
     <c:legend>
       <c:legendPos val="b"/>
+      <c:layout/>
+      <c:overlay val="0"/>
+      <c:spPr>
+        <a:noFill/>
+        <a:ln>
+          <a:noFill/>
+        </a:ln>
+        <a:effectLst/>
+      </c:spPr>
+      <c:txPr>
+        <a:bodyPr rot="0" spcFirstLastPara="1" vertOverflow="ellipsis" vert="horz" wrap="square" anchor="ctr" anchorCtr="1"/>
+        <a:lstStyle/>
+        <a:p>
+          <a:pPr>
+            <a:defRPr sz="1197" b="0" i="0" u="none" strike="noStrike" kern="1200" baseline="0">
+              <a:solidFill>
+                <a:schemeClr val="tx1">
+                  <a:lumMod val="65000"/>
+                  <a:lumOff val="35000"/>
+                </a:schemeClr>
+              </a:solidFill>
+              <a:latin typeface="+mn-lt"/>
+              <a:ea typeface="+mn-ea"/>
+              <a:cs typeface="+mn-cs"/>
+            </a:defRPr>
+          </a:pPr>
+          <a:endParaRPr lang="en-US"/>
+        </a:p>
+      </c:txPr>
+    </c:legend>
+    <c:plotVisOnly val="1"/>
+    <c:dispBlanksAs val="gap"/>
+    <c:showDLblsOverMax val="0"/>
+  </c:chart>
+  <c:spPr>
+    <a:noFill/>
+    <a:ln>
+      <a:noFill/>
+    </a:ln>
+    <a:effectLst/>
+  </c:spPr>
+  <c:txPr>
+    <a:bodyPr/>
+    <a:lstStyle/>
+    <a:p>
+      <a:pPr>
+        <a:defRPr/>
+      </a:pPr>
+      <a:endParaRPr lang="en-US"/>
+    </a:p>
+  </c:txPr>
+  <c:externalData r:id="rId1">
+    <c:autoUpdate val="0"/>
+  </c:externalData>
+</c:chartSpace>
+</file>
+
+<file path=ppt/charts/chart15.xml><?xml version="1.0" encoding="utf-8"?>
+<c:chartSpace xmlns:c="http://schemas.openxmlformats.org/drawingml/2006/chart" xmlns:a="http://schemas.openxmlformats.org/drawingml/2006/main" xmlns:r="http://schemas.openxmlformats.org/officeDocument/2006/relationships">
+  <c:date1904 val="0"/>
+  <c:lang val="en-US"/>
+  <c:roundedCorners val="0"/>
+  <mc:AlternateContent xmlns:mc="http://schemas.openxmlformats.org/markup-compatibility/2006">
+    <mc:Choice xmlns:c14="http://schemas.microsoft.com/office/drawing/2007/8/2/chart" Requires="c14">
+      <c14:style val="102"/>
+    </mc:Choice>
+    <mc:Fallback>
+      <c:style val="2"/>
+    </mc:Fallback>
+  </mc:AlternateContent>
+  <c:chart>
+    <c:autoTitleDeleted val="1"/>
+    <c:plotArea>
+      <c:layout/>
+      <c:barChart>
+        <c:barDir val="col"/>
+        <c:grouping val="clustered"/>
+        <c:varyColors val="0"/>
+        <c:ser>
+          <c:idx val="0"/>
+          <c:order val="0"/>
+          <c:tx>
+            <c:strRef>
+              <c:f>Sheet1!$B$1</c:f>
+              <c:strCache>
+                <c:ptCount val="1"/>
+                <c:pt idx="0">
+                  <c:v>High voltage at grid</c:v>
+                </c:pt>
+              </c:strCache>
+            </c:strRef>
+          </c:tx>
+          <c:spPr>
+            <a:solidFill>
+              <a:schemeClr val="accent1"/>
+            </a:solidFill>
+            <a:ln>
+              <a:noFill/>
+            </a:ln>
+            <a:effectLst/>
+          </c:spPr>
+          <c:invertIfNegative val="0"/>
+          <c:cat>
+            <c:strRef>
+              <c:f>Sheet1!$A$2:$A$8</c:f>
+              <c:strCache>
+                <c:ptCount val="7"/>
+                <c:pt idx="0">
+                  <c:v>China</c:v>
+                </c:pt>
+                <c:pt idx="1">
+                  <c:v>United States of America</c:v>
+                </c:pt>
+                <c:pt idx="2">
+                  <c:v>Germany</c:v>
+                </c:pt>
+                <c:pt idx="3">
+                  <c:v>UCTE region</c:v>
+                </c:pt>
+                <c:pt idx="4">
+                  <c:v>Switzerland</c:v>
+                </c:pt>
+                <c:pt idx="5">
+                  <c:v>ASF</c:v>
+                </c:pt>
+                <c:pt idx="6">
+                  <c:v>France</c:v>
+                </c:pt>
+              </c:strCache>
+            </c:strRef>
+          </c:cat>
+          <c:val>
+            <c:numRef>
+              <c:f>Sheet1!$B$2:$B$8</c:f>
+              <c:numCache>
+                <c:formatCode>General</c:formatCode>
+                <c:ptCount val="7"/>
+                <c:pt idx="0">
+                  <c:v>1145.8</c:v>
+                </c:pt>
+                <c:pt idx="1">
+                  <c:v>754.8</c:v>
+                </c:pt>
+                <c:pt idx="2">
+                  <c:v>629.5</c:v>
+                </c:pt>
+                <c:pt idx="3">
+                  <c:v>509.3</c:v>
+                </c:pt>
+                <c:pt idx="4">
+                  <c:v>119.6</c:v>
+                </c:pt>
+                <c:pt idx="6">
+                  <c:v>95.7</c:v>
+                </c:pt>
+              </c:numCache>
+            </c:numRef>
+          </c:val>
+        </c:ser>
+        <c:ser>
+          <c:idx val="1"/>
+          <c:order val="1"/>
+          <c:tx>
+            <c:strRef>
+              <c:f>Sheet1!$C$1</c:f>
+              <c:strCache>
+                <c:ptCount val="1"/>
+                <c:pt idx="0">
+                  <c:v>Low voltage at grid</c:v>
+                </c:pt>
+              </c:strCache>
+            </c:strRef>
+          </c:tx>
+          <c:spPr>
+            <a:solidFill>
+              <a:schemeClr val="accent2"/>
+            </a:solidFill>
+            <a:ln>
+              <a:noFill/>
+            </a:ln>
+            <a:effectLst/>
+          </c:spPr>
+          <c:invertIfNegative val="0"/>
+          <c:dPt>
+            <c:idx val="5"/>
+            <c:invertIfNegative val="0"/>
+            <c:bubble3D val="0"/>
+            <c:spPr>
+              <a:solidFill>
+                <a:srgbClr val="C52A15"/>
+              </a:solidFill>
+              <a:ln>
+                <a:noFill/>
+              </a:ln>
+              <a:effectLst/>
+            </c:spPr>
+          </c:dPt>
+          <c:dPt>
+            <c:idx val="14"/>
+            <c:invertIfNegative val="0"/>
+            <c:bubble3D val="0"/>
+            <c:spPr>
+              <a:solidFill>
+                <a:srgbClr val="C00000"/>
+              </a:solidFill>
+              <a:ln>
+                <a:noFill/>
+              </a:ln>
+              <a:effectLst/>
+            </c:spPr>
+          </c:dPt>
+          <c:cat>
+            <c:strRef>
+              <c:f>Sheet1!$A$2:$A$8</c:f>
+              <c:strCache>
+                <c:ptCount val="7"/>
+                <c:pt idx="0">
+                  <c:v>China</c:v>
+                </c:pt>
+                <c:pt idx="1">
+                  <c:v>United States of America</c:v>
+                </c:pt>
+                <c:pt idx="2">
+                  <c:v>Germany</c:v>
+                </c:pt>
+                <c:pt idx="3">
+                  <c:v>UCTE region</c:v>
+                </c:pt>
+                <c:pt idx="4">
+                  <c:v>Switzerland</c:v>
+                </c:pt>
+                <c:pt idx="5">
+                  <c:v>ASF</c:v>
+                </c:pt>
+                <c:pt idx="6">
+                  <c:v>France</c:v>
+                </c:pt>
+              </c:strCache>
+            </c:strRef>
+          </c:cat>
+          <c:val>
+            <c:numRef>
+              <c:f>Sheet1!$C$2:$C$8</c:f>
+              <c:numCache>
+                <c:formatCode>General</c:formatCode>
+                <c:ptCount val="7"/>
+                <c:pt idx="0">
+                  <c:v>1229.6</c:v>
+                </c:pt>
+                <c:pt idx="1">
+                  <c:v>808.4</c:v>
+                </c:pt>
+                <c:pt idx="2">
+                  <c:v>671.5</c:v>
+                </c:pt>
+                <c:pt idx="3">
+                  <c:v>551.7</c:v>
+                </c:pt>
+                <c:pt idx="4">
+                  <c:v>135.0</c:v>
+                </c:pt>
+                <c:pt idx="5">
+                  <c:v>126.8</c:v>
+                </c:pt>
+                <c:pt idx="6">
+                  <c:v>109.0</c:v>
+                </c:pt>
+              </c:numCache>
+            </c:numRef>
+          </c:val>
+        </c:ser>
+        <c:dLbls>
+          <c:showLegendKey val="0"/>
+          <c:showVal val="0"/>
+          <c:showCatName val="0"/>
+          <c:showSerName val="0"/>
+          <c:showPercent val="0"/>
+          <c:showBubbleSize val="0"/>
+        </c:dLbls>
+        <c:gapWidth val="219"/>
+        <c:overlap val="-27"/>
+        <c:axId val="2061831448"/>
+        <c:axId val="2061835080"/>
+      </c:barChart>
+      <c:catAx>
+        <c:axId val="2061831448"/>
+        <c:scaling>
+          <c:orientation val="minMax"/>
+        </c:scaling>
+        <c:delete val="0"/>
+        <c:axPos val="b"/>
+        <c:numFmt formatCode="General" sourceLinked="1"/>
+        <c:majorTickMark val="none"/>
+        <c:minorTickMark val="none"/>
+        <c:tickLblPos val="nextTo"/>
+        <c:spPr>
+          <a:noFill/>
+          <a:ln w="9525" cap="flat" cmpd="sng" algn="ctr">
+            <a:solidFill>
+              <a:schemeClr val="accent3"/>
+            </a:solidFill>
+            <a:round/>
+          </a:ln>
+          <a:effectLst/>
+        </c:spPr>
+        <c:txPr>
+          <a:bodyPr rot="-60000000" spcFirstLastPara="1" vertOverflow="ellipsis" vert="horz" wrap="square" anchor="ctr" anchorCtr="1"/>
+          <a:lstStyle/>
+          <a:p>
+            <a:pPr>
+              <a:defRPr sz="1400" b="0" i="0" u="none" strike="noStrike" kern="1200" baseline="0">
+                <a:solidFill>
+                  <a:schemeClr val="tx1">
+                    <a:lumMod val="65000"/>
+                    <a:lumOff val="35000"/>
+                  </a:schemeClr>
+                </a:solidFill>
+                <a:latin typeface="+mn-lt"/>
+                <a:ea typeface="+mn-ea"/>
+                <a:cs typeface="+mn-cs"/>
+              </a:defRPr>
+            </a:pPr>
+            <a:endParaRPr lang="en-US"/>
+          </a:p>
+        </c:txPr>
+        <c:crossAx val="2061835080"/>
+        <c:crosses val="autoZero"/>
+        <c:auto val="1"/>
+        <c:lblAlgn val="ctr"/>
+        <c:lblOffset val="100"/>
+        <c:noMultiLvlLbl val="0"/>
+      </c:catAx>
+      <c:valAx>
+        <c:axId val="2061835080"/>
+        <c:scaling>
+          <c:orientation val="minMax"/>
+        </c:scaling>
+        <c:delete val="0"/>
+        <c:axPos val="l"/>
+        <c:majorGridlines>
+          <c:spPr>
+            <a:ln w="9525" cap="flat" cmpd="sng" algn="ctr">
+              <a:solidFill>
+                <a:schemeClr val="tx1">
+                  <a:lumMod val="15000"/>
+                  <a:lumOff val="85000"/>
+                </a:schemeClr>
+              </a:solidFill>
+              <a:round/>
+            </a:ln>
+            <a:effectLst/>
+          </c:spPr>
+        </c:majorGridlines>
+        <c:title>
+          <c:tx>
+            <c:rich>
+              <a:bodyPr rot="-5400000" spcFirstLastPara="1" vertOverflow="ellipsis" vert="horz" wrap="square" anchor="ctr" anchorCtr="1"/>
+              <a:lstStyle/>
+              <a:p>
+                <a:pPr>
+                  <a:defRPr sz="1400" b="0" i="0" u="none" strike="noStrike" kern="1200" baseline="0">
+                    <a:solidFill>
+                      <a:schemeClr val="tx1">
+                        <a:lumMod val="65000"/>
+                        <a:lumOff val="35000"/>
+                      </a:schemeClr>
+                    </a:solidFill>
+                    <a:latin typeface="+mn-lt"/>
+                    <a:ea typeface="+mn-ea"/>
+                    <a:cs typeface="+mn-cs"/>
+                  </a:defRPr>
+                </a:pPr>
+                <a:r>
+                  <a:rPr lang="en-US" sz="1600" dirty="0" smtClean="0"/>
+                  <a:t>Electricity production at grid</a:t>
+                </a:r>
+              </a:p>
+              <a:p>
+                <a:pPr>
+                  <a:defRPr sz="1400" b="0" i="0" u="none" strike="noStrike" kern="1200" baseline="0">
+                    <a:solidFill>
+                      <a:schemeClr val="tx1">
+                        <a:lumMod val="65000"/>
+                        <a:lumOff val="35000"/>
+                      </a:schemeClr>
+                    </a:solidFill>
+                    <a:latin typeface="+mn-lt"/>
+                    <a:ea typeface="+mn-ea"/>
+                    <a:cs typeface="+mn-cs"/>
+                  </a:defRPr>
+                </a:pPr>
+                <a:r>
+                  <a:rPr lang="en-US" sz="1600" noProof="1" smtClean="0"/>
+                  <a:t>(g</a:t>
+                </a:r>
+                <a:r>
+                  <a:rPr lang="en-US" sz="1600" baseline="-25000" noProof="1" smtClean="0"/>
+                  <a:t>CO2eq</a:t>
+                </a:r>
+                <a:r>
+                  <a:rPr lang="en-US" sz="1600" noProof="1" smtClean="0"/>
+                  <a:t>/kWh</a:t>
+                </a:r>
+                <a:r>
+                  <a:rPr lang="de-DE" sz="1600" dirty="0" smtClean="0"/>
+                  <a:t>)</a:t>
+                </a:r>
+                <a:endParaRPr lang="en-US" sz="1600" dirty="0"/>
+              </a:p>
+            </c:rich>
+          </c:tx>
+          <c:layout/>
+          <c:overlay val="0"/>
+          <c:spPr>
+            <a:noFill/>
+            <a:ln>
+              <a:noFill/>
+            </a:ln>
+            <a:effectLst/>
+          </c:spPr>
+        </c:title>
+        <c:numFmt formatCode="General" sourceLinked="1"/>
+        <c:majorTickMark val="none"/>
+        <c:minorTickMark val="none"/>
+        <c:tickLblPos val="nextTo"/>
+        <c:spPr>
+          <a:noFill/>
+          <a:ln>
+            <a:solidFill>
+              <a:schemeClr val="accent3"/>
+            </a:solidFill>
+          </a:ln>
+          <a:effectLst/>
+        </c:spPr>
+        <c:txPr>
+          <a:bodyPr rot="-60000000" spcFirstLastPara="1" vertOverflow="ellipsis" vert="horz" wrap="square" anchor="ctr" anchorCtr="1"/>
+          <a:lstStyle/>
+          <a:p>
+            <a:pPr>
+              <a:defRPr sz="1400" b="0" i="0" u="none" strike="noStrike" kern="1200" baseline="0">
+                <a:solidFill>
+                  <a:schemeClr val="tx1">
+                    <a:lumMod val="65000"/>
+                    <a:lumOff val="35000"/>
+                  </a:schemeClr>
+                </a:solidFill>
+                <a:latin typeface="+mn-lt"/>
+                <a:ea typeface="+mn-ea"/>
+                <a:cs typeface="+mn-cs"/>
+              </a:defRPr>
+            </a:pPr>
+            <a:endParaRPr lang="en-US"/>
+          </a:p>
+        </c:txPr>
+        <c:crossAx val="2061831448"/>
+        <c:crosses val="autoZero"/>
+        <c:crossBetween val="between"/>
+      </c:valAx>
+      <c:spPr>
+        <a:noFill/>
+        <a:ln>
+          <a:solidFill>
+            <a:schemeClr val="accent3"/>
+          </a:solidFill>
+        </a:ln>
+        <a:effectLst/>
+      </c:spPr>
+    </c:plotArea>
+    <c:legend>
+      <c:legendPos val="b"/>
+      <c:layout/>
       <c:overlay val="0"/>
       <c:spPr>
         <a:noFill/>
@@ -3911,7 +3803,7 @@
       <a:endParaRPr lang="en-US"/>
     </a:p>
   </c:txPr>
-  <c:externalData r:id="rId3">
+  <c:externalData r:id="rId1">
     <c:autoUpdate val="0"/>
   </c:externalData>
 </c:chartSpace>
@@ -4053,7 +3945,7 @@
                   <c:v>-6.43</c:v>
                 </c:pt>
                 <c:pt idx="10">
-                  <c:v>-9.739999999999998</c:v>
+                  <c:v>-9.74</c:v>
                 </c:pt>
                 <c:pt idx="11">
                   <c:v>-13.05</c:v>
@@ -4086,12 +3978,13 @@
           <c:showPercent val="0"/>
           <c:showBubbleSize val="0"/>
         </c:dLbls>
+        <c:marker val="1"/>
         <c:smooth val="0"/>
-        <c:axId val="2122772288"/>
-        <c:axId val="2122675584"/>
+        <c:axId val="2061637336"/>
+        <c:axId val="2061633544"/>
       </c:lineChart>
       <c:catAx>
-        <c:axId val="2122772288"/>
+        <c:axId val="2061637336"/>
         <c:scaling>
           <c:orientation val="minMax"/>
         </c:scaling>
@@ -4134,7 +4027,7 @@
             <a:endParaRPr lang="en-US"/>
           </a:p>
         </c:txPr>
-        <c:crossAx val="2122675584"/>
+        <c:crossAx val="2061633544"/>
         <c:crosses val="autoZero"/>
         <c:auto val="1"/>
         <c:lblAlgn val="ctr"/>
@@ -4142,7 +4035,7 @@
         <c:noMultiLvlLbl val="0"/>
       </c:catAx>
       <c:valAx>
-        <c:axId val="2122675584"/>
+        <c:axId val="2061633544"/>
         <c:scaling>
           <c:orientation val="minMax"/>
         </c:scaling>
@@ -4189,6 +4082,7 @@
               </a:p>
             </c:rich>
           </c:tx>
+          <c:layout/>
           <c:overlay val="0"/>
           <c:spPr>
             <a:noFill/>
@@ -4229,7 +4123,7 @@
             <a:endParaRPr lang="en-US"/>
           </a:p>
         </c:txPr>
-        <c:crossAx val="2122772288"/>
+        <c:crossAx val="2061637336"/>
         <c:crosses val="autoZero"/>
         <c:crossBetween val="between"/>
       </c:valAx>
@@ -4245,6 +4139,7 @@
     </c:plotArea>
     <c:legend>
       <c:legendPos val="b"/>
+      <c:layout/>
       <c:overlay val="0"/>
       <c:spPr>
         <a:noFill/>
@@ -4836,11 +4731,11 @@
         </c:dLbls>
         <c:gapWidth val="219"/>
         <c:overlap val="-27"/>
-        <c:axId val="-2141343856"/>
-        <c:axId val="-2141340752"/>
+        <c:axId val="2061541464"/>
+        <c:axId val="2061537592"/>
       </c:barChart>
       <c:catAx>
-        <c:axId val="-2141343856"/>
+        <c:axId val="2061541464"/>
         <c:scaling>
           <c:orientation val="minMax"/>
         </c:scaling>
@@ -4883,7 +4778,7 @@
             <a:endParaRPr lang="en-US"/>
           </a:p>
         </c:txPr>
-        <c:crossAx val="-2141340752"/>
+        <c:crossAx val="2061537592"/>
         <c:crosses val="autoZero"/>
         <c:auto val="1"/>
         <c:lblAlgn val="ctr"/>
@@ -4891,7 +4786,7 @@
         <c:noMultiLvlLbl val="0"/>
       </c:catAx>
       <c:valAx>
-        <c:axId val="-2141340752"/>
+        <c:axId val="2061537592"/>
         <c:scaling>
           <c:orientation val="minMax"/>
         </c:scaling>
@@ -4954,6 +4849,7 @@
               </a:p>
             </c:rich>
           </c:tx>
+          <c:layout/>
           <c:overlay val="0"/>
           <c:spPr>
             <a:noFill/>
@@ -4962,26 +4858,6 @@
             </a:ln>
             <a:effectLst/>
           </c:spPr>
-          <c:txPr>
-            <a:bodyPr rot="-5400000" spcFirstLastPara="1" vertOverflow="ellipsis" vert="horz" wrap="square" anchor="ctr" anchorCtr="1"/>
-            <a:lstStyle/>
-            <a:p>
-              <a:pPr>
-                <a:defRPr sz="1600" b="0" i="0" u="none" strike="noStrike" kern="1200" baseline="0">
-                  <a:solidFill>
-                    <a:schemeClr val="tx1">
-                      <a:lumMod val="65000"/>
-                      <a:lumOff val="35000"/>
-                    </a:schemeClr>
-                  </a:solidFill>
-                  <a:latin typeface="+mn-lt"/>
-                  <a:ea typeface="+mn-ea"/>
-                  <a:cs typeface="+mn-cs"/>
-                </a:defRPr>
-              </a:pPr>
-              <a:endParaRPr lang="en-US"/>
-            </a:p>
-          </c:txPr>
         </c:title>
         <c:numFmt formatCode="General" sourceLinked="1"/>
         <c:majorTickMark val="none"/>
@@ -5014,7 +4890,7 @@
             <a:endParaRPr lang="en-US"/>
           </a:p>
         </c:txPr>
-        <c:crossAx val="-2141343856"/>
+        <c:crossAx val="2061541464"/>
         <c:crosses val="autoZero"/>
         <c:crossBetween val="between"/>
       </c:valAx>
@@ -5030,6 +4906,7 @@
     </c:plotArea>
     <c:legend>
       <c:legendPos val="b"/>
+      <c:layout/>
       <c:overlay val="0"/>
       <c:spPr>
         <a:noFill/>
@@ -5080,10 +4957,10 @@
       <a:endParaRPr lang="en-US"/>
     </a:p>
   </c:txPr>
-  <c:externalData r:id="rId3">
+  <c:externalData r:id="rId1">
     <c:autoUpdate val="0"/>
   </c:externalData>
-  <c:userShapes r:id="rId4"/>
+  <c:userShapes r:id="rId2"/>
 </c:chartSpace>
 </file>
 
@@ -5108,10 +4985,10 @@
           <c:layoutTarget val="inner"/>
           <c:xMode val="edge"/>
           <c:yMode val="edge"/>
-          <c:x val="0.118708113202881"/>
+          <c:x val="0.138858061581748"/>
           <c:y val="0.0264823754257671"/>
-          <c:w val="0.862477691617906"/>
-          <c:h val="0.676334734250319"/>
+          <c:w val="0.842327667361251"/>
+          <c:h val="0.652621483647289"/>
         </c:manualLayout>
       </c:layout>
       <c:barChart>
@@ -5674,11 +5551,11 @@
         </c:dLbls>
         <c:gapWidth val="219"/>
         <c:overlap val="100"/>
-        <c:axId val="-2076081168"/>
-        <c:axId val="2089784320"/>
+        <c:axId val="-2117427304"/>
+        <c:axId val="-2117424184"/>
       </c:barChart>
       <c:catAx>
-        <c:axId val="-2076081168"/>
+        <c:axId val="-2117427304"/>
         <c:scaling>
           <c:orientation val="minMax"/>
         </c:scaling>
@@ -5688,7 +5565,7 @@
         <c:majorTickMark val="none"/>
         <c:minorTickMark val="none"/>
         <c:tickLblPos val="nextTo"/>
-        <c:crossAx val="2089784320"/>
+        <c:crossAx val="-2117424184"/>
         <c:crosses val="autoZero"/>
         <c:auto val="1"/>
         <c:lblAlgn val="ctr"/>
@@ -5696,7 +5573,7 @@
         <c:noMultiLvlLbl val="0"/>
       </c:catAx>
       <c:valAx>
-        <c:axId val="2089784320"/>
+        <c:axId val="-2117424184"/>
         <c:scaling>
           <c:orientation val="minMax"/>
         </c:scaling>
@@ -5723,7 +5600,7 @@
               <a:lstStyle/>
               <a:p>
                 <a:pPr>
-                  <a:defRPr sz="2000" b="0" i="0" u="none" strike="noStrike" kern="1200" baseline="0">
+                  <a:defRPr sz="2800" b="0" i="0" u="none" strike="noStrike" kern="1200" baseline="0">
                     <a:solidFill>
                       <a:schemeClr val="tx1">
                         <a:lumMod val="65000"/>
@@ -5736,42 +5613,42 @@
                   </a:defRPr>
                 </a:pPr>
                 <a:r>
-                  <a:rPr lang="en-US" sz="2000" b="0" i="0" baseline="0" dirty="0" smtClean="0">
+                  <a:rPr lang="en-US" sz="2800" b="0" i="0" baseline="0" dirty="0" smtClean="0">
                     <a:effectLst/>
                   </a:rPr>
                   <a:t>GWP (g CO</a:t>
                 </a:r>
                 <a:r>
-                  <a:rPr lang="en-US" sz="2000" b="0" i="0" baseline="-25000" dirty="0" smtClean="0">
+                  <a:rPr lang="en-US" sz="2800" b="0" i="0" baseline="-25000" dirty="0" smtClean="0">
                     <a:effectLst/>
                   </a:rPr>
                   <a:t>2eq</a:t>
                 </a:r>
                 <a:r>
-                  <a:rPr lang="en-US" sz="2000" b="0" i="0" baseline="0" dirty="0" smtClean="0">
+                  <a:rPr lang="en-US" sz="2800" b="0" i="0" baseline="0" dirty="0" smtClean="0">
                     <a:effectLst/>
                   </a:rPr>
                   <a:t>/</a:t>
                 </a:r>
                 <a:r>
-                  <a:rPr lang="en-US" sz="2000" b="0" i="0" baseline="0" dirty="0" err="1" smtClean="0">
+                  <a:rPr lang="en-US" sz="2800" b="0" i="0" baseline="0" dirty="0" err="1" smtClean="0">
                     <a:effectLst/>
                   </a:rPr>
                   <a:t>kWh</a:t>
                 </a:r>
                 <a:r>
-                  <a:rPr lang="en-US" sz="2000" b="0" i="0" baseline="-25000" dirty="0" err="1" smtClean="0">
+                  <a:rPr lang="en-US" sz="2800" b="0" i="0" baseline="-25000" dirty="0" err="1" smtClean="0">
                     <a:effectLst/>
                   </a:rPr>
                   <a:t>pv</a:t>
                 </a:r>
                 <a:r>
-                  <a:rPr lang="en-US" sz="2000" b="0" i="0" baseline="0" dirty="0" smtClean="0">
+                  <a:rPr lang="en-US" sz="2800" b="0" i="0" baseline="0" dirty="0" smtClean="0">
                     <a:effectLst/>
                   </a:rPr>
                   <a:t>)</a:t>
                 </a:r>
-                <a:endParaRPr lang="en-US" sz="2000" dirty="0">
+                <a:endParaRPr lang="en-US" sz="2800" dirty="0">
                   <a:effectLst/>
                 </a:endParaRPr>
               </a:p>
@@ -5782,7 +5659,7 @@
               <c:xMode val="edge"/>
               <c:yMode val="edge"/>
               <c:x val="0.0"/>
-              <c:y val="0.133348631193411"/>
+              <c:y val="0.137813912025085"/>
             </c:manualLayout>
           </c:layout>
           <c:overlay val="0"/>
@@ -5793,26 +5670,6 @@
             </a:ln>
             <a:effectLst/>
           </c:spPr>
-          <c:txPr>
-            <a:bodyPr rot="-5400000" spcFirstLastPara="1" vertOverflow="ellipsis" vert="horz" wrap="square" anchor="ctr" anchorCtr="1"/>
-            <a:lstStyle/>
-            <a:p>
-              <a:pPr>
-                <a:defRPr sz="2000" b="0" i="0" u="none" strike="noStrike" kern="1200" baseline="0">
-                  <a:solidFill>
-                    <a:schemeClr val="tx1">
-                      <a:lumMod val="65000"/>
-                      <a:lumOff val="35000"/>
-                    </a:schemeClr>
-                  </a:solidFill>
-                  <a:latin typeface="+mn-lt"/>
-                  <a:ea typeface="+mn-ea"/>
-                  <a:cs typeface="+mn-cs"/>
-                </a:defRPr>
-              </a:pPr>
-              <a:endParaRPr lang="en-US"/>
-            </a:p>
-          </c:txPr>
         </c:title>
         <c:numFmt formatCode="0.0" sourceLinked="1"/>
         <c:majorTickMark val="none"/>
@@ -5830,7 +5687,7 @@
           <a:lstStyle/>
           <a:p>
             <a:pPr>
-              <a:defRPr sz="1400" b="0" i="0" u="none" strike="noStrike" kern="1200" baseline="0">
+              <a:defRPr sz="1800" b="0" i="0" u="none" strike="noStrike" kern="1200" baseline="0">
                 <a:solidFill>
                   <a:schemeClr val="tx1">
                     <a:lumMod val="65000"/>
@@ -5845,7 +5702,7 @@
             <a:endParaRPr lang="en-US"/>
           </a:p>
         </c:txPr>
-        <c:crossAx val="-2076081168"/>
+        <c:crossAx val="-2117427304"/>
         <c:crosses val="autoZero"/>
         <c:crossBetween val="between"/>
       </c:valAx>
@@ -5865,9 +5722,9 @@
         <c:manualLayout>
           <c:xMode val="edge"/>
           <c:yMode val="edge"/>
-          <c:x val="0.301308109709015"/>
-          <c:y val="0.936684083261844"/>
-          <c:w val="0.408130440761151"/>
+          <c:x val="0.150854867200474"/>
+          <c:y val="0.941149356666363"/>
+          <c:w val="0.75202356649496"/>
           <c:h val="0.0586117321622506"/>
         </c:manualLayout>
       </c:layout>
@@ -5884,7 +5741,7 @@
         <a:lstStyle/>
         <a:p>
           <a:pPr>
-            <a:defRPr sz="1600" b="0" i="0" u="none" strike="noStrike" kern="1200" baseline="0">
+            <a:defRPr sz="2000" b="0" i="0" u="none" strike="noStrike" kern="1200" baseline="0">
               <a:solidFill>
                 <a:schemeClr val="tx1">
                   <a:lumMod val="65000"/>
@@ -5921,7 +5778,7 @@
       <a:endParaRPr lang="en-US"/>
     </a:p>
   </c:txPr>
-  <c:externalData r:id="rId3">
+  <c:externalData r:id="rId1">
     <c:autoUpdate val="0"/>
   </c:externalData>
 </c:chartSpace>
@@ -6317,11 +6174,11 @@
         </c:dLbls>
         <c:gapWidth val="219"/>
         <c:overlap val="-27"/>
-        <c:axId val="-2103085920"/>
-        <c:axId val="-2103062896"/>
+        <c:axId val="2065838904"/>
+        <c:axId val="2065842600"/>
       </c:barChart>
       <c:catAx>
-        <c:axId val="-2103085920"/>
+        <c:axId val="2065838904"/>
         <c:scaling>
           <c:orientation val="minMax"/>
         </c:scaling>
@@ -6361,7 +6218,7 @@
             <a:endParaRPr lang="en-US"/>
           </a:p>
         </c:txPr>
-        <c:crossAx val="-2103062896"/>
+        <c:crossAx val="2065842600"/>
         <c:crosses val="autoZero"/>
         <c:auto val="1"/>
         <c:lblAlgn val="ctr"/>
@@ -6369,7 +6226,7 @@
         <c:noMultiLvlLbl val="0"/>
       </c:catAx>
       <c:valAx>
-        <c:axId val="-2103062896"/>
+        <c:axId val="2065842600"/>
         <c:scaling>
           <c:orientation val="minMax"/>
         </c:scaling>
@@ -6428,6 +6285,7 @@
               </a:p>
             </c:rich>
           </c:tx>
+          <c:layout/>
           <c:overlay val="0"/>
           <c:spPr>
             <a:noFill/>
@@ -6436,26 +6294,6 @@
             </a:ln>
             <a:effectLst/>
           </c:spPr>
-          <c:txPr>
-            <a:bodyPr rot="-5400000" spcFirstLastPara="1" vertOverflow="ellipsis" vert="horz" wrap="square" anchor="ctr" anchorCtr="1"/>
-            <a:lstStyle/>
-            <a:p>
-              <a:pPr>
-                <a:defRPr sz="1400" b="0" i="0" u="none" strike="noStrike" kern="1200" baseline="0">
-                  <a:solidFill>
-                    <a:schemeClr val="tx1">
-                      <a:lumMod val="65000"/>
-                      <a:lumOff val="35000"/>
-                    </a:schemeClr>
-                  </a:solidFill>
-                  <a:latin typeface="+mn-lt"/>
-                  <a:ea typeface="+mn-ea"/>
-                  <a:cs typeface="+mn-cs"/>
-                </a:defRPr>
-              </a:pPr>
-              <a:endParaRPr lang="en-US"/>
-            </a:p>
-          </c:txPr>
         </c:title>
         <c:numFmt formatCode="General" sourceLinked="1"/>
         <c:majorTickMark val="none"/>
@@ -6490,7 +6328,7 @@
             <a:endParaRPr lang="en-US"/>
           </a:p>
         </c:txPr>
-        <c:crossAx val="-2103085920"/>
+        <c:crossAx val="2065838904"/>
         <c:crosses val="autoZero"/>
         <c:crossBetween val="between"/>
       </c:valAx>
@@ -6506,6 +6344,7 @@
     </c:plotArea>
     <c:legend>
       <c:legendPos val="b"/>
+      <c:layout/>
       <c:overlay val="0"/>
       <c:spPr>
         <a:noFill/>
@@ -6556,7 +6395,7 @@
       <a:endParaRPr lang="en-US"/>
     </a:p>
   </c:txPr>
-  <c:externalData r:id="rId3">
+  <c:externalData r:id="rId1">
     <c:autoUpdate val="0"/>
   </c:externalData>
 </c:chartSpace>
@@ -6872,11 +6711,11 @@
         </c:dLbls>
         <c:gapWidth val="219"/>
         <c:overlap val="100"/>
-        <c:axId val="-2145508928"/>
-        <c:axId val="-2141215824"/>
+        <c:axId val="-2114420312"/>
+        <c:axId val="-2114416664"/>
       </c:barChart>
       <c:catAx>
-        <c:axId val="-2145508928"/>
+        <c:axId val="-2114420312"/>
         <c:scaling>
           <c:orientation val="minMax"/>
         </c:scaling>
@@ -6919,7 +6758,7 @@
             <a:endParaRPr lang="en-US"/>
           </a:p>
         </c:txPr>
-        <c:crossAx val="-2141215824"/>
+        <c:crossAx val="-2114416664"/>
         <c:crosses val="autoZero"/>
         <c:auto val="1"/>
         <c:lblAlgn val="ctr"/>
@@ -6927,7 +6766,7 @@
         <c:noMultiLvlLbl val="0"/>
       </c:catAx>
       <c:valAx>
-        <c:axId val="-2141215824"/>
+        <c:axId val="-2114416664"/>
         <c:scaling>
           <c:orientation val="minMax"/>
         </c:scaling>
@@ -6978,6 +6817,7 @@
               </a:p>
             </c:rich>
           </c:tx>
+          <c:layout/>
           <c:overlay val="0"/>
           <c:spPr>
             <a:noFill/>
@@ -7018,7 +6858,7 @@
             <a:endParaRPr lang="en-US"/>
           </a:p>
         </c:txPr>
-        <c:crossAx val="-2145508928"/>
+        <c:crossAx val="-2114420312"/>
         <c:crosses val="autoZero"/>
         <c:crossBetween val="between"/>
       </c:valAx>
@@ -7034,6 +6874,7 @@
     </c:plotArea>
     <c:legend>
       <c:legendPos val="b"/>
+      <c:layout/>
       <c:overlay val="0"/>
       <c:spPr>
         <a:noFill/>
@@ -7257,11 +7098,11 @@
         </c:dLbls>
         <c:gapWidth val="219"/>
         <c:overlap val="100"/>
-        <c:axId val="-2077288768"/>
-        <c:axId val="-2077311552"/>
+        <c:axId val="-2118845672"/>
+        <c:axId val="-2118842696"/>
       </c:barChart>
       <c:catAx>
-        <c:axId val="-2077288768"/>
+        <c:axId val="-2118845672"/>
         <c:scaling>
           <c:orientation val="minMax"/>
         </c:scaling>
@@ -7271,7 +7112,7 @@
         <c:majorTickMark val="none"/>
         <c:minorTickMark val="none"/>
         <c:tickLblPos val="nextTo"/>
-        <c:crossAx val="-2077311552"/>
+        <c:crossAx val="-2118842696"/>
         <c:crosses val="autoZero"/>
         <c:auto val="1"/>
         <c:lblAlgn val="ctr"/>
@@ -7279,7 +7120,7 @@
         <c:noMultiLvlLbl val="0"/>
       </c:catAx>
       <c:valAx>
-        <c:axId val="-2077311552"/>
+        <c:axId val="-2118842696"/>
         <c:scaling>
           <c:orientation val="minMax"/>
         </c:scaling>
@@ -7306,7 +7147,7 @@
               <a:lstStyle/>
               <a:p>
                 <a:pPr>
-                  <a:defRPr sz="1330" b="0" i="0" u="none" strike="noStrike" kern="1200" baseline="0">
+                  <a:defRPr sz="2800" b="0" i="0" u="none" strike="noStrike" kern="1200" baseline="0">
                     <a:solidFill>
                       <a:schemeClr val="tx1">
                         <a:lumMod val="65000"/>
@@ -7319,47 +7160,48 @@
                   </a:defRPr>
                 </a:pPr>
                 <a:r>
-                  <a:rPr lang="en-US" sz="1800" b="0" i="0" baseline="0" dirty="0" smtClean="0">
+                  <a:rPr lang="en-US" sz="2800" b="0" i="0" baseline="0" dirty="0" smtClean="0">
                     <a:effectLst/>
                   </a:rPr>
                   <a:t>GWP (g CO</a:t>
                 </a:r>
                 <a:r>
-                  <a:rPr lang="en-US" sz="1800" b="0" i="0" baseline="-25000" dirty="0" smtClean="0">
+                  <a:rPr lang="en-US" sz="2800" b="0" i="0" baseline="-25000" dirty="0" smtClean="0">
                     <a:effectLst/>
                   </a:rPr>
                   <a:t>2eq</a:t>
                 </a:r>
                 <a:r>
-                  <a:rPr lang="en-US" sz="1800" b="0" i="0" baseline="0" dirty="0" smtClean="0">
+                  <a:rPr lang="en-US" sz="2800" b="0" i="0" baseline="0" dirty="0" smtClean="0">
                     <a:effectLst/>
                   </a:rPr>
                   <a:t>/</a:t>
                 </a:r>
                 <a:r>
-                  <a:rPr lang="en-US" sz="1800" b="0" i="0" baseline="0" dirty="0" err="1" smtClean="0">
+                  <a:rPr lang="en-US" sz="2800" b="0" i="0" baseline="0" dirty="0" err="1" smtClean="0">
                     <a:effectLst/>
                   </a:rPr>
                   <a:t>kWh</a:t>
                 </a:r>
                 <a:r>
-                  <a:rPr lang="en-US" sz="1800" b="0" i="0" baseline="-25000" dirty="0" err="1" smtClean="0">
+                  <a:rPr lang="en-US" sz="2800" b="0" i="0" baseline="-25000" dirty="0" err="1" smtClean="0">
                     <a:effectLst/>
                   </a:rPr>
                   <a:t>pv</a:t>
                 </a:r>
                 <a:r>
-                  <a:rPr lang="en-US" sz="1800" b="0" i="0" baseline="0" dirty="0" smtClean="0">
+                  <a:rPr lang="en-US" sz="2800" b="0" i="0" baseline="0" dirty="0" smtClean="0">
                     <a:effectLst/>
                   </a:rPr>
                   <a:t>)</a:t>
                 </a:r>
-                <a:endParaRPr lang="en-US" dirty="0">
+                <a:endParaRPr lang="en-US" sz="2800" dirty="0">
                   <a:effectLst/>
                 </a:endParaRPr>
               </a:p>
             </c:rich>
           </c:tx>
+          <c:layout/>
           <c:overlay val="0"/>
           <c:spPr>
             <a:noFill/>
@@ -7368,26 +7210,6 @@
             </a:ln>
             <a:effectLst/>
           </c:spPr>
-          <c:txPr>
-            <a:bodyPr rot="-5400000" spcFirstLastPara="1" vertOverflow="ellipsis" vert="horz" wrap="square" anchor="ctr" anchorCtr="1"/>
-            <a:lstStyle/>
-            <a:p>
-              <a:pPr>
-                <a:defRPr sz="1330" b="0" i="0" u="none" strike="noStrike" kern="1200" baseline="0">
-                  <a:solidFill>
-                    <a:schemeClr val="tx1">
-                      <a:lumMod val="65000"/>
-                      <a:lumOff val="35000"/>
-                    </a:schemeClr>
-                  </a:solidFill>
-                  <a:latin typeface="+mn-lt"/>
-                  <a:ea typeface="+mn-ea"/>
-                  <a:cs typeface="+mn-cs"/>
-                </a:defRPr>
-              </a:pPr>
-              <a:endParaRPr lang="en-US"/>
-            </a:p>
-          </c:txPr>
         </c:title>
         <c:numFmt formatCode="General" sourceLinked="1"/>
         <c:majorTickMark val="none"/>
@@ -7405,7 +7227,7 @@
           <a:lstStyle/>
           <a:p>
             <a:pPr>
-              <a:defRPr sz="1197" b="0" i="0" u="none" strike="noStrike" kern="1200" baseline="0">
+              <a:defRPr sz="1800" b="0" i="0" u="none" strike="noStrike" kern="1200" baseline="0">
                 <a:solidFill>
                   <a:schemeClr val="tx1">
                     <a:lumMod val="65000"/>
@@ -7420,7 +7242,7 @@
             <a:endParaRPr lang="en-US"/>
           </a:p>
         </c:txPr>
-        <c:crossAx val="-2077288768"/>
+        <c:crossAx val="-2118845672"/>
         <c:crosses val="autoZero"/>
         <c:crossBetween val="between"/>
         <c:majorUnit val="100.0"/>
@@ -7456,7 +7278,7 @@
       <a:endParaRPr lang="en-US"/>
     </a:p>
   </c:txPr>
-  <c:externalData r:id="rId3">
+  <c:externalData r:id="rId1">
     <c:autoUpdate val="0"/>
   </c:externalData>
 </c:chartSpace>
@@ -7746,11 +7568,11 @@
         </c:dLbls>
         <c:gapWidth val="219"/>
         <c:overlap val="-27"/>
-        <c:axId val="2124163376"/>
-        <c:axId val="2124166784"/>
+        <c:axId val="2065900856"/>
+        <c:axId val="2065904472"/>
       </c:barChart>
       <c:catAx>
-        <c:axId val="2124163376"/>
+        <c:axId val="2065900856"/>
         <c:scaling>
           <c:orientation val="minMax"/>
         </c:scaling>
@@ -7790,7 +7612,7 @@
             <a:endParaRPr lang="en-US"/>
           </a:p>
         </c:txPr>
-        <c:crossAx val="2124166784"/>
+        <c:crossAx val="2065904472"/>
         <c:crosses val="autoZero"/>
         <c:auto val="1"/>
         <c:lblAlgn val="ctr"/>
@@ -7798,7 +7620,7 @@
         <c:noMultiLvlLbl val="0"/>
       </c:catAx>
       <c:valAx>
-        <c:axId val="2124166784"/>
+        <c:axId val="2065904472"/>
         <c:scaling>
           <c:orientation val="minMax"/>
         </c:scaling>
@@ -7869,6 +7691,7 @@
               </a:p>
             </c:rich>
           </c:tx>
+          <c:layout/>
           <c:overlay val="0"/>
           <c:spPr>
             <a:noFill/>
@@ -7877,26 +7700,6 @@
             </a:ln>
             <a:effectLst/>
           </c:spPr>
-          <c:txPr>
-            <a:bodyPr rot="-5400000" spcFirstLastPara="1" vertOverflow="ellipsis" vert="horz" wrap="square" anchor="ctr" anchorCtr="1"/>
-            <a:lstStyle/>
-            <a:p>
-              <a:pPr>
-                <a:defRPr sz="1400" b="0" i="0" u="none" strike="noStrike" kern="1200" baseline="0">
-                  <a:solidFill>
-                    <a:schemeClr val="tx1">
-                      <a:lumMod val="65000"/>
-                      <a:lumOff val="35000"/>
-                    </a:schemeClr>
-                  </a:solidFill>
-                  <a:latin typeface="+mn-lt"/>
-                  <a:ea typeface="+mn-ea"/>
-                  <a:cs typeface="+mn-cs"/>
-                </a:defRPr>
-              </a:pPr>
-              <a:endParaRPr lang="en-US"/>
-            </a:p>
-          </c:txPr>
         </c:title>
         <c:numFmt formatCode="General" sourceLinked="1"/>
         <c:majorTickMark val="none"/>
@@ -7931,7 +7734,7 @@
             <a:endParaRPr lang="en-US"/>
           </a:p>
         </c:txPr>
-        <c:crossAx val="2124163376"/>
+        <c:crossAx val="2065900856"/>
         <c:crosses val="autoZero"/>
         <c:crossBetween val="between"/>
       </c:valAx>
@@ -7947,6 +7750,7 @@
     </c:plotArea>
     <c:legend>
       <c:legendPos val="b"/>
+      <c:layout/>
       <c:overlay val="0"/>
       <c:spPr>
         <a:noFill/>
@@ -7997,7 +7801,7 @@
       <a:endParaRPr lang="en-US"/>
     </a:p>
   </c:txPr>
-  <c:externalData r:id="rId3">
+  <c:externalData r:id="rId1">
     <c:autoUpdate val="0"/>
   </c:externalData>
 </c:chartSpace>
@@ -8535,11 +8339,11 @@
         </c:dLbls>
         <c:gapWidth val="219"/>
         <c:overlap val="-27"/>
-        <c:axId val="2123133264"/>
-        <c:axId val="2123136608"/>
+        <c:axId val="-2143311608"/>
+        <c:axId val="-2143307944"/>
       </c:barChart>
       <c:catAx>
-        <c:axId val="2123133264"/>
+        <c:axId val="-2143311608"/>
         <c:scaling>
           <c:orientation val="minMax"/>
         </c:scaling>
@@ -8579,7 +8383,7 @@
             <a:endParaRPr lang="en-US"/>
           </a:p>
         </c:txPr>
-        <c:crossAx val="2123136608"/>
+        <c:crossAx val="-2143307944"/>
         <c:crosses val="autoZero"/>
         <c:auto val="1"/>
         <c:lblAlgn val="ctr"/>
@@ -8587,7 +8391,7 @@
         <c:noMultiLvlLbl val="0"/>
       </c:catAx>
       <c:valAx>
-        <c:axId val="2123136608"/>
+        <c:axId val="-2143307944"/>
         <c:scaling>
           <c:orientation val="minMax"/>
         </c:scaling>
@@ -8633,7 +8437,17 @@
               </a:p>
               <a:p>
                 <a:pPr>
-                  <a:defRPr sz="1400"/>
+                  <a:defRPr sz="1400" b="0" i="0" u="none" strike="noStrike" kern="1200" baseline="0">
+                    <a:solidFill>
+                      <a:schemeClr val="tx1">
+                        <a:lumMod val="65000"/>
+                        <a:lumOff val="35000"/>
+                      </a:schemeClr>
+                    </a:solidFill>
+                    <a:latin typeface="+mn-lt"/>
+                    <a:ea typeface="+mn-ea"/>
+                    <a:cs typeface="+mn-cs"/>
+                  </a:defRPr>
                 </a:pPr>
                 <a:r>
                   <a:rPr lang="en-US" sz="1600" dirty="0" smtClean="0"/>
@@ -8663,6 +8477,7 @@
               </a:p>
             </c:rich>
           </c:tx>
+          <c:layout/>
           <c:overlay val="0"/>
           <c:spPr>
             <a:noFill/>
@@ -8671,26 +8486,6 @@
             </a:ln>
             <a:effectLst/>
           </c:spPr>
-          <c:txPr>
-            <a:bodyPr rot="-5400000" spcFirstLastPara="1" vertOverflow="ellipsis" vert="horz" wrap="square" anchor="ctr" anchorCtr="1"/>
-            <a:lstStyle/>
-            <a:p>
-              <a:pPr>
-                <a:defRPr sz="1400" b="0" i="0" u="none" strike="noStrike" kern="1200" baseline="0">
-                  <a:solidFill>
-                    <a:schemeClr val="tx1">
-                      <a:lumMod val="65000"/>
-                      <a:lumOff val="35000"/>
-                    </a:schemeClr>
-                  </a:solidFill>
-                  <a:latin typeface="+mn-lt"/>
-                  <a:ea typeface="+mn-ea"/>
-                  <a:cs typeface="+mn-cs"/>
-                </a:defRPr>
-              </a:pPr>
-              <a:endParaRPr lang="en-US"/>
-            </a:p>
-          </c:txPr>
         </c:title>
         <c:numFmt formatCode="General" sourceLinked="1"/>
         <c:majorTickMark val="none"/>
@@ -8725,7 +8520,7 @@
             <a:endParaRPr lang="en-US"/>
           </a:p>
         </c:txPr>
-        <c:crossAx val="2123133264"/>
+        <c:crossAx val="-2143311608"/>
         <c:crosses val="autoZero"/>
         <c:crossBetween val="between"/>
       </c:valAx>
@@ -8741,6 +8536,7 @@
     </c:plotArea>
     <c:legend>
       <c:legendPos val="b"/>
+      <c:layout/>
       <c:overlay val="0"/>
       <c:spPr>
         <a:noFill/>
@@ -8791,7 +8587,7 @@
       <a:endParaRPr lang="en-US"/>
     </a:p>
   </c:txPr>
-  <c:externalData r:id="rId3">
+  <c:externalData r:id="rId1">
     <c:autoUpdate val="0"/>
   </c:externalData>
 </c:chartSpace>
@@ -9116,11 +8912,11 @@
         </c:dLbls>
         <c:gapWidth val="219"/>
         <c:overlap val="-27"/>
-        <c:axId val="2123249376"/>
-        <c:axId val="2123248416"/>
+        <c:axId val="-2144008488"/>
+        <c:axId val="-2144012200"/>
       </c:barChart>
       <c:catAx>
-        <c:axId val="2123249376"/>
+        <c:axId val="-2144008488"/>
         <c:scaling>
           <c:orientation val="minMax"/>
         </c:scaling>
@@ -9160,7 +8956,7 @@
             <a:endParaRPr lang="en-US"/>
           </a:p>
         </c:txPr>
-        <c:crossAx val="2123248416"/>
+        <c:crossAx val="-2144012200"/>
         <c:crosses val="autoZero"/>
         <c:auto val="1"/>
         <c:lblAlgn val="ctr"/>
@@ -9168,7 +8964,7 @@
         <c:noMultiLvlLbl val="0"/>
       </c:catAx>
       <c:valAx>
-        <c:axId val="2123248416"/>
+        <c:axId val="-2144012200"/>
         <c:scaling>
           <c:orientation val="minMax"/>
         </c:scaling>
@@ -9214,7 +9010,17 @@
               </a:p>
               <a:p>
                 <a:pPr>
-                  <a:defRPr sz="1400"/>
+                  <a:defRPr sz="1400" b="0" i="0" u="none" strike="noStrike" kern="1200" baseline="0">
+                    <a:solidFill>
+                      <a:schemeClr val="tx1">
+                        <a:lumMod val="65000"/>
+                        <a:lumOff val="35000"/>
+                      </a:schemeClr>
+                    </a:solidFill>
+                    <a:latin typeface="+mn-lt"/>
+                    <a:ea typeface="+mn-ea"/>
+                    <a:cs typeface="+mn-cs"/>
+                  </a:defRPr>
                 </a:pPr>
                 <a:r>
                   <a:rPr lang="en-US" sz="1600" noProof="1" smtClean="0"/>
@@ -9236,6 +9042,7 @@
               </a:p>
             </c:rich>
           </c:tx>
+          <c:layout/>
           <c:overlay val="0"/>
           <c:spPr>
             <a:noFill/>
@@ -9244,26 +9051,6 @@
             </a:ln>
             <a:effectLst/>
           </c:spPr>
-          <c:txPr>
-            <a:bodyPr rot="-5400000" spcFirstLastPara="1" vertOverflow="ellipsis" vert="horz" wrap="square" anchor="ctr" anchorCtr="1"/>
-            <a:lstStyle/>
-            <a:p>
-              <a:pPr>
-                <a:defRPr sz="1400" b="0" i="0" u="none" strike="noStrike" kern="1200" baseline="0">
-                  <a:solidFill>
-                    <a:schemeClr val="tx1">
-                      <a:lumMod val="65000"/>
-                      <a:lumOff val="35000"/>
-                    </a:schemeClr>
-                  </a:solidFill>
-                  <a:latin typeface="+mn-lt"/>
-                  <a:ea typeface="+mn-ea"/>
-                  <a:cs typeface="+mn-cs"/>
-                </a:defRPr>
-              </a:pPr>
-              <a:endParaRPr lang="en-US"/>
-            </a:p>
-          </c:txPr>
         </c:title>
         <c:numFmt formatCode="General" sourceLinked="1"/>
         <c:majorTickMark val="none"/>
@@ -9298,7 +9085,7 @@
             <a:endParaRPr lang="en-US"/>
           </a:p>
         </c:txPr>
-        <c:crossAx val="2123249376"/>
+        <c:crossAx val="-2144008488"/>
         <c:crosses val="autoZero"/>
         <c:crossBetween val="between"/>
       </c:valAx>
@@ -9314,6 +9101,7 @@
     </c:plotArea>
     <c:legend>
       <c:legendPos val="b"/>
+      <c:layout/>
       <c:overlay val="0"/>
       <c:spPr>
         <a:noFill/>
@@ -9364,7 +9152,7 @@
       <a:endParaRPr lang="en-US"/>
     </a:p>
   </c:txPr>
-  <c:externalData r:id="rId3">
+  <c:externalData r:id="rId1">
     <c:autoUpdate val="0"/>
   </c:externalData>
 </c:chartSpace>
@@ -9467,11 +9255,11 @@
         </c:dLbls>
         <c:gapWidth val="219"/>
         <c:overlap val="-27"/>
-        <c:axId val="2123965408"/>
-        <c:axId val="2123968768"/>
+        <c:axId val="2113001448"/>
+        <c:axId val="-2141329624"/>
       </c:barChart>
       <c:catAx>
-        <c:axId val="2123965408"/>
+        <c:axId val="2113001448"/>
         <c:scaling>
           <c:orientation val="minMax"/>
         </c:scaling>
@@ -9511,7 +9299,7 @@
             <a:endParaRPr lang="en-US"/>
           </a:p>
         </c:txPr>
-        <c:crossAx val="2123968768"/>
+        <c:crossAx val="-2141329624"/>
         <c:crosses val="autoZero"/>
         <c:auto val="1"/>
         <c:lblAlgn val="ctr"/>
@@ -9519,7 +9307,7 @@
         <c:noMultiLvlLbl val="0"/>
       </c:catAx>
       <c:valAx>
-        <c:axId val="2123968768"/>
+        <c:axId val="-2141329624"/>
         <c:scaling>
           <c:orientation val="minMax"/>
         </c:scaling>
@@ -9565,7 +9353,17 @@
               </a:p>
               <a:p>
                 <a:pPr>
-                  <a:defRPr sz="1400"/>
+                  <a:defRPr sz="1400" b="0" i="0" u="none" strike="noStrike" kern="1200" baseline="0">
+                    <a:solidFill>
+                      <a:schemeClr val="tx1">
+                        <a:lumMod val="65000"/>
+                        <a:lumOff val="35000"/>
+                      </a:schemeClr>
+                    </a:solidFill>
+                    <a:latin typeface="+mn-lt"/>
+                    <a:ea typeface="+mn-ea"/>
+                    <a:cs typeface="+mn-cs"/>
+                  </a:defRPr>
                 </a:pPr>
                 <a:r>
                   <a:rPr lang="en-US" sz="1600" noProof="1" smtClean="0"/>
@@ -9587,6 +9385,7 @@
               </a:p>
             </c:rich>
           </c:tx>
+          <c:layout/>
           <c:overlay val="0"/>
           <c:spPr>
             <a:noFill/>
@@ -9595,26 +9394,6 @@
             </a:ln>
             <a:effectLst/>
           </c:spPr>
-          <c:txPr>
-            <a:bodyPr rot="-5400000" spcFirstLastPara="1" vertOverflow="ellipsis" vert="horz" wrap="square" anchor="ctr" anchorCtr="1"/>
-            <a:lstStyle/>
-            <a:p>
-              <a:pPr>
-                <a:defRPr sz="1400" b="0" i="0" u="none" strike="noStrike" kern="1200" baseline="0">
-                  <a:solidFill>
-                    <a:schemeClr val="tx1">
-                      <a:lumMod val="65000"/>
-                      <a:lumOff val="35000"/>
-                    </a:schemeClr>
-                  </a:solidFill>
-                  <a:latin typeface="+mn-lt"/>
-                  <a:ea typeface="+mn-ea"/>
-                  <a:cs typeface="+mn-cs"/>
-                </a:defRPr>
-              </a:pPr>
-              <a:endParaRPr lang="en-US"/>
-            </a:p>
-          </c:txPr>
         </c:title>
         <c:numFmt formatCode="General" sourceLinked="1"/>
         <c:majorTickMark val="none"/>
@@ -9649,7 +9428,7 @@
             <a:endParaRPr lang="en-US"/>
           </a:p>
         </c:txPr>
-        <c:crossAx val="2123965408"/>
+        <c:crossAx val="2113001448"/>
         <c:crosses val="autoZero"/>
         <c:crossBetween val="between"/>
       </c:valAx>
@@ -9684,7 +9463,7 @@
       <a:endParaRPr lang="en-US"/>
     </a:p>
   </c:txPr>
-  <c:externalData r:id="rId3">
+  <c:externalData r:id="rId1">
     <c:autoUpdate val="0"/>
   </c:externalData>
 </c:chartSpace>
@@ -9959,11 +9738,11 @@
         </c:dLbls>
         <c:gapWidth val="219"/>
         <c:overlap val="100"/>
-        <c:axId val="2124024880"/>
-        <c:axId val="2123947152"/>
+        <c:axId val="-2141878168"/>
+        <c:axId val="-2141874680"/>
       </c:barChart>
       <c:catAx>
-        <c:axId val="2124024880"/>
+        <c:axId val="-2141878168"/>
         <c:scaling>
           <c:orientation val="minMax"/>
         </c:scaling>
@@ -10006,7 +9785,7 @@
             <a:endParaRPr lang="en-US"/>
           </a:p>
         </c:txPr>
-        <c:crossAx val="2123947152"/>
+        <c:crossAx val="-2141874680"/>
         <c:crosses val="autoZero"/>
         <c:auto val="1"/>
         <c:lblAlgn val="ctr"/>
@@ -10014,7 +9793,7 @@
         <c:noMultiLvlLbl val="0"/>
       </c:catAx>
       <c:valAx>
-        <c:axId val="2123947152"/>
+        <c:axId val="-2141874680"/>
         <c:scaling>
           <c:orientation val="minMax"/>
         </c:scaling>
@@ -10065,6 +9844,7 @@
               </a:p>
             </c:rich>
           </c:tx>
+          <c:layout/>
           <c:overlay val="0"/>
           <c:spPr>
             <a:noFill/>
@@ -10073,26 +9853,6 @@
             </a:ln>
             <a:effectLst/>
           </c:spPr>
-          <c:txPr>
-            <a:bodyPr rot="-5400000" spcFirstLastPara="1" vertOverflow="ellipsis" vert="horz" wrap="square" anchor="ctr" anchorCtr="1"/>
-            <a:lstStyle/>
-            <a:p>
-              <a:pPr>
-                <a:defRPr sz="1330" b="0" i="0" u="none" strike="noStrike" kern="1200" baseline="0">
-                  <a:solidFill>
-                    <a:schemeClr val="tx1">
-                      <a:lumMod val="65000"/>
-                      <a:lumOff val="35000"/>
-                    </a:schemeClr>
-                  </a:solidFill>
-                  <a:latin typeface="+mn-lt"/>
-                  <a:ea typeface="+mn-ea"/>
-                  <a:cs typeface="+mn-cs"/>
-                </a:defRPr>
-              </a:pPr>
-              <a:endParaRPr lang="en-US"/>
-            </a:p>
-          </c:txPr>
         </c:title>
         <c:numFmt formatCode="0" sourceLinked="1"/>
         <c:majorTickMark val="none"/>
@@ -10125,7 +9885,7 @@
             <a:endParaRPr lang="en-US"/>
           </a:p>
         </c:txPr>
-        <c:crossAx val="2124024880"/>
+        <c:crossAx val="-2141878168"/>
         <c:crosses val="autoZero"/>
         <c:crossBetween val="between"/>
       </c:valAx>
@@ -10201,7 +9961,7 @@
       <a:endParaRPr lang="en-US"/>
     </a:p>
   </c:txPr>
-  <c:externalData r:id="rId3">
+  <c:externalData r:id="rId1">
     <c:autoUpdate val="0"/>
   </c:externalData>
 </c:chartSpace>
@@ -10264,26 +10024,6 @@
         </a:ln>
         <a:effectLst/>
       </c:spPr>
-      <c:txPr>
-        <a:bodyPr rot="0" spcFirstLastPara="1" vertOverflow="ellipsis" vert="horz" wrap="square" anchor="ctr" anchorCtr="1"/>
-        <a:lstStyle/>
-        <a:p>
-          <a:pPr>
-            <a:defRPr sz="1862" b="0" i="0" u="none" strike="noStrike" kern="1200" spc="0" baseline="0">
-              <a:solidFill>
-                <a:schemeClr val="tx1">
-                  <a:lumMod val="65000"/>
-                  <a:lumOff val="35000"/>
-                </a:schemeClr>
-              </a:solidFill>
-              <a:latin typeface="+mn-lt"/>
-              <a:ea typeface="+mn-ea"/>
-              <a:cs typeface="+mn-cs"/>
-            </a:defRPr>
-          </a:pPr>
-          <a:endParaRPr lang="en-US"/>
-        </a:p>
-      </c:txPr>
     </c:title>
     <c:autoTitleDeleted val="0"/>
     <c:plotArea>
@@ -10542,7 +10282,7 @@
       <a:endParaRPr lang="en-US"/>
     </a:p>
   </c:txPr>
-  <c:externalData r:id="rId3">
+  <c:externalData r:id="rId1">
     <c:autoUpdate val="0"/>
   </c:externalData>
 </c:chartSpace>
@@ -10613,26 +10353,6 @@
         </a:ln>
         <a:effectLst/>
       </c:spPr>
-      <c:txPr>
-        <a:bodyPr rot="0" spcFirstLastPara="1" vertOverflow="ellipsis" vert="horz" wrap="square" anchor="ctr" anchorCtr="1"/>
-        <a:lstStyle/>
-        <a:p>
-          <a:pPr>
-            <a:defRPr sz="1862" b="0" i="0" u="none" strike="noStrike" kern="1200" spc="0" baseline="0">
-              <a:solidFill>
-                <a:schemeClr val="tx1">
-                  <a:lumMod val="65000"/>
-                  <a:lumOff val="35000"/>
-                </a:schemeClr>
-              </a:solidFill>
-              <a:latin typeface="+mn-lt"/>
-              <a:ea typeface="+mn-ea"/>
-              <a:cs typeface="+mn-cs"/>
-            </a:defRPr>
-          </a:pPr>
-          <a:endParaRPr lang="en-US"/>
-        </a:p>
-      </c:txPr>
     </c:title>
     <c:autoTitleDeleted val="0"/>
     <c:plotArea>
@@ -10828,7 +10548,7 @@
       <a:endParaRPr lang="en-US"/>
     </a:p>
   </c:txPr>
-  <c:externalData r:id="rId3">
+  <c:externalData r:id="rId1">
     <c:autoUpdate val="0"/>
   </c:externalData>
 </c:chartSpace>
@@ -20838,7 +20558,7 @@
           <a:p>
             <a:fld id="{8AF2A637-750D-AC4F-B19A-F61B319C6A55}" type="datetimeFigureOut">
               <a:rPr lang="en-US" smtClean="0"/>
-              <a:t>11/19/15</a:t>
+              <a:t>20/11/15</a:t>
             </a:fld>
             <a:endParaRPr lang="en-US"/>
           </a:p>
@@ -23124,7 +22844,7 @@
           <a:p>
             <a:fld id="{F87648D4-822A-184D-A945-2BBD99FACB30}" type="datetimeFigureOut">
               <a:rPr lang="en-US" smtClean="0"/>
-              <a:t>11/19/15</a:t>
+              <a:t>20/11/15</a:t>
             </a:fld>
             <a:endParaRPr lang="en-US"/>
           </a:p>
@@ -23294,7 +23014,7 @@
           <a:p>
             <a:fld id="{F87648D4-822A-184D-A945-2BBD99FACB30}" type="datetimeFigureOut">
               <a:rPr lang="en-US" smtClean="0"/>
-              <a:t>11/19/15</a:t>
+              <a:t>20/11/15</a:t>
             </a:fld>
             <a:endParaRPr lang="en-US"/>
           </a:p>
@@ -23474,7 +23194,7 @@
           <a:p>
             <a:fld id="{F87648D4-822A-184D-A945-2BBD99FACB30}" type="datetimeFigureOut">
               <a:rPr lang="en-US" smtClean="0"/>
-              <a:t>11/19/15</a:t>
+              <a:t>20/11/15</a:t>
             </a:fld>
             <a:endParaRPr lang="en-US"/>
           </a:p>
@@ -23644,7 +23364,7 @@
           <a:p>
             <a:fld id="{F87648D4-822A-184D-A945-2BBD99FACB30}" type="datetimeFigureOut">
               <a:rPr lang="en-US" smtClean="0"/>
-              <a:t>11/19/15</a:t>
+              <a:t>20/11/15</a:t>
             </a:fld>
             <a:endParaRPr lang="en-US"/>
           </a:p>
@@ -23888,7 +23608,7 @@
           <a:p>
             <a:fld id="{F87648D4-822A-184D-A945-2BBD99FACB30}" type="datetimeFigureOut">
               <a:rPr lang="en-US" smtClean="0"/>
-              <a:t>11/19/15</a:t>
+              <a:t>20/11/15</a:t>
             </a:fld>
             <a:endParaRPr lang="en-US"/>
           </a:p>
@@ -24120,7 +23840,7 @@
           <a:p>
             <a:fld id="{F87648D4-822A-184D-A945-2BBD99FACB30}" type="datetimeFigureOut">
               <a:rPr lang="en-US" smtClean="0"/>
-              <a:t>11/19/15</a:t>
+              <a:t>20/11/15</a:t>
             </a:fld>
             <a:endParaRPr lang="en-US"/>
           </a:p>
@@ -24487,7 +24207,7 @@
           <a:p>
             <a:fld id="{F87648D4-822A-184D-A945-2BBD99FACB30}" type="datetimeFigureOut">
               <a:rPr lang="en-US" smtClean="0"/>
-              <a:t>11/19/15</a:t>
+              <a:t>20/11/15</a:t>
             </a:fld>
             <a:endParaRPr lang="en-US"/>
           </a:p>
@@ -24605,7 +24325,7 @@
           <a:p>
             <a:fld id="{F87648D4-822A-184D-A945-2BBD99FACB30}" type="datetimeFigureOut">
               <a:rPr lang="en-US" smtClean="0"/>
-              <a:t>11/19/15</a:t>
+              <a:t>20/11/15</a:t>
             </a:fld>
             <a:endParaRPr lang="en-US"/>
           </a:p>
@@ -24700,7 +24420,7 @@
           <a:p>
             <a:fld id="{F87648D4-822A-184D-A945-2BBD99FACB30}" type="datetimeFigureOut">
               <a:rPr lang="en-US" smtClean="0"/>
-              <a:t>11/19/15</a:t>
+              <a:t>20/11/15</a:t>
             </a:fld>
             <a:endParaRPr lang="en-US"/>
           </a:p>
@@ -24977,7 +24697,7 @@
           <a:p>
             <a:fld id="{F87648D4-822A-184D-A945-2BBD99FACB30}" type="datetimeFigureOut">
               <a:rPr lang="en-US" smtClean="0"/>
-              <a:t>11/19/15</a:t>
+              <a:t>20/11/15</a:t>
             </a:fld>
             <a:endParaRPr lang="en-US"/>
           </a:p>
@@ -25234,7 +24954,7 @@
           <a:p>
             <a:fld id="{F87648D4-822A-184D-A945-2BBD99FACB30}" type="datetimeFigureOut">
               <a:rPr lang="en-US" smtClean="0"/>
-              <a:t>11/19/15</a:t>
+              <a:t>20/11/15</a:t>
             </a:fld>
             <a:endParaRPr lang="en-US"/>
           </a:p>
@@ -25447,7 +25167,7 @@
           <a:p>
             <a:fld id="{F87648D4-822A-184D-A945-2BBD99FACB30}" type="datetimeFigureOut">
               <a:rPr lang="en-US" smtClean="0"/>
-              <a:t>11/19/15</a:t>
+              <a:t>20/11/15</a:t>
             </a:fld>
             <a:endParaRPr lang="en-US"/>
           </a:p>
@@ -25887,7 +25607,7 @@
   <p:timing>
     <p:tnLst>
       <p:par>
-        <p:cTn id="1" dur="indefinite" restart="never" nodeType="tmRoot"/>
+        <p:cTn xmlns:p14="http://schemas.microsoft.com/office/powerpoint/2010/main" id="1" dur="indefinite" restart="never" nodeType="tmRoot"/>
       </p:par>
     </p:tnLst>
   </p:timing>
@@ -25946,7 +25666,7 @@
   <p:timing>
     <p:tnLst>
       <p:par>
-        <p:cTn id="1" dur="indefinite" restart="never" nodeType="tmRoot"/>
+        <p:cTn xmlns:p14="http://schemas.microsoft.com/office/powerpoint/2010/main" id="1" dur="indefinite" restart="never" nodeType="tmRoot"/>
       </p:par>
     </p:tnLst>
   </p:timing>
@@ -26707,7 +26427,7 @@
   <p:timing>
     <p:tnLst>
       <p:par>
-        <p:cTn id="1" dur="indefinite" restart="never" nodeType="tmRoot"/>
+        <p:cTn xmlns:p14="http://schemas.microsoft.com/office/powerpoint/2010/main" id="1" dur="indefinite" restart="never" nodeType="tmRoot"/>
       </p:par>
     </p:tnLst>
   </p:timing>
@@ -26802,7 +26522,7 @@
   <p:timing>
     <p:tnLst>
       <p:par>
-        <p:cTn id="1" dur="indefinite" restart="never" nodeType="tmRoot"/>
+        <p:cTn xmlns:p14="http://schemas.microsoft.com/office/powerpoint/2010/main" id="1" dur="indefinite" restart="never" nodeType="tmRoot"/>
       </p:par>
     </p:tnLst>
   </p:timing>
@@ -26897,7 +26617,7 @@
   <p:timing>
     <p:tnLst>
       <p:par>
-        <p:cTn id="1" dur="indefinite" restart="never" nodeType="tmRoot"/>
+        <p:cTn xmlns:p14="http://schemas.microsoft.com/office/powerpoint/2010/main" id="1" dur="indefinite" restart="never" nodeType="tmRoot"/>
       </p:par>
     </p:tnLst>
   </p:timing>
@@ -26956,7 +26676,7 @@
   <p:timing>
     <p:tnLst>
       <p:par>
-        <p:cTn id="1" dur="indefinite" restart="never" nodeType="tmRoot"/>
+        <p:cTn xmlns:p14="http://schemas.microsoft.com/office/powerpoint/2010/main" id="1" dur="indefinite" restart="never" nodeType="tmRoot"/>
       </p:par>
     </p:tnLst>
   </p:timing>
@@ -27015,7 +26735,7 @@
   <p:timing>
     <p:tnLst>
       <p:par>
-        <p:cTn id="1" dur="indefinite" restart="never" nodeType="tmRoot"/>
+        <p:cTn xmlns:p14="http://schemas.microsoft.com/office/powerpoint/2010/main" id="1" dur="indefinite" restart="never" nodeType="tmRoot"/>
       </p:par>
     </p:tnLst>
   </p:timing>
@@ -27109,7 +26829,7 @@
   <p:timing>
     <p:tnLst>
       <p:par>
-        <p:cTn id="1" dur="indefinite" restart="never" nodeType="tmRoot"/>
+        <p:cTn xmlns:p14="http://schemas.microsoft.com/office/powerpoint/2010/main" id="1" dur="indefinite" restart="never" nodeType="tmRoot"/>
       </p:par>
     </p:tnLst>
   </p:timing>
@@ -27140,14 +26860,14 @@
           <p:nvPr>
             <p:extLst>
               <p:ext uri="{D42A27DB-BD31-4B8C-83A1-F6EECF244321}">
-                <p14:modId xmlns:p14="http://schemas.microsoft.com/office/powerpoint/2010/main" val="701771237"/>
+                <p14:modId xmlns:p14="http://schemas.microsoft.com/office/powerpoint/2010/main" val="1252837245"/>
               </p:ext>
             </p:extLst>
           </p:nvPr>
         </p:nvGraphicFramePr>
         <p:xfrm>
           <a:off x="222637" y="340242"/>
-          <a:ext cx="9454100" cy="5688417"/>
+          <a:ext cx="9454100" cy="5891225"/>
         </p:xfrm>
         <a:graphic>
           <a:graphicData uri="http://schemas.openxmlformats.org/drawingml/2006/chart">
@@ -27189,7 +26909,7 @@
         </p:nvSpPr>
         <p:spPr>
           <a:xfrm>
-            <a:off x="1294566" y="4341886"/>
+            <a:off x="1514695" y="4341886"/>
             <a:ext cx="1152000" cy="338554"/>
           </a:xfrm>
           <a:prstGeom prst="rect">
@@ -27225,7 +26945,7 @@
         </p:nvSpPr>
         <p:spPr>
           <a:xfrm>
-            <a:off x="2307484" y="4341886"/>
+            <a:off x="2497302" y="4341886"/>
             <a:ext cx="1152000" cy="338554"/>
           </a:xfrm>
           <a:prstGeom prst="rect">
@@ -27261,7 +26981,7 @@
         </p:nvSpPr>
         <p:spPr>
           <a:xfrm>
-            <a:off x="3320402" y="4341886"/>
+            <a:off x="3479909" y="4341886"/>
             <a:ext cx="1152000" cy="1077218"/>
           </a:xfrm>
           <a:prstGeom prst="rect">
@@ -27297,7 +27017,7 @@
         </p:nvSpPr>
         <p:spPr>
           <a:xfrm>
-            <a:off x="4333320" y="4341886"/>
+            <a:off x="4462516" y="4341886"/>
             <a:ext cx="1152000" cy="1077218"/>
           </a:xfrm>
           <a:prstGeom prst="rect">
@@ -27333,7 +27053,7 @@
         </p:nvSpPr>
         <p:spPr>
           <a:xfrm>
-            <a:off x="5346238" y="4341886"/>
+            <a:off x="5445123" y="4341886"/>
             <a:ext cx="1152000" cy="830997"/>
           </a:xfrm>
           <a:prstGeom prst="rect">
@@ -27389,7 +27109,7 @@
         </p:nvSpPr>
         <p:spPr>
           <a:xfrm>
-            <a:off x="6359156" y="4341886"/>
+            <a:off x="6427730" y="4341886"/>
             <a:ext cx="1152000" cy="338554"/>
           </a:xfrm>
           <a:prstGeom prst="rect">
@@ -27452,7 +27172,7 @@
         </p:nvSpPr>
         <p:spPr>
           <a:xfrm>
-            <a:off x="7372074" y="4341886"/>
+            <a:off x="7410337" y="4341886"/>
             <a:ext cx="1152000" cy="338554"/>
           </a:xfrm>
           <a:prstGeom prst="rect">
@@ -27531,8 +27251,8 @@
         </p:nvCxnSpPr>
         <p:spPr>
           <a:xfrm>
-            <a:off x="1334707" y="2406553"/>
-            <a:ext cx="8172000" cy="0"/>
+            <a:off x="1514695" y="2406553"/>
+            <a:ext cx="7992012" cy="0"/>
           </a:xfrm>
           <a:prstGeom prst="line">
             <a:avLst/>
@@ -27573,7 +27293,7 @@
   <p:timing>
     <p:tnLst>
       <p:par>
-        <p:cTn id="1" dur="indefinite" restart="never" nodeType="tmRoot"/>
+        <p:cTn xmlns:p14="http://schemas.microsoft.com/office/powerpoint/2010/main" id="1" dur="indefinite" restart="never" nodeType="tmRoot"/>
       </p:par>
     </p:tnLst>
   </p:timing>
@@ -27632,7 +27352,7 @@
   <p:timing>
     <p:tnLst>
       <p:par>
-        <p:cTn id="1" dur="indefinite" restart="never" nodeType="tmRoot"/>
+        <p:cTn xmlns:p14="http://schemas.microsoft.com/office/powerpoint/2010/main" id="1" dur="indefinite" restart="never" nodeType="tmRoot"/>
       </p:par>
     </p:tnLst>
   </p:timing>
@@ -27689,7 +27409,7 @@
           <p:nvPr>
             <p:extLst>
               <p:ext uri="{D42A27DB-BD31-4B8C-83A1-F6EECF244321}">
-                <p14:modId xmlns:p14="http://schemas.microsoft.com/office/powerpoint/2010/main" val="1078591759"/>
+                <p14:modId xmlns:p14="http://schemas.microsoft.com/office/powerpoint/2010/main" val="439134882"/>
               </p:ext>
             </p:extLst>
           </p:nvPr>
@@ -27712,13 +27432,13 @@
         </p:nvCxnSpPr>
         <p:spPr>
           <a:xfrm>
-            <a:off x="1657966" y="3765841"/>
-            <a:ext cx="7236000" cy="0"/>
+            <a:off x="2035527" y="3765841"/>
+            <a:ext cx="6858439" cy="0"/>
           </a:xfrm>
           <a:prstGeom prst="line">
             <a:avLst/>
           </a:prstGeom>
-          <a:ln w="22225">
+          <a:ln w="3175" cmpd="sng">
             <a:solidFill>
               <a:srgbClr val="C00000"/>
             </a:solidFill>
@@ -27748,8 +27468,8 @@
         </p:nvSpPr>
         <p:spPr>
           <a:xfrm>
-            <a:off x="1950862" y="5083718"/>
-            <a:ext cx="1800000" cy="584775"/>
+            <a:off x="2238723" y="5083718"/>
+            <a:ext cx="1800000" cy="1200328"/>
           </a:xfrm>
           <a:prstGeom prst="rect">
             <a:avLst/>
@@ -27764,15 +27484,42 @@
           <a:p>
             <a:pPr algn="ctr"/>
             <a:r>
-              <a:rPr lang="en-US" sz="1600" dirty="0" smtClean="0">
+              <a:rPr lang="en-US" sz="2400" dirty="0" smtClean="0">
                 <a:solidFill>
                   <a:schemeClr val="bg2">
                     <a:lumMod val="25000"/>
                   </a:schemeClr>
                 </a:solidFill>
               </a:rPr>
-              <a:t>Operation location: CH/GER</a:t>
+              <a:t>Operation location: CH</a:t>
             </a:r>
+            <a:r>
+              <a:rPr lang="en-US" sz="2400" dirty="0" smtClean="0">
+                <a:solidFill>
+                  <a:schemeClr val="bg2">
+                    <a:lumMod val="25000"/>
+                  </a:schemeClr>
+                </a:solidFill>
+              </a:rPr>
+              <a:t>/</a:t>
+            </a:r>
+            <a:r>
+              <a:rPr lang="en-US" sz="2400" dirty="0" smtClean="0">
+                <a:solidFill>
+                  <a:schemeClr val="bg2">
+                    <a:lumMod val="25000"/>
+                  </a:schemeClr>
+                </a:solidFill>
+              </a:rPr>
+              <a:t>DE</a:t>
+            </a:r>
+            <a:endParaRPr lang="en-US" sz="2400" dirty="0" smtClean="0">
+              <a:solidFill>
+                <a:schemeClr val="bg2">
+                  <a:lumMod val="25000"/>
+                </a:schemeClr>
+              </a:solidFill>
+            </a:endParaRPr>
           </a:p>
         </p:txBody>
       </p:sp>
@@ -27784,8 +27531,8 @@
         </p:nvSpPr>
         <p:spPr>
           <a:xfrm>
-            <a:off x="4395319" y="5083718"/>
-            <a:ext cx="1800000" cy="584775"/>
+            <a:off x="4513850" y="5083718"/>
+            <a:ext cx="1800000" cy="830997"/>
           </a:xfrm>
           <a:prstGeom prst="rect">
             <a:avLst/>
@@ -27800,7 +27547,7 @@
           <a:p>
             <a:pPr algn="ctr"/>
             <a:r>
-              <a:rPr lang="en-US" sz="1600" dirty="0" smtClean="0">
+              <a:rPr lang="en-US" sz="2400" dirty="0" smtClean="0">
                 <a:solidFill>
                   <a:schemeClr val="bg2">
                     <a:lumMod val="25000"/>
@@ -27821,7 +27568,7 @@
         <p:spPr>
           <a:xfrm>
             <a:off x="6839776" y="5083718"/>
-            <a:ext cx="1800000" cy="584775"/>
+            <a:ext cx="1800000" cy="1200328"/>
           </a:xfrm>
           <a:prstGeom prst="rect">
             <a:avLst/>
@@ -27836,7 +27583,7 @@
           <a:p>
             <a:pPr algn="ctr"/>
             <a:r>
-              <a:rPr lang="en-US" sz="1600" dirty="0" smtClean="0">
+              <a:rPr lang="en-US" sz="2400" dirty="0" smtClean="0">
                 <a:solidFill>
                   <a:schemeClr val="bg2">
                     <a:lumMod val="25000"/>
@@ -27849,7 +27596,7 @@
           <a:p>
             <a:pPr algn="ctr"/>
             <a:r>
-              <a:rPr lang="en-US" sz="1600" dirty="0" smtClean="0">
+              <a:rPr lang="en-US" sz="2400" dirty="0" smtClean="0">
                 <a:solidFill>
                   <a:schemeClr val="bg2">
                     <a:lumMod val="25000"/>
@@ -27869,8 +27616,8 @@
         </p:nvCxnSpPr>
         <p:spPr>
           <a:xfrm>
-            <a:off x="1657965" y="1811128"/>
-            <a:ext cx="7200000" cy="0"/>
+            <a:off x="2035527" y="1811128"/>
+            <a:ext cx="6822438" cy="0"/>
           </a:xfrm>
           <a:prstGeom prst="line">
             <a:avLst/>
@@ -27898,6 +27645,196 @@
           </a:fontRef>
         </p:style>
       </p:cxnSp>
+      <p:sp>
+        <p:nvSpPr>
+          <p:cNvPr id="2" name="TextBox 1"/>
+          <p:cNvSpPr txBox="1"/>
+          <p:nvPr/>
+        </p:nvSpPr>
+        <p:spPr>
+          <a:xfrm>
+            <a:off x="2904190" y="1202267"/>
+            <a:ext cx="451566" cy="369332"/>
+          </a:xfrm>
+          <a:prstGeom prst="rect">
+            <a:avLst/>
+          </a:prstGeom>
+          <a:noFill/>
+        </p:spPr>
+        <p:txBody>
+          <a:bodyPr wrap="none" rtlCol="0">
+            <a:spAutoFit/>
+          </a:bodyPr>
+          <a:lstStyle/>
+          <a:p>
+            <a:r>
+              <a:rPr lang="en-GB" dirty="0" smtClean="0"/>
+              <a:t>CH</a:t>
+            </a:r>
+            <a:endParaRPr lang="en-GB" dirty="0"/>
+          </a:p>
+        </p:txBody>
+      </p:sp>
+      <p:sp>
+        <p:nvSpPr>
+          <p:cNvPr id="10" name="TextBox 9"/>
+          <p:cNvSpPr txBox="1"/>
+          <p:nvPr/>
+        </p:nvSpPr>
+        <p:spPr>
+          <a:xfrm>
+            <a:off x="2927971" y="4646654"/>
+            <a:ext cx="439393" cy="369332"/>
+          </a:xfrm>
+          <a:prstGeom prst="rect">
+            <a:avLst/>
+          </a:prstGeom>
+          <a:noFill/>
+        </p:spPr>
+        <p:txBody>
+          <a:bodyPr wrap="none" rtlCol="0">
+            <a:spAutoFit/>
+          </a:bodyPr>
+          <a:lstStyle/>
+          <a:p>
+            <a:r>
+              <a:rPr lang="en-GB" dirty="0" smtClean="0"/>
+              <a:t>DE</a:t>
+            </a:r>
+            <a:endParaRPr lang="en-GB" dirty="0"/>
+          </a:p>
+        </p:txBody>
+      </p:sp>
+      <p:sp>
+        <p:nvSpPr>
+          <p:cNvPr id="11" name="TextBox 10"/>
+          <p:cNvSpPr txBox="1"/>
+          <p:nvPr/>
+        </p:nvSpPr>
+        <p:spPr>
+          <a:xfrm>
+            <a:off x="5053852" y="3248107"/>
+            <a:ext cx="712041" cy="369332"/>
+          </a:xfrm>
+          <a:prstGeom prst="rect">
+            <a:avLst/>
+          </a:prstGeom>
+          <a:noFill/>
+        </p:spPr>
+        <p:txBody>
+          <a:bodyPr wrap="none" rtlCol="0">
+            <a:spAutoFit/>
+          </a:bodyPr>
+          <a:lstStyle/>
+          <a:p>
+            <a:r>
+              <a:rPr lang="en-GB" dirty="0" smtClean="0"/>
+              <a:t>Servo</a:t>
+            </a:r>
+            <a:endParaRPr lang="en-GB" dirty="0"/>
+          </a:p>
+        </p:txBody>
+      </p:sp>
+      <p:sp>
+        <p:nvSpPr>
+          <p:cNvPr id="12" name="TextBox 11"/>
+          <p:cNvSpPr txBox="1"/>
+          <p:nvPr/>
+        </p:nvSpPr>
+        <p:spPr>
+          <a:xfrm>
+            <a:off x="4910015" y="3857708"/>
+            <a:ext cx="1005403" cy="646331"/>
+          </a:xfrm>
+          <a:prstGeom prst="rect">
+            <a:avLst/>
+          </a:prstGeom>
+          <a:noFill/>
+        </p:spPr>
+        <p:txBody>
+          <a:bodyPr wrap="none" rtlCol="0">
+            <a:spAutoFit/>
+          </a:bodyPr>
+          <a:lstStyle/>
+          <a:p>
+            <a:pPr algn="ctr"/>
+            <a:r>
+              <a:rPr lang="en-GB" dirty="0" smtClean="0"/>
+              <a:t>Soft</a:t>
+            </a:r>
+          </a:p>
+          <a:p>
+            <a:pPr algn="ctr"/>
+            <a:r>
+              <a:rPr lang="en-GB" dirty="0" smtClean="0"/>
+              <a:t>Actuator</a:t>
+            </a:r>
+            <a:endParaRPr lang="en-GB" dirty="0"/>
+          </a:p>
+        </p:txBody>
+      </p:sp>
+      <p:sp>
+        <p:nvSpPr>
+          <p:cNvPr id="13" name="TextBox 12"/>
+          <p:cNvSpPr txBox="1"/>
+          <p:nvPr/>
+        </p:nvSpPr>
+        <p:spPr>
+          <a:xfrm>
+            <a:off x="7204387" y="3325683"/>
+            <a:ext cx="1101684" cy="369332"/>
+          </a:xfrm>
+          <a:prstGeom prst="rect">
+            <a:avLst/>
+          </a:prstGeom>
+          <a:noFill/>
+        </p:spPr>
+        <p:txBody>
+          <a:bodyPr wrap="none" rtlCol="0">
+            <a:spAutoFit/>
+          </a:bodyPr>
+          <a:lstStyle/>
+          <a:p>
+            <a:pPr algn="ctr"/>
+            <a:r>
+              <a:rPr lang="en-GB" dirty="0" smtClean="0"/>
+              <a:t>Individual</a:t>
+            </a:r>
+            <a:endParaRPr lang="en-GB" dirty="0"/>
+          </a:p>
+        </p:txBody>
+      </p:sp>
+      <p:sp>
+        <p:nvSpPr>
+          <p:cNvPr id="14" name="TextBox 13"/>
+          <p:cNvSpPr txBox="1"/>
+          <p:nvPr/>
+        </p:nvSpPr>
+        <p:spPr>
+          <a:xfrm>
+            <a:off x="7456861" y="3871549"/>
+            <a:ext cx="596738" cy="369332"/>
+          </a:xfrm>
+          <a:prstGeom prst="rect">
+            <a:avLst/>
+          </a:prstGeom>
+          <a:noFill/>
+        </p:spPr>
+        <p:txBody>
+          <a:bodyPr wrap="none" rtlCol="0">
+            <a:spAutoFit/>
+          </a:bodyPr>
+          <a:lstStyle/>
+          <a:p>
+            <a:pPr algn="ctr"/>
+            <a:r>
+              <a:rPr lang="en-GB" dirty="0" smtClean="0"/>
+              <a:t>Row</a:t>
+            </a:r>
+            <a:endParaRPr lang="en-GB" dirty="0"/>
+          </a:p>
+        </p:txBody>
+      </p:sp>
     </p:spTree>
     <p:extLst>
       <p:ext uri="{BB962C8B-B14F-4D97-AF65-F5344CB8AC3E}">
@@ -27911,7 +27848,7 @@
   <p:timing>
     <p:tnLst>
       <p:par>
-        <p:cTn id="1" dur="indefinite" restart="never" nodeType="tmRoot"/>
+        <p:cTn xmlns:p14="http://schemas.microsoft.com/office/powerpoint/2010/main" id="1" dur="indefinite" restart="never" nodeType="tmRoot"/>
       </p:par>
     </p:tnLst>
   </p:timing>
@@ -27970,7 +27907,7 @@
   <p:timing>
     <p:tnLst>
       <p:par>
-        <p:cTn id="1" dur="indefinite" restart="never" nodeType="tmRoot"/>
+        <p:cTn xmlns:p14="http://schemas.microsoft.com/office/powerpoint/2010/main" id="1" dur="indefinite" restart="never" nodeType="tmRoot"/>
       </p:par>
     </p:tnLst>
   </p:timing>
@@ -28059,7 +27996,7 @@
   <p:timing>
     <p:tnLst>
       <p:par>
-        <p:cTn id="1" dur="indefinite" restart="never" nodeType="tmRoot"/>
+        <p:cTn xmlns:p14="http://schemas.microsoft.com/office/powerpoint/2010/main" id="1" dur="indefinite" restart="never" nodeType="tmRoot"/>
       </p:par>
     </p:tnLst>
   </p:timing>
@@ -28118,7 +28055,7 @@
   <p:timing>
     <p:tnLst>
       <p:par>
-        <p:cTn id="1" dur="indefinite" restart="never" nodeType="tmRoot"/>
+        <p:cTn xmlns:p14="http://schemas.microsoft.com/office/powerpoint/2010/main" id="1" dur="indefinite" restart="never" nodeType="tmRoot"/>
       </p:par>
     </p:tnLst>
   </p:timing>
@@ -28177,7 +28114,7 @@
   <p:timing>
     <p:tnLst>
       <p:par>
-        <p:cTn id="1" dur="indefinite" restart="never" nodeType="tmRoot"/>
+        <p:cTn xmlns:p14="http://schemas.microsoft.com/office/powerpoint/2010/main" id="1" dur="indefinite" restart="never" nodeType="tmRoot"/>
       </p:par>
     </p:tnLst>
   </p:timing>
@@ -28236,7 +28173,7 @@
   <p:timing>
     <p:tnLst>
       <p:par>
-        <p:cTn id="1" dur="indefinite" restart="never" nodeType="tmRoot"/>
+        <p:cTn xmlns:p14="http://schemas.microsoft.com/office/powerpoint/2010/main" id="1" dur="indefinite" restart="never" nodeType="tmRoot"/>
       </p:par>
     </p:tnLst>
   </p:timing>
@@ -28295,7 +28232,7 @@
   <p:timing>
     <p:tnLst>
       <p:par>
-        <p:cTn id="1" dur="indefinite" restart="never" nodeType="tmRoot"/>
+        <p:cTn xmlns:p14="http://schemas.microsoft.com/office/powerpoint/2010/main" id="1" dur="indefinite" restart="never" nodeType="tmRoot"/>
       </p:par>
     </p:tnLst>
   </p:timing>
@@ -28657,7 +28594,7 @@
   <p:timing>
     <p:tnLst>
       <p:par>
-        <p:cTn id="1" dur="indefinite" restart="never" nodeType="tmRoot"/>
+        <p:cTn xmlns:p14="http://schemas.microsoft.com/office/powerpoint/2010/main" id="1" dur="indefinite" restart="never" nodeType="tmRoot"/>
       </p:par>
     </p:tnLst>
   </p:timing>
@@ -28750,7 +28687,7 @@
   <p:timing>
     <p:tnLst>
       <p:par>
-        <p:cTn id="1" dur="indefinite" restart="never" nodeType="tmRoot"/>
+        <p:cTn xmlns:p14="http://schemas.microsoft.com/office/powerpoint/2010/main" id="1" dur="indefinite" restart="never" nodeType="tmRoot"/>
       </p:par>
     </p:tnLst>
   </p:timing>
@@ -28875,7 +28812,7 @@
   <p:timing>
     <p:tnLst>
       <p:par>
-        <p:cTn id="1" dur="indefinite" restart="never" nodeType="tmRoot"/>
+        <p:cTn xmlns:p14="http://schemas.microsoft.com/office/powerpoint/2010/main" id="1" dur="indefinite" restart="never" nodeType="tmRoot"/>
       </p:par>
     </p:tnLst>
   </p:timing>
@@ -29137,7 +29074,7 @@
   <a:extraClrSchemeLst/>
   <a:extLst>
     <a:ext uri="{05A4C25C-085E-4340-85A3-A5531E510DB2}">
-      <thm15:themeFamily xmlns:thm15="http://schemas.microsoft.com/office/thememl/2012/main" name="Office Theme" id="{62F939B6-93AF-4DB8-9C6B-D6C7DFDC589F}" vid="{4A3C46E8-61CC-4603-A589-7422A47A8E4A}"/>
+      <thm15:themeFamily xmlns:thm15="http://schemas.microsoft.com/office/thememl/2012/main" xmlns="" name="Office Theme" id="{62F939B6-93AF-4DB8-9C6B-D6C7DFDC589F}" vid="{4A3C46E8-61CC-4603-A589-7422A47A8E4A}"/>
     </a:ext>
   </a:extLst>
 </a:theme>
@@ -29398,7 +29335,7 @@
   <a:extraClrSchemeLst/>
   <a:extLst>
     <a:ext uri="{05A4C25C-085E-4340-85A3-A5531E510DB2}">
-      <thm15:themeFamily xmlns:thm15="http://schemas.microsoft.com/office/thememl/2012/main" name="Office Theme" id="{62F939B6-93AF-4DB8-9C6B-D6C7DFDC589F}" vid="{4A3C46E8-61CC-4603-A589-7422A47A8E4A}"/>
+      <thm15:themeFamily xmlns:thm15="http://schemas.microsoft.com/office/thememl/2012/main" xmlns="" name="Office Theme" id="{62F939B6-93AF-4DB8-9C6B-D6C7DFDC589F}" vid="{4A3C46E8-61CC-4603-A589-7422A47A8E4A}"/>
     </a:ext>
   </a:extLst>
 </a:theme>

--- a/elsarticle/Images/Thesis charts.pptx
+++ b/elsarticle/Images/Thesis charts.pptx
@@ -128,7 +128,7 @@
   </p:defaultTextStyle>
   <p:extLst>
     <p:ext uri="{EFAFB233-063F-42B5-8137-9DF3F51BA10A}">
-      <p15:sldGuideLst xmlns:p15="http://schemas.microsoft.com/office/powerpoint/2012/main" xmlns="">
+      <p15:sldGuideLst xmlns:p15="http://schemas.microsoft.com/office/powerpoint/2012/main">
         <p15:guide id="1" orient="horz" pos="2160">
           <p15:clr>
             <a:srgbClr val="A4A3A4"/>
@@ -424,11 +424,11 @@
           <c:showPercent val="0"/>
           <c:showBubbleSize val="0"/>
         </c:dLbls>
-        <c:axId val="-2146064504"/>
-        <c:axId val="2113054552"/>
+        <c:axId val="2105660048"/>
+        <c:axId val="2113126608"/>
       </c:scatterChart>
       <c:valAx>
-        <c:axId val="-2146064504"/>
+        <c:axId val="2105660048"/>
         <c:scaling>
           <c:orientation val="minMax"/>
         </c:scaling>
@@ -492,6 +492,26 @@
             </a:ln>
             <a:effectLst/>
           </c:spPr>
+          <c:txPr>
+            <a:bodyPr rot="0" spcFirstLastPara="1" vertOverflow="ellipsis" vert="horz" wrap="square" anchor="ctr" anchorCtr="1"/>
+            <a:lstStyle/>
+            <a:p>
+              <a:pPr>
+                <a:defRPr sz="1330" b="0" i="0" u="none" strike="noStrike" kern="1200" baseline="0">
+                  <a:solidFill>
+                    <a:schemeClr val="tx1">
+                      <a:lumMod val="65000"/>
+                      <a:lumOff val="35000"/>
+                    </a:schemeClr>
+                  </a:solidFill>
+                  <a:latin typeface="+mn-lt"/>
+                  <a:ea typeface="+mn-ea"/>
+                  <a:cs typeface="+mn-cs"/>
+                </a:defRPr>
+              </a:pPr>
+              <a:endParaRPr lang="en-US"/>
+            </a:p>
+          </c:txPr>
         </c:title>
         <c:numFmt formatCode="General" sourceLinked="1"/>
         <c:majorTickMark val="out"/>
@@ -530,12 +550,12 @@
             <a:endParaRPr lang="en-US"/>
           </a:p>
         </c:txPr>
-        <c:crossAx val="2113054552"/>
+        <c:crossAx val="2113126608"/>
         <c:crosses val="autoZero"/>
         <c:crossBetween val="midCat"/>
       </c:valAx>
       <c:valAx>
-        <c:axId val="2113054552"/>
+        <c:axId val="2113126608"/>
         <c:scaling>
           <c:orientation val="minMax"/>
         </c:scaling>
@@ -603,6 +623,26 @@
             </a:ln>
             <a:effectLst/>
           </c:spPr>
+          <c:txPr>
+            <a:bodyPr rot="-5400000" spcFirstLastPara="1" vertOverflow="ellipsis" vert="horz" wrap="square" anchor="ctr" anchorCtr="1"/>
+            <a:lstStyle/>
+            <a:p>
+              <a:pPr>
+                <a:defRPr sz="1330" b="0" i="0" u="none" strike="noStrike" kern="1200" baseline="0">
+                  <a:solidFill>
+                    <a:schemeClr val="tx1">
+                      <a:lumMod val="65000"/>
+                      <a:lumOff val="35000"/>
+                    </a:schemeClr>
+                  </a:solidFill>
+                  <a:latin typeface="+mn-lt"/>
+                  <a:ea typeface="+mn-ea"/>
+                  <a:cs typeface="+mn-cs"/>
+                </a:defRPr>
+              </a:pPr>
+              <a:endParaRPr lang="en-US"/>
+            </a:p>
+          </c:txPr>
         </c:title>
         <c:numFmt formatCode="General" sourceLinked="1"/>
         <c:majorTickMark val="out"/>
@@ -641,7 +681,7 @@
             <a:endParaRPr lang="en-US"/>
           </a:p>
         </c:txPr>
-        <c:crossAx val="-2146064504"/>
+        <c:crossAx val="2105660048"/>
         <c:crosses val="autoZero"/>
         <c:crossBetween val="midCat"/>
       </c:valAx>
@@ -708,7 +748,7 @@
       <a:endParaRPr lang="en-US"/>
     </a:p>
   </c:txPr>
-  <c:externalData r:id="rId1">
+  <c:externalData r:id="rId3">
     <c:autoUpdate val="0"/>
   </c:externalData>
 </c:chartSpace>
@@ -771,6 +811,26 @@
         </a:ln>
         <a:effectLst/>
       </c:spPr>
+      <c:txPr>
+        <a:bodyPr rot="0" spcFirstLastPara="1" vertOverflow="ellipsis" vert="horz" wrap="square" anchor="ctr" anchorCtr="1"/>
+        <a:lstStyle/>
+        <a:p>
+          <a:pPr>
+            <a:defRPr sz="1862" b="0" i="0" u="none" strike="noStrike" kern="1200" spc="0" baseline="0">
+              <a:solidFill>
+                <a:schemeClr val="tx1">
+                  <a:lumMod val="65000"/>
+                  <a:lumOff val="35000"/>
+                </a:schemeClr>
+              </a:solidFill>
+              <a:latin typeface="+mn-lt"/>
+              <a:ea typeface="+mn-ea"/>
+              <a:cs typeface="+mn-cs"/>
+            </a:defRPr>
+          </a:pPr>
+          <a:endParaRPr lang="en-US"/>
+        </a:p>
+      </c:txPr>
     </c:title>
     <c:autoTitleDeleted val="0"/>
     <c:plotArea>
@@ -858,7 +918,9 @@
               </c:spPr>
             </c:leaderLines>
             <c:extLst>
-              <c:ext xmlns:c15="http://schemas.microsoft.com/office/drawing/2012/chart" uri="{CE6537A1-D6FC-4f65-9D91-7224C49458BB}"/>
+              <c:ext xmlns:c15="http://schemas.microsoft.com/office/drawing/2012/chart" uri="{CE6537A1-D6FC-4f65-9D91-7224C49458BB}">
+                <c15:layout/>
+              </c:ext>
             </c:extLst>
           </c:dLbls>
           <c:cat>
@@ -966,7 +1028,7 @@
       <a:endParaRPr lang="en-US"/>
     </a:p>
   </c:txPr>
-  <c:externalData r:id="rId1">
+  <c:externalData r:id="rId3">
     <c:autoUpdate val="0"/>
   </c:externalData>
 </c:chartSpace>
@@ -1033,6 +1095,26 @@
         </a:ln>
         <a:effectLst/>
       </c:spPr>
+      <c:txPr>
+        <a:bodyPr rot="0" spcFirstLastPara="1" vertOverflow="ellipsis" vert="horz" wrap="square" anchor="ctr" anchorCtr="1"/>
+        <a:lstStyle/>
+        <a:p>
+          <a:pPr>
+            <a:defRPr sz="1862" b="0" i="0" u="none" strike="noStrike" kern="1200" spc="0" baseline="0">
+              <a:solidFill>
+                <a:schemeClr val="tx1">
+                  <a:lumMod val="65000"/>
+                  <a:lumOff val="35000"/>
+                </a:schemeClr>
+              </a:solidFill>
+              <a:latin typeface="+mn-lt"/>
+              <a:ea typeface="+mn-ea"/>
+              <a:cs typeface="+mn-cs"/>
+            </a:defRPr>
+          </a:pPr>
+          <a:endParaRPr lang="en-US"/>
+        </a:p>
+      </c:txPr>
     </c:title>
     <c:autoTitleDeleted val="0"/>
     <c:plotArea>
@@ -1159,7 +1241,9 @@
               <c:showPercent val="0"/>
               <c:showBubbleSize val="0"/>
               <c:extLst>
-                <c:ext xmlns:c15="http://schemas.microsoft.com/office/drawing/2012/chart" uri="{CE6537A1-D6FC-4f65-9D91-7224C49458BB}"/>
+                <c:ext xmlns:c15="http://schemas.microsoft.com/office/drawing/2012/chart" uri="{CE6537A1-D6FC-4f65-9D91-7224C49458BB}">
+                  <c15:layout/>
+                </c:ext>
               </c:extLst>
             </c:dLbl>
             <c:dLbl>
@@ -1177,7 +1261,9 @@
               <c:showPercent val="0"/>
               <c:showBubbleSize val="0"/>
               <c:extLst>
-                <c:ext xmlns:c15="http://schemas.microsoft.com/office/drawing/2012/chart" uri="{CE6537A1-D6FC-4f65-9D91-7224C49458BB}"/>
+                <c:ext xmlns:c15="http://schemas.microsoft.com/office/drawing/2012/chart" uri="{CE6537A1-D6FC-4f65-9D91-7224C49458BB}">
+                  <c15:layout/>
+                </c:ext>
               </c:extLst>
             </c:dLbl>
             <c:spPr>
@@ -1231,7 +1317,9 @@
               </c:spPr>
             </c:leaderLines>
             <c:extLst>
-              <c:ext xmlns:c15="http://schemas.microsoft.com/office/drawing/2012/chart" uri="{CE6537A1-D6FC-4f65-9D91-7224C49458BB}"/>
+              <c:ext xmlns:c15="http://schemas.microsoft.com/office/drawing/2012/chart" uri="{CE6537A1-D6FC-4f65-9D91-7224C49458BB}">
+                <c15:layout/>
+              </c:ext>
             </c:extLst>
           </c:dLbls>
           <c:cat>
@@ -1369,7 +1457,7 @@
       <a:endParaRPr lang="en-US"/>
     </a:p>
   </c:txPr>
-  <c:externalData r:id="rId1">
+  <c:externalData r:id="rId3">
     <c:autoUpdate val="0"/>
   </c:externalData>
 </c:chartSpace>
@@ -1550,7 +1638,9 @@
               </c:spPr>
             </c:leaderLines>
             <c:extLst>
-              <c:ext xmlns:c15="http://schemas.microsoft.com/office/drawing/2012/chart" uri="{CE6537A1-D6FC-4f65-9D91-7224C49458BB}"/>
+              <c:ext xmlns:c15="http://schemas.microsoft.com/office/drawing/2012/chart" uri="{CE6537A1-D6FC-4f65-9D91-7224C49458BB}">
+                <c15:layout/>
+              </c:ext>
             </c:extLst>
           </c:dLbls>
           <c:cat>
@@ -1688,7 +1778,7 @@
       <a:endParaRPr lang="en-US"/>
     </a:p>
   </c:txPr>
-  <c:externalData r:id="rId1">
+  <c:externalData r:id="rId3">
     <c:autoUpdate val="0"/>
   </c:externalData>
 </c:chartSpace>
@@ -2273,11 +2363,11 @@
         </c:dLbls>
         <c:gapWidth val="150"/>
         <c:overlap val="100"/>
-        <c:axId val="-2142072536"/>
-        <c:axId val="-2142075736"/>
+        <c:axId val="-2091527712"/>
+        <c:axId val="-2091524752"/>
       </c:barChart>
       <c:catAx>
-        <c:axId val="-2142072536"/>
+        <c:axId val="-2091527712"/>
         <c:scaling>
           <c:orientation val="minMax"/>
         </c:scaling>
@@ -2287,7 +2377,7 @@
         <c:majorTickMark val="none"/>
         <c:minorTickMark val="none"/>
         <c:tickLblPos val="nextTo"/>
-        <c:crossAx val="-2142075736"/>
+        <c:crossAx val="-2091524752"/>
         <c:crosses val="autoZero"/>
         <c:auto val="1"/>
         <c:lblAlgn val="ctr"/>
@@ -2295,7 +2385,7 @@
         <c:noMultiLvlLbl val="0"/>
       </c:catAx>
       <c:valAx>
-        <c:axId val="-2142075736"/>
+        <c:axId val="-2091524752"/>
         <c:scaling>
           <c:orientation val="minMax"/>
         </c:scaling>
@@ -2359,6 +2449,26 @@
             </a:ln>
             <a:effectLst/>
           </c:spPr>
+          <c:txPr>
+            <a:bodyPr rot="-5400000" spcFirstLastPara="1" vertOverflow="ellipsis" vert="horz" wrap="square" anchor="ctr" anchorCtr="1"/>
+            <a:lstStyle/>
+            <a:p>
+              <a:pPr>
+                <a:defRPr sz="1330" b="0" i="0" u="none" strike="noStrike" kern="1200" baseline="0">
+                  <a:solidFill>
+                    <a:schemeClr val="tx1">
+                      <a:lumMod val="65000"/>
+                      <a:lumOff val="35000"/>
+                    </a:schemeClr>
+                  </a:solidFill>
+                  <a:latin typeface="+mn-lt"/>
+                  <a:ea typeface="+mn-ea"/>
+                  <a:cs typeface="+mn-cs"/>
+                </a:defRPr>
+              </a:pPr>
+              <a:endParaRPr lang="en-US"/>
+            </a:p>
+          </c:txPr>
         </c:title>
         <c:numFmt formatCode="0.0" sourceLinked="1"/>
         <c:majorTickMark val="none"/>
@@ -2391,7 +2501,7 @@
             <a:endParaRPr lang="en-US"/>
           </a:p>
         </c:txPr>
-        <c:crossAx val="-2142072536"/>
+        <c:crossAx val="-2091527712"/>
         <c:crosses val="autoZero"/>
         <c:crossBetween val="between"/>
       </c:valAx>
@@ -2426,7 +2536,7 @@
       <a:endParaRPr lang="en-US"/>
     </a:p>
   </c:txPr>
-  <c:externalData r:id="rId1">
+  <c:externalData r:id="rId3">
     <c:autoUpdate val="0"/>
   </c:externalData>
 </c:chartSpace>
@@ -2774,11 +2884,11 @@
         </c:dLbls>
         <c:gapWidth val="219"/>
         <c:overlap val="-27"/>
-        <c:axId val="-2142156856"/>
-        <c:axId val="-2142160600"/>
+        <c:axId val="2140586832"/>
+        <c:axId val="-2092310160"/>
       </c:barChart>
       <c:catAx>
-        <c:axId val="-2142156856"/>
+        <c:axId val="2140586832"/>
         <c:scaling>
           <c:orientation val="minMax"/>
         </c:scaling>
@@ -2818,7 +2928,7 @@
             <a:endParaRPr lang="en-US"/>
           </a:p>
         </c:txPr>
-        <c:crossAx val="-2142160600"/>
+        <c:crossAx val="-2092310160"/>
         <c:crosses val="autoZero"/>
         <c:auto val="1"/>
         <c:lblAlgn val="ctr"/>
@@ -2826,7 +2936,487 @@
         <c:noMultiLvlLbl val="0"/>
       </c:catAx>
       <c:valAx>
-        <c:axId val="-2142160600"/>
+        <c:axId val="-2092310160"/>
+        <c:scaling>
+          <c:orientation val="minMax"/>
+        </c:scaling>
+        <c:delete val="0"/>
+        <c:axPos val="l"/>
+        <c:majorGridlines>
+          <c:spPr>
+            <a:ln w="9525" cap="flat" cmpd="sng" algn="ctr">
+              <a:solidFill>
+                <a:schemeClr val="tx1">
+                  <a:lumMod val="15000"/>
+                  <a:lumOff val="85000"/>
+                </a:schemeClr>
+              </a:solidFill>
+              <a:round/>
+            </a:ln>
+            <a:effectLst/>
+          </c:spPr>
+        </c:majorGridlines>
+        <c:title>
+          <c:tx>
+            <c:rich>
+              <a:bodyPr rot="-5400000" spcFirstLastPara="1" vertOverflow="ellipsis" vert="horz" wrap="square" anchor="ctr" anchorCtr="1"/>
+              <a:lstStyle/>
+              <a:p>
+                <a:pPr>
+                  <a:defRPr sz="1400" b="0" i="0" u="none" strike="noStrike" kern="1200" baseline="0">
+                    <a:solidFill>
+                      <a:schemeClr val="tx1">
+                        <a:lumMod val="65000"/>
+                        <a:lumOff val="35000"/>
+                      </a:schemeClr>
+                    </a:solidFill>
+                    <a:latin typeface="+mn-lt"/>
+                    <a:ea typeface="+mn-ea"/>
+                    <a:cs typeface="+mn-cs"/>
+                  </a:defRPr>
+                </a:pPr>
+                <a:r>
+                  <a:rPr lang="en-US" sz="1600" dirty="0" smtClean="0"/>
+                  <a:t>Electricity production at grid</a:t>
+                </a:r>
+              </a:p>
+              <a:p>
+                <a:pPr>
+                  <a:defRPr sz="1400"/>
+                </a:pPr>
+                <a:r>
+                  <a:rPr lang="en-US" sz="1600" noProof="1" smtClean="0"/>
+                  <a:t>(g</a:t>
+                </a:r>
+                <a:r>
+                  <a:rPr lang="en-US" sz="1600" baseline="-25000" noProof="1" smtClean="0"/>
+                  <a:t>CO2eq</a:t>
+                </a:r>
+                <a:r>
+                  <a:rPr lang="en-US" sz="1600" noProof="1" smtClean="0"/>
+                  <a:t>/kWh</a:t>
+                </a:r>
+                <a:r>
+                  <a:rPr lang="de-DE" sz="1600" dirty="0" smtClean="0"/>
+                  <a:t>)</a:t>
+                </a:r>
+                <a:endParaRPr lang="en-US" sz="1600" dirty="0"/>
+              </a:p>
+            </c:rich>
+          </c:tx>
+          <c:layout/>
+          <c:overlay val="0"/>
+          <c:spPr>
+            <a:noFill/>
+            <a:ln>
+              <a:noFill/>
+            </a:ln>
+            <a:effectLst/>
+          </c:spPr>
+          <c:txPr>
+            <a:bodyPr rot="-5400000" spcFirstLastPara="1" vertOverflow="ellipsis" vert="horz" wrap="square" anchor="ctr" anchorCtr="1"/>
+            <a:lstStyle/>
+            <a:p>
+              <a:pPr>
+                <a:defRPr sz="1400" b="0" i="0" u="none" strike="noStrike" kern="1200" baseline="0">
+                  <a:solidFill>
+                    <a:schemeClr val="tx1">
+                      <a:lumMod val="65000"/>
+                      <a:lumOff val="35000"/>
+                    </a:schemeClr>
+                  </a:solidFill>
+                  <a:latin typeface="+mn-lt"/>
+                  <a:ea typeface="+mn-ea"/>
+                  <a:cs typeface="+mn-cs"/>
+                </a:defRPr>
+              </a:pPr>
+              <a:endParaRPr lang="en-US"/>
+            </a:p>
+          </c:txPr>
+        </c:title>
+        <c:numFmt formatCode="General" sourceLinked="1"/>
+        <c:majorTickMark val="none"/>
+        <c:minorTickMark val="none"/>
+        <c:tickLblPos val="nextTo"/>
+        <c:spPr>
+          <a:noFill/>
+          <a:ln>
+            <a:solidFill>
+              <a:schemeClr val="accent3"/>
+            </a:solidFill>
+          </a:ln>
+          <a:effectLst/>
+        </c:spPr>
+        <c:txPr>
+          <a:bodyPr rot="-60000000" spcFirstLastPara="1" vertOverflow="ellipsis" vert="horz" wrap="square" anchor="ctr" anchorCtr="1"/>
+          <a:lstStyle/>
+          <a:p>
+            <a:pPr>
+              <a:defRPr sz="1400" b="0" i="0" u="none" strike="noStrike" kern="1200" baseline="0">
+                <a:solidFill>
+                  <a:schemeClr val="tx1">
+                    <a:lumMod val="65000"/>
+                    <a:lumOff val="35000"/>
+                  </a:schemeClr>
+                </a:solidFill>
+                <a:latin typeface="+mn-lt"/>
+                <a:ea typeface="+mn-ea"/>
+                <a:cs typeface="+mn-cs"/>
+              </a:defRPr>
+            </a:pPr>
+            <a:endParaRPr lang="en-US"/>
+          </a:p>
+        </c:txPr>
+        <c:crossAx val="2140586832"/>
+        <c:crosses val="autoZero"/>
+        <c:crossBetween val="between"/>
+      </c:valAx>
+      <c:spPr>
+        <a:noFill/>
+        <a:ln>
+          <a:solidFill>
+            <a:schemeClr val="accent3"/>
+          </a:solidFill>
+        </a:ln>
+        <a:effectLst/>
+      </c:spPr>
+    </c:plotArea>
+    <c:legend>
+      <c:legendPos val="b"/>
+      <c:layout/>
+      <c:overlay val="0"/>
+      <c:spPr>
+        <a:noFill/>
+        <a:ln>
+          <a:noFill/>
+        </a:ln>
+        <a:effectLst/>
+      </c:spPr>
+      <c:txPr>
+        <a:bodyPr rot="0" spcFirstLastPara="1" vertOverflow="ellipsis" vert="horz" wrap="square" anchor="ctr" anchorCtr="1"/>
+        <a:lstStyle/>
+        <a:p>
+          <a:pPr>
+            <a:defRPr sz="1197" b="0" i="0" u="none" strike="noStrike" kern="1200" baseline="0">
+              <a:solidFill>
+                <a:schemeClr val="tx1">
+                  <a:lumMod val="65000"/>
+                  <a:lumOff val="35000"/>
+                </a:schemeClr>
+              </a:solidFill>
+              <a:latin typeface="+mn-lt"/>
+              <a:ea typeface="+mn-ea"/>
+              <a:cs typeface="+mn-cs"/>
+            </a:defRPr>
+          </a:pPr>
+          <a:endParaRPr lang="en-US"/>
+        </a:p>
+      </c:txPr>
+    </c:legend>
+    <c:plotVisOnly val="1"/>
+    <c:dispBlanksAs val="gap"/>
+    <c:showDLblsOverMax val="0"/>
+  </c:chart>
+  <c:spPr>
+    <a:noFill/>
+    <a:ln>
+      <a:noFill/>
+    </a:ln>
+    <a:effectLst/>
+  </c:spPr>
+  <c:txPr>
+    <a:bodyPr/>
+    <a:lstStyle/>
+    <a:p>
+      <a:pPr>
+        <a:defRPr/>
+      </a:pPr>
+      <a:endParaRPr lang="en-US"/>
+    </a:p>
+  </c:txPr>
+  <c:externalData r:id="rId3">
+    <c:autoUpdate val="0"/>
+  </c:externalData>
+</c:chartSpace>
+</file>
+
+<file path=ppt/charts/chart15.xml><?xml version="1.0" encoding="utf-8"?>
+<c:chartSpace xmlns:c="http://schemas.openxmlformats.org/drawingml/2006/chart" xmlns:a="http://schemas.openxmlformats.org/drawingml/2006/main" xmlns:r="http://schemas.openxmlformats.org/officeDocument/2006/relationships">
+  <c:date1904 val="0"/>
+  <c:lang val="en-US"/>
+  <c:roundedCorners val="0"/>
+  <mc:AlternateContent xmlns:mc="http://schemas.openxmlformats.org/markup-compatibility/2006">
+    <mc:Choice xmlns:c14="http://schemas.microsoft.com/office/drawing/2007/8/2/chart" Requires="c14">
+      <c14:style val="102"/>
+    </mc:Choice>
+    <mc:Fallback>
+      <c:style val="2"/>
+    </mc:Fallback>
+  </mc:AlternateContent>
+  <c:chart>
+    <c:autoTitleDeleted val="1"/>
+    <c:plotArea>
+      <c:layout/>
+      <c:barChart>
+        <c:barDir val="col"/>
+        <c:grouping val="clustered"/>
+        <c:varyColors val="0"/>
+        <c:ser>
+          <c:idx val="0"/>
+          <c:order val="0"/>
+          <c:tx>
+            <c:strRef>
+              <c:f>Sheet1!$B$1</c:f>
+              <c:strCache>
+                <c:ptCount val="1"/>
+                <c:pt idx="0">
+                  <c:v>High voltage at grid</c:v>
+                </c:pt>
+              </c:strCache>
+            </c:strRef>
+          </c:tx>
+          <c:spPr>
+            <a:solidFill>
+              <a:schemeClr val="accent1"/>
+            </a:solidFill>
+            <a:ln>
+              <a:noFill/>
+            </a:ln>
+            <a:effectLst/>
+          </c:spPr>
+          <c:invertIfNegative val="0"/>
+          <c:cat>
+            <c:strRef>
+              <c:f>Sheet1!$A$2:$A$8</c:f>
+              <c:strCache>
+                <c:ptCount val="7"/>
+                <c:pt idx="0">
+                  <c:v>China</c:v>
+                </c:pt>
+                <c:pt idx="1">
+                  <c:v>United States of America</c:v>
+                </c:pt>
+                <c:pt idx="2">
+                  <c:v>Germany</c:v>
+                </c:pt>
+                <c:pt idx="3">
+                  <c:v>UCTE region</c:v>
+                </c:pt>
+                <c:pt idx="4">
+                  <c:v>Switzerland</c:v>
+                </c:pt>
+                <c:pt idx="5">
+                  <c:v>ASF</c:v>
+                </c:pt>
+                <c:pt idx="6">
+                  <c:v>France</c:v>
+                </c:pt>
+              </c:strCache>
+            </c:strRef>
+          </c:cat>
+          <c:val>
+            <c:numRef>
+              <c:f>Sheet1!$B$2:$B$8</c:f>
+              <c:numCache>
+                <c:formatCode>General</c:formatCode>
+                <c:ptCount val="7"/>
+                <c:pt idx="0">
+                  <c:v>1145.8</c:v>
+                </c:pt>
+                <c:pt idx="1">
+                  <c:v>754.8</c:v>
+                </c:pt>
+                <c:pt idx="2">
+                  <c:v>629.5</c:v>
+                </c:pt>
+                <c:pt idx="3">
+                  <c:v>509.3</c:v>
+                </c:pt>
+                <c:pt idx="4">
+                  <c:v>119.6</c:v>
+                </c:pt>
+                <c:pt idx="6">
+                  <c:v>95.7</c:v>
+                </c:pt>
+              </c:numCache>
+            </c:numRef>
+          </c:val>
+        </c:ser>
+        <c:ser>
+          <c:idx val="1"/>
+          <c:order val="1"/>
+          <c:tx>
+            <c:strRef>
+              <c:f>Sheet1!$C$1</c:f>
+              <c:strCache>
+                <c:ptCount val="1"/>
+                <c:pt idx="0">
+                  <c:v>Low voltage at grid</c:v>
+                </c:pt>
+              </c:strCache>
+            </c:strRef>
+          </c:tx>
+          <c:spPr>
+            <a:solidFill>
+              <a:schemeClr val="accent2"/>
+            </a:solidFill>
+            <a:ln>
+              <a:noFill/>
+            </a:ln>
+            <a:effectLst/>
+          </c:spPr>
+          <c:invertIfNegative val="0"/>
+          <c:dPt>
+            <c:idx val="5"/>
+            <c:invertIfNegative val="0"/>
+            <c:bubble3D val="0"/>
+            <c:spPr>
+              <a:solidFill>
+                <a:srgbClr val="C52A15"/>
+              </a:solidFill>
+              <a:ln>
+                <a:noFill/>
+              </a:ln>
+              <a:effectLst/>
+            </c:spPr>
+          </c:dPt>
+          <c:dPt>
+            <c:idx val="14"/>
+            <c:invertIfNegative val="0"/>
+            <c:bubble3D val="0"/>
+            <c:spPr>
+              <a:solidFill>
+                <a:srgbClr val="C00000"/>
+              </a:solidFill>
+              <a:ln>
+                <a:noFill/>
+              </a:ln>
+              <a:effectLst/>
+            </c:spPr>
+          </c:dPt>
+          <c:cat>
+            <c:strRef>
+              <c:f>Sheet1!$A$2:$A$8</c:f>
+              <c:strCache>
+                <c:ptCount val="7"/>
+                <c:pt idx="0">
+                  <c:v>China</c:v>
+                </c:pt>
+                <c:pt idx="1">
+                  <c:v>United States of America</c:v>
+                </c:pt>
+                <c:pt idx="2">
+                  <c:v>Germany</c:v>
+                </c:pt>
+                <c:pt idx="3">
+                  <c:v>UCTE region</c:v>
+                </c:pt>
+                <c:pt idx="4">
+                  <c:v>Switzerland</c:v>
+                </c:pt>
+                <c:pt idx="5">
+                  <c:v>ASF</c:v>
+                </c:pt>
+                <c:pt idx="6">
+                  <c:v>France</c:v>
+                </c:pt>
+              </c:strCache>
+            </c:strRef>
+          </c:cat>
+          <c:val>
+            <c:numRef>
+              <c:f>Sheet1!$C$2:$C$8</c:f>
+              <c:numCache>
+                <c:formatCode>General</c:formatCode>
+                <c:ptCount val="7"/>
+                <c:pt idx="0">
+                  <c:v>1229.6</c:v>
+                </c:pt>
+                <c:pt idx="1">
+                  <c:v>808.4</c:v>
+                </c:pt>
+                <c:pt idx="2">
+                  <c:v>671.5</c:v>
+                </c:pt>
+                <c:pt idx="3">
+                  <c:v>551.7</c:v>
+                </c:pt>
+                <c:pt idx="4">
+                  <c:v>135.0</c:v>
+                </c:pt>
+                <c:pt idx="5">
+                  <c:v>126.8</c:v>
+                </c:pt>
+                <c:pt idx="6">
+                  <c:v>109.0</c:v>
+                </c:pt>
+              </c:numCache>
+            </c:numRef>
+          </c:val>
+        </c:ser>
+        <c:dLbls>
+          <c:showLegendKey val="0"/>
+          <c:showVal val="0"/>
+          <c:showCatName val="0"/>
+          <c:showSerName val="0"/>
+          <c:showPercent val="0"/>
+          <c:showBubbleSize val="0"/>
+        </c:dLbls>
+        <c:gapWidth val="219"/>
+        <c:overlap val="-27"/>
+        <c:axId val="-2092557728"/>
+        <c:axId val="2061592368"/>
+      </c:barChart>
+      <c:catAx>
+        <c:axId val="-2092557728"/>
+        <c:scaling>
+          <c:orientation val="minMax"/>
+        </c:scaling>
+        <c:delete val="0"/>
+        <c:axPos val="b"/>
+        <c:numFmt formatCode="General" sourceLinked="1"/>
+        <c:majorTickMark val="none"/>
+        <c:minorTickMark val="none"/>
+        <c:tickLblPos val="nextTo"/>
+        <c:spPr>
+          <a:noFill/>
+          <a:ln w="9525" cap="flat" cmpd="sng" algn="ctr">
+            <a:solidFill>
+              <a:schemeClr val="accent3"/>
+            </a:solidFill>
+            <a:round/>
+          </a:ln>
+          <a:effectLst/>
+        </c:spPr>
+        <c:txPr>
+          <a:bodyPr rot="-60000000" spcFirstLastPara="1" vertOverflow="ellipsis" vert="horz" wrap="square" anchor="ctr" anchorCtr="1"/>
+          <a:lstStyle/>
+          <a:p>
+            <a:pPr>
+              <a:defRPr sz="1400" b="0" i="0" u="none" strike="noStrike" kern="1200" baseline="0">
+                <a:solidFill>
+                  <a:schemeClr val="tx1">
+                    <a:lumMod val="65000"/>
+                    <a:lumOff val="35000"/>
+                  </a:schemeClr>
+                </a:solidFill>
+                <a:latin typeface="+mn-lt"/>
+                <a:ea typeface="+mn-ea"/>
+                <a:cs typeface="+mn-cs"/>
+              </a:defRPr>
+            </a:pPr>
+            <a:endParaRPr lang="en-US"/>
+          </a:p>
+        </c:txPr>
+        <c:crossAx val="2061592368"/>
+        <c:crosses val="autoZero"/>
+        <c:auto val="1"/>
+        <c:lblAlgn val="ctr"/>
+        <c:lblOffset val="100"/>
+        <c:noMultiLvlLbl val="0"/>
+      </c:catAx>
+      <c:valAx>
+        <c:axId val="2061592368"/>
         <c:scaling>
           <c:orientation val="minMax"/>
         </c:scaling>
@@ -2947,477 +3537,7 @@
             <a:endParaRPr lang="en-US"/>
           </a:p>
         </c:txPr>
-        <c:crossAx val="-2142156856"/>
-        <c:crosses val="autoZero"/>
-        <c:crossBetween val="between"/>
-      </c:valAx>
-      <c:spPr>
-        <a:noFill/>
-        <a:ln>
-          <a:solidFill>
-            <a:schemeClr val="accent3"/>
-          </a:solidFill>
-        </a:ln>
-        <a:effectLst/>
-      </c:spPr>
-    </c:plotArea>
-    <c:legend>
-      <c:legendPos val="b"/>
-      <c:layout/>
-      <c:overlay val="0"/>
-      <c:spPr>
-        <a:noFill/>
-        <a:ln>
-          <a:noFill/>
-        </a:ln>
-        <a:effectLst/>
-      </c:spPr>
-      <c:txPr>
-        <a:bodyPr rot="0" spcFirstLastPara="1" vertOverflow="ellipsis" vert="horz" wrap="square" anchor="ctr" anchorCtr="1"/>
-        <a:lstStyle/>
-        <a:p>
-          <a:pPr>
-            <a:defRPr sz="1197" b="0" i="0" u="none" strike="noStrike" kern="1200" baseline="0">
-              <a:solidFill>
-                <a:schemeClr val="tx1">
-                  <a:lumMod val="65000"/>
-                  <a:lumOff val="35000"/>
-                </a:schemeClr>
-              </a:solidFill>
-              <a:latin typeface="+mn-lt"/>
-              <a:ea typeface="+mn-ea"/>
-              <a:cs typeface="+mn-cs"/>
-            </a:defRPr>
-          </a:pPr>
-          <a:endParaRPr lang="en-US"/>
-        </a:p>
-      </c:txPr>
-    </c:legend>
-    <c:plotVisOnly val="1"/>
-    <c:dispBlanksAs val="gap"/>
-    <c:showDLblsOverMax val="0"/>
-  </c:chart>
-  <c:spPr>
-    <a:noFill/>
-    <a:ln>
-      <a:noFill/>
-    </a:ln>
-    <a:effectLst/>
-  </c:spPr>
-  <c:txPr>
-    <a:bodyPr/>
-    <a:lstStyle/>
-    <a:p>
-      <a:pPr>
-        <a:defRPr/>
-      </a:pPr>
-      <a:endParaRPr lang="en-US"/>
-    </a:p>
-  </c:txPr>
-  <c:externalData r:id="rId1">
-    <c:autoUpdate val="0"/>
-  </c:externalData>
-</c:chartSpace>
-</file>
-
-<file path=ppt/charts/chart15.xml><?xml version="1.0" encoding="utf-8"?>
-<c:chartSpace xmlns:c="http://schemas.openxmlformats.org/drawingml/2006/chart" xmlns:a="http://schemas.openxmlformats.org/drawingml/2006/main" xmlns:r="http://schemas.openxmlformats.org/officeDocument/2006/relationships">
-  <c:date1904 val="0"/>
-  <c:lang val="en-US"/>
-  <c:roundedCorners val="0"/>
-  <mc:AlternateContent xmlns:mc="http://schemas.openxmlformats.org/markup-compatibility/2006">
-    <mc:Choice xmlns:c14="http://schemas.microsoft.com/office/drawing/2007/8/2/chart" Requires="c14">
-      <c14:style val="102"/>
-    </mc:Choice>
-    <mc:Fallback>
-      <c:style val="2"/>
-    </mc:Fallback>
-  </mc:AlternateContent>
-  <c:chart>
-    <c:autoTitleDeleted val="1"/>
-    <c:plotArea>
-      <c:layout/>
-      <c:barChart>
-        <c:barDir val="col"/>
-        <c:grouping val="clustered"/>
-        <c:varyColors val="0"/>
-        <c:ser>
-          <c:idx val="0"/>
-          <c:order val="0"/>
-          <c:tx>
-            <c:strRef>
-              <c:f>Sheet1!$B$1</c:f>
-              <c:strCache>
-                <c:ptCount val="1"/>
-                <c:pt idx="0">
-                  <c:v>High voltage at grid</c:v>
-                </c:pt>
-              </c:strCache>
-            </c:strRef>
-          </c:tx>
-          <c:spPr>
-            <a:solidFill>
-              <a:schemeClr val="accent1"/>
-            </a:solidFill>
-            <a:ln>
-              <a:noFill/>
-            </a:ln>
-            <a:effectLst/>
-          </c:spPr>
-          <c:invertIfNegative val="0"/>
-          <c:cat>
-            <c:strRef>
-              <c:f>Sheet1!$A$2:$A$8</c:f>
-              <c:strCache>
-                <c:ptCount val="7"/>
-                <c:pt idx="0">
-                  <c:v>China</c:v>
-                </c:pt>
-                <c:pt idx="1">
-                  <c:v>United States of America</c:v>
-                </c:pt>
-                <c:pt idx="2">
-                  <c:v>Germany</c:v>
-                </c:pt>
-                <c:pt idx="3">
-                  <c:v>UCTE region</c:v>
-                </c:pt>
-                <c:pt idx="4">
-                  <c:v>Switzerland</c:v>
-                </c:pt>
-                <c:pt idx="5">
-                  <c:v>ASF</c:v>
-                </c:pt>
-                <c:pt idx="6">
-                  <c:v>France</c:v>
-                </c:pt>
-              </c:strCache>
-            </c:strRef>
-          </c:cat>
-          <c:val>
-            <c:numRef>
-              <c:f>Sheet1!$B$2:$B$8</c:f>
-              <c:numCache>
-                <c:formatCode>General</c:formatCode>
-                <c:ptCount val="7"/>
-                <c:pt idx="0">
-                  <c:v>1145.8</c:v>
-                </c:pt>
-                <c:pt idx="1">
-                  <c:v>754.8</c:v>
-                </c:pt>
-                <c:pt idx="2">
-                  <c:v>629.5</c:v>
-                </c:pt>
-                <c:pt idx="3">
-                  <c:v>509.3</c:v>
-                </c:pt>
-                <c:pt idx="4">
-                  <c:v>119.6</c:v>
-                </c:pt>
-                <c:pt idx="6">
-                  <c:v>95.7</c:v>
-                </c:pt>
-              </c:numCache>
-            </c:numRef>
-          </c:val>
-        </c:ser>
-        <c:ser>
-          <c:idx val="1"/>
-          <c:order val="1"/>
-          <c:tx>
-            <c:strRef>
-              <c:f>Sheet1!$C$1</c:f>
-              <c:strCache>
-                <c:ptCount val="1"/>
-                <c:pt idx="0">
-                  <c:v>Low voltage at grid</c:v>
-                </c:pt>
-              </c:strCache>
-            </c:strRef>
-          </c:tx>
-          <c:spPr>
-            <a:solidFill>
-              <a:schemeClr val="accent2"/>
-            </a:solidFill>
-            <a:ln>
-              <a:noFill/>
-            </a:ln>
-            <a:effectLst/>
-          </c:spPr>
-          <c:invertIfNegative val="0"/>
-          <c:dPt>
-            <c:idx val="5"/>
-            <c:invertIfNegative val="0"/>
-            <c:bubble3D val="0"/>
-            <c:spPr>
-              <a:solidFill>
-                <a:srgbClr val="C52A15"/>
-              </a:solidFill>
-              <a:ln>
-                <a:noFill/>
-              </a:ln>
-              <a:effectLst/>
-            </c:spPr>
-          </c:dPt>
-          <c:dPt>
-            <c:idx val="14"/>
-            <c:invertIfNegative val="0"/>
-            <c:bubble3D val="0"/>
-            <c:spPr>
-              <a:solidFill>
-                <a:srgbClr val="C00000"/>
-              </a:solidFill>
-              <a:ln>
-                <a:noFill/>
-              </a:ln>
-              <a:effectLst/>
-            </c:spPr>
-          </c:dPt>
-          <c:cat>
-            <c:strRef>
-              <c:f>Sheet1!$A$2:$A$8</c:f>
-              <c:strCache>
-                <c:ptCount val="7"/>
-                <c:pt idx="0">
-                  <c:v>China</c:v>
-                </c:pt>
-                <c:pt idx="1">
-                  <c:v>United States of America</c:v>
-                </c:pt>
-                <c:pt idx="2">
-                  <c:v>Germany</c:v>
-                </c:pt>
-                <c:pt idx="3">
-                  <c:v>UCTE region</c:v>
-                </c:pt>
-                <c:pt idx="4">
-                  <c:v>Switzerland</c:v>
-                </c:pt>
-                <c:pt idx="5">
-                  <c:v>ASF</c:v>
-                </c:pt>
-                <c:pt idx="6">
-                  <c:v>France</c:v>
-                </c:pt>
-              </c:strCache>
-            </c:strRef>
-          </c:cat>
-          <c:val>
-            <c:numRef>
-              <c:f>Sheet1!$C$2:$C$8</c:f>
-              <c:numCache>
-                <c:formatCode>General</c:formatCode>
-                <c:ptCount val="7"/>
-                <c:pt idx="0">
-                  <c:v>1229.6</c:v>
-                </c:pt>
-                <c:pt idx="1">
-                  <c:v>808.4</c:v>
-                </c:pt>
-                <c:pt idx="2">
-                  <c:v>671.5</c:v>
-                </c:pt>
-                <c:pt idx="3">
-                  <c:v>551.7</c:v>
-                </c:pt>
-                <c:pt idx="4">
-                  <c:v>135.0</c:v>
-                </c:pt>
-                <c:pt idx="5">
-                  <c:v>126.8</c:v>
-                </c:pt>
-                <c:pt idx="6">
-                  <c:v>109.0</c:v>
-                </c:pt>
-              </c:numCache>
-            </c:numRef>
-          </c:val>
-        </c:ser>
-        <c:dLbls>
-          <c:showLegendKey val="0"/>
-          <c:showVal val="0"/>
-          <c:showCatName val="0"/>
-          <c:showSerName val="0"/>
-          <c:showPercent val="0"/>
-          <c:showBubbleSize val="0"/>
-        </c:dLbls>
-        <c:gapWidth val="219"/>
-        <c:overlap val="-27"/>
-        <c:axId val="2061831448"/>
-        <c:axId val="2061835080"/>
-      </c:barChart>
-      <c:catAx>
-        <c:axId val="2061831448"/>
-        <c:scaling>
-          <c:orientation val="minMax"/>
-        </c:scaling>
-        <c:delete val="0"/>
-        <c:axPos val="b"/>
-        <c:numFmt formatCode="General" sourceLinked="1"/>
-        <c:majorTickMark val="none"/>
-        <c:minorTickMark val="none"/>
-        <c:tickLblPos val="nextTo"/>
-        <c:spPr>
-          <a:noFill/>
-          <a:ln w="9525" cap="flat" cmpd="sng" algn="ctr">
-            <a:solidFill>
-              <a:schemeClr val="accent3"/>
-            </a:solidFill>
-            <a:round/>
-          </a:ln>
-          <a:effectLst/>
-        </c:spPr>
-        <c:txPr>
-          <a:bodyPr rot="-60000000" spcFirstLastPara="1" vertOverflow="ellipsis" vert="horz" wrap="square" anchor="ctr" anchorCtr="1"/>
-          <a:lstStyle/>
-          <a:p>
-            <a:pPr>
-              <a:defRPr sz="1400" b="0" i="0" u="none" strike="noStrike" kern="1200" baseline="0">
-                <a:solidFill>
-                  <a:schemeClr val="tx1">
-                    <a:lumMod val="65000"/>
-                    <a:lumOff val="35000"/>
-                  </a:schemeClr>
-                </a:solidFill>
-                <a:latin typeface="+mn-lt"/>
-                <a:ea typeface="+mn-ea"/>
-                <a:cs typeface="+mn-cs"/>
-              </a:defRPr>
-            </a:pPr>
-            <a:endParaRPr lang="en-US"/>
-          </a:p>
-        </c:txPr>
-        <c:crossAx val="2061835080"/>
-        <c:crosses val="autoZero"/>
-        <c:auto val="1"/>
-        <c:lblAlgn val="ctr"/>
-        <c:lblOffset val="100"/>
-        <c:noMultiLvlLbl val="0"/>
-      </c:catAx>
-      <c:valAx>
-        <c:axId val="2061835080"/>
-        <c:scaling>
-          <c:orientation val="minMax"/>
-        </c:scaling>
-        <c:delete val="0"/>
-        <c:axPos val="l"/>
-        <c:majorGridlines>
-          <c:spPr>
-            <a:ln w="9525" cap="flat" cmpd="sng" algn="ctr">
-              <a:solidFill>
-                <a:schemeClr val="tx1">
-                  <a:lumMod val="15000"/>
-                  <a:lumOff val="85000"/>
-                </a:schemeClr>
-              </a:solidFill>
-              <a:round/>
-            </a:ln>
-            <a:effectLst/>
-          </c:spPr>
-        </c:majorGridlines>
-        <c:title>
-          <c:tx>
-            <c:rich>
-              <a:bodyPr rot="-5400000" spcFirstLastPara="1" vertOverflow="ellipsis" vert="horz" wrap="square" anchor="ctr" anchorCtr="1"/>
-              <a:lstStyle/>
-              <a:p>
-                <a:pPr>
-                  <a:defRPr sz="1400" b="0" i="0" u="none" strike="noStrike" kern="1200" baseline="0">
-                    <a:solidFill>
-                      <a:schemeClr val="tx1">
-                        <a:lumMod val="65000"/>
-                        <a:lumOff val="35000"/>
-                      </a:schemeClr>
-                    </a:solidFill>
-                    <a:latin typeface="+mn-lt"/>
-                    <a:ea typeface="+mn-ea"/>
-                    <a:cs typeface="+mn-cs"/>
-                  </a:defRPr>
-                </a:pPr>
-                <a:r>
-                  <a:rPr lang="en-US" sz="1600" dirty="0" smtClean="0"/>
-                  <a:t>Electricity production at grid</a:t>
-                </a:r>
-              </a:p>
-              <a:p>
-                <a:pPr>
-                  <a:defRPr sz="1400" b="0" i="0" u="none" strike="noStrike" kern="1200" baseline="0">
-                    <a:solidFill>
-                      <a:schemeClr val="tx1">
-                        <a:lumMod val="65000"/>
-                        <a:lumOff val="35000"/>
-                      </a:schemeClr>
-                    </a:solidFill>
-                    <a:latin typeface="+mn-lt"/>
-                    <a:ea typeface="+mn-ea"/>
-                    <a:cs typeface="+mn-cs"/>
-                  </a:defRPr>
-                </a:pPr>
-                <a:r>
-                  <a:rPr lang="en-US" sz="1600" noProof="1" smtClean="0"/>
-                  <a:t>(g</a:t>
-                </a:r>
-                <a:r>
-                  <a:rPr lang="en-US" sz="1600" baseline="-25000" noProof="1" smtClean="0"/>
-                  <a:t>CO2eq</a:t>
-                </a:r>
-                <a:r>
-                  <a:rPr lang="en-US" sz="1600" noProof="1" smtClean="0"/>
-                  <a:t>/kWh</a:t>
-                </a:r>
-                <a:r>
-                  <a:rPr lang="de-DE" sz="1600" dirty="0" smtClean="0"/>
-                  <a:t>)</a:t>
-                </a:r>
-                <a:endParaRPr lang="en-US" sz="1600" dirty="0"/>
-              </a:p>
-            </c:rich>
-          </c:tx>
-          <c:layout/>
-          <c:overlay val="0"/>
-          <c:spPr>
-            <a:noFill/>
-            <a:ln>
-              <a:noFill/>
-            </a:ln>
-            <a:effectLst/>
-          </c:spPr>
-        </c:title>
-        <c:numFmt formatCode="General" sourceLinked="1"/>
-        <c:majorTickMark val="none"/>
-        <c:minorTickMark val="none"/>
-        <c:tickLblPos val="nextTo"/>
-        <c:spPr>
-          <a:noFill/>
-          <a:ln>
-            <a:solidFill>
-              <a:schemeClr val="accent3"/>
-            </a:solidFill>
-          </a:ln>
-          <a:effectLst/>
-        </c:spPr>
-        <c:txPr>
-          <a:bodyPr rot="-60000000" spcFirstLastPara="1" vertOverflow="ellipsis" vert="horz" wrap="square" anchor="ctr" anchorCtr="1"/>
-          <a:lstStyle/>
-          <a:p>
-            <a:pPr>
-              <a:defRPr sz="1400" b="0" i="0" u="none" strike="noStrike" kern="1200" baseline="0">
-                <a:solidFill>
-                  <a:schemeClr val="tx1">
-                    <a:lumMod val="65000"/>
-                    <a:lumOff val="35000"/>
-                  </a:schemeClr>
-                </a:solidFill>
-                <a:latin typeface="+mn-lt"/>
-                <a:ea typeface="+mn-ea"/>
-                <a:cs typeface="+mn-cs"/>
-              </a:defRPr>
-            </a:pPr>
-            <a:endParaRPr lang="en-US"/>
-          </a:p>
-        </c:txPr>
-        <c:crossAx val="2061831448"/>
+        <c:crossAx val="-2092557728"/>
         <c:crosses val="autoZero"/>
         <c:crossBetween val="between"/>
       </c:valAx>
@@ -3665,7 +3785,9 @@
               </c:spPr>
             </c:leaderLines>
             <c:extLst>
-              <c:ext xmlns:c15="http://schemas.microsoft.com/office/drawing/2012/chart" uri="{CE6537A1-D6FC-4f65-9D91-7224C49458BB}"/>
+              <c:ext xmlns:c15="http://schemas.microsoft.com/office/drawing/2012/chart" uri="{CE6537A1-D6FC-4f65-9D91-7224C49458BB}">
+                <c15:layout/>
+              </c:ext>
             </c:extLst>
           </c:dLbls>
           <c:cat>
@@ -3803,7 +3925,7 @@
       <a:endParaRPr lang="en-US"/>
     </a:p>
   </c:txPr>
-  <c:externalData r:id="rId1">
+  <c:externalData r:id="rId3">
     <c:autoUpdate val="0"/>
   </c:externalData>
 </c:chartSpace>
@@ -3945,7 +4067,7 @@
                   <c:v>-6.43</c:v>
                 </c:pt>
                 <c:pt idx="10">
-                  <c:v>-9.74</c:v>
+                  <c:v>-9.739999999999998</c:v>
                 </c:pt>
                 <c:pt idx="11">
                   <c:v>-13.05</c:v>
@@ -3978,13 +4100,12 @@
           <c:showPercent val="0"/>
           <c:showBubbleSize val="0"/>
         </c:dLbls>
-        <c:marker val="1"/>
         <c:smooth val="0"/>
-        <c:axId val="2061637336"/>
-        <c:axId val="2061633544"/>
+        <c:axId val="-2093545888"/>
+        <c:axId val="-2093534944"/>
       </c:lineChart>
       <c:catAx>
-        <c:axId val="2061637336"/>
+        <c:axId val="-2093545888"/>
         <c:scaling>
           <c:orientation val="minMax"/>
         </c:scaling>
@@ -4027,7 +4148,7 @@
             <a:endParaRPr lang="en-US"/>
           </a:p>
         </c:txPr>
-        <c:crossAx val="2061633544"/>
+        <c:crossAx val="-2093534944"/>
         <c:crosses val="autoZero"/>
         <c:auto val="1"/>
         <c:lblAlgn val="ctr"/>
@@ -4035,7 +4156,7 @@
         <c:noMultiLvlLbl val="0"/>
       </c:catAx>
       <c:valAx>
-        <c:axId val="2061633544"/>
+        <c:axId val="-2093534944"/>
         <c:scaling>
           <c:orientation val="minMax"/>
         </c:scaling>
@@ -4123,7 +4244,7 @@
             <a:endParaRPr lang="en-US"/>
           </a:p>
         </c:txPr>
-        <c:crossAx val="2061637336"/>
+        <c:crossAx val="-2093545888"/>
         <c:crosses val="autoZero"/>
         <c:crossBetween val="between"/>
       </c:valAx>
@@ -4281,6 +4402,7 @@
             <c:showLeaderLines val="0"/>
             <c:extLst>
               <c:ext xmlns:c15="http://schemas.microsoft.com/office/drawing/2012/chart" uri="{CE6537A1-D6FC-4f65-9D91-7224C49458BB}">
+                <c15:layout/>
                 <c15:showLeaderLines val="1"/>
                 <c15:leaderLines>
                   <c:spPr>
@@ -4393,6 +4515,7 @@
             <c:showLeaderLines val="0"/>
             <c:extLst>
               <c:ext xmlns:c15="http://schemas.microsoft.com/office/drawing/2012/chart" uri="{CE6537A1-D6FC-4f65-9D91-7224C49458BB}">
+                <c15:layout/>
                 <c15:showLeaderLines val="1"/>
                 <c15:leaderLines>
                   <c:spPr>
@@ -4505,6 +4628,7 @@
             <c:showLeaderLines val="0"/>
             <c:extLst>
               <c:ext xmlns:c15="http://schemas.microsoft.com/office/drawing/2012/chart" uri="{CE6537A1-D6FC-4f65-9D91-7224C49458BB}">
+                <c15:layout/>
                 <c15:showLeaderLines val="1"/>
                 <c15:leaderLines>
                   <c:spPr>
@@ -4672,6 +4796,7 @@
             <c:showLeaderLines val="0"/>
             <c:extLst>
               <c:ext xmlns:c15="http://schemas.microsoft.com/office/drawing/2012/chart" uri="{CE6537A1-D6FC-4f65-9D91-7224C49458BB}">
+                <c15:layout/>
                 <c15:showLeaderLines val="1"/>
                 <c15:leaderLines>
                   <c:spPr>
@@ -4731,11 +4856,11 @@
         </c:dLbls>
         <c:gapWidth val="219"/>
         <c:overlap val="-27"/>
-        <c:axId val="2061541464"/>
-        <c:axId val="2061537592"/>
+        <c:axId val="-2094195552"/>
+        <c:axId val="-2094191072"/>
       </c:barChart>
       <c:catAx>
-        <c:axId val="2061541464"/>
+        <c:axId val="-2094195552"/>
         <c:scaling>
           <c:orientation val="minMax"/>
         </c:scaling>
@@ -4778,7 +4903,7 @@
             <a:endParaRPr lang="en-US"/>
           </a:p>
         </c:txPr>
-        <c:crossAx val="2061537592"/>
+        <c:crossAx val="-2094191072"/>
         <c:crosses val="autoZero"/>
         <c:auto val="1"/>
         <c:lblAlgn val="ctr"/>
@@ -4786,7 +4911,7 @@
         <c:noMultiLvlLbl val="0"/>
       </c:catAx>
       <c:valAx>
-        <c:axId val="2061537592"/>
+        <c:axId val="-2094191072"/>
         <c:scaling>
           <c:orientation val="minMax"/>
         </c:scaling>
@@ -4858,6 +4983,26 @@
             </a:ln>
             <a:effectLst/>
           </c:spPr>
+          <c:txPr>
+            <a:bodyPr rot="-5400000" spcFirstLastPara="1" vertOverflow="ellipsis" vert="horz" wrap="square" anchor="ctr" anchorCtr="1"/>
+            <a:lstStyle/>
+            <a:p>
+              <a:pPr>
+                <a:defRPr sz="1600" b="0" i="0" u="none" strike="noStrike" kern="1200" baseline="0">
+                  <a:solidFill>
+                    <a:schemeClr val="tx1">
+                      <a:lumMod val="65000"/>
+                      <a:lumOff val="35000"/>
+                    </a:schemeClr>
+                  </a:solidFill>
+                  <a:latin typeface="+mn-lt"/>
+                  <a:ea typeface="+mn-ea"/>
+                  <a:cs typeface="+mn-cs"/>
+                </a:defRPr>
+              </a:pPr>
+              <a:endParaRPr lang="en-US"/>
+            </a:p>
+          </c:txPr>
         </c:title>
         <c:numFmt formatCode="General" sourceLinked="1"/>
         <c:majorTickMark val="none"/>
@@ -4890,7 +5035,7 @@
             <a:endParaRPr lang="en-US"/>
           </a:p>
         </c:txPr>
-        <c:crossAx val="2061541464"/>
+        <c:crossAx val="-2094195552"/>
         <c:crosses val="autoZero"/>
         <c:crossBetween val="between"/>
       </c:valAx>
@@ -4957,10 +5102,10 @@
       <a:endParaRPr lang="en-US"/>
     </a:p>
   </c:txPr>
-  <c:externalData r:id="rId1">
+  <c:externalData r:id="rId3">
     <c:autoUpdate val="0"/>
   </c:externalData>
-  <c:userShapes r:id="rId2"/>
+  <c:userShapes r:id="rId4"/>
 </c:chartSpace>
 </file>
 
@@ -5035,7 +5180,9 @@
               <c:showPercent val="0"/>
               <c:showBubbleSize val="0"/>
               <c:extLst>
-                <c:ext xmlns:c15="http://schemas.microsoft.com/office/drawing/2012/chart" uri="{CE6537A1-D6FC-4f65-9D91-7224C49458BB}"/>
+                <c:ext xmlns:c15="http://schemas.microsoft.com/office/drawing/2012/chart" uri="{CE6537A1-D6FC-4f65-9D91-7224C49458BB}">
+                  <c15:layout/>
+                </c:ext>
               </c:extLst>
             </c:dLbl>
             <c:dLbl>
@@ -5053,7 +5200,9 @@
               <c:showPercent val="0"/>
               <c:showBubbleSize val="0"/>
               <c:extLst>
-                <c:ext xmlns:c15="http://schemas.microsoft.com/office/drawing/2012/chart" uri="{CE6537A1-D6FC-4f65-9D91-7224C49458BB}"/>
+                <c:ext xmlns:c15="http://schemas.microsoft.com/office/drawing/2012/chart" uri="{CE6537A1-D6FC-4f65-9D91-7224C49458BB}">
+                  <c15:layout/>
+                </c:ext>
               </c:extLst>
             </c:dLbl>
             <c:spPr>
@@ -5130,7 +5279,7 @@
                   <c:v>ASF (CIGS) ENTSO-E mix excl. shading benefits</c:v>
                 </c:pt>
                 <c:pt idx="4">
-                  <c:v>ASF (CIGS) CH mix incl. shading benefits</c:v>
+                  <c:v>Static ASF (CIGS) ENTSO-E mix incl. shading benefits </c:v>
                 </c:pt>
                 <c:pt idx="5">
                   <c:v>Poly-Si</c:v>
@@ -5205,7 +5354,9 @@
               <c:showPercent val="0"/>
               <c:showBubbleSize val="0"/>
               <c:extLst>
-                <c:ext xmlns:c15="http://schemas.microsoft.com/office/drawing/2012/chart" uri="{CE6537A1-D6FC-4f65-9D91-7224C49458BB}"/>
+                <c:ext xmlns:c15="http://schemas.microsoft.com/office/drawing/2012/chart" uri="{CE6537A1-D6FC-4f65-9D91-7224C49458BB}">
+                  <c15:layout/>
+                </c:ext>
               </c:extLst>
             </c:dLbl>
             <c:dLbl>
@@ -5223,7 +5374,9 @@
               <c:showPercent val="0"/>
               <c:showBubbleSize val="0"/>
               <c:extLst>
-                <c:ext xmlns:c15="http://schemas.microsoft.com/office/drawing/2012/chart" uri="{CE6537A1-D6FC-4f65-9D91-7224C49458BB}"/>
+                <c:ext xmlns:c15="http://schemas.microsoft.com/office/drawing/2012/chart" uri="{CE6537A1-D6FC-4f65-9D91-7224C49458BB}">
+                  <c15:layout/>
+                </c:ext>
               </c:extLst>
             </c:dLbl>
             <c:dLbl>
@@ -5241,7 +5394,9 @@
               <c:showPercent val="0"/>
               <c:showBubbleSize val="0"/>
               <c:extLst>
-                <c:ext xmlns:c15="http://schemas.microsoft.com/office/drawing/2012/chart" uri="{CE6537A1-D6FC-4f65-9D91-7224C49458BB}"/>
+                <c:ext xmlns:c15="http://schemas.microsoft.com/office/drawing/2012/chart" uri="{CE6537A1-D6FC-4f65-9D91-7224C49458BB}">
+                  <c15:layout/>
+                </c:ext>
               </c:extLst>
             </c:dLbl>
             <c:spPr>
@@ -5282,6 +5437,7 @@
             <c:showLeaderLines val="0"/>
             <c:extLst>
               <c:ext xmlns:c15="http://schemas.microsoft.com/office/drawing/2012/chart" uri="{CE6537A1-D6FC-4f65-9D91-7224C49458BB}">
+                <c15:layout/>
                 <c15:showLeaderLines val="1"/>
                 <c15:leaderLines>
                   <c:spPr>
@@ -5318,7 +5474,7 @@
                   <c:v>ASF (CIGS) ENTSO-E mix excl. shading benefits</c:v>
                 </c:pt>
                 <c:pt idx="4">
-                  <c:v>ASF (CIGS) CH mix incl. shading benefits</c:v>
+                  <c:v>Static ASF (CIGS) ENTSO-E mix incl. shading benefits </c:v>
                 </c:pt>
                 <c:pt idx="5">
                   <c:v>Poly-Si</c:v>
@@ -5345,7 +5501,7 @@
                   <c:v>277.1</c:v>
                 </c:pt>
                 <c:pt idx="4">
-                  <c:v>63.1</c:v>
+                  <c:v>0.0</c:v>
                 </c:pt>
               </c:numCache>
             </c:numRef>
@@ -5360,7 +5516,7 @@
               <c:strCache>
                 <c:ptCount val="1"/>
                 <c:pt idx="0">
-                  <c:v>Raugei et.al (2007)</c:v>
+                  <c:v>Ecoinvent</c:v>
                 </c:pt>
               </c:strCache>
             </c:strRef>
@@ -5381,9 +5537,38 @@
               <c:layout>
                 <c:manualLayout>
                   <c:x val="-0.00134333252239769"/>
-                  <c:y val="-0.0658585840626672"/>
+                  <c:y val="-0.0529241371701132"/>
                 </c:manualLayout>
               </c:layout>
+              <c:spPr>
+                <a:noFill/>
+                <a:ln>
+                  <a:noFill/>
+                </a:ln>
+                <a:effectLst/>
+              </c:spPr>
+              <c:txPr>
+                <a:bodyPr rot="0" spcFirstLastPara="1" vertOverflow="ellipsis" vert="horz" wrap="square" lIns="38100" tIns="19050" rIns="38100" bIns="19050" anchor="ctr" anchorCtr="1">
+                  <a:noAutofit/>
+                </a:bodyPr>
+                <a:lstStyle/>
+                <a:p>
+                  <a:pPr>
+                    <a:defRPr sz="1600" b="0" i="0" u="none" strike="noStrike" kern="1200" baseline="0">
+                      <a:solidFill>
+                        <a:schemeClr val="tx1">
+                          <a:lumMod val="75000"/>
+                          <a:lumOff val="25000"/>
+                        </a:schemeClr>
+                      </a:solidFill>
+                      <a:latin typeface="+mn-lt"/>
+                      <a:ea typeface="+mn-ea"/>
+                      <a:cs typeface="+mn-cs"/>
+                    </a:defRPr>
+                  </a:pPr>
+                  <a:endParaRPr lang="en-US"/>
+                </a:p>
+              </c:txPr>
               <c:dLblPos val="ctr"/>
               <c:showLegendKey val="0"/>
               <c:showVal val="1"/>
@@ -5392,7 +5577,18 @@
               <c:showPercent val="0"/>
               <c:showBubbleSize val="0"/>
               <c:extLst>
-                <c:ext xmlns:c15="http://schemas.microsoft.com/office/drawing/2012/chart" uri="{CE6537A1-D6FC-4f65-9D91-7224C49458BB}"/>
+                <c:ext xmlns:c15="http://schemas.microsoft.com/office/drawing/2012/chart" uri="{CE6537A1-D6FC-4f65-9D91-7224C49458BB}">
+                  <c15:spPr xmlns:c15="http://schemas.microsoft.com/office/drawing/2012/chart">
+                    <a:prstGeom prst="rect">
+                      <a:avLst/>
+                    </a:prstGeom>
+                    <a:noFill/>
+                    <a:ln>
+                      <a:noFill/>
+                    </a:ln>
+                  </c15:spPr>
+                  <c15:layout/>
+                </c:ext>
               </c:extLst>
             </c:dLbl>
             <c:dLbl>
@@ -5411,7 +5607,9 @@
               <c:showPercent val="0"/>
               <c:showBubbleSize val="0"/>
               <c:extLst>
-                <c:ext xmlns:c15="http://schemas.microsoft.com/office/drawing/2012/chart" uri="{CE6537A1-D6FC-4f65-9D91-7224C49458BB}"/>
+                <c:ext xmlns:c15="http://schemas.microsoft.com/office/drawing/2012/chart" uri="{CE6537A1-D6FC-4f65-9D91-7224C49458BB}">
+                  <c15:layout/>
+                </c:ext>
               </c:extLst>
             </c:dLbl>
             <c:dLbl>
@@ -5419,7 +5617,7 @@
               <c:layout>
                 <c:manualLayout>
                   <c:x val="-0.00268666504479538"/>
-                  <c:y val="-0.035281384319286"/>
+                  <c:y val="-0.0439044511116109"/>
                 </c:manualLayout>
               </c:layout>
               <c:dLblPos val="ctr"/>
@@ -5430,7 +5628,9 @@
               <c:showPercent val="0"/>
               <c:showBubbleSize val="0"/>
               <c:extLst>
-                <c:ext xmlns:c15="http://schemas.microsoft.com/office/drawing/2012/chart" uri="{CE6537A1-D6FC-4f65-9D91-7224C49458BB}"/>
+                <c:ext xmlns:c15="http://schemas.microsoft.com/office/drawing/2012/chart" uri="{CE6537A1-D6FC-4f65-9D91-7224C49458BB}">
+                  <c15:layout/>
+                </c:ext>
               </c:extLst>
             </c:dLbl>
             <c:spPr>
@@ -5508,7 +5708,7 @@
                   <c:v>ASF (CIGS) ENTSO-E mix excl. shading benefits</c:v>
                 </c:pt>
                 <c:pt idx="4">
-                  <c:v>ASF (CIGS) CH mix incl. shading benefits</c:v>
+                  <c:v>Static ASF (CIGS) ENTSO-E mix incl. shading benefits </c:v>
                 </c:pt>
                 <c:pt idx="5">
                   <c:v>Poly-Si</c:v>
@@ -5529,13 +5729,13 @@
                 <c:formatCode>General</c:formatCode>
                 <c:ptCount val="8"/>
                 <c:pt idx="5" formatCode="0.0">
-                  <c:v>167.0</c:v>
+                  <c:v>101.5</c:v>
                 </c:pt>
                 <c:pt idx="6" formatCode="0.0">
-                  <c:v>95.0</c:v>
+                  <c:v>81.9</c:v>
                 </c:pt>
                 <c:pt idx="7" formatCode="0.0">
-                  <c:v>48.0</c:v>
+                  <c:v>76.2</c:v>
                 </c:pt>
               </c:numCache>
             </c:numRef>
@@ -5551,11 +5751,11 @@
         </c:dLbls>
         <c:gapWidth val="219"/>
         <c:overlap val="100"/>
-        <c:axId val="-2117427304"/>
-        <c:axId val="-2117424184"/>
+        <c:axId val="-2091318752"/>
+        <c:axId val="-2091496080"/>
       </c:barChart>
       <c:catAx>
-        <c:axId val="-2117427304"/>
+        <c:axId val="-2091318752"/>
         <c:scaling>
           <c:orientation val="minMax"/>
         </c:scaling>
@@ -5565,7 +5765,7 @@
         <c:majorTickMark val="none"/>
         <c:minorTickMark val="none"/>
         <c:tickLblPos val="nextTo"/>
-        <c:crossAx val="-2117424184"/>
+        <c:crossAx val="-2091496080"/>
         <c:crosses val="autoZero"/>
         <c:auto val="1"/>
         <c:lblAlgn val="ctr"/>
@@ -5573,7 +5773,7 @@
         <c:noMultiLvlLbl val="0"/>
       </c:catAx>
       <c:valAx>
-        <c:axId val="-2117424184"/>
+        <c:axId val="-2091496080"/>
         <c:scaling>
           <c:orientation val="minMax"/>
         </c:scaling>
@@ -5670,6 +5870,26 @@
             </a:ln>
             <a:effectLst/>
           </c:spPr>
+          <c:txPr>
+            <a:bodyPr rot="-5400000" spcFirstLastPara="1" vertOverflow="ellipsis" vert="horz" wrap="square" anchor="ctr" anchorCtr="1"/>
+            <a:lstStyle/>
+            <a:p>
+              <a:pPr>
+                <a:defRPr sz="2800" b="0" i="0" u="none" strike="noStrike" kern="1200" baseline="0">
+                  <a:solidFill>
+                    <a:schemeClr val="tx1">
+                      <a:lumMod val="65000"/>
+                      <a:lumOff val="35000"/>
+                    </a:schemeClr>
+                  </a:solidFill>
+                  <a:latin typeface="+mn-lt"/>
+                  <a:ea typeface="+mn-ea"/>
+                  <a:cs typeface="+mn-cs"/>
+                </a:defRPr>
+              </a:pPr>
+              <a:endParaRPr lang="en-US"/>
+            </a:p>
+          </c:txPr>
         </c:title>
         <c:numFmt formatCode="0.0" sourceLinked="1"/>
         <c:majorTickMark val="none"/>
@@ -5702,7 +5922,7 @@
             <a:endParaRPr lang="en-US"/>
           </a:p>
         </c:txPr>
-        <c:crossAx val="-2117427304"/>
+        <c:crossAx val="-2091318752"/>
         <c:crosses val="autoZero"/>
         <c:crossBetween val="between"/>
       </c:valAx>
@@ -5778,7 +5998,7 @@
       <a:endParaRPr lang="en-US"/>
     </a:p>
   </c:txPr>
-  <c:externalData r:id="rId1">
+  <c:externalData r:id="rId3">
     <c:autoUpdate val="0"/>
   </c:externalData>
 </c:chartSpace>
@@ -6174,11 +6394,11 @@
         </c:dLbls>
         <c:gapWidth val="219"/>
         <c:overlap val="-27"/>
-        <c:axId val="2065838904"/>
-        <c:axId val="2065842600"/>
+        <c:axId val="2087174624"/>
+        <c:axId val="2087194704"/>
       </c:barChart>
       <c:catAx>
-        <c:axId val="2065838904"/>
+        <c:axId val="2087174624"/>
         <c:scaling>
           <c:orientation val="minMax"/>
         </c:scaling>
@@ -6218,7 +6438,7 @@
             <a:endParaRPr lang="en-US"/>
           </a:p>
         </c:txPr>
-        <c:crossAx val="2065842600"/>
+        <c:crossAx val="2087194704"/>
         <c:crosses val="autoZero"/>
         <c:auto val="1"/>
         <c:lblAlgn val="ctr"/>
@@ -6226,7 +6446,7 @@
         <c:noMultiLvlLbl val="0"/>
       </c:catAx>
       <c:valAx>
-        <c:axId val="2065842600"/>
+        <c:axId val="2087194704"/>
         <c:scaling>
           <c:orientation val="minMax"/>
         </c:scaling>
@@ -6285,7 +6505,6 @@
               </a:p>
             </c:rich>
           </c:tx>
-          <c:layout/>
           <c:overlay val="0"/>
           <c:spPr>
             <a:noFill/>
@@ -6294,6 +6513,26 @@
             </a:ln>
             <a:effectLst/>
           </c:spPr>
+          <c:txPr>
+            <a:bodyPr rot="-5400000" spcFirstLastPara="1" vertOverflow="ellipsis" vert="horz" wrap="square" anchor="ctr" anchorCtr="1"/>
+            <a:lstStyle/>
+            <a:p>
+              <a:pPr>
+                <a:defRPr sz="1400" b="0" i="0" u="none" strike="noStrike" kern="1200" baseline="0">
+                  <a:solidFill>
+                    <a:schemeClr val="tx1">
+                      <a:lumMod val="65000"/>
+                      <a:lumOff val="35000"/>
+                    </a:schemeClr>
+                  </a:solidFill>
+                  <a:latin typeface="+mn-lt"/>
+                  <a:ea typeface="+mn-ea"/>
+                  <a:cs typeface="+mn-cs"/>
+                </a:defRPr>
+              </a:pPr>
+              <a:endParaRPr lang="en-US"/>
+            </a:p>
+          </c:txPr>
         </c:title>
         <c:numFmt formatCode="General" sourceLinked="1"/>
         <c:majorTickMark val="none"/>
@@ -6328,7 +6567,7 @@
             <a:endParaRPr lang="en-US"/>
           </a:p>
         </c:txPr>
-        <c:crossAx val="2065838904"/>
+        <c:crossAx val="2087174624"/>
         <c:crosses val="autoZero"/>
         <c:crossBetween val="between"/>
       </c:valAx>
@@ -6344,7 +6583,6 @@
     </c:plotArea>
     <c:legend>
       <c:legendPos val="b"/>
-      <c:layout/>
       <c:overlay val="0"/>
       <c:spPr>
         <a:noFill/>
@@ -6395,7 +6633,7 @@
       <a:endParaRPr lang="en-US"/>
     </a:p>
   </c:txPr>
-  <c:externalData r:id="rId1">
+  <c:externalData r:id="rId3">
     <c:autoUpdate val="0"/>
   </c:externalData>
 </c:chartSpace>
@@ -6711,11 +6949,11 @@
         </c:dLbls>
         <c:gapWidth val="219"/>
         <c:overlap val="100"/>
-        <c:axId val="-2114420312"/>
-        <c:axId val="-2114416664"/>
+        <c:axId val="2085874160"/>
+        <c:axId val="2085979536"/>
       </c:barChart>
       <c:catAx>
-        <c:axId val="-2114420312"/>
+        <c:axId val="2085874160"/>
         <c:scaling>
           <c:orientation val="minMax"/>
         </c:scaling>
@@ -6758,7 +6996,7 @@
             <a:endParaRPr lang="en-US"/>
           </a:p>
         </c:txPr>
-        <c:crossAx val="-2114416664"/>
+        <c:crossAx val="2085979536"/>
         <c:crosses val="autoZero"/>
         <c:auto val="1"/>
         <c:lblAlgn val="ctr"/>
@@ -6766,7 +7004,7 @@
         <c:noMultiLvlLbl val="0"/>
       </c:catAx>
       <c:valAx>
-        <c:axId val="-2114416664"/>
+        <c:axId val="2085979536"/>
         <c:scaling>
           <c:orientation val="minMax"/>
         </c:scaling>
@@ -6858,7 +7096,7 @@
             <a:endParaRPr lang="en-US"/>
           </a:p>
         </c:txPr>
-        <c:crossAx val="-2114420312"/>
+        <c:crossAx val="2085874160"/>
         <c:crosses val="autoZero"/>
         <c:crossBetween val="between"/>
       </c:valAx>
@@ -7098,11 +7336,11 @@
         </c:dLbls>
         <c:gapWidth val="219"/>
         <c:overlap val="100"/>
-        <c:axId val="-2118845672"/>
-        <c:axId val="-2118842696"/>
+        <c:axId val="-2095009312"/>
+        <c:axId val="-2091397520"/>
       </c:barChart>
       <c:catAx>
-        <c:axId val="-2118845672"/>
+        <c:axId val="-2095009312"/>
         <c:scaling>
           <c:orientation val="minMax"/>
         </c:scaling>
@@ -7112,7 +7350,7 @@
         <c:majorTickMark val="none"/>
         <c:minorTickMark val="none"/>
         <c:tickLblPos val="nextTo"/>
-        <c:crossAx val="-2118842696"/>
+        <c:crossAx val="-2091397520"/>
         <c:crosses val="autoZero"/>
         <c:auto val="1"/>
         <c:lblAlgn val="ctr"/>
@@ -7120,7 +7358,7 @@
         <c:noMultiLvlLbl val="0"/>
       </c:catAx>
       <c:valAx>
-        <c:axId val="-2118842696"/>
+        <c:axId val="-2091397520"/>
         <c:scaling>
           <c:orientation val="minMax"/>
         </c:scaling>
@@ -7210,6 +7448,26 @@
             </a:ln>
             <a:effectLst/>
           </c:spPr>
+          <c:txPr>
+            <a:bodyPr rot="-5400000" spcFirstLastPara="1" vertOverflow="ellipsis" vert="horz" wrap="square" anchor="ctr" anchorCtr="1"/>
+            <a:lstStyle/>
+            <a:p>
+              <a:pPr>
+                <a:defRPr sz="2800" b="0" i="0" u="none" strike="noStrike" kern="1200" baseline="0">
+                  <a:solidFill>
+                    <a:schemeClr val="tx1">
+                      <a:lumMod val="65000"/>
+                      <a:lumOff val="35000"/>
+                    </a:schemeClr>
+                  </a:solidFill>
+                  <a:latin typeface="+mn-lt"/>
+                  <a:ea typeface="+mn-ea"/>
+                  <a:cs typeface="+mn-cs"/>
+                </a:defRPr>
+              </a:pPr>
+              <a:endParaRPr lang="en-US"/>
+            </a:p>
+          </c:txPr>
         </c:title>
         <c:numFmt formatCode="General" sourceLinked="1"/>
         <c:majorTickMark val="none"/>
@@ -7242,7 +7500,7 @@
             <a:endParaRPr lang="en-US"/>
           </a:p>
         </c:txPr>
-        <c:crossAx val="-2118845672"/>
+        <c:crossAx val="-2095009312"/>
         <c:crosses val="autoZero"/>
         <c:crossBetween val="between"/>
         <c:majorUnit val="100.0"/>
@@ -7278,7 +7536,7 @@
       <a:endParaRPr lang="en-US"/>
     </a:p>
   </c:txPr>
-  <c:externalData r:id="rId1">
+  <c:externalData r:id="rId3">
     <c:autoUpdate val="0"/>
   </c:externalData>
 </c:chartSpace>
@@ -7369,6 +7627,7 @@
             <c:showLeaderLines val="0"/>
             <c:extLst>
               <c:ext xmlns:c15="http://schemas.microsoft.com/office/drawing/2012/chart" uri="{CE6537A1-D6FC-4f65-9D91-7224C49458BB}">
+                <c15:layout/>
                 <c15:showLeaderLines val="1"/>
                 <c15:leaderLines>
                   <c:spPr>
@@ -7498,6 +7757,7 @@
             <c:showLeaderLines val="0"/>
             <c:extLst>
               <c:ext xmlns:c15="http://schemas.microsoft.com/office/drawing/2012/chart" uri="{CE6537A1-D6FC-4f65-9D91-7224C49458BB}">
+                <c15:layout/>
                 <c15:showLeaderLines val="1"/>
                 <c15:leaderLines>
                   <c:spPr>
@@ -7568,11 +7828,11 @@
         </c:dLbls>
         <c:gapWidth val="219"/>
         <c:overlap val="-27"/>
-        <c:axId val="2065900856"/>
-        <c:axId val="2065904472"/>
+        <c:axId val="2087228112"/>
+        <c:axId val="2087231520"/>
       </c:barChart>
       <c:catAx>
-        <c:axId val="2065900856"/>
+        <c:axId val="2087228112"/>
         <c:scaling>
           <c:orientation val="minMax"/>
         </c:scaling>
@@ -7612,7 +7872,7 @@
             <a:endParaRPr lang="en-US"/>
           </a:p>
         </c:txPr>
-        <c:crossAx val="2065904472"/>
+        <c:crossAx val="2087231520"/>
         <c:crosses val="autoZero"/>
         <c:auto val="1"/>
         <c:lblAlgn val="ctr"/>
@@ -7620,7 +7880,7 @@
         <c:noMultiLvlLbl val="0"/>
       </c:catAx>
       <c:valAx>
-        <c:axId val="2065904472"/>
+        <c:axId val="2087231520"/>
         <c:scaling>
           <c:orientation val="minMax"/>
         </c:scaling>
@@ -7700,6 +7960,26 @@
             </a:ln>
             <a:effectLst/>
           </c:spPr>
+          <c:txPr>
+            <a:bodyPr rot="-5400000" spcFirstLastPara="1" vertOverflow="ellipsis" vert="horz" wrap="square" anchor="ctr" anchorCtr="1"/>
+            <a:lstStyle/>
+            <a:p>
+              <a:pPr>
+                <a:defRPr sz="1400" b="0" i="0" u="none" strike="noStrike" kern="1200" baseline="0">
+                  <a:solidFill>
+                    <a:schemeClr val="tx1">
+                      <a:lumMod val="65000"/>
+                      <a:lumOff val="35000"/>
+                    </a:schemeClr>
+                  </a:solidFill>
+                  <a:latin typeface="+mn-lt"/>
+                  <a:ea typeface="+mn-ea"/>
+                  <a:cs typeface="+mn-cs"/>
+                </a:defRPr>
+              </a:pPr>
+              <a:endParaRPr lang="en-US"/>
+            </a:p>
+          </c:txPr>
         </c:title>
         <c:numFmt formatCode="General" sourceLinked="1"/>
         <c:majorTickMark val="none"/>
@@ -7734,7 +8014,7 @@
             <a:endParaRPr lang="en-US"/>
           </a:p>
         </c:txPr>
-        <c:crossAx val="2065900856"/>
+        <c:crossAx val="2087228112"/>
         <c:crosses val="autoZero"/>
         <c:crossBetween val="between"/>
       </c:valAx>
@@ -7801,7 +8081,7 @@
       <a:endParaRPr lang="en-US"/>
     </a:p>
   </c:txPr>
-  <c:externalData r:id="rId1">
+  <c:externalData r:id="rId3">
     <c:autoUpdate val="0"/>
   </c:externalData>
 </c:chartSpace>
@@ -7892,6 +8172,7 @@
             <c:showLeaderLines val="0"/>
             <c:extLst>
               <c:ext xmlns:c15="http://schemas.microsoft.com/office/drawing/2012/chart" uri="{CE6537A1-D6FC-4f65-9D91-7224C49458BB}">
+                <c15:layout/>
                 <c15:showLeaderLines val="1"/>
                 <c15:leaderLines>
                   <c:spPr>
@@ -8021,6 +8302,7 @@
             <c:showLeaderLines val="0"/>
             <c:extLst>
               <c:ext xmlns:c15="http://schemas.microsoft.com/office/drawing/2012/chart" uri="{CE6537A1-D6FC-4f65-9D91-7224C49458BB}">
+                <c15:layout/>
                 <c15:showLeaderLines val="1"/>
                 <c15:leaderLines>
                   <c:spPr>
@@ -8145,6 +8427,7 @@
             <c:showLeaderLines val="0"/>
             <c:extLst>
               <c:ext xmlns:c15="http://schemas.microsoft.com/office/drawing/2012/chart" uri="{CE6537A1-D6FC-4f65-9D91-7224C49458BB}">
+                <c15:layout/>
                 <c15:showLeaderLines val="1"/>
                 <c15:leaderLines>
                   <c:spPr>
@@ -8269,6 +8552,7 @@
             <c:showLeaderLines val="0"/>
             <c:extLst>
               <c:ext xmlns:c15="http://schemas.microsoft.com/office/drawing/2012/chart" uri="{CE6537A1-D6FC-4f65-9D91-7224C49458BB}">
+                <c15:layout/>
                 <c15:showLeaderLines val="1"/>
                 <c15:leaderLines>
                   <c:spPr>
@@ -8339,11 +8623,11 @@
         </c:dLbls>
         <c:gapWidth val="219"/>
         <c:overlap val="-27"/>
-        <c:axId val="-2143311608"/>
-        <c:axId val="-2143307944"/>
+        <c:axId val="2086365856"/>
+        <c:axId val="2086324480"/>
       </c:barChart>
       <c:catAx>
-        <c:axId val="-2143311608"/>
+        <c:axId val="2086365856"/>
         <c:scaling>
           <c:orientation val="minMax"/>
         </c:scaling>
@@ -8383,7 +8667,7 @@
             <a:endParaRPr lang="en-US"/>
           </a:p>
         </c:txPr>
-        <c:crossAx val="-2143307944"/>
+        <c:crossAx val="2086324480"/>
         <c:crosses val="autoZero"/>
         <c:auto val="1"/>
         <c:lblAlgn val="ctr"/>
@@ -8391,7 +8675,7 @@
         <c:noMultiLvlLbl val="0"/>
       </c:catAx>
       <c:valAx>
-        <c:axId val="-2143307944"/>
+        <c:axId val="2086324480"/>
         <c:scaling>
           <c:orientation val="minMax"/>
         </c:scaling>
@@ -8437,17 +8721,7 @@
               </a:p>
               <a:p>
                 <a:pPr>
-                  <a:defRPr sz="1400" b="0" i="0" u="none" strike="noStrike" kern="1200" baseline="0">
-                    <a:solidFill>
-                      <a:schemeClr val="tx1">
-                        <a:lumMod val="65000"/>
-                        <a:lumOff val="35000"/>
-                      </a:schemeClr>
-                    </a:solidFill>
-                    <a:latin typeface="+mn-lt"/>
-                    <a:ea typeface="+mn-ea"/>
-                    <a:cs typeface="+mn-cs"/>
-                  </a:defRPr>
+                  <a:defRPr sz="1400"/>
                 </a:pPr>
                 <a:r>
                   <a:rPr lang="en-US" sz="1600" dirty="0" smtClean="0"/>
@@ -8486,6 +8760,26 @@
             </a:ln>
             <a:effectLst/>
           </c:spPr>
+          <c:txPr>
+            <a:bodyPr rot="-5400000" spcFirstLastPara="1" vertOverflow="ellipsis" vert="horz" wrap="square" anchor="ctr" anchorCtr="1"/>
+            <a:lstStyle/>
+            <a:p>
+              <a:pPr>
+                <a:defRPr sz="1400" b="0" i="0" u="none" strike="noStrike" kern="1200" baseline="0">
+                  <a:solidFill>
+                    <a:schemeClr val="tx1">
+                      <a:lumMod val="65000"/>
+                      <a:lumOff val="35000"/>
+                    </a:schemeClr>
+                  </a:solidFill>
+                  <a:latin typeface="+mn-lt"/>
+                  <a:ea typeface="+mn-ea"/>
+                  <a:cs typeface="+mn-cs"/>
+                </a:defRPr>
+              </a:pPr>
+              <a:endParaRPr lang="en-US"/>
+            </a:p>
+          </c:txPr>
         </c:title>
         <c:numFmt formatCode="General" sourceLinked="1"/>
         <c:majorTickMark val="none"/>
@@ -8520,7 +8814,7 @@
             <a:endParaRPr lang="en-US"/>
           </a:p>
         </c:txPr>
-        <c:crossAx val="-2143311608"/>
+        <c:crossAx val="2086365856"/>
         <c:crosses val="autoZero"/>
         <c:crossBetween val="between"/>
       </c:valAx>
@@ -8587,7 +8881,7 @@
       <a:endParaRPr lang="en-US"/>
     </a:p>
   </c:txPr>
-  <c:externalData r:id="rId1">
+  <c:externalData r:id="rId3">
     <c:autoUpdate val="0"/>
   </c:externalData>
 </c:chartSpace>
@@ -8912,11 +9206,11 @@
         </c:dLbls>
         <c:gapWidth val="219"/>
         <c:overlap val="-27"/>
-        <c:axId val="-2144008488"/>
-        <c:axId val="-2144012200"/>
+        <c:axId val="2086284464"/>
+        <c:axId val="2086287824"/>
       </c:barChart>
       <c:catAx>
-        <c:axId val="-2144008488"/>
+        <c:axId val="2086284464"/>
         <c:scaling>
           <c:orientation val="minMax"/>
         </c:scaling>
@@ -8956,7 +9250,7 @@
             <a:endParaRPr lang="en-US"/>
           </a:p>
         </c:txPr>
-        <c:crossAx val="-2144012200"/>
+        <c:crossAx val="2086287824"/>
         <c:crosses val="autoZero"/>
         <c:auto val="1"/>
         <c:lblAlgn val="ctr"/>
@@ -8964,7 +9258,7 @@
         <c:noMultiLvlLbl val="0"/>
       </c:catAx>
       <c:valAx>
-        <c:axId val="-2144012200"/>
+        <c:axId val="2086287824"/>
         <c:scaling>
           <c:orientation val="minMax"/>
         </c:scaling>
@@ -9010,17 +9304,7 @@
               </a:p>
               <a:p>
                 <a:pPr>
-                  <a:defRPr sz="1400" b="0" i="0" u="none" strike="noStrike" kern="1200" baseline="0">
-                    <a:solidFill>
-                      <a:schemeClr val="tx1">
-                        <a:lumMod val="65000"/>
-                        <a:lumOff val="35000"/>
-                      </a:schemeClr>
-                    </a:solidFill>
-                    <a:latin typeface="+mn-lt"/>
-                    <a:ea typeface="+mn-ea"/>
-                    <a:cs typeface="+mn-cs"/>
-                  </a:defRPr>
+                  <a:defRPr sz="1400"/>
                 </a:pPr>
                 <a:r>
                   <a:rPr lang="en-US" sz="1600" noProof="1" smtClean="0"/>
@@ -9051,6 +9335,26 @@
             </a:ln>
             <a:effectLst/>
           </c:spPr>
+          <c:txPr>
+            <a:bodyPr rot="-5400000" spcFirstLastPara="1" vertOverflow="ellipsis" vert="horz" wrap="square" anchor="ctr" anchorCtr="1"/>
+            <a:lstStyle/>
+            <a:p>
+              <a:pPr>
+                <a:defRPr sz="1400" b="0" i="0" u="none" strike="noStrike" kern="1200" baseline="0">
+                  <a:solidFill>
+                    <a:schemeClr val="tx1">
+                      <a:lumMod val="65000"/>
+                      <a:lumOff val="35000"/>
+                    </a:schemeClr>
+                  </a:solidFill>
+                  <a:latin typeface="+mn-lt"/>
+                  <a:ea typeface="+mn-ea"/>
+                  <a:cs typeface="+mn-cs"/>
+                </a:defRPr>
+              </a:pPr>
+              <a:endParaRPr lang="en-US"/>
+            </a:p>
+          </c:txPr>
         </c:title>
         <c:numFmt formatCode="General" sourceLinked="1"/>
         <c:majorTickMark val="none"/>
@@ -9085,7 +9389,7 @@
             <a:endParaRPr lang="en-US"/>
           </a:p>
         </c:txPr>
-        <c:crossAx val="-2144008488"/>
+        <c:crossAx val="2086284464"/>
         <c:crosses val="autoZero"/>
         <c:crossBetween val="between"/>
       </c:valAx>
@@ -9152,7 +9456,7 @@
       <a:endParaRPr lang="en-US"/>
     </a:p>
   </c:txPr>
-  <c:externalData r:id="rId1">
+  <c:externalData r:id="rId3">
     <c:autoUpdate val="0"/>
   </c:externalData>
 </c:chartSpace>
@@ -9255,11 +9559,11 @@
         </c:dLbls>
         <c:gapWidth val="219"/>
         <c:overlap val="-27"/>
-        <c:axId val="2113001448"/>
-        <c:axId val="-2141329624"/>
+        <c:axId val="2143005120"/>
+        <c:axId val="2143153072"/>
       </c:barChart>
       <c:catAx>
-        <c:axId val="2113001448"/>
+        <c:axId val="2143005120"/>
         <c:scaling>
           <c:orientation val="minMax"/>
         </c:scaling>
@@ -9299,7 +9603,7 @@
             <a:endParaRPr lang="en-US"/>
           </a:p>
         </c:txPr>
-        <c:crossAx val="-2141329624"/>
+        <c:crossAx val="2143153072"/>
         <c:crosses val="autoZero"/>
         <c:auto val="1"/>
         <c:lblAlgn val="ctr"/>
@@ -9307,7 +9611,7 @@
         <c:noMultiLvlLbl val="0"/>
       </c:catAx>
       <c:valAx>
-        <c:axId val="-2141329624"/>
+        <c:axId val="2143153072"/>
         <c:scaling>
           <c:orientation val="minMax"/>
         </c:scaling>
@@ -9353,17 +9657,7 @@
               </a:p>
               <a:p>
                 <a:pPr>
-                  <a:defRPr sz="1400" b="0" i="0" u="none" strike="noStrike" kern="1200" baseline="0">
-                    <a:solidFill>
-                      <a:schemeClr val="tx1">
-                        <a:lumMod val="65000"/>
-                        <a:lumOff val="35000"/>
-                      </a:schemeClr>
-                    </a:solidFill>
-                    <a:latin typeface="+mn-lt"/>
-                    <a:ea typeface="+mn-ea"/>
-                    <a:cs typeface="+mn-cs"/>
-                  </a:defRPr>
+                  <a:defRPr sz="1400"/>
                 </a:pPr>
                 <a:r>
                   <a:rPr lang="en-US" sz="1600" noProof="1" smtClean="0"/>
@@ -9394,6 +9688,26 @@
             </a:ln>
             <a:effectLst/>
           </c:spPr>
+          <c:txPr>
+            <a:bodyPr rot="-5400000" spcFirstLastPara="1" vertOverflow="ellipsis" vert="horz" wrap="square" anchor="ctr" anchorCtr="1"/>
+            <a:lstStyle/>
+            <a:p>
+              <a:pPr>
+                <a:defRPr sz="1400" b="0" i="0" u="none" strike="noStrike" kern="1200" baseline="0">
+                  <a:solidFill>
+                    <a:schemeClr val="tx1">
+                      <a:lumMod val="65000"/>
+                      <a:lumOff val="35000"/>
+                    </a:schemeClr>
+                  </a:solidFill>
+                  <a:latin typeface="+mn-lt"/>
+                  <a:ea typeface="+mn-ea"/>
+                  <a:cs typeface="+mn-cs"/>
+                </a:defRPr>
+              </a:pPr>
+              <a:endParaRPr lang="en-US"/>
+            </a:p>
+          </c:txPr>
         </c:title>
         <c:numFmt formatCode="General" sourceLinked="1"/>
         <c:majorTickMark val="none"/>
@@ -9428,7 +9742,7 @@
             <a:endParaRPr lang="en-US"/>
           </a:p>
         </c:txPr>
-        <c:crossAx val="2113001448"/>
+        <c:crossAx val="2143005120"/>
         <c:crosses val="autoZero"/>
         <c:crossBetween val="between"/>
       </c:valAx>
@@ -9463,7 +9777,7 @@
       <a:endParaRPr lang="en-US"/>
     </a:p>
   </c:txPr>
-  <c:externalData r:id="rId1">
+  <c:externalData r:id="rId3">
     <c:autoUpdate val="0"/>
   </c:externalData>
 </c:chartSpace>
@@ -9738,11 +10052,11 @@
         </c:dLbls>
         <c:gapWidth val="219"/>
         <c:overlap val="100"/>
-        <c:axId val="-2141878168"/>
-        <c:axId val="-2141874680"/>
+        <c:axId val="2086938512"/>
+        <c:axId val="2086941872"/>
       </c:barChart>
       <c:catAx>
-        <c:axId val="-2141878168"/>
+        <c:axId val="2086938512"/>
         <c:scaling>
           <c:orientation val="minMax"/>
         </c:scaling>
@@ -9785,7 +10099,7 @@
             <a:endParaRPr lang="en-US"/>
           </a:p>
         </c:txPr>
-        <c:crossAx val="-2141874680"/>
+        <c:crossAx val="2086941872"/>
         <c:crosses val="autoZero"/>
         <c:auto val="1"/>
         <c:lblAlgn val="ctr"/>
@@ -9793,7 +10107,7 @@
         <c:noMultiLvlLbl val="0"/>
       </c:catAx>
       <c:valAx>
-        <c:axId val="-2141874680"/>
+        <c:axId val="2086941872"/>
         <c:scaling>
           <c:orientation val="minMax"/>
         </c:scaling>
@@ -9853,6 +10167,26 @@
             </a:ln>
             <a:effectLst/>
           </c:spPr>
+          <c:txPr>
+            <a:bodyPr rot="-5400000" spcFirstLastPara="1" vertOverflow="ellipsis" vert="horz" wrap="square" anchor="ctr" anchorCtr="1"/>
+            <a:lstStyle/>
+            <a:p>
+              <a:pPr>
+                <a:defRPr sz="1330" b="0" i="0" u="none" strike="noStrike" kern="1200" baseline="0">
+                  <a:solidFill>
+                    <a:schemeClr val="tx1">
+                      <a:lumMod val="65000"/>
+                      <a:lumOff val="35000"/>
+                    </a:schemeClr>
+                  </a:solidFill>
+                  <a:latin typeface="+mn-lt"/>
+                  <a:ea typeface="+mn-ea"/>
+                  <a:cs typeface="+mn-cs"/>
+                </a:defRPr>
+              </a:pPr>
+              <a:endParaRPr lang="en-US"/>
+            </a:p>
+          </c:txPr>
         </c:title>
         <c:numFmt formatCode="0" sourceLinked="1"/>
         <c:majorTickMark val="none"/>
@@ -9885,7 +10219,7 @@
             <a:endParaRPr lang="en-US"/>
           </a:p>
         </c:txPr>
-        <c:crossAx val="-2141878168"/>
+        <c:crossAx val="2086938512"/>
         <c:crosses val="autoZero"/>
         <c:crossBetween val="between"/>
       </c:valAx>
@@ -9961,7 +10295,7 @@
       <a:endParaRPr lang="en-US"/>
     </a:p>
   </c:txPr>
-  <c:externalData r:id="rId1">
+  <c:externalData r:id="rId3">
     <c:autoUpdate val="0"/>
   </c:externalData>
 </c:chartSpace>
@@ -10024,6 +10358,26 @@
         </a:ln>
         <a:effectLst/>
       </c:spPr>
+      <c:txPr>
+        <a:bodyPr rot="0" spcFirstLastPara="1" vertOverflow="ellipsis" vert="horz" wrap="square" anchor="ctr" anchorCtr="1"/>
+        <a:lstStyle/>
+        <a:p>
+          <a:pPr>
+            <a:defRPr sz="1862" b="0" i="0" u="none" strike="noStrike" kern="1200" spc="0" baseline="0">
+              <a:solidFill>
+                <a:schemeClr val="tx1">
+                  <a:lumMod val="65000"/>
+                  <a:lumOff val="35000"/>
+                </a:schemeClr>
+              </a:solidFill>
+              <a:latin typeface="+mn-lt"/>
+              <a:ea typeface="+mn-ea"/>
+              <a:cs typeface="+mn-cs"/>
+            </a:defRPr>
+          </a:pPr>
+          <a:endParaRPr lang="en-US"/>
+        </a:p>
+      </c:txPr>
     </c:title>
     <c:autoTitleDeleted val="0"/>
     <c:plotArea>
@@ -10156,7 +10510,9 @@
               </c:spPr>
             </c:leaderLines>
             <c:extLst>
-              <c:ext xmlns:c15="http://schemas.microsoft.com/office/drawing/2012/chart" uri="{CE6537A1-D6FC-4f65-9D91-7224C49458BB}"/>
+              <c:ext xmlns:c15="http://schemas.microsoft.com/office/drawing/2012/chart" uri="{CE6537A1-D6FC-4f65-9D91-7224C49458BB}">
+                <c15:layout/>
+              </c:ext>
             </c:extLst>
           </c:dLbls>
           <c:cat>
@@ -10282,7 +10638,7 @@
       <a:endParaRPr lang="en-US"/>
     </a:p>
   </c:txPr>
-  <c:externalData r:id="rId1">
+  <c:externalData r:id="rId3">
     <c:autoUpdate val="0"/>
   </c:externalData>
 </c:chartSpace>
@@ -10353,6 +10709,26 @@
         </a:ln>
         <a:effectLst/>
       </c:spPr>
+      <c:txPr>
+        <a:bodyPr rot="0" spcFirstLastPara="1" vertOverflow="ellipsis" vert="horz" wrap="square" anchor="ctr" anchorCtr="1"/>
+        <a:lstStyle/>
+        <a:p>
+          <a:pPr>
+            <a:defRPr sz="1862" b="0" i="0" u="none" strike="noStrike" kern="1200" spc="0" baseline="0">
+              <a:solidFill>
+                <a:schemeClr val="tx1">
+                  <a:lumMod val="65000"/>
+                  <a:lumOff val="35000"/>
+                </a:schemeClr>
+              </a:solidFill>
+              <a:latin typeface="+mn-lt"/>
+              <a:ea typeface="+mn-ea"/>
+              <a:cs typeface="+mn-cs"/>
+            </a:defRPr>
+          </a:pPr>
+          <a:endParaRPr lang="en-US"/>
+        </a:p>
+      </c:txPr>
     </c:title>
     <c:autoTitleDeleted val="0"/>
     <c:plotArea>
@@ -10440,7 +10816,9 @@
               </c:spPr>
             </c:leaderLines>
             <c:extLst>
-              <c:ext xmlns:c15="http://schemas.microsoft.com/office/drawing/2012/chart" uri="{CE6537A1-D6FC-4f65-9D91-7224C49458BB}"/>
+              <c:ext xmlns:c15="http://schemas.microsoft.com/office/drawing/2012/chart" uri="{CE6537A1-D6FC-4f65-9D91-7224C49458BB}">
+                <c15:layout/>
+              </c:ext>
             </c:extLst>
           </c:dLbls>
           <c:cat>
@@ -10548,7 +10926,7 @@
       <a:endParaRPr lang="en-US"/>
     </a:p>
   </c:txPr>
-  <c:externalData r:id="rId1">
+  <c:externalData r:id="rId3">
     <c:autoUpdate val="0"/>
   </c:externalData>
 </c:chartSpace>
@@ -20558,7 +20936,7 @@
           <a:p>
             <a:fld id="{8AF2A637-750D-AC4F-B19A-F61B319C6A55}" type="datetimeFigureOut">
               <a:rPr lang="en-US" smtClean="0"/>
-              <a:t>20/11/15</a:t>
+              <a:t>11/25/15</a:t>
             </a:fld>
             <a:endParaRPr lang="en-US"/>
           </a:p>
@@ -22844,7 +23222,7 @@
           <a:p>
             <a:fld id="{F87648D4-822A-184D-A945-2BBD99FACB30}" type="datetimeFigureOut">
               <a:rPr lang="en-US" smtClean="0"/>
-              <a:t>20/11/15</a:t>
+              <a:t>11/25/15</a:t>
             </a:fld>
             <a:endParaRPr lang="en-US"/>
           </a:p>
@@ -23014,7 +23392,7 @@
           <a:p>
             <a:fld id="{F87648D4-822A-184D-A945-2BBD99FACB30}" type="datetimeFigureOut">
               <a:rPr lang="en-US" smtClean="0"/>
-              <a:t>20/11/15</a:t>
+              <a:t>11/25/15</a:t>
             </a:fld>
             <a:endParaRPr lang="en-US"/>
           </a:p>
@@ -23194,7 +23572,7 @@
           <a:p>
             <a:fld id="{F87648D4-822A-184D-A945-2BBD99FACB30}" type="datetimeFigureOut">
               <a:rPr lang="en-US" smtClean="0"/>
-              <a:t>20/11/15</a:t>
+              <a:t>11/25/15</a:t>
             </a:fld>
             <a:endParaRPr lang="en-US"/>
           </a:p>
@@ -23364,7 +23742,7 @@
           <a:p>
             <a:fld id="{F87648D4-822A-184D-A945-2BBD99FACB30}" type="datetimeFigureOut">
               <a:rPr lang="en-US" smtClean="0"/>
-              <a:t>20/11/15</a:t>
+              <a:t>11/25/15</a:t>
             </a:fld>
             <a:endParaRPr lang="en-US"/>
           </a:p>
@@ -23608,7 +23986,7 @@
           <a:p>
             <a:fld id="{F87648D4-822A-184D-A945-2BBD99FACB30}" type="datetimeFigureOut">
               <a:rPr lang="en-US" smtClean="0"/>
-              <a:t>20/11/15</a:t>
+              <a:t>11/25/15</a:t>
             </a:fld>
             <a:endParaRPr lang="en-US"/>
           </a:p>
@@ -23840,7 +24218,7 @@
           <a:p>
             <a:fld id="{F87648D4-822A-184D-A945-2BBD99FACB30}" type="datetimeFigureOut">
               <a:rPr lang="en-US" smtClean="0"/>
-              <a:t>20/11/15</a:t>
+              <a:t>11/25/15</a:t>
             </a:fld>
             <a:endParaRPr lang="en-US"/>
           </a:p>
@@ -24207,7 +24585,7 @@
           <a:p>
             <a:fld id="{F87648D4-822A-184D-A945-2BBD99FACB30}" type="datetimeFigureOut">
               <a:rPr lang="en-US" smtClean="0"/>
-              <a:t>20/11/15</a:t>
+              <a:t>11/25/15</a:t>
             </a:fld>
             <a:endParaRPr lang="en-US"/>
           </a:p>
@@ -24325,7 +24703,7 @@
           <a:p>
             <a:fld id="{F87648D4-822A-184D-A945-2BBD99FACB30}" type="datetimeFigureOut">
               <a:rPr lang="en-US" smtClean="0"/>
-              <a:t>20/11/15</a:t>
+              <a:t>11/25/15</a:t>
             </a:fld>
             <a:endParaRPr lang="en-US"/>
           </a:p>
@@ -24420,7 +24798,7 @@
           <a:p>
             <a:fld id="{F87648D4-822A-184D-A945-2BBD99FACB30}" type="datetimeFigureOut">
               <a:rPr lang="en-US" smtClean="0"/>
-              <a:t>20/11/15</a:t>
+              <a:t>11/25/15</a:t>
             </a:fld>
             <a:endParaRPr lang="en-US"/>
           </a:p>
@@ -24697,7 +25075,7 @@
           <a:p>
             <a:fld id="{F87648D4-822A-184D-A945-2BBD99FACB30}" type="datetimeFigureOut">
               <a:rPr lang="en-US" smtClean="0"/>
-              <a:t>20/11/15</a:t>
+              <a:t>11/25/15</a:t>
             </a:fld>
             <a:endParaRPr lang="en-US"/>
           </a:p>
@@ -24954,7 +25332,7 @@
           <a:p>
             <a:fld id="{F87648D4-822A-184D-A945-2BBD99FACB30}" type="datetimeFigureOut">
               <a:rPr lang="en-US" smtClean="0"/>
-              <a:t>20/11/15</a:t>
+              <a:t>11/25/15</a:t>
             </a:fld>
             <a:endParaRPr lang="en-US"/>
           </a:p>
@@ -25167,7 +25545,7 @@
           <a:p>
             <a:fld id="{F87648D4-822A-184D-A945-2BBD99FACB30}" type="datetimeFigureOut">
               <a:rPr lang="en-US" smtClean="0"/>
-              <a:t>20/11/15</a:t>
+              <a:t>11/25/15</a:t>
             </a:fld>
             <a:endParaRPr lang="en-US"/>
           </a:p>
@@ -25607,7 +25985,7 @@
   <p:timing>
     <p:tnLst>
       <p:par>
-        <p:cTn xmlns:p14="http://schemas.microsoft.com/office/powerpoint/2010/main" id="1" dur="indefinite" restart="never" nodeType="tmRoot"/>
+        <p:cTn id="1" dur="indefinite" restart="never" nodeType="tmRoot"/>
       </p:par>
     </p:tnLst>
   </p:timing>
@@ -25666,7 +26044,7 @@
   <p:timing>
     <p:tnLst>
       <p:par>
-        <p:cTn xmlns:p14="http://schemas.microsoft.com/office/powerpoint/2010/main" id="1" dur="indefinite" restart="never" nodeType="tmRoot"/>
+        <p:cTn id="1" dur="indefinite" restart="never" nodeType="tmRoot"/>
       </p:par>
     </p:tnLst>
   </p:timing>
@@ -26427,7 +26805,7 @@
   <p:timing>
     <p:tnLst>
       <p:par>
-        <p:cTn xmlns:p14="http://schemas.microsoft.com/office/powerpoint/2010/main" id="1" dur="indefinite" restart="never" nodeType="tmRoot"/>
+        <p:cTn id="1" dur="indefinite" restart="never" nodeType="tmRoot"/>
       </p:par>
     </p:tnLst>
   </p:timing>
@@ -26522,7 +26900,7 @@
   <p:timing>
     <p:tnLst>
       <p:par>
-        <p:cTn xmlns:p14="http://schemas.microsoft.com/office/powerpoint/2010/main" id="1" dur="indefinite" restart="never" nodeType="tmRoot"/>
+        <p:cTn id="1" dur="indefinite" restart="never" nodeType="tmRoot"/>
       </p:par>
     </p:tnLst>
   </p:timing>
@@ -26617,7 +26995,7 @@
   <p:timing>
     <p:tnLst>
       <p:par>
-        <p:cTn xmlns:p14="http://schemas.microsoft.com/office/powerpoint/2010/main" id="1" dur="indefinite" restart="never" nodeType="tmRoot"/>
+        <p:cTn id="1" dur="indefinite" restart="never" nodeType="tmRoot"/>
       </p:par>
     </p:tnLst>
   </p:timing>
@@ -26676,7 +27054,7 @@
   <p:timing>
     <p:tnLst>
       <p:par>
-        <p:cTn xmlns:p14="http://schemas.microsoft.com/office/powerpoint/2010/main" id="1" dur="indefinite" restart="never" nodeType="tmRoot"/>
+        <p:cTn id="1" dur="indefinite" restart="never" nodeType="tmRoot"/>
       </p:par>
     </p:tnLst>
   </p:timing>
@@ -26735,7 +27113,7 @@
   <p:timing>
     <p:tnLst>
       <p:par>
-        <p:cTn xmlns:p14="http://schemas.microsoft.com/office/powerpoint/2010/main" id="1" dur="indefinite" restart="never" nodeType="tmRoot"/>
+        <p:cTn id="1" dur="indefinite" restart="never" nodeType="tmRoot"/>
       </p:par>
     </p:tnLst>
   </p:timing>
@@ -26829,7 +27207,7 @@
   <p:timing>
     <p:tnLst>
       <p:par>
-        <p:cTn xmlns:p14="http://schemas.microsoft.com/office/powerpoint/2010/main" id="1" dur="indefinite" restart="never" nodeType="tmRoot"/>
+        <p:cTn id="1" dur="indefinite" restart="never" nodeType="tmRoot"/>
       </p:par>
     </p:tnLst>
   </p:timing>
@@ -26860,7 +27238,7 @@
           <p:nvPr>
             <p:extLst>
               <p:ext uri="{D42A27DB-BD31-4B8C-83A1-F6EECF244321}">
-                <p14:modId xmlns:p14="http://schemas.microsoft.com/office/powerpoint/2010/main" val="1252837245"/>
+                <p14:modId xmlns:p14="http://schemas.microsoft.com/office/powerpoint/2010/main" val="1738444865"/>
               </p:ext>
             </p:extLst>
           </p:nvPr>
@@ -27054,7 +27432,7 @@
         <p:spPr>
           <a:xfrm>
             <a:off x="5445123" y="4341886"/>
-            <a:ext cx="1152000" cy="830997"/>
+            <a:ext cx="1152000" cy="1569660"/>
           </a:xfrm>
           <a:prstGeom prst="rect">
             <a:avLst/>
@@ -27076,17 +27454,7 @@
                   </a:schemeClr>
                 </a:solidFill>
               </a:rPr>
-              <a:t>ASF (CIGS</a:t>
-            </a:r>
-            <a:r>
-              <a:rPr lang="en-US" sz="1600" smtClean="0">
-                <a:solidFill>
-                  <a:schemeClr val="bg2">
-                    <a:lumMod val="25000"/>
-                  </a:schemeClr>
-                </a:solidFill>
-              </a:rPr>
-              <a:t>) CH mix incl</a:t>
+              <a:t>Static ASF </a:t>
             </a:r>
             <a:r>
               <a:rPr lang="en-US" sz="1600" dirty="0" smtClean="0">
@@ -27096,7 +27464,27 @@
                   </a:schemeClr>
                 </a:solidFill>
               </a:rPr>
-              <a:t>. shading benefits</a:t>
+              <a:t>(CIGS) </a:t>
+            </a:r>
+            <a:r>
+              <a:rPr lang="en-US" sz="1600" dirty="0" smtClean="0">
+                <a:solidFill>
+                  <a:schemeClr val="bg2">
+                    <a:lumMod val="25000"/>
+                  </a:schemeClr>
+                </a:solidFill>
+              </a:rPr>
+              <a:t>ENTSO-E mix </a:t>
+            </a:r>
+            <a:r>
+              <a:rPr lang="en-US" sz="1600" dirty="0" smtClean="0">
+                <a:solidFill>
+                  <a:schemeClr val="bg2">
+                    <a:lumMod val="25000"/>
+                  </a:schemeClr>
+                </a:solidFill>
+              </a:rPr>
+              <a:t>incl. shading benefits</a:t>
             </a:r>
           </a:p>
         </p:txBody>
@@ -27293,7 +27681,7 @@
   <p:timing>
     <p:tnLst>
       <p:par>
-        <p:cTn xmlns:p14="http://schemas.microsoft.com/office/powerpoint/2010/main" id="1" dur="indefinite" restart="never" nodeType="tmRoot"/>
+        <p:cTn id="1" dur="indefinite" restart="never" nodeType="tmRoot"/>
       </p:par>
     </p:tnLst>
   </p:timing>
@@ -27352,7 +27740,7 @@
   <p:timing>
     <p:tnLst>
       <p:par>
-        <p:cTn xmlns:p14="http://schemas.microsoft.com/office/powerpoint/2010/main" id="1" dur="indefinite" restart="never" nodeType="tmRoot"/>
+        <p:cTn id="1" dur="indefinite" restart="never" nodeType="tmRoot"/>
       </p:par>
     </p:tnLst>
   </p:timing>
@@ -27491,35 +27879,8 @@
                   </a:schemeClr>
                 </a:solidFill>
               </a:rPr>
-              <a:t>Operation location: CH</a:t>
+              <a:t>Operation location: CH/DE</a:t>
             </a:r>
-            <a:r>
-              <a:rPr lang="en-US" sz="2400" dirty="0" smtClean="0">
-                <a:solidFill>
-                  <a:schemeClr val="bg2">
-                    <a:lumMod val="25000"/>
-                  </a:schemeClr>
-                </a:solidFill>
-              </a:rPr>
-              <a:t>/</a:t>
-            </a:r>
-            <a:r>
-              <a:rPr lang="en-US" sz="2400" dirty="0" smtClean="0">
-                <a:solidFill>
-                  <a:schemeClr val="bg2">
-                    <a:lumMod val="25000"/>
-                  </a:schemeClr>
-                </a:solidFill>
-              </a:rPr>
-              <a:t>DE</a:t>
-            </a:r>
-            <a:endParaRPr lang="en-US" sz="2400" dirty="0" smtClean="0">
-              <a:solidFill>
-                <a:schemeClr val="bg2">
-                  <a:lumMod val="25000"/>
-                </a:schemeClr>
-              </a:solidFill>
-            </a:endParaRPr>
           </a:p>
         </p:txBody>
       </p:sp>
@@ -27848,7 +28209,7 @@
   <p:timing>
     <p:tnLst>
       <p:par>
-        <p:cTn xmlns:p14="http://schemas.microsoft.com/office/powerpoint/2010/main" id="1" dur="indefinite" restart="never" nodeType="tmRoot"/>
+        <p:cTn id="1" dur="indefinite" restart="never" nodeType="tmRoot"/>
       </p:par>
     </p:tnLst>
   </p:timing>
@@ -27907,7 +28268,7 @@
   <p:timing>
     <p:tnLst>
       <p:par>
-        <p:cTn xmlns:p14="http://schemas.microsoft.com/office/powerpoint/2010/main" id="1" dur="indefinite" restart="never" nodeType="tmRoot"/>
+        <p:cTn id="1" dur="indefinite" restart="never" nodeType="tmRoot"/>
       </p:par>
     </p:tnLst>
   </p:timing>
@@ -27996,7 +28357,7 @@
   <p:timing>
     <p:tnLst>
       <p:par>
-        <p:cTn xmlns:p14="http://schemas.microsoft.com/office/powerpoint/2010/main" id="1" dur="indefinite" restart="never" nodeType="tmRoot"/>
+        <p:cTn id="1" dur="indefinite" restart="never" nodeType="tmRoot"/>
       </p:par>
     </p:tnLst>
   </p:timing>
@@ -28055,7 +28416,7 @@
   <p:timing>
     <p:tnLst>
       <p:par>
-        <p:cTn xmlns:p14="http://schemas.microsoft.com/office/powerpoint/2010/main" id="1" dur="indefinite" restart="never" nodeType="tmRoot"/>
+        <p:cTn id="1" dur="indefinite" restart="never" nodeType="tmRoot"/>
       </p:par>
     </p:tnLst>
   </p:timing>
@@ -28114,7 +28475,7 @@
   <p:timing>
     <p:tnLst>
       <p:par>
-        <p:cTn xmlns:p14="http://schemas.microsoft.com/office/powerpoint/2010/main" id="1" dur="indefinite" restart="never" nodeType="tmRoot"/>
+        <p:cTn id="1" dur="indefinite" restart="never" nodeType="tmRoot"/>
       </p:par>
     </p:tnLst>
   </p:timing>
@@ -28173,7 +28534,7 @@
   <p:timing>
     <p:tnLst>
       <p:par>
-        <p:cTn xmlns:p14="http://schemas.microsoft.com/office/powerpoint/2010/main" id="1" dur="indefinite" restart="never" nodeType="tmRoot"/>
+        <p:cTn id="1" dur="indefinite" restart="never" nodeType="tmRoot"/>
       </p:par>
     </p:tnLst>
   </p:timing>
@@ -28232,7 +28593,7 @@
   <p:timing>
     <p:tnLst>
       <p:par>
-        <p:cTn xmlns:p14="http://schemas.microsoft.com/office/powerpoint/2010/main" id="1" dur="indefinite" restart="never" nodeType="tmRoot"/>
+        <p:cTn id="1" dur="indefinite" restart="never" nodeType="tmRoot"/>
       </p:par>
     </p:tnLst>
   </p:timing>
@@ -28594,7 +28955,7 @@
   <p:timing>
     <p:tnLst>
       <p:par>
-        <p:cTn xmlns:p14="http://schemas.microsoft.com/office/powerpoint/2010/main" id="1" dur="indefinite" restart="never" nodeType="tmRoot"/>
+        <p:cTn id="1" dur="indefinite" restart="never" nodeType="tmRoot"/>
       </p:par>
     </p:tnLst>
   </p:timing>
@@ -28687,7 +29048,7 @@
   <p:timing>
     <p:tnLst>
       <p:par>
-        <p:cTn xmlns:p14="http://schemas.microsoft.com/office/powerpoint/2010/main" id="1" dur="indefinite" restart="never" nodeType="tmRoot"/>
+        <p:cTn id="1" dur="indefinite" restart="never" nodeType="tmRoot"/>
       </p:par>
     </p:tnLst>
   </p:timing>
@@ -28812,7 +29173,7 @@
   <p:timing>
     <p:tnLst>
       <p:par>
-        <p:cTn xmlns:p14="http://schemas.microsoft.com/office/powerpoint/2010/main" id="1" dur="indefinite" restart="never" nodeType="tmRoot"/>
+        <p:cTn id="1" dur="indefinite" restart="never" nodeType="tmRoot"/>
       </p:par>
     </p:tnLst>
   </p:timing>
@@ -29074,7 +29435,7 @@
   <a:extraClrSchemeLst/>
   <a:extLst>
     <a:ext uri="{05A4C25C-085E-4340-85A3-A5531E510DB2}">
-      <thm15:themeFamily xmlns:thm15="http://schemas.microsoft.com/office/thememl/2012/main" xmlns="" name="Office Theme" id="{62F939B6-93AF-4DB8-9C6B-D6C7DFDC589F}" vid="{4A3C46E8-61CC-4603-A589-7422A47A8E4A}"/>
+      <thm15:themeFamily xmlns:thm15="http://schemas.microsoft.com/office/thememl/2012/main" name="Office Theme" id="{62F939B6-93AF-4DB8-9C6B-D6C7DFDC589F}" vid="{4A3C46E8-61CC-4603-A589-7422A47A8E4A}"/>
     </a:ext>
   </a:extLst>
 </a:theme>
@@ -29335,7 +29696,7 @@
   <a:extraClrSchemeLst/>
   <a:extLst>
     <a:ext uri="{05A4C25C-085E-4340-85A3-A5531E510DB2}">
-      <thm15:themeFamily xmlns:thm15="http://schemas.microsoft.com/office/thememl/2012/main" xmlns="" name="Office Theme" id="{62F939B6-93AF-4DB8-9C6B-D6C7DFDC589F}" vid="{4A3C46E8-61CC-4603-A589-7422A47A8E4A}"/>
+      <thm15:themeFamily xmlns:thm15="http://schemas.microsoft.com/office/thememl/2012/main" name="Office Theme" id="{62F939B6-93AF-4DB8-9C6B-D6C7DFDC589F}" vid="{4A3C46E8-61CC-4603-A589-7422A47A8E4A}"/>
     </a:ext>
   </a:extLst>
 </a:theme>

--- a/elsarticle/Images/Thesis charts.pptx
+++ b/elsarticle/Images/Thesis charts.pptx
@@ -424,11 +424,11 @@
           <c:showPercent val="0"/>
           <c:showBubbleSize val="0"/>
         </c:dLbls>
-        <c:axId val="2105660048"/>
-        <c:axId val="2113126608"/>
+        <c:axId val="-2094839808"/>
+        <c:axId val="-2094166912"/>
       </c:scatterChart>
       <c:valAx>
-        <c:axId val="2105660048"/>
+        <c:axId val="-2094839808"/>
         <c:scaling>
           <c:orientation val="minMax"/>
         </c:scaling>
@@ -550,12 +550,12 @@
             <a:endParaRPr lang="en-US"/>
           </a:p>
         </c:txPr>
-        <c:crossAx val="2113126608"/>
+        <c:crossAx val="-2094166912"/>
         <c:crosses val="autoZero"/>
         <c:crossBetween val="midCat"/>
       </c:valAx>
       <c:valAx>
-        <c:axId val="2113126608"/>
+        <c:axId val="-2094166912"/>
         <c:scaling>
           <c:orientation val="minMax"/>
         </c:scaling>
@@ -681,7 +681,7 @@
             <a:endParaRPr lang="en-US"/>
           </a:p>
         </c:txPr>
-        <c:crossAx val="2105660048"/>
+        <c:crossAx val="-2094839808"/>
         <c:crosses val="autoZero"/>
         <c:crossBetween val="midCat"/>
       </c:valAx>
@@ -918,9 +918,7 @@
               </c:spPr>
             </c:leaderLines>
             <c:extLst>
-              <c:ext xmlns:c15="http://schemas.microsoft.com/office/drawing/2012/chart" uri="{CE6537A1-D6FC-4f65-9D91-7224C49458BB}">
-                <c15:layout/>
-              </c:ext>
+              <c:ext xmlns:c15="http://schemas.microsoft.com/office/drawing/2012/chart" uri="{CE6537A1-D6FC-4f65-9D91-7224C49458BB}"/>
             </c:extLst>
           </c:dLbls>
           <c:cat>
@@ -1241,9 +1239,7 @@
               <c:showPercent val="0"/>
               <c:showBubbleSize val="0"/>
               <c:extLst>
-                <c:ext xmlns:c15="http://schemas.microsoft.com/office/drawing/2012/chart" uri="{CE6537A1-D6FC-4f65-9D91-7224C49458BB}">
-                  <c15:layout/>
-                </c:ext>
+                <c:ext xmlns:c15="http://schemas.microsoft.com/office/drawing/2012/chart" uri="{CE6537A1-D6FC-4f65-9D91-7224C49458BB}"/>
               </c:extLst>
             </c:dLbl>
             <c:dLbl>
@@ -1261,9 +1257,7 @@
               <c:showPercent val="0"/>
               <c:showBubbleSize val="0"/>
               <c:extLst>
-                <c:ext xmlns:c15="http://schemas.microsoft.com/office/drawing/2012/chart" uri="{CE6537A1-D6FC-4f65-9D91-7224C49458BB}">
-                  <c15:layout/>
-                </c:ext>
+                <c:ext xmlns:c15="http://schemas.microsoft.com/office/drawing/2012/chart" uri="{CE6537A1-D6FC-4f65-9D91-7224C49458BB}"/>
               </c:extLst>
             </c:dLbl>
             <c:spPr>
@@ -1317,9 +1311,7 @@
               </c:spPr>
             </c:leaderLines>
             <c:extLst>
-              <c:ext xmlns:c15="http://schemas.microsoft.com/office/drawing/2012/chart" uri="{CE6537A1-D6FC-4f65-9D91-7224C49458BB}">
-                <c15:layout/>
-              </c:ext>
+              <c:ext xmlns:c15="http://schemas.microsoft.com/office/drawing/2012/chart" uri="{CE6537A1-D6FC-4f65-9D91-7224C49458BB}"/>
             </c:extLst>
           </c:dLbls>
           <c:cat>
@@ -1638,9 +1630,7 @@
               </c:spPr>
             </c:leaderLines>
             <c:extLst>
-              <c:ext xmlns:c15="http://schemas.microsoft.com/office/drawing/2012/chart" uri="{CE6537A1-D6FC-4f65-9D91-7224C49458BB}">
-                <c15:layout/>
-              </c:ext>
+              <c:ext xmlns:c15="http://schemas.microsoft.com/office/drawing/2012/chart" uri="{CE6537A1-D6FC-4f65-9D91-7224C49458BB}"/>
             </c:extLst>
           </c:dLbls>
           <c:cat>
@@ -1935,9 +1925,7 @@
               <c:showPercent val="0"/>
               <c:showBubbleSize val="0"/>
               <c:extLst>
-                <c:ext xmlns:c15="http://schemas.microsoft.com/office/drawing/2012/chart" uri="{CE6537A1-D6FC-4f65-9D91-7224C49458BB}">
-                  <c15:layout/>
-                </c:ext>
+                <c:ext xmlns:c15="http://schemas.microsoft.com/office/drawing/2012/chart" uri="{CE6537A1-D6FC-4f65-9D91-7224C49458BB}"/>
               </c:extLst>
             </c:dLbl>
             <c:dLbl>
@@ -2238,9 +2226,7 @@
               <c:showPercent val="0"/>
               <c:showBubbleSize val="0"/>
               <c:extLst>
-                <c:ext xmlns:c15="http://schemas.microsoft.com/office/drawing/2012/chart" uri="{CE6537A1-D6FC-4f65-9D91-7224C49458BB}">
-                  <c15:layout/>
-                </c:ext>
+                <c:ext xmlns:c15="http://schemas.microsoft.com/office/drawing/2012/chart" uri="{CE6537A1-D6FC-4f65-9D91-7224C49458BB}"/>
               </c:extLst>
             </c:dLbl>
             <c:spPr>
@@ -2363,11 +2349,11 @@
         </c:dLbls>
         <c:gapWidth val="150"/>
         <c:overlap val="100"/>
-        <c:axId val="-2091527712"/>
-        <c:axId val="-2091524752"/>
+        <c:axId val="-2084795568"/>
+        <c:axId val="-2082815488"/>
       </c:barChart>
       <c:catAx>
-        <c:axId val="-2091527712"/>
+        <c:axId val="-2084795568"/>
         <c:scaling>
           <c:orientation val="minMax"/>
         </c:scaling>
@@ -2377,7 +2363,7 @@
         <c:majorTickMark val="none"/>
         <c:minorTickMark val="none"/>
         <c:tickLblPos val="nextTo"/>
-        <c:crossAx val="-2091524752"/>
+        <c:crossAx val="-2082815488"/>
         <c:crosses val="autoZero"/>
         <c:auto val="1"/>
         <c:lblAlgn val="ctr"/>
@@ -2385,7 +2371,7 @@
         <c:noMultiLvlLbl val="0"/>
       </c:catAx>
       <c:valAx>
-        <c:axId val="-2091524752"/>
+        <c:axId val="-2082815488"/>
         <c:scaling>
           <c:orientation val="minMax"/>
         </c:scaling>
@@ -2440,7 +2426,6 @@
               </a:p>
             </c:rich>
           </c:tx>
-          <c:layout/>
           <c:overlay val="0"/>
           <c:spPr>
             <a:noFill/>
@@ -2501,7 +2486,7 @@
             <a:endParaRPr lang="en-US"/>
           </a:p>
         </c:txPr>
-        <c:crossAx val="-2091527712"/>
+        <c:crossAx val="-2084795568"/>
         <c:crosses val="autoZero"/>
         <c:crossBetween val="between"/>
       </c:valAx>
@@ -2884,11 +2869,11 @@
         </c:dLbls>
         <c:gapWidth val="219"/>
         <c:overlap val="-27"/>
-        <c:axId val="2140586832"/>
-        <c:axId val="-2092310160"/>
+        <c:axId val="2055857792"/>
+        <c:axId val="2142985648"/>
       </c:barChart>
       <c:catAx>
-        <c:axId val="2140586832"/>
+        <c:axId val="2055857792"/>
         <c:scaling>
           <c:orientation val="minMax"/>
         </c:scaling>
@@ -2928,7 +2913,7 @@
             <a:endParaRPr lang="en-US"/>
           </a:p>
         </c:txPr>
-        <c:crossAx val="-2092310160"/>
+        <c:crossAx val="2142985648"/>
         <c:crosses val="autoZero"/>
         <c:auto val="1"/>
         <c:lblAlgn val="ctr"/>
@@ -2936,7 +2921,7 @@
         <c:noMultiLvlLbl val="0"/>
       </c:catAx>
       <c:valAx>
-        <c:axId val="-2092310160"/>
+        <c:axId val="2142985648"/>
         <c:scaling>
           <c:orientation val="minMax"/>
         </c:scaling>
@@ -3004,7 +2989,6 @@
               </a:p>
             </c:rich>
           </c:tx>
-          <c:layout/>
           <c:overlay val="0"/>
           <c:spPr>
             <a:noFill/>
@@ -3067,7 +3051,7 @@
             <a:endParaRPr lang="en-US"/>
           </a:p>
         </c:txPr>
-        <c:crossAx val="2140586832"/>
+        <c:crossAx val="2055857792"/>
         <c:crosses val="autoZero"/>
         <c:crossBetween val="between"/>
       </c:valAx>
@@ -3083,7 +3067,6 @@
     </c:plotArea>
     <c:legend>
       <c:legendPos val="b"/>
-      <c:layout/>
       <c:overlay val="0"/>
       <c:spPr>
         <a:noFill/>
@@ -3364,11 +3347,11 @@
         </c:dLbls>
         <c:gapWidth val="219"/>
         <c:overlap val="-27"/>
-        <c:axId val="-2092557728"/>
-        <c:axId val="2061592368"/>
+        <c:axId val="-2092039200"/>
+        <c:axId val="-2092748672"/>
       </c:barChart>
       <c:catAx>
-        <c:axId val="-2092557728"/>
+        <c:axId val="-2092039200"/>
         <c:scaling>
           <c:orientation val="minMax"/>
         </c:scaling>
@@ -3408,7 +3391,7 @@
             <a:endParaRPr lang="en-US"/>
           </a:p>
         </c:txPr>
-        <c:crossAx val="2061592368"/>
+        <c:crossAx val="-2092748672"/>
         <c:crosses val="autoZero"/>
         <c:auto val="1"/>
         <c:lblAlgn val="ctr"/>
@@ -3416,7 +3399,7 @@
         <c:noMultiLvlLbl val="0"/>
       </c:catAx>
       <c:valAx>
-        <c:axId val="2061592368"/>
+        <c:axId val="-2092748672"/>
         <c:scaling>
           <c:orientation val="minMax"/>
         </c:scaling>
@@ -3494,7 +3477,6 @@
               </a:p>
             </c:rich>
           </c:tx>
-          <c:layout/>
           <c:overlay val="0"/>
           <c:spPr>
             <a:noFill/>
@@ -3537,7 +3519,7 @@
             <a:endParaRPr lang="en-US"/>
           </a:p>
         </c:txPr>
-        <c:crossAx val="-2092557728"/>
+        <c:crossAx val="-2092039200"/>
         <c:crosses val="autoZero"/>
         <c:crossBetween val="between"/>
       </c:valAx>
@@ -3553,7 +3535,6 @@
     </c:plotArea>
     <c:legend>
       <c:legendPos val="b"/>
-      <c:layout/>
       <c:overlay val="0"/>
       <c:spPr>
         <a:noFill/>
@@ -3785,9 +3766,7 @@
               </c:spPr>
             </c:leaderLines>
             <c:extLst>
-              <c:ext xmlns:c15="http://schemas.microsoft.com/office/drawing/2012/chart" uri="{CE6537A1-D6FC-4f65-9D91-7224C49458BB}">
-                <c15:layout/>
-              </c:ext>
+              <c:ext xmlns:c15="http://schemas.microsoft.com/office/drawing/2012/chart" uri="{CE6537A1-D6FC-4f65-9D91-7224C49458BB}"/>
             </c:extLst>
           </c:dLbls>
           <c:cat>
@@ -4067,7 +4046,7 @@
                   <c:v>-6.43</c:v>
                 </c:pt>
                 <c:pt idx="10">
-                  <c:v>-9.739999999999998</c:v>
+                  <c:v>-9.74</c:v>
                 </c:pt>
                 <c:pt idx="11">
                   <c:v>-13.05</c:v>
@@ -4101,11 +4080,11 @@
           <c:showBubbleSize val="0"/>
         </c:dLbls>
         <c:smooth val="0"/>
-        <c:axId val="-2093545888"/>
-        <c:axId val="-2093534944"/>
+        <c:axId val="-2092563216"/>
+        <c:axId val="-2092479920"/>
       </c:lineChart>
       <c:catAx>
-        <c:axId val="-2093545888"/>
+        <c:axId val="-2092563216"/>
         <c:scaling>
           <c:orientation val="minMax"/>
         </c:scaling>
@@ -4148,7 +4127,7 @@
             <a:endParaRPr lang="en-US"/>
           </a:p>
         </c:txPr>
-        <c:crossAx val="-2093534944"/>
+        <c:crossAx val="-2092479920"/>
         <c:crosses val="autoZero"/>
         <c:auto val="1"/>
         <c:lblAlgn val="ctr"/>
@@ -4156,7 +4135,7 @@
         <c:noMultiLvlLbl val="0"/>
       </c:catAx>
       <c:valAx>
-        <c:axId val="-2093534944"/>
+        <c:axId val="-2092479920"/>
         <c:scaling>
           <c:orientation val="minMax"/>
         </c:scaling>
@@ -4203,7 +4182,6 @@
               </a:p>
             </c:rich>
           </c:tx>
-          <c:layout/>
           <c:overlay val="0"/>
           <c:spPr>
             <a:noFill/>
@@ -4244,7 +4222,7 @@
             <a:endParaRPr lang="en-US"/>
           </a:p>
         </c:txPr>
-        <c:crossAx val="-2093545888"/>
+        <c:crossAx val="-2092563216"/>
         <c:crosses val="autoZero"/>
         <c:crossBetween val="between"/>
       </c:valAx>
@@ -4260,7 +4238,6 @@
     </c:plotArea>
     <c:legend>
       <c:legendPos val="b"/>
-      <c:layout/>
       <c:overlay val="0"/>
       <c:spPr>
         <a:noFill/>
@@ -4402,7 +4379,6 @@
             <c:showLeaderLines val="0"/>
             <c:extLst>
               <c:ext xmlns:c15="http://schemas.microsoft.com/office/drawing/2012/chart" uri="{CE6537A1-D6FC-4f65-9D91-7224C49458BB}">
-                <c15:layout/>
                 <c15:showLeaderLines val="1"/>
                 <c15:leaderLines>
                   <c:spPr>
@@ -4515,7 +4491,6 @@
             <c:showLeaderLines val="0"/>
             <c:extLst>
               <c:ext xmlns:c15="http://schemas.microsoft.com/office/drawing/2012/chart" uri="{CE6537A1-D6FC-4f65-9D91-7224C49458BB}">
-                <c15:layout/>
                 <c15:showLeaderLines val="1"/>
                 <c15:leaderLines>
                   <c:spPr>
@@ -4628,7 +4603,6 @@
             <c:showLeaderLines val="0"/>
             <c:extLst>
               <c:ext xmlns:c15="http://schemas.microsoft.com/office/drawing/2012/chart" uri="{CE6537A1-D6FC-4f65-9D91-7224C49458BB}">
-                <c15:layout/>
                 <c15:showLeaderLines val="1"/>
                 <c15:leaderLines>
                   <c:spPr>
@@ -4796,7 +4770,6 @@
             <c:showLeaderLines val="0"/>
             <c:extLst>
               <c:ext xmlns:c15="http://schemas.microsoft.com/office/drawing/2012/chart" uri="{CE6537A1-D6FC-4f65-9D91-7224C49458BB}">
-                <c15:layout/>
                 <c15:showLeaderLines val="1"/>
                 <c15:leaderLines>
                   <c:spPr>
@@ -4856,11 +4829,11 @@
         </c:dLbls>
         <c:gapWidth val="219"/>
         <c:overlap val="-27"/>
-        <c:axId val="-2094195552"/>
-        <c:axId val="-2094191072"/>
+        <c:axId val="2142667120"/>
+        <c:axId val="-2093383040"/>
       </c:barChart>
       <c:catAx>
-        <c:axId val="-2094195552"/>
+        <c:axId val="2142667120"/>
         <c:scaling>
           <c:orientation val="minMax"/>
         </c:scaling>
@@ -4903,7 +4876,7 @@
             <a:endParaRPr lang="en-US"/>
           </a:p>
         </c:txPr>
-        <c:crossAx val="-2094191072"/>
+        <c:crossAx val="-2093383040"/>
         <c:crosses val="autoZero"/>
         <c:auto val="1"/>
         <c:lblAlgn val="ctr"/>
@@ -4911,7 +4884,7 @@
         <c:noMultiLvlLbl val="0"/>
       </c:catAx>
       <c:valAx>
-        <c:axId val="-2094191072"/>
+        <c:axId val="-2093383040"/>
         <c:scaling>
           <c:orientation val="minMax"/>
         </c:scaling>
@@ -4974,7 +4947,6 @@
               </a:p>
             </c:rich>
           </c:tx>
-          <c:layout/>
           <c:overlay val="0"/>
           <c:spPr>
             <a:noFill/>
@@ -5035,7 +5007,7 @@
             <a:endParaRPr lang="en-US"/>
           </a:p>
         </c:txPr>
-        <c:crossAx val="-2094195552"/>
+        <c:crossAx val="2142667120"/>
         <c:crosses val="autoZero"/>
         <c:crossBetween val="between"/>
       </c:valAx>
@@ -5051,7 +5023,6 @@
     </c:plotArea>
     <c:legend>
       <c:legendPos val="b"/>
-      <c:layout/>
       <c:overlay val="0"/>
       <c:spPr>
         <a:noFill/>
@@ -5185,26 +5156,6 @@
                 </c:ext>
               </c:extLst>
             </c:dLbl>
-            <c:dLbl>
-              <c:idx val="1"/>
-              <c:layout>
-                <c:manualLayout>
-                  <c:x val="-4.92549568237843E-17"/>
-                  <c:y val="-0.0493939380470003"/>
-                </c:manualLayout>
-              </c:layout>
-              <c:showLegendKey val="0"/>
-              <c:showVal val="1"/>
-              <c:showCatName val="0"/>
-              <c:showSerName val="0"/>
-              <c:showPercent val="0"/>
-              <c:showBubbleSize val="0"/>
-              <c:extLst>
-                <c:ext xmlns:c15="http://schemas.microsoft.com/office/drawing/2012/chart" uri="{CE6537A1-D6FC-4f65-9D91-7224C49458BB}">
-                  <c15:layout/>
-                </c:ext>
-              </c:extLst>
-            </c:dLbl>
             <c:spPr>
               <a:noFill/>
               <a:ln>
@@ -5270,16 +5221,16 @@
                   <c:v>ENTSO-E</c:v>
                 </c:pt>
                 <c:pt idx="1">
-                  <c:v>Switzerland</c:v>
+                  <c:v>ASF (CIGS) ENTSO-E mix incl. shading benefits</c:v>
                 </c:pt>
                 <c:pt idx="2">
-                  <c:v>ASF (CIGS) ENTSO-E mix incl. shading benefits</c:v>
+                  <c:v>ASF (CIGS) ENTSO-E mix excl. shading benefits</c:v>
                 </c:pt>
                 <c:pt idx="3">
-                  <c:v>ASF (CIGS) ENTSO-E mix excl. shading benefits</c:v>
+                  <c:v>Static ASF (CIGS) ENTSO-E mix incl. shading benefits </c:v>
                 </c:pt>
                 <c:pt idx="4">
-                  <c:v>Static ASF (CIGS) ENTSO-E mix incl. shading benefits </c:v>
+                  <c:v>Static ASF (CIGS) ENTSO-E mix excl. shading benefits </c:v>
                 </c:pt>
                 <c:pt idx="5">
                   <c:v>Poly-Si</c:v>
@@ -5301,9 +5252,6 @@
                 <c:ptCount val="8"/>
                 <c:pt idx="0" formatCode="0.0">
                   <c:v>462.1</c:v>
-                </c:pt>
-                <c:pt idx="1">
-                  <c:v>113.1</c:v>
                 </c:pt>
               </c:numCache>
             </c:numRef>
@@ -5340,7 +5288,7 @@
           </c:dPt>
           <c:dLbls>
             <c:dLbl>
-              <c:idx val="2"/>
+              <c:idx val="1"/>
               <c:layout>
                 <c:manualLayout>
                   <c:x val="0.0"/>
@@ -5360,7 +5308,7 @@
               </c:extLst>
             </c:dLbl>
             <c:dLbl>
-              <c:idx val="3"/>
+              <c:idx val="2"/>
               <c:layout>
                 <c:manualLayout>
                   <c:x val="0.0"/>
@@ -5380,7 +5328,7 @@
               </c:extLst>
             </c:dLbl>
             <c:dLbl>
-              <c:idx val="4"/>
+              <c:idx val="3"/>
               <c:layout>
                 <c:manualLayout>
                   <c:x val="0.0"/>
@@ -5465,16 +5413,16 @@
                   <c:v>ENTSO-E</c:v>
                 </c:pt>
                 <c:pt idx="1">
-                  <c:v>Switzerland</c:v>
+                  <c:v>ASF (CIGS) ENTSO-E mix incl. shading benefits</c:v>
                 </c:pt>
                 <c:pt idx="2">
-                  <c:v>ASF (CIGS) ENTSO-E mix incl. shading benefits</c:v>
+                  <c:v>ASF (CIGS) ENTSO-E mix excl. shading benefits</c:v>
                 </c:pt>
                 <c:pt idx="3">
-                  <c:v>ASF (CIGS) ENTSO-E mix excl. shading benefits</c:v>
+                  <c:v>Static ASF (CIGS) ENTSO-E mix incl. shading benefits </c:v>
                 </c:pt>
                 <c:pt idx="4">
-                  <c:v>Static ASF (CIGS) ENTSO-E mix incl. shading benefits </c:v>
+                  <c:v>Static ASF (CIGS) ENTSO-E mix excl. shading benefits </c:v>
                 </c:pt>
                 <c:pt idx="5">
                   <c:v>Poly-Si</c:v>
@@ -5492,15 +5440,18 @@
             <c:numRef>
               <c:f>Sheet1!$C$2:$C$9</c:f>
               <c:numCache>
-                <c:formatCode>General</c:formatCode>
+                <c:formatCode>0.0</c:formatCode>
                 <c:ptCount val="8"/>
-                <c:pt idx="2" formatCode="0.0">
+                <c:pt idx="1">
                   <c:v>-537.0</c:v>
                 </c:pt>
-                <c:pt idx="3">
+                <c:pt idx="2" formatCode="General">
                   <c:v>277.1</c:v>
                 </c:pt>
-                <c:pt idx="4">
+                <c:pt idx="3" formatCode="General">
+                  <c:v>0.0</c:v>
+                </c:pt>
+                <c:pt idx="4" formatCode="General">
                   <c:v>0.0</c:v>
                 </c:pt>
               </c:numCache>
@@ -5582,10 +5533,6 @@
                     <a:prstGeom prst="rect">
                       <a:avLst/>
                     </a:prstGeom>
-                    <a:noFill/>
-                    <a:ln>
-                      <a:noFill/>
-                    </a:ln>
                   </c15:spPr>
                   <c15:layout/>
                 </c:ext>
@@ -5699,16 +5646,16 @@
                   <c:v>ENTSO-E</c:v>
                 </c:pt>
                 <c:pt idx="1">
-                  <c:v>Switzerland</c:v>
+                  <c:v>ASF (CIGS) ENTSO-E mix incl. shading benefits</c:v>
                 </c:pt>
                 <c:pt idx="2">
-                  <c:v>ASF (CIGS) ENTSO-E mix incl. shading benefits</c:v>
+                  <c:v>ASF (CIGS) ENTSO-E mix excl. shading benefits</c:v>
                 </c:pt>
                 <c:pt idx="3">
-                  <c:v>ASF (CIGS) ENTSO-E mix excl. shading benefits</c:v>
+                  <c:v>Static ASF (CIGS) ENTSO-E mix incl. shading benefits </c:v>
                 </c:pt>
                 <c:pt idx="4">
-                  <c:v>Static ASF (CIGS) ENTSO-E mix incl. shading benefits </c:v>
+                  <c:v>Static ASF (CIGS) ENTSO-E mix excl. shading benefits </c:v>
                 </c:pt>
                 <c:pt idx="5">
                   <c:v>Poly-Si</c:v>
@@ -5751,11 +5698,11 @@
         </c:dLbls>
         <c:gapWidth val="219"/>
         <c:overlap val="100"/>
-        <c:axId val="-2091318752"/>
-        <c:axId val="-2091496080"/>
+        <c:axId val="-2095242848"/>
+        <c:axId val="-2095465328"/>
       </c:barChart>
       <c:catAx>
-        <c:axId val="-2091318752"/>
+        <c:axId val="-2095242848"/>
         <c:scaling>
           <c:orientation val="minMax"/>
         </c:scaling>
@@ -5765,7 +5712,7 @@
         <c:majorTickMark val="none"/>
         <c:minorTickMark val="none"/>
         <c:tickLblPos val="nextTo"/>
-        <c:crossAx val="-2091496080"/>
+        <c:crossAx val="-2095465328"/>
         <c:crosses val="autoZero"/>
         <c:auto val="1"/>
         <c:lblAlgn val="ctr"/>
@@ -5773,7 +5720,7 @@
         <c:noMultiLvlLbl val="0"/>
       </c:catAx>
       <c:valAx>
-        <c:axId val="-2091496080"/>
+        <c:axId val="-2095465328"/>
         <c:scaling>
           <c:orientation val="minMax"/>
         </c:scaling>
@@ -5870,26 +5817,6 @@
             </a:ln>
             <a:effectLst/>
           </c:spPr>
-          <c:txPr>
-            <a:bodyPr rot="-5400000" spcFirstLastPara="1" vertOverflow="ellipsis" vert="horz" wrap="square" anchor="ctr" anchorCtr="1"/>
-            <a:lstStyle/>
-            <a:p>
-              <a:pPr>
-                <a:defRPr sz="2800" b="0" i="0" u="none" strike="noStrike" kern="1200" baseline="0">
-                  <a:solidFill>
-                    <a:schemeClr val="tx1">
-                      <a:lumMod val="65000"/>
-                      <a:lumOff val="35000"/>
-                    </a:schemeClr>
-                  </a:solidFill>
-                  <a:latin typeface="+mn-lt"/>
-                  <a:ea typeface="+mn-ea"/>
-                  <a:cs typeface="+mn-cs"/>
-                </a:defRPr>
-              </a:pPr>
-              <a:endParaRPr lang="en-US"/>
-            </a:p>
-          </c:txPr>
         </c:title>
         <c:numFmt formatCode="0.0" sourceLinked="1"/>
         <c:majorTickMark val="none"/>
@@ -5922,7 +5849,7 @@
             <a:endParaRPr lang="en-US"/>
           </a:p>
         </c:txPr>
-        <c:crossAx val="-2091318752"/>
+        <c:crossAx val="-2095242848"/>
         <c:crosses val="autoZero"/>
         <c:crossBetween val="between"/>
       </c:valAx>
@@ -5998,7 +5925,7 @@
       <a:endParaRPr lang="en-US"/>
     </a:p>
   </c:txPr>
-  <c:externalData r:id="rId3">
+  <c:externalData r:id="rId1">
     <c:autoUpdate val="0"/>
   </c:externalData>
 </c:chartSpace>
@@ -6089,6 +6016,7 @@
             <c:showLeaderLines val="0"/>
             <c:extLst>
               <c:ext xmlns:c15="http://schemas.microsoft.com/office/drawing/2012/chart" uri="{CE6537A1-D6FC-4f65-9D91-7224C49458BB}">
+                <c15:layout/>
                 <c15:showLeaderLines val="1"/>
                 <c15:leaderLines>
                   <c:spPr>
@@ -6212,6 +6140,7 @@
             <c:showLeaderLines val="0"/>
             <c:extLst>
               <c:ext xmlns:c15="http://schemas.microsoft.com/office/drawing/2012/chart" uri="{CE6537A1-D6FC-4f65-9D91-7224C49458BB}">
+                <c15:layout/>
                 <c15:showLeaderLines val="1"/>
                 <c15:leaderLines>
                   <c:spPr>
@@ -6330,6 +6259,7 @@
             <c:showLeaderLines val="0"/>
             <c:extLst>
               <c:ext xmlns:c15="http://schemas.microsoft.com/office/drawing/2012/chart" uri="{CE6537A1-D6FC-4f65-9D91-7224C49458BB}">
+                <c15:layout/>
                 <c15:showLeaderLines val="1"/>
                 <c15:leaderLines>
                   <c:spPr>
@@ -6394,11 +6324,11 @@
         </c:dLbls>
         <c:gapWidth val="219"/>
         <c:overlap val="-27"/>
-        <c:axId val="2087174624"/>
-        <c:axId val="2087194704"/>
+        <c:axId val="2106680960"/>
+        <c:axId val="2111305600"/>
       </c:barChart>
       <c:catAx>
-        <c:axId val="2087174624"/>
+        <c:axId val="2106680960"/>
         <c:scaling>
           <c:orientation val="minMax"/>
         </c:scaling>
@@ -6438,7 +6368,7 @@
             <a:endParaRPr lang="en-US"/>
           </a:p>
         </c:txPr>
-        <c:crossAx val="2087194704"/>
+        <c:crossAx val="2111305600"/>
         <c:crosses val="autoZero"/>
         <c:auto val="1"/>
         <c:lblAlgn val="ctr"/>
@@ -6446,7 +6376,7 @@
         <c:noMultiLvlLbl val="0"/>
       </c:catAx>
       <c:valAx>
-        <c:axId val="2087194704"/>
+        <c:axId val="2111305600"/>
         <c:scaling>
           <c:orientation val="minMax"/>
         </c:scaling>
@@ -6505,6 +6435,7 @@
               </a:p>
             </c:rich>
           </c:tx>
+          <c:layout/>
           <c:overlay val="0"/>
           <c:spPr>
             <a:noFill/>
@@ -6567,7 +6498,7 @@
             <a:endParaRPr lang="en-US"/>
           </a:p>
         </c:txPr>
-        <c:crossAx val="2087174624"/>
+        <c:crossAx val="2106680960"/>
         <c:crosses val="autoZero"/>
         <c:crossBetween val="between"/>
       </c:valAx>
@@ -6583,6 +6514,7 @@
     </c:plotArea>
     <c:legend>
       <c:legendPos val="b"/>
+      <c:layout/>
       <c:overlay val="0"/>
       <c:spPr>
         <a:noFill/>
@@ -6949,11 +6881,11 @@
         </c:dLbls>
         <c:gapWidth val="219"/>
         <c:overlap val="100"/>
-        <c:axId val="2085874160"/>
-        <c:axId val="2085979536"/>
+        <c:axId val="-2092865136"/>
+        <c:axId val="-2092680736"/>
       </c:barChart>
       <c:catAx>
-        <c:axId val="2085874160"/>
+        <c:axId val="-2092865136"/>
         <c:scaling>
           <c:orientation val="minMax"/>
         </c:scaling>
@@ -6996,7 +6928,7 @@
             <a:endParaRPr lang="en-US"/>
           </a:p>
         </c:txPr>
-        <c:crossAx val="2085979536"/>
+        <c:crossAx val="-2092680736"/>
         <c:crosses val="autoZero"/>
         <c:auto val="1"/>
         <c:lblAlgn val="ctr"/>
@@ -7004,7 +6936,7 @@
         <c:noMultiLvlLbl val="0"/>
       </c:catAx>
       <c:valAx>
-        <c:axId val="2085979536"/>
+        <c:axId val="-2092680736"/>
         <c:scaling>
           <c:orientation val="minMax"/>
         </c:scaling>
@@ -7055,7 +6987,6 @@
               </a:p>
             </c:rich>
           </c:tx>
-          <c:layout/>
           <c:overlay val="0"/>
           <c:spPr>
             <a:noFill/>
@@ -7096,7 +7027,7 @@
             <a:endParaRPr lang="en-US"/>
           </a:p>
         </c:txPr>
-        <c:crossAx val="2085874160"/>
+        <c:crossAx val="-2092865136"/>
         <c:crosses val="autoZero"/>
         <c:crossBetween val="between"/>
       </c:valAx>
@@ -7112,7 +7043,6 @@
     </c:plotArea>
     <c:legend>
       <c:legendPos val="b"/>
-      <c:layout/>
       <c:overlay val="0"/>
       <c:spPr>
         <a:noFill/>
@@ -7336,11 +7266,11 @@
         </c:dLbls>
         <c:gapWidth val="219"/>
         <c:overlap val="100"/>
-        <c:axId val="-2095009312"/>
-        <c:axId val="-2091397520"/>
+        <c:axId val="-2084055504"/>
+        <c:axId val="-2084052576"/>
       </c:barChart>
       <c:catAx>
-        <c:axId val="-2095009312"/>
+        <c:axId val="-2084055504"/>
         <c:scaling>
           <c:orientation val="minMax"/>
         </c:scaling>
@@ -7350,7 +7280,7 @@
         <c:majorTickMark val="none"/>
         <c:minorTickMark val="none"/>
         <c:tickLblPos val="nextTo"/>
-        <c:crossAx val="-2091397520"/>
+        <c:crossAx val="-2084052576"/>
         <c:crosses val="autoZero"/>
         <c:auto val="1"/>
         <c:lblAlgn val="ctr"/>
@@ -7358,7 +7288,7 @@
         <c:noMultiLvlLbl val="0"/>
       </c:catAx>
       <c:valAx>
-        <c:axId val="-2091397520"/>
+        <c:axId val="-2084052576"/>
         <c:scaling>
           <c:orientation val="minMax"/>
         </c:scaling>
@@ -7439,7 +7369,6 @@
               </a:p>
             </c:rich>
           </c:tx>
-          <c:layout/>
           <c:overlay val="0"/>
           <c:spPr>
             <a:noFill/>
@@ -7500,7 +7429,7 @@
             <a:endParaRPr lang="en-US"/>
           </a:p>
         </c:txPr>
-        <c:crossAx val="-2095009312"/>
+        <c:crossAx val="-2084055504"/>
         <c:crosses val="autoZero"/>
         <c:crossBetween val="between"/>
         <c:majorUnit val="100.0"/>
@@ -7627,7 +7556,6 @@
             <c:showLeaderLines val="0"/>
             <c:extLst>
               <c:ext xmlns:c15="http://schemas.microsoft.com/office/drawing/2012/chart" uri="{CE6537A1-D6FC-4f65-9D91-7224C49458BB}">
-                <c15:layout/>
                 <c15:showLeaderLines val="1"/>
                 <c15:leaderLines>
                   <c:spPr>
@@ -7757,7 +7685,6 @@
             <c:showLeaderLines val="0"/>
             <c:extLst>
               <c:ext xmlns:c15="http://schemas.microsoft.com/office/drawing/2012/chart" uri="{CE6537A1-D6FC-4f65-9D91-7224C49458BB}">
-                <c15:layout/>
                 <c15:showLeaderLines val="1"/>
                 <c15:leaderLines>
                   <c:spPr>
@@ -7828,11 +7755,11 @@
         </c:dLbls>
         <c:gapWidth val="219"/>
         <c:overlap val="-27"/>
-        <c:axId val="2087228112"/>
-        <c:axId val="2087231520"/>
+        <c:axId val="-2082094864"/>
+        <c:axId val="-2082103952"/>
       </c:barChart>
       <c:catAx>
-        <c:axId val="2087228112"/>
+        <c:axId val="-2082094864"/>
         <c:scaling>
           <c:orientation val="minMax"/>
         </c:scaling>
@@ -7872,7 +7799,7 @@
             <a:endParaRPr lang="en-US"/>
           </a:p>
         </c:txPr>
-        <c:crossAx val="2087231520"/>
+        <c:crossAx val="-2082103952"/>
         <c:crosses val="autoZero"/>
         <c:auto val="1"/>
         <c:lblAlgn val="ctr"/>
@@ -7880,7 +7807,7 @@
         <c:noMultiLvlLbl val="0"/>
       </c:catAx>
       <c:valAx>
-        <c:axId val="2087231520"/>
+        <c:axId val="-2082103952"/>
         <c:scaling>
           <c:orientation val="minMax"/>
         </c:scaling>
@@ -7951,7 +7878,6 @@
               </a:p>
             </c:rich>
           </c:tx>
-          <c:layout/>
           <c:overlay val="0"/>
           <c:spPr>
             <a:noFill/>
@@ -8014,7 +7940,7 @@
             <a:endParaRPr lang="en-US"/>
           </a:p>
         </c:txPr>
-        <c:crossAx val="2087228112"/>
+        <c:crossAx val="-2082094864"/>
         <c:crosses val="autoZero"/>
         <c:crossBetween val="between"/>
       </c:valAx>
@@ -8030,7 +7956,6 @@
     </c:plotArea>
     <c:legend>
       <c:legendPos val="b"/>
-      <c:layout/>
       <c:overlay val="0"/>
       <c:spPr>
         <a:noFill/>
@@ -8172,7 +8097,6 @@
             <c:showLeaderLines val="0"/>
             <c:extLst>
               <c:ext xmlns:c15="http://schemas.microsoft.com/office/drawing/2012/chart" uri="{CE6537A1-D6FC-4f65-9D91-7224C49458BB}">
-                <c15:layout/>
                 <c15:showLeaderLines val="1"/>
                 <c15:leaderLines>
                   <c:spPr>
@@ -8302,7 +8226,6 @@
             <c:showLeaderLines val="0"/>
             <c:extLst>
               <c:ext xmlns:c15="http://schemas.microsoft.com/office/drawing/2012/chart" uri="{CE6537A1-D6FC-4f65-9D91-7224C49458BB}">
-                <c15:layout/>
                 <c15:showLeaderLines val="1"/>
                 <c15:leaderLines>
                   <c:spPr>
@@ -8427,7 +8350,6 @@
             <c:showLeaderLines val="0"/>
             <c:extLst>
               <c:ext xmlns:c15="http://schemas.microsoft.com/office/drawing/2012/chart" uri="{CE6537A1-D6FC-4f65-9D91-7224C49458BB}">
-                <c15:layout/>
                 <c15:showLeaderLines val="1"/>
                 <c15:leaderLines>
                   <c:spPr>
@@ -8552,7 +8474,6 @@
             <c:showLeaderLines val="0"/>
             <c:extLst>
               <c:ext xmlns:c15="http://schemas.microsoft.com/office/drawing/2012/chart" uri="{CE6537A1-D6FC-4f65-9D91-7224C49458BB}">
-                <c15:layout/>
                 <c15:showLeaderLines val="1"/>
                 <c15:leaderLines>
                   <c:spPr>
@@ -8623,11 +8544,11 @@
         </c:dLbls>
         <c:gapWidth val="219"/>
         <c:overlap val="-27"/>
-        <c:axId val="2086365856"/>
-        <c:axId val="2086324480"/>
+        <c:axId val="-2122649232"/>
+        <c:axId val="2106758128"/>
       </c:barChart>
       <c:catAx>
-        <c:axId val="2086365856"/>
+        <c:axId val="-2122649232"/>
         <c:scaling>
           <c:orientation val="minMax"/>
         </c:scaling>
@@ -8667,7 +8588,7 @@
             <a:endParaRPr lang="en-US"/>
           </a:p>
         </c:txPr>
-        <c:crossAx val="2086324480"/>
+        <c:crossAx val="2106758128"/>
         <c:crosses val="autoZero"/>
         <c:auto val="1"/>
         <c:lblAlgn val="ctr"/>
@@ -8675,7 +8596,7 @@
         <c:noMultiLvlLbl val="0"/>
       </c:catAx>
       <c:valAx>
-        <c:axId val="2086324480"/>
+        <c:axId val="2106758128"/>
         <c:scaling>
           <c:orientation val="minMax"/>
         </c:scaling>
@@ -8751,7 +8672,6 @@
               </a:p>
             </c:rich>
           </c:tx>
-          <c:layout/>
           <c:overlay val="0"/>
           <c:spPr>
             <a:noFill/>
@@ -8814,7 +8734,7 @@
             <a:endParaRPr lang="en-US"/>
           </a:p>
         </c:txPr>
-        <c:crossAx val="2086365856"/>
+        <c:crossAx val="-2122649232"/>
         <c:crosses val="autoZero"/>
         <c:crossBetween val="between"/>
       </c:valAx>
@@ -8830,7 +8750,6 @@
     </c:plotArea>
     <c:legend>
       <c:legendPos val="b"/>
-      <c:layout/>
       <c:overlay val="0"/>
       <c:spPr>
         <a:noFill/>
@@ -9206,11 +9125,11 @@
         </c:dLbls>
         <c:gapWidth val="219"/>
         <c:overlap val="-27"/>
-        <c:axId val="2086284464"/>
-        <c:axId val="2086287824"/>
+        <c:axId val="2143127520"/>
+        <c:axId val="2143183424"/>
       </c:barChart>
       <c:catAx>
-        <c:axId val="2086284464"/>
+        <c:axId val="2143127520"/>
         <c:scaling>
           <c:orientation val="minMax"/>
         </c:scaling>
@@ -9250,7 +9169,7 @@
             <a:endParaRPr lang="en-US"/>
           </a:p>
         </c:txPr>
-        <c:crossAx val="2086287824"/>
+        <c:crossAx val="2143183424"/>
         <c:crosses val="autoZero"/>
         <c:auto val="1"/>
         <c:lblAlgn val="ctr"/>
@@ -9258,7 +9177,7 @@
         <c:noMultiLvlLbl val="0"/>
       </c:catAx>
       <c:valAx>
-        <c:axId val="2086287824"/>
+        <c:axId val="2143183424"/>
         <c:scaling>
           <c:orientation val="minMax"/>
         </c:scaling>
@@ -9326,7 +9245,6 @@
               </a:p>
             </c:rich>
           </c:tx>
-          <c:layout/>
           <c:overlay val="0"/>
           <c:spPr>
             <a:noFill/>
@@ -9389,7 +9307,7 @@
             <a:endParaRPr lang="en-US"/>
           </a:p>
         </c:txPr>
-        <c:crossAx val="2086284464"/>
+        <c:crossAx val="2143127520"/>
         <c:crosses val="autoZero"/>
         <c:crossBetween val="between"/>
       </c:valAx>
@@ -9405,7 +9323,6 @@
     </c:plotArea>
     <c:legend>
       <c:legendPos val="b"/>
-      <c:layout/>
       <c:overlay val="0"/>
       <c:spPr>
         <a:noFill/>
@@ -9559,11 +9476,11 @@
         </c:dLbls>
         <c:gapWidth val="219"/>
         <c:overlap val="-27"/>
-        <c:axId val="2143005120"/>
-        <c:axId val="2143153072"/>
+        <c:axId val="-2083771184"/>
+        <c:axId val="-2083724752"/>
       </c:barChart>
       <c:catAx>
-        <c:axId val="2143005120"/>
+        <c:axId val="-2083771184"/>
         <c:scaling>
           <c:orientation val="minMax"/>
         </c:scaling>
@@ -9603,7 +9520,7 @@
             <a:endParaRPr lang="en-US"/>
           </a:p>
         </c:txPr>
-        <c:crossAx val="2143153072"/>
+        <c:crossAx val="-2083724752"/>
         <c:crosses val="autoZero"/>
         <c:auto val="1"/>
         <c:lblAlgn val="ctr"/>
@@ -9611,7 +9528,7 @@
         <c:noMultiLvlLbl val="0"/>
       </c:catAx>
       <c:valAx>
-        <c:axId val="2143153072"/>
+        <c:axId val="-2083724752"/>
         <c:scaling>
           <c:orientation val="minMax"/>
         </c:scaling>
@@ -9679,7 +9596,6 @@
               </a:p>
             </c:rich>
           </c:tx>
-          <c:layout/>
           <c:overlay val="0"/>
           <c:spPr>
             <a:noFill/>
@@ -9742,7 +9658,7 @@
             <a:endParaRPr lang="en-US"/>
           </a:p>
         </c:txPr>
-        <c:crossAx val="2143005120"/>
+        <c:crossAx val="-2083771184"/>
         <c:crosses val="autoZero"/>
         <c:crossBetween val="between"/>
       </c:valAx>
@@ -10052,11 +9968,11 @@
         </c:dLbls>
         <c:gapWidth val="219"/>
         <c:overlap val="100"/>
-        <c:axId val="2086938512"/>
-        <c:axId val="2086941872"/>
+        <c:axId val="-2084003376"/>
+        <c:axId val="-2083564752"/>
       </c:barChart>
       <c:catAx>
-        <c:axId val="2086938512"/>
+        <c:axId val="-2084003376"/>
         <c:scaling>
           <c:orientation val="minMax"/>
         </c:scaling>
@@ -10099,7 +10015,7 @@
             <a:endParaRPr lang="en-US"/>
           </a:p>
         </c:txPr>
-        <c:crossAx val="2086941872"/>
+        <c:crossAx val="-2083564752"/>
         <c:crosses val="autoZero"/>
         <c:auto val="1"/>
         <c:lblAlgn val="ctr"/>
@@ -10107,7 +10023,7 @@
         <c:noMultiLvlLbl val="0"/>
       </c:catAx>
       <c:valAx>
-        <c:axId val="2086941872"/>
+        <c:axId val="-2083564752"/>
         <c:scaling>
           <c:orientation val="minMax"/>
         </c:scaling>
@@ -10158,7 +10074,6 @@
               </a:p>
             </c:rich>
           </c:tx>
-          <c:layout/>
           <c:overlay val="0"/>
           <c:spPr>
             <a:noFill/>
@@ -10219,7 +10134,7 @@
             <a:endParaRPr lang="en-US"/>
           </a:p>
         </c:txPr>
-        <c:crossAx val="2086938512"/>
+        <c:crossAx val="-2084003376"/>
         <c:crosses val="autoZero"/>
         <c:crossBetween val="between"/>
       </c:valAx>
@@ -10510,9 +10425,7 @@
               </c:spPr>
             </c:leaderLines>
             <c:extLst>
-              <c:ext xmlns:c15="http://schemas.microsoft.com/office/drawing/2012/chart" uri="{CE6537A1-D6FC-4f65-9D91-7224C49458BB}">
-                <c15:layout/>
-              </c:ext>
+              <c:ext xmlns:c15="http://schemas.microsoft.com/office/drawing/2012/chart" uri="{CE6537A1-D6FC-4f65-9D91-7224C49458BB}"/>
             </c:extLst>
           </c:dLbls>
           <c:cat>
@@ -10816,9 +10729,7 @@
               </c:spPr>
             </c:leaderLines>
             <c:extLst>
-              <c:ext xmlns:c15="http://schemas.microsoft.com/office/drawing/2012/chart" uri="{CE6537A1-D6FC-4f65-9D91-7224C49458BB}">
-                <c15:layout/>
-              </c:ext>
+              <c:ext xmlns:c15="http://schemas.microsoft.com/office/drawing/2012/chart" uri="{CE6537A1-D6FC-4f65-9D91-7224C49458BB}"/>
             </c:extLst>
           </c:dLbls>
           <c:cat>
@@ -11292,46 +11203,6 @@
 </cs:colorStyle>
 </file>
 
-<file path=ppt/charts/colors18.xml><?xml version="1.0" encoding="utf-8"?>
-<cs:colorStyle xmlns:cs="http://schemas.microsoft.com/office/drawing/2012/chartStyle" xmlns:a="http://schemas.openxmlformats.org/drawingml/2006/main" meth="cycle" id="10">
-  <a:schemeClr val="accent1"/>
-  <a:schemeClr val="accent2"/>
-  <a:schemeClr val="accent3"/>
-  <a:schemeClr val="accent4"/>
-  <a:schemeClr val="accent5"/>
-  <a:schemeClr val="accent6"/>
-  <cs:variation/>
-  <cs:variation>
-    <a:lumMod val="60000"/>
-  </cs:variation>
-  <cs:variation>
-    <a:lumMod val="80000"/>
-    <a:lumOff val="20000"/>
-  </cs:variation>
-  <cs:variation>
-    <a:lumMod val="80000"/>
-  </cs:variation>
-  <cs:variation>
-    <a:lumMod val="60000"/>
-    <a:lumOff val="40000"/>
-  </cs:variation>
-  <cs:variation>
-    <a:lumMod val="50000"/>
-  </cs:variation>
-  <cs:variation>
-    <a:lumMod val="70000"/>
-    <a:lumOff val="30000"/>
-  </cs:variation>
-  <cs:variation>
-    <a:lumMod val="70000"/>
-  </cs:variation>
-  <cs:variation>
-    <a:lumMod val="50000"/>
-    <a:lumOff val="50000"/>
-  </cs:variation>
-</cs:colorStyle>
-</file>
-
 <file path=ppt/charts/colors2.xml><?xml version="1.0" encoding="utf-8"?>
 <cs:colorStyle xmlns:cs="http://schemas.microsoft.com/office/drawing/2012/chartStyle" xmlns:a="http://schemas.openxmlformats.org/drawingml/2006/main" meth="cycle" id="10">
   <a:schemeClr val="accent1"/>
@@ -15756,509 +15627,6 @@
 </file>
 
 <file path=ppt/charts/style17.xml><?xml version="1.0" encoding="utf-8"?>
-<cs:chartStyle xmlns:cs="http://schemas.microsoft.com/office/drawing/2012/chartStyle" xmlns:a="http://schemas.openxmlformats.org/drawingml/2006/main" id="201">
-  <cs:axisTitle>
-    <cs:lnRef idx="0"/>
-    <cs:fillRef idx="0"/>
-    <cs:effectRef idx="0"/>
-    <cs:fontRef idx="minor">
-      <a:schemeClr val="tx1">
-        <a:lumMod val="65000"/>
-        <a:lumOff val="35000"/>
-      </a:schemeClr>
-    </cs:fontRef>
-    <cs:defRPr sz="1330" kern="1200"/>
-  </cs:axisTitle>
-  <cs:categoryAxis>
-    <cs:lnRef idx="0"/>
-    <cs:fillRef idx="0"/>
-    <cs:effectRef idx="0"/>
-    <cs:fontRef idx="minor">
-      <a:schemeClr val="tx1">
-        <a:lumMod val="65000"/>
-        <a:lumOff val="35000"/>
-      </a:schemeClr>
-    </cs:fontRef>
-    <cs:spPr>
-      <a:ln w="9525" cap="flat" cmpd="sng" algn="ctr">
-        <a:solidFill>
-          <a:schemeClr val="tx1">
-            <a:lumMod val="15000"/>
-            <a:lumOff val="85000"/>
-          </a:schemeClr>
-        </a:solidFill>
-        <a:round/>
-      </a:ln>
-    </cs:spPr>
-    <cs:defRPr sz="1197" kern="1200"/>
-  </cs:categoryAxis>
-  <cs:chartArea mods="allowNoFillOverride allowNoLineOverride">
-    <cs:lnRef idx="0"/>
-    <cs:fillRef idx="0"/>
-    <cs:effectRef idx="0"/>
-    <cs:fontRef idx="minor">
-      <a:schemeClr val="tx1"/>
-    </cs:fontRef>
-    <cs:spPr>
-      <a:solidFill>
-        <a:schemeClr val="bg1"/>
-      </a:solidFill>
-      <a:ln w="9525" cap="flat" cmpd="sng" algn="ctr">
-        <a:solidFill>
-          <a:schemeClr val="tx1">
-            <a:lumMod val="15000"/>
-            <a:lumOff val="85000"/>
-          </a:schemeClr>
-        </a:solidFill>
-        <a:round/>
-      </a:ln>
-    </cs:spPr>
-    <cs:defRPr sz="1330" kern="1200"/>
-  </cs:chartArea>
-  <cs:dataLabel>
-    <cs:lnRef idx="0"/>
-    <cs:fillRef idx="0"/>
-    <cs:effectRef idx="0"/>
-    <cs:fontRef idx="minor">
-      <a:schemeClr val="tx1">
-        <a:lumMod val="75000"/>
-        <a:lumOff val="25000"/>
-      </a:schemeClr>
-    </cs:fontRef>
-    <cs:defRPr sz="1197" kern="1200"/>
-  </cs:dataLabel>
-  <cs:dataLabelCallout>
-    <cs:lnRef idx="0"/>
-    <cs:fillRef idx="0"/>
-    <cs:effectRef idx="0"/>
-    <cs:fontRef idx="minor">
-      <a:schemeClr val="dk1">
-        <a:lumMod val="65000"/>
-        <a:lumOff val="35000"/>
-      </a:schemeClr>
-    </cs:fontRef>
-    <cs:spPr>
-      <a:solidFill>
-        <a:schemeClr val="lt1"/>
-      </a:solidFill>
-      <a:ln>
-        <a:solidFill>
-          <a:schemeClr val="dk1">
-            <a:lumMod val="25000"/>
-            <a:lumOff val="75000"/>
-          </a:schemeClr>
-        </a:solidFill>
-      </a:ln>
-    </cs:spPr>
-    <cs:defRPr sz="1197" kern="1200"/>
-    <cs:bodyPr rot="0" spcFirstLastPara="1" vertOverflow="clip" horzOverflow="clip" vert="horz" wrap="square" lIns="36576" tIns="18288" rIns="36576" bIns="18288" anchor="ctr" anchorCtr="1">
-      <a:spAutoFit/>
-    </cs:bodyPr>
-  </cs:dataLabelCallout>
-  <cs:dataPoint>
-    <cs:lnRef idx="0"/>
-    <cs:fillRef idx="1">
-      <cs:styleClr val="auto"/>
-    </cs:fillRef>
-    <cs:effectRef idx="0"/>
-    <cs:fontRef idx="minor">
-      <a:schemeClr val="tx1"/>
-    </cs:fontRef>
-  </cs:dataPoint>
-  <cs:dataPoint3D>
-    <cs:lnRef idx="0"/>
-    <cs:fillRef idx="1">
-      <cs:styleClr val="auto"/>
-    </cs:fillRef>
-    <cs:effectRef idx="0"/>
-    <cs:fontRef idx="minor">
-      <a:schemeClr val="tx1"/>
-    </cs:fontRef>
-  </cs:dataPoint3D>
-  <cs:dataPointLine>
-    <cs:lnRef idx="0">
-      <cs:styleClr val="auto"/>
-    </cs:lnRef>
-    <cs:fillRef idx="1"/>
-    <cs:effectRef idx="0"/>
-    <cs:fontRef idx="minor">
-      <a:schemeClr val="tx1"/>
-    </cs:fontRef>
-    <cs:spPr>
-      <a:ln w="28575" cap="rnd">
-        <a:solidFill>
-          <a:schemeClr val="phClr"/>
-        </a:solidFill>
-        <a:round/>
-      </a:ln>
-    </cs:spPr>
-  </cs:dataPointLine>
-  <cs:dataPointMarker>
-    <cs:lnRef idx="0">
-      <cs:styleClr val="auto"/>
-    </cs:lnRef>
-    <cs:fillRef idx="1">
-      <cs:styleClr val="auto"/>
-    </cs:fillRef>
-    <cs:effectRef idx="0"/>
-    <cs:fontRef idx="minor">
-      <a:schemeClr val="tx1"/>
-    </cs:fontRef>
-    <cs:spPr>
-      <a:ln w="9525">
-        <a:solidFill>
-          <a:schemeClr val="phClr"/>
-        </a:solidFill>
-      </a:ln>
-    </cs:spPr>
-  </cs:dataPointMarker>
-  <cs:dataPointMarkerLayout symbol="circle" size="5"/>
-  <cs:dataPointWireframe>
-    <cs:lnRef idx="0">
-      <cs:styleClr val="auto"/>
-    </cs:lnRef>
-    <cs:fillRef idx="1"/>
-    <cs:effectRef idx="0"/>
-    <cs:fontRef idx="minor">
-      <a:schemeClr val="tx1"/>
-    </cs:fontRef>
-    <cs:spPr>
-      <a:ln w="9525" cap="rnd">
-        <a:solidFill>
-          <a:schemeClr val="phClr"/>
-        </a:solidFill>
-        <a:round/>
-      </a:ln>
-    </cs:spPr>
-  </cs:dataPointWireframe>
-  <cs:dataTable>
-    <cs:lnRef idx="0"/>
-    <cs:fillRef idx="0"/>
-    <cs:effectRef idx="0"/>
-    <cs:fontRef idx="minor">
-      <a:schemeClr val="tx1">
-        <a:lumMod val="65000"/>
-        <a:lumOff val="35000"/>
-      </a:schemeClr>
-    </cs:fontRef>
-    <cs:spPr>
-      <a:noFill/>
-      <a:ln w="9525" cap="flat" cmpd="sng" algn="ctr">
-        <a:solidFill>
-          <a:schemeClr val="tx1">
-            <a:lumMod val="15000"/>
-            <a:lumOff val="85000"/>
-          </a:schemeClr>
-        </a:solidFill>
-        <a:round/>
-      </a:ln>
-    </cs:spPr>
-    <cs:defRPr sz="1197" kern="1200"/>
-  </cs:dataTable>
-  <cs:downBar>
-    <cs:lnRef idx="0"/>
-    <cs:fillRef idx="0"/>
-    <cs:effectRef idx="0"/>
-    <cs:fontRef idx="minor">
-      <a:schemeClr val="dk1"/>
-    </cs:fontRef>
-    <cs:spPr>
-      <a:solidFill>
-        <a:schemeClr val="dk1">
-          <a:lumMod val="65000"/>
-          <a:lumOff val="35000"/>
-        </a:schemeClr>
-      </a:solidFill>
-      <a:ln w="9525">
-        <a:solidFill>
-          <a:schemeClr val="tx1">
-            <a:lumMod val="65000"/>
-            <a:lumOff val="35000"/>
-          </a:schemeClr>
-        </a:solidFill>
-      </a:ln>
-    </cs:spPr>
-  </cs:downBar>
-  <cs:dropLine>
-    <cs:lnRef idx="0"/>
-    <cs:fillRef idx="0"/>
-    <cs:effectRef idx="0"/>
-    <cs:fontRef idx="minor">
-      <a:schemeClr val="tx1"/>
-    </cs:fontRef>
-    <cs:spPr>
-      <a:ln w="9525" cap="flat" cmpd="sng" algn="ctr">
-        <a:solidFill>
-          <a:schemeClr val="tx1">
-            <a:lumMod val="35000"/>
-            <a:lumOff val="65000"/>
-          </a:schemeClr>
-        </a:solidFill>
-        <a:round/>
-      </a:ln>
-    </cs:spPr>
-  </cs:dropLine>
-  <cs:errorBar>
-    <cs:lnRef idx="0"/>
-    <cs:fillRef idx="0"/>
-    <cs:effectRef idx="0"/>
-    <cs:fontRef idx="minor">
-      <a:schemeClr val="tx1"/>
-    </cs:fontRef>
-    <cs:spPr>
-      <a:ln w="9525" cap="flat" cmpd="sng" algn="ctr">
-        <a:solidFill>
-          <a:schemeClr val="tx1">
-            <a:lumMod val="65000"/>
-            <a:lumOff val="35000"/>
-          </a:schemeClr>
-        </a:solidFill>
-        <a:round/>
-      </a:ln>
-    </cs:spPr>
-  </cs:errorBar>
-  <cs:floor>
-    <cs:lnRef idx="0"/>
-    <cs:fillRef idx="0"/>
-    <cs:effectRef idx="0"/>
-    <cs:fontRef idx="minor">
-      <a:schemeClr val="tx1"/>
-    </cs:fontRef>
-    <cs:spPr>
-      <a:noFill/>
-      <a:ln>
-        <a:noFill/>
-      </a:ln>
-    </cs:spPr>
-  </cs:floor>
-  <cs:gridlineMajor>
-    <cs:lnRef idx="0"/>
-    <cs:fillRef idx="0"/>
-    <cs:effectRef idx="0"/>
-    <cs:fontRef idx="minor">
-      <a:schemeClr val="tx1"/>
-    </cs:fontRef>
-    <cs:spPr>
-      <a:ln w="9525" cap="flat" cmpd="sng" algn="ctr">
-        <a:solidFill>
-          <a:schemeClr val="tx1">
-            <a:lumMod val="15000"/>
-            <a:lumOff val="85000"/>
-          </a:schemeClr>
-        </a:solidFill>
-        <a:round/>
-      </a:ln>
-    </cs:spPr>
-  </cs:gridlineMajor>
-  <cs:gridlineMinor>
-    <cs:lnRef idx="0"/>
-    <cs:fillRef idx="0"/>
-    <cs:effectRef idx="0"/>
-    <cs:fontRef idx="minor">
-      <a:schemeClr val="tx1"/>
-    </cs:fontRef>
-    <cs:spPr>
-      <a:ln w="9525" cap="flat" cmpd="sng" algn="ctr">
-        <a:solidFill>
-          <a:schemeClr val="tx1">
-            <a:lumMod val="5000"/>
-            <a:lumOff val="95000"/>
-          </a:schemeClr>
-        </a:solidFill>
-        <a:round/>
-      </a:ln>
-    </cs:spPr>
-  </cs:gridlineMinor>
-  <cs:hiLoLine>
-    <cs:lnRef idx="0"/>
-    <cs:fillRef idx="0"/>
-    <cs:effectRef idx="0"/>
-    <cs:fontRef idx="minor">
-      <a:schemeClr val="tx1"/>
-    </cs:fontRef>
-    <cs:spPr>
-      <a:ln w="9525" cap="flat" cmpd="sng" algn="ctr">
-        <a:solidFill>
-          <a:schemeClr val="tx1">
-            <a:lumMod val="75000"/>
-            <a:lumOff val="25000"/>
-          </a:schemeClr>
-        </a:solidFill>
-        <a:round/>
-      </a:ln>
-    </cs:spPr>
-  </cs:hiLoLine>
-  <cs:leaderLine>
-    <cs:lnRef idx="0"/>
-    <cs:fillRef idx="0"/>
-    <cs:effectRef idx="0"/>
-    <cs:fontRef idx="minor">
-      <a:schemeClr val="tx1"/>
-    </cs:fontRef>
-    <cs:spPr>
-      <a:ln w="9525" cap="flat" cmpd="sng" algn="ctr">
-        <a:solidFill>
-          <a:schemeClr val="tx1">
-            <a:lumMod val="35000"/>
-            <a:lumOff val="65000"/>
-          </a:schemeClr>
-        </a:solidFill>
-        <a:round/>
-      </a:ln>
-    </cs:spPr>
-  </cs:leaderLine>
-  <cs:legend>
-    <cs:lnRef idx="0"/>
-    <cs:fillRef idx="0"/>
-    <cs:effectRef idx="0"/>
-    <cs:fontRef idx="minor">
-      <a:schemeClr val="tx1">
-        <a:lumMod val="65000"/>
-        <a:lumOff val="35000"/>
-      </a:schemeClr>
-    </cs:fontRef>
-    <cs:defRPr sz="1197" kern="1200"/>
-  </cs:legend>
-  <cs:plotArea mods="allowNoFillOverride allowNoLineOverride">
-    <cs:lnRef idx="0"/>
-    <cs:fillRef idx="0"/>
-    <cs:effectRef idx="0"/>
-    <cs:fontRef idx="minor">
-      <a:schemeClr val="tx1"/>
-    </cs:fontRef>
-  </cs:plotArea>
-  <cs:plotArea3D mods="allowNoFillOverride allowNoLineOverride">
-    <cs:lnRef idx="0"/>
-    <cs:fillRef idx="0"/>
-    <cs:effectRef idx="0"/>
-    <cs:fontRef idx="minor">
-      <a:schemeClr val="tx1"/>
-    </cs:fontRef>
-  </cs:plotArea3D>
-  <cs:seriesAxis>
-    <cs:lnRef idx="0"/>
-    <cs:fillRef idx="0"/>
-    <cs:effectRef idx="0"/>
-    <cs:fontRef idx="minor">
-      <a:schemeClr val="tx1">
-        <a:lumMod val="65000"/>
-        <a:lumOff val="35000"/>
-      </a:schemeClr>
-    </cs:fontRef>
-    <cs:defRPr sz="1197" kern="1200"/>
-  </cs:seriesAxis>
-  <cs:seriesLine>
-    <cs:lnRef idx="0"/>
-    <cs:fillRef idx="0"/>
-    <cs:effectRef idx="0"/>
-    <cs:fontRef idx="minor">
-      <a:schemeClr val="tx1"/>
-    </cs:fontRef>
-    <cs:spPr>
-      <a:ln w="9525" cap="flat" cmpd="sng" algn="ctr">
-        <a:solidFill>
-          <a:schemeClr val="tx1">
-            <a:lumMod val="35000"/>
-            <a:lumOff val="65000"/>
-          </a:schemeClr>
-        </a:solidFill>
-        <a:round/>
-      </a:ln>
-    </cs:spPr>
-  </cs:seriesLine>
-  <cs:title>
-    <cs:lnRef idx="0"/>
-    <cs:fillRef idx="0"/>
-    <cs:effectRef idx="0"/>
-    <cs:fontRef idx="minor">
-      <a:schemeClr val="tx1">
-        <a:lumMod val="65000"/>
-        <a:lumOff val="35000"/>
-      </a:schemeClr>
-    </cs:fontRef>
-    <cs:defRPr sz="1862" b="0" kern="1200" spc="0" baseline="0"/>
-  </cs:title>
-  <cs:trendline>
-    <cs:lnRef idx="0">
-      <cs:styleClr val="auto"/>
-    </cs:lnRef>
-    <cs:fillRef idx="0"/>
-    <cs:effectRef idx="0"/>
-    <cs:fontRef idx="minor">
-      <a:schemeClr val="tx1"/>
-    </cs:fontRef>
-    <cs:spPr>
-      <a:ln w="19050" cap="rnd">
-        <a:solidFill>
-          <a:schemeClr val="phClr"/>
-        </a:solidFill>
-        <a:prstDash val="sysDot"/>
-      </a:ln>
-    </cs:spPr>
-  </cs:trendline>
-  <cs:trendlineLabel>
-    <cs:lnRef idx="0"/>
-    <cs:fillRef idx="0"/>
-    <cs:effectRef idx="0"/>
-    <cs:fontRef idx="minor">
-      <a:schemeClr val="tx1">
-        <a:lumMod val="65000"/>
-        <a:lumOff val="35000"/>
-      </a:schemeClr>
-    </cs:fontRef>
-    <cs:defRPr sz="1197" kern="1200"/>
-  </cs:trendlineLabel>
-  <cs:upBar>
-    <cs:lnRef idx="0"/>
-    <cs:fillRef idx="0"/>
-    <cs:effectRef idx="0"/>
-    <cs:fontRef idx="minor">
-      <a:schemeClr val="dk1"/>
-    </cs:fontRef>
-    <cs:spPr>
-      <a:solidFill>
-        <a:schemeClr val="lt1"/>
-      </a:solidFill>
-      <a:ln w="9525">
-        <a:solidFill>
-          <a:schemeClr val="tx1">
-            <a:lumMod val="15000"/>
-            <a:lumOff val="85000"/>
-          </a:schemeClr>
-        </a:solidFill>
-      </a:ln>
-    </cs:spPr>
-  </cs:upBar>
-  <cs:valueAxis>
-    <cs:lnRef idx="0"/>
-    <cs:fillRef idx="0"/>
-    <cs:effectRef idx="0"/>
-    <cs:fontRef idx="minor">
-      <a:schemeClr val="tx1">
-        <a:lumMod val="65000"/>
-        <a:lumOff val="35000"/>
-      </a:schemeClr>
-    </cs:fontRef>
-    <cs:defRPr sz="1197" kern="1200"/>
-  </cs:valueAxis>
-  <cs:wall>
-    <cs:lnRef idx="0"/>
-    <cs:fillRef idx="0"/>
-    <cs:effectRef idx="0"/>
-    <cs:fontRef idx="minor">
-      <a:schemeClr val="tx1"/>
-    </cs:fontRef>
-    <cs:spPr>
-      <a:noFill/>
-      <a:ln>
-        <a:noFill/>
-      </a:ln>
-    </cs:spPr>
-  </cs:wall>
-</cs:chartStyle>
-</file>
-
-<file path=ppt/charts/style18.xml><?xml version="1.0" encoding="utf-8"?>
 <cs:chartStyle xmlns:cs="http://schemas.microsoft.com/office/drawing/2012/chartStyle" xmlns:a="http://schemas.openxmlformats.org/drawingml/2006/main" id="201">
   <cs:axisTitle>
     <cs:lnRef idx="0"/>
@@ -27238,7 +26606,7 @@
           <p:nvPr>
             <p:extLst>
               <p:ext uri="{D42A27DB-BD31-4B8C-83A1-F6EECF244321}">
-                <p14:modId xmlns:p14="http://schemas.microsoft.com/office/powerpoint/2010/main" val="1738444865"/>
+                <p14:modId xmlns:p14="http://schemas.microsoft.com/office/powerpoint/2010/main" val="1141899411"/>
               </p:ext>
             </p:extLst>
           </p:nvPr>
@@ -27317,49 +26685,13 @@
       </p:sp>
       <p:sp>
         <p:nvSpPr>
-          <p:cNvPr id="5" name="TextBox 4"/>
+          <p:cNvPr id="6" name="TextBox 5"/>
           <p:cNvSpPr txBox="1"/>
           <p:nvPr/>
         </p:nvSpPr>
         <p:spPr>
           <a:xfrm>
             <a:off x="2497302" y="4341886"/>
-            <a:ext cx="1152000" cy="338554"/>
-          </a:xfrm>
-          <a:prstGeom prst="rect">
-            <a:avLst/>
-          </a:prstGeom>
-          <a:noFill/>
-        </p:spPr>
-        <p:txBody>
-          <a:bodyPr wrap="square" rtlCol="0">
-            <a:spAutoFit/>
-          </a:bodyPr>
-          <a:lstStyle/>
-          <a:p>
-            <a:pPr algn="ctr"/>
-            <a:r>
-              <a:rPr lang="en-US" sz="1600" dirty="0" smtClean="0">
-                <a:solidFill>
-                  <a:schemeClr val="bg2">
-                    <a:lumMod val="25000"/>
-                  </a:schemeClr>
-                </a:solidFill>
-              </a:rPr>
-              <a:t>CH</a:t>
-            </a:r>
-          </a:p>
-        </p:txBody>
-      </p:sp>
-      <p:sp>
-        <p:nvSpPr>
-          <p:cNvPr id="6" name="TextBox 5"/>
-          <p:cNvSpPr txBox="1"/>
-          <p:nvPr/>
-        </p:nvSpPr>
-        <p:spPr>
-          <a:xfrm>
-            <a:off x="3479909" y="4341886"/>
             <a:ext cx="1152000" cy="1077218"/>
           </a:xfrm>
           <a:prstGeom prst="rect">
@@ -27395,7 +26727,7 @@
         </p:nvSpPr>
         <p:spPr>
           <a:xfrm>
-            <a:off x="4462516" y="4341886"/>
+            <a:off x="3479909" y="4341886"/>
             <a:ext cx="1152000" cy="1077218"/>
           </a:xfrm>
           <a:prstGeom prst="rect">
@@ -27431,7 +26763,7 @@
         </p:nvSpPr>
         <p:spPr>
           <a:xfrm>
-            <a:off x="5445123" y="4341886"/>
+            <a:off x="4462516" y="4341886"/>
             <a:ext cx="1152000" cy="1569660"/>
           </a:xfrm>
           <a:prstGeom prst="rect">
@@ -27454,37 +26786,7 @@
                   </a:schemeClr>
                 </a:solidFill>
               </a:rPr>
-              <a:t>Static ASF </a:t>
-            </a:r>
-            <a:r>
-              <a:rPr lang="en-US" sz="1600" dirty="0" smtClean="0">
-                <a:solidFill>
-                  <a:schemeClr val="bg2">
-                    <a:lumMod val="25000"/>
-                  </a:schemeClr>
-                </a:solidFill>
-              </a:rPr>
-              <a:t>(CIGS) </a:t>
-            </a:r>
-            <a:r>
-              <a:rPr lang="en-US" sz="1600" dirty="0" smtClean="0">
-                <a:solidFill>
-                  <a:schemeClr val="bg2">
-                    <a:lumMod val="25000"/>
-                  </a:schemeClr>
-                </a:solidFill>
-              </a:rPr>
-              <a:t>ENTSO-E mix </a:t>
-            </a:r>
-            <a:r>
-              <a:rPr lang="en-US" sz="1600" dirty="0" smtClean="0">
-                <a:solidFill>
-                  <a:schemeClr val="bg2">
-                    <a:lumMod val="25000"/>
-                  </a:schemeClr>
-                </a:solidFill>
-              </a:rPr>
-              <a:t>incl. shading benefits</a:t>
+              <a:t>Static ASF (CIGS) ENTSO-E mix incl. shading benefits</a:t>
             </a:r>
           </a:p>
         </p:txBody>
@@ -27668,6 +26970,62 @@
           </a:fontRef>
         </p:style>
       </p:cxnSp>
+      <p:sp>
+        <p:nvSpPr>
+          <p:cNvPr id="13" name="TextBox 12"/>
+          <p:cNvSpPr txBox="1"/>
+          <p:nvPr/>
+        </p:nvSpPr>
+        <p:spPr>
+          <a:xfrm>
+            <a:off x="5445123" y="4341886"/>
+            <a:ext cx="1152000" cy="1569660"/>
+          </a:xfrm>
+          <a:prstGeom prst="rect">
+            <a:avLst/>
+          </a:prstGeom>
+          <a:noFill/>
+        </p:spPr>
+        <p:txBody>
+          <a:bodyPr wrap="square" rtlCol="0">
+            <a:spAutoFit/>
+          </a:bodyPr>
+          <a:lstStyle/>
+          <a:p>
+            <a:pPr algn="ctr"/>
+            <a:r>
+              <a:rPr lang="en-US" sz="1600" dirty="0" smtClean="0">
+                <a:solidFill>
+                  <a:schemeClr val="bg2">
+                    <a:lumMod val="25000"/>
+                  </a:schemeClr>
+                </a:solidFill>
+              </a:rPr>
+              <a:t>Static ASF (CIGS) ENTSO-E mix </a:t>
+            </a:r>
+            <a:r>
+              <a:rPr lang="en-US" sz="1600" dirty="0" smtClean="0">
+                <a:solidFill>
+                  <a:schemeClr val="bg2">
+                    <a:lumMod val="25000"/>
+                  </a:schemeClr>
+                </a:solidFill>
+              </a:rPr>
+              <a:t>excl. </a:t>
+            </a:r>
+            <a:r>
+              <a:rPr lang="en-US" sz="1600" dirty="0" smtClean="0">
+                <a:solidFill>
+                  <a:schemeClr val="bg2">
+                    <a:lumMod val="25000"/>
+                  </a:schemeClr>
+                </a:solidFill>
+              </a:rPr>
+              <a:t>shading benefits</a:t>
+            </a:r>
+          </a:p>
+        </p:txBody>
+      </p:sp>
     </p:spTree>
     <p:extLst>
       <p:ext uri="{BB962C8B-B14F-4D97-AF65-F5344CB8AC3E}">

--- a/elsarticle/Images/Thesis charts.pptx
+++ b/elsarticle/Images/Thesis charts.pptx
@@ -5,7 +5,7 @@
     <p:sldMasterId id="2147483660" r:id="rId1"/>
   </p:sldMasterIdLst>
   <p:notesMasterIdLst>
-    <p:notesMasterId r:id="rId22"/>
+    <p:notesMasterId r:id="rId23"/>
   </p:notesMasterIdLst>
   <p:sldIdLst>
     <p:sldId id="262" r:id="rId2"/>
@@ -25,9 +25,10 @@
     <p:sldId id="274" r:id="rId16"/>
     <p:sldId id="257" r:id="rId17"/>
     <p:sldId id="258" r:id="rId18"/>
-    <p:sldId id="277" r:id="rId19"/>
-    <p:sldId id="268" r:id="rId20"/>
-    <p:sldId id="266" r:id="rId21"/>
+    <p:sldId id="279" r:id="rId19"/>
+    <p:sldId id="277" r:id="rId20"/>
+    <p:sldId id="268" r:id="rId21"/>
+    <p:sldId id="266" r:id="rId22"/>
   </p:sldIdLst>
   <p:sldSz cx="9906000" cy="6858000" type="A4"/>
   <p:notesSz cx="6858000" cy="9144000"/>
@@ -424,11 +425,11 @@
           <c:showPercent val="0"/>
           <c:showBubbleSize val="0"/>
         </c:dLbls>
-        <c:axId val="-2094839808"/>
-        <c:axId val="-2094166912"/>
+        <c:axId val="2088245440"/>
+        <c:axId val="2107027328"/>
       </c:scatterChart>
       <c:valAx>
-        <c:axId val="-2094839808"/>
+        <c:axId val="2088245440"/>
         <c:scaling>
           <c:orientation val="minMax"/>
         </c:scaling>
@@ -550,12 +551,12 @@
             <a:endParaRPr lang="en-US"/>
           </a:p>
         </c:txPr>
-        <c:crossAx val="-2094166912"/>
+        <c:crossAx val="2107027328"/>
         <c:crosses val="autoZero"/>
         <c:crossBetween val="midCat"/>
       </c:valAx>
       <c:valAx>
-        <c:axId val="-2094166912"/>
+        <c:axId val="2107027328"/>
         <c:scaling>
           <c:orientation val="minMax"/>
         </c:scaling>
@@ -681,7 +682,7 @@
             <a:endParaRPr lang="en-US"/>
           </a:p>
         </c:txPr>
-        <c:crossAx val="-2094839808"/>
+        <c:crossAx val="2088245440"/>
         <c:crosses val="autoZero"/>
         <c:crossBetween val="midCat"/>
       </c:valAx>
@@ -918,7 +919,9 @@
               </c:spPr>
             </c:leaderLines>
             <c:extLst>
-              <c:ext xmlns:c15="http://schemas.microsoft.com/office/drawing/2012/chart" uri="{CE6537A1-D6FC-4f65-9D91-7224C49458BB}"/>
+              <c:ext xmlns:c15="http://schemas.microsoft.com/office/drawing/2012/chart" uri="{CE6537A1-D6FC-4f65-9D91-7224C49458BB}">
+                <c15:layout/>
+              </c:ext>
             </c:extLst>
           </c:dLbls>
           <c:cat>
@@ -1239,7 +1242,9 @@
               <c:showPercent val="0"/>
               <c:showBubbleSize val="0"/>
               <c:extLst>
-                <c:ext xmlns:c15="http://schemas.microsoft.com/office/drawing/2012/chart" uri="{CE6537A1-D6FC-4f65-9D91-7224C49458BB}"/>
+                <c:ext xmlns:c15="http://schemas.microsoft.com/office/drawing/2012/chart" uri="{CE6537A1-D6FC-4f65-9D91-7224C49458BB}">
+                  <c15:layout/>
+                </c:ext>
               </c:extLst>
             </c:dLbl>
             <c:dLbl>
@@ -1257,7 +1262,9 @@
               <c:showPercent val="0"/>
               <c:showBubbleSize val="0"/>
               <c:extLst>
-                <c:ext xmlns:c15="http://schemas.microsoft.com/office/drawing/2012/chart" uri="{CE6537A1-D6FC-4f65-9D91-7224C49458BB}"/>
+                <c:ext xmlns:c15="http://schemas.microsoft.com/office/drawing/2012/chart" uri="{CE6537A1-D6FC-4f65-9D91-7224C49458BB}">
+                  <c15:layout/>
+                </c:ext>
               </c:extLst>
             </c:dLbl>
             <c:spPr>
@@ -1311,7 +1318,9 @@
               </c:spPr>
             </c:leaderLines>
             <c:extLst>
-              <c:ext xmlns:c15="http://schemas.microsoft.com/office/drawing/2012/chart" uri="{CE6537A1-D6FC-4f65-9D91-7224C49458BB}"/>
+              <c:ext xmlns:c15="http://schemas.microsoft.com/office/drawing/2012/chart" uri="{CE6537A1-D6FC-4f65-9D91-7224C49458BB}">
+                <c15:layout/>
+              </c:ext>
             </c:extLst>
           </c:dLbls>
           <c:cat>
@@ -1630,7 +1639,9 @@
               </c:spPr>
             </c:leaderLines>
             <c:extLst>
-              <c:ext xmlns:c15="http://schemas.microsoft.com/office/drawing/2012/chart" uri="{CE6537A1-D6FC-4f65-9D91-7224C49458BB}"/>
+              <c:ext xmlns:c15="http://schemas.microsoft.com/office/drawing/2012/chart" uri="{CE6537A1-D6FC-4f65-9D91-7224C49458BB}">
+                <c15:layout/>
+              </c:ext>
             </c:extLst>
           </c:dLbls>
           <c:cat>
@@ -1925,7 +1936,9 @@
               <c:showPercent val="0"/>
               <c:showBubbleSize val="0"/>
               <c:extLst>
-                <c:ext xmlns:c15="http://schemas.microsoft.com/office/drawing/2012/chart" uri="{CE6537A1-D6FC-4f65-9D91-7224C49458BB}"/>
+                <c:ext xmlns:c15="http://schemas.microsoft.com/office/drawing/2012/chart" uri="{CE6537A1-D6FC-4f65-9D91-7224C49458BB}">
+                  <c15:layout/>
+                </c:ext>
               </c:extLst>
             </c:dLbl>
             <c:dLbl>
@@ -2226,7 +2239,9 @@
               <c:showPercent val="0"/>
               <c:showBubbleSize val="0"/>
               <c:extLst>
-                <c:ext xmlns:c15="http://schemas.microsoft.com/office/drawing/2012/chart" uri="{CE6537A1-D6FC-4f65-9D91-7224C49458BB}"/>
+                <c:ext xmlns:c15="http://schemas.microsoft.com/office/drawing/2012/chart" uri="{CE6537A1-D6FC-4f65-9D91-7224C49458BB}">
+                  <c15:layout/>
+                </c:ext>
               </c:extLst>
             </c:dLbl>
             <c:spPr>
@@ -2349,11 +2364,11 @@
         </c:dLbls>
         <c:gapWidth val="150"/>
         <c:overlap val="100"/>
-        <c:axId val="-2084795568"/>
-        <c:axId val="-2082815488"/>
+        <c:axId val="-2099362064"/>
+        <c:axId val="-2099358816"/>
       </c:barChart>
       <c:catAx>
-        <c:axId val="-2084795568"/>
+        <c:axId val="-2099362064"/>
         <c:scaling>
           <c:orientation val="minMax"/>
         </c:scaling>
@@ -2363,7 +2378,7 @@
         <c:majorTickMark val="none"/>
         <c:minorTickMark val="none"/>
         <c:tickLblPos val="nextTo"/>
-        <c:crossAx val="-2082815488"/>
+        <c:crossAx val="-2099358816"/>
         <c:crosses val="autoZero"/>
         <c:auto val="1"/>
         <c:lblAlgn val="ctr"/>
@@ -2371,7 +2386,7 @@
         <c:noMultiLvlLbl val="0"/>
       </c:catAx>
       <c:valAx>
-        <c:axId val="-2082815488"/>
+        <c:axId val="-2099358816"/>
         <c:scaling>
           <c:orientation val="minMax"/>
         </c:scaling>
@@ -2426,6 +2441,7 @@
               </a:p>
             </c:rich>
           </c:tx>
+          <c:layout/>
           <c:overlay val="0"/>
           <c:spPr>
             <a:noFill/>
@@ -2486,7 +2502,7 @@
             <a:endParaRPr lang="en-US"/>
           </a:p>
         </c:txPr>
-        <c:crossAx val="-2084795568"/>
+        <c:crossAx val="-2099362064"/>
         <c:crosses val="autoZero"/>
         <c:crossBetween val="between"/>
       </c:valAx>
@@ -2869,11 +2885,11 @@
         </c:dLbls>
         <c:gapWidth val="219"/>
         <c:overlap val="-27"/>
-        <c:axId val="2055857792"/>
-        <c:axId val="2142985648"/>
+        <c:axId val="-2099278880"/>
+        <c:axId val="-2099275312"/>
       </c:barChart>
       <c:catAx>
-        <c:axId val="2055857792"/>
+        <c:axId val="-2099278880"/>
         <c:scaling>
           <c:orientation val="minMax"/>
         </c:scaling>
@@ -2913,7 +2929,7 @@
             <a:endParaRPr lang="en-US"/>
           </a:p>
         </c:txPr>
-        <c:crossAx val="2142985648"/>
+        <c:crossAx val="-2099275312"/>
         <c:crosses val="autoZero"/>
         <c:auto val="1"/>
         <c:lblAlgn val="ctr"/>
@@ -2921,7 +2937,7 @@
         <c:noMultiLvlLbl val="0"/>
       </c:catAx>
       <c:valAx>
-        <c:axId val="2142985648"/>
+        <c:axId val="-2099275312"/>
         <c:scaling>
           <c:orientation val="minMax"/>
         </c:scaling>
@@ -2989,6 +3005,7 @@
               </a:p>
             </c:rich>
           </c:tx>
+          <c:layout/>
           <c:overlay val="0"/>
           <c:spPr>
             <a:noFill/>
@@ -3051,7 +3068,7 @@
             <a:endParaRPr lang="en-US"/>
           </a:p>
         </c:txPr>
-        <c:crossAx val="2055857792"/>
+        <c:crossAx val="-2099278880"/>
         <c:crosses val="autoZero"/>
         <c:crossBetween val="between"/>
       </c:valAx>
@@ -3067,6 +3084,7 @@
     </c:plotArea>
     <c:legend>
       <c:legendPos val="b"/>
+      <c:layout/>
       <c:overlay val="0"/>
       <c:spPr>
         <a:noFill/>
@@ -3347,11 +3365,11 @@
         </c:dLbls>
         <c:gapWidth val="219"/>
         <c:overlap val="-27"/>
-        <c:axId val="-2092039200"/>
-        <c:axId val="-2092748672"/>
+        <c:axId val="-2100026336"/>
+        <c:axId val="-2100029936"/>
       </c:barChart>
       <c:catAx>
-        <c:axId val="-2092039200"/>
+        <c:axId val="-2100026336"/>
         <c:scaling>
           <c:orientation val="minMax"/>
         </c:scaling>
@@ -3391,7 +3409,7 @@
             <a:endParaRPr lang="en-US"/>
           </a:p>
         </c:txPr>
-        <c:crossAx val="-2092748672"/>
+        <c:crossAx val="-2100029936"/>
         <c:crosses val="autoZero"/>
         <c:auto val="1"/>
         <c:lblAlgn val="ctr"/>
@@ -3399,7 +3417,7 @@
         <c:noMultiLvlLbl val="0"/>
       </c:catAx>
       <c:valAx>
-        <c:axId val="-2092748672"/>
+        <c:axId val="-2100029936"/>
         <c:scaling>
           <c:orientation val="minMax"/>
         </c:scaling>
@@ -3477,6 +3495,7 @@
               </a:p>
             </c:rich>
           </c:tx>
+          <c:layout/>
           <c:overlay val="0"/>
           <c:spPr>
             <a:noFill/>
@@ -3519,7 +3538,7 @@
             <a:endParaRPr lang="en-US"/>
           </a:p>
         </c:txPr>
-        <c:crossAx val="-2092039200"/>
+        <c:crossAx val="-2100026336"/>
         <c:crosses val="autoZero"/>
         <c:crossBetween val="between"/>
       </c:valAx>
@@ -3535,6 +3554,7 @@
     </c:plotArea>
     <c:legend>
       <c:legendPos val="b"/>
+      <c:layout/>
       <c:overlay val="0"/>
       <c:spPr>
         <a:noFill/>
@@ -3766,7 +3786,9 @@
               </c:spPr>
             </c:leaderLines>
             <c:extLst>
-              <c:ext xmlns:c15="http://schemas.microsoft.com/office/drawing/2012/chart" uri="{CE6537A1-D6FC-4f65-9D91-7224C49458BB}"/>
+              <c:ext xmlns:c15="http://schemas.microsoft.com/office/drawing/2012/chart" uri="{CE6537A1-D6FC-4f65-9D91-7224C49458BB}">
+                <c15:layout/>
+              </c:ext>
             </c:extLst>
           </c:dLbls>
           <c:cat>
@@ -4046,7 +4068,7 @@
                   <c:v>-6.43</c:v>
                 </c:pt>
                 <c:pt idx="10">
-                  <c:v>-9.74</c:v>
+                  <c:v>-9.739999999999998</c:v>
                 </c:pt>
                 <c:pt idx="11">
                   <c:v>-13.05</c:v>
@@ -4080,11 +4102,11 @@
           <c:showBubbleSize val="0"/>
         </c:dLbls>
         <c:smooth val="0"/>
-        <c:axId val="-2092563216"/>
-        <c:axId val="-2092479920"/>
+        <c:axId val="-2103376624"/>
+        <c:axId val="-2103373264"/>
       </c:lineChart>
       <c:catAx>
-        <c:axId val="-2092563216"/>
+        <c:axId val="-2103376624"/>
         <c:scaling>
           <c:orientation val="minMax"/>
         </c:scaling>
@@ -4127,7 +4149,7 @@
             <a:endParaRPr lang="en-US"/>
           </a:p>
         </c:txPr>
-        <c:crossAx val="-2092479920"/>
+        <c:crossAx val="-2103373264"/>
         <c:crosses val="autoZero"/>
         <c:auto val="1"/>
         <c:lblAlgn val="ctr"/>
@@ -4135,7 +4157,7 @@
         <c:noMultiLvlLbl val="0"/>
       </c:catAx>
       <c:valAx>
-        <c:axId val="-2092479920"/>
+        <c:axId val="-2103373264"/>
         <c:scaling>
           <c:orientation val="minMax"/>
         </c:scaling>
@@ -4182,6 +4204,7 @@
               </a:p>
             </c:rich>
           </c:tx>
+          <c:layout/>
           <c:overlay val="0"/>
           <c:spPr>
             <a:noFill/>
@@ -4222,7 +4245,7 @@
             <a:endParaRPr lang="en-US"/>
           </a:p>
         </c:txPr>
-        <c:crossAx val="-2092563216"/>
+        <c:crossAx val="-2103376624"/>
         <c:crosses val="autoZero"/>
         <c:crossBetween val="between"/>
       </c:valAx>
@@ -4238,6 +4261,7 @@
     </c:plotArea>
     <c:legend>
       <c:legendPos val="b"/>
+      <c:layout/>
       <c:overlay val="0"/>
       <c:spPr>
         <a:noFill/>
@@ -4379,6 +4403,7 @@
             <c:showLeaderLines val="0"/>
             <c:extLst>
               <c:ext xmlns:c15="http://schemas.microsoft.com/office/drawing/2012/chart" uri="{CE6537A1-D6FC-4f65-9D91-7224C49458BB}">
+                <c15:layout/>
                 <c15:showLeaderLines val="1"/>
                 <c15:leaderLines>
                   <c:spPr>
@@ -4491,6 +4516,7 @@
             <c:showLeaderLines val="0"/>
             <c:extLst>
               <c:ext xmlns:c15="http://schemas.microsoft.com/office/drawing/2012/chart" uri="{CE6537A1-D6FC-4f65-9D91-7224C49458BB}">
+                <c15:layout/>
                 <c15:showLeaderLines val="1"/>
                 <c15:leaderLines>
                   <c:spPr>
@@ -4603,6 +4629,7 @@
             <c:showLeaderLines val="0"/>
             <c:extLst>
               <c:ext xmlns:c15="http://schemas.microsoft.com/office/drawing/2012/chart" uri="{CE6537A1-D6FC-4f65-9D91-7224C49458BB}">
+                <c15:layout/>
                 <c15:showLeaderLines val="1"/>
                 <c15:leaderLines>
                   <c:spPr>
@@ -4770,6 +4797,7 @@
             <c:showLeaderLines val="0"/>
             <c:extLst>
               <c:ext xmlns:c15="http://schemas.microsoft.com/office/drawing/2012/chart" uri="{CE6537A1-D6FC-4f65-9D91-7224C49458BB}">
+                <c15:layout/>
                 <c15:showLeaderLines val="1"/>
                 <c15:leaderLines>
                   <c:spPr>
@@ -4829,11 +4857,11 @@
         </c:dLbls>
         <c:gapWidth val="219"/>
         <c:overlap val="-27"/>
-        <c:axId val="2142667120"/>
-        <c:axId val="-2093383040"/>
+        <c:axId val="-2100206736"/>
+        <c:axId val="-2101490512"/>
       </c:barChart>
       <c:catAx>
-        <c:axId val="2142667120"/>
+        <c:axId val="-2100206736"/>
         <c:scaling>
           <c:orientation val="minMax"/>
         </c:scaling>
@@ -4876,7 +4904,7 @@
             <a:endParaRPr lang="en-US"/>
           </a:p>
         </c:txPr>
-        <c:crossAx val="-2093383040"/>
+        <c:crossAx val="-2101490512"/>
         <c:crosses val="autoZero"/>
         <c:auto val="1"/>
         <c:lblAlgn val="ctr"/>
@@ -4884,7 +4912,7 @@
         <c:noMultiLvlLbl val="0"/>
       </c:catAx>
       <c:valAx>
-        <c:axId val="-2093383040"/>
+        <c:axId val="-2101490512"/>
         <c:scaling>
           <c:orientation val="minMax"/>
         </c:scaling>
@@ -4947,6 +4975,7 @@
               </a:p>
             </c:rich>
           </c:tx>
+          <c:layout/>
           <c:overlay val="0"/>
           <c:spPr>
             <a:noFill/>
@@ -5007,7 +5036,7 @@
             <a:endParaRPr lang="en-US"/>
           </a:p>
         </c:txPr>
-        <c:crossAx val="2142667120"/>
+        <c:crossAx val="-2100206736"/>
         <c:crosses val="autoZero"/>
         <c:crossBetween val="between"/>
       </c:valAx>
@@ -5023,6 +5052,7 @@
     </c:plotArea>
     <c:legend>
       <c:legendPos val="b"/>
+      <c:layout/>
       <c:overlay val="0"/>
       <c:spPr>
         <a:noFill/>
@@ -5698,11 +5728,11 @@
         </c:dLbls>
         <c:gapWidth val="219"/>
         <c:overlap val="100"/>
-        <c:axId val="-2095242848"/>
-        <c:axId val="-2095465328"/>
+        <c:axId val="-2098916672"/>
+        <c:axId val="-2098925344"/>
       </c:barChart>
       <c:catAx>
-        <c:axId val="-2095242848"/>
+        <c:axId val="-2098916672"/>
         <c:scaling>
           <c:orientation val="minMax"/>
         </c:scaling>
@@ -5712,7 +5742,7 @@
         <c:majorTickMark val="none"/>
         <c:minorTickMark val="none"/>
         <c:tickLblPos val="nextTo"/>
-        <c:crossAx val="-2095465328"/>
+        <c:crossAx val="-2098925344"/>
         <c:crosses val="autoZero"/>
         <c:auto val="1"/>
         <c:lblAlgn val="ctr"/>
@@ -5720,7 +5750,7 @@
         <c:noMultiLvlLbl val="0"/>
       </c:catAx>
       <c:valAx>
-        <c:axId val="-2095465328"/>
+        <c:axId val="-2098925344"/>
         <c:scaling>
           <c:orientation val="minMax"/>
         </c:scaling>
@@ -5849,7 +5879,7 @@
             <a:endParaRPr lang="en-US"/>
           </a:p>
         </c:txPr>
-        <c:crossAx val="-2095242848"/>
+        <c:crossAx val="-2098916672"/>
         <c:crosses val="autoZero"/>
         <c:crossBetween val="between"/>
       </c:valAx>
@@ -6324,11 +6354,11 @@
         </c:dLbls>
         <c:gapWidth val="219"/>
         <c:overlap val="-27"/>
-        <c:axId val="2106680960"/>
-        <c:axId val="2111305600"/>
+        <c:axId val="2106735408"/>
+        <c:axId val="2106738896"/>
       </c:barChart>
       <c:catAx>
-        <c:axId val="2106680960"/>
+        <c:axId val="2106735408"/>
         <c:scaling>
           <c:orientation val="minMax"/>
         </c:scaling>
@@ -6368,7 +6398,7 @@
             <a:endParaRPr lang="en-US"/>
           </a:p>
         </c:txPr>
-        <c:crossAx val="2111305600"/>
+        <c:crossAx val="2106738896"/>
         <c:crosses val="autoZero"/>
         <c:auto val="1"/>
         <c:lblAlgn val="ctr"/>
@@ -6376,7 +6406,7 @@
         <c:noMultiLvlLbl val="0"/>
       </c:catAx>
       <c:valAx>
-        <c:axId val="2111305600"/>
+        <c:axId val="2106738896"/>
         <c:scaling>
           <c:orientation val="minMax"/>
         </c:scaling>
@@ -6498,7 +6528,7 @@
             <a:endParaRPr lang="en-US"/>
           </a:p>
         </c:txPr>
-        <c:crossAx val="2106680960"/>
+        <c:crossAx val="2106735408"/>
         <c:crosses val="autoZero"/>
         <c:crossBetween val="between"/>
       </c:valAx>
@@ -6572,6 +6602,910 @@
 </file>
 
 <file path=ppt/charts/chart20.xml><?xml version="1.0" encoding="utf-8"?>
+<c:chartSpace xmlns:c="http://schemas.openxmlformats.org/drawingml/2006/chart" xmlns:a="http://schemas.openxmlformats.org/drawingml/2006/main" xmlns:r="http://schemas.openxmlformats.org/officeDocument/2006/relationships">
+  <c:date1904 val="0"/>
+  <c:lang val="en-US"/>
+  <c:roundedCorners val="0"/>
+  <mc:AlternateContent xmlns:mc="http://schemas.openxmlformats.org/markup-compatibility/2006">
+    <mc:Choice xmlns:c14="http://schemas.microsoft.com/office/drawing/2007/8/2/chart" Requires="c14">
+      <c14:style val="102"/>
+    </mc:Choice>
+    <mc:Fallback>
+      <c:style val="2"/>
+    </mc:Fallback>
+  </mc:AlternateContent>
+  <c:chart>
+    <c:autoTitleDeleted val="1"/>
+    <c:plotArea>
+      <c:layout>
+        <c:manualLayout>
+          <c:layoutTarget val="inner"/>
+          <c:xMode val="edge"/>
+          <c:yMode val="edge"/>
+          <c:x val="0.138858061581748"/>
+          <c:y val="0.0264823754257671"/>
+          <c:w val="0.842327667361251"/>
+          <c:h val="0.652621483647289"/>
+        </c:manualLayout>
+      </c:layout>
+      <c:barChart>
+        <c:barDir val="col"/>
+        <c:grouping val="stacked"/>
+        <c:varyColors val="0"/>
+        <c:ser>
+          <c:idx val="0"/>
+          <c:order val="0"/>
+          <c:tx>
+            <c:strRef>
+              <c:f>Sheet1!$B$1</c:f>
+              <c:strCache>
+                <c:ptCount val="1"/>
+                <c:pt idx="0">
+                  <c:v>Electricity mix</c:v>
+                </c:pt>
+              </c:strCache>
+            </c:strRef>
+          </c:tx>
+          <c:spPr>
+            <a:solidFill>
+              <a:schemeClr val="accent3"/>
+            </a:solidFill>
+            <a:ln>
+              <a:noFill/>
+            </a:ln>
+            <a:effectLst/>
+          </c:spPr>
+          <c:invertIfNegative val="0"/>
+          <c:dLbls>
+            <c:dLbl>
+              <c:idx val="0"/>
+              <c:layout>
+                <c:manualLayout>
+                  <c:x val="0.00134333252239769"/>
+                  <c:y val="-0.145829721853049"/>
+                </c:manualLayout>
+              </c:layout>
+              <c:showLegendKey val="0"/>
+              <c:showVal val="1"/>
+              <c:showCatName val="0"/>
+              <c:showSerName val="0"/>
+              <c:showPercent val="0"/>
+              <c:showBubbleSize val="0"/>
+              <c:extLst>
+                <c:ext xmlns:c15="http://schemas.microsoft.com/office/drawing/2012/chart" uri="{CE6537A1-D6FC-4f65-9D91-7224C49458BB}">
+                  <c15:layout/>
+                </c:ext>
+              </c:extLst>
+            </c:dLbl>
+            <c:dLbl>
+              <c:idx val="1"/>
+              <c:layout>
+                <c:manualLayout>
+                  <c:x val="0.0"/>
+                  <c:y val="-0.0538937148046459"/>
+                </c:manualLayout>
+              </c:layout>
+              <c:showLegendKey val="0"/>
+              <c:showVal val="1"/>
+              <c:showCatName val="0"/>
+              <c:showSerName val="0"/>
+              <c:showPercent val="0"/>
+              <c:showBubbleSize val="0"/>
+              <c:extLst>
+                <c:ext xmlns:c15="http://schemas.microsoft.com/office/drawing/2012/chart" uri="{CE6537A1-D6FC-4f65-9D91-7224C49458BB}">
+                  <c15:layout/>
+                </c:ext>
+              </c:extLst>
+            </c:dLbl>
+            <c:spPr>
+              <a:noFill/>
+              <a:ln>
+                <a:noFill/>
+              </a:ln>
+              <a:effectLst/>
+            </c:spPr>
+            <c:txPr>
+              <a:bodyPr rot="0" spcFirstLastPara="1" vertOverflow="ellipsis" vert="horz" wrap="square" lIns="38100" tIns="19050" rIns="38100" bIns="19050" anchor="ctr" anchorCtr="1">
+                <a:spAutoFit/>
+              </a:bodyPr>
+              <a:lstStyle/>
+              <a:p>
+                <a:pPr>
+                  <a:defRPr sz="1600" b="0" i="0" u="none" strike="noStrike" kern="1200" baseline="0">
+                    <a:solidFill>
+                      <a:schemeClr val="tx1">
+                        <a:lumMod val="75000"/>
+                        <a:lumOff val="25000"/>
+                      </a:schemeClr>
+                    </a:solidFill>
+                    <a:latin typeface="+mn-lt"/>
+                    <a:ea typeface="+mn-ea"/>
+                    <a:cs typeface="+mn-cs"/>
+                  </a:defRPr>
+                </a:pPr>
+                <a:endParaRPr lang="en-US"/>
+              </a:p>
+            </c:txPr>
+            <c:showLegendKey val="0"/>
+            <c:showVal val="1"/>
+            <c:showCatName val="0"/>
+            <c:showSerName val="0"/>
+            <c:showPercent val="0"/>
+            <c:showBubbleSize val="0"/>
+            <c:showLeaderLines val="0"/>
+            <c:extLst>
+              <c:ext xmlns:c15="http://schemas.microsoft.com/office/drawing/2012/chart" uri="{CE6537A1-D6FC-4f65-9D91-7224C49458BB}">
+                <c15:layout/>
+                <c15:showLeaderLines val="1"/>
+                <c15:leaderLines>
+                  <c:spPr>
+                    <a:ln w="9525" cap="flat" cmpd="sng" algn="ctr">
+                      <a:solidFill>
+                        <a:schemeClr val="tx1">
+                          <a:lumMod val="35000"/>
+                          <a:lumOff val="65000"/>
+                        </a:schemeClr>
+                      </a:solidFill>
+                      <a:round/>
+                    </a:ln>
+                    <a:effectLst/>
+                  </c:spPr>
+                </c15:leaderLines>
+              </c:ext>
+            </c:extLst>
+          </c:dLbls>
+          <c:cat>
+            <c:strRef>
+              <c:f>Sheet1!$A$2:$A$10</c:f>
+              <c:strCache>
+                <c:ptCount val="9"/>
+                <c:pt idx="0">
+                  <c:v>ENTSO-E</c:v>
+                </c:pt>
+                <c:pt idx="1">
+                  <c:v>CH</c:v>
+                </c:pt>
+                <c:pt idx="2">
+                  <c:v>ASF (CIGS) ENTSO-E mix incl. shading benefits</c:v>
+                </c:pt>
+                <c:pt idx="3">
+                  <c:v>ASF (CIGS) CH mix incl. shading benefits</c:v>
+                </c:pt>
+                <c:pt idx="4">
+                  <c:v>ASF (CIGS) ENTSO-E mix excl. shading benefits</c:v>
+                </c:pt>
+                <c:pt idx="5">
+                  <c:v>Static ASF (CIGS) ENTSO-E mix incl. shading benefits </c:v>
+                </c:pt>
+                <c:pt idx="6">
+                  <c:v>Poly-Si</c:v>
+                </c:pt>
+                <c:pt idx="7">
+                  <c:v>CIS</c:v>
+                </c:pt>
+                <c:pt idx="8">
+                  <c:v>CdTe</c:v>
+                </c:pt>
+              </c:strCache>
+            </c:strRef>
+          </c:cat>
+          <c:val>
+            <c:numRef>
+              <c:f>Sheet1!$B$2:$B$10</c:f>
+              <c:numCache>
+                <c:formatCode>0.0</c:formatCode>
+                <c:ptCount val="9"/>
+                <c:pt idx="0">
+                  <c:v>462.1</c:v>
+                </c:pt>
+                <c:pt idx="1">
+                  <c:v>113.1</c:v>
+                </c:pt>
+              </c:numCache>
+            </c:numRef>
+          </c:val>
+        </c:ser>
+        <c:ser>
+          <c:idx val="1"/>
+          <c:order val="1"/>
+          <c:tx>
+            <c:strRef>
+              <c:f>Sheet1!$C$1</c:f>
+              <c:strCache>
+                <c:ptCount val="1"/>
+                <c:pt idx="0">
+                  <c:v>ASF</c:v>
+                </c:pt>
+              </c:strCache>
+            </c:strRef>
+          </c:tx>
+          <c:spPr>
+            <a:solidFill>
+              <a:schemeClr val="accent1"/>
+            </a:solidFill>
+            <a:ln>
+              <a:noFill/>
+            </a:ln>
+            <a:effectLst/>
+          </c:spPr>
+          <c:invertIfNegative val="0"/>
+          <c:dPt>
+            <c:idx val="0"/>
+            <c:invertIfNegative val="0"/>
+            <c:bubble3D val="0"/>
+          </c:dPt>
+          <c:dLbls>
+            <c:dLbl>
+              <c:idx val="2"/>
+              <c:layout>
+                <c:manualLayout>
+                  <c:x val="0.0"/>
+                  <c:y val="-0.166580966198505"/>
+                </c:manualLayout>
+              </c:layout>
+              <c:showLegendKey val="0"/>
+              <c:showVal val="1"/>
+              <c:showCatName val="0"/>
+              <c:showSerName val="0"/>
+              <c:showPercent val="0"/>
+              <c:showBubbleSize val="0"/>
+              <c:extLst>
+                <c:ext xmlns:c15="http://schemas.microsoft.com/office/drawing/2012/chart" uri="{CE6537A1-D6FC-4f65-9D91-7224C49458BB}">
+                  <c15:layout/>
+                </c:ext>
+              </c:extLst>
+            </c:dLbl>
+            <c:dLbl>
+              <c:idx val="3"/>
+              <c:layout>
+                <c:manualLayout>
+                  <c:x val="-0.00268666504479543"/>
+                  <c:y val="-0.0452707204359026"/>
+                </c:manualLayout>
+              </c:layout>
+              <c:showLegendKey val="0"/>
+              <c:showVal val="1"/>
+              <c:showCatName val="0"/>
+              <c:showSerName val="0"/>
+              <c:showPercent val="0"/>
+              <c:showBubbleSize val="0"/>
+              <c:extLst>
+                <c:ext xmlns:c15="http://schemas.microsoft.com/office/drawing/2012/chart" uri="{CE6537A1-D6FC-4f65-9D91-7224C49458BB}">
+                  <c15:layout/>
+                </c:ext>
+              </c:extLst>
+            </c:dLbl>
+            <c:dLbl>
+              <c:idx val="4"/>
+              <c:layout>
+                <c:manualLayout>
+                  <c:x val="0.0"/>
+                  <c:y val="-0.101139968381953"/>
+                </c:manualLayout>
+              </c:layout>
+              <c:showLegendKey val="0"/>
+              <c:showVal val="1"/>
+              <c:showCatName val="0"/>
+              <c:showSerName val="0"/>
+              <c:showPercent val="0"/>
+              <c:showBubbleSize val="0"/>
+              <c:extLst>
+                <c:ext xmlns:c15="http://schemas.microsoft.com/office/drawing/2012/chart" uri="{CE6537A1-D6FC-4f65-9D91-7224C49458BB}">
+                  <c15:layout/>
+                </c:ext>
+              </c:extLst>
+            </c:dLbl>
+            <c:dLbl>
+              <c:idx val="5"/>
+              <c:layout>
+                <c:manualLayout>
+                  <c:x val="0.0"/>
+                  <c:y val="-0.0399855688951907"/>
+                </c:manualLayout>
+              </c:layout>
+              <c:showLegendKey val="0"/>
+              <c:showVal val="1"/>
+              <c:showCatName val="0"/>
+              <c:showSerName val="0"/>
+              <c:showPercent val="0"/>
+              <c:showBubbleSize val="0"/>
+              <c:extLst>
+                <c:ext xmlns:c15="http://schemas.microsoft.com/office/drawing/2012/chart" uri="{CE6537A1-D6FC-4f65-9D91-7224C49458BB}">
+                  <c15:layout/>
+                </c:ext>
+              </c:extLst>
+            </c:dLbl>
+            <c:spPr>
+              <a:noFill/>
+              <a:ln>
+                <a:noFill/>
+              </a:ln>
+              <a:effectLst/>
+            </c:spPr>
+            <c:txPr>
+              <a:bodyPr rot="0" spcFirstLastPara="1" vertOverflow="ellipsis" vert="horz" wrap="square" lIns="38100" tIns="19050" rIns="38100" bIns="19050" anchor="ctr" anchorCtr="1">
+                <a:spAutoFit/>
+              </a:bodyPr>
+              <a:lstStyle/>
+              <a:p>
+                <a:pPr>
+                  <a:defRPr sz="1600" b="0" i="0" u="none" strike="noStrike" kern="1200" baseline="0">
+                    <a:solidFill>
+                      <a:schemeClr val="tx1">
+                        <a:lumMod val="75000"/>
+                        <a:lumOff val="25000"/>
+                      </a:schemeClr>
+                    </a:solidFill>
+                    <a:latin typeface="+mn-lt"/>
+                    <a:ea typeface="+mn-ea"/>
+                    <a:cs typeface="+mn-cs"/>
+                  </a:defRPr>
+                </a:pPr>
+                <a:endParaRPr lang="en-US"/>
+              </a:p>
+            </c:txPr>
+            <c:showLegendKey val="0"/>
+            <c:showVal val="1"/>
+            <c:showCatName val="0"/>
+            <c:showSerName val="0"/>
+            <c:showPercent val="0"/>
+            <c:showBubbleSize val="0"/>
+            <c:showLeaderLines val="0"/>
+            <c:extLst>
+              <c:ext xmlns:c15="http://schemas.microsoft.com/office/drawing/2012/chart" uri="{CE6537A1-D6FC-4f65-9D91-7224C49458BB}">
+                <c15:layout/>
+                <c15:showLeaderLines val="1"/>
+                <c15:leaderLines>
+                  <c:spPr>
+                    <a:ln w="9525" cap="flat" cmpd="sng" algn="ctr">
+                      <a:solidFill>
+                        <a:schemeClr val="tx1">
+                          <a:lumMod val="35000"/>
+                          <a:lumOff val="65000"/>
+                        </a:schemeClr>
+                      </a:solidFill>
+                      <a:round/>
+                    </a:ln>
+                    <a:effectLst/>
+                  </c:spPr>
+                </c15:leaderLines>
+              </c:ext>
+            </c:extLst>
+          </c:dLbls>
+          <c:cat>
+            <c:strRef>
+              <c:f>Sheet1!$A$2:$A$10</c:f>
+              <c:strCache>
+                <c:ptCount val="9"/>
+                <c:pt idx="0">
+                  <c:v>ENTSO-E</c:v>
+                </c:pt>
+                <c:pt idx="1">
+                  <c:v>CH</c:v>
+                </c:pt>
+                <c:pt idx="2">
+                  <c:v>ASF (CIGS) ENTSO-E mix incl. shading benefits</c:v>
+                </c:pt>
+                <c:pt idx="3">
+                  <c:v>ASF (CIGS) CH mix incl. shading benefits</c:v>
+                </c:pt>
+                <c:pt idx="4">
+                  <c:v>ASF (CIGS) ENTSO-E mix excl. shading benefits</c:v>
+                </c:pt>
+                <c:pt idx="5">
+                  <c:v>Static ASF (CIGS) ENTSO-E mix incl. shading benefits </c:v>
+                </c:pt>
+                <c:pt idx="6">
+                  <c:v>Poly-Si</c:v>
+                </c:pt>
+                <c:pt idx="7">
+                  <c:v>CIS</c:v>
+                </c:pt>
+                <c:pt idx="8">
+                  <c:v>CdTe</c:v>
+                </c:pt>
+              </c:strCache>
+            </c:strRef>
+          </c:cat>
+          <c:val>
+            <c:numRef>
+              <c:f>Sheet1!$C$2:$C$10</c:f>
+              <c:numCache>
+                <c:formatCode>0.0</c:formatCode>
+                <c:ptCount val="9"/>
+                <c:pt idx="2">
+                  <c:v>-537.0</c:v>
+                </c:pt>
+                <c:pt idx="3">
+                  <c:v>63.1</c:v>
+                </c:pt>
+                <c:pt idx="4" formatCode="General">
+                  <c:v>277.1</c:v>
+                </c:pt>
+                <c:pt idx="5" formatCode="General">
+                  <c:v>0.0</c:v>
+                </c:pt>
+              </c:numCache>
+            </c:numRef>
+          </c:val>
+        </c:ser>
+        <c:ser>
+          <c:idx val="2"/>
+          <c:order val="2"/>
+          <c:tx>
+            <c:strRef>
+              <c:f>Sheet1!$D$1</c:f>
+              <c:strCache>
+                <c:ptCount val="1"/>
+                <c:pt idx="0">
+                  <c:v>Ecoinvent</c:v>
+                </c:pt>
+              </c:strCache>
+            </c:strRef>
+          </c:tx>
+          <c:spPr>
+            <a:solidFill>
+              <a:schemeClr val="accent2"/>
+            </a:solidFill>
+            <a:ln>
+              <a:noFill/>
+            </a:ln>
+            <a:effectLst/>
+          </c:spPr>
+          <c:invertIfNegative val="0"/>
+          <c:dLbls>
+            <c:dLbl>
+              <c:idx val="6"/>
+              <c:layout>
+                <c:manualLayout>
+                  <c:x val="-0.00134333252239769"/>
+                  <c:y val="-0.0529241371701132"/>
+                </c:manualLayout>
+              </c:layout>
+              <c:spPr>
+                <a:noFill/>
+                <a:ln>
+                  <a:noFill/>
+                </a:ln>
+                <a:effectLst/>
+              </c:spPr>
+              <c:txPr>
+                <a:bodyPr rot="0" spcFirstLastPara="1" vertOverflow="ellipsis" vert="horz" wrap="square" lIns="38100" tIns="19050" rIns="38100" bIns="19050" anchor="ctr" anchorCtr="1">
+                  <a:noAutofit/>
+                </a:bodyPr>
+                <a:lstStyle/>
+                <a:p>
+                  <a:pPr>
+                    <a:defRPr sz="1600" b="0" i="0" u="none" strike="noStrike" kern="1200" baseline="0">
+                      <a:solidFill>
+                        <a:schemeClr val="tx1">
+                          <a:lumMod val="75000"/>
+                          <a:lumOff val="25000"/>
+                        </a:schemeClr>
+                      </a:solidFill>
+                      <a:latin typeface="+mn-lt"/>
+                      <a:ea typeface="+mn-ea"/>
+                      <a:cs typeface="+mn-cs"/>
+                    </a:defRPr>
+                  </a:pPr>
+                  <a:endParaRPr lang="en-US"/>
+                </a:p>
+              </c:txPr>
+              <c:dLblPos val="ctr"/>
+              <c:showLegendKey val="0"/>
+              <c:showVal val="1"/>
+              <c:showCatName val="0"/>
+              <c:showSerName val="0"/>
+              <c:showPercent val="0"/>
+              <c:showBubbleSize val="0"/>
+              <c:extLst>
+                <c:ext xmlns:c15="http://schemas.microsoft.com/office/drawing/2012/chart" uri="{CE6537A1-D6FC-4f65-9D91-7224C49458BB}">
+                  <c15:spPr xmlns:c15="http://schemas.microsoft.com/office/drawing/2012/chart">
+                    <a:prstGeom prst="rect">
+                      <a:avLst/>
+                    </a:prstGeom>
+                  </c15:spPr>
+                  <c15:layout/>
+                </c:ext>
+              </c:extLst>
+            </c:dLbl>
+            <c:dLbl>
+              <c:idx val="7"/>
+              <c:layout>
+                <c:manualLayout>
+                  <c:x val="-0.00134333252239779"/>
+                  <c:y val="-0.047041845759048"/>
+                </c:manualLayout>
+              </c:layout>
+              <c:dLblPos val="ctr"/>
+              <c:showLegendKey val="0"/>
+              <c:showVal val="1"/>
+              <c:showCatName val="0"/>
+              <c:showSerName val="0"/>
+              <c:showPercent val="0"/>
+              <c:showBubbleSize val="0"/>
+              <c:extLst>
+                <c:ext xmlns:c15="http://schemas.microsoft.com/office/drawing/2012/chart" uri="{CE6537A1-D6FC-4f65-9D91-7224C49458BB}">
+                  <c15:layout/>
+                </c:ext>
+              </c:extLst>
+            </c:dLbl>
+            <c:dLbl>
+              <c:idx val="8"/>
+              <c:layout>
+                <c:manualLayout>
+                  <c:x val="-0.00268666504479538"/>
+                  <c:y val="-0.0439044511116109"/>
+                </c:manualLayout>
+              </c:layout>
+              <c:dLblPos val="ctr"/>
+              <c:showLegendKey val="0"/>
+              <c:showVal val="1"/>
+              <c:showCatName val="0"/>
+              <c:showSerName val="0"/>
+              <c:showPercent val="0"/>
+              <c:showBubbleSize val="0"/>
+              <c:extLst>
+                <c:ext xmlns:c15="http://schemas.microsoft.com/office/drawing/2012/chart" uri="{CE6537A1-D6FC-4f65-9D91-7224C49458BB}">
+                  <c15:layout/>
+                </c:ext>
+              </c:extLst>
+            </c:dLbl>
+            <c:spPr>
+              <a:noFill/>
+              <a:ln>
+                <a:noFill/>
+              </a:ln>
+              <a:effectLst/>
+            </c:spPr>
+            <c:txPr>
+              <a:bodyPr rot="0" spcFirstLastPara="1" vertOverflow="ellipsis" vert="horz" wrap="square" lIns="38100" tIns="19050" rIns="38100" bIns="19050" anchor="ctr" anchorCtr="1">
+                <a:spAutoFit/>
+              </a:bodyPr>
+              <a:lstStyle/>
+              <a:p>
+                <a:pPr>
+                  <a:defRPr sz="1600" b="0" i="0" u="none" strike="noStrike" kern="1200" baseline="0">
+                    <a:solidFill>
+                      <a:schemeClr val="tx1">
+                        <a:lumMod val="75000"/>
+                        <a:lumOff val="25000"/>
+                      </a:schemeClr>
+                    </a:solidFill>
+                    <a:latin typeface="+mn-lt"/>
+                    <a:ea typeface="+mn-ea"/>
+                    <a:cs typeface="+mn-cs"/>
+                  </a:defRPr>
+                </a:pPr>
+                <a:endParaRPr lang="en-US"/>
+              </a:p>
+            </c:txPr>
+            <c:dLblPos val="ctr"/>
+            <c:showLegendKey val="0"/>
+            <c:showVal val="1"/>
+            <c:showCatName val="0"/>
+            <c:showSerName val="0"/>
+            <c:showPercent val="0"/>
+            <c:showBubbleSize val="0"/>
+            <c:showLeaderLines val="0"/>
+            <c:extLst>
+              <c:ext xmlns:c15="http://schemas.microsoft.com/office/drawing/2012/chart" uri="{CE6537A1-D6FC-4f65-9D91-7224C49458BB}">
+                <c15:showLeaderLines val="1"/>
+                <c15:leaderLines>
+                  <c:spPr>
+                    <a:ln w="9525" cap="flat" cmpd="sng" algn="ctr">
+                      <a:solidFill>
+                        <a:schemeClr val="tx1">
+                          <a:lumMod val="35000"/>
+                          <a:lumOff val="65000"/>
+                        </a:schemeClr>
+                      </a:solidFill>
+                      <a:round/>
+                    </a:ln>
+                    <a:effectLst/>
+                  </c:spPr>
+                </c15:leaderLines>
+              </c:ext>
+            </c:extLst>
+          </c:dLbls>
+          <c:cat>
+            <c:strRef>
+              <c:f>Sheet1!$A$2:$A$10</c:f>
+              <c:strCache>
+                <c:ptCount val="9"/>
+                <c:pt idx="0">
+                  <c:v>ENTSO-E</c:v>
+                </c:pt>
+                <c:pt idx="1">
+                  <c:v>CH</c:v>
+                </c:pt>
+                <c:pt idx="2">
+                  <c:v>ASF (CIGS) ENTSO-E mix incl. shading benefits</c:v>
+                </c:pt>
+                <c:pt idx="3">
+                  <c:v>ASF (CIGS) CH mix incl. shading benefits</c:v>
+                </c:pt>
+                <c:pt idx="4">
+                  <c:v>ASF (CIGS) ENTSO-E mix excl. shading benefits</c:v>
+                </c:pt>
+                <c:pt idx="5">
+                  <c:v>Static ASF (CIGS) ENTSO-E mix incl. shading benefits </c:v>
+                </c:pt>
+                <c:pt idx="6">
+                  <c:v>Poly-Si</c:v>
+                </c:pt>
+                <c:pt idx="7">
+                  <c:v>CIS</c:v>
+                </c:pt>
+                <c:pt idx="8">
+                  <c:v>CdTe</c:v>
+                </c:pt>
+              </c:strCache>
+            </c:strRef>
+          </c:cat>
+          <c:val>
+            <c:numRef>
+              <c:f>Sheet1!$D$2:$D$10</c:f>
+              <c:numCache>
+                <c:formatCode>General</c:formatCode>
+                <c:ptCount val="9"/>
+                <c:pt idx="6" formatCode="0.0">
+                  <c:v>101.5</c:v>
+                </c:pt>
+                <c:pt idx="7" formatCode="0.0">
+                  <c:v>81.9</c:v>
+                </c:pt>
+                <c:pt idx="8" formatCode="0.0">
+                  <c:v>76.2</c:v>
+                </c:pt>
+              </c:numCache>
+            </c:numRef>
+          </c:val>
+        </c:ser>
+        <c:dLbls>
+          <c:showLegendKey val="0"/>
+          <c:showVal val="0"/>
+          <c:showCatName val="0"/>
+          <c:showSerName val="0"/>
+          <c:showPercent val="0"/>
+          <c:showBubbleSize val="0"/>
+        </c:dLbls>
+        <c:gapWidth val="219"/>
+        <c:overlap val="100"/>
+        <c:axId val="2141890224"/>
+        <c:axId val="2141892656"/>
+      </c:barChart>
+      <c:catAx>
+        <c:axId val="2141890224"/>
+        <c:scaling>
+          <c:orientation val="minMax"/>
+        </c:scaling>
+        <c:delete val="1"/>
+        <c:axPos val="b"/>
+        <c:numFmt formatCode="General" sourceLinked="1"/>
+        <c:majorTickMark val="none"/>
+        <c:minorTickMark val="none"/>
+        <c:tickLblPos val="nextTo"/>
+        <c:crossAx val="2141892656"/>
+        <c:crosses val="autoZero"/>
+        <c:auto val="1"/>
+        <c:lblAlgn val="ctr"/>
+        <c:lblOffset val="100"/>
+        <c:noMultiLvlLbl val="0"/>
+      </c:catAx>
+      <c:valAx>
+        <c:axId val="2141892656"/>
+        <c:scaling>
+          <c:orientation val="minMax"/>
+        </c:scaling>
+        <c:delete val="0"/>
+        <c:axPos val="l"/>
+        <c:majorGridlines>
+          <c:spPr>
+            <a:ln w="9525" cap="flat" cmpd="sng" algn="ctr">
+              <a:solidFill>
+                <a:schemeClr val="tx1">
+                  <a:lumMod val="15000"/>
+                  <a:lumOff val="85000"/>
+                </a:schemeClr>
+              </a:solidFill>
+              <a:round/>
+            </a:ln>
+            <a:effectLst/>
+          </c:spPr>
+        </c:majorGridlines>
+        <c:title>
+          <c:tx>
+            <c:rich>
+              <a:bodyPr rot="-5400000" spcFirstLastPara="1" vertOverflow="ellipsis" vert="horz" wrap="square" anchor="ctr" anchorCtr="1"/>
+              <a:lstStyle/>
+              <a:p>
+                <a:pPr>
+                  <a:defRPr sz="2800" b="0" i="0" u="none" strike="noStrike" kern="1200" baseline="0">
+                    <a:solidFill>
+                      <a:schemeClr val="tx1">
+                        <a:lumMod val="65000"/>
+                        <a:lumOff val="35000"/>
+                      </a:schemeClr>
+                    </a:solidFill>
+                    <a:latin typeface="+mn-lt"/>
+                    <a:ea typeface="+mn-ea"/>
+                    <a:cs typeface="+mn-cs"/>
+                  </a:defRPr>
+                </a:pPr>
+                <a:r>
+                  <a:rPr lang="en-US" sz="2800" b="0" i="0" baseline="0" dirty="0" smtClean="0">
+                    <a:effectLst/>
+                  </a:rPr>
+                  <a:t>GWP (g CO</a:t>
+                </a:r>
+                <a:r>
+                  <a:rPr lang="en-US" sz="2800" b="0" i="0" baseline="-25000" dirty="0" smtClean="0">
+                    <a:effectLst/>
+                  </a:rPr>
+                  <a:t>2eq</a:t>
+                </a:r>
+                <a:r>
+                  <a:rPr lang="en-US" sz="2800" b="0" i="0" baseline="0" dirty="0" smtClean="0">
+                    <a:effectLst/>
+                  </a:rPr>
+                  <a:t>/</a:t>
+                </a:r>
+                <a:r>
+                  <a:rPr lang="en-US" sz="2800" b="0" i="0" baseline="0" dirty="0" err="1" smtClean="0">
+                    <a:effectLst/>
+                  </a:rPr>
+                  <a:t>kWh</a:t>
+                </a:r>
+                <a:r>
+                  <a:rPr lang="en-US" sz="2800" b="0" i="0" baseline="-25000" dirty="0" err="1" smtClean="0">
+                    <a:effectLst/>
+                  </a:rPr>
+                  <a:t>pv</a:t>
+                </a:r>
+                <a:r>
+                  <a:rPr lang="en-US" sz="2800" b="0" i="0" baseline="0" dirty="0" smtClean="0">
+                    <a:effectLst/>
+                  </a:rPr>
+                  <a:t>)</a:t>
+                </a:r>
+                <a:endParaRPr lang="en-US" sz="2800" dirty="0">
+                  <a:effectLst/>
+                </a:endParaRPr>
+              </a:p>
+            </c:rich>
+          </c:tx>
+          <c:layout>
+            <c:manualLayout>
+              <c:xMode val="edge"/>
+              <c:yMode val="edge"/>
+              <c:x val="0.0"/>
+              <c:y val="0.137813912025085"/>
+            </c:manualLayout>
+          </c:layout>
+          <c:overlay val="0"/>
+          <c:spPr>
+            <a:noFill/>
+            <a:ln>
+              <a:noFill/>
+            </a:ln>
+            <a:effectLst/>
+          </c:spPr>
+        </c:title>
+        <c:numFmt formatCode="0.0" sourceLinked="1"/>
+        <c:majorTickMark val="none"/>
+        <c:minorTickMark val="none"/>
+        <c:tickLblPos val="nextTo"/>
+        <c:spPr>
+          <a:noFill/>
+          <a:ln>
+            <a:noFill/>
+          </a:ln>
+          <a:effectLst/>
+        </c:spPr>
+        <c:txPr>
+          <a:bodyPr rot="-60000000" spcFirstLastPara="1" vertOverflow="ellipsis" vert="horz" wrap="square" anchor="ctr" anchorCtr="1"/>
+          <a:lstStyle/>
+          <a:p>
+            <a:pPr>
+              <a:defRPr sz="1800" b="0" i="0" u="none" strike="noStrike" kern="1200" baseline="0">
+                <a:solidFill>
+                  <a:schemeClr val="tx1">
+                    <a:lumMod val="65000"/>
+                    <a:lumOff val="35000"/>
+                  </a:schemeClr>
+                </a:solidFill>
+                <a:latin typeface="+mn-lt"/>
+                <a:ea typeface="+mn-ea"/>
+                <a:cs typeface="+mn-cs"/>
+              </a:defRPr>
+            </a:pPr>
+            <a:endParaRPr lang="en-US"/>
+          </a:p>
+        </c:txPr>
+        <c:crossAx val="2141890224"/>
+        <c:crosses val="autoZero"/>
+        <c:crossBetween val="between"/>
+      </c:valAx>
+      <c:spPr>
+        <a:noFill/>
+        <a:ln>
+          <a:solidFill>
+            <a:schemeClr val="accent3"/>
+          </a:solidFill>
+        </a:ln>
+        <a:effectLst/>
+      </c:spPr>
+    </c:plotArea>
+    <c:legend>
+      <c:legendPos val="b"/>
+      <c:layout>
+        <c:manualLayout>
+          <c:xMode val="edge"/>
+          <c:yMode val="edge"/>
+          <c:x val="0.150854867200474"/>
+          <c:y val="0.941149356666363"/>
+          <c:w val="0.75202356649496"/>
+          <c:h val="0.0586117321622506"/>
+        </c:manualLayout>
+      </c:layout>
+      <c:overlay val="0"/>
+      <c:spPr>
+        <a:noFill/>
+        <a:ln>
+          <a:noFill/>
+        </a:ln>
+        <a:effectLst/>
+      </c:spPr>
+      <c:txPr>
+        <a:bodyPr rot="0" spcFirstLastPara="1" vertOverflow="ellipsis" vert="horz" wrap="square" anchor="ctr" anchorCtr="1"/>
+        <a:lstStyle/>
+        <a:p>
+          <a:pPr>
+            <a:defRPr sz="2000" b="0" i="0" u="none" strike="noStrike" kern="1200" baseline="0">
+              <a:solidFill>
+                <a:schemeClr val="tx1">
+                  <a:lumMod val="65000"/>
+                  <a:lumOff val="35000"/>
+                </a:schemeClr>
+              </a:solidFill>
+              <a:latin typeface="+mn-lt"/>
+              <a:ea typeface="+mn-ea"/>
+              <a:cs typeface="+mn-cs"/>
+            </a:defRPr>
+          </a:pPr>
+          <a:endParaRPr lang="en-US"/>
+        </a:p>
+      </c:txPr>
+    </c:legend>
+    <c:plotVisOnly val="1"/>
+    <c:dispBlanksAs val="gap"/>
+    <c:showDLblsOverMax val="0"/>
+  </c:chart>
+  <c:spPr>
+    <a:noFill/>
+    <a:ln>
+      <a:noFill/>
+    </a:ln>
+    <a:effectLst/>
+  </c:spPr>
+  <c:txPr>
+    <a:bodyPr/>
+    <a:lstStyle/>
+    <a:p>
+      <a:pPr>
+        <a:defRPr/>
+      </a:pPr>
+      <a:endParaRPr lang="en-US"/>
+    </a:p>
+  </c:txPr>
+  <c:externalData r:id="rId1">
+    <c:autoUpdate val="0"/>
+  </c:externalData>
+</c:chartSpace>
+</file>
+
+<file path=ppt/charts/chart21.xml><?xml version="1.0" encoding="utf-8"?>
 <c:chartSpace xmlns:c="http://schemas.openxmlformats.org/drawingml/2006/chart" xmlns:a="http://schemas.openxmlformats.org/drawingml/2006/main" xmlns:r="http://schemas.openxmlformats.org/officeDocument/2006/relationships">
   <c:date1904 val="0"/>
   <c:lang val="en-US"/>
@@ -6881,11 +7815,11 @@
         </c:dLbls>
         <c:gapWidth val="219"/>
         <c:overlap val="100"/>
-        <c:axId val="-2092865136"/>
-        <c:axId val="-2092680736"/>
+        <c:axId val="-2101373648"/>
+        <c:axId val="-2101368576"/>
       </c:barChart>
       <c:catAx>
-        <c:axId val="-2092865136"/>
+        <c:axId val="-2101373648"/>
         <c:scaling>
           <c:orientation val="minMax"/>
         </c:scaling>
@@ -6928,7 +7862,7 @@
             <a:endParaRPr lang="en-US"/>
           </a:p>
         </c:txPr>
-        <c:crossAx val="-2092680736"/>
+        <c:crossAx val="-2101368576"/>
         <c:crosses val="autoZero"/>
         <c:auto val="1"/>
         <c:lblAlgn val="ctr"/>
@@ -6936,7 +7870,7 @@
         <c:noMultiLvlLbl val="0"/>
       </c:catAx>
       <c:valAx>
-        <c:axId val="-2092680736"/>
+        <c:axId val="-2101368576"/>
         <c:scaling>
           <c:orientation val="minMax"/>
         </c:scaling>
@@ -6987,6 +7921,7 @@
               </a:p>
             </c:rich>
           </c:tx>
+          <c:layout/>
           <c:overlay val="0"/>
           <c:spPr>
             <a:noFill/>
@@ -7027,7 +7962,7 @@
             <a:endParaRPr lang="en-US"/>
           </a:p>
         </c:txPr>
-        <c:crossAx val="-2092865136"/>
+        <c:crossAx val="-2101373648"/>
         <c:crosses val="autoZero"/>
         <c:crossBetween val="between"/>
       </c:valAx>
@@ -7043,6 +7978,7 @@
     </c:plotArea>
     <c:legend>
       <c:legendPos val="b"/>
+      <c:layout/>
       <c:overlay val="0"/>
       <c:spPr>
         <a:noFill/>
@@ -7099,7 +8035,7 @@
 </c:chartSpace>
 </file>
 
-<file path=ppt/charts/chart21.xml><?xml version="1.0" encoding="utf-8"?>
+<file path=ppt/charts/chart22.xml><?xml version="1.0" encoding="utf-8"?>
 <c:chartSpace xmlns:c="http://schemas.openxmlformats.org/drawingml/2006/chart" xmlns:a="http://schemas.openxmlformats.org/drawingml/2006/main" xmlns:r="http://schemas.openxmlformats.org/officeDocument/2006/relationships">
   <c:date1904 val="0"/>
   <c:lang val="en-US"/>
@@ -7266,11 +8202,11 @@
         </c:dLbls>
         <c:gapWidth val="219"/>
         <c:overlap val="100"/>
-        <c:axId val="-2084055504"/>
-        <c:axId val="-2084052576"/>
+        <c:axId val="-2125408704"/>
+        <c:axId val="-2125141920"/>
       </c:barChart>
       <c:catAx>
-        <c:axId val="-2084055504"/>
+        <c:axId val="-2125408704"/>
         <c:scaling>
           <c:orientation val="minMax"/>
         </c:scaling>
@@ -7280,7 +8216,7 @@
         <c:majorTickMark val="none"/>
         <c:minorTickMark val="none"/>
         <c:tickLblPos val="nextTo"/>
-        <c:crossAx val="-2084052576"/>
+        <c:crossAx val="-2125141920"/>
         <c:crosses val="autoZero"/>
         <c:auto val="1"/>
         <c:lblAlgn val="ctr"/>
@@ -7288,7 +8224,7 @@
         <c:noMultiLvlLbl val="0"/>
       </c:catAx>
       <c:valAx>
-        <c:axId val="-2084052576"/>
+        <c:axId val="-2125141920"/>
         <c:scaling>
           <c:orientation val="minMax"/>
         </c:scaling>
@@ -7369,6 +8305,7 @@
               </a:p>
             </c:rich>
           </c:tx>
+          <c:layout/>
           <c:overlay val="0"/>
           <c:spPr>
             <a:noFill/>
@@ -7429,7 +8366,7 @@
             <a:endParaRPr lang="en-US"/>
           </a:p>
         </c:txPr>
-        <c:crossAx val="-2084055504"/>
+        <c:crossAx val="-2125408704"/>
         <c:crosses val="autoZero"/>
         <c:crossBetween val="between"/>
         <c:majorUnit val="100.0"/>
@@ -7556,6 +8493,7 @@
             <c:showLeaderLines val="0"/>
             <c:extLst>
               <c:ext xmlns:c15="http://schemas.microsoft.com/office/drawing/2012/chart" uri="{CE6537A1-D6FC-4f65-9D91-7224C49458BB}">
+                <c15:layout/>
                 <c15:showLeaderLines val="1"/>
                 <c15:leaderLines>
                   <c:spPr>
@@ -7685,6 +8623,7 @@
             <c:showLeaderLines val="0"/>
             <c:extLst>
               <c:ext xmlns:c15="http://schemas.microsoft.com/office/drawing/2012/chart" uri="{CE6537A1-D6FC-4f65-9D91-7224C49458BB}">
+                <c15:layout/>
                 <c15:showLeaderLines val="1"/>
                 <c15:leaderLines>
                   <c:spPr>
@@ -7755,11 +8694,11 @@
         </c:dLbls>
         <c:gapWidth val="219"/>
         <c:overlap val="-27"/>
-        <c:axId val="-2082094864"/>
-        <c:axId val="-2082103952"/>
+        <c:axId val="2141083840"/>
+        <c:axId val="2141087248"/>
       </c:barChart>
       <c:catAx>
-        <c:axId val="-2082094864"/>
+        <c:axId val="2141083840"/>
         <c:scaling>
           <c:orientation val="minMax"/>
         </c:scaling>
@@ -7799,7 +8738,7 @@
             <a:endParaRPr lang="en-US"/>
           </a:p>
         </c:txPr>
-        <c:crossAx val="-2082103952"/>
+        <c:crossAx val="2141087248"/>
         <c:crosses val="autoZero"/>
         <c:auto val="1"/>
         <c:lblAlgn val="ctr"/>
@@ -7807,7 +8746,7 @@
         <c:noMultiLvlLbl val="0"/>
       </c:catAx>
       <c:valAx>
-        <c:axId val="-2082103952"/>
+        <c:axId val="2141087248"/>
         <c:scaling>
           <c:orientation val="minMax"/>
         </c:scaling>
@@ -7878,6 +8817,7 @@
               </a:p>
             </c:rich>
           </c:tx>
+          <c:layout/>
           <c:overlay val="0"/>
           <c:spPr>
             <a:noFill/>
@@ -7940,7 +8880,7 @@
             <a:endParaRPr lang="en-US"/>
           </a:p>
         </c:txPr>
-        <c:crossAx val="-2082094864"/>
+        <c:crossAx val="2141083840"/>
         <c:crosses val="autoZero"/>
         <c:crossBetween val="between"/>
       </c:valAx>
@@ -7956,6 +8896,7 @@
     </c:plotArea>
     <c:legend>
       <c:legendPos val="b"/>
+      <c:layout/>
       <c:overlay val="0"/>
       <c:spPr>
         <a:noFill/>
@@ -8097,6 +9038,7 @@
             <c:showLeaderLines val="0"/>
             <c:extLst>
               <c:ext xmlns:c15="http://schemas.microsoft.com/office/drawing/2012/chart" uri="{CE6537A1-D6FC-4f65-9D91-7224C49458BB}">
+                <c15:layout/>
                 <c15:showLeaderLines val="1"/>
                 <c15:leaderLines>
                   <c:spPr>
@@ -8226,6 +9168,7 @@
             <c:showLeaderLines val="0"/>
             <c:extLst>
               <c:ext xmlns:c15="http://schemas.microsoft.com/office/drawing/2012/chart" uri="{CE6537A1-D6FC-4f65-9D91-7224C49458BB}">
+                <c15:layout/>
                 <c15:showLeaderLines val="1"/>
                 <c15:leaderLines>
                   <c:spPr>
@@ -8350,6 +9293,7 @@
             <c:showLeaderLines val="0"/>
             <c:extLst>
               <c:ext xmlns:c15="http://schemas.microsoft.com/office/drawing/2012/chart" uri="{CE6537A1-D6FC-4f65-9D91-7224C49458BB}">
+                <c15:layout/>
                 <c15:showLeaderLines val="1"/>
                 <c15:leaderLines>
                   <c:spPr>
@@ -8474,6 +9418,7 @@
             <c:showLeaderLines val="0"/>
             <c:extLst>
               <c:ext xmlns:c15="http://schemas.microsoft.com/office/drawing/2012/chart" uri="{CE6537A1-D6FC-4f65-9D91-7224C49458BB}">
+                <c15:layout/>
                 <c15:showLeaderLines val="1"/>
                 <c15:leaderLines>
                   <c:spPr>
@@ -8544,11 +9489,11 @@
         </c:dLbls>
         <c:gapWidth val="219"/>
         <c:overlap val="-27"/>
-        <c:axId val="-2122649232"/>
-        <c:axId val="2106758128"/>
+        <c:axId val="2141164432"/>
+        <c:axId val="2141167776"/>
       </c:barChart>
       <c:catAx>
-        <c:axId val="-2122649232"/>
+        <c:axId val="2141164432"/>
         <c:scaling>
           <c:orientation val="minMax"/>
         </c:scaling>
@@ -8588,7 +9533,7 @@
             <a:endParaRPr lang="en-US"/>
           </a:p>
         </c:txPr>
-        <c:crossAx val="2106758128"/>
+        <c:crossAx val="2141167776"/>
         <c:crosses val="autoZero"/>
         <c:auto val="1"/>
         <c:lblAlgn val="ctr"/>
@@ -8596,7 +9541,7 @@
         <c:noMultiLvlLbl val="0"/>
       </c:catAx>
       <c:valAx>
-        <c:axId val="2106758128"/>
+        <c:axId val="2141167776"/>
         <c:scaling>
           <c:orientation val="minMax"/>
         </c:scaling>
@@ -8672,6 +9617,7 @@
               </a:p>
             </c:rich>
           </c:tx>
+          <c:layout/>
           <c:overlay val="0"/>
           <c:spPr>
             <a:noFill/>
@@ -8734,7 +9680,7 @@
             <a:endParaRPr lang="en-US"/>
           </a:p>
         </c:txPr>
-        <c:crossAx val="-2122649232"/>
+        <c:crossAx val="2141164432"/>
         <c:crosses val="autoZero"/>
         <c:crossBetween val="between"/>
       </c:valAx>
@@ -8750,6 +9696,7 @@
     </c:plotArea>
     <c:legend>
       <c:legendPos val="b"/>
+      <c:layout/>
       <c:overlay val="0"/>
       <c:spPr>
         <a:noFill/>
@@ -9125,11 +10072,11 @@
         </c:dLbls>
         <c:gapWidth val="219"/>
         <c:overlap val="-27"/>
-        <c:axId val="2143127520"/>
-        <c:axId val="2143183424"/>
+        <c:axId val="2146041024"/>
+        <c:axId val="2146044448"/>
       </c:barChart>
       <c:catAx>
-        <c:axId val="2143127520"/>
+        <c:axId val="2146041024"/>
         <c:scaling>
           <c:orientation val="minMax"/>
         </c:scaling>
@@ -9169,7 +10116,7 @@
             <a:endParaRPr lang="en-US"/>
           </a:p>
         </c:txPr>
-        <c:crossAx val="2143183424"/>
+        <c:crossAx val="2146044448"/>
         <c:crosses val="autoZero"/>
         <c:auto val="1"/>
         <c:lblAlgn val="ctr"/>
@@ -9177,7 +10124,7 @@
         <c:noMultiLvlLbl val="0"/>
       </c:catAx>
       <c:valAx>
-        <c:axId val="2143183424"/>
+        <c:axId val="2146044448"/>
         <c:scaling>
           <c:orientation val="minMax"/>
         </c:scaling>
@@ -9245,6 +10192,7 @@
               </a:p>
             </c:rich>
           </c:tx>
+          <c:layout/>
           <c:overlay val="0"/>
           <c:spPr>
             <a:noFill/>
@@ -9307,7 +10255,7 @@
             <a:endParaRPr lang="en-US"/>
           </a:p>
         </c:txPr>
-        <c:crossAx val="2143127520"/>
+        <c:crossAx val="2146041024"/>
         <c:crosses val="autoZero"/>
         <c:crossBetween val="between"/>
       </c:valAx>
@@ -9323,6 +10271,7 @@
     </c:plotArea>
     <c:legend>
       <c:legendPos val="b"/>
+      <c:layout/>
       <c:overlay val="0"/>
       <c:spPr>
         <a:noFill/>
@@ -9476,11 +10425,11 @@
         </c:dLbls>
         <c:gapWidth val="219"/>
         <c:overlap val="-27"/>
-        <c:axId val="-2083771184"/>
-        <c:axId val="-2083724752"/>
+        <c:axId val="2146057952"/>
+        <c:axId val="2145948432"/>
       </c:barChart>
       <c:catAx>
-        <c:axId val="-2083771184"/>
+        <c:axId val="2146057952"/>
         <c:scaling>
           <c:orientation val="minMax"/>
         </c:scaling>
@@ -9520,7 +10469,7 @@
             <a:endParaRPr lang="en-US"/>
           </a:p>
         </c:txPr>
-        <c:crossAx val="-2083724752"/>
+        <c:crossAx val="2145948432"/>
         <c:crosses val="autoZero"/>
         <c:auto val="1"/>
         <c:lblAlgn val="ctr"/>
@@ -9528,7 +10477,7 @@
         <c:noMultiLvlLbl val="0"/>
       </c:catAx>
       <c:valAx>
-        <c:axId val="-2083724752"/>
+        <c:axId val="2145948432"/>
         <c:scaling>
           <c:orientation val="minMax"/>
         </c:scaling>
@@ -9596,6 +10545,7 @@
               </a:p>
             </c:rich>
           </c:tx>
+          <c:layout/>
           <c:overlay val="0"/>
           <c:spPr>
             <a:noFill/>
@@ -9658,7 +10608,7 @@
             <a:endParaRPr lang="en-US"/>
           </a:p>
         </c:txPr>
-        <c:crossAx val="-2083771184"/>
+        <c:crossAx val="2146057952"/>
         <c:crosses val="autoZero"/>
         <c:crossBetween val="between"/>
       </c:valAx>
@@ -9968,11 +10918,11 @@
         </c:dLbls>
         <c:gapWidth val="219"/>
         <c:overlap val="100"/>
-        <c:axId val="-2084003376"/>
-        <c:axId val="-2083564752"/>
+        <c:axId val="2146016784"/>
+        <c:axId val="2146020144"/>
       </c:barChart>
       <c:catAx>
-        <c:axId val="-2084003376"/>
+        <c:axId val="2146016784"/>
         <c:scaling>
           <c:orientation val="minMax"/>
         </c:scaling>
@@ -10015,7 +10965,7 @@
             <a:endParaRPr lang="en-US"/>
           </a:p>
         </c:txPr>
-        <c:crossAx val="-2083564752"/>
+        <c:crossAx val="2146020144"/>
         <c:crosses val="autoZero"/>
         <c:auto val="1"/>
         <c:lblAlgn val="ctr"/>
@@ -10023,7 +10973,7 @@
         <c:noMultiLvlLbl val="0"/>
       </c:catAx>
       <c:valAx>
-        <c:axId val="-2083564752"/>
+        <c:axId val="2146020144"/>
         <c:scaling>
           <c:orientation val="minMax"/>
         </c:scaling>
@@ -10074,6 +11024,7 @@
               </a:p>
             </c:rich>
           </c:tx>
+          <c:layout/>
           <c:overlay val="0"/>
           <c:spPr>
             <a:noFill/>
@@ -10134,7 +11085,7 @@
             <a:endParaRPr lang="en-US"/>
           </a:p>
         </c:txPr>
-        <c:crossAx val="-2084003376"/>
+        <c:crossAx val="2146016784"/>
         <c:crosses val="autoZero"/>
         <c:crossBetween val="between"/>
       </c:valAx>
@@ -10425,7 +11376,9 @@
               </c:spPr>
             </c:leaderLines>
             <c:extLst>
-              <c:ext xmlns:c15="http://schemas.microsoft.com/office/drawing/2012/chart" uri="{CE6537A1-D6FC-4f65-9D91-7224C49458BB}"/>
+              <c:ext xmlns:c15="http://schemas.microsoft.com/office/drawing/2012/chart" uri="{CE6537A1-D6FC-4f65-9D91-7224C49458BB}">
+                <c15:layout/>
+              </c:ext>
             </c:extLst>
           </c:dLbls>
           <c:cat>
@@ -10729,7 +11682,9 @@
               </c:spPr>
             </c:leaderLines>
             <c:extLst>
-              <c:ext xmlns:c15="http://schemas.microsoft.com/office/drawing/2012/chart" uri="{CE6537A1-D6FC-4f65-9D91-7224C49458BB}"/>
+              <c:ext xmlns:c15="http://schemas.microsoft.com/office/drawing/2012/chart" uri="{CE6537A1-D6FC-4f65-9D91-7224C49458BB}">
+                <c15:layout/>
+              </c:ext>
             </c:extLst>
           </c:dLbls>
           <c:cat>
@@ -20304,7 +21259,7 @@
           <a:p>
             <a:fld id="{8AF2A637-750D-AC4F-B19A-F61B319C6A55}" type="datetimeFigureOut">
               <a:rPr lang="en-US" smtClean="0"/>
-              <a:t>11/25/15</a:t>
+              <a:t>11/26/15</a:t>
             </a:fld>
             <a:endParaRPr lang="en-US"/>
           </a:p>
@@ -21534,7 +22489,7 @@
     </p:spTree>
     <p:extLst>
       <p:ext uri="{BB962C8B-B14F-4D97-AF65-F5344CB8AC3E}">
-        <p14:creationId xmlns:p14="http://schemas.microsoft.com/office/powerpoint/2010/main" val="546872044"/>
+        <p14:creationId xmlns:p14="http://schemas.microsoft.com/office/powerpoint/2010/main" val="534339185"/>
       </p:ext>
     </p:extLst>
   </p:cSld>
@@ -21595,9 +22550,12 @@
           <a:p>
             <a:r>
               <a:rPr lang="en-US" dirty="0" smtClean="0"/>
-              <a:t>Sensitivity</a:t>
+              <a:t>GWP in g-CO2eq/kWh</a:t>
             </a:r>
-            <a:endParaRPr lang="en-US" baseline="0" dirty="0" smtClean="0"/>
+            <a:r>
+              <a:rPr lang="en-US" baseline="0" dirty="0" smtClean="0"/>
+              <a:t> solar production</a:t>
+            </a:r>
           </a:p>
         </p:txBody>
       </p:sp>
@@ -21627,7 +22585,7 @@
     </p:spTree>
     <p:extLst>
       <p:ext uri="{BB962C8B-B14F-4D97-AF65-F5344CB8AC3E}">
-        <p14:creationId xmlns:p14="http://schemas.microsoft.com/office/powerpoint/2010/main" val="1001962961"/>
+        <p14:creationId xmlns:p14="http://schemas.microsoft.com/office/powerpoint/2010/main" val="546872044"/>
       </p:ext>
     </p:extLst>
   </p:cSld>
@@ -21775,6 +22733,10 @@
           <a:bodyPr/>
           <a:lstStyle/>
           <a:p>
+            <a:r>
+              <a:rPr lang="en-US" dirty="0" smtClean="0"/>
+              <a:t>Sensitivity</a:t>
+            </a:r>
             <a:endParaRPr lang="en-US" baseline="0" dirty="0" smtClean="0"/>
           </a:p>
         </p:txBody>
@@ -21797,6 +22759,95 @@
             <a:fld id="{CBB4D0D9-A80C-8E44-A98C-B80FACCCE6B7}" type="slidenum">
               <a:rPr lang="en-US" smtClean="0"/>
               <a:t>20</a:t>
+            </a:fld>
+            <a:endParaRPr lang="en-US"/>
+          </a:p>
+        </p:txBody>
+      </p:sp>
+    </p:spTree>
+    <p:extLst>
+      <p:ext uri="{BB962C8B-B14F-4D97-AF65-F5344CB8AC3E}">
+        <p14:creationId xmlns:p14="http://schemas.microsoft.com/office/powerpoint/2010/main" val="1001962961"/>
+      </p:ext>
+    </p:extLst>
+  </p:cSld>
+  <p:clrMapOvr>
+    <a:masterClrMapping/>
+  </p:clrMapOvr>
+</p:notes>
+</file>
+
+<file path=ppt/notesSlides/notesSlide21.xml><?xml version="1.0" encoding="utf-8"?>
+<p:notes xmlns:a="http://schemas.openxmlformats.org/drawingml/2006/main" xmlns:r="http://schemas.openxmlformats.org/officeDocument/2006/relationships" xmlns:p="http://schemas.openxmlformats.org/presentationml/2006/main">
+  <p:cSld>
+    <p:spTree>
+      <p:nvGrpSpPr>
+        <p:cNvPr id="1" name=""/>
+        <p:cNvGrpSpPr/>
+        <p:nvPr/>
+      </p:nvGrpSpPr>
+      <p:grpSpPr>
+        <a:xfrm>
+          <a:off x="0" y="0"/>
+          <a:ext cx="0" cy="0"/>
+          <a:chOff x="0" y="0"/>
+          <a:chExt cx="0" cy="0"/>
+        </a:xfrm>
+      </p:grpSpPr>
+      <p:sp>
+        <p:nvSpPr>
+          <p:cNvPr id="2" name="Slide Image Placeholder 1"/>
+          <p:cNvSpPr>
+            <a:spLocks noGrp="1" noRot="1" noChangeAspect="1"/>
+          </p:cNvSpPr>
+          <p:nvPr>
+            <p:ph type="sldImg"/>
+          </p:nvPr>
+        </p:nvSpPr>
+        <p:spPr>
+          <a:xfrm>
+            <a:off x="1200150" y="1143000"/>
+            <a:ext cx="4457700" cy="3086100"/>
+          </a:xfrm>
+        </p:spPr>
+      </p:sp>
+      <p:sp>
+        <p:nvSpPr>
+          <p:cNvPr id="3" name="Notes Placeholder 2"/>
+          <p:cNvSpPr>
+            <a:spLocks noGrp="1"/>
+          </p:cNvSpPr>
+          <p:nvPr>
+            <p:ph type="body" idx="1"/>
+          </p:nvPr>
+        </p:nvSpPr>
+        <p:spPr/>
+        <p:txBody>
+          <a:bodyPr/>
+          <a:lstStyle/>
+          <a:p>
+            <a:endParaRPr lang="en-US" baseline="0" dirty="0" smtClean="0"/>
+          </a:p>
+        </p:txBody>
+      </p:sp>
+      <p:sp>
+        <p:nvSpPr>
+          <p:cNvPr id="4" name="Slide Number Placeholder 3"/>
+          <p:cNvSpPr>
+            <a:spLocks noGrp="1"/>
+          </p:cNvSpPr>
+          <p:nvPr>
+            <p:ph type="sldNum" sz="quarter" idx="10"/>
+          </p:nvPr>
+        </p:nvSpPr>
+        <p:spPr/>
+        <p:txBody>
+          <a:bodyPr/>
+          <a:lstStyle/>
+          <a:p>
+            <a:fld id="{CBB4D0D9-A80C-8E44-A98C-B80FACCCE6B7}" type="slidenum">
+              <a:rPr lang="en-US" smtClean="0"/>
+              <a:t>21</a:t>
             </a:fld>
             <a:endParaRPr lang="en-US"/>
           </a:p>
@@ -22590,7 +23641,7 @@
           <a:p>
             <a:fld id="{F87648D4-822A-184D-A945-2BBD99FACB30}" type="datetimeFigureOut">
               <a:rPr lang="en-US" smtClean="0"/>
-              <a:t>11/25/15</a:t>
+              <a:t>11/26/15</a:t>
             </a:fld>
             <a:endParaRPr lang="en-US"/>
           </a:p>
@@ -22760,7 +23811,7 @@
           <a:p>
             <a:fld id="{F87648D4-822A-184D-A945-2BBD99FACB30}" type="datetimeFigureOut">
               <a:rPr lang="en-US" smtClean="0"/>
-              <a:t>11/25/15</a:t>
+              <a:t>11/26/15</a:t>
             </a:fld>
             <a:endParaRPr lang="en-US"/>
           </a:p>
@@ -22940,7 +23991,7 @@
           <a:p>
             <a:fld id="{F87648D4-822A-184D-A945-2BBD99FACB30}" type="datetimeFigureOut">
               <a:rPr lang="en-US" smtClean="0"/>
-              <a:t>11/25/15</a:t>
+              <a:t>11/26/15</a:t>
             </a:fld>
             <a:endParaRPr lang="en-US"/>
           </a:p>
@@ -23110,7 +24161,7 @@
           <a:p>
             <a:fld id="{F87648D4-822A-184D-A945-2BBD99FACB30}" type="datetimeFigureOut">
               <a:rPr lang="en-US" smtClean="0"/>
-              <a:t>11/25/15</a:t>
+              <a:t>11/26/15</a:t>
             </a:fld>
             <a:endParaRPr lang="en-US"/>
           </a:p>
@@ -23354,7 +24405,7 @@
           <a:p>
             <a:fld id="{F87648D4-822A-184D-A945-2BBD99FACB30}" type="datetimeFigureOut">
               <a:rPr lang="en-US" smtClean="0"/>
-              <a:t>11/25/15</a:t>
+              <a:t>11/26/15</a:t>
             </a:fld>
             <a:endParaRPr lang="en-US"/>
           </a:p>
@@ -23586,7 +24637,7 @@
           <a:p>
             <a:fld id="{F87648D4-822A-184D-A945-2BBD99FACB30}" type="datetimeFigureOut">
               <a:rPr lang="en-US" smtClean="0"/>
-              <a:t>11/25/15</a:t>
+              <a:t>11/26/15</a:t>
             </a:fld>
             <a:endParaRPr lang="en-US"/>
           </a:p>
@@ -23953,7 +25004,7 @@
           <a:p>
             <a:fld id="{F87648D4-822A-184D-A945-2BBD99FACB30}" type="datetimeFigureOut">
               <a:rPr lang="en-US" smtClean="0"/>
-              <a:t>11/25/15</a:t>
+              <a:t>11/26/15</a:t>
             </a:fld>
             <a:endParaRPr lang="en-US"/>
           </a:p>
@@ -24071,7 +25122,7 @@
           <a:p>
             <a:fld id="{F87648D4-822A-184D-A945-2BBD99FACB30}" type="datetimeFigureOut">
               <a:rPr lang="en-US" smtClean="0"/>
-              <a:t>11/25/15</a:t>
+              <a:t>11/26/15</a:t>
             </a:fld>
             <a:endParaRPr lang="en-US"/>
           </a:p>
@@ -24166,7 +25217,7 @@
           <a:p>
             <a:fld id="{F87648D4-822A-184D-A945-2BBD99FACB30}" type="datetimeFigureOut">
               <a:rPr lang="en-US" smtClean="0"/>
-              <a:t>11/25/15</a:t>
+              <a:t>11/26/15</a:t>
             </a:fld>
             <a:endParaRPr lang="en-US"/>
           </a:p>
@@ -24443,7 +25494,7 @@
           <a:p>
             <a:fld id="{F87648D4-822A-184D-A945-2BBD99FACB30}" type="datetimeFigureOut">
               <a:rPr lang="en-US" smtClean="0"/>
-              <a:t>11/25/15</a:t>
+              <a:t>11/26/15</a:t>
             </a:fld>
             <a:endParaRPr lang="en-US"/>
           </a:p>
@@ -24700,7 +25751,7 @@
           <a:p>
             <a:fld id="{F87648D4-822A-184D-A945-2BBD99FACB30}" type="datetimeFigureOut">
               <a:rPr lang="en-US" smtClean="0"/>
-              <a:t>11/25/15</a:t>
+              <a:t>11/26/15</a:t>
             </a:fld>
             <a:endParaRPr lang="en-US"/>
           </a:p>
@@ -24913,7 +25964,7 @@
           <a:p>
             <a:fld id="{F87648D4-822A-184D-A945-2BBD99FACB30}" type="datetimeFigureOut">
               <a:rPr lang="en-US" smtClean="0"/>
-              <a:t>11/25/15</a:t>
+              <a:t>11/26/15</a:t>
             </a:fld>
             <a:endParaRPr lang="en-US"/>
           </a:p>
@@ -26655,7 +27706,7 @@
         </p:nvSpPr>
         <p:spPr>
           <a:xfrm>
-            <a:off x="1514695" y="4341886"/>
+            <a:off x="1429633" y="4341886"/>
             <a:ext cx="1152000" cy="338554"/>
           </a:xfrm>
           <a:prstGeom prst="rect">
@@ -26691,7 +27742,7 @@
         </p:nvSpPr>
         <p:spPr>
           <a:xfrm>
-            <a:off x="2497302" y="4341886"/>
+            <a:off x="2424391" y="4341886"/>
             <a:ext cx="1152000" cy="1077218"/>
           </a:xfrm>
           <a:prstGeom prst="rect">
@@ -26727,7 +27778,7 @@
         </p:nvSpPr>
         <p:spPr>
           <a:xfrm>
-            <a:off x="3479909" y="4341886"/>
+            <a:off x="3419149" y="4341886"/>
             <a:ext cx="1152000" cy="1077218"/>
           </a:xfrm>
           <a:prstGeom prst="rect">
@@ -26763,7 +27814,7 @@
         </p:nvSpPr>
         <p:spPr>
           <a:xfrm>
-            <a:off x="4462516" y="4341886"/>
+            <a:off x="4413907" y="4341886"/>
             <a:ext cx="1152000" cy="1569660"/>
           </a:xfrm>
           <a:prstGeom prst="rect">
@@ -26799,7 +27850,7 @@
         </p:nvSpPr>
         <p:spPr>
           <a:xfrm>
-            <a:off x="6427730" y="4341886"/>
+            <a:off x="6403423" y="4341886"/>
             <a:ext cx="1152000" cy="338554"/>
           </a:xfrm>
           <a:prstGeom prst="rect">
@@ -26862,7 +27913,7 @@
         </p:nvSpPr>
         <p:spPr>
           <a:xfrm>
-            <a:off x="7410337" y="4341886"/>
+            <a:off x="7398181" y="4341886"/>
             <a:ext cx="1152000" cy="338554"/>
           </a:xfrm>
           <a:prstGeom prst="rect">
@@ -26978,7 +28029,7 @@
         </p:nvSpPr>
         <p:spPr>
           <a:xfrm>
-            <a:off x="5445123" y="4341886"/>
+            <a:off x="5408665" y="4341886"/>
             <a:ext cx="1152000" cy="1569660"/>
           </a:xfrm>
           <a:prstGeom prst="rect">
@@ -27001,27 +28052,7 @@
                   </a:schemeClr>
                 </a:solidFill>
               </a:rPr>
-              <a:t>Static ASF (CIGS) ENTSO-E mix </a:t>
-            </a:r>
-            <a:r>
-              <a:rPr lang="en-US" sz="1600" dirty="0" smtClean="0">
-                <a:solidFill>
-                  <a:schemeClr val="bg2">
-                    <a:lumMod val="25000"/>
-                  </a:schemeClr>
-                </a:solidFill>
-              </a:rPr>
-              <a:t>excl. </a:t>
-            </a:r>
-            <a:r>
-              <a:rPr lang="en-US" sz="1600" dirty="0" smtClean="0">
-                <a:solidFill>
-                  <a:schemeClr val="bg2">
-                    <a:lumMod val="25000"/>
-                  </a:schemeClr>
-                </a:solidFill>
-              </a:rPr>
-              <a:t>shading benefits</a:t>
+              <a:t>Static ASF (CIGS) ENTSO-E mix excl. shading benefits</a:t>
             </a:r>
           </a:p>
         </p:txBody>
@@ -27047,6 +28078,513 @@
 </file>
 
 <file path=ppt/slides/slide18.xml><?xml version="1.0" encoding="utf-8"?>
+<p:sld xmlns:a="http://schemas.openxmlformats.org/drawingml/2006/main" xmlns:r="http://schemas.openxmlformats.org/officeDocument/2006/relationships" xmlns:p="http://schemas.openxmlformats.org/presentationml/2006/main">
+  <p:cSld>
+    <p:spTree>
+      <p:nvGrpSpPr>
+        <p:cNvPr id="1" name=""/>
+        <p:cNvGrpSpPr/>
+        <p:nvPr/>
+      </p:nvGrpSpPr>
+      <p:grpSpPr>
+        <a:xfrm>
+          <a:off x="0" y="0"/>
+          <a:ext cx="0" cy="0"/>
+          <a:chOff x="0" y="0"/>
+          <a:chExt cx="0" cy="0"/>
+        </a:xfrm>
+      </p:grpSpPr>
+      <p:graphicFrame>
+        <p:nvGraphicFramePr>
+          <p:cNvPr id="2" name="Chart 1"/>
+          <p:cNvGraphicFramePr/>
+          <p:nvPr>
+            <p:extLst>
+              <p:ext uri="{D42A27DB-BD31-4B8C-83A1-F6EECF244321}">
+                <p14:modId xmlns:p14="http://schemas.microsoft.com/office/powerpoint/2010/main" val="1212483560"/>
+              </p:ext>
+            </p:extLst>
+          </p:nvPr>
+        </p:nvGraphicFramePr>
+        <p:xfrm>
+          <a:off x="222637" y="340242"/>
+          <a:ext cx="9454100" cy="5891225"/>
+        </p:xfrm>
+        <a:graphic>
+          <a:graphicData uri="http://schemas.openxmlformats.org/drawingml/2006/chart">
+            <c:chart xmlns:c="http://schemas.openxmlformats.org/drawingml/2006/chart" xmlns:r="http://schemas.openxmlformats.org/officeDocument/2006/relationships" r:id="rId3"/>
+          </a:graphicData>
+        </a:graphic>
+      </p:graphicFrame>
+      <p:sp>
+        <p:nvSpPr>
+          <p:cNvPr id="3" name="TextBox 2"/>
+          <p:cNvSpPr txBox="1"/>
+          <p:nvPr/>
+        </p:nvSpPr>
+        <p:spPr>
+          <a:xfrm>
+            <a:off x="9746166" y="2709746"/>
+            <a:ext cx="184731" cy="369332"/>
+          </a:xfrm>
+          <a:prstGeom prst="rect">
+            <a:avLst/>
+          </a:prstGeom>
+          <a:noFill/>
+        </p:spPr>
+        <p:txBody>
+          <a:bodyPr wrap="none" rtlCol="0">
+            <a:spAutoFit/>
+          </a:bodyPr>
+          <a:lstStyle/>
+          <a:p>
+            <a:endParaRPr lang="en-US" dirty="0"/>
+          </a:p>
+        </p:txBody>
+      </p:sp>
+      <p:sp>
+        <p:nvSpPr>
+          <p:cNvPr id="4" name="TextBox 3"/>
+          <p:cNvSpPr txBox="1"/>
+          <p:nvPr/>
+        </p:nvSpPr>
+        <p:spPr>
+          <a:xfrm>
+            <a:off x="1349595" y="4341886"/>
+            <a:ext cx="1152000" cy="338554"/>
+          </a:xfrm>
+          <a:prstGeom prst="rect">
+            <a:avLst/>
+          </a:prstGeom>
+          <a:noFill/>
+        </p:spPr>
+        <p:txBody>
+          <a:bodyPr wrap="square" rtlCol="0">
+            <a:spAutoFit/>
+          </a:bodyPr>
+          <a:lstStyle/>
+          <a:p>
+            <a:pPr algn="ctr"/>
+            <a:r>
+              <a:rPr lang="en-US" sz="1600" dirty="0" smtClean="0">
+                <a:solidFill>
+                  <a:schemeClr val="bg2">
+                    <a:lumMod val="25000"/>
+                  </a:schemeClr>
+                </a:solidFill>
+              </a:rPr>
+              <a:t>ENTSO-E</a:t>
+            </a:r>
+          </a:p>
+        </p:txBody>
+      </p:sp>
+      <p:sp>
+        <p:nvSpPr>
+          <p:cNvPr id="6" name="TextBox 5"/>
+          <p:cNvSpPr txBox="1"/>
+          <p:nvPr/>
+        </p:nvSpPr>
+        <p:spPr>
+          <a:xfrm>
+            <a:off x="3129481" y="4341886"/>
+            <a:ext cx="1152000" cy="1077218"/>
+          </a:xfrm>
+          <a:prstGeom prst="rect">
+            <a:avLst/>
+          </a:prstGeom>
+          <a:noFill/>
+        </p:spPr>
+        <p:txBody>
+          <a:bodyPr wrap="square" rtlCol="0">
+            <a:spAutoFit/>
+          </a:bodyPr>
+          <a:lstStyle/>
+          <a:p>
+            <a:pPr algn="ctr"/>
+            <a:r>
+              <a:rPr lang="en-US" sz="1600" dirty="0" smtClean="0">
+                <a:solidFill>
+                  <a:schemeClr val="bg2">
+                    <a:lumMod val="25000"/>
+                  </a:schemeClr>
+                </a:solidFill>
+              </a:rPr>
+              <a:t>ASF (CIGS) ENTSO-E mix incl. shading benefits</a:t>
+            </a:r>
+          </a:p>
+        </p:txBody>
+      </p:sp>
+      <p:sp>
+        <p:nvSpPr>
+          <p:cNvPr id="7" name="TextBox 6"/>
+          <p:cNvSpPr txBox="1"/>
+          <p:nvPr/>
+        </p:nvSpPr>
+        <p:spPr>
+          <a:xfrm>
+            <a:off x="4909367" y="4340372"/>
+            <a:ext cx="1152000" cy="1077218"/>
+          </a:xfrm>
+          <a:prstGeom prst="rect">
+            <a:avLst/>
+          </a:prstGeom>
+          <a:noFill/>
+        </p:spPr>
+        <p:txBody>
+          <a:bodyPr wrap="square" rtlCol="0">
+            <a:spAutoFit/>
+          </a:bodyPr>
+          <a:lstStyle/>
+          <a:p>
+            <a:pPr algn="ctr"/>
+            <a:r>
+              <a:rPr lang="en-US" sz="1600" dirty="0" smtClean="0">
+                <a:solidFill>
+                  <a:schemeClr val="bg2">
+                    <a:lumMod val="25000"/>
+                  </a:schemeClr>
+                </a:solidFill>
+              </a:rPr>
+              <a:t>ASF (CIGS) ENTSO-E mix excl. shading benefits</a:t>
+            </a:r>
+          </a:p>
+        </p:txBody>
+      </p:sp>
+      <p:sp>
+        <p:nvSpPr>
+          <p:cNvPr id="8" name="TextBox 7"/>
+          <p:cNvSpPr txBox="1"/>
+          <p:nvPr/>
+        </p:nvSpPr>
+        <p:spPr>
+          <a:xfrm>
+            <a:off x="5799310" y="4341886"/>
+            <a:ext cx="1152000" cy="1569660"/>
+          </a:xfrm>
+          <a:prstGeom prst="rect">
+            <a:avLst/>
+          </a:prstGeom>
+          <a:noFill/>
+        </p:spPr>
+        <p:txBody>
+          <a:bodyPr wrap="square" rtlCol="0">
+            <a:spAutoFit/>
+          </a:bodyPr>
+          <a:lstStyle/>
+          <a:p>
+            <a:pPr algn="ctr"/>
+            <a:r>
+              <a:rPr lang="en-US" sz="1600" dirty="0" smtClean="0">
+                <a:solidFill>
+                  <a:schemeClr val="bg2">
+                    <a:lumMod val="25000"/>
+                  </a:schemeClr>
+                </a:solidFill>
+              </a:rPr>
+              <a:t>Static ASF (CIGS) ENTSO-E mix incl. shading benefits</a:t>
+            </a:r>
+          </a:p>
+        </p:txBody>
+      </p:sp>
+      <p:sp>
+        <p:nvSpPr>
+          <p:cNvPr id="9" name="TextBox 8"/>
+          <p:cNvSpPr txBox="1"/>
+          <p:nvPr/>
+        </p:nvSpPr>
+        <p:spPr>
+          <a:xfrm>
+            <a:off x="6689253" y="4341886"/>
+            <a:ext cx="1152000" cy="338554"/>
+          </a:xfrm>
+          <a:prstGeom prst="rect">
+            <a:avLst/>
+          </a:prstGeom>
+          <a:noFill/>
+        </p:spPr>
+        <p:txBody>
+          <a:bodyPr wrap="square" rtlCol="0">
+            <a:spAutoFit/>
+          </a:bodyPr>
+          <a:lstStyle/>
+          <a:p>
+            <a:pPr algn="ctr"/>
+            <a:r>
+              <a:rPr lang="en-US" sz="1600" smtClean="0">
+                <a:solidFill>
+                  <a:schemeClr val="bg2">
+                    <a:lumMod val="25000"/>
+                  </a:schemeClr>
+                </a:solidFill>
+              </a:rPr>
+              <a:t>Poly-</a:t>
+            </a:r>
+            <a:r>
+              <a:rPr lang="en-US" sz="1600">
+                <a:solidFill>
+                  <a:schemeClr val="bg2">
+                    <a:lumMod val="25000"/>
+                  </a:schemeClr>
+                </a:solidFill>
+              </a:rPr>
+              <a:t>S</a:t>
+            </a:r>
+            <a:r>
+              <a:rPr lang="en-US" sz="1600" smtClean="0">
+                <a:solidFill>
+                  <a:schemeClr val="bg2">
+                    <a:lumMod val="25000"/>
+                  </a:schemeClr>
+                </a:solidFill>
+              </a:rPr>
+              <a:t>i</a:t>
+            </a:r>
+            <a:endParaRPr lang="en-US" sz="1600" dirty="0" smtClean="0">
+              <a:solidFill>
+                <a:schemeClr val="bg2">
+                  <a:lumMod val="25000"/>
+                </a:schemeClr>
+              </a:solidFill>
+            </a:endParaRPr>
+          </a:p>
+        </p:txBody>
+      </p:sp>
+      <p:sp>
+        <p:nvSpPr>
+          <p:cNvPr id="10" name="TextBox 9"/>
+          <p:cNvSpPr txBox="1"/>
+          <p:nvPr/>
+        </p:nvSpPr>
+        <p:spPr>
+          <a:xfrm>
+            <a:off x="7579196" y="4341886"/>
+            <a:ext cx="1152000" cy="338554"/>
+          </a:xfrm>
+          <a:prstGeom prst="rect">
+            <a:avLst/>
+          </a:prstGeom>
+          <a:noFill/>
+        </p:spPr>
+        <p:txBody>
+          <a:bodyPr wrap="square" rtlCol="0">
+            <a:spAutoFit/>
+          </a:bodyPr>
+          <a:lstStyle/>
+          <a:p>
+            <a:pPr algn="ctr"/>
+            <a:r>
+              <a:rPr lang="en-US" sz="1600" dirty="0" smtClean="0">
+                <a:solidFill>
+                  <a:schemeClr val="bg2">
+                    <a:lumMod val="25000"/>
+                  </a:schemeClr>
+                </a:solidFill>
+              </a:rPr>
+              <a:t>CIS</a:t>
+            </a:r>
+          </a:p>
+        </p:txBody>
+      </p:sp>
+      <p:sp>
+        <p:nvSpPr>
+          <p:cNvPr id="11" name="TextBox 10"/>
+          <p:cNvSpPr txBox="1"/>
+          <p:nvPr/>
+        </p:nvSpPr>
+        <p:spPr>
+          <a:xfrm>
+            <a:off x="8469142" y="4341886"/>
+            <a:ext cx="1152000" cy="338554"/>
+          </a:xfrm>
+          <a:prstGeom prst="rect">
+            <a:avLst/>
+          </a:prstGeom>
+          <a:noFill/>
+        </p:spPr>
+        <p:txBody>
+          <a:bodyPr wrap="square" rtlCol="0">
+            <a:spAutoFit/>
+          </a:bodyPr>
+          <a:lstStyle/>
+          <a:p>
+            <a:pPr algn="ctr"/>
+            <a:r>
+              <a:rPr lang="en-US" sz="1600" dirty="0" err="1" smtClean="0">
+                <a:solidFill>
+                  <a:schemeClr val="bg2">
+                    <a:lumMod val="25000"/>
+                  </a:schemeClr>
+                </a:solidFill>
+              </a:rPr>
+              <a:t>CdTe</a:t>
+            </a:r>
+            <a:endParaRPr lang="en-US" sz="1600" dirty="0" smtClean="0">
+              <a:solidFill>
+                <a:schemeClr val="bg2">
+                  <a:lumMod val="25000"/>
+                </a:schemeClr>
+              </a:solidFill>
+            </a:endParaRPr>
+          </a:p>
+        </p:txBody>
+      </p:sp>
+      <p:cxnSp>
+        <p:nvCxnSpPr>
+          <p:cNvPr id="12" name="Straight Connector 11"/>
+          <p:cNvCxnSpPr/>
+          <p:nvPr/>
+        </p:nvCxnSpPr>
+        <p:spPr>
+          <a:xfrm>
+            <a:off x="1514695" y="2406553"/>
+            <a:ext cx="7992012" cy="0"/>
+          </a:xfrm>
+          <a:prstGeom prst="line">
+            <a:avLst/>
+          </a:prstGeom>
+          <a:ln>
+            <a:solidFill>
+              <a:schemeClr val="bg2">
+                <a:lumMod val="50000"/>
+              </a:schemeClr>
+            </a:solidFill>
+          </a:ln>
+        </p:spPr>
+        <p:style>
+          <a:lnRef idx="1">
+            <a:schemeClr val="accent1"/>
+          </a:lnRef>
+          <a:fillRef idx="0">
+            <a:schemeClr val="accent1"/>
+          </a:fillRef>
+          <a:effectRef idx="0">
+            <a:schemeClr val="accent1"/>
+          </a:effectRef>
+          <a:fontRef idx="minor">
+            <a:schemeClr val="tx1"/>
+          </a:fontRef>
+        </p:style>
+      </p:cxnSp>
+      <p:sp>
+        <p:nvSpPr>
+          <p:cNvPr id="14" name="TextBox 13"/>
+          <p:cNvSpPr txBox="1"/>
+          <p:nvPr/>
+        </p:nvSpPr>
+        <p:spPr>
+          <a:xfrm>
+            <a:off x="4019424" y="4340372"/>
+            <a:ext cx="1152000" cy="1077218"/>
+          </a:xfrm>
+          <a:prstGeom prst="rect">
+            <a:avLst/>
+          </a:prstGeom>
+          <a:noFill/>
+        </p:spPr>
+        <p:txBody>
+          <a:bodyPr wrap="square" rtlCol="0">
+            <a:spAutoFit/>
+          </a:bodyPr>
+          <a:lstStyle/>
+          <a:p>
+            <a:pPr algn="ctr"/>
+            <a:r>
+              <a:rPr lang="en-US" sz="1600" dirty="0" smtClean="0">
+                <a:solidFill>
+                  <a:schemeClr val="bg2">
+                    <a:lumMod val="25000"/>
+                  </a:schemeClr>
+                </a:solidFill>
+              </a:rPr>
+              <a:t>ASF (CIGS) </a:t>
+            </a:r>
+            <a:r>
+              <a:rPr lang="en-US" sz="1600" dirty="0" smtClean="0">
+                <a:solidFill>
+                  <a:schemeClr val="bg2">
+                    <a:lumMod val="25000"/>
+                  </a:schemeClr>
+                </a:solidFill>
+              </a:rPr>
+              <a:t>CH </a:t>
+            </a:r>
+            <a:r>
+              <a:rPr lang="en-US" sz="1600" dirty="0" smtClean="0">
+                <a:solidFill>
+                  <a:schemeClr val="bg2">
+                    <a:lumMod val="25000"/>
+                  </a:schemeClr>
+                </a:solidFill>
+              </a:rPr>
+              <a:t>mix incl. shading benefits</a:t>
+            </a:r>
+          </a:p>
+        </p:txBody>
+      </p:sp>
+      <p:sp>
+        <p:nvSpPr>
+          <p:cNvPr id="15" name="TextBox 14"/>
+          <p:cNvSpPr txBox="1"/>
+          <p:nvPr/>
+        </p:nvSpPr>
+        <p:spPr>
+          <a:xfrm>
+            <a:off x="2239538" y="4357249"/>
+            <a:ext cx="1152000" cy="338554"/>
+          </a:xfrm>
+          <a:prstGeom prst="rect">
+            <a:avLst/>
+          </a:prstGeom>
+          <a:noFill/>
+        </p:spPr>
+        <p:txBody>
+          <a:bodyPr wrap="square" rtlCol="0">
+            <a:spAutoFit/>
+          </a:bodyPr>
+          <a:lstStyle/>
+          <a:p>
+            <a:pPr algn="ctr"/>
+            <a:r>
+              <a:rPr lang="en-US" sz="1600" dirty="0" smtClean="0">
+                <a:solidFill>
+                  <a:schemeClr val="bg2">
+                    <a:lumMod val="25000"/>
+                  </a:schemeClr>
+                </a:solidFill>
+              </a:rPr>
+              <a:t>CH</a:t>
+            </a:r>
+            <a:endParaRPr lang="en-US" sz="1600" dirty="0" smtClean="0">
+              <a:solidFill>
+                <a:schemeClr val="bg2">
+                  <a:lumMod val="25000"/>
+                </a:schemeClr>
+              </a:solidFill>
+            </a:endParaRPr>
+          </a:p>
+        </p:txBody>
+      </p:sp>
+    </p:spTree>
+    <p:extLst>
+      <p:ext uri="{BB962C8B-B14F-4D97-AF65-F5344CB8AC3E}">
+        <p14:creationId xmlns:p14="http://schemas.microsoft.com/office/powerpoint/2010/main" val="822635453"/>
+      </p:ext>
+    </p:extLst>
+  </p:cSld>
+  <p:clrMapOvr>
+    <a:masterClrMapping/>
+  </p:clrMapOvr>
+  <p:timing>
+    <p:tnLst>
+      <p:par>
+        <p:cTn id="1" dur="indefinite" restart="never" nodeType="tmRoot"/>
+      </p:par>
+    </p:tnLst>
+  </p:timing>
+</p:sld>
+</file>
+
+<file path=ppt/slides/slide19.xml><?xml version="1.0" encoding="utf-8"?>
 <p:sld xmlns:a="http://schemas.openxmlformats.org/drawingml/2006/main" xmlns:r="http://schemas.openxmlformats.org/officeDocument/2006/relationships" xmlns:p="http://schemas.openxmlformats.org/presentationml/2006/main">
   <p:cSld>
     <p:spTree>
@@ -27105,7 +28643,66 @@
 </p:sld>
 </file>
 
-<file path=ppt/slides/slide19.xml><?xml version="1.0" encoding="utf-8"?>
+<file path=ppt/slides/slide2.xml><?xml version="1.0" encoding="utf-8"?>
+<p:sld xmlns:a="http://schemas.openxmlformats.org/drawingml/2006/main" xmlns:r="http://schemas.openxmlformats.org/officeDocument/2006/relationships" xmlns:p="http://schemas.openxmlformats.org/presentationml/2006/main">
+  <p:cSld>
+    <p:spTree>
+      <p:nvGrpSpPr>
+        <p:cNvPr id="1" name=""/>
+        <p:cNvGrpSpPr/>
+        <p:nvPr/>
+      </p:nvGrpSpPr>
+      <p:grpSpPr>
+        <a:xfrm>
+          <a:off x="0" y="0"/>
+          <a:ext cx="0" cy="0"/>
+          <a:chOff x="0" y="0"/>
+          <a:chExt cx="0" cy="0"/>
+        </a:xfrm>
+      </p:grpSpPr>
+      <p:graphicFrame>
+        <p:nvGraphicFramePr>
+          <p:cNvPr id="2" name="Chart 1"/>
+          <p:cNvGraphicFramePr/>
+          <p:nvPr>
+            <p:extLst>
+              <p:ext uri="{D42A27DB-BD31-4B8C-83A1-F6EECF244321}">
+                <p14:modId xmlns:p14="http://schemas.microsoft.com/office/powerpoint/2010/main" val="441325885"/>
+              </p:ext>
+            </p:extLst>
+          </p:nvPr>
+        </p:nvGraphicFramePr>
+        <p:xfrm>
+          <a:off x="725842" y="1796527"/>
+          <a:ext cx="8428916" cy="4281543"/>
+        </p:xfrm>
+        <a:graphic>
+          <a:graphicData uri="http://schemas.openxmlformats.org/drawingml/2006/chart">
+            <c:chart xmlns:c="http://schemas.openxmlformats.org/drawingml/2006/chart" xmlns:r="http://schemas.openxmlformats.org/officeDocument/2006/relationships" r:id="rId3"/>
+          </a:graphicData>
+        </a:graphic>
+      </p:graphicFrame>
+    </p:spTree>
+    <p:extLst>
+      <p:ext uri="{BB962C8B-B14F-4D97-AF65-F5344CB8AC3E}">
+        <p14:creationId xmlns:p14="http://schemas.microsoft.com/office/powerpoint/2010/main" val="1192951480"/>
+      </p:ext>
+    </p:extLst>
+  </p:cSld>
+  <p:clrMapOvr>
+    <a:masterClrMapping/>
+  </p:clrMapOvr>
+  <p:timing>
+    <p:tnLst>
+      <p:par>
+        <p:cTn id="1" dur="indefinite" restart="never" nodeType="tmRoot"/>
+      </p:par>
+    </p:tnLst>
+  </p:timing>
+</p:sld>
+</file>
+
+<file path=ppt/slides/slide20.xml><?xml version="1.0" encoding="utf-8"?>
 <p:sld xmlns:a="http://schemas.openxmlformats.org/drawingml/2006/main" xmlns:r="http://schemas.openxmlformats.org/officeDocument/2006/relationships" xmlns:p="http://schemas.openxmlformats.org/presentationml/2006/main">
   <p:cSld>
     <p:spTree>
@@ -27574,66 +29171,7 @@
 </p:sld>
 </file>
 
-<file path=ppt/slides/slide2.xml><?xml version="1.0" encoding="utf-8"?>
-<p:sld xmlns:a="http://schemas.openxmlformats.org/drawingml/2006/main" xmlns:r="http://schemas.openxmlformats.org/officeDocument/2006/relationships" xmlns:p="http://schemas.openxmlformats.org/presentationml/2006/main">
-  <p:cSld>
-    <p:spTree>
-      <p:nvGrpSpPr>
-        <p:cNvPr id="1" name=""/>
-        <p:cNvGrpSpPr/>
-        <p:nvPr/>
-      </p:nvGrpSpPr>
-      <p:grpSpPr>
-        <a:xfrm>
-          <a:off x="0" y="0"/>
-          <a:ext cx="0" cy="0"/>
-          <a:chOff x="0" y="0"/>
-          <a:chExt cx="0" cy="0"/>
-        </a:xfrm>
-      </p:grpSpPr>
-      <p:graphicFrame>
-        <p:nvGraphicFramePr>
-          <p:cNvPr id="2" name="Chart 1"/>
-          <p:cNvGraphicFramePr/>
-          <p:nvPr>
-            <p:extLst>
-              <p:ext uri="{D42A27DB-BD31-4B8C-83A1-F6EECF244321}">
-                <p14:modId xmlns:p14="http://schemas.microsoft.com/office/powerpoint/2010/main" val="441325885"/>
-              </p:ext>
-            </p:extLst>
-          </p:nvPr>
-        </p:nvGraphicFramePr>
-        <p:xfrm>
-          <a:off x="725842" y="1796527"/>
-          <a:ext cx="8428916" cy="4281543"/>
-        </p:xfrm>
-        <a:graphic>
-          <a:graphicData uri="http://schemas.openxmlformats.org/drawingml/2006/chart">
-            <c:chart xmlns:c="http://schemas.openxmlformats.org/drawingml/2006/chart" xmlns:r="http://schemas.openxmlformats.org/officeDocument/2006/relationships" r:id="rId3"/>
-          </a:graphicData>
-        </a:graphic>
-      </p:graphicFrame>
-    </p:spTree>
-    <p:extLst>
-      <p:ext uri="{BB962C8B-B14F-4D97-AF65-F5344CB8AC3E}">
-        <p14:creationId xmlns:p14="http://schemas.microsoft.com/office/powerpoint/2010/main" val="1192951480"/>
-      </p:ext>
-    </p:extLst>
-  </p:cSld>
-  <p:clrMapOvr>
-    <a:masterClrMapping/>
-  </p:clrMapOvr>
-  <p:timing>
-    <p:tnLst>
-      <p:par>
-        <p:cTn id="1" dur="indefinite" restart="never" nodeType="tmRoot"/>
-      </p:par>
-    </p:tnLst>
-  </p:timing>
-</p:sld>
-</file>
-
-<file path=ppt/slides/slide20.xml><?xml version="1.0" encoding="utf-8"?>
+<file path=ppt/slides/slide21.xml><?xml version="1.0" encoding="utf-8"?>
 <p:sld xmlns:a="http://schemas.openxmlformats.org/drawingml/2006/main" xmlns:r="http://schemas.openxmlformats.org/officeDocument/2006/relationships" xmlns:p="http://schemas.openxmlformats.org/presentationml/2006/main">
   <p:cSld>
     <p:spTree>

--- a/elsarticle/Images/Thesis charts.pptx
+++ b/elsarticle/Images/Thesis charts.pptx
@@ -5,7 +5,7 @@
     <p:sldMasterId id="2147483660" r:id="rId1"/>
   </p:sldMasterIdLst>
   <p:notesMasterIdLst>
-    <p:notesMasterId r:id="rId23"/>
+    <p:notesMasterId r:id="rId24"/>
   </p:notesMasterIdLst>
   <p:sldIdLst>
     <p:sldId id="262" r:id="rId2"/>
@@ -26,9 +26,10 @@
     <p:sldId id="257" r:id="rId17"/>
     <p:sldId id="258" r:id="rId18"/>
     <p:sldId id="279" r:id="rId19"/>
-    <p:sldId id="277" r:id="rId20"/>
-    <p:sldId id="268" r:id="rId21"/>
-    <p:sldId id="266" r:id="rId22"/>
+    <p:sldId id="280" r:id="rId20"/>
+    <p:sldId id="277" r:id="rId21"/>
+    <p:sldId id="268" r:id="rId22"/>
+    <p:sldId id="266" r:id="rId23"/>
   </p:sldIdLst>
   <p:sldSz cx="9906000" cy="6858000" type="A4"/>
   <p:notesSz cx="6858000" cy="9144000"/>
@@ -425,11 +426,11 @@
           <c:showPercent val="0"/>
           <c:showBubbleSize val="0"/>
         </c:dLbls>
-        <c:axId val="2088245440"/>
-        <c:axId val="2107027328"/>
+        <c:axId val="-2050862624"/>
+        <c:axId val="-2144152768"/>
       </c:scatterChart>
       <c:valAx>
-        <c:axId val="2088245440"/>
+        <c:axId val="-2050862624"/>
         <c:scaling>
           <c:orientation val="minMax"/>
         </c:scaling>
@@ -551,12 +552,12 @@
             <a:endParaRPr lang="en-US"/>
           </a:p>
         </c:txPr>
-        <c:crossAx val="2107027328"/>
+        <c:crossAx val="-2144152768"/>
         <c:crosses val="autoZero"/>
         <c:crossBetween val="midCat"/>
       </c:valAx>
       <c:valAx>
-        <c:axId val="2107027328"/>
+        <c:axId val="-2144152768"/>
         <c:scaling>
           <c:orientation val="minMax"/>
         </c:scaling>
@@ -682,7 +683,7 @@
             <a:endParaRPr lang="en-US"/>
           </a:p>
         </c:txPr>
-        <c:crossAx val="2088245440"/>
+        <c:crossAx val="-2050862624"/>
         <c:crosses val="autoZero"/>
         <c:crossBetween val="midCat"/>
       </c:valAx>
@@ -919,9 +920,7 @@
               </c:spPr>
             </c:leaderLines>
             <c:extLst>
-              <c:ext xmlns:c15="http://schemas.microsoft.com/office/drawing/2012/chart" uri="{CE6537A1-D6FC-4f65-9D91-7224C49458BB}">
-                <c15:layout/>
-              </c:ext>
+              <c:ext xmlns:c15="http://schemas.microsoft.com/office/drawing/2012/chart" uri="{CE6537A1-D6FC-4f65-9D91-7224C49458BB}"/>
             </c:extLst>
           </c:dLbls>
           <c:cat>
@@ -1242,9 +1241,7 @@
               <c:showPercent val="0"/>
               <c:showBubbleSize val="0"/>
               <c:extLst>
-                <c:ext xmlns:c15="http://schemas.microsoft.com/office/drawing/2012/chart" uri="{CE6537A1-D6FC-4f65-9D91-7224C49458BB}">
-                  <c15:layout/>
-                </c:ext>
+                <c:ext xmlns:c15="http://schemas.microsoft.com/office/drawing/2012/chart" uri="{CE6537A1-D6FC-4f65-9D91-7224C49458BB}"/>
               </c:extLst>
             </c:dLbl>
             <c:dLbl>
@@ -1262,9 +1259,7 @@
               <c:showPercent val="0"/>
               <c:showBubbleSize val="0"/>
               <c:extLst>
-                <c:ext xmlns:c15="http://schemas.microsoft.com/office/drawing/2012/chart" uri="{CE6537A1-D6FC-4f65-9D91-7224C49458BB}">
-                  <c15:layout/>
-                </c:ext>
+                <c:ext xmlns:c15="http://schemas.microsoft.com/office/drawing/2012/chart" uri="{CE6537A1-D6FC-4f65-9D91-7224C49458BB}"/>
               </c:extLst>
             </c:dLbl>
             <c:spPr>
@@ -1318,9 +1313,7 @@
               </c:spPr>
             </c:leaderLines>
             <c:extLst>
-              <c:ext xmlns:c15="http://schemas.microsoft.com/office/drawing/2012/chart" uri="{CE6537A1-D6FC-4f65-9D91-7224C49458BB}">
-                <c15:layout/>
-              </c:ext>
+              <c:ext xmlns:c15="http://schemas.microsoft.com/office/drawing/2012/chart" uri="{CE6537A1-D6FC-4f65-9D91-7224C49458BB}"/>
             </c:extLst>
           </c:dLbls>
           <c:cat>
@@ -1639,9 +1632,7 @@
               </c:spPr>
             </c:leaderLines>
             <c:extLst>
-              <c:ext xmlns:c15="http://schemas.microsoft.com/office/drawing/2012/chart" uri="{CE6537A1-D6FC-4f65-9D91-7224C49458BB}">
-                <c15:layout/>
-              </c:ext>
+              <c:ext xmlns:c15="http://schemas.microsoft.com/office/drawing/2012/chart" uri="{CE6537A1-D6FC-4f65-9D91-7224C49458BB}"/>
             </c:extLst>
           </c:dLbls>
           <c:cat>
@@ -1936,9 +1927,7 @@
               <c:showPercent val="0"/>
               <c:showBubbleSize val="0"/>
               <c:extLst>
-                <c:ext xmlns:c15="http://schemas.microsoft.com/office/drawing/2012/chart" uri="{CE6537A1-D6FC-4f65-9D91-7224C49458BB}">
-                  <c15:layout/>
-                </c:ext>
+                <c:ext xmlns:c15="http://schemas.microsoft.com/office/drawing/2012/chart" uri="{CE6537A1-D6FC-4f65-9D91-7224C49458BB}"/>
               </c:extLst>
             </c:dLbl>
             <c:dLbl>
@@ -2239,9 +2228,7 @@
               <c:showPercent val="0"/>
               <c:showBubbleSize val="0"/>
               <c:extLst>
-                <c:ext xmlns:c15="http://schemas.microsoft.com/office/drawing/2012/chart" uri="{CE6537A1-D6FC-4f65-9D91-7224C49458BB}">
-                  <c15:layout/>
-                </c:ext>
+                <c:ext xmlns:c15="http://schemas.microsoft.com/office/drawing/2012/chart" uri="{CE6537A1-D6FC-4f65-9D91-7224C49458BB}"/>
               </c:extLst>
             </c:dLbl>
             <c:spPr>
@@ -2364,11 +2351,11 @@
         </c:dLbls>
         <c:gapWidth val="150"/>
         <c:overlap val="100"/>
-        <c:axId val="-2099362064"/>
-        <c:axId val="-2099358816"/>
+        <c:axId val="2129786000"/>
+        <c:axId val="2130092896"/>
       </c:barChart>
       <c:catAx>
-        <c:axId val="-2099362064"/>
+        <c:axId val="2129786000"/>
         <c:scaling>
           <c:orientation val="minMax"/>
         </c:scaling>
@@ -2378,7 +2365,7 @@
         <c:majorTickMark val="none"/>
         <c:minorTickMark val="none"/>
         <c:tickLblPos val="nextTo"/>
-        <c:crossAx val="-2099358816"/>
+        <c:crossAx val="2130092896"/>
         <c:crosses val="autoZero"/>
         <c:auto val="1"/>
         <c:lblAlgn val="ctr"/>
@@ -2386,7 +2373,7 @@
         <c:noMultiLvlLbl val="0"/>
       </c:catAx>
       <c:valAx>
-        <c:axId val="-2099358816"/>
+        <c:axId val="2130092896"/>
         <c:scaling>
           <c:orientation val="minMax"/>
         </c:scaling>
@@ -2441,7 +2428,6 @@
               </a:p>
             </c:rich>
           </c:tx>
-          <c:layout/>
           <c:overlay val="0"/>
           <c:spPr>
             <a:noFill/>
@@ -2502,7 +2488,7 @@
             <a:endParaRPr lang="en-US"/>
           </a:p>
         </c:txPr>
-        <c:crossAx val="-2099362064"/>
+        <c:crossAx val="2129786000"/>
         <c:crosses val="autoZero"/>
         <c:crossBetween val="between"/>
       </c:valAx>
@@ -2885,11 +2871,11 @@
         </c:dLbls>
         <c:gapWidth val="219"/>
         <c:overlap val="-27"/>
-        <c:axId val="-2099278880"/>
-        <c:axId val="-2099275312"/>
+        <c:axId val="-2141297776"/>
+        <c:axId val="-2053938784"/>
       </c:barChart>
       <c:catAx>
-        <c:axId val="-2099278880"/>
+        <c:axId val="-2141297776"/>
         <c:scaling>
           <c:orientation val="minMax"/>
         </c:scaling>
@@ -2929,7 +2915,7 @@
             <a:endParaRPr lang="en-US"/>
           </a:p>
         </c:txPr>
-        <c:crossAx val="-2099275312"/>
+        <c:crossAx val="-2053938784"/>
         <c:crosses val="autoZero"/>
         <c:auto val="1"/>
         <c:lblAlgn val="ctr"/>
@@ -2937,7 +2923,7 @@
         <c:noMultiLvlLbl val="0"/>
       </c:catAx>
       <c:valAx>
-        <c:axId val="-2099275312"/>
+        <c:axId val="-2053938784"/>
         <c:scaling>
           <c:orientation val="minMax"/>
         </c:scaling>
@@ -3005,7 +2991,6 @@
               </a:p>
             </c:rich>
           </c:tx>
-          <c:layout/>
           <c:overlay val="0"/>
           <c:spPr>
             <a:noFill/>
@@ -3068,7 +3053,7 @@
             <a:endParaRPr lang="en-US"/>
           </a:p>
         </c:txPr>
-        <c:crossAx val="-2099278880"/>
+        <c:crossAx val="-2141297776"/>
         <c:crosses val="autoZero"/>
         <c:crossBetween val="between"/>
       </c:valAx>
@@ -3084,7 +3069,6 @@
     </c:plotArea>
     <c:legend>
       <c:legendPos val="b"/>
-      <c:layout/>
       <c:overlay val="0"/>
       <c:spPr>
         <a:noFill/>
@@ -3365,11 +3349,11 @@
         </c:dLbls>
         <c:gapWidth val="219"/>
         <c:overlap val="-27"/>
-        <c:axId val="-2100026336"/>
-        <c:axId val="-2100029936"/>
+        <c:axId val="-2046107728"/>
+        <c:axId val="-2046104288"/>
       </c:barChart>
       <c:catAx>
-        <c:axId val="-2100026336"/>
+        <c:axId val="-2046107728"/>
         <c:scaling>
           <c:orientation val="minMax"/>
         </c:scaling>
@@ -3409,7 +3393,7 @@
             <a:endParaRPr lang="en-US"/>
           </a:p>
         </c:txPr>
-        <c:crossAx val="-2100029936"/>
+        <c:crossAx val="-2046104288"/>
         <c:crosses val="autoZero"/>
         <c:auto val="1"/>
         <c:lblAlgn val="ctr"/>
@@ -3417,7 +3401,7 @@
         <c:noMultiLvlLbl val="0"/>
       </c:catAx>
       <c:valAx>
-        <c:axId val="-2100029936"/>
+        <c:axId val="-2046104288"/>
         <c:scaling>
           <c:orientation val="minMax"/>
         </c:scaling>
@@ -3495,7 +3479,6 @@
               </a:p>
             </c:rich>
           </c:tx>
-          <c:layout/>
           <c:overlay val="0"/>
           <c:spPr>
             <a:noFill/>
@@ -3538,7 +3521,7 @@
             <a:endParaRPr lang="en-US"/>
           </a:p>
         </c:txPr>
-        <c:crossAx val="-2100026336"/>
+        <c:crossAx val="-2046107728"/>
         <c:crosses val="autoZero"/>
         <c:crossBetween val="between"/>
       </c:valAx>
@@ -3554,7 +3537,6 @@
     </c:plotArea>
     <c:legend>
       <c:legendPos val="b"/>
-      <c:layout/>
       <c:overlay val="0"/>
       <c:spPr>
         <a:noFill/>
@@ -3786,9 +3768,7 @@
               </c:spPr>
             </c:leaderLines>
             <c:extLst>
-              <c:ext xmlns:c15="http://schemas.microsoft.com/office/drawing/2012/chart" uri="{CE6537A1-D6FC-4f65-9D91-7224C49458BB}">
-                <c15:layout/>
-              </c:ext>
+              <c:ext xmlns:c15="http://schemas.microsoft.com/office/drawing/2012/chart" uri="{CE6537A1-D6FC-4f65-9D91-7224C49458BB}"/>
             </c:extLst>
           </c:dLbls>
           <c:cat>
@@ -4068,7 +4048,7 @@
                   <c:v>-6.43</c:v>
                 </c:pt>
                 <c:pt idx="10">
-                  <c:v>-9.739999999999998</c:v>
+                  <c:v>-9.74</c:v>
                 </c:pt>
                 <c:pt idx="11">
                   <c:v>-13.05</c:v>
@@ -4102,11 +4082,11 @@
           <c:showBubbleSize val="0"/>
         </c:dLbls>
         <c:smooth val="0"/>
-        <c:axId val="-2103376624"/>
-        <c:axId val="-2103373264"/>
+        <c:axId val="-2045909312"/>
+        <c:axId val="-2045905808"/>
       </c:lineChart>
       <c:catAx>
-        <c:axId val="-2103376624"/>
+        <c:axId val="-2045909312"/>
         <c:scaling>
           <c:orientation val="minMax"/>
         </c:scaling>
@@ -4149,7 +4129,7 @@
             <a:endParaRPr lang="en-US"/>
           </a:p>
         </c:txPr>
-        <c:crossAx val="-2103373264"/>
+        <c:crossAx val="-2045905808"/>
         <c:crosses val="autoZero"/>
         <c:auto val="1"/>
         <c:lblAlgn val="ctr"/>
@@ -4157,7 +4137,7 @@
         <c:noMultiLvlLbl val="0"/>
       </c:catAx>
       <c:valAx>
-        <c:axId val="-2103373264"/>
+        <c:axId val="-2045905808"/>
         <c:scaling>
           <c:orientation val="minMax"/>
         </c:scaling>
@@ -4204,7 +4184,6 @@
               </a:p>
             </c:rich>
           </c:tx>
-          <c:layout/>
           <c:overlay val="0"/>
           <c:spPr>
             <a:noFill/>
@@ -4245,7 +4224,7 @@
             <a:endParaRPr lang="en-US"/>
           </a:p>
         </c:txPr>
-        <c:crossAx val="-2103376624"/>
+        <c:crossAx val="-2045909312"/>
         <c:crosses val="autoZero"/>
         <c:crossBetween val="between"/>
       </c:valAx>
@@ -4261,7 +4240,6 @@
     </c:plotArea>
     <c:legend>
       <c:legendPos val="b"/>
-      <c:layout/>
       <c:overlay val="0"/>
       <c:spPr>
         <a:noFill/>
@@ -4403,7 +4381,6 @@
             <c:showLeaderLines val="0"/>
             <c:extLst>
               <c:ext xmlns:c15="http://schemas.microsoft.com/office/drawing/2012/chart" uri="{CE6537A1-D6FC-4f65-9D91-7224C49458BB}">
-                <c15:layout/>
                 <c15:showLeaderLines val="1"/>
                 <c15:leaderLines>
                   <c:spPr>
@@ -4516,7 +4493,6 @@
             <c:showLeaderLines val="0"/>
             <c:extLst>
               <c:ext xmlns:c15="http://schemas.microsoft.com/office/drawing/2012/chart" uri="{CE6537A1-D6FC-4f65-9D91-7224C49458BB}">
-                <c15:layout/>
                 <c15:showLeaderLines val="1"/>
                 <c15:leaderLines>
                   <c:spPr>
@@ -4629,7 +4605,6 @@
             <c:showLeaderLines val="0"/>
             <c:extLst>
               <c:ext xmlns:c15="http://schemas.microsoft.com/office/drawing/2012/chart" uri="{CE6537A1-D6FC-4f65-9D91-7224C49458BB}">
-                <c15:layout/>
                 <c15:showLeaderLines val="1"/>
                 <c15:leaderLines>
                   <c:spPr>
@@ -4797,7 +4772,6 @@
             <c:showLeaderLines val="0"/>
             <c:extLst>
               <c:ext xmlns:c15="http://schemas.microsoft.com/office/drawing/2012/chart" uri="{CE6537A1-D6FC-4f65-9D91-7224C49458BB}">
-                <c15:layout/>
                 <c15:showLeaderLines val="1"/>
                 <c15:leaderLines>
                   <c:spPr>
@@ -4857,11 +4831,11 @@
         </c:dLbls>
         <c:gapWidth val="219"/>
         <c:overlap val="-27"/>
-        <c:axId val="-2100206736"/>
-        <c:axId val="-2101490512"/>
+        <c:axId val="-2081722144"/>
+        <c:axId val="-2052957168"/>
       </c:barChart>
       <c:catAx>
-        <c:axId val="-2100206736"/>
+        <c:axId val="-2081722144"/>
         <c:scaling>
           <c:orientation val="minMax"/>
         </c:scaling>
@@ -4904,7 +4878,7 @@
             <a:endParaRPr lang="en-US"/>
           </a:p>
         </c:txPr>
-        <c:crossAx val="-2101490512"/>
+        <c:crossAx val="-2052957168"/>
         <c:crosses val="autoZero"/>
         <c:auto val="1"/>
         <c:lblAlgn val="ctr"/>
@@ -4912,7 +4886,7 @@
         <c:noMultiLvlLbl val="0"/>
       </c:catAx>
       <c:valAx>
-        <c:axId val="-2101490512"/>
+        <c:axId val="-2052957168"/>
         <c:scaling>
           <c:orientation val="minMax"/>
         </c:scaling>
@@ -4975,7 +4949,6 @@
               </a:p>
             </c:rich>
           </c:tx>
-          <c:layout/>
           <c:overlay val="0"/>
           <c:spPr>
             <a:noFill/>
@@ -5036,7 +5009,7 @@
             <a:endParaRPr lang="en-US"/>
           </a:p>
         </c:txPr>
-        <c:crossAx val="-2100206736"/>
+        <c:crossAx val="-2081722144"/>
         <c:crosses val="autoZero"/>
         <c:crossBetween val="between"/>
       </c:valAx>
@@ -5052,7 +5025,6 @@
     </c:plotArea>
     <c:legend>
       <c:legendPos val="b"/>
-      <c:layout/>
       <c:overlay val="0"/>
       <c:spPr>
         <a:noFill/>
@@ -5728,11 +5700,11 @@
         </c:dLbls>
         <c:gapWidth val="219"/>
         <c:overlap val="100"/>
-        <c:axId val="-2098916672"/>
-        <c:axId val="-2098925344"/>
+        <c:axId val="-2053431824"/>
+        <c:axId val="-2053511856"/>
       </c:barChart>
       <c:catAx>
-        <c:axId val="-2098916672"/>
+        <c:axId val="-2053431824"/>
         <c:scaling>
           <c:orientation val="minMax"/>
         </c:scaling>
@@ -5742,7 +5714,7 @@
         <c:majorTickMark val="none"/>
         <c:minorTickMark val="none"/>
         <c:tickLblPos val="nextTo"/>
-        <c:crossAx val="-2098925344"/>
+        <c:crossAx val="-2053511856"/>
         <c:crosses val="autoZero"/>
         <c:auto val="1"/>
         <c:lblAlgn val="ctr"/>
@@ -5750,7 +5722,7 @@
         <c:noMultiLvlLbl val="0"/>
       </c:catAx>
       <c:valAx>
-        <c:axId val="-2098925344"/>
+        <c:axId val="-2053511856"/>
         <c:scaling>
           <c:orientation val="minMax"/>
         </c:scaling>
@@ -5879,7 +5851,7 @@
             <a:endParaRPr lang="en-US"/>
           </a:p>
         </c:txPr>
-        <c:crossAx val="-2098916672"/>
+        <c:crossAx val="-2053431824"/>
         <c:crosses val="autoZero"/>
         <c:crossBetween val="between"/>
       </c:valAx>
@@ -6046,7 +6018,6 @@
             <c:showLeaderLines val="0"/>
             <c:extLst>
               <c:ext xmlns:c15="http://schemas.microsoft.com/office/drawing/2012/chart" uri="{CE6537A1-D6FC-4f65-9D91-7224C49458BB}">
-                <c15:layout/>
                 <c15:showLeaderLines val="1"/>
                 <c15:leaderLines>
                   <c:spPr>
@@ -6170,7 +6141,6 @@
             <c:showLeaderLines val="0"/>
             <c:extLst>
               <c:ext xmlns:c15="http://schemas.microsoft.com/office/drawing/2012/chart" uri="{CE6537A1-D6FC-4f65-9D91-7224C49458BB}">
-                <c15:layout/>
                 <c15:showLeaderLines val="1"/>
                 <c15:leaderLines>
                   <c:spPr>
@@ -6289,7 +6259,6 @@
             <c:showLeaderLines val="0"/>
             <c:extLst>
               <c:ext xmlns:c15="http://schemas.microsoft.com/office/drawing/2012/chart" uri="{CE6537A1-D6FC-4f65-9D91-7224C49458BB}">
-                <c15:layout/>
                 <c15:showLeaderLines val="1"/>
                 <c15:leaderLines>
                   <c:spPr>
@@ -6354,11 +6323,11 @@
         </c:dLbls>
         <c:gapWidth val="219"/>
         <c:overlap val="-27"/>
-        <c:axId val="2106735408"/>
-        <c:axId val="2106738896"/>
+        <c:axId val="-2144186112"/>
+        <c:axId val="-2143469280"/>
       </c:barChart>
       <c:catAx>
-        <c:axId val="2106735408"/>
+        <c:axId val="-2144186112"/>
         <c:scaling>
           <c:orientation val="minMax"/>
         </c:scaling>
@@ -6398,7 +6367,7 @@
             <a:endParaRPr lang="en-US"/>
           </a:p>
         </c:txPr>
-        <c:crossAx val="2106738896"/>
+        <c:crossAx val="-2143469280"/>
         <c:crosses val="autoZero"/>
         <c:auto val="1"/>
         <c:lblAlgn val="ctr"/>
@@ -6406,7 +6375,7 @@
         <c:noMultiLvlLbl val="0"/>
       </c:catAx>
       <c:valAx>
-        <c:axId val="2106738896"/>
+        <c:axId val="-2143469280"/>
         <c:scaling>
           <c:orientation val="minMax"/>
         </c:scaling>
@@ -6465,7 +6434,6 @@
               </a:p>
             </c:rich>
           </c:tx>
-          <c:layout/>
           <c:overlay val="0"/>
           <c:spPr>
             <a:noFill/>
@@ -6528,7 +6496,7 @@
             <a:endParaRPr lang="en-US"/>
           </a:p>
         </c:txPr>
-        <c:crossAx val="2106735408"/>
+        <c:crossAx val="-2144186112"/>
         <c:crosses val="autoZero"/>
         <c:crossBetween val="between"/>
       </c:valAx>
@@ -6544,7 +6512,6 @@
     </c:plotArea>
     <c:legend>
       <c:legendPos val="b"/>
-      <c:layout/>
       <c:overlay val="0"/>
       <c:spPr>
         <a:noFill/>
@@ -6672,9 +6639,7 @@
               <c:showPercent val="0"/>
               <c:showBubbleSize val="0"/>
               <c:extLst>
-                <c:ext xmlns:c15="http://schemas.microsoft.com/office/drawing/2012/chart" uri="{CE6537A1-D6FC-4f65-9D91-7224C49458BB}">
-                  <c15:layout/>
-                </c:ext>
+                <c:ext xmlns:c15="http://schemas.microsoft.com/office/drawing/2012/chart" uri="{CE6537A1-D6FC-4f65-9D91-7224C49458BB}"/>
               </c:extLst>
             </c:dLbl>
             <c:dLbl>
@@ -6692,9 +6657,7 @@
               <c:showPercent val="0"/>
               <c:showBubbleSize val="0"/>
               <c:extLst>
-                <c:ext xmlns:c15="http://schemas.microsoft.com/office/drawing/2012/chart" uri="{CE6537A1-D6FC-4f65-9D91-7224C49458BB}">
-                  <c15:layout/>
-                </c:ext>
+                <c:ext xmlns:c15="http://schemas.microsoft.com/office/drawing/2012/chart" uri="{CE6537A1-D6FC-4f65-9D91-7224C49458BB}"/>
               </c:extLst>
             </c:dLbl>
             <c:spPr>
@@ -6735,7 +6698,6 @@
             <c:showLeaderLines val="0"/>
             <c:extLst>
               <c:ext xmlns:c15="http://schemas.microsoft.com/office/drawing/2012/chart" uri="{CE6537A1-D6FC-4f65-9D91-7224C49458BB}">
-                <c15:layout/>
                 <c15:showLeaderLines val="1"/>
                 <c15:leaderLines>
                   <c:spPr>
@@ -6850,9 +6812,7 @@
               <c:showPercent val="0"/>
               <c:showBubbleSize val="0"/>
               <c:extLst>
-                <c:ext xmlns:c15="http://schemas.microsoft.com/office/drawing/2012/chart" uri="{CE6537A1-D6FC-4f65-9D91-7224C49458BB}">
-                  <c15:layout/>
-                </c:ext>
+                <c:ext xmlns:c15="http://schemas.microsoft.com/office/drawing/2012/chart" uri="{CE6537A1-D6FC-4f65-9D91-7224C49458BB}"/>
               </c:extLst>
             </c:dLbl>
             <c:dLbl>
@@ -6870,9 +6830,7 @@
               <c:showPercent val="0"/>
               <c:showBubbleSize val="0"/>
               <c:extLst>
-                <c:ext xmlns:c15="http://schemas.microsoft.com/office/drawing/2012/chart" uri="{CE6537A1-D6FC-4f65-9D91-7224C49458BB}">
-                  <c15:layout/>
-                </c:ext>
+                <c:ext xmlns:c15="http://schemas.microsoft.com/office/drawing/2012/chart" uri="{CE6537A1-D6FC-4f65-9D91-7224C49458BB}"/>
               </c:extLst>
             </c:dLbl>
             <c:dLbl>
@@ -6890,9 +6848,7 @@
               <c:showPercent val="0"/>
               <c:showBubbleSize val="0"/>
               <c:extLst>
-                <c:ext xmlns:c15="http://schemas.microsoft.com/office/drawing/2012/chart" uri="{CE6537A1-D6FC-4f65-9D91-7224C49458BB}">
-                  <c15:layout/>
-                </c:ext>
+                <c:ext xmlns:c15="http://schemas.microsoft.com/office/drawing/2012/chart" uri="{CE6537A1-D6FC-4f65-9D91-7224C49458BB}"/>
               </c:extLst>
             </c:dLbl>
             <c:dLbl>
@@ -6910,9 +6866,7 @@
               <c:showPercent val="0"/>
               <c:showBubbleSize val="0"/>
               <c:extLst>
-                <c:ext xmlns:c15="http://schemas.microsoft.com/office/drawing/2012/chart" uri="{CE6537A1-D6FC-4f65-9D91-7224C49458BB}">
-                  <c15:layout/>
-                </c:ext>
+                <c:ext xmlns:c15="http://schemas.microsoft.com/office/drawing/2012/chart" uri="{CE6537A1-D6FC-4f65-9D91-7224C49458BB}"/>
               </c:extLst>
             </c:dLbl>
             <c:spPr>
@@ -6953,7 +6907,6 @@
             <c:showLeaderLines val="0"/>
             <c:extLst>
               <c:ext xmlns:c15="http://schemas.microsoft.com/office/drawing/2012/chart" uri="{CE6537A1-D6FC-4f65-9D91-7224C49458BB}">
-                <c15:layout/>
                 <c15:showLeaderLines val="1"/>
                 <c15:leaderLines>
                   <c:spPr>
@@ -7011,18 +6964,18 @@
             <c:numRef>
               <c:f>Sheet1!$C$2:$C$10</c:f>
               <c:numCache>
-                <c:formatCode>0.0</c:formatCode>
+                <c:formatCode>General</c:formatCode>
                 <c:ptCount val="9"/>
-                <c:pt idx="2">
+                <c:pt idx="2" formatCode="0.0">
                   <c:v>-537.0</c:v>
                 </c:pt>
-                <c:pt idx="3">
+                <c:pt idx="3" formatCode="0.0">
                   <c:v>63.1</c:v>
                 </c:pt>
-                <c:pt idx="4" formatCode="General">
+                <c:pt idx="4">
                   <c:v>277.1</c:v>
                 </c:pt>
-                <c:pt idx="5" formatCode="General">
+                <c:pt idx="5">
                   <c:v>0.0</c:v>
                 </c:pt>
               </c:numCache>
@@ -7105,7 +7058,6 @@
                       <a:avLst/>
                     </a:prstGeom>
                   </c15:spPr>
-                  <c15:layout/>
                 </c:ext>
               </c:extLst>
             </c:dLbl>
@@ -7125,9 +7077,7 @@
               <c:showPercent val="0"/>
               <c:showBubbleSize val="0"/>
               <c:extLst>
-                <c:ext xmlns:c15="http://schemas.microsoft.com/office/drawing/2012/chart" uri="{CE6537A1-D6FC-4f65-9D91-7224C49458BB}">
-                  <c15:layout/>
-                </c:ext>
+                <c:ext xmlns:c15="http://schemas.microsoft.com/office/drawing/2012/chart" uri="{CE6537A1-D6FC-4f65-9D91-7224C49458BB}"/>
               </c:extLst>
             </c:dLbl>
             <c:dLbl>
@@ -7146,9 +7096,7 @@
               <c:showPercent val="0"/>
               <c:showBubbleSize val="0"/>
               <c:extLst>
-                <c:ext xmlns:c15="http://schemas.microsoft.com/office/drawing/2012/chart" uri="{CE6537A1-D6FC-4f65-9D91-7224C49458BB}">
-                  <c15:layout/>
-                </c:ext>
+                <c:ext xmlns:c15="http://schemas.microsoft.com/office/drawing/2012/chart" uri="{CE6537A1-D6FC-4f65-9D91-7224C49458BB}"/>
               </c:extLst>
             </c:dLbl>
             <c:spPr>
@@ -7272,11 +7220,11 @@
         </c:dLbls>
         <c:gapWidth val="219"/>
         <c:overlap val="100"/>
-        <c:axId val="2141890224"/>
-        <c:axId val="2141892656"/>
+        <c:axId val="-2046613264"/>
+        <c:axId val="-2046612144"/>
       </c:barChart>
       <c:catAx>
-        <c:axId val="2141890224"/>
+        <c:axId val="-2046613264"/>
         <c:scaling>
           <c:orientation val="minMax"/>
         </c:scaling>
@@ -7286,7 +7234,7 @@
         <c:majorTickMark val="none"/>
         <c:minorTickMark val="none"/>
         <c:tickLblPos val="nextTo"/>
-        <c:crossAx val="2141892656"/>
+        <c:crossAx val="-2046612144"/>
         <c:crosses val="autoZero"/>
         <c:auto val="1"/>
         <c:lblAlgn val="ctr"/>
@@ -7294,7 +7242,7 @@
         <c:noMultiLvlLbl val="0"/>
       </c:catAx>
       <c:valAx>
-        <c:axId val="2141892656"/>
+        <c:axId val="-2046612144"/>
         <c:scaling>
           <c:orientation val="minMax"/>
         </c:scaling>
@@ -7423,7 +7371,7 @@
             <a:endParaRPr lang="en-US"/>
           </a:p>
         </c:txPr>
-        <c:crossAx val="2141890224"/>
+        <c:crossAx val="-2046613264"/>
         <c:crosses val="autoZero"/>
         <c:crossBetween val="between"/>
       </c:valAx>
@@ -7506,6 +7454,859 @@
 </file>
 
 <file path=ppt/charts/chart21.xml><?xml version="1.0" encoding="utf-8"?>
+<c:chartSpace xmlns:c="http://schemas.openxmlformats.org/drawingml/2006/chart" xmlns:a="http://schemas.openxmlformats.org/drawingml/2006/main" xmlns:r="http://schemas.openxmlformats.org/officeDocument/2006/relationships">
+  <c:date1904 val="0"/>
+  <c:lang val="en-US"/>
+  <c:roundedCorners val="0"/>
+  <mc:AlternateContent xmlns:mc="http://schemas.openxmlformats.org/markup-compatibility/2006">
+    <mc:Choice xmlns:c14="http://schemas.microsoft.com/office/drawing/2007/8/2/chart" Requires="c14">
+      <c14:style val="102"/>
+    </mc:Choice>
+    <mc:Fallback>
+      <c:style val="2"/>
+    </mc:Fallback>
+  </mc:AlternateContent>
+  <c:chart>
+    <c:autoTitleDeleted val="1"/>
+    <c:plotArea>
+      <c:layout>
+        <c:manualLayout>
+          <c:layoutTarget val="inner"/>
+          <c:xMode val="edge"/>
+          <c:yMode val="edge"/>
+          <c:x val="0.138858061581748"/>
+          <c:y val="0.0264823754257671"/>
+          <c:w val="0.842327667361251"/>
+          <c:h val="0.652621483647289"/>
+        </c:manualLayout>
+      </c:layout>
+      <c:barChart>
+        <c:barDir val="col"/>
+        <c:grouping val="stacked"/>
+        <c:varyColors val="0"/>
+        <c:ser>
+          <c:idx val="0"/>
+          <c:order val="0"/>
+          <c:tx>
+            <c:strRef>
+              <c:f>Sheet1!$B$1</c:f>
+              <c:strCache>
+                <c:ptCount val="1"/>
+                <c:pt idx="0">
+                  <c:v>Electricity mix</c:v>
+                </c:pt>
+              </c:strCache>
+            </c:strRef>
+          </c:tx>
+          <c:spPr>
+            <a:solidFill>
+              <a:schemeClr val="accent3"/>
+            </a:solidFill>
+            <a:ln>
+              <a:noFill/>
+            </a:ln>
+            <a:effectLst/>
+          </c:spPr>
+          <c:invertIfNegative val="0"/>
+          <c:dLbls>
+            <c:dLbl>
+              <c:idx val="0"/>
+              <c:layout>
+                <c:manualLayout>
+                  <c:x val="0.00134333252239769"/>
+                  <c:y val="-0.145829721853049"/>
+                </c:manualLayout>
+              </c:layout>
+              <c:showLegendKey val="0"/>
+              <c:showVal val="1"/>
+              <c:showCatName val="0"/>
+              <c:showSerName val="0"/>
+              <c:showPercent val="0"/>
+              <c:showBubbleSize val="0"/>
+              <c:extLst>
+                <c:ext xmlns:c15="http://schemas.microsoft.com/office/drawing/2012/chart" uri="{CE6537A1-D6FC-4f65-9D91-7224C49458BB}">
+                  <c15:layout/>
+                </c:ext>
+              </c:extLst>
+            </c:dLbl>
+            <c:spPr>
+              <a:noFill/>
+              <a:ln>
+                <a:noFill/>
+              </a:ln>
+              <a:effectLst/>
+            </c:spPr>
+            <c:txPr>
+              <a:bodyPr rot="0" spcFirstLastPara="1" vertOverflow="ellipsis" vert="horz" wrap="square" lIns="38100" tIns="19050" rIns="38100" bIns="19050" anchor="ctr" anchorCtr="1">
+                <a:spAutoFit/>
+              </a:bodyPr>
+              <a:lstStyle/>
+              <a:p>
+                <a:pPr>
+                  <a:defRPr sz="1600" b="0" i="0" u="none" strike="noStrike" kern="1200" baseline="0">
+                    <a:solidFill>
+                      <a:schemeClr val="tx1">
+                        <a:lumMod val="75000"/>
+                        <a:lumOff val="25000"/>
+                      </a:schemeClr>
+                    </a:solidFill>
+                    <a:latin typeface="+mn-lt"/>
+                    <a:ea typeface="+mn-ea"/>
+                    <a:cs typeface="+mn-cs"/>
+                  </a:defRPr>
+                </a:pPr>
+                <a:endParaRPr lang="en-US"/>
+              </a:p>
+            </c:txPr>
+            <c:showLegendKey val="0"/>
+            <c:showVal val="1"/>
+            <c:showCatName val="0"/>
+            <c:showSerName val="0"/>
+            <c:showPercent val="0"/>
+            <c:showBubbleSize val="0"/>
+            <c:showLeaderLines val="0"/>
+            <c:extLst>
+              <c:ext xmlns:c15="http://schemas.microsoft.com/office/drawing/2012/chart" uri="{CE6537A1-D6FC-4f65-9D91-7224C49458BB}">
+                <c15:showLeaderLines val="1"/>
+                <c15:leaderLines>
+                  <c:spPr>
+                    <a:ln w="9525" cap="flat" cmpd="sng" algn="ctr">
+                      <a:solidFill>
+                        <a:schemeClr val="tx1">
+                          <a:lumMod val="35000"/>
+                          <a:lumOff val="65000"/>
+                        </a:schemeClr>
+                      </a:solidFill>
+                      <a:round/>
+                    </a:ln>
+                    <a:effectLst/>
+                  </c:spPr>
+                </c15:leaderLines>
+              </c:ext>
+            </c:extLst>
+          </c:dLbls>
+          <c:cat>
+            <c:strRef>
+              <c:f>Sheet1!$A$2:$A$9</c:f>
+              <c:strCache>
+                <c:ptCount val="8"/>
+                <c:pt idx="0">
+                  <c:v>ENTSO-E</c:v>
+                </c:pt>
+                <c:pt idx="1">
+                  <c:v>ASF (CIGS) ENTSO-E mix incl. shading benefits</c:v>
+                </c:pt>
+                <c:pt idx="2">
+                  <c:v>Static ASF (CIGS) ENTSO-E mix incl. shading benefits </c:v>
+                </c:pt>
+                <c:pt idx="3">
+                  <c:v>ASF (CIGS) ENTSO-E mix excl. shading benefits</c:v>
+                </c:pt>
+                <c:pt idx="4">
+                  <c:v>Static ASF (CIGS) ENTSO-E mix excl. shading benefits </c:v>
+                </c:pt>
+                <c:pt idx="5">
+                  <c:v>Poly-Si</c:v>
+                </c:pt>
+                <c:pt idx="6">
+                  <c:v>CIS</c:v>
+                </c:pt>
+                <c:pt idx="7">
+                  <c:v>CdTe</c:v>
+                </c:pt>
+              </c:strCache>
+            </c:strRef>
+          </c:cat>
+          <c:val>
+            <c:numRef>
+              <c:f>Sheet1!$B$2:$B$9</c:f>
+              <c:numCache>
+                <c:formatCode>General</c:formatCode>
+                <c:ptCount val="8"/>
+                <c:pt idx="0" formatCode="0.0">
+                  <c:v>462.1</c:v>
+                </c:pt>
+              </c:numCache>
+            </c:numRef>
+          </c:val>
+        </c:ser>
+        <c:ser>
+          <c:idx val="1"/>
+          <c:order val="1"/>
+          <c:tx>
+            <c:strRef>
+              <c:f>Sheet1!$C$1</c:f>
+              <c:strCache>
+                <c:ptCount val="1"/>
+                <c:pt idx="0">
+                  <c:v>Incl. shading benefits</c:v>
+                </c:pt>
+              </c:strCache>
+            </c:strRef>
+          </c:tx>
+          <c:spPr>
+            <a:solidFill>
+              <a:schemeClr val="accent1"/>
+            </a:solidFill>
+            <a:ln>
+              <a:noFill/>
+            </a:ln>
+            <a:effectLst/>
+          </c:spPr>
+          <c:invertIfNegative val="0"/>
+          <c:dPt>
+            <c:idx val="0"/>
+            <c:invertIfNegative val="0"/>
+            <c:bubble3D val="0"/>
+          </c:dPt>
+          <c:dLbls>
+            <c:dLbl>
+              <c:idx val="1"/>
+              <c:layout>
+                <c:manualLayout>
+                  <c:x val="0.0"/>
+                  <c:y val="-0.166580966198505"/>
+                </c:manualLayout>
+              </c:layout>
+              <c:showLegendKey val="0"/>
+              <c:showVal val="1"/>
+              <c:showCatName val="0"/>
+              <c:showSerName val="0"/>
+              <c:showPercent val="0"/>
+              <c:showBubbleSize val="0"/>
+              <c:extLst>
+                <c:ext xmlns:c15="http://schemas.microsoft.com/office/drawing/2012/chart" uri="{CE6537A1-D6FC-4f65-9D91-7224C49458BB}">
+                  <c15:layout/>
+                </c:ext>
+              </c:extLst>
+            </c:dLbl>
+            <c:dLbl>
+              <c:idx val="3"/>
+              <c:layout>
+                <c:manualLayout>
+                  <c:x val="0.0"/>
+                  <c:y val="-0.101139968381953"/>
+                </c:manualLayout>
+              </c:layout>
+              <c:showLegendKey val="0"/>
+              <c:showVal val="1"/>
+              <c:showCatName val="0"/>
+              <c:showSerName val="0"/>
+              <c:showPercent val="0"/>
+              <c:showBubbleSize val="0"/>
+              <c:extLst>
+                <c:ext xmlns:c15="http://schemas.microsoft.com/office/drawing/2012/chart" uri="{CE6537A1-D6FC-4f65-9D91-7224C49458BB}">
+                  <c15:layout/>
+                </c:ext>
+              </c:extLst>
+            </c:dLbl>
+            <c:spPr>
+              <a:noFill/>
+              <a:ln>
+                <a:noFill/>
+              </a:ln>
+              <a:effectLst/>
+            </c:spPr>
+            <c:txPr>
+              <a:bodyPr rot="0" spcFirstLastPara="1" vertOverflow="ellipsis" vert="horz" wrap="square" lIns="38100" tIns="19050" rIns="38100" bIns="19050" anchor="ctr" anchorCtr="1">
+                <a:spAutoFit/>
+              </a:bodyPr>
+              <a:lstStyle/>
+              <a:p>
+                <a:pPr>
+                  <a:defRPr sz="1600" b="0" i="0" u="none" strike="noStrike" kern="1200" baseline="0">
+                    <a:solidFill>
+                      <a:schemeClr val="tx1">
+                        <a:lumMod val="75000"/>
+                        <a:lumOff val="25000"/>
+                      </a:schemeClr>
+                    </a:solidFill>
+                    <a:latin typeface="+mn-lt"/>
+                    <a:ea typeface="+mn-ea"/>
+                    <a:cs typeface="+mn-cs"/>
+                  </a:defRPr>
+                </a:pPr>
+                <a:endParaRPr lang="en-US"/>
+              </a:p>
+            </c:txPr>
+            <c:showLegendKey val="0"/>
+            <c:showVal val="1"/>
+            <c:showCatName val="0"/>
+            <c:showSerName val="0"/>
+            <c:showPercent val="0"/>
+            <c:showBubbleSize val="0"/>
+            <c:showLeaderLines val="0"/>
+            <c:extLst>
+              <c:ext xmlns:c15="http://schemas.microsoft.com/office/drawing/2012/chart" uri="{CE6537A1-D6FC-4f65-9D91-7224C49458BB}">
+                <c15:layout/>
+                <c15:showLeaderLines val="1"/>
+                <c15:leaderLines>
+                  <c:spPr>
+                    <a:ln w="9525" cap="flat" cmpd="sng" algn="ctr">
+                      <a:solidFill>
+                        <a:schemeClr val="tx1">
+                          <a:lumMod val="35000"/>
+                          <a:lumOff val="65000"/>
+                        </a:schemeClr>
+                      </a:solidFill>
+                      <a:round/>
+                    </a:ln>
+                    <a:effectLst/>
+                  </c:spPr>
+                </c15:leaderLines>
+              </c:ext>
+            </c:extLst>
+          </c:dLbls>
+          <c:cat>
+            <c:strRef>
+              <c:f>Sheet1!$A$2:$A$9</c:f>
+              <c:strCache>
+                <c:ptCount val="8"/>
+                <c:pt idx="0">
+                  <c:v>ENTSO-E</c:v>
+                </c:pt>
+                <c:pt idx="1">
+                  <c:v>ASF (CIGS) ENTSO-E mix incl. shading benefits</c:v>
+                </c:pt>
+                <c:pt idx="2">
+                  <c:v>Static ASF (CIGS) ENTSO-E mix incl. shading benefits </c:v>
+                </c:pt>
+                <c:pt idx="3">
+                  <c:v>ASF (CIGS) ENTSO-E mix excl. shading benefits</c:v>
+                </c:pt>
+                <c:pt idx="4">
+                  <c:v>Static ASF (CIGS) ENTSO-E mix excl. shading benefits </c:v>
+                </c:pt>
+                <c:pt idx="5">
+                  <c:v>Poly-Si</c:v>
+                </c:pt>
+                <c:pt idx="6">
+                  <c:v>CIS</c:v>
+                </c:pt>
+                <c:pt idx="7">
+                  <c:v>CdTe</c:v>
+                </c:pt>
+              </c:strCache>
+            </c:strRef>
+          </c:cat>
+          <c:val>
+            <c:numRef>
+              <c:f>Sheet1!$C$2:$C$9</c:f>
+              <c:numCache>
+                <c:formatCode>0.0</c:formatCode>
+                <c:ptCount val="8"/>
+                <c:pt idx="1">
+                  <c:v>-537.0</c:v>
+                </c:pt>
+                <c:pt idx="2" formatCode="General">
+                  <c:v>0.0</c:v>
+                </c:pt>
+              </c:numCache>
+            </c:numRef>
+          </c:val>
+        </c:ser>
+        <c:ser>
+          <c:idx val="2"/>
+          <c:order val="2"/>
+          <c:tx>
+            <c:strRef>
+              <c:f>Sheet1!$D$1</c:f>
+              <c:strCache>
+                <c:ptCount val="1"/>
+                <c:pt idx="0">
+                  <c:v>Excl. shading benefits</c:v>
+                </c:pt>
+              </c:strCache>
+            </c:strRef>
+          </c:tx>
+          <c:spPr>
+            <a:solidFill>
+              <a:schemeClr val="accent2"/>
+            </a:solidFill>
+            <a:ln>
+              <a:noFill/>
+            </a:ln>
+            <a:effectLst/>
+          </c:spPr>
+          <c:invertIfNegative val="0"/>
+          <c:dLbls>
+            <c:dLbl>
+              <c:idx val="3"/>
+              <c:layout>
+                <c:manualLayout>
+                  <c:x val="-0.00268666504479538"/>
+                  <c:y val="-0.0862299436874334"/>
+                </c:manualLayout>
+              </c:layout>
+              <c:dLblPos val="ctr"/>
+              <c:showLegendKey val="0"/>
+              <c:showVal val="1"/>
+              <c:showCatName val="0"/>
+              <c:showSerName val="0"/>
+              <c:showPercent val="0"/>
+              <c:showBubbleSize val="0"/>
+              <c:extLst>
+                <c:ext xmlns:c15="http://schemas.microsoft.com/office/drawing/2012/chart" uri="{CE6537A1-D6FC-4f65-9D91-7224C49458BB}">
+                  <c15:layout/>
+                </c:ext>
+              </c:extLst>
+            </c:dLbl>
+            <c:dLbl>
+              <c:idx val="5"/>
+              <c:layout>
+                <c:manualLayout>
+                  <c:x val="-0.00134333252239769"/>
+                  <c:y val="-0.0529241371701132"/>
+                </c:manualLayout>
+              </c:layout>
+              <c:spPr>
+                <a:noFill/>
+                <a:ln>
+                  <a:noFill/>
+                </a:ln>
+                <a:effectLst/>
+              </c:spPr>
+              <c:txPr>
+                <a:bodyPr rot="0" spcFirstLastPara="1" vertOverflow="ellipsis" vert="horz" wrap="square" lIns="38100" tIns="19050" rIns="38100" bIns="19050" anchor="ctr" anchorCtr="1">
+                  <a:noAutofit/>
+                </a:bodyPr>
+                <a:lstStyle/>
+                <a:p>
+                  <a:pPr>
+                    <a:defRPr sz="1600" b="0" i="0" u="none" strike="noStrike" kern="1200" baseline="0">
+                      <a:solidFill>
+                        <a:schemeClr val="tx1">
+                          <a:lumMod val="75000"/>
+                          <a:lumOff val="25000"/>
+                        </a:schemeClr>
+                      </a:solidFill>
+                      <a:latin typeface="+mn-lt"/>
+                      <a:ea typeface="+mn-ea"/>
+                      <a:cs typeface="+mn-cs"/>
+                    </a:defRPr>
+                  </a:pPr>
+                  <a:endParaRPr lang="en-US"/>
+                </a:p>
+              </c:txPr>
+              <c:dLblPos val="ctr"/>
+              <c:showLegendKey val="0"/>
+              <c:showVal val="1"/>
+              <c:showCatName val="0"/>
+              <c:showSerName val="0"/>
+              <c:showPercent val="0"/>
+              <c:showBubbleSize val="0"/>
+              <c:extLst>
+                <c:ext xmlns:c15="http://schemas.microsoft.com/office/drawing/2012/chart" uri="{CE6537A1-D6FC-4f65-9D91-7224C49458BB}">
+                  <c15:spPr xmlns:c15="http://schemas.microsoft.com/office/drawing/2012/chart">
+                    <a:prstGeom prst="rect">
+                      <a:avLst/>
+                    </a:prstGeom>
+                  </c15:spPr>
+                  <c15:layout/>
+                </c:ext>
+              </c:extLst>
+            </c:dLbl>
+            <c:dLbl>
+              <c:idx val="6"/>
+              <c:layout>
+                <c:manualLayout>
+                  <c:x val="-0.00134333252239779"/>
+                  <c:y val="-0.047041845759048"/>
+                </c:manualLayout>
+              </c:layout>
+              <c:dLblPos val="ctr"/>
+              <c:showLegendKey val="0"/>
+              <c:showVal val="1"/>
+              <c:showCatName val="0"/>
+              <c:showSerName val="0"/>
+              <c:showPercent val="0"/>
+              <c:showBubbleSize val="0"/>
+              <c:extLst>
+                <c:ext xmlns:c15="http://schemas.microsoft.com/office/drawing/2012/chart" uri="{CE6537A1-D6FC-4f65-9D91-7224C49458BB}">
+                  <c15:layout/>
+                </c:ext>
+              </c:extLst>
+            </c:dLbl>
+            <c:dLbl>
+              <c:idx val="7"/>
+              <c:layout>
+                <c:manualLayout>
+                  <c:x val="-0.00268666504479538"/>
+                  <c:y val="-0.0439044511116109"/>
+                </c:manualLayout>
+              </c:layout>
+              <c:dLblPos val="ctr"/>
+              <c:showLegendKey val="0"/>
+              <c:showVal val="1"/>
+              <c:showCatName val="0"/>
+              <c:showSerName val="0"/>
+              <c:showPercent val="0"/>
+              <c:showBubbleSize val="0"/>
+              <c:extLst>
+                <c:ext xmlns:c15="http://schemas.microsoft.com/office/drawing/2012/chart" uri="{CE6537A1-D6FC-4f65-9D91-7224C49458BB}">
+                  <c15:layout/>
+                </c:ext>
+              </c:extLst>
+            </c:dLbl>
+            <c:spPr>
+              <a:noFill/>
+              <a:ln>
+                <a:noFill/>
+              </a:ln>
+              <a:effectLst/>
+            </c:spPr>
+            <c:txPr>
+              <a:bodyPr rot="0" spcFirstLastPara="1" vertOverflow="ellipsis" vert="horz" wrap="square" lIns="38100" tIns="19050" rIns="38100" bIns="19050" anchor="ctr" anchorCtr="1">
+                <a:spAutoFit/>
+              </a:bodyPr>
+              <a:lstStyle/>
+              <a:p>
+                <a:pPr>
+                  <a:defRPr sz="1600" b="0" i="0" u="none" strike="noStrike" kern="1200" baseline="0">
+                    <a:solidFill>
+                      <a:schemeClr val="tx1">
+                        <a:lumMod val="75000"/>
+                        <a:lumOff val="25000"/>
+                      </a:schemeClr>
+                    </a:solidFill>
+                    <a:latin typeface="+mn-lt"/>
+                    <a:ea typeface="+mn-ea"/>
+                    <a:cs typeface="+mn-cs"/>
+                  </a:defRPr>
+                </a:pPr>
+                <a:endParaRPr lang="en-US"/>
+              </a:p>
+            </c:txPr>
+            <c:dLblPos val="ctr"/>
+            <c:showLegendKey val="0"/>
+            <c:showVal val="1"/>
+            <c:showCatName val="0"/>
+            <c:showSerName val="0"/>
+            <c:showPercent val="0"/>
+            <c:showBubbleSize val="0"/>
+            <c:showLeaderLines val="0"/>
+            <c:extLst>
+              <c:ext xmlns:c15="http://schemas.microsoft.com/office/drawing/2012/chart" uri="{CE6537A1-D6FC-4f65-9D91-7224C49458BB}">
+                <c15:layout/>
+                <c15:showLeaderLines val="1"/>
+                <c15:leaderLines>
+                  <c:spPr>
+                    <a:ln w="9525" cap="flat" cmpd="sng" algn="ctr">
+                      <a:solidFill>
+                        <a:schemeClr val="tx1">
+                          <a:lumMod val="35000"/>
+                          <a:lumOff val="65000"/>
+                        </a:schemeClr>
+                      </a:solidFill>
+                      <a:round/>
+                    </a:ln>
+                    <a:effectLst/>
+                  </c:spPr>
+                </c15:leaderLines>
+              </c:ext>
+            </c:extLst>
+          </c:dLbls>
+          <c:cat>
+            <c:strRef>
+              <c:f>Sheet1!$A$2:$A$9</c:f>
+              <c:strCache>
+                <c:ptCount val="8"/>
+                <c:pt idx="0">
+                  <c:v>ENTSO-E</c:v>
+                </c:pt>
+                <c:pt idx="1">
+                  <c:v>ASF (CIGS) ENTSO-E mix incl. shading benefits</c:v>
+                </c:pt>
+                <c:pt idx="2">
+                  <c:v>Static ASF (CIGS) ENTSO-E mix incl. shading benefits </c:v>
+                </c:pt>
+                <c:pt idx="3">
+                  <c:v>ASF (CIGS) ENTSO-E mix excl. shading benefits</c:v>
+                </c:pt>
+                <c:pt idx="4">
+                  <c:v>Static ASF (CIGS) ENTSO-E mix excl. shading benefits </c:v>
+                </c:pt>
+                <c:pt idx="5">
+                  <c:v>Poly-Si</c:v>
+                </c:pt>
+                <c:pt idx="6">
+                  <c:v>CIS</c:v>
+                </c:pt>
+                <c:pt idx="7">
+                  <c:v>CdTe</c:v>
+                </c:pt>
+              </c:strCache>
+            </c:strRef>
+          </c:cat>
+          <c:val>
+            <c:numRef>
+              <c:f>Sheet1!$D$2:$D$9</c:f>
+              <c:numCache>
+                <c:formatCode>General</c:formatCode>
+                <c:ptCount val="8"/>
+                <c:pt idx="3">
+                  <c:v>227.1</c:v>
+                </c:pt>
+                <c:pt idx="4">
+                  <c:v>0.0</c:v>
+                </c:pt>
+                <c:pt idx="5" formatCode="0.0">
+                  <c:v>101.5</c:v>
+                </c:pt>
+                <c:pt idx="6" formatCode="0.0">
+                  <c:v>81.9</c:v>
+                </c:pt>
+                <c:pt idx="7" formatCode="0.0">
+                  <c:v>76.2</c:v>
+                </c:pt>
+              </c:numCache>
+            </c:numRef>
+          </c:val>
+        </c:ser>
+        <c:dLbls>
+          <c:showLegendKey val="0"/>
+          <c:showVal val="0"/>
+          <c:showCatName val="0"/>
+          <c:showSerName val="0"/>
+          <c:showPercent val="0"/>
+          <c:showBubbleSize val="0"/>
+        </c:dLbls>
+        <c:gapWidth val="219"/>
+        <c:overlap val="100"/>
+        <c:axId val="-2050594896"/>
+        <c:axId val="-2050864688"/>
+      </c:barChart>
+      <c:catAx>
+        <c:axId val="-2050594896"/>
+        <c:scaling>
+          <c:orientation val="minMax"/>
+        </c:scaling>
+        <c:delete val="1"/>
+        <c:axPos val="b"/>
+        <c:numFmt formatCode="General" sourceLinked="1"/>
+        <c:majorTickMark val="none"/>
+        <c:minorTickMark val="none"/>
+        <c:tickLblPos val="nextTo"/>
+        <c:crossAx val="-2050864688"/>
+        <c:crosses val="autoZero"/>
+        <c:auto val="1"/>
+        <c:lblAlgn val="ctr"/>
+        <c:lblOffset val="100"/>
+        <c:noMultiLvlLbl val="0"/>
+      </c:catAx>
+      <c:valAx>
+        <c:axId val="-2050864688"/>
+        <c:scaling>
+          <c:orientation val="minMax"/>
+        </c:scaling>
+        <c:delete val="0"/>
+        <c:axPos val="l"/>
+        <c:majorGridlines>
+          <c:spPr>
+            <a:ln w="9525" cap="flat" cmpd="sng" algn="ctr">
+              <a:solidFill>
+                <a:schemeClr val="tx1">
+                  <a:lumMod val="15000"/>
+                  <a:lumOff val="85000"/>
+                </a:schemeClr>
+              </a:solidFill>
+              <a:round/>
+            </a:ln>
+            <a:effectLst/>
+          </c:spPr>
+        </c:majorGridlines>
+        <c:title>
+          <c:tx>
+            <c:rich>
+              <a:bodyPr rot="-5400000" spcFirstLastPara="1" vertOverflow="ellipsis" vert="horz" wrap="square" anchor="ctr" anchorCtr="1"/>
+              <a:lstStyle/>
+              <a:p>
+                <a:pPr>
+                  <a:defRPr sz="2800" b="0" i="0" u="none" strike="noStrike" kern="1200" baseline="0">
+                    <a:solidFill>
+                      <a:schemeClr val="tx1">
+                        <a:lumMod val="65000"/>
+                        <a:lumOff val="35000"/>
+                      </a:schemeClr>
+                    </a:solidFill>
+                    <a:latin typeface="+mn-lt"/>
+                    <a:ea typeface="+mn-ea"/>
+                    <a:cs typeface="+mn-cs"/>
+                  </a:defRPr>
+                </a:pPr>
+                <a:r>
+                  <a:rPr lang="en-US" sz="2800" b="0" i="0" baseline="0" dirty="0" smtClean="0">
+                    <a:effectLst/>
+                  </a:rPr>
+                  <a:t>GWP (g CO</a:t>
+                </a:r>
+                <a:r>
+                  <a:rPr lang="en-US" sz="2800" b="0" i="0" baseline="-25000" dirty="0" smtClean="0">
+                    <a:effectLst/>
+                  </a:rPr>
+                  <a:t>2eq</a:t>
+                </a:r>
+                <a:r>
+                  <a:rPr lang="en-US" sz="2800" b="0" i="0" baseline="0" dirty="0" smtClean="0">
+                    <a:effectLst/>
+                  </a:rPr>
+                  <a:t>/</a:t>
+                </a:r>
+                <a:r>
+                  <a:rPr lang="en-US" sz="2800" b="0" i="0" baseline="0" dirty="0" err="1" smtClean="0">
+                    <a:effectLst/>
+                  </a:rPr>
+                  <a:t>kWh</a:t>
+                </a:r>
+                <a:r>
+                  <a:rPr lang="en-US" sz="2800" b="0" i="0" baseline="-25000" dirty="0" err="1" smtClean="0">
+                    <a:effectLst/>
+                  </a:rPr>
+                  <a:t>pv</a:t>
+                </a:r>
+                <a:r>
+                  <a:rPr lang="en-US" sz="2800" b="0" i="0" baseline="0" dirty="0" smtClean="0">
+                    <a:effectLst/>
+                  </a:rPr>
+                  <a:t>)</a:t>
+                </a:r>
+                <a:endParaRPr lang="en-US" sz="2800" dirty="0">
+                  <a:effectLst/>
+                </a:endParaRPr>
+              </a:p>
+            </c:rich>
+          </c:tx>
+          <c:layout>
+            <c:manualLayout>
+              <c:xMode val="edge"/>
+              <c:yMode val="edge"/>
+              <c:x val="0.0"/>
+              <c:y val="0.137813912025085"/>
+            </c:manualLayout>
+          </c:layout>
+          <c:overlay val="0"/>
+          <c:spPr>
+            <a:noFill/>
+            <a:ln>
+              <a:noFill/>
+            </a:ln>
+            <a:effectLst/>
+          </c:spPr>
+        </c:title>
+        <c:numFmt formatCode="0.0" sourceLinked="1"/>
+        <c:majorTickMark val="none"/>
+        <c:minorTickMark val="none"/>
+        <c:tickLblPos val="nextTo"/>
+        <c:spPr>
+          <a:noFill/>
+          <a:ln>
+            <a:noFill/>
+          </a:ln>
+          <a:effectLst/>
+        </c:spPr>
+        <c:txPr>
+          <a:bodyPr rot="-60000000" spcFirstLastPara="1" vertOverflow="ellipsis" vert="horz" wrap="square" anchor="ctr" anchorCtr="1"/>
+          <a:lstStyle/>
+          <a:p>
+            <a:pPr>
+              <a:defRPr sz="1800" b="0" i="0" u="none" strike="noStrike" kern="1200" baseline="0">
+                <a:solidFill>
+                  <a:schemeClr val="tx1">
+                    <a:lumMod val="65000"/>
+                    <a:lumOff val="35000"/>
+                  </a:schemeClr>
+                </a:solidFill>
+                <a:latin typeface="+mn-lt"/>
+                <a:ea typeface="+mn-ea"/>
+                <a:cs typeface="+mn-cs"/>
+              </a:defRPr>
+            </a:pPr>
+            <a:endParaRPr lang="en-US"/>
+          </a:p>
+        </c:txPr>
+        <c:crossAx val="-2050594896"/>
+        <c:crosses val="autoZero"/>
+        <c:crossBetween val="between"/>
+      </c:valAx>
+      <c:spPr>
+        <a:noFill/>
+        <a:ln>
+          <a:solidFill>
+            <a:schemeClr val="accent3"/>
+          </a:solidFill>
+        </a:ln>
+        <a:effectLst/>
+      </c:spPr>
+    </c:plotArea>
+    <c:legend>
+      <c:legendPos val="b"/>
+      <c:layout>
+        <c:manualLayout>
+          <c:xMode val="edge"/>
+          <c:yMode val="edge"/>
+          <c:x val="0.150854867200474"/>
+          <c:y val="0.941149356666363"/>
+          <c:w val="0.75202356649496"/>
+          <c:h val="0.0586117321622506"/>
+        </c:manualLayout>
+      </c:layout>
+      <c:overlay val="0"/>
+      <c:spPr>
+        <a:noFill/>
+        <a:ln>
+          <a:noFill/>
+        </a:ln>
+        <a:effectLst/>
+      </c:spPr>
+      <c:txPr>
+        <a:bodyPr rot="0" spcFirstLastPara="1" vertOverflow="ellipsis" vert="horz" wrap="square" anchor="ctr" anchorCtr="1"/>
+        <a:lstStyle/>
+        <a:p>
+          <a:pPr>
+            <a:defRPr sz="2000" b="0" i="0" u="none" strike="noStrike" kern="1200" baseline="0">
+              <a:solidFill>
+                <a:schemeClr val="tx1">
+                  <a:lumMod val="65000"/>
+                  <a:lumOff val="35000"/>
+                </a:schemeClr>
+              </a:solidFill>
+              <a:latin typeface="+mn-lt"/>
+              <a:ea typeface="+mn-ea"/>
+              <a:cs typeface="+mn-cs"/>
+            </a:defRPr>
+          </a:pPr>
+          <a:endParaRPr lang="en-US"/>
+        </a:p>
+      </c:txPr>
+    </c:legend>
+    <c:plotVisOnly val="1"/>
+    <c:dispBlanksAs val="gap"/>
+    <c:showDLblsOverMax val="0"/>
+  </c:chart>
+  <c:spPr>
+    <a:noFill/>
+    <a:ln>
+      <a:noFill/>
+    </a:ln>
+    <a:effectLst/>
+  </c:spPr>
+  <c:txPr>
+    <a:bodyPr/>
+    <a:lstStyle/>
+    <a:p>
+      <a:pPr>
+        <a:defRPr/>
+      </a:pPr>
+      <a:endParaRPr lang="en-US"/>
+    </a:p>
+  </c:txPr>
+  <c:externalData r:id="rId1">
+    <c:autoUpdate val="0"/>
+  </c:externalData>
+</c:chartSpace>
+</file>
+
+<file path=ppt/charts/chart22.xml><?xml version="1.0" encoding="utf-8"?>
 <c:chartSpace xmlns:c="http://schemas.openxmlformats.org/drawingml/2006/chart" xmlns:a="http://schemas.openxmlformats.org/drawingml/2006/main" xmlns:r="http://schemas.openxmlformats.org/officeDocument/2006/relationships">
   <c:date1904 val="0"/>
   <c:lang val="en-US"/>
@@ -7815,11 +8616,11 @@
         </c:dLbls>
         <c:gapWidth val="219"/>
         <c:overlap val="100"/>
-        <c:axId val="-2101373648"/>
-        <c:axId val="-2101368576"/>
+        <c:axId val="-2046428320"/>
+        <c:axId val="-2046146864"/>
       </c:barChart>
       <c:catAx>
-        <c:axId val="-2101373648"/>
+        <c:axId val="-2046428320"/>
         <c:scaling>
           <c:orientation val="minMax"/>
         </c:scaling>
@@ -7862,7 +8663,7 @@
             <a:endParaRPr lang="en-US"/>
           </a:p>
         </c:txPr>
-        <c:crossAx val="-2101368576"/>
+        <c:crossAx val="-2046146864"/>
         <c:crosses val="autoZero"/>
         <c:auto val="1"/>
         <c:lblAlgn val="ctr"/>
@@ -7870,7 +8671,7 @@
         <c:noMultiLvlLbl val="0"/>
       </c:catAx>
       <c:valAx>
-        <c:axId val="-2101368576"/>
+        <c:axId val="-2046146864"/>
         <c:scaling>
           <c:orientation val="minMax"/>
         </c:scaling>
@@ -7921,7 +8722,6 @@
               </a:p>
             </c:rich>
           </c:tx>
-          <c:layout/>
           <c:overlay val="0"/>
           <c:spPr>
             <a:noFill/>
@@ -7962,7 +8762,7 @@
             <a:endParaRPr lang="en-US"/>
           </a:p>
         </c:txPr>
-        <c:crossAx val="-2101373648"/>
+        <c:crossAx val="-2046428320"/>
         <c:crosses val="autoZero"/>
         <c:crossBetween val="between"/>
       </c:valAx>
@@ -7978,7 +8778,6 @@
     </c:plotArea>
     <c:legend>
       <c:legendPos val="b"/>
-      <c:layout/>
       <c:overlay val="0"/>
       <c:spPr>
         <a:noFill/>
@@ -8035,7 +8834,7 @@
 </c:chartSpace>
 </file>
 
-<file path=ppt/charts/chart22.xml><?xml version="1.0" encoding="utf-8"?>
+<file path=ppt/charts/chart23.xml><?xml version="1.0" encoding="utf-8"?>
 <c:chartSpace xmlns:c="http://schemas.openxmlformats.org/drawingml/2006/chart" xmlns:a="http://schemas.openxmlformats.org/drawingml/2006/main" xmlns:r="http://schemas.openxmlformats.org/officeDocument/2006/relationships">
   <c:date1904 val="0"/>
   <c:lang val="en-US"/>
@@ -8202,11 +9001,11 @@
         </c:dLbls>
         <c:gapWidth val="219"/>
         <c:overlap val="100"/>
-        <c:axId val="-2125408704"/>
-        <c:axId val="-2125141920"/>
+        <c:axId val="-2049344912"/>
+        <c:axId val="-2080874144"/>
       </c:barChart>
       <c:catAx>
-        <c:axId val="-2125408704"/>
+        <c:axId val="-2049344912"/>
         <c:scaling>
           <c:orientation val="minMax"/>
         </c:scaling>
@@ -8216,7 +9015,7 @@
         <c:majorTickMark val="none"/>
         <c:minorTickMark val="none"/>
         <c:tickLblPos val="nextTo"/>
-        <c:crossAx val="-2125141920"/>
+        <c:crossAx val="-2080874144"/>
         <c:crosses val="autoZero"/>
         <c:auto val="1"/>
         <c:lblAlgn val="ctr"/>
@@ -8224,7 +9023,7 @@
         <c:noMultiLvlLbl val="0"/>
       </c:catAx>
       <c:valAx>
-        <c:axId val="-2125141920"/>
+        <c:axId val="-2080874144"/>
         <c:scaling>
           <c:orientation val="minMax"/>
         </c:scaling>
@@ -8305,7 +9104,6 @@
               </a:p>
             </c:rich>
           </c:tx>
-          <c:layout/>
           <c:overlay val="0"/>
           <c:spPr>
             <a:noFill/>
@@ -8366,7 +9164,7 @@
             <a:endParaRPr lang="en-US"/>
           </a:p>
         </c:txPr>
-        <c:crossAx val="-2125408704"/>
+        <c:crossAx val="-2049344912"/>
         <c:crosses val="autoZero"/>
         <c:crossBetween val="between"/>
         <c:majorUnit val="100.0"/>
@@ -8493,7 +9291,6 @@
             <c:showLeaderLines val="0"/>
             <c:extLst>
               <c:ext xmlns:c15="http://schemas.microsoft.com/office/drawing/2012/chart" uri="{CE6537A1-D6FC-4f65-9D91-7224C49458BB}">
-                <c15:layout/>
                 <c15:showLeaderLines val="1"/>
                 <c15:leaderLines>
                   <c:spPr>
@@ -8623,7 +9420,6 @@
             <c:showLeaderLines val="0"/>
             <c:extLst>
               <c:ext xmlns:c15="http://schemas.microsoft.com/office/drawing/2012/chart" uri="{CE6537A1-D6FC-4f65-9D91-7224C49458BB}">
-                <c15:layout/>
                 <c15:showLeaderLines val="1"/>
                 <c15:leaderLines>
                   <c:spPr>
@@ -8694,11 +9490,11 @@
         </c:dLbls>
         <c:gapWidth val="219"/>
         <c:overlap val="-27"/>
-        <c:axId val="2141083840"/>
-        <c:axId val="2141087248"/>
+        <c:axId val="-2049441008"/>
+        <c:axId val="-2049130112"/>
       </c:barChart>
       <c:catAx>
-        <c:axId val="2141083840"/>
+        <c:axId val="-2049441008"/>
         <c:scaling>
           <c:orientation val="minMax"/>
         </c:scaling>
@@ -8738,7 +9534,7 @@
             <a:endParaRPr lang="en-US"/>
           </a:p>
         </c:txPr>
-        <c:crossAx val="2141087248"/>
+        <c:crossAx val="-2049130112"/>
         <c:crosses val="autoZero"/>
         <c:auto val="1"/>
         <c:lblAlgn val="ctr"/>
@@ -8746,7 +9542,7 @@
         <c:noMultiLvlLbl val="0"/>
       </c:catAx>
       <c:valAx>
-        <c:axId val="2141087248"/>
+        <c:axId val="-2049130112"/>
         <c:scaling>
           <c:orientation val="minMax"/>
         </c:scaling>
@@ -8817,7 +9613,6 @@
               </a:p>
             </c:rich>
           </c:tx>
-          <c:layout/>
           <c:overlay val="0"/>
           <c:spPr>
             <a:noFill/>
@@ -8880,7 +9675,7 @@
             <a:endParaRPr lang="en-US"/>
           </a:p>
         </c:txPr>
-        <c:crossAx val="2141083840"/>
+        <c:crossAx val="-2049441008"/>
         <c:crosses val="autoZero"/>
         <c:crossBetween val="between"/>
       </c:valAx>
@@ -8896,7 +9691,6 @@
     </c:plotArea>
     <c:legend>
       <c:legendPos val="b"/>
-      <c:layout/>
       <c:overlay val="0"/>
       <c:spPr>
         <a:noFill/>
@@ -9038,7 +9832,6 @@
             <c:showLeaderLines val="0"/>
             <c:extLst>
               <c:ext xmlns:c15="http://schemas.microsoft.com/office/drawing/2012/chart" uri="{CE6537A1-D6FC-4f65-9D91-7224C49458BB}">
-                <c15:layout/>
                 <c15:showLeaderLines val="1"/>
                 <c15:leaderLines>
                   <c:spPr>
@@ -9168,7 +9961,6 @@
             <c:showLeaderLines val="0"/>
             <c:extLst>
               <c:ext xmlns:c15="http://schemas.microsoft.com/office/drawing/2012/chart" uri="{CE6537A1-D6FC-4f65-9D91-7224C49458BB}">
-                <c15:layout/>
                 <c15:showLeaderLines val="1"/>
                 <c15:leaderLines>
                   <c:spPr>
@@ -9293,7 +10085,6 @@
             <c:showLeaderLines val="0"/>
             <c:extLst>
               <c:ext xmlns:c15="http://schemas.microsoft.com/office/drawing/2012/chart" uri="{CE6537A1-D6FC-4f65-9D91-7224C49458BB}">
-                <c15:layout/>
                 <c15:showLeaderLines val="1"/>
                 <c15:leaderLines>
                   <c:spPr>
@@ -9418,7 +10209,6 @@
             <c:showLeaderLines val="0"/>
             <c:extLst>
               <c:ext xmlns:c15="http://schemas.microsoft.com/office/drawing/2012/chart" uri="{CE6537A1-D6FC-4f65-9D91-7224C49458BB}">
-                <c15:layout/>
                 <c15:showLeaderLines val="1"/>
                 <c15:leaderLines>
                   <c:spPr>
@@ -9489,11 +10279,11 @@
         </c:dLbls>
         <c:gapWidth val="219"/>
         <c:overlap val="-27"/>
-        <c:axId val="2141164432"/>
-        <c:axId val="2141167776"/>
+        <c:axId val="-2050384256"/>
+        <c:axId val="-2050080208"/>
       </c:barChart>
       <c:catAx>
-        <c:axId val="2141164432"/>
+        <c:axId val="-2050384256"/>
         <c:scaling>
           <c:orientation val="minMax"/>
         </c:scaling>
@@ -9533,7 +10323,7 @@
             <a:endParaRPr lang="en-US"/>
           </a:p>
         </c:txPr>
-        <c:crossAx val="2141167776"/>
+        <c:crossAx val="-2050080208"/>
         <c:crosses val="autoZero"/>
         <c:auto val="1"/>
         <c:lblAlgn val="ctr"/>
@@ -9541,7 +10331,7 @@
         <c:noMultiLvlLbl val="0"/>
       </c:catAx>
       <c:valAx>
-        <c:axId val="2141167776"/>
+        <c:axId val="-2050080208"/>
         <c:scaling>
           <c:orientation val="minMax"/>
         </c:scaling>
@@ -9617,7 +10407,6 @@
               </a:p>
             </c:rich>
           </c:tx>
-          <c:layout/>
           <c:overlay val="0"/>
           <c:spPr>
             <a:noFill/>
@@ -9680,7 +10469,7 @@
             <a:endParaRPr lang="en-US"/>
           </a:p>
         </c:txPr>
-        <c:crossAx val="2141164432"/>
+        <c:crossAx val="-2050384256"/>
         <c:crosses val="autoZero"/>
         <c:crossBetween val="between"/>
       </c:valAx>
@@ -9696,7 +10485,6 @@
     </c:plotArea>
     <c:legend>
       <c:legendPos val="b"/>
-      <c:layout/>
       <c:overlay val="0"/>
       <c:spPr>
         <a:noFill/>
@@ -10072,11 +10860,11 @@
         </c:dLbls>
         <c:gapWidth val="219"/>
         <c:overlap val="-27"/>
-        <c:axId val="2146041024"/>
-        <c:axId val="2146044448"/>
+        <c:axId val="-2144315232"/>
+        <c:axId val="-2050366448"/>
       </c:barChart>
       <c:catAx>
-        <c:axId val="2146041024"/>
+        <c:axId val="-2144315232"/>
         <c:scaling>
           <c:orientation val="minMax"/>
         </c:scaling>
@@ -10116,7 +10904,7 @@
             <a:endParaRPr lang="en-US"/>
           </a:p>
         </c:txPr>
-        <c:crossAx val="2146044448"/>
+        <c:crossAx val="-2050366448"/>
         <c:crosses val="autoZero"/>
         <c:auto val="1"/>
         <c:lblAlgn val="ctr"/>
@@ -10124,7 +10912,7 @@
         <c:noMultiLvlLbl val="0"/>
       </c:catAx>
       <c:valAx>
-        <c:axId val="2146044448"/>
+        <c:axId val="-2050366448"/>
         <c:scaling>
           <c:orientation val="minMax"/>
         </c:scaling>
@@ -10192,7 +10980,6 @@
               </a:p>
             </c:rich>
           </c:tx>
-          <c:layout/>
           <c:overlay val="0"/>
           <c:spPr>
             <a:noFill/>
@@ -10255,7 +11042,7 @@
             <a:endParaRPr lang="en-US"/>
           </a:p>
         </c:txPr>
-        <c:crossAx val="2146041024"/>
+        <c:crossAx val="-2144315232"/>
         <c:crosses val="autoZero"/>
         <c:crossBetween val="between"/>
       </c:valAx>
@@ -10271,7 +11058,6 @@
     </c:plotArea>
     <c:legend>
       <c:legendPos val="b"/>
-      <c:layout/>
       <c:overlay val="0"/>
       <c:spPr>
         <a:noFill/>
@@ -10425,11 +11211,11 @@
         </c:dLbls>
         <c:gapWidth val="219"/>
         <c:overlap val="-27"/>
-        <c:axId val="2146057952"/>
-        <c:axId val="2145948432"/>
+        <c:axId val="-2046514160"/>
+        <c:axId val="-2046510800"/>
       </c:barChart>
       <c:catAx>
-        <c:axId val="2146057952"/>
+        <c:axId val="-2046514160"/>
         <c:scaling>
           <c:orientation val="minMax"/>
         </c:scaling>
@@ -10469,7 +11255,7 @@
             <a:endParaRPr lang="en-US"/>
           </a:p>
         </c:txPr>
-        <c:crossAx val="2145948432"/>
+        <c:crossAx val="-2046510800"/>
         <c:crosses val="autoZero"/>
         <c:auto val="1"/>
         <c:lblAlgn val="ctr"/>
@@ -10477,7 +11263,7 @@
         <c:noMultiLvlLbl val="0"/>
       </c:catAx>
       <c:valAx>
-        <c:axId val="2145948432"/>
+        <c:axId val="-2046510800"/>
         <c:scaling>
           <c:orientation val="minMax"/>
         </c:scaling>
@@ -10545,7 +11331,6 @@
               </a:p>
             </c:rich>
           </c:tx>
-          <c:layout/>
           <c:overlay val="0"/>
           <c:spPr>
             <a:noFill/>
@@ -10608,7 +11393,7 @@
             <a:endParaRPr lang="en-US"/>
           </a:p>
         </c:txPr>
-        <c:crossAx val="2146057952"/>
+        <c:crossAx val="-2046514160"/>
         <c:crosses val="autoZero"/>
         <c:crossBetween val="between"/>
       </c:valAx>
@@ -10918,11 +11703,11 @@
         </c:dLbls>
         <c:gapWidth val="219"/>
         <c:overlap val="100"/>
-        <c:axId val="2146016784"/>
-        <c:axId val="2146020144"/>
+        <c:axId val="-2080799936"/>
+        <c:axId val="-2080796576"/>
       </c:barChart>
       <c:catAx>
-        <c:axId val="2146016784"/>
+        <c:axId val="-2080799936"/>
         <c:scaling>
           <c:orientation val="minMax"/>
         </c:scaling>
@@ -10965,7 +11750,7 @@
             <a:endParaRPr lang="en-US"/>
           </a:p>
         </c:txPr>
-        <c:crossAx val="2146020144"/>
+        <c:crossAx val="-2080796576"/>
         <c:crosses val="autoZero"/>
         <c:auto val="1"/>
         <c:lblAlgn val="ctr"/>
@@ -10973,7 +11758,7 @@
         <c:noMultiLvlLbl val="0"/>
       </c:catAx>
       <c:valAx>
-        <c:axId val="2146020144"/>
+        <c:axId val="-2080796576"/>
         <c:scaling>
           <c:orientation val="minMax"/>
         </c:scaling>
@@ -11024,7 +11809,6 @@
               </a:p>
             </c:rich>
           </c:tx>
-          <c:layout/>
           <c:overlay val="0"/>
           <c:spPr>
             <a:noFill/>
@@ -11085,7 +11869,7 @@
             <a:endParaRPr lang="en-US"/>
           </a:p>
         </c:txPr>
-        <c:crossAx val="2146016784"/>
+        <c:crossAx val="-2080799936"/>
         <c:crosses val="autoZero"/>
         <c:crossBetween val="between"/>
       </c:valAx>
@@ -11376,9 +12160,7 @@
               </c:spPr>
             </c:leaderLines>
             <c:extLst>
-              <c:ext xmlns:c15="http://schemas.microsoft.com/office/drawing/2012/chart" uri="{CE6537A1-D6FC-4f65-9D91-7224C49458BB}">
-                <c15:layout/>
-              </c:ext>
+              <c:ext xmlns:c15="http://schemas.microsoft.com/office/drawing/2012/chart" uri="{CE6537A1-D6FC-4f65-9D91-7224C49458BB}"/>
             </c:extLst>
           </c:dLbls>
           <c:cat>
@@ -11682,9 +12464,7 @@
               </c:spPr>
             </c:leaderLines>
             <c:extLst>
-              <c:ext xmlns:c15="http://schemas.microsoft.com/office/drawing/2012/chart" uri="{CE6537A1-D6FC-4f65-9D91-7224C49458BB}">
-                <c15:layout/>
-              </c:ext>
+              <c:ext xmlns:c15="http://schemas.microsoft.com/office/drawing/2012/chart" uri="{CE6537A1-D6FC-4f65-9D91-7224C49458BB}"/>
             </c:extLst>
           </c:dLbls>
           <c:cat>
@@ -22585,7 +23365,7 @@
     </p:spTree>
     <p:extLst>
       <p:ext uri="{BB962C8B-B14F-4D97-AF65-F5344CB8AC3E}">
-        <p14:creationId xmlns:p14="http://schemas.microsoft.com/office/powerpoint/2010/main" val="546872044"/>
+        <p14:creationId xmlns:p14="http://schemas.microsoft.com/office/powerpoint/2010/main" val="1553132159"/>
       </p:ext>
     </p:extLst>
   </p:cSld>
@@ -22735,9 +23515,12 @@
           <a:p>
             <a:r>
               <a:rPr lang="en-US" dirty="0" smtClean="0"/>
-              <a:t>Sensitivity</a:t>
+              <a:t>GWP in g-CO2eq/kWh</a:t>
             </a:r>
-            <a:endParaRPr lang="en-US" baseline="0" dirty="0" smtClean="0"/>
+            <a:r>
+              <a:rPr lang="en-US" baseline="0" dirty="0" smtClean="0"/>
+              <a:t> solar production</a:t>
+            </a:r>
           </a:p>
         </p:txBody>
       </p:sp>
@@ -22767,6 +23550,99 @@
     </p:spTree>
     <p:extLst>
       <p:ext uri="{BB962C8B-B14F-4D97-AF65-F5344CB8AC3E}">
+        <p14:creationId xmlns:p14="http://schemas.microsoft.com/office/powerpoint/2010/main" val="546872044"/>
+      </p:ext>
+    </p:extLst>
+  </p:cSld>
+  <p:clrMapOvr>
+    <a:masterClrMapping/>
+  </p:clrMapOvr>
+</p:notes>
+</file>
+
+<file path=ppt/notesSlides/notesSlide21.xml><?xml version="1.0" encoding="utf-8"?>
+<p:notes xmlns:a="http://schemas.openxmlformats.org/drawingml/2006/main" xmlns:r="http://schemas.openxmlformats.org/officeDocument/2006/relationships" xmlns:p="http://schemas.openxmlformats.org/presentationml/2006/main">
+  <p:cSld>
+    <p:spTree>
+      <p:nvGrpSpPr>
+        <p:cNvPr id="1" name=""/>
+        <p:cNvGrpSpPr/>
+        <p:nvPr/>
+      </p:nvGrpSpPr>
+      <p:grpSpPr>
+        <a:xfrm>
+          <a:off x="0" y="0"/>
+          <a:ext cx="0" cy="0"/>
+          <a:chOff x="0" y="0"/>
+          <a:chExt cx="0" cy="0"/>
+        </a:xfrm>
+      </p:grpSpPr>
+      <p:sp>
+        <p:nvSpPr>
+          <p:cNvPr id="2" name="Slide Image Placeholder 1"/>
+          <p:cNvSpPr>
+            <a:spLocks noGrp="1" noRot="1" noChangeAspect="1"/>
+          </p:cNvSpPr>
+          <p:nvPr>
+            <p:ph type="sldImg"/>
+          </p:nvPr>
+        </p:nvSpPr>
+        <p:spPr>
+          <a:xfrm>
+            <a:off x="1200150" y="1143000"/>
+            <a:ext cx="4457700" cy="3086100"/>
+          </a:xfrm>
+        </p:spPr>
+      </p:sp>
+      <p:sp>
+        <p:nvSpPr>
+          <p:cNvPr id="3" name="Notes Placeholder 2"/>
+          <p:cNvSpPr>
+            <a:spLocks noGrp="1"/>
+          </p:cNvSpPr>
+          <p:nvPr>
+            <p:ph type="body" idx="1"/>
+          </p:nvPr>
+        </p:nvSpPr>
+        <p:spPr/>
+        <p:txBody>
+          <a:bodyPr/>
+          <a:lstStyle/>
+          <a:p>
+            <a:r>
+              <a:rPr lang="en-US" dirty="0" smtClean="0"/>
+              <a:t>Sensitivity</a:t>
+            </a:r>
+            <a:endParaRPr lang="en-US" baseline="0" dirty="0" smtClean="0"/>
+          </a:p>
+        </p:txBody>
+      </p:sp>
+      <p:sp>
+        <p:nvSpPr>
+          <p:cNvPr id="4" name="Slide Number Placeholder 3"/>
+          <p:cNvSpPr>
+            <a:spLocks noGrp="1"/>
+          </p:cNvSpPr>
+          <p:nvPr>
+            <p:ph type="sldNum" sz="quarter" idx="10"/>
+          </p:nvPr>
+        </p:nvSpPr>
+        <p:spPr/>
+        <p:txBody>
+          <a:bodyPr/>
+          <a:lstStyle/>
+          <a:p>
+            <a:fld id="{CBB4D0D9-A80C-8E44-A98C-B80FACCCE6B7}" type="slidenum">
+              <a:rPr lang="en-US" smtClean="0"/>
+              <a:t>21</a:t>
+            </a:fld>
+            <a:endParaRPr lang="en-US"/>
+          </a:p>
+        </p:txBody>
+      </p:sp>
+    </p:spTree>
+    <p:extLst>
+      <p:ext uri="{BB962C8B-B14F-4D97-AF65-F5344CB8AC3E}">
         <p14:creationId xmlns:p14="http://schemas.microsoft.com/office/powerpoint/2010/main" val="1001962961"/>
       </p:ext>
     </p:extLst>
@@ -22777,7 +23653,7 @@
 </p:notes>
 </file>
 
-<file path=ppt/notesSlides/notesSlide21.xml><?xml version="1.0" encoding="utf-8"?>
+<file path=ppt/notesSlides/notesSlide22.xml><?xml version="1.0" encoding="utf-8"?>
 <p:notes xmlns:a="http://schemas.openxmlformats.org/drawingml/2006/main" xmlns:r="http://schemas.openxmlformats.org/officeDocument/2006/relationships" xmlns:p="http://schemas.openxmlformats.org/presentationml/2006/main">
   <p:cSld>
     <p:spTree>
@@ -22847,7 +23723,7 @@
           <a:p>
             <a:fld id="{CBB4D0D9-A80C-8E44-A98C-B80FACCCE6B7}" type="slidenum">
               <a:rPr lang="en-US" smtClean="0"/>
-              <a:t>21</a:t>
+              <a:t>22</a:t>
             </a:fld>
             <a:endParaRPr lang="en-US"/>
           </a:p>
@@ -28496,27 +29372,7 @@
                   </a:schemeClr>
                 </a:solidFill>
               </a:rPr>
-              <a:t>ASF (CIGS) </a:t>
-            </a:r>
-            <a:r>
-              <a:rPr lang="en-US" sz="1600" dirty="0" smtClean="0">
-                <a:solidFill>
-                  <a:schemeClr val="bg2">
-                    <a:lumMod val="25000"/>
-                  </a:schemeClr>
-                </a:solidFill>
-              </a:rPr>
-              <a:t>CH </a:t>
-            </a:r>
-            <a:r>
-              <a:rPr lang="en-US" sz="1600" dirty="0" smtClean="0">
-                <a:solidFill>
-                  <a:schemeClr val="bg2">
-                    <a:lumMod val="25000"/>
-                  </a:schemeClr>
-                </a:solidFill>
-              </a:rPr>
-              <a:t>mix incl. shading benefits</a:t>
+              <a:t>ASF (CIGS) CH mix incl. shading benefits</a:t>
             </a:r>
           </a:p>
         </p:txBody>
@@ -28554,13 +29410,6 @@
               </a:rPr>
               <a:t>CH</a:t>
             </a:r>
-            <a:endParaRPr lang="en-US" sz="1600" dirty="0" smtClean="0">
-              <a:solidFill>
-                <a:schemeClr val="bg2">
-                  <a:lumMod val="25000"/>
-                </a:schemeClr>
-              </a:solidFill>
-            </a:endParaRPr>
           </a:p>
         </p:txBody>
       </p:sp>
@@ -28608,14 +29457,14 @@
           <p:nvPr>
             <p:extLst>
               <p:ext uri="{D42A27DB-BD31-4B8C-83A1-F6EECF244321}">
-                <p14:modId xmlns:p14="http://schemas.microsoft.com/office/powerpoint/2010/main" val="3348548957"/>
+                <p14:modId xmlns:p14="http://schemas.microsoft.com/office/powerpoint/2010/main" val="1232312632"/>
               </p:ext>
             </p:extLst>
           </p:nvPr>
         </p:nvGraphicFramePr>
         <p:xfrm>
-          <a:off x="560439" y="1327355"/>
-          <a:ext cx="8775289" cy="4955457"/>
+          <a:off x="222637" y="340242"/>
+          <a:ext cx="9454100" cy="5891225"/>
         </p:xfrm>
         <a:graphic>
           <a:graphicData uri="http://schemas.openxmlformats.org/drawingml/2006/chart">
@@ -28623,10 +29472,483 @@
           </a:graphicData>
         </a:graphic>
       </p:graphicFrame>
+      <p:sp>
+        <p:nvSpPr>
+          <p:cNvPr id="3" name="TextBox 2"/>
+          <p:cNvSpPr txBox="1"/>
+          <p:nvPr/>
+        </p:nvSpPr>
+        <p:spPr>
+          <a:xfrm>
+            <a:off x="9746166" y="2709746"/>
+            <a:ext cx="184731" cy="369332"/>
+          </a:xfrm>
+          <a:prstGeom prst="rect">
+            <a:avLst/>
+          </a:prstGeom>
+          <a:noFill/>
+        </p:spPr>
+        <p:txBody>
+          <a:bodyPr wrap="none" rtlCol="0">
+            <a:spAutoFit/>
+          </a:bodyPr>
+          <a:lstStyle/>
+          <a:p>
+            <a:endParaRPr lang="en-US" dirty="0"/>
+          </a:p>
+        </p:txBody>
+      </p:sp>
+      <p:sp>
+        <p:nvSpPr>
+          <p:cNvPr id="4" name="TextBox 3"/>
+          <p:cNvSpPr txBox="1"/>
+          <p:nvPr/>
+        </p:nvSpPr>
+        <p:spPr>
+          <a:xfrm>
+            <a:off x="1429633" y="4341886"/>
+            <a:ext cx="1152000" cy="338554"/>
+          </a:xfrm>
+          <a:prstGeom prst="rect">
+            <a:avLst/>
+          </a:prstGeom>
+          <a:noFill/>
+        </p:spPr>
+        <p:txBody>
+          <a:bodyPr wrap="square" rtlCol="0">
+            <a:spAutoFit/>
+          </a:bodyPr>
+          <a:lstStyle/>
+          <a:p>
+            <a:pPr algn="ctr"/>
+            <a:r>
+              <a:rPr lang="en-US" sz="1600" dirty="0" smtClean="0">
+                <a:solidFill>
+                  <a:schemeClr val="bg2">
+                    <a:lumMod val="25000"/>
+                  </a:schemeClr>
+                </a:solidFill>
+              </a:rPr>
+              <a:t>ENTSO-E</a:t>
+            </a:r>
+          </a:p>
+        </p:txBody>
+      </p:sp>
+      <p:sp>
+        <p:nvSpPr>
+          <p:cNvPr id="6" name="TextBox 5"/>
+          <p:cNvSpPr txBox="1"/>
+          <p:nvPr/>
+        </p:nvSpPr>
+        <p:spPr>
+          <a:xfrm>
+            <a:off x="2424391" y="4341886"/>
+            <a:ext cx="1152000" cy="830997"/>
+          </a:xfrm>
+          <a:prstGeom prst="rect">
+            <a:avLst/>
+          </a:prstGeom>
+          <a:noFill/>
+        </p:spPr>
+        <p:txBody>
+          <a:bodyPr wrap="square" rtlCol="0">
+            <a:spAutoFit/>
+          </a:bodyPr>
+          <a:lstStyle/>
+          <a:p>
+            <a:pPr algn="ctr"/>
+            <a:r>
+              <a:rPr lang="en-US" sz="1600" dirty="0" smtClean="0">
+                <a:solidFill>
+                  <a:schemeClr val="bg2">
+                    <a:lumMod val="25000"/>
+                  </a:schemeClr>
+                </a:solidFill>
+              </a:rPr>
+              <a:t>ASF (CIGS) ENTSO-E </a:t>
+            </a:r>
+            <a:r>
+              <a:rPr lang="en-US" sz="1600" dirty="0" smtClean="0">
+                <a:solidFill>
+                  <a:schemeClr val="bg2">
+                    <a:lumMod val="25000"/>
+                  </a:schemeClr>
+                </a:solidFill>
+              </a:rPr>
+              <a:t>mix</a:t>
+            </a:r>
+            <a:endParaRPr lang="en-US" sz="1600" dirty="0" smtClean="0">
+              <a:solidFill>
+                <a:schemeClr val="bg2">
+                  <a:lumMod val="25000"/>
+                </a:schemeClr>
+              </a:solidFill>
+            </a:endParaRPr>
+          </a:p>
+        </p:txBody>
+      </p:sp>
+      <p:sp>
+        <p:nvSpPr>
+          <p:cNvPr id="7" name="TextBox 6"/>
+          <p:cNvSpPr txBox="1"/>
+          <p:nvPr/>
+        </p:nvSpPr>
+        <p:spPr>
+          <a:xfrm>
+            <a:off x="3419149" y="4341886"/>
+            <a:ext cx="1152000" cy="1077218"/>
+          </a:xfrm>
+          <a:prstGeom prst="rect">
+            <a:avLst/>
+          </a:prstGeom>
+          <a:noFill/>
+        </p:spPr>
+        <p:txBody>
+          <a:bodyPr wrap="square" rtlCol="0">
+            <a:spAutoFit/>
+          </a:bodyPr>
+          <a:lstStyle/>
+          <a:p>
+            <a:pPr algn="ctr"/>
+            <a:r>
+              <a:rPr lang="en-US" sz="1600" dirty="0" smtClean="0">
+                <a:solidFill>
+                  <a:schemeClr val="bg2">
+                    <a:lumMod val="25000"/>
+                  </a:schemeClr>
+                </a:solidFill>
+              </a:rPr>
+              <a:t>Static ASF </a:t>
+            </a:r>
+            <a:r>
+              <a:rPr lang="en-US" sz="1600" dirty="0" smtClean="0">
+                <a:solidFill>
+                  <a:schemeClr val="bg2">
+                    <a:lumMod val="25000"/>
+                  </a:schemeClr>
+                </a:solidFill>
+              </a:rPr>
+              <a:t>(CIGS) ENTSO-E </a:t>
+            </a:r>
+            <a:r>
+              <a:rPr lang="en-US" sz="1600" dirty="0" smtClean="0">
+                <a:solidFill>
+                  <a:schemeClr val="bg2">
+                    <a:lumMod val="25000"/>
+                  </a:schemeClr>
+                </a:solidFill>
+              </a:rPr>
+              <a:t>mix</a:t>
+            </a:r>
+            <a:endParaRPr lang="en-US" sz="1600" dirty="0" smtClean="0">
+              <a:solidFill>
+                <a:schemeClr val="bg2">
+                  <a:lumMod val="25000"/>
+                </a:schemeClr>
+              </a:solidFill>
+            </a:endParaRPr>
+          </a:p>
+        </p:txBody>
+      </p:sp>
+      <p:sp>
+        <p:nvSpPr>
+          <p:cNvPr id="9" name="TextBox 8"/>
+          <p:cNvSpPr txBox="1"/>
+          <p:nvPr/>
+        </p:nvSpPr>
+        <p:spPr>
+          <a:xfrm>
+            <a:off x="6403423" y="4341886"/>
+            <a:ext cx="1152000" cy="338554"/>
+          </a:xfrm>
+          <a:prstGeom prst="rect">
+            <a:avLst/>
+          </a:prstGeom>
+          <a:noFill/>
+        </p:spPr>
+        <p:txBody>
+          <a:bodyPr wrap="square" rtlCol="0">
+            <a:spAutoFit/>
+          </a:bodyPr>
+          <a:lstStyle/>
+          <a:p>
+            <a:pPr algn="ctr"/>
+            <a:r>
+              <a:rPr lang="en-US" sz="1600" smtClean="0">
+                <a:solidFill>
+                  <a:schemeClr val="bg2">
+                    <a:lumMod val="25000"/>
+                  </a:schemeClr>
+                </a:solidFill>
+              </a:rPr>
+              <a:t>Poly-</a:t>
+            </a:r>
+            <a:r>
+              <a:rPr lang="en-US" sz="1600">
+                <a:solidFill>
+                  <a:schemeClr val="bg2">
+                    <a:lumMod val="25000"/>
+                  </a:schemeClr>
+                </a:solidFill>
+              </a:rPr>
+              <a:t>S</a:t>
+            </a:r>
+            <a:r>
+              <a:rPr lang="en-US" sz="1600" smtClean="0">
+                <a:solidFill>
+                  <a:schemeClr val="bg2">
+                    <a:lumMod val="25000"/>
+                  </a:schemeClr>
+                </a:solidFill>
+              </a:rPr>
+              <a:t>i</a:t>
+            </a:r>
+            <a:endParaRPr lang="en-US" sz="1600" dirty="0" smtClean="0">
+              <a:solidFill>
+                <a:schemeClr val="bg2">
+                  <a:lumMod val="25000"/>
+                </a:schemeClr>
+              </a:solidFill>
+            </a:endParaRPr>
+          </a:p>
+        </p:txBody>
+      </p:sp>
+      <p:sp>
+        <p:nvSpPr>
+          <p:cNvPr id="10" name="TextBox 9"/>
+          <p:cNvSpPr txBox="1"/>
+          <p:nvPr/>
+        </p:nvSpPr>
+        <p:spPr>
+          <a:xfrm>
+            <a:off x="7398181" y="4341886"/>
+            <a:ext cx="1152000" cy="338554"/>
+          </a:xfrm>
+          <a:prstGeom prst="rect">
+            <a:avLst/>
+          </a:prstGeom>
+          <a:noFill/>
+        </p:spPr>
+        <p:txBody>
+          <a:bodyPr wrap="square" rtlCol="0">
+            <a:spAutoFit/>
+          </a:bodyPr>
+          <a:lstStyle/>
+          <a:p>
+            <a:pPr algn="ctr"/>
+            <a:r>
+              <a:rPr lang="en-US" sz="1600" dirty="0" smtClean="0">
+                <a:solidFill>
+                  <a:schemeClr val="bg2">
+                    <a:lumMod val="25000"/>
+                  </a:schemeClr>
+                </a:solidFill>
+              </a:rPr>
+              <a:t>CIS</a:t>
+            </a:r>
+          </a:p>
+        </p:txBody>
+      </p:sp>
+      <p:sp>
+        <p:nvSpPr>
+          <p:cNvPr id="11" name="TextBox 10"/>
+          <p:cNvSpPr txBox="1"/>
+          <p:nvPr/>
+        </p:nvSpPr>
+        <p:spPr>
+          <a:xfrm>
+            <a:off x="8392942" y="4341886"/>
+            <a:ext cx="1152000" cy="338554"/>
+          </a:xfrm>
+          <a:prstGeom prst="rect">
+            <a:avLst/>
+          </a:prstGeom>
+          <a:noFill/>
+        </p:spPr>
+        <p:txBody>
+          <a:bodyPr wrap="square" rtlCol="0">
+            <a:spAutoFit/>
+          </a:bodyPr>
+          <a:lstStyle/>
+          <a:p>
+            <a:pPr algn="ctr"/>
+            <a:r>
+              <a:rPr lang="en-US" sz="1600" dirty="0" err="1" smtClean="0">
+                <a:solidFill>
+                  <a:schemeClr val="bg2">
+                    <a:lumMod val="25000"/>
+                  </a:schemeClr>
+                </a:solidFill>
+              </a:rPr>
+              <a:t>CdTe</a:t>
+            </a:r>
+            <a:endParaRPr lang="en-US" sz="1600" dirty="0" smtClean="0">
+              <a:solidFill>
+                <a:schemeClr val="bg2">
+                  <a:lumMod val="25000"/>
+                </a:schemeClr>
+              </a:solidFill>
+            </a:endParaRPr>
+          </a:p>
+        </p:txBody>
+      </p:sp>
+      <p:cxnSp>
+        <p:nvCxnSpPr>
+          <p:cNvPr id="12" name="Straight Connector 11"/>
+          <p:cNvCxnSpPr/>
+          <p:nvPr/>
+        </p:nvCxnSpPr>
+        <p:spPr>
+          <a:xfrm>
+            <a:off x="1514695" y="2406553"/>
+            <a:ext cx="7992012" cy="0"/>
+          </a:xfrm>
+          <a:prstGeom prst="line">
+            <a:avLst/>
+          </a:prstGeom>
+          <a:ln>
+            <a:solidFill>
+              <a:schemeClr val="bg2">
+                <a:lumMod val="50000"/>
+              </a:schemeClr>
+            </a:solidFill>
+          </a:ln>
+        </p:spPr>
+        <p:style>
+          <a:lnRef idx="1">
+            <a:schemeClr val="accent1"/>
+          </a:lnRef>
+          <a:fillRef idx="0">
+            <a:schemeClr val="accent1"/>
+          </a:fillRef>
+          <a:effectRef idx="0">
+            <a:schemeClr val="accent1"/>
+          </a:effectRef>
+          <a:fontRef idx="minor">
+            <a:schemeClr val="tx1"/>
+          </a:fontRef>
+        </p:style>
+      </p:cxnSp>
+      <p:sp>
+        <p:nvSpPr>
+          <p:cNvPr id="14" name="TextBox 13"/>
+          <p:cNvSpPr txBox="1"/>
+          <p:nvPr/>
+        </p:nvSpPr>
+        <p:spPr>
+          <a:xfrm>
+            <a:off x="4413907" y="4341886"/>
+            <a:ext cx="1152000" cy="830997"/>
+          </a:xfrm>
+          <a:prstGeom prst="rect">
+            <a:avLst/>
+          </a:prstGeom>
+          <a:noFill/>
+        </p:spPr>
+        <p:txBody>
+          <a:bodyPr wrap="square" rtlCol="0">
+            <a:spAutoFit/>
+          </a:bodyPr>
+          <a:lstStyle/>
+          <a:p>
+            <a:pPr algn="ctr"/>
+            <a:r>
+              <a:rPr lang="en-US" sz="1600" dirty="0" smtClean="0">
+                <a:solidFill>
+                  <a:schemeClr val="bg2">
+                    <a:lumMod val="25000"/>
+                  </a:schemeClr>
+                </a:solidFill>
+              </a:rPr>
+              <a:t>ASF (CIGS) ENTSO-E </a:t>
+            </a:r>
+            <a:r>
+              <a:rPr lang="en-US" sz="1600" dirty="0" smtClean="0">
+                <a:solidFill>
+                  <a:schemeClr val="bg2">
+                    <a:lumMod val="25000"/>
+                  </a:schemeClr>
+                </a:solidFill>
+              </a:rPr>
+              <a:t>mix</a:t>
+            </a:r>
+            <a:endParaRPr lang="en-US" sz="1600" dirty="0" smtClean="0">
+              <a:solidFill>
+                <a:schemeClr val="bg2">
+                  <a:lumMod val="25000"/>
+                </a:schemeClr>
+              </a:solidFill>
+            </a:endParaRPr>
+          </a:p>
+        </p:txBody>
+      </p:sp>
+      <p:sp>
+        <p:nvSpPr>
+          <p:cNvPr id="15" name="TextBox 14"/>
+          <p:cNvSpPr txBox="1"/>
+          <p:nvPr/>
+        </p:nvSpPr>
+        <p:spPr>
+          <a:xfrm>
+            <a:off x="5408665" y="4341886"/>
+            <a:ext cx="1152000" cy="1077218"/>
+          </a:xfrm>
+          <a:prstGeom prst="rect">
+            <a:avLst/>
+          </a:prstGeom>
+          <a:noFill/>
+        </p:spPr>
+        <p:txBody>
+          <a:bodyPr wrap="square" rtlCol="0">
+            <a:spAutoFit/>
+          </a:bodyPr>
+          <a:lstStyle/>
+          <a:p>
+            <a:pPr algn="ctr"/>
+            <a:r>
+              <a:rPr lang="en-US" sz="1600" dirty="0" smtClean="0">
+                <a:solidFill>
+                  <a:schemeClr val="bg2">
+                    <a:lumMod val="25000"/>
+                  </a:schemeClr>
+                </a:solidFill>
+              </a:rPr>
+              <a:t>Static ASF </a:t>
+            </a:r>
+            <a:r>
+              <a:rPr lang="en-US" sz="1600" dirty="0" smtClean="0">
+                <a:solidFill>
+                  <a:schemeClr val="bg2">
+                    <a:lumMod val="25000"/>
+                  </a:schemeClr>
+                </a:solidFill>
+              </a:rPr>
+              <a:t>(CIGS) ENTSO-E </a:t>
+            </a:r>
+            <a:r>
+              <a:rPr lang="en-US" sz="1600" dirty="0" smtClean="0">
+                <a:solidFill>
+                  <a:schemeClr val="bg2">
+                    <a:lumMod val="25000"/>
+                  </a:schemeClr>
+                </a:solidFill>
+              </a:rPr>
+              <a:t>mix</a:t>
+            </a:r>
+            <a:endParaRPr lang="en-US" sz="1600" dirty="0" smtClean="0">
+              <a:solidFill>
+                <a:schemeClr val="bg2">
+                  <a:lumMod val="25000"/>
+                </a:schemeClr>
+              </a:solidFill>
+            </a:endParaRPr>
+          </a:p>
+        </p:txBody>
+      </p:sp>
     </p:spTree>
     <p:extLst>
       <p:ext uri="{BB962C8B-B14F-4D97-AF65-F5344CB8AC3E}">
-        <p14:creationId xmlns:p14="http://schemas.microsoft.com/office/powerpoint/2010/main" val="458372275"/>
+        <p14:creationId xmlns:p14="http://schemas.microsoft.com/office/powerpoint/2010/main" val="2013669776"/>
       </p:ext>
     </p:extLst>
   </p:cSld>
@@ -28703,6 +30025,65 @@
 </file>
 
 <file path=ppt/slides/slide20.xml><?xml version="1.0" encoding="utf-8"?>
+<p:sld xmlns:a="http://schemas.openxmlformats.org/drawingml/2006/main" xmlns:r="http://schemas.openxmlformats.org/officeDocument/2006/relationships" xmlns:p="http://schemas.openxmlformats.org/presentationml/2006/main">
+  <p:cSld>
+    <p:spTree>
+      <p:nvGrpSpPr>
+        <p:cNvPr id="1" name=""/>
+        <p:cNvGrpSpPr/>
+        <p:nvPr/>
+      </p:nvGrpSpPr>
+      <p:grpSpPr>
+        <a:xfrm>
+          <a:off x="0" y="0"/>
+          <a:ext cx="0" cy="0"/>
+          <a:chOff x="0" y="0"/>
+          <a:chExt cx="0" cy="0"/>
+        </a:xfrm>
+      </p:grpSpPr>
+      <p:graphicFrame>
+        <p:nvGraphicFramePr>
+          <p:cNvPr id="2" name="Chart 1"/>
+          <p:cNvGraphicFramePr/>
+          <p:nvPr>
+            <p:extLst>
+              <p:ext uri="{D42A27DB-BD31-4B8C-83A1-F6EECF244321}">
+                <p14:modId xmlns:p14="http://schemas.microsoft.com/office/powerpoint/2010/main" val="3348548957"/>
+              </p:ext>
+            </p:extLst>
+          </p:nvPr>
+        </p:nvGraphicFramePr>
+        <p:xfrm>
+          <a:off x="560439" y="1327355"/>
+          <a:ext cx="8775289" cy="4955457"/>
+        </p:xfrm>
+        <a:graphic>
+          <a:graphicData uri="http://schemas.openxmlformats.org/drawingml/2006/chart">
+            <c:chart xmlns:c="http://schemas.openxmlformats.org/drawingml/2006/chart" xmlns:r="http://schemas.openxmlformats.org/officeDocument/2006/relationships" r:id="rId3"/>
+          </a:graphicData>
+        </a:graphic>
+      </p:graphicFrame>
+    </p:spTree>
+    <p:extLst>
+      <p:ext uri="{BB962C8B-B14F-4D97-AF65-F5344CB8AC3E}">
+        <p14:creationId xmlns:p14="http://schemas.microsoft.com/office/powerpoint/2010/main" val="458372275"/>
+      </p:ext>
+    </p:extLst>
+  </p:cSld>
+  <p:clrMapOvr>
+    <a:masterClrMapping/>
+  </p:clrMapOvr>
+  <p:timing>
+    <p:tnLst>
+      <p:par>
+        <p:cTn id="1" dur="indefinite" restart="never" nodeType="tmRoot"/>
+      </p:par>
+    </p:tnLst>
+  </p:timing>
+</p:sld>
+</file>
+
+<file path=ppt/slides/slide21.xml><?xml version="1.0" encoding="utf-8"?>
 <p:sld xmlns:a="http://schemas.openxmlformats.org/drawingml/2006/main" xmlns:r="http://schemas.openxmlformats.org/officeDocument/2006/relationships" xmlns:p="http://schemas.openxmlformats.org/presentationml/2006/main">
   <p:cSld>
     <p:spTree>
@@ -29171,7 +30552,7 @@
 </p:sld>
 </file>
 
-<file path=ppt/slides/slide21.xml><?xml version="1.0" encoding="utf-8"?>
+<file path=ppt/slides/slide22.xml><?xml version="1.0" encoding="utf-8"?>
 <p:sld xmlns:a="http://schemas.openxmlformats.org/drawingml/2006/main" xmlns:r="http://schemas.openxmlformats.org/officeDocument/2006/relationships" xmlns:p="http://schemas.openxmlformats.org/presentationml/2006/main">
   <p:cSld>
     <p:spTree>

--- a/elsarticle/Images/Thesis charts.pptx
+++ b/elsarticle/Images/Thesis charts.pptx
@@ -4381,6 +4381,7 @@
             <c:showLeaderLines val="0"/>
             <c:extLst>
               <c:ext xmlns:c15="http://schemas.microsoft.com/office/drawing/2012/chart" uri="{CE6537A1-D6FC-4f65-9D91-7224C49458BB}">
+                <c15:layout/>
                 <c15:showLeaderLines val="1"/>
                 <c15:leaderLines>
                   <c:spPr>
@@ -4493,6 +4494,7 @@
             <c:showLeaderLines val="0"/>
             <c:extLst>
               <c:ext xmlns:c15="http://schemas.microsoft.com/office/drawing/2012/chart" uri="{CE6537A1-D6FC-4f65-9D91-7224C49458BB}">
+                <c15:layout/>
                 <c15:showLeaderLines val="1"/>
                 <c15:leaderLines>
                   <c:spPr>
@@ -4605,6 +4607,7 @@
             <c:showLeaderLines val="0"/>
             <c:extLst>
               <c:ext xmlns:c15="http://schemas.microsoft.com/office/drawing/2012/chart" uri="{CE6537A1-D6FC-4f65-9D91-7224C49458BB}">
+                <c15:layout/>
                 <c15:showLeaderLines val="1"/>
                 <c15:leaderLines>
                   <c:spPr>
@@ -4772,6 +4775,7 @@
             <c:showLeaderLines val="0"/>
             <c:extLst>
               <c:ext xmlns:c15="http://schemas.microsoft.com/office/drawing/2012/chart" uri="{CE6537A1-D6FC-4f65-9D91-7224C49458BB}">
+                <c15:layout/>
                 <c15:showLeaderLines val="1"/>
                 <c15:leaderLines>
                   <c:spPr>
@@ -4949,6 +4953,7 @@
               </a:p>
             </c:rich>
           </c:tx>
+          <c:layout/>
           <c:overlay val="0"/>
           <c:spPr>
             <a:noFill/>
@@ -5025,6 +5030,7 @@
     </c:plotArea>
     <c:legend>
       <c:legendPos val="b"/>
+      <c:layout/>
       <c:overlay val="0"/>
       <c:spPr>
         <a:noFill/>
@@ -6639,7 +6645,9 @@
               <c:showPercent val="0"/>
               <c:showBubbleSize val="0"/>
               <c:extLst>
-                <c:ext xmlns:c15="http://schemas.microsoft.com/office/drawing/2012/chart" uri="{CE6537A1-D6FC-4f65-9D91-7224C49458BB}"/>
+                <c:ext xmlns:c15="http://schemas.microsoft.com/office/drawing/2012/chart" uri="{CE6537A1-D6FC-4f65-9D91-7224C49458BB}">
+                  <c15:layout/>
+                </c:ext>
               </c:extLst>
             </c:dLbl>
             <c:dLbl>
@@ -6657,7 +6665,9 @@
               <c:showPercent val="0"/>
               <c:showBubbleSize val="0"/>
               <c:extLst>
-                <c:ext xmlns:c15="http://schemas.microsoft.com/office/drawing/2012/chart" uri="{CE6537A1-D6FC-4f65-9D91-7224C49458BB}"/>
+                <c:ext xmlns:c15="http://schemas.microsoft.com/office/drawing/2012/chart" uri="{CE6537A1-D6FC-4f65-9D91-7224C49458BB}">
+                  <c15:layout/>
+                </c:ext>
               </c:extLst>
             </c:dLbl>
             <c:spPr>
@@ -6812,7 +6822,9 @@
               <c:showPercent val="0"/>
               <c:showBubbleSize val="0"/>
               <c:extLst>
-                <c:ext xmlns:c15="http://schemas.microsoft.com/office/drawing/2012/chart" uri="{CE6537A1-D6FC-4f65-9D91-7224C49458BB}"/>
+                <c:ext xmlns:c15="http://schemas.microsoft.com/office/drawing/2012/chart" uri="{CE6537A1-D6FC-4f65-9D91-7224C49458BB}">
+                  <c15:layout/>
+                </c:ext>
               </c:extLst>
             </c:dLbl>
             <c:dLbl>
@@ -6830,7 +6842,9 @@
               <c:showPercent val="0"/>
               <c:showBubbleSize val="0"/>
               <c:extLst>
-                <c:ext xmlns:c15="http://schemas.microsoft.com/office/drawing/2012/chart" uri="{CE6537A1-D6FC-4f65-9D91-7224C49458BB}"/>
+                <c:ext xmlns:c15="http://schemas.microsoft.com/office/drawing/2012/chart" uri="{CE6537A1-D6FC-4f65-9D91-7224C49458BB}">
+                  <c15:layout/>
+                </c:ext>
               </c:extLst>
             </c:dLbl>
             <c:dLbl>
@@ -6848,7 +6862,9 @@
               <c:showPercent val="0"/>
               <c:showBubbleSize val="0"/>
               <c:extLst>
-                <c:ext xmlns:c15="http://schemas.microsoft.com/office/drawing/2012/chart" uri="{CE6537A1-D6FC-4f65-9D91-7224C49458BB}"/>
+                <c:ext xmlns:c15="http://schemas.microsoft.com/office/drawing/2012/chart" uri="{CE6537A1-D6FC-4f65-9D91-7224C49458BB}">
+                  <c15:layout/>
+                </c:ext>
               </c:extLst>
             </c:dLbl>
             <c:dLbl>
@@ -6866,7 +6882,9 @@
               <c:showPercent val="0"/>
               <c:showBubbleSize val="0"/>
               <c:extLst>
-                <c:ext xmlns:c15="http://schemas.microsoft.com/office/drawing/2012/chart" uri="{CE6537A1-D6FC-4f65-9D91-7224C49458BB}"/>
+                <c:ext xmlns:c15="http://schemas.microsoft.com/office/drawing/2012/chart" uri="{CE6537A1-D6FC-4f65-9D91-7224C49458BB}">
+                  <c15:layout/>
+                </c:ext>
               </c:extLst>
             </c:dLbl>
             <c:spPr>
@@ -7058,6 +7076,7 @@
                       <a:avLst/>
                     </a:prstGeom>
                   </c15:spPr>
+                  <c15:layout/>
                 </c:ext>
               </c:extLst>
             </c:dLbl>
@@ -7077,7 +7096,9 @@
               <c:showPercent val="0"/>
               <c:showBubbleSize val="0"/>
               <c:extLst>
-                <c:ext xmlns:c15="http://schemas.microsoft.com/office/drawing/2012/chart" uri="{CE6537A1-D6FC-4f65-9D91-7224C49458BB}"/>
+                <c:ext xmlns:c15="http://schemas.microsoft.com/office/drawing/2012/chart" uri="{CE6537A1-D6FC-4f65-9D91-7224C49458BB}">
+                  <c15:layout/>
+                </c:ext>
               </c:extLst>
             </c:dLbl>
             <c:dLbl>
@@ -7096,7 +7117,9 @@
               <c:showPercent val="0"/>
               <c:showBubbleSize val="0"/>
               <c:extLst>
-                <c:ext xmlns:c15="http://schemas.microsoft.com/office/drawing/2012/chart" uri="{CE6537A1-D6FC-4f65-9D91-7224C49458BB}"/>
+                <c:ext xmlns:c15="http://schemas.microsoft.com/office/drawing/2012/chart" uri="{CE6537A1-D6FC-4f65-9D91-7224C49458BB}">
+                  <c15:layout/>
+                </c:ext>
               </c:extLst>
             </c:dLbl>
             <c:spPr>
@@ -7681,6 +7704,26 @@
               </c:extLst>
             </c:dLbl>
             <c:dLbl>
+              <c:idx val="2"/>
+              <c:layout>
+                <c:manualLayout>
+                  <c:x val="-0.00268666504479538"/>
+                  <c:y val="-0.0431149718437167"/>
+                </c:manualLayout>
+              </c:layout>
+              <c:showLegendKey val="0"/>
+              <c:showVal val="1"/>
+              <c:showCatName val="0"/>
+              <c:showSerName val="0"/>
+              <c:showPercent val="0"/>
+              <c:showBubbleSize val="0"/>
+              <c:extLst>
+                <c:ext xmlns:c15="http://schemas.microsoft.com/office/drawing/2012/chart" uri="{CE6537A1-D6FC-4f65-9D91-7224C49458BB}">
+                  <c15:layout/>
+                </c:ext>
+              </c:extLst>
+            </c:dLbl>
+            <c:dLbl>
               <c:idx val="3"/>
               <c:layout>
                 <c:manualLayout>
@@ -7799,7 +7842,7 @@
                   <c:v>-537.0</c:v>
                 </c:pt>
                 <c:pt idx="2" formatCode="General">
-                  <c:v>0.0</c:v>
+                  <c:v>50.0</c:v>
                 </c:pt>
               </c:numCache>
             </c:numRef>
@@ -7836,6 +7879,27 @@
                 <c:manualLayout>
                   <c:x val="-0.00268666504479538"/>
                   <c:y val="-0.0862299436874334"/>
+                </c:manualLayout>
+              </c:layout>
+              <c:dLblPos val="ctr"/>
+              <c:showLegendKey val="0"/>
+              <c:showVal val="1"/>
+              <c:showCatName val="0"/>
+              <c:showSerName val="0"/>
+              <c:showPercent val="0"/>
+              <c:showBubbleSize val="0"/>
+              <c:extLst>
+                <c:ext xmlns:c15="http://schemas.microsoft.com/office/drawing/2012/chart" uri="{CE6537A1-D6FC-4f65-9D91-7224C49458BB}">
+                  <c15:layout/>
+                </c:ext>
+              </c:extLst>
+            </c:dLbl>
+            <c:dLbl>
+              <c:idx val="4"/>
+              <c:layout>
+                <c:manualLayout>
+                  <c:x val="-0.00268666504479538"/>
+                  <c:y val="-0.038803474659345"/>
                 </c:manualLayout>
               </c:layout>
               <c:dLblPos val="ctr"/>
@@ -8048,7 +8112,7 @@
                   <c:v>227.1</c:v>
                 </c:pt>
                 <c:pt idx="4">
-                  <c:v>0.0</c:v>
+                  <c:v>50.0</c:v>
                 </c:pt>
                 <c:pt idx="5" formatCode="0.0">
                   <c:v>101.5</c:v>
@@ -8722,6 +8786,7 @@
               </a:p>
             </c:rich>
           </c:tx>
+          <c:layout/>
           <c:overlay val="0"/>
           <c:spPr>
             <a:noFill/>
@@ -8778,6 +8843,7 @@
     </c:plotArea>
     <c:legend>
       <c:legendPos val="b"/>
+      <c:layout/>
       <c:overlay val="0"/>
       <c:spPr>
         <a:noFill/>
@@ -29457,7 +29523,7 @@
           <p:nvPr>
             <p:extLst>
               <p:ext uri="{D42A27DB-BD31-4B8C-83A1-F6EECF244321}">
-                <p14:modId xmlns:p14="http://schemas.microsoft.com/office/powerpoint/2010/main" val="1232312632"/>
+                <p14:modId xmlns:p14="http://schemas.microsoft.com/office/powerpoint/2010/main" val="1247774656"/>
               </p:ext>
             </p:extLst>
           </p:nvPr>
@@ -30048,7 +30114,7 @@
           <p:nvPr>
             <p:extLst>
               <p:ext uri="{D42A27DB-BD31-4B8C-83A1-F6EECF244321}">
-                <p14:modId xmlns:p14="http://schemas.microsoft.com/office/powerpoint/2010/main" val="3348548957"/>
+                <p14:modId xmlns:p14="http://schemas.microsoft.com/office/powerpoint/2010/main" val="1661193516"/>
               </p:ext>
             </p:extLst>
           </p:nvPr>

--- a/elsarticle/Images/Thesis charts.pptx
+++ b/elsarticle/Images/Thesis charts.pptx
@@ -426,11 +426,11 @@
           <c:showPercent val="0"/>
           <c:showBubbleSize val="0"/>
         </c:dLbls>
-        <c:axId val="-2050862624"/>
-        <c:axId val="-2144152768"/>
+        <c:axId val="-2087431392"/>
+        <c:axId val="2118830768"/>
       </c:scatterChart>
       <c:valAx>
-        <c:axId val="-2050862624"/>
+        <c:axId val="-2087431392"/>
         <c:scaling>
           <c:orientation val="minMax"/>
         </c:scaling>
@@ -552,12 +552,12 @@
             <a:endParaRPr lang="en-US"/>
           </a:p>
         </c:txPr>
-        <c:crossAx val="-2144152768"/>
+        <c:crossAx val="2118830768"/>
         <c:crosses val="autoZero"/>
         <c:crossBetween val="midCat"/>
       </c:valAx>
       <c:valAx>
-        <c:axId val="-2144152768"/>
+        <c:axId val="2118830768"/>
         <c:scaling>
           <c:orientation val="minMax"/>
         </c:scaling>
@@ -683,7 +683,7 @@
             <a:endParaRPr lang="en-US"/>
           </a:p>
         </c:txPr>
-        <c:crossAx val="-2050862624"/>
+        <c:crossAx val="-2087431392"/>
         <c:crosses val="autoZero"/>
         <c:crossBetween val="midCat"/>
       </c:valAx>
@@ -920,7 +920,9 @@
               </c:spPr>
             </c:leaderLines>
             <c:extLst>
-              <c:ext xmlns:c15="http://schemas.microsoft.com/office/drawing/2012/chart" uri="{CE6537A1-D6FC-4f65-9D91-7224C49458BB}"/>
+              <c:ext xmlns:c15="http://schemas.microsoft.com/office/drawing/2012/chart" uri="{CE6537A1-D6FC-4f65-9D91-7224C49458BB}">
+                <c15:layout/>
+              </c:ext>
             </c:extLst>
           </c:dLbls>
           <c:cat>
@@ -1241,7 +1243,9 @@
               <c:showPercent val="0"/>
               <c:showBubbleSize val="0"/>
               <c:extLst>
-                <c:ext xmlns:c15="http://schemas.microsoft.com/office/drawing/2012/chart" uri="{CE6537A1-D6FC-4f65-9D91-7224C49458BB}"/>
+                <c:ext xmlns:c15="http://schemas.microsoft.com/office/drawing/2012/chart" uri="{CE6537A1-D6FC-4f65-9D91-7224C49458BB}">
+                  <c15:layout/>
+                </c:ext>
               </c:extLst>
             </c:dLbl>
             <c:dLbl>
@@ -1259,7 +1263,9 @@
               <c:showPercent val="0"/>
               <c:showBubbleSize val="0"/>
               <c:extLst>
-                <c:ext xmlns:c15="http://schemas.microsoft.com/office/drawing/2012/chart" uri="{CE6537A1-D6FC-4f65-9D91-7224C49458BB}"/>
+                <c:ext xmlns:c15="http://schemas.microsoft.com/office/drawing/2012/chart" uri="{CE6537A1-D6FC-4f65-9D91-7224C49458BB}">
+                  <c15:layout/>
+                </c:ext>
               </c:extLst>
             </c:dLbl>
             <c:spPr>
@@ -1313,7 +1319,9 @@
               </c:spPr>
             </c:leaderLines>
             <c:extLst>
-              <c:ext xmlns:c15="http://schemas.microsoft.com/office/drawing/2012/chart" uri="{CE6537A1-D6FC-4f65-9D91-7224C49458BB}"/>
+              <c:ext xmlns:c15="http://schemas.microsoft.com/office/drawing/2012/chart" uri="{CE6537A1-D6FC-4f65-9D91-7224C49458BB}">
+                <c15:layout/>
+              </c:ext>
             </c:extLst>
           </c:dLbls>
           <c:cat>
@@ -1632,7 +1640,9 @@
               </c:spPr>
             </c:leaderLines>
             <c:extLst>
-              <c:ext xmlns:c15="http://schemas.microsoft.com/office/drawing/2012/chart" uri="{CE6537A1-D6FC-4f65-9D91-7224C49458BB}"/>
+              <c:ext xmlns:c15="http://schemas.microsoft.com/office/drawing/2012/chart" uri="{CE6537A1-D6FC-4f65-9D91-7224C49458BB}">
+                <c15:layout/>
+              </c:ext>
             </c:extLst>
           </c:dLbls>
           <c:cat>
@@ -1927,7 +1937,9 @@
               <c:showPercent val="0"/>
               <c:showBubbleSize val="0"/>
               <c:extLst>
-                <c:ext xmlns:c15="http://schemas.microsoft.com/office/drawing/2012/chart" uri="{CE6537A1-D6FC-4f65-9D91-7224C49458BB}"/>
+                <c:ext xmlns:c15="http://schemas.microsoft.com/office/drawing/2012/chart" uri="{CE6537A1-D6FC-4f65-9D91-7224C49458BB}">
+                  <c15:layout/>
+                </c:ext>
               </c:extLst>
             </c:dLbl>
             <c:dLbl>
@@ -2228,7 +2240,9 @@
               <c:showPercent val="0"/>
               <c:showBubbleSize val="0"/>
               <c:extLst>
-                <c:ext xmlns:c15="http://schemas.microsoft.com/office/drawing/2012/chart" uri="{CE6537A1-D6FC-4f65-9D91-7224C49458BB}"/>
+                <c:ext xmlns:c15="http://schemas.microsoft.com/office/drawing/2012/chart" uri="{CE6537A1-D6FC-4f65-9D91-7224C49458BB}">
+                  <c15:layout/>
+                </c:ext>
               </c:extLst>
             </c:dLbl>
             <c:spPr>
@@ -2351,11 +2365,11 @@
         </c:dLbls>
         <c:gapWidth val="150"/>
         <c:overlap val="100"/>
-        <c:axId val="2129786000"/>
-        <c:axId val="2130092896"/>
+        <c:axId val="2117471328"/>
+        <c:axId val="2117464096"/>
       </c:barChart>
       <c:catAx>
-        <c:axId val="2129786000"/>
+        <c:axId val="2117471328"/>
         <c:scaling>
           <c:orientation val="minMax"/>
         </c:scaling>
@@ -2365,7 +2379,7 @@
         <c:majorTickMark val="none"/>
         <c:minorTickMark val="none"/>
         <c:tickLblPos val="nextTo"/>
-        <c:crossAx val="2130092896"/>
+        <c:crossAx val="2117464096"/>
         <c:crosses val="autoZero"/>
         <c:auto val="1"/>
         <c:lblAlgn val="ctr"/>
@@ -2373,7 +2387,7 @@
         <c:noMultiLvlLbl val="0"/>
       </c:catAx>
       <c:valAx>
-        <c:axId val="2130092896"/>
+        <c:axId val="2117464096"/>
         <c:scaling>
           <c:orientation val="minMax"/>
         </c:scaling>
@@ -2428,6 +2442,7 @@
               </a:p>
             </c:rich>
           </c:tx>
+          <c:layout/>
           <c:overlay val="0"/>
           <c:spPr>
             <a:noFill/>
@@ -2488,7 +2503,7 @@
             <a:endParaRPr lang="en-US"/>
           </a:p>
         </c:txPr>
-        <c:crossAx val="2129786000"/>
+        <c:crossAx val="2117471328"/>
         <c:crosses val="autoZero"/>
         <c:crossBetween val="between"/>
       </c:valAx>
@@ -2871,11 +2886,11 @@
         </c:dLbls>
         <c:gapWidth val="219"/>
         <c:overlap val="-27"/>
-        <c:axId val="-2141297776"/>
-        <c:axId val="-2053938784"/>
+        <c:axId val="-2113695536"/>
+        <c:axId val="-2113692112"/>
       </c:barChart>
       <c:catAx>
-        <c:axId val="-2141297776"/>
+        <c:axId val="-2113695536"/>
         <c:scaling>
           <c:orientation val="minMax"/>
         </c:scaling>
@@ -2915,7 +2930,7 @@
             <a:endParaRPr lang="en-US"/>
           </a:p>
         </c:txPr>
-        <c:crossAx val="-2053938784"/>
+        <c:crossAx val="-2113692112"/>
         <c:crosses val="autoZero"/>
         <c:auto val="1"/>
         <c:lblAlgn val="ctr"/>
@@ -2923,7 +2938,7 @@
         <c:noMultiLvlLbl val="0"/>
       </c:catAx>
       <c:valAx>
-        <c:axId val="-2053938784"/>
+        <c:axId val="-2113692112"/>
         <c:scaling>
           <c:orientation val="minMax"/>
         </c:scaling>
@@ -2991,6 +3006,7 @@
               </a:p>
             </c:rich>
           </c:tx>
+          <c:layout/>
           <c:overlay val="0"/>
           <c:spPr>
             <a:noFill/>
@@ -3053,7 +3069,7 @@
             <a:endParaRPr lang="en-US"/>
           </a:p>
         </c:txPr>
-        <c:crossAx val="-2141297776"/>
+        <c:crossAx val="-2113695536"/>
         <c:crosses val="autoZero"/>
         <c:crossBetween val="between"/>
       </c:valAx>
@@ -3069,6 +3085,7 @@
     </c:plotArea>
     <c:legend>
       <c:legendPos val="b"/>
+      <c:layout/>
       <c:overlay val="0"/>
       <c:spPr>
         <a:noFill/>
@@ -3349,11 +3366,11 @@
         </c:dLbls>
         <c:gapWidth val="219"/>
         <c:overlap val="-27"/>
-        <c:axId val="-2046107728"/>
-        <c:axId val="-2046104288"/>
+        <c:axId val="2117748992"/>
+        <c:axId val="2117548272"/>
       </c:barChart>
       <c:catAx>
-        <c:axId val="-2046107728"/>
+        <c:axId val="2117748992"/>
         <c:scaling>
           <c:orientation val="minMax"/>
         </c:scaling>
@@ -3393,7 +3410,7 @@
             <a:endParaRPr lang="en-US"/>
           </a:p>
         </c:txPr>
-        <c:crossAx val="-2046104288"/>
+        <c:crossAx val="2117548272"/>
         <c:crosses val="autoZero"/>
         <c:auto val="1"/>
         <c:lblAlgn val="ctr"/>
@@ -3401,7 +3418,7 @@
         <c:noMultiLvlLbl val="0"/>
       </c:catAx>
       <c:valAx>
-        <c:axId val="-2046104288"/>
+        <c:axId val="2117548272"/>
         <c:scaling>
           <c:orientation val="minMax"/>
         </c:scaling>
@@ -3479,6 +3496,7 @@
               </a:p>
             </c:rich>
           </c:tx>
+          <c:layout/>
           <c:overlay val="0"/>
           <c:spPr>
             <a:noFill/>
@@ -3521,7 +3539,7 @@
             <a:endParaRPr lang="en-US"/>
           </a:p>
         </c:txPr>
-        <c:crossAx val="-2046107728"/>
+        <c:crossAx val="2117748992"/>
         <c:crosses val="autoZero"/>
         <c:crossBetween val="between"/>
       </c:valAx>
@@ -3537,6 +3555,7 @@
     </c:plotArea>
     <c:legend>
       <c:legendPos val="b"/>
+      <c:layout/>
       <c:overlay val="0"/>
       <c:spPr>
         <a:noFill/>
@@ -3768,7 +3787,9 @@
               </c:spPr>
             </c:leaderLines>
             <c:extLst>
-              <c:ext xmlns:c15="http://schemas.microsoft.com/office/drawing/2012/chart" uri="{CE6537A1-D6FC-4f65-9D91-7224C49458BB}"/>
+              <c:ext xmlns:c15="http://schemas.microsoft.com/office/drawing/2012/chart" uri="{CE6537A1-D6FC-4f65-9D91-7224C49458BB}">
+                <c15:layout/>
+              </c:ext>
             </c:extLst>
           </c:dLbls>
           <c:cat>
@@ -4048,7 +4069,7 @@
                   <c:v>-6.43</c:v>
                 </c:pt>
                 <c:pt idx="10">
-                  <c:v>-9.74</c:v>
+                  <c:v>-9.739999999999998</c:v>
                 </c:pt>
                 <c:pt idx="11">
                   <c:v>-13.05</c:v>
@@ -4082,11 +4103,11 @@
           <c:showBubbleSize val="0"/>
         </c:dLbls>
         <c:smooth val="0"/>
-        <c:axId val="-2045909312"/>
-        <c:axId val="-2045905808"/>
+        <c:axId val="-2113398368"/>
+        <c:axId val="-2113046032"/>
       </c:lineChart>
       <c:catAx>
-        <c:axId val="-2045909312"/>
+        <c:axId val="-2113398368"/>
         <c:scaling>
           <c:orientation val="minMax"/>
         </c:scaling>
@@ -4129,7 +4150,7 @@
             <a:endParaRPr lang="en-US"/>
           </a:p>
         </c:txPr>
-        <c:crossAx val="-2045905808"/>
+        <c:crossAx val="-2113046032"/>
         <c:crosses val="autoZero"/>
         <c:auto val="1"/>
         <c:lblAlgn val="ctr"/>
@@ -4137,7 +4158,7 @@
         <c:noMultiLvlLbl val="0"/>
       </c:catAx>
       <c:valAx>
-        <c:axId val="-2045905808"/>
+        <c:axId val="-2113046032"/>
         <c:scaling>
           <c:orientation val="minMax"/>
         </c:scaling>
@@ -4184,6 +4205,7 @@
               </a:p>
             </c:rich>
           </c:tx>
+          <c:layout/>
           <c:overlay val="0"/>
           <c:spPr>
             <a:noFill/>
@@ -4224,7 +4246,7 @@
             <a:endParaRPr lang="en-US"/>
           </a:p>
         </c:txPr>
-        <c:crossAx val="-2045909312"/>
+        <c:crossAx val="-2113398368"/>
         <c:crosses val="autoZero"/>
         <c:crossBetween val="between"/>
       </c:valAx>
@@ -4240,6 +4262,7 @@
     </c:plotArea>
     <c:legend>
       <c:legendPos val="b"/>
+      <c:layout/>
       <c:overlay val="0"/>
       <c:spPr>
         <a:noFill/>
@@ -4835,11 +4858,11 @@
         </c:dLbls>
         <c:gapWidth val="219"/>
         <c:overlap val="-27"/>
-        <c:axId val="-2081722144"/>
-        <c:axId val="-2052957168"/>
+        <c:axId val="-2083665760"/>
+        <c:axId val="2088723984"/>
       </c:barChart>
       <c:catAx>
-        <c:axId val="-2081722144"/>
+        <c:axId val="-2083665760"/>
         <c:scaling>
           <c:orientation val="minMax"/>
         </c:scaling>
@@ -4882,7 +4905,7 @@
             <a:endParaRPr lang="en-US"/>
           </a:p>
         </c:txPr>
-        <c:crossAx val="-2052957168"/>
+        <c:crossAx val="2088723984"/>
         <c:crosses val="autoZero"/>
         <c:auto val="1"/>
         <c:lblAlgn val="ctr"/>
@@ -4890,7 +4913,7 @@
         <c:noMultiLvlLbl val="0"/>
       </c:catAx>
       <c:valAx>
-        <c:axId val="-2052957168"/>
+        <c:axId val="2088723984"/>
         <c:scaling>
           <c:orientation val="minMax"/>
         </c:scaling>
@@ -5014,7 +5037,7 @@
             <a:endParaRPr lang="en-US"/>
           </a:p>
         </c:txPr>
-        <c:crossAx val="-2081722144"/>
+        <c:crossAx val="-2083665760"/>
         <c:crosses val="autoZero"/>
         <c:crossBetween val="between"/>
       </c:valAx>
@@ -5706,11 +5729,11 @@
         </c:dLbls>
         <c:gapWidth val="219"/>
         <c:overlap val="100"/>
-        <c:axId val="-2053431824"/>
-        <c:axId val="-2053511856"/>
+        <c:axId val="-2113107568"/>
+        <c:axId val="-2113098448"/>
       </c:barChart>
       <c:catAx>
-        <c:axId val="-2053431824"/>
+        <c:axId val="-2113107568"/>
         <c:scaling>
           <c:orientation val="minMax"/>
         </c:scaling>
@@ -5720,7 +5743,7 @@
         <c:majorTickMark val="none"/>
         <c:minorTickMark val="none"/>
         <c:tickLblPos val="nextTo"/>
-        <c:crossAx val="-2053511856"/>
+        <c:crossAx val="-2113098448"/>
         <c:crosses val="autoZero"/>
         <c:auto val="1"/>
         <c:lblAlgn val="ctr"/>
@@ -5728,7 +5751,7 @@
         <c:noMultiLvlLbl val="0"/>
       </c:catAx>
       <c:valAx>
-        <c:axId val="-2053511856"/>
+        <c:axId val="-2113098448"/>
         <c:scaling>
           <c:orientation val="minMax"/>
         </c:scaling>
@@ -5857,7 +5880,7 @@
             <a:endParaRPr lang="en-US"/>
           </a:p>
         </c:txPr>
-        <c:crossAx val="-2053431824"/>
+        <c:crossAx val="-2113107568"/>
         <c:crosses val="autoZero"/>
         <c:crossBetween val="between"/>
       </c:valAx>
@@ -6329,11 +6352,11 @@
         </c:dLbls>
         <c:gapWidth val="219"/>
         <c:overlap val="-27"/>
-        <c:axId val="-2144186112"/>
-        <c:axId val="-2143469280"/>
+        <c:axId val="-2084211728"/>
+        <c:axId val="-2084215360"/>
       </c:barChart>
       <c:catAx>
-        <c:axId val="-2144186112"/>
+        <c:axId val="-2084211728"/>
         <c:scaling>
           <c:orientation val="minMax"/>
         </c:scaling>
@@ -6373,7 +6396,7 @@
             <a:endParaRPr lang="en-US"/>
           </a:p>
         </c:txPr>
-        <c:crossAx val="-2143469280"/>
+        <c:crossAx val="-2084215360"/>
         <c:crosses val="autoZero"/>
         <c:auto val="1"/>
         <c:lblAlgn val="ctr"/>
@@ -6381,7 +6404,7 @@
         <c:noMultiLvlLbl val="0"/>
       </c:catAx>
       <c:valAx>
-        <c:axId val="-2143469280"/>
+        <c:axId val="-2084215360"/>
         <c:scaling>
           <c:orientation val="minMax"/>
         </c:scaling>
@@ -6502,7 +6525,7 @@
             <a:endParaRPr lang="en-US"/>
           </a:p>
         </c:txPr>
-        <c:crossAx val="-2144186112"/>
+        <c:crossAx val="-2084211728"/>
         <c:crosses val="autoZero"/>
         <c:crossBetween val="between"/>
       </c:valAx>
@@ -7243,11 +7266,11 @@
         </c:dLbls>
         <c:gapWidth val="219"/>
         <c:overlap val="100"/>
-        <c:axId val="-2046613264"/>
-        <c:axId val="-2046612144"/>
+        <c:axId val="-2081492880"/>
+        <c:axId val="-2082051440"/>
       </c:barChart>
       <c:catAx>
-        <c:axId val="-2046613264"/>
+        <c:axId val="-2081492880"/>
         <c:scaling>
           <c:orientation val="minMax"/>
         </c:scaling>
@@ -7257,7 +7280,7 @@
         <c:majorTickMark val="none"/>
         <c:minorTickMark val="none"/>
         <c:tickLblPos val="nextTo"/>
-        <c:crossAx val="-2046612144"/>
+        <c:crossAx val="-2082051440"/>
         <c:crosses val="autoZero"/>
         <c:auto val="1"/>
         <c:lblAlgn val="ctr"/>
@@ -7265,7 +7288,7 @@
         <c:noMultiLvlLbl val="0"/>
       </c:catAx>
       <c:valAx>
-        <c:axId val="-2046612144"/>
+        <c:axId val="-2082051440"/>
         <c:scaling>
           <c:orientation val="minMax"/>
         </c:scaling>
@@ -7394,7 +7417,7 @@
             <a:endParaRPr lang="en-US"/>
           </a:p>
         </c:txPr>
-        <c:crossAx val="-2046613264"/>
+        <c:crossAx val="-2081492880"/>
         <c:crosses val="autoZero"/>
         <c:crossBetween val="between"/>
       </c:valAx>
@@ -7707,8 +7730,8 @@
               <c:idx val="2"/>
               <c:layout>
                 <c:manualLayout>
-                  <c:x val="-0.00268666504479538"/>
-                  <c:y val="-0.0431149718437167"/>
+                  <c:x val="-0.00268666504479543"/>
+                  <c:y val="-0.16383672326214"/>
                 </c:manualLayout>
               </c:layout>
               <c:showLegendKey val="0"/>
@@ -7738,9 +7761,7 @@
               <c:showPercent val="0"/>
               <c:showBubbleSize val="0"/>
               <c:extLst>
-                <c:ext xmlns:c15="http://schemas.microsoft.com/office/drawing/2012/chart" uri="{CE6537A1-D6FC-4f65-9D91-7224C49458BB}">
-                  <c15:layout/>
-                </c:ext>
+                <c:ext xmlns:c15="http://schemas.microsoft.com/office/drawing/2012/chart" uri="{CE6537A1-D6FC-4f65-9D91-7224C49458BB}"/>
               </c:extLst>
             </c:dLbl>
             <c:spPr>
@@ -7781,7 +7802,6 @@
             <c:showLeaderLines val="0"/>
             <c:extLst>
               <c:ext xmlns:c15="http://schemas.microsoft.com/office/drawing/2012/chart" uri="{CE6537A1-D6FC-4f65-9D91-7224C49458BB}">
-                <c15:layout/>
                 <c15:showLeaderLines val="1"/>
                 <c15:leaderLines>
                   <c:spPr>
@@ -7842,7 +7862,7 @@
                   <c:v>-537.0</c:v>
                 </c:pt>
                 <c:pt idx="2" formatCode="General">
-                  <c:v>50.0</c:v>
+                  <c:v>-507.6</c:v>
                 </c:pt>
               </c:numCache>
             </c:numRef>
@@ -7899,7 +7919,7 @@
               <c:layout>
                 <c:manualLayout>
                   <c:x val="-0.00268666504479538"/>
-                  <c:y val="-0.038803474659345"/>
+                  <c:y val="-0.0948529380561768"/>
                 </c:manualLayout>
               </c:layout>
               <c:dLblPos val="ctr"/>
@@ -7919,8 +7939,8 @@
               <c:idx val="5"/>
               <c:layout>
                 <c:manualLayout>
-                  <c:x val="-0.00134333252239769"/>
-                  <c:y val="-0.0529241371701132"/>
+                  <c:x val="-0.00268666504479538"/>
+                  <c:y val="-0.149932823818476"/>
                 </c:manualLayout>
               </c:layout>
               <c:spPr>
@@ -7974,8 +7994,8 @@
               <c:idx val="6"/>
               <c:layout>
                 <c:manualLayout>
-                  <c:x val="-0.00134333252239779"/>
-                  <c:y val="-0.047041845759048"/>
+                  <c:x val="-0.00268666504479538"/>
+                  <c:y val="-0.0707550636752119"/>
                 </c:manualLayout>
               </c:layout>
               <c:dLblPos val="ctr"/>
@@ -7996,7 +8016,7 @@
               <c:layout>
                 <c:manualLayout>
                   <c:x val="-0.00268666504479538"/>
-                  <c:y val="-0.0439044511116109"/>
+                  <c:y val="-0.0676176856256551"/>
                 </c:manualLayout>
               </c:layout>
               <c:dLblPos val="ctr"/>
@@ -8051,7 +8071,6 @@
             <c:showLeaderLines val="0"/>
             <c:extLst>
               <c:ext xmlns:c15="http://schemas.microsoft.com/office/drawing/2012/chart" uri="{CE6537A1-D6FC-4f65-9D91-7224C49458BB}">
-                <c15:layout/>
                 <c15:showLeaderLines val="1"/>
                 <c15:leaderLines>
                   <c:spPr>
@@ -8112,16 +8131,16 @@
                   <c:v>227.1</c:v>
                 </c:pt>
                 <c:pt idx="4">
-                  <c:v>50.0</c:v>
+                  <c:v>257.5</c:v>
                 </c:pt>
                 <c:pt idx="5" formatCode="0.0">
-                  <c:v>101.5</c:v>
+                  <c:v>457.1</c:v>
                 </c:pt>
                 <c:pt idx="6" formatCode="0.0">
-                  <c:v>81.9</c:v>
+                  <c:v>184.5</c:v>
                 </c:pt>
                 <c:pt idx="7" formatCode="0.0">
-                  <c:v>76.2</c:v>
+                  <c:v>154.4</c:v>
                 </c:pt>
               </c:numCache>
             </c:numRef>
@@ -8137,11 +8156,11 @@
         </c:dLbls>
         <c:gapWidth val="219"/>
         <c:overlap val="100"/>
-        <c:axId val="-2050594896"/>
-        <c:axId val="-2050864688"/>
+        <c:axId val="-2082800896"/>
+        <c:axId val="-2082805424"/>
       </c:barChart>
       <c:catAx>
-        <c:axId val="-2050594896"/>
+        <c:axId val="-2082800896"/>
         <c:scaling>
           <c:orientation val="minMax"/>
         </c:scaling>
@@ -8151,7 +8170,7 @@
         <c:majorTickMark val="none"/>
         <c:minorTickMark val="none"/>
         <c:tickLblPos val="nextTo"/>
-        <c:crossAx val="-2050864688"/>
+        <c:crossAx val="-2082805424"/>
         <c:crosses val="autoZero"/>
         <c:auto val="1"/>
         <c:lblAlgn val="ctr"/>
@@ -8159,7 +8178,7 @@
         <c:noMultiLvlLbl val="0"/>
       </c:catAx>
       <c:valAx>
-        <c:axId val="-2050864688"/>
+        <c:axId val="-2082805424"/>
         <c:scaling>
           <c:orientation val="minMax"/>
         </c:scaling>
@@ -8288,7 +8307,7 @@
             <a:endParaRPr lang="en-US"/>
           </a:p>
         </c:txPr>
-        <c:crossAx val="-2050594896"/>
+        <c:crossAx val="-2082800896"/>
         <c:crosses val="autoZero"/>
         <c:crossBetween val="between"/>
       </c:valAx>
@@ -8680,11 +8699,11 @@
         </c:dLbls>
         <c:gapWidth val="219"/>
         <c:overlap val="100"/>
-        <c:axId val="-2046428320"/>
-        <c:axId val="-2046146864"/>
+        <c:axId val="-2112143440"/>
+        <c:axId val="2117494832"/>
       </c:barChart>
       <c:catAx>
-        <c:axId val="-2046428320"/>
+        <c:axId val="-2112143440"/>
         <c:scaling>
           <c:orientation val="minMax"/>
         </c:scaling>
@@ -8727,7 +8746,7 @@
             <a:endParaRPr lang="en-US"/>
           </a:p>
         </c:txPr>
-        <c:crossAx val="-2046146864"/>
+        <c:crossAx val="2117494832"/>
         <c:crosses val="autoZero"/>
         <c:auto val="1"/>
         <c:lblAlgn val="ctr"/>
@@ -8735,7 +8754,7 @@
         <c:noMultiLvlLbl val="0"/>
       </c:catAx>
       <c:valAx>
-        <c:axId val="-2046146864"/>
+        <c:axId val="2117494832"/>
         <c:scaling>
           <c:orientation val="minMax"/>
         </c:scaling>
@@ -8786,7 +8805,6 @@
               </a:p>
             </c:rich>
           </c:tx>
-          <c:layout/>
           <c:overlay val="0"/>
           <c:spPr>
             <a:noFill/>
@@ -8827,7 +8845,7 @@
             <a:endParaRPr lang="en-US"/>
           </a:p>
         </c:txPr>
-        <c:crossAx val="-2046428320"/>
+        <c:crossAx val="-2112143440"/>
         <c:crosses val="autoZero"/>
         <c:crossBetween val="between"/>
       </c:valAx>
@@ -8843,7 +8861,6 @@
     </c:plotArea>
     <c:legend>
       <c:legendPos val="b"/>
-      <c:layout/>
       <c:overlay val="0"/>
       <c:spPr>
         <a:noFill/>
@@ -9067,11 +9084,11 @@
         </c:dLbls>
         <c:gapWidth val="219"/>
         <c:overlap val="100"/>
-        <c:axId val="-2049344912"/>
-        <c:axId val="-2080874144"/>
+        <c:axId val="-2082207264"/>
+        <c:axId val="-2082210208"/>
       </c:barChart>
       <c:catAx>
-        <c:axId val="-2049344912"/>
+        <c:axId val="-2082207264"/>
         <c:scaling>
           <c:orientation val="minMax"/>
         </c:scaling>
@@ -9081,7 +9098,7 @@
         <c:majorTickMark val="none"/>
         <c:minorTickMark val="none"/>
         <c:tickLblPos val="nextTo"/>
-        <c:crossAx val="-2080874144"/>
+        <c:crossAx val="-2082210208"/>
         <c:crosses val="autoZero"/>
         <c:auto val="1"/>
         <c:lblAlgn val="ctr"/>
@@ -9089,7 +9106,7 @@
         <c:noMultiLvlLbl val="0"/>
       </c:catAx>
       <c:valAx>
-        <c:axId val="-2080874144"/>
+        <c:axId val="-2082210208"/>
         <c:scaling>
           <c:orientation val="minMax"/>
         </c:scaling>
@@ -9230,7 +9247,7 @@
             <a:endParaRPr lang="en-US"/>
           </a:p>
         </c:txPr>
-        <c:crossAx val="-2049344912"/>
+        <c:crossAx val="-2082207264"/>
         <c:crosses val="autoZero"/>
         <c:crossBetween val="between"/>
         <c:majorUnit val="100.0"/>
@@ -9556,11 +9573,11 @@
         </c:dLbls>
         <c:gapWidth val="219"/>
         <c:overlap val="-27"/>
-        <c:axId val="-2049441008"/>
-        <c:axId val="-2049130112"/>
+        <c:axId val="-2087655744"/>
+        <c:axId val="-2087652336"/>
       </c:barChart>
       <c:catAx>
-        <c:axId val="-2049441008"/>
+        <c:axId val="-2087655744"/>
         <c:scaling>
           <c:orientation val="minMax"/>
         </c:scaling>
@@ -9600,7 +9617,7 @@
             <a:endParaRPr lang="en-US"/>
           </a:p>
         </c:txPr>
-        <c:crossAx val="-2049130112"/>
+        <c:crossAx val="-2087652336"/>
         <c:crosses val="autoZero"/>
         <c:auto val="1"/>
         <c:lblAlgn val="ctr"/>
@@ -9608,7 +9625,7 @@
         <c:noMultiLvlLbl val="0"/>
       </c:catAx>
       <c:valAx>
-        <c:axId val="-2049130112"/>
+        <c:axId val="-2087652336"/>
         <c:scaling>
           <c:orientation val="minMax"/>
         </c:scaling>
@@ -9741,7 +9758,7 @@
             <a:endParaRPr lang="en-US"/>
           </a:p>
         </c:txPr>
-        <c:crossAx val="-2049441008"/>
+        <c:crossAx val="-2087655744"/>
         <c:crosses val="autoZero"/>
         <c:crossBetween val="between"/>
       </c:valAx>
@@ -10345,11 +10362,11 @@
         </c:dLbls>
         <c:gapWidth val="219"/>
         <c:overlap val="-27"/>
-        <c:axId val="-2050384256"/>
-        <c:axId val="-2050080208"/>
+        <c:axId val="2115369888"/>
+        <c:axId val="2115304912"/>
       </c:barChart>
       <c:catAx>
-        <c:axId val="-2050384256"/>
+        <c:axId val="2115369888"/>
         <c:scaling>
           <c:orientation val="minMax"/>
         </c:scaling>
@@ -10389,7 +10406,7 @@
             <a:endParaRPr lang="en-US"/>
           </a:p>
         </c:txPr>
-        <c:crossAx val="-2050080208"/>
+        <c:crossAx val="2115304912"/>
         <c:crosses val="autoZero"/>
         <c:auto val="1"/>
         <c:lblAlgn val="ctr"/>
@@ -10397,7 +10414,7 @@
         <c:noMultiLvlLbl val="0"/>
       </c:catAx>
       <c:valAx>
-        <c:axId val="-2050080208"/>
+        <c:axId val="2115304912"/>
         <c:scaling>
           <c:orientation val="minMax"/>
         </c:scaling>
@@ -10535,7 +10552,7 @@
             <a:endParaRPr lang="en-US"/>
           </a:p>
         </c:txPr>
-        <c:crossAx val="-2050384256"/>
+        <c:crossAx val="2115369888"/>
         <c:crosses val="autoZero"/>
         <c:crossBetween val="between"/>
       </c:valAx>
@@ -10926,11 +10943,11 @@
         </c:dLbls>
         <c:gapWidth val="219"/>
         <c:overlap val="-27"/>
-        <c:axId val="-2144315232"/>
-        <c:axId val="-2050366448"/>
+        <c:axId val="-2083626144"/>
+        <c:axId val="-2084305712"/>
       </c:barChart>
       <c:catAx>
-        <c:axId val="-2144315232"/>
+        <c:axId val="-2083626144"/>
         <c:scaling>
           <c:orientation val="minMax"/>
         </c:scaling>
@@ -10970,7 +10987,7 @@
             <a:endParaRPr lang="en-US"/>
           </a:p>
         </c:txPr>
-        <c:crossAx val="-2050366448"/>
+        <c:crossAx val="-2084305712"/>
         <c:crosses val="autoZero"/>
         <c:auto val="1"/>
         <c:lblAlgn val="ctr"/>
@@ -10978,7 +10995,7 @@
         <c:noMultiLvlLbl val="0"/>
       </c:catAx>
       <c:valAx>
-        <c:axId val="-2050366448"/>
+        <c:axId val="-2084305712"/>
         <c:scaling>
           <c:orientation val="minMax"/>
         </c:scaling>
@@ -11108,7 +11125,7 @@
             <a:endParaRPr lang="en-US"/>
           </a:p>
         </c:txPr>
-        <c:crossAx val="-2144315232"/>
+        <c:crossAx val="-2083626144"/>
         <c:crosses val="autoZero"/>
         <c:crossBetween val="between"/>
       </c:valAx>
@@ -11277,11 +11294,11 @@
         </c:dLbls>
         <c:gapWidth val="219"/>
         <c:overlap val="-27"/>
-        <c:axId val="-2046514160"/>
-        <c:axId val="-2046510800"/>
+        <c:axId val="-2084358272"/>
+        <c:axId val="-2084361792"/>
       </c:barChart>
       <c:catAx>
-        <c:axId val="-2046514160"/>
+        <c:axId val="-2084358272"/>
         <c:scaling>
           <c:orientation val="minMax"/>
         </c:scaling>
@@ -11321,7 +11338,7 @@
             <a:endParaRPr lang="en-US"/>
           </a:p>
         </c:txPr>
-        <c:crossAx val="-2046510800"/>
+        <c:crossAx val="-2084361792"/>
         <c:crosses val="autoZero"/>
         <c:auto val="1"/>
         <c:lblAlgn val="ctr"/>
@@ -11329,7 +11346,7 @@
         <c:noMultiLvlLbl val="0"/>
       </c:catAx>
       <c:valAx>
-        <c:axId val="-2046510800"/>
+        <c:axId val="-2084361792"/>
         <c:scaling>
           <c:orientation val="minMax"/>
         </c:scaling>
@@ -11459,7 +11476,7 @@
             <a:endParaRPr lang="en-US"/>
           </a:p>
         </c:txPr>
-        <c:crossAx val="-2046514160"/>
+        <c:crossAx val="-2084358272"/>
         <c:crosses val="autoZero"/>
         <c:crossBetween val="between"/>
       </c:valAx>
@@ -11769,11 +11786,11 @@
         </c:dLbls>
         <c:gapWidth val="219"/>
         <c:overlap val="100"/>
-        <c:axId val="-2080799936"/>
-        <c:axId val="-2080796576"/>
+        <c:axId val="-2084386416"/>
+        <c:axId val="-2084390096"/>
       </c:barChart>
       <c:catAx>
-        <c:axId val="-2080799936"/>
+        <c:axId val="-2084386416"/>
         <c:scaling>
           <c:orientation val="minMax"/>
         </c:scaling>
@@ -11816,7 +11833,7 @@
             <a:endParaRPr lang="en-US"/>
           </a:p>
         </c:txPr>
-        <c:crossAx val="-2080796576"/>
+        <c:crossAx val="-2084390096"/>
         <c:crosses val="autoZero"/>
         <c:auto val="1"/>
         <c:lblAlgn val="ctr"/>
@@ -11824,7 +11841,7 @@
         <c:noMultiLvlLbl val="0"/>
       </c:catAx>
       <c:valAx>
-        <c:axId val="-2080796576"/>
+        <c:axId val="-2084390096"/>
         <c:scaling>
           <c:orientation val="minMax"/>
         </c:scaling>
@@ -11875,6 +11892,7 @@
               </a:p>
             </c:rich>
           </c:tx>
+          <c:layout/>
           <c:overlay val="0"/>
           <c:spPr>
             <a:noFill/>
@@ -11935,7 +11953,7 @@
             <a:endParaRPr lang="en-US"/>
           </a:p>
         </c:txPr>
-        <c:crossAx val="-2080799936"/>
+        <c:crossAx val="-2084386416"/>
         <c:crosses val="autoZero"/>
         <c:crossBetween val="between"/>
       </c:valAx>
@@ -12226,7 +12244,9 @@
               </c:spPr>
             </c:leaderLines>
             <c:extLst>
-              <c:ext xmlns:c15="http://schemas.microsoft.com/office/drawing/2012/chart" uri="{CE6537A1-D6FC-4f65-9D91-7224C49458BB}"/>
+              <c:ext xmlns:c15="http://schemas.microsoft.com/office/drawing/2012/chart" uri="{CE6537A1-D6FC-4f65-9D91-7224C49458BB}">
+                <c15:layout/>
+              </c:ext>
             </c:extLst>
           </c:dLbls>
           <c:cat>
@@ -12530,7 +12550,9 @@
               </c:spPr>
             </c:leaderLines>
             <c:extLst>
-              <c:ext xmlns:c15="http://schemas.microsoft.com/office/drawing/2012/chart" uri="{CE6537A1-D6FC-4f65-9D91-7224C49458BB}"/>
+              <c:ext xmlns:c15="http://schemas.microsoft.com/office/drawing/2012/chart" uri="{CE6537A1-D6FC-4f65-9D91-7224C49458BB}">
+                <c15:layout/>
+              </c:ext>
             </c:extLst>
           </c:dLbls>
           <c:cat>
@@ -22105,7 +22127,7 @@
           <a:p>
             <a:fld id="{8AF2A637-750D-AC4F-B19A-F61B319C6A55}" type="datetimeFigureOut">
               <a:rPr lang="en-US" smtClean="0"/>
-              <a:t>11/26/15</a:t>
+              <a:t>11/28/15</a:t>
             </a:fld>
             <a:endParaRPr lang="en-US"/>
           </a:p>
@@ -24583,7 +24605,7 @@
           <a:p>
             <a:fld id="{F87648D4-822A-184D-A945-2BBD99FACB30}" type="datetimeFigureOut">
               <a:rPr lang="en-US" smtClean="0"/>
-              <a:t>11/26/15</a:t>
+              <a:t>11/28/15</a:t>
             </a:fld>
             <a:endParaRPr lang="en-US"/>
           </a:p>
@@ -24753,7 +24775,7 @@
           <a:p>
             <a:fld id="{F87648D4-822A-184D-A945-2BBD99FACB30}" type="datetimeFigureOut">
               <a:rPr lang="en-US" smtClean="0"/>
-              <a:t>11/26/15</a:t>
+              <a:t>11/28/15</a:t>
             </a:fld>
             <a:endParaRPr lang="en-US"/>
           </a:p>
@@ -24933,7 +24955,7 @@
           <a:p>
             <a:fld id="{F87648D4-822A-184D-A945-2BBD99FACB30}" type="datetimeFigureOut">
               <a:rPr lang="en-US" smtClean="0"/>
-              <a:t>11/26/15</a:t>
+              <a:t>11/28/15</a:t>
             </a:fld>
             <a:endParaRPr lang="en-US"/>
           </a:p>
@@ -25103,7 +25125,7 @@
           <a:p>
             <a:fld id="{F87648D4-822A-184D-A945-2BBD99FACB30}" type="datetimeFigureOut">
               <a:rPr lang="en-US" smtClean="0"/>
-              <a:t>11/26/15</a:t>
+              <a:t>11/28/15</a:t>
             </a:fld>
             <a:endParaRPr lang="en-US"/>
           </a:p>
@@ -25347,7 +25369,7 @@
           <a:p>
             <a:fld id="{F87648D4-822A-184D-A945-2BBD99FACB30}" type="datetimeFigureOut">
               <a:rPr lang="en-US" smtClean="0"/>
-              <a:t>11/26/15</a:t>
+              <a:t>11/28/15</a:t>
             </a:fld>
             <a:endParaRPr lang="en-US"/>
           </a:p>
@@ -25579,7 +25601,7 @@
           <a:p>
             <a:fld id="{F87648D4-822A-184D-A945-2BBD99FACB30}" type="datetimeFigureOut">
               <a:rPr lang="en-US" smtClean="0"/>
-              <a:t>11/26/15</a:t>
+              <a:t>11/28/15</a:t>
             </a:fld>
             <a:endParaRPr lang="en-US"/>
           </a:p>
@@ -25946,7 +25968,7 @@
           <a:p>
             <a:fld id="{F87648D4-822A-184D-A945-2BBD99FACB30}" type="datetimeFigureOut">
               <a:rPr lang="en-US" smtClean="0"/>
-              <a:t>11/26/15</a:t>
+              <a:t>11/28/15</a:t>
             </a:fld>
             <a:endParaRPr lang="en-US"/>
           </a:p>
@@ -26064,7 +26086,7 @@
           <a:p>
             <a:fld id="{F87648D4-822A-184D-A945-2BBD99FACB30}" type="datetimeFigureOut">
               <a:rPr lang="en-US" smtClean="0"/>
-              <a:t>11/26/15</a:t>
+              <a:t>11/28/15</a:t>
             </a:fld>
             <a:endParaRPr lang="en-US"/>
           </a:p>
@@ -26159,7 +26181,7 @@
           <a:p>
             <a:fld id="{F87648D4-822A-184D-A945-2BBD99FACB30}" type="datetimeFigureOut">
               <a:rPr lang="en-US" smtClean="0"/>
-              <a:t>11/26/15</a:t>
+              <a:t>11/28/15</a:t>
             </a:fld>
             <a:endParaRPr lang="en-US"/>
           </a:p>
@@ -26436,7 +26458,7 @@
           <a:p>
             <a:fld id="{F87648D4-822A-184D-A945-2BBD99FACB30}" type="datetimeFigureOut">
               <a:rPr lang="en-US" smtClean="0"/>
-              <a:t>11/26/15</a:t>
+              <a:t>11/28/15</a:t>
             </a:fld>
             <a:endParaRPr lang="en-US"/>
           </a:p>
@@ -26693,7 +26715,7 @@
           <a:p>
             <a:fld id="{F87648D4-822A-184D-A945-2BBD99FACB30}" type="datetimeFigureOut">
               <a:rPr lang="en-US" smtClean="0"/>
-              <a:t>11/26/15</a:t>
+              <a:t>11/28/15</a:t>
             </a:fld>
             <a:endParaRPr lang="en-US"/>
           </a:p>
@@ -26906,7 +26928,7 @@
           <a:p>
             <a:fld id="{F87648D4-822A-184D-A945-2BBD99FACB30}" type="datetimeFigureOut">
               <a:rPr lang="en-US" smtClean="0"/>
-              <a:t>11/26/15</a:t>
+              <a:t>11/28/15</a:t>
             </a:fld>
             <a:endParaRPr lang="en-US"/>
           </a:p>
@@ -27487,7 +27509,11 @@
             <a:pPr algn="ctr"/>
             <a:r>
               <a:rPr lang="en-US" sz="2000" dirty="0" smtClean="0"/>
-              <a:t>-537.0 gCO</a:t>
+              <a:t>-601.1 </a:t>
+            </a:r>
+            <a:r>
+              <a:rPr lang="en-US" sz="2000" dirty="0" smtClean="0"/>
+              <a:t>gCO</a:t>
             </a:r>
             <a:r>
               <a:rPr lang="en-US" sz="2000" baseline="-25000" dirty="0" smtClean="0"/>
@@ -29523,7 +29549,7 @@
           <p:nvPr>
             <p:extLst>
               <p:ext uri="{D42A27DB-BD31-4B8C-83A1-F6EECF244321}">
-                <p14:modId xmlns:p14="http://schemas.microsoft.com/office/powerpoint/2010/main" val="1247774656"/>
+                <p14:modId xmlns:p14="http://schemas.microsoft.com/office/powerpoint/2010/main" val="578947198"/>
               </p:ext>
             </p:extLst>
           </p:nvPr>
@@ -29609,7 +29635,7 @@
         <p:spPr>
           <a:xfrm>
             <a:off x="2424391" y="4341886"/>
-            <a:ext cx="1152000" cy="830997"/>
+            <a:ext cx="1152000" cy="338554"/>
           </a:xfrm>
           <a:prstGeom prst="rect">
             <a:avLst/>
@@ -29631,7 +29657,7 @@
                   </a:schemeClr>
                 </a:solidFill>
               </a:rPr>
-              <a:t>ASF (CIGS) ENTSO-E </a:t>
+              <a:t>ASF (CIGS</a:t>
             </a:r>
             <a:r>
               <a:rPr lang="en-US" sz="1600" dirty="0" smtClean="0">
@@ -29641,7 +29667,7 @@
                   </a:schemeClr>
                 </a:solidFill>
               </a:rPr>
-              <a:t>mix</a:t>
+              <a:t>)</a:t>
             </a:r>
             <a:endParaRPr lang="en-US" sz="1600" dirty="0" smtClean="0">
               <a:solidFill>
@@ -29684,27 +29710,7 @@
                   </a:schemeClr>
                 </a:solidFill>
               </a:rPr>
-              <a:t>Static ASF </a:t>
-            </a:r>
-            <a:r>
-              <a:rPr lang="en-US" sz="1600" dirty="0" smtClean="0">
-                <a:solidFill>
-                  <a:schemeClr val="bg2">
-                    <a:lumMod val="25000"/>
-                  </a:schemeClr>
-                </a:solidFill>
-              </a:rPr>
-              <a:t>(CIGS) ENTSO-E </a:t>
-            </a:r>
-            <a:r>
-              <a:rPr lang="en-US" sz="1600" dirty="0" smtClean="0">
-                <a:solidFill>
-                  <a:schemeClr val="bg2">
-                    <a:lumMod val="25000"/>
-                  </a:schemeClr>
-                </a:solidFill>
-              </a:rPr>
-              <a:t>mix</a:t>
+              <a:t>Orientated solar facade (CIGS)</a:t>
             </a:r>
             <a:endParaRPr lang="en-US" sz="1600" dirty="0" smtClean="0">
               <a:solidFill>
@@ -29904,7 +29910,7 @@
         <p:spPr>
           <a:xfrm>
             <a:off x="4413907" y="4341886"/>
-            <a:ext cx="1152000" cy="830997"/>
+            <a:ext cx="1152000" cy="338554"/>
           </a:xfrm>
           <a:prstGeom prst="rect">
             <a:avLst/>
@@ -29926,7 +29932,7 @@
                   </a:schemeClr>
                 </a:solidFill>
               </a:rPr>
-              <a:t>ASF (CIGS) ENTSO-E </a:t>
+              <a:t>ASF (CIGS</a:t>
             </a:r>
             <a:r>
               <a:rPr lang="en-US" sz="1600" dirty="0" smtClean="0">
@@ -29936,7 +29942,7 @@
                   </a:schemeClr>
                 </a:solidFill>
               </a:rPr>
-              <a:t>mix</a:t>
+              <a:t>)</a:t>
             </a:r>
             <a:endParaRPr lang="en-US" sz="1600" dirty="0" smtClean="0">
               <a:solidFill>
@@ -29979,7 +29985,7 @@
                   </a:schemeClr>
                 </a:solidFill>
               </a:rPr>
-              <a:t>Static ASF </a:t>
+              <a:t>Orientated solar facade </a:t>
             </a:r>
             <a:r>
               <a:rPr lang="en-US" sz="1600" dirty="0" smtClean="0">
@@ -29989,7 +29995,7 @@
                   </a:schemeClr>
                 </a:solidFill>
               </a:rPr>
-              <a:t>(CIGS) ENTSO-E </a:t>
+              <a:t>(</a:t>
             </a:r>
             <a:r>
               <a:rPr lang="en-US" sz="1600" dirty="0" smtClean="0">
@@ -29999,7 +30005,17 @@
                   </a:schemeClr>
                 </a:solidFill>
               </a:rPr>
-              <a:t>mix</a:t>
+              <a:t>CIGS</a:t>
+            </a:r>
+            <a:r>
+              <a:rPr lang="en-US" sz="1600" dirty="0">
+                <a:solidFill>
+                  <a:schemeClr val="bg2">
+                    <a:lumMod val="25000"/>
+                  </a:schemeClr>
+                </a:solidFill>
+              </a:rPr>
+              <a:t>)</a:t>
             </a:r>
             <a:endParaRPr lang="en-US" sz="1600" dirty="0" smtClean="0">
               <a:solidFill>

--- a/elsarticle/Images/Thesis charts.pptx
+++ b/elsarticle/Images/Thesis charts.pptx
@@ -7559,8 +7559,8 @@
               <c:idx val="0"/>
               <c:layout>
                 <c:manualLayout>
-                  <c:x val="0.00134333252239769"/>
-                  <c:y val="-0.145829721853049"/>
+                  <c:x val="-0.0026866650447954"/>
+                  <c:y val="-0.139362526469452"/>
                 </c:manualLayout>
               </c:layout>
               <c:showLegendKey val="0"/>
@@ -7731,7 +7731,7 @@
               <c:layout>
                 <c:manualLayout>
                   <c:x val="-0.00268666504479543"/>
-                  <c:y val="-0.16383672326214"/>
+                  <c:y val="-0.148746313372855"/>
                 </c:manualLayout>
               </c:layout>
               <c:showLegendKey val="0"/>
@@ -7859,7 +7859,7 @@
                 <c:formatCode>0.0</c:formatCode>
                 <c:ptCount val="8"/>
                 <c:pt idx="1">
-                  <c:v>-537.0</c:v>
+                  <c:v>-601.1</c:v>
                 </c:pt>
                 <c:pt idx="2" formatCode="General">
                   <c:v>-507.6</c:v>
@@ -7898,7 +7898,7 @@
               <c:layout>
                 <c:manualLayout>
                   <c:x val="-0.00268666504479538"/>
-                  <c:y val="-0.0862299436874334"/>
+                  <c:y val="-0.0797626979108759"/>
                 </c:manualLayout>
               </c:layout>
               <c:dLblPos val="ctr"/>
@@ -7919,7 +7919,7 @@
               <c:layout>
                 <c:manualLayout>
                   <c:x val="-0.00268666504479538"/>
-                  <c:y val="-0.0948529380561768"/>
+                  <c:y val="-0.0840741950952476"/>
                 </c:manualLayout>
               </c:layout>
               <c:dLblPos val="ctr"/>
@@ -7940,7 +7940,7 @@
               <c:layout>
                 <c:manualLayout>
                   <c:x val="-0.00268666504479538"/>
-                  <c:y val="-0.149932823818476"/>
+                  <c:y val="-0.130531086488803"/>
                 </c:manualLayout>
               </c:layout>
               <c:spPr>
@@ -8016,7 +8016,7 @@
               <c:layout>
                 <c:manualLayout>
                   <c:x val="-0.00268666504479538"/>
-                  <c:y val="-0.0676176856256551"/>
+                  <c:y val="-0.0589946912569118"/>
                 </c:manualLayout>
               </c:layout>
               <c:dLblPos val="ctr"/>
@@ -29549,7 +29549,7 @@
           <p:nvPr>
             <p:extLst>
               <p:ext uri="{D42A27DB-BD31-4B8C-83A1-F6EECF244321}">
-                <p14:modId xmlns:p14="http://schemas.microsoft.com/office/powerpoint/2010/main" val="578947198"/>
+                <p14:modId xmlns:p14="http://schemas.microsoft.com/office/powerpoint/2010/main" val="1005413543"/>
               </p:ext>
             </p:extLst>
           </p:nvPr>
@@ -29872,7 +29872,7 @@
         </p:nvCxnSpPr>
         <p:spPr>
           <a:xfrm>
-            <a:off x="1514695" y="2406553"/>
+            <a:off x="1514695" y="2149377"/>
             <a:ext cx="7992012" cy="0"/>
           </a:xfrm>
           <a:prstGeom prst="line">

--- a/elsarticle/Images/Thesis charts.pptx
+++ b/elsarticle/Images/Thesis charts.pptx
@@ -5362,8 +5362,28 @@
               <c:idx val="3"/>
               <c:layout>
                 <c:manualLayout>
-                  <c:x val="0.0"/>
-                  <c:y val="-0.0399855688951907"/>
+                  <c:x val="-0.00268666504479548"/>
+                  <c:y val="-0.139149837257956"/>
+                </c:manualLayout>
+              </c:layout>
+              <c:showLegendKey val="0"/>
+              <c:showVal val="1"/>
+              <c:showCatName val="0"/>
+              <c:showSerName val="0"/>
+              <c:showPercent val="0"/>
+              <c:showBubbleSize val="0"/>
+              <c:extLst>
+                <c:ext xmlns:c15="http://schemas.microsoft.com/office/drawing/2012/chart" uri="{CE6537A1-D6FC-4f65-9D91-7224C49458BB}">
+                  <c15:layout/>
+                </c:ext>
+              </c:extLst>
+            </c:dLbl>
+            <c:dLbl>
+              <c:idx val="4"/>
+              <c:layout>
+                <c:manualLayout>
+                  <c:x val="-0.00268666504479538"/>
+                  <c:y val="-0.0797626979108759"/>
                 </c:manualLayout>
               </c:layout>
               <c:showLegendKey val="0"/>
@@ -5474,16 +5494,16 @@
                 <c:formatCode>0.0</c:formatCode>
                 <c:ptCount val="8"/>
                 <c:pt idx="1">
-                  <c:v>-537.0</c:v>
+                  <c:v>-601.1</c:v>
                 </c:pt>
                 <c:pt idx="2" formatCode="General">
-                  <c:v>277.1</c:v>
+                  <c:v>310.1</c:v>
                 </c:pt>
                 <c:pt idx="3" formatCode="General">
-                  <c:v>0.0</c:v>
+                  <c:v>-507.6</c:v>
                 </c:pt>
                 <c:pt idx="4" formatCode="General">
-                  <c:v>0.0</c:v>
+                  <c:v>257.5</c:v>
                 </c:pt>
               </c:numCache>
             </c:numRef>
@@ -5518,8 +5538,8 @@
               <c:idx val="5"/>
               <c:layout>
                 <c:manualLayout>
-                  <c:x val="-0.00134333252239769"/>
-                  <c:y val="-0.0529241371701132"/>
+                  <c:x val="-0.00268666504479538"/>
+                  <c:y val="-0.126219589304432"/>
                 </c:manualLayout>
               </c:layout>
               <c:spPr>
@@ -5573,8 +5593,8 @@
               <c:idx val="6"/>
               <c:layout>
                 <c:manualLayout>
-                  <c:x val="-0.00134333252239779"/>
-                  <c:y val="-0.047041845759048"/>
+                  <c:x val="-0.00268666504479538"/>
+                  <c:y val="-0.068599315083026"/>
                 </c:manualLayout>
               </c:layout>
               <c:dLblPos val="ctr"/>
@@ -5595,7 +5615,7 @@
               <c:layout>
                 <c:manualLayout>
                   <c:x val="-0.00268666504479538"/>
-                  <c:y val="-0.0439044511116109"/>
+                  <c:y val="-0.0589946912569118"/>
                 </c:manualLayout>
               </c:layout>
               <c:dLblPos val="ctr"/>
@@ -5707,13 +5727,13 @@
                 <c:formatCode>General</c:formatCode>
                 <c:ptCount val="8"/>
                 <c:pt idx="5" formatCode="0.0">
-                  <c:v>101.5</c:v>
+                  <c:v>457.1</c:v>
                 </c:pt>
                 <c:pt idx="6" formatCode="0.0">
-                  <c:v>81.9</c:v>
+                  <c:v>184.5</c:v>
                 </c:pt>
                 <c:pt idx="7" formatCode="0.0">
-                  <c:v>76.2</c:v>
+                  <c:v>154.4</c:v>
                 </c:pt>
               </c:numCache>
             </c:numRef>
@@ -6657,8 +6677,8 @@
               <c:idx val="0"/>
               <c:layout>
                 <c:manualLayout>
-                  <c:x val="0.00134333252239769"/>
-                  <c:y val="-0.145829721853049"/>
+                  <c:x val="0.0"/>
+                  <c:y val="-0.128583783508523"/>
                 </c:manualLayout>
               </c:layout>
               <c:showLegendKey val="0"/>
@@ -6894,8 +6914,8 @@
               <c:idx val="5"/>
               <c:layout>
                 <c:manualLayout>
-                  <c:x val="0.0"/>
-                  <c:y val="-0.0399855688951907"/>
+                  <c:x val="-0.00134333252239769"/>
+                  <c:y val="-0.13699408866577"/>
                 </c:manualLayout>
               </c:layout>
               <c:showLegendKey val="0"/>
@@ -7005,19 +7025,19 @@
             <c:numRef>
               <c:f>Sheet1!$C$2:$C$10</c:f>
               <c:numCache>
-                <c:formatCode>General</c:formatCode>
+                <c:formatCode>0.0</c:formatCode>
                 <c:ptCount val="9"/>
-                <c:pt idx="2" formatCode="0.0">
-                  <c:v>-537.0</c:v>
-                </c:pt>
-                <c:pt idx="3" formatCode="0.0">
-                  <c:v>63.1</c:v>
-                </c:pt>
-                <c:pt idx="4">
-                  <c:v>277.1</c:v>
-                </c:pt>
-                <c:pt idx="5">
-                  <c:v>0.0</c:v>
+                <c:pt idx="2">
+                  <c:v>-601.1</c:v>
+                </c:pt>
+                <c:pt idx="3">
+                  <c:v>70.6</c:v>
+                </c:pt>
+                <c:pt idx="4" formatCode="General">
+                  <c:v>310.1</c:v>
+                </c:pt>
+                <c:pt idx="5" formatCode="General">
+                  <c:v>-507.6</c:v>
                 </c:pt>
               </c:numCache>
             </c:numRef>
@@ -7053,7 +7073,7 @@
               <c:layout>
                 <c:manualLayout>
                   <c:x val="-0.00134333252239769"/>
-                  <c:y val="-0.0529241371701132"/>
+                  <c:y val="-0.126219589304432"/>
                 </c:manualLayout>
               </c:layout>
               <c:spPr>
@@ -7107,8 +7127,8 @@
               <c:idx val="7"/>
               <c:layout>
                 <c:manualLayout>
-                  <c:x val="-0.00134333252239779"/>
-                  <c:y val="-0.047041845759048"/>
+                  <c:x val="-0.00134333252239769"/>
+                  <c:y val="-0.0664435664908402"/>
                 </c:manualLayout>
               </c:layout>
               <c:dLblPos val="ctr"/>
@@ -7128,8 +7148,8 @@
               <c:idx val="8"/>
               <c:layout>
                 <c:manualLayout>
-                  <c:x val="-0.00268666504479538"/>
-                  <c:y val="-0.0439044511116109"/>
+                  <c:x val="-0.00134333252239769"/>
+                  <c:y val="-0.0589946912569118"/>
                 </c:manualLayout>
               </c:layout>
               <c:dLblPos val="ctr"/>
@@ -7244,13 +7264,13 @@
                 <c:formatCode>General</c:formatCode>
                 <c:ptCount val="9"/>
                 <c:pt idx="6" formatCode="0.0">
-                  <c:v>101.5</c:v>
+                  <c:v>457.1</c:v>
                 </c:pt>
                 <c:pt idx="7" formatCode="0.0">
-                  <c:v>81.9</c:v>
+                  <c:v>184.5</c:v>
                 </c:pt>
                 <c:pt idx="8" formatCode="0.0">
-                  <c:v>76.2</c:v>
+                  <c:v>154.4</c:v>
                 </c:pt>
               </c:numCache>
             </c:numRef>
@@ -8805,6 +8825,7 @@
               </a:p>
             </c:rich>
           </c:tx>
+          <c:layout/>
           <c:overlay val="0"/>
           <c:spPr>
             <a:noFill/>
@@ -8861,6 +8882,7 @@
     </c:plotArea>
     <c:legend>
       <c:legendPos val="b"/>
+      <c:layout/>
       <c:overlay val="0"/>
       <c:spPr>
         <a:noFill/>
@@ -9187,6 +9209,7 @@
               </a:p>
             </c:rich>
           </c:tx>
+          <c:layout/>
           <c:overlay val="0"/>
           <c:spPr>
             <a:noFill/>
@@ -28625,7 +28648,7 @@
           <p:nvPr>
             <p:extLst>
               <p:ext uri="{D42A27DB-BD31-4B8C-83A1-F6EECF244321}">
-                <p14:modId xmlns:p14="http://schemas.microsoft.com/office/powerpoint/2010/main" val="1141899411"/>
+                <p14:modId xmlns:p14="http://schemas.microsoft.com/office/powerpoint/2010/main" val="2017280057"/>
               </p:ext>
             </p:extLst>
           </p:nvPr>
@@ -28733,7 +28756,27 @@
                   </a:schemeClr>
                 </a:solidFill>
               </a:rPr>
-              <a:t>ASF (CIGS) ENTSO-E mix incl. shading benefits</a:t>
+              <a:t>ASF (CIGS) </a:t>
+            </a:r>
+            <a:r>
+              <a:rPr lang="en-US" sz="1600" dirty="0" smtClean="0">
+                <a:solidFill>
+                  <a:schemeClr val="bg2">
+                    <a:lumMod val="25000"/>
+                  </a:schemeClr>
+                </a:solidFill>
+              </a:rPr>
+              <a:t>incl</a:t>
+            </a:r>
+            <a:r>
+              <a:rPr lang="en-US" sz="1600" dirty="0" smtClean="0">
+                <a:solidFill>
+                  <a:schemeClr val="bg2">
+                    <a:lumMod val="25000"/>
+                  </a:schemeClr>
+                </a:solidFill>
+              </a:rPr>
+              <a:t>. shading benefits</a:t>
             </a:r>
           </a:p>
         </p:txBody>
@@ -28769,7 +28812,27 @@
                   </a:schemeClr>
                 </a:solidFill>
               </a:rPr>
-              <a:t>ASF (CIGS) ENTSO-E mix excl. shading benefits</a:t>
+              <a:t>ASF (CIGS) </a:t>
+            </a:r>
+            <a:r>
+              <a:rPr lang="en-US" sz="1600" dirty="0" smtClean="0">
+                <a:solidFill>
+                  <a:schemeClr val="bg2">
+                    <a:lumMod val="25000"/>
+                  </a:schemeClr>
+                </a:solidFill>
+              </a:rPr>
+              <a:t>excl</a:t>
+            </a:r>
+            <a:r>
+              <a:rPr lang="en-US" sz="1600" dirty="0" smtClean="0">
+                <a:solidFill>
+                  <a:schemeClr val="bg2">
+                    <a:lumMod val="25000"/>
+                  </a:schemeClr>
+                </a:solidFill>
+              </a:rPr>
+              <a:t>. shading benefits</a:t>
             </a:r>
           </a:p>
         </p:txBody>
@@ -28805,7 +28868,17 @@
                   </a:schemeClr>
                 </a:solidFill>
               </a:rPr>
-              <a:t>Static ASF (CIGS) ENTSO-E mix incl. shading benefits</a:t>
+              <a:t>Orientated solar façade (CIGS) </a:t>
+            </a:r>
+            <a:r>
+              <a:rPr lang="en-US" sz="1600" dirty="0" smtClean="0">
+                <a:solidFill>
+                  <a:schemeClr val="bg2">
+                    <a:lumMod val="25000"/>
+                  </a:schemeClr>
+                </a:solidFill>
+              </a:rPr>
+              <a:t>incl. shading benefits</a:t>
             </a:r>
           </a:p>
         </p:txBody>
@@ -28960,7 +29033,7 @@
         </p:nvCxnSpPr>
         <p:spPr>
           <a:xfrm>
-            <a:off x="1514695" y="2406553"/>
+            <a:off x="1514695" y="2149373"/>
             <a:ext cx="7992012" cy="0"/>
           </a:xfrm>
           <a:prstGeom prst="line">
@@ -29020,7 +29093,17 @@
                   </a:schemeClr>
                 </a:solidFill>
               </a:rPr>
-              <a:t>Static ASF (CIGS) ENTSO-E mix excl. shading benefits</a:t>
+              <a:t>Orientated solar façade (CIGS) </a:t>
+            </a:r>
+            <a:r>
+              <a:rPr lang="en-US" sz="1600" dirty="0" smtClean="0">
+                <a:solidFill>
+                  <a:schemeClr val="bg2">
+                    <a:lumMod val="25000"/>
+                  </a:schemeClr>
+                </a:solidFill>
+              </a:rPr>
+              <a:t>excl. shading benefits</a:t>
             </a:r>
           </a:p>
         </p:txBody>
@@ -29069,7 +29152,7 @@
           <p:nvPr>
             <p:extLst>
               <p:ext uri="{D42A27DB-BD31-4B8C-83A1-F6EECF244321}">
-                <p14:modId xmlns:p14="http://schemas.microsoft.com/office/powerpoint/2010/main" val="1212483560"/>
+                <p14:modId xmlns:p14="http://schemas.microsoft.com/office/powerpoint/2010/main" val="738866537"/>
               </p:ext>
             </p:extLst>
           </p:nvPr>
@@ -29227,7 +29310,7 @@
         <p:spPr>
           <a:xfrm>
             <a:off x="5799310" y="4341886"/>
-            <a:ext cx="1152000" cy="1569660"/>
+            <a:ext cx="1152000" cy="2062103"/>
           </a:xfrm>
           <a:prstGeom prst="rect">
             <a:avLst/>
@@ -29249,7 +29332,27 @@
                   </a:schemeClr>
                 </a:solidFill>
               </a:rPr>
-              <a:t>Static ASF (CIGS) ENTSO-E mix incl. shading benefits</a:t>
+              <a:t>Orientated solar facade</a:t>
+            </a:r>
+            <a:r>
+              <a:rPr lang="en-US" sz="1600" dirty="0" smtClean="0">
+                <a:solidFill>
+                  <a:schemeClr val="bg2">
+                    <a:lumMod val="25000"/>
+                  </a:schemeClr>
+                </a:solidFill>
+              </a:rPr>
+              <a:t> </a:t>
+            </a:r>
+            <a:r>
+              <a:rPr lang="en-US" sz="1600" dirty="0" smtClean="0">
+                <a:solidFill>
+                  <a:schemeClr val="bg2">
+                    <a:lumMod val="25000"/>
+                  </a:schemeClr>
+                </a:solidFill>
+              </a:rPr>
+              <a:t>(CIGS) ENTSO-E mix incl. shading benefits</a:t>
             </a:r>
           </a:p>
         </p:txBody>
@@ -29404,7 +29507,7 @@
         </p:nvCxnSpPr>
         <p:spPr>
           <a:xfrm>
-            <a:off x="1514695" y="2406553"/>
+            <a:off x="1514695" y="2149369"/>
             <a:ext cx="7992012" cy="0"/>
           </a:xfrm>
           <a:prstGeom prst="line">
@@ -30238,7 +30341,7 @@
         </p:nvCxnSpPr>
         <p:spPr>
           <a:xfrm>
-            <a:off x="2035527" y="3765841"/>
+            <a:off x="2035527" y="3965873"/>
             <a:ext cx="6858439" cy="0"/>
           </a:xfrm>
           <a:prstGeom prst="line">

--- a/elsarticle/Images/Thesis charts.pptx
+++ b/elsarticle/Images/Thesis charts.pptx
@@ -9022,13 +9022,13 @@
                 <c:formatCode>General</c:formatCode>
                 <c:ptCount val="3"/>
                 <c:pt idx="0">
-                  <c:v>-792.9</c:v>
+                  <c:v>-887.5</c:v>
                 </c:pt>
                 <c:pt idx="1">
-                  <c:v>-525.7</c:v>
+                  <c:v>-588.4</c:v>
                 </c:pt>
                 <c:pt idx="2">
-                  <c:v>-535.6</c:v>
+                  <c:v>-599.5</c:v>
                 </c:pt>
               </c:numCache>
             </c:numRef>
@@ -9084,13 +9084,13 @@
                 <c:formatCode>General</c:formatCode>
                 <c:ptCount val="3"/>
                 <c:pt idx="0">
-                  <c:v>63.1</c:v>
+                  <c:v>70.6</c:v>
                 </c:pt>
                 <c:pt idx="1">
-                  <c:v>-11.3</c:v>
+                  <c:v>-12.70000000000005</c:v>
                 </c:pt>
                 <c:pt idx="2">
-                  <c:v>-1.4</c:v>
+                  <c:v>-1.600000000000023</c:v>
                 </c:pt>
               </c:numCache>
             </c:numRef>
@@ -30318,14 +30318,14 @@
           <p:nvPr>
             <p:extLst>
               <p:ext uri="{D42A27DB-BD31-4B8C-83A1-F6EECF244321}">
-                <p14:modId xmlns:p14="http://schemas.microsoft.com/office/powerpoint/2010/main" val="439134882"/>
+                <p14:modId xmlns:p14="http://schemas.microsoft.com/office/powerpoint/2010/main" val="164860294"/>
               </p:ext>
             </p:extLst>
           </p:nvPr>
         </p:nvGraphicFramePr>
         <p:xfrm>
           <a:off x="722210" y="919284"/>
-          <a:ext cx="8329612" cy="4319587"/>
+          <a:ext cx="8478940" cy="4319587"/>
         </p:xfrm>
         <a:graphic>
           <a:graphicData uri="http://schemas.openxmlformats.org/drawingml/2006/chart">
@@ -30341,7 +30341,7 @@
         </p:nvCxnSpPr>
         <p:spPr>
           <a:xfrm>
-            <a:off x="2035527" y="3965873"/>
+            <a:off x="2135541" y="3737266"/>
             <a:ext cx="6858439" cy="0"/>
           </a:xfrm>
           <a:prstGeom prst="line">
@@ -30377,8 +30377,8 @@
         </p:nvSpPr>
         <p:spPr>
           <a:xfrm>
-            <a:off x="2238723" y="5083718"/>
-            <a:ext cx="1800000" cy="1200328"/>
+            <a:off x="2378423" y="5083718"/>
+            <a:ext cx="1800000" cy="1015663"/>
           </a:xfrm>
           <a:prstGeom prst="rect">
             <a:avLst/>
@@ -30393,7 +30393,7 @@
           <a:p>
             <a:pPr algn="ctr"/>
             <a:r>
-              <a:rPr lang="en-US" sz="2400" dirty="0" smtClean="0">
+              <a:rPr lang="en-US" sz="2000" dirty="0" smtClean="0">
                 <a:solidFill>
                   <a:schemeClr val="bg2">
                     <a:lumMod val="25000"/>
@@ -30413,8 +30413,8 @@
         </p:nvSpPr>
         <p:spPr>
           <a:xfrm>
-            <a:off x="4513850" y="5083718"/>
-            <a:ext cx="1800000" cy="830997"/>
+            <a:off x="4704350" y="5083718"/>
+            <a:ext cx="1800000" cy="707886"/>
           </a:xfrm>
           <a:prstGeom prst="rect">
             <a:avLst/>
@@ -30429,7 +30429,7 @@
           <a:p>
             <a:pPr algn="ctr"/>
             <a:r>
-              <a:rPr lang="en-US" sz="2400" dirty="0" smtClean="0">
+              <a:rPr lang="en-US" sz="2000" dirty="0" smtClean="0">
                 <a:solidFill>
                   <a:schemeClr val="bg2">
                     <a:lumMod val="25000"/>
@@ -30449,8 +30449,8 @@
         </p:nvSpPr>
         <p:spPr>
           <a:xfrm>
-            <a:off x="6839776" y="5083718"/>
-            <a:ext cx="1800000" cy="1200328"/>
+            <a:off x="6979476" y="5083718"/>
+            <a:ext cx="1800000" cy="707886"/>
           </a:xfrm>
           <a:prstGeom prst="rect">
             <a:avLst/>
@@ -30465,7 +30465,7 @@
           <a:p>
             <a:pPr algn="ctr"/>
             <a:r>
-              <a:rPr lang="en-US" sz="2400" dirty="0" smtClean="0">
+              <a:rPr lang="en-US" sz="2000" dirty="0" smtClean="0">
                 <a:solidFill>
                   <a:schemeClr val="bg2">
                     <a:lumMod val="25000"/>
@@ -30478,7 +30478,7 @@
           <a:p>
             <a:pPr algn="ctr"/>
             <a:r>
-              <a:rPr lang="en-US" sz="2400" dirty="0" smtClean="0">
+              <a:rPr lang="en-US" sz="2000" dirty="0" smtClean="0">
                 <a:solidFill>
                   <a:schemeClr val="bg2">
                     <a:lumMod val="25000"/>
@@ -30498,8 +30498,8 @@
         </p:nvCxnSpPr>
         <p:spPr>
           <a:xfrm>
-            <a:off x="2035527" y="1811128"/>
-            <a:ext cx="6822438" cy="0"/>
+            <a:off x="2126015" y="1768264"/>
+            <a:ext cx="6912000" cy="0"/>
           </a:xfrm>
           <a:prstGeom prst="line">
             <a:avLst/>
@@ -30535,7 +30535,7 @@
         </p:nvSpPr>
         <p:spPr>
           <a:xfrm>
-            <a:off x="2904190" y="1202267"/>
+            <a:off x="3049694" y="1202267"/>
             <a:ext cx="451566" cy="369332"/>
           </a:xfrm>
           <a:prstGeom prst="rect">
@@ -30565,7 +30565,7 @@
         </p:nvSpPr>
         <p:spPr>
           <a:xfrm>
-            <a:off x="2927971" y="4646654"/>
+            <a:off x="3055781" y="4646654"/>
             <a:ext cx="439393" cy="369332"/>
           </a:xfrm>
           <a:prstGeom prst="rect">
@@ -30595,8 +30595,8 @@
         </p:nvSpPr>
         <p:spPr>
           <a:xfrm>
-            <a:off x="5053852" y="3248107"/>
-            <a:ext cx="712041" cy="369332"/>
+            <a:off x="5219469" y="3325683"/>
+            <a:ext cx="712054" cy="369332"/>
           </a:xfrm>
           <a:prstGeom prst="rect">
             <a:avLst/>
@@ -30625,7 +30625,7 @@
         </p:nvSpPr>
         <p:spPr>
           <a:xfrm>
-            <a:off x="4910015" y="3857708"/>
+            <a:off x="5101649" y="3723061"/>
             <a:ext cx="1005403" cy="646331"/>
           </a:xfrm>
           <a:prstGeom prst="rect">
@@ -30644,6 +30644,7 @@
               <a:rPr lang="en-GB" dirty="0" smtClean="0"/>
               <a:t>Soft</a:t>
             </a:r>
+            <a:endParaRPr lang="en-GB" dirty="0" smtClean="0"/>
           </a:p>
           <a:p>
             <a:pPr algn="ctr"/>
@@ -30663,8 +30664,8 @@
         </p:nvSpPr>
         <p:spPr>
           <a:xfrm>
-            <a:off x="7204387" y="3325683"/>
-            <a:ext cx="1101684" cy="369332"/>
+            <a:off x="7327883" y="3325683"/>
+            <a:ext cx="1103186" cy="369332"/>
           </a:xfrm>
           <a:prstGeom prst="rect">
             <a:avLst/>
@@ -30679,7 +30680,7 @@
           <a:p>
             <a:pPr algn="ctr"/>
             <a:r>
-              <a:rPr lang="en-GB" dirty="0" smtClean="0"/>
+              <a:rPr lang="en-GB" smtClean="0"/>
               <a:t>Individual</a:t>
             </a:r>
             <a:endParaRPr lang="en-GB" dirty="0"/>
@@ -30694,8 +30695,8 @@
         </p:nvSpPr>
         <p:spPr>
           <a:xfrm>
-            <a:off x="7456861" y="3871549"/>
-            <a:ext cx="596738" cy="369332"/>
+            <a:off x="7583818" y="3723061"/>
+            <a:ext cx="591316" cy="369332"/>
           </a:xfrm>
           <a:prstGeom prst="rect">
             <a:avLst/>
@@ -30710,7 +30711,7 @@
           <a:p>
             <a:pPr algn="ctr"/>
             <a:r>
-              <a:rPr lang="en-GB" dirty="0" smtClean="0"/>
+              <a:rPr lang="en-GB" smtClean="0"/>
               <a:t>Row</a:t>
             </a:r>
             <a:endParaRPr lang="en-GB" dirty="0"/>

--- a/elsarticle/Images/Thesis charts.pptx
+++ b/elsarticle/Images/Thesis charts.pptx
@@ -5727,13 +5727,13 @@
                 <c:formatCode>General</c:formatCode>
                 <c:ptCount val="8"/>
                 <c:pt idx="5" formatCode="0.0">
-                  <c:v>457.1</c:v>
+                  <c:v>457.4</c:v>
                 </c:pt>
                 <c:pt idx="6" formatCode="0.0">
-                  <c:v>184.5</c:v>
+                  <c:v>184.7</c:v>
                 </c:pt>
                 <c:pt idx="7" formatCode="0.0">
-                  <c:v>154.4</c:v>
+                  <c:v>154.7</c:v>
                 </c:pt>
               </c:numCache>
             </c:numRef>
@@ -6067,6 +6067,7 @@
             <c:showLeaderLines val="0"/>
             <c:extLst>
               <c:ext xmlns:c15="http://schemas.microsoft.com/office/drawing/2012/chart" uri="{CE6537A1-D6FC-4f65-9D91-7224C49458BB}">
+                <c15:layout/>
                 <c15:showLeaderLines val="1"/>
                 <c15:leaderLines>
                   <c:spPr>
@@ -6190,6 +6191,7 @@
             <c:showLeaderLines val="0"/>
             <c:extLst>
               <c:ext xmlns:c15="http://schemas.microsoft.com/office/drawing/2012/chart" uri="{CE6537A1-D6FC-4f65-9D91-7224C49458BB}">
+                <c15:layout/>
                 <c15:showLeaderLines val="1"/>
                 <c15:leaderLines>
                   <c:spPr>
@@ -6308,6 +6310,7 @@
             <c:showLeaderLines val="0"/>
             <c:extLst>
               <c:ext xmlns:c15="http://schemas.microsoft.com/office/drawing/2012/chart" uri="{CE6537A1-D6FC-4f65-9D91-7224C49458BB}">
+                <c15:layout/>
                 <c15:showLeaderLines val="1"/>
                 <c15:leaderLines>
                   <c:spPr>
@@ -6483,6 +6486,7 @@
               </a:p>
             </c:rich>
           </c:tx>
+          <c:layout/>
           <c:overlay val="0"/>
           <c:spPr>
             <a:noFill/>
@@ -6561,6 +6565,7 @@
     </c:plotArea>
     <c:legend>
       <c:legendPos val="b"/>
+      <c:layout/>
       <c:overlay val="0"/>
       <c:spPr>
         <a:noFill/>
@@ -7264,13 +7269,13 @@
                 <c:formatCode>General</c:formatCode>
                 <c:ptCount val="9"/>
                 <c:pt idx="6" formatCode="0.0">
-                  <c:v>457.1</c:v>
+                  <c:v>457.4</c:v>
                 </c:pt>
                 <c:pt idx="7" formatCode="0.0">
-                  <c:v>184.5</c:v>
+                  <c:v>184.7</c:v>
                 </c:pt>
                 <c:pt idx="8" formatCode="0.0">
-                  <c:v>154.4</c:v>
+                  <c:v>154.7</c:v>
                 </c:pt>
               </c:numCache>
             </c:numRef>
@@ -8154,13 +8159,13 @@
                   <c:v>257.5</c:v>
                 </c:pt>
                 <c:pt idx="5" formatCode="0.0">
-                  <c:v>457.1</c:v>
+                  <c:v>457.4</c:v>
                 </c:pt>
                 <c:pt idx="6" formatCode="0.0">
-                  <c:v>184.5</c:v>
+                  <c:v>184.7</c:v>
                 </c:pt>
                 <c:pt idx="7" formatCode="0.0">
-                  <c:v>154.4</c:v>
+                  <c:v>154.7</c:v>
                 </c:pt>
               </c:numCache>
             </c:numRef>
@@ -9397,6 +9402,7 @@
             <c:showLeaderLines val="0"/>
             <c:extLst>
               <c:ext xmlns:c15="http://schemas.microsoft.com/office/drawing/2012/chart" uri="{CE6537A1-D6FC-4f65-9D91-7224C49458BB}">
+                <c15:layout/>
                 <c15:showLeaderLines val="1"/>
                 <c15:leaderLines>
                   <c:spPr>
@@ -9526,6 +9532,7 @@
             <c:showLeaderLines val="0"/>
             <c:extLst>
               <c:ext xmlns:c15="http://schemas.microsoft.com/office/drawing/2012/chart" uri="{CE6537A1-D6FC-4f65-9D91-7224C49458BB}">
+                <c15:layout/>
                 <c15:showLeaderLines val="1"/>
                 <c15:leaderLines>
                   <c:spPr>
@@ -9719,6 +9726,7 @@
               </a:p>
             </c:rich>
           </c:tx>
+          <c:layout/>
           <c:overlay val="0"/>
           <c:spPr>
             <a:noFill/>
@@ -9797,6 +9805,7 @@
     </c:plotArea>
     <c:legend>
       <c:legendPos val="b"/>
+      <c:layout/>
       <c:overlay val="0"/>
       <c:spPr>
         <a:noFill/>
@@ -9938,6 +9947,7 @@
             <c:showLeaderLines val="0"/>
             <c:extLst>
               <c:ext xmlns:c15="http://schemas.microsoft.com/office/drawing/2012/chart" uri="{CE6537A1-D6FC-4f65-9D91-7224C49458BB}">
+                <c15:layout/>
                 <c15:showLeaderLines val="1"/>
                 <c15:leaderLines>
                   <c:spPr>
@@ -10067,6 +10077,7 @@
             <c:showLeaderLines val="0"/>
             <c:extLst>
               <c:ext xmlns:c15="http://schemas.microsoft.com/office/drawing/2012/chart" uri="{CE6537A1-D6FC-4f65-9D91-7224C49458BB}">
+                <c15:layout/>
                 <c15:showLeaderLines val="1"/>
                 <c15:leaderLines>
                   <c:spPr>
@@ -10191,6 +10202,7 @@
             <c:showLeaderLines val="0"/>
             <c:extLst>
               <c:ext xmlns:c15="http://schemas.microsoft.com/office/drawing/2012/chart" uri="{CE6537A1-D6FC-4f65-9D91-7224C49458BB}">
+                <c15:layout/>
                 <c15:showLeaderLines val="1"/>
                 <c15:leaderLines>
                   <c:spPr>
@@ -10315,6 +10327,7 @@
             <c:showLeaderLines val="0"/>
             <c:extLst>
               <c:ext xmlns:c15="http://schemas.microsoft.com/office/drawing/2012/chart" uri="{CE6537A1-D6FC-4f65-9D91-7224C49458BB}">
+                <c15:layout/>
                 <c15:showLeaderLines val="1"/>
                 <c15:leaderLines>
                   <c:spPr>
@@ -10513,6 +10526,7 @@
               </a:p>
             </c:rich>
           </c:tx>
+          <c:layout/>
           <c:overlay val="0"/>
           <c:spPr>
             <a:noFill/>
@@ -10591,6 +10605,7 @@
     </c:plotArea>
     <c:legend>
       <c:legendPos val="b"/>
+      <c:layout/>
       <c:overlay val="0"/>
       <c:spPr>
         <a:noFill/>
@@ -11086,6 +11101,7 @@
               </a:p>
             </c:rich>
           </c:tx>
+          <c:layout/>
           <c:overlay val="0"/>
           <c:spPr>
             <a:noFill/>
@@ -11164,6 +11180,7 @@
     </c:plotArea>
     <c:legend>
       <c:legendPos val="b"/>
+      <c:layout/>
       <c:overlay val="0"/>
       <c:spPr>
         <a:noFill/>
@@ -11437,6 +11454,7 @@
               </a:p>
             </c:rich>
           </c:tx>
+          <c:layout/>
           <c:overlay val="0"/>
           <c:spPr>
             <a:noFill/>
@@ -28648,7 +28666,7 @@
           <p:nvPr>
             <p:extLst>
               <p:ext uri="{D42A27DB-BD31-4B8C-83A1-F6EECF244321}">
-                <p14:modId xmlns:p14="http://schemas.microsoft.com/office/powerpoint/2010/main" val="2017280057"/>
+                <p14:modId xmlns:p14="http://schemas.microsoft.com/office/powerpoint/2010/main" val="1641960443"/>
               </p:ext>
             </p:extLst>
           </p:nvPr>
@@ -29152,7 +29170,7 @@
           <p:nvPr>
             <p:extLst>
               <p:ext uri="{D42A27DB-BD31-4B8C-83A1-F6EECF244321}">
-                <p14:modId xmlns:p14="http://schemas.microsoft.com/office/powerpoint/2010/main" val="738866537"/>
+                <p14:modId xmlns:p14="http://schemas.microsoft.com/office/powerpoint/2010/main" val="1220716234"/>
               </p:ext>
             </p:extLst>
           </p:nvPr>
@@ -29652,7 +29670,7 @@
           <p:nvPr>
             <p:extLst>
               <p:ext uri="{D42A27DB-BD31-4B8C-83A1-F6EECF244321}">
-                <p14:modId xmlns:p14="http://schemas.microsoft.com/office/powerpoint/2010/main" val="1005413543"/>
+                <p14:modId xmlns:p14="http://schemas.microsoft.com/office/powerpoint/2010/main" val="779480019"/>
               </p:ext>
             </p:extLst>
           </p:nvPr>

--- a/elsarticle/Images/Thesis charts.pptx
+++ b/elsarticle/Images/Thesis charts.pptx
@@ -426,11 +426,11 @@
           <c:showPercent val="0"/>
           <c:showBubbleSize val="0"/>
         </c:dLbls>
-        <c:axId val="-2087431392"/>
-        <c:axId val="2118830768"/>
+        <c:axId val="-2110486864"/>
+        <c:axId val="-2107942656"/>
       </c:scatterChart>
       <c:valAx>
-        <c:axId val="-2087431392"/>
+        <c:axId val="-2110486864"/>
         <c:scaling>
           <c:orientation val="minMax"/>
         </c:scaling>
@@ -552,12 +552,12 @@
             <a:endParaRPr lang="en-US"/>
           </a:p>
         </c:txPr>
-        <c:crossAx val="2118830768"/>
+        <c:crossAx val="-2107942656"/>
         <c:crosses val="autoZero"/>
         <c:crossBetween val="midCat"/>
       </c:valAx>
       <c:valAx>
-        <c:axId val="2118830768"/>
+        <c:axId val="-2107942656"/>
         <c:scaling>
           <c:orientation val="minMax"/>
         </c:scaling>
@@ -683,7 +683,7 @@
             <a:endParaRPr lang="en-US"/>
           </a:p>
         </c:txPr>
-        <c:crossAx val="-2087431392"/>
+        <c:crossAx val="-2110486864"/>
         <c:crosses val="autoZero"/>
         <c:crossBetween val="midCat"/>
       </c:valAx>
@@ -920,9 +920,7 @@
               </c:spPr>
             </c:leaderLines>
             <c:extLst>
-              <c:ext xmlns:c15="http://schemas.microsoft.com/office/drawing/2012/chart" uri="{CE6537A1-D6FC-4f65-9D91-7224C49458BB}">
-                <c15:layout/>
-              </c:ext>
+              <c:ext xmlns:c15="http://schemas.microsoft.com/office/drawing/2012/chart" uri="{CE6537A1-D6FC-4f65-9D91-7224C49458BB}"/>
             </c:extLst>
           </c:dLbls>
           <c:cat>
@@ -1243,9 +1241,7 @@
               <c:showPercent val="0"/>
               <c:showBubbleSize val="0"/>
               <c:extLst>
-                <c:ext xmlns:c15="http://schemas.microsoft.com/office/drawing/2012/chart" uri="{CE6537A1-D6FC-4f65-9D91-7224C49458BB}">
-                  <c15:layout/>
-                </c:ext>
+                <c:ext xmlns:c15="http://schemas.microsoft.com/office/drawing/2012/chart" uri="{CE6537A1-D6FC-4f65-9D91-7224C49458BB}"/>
               </c:extLst>
             </c:dLbl>
             <c:dLbl>
@@ -1263,9 +1259,7 @@
               <c:showPercent val="0"/>
               <c:showBubbleSize val="0"/>
               <c:extLst>
-                <c:ext xmlns:c15="http://schemas.microsoft.com/office/drawing/2012/chart" uri="{CE6537A1-D6FC-4f65-9D91-7224C49458BB}">
-                  <c15:layout/>
-                </c:ext>
+                <c:ext xmlns:c15="http://schemas.microsoft.com/office/drawing/2012/chart" uri="{CE6537A1-D6FC-4f65-9D91-7224C49458BB}"/>
               </c:extLst>
             </c:dLbl>
             <c:spPr>
@@ -1319,9 +1313,7 @@
               </c:spPr>
             </c:leaderLines>
             <c:extLst>
-              <c:ext xmlns:c15="http://schemas.microsoft.com/office/drawing/2012/chart" uri="{CE6537A1-D6FC-4f65-9D91-7224C49458BB}">
-                <c15:layout/>
-              </c:ext>
+              <c:ext xmlns:c15="http://schemas.microsoft.com/office/drawing/2012/chart" uri="{CE6537A1-D6FC-4f65-9D91-7224C49458BB}"/>
             </c:extLst>
           </c:dLbls>
           <c:cat>
@@ -1640,9 +1632,7 @@
               </c:spPr>
             </c:leaderLines>
             <c:extLst>
-              <c:ext xmlns:c15="http://schemas.microsoft.com/office/drawing/2012/chart" uri="{CE6537A1-D6FC-4f65-9D91-7224C49458BB}">
-                <c15:layout/>
-              </c:ext>
+              <c:ext xmlns:c15="http://schemas.microsoft.com/office/drawing/2012/chart" uri="{CE6537A1-D6FC-4f65-9D91-7224C49458BB}"/>
             </c:extLst>
           </c:dLbls>
           <c:cat>
@@ -1937,9 +1927,7 @@
               <c:showPercent val="0"/>
               <c:showBubbleSize val="0"/>
               <c:extLst>
-                <c:ext xmlns:c15="http://schemas.microsoft.com/office/drawing/2012/chart" uri="{CE6537A1-D6FC-4f65-9D91-7224C49458BB}">
-                  <c15:layout/>
-                </c:ext>
+                <c:ext xmlns:c15="http://schemas.microsoft.com/office/drawing/2012/chart" uri="{CE6537A1-D6FC-4f65-9D91-7224C49458BB}"/>
               </c:extLst>
             </c:dLbl>
             <c:dLbl>
@@ -2240,9 +2228,7 @@
               <c:showPercent val="0"/>
               <c:showBubbleSize val="0"/>
               <c:extLst>
-                <c:ext xmlns:c15="http://schemas.microsoft.com/office/drawing/2012/chart" uri="{CE6537A1-D6FC-4f65-9D91-7224C49458BB}">
-                  <c15:layout/>
-                </c:ext>
+                <c:ext xmlns:c15="http://schemas.microsoft.com/office/drawing/2012/chart" uri="{CE6537A1-D6FC-4f65-9D91-7224C49458BB}"/>
               </c:extLst>
             </c:dLbl>
             <c:spPr>
@@ -2365,11 +2351,11 @@
         </c:dLbls>
         <c:gapWidth val="150"/>
         <c:overlap val="100"/>
-        <c:axId val="2117471328"/>
-        <c:axId val="2117464096"/>
+        <c:axId val="-2078865376"/>
+        <c:axId val="2117811936"/>
       </c:barChart>
       <c:catAx>
-        <c:axId val="2117471328"/>
+        <c:axId val="-2078865376"/>
         <c:scaling>
           <c:orientation val="minMax"/>
         </c:scaling>
@@ -2379,7 +2365,7 @@
         <c:majorTickMark val="none"/>
         <c:minorTickMark val="none"/>
         <c:tickLblPos val="nextTo"/>
-        <c:crossAx val="2117464096"/>
+        <c:crossAx val="2117811936"/>
         <c:crosses val="autoZero"/>
         <c:auto val="1"/>
         <c:lblAlgn val="ctr"/>
@@ -2387,7 +2373,7 @@
         <c:noMultiLvlLbl val="0"/>
       </c:catAx>
       <c:valAx>
-        <c:axId val="2117464096"/>
+        <c:axId val="2117811936"/>
         <c:scaling>
           <c:orientation val="minMax"/>
         </c:scaling>
@@ -2442,7 +2428,6 @@
               </a:p>
             </c:rich>
           </c:tx>
-          <c:layout/>
           <c:overlay val="0"/>
           <c:spPr>
             <a:noFill/>
@@ -2503,7 +2488,7 @@
             <a:endParaRPr lang="en-US"/>
           </a:p>
         </c:txPr>
-        <c:crossAx val="2117471328"/>
+        <c:crossAx val="-2078865376"/>
         <c:crosses val="autoZero"/>
         <c:crossBetween val="between"/>
       </c:valAx>
@@ -2886,11 +2871,11 @@
         </c:dLbls>
         <c:gapWidth val="219"/>
         <c:overlap val="-27"/>
-        <c:axId val="-2113695536"/>
-        <c:axId val="-2113692112"/>
+        <c:axId val="2087362128"/>
+        <c:axId val="2087135776"/>
       </c:barChart>
       <c:catAx>
-        <c:axId val="-2113695536"/>
+        <c:axId val="2087362128"/>
         <c:scaling>
           <c:orientation val="minMax"/>
         </c:scaling>
@@ -2930,7 +2915,7 @@
             <a:endParaRPr lang="en-US"/>
           </a:p>
         </c:txPr>
-        <c:crossAx val="-2113692112"/>
+        <c:crossAx val="2087135776"/>
         <c:crosses val="autoZero"/>
         <c:auto val="1"/>
         <c:lblAlgn val="ctr"/>
@@ -2938,7 +2923,7 @@
         <c:noMultiLvlLbl val="0"/>
       </c:catAx>
       <c:valAx>
-        <c:axId val="-2113692112"/>
+        <c:axId val="2087135776"/>
         <c:scaling>
           <c:orientation val="minMax"/>
         </c:scaling>
@@ -3006,7 +2991,6 @@
               </a:p>
             </c:rich>
           </c:tx>
-          <c:layout/>
           <c:overlay val="0"/>
           <c:spPr>
             <a:noFill/>
@@ -3069,7 +3053,7 @@
             <a:endParaRPr lang="en-US"/>
           </a:p>
         </c:txPr>
-        <c:crossAx val="-2113695536"/>
+        <c:crossAx val="2087362128"/>
         <c:crosses val="autoZero"/>
         <c:crossBetween val="between"/>
       </c:valAx>
@@ -3085,7 +3069,6 @@
     </c:plotArea>
     <c:legend>
       <c:legendPos val="b"/>
-      <c:layout/>
       <c:overlay val="0"/>
       <c:spPr>
         <a:noFill/>
@@ -3366,11 +3349,11 @@
         </c:dLbls>
         <c:gapWidth val="219"/>
         <c:overlap val="-27"/>
-        <c:axId val="2117748992"/>
-        <c:axId val="2117548272"/>
+        <c:axId val="-2065201600"/>
+        <c:axId val="-2107797552"/>
       </c:barChart>
       <c:catAx>
-        <c:axId val="2117748992"/>
+        <c:axId val="-2065201600"/>
         <c:scaling>
           <c:orientation val="minMax"/>
         </c:scaling>
@@ -3410,7 +3393,7 @@
             <a:endParaRPr lang="en-US"/>
           </a:p>
         </c:txPr>
-        <c:crossAx val="2117548272"/>
+        <c:crossAx val="-2107797552"/>
         <c:crosses val="autoZero"/>
         <c:auto val="1"/>
         <c:lblAlgn val="ctr"/>
@@ -3418,7 +3401,7 @@
         <c:noMultiLvlLbl val="0"/>
       </c:catAx>
       <c:valAx>
-        <c:axId val="2117548272"/>
+        <c:axId val="-2107797552"/>
         <c:scaling>
           <c:orientation val="minMax"/>
         </c:scaling>
@@ -3496,7 +3479,6 @@
               </a:p>
             </c:rich>
           </c:tx>
-          <c:layout/>
           <c:overlay val="0"/>
           <c:spPr>
             <a:noFill/>
@@ -3539,7 +3521,7 @@
             <a:endParaRPr lang="en-US"/>
           </a:p>
         </c:txPr>
-        <c:crossAx val="2117748992"/>
+        <c:crossAx val="-2065201600"/>
         <c:crosses val="autoZero"/>
         <c:crossBetween val="between"/>
       </c:valAx>
@@ -3555,7 +3537,6 @@
     </c:plotArea>
     <c:legend>
       <c:legendPos val="b"/>
-      <c:layout/>
       <c:overlay val="0"/>
       <c:spPr>
         <a:noFill/>
@@ -3787,9 +3768,7 @@
               </c:spPr>
             </c:leaderLines>
             <c:extLst>
-              <c:ext xmlns:c15="http://schemas.microsoft.com/office/drawing/2012/chart" uri="{CE6537A1-D6FC-4f65-9D91-7224C49458BB}">
-                <c15:layout/>
-              </c:ext>
+              <c:ext xmlns:c15="http://schemas.microsoft.com/office/drawing/2012/chart" uri="{CE6537A1-D6FC-4f65-9D91-7224C49458BB}"/>
             </c:extLst>
           </c:dLbls>
           <c:cat>
@@ -4069,7 +4048,7 @@
                   <c:v>-6.43</c:v>
                 </c:pt>
                 <c:pt idx="10">
-                  <c:v>-9.739999999999998</c:v>
+                  <c:v>-9.74</c:v>
                 </c:pt>
                 <c:pt idx="11">
                   <c:v>-13.05</c:v>
@@ -4103,11 +4082,11 @@
           <c:showBubbleSize val="0"/>
         </c:dLbls>
         <c:smooth val="0"/>
-        <c:axId val="-2113398368"/>
-        <c:axId val="-2113046032"/>
+        <c:axId val="-2079740976"/>
+        <c:axId val="-2084146704"/>
       </c:lineChart>
       <c:catAx>
-        <c:axId val="-2113398368"/>
+        <c:axId val="-2079740976"/>
         <c:scaling>
           <c:orientation val="minMax"/>
         </c:scaling>
@@ -4150,7 +4129,7 @@
             <a:endParaRPr lang="en-US"/>
           </a:p>
         </c:txPr>
-        <c:crossAx val="-2113046032"/>
+        <c:crossAx val="-2084146704"/>
         <c:crosses val="autoZero"/>
         <c:auto val="1"/>
         <c:lblAlgn val="ctr"/>
@@ -4158,7 +4137,7 @@
         <c:noMultiLvlLbl val="0"/>
       </c:catAx>
       <c:valAx>
-        <c:axId val="-2113046032"/>
+        <c:axId val="-2084146704"/>
         <c:scaling>
           <c:orientation val="minMax"/>
         </c:scaling>
@@ -4205,7 +4184,6 @@
               </a:p>
             </c:rich>
           </c:tx>
-          <c:layout/>
           <c:overlay val="0"/>
           <c:spPr>
             <a:noFill/>
@@ -4246,7 +4224,7 @@
             <a:endParaRPr lang="en-US"/>
           </a:p>
         </c:txPr>
-        <c:crossAx val="-2113398368"/>
+        <c:crossAx val="-2079740976"/>
         <c:crosses val="autoZero"/>
         <c:crossBetween val="between"/>
       </c:valAx>
@@ -4262,7 +4240,6 @@
     </c:plotArea>
     <c:legend>
       <c:legendPos val="b"/>
-      <c:layout/>
       <c:overlay val="0"/>
       <c:spPr>
         <a:noFill/>
@@ -4404,7 +4381,6 @@
             <c:showLeaderLines val="0"/>
             <c:extLst>
               <c:ext xmlns:c15="http://schemas.microsoft.com/office/drawing/2012/chart" uri="{CE6537A1-D6FC-4f65-9D91-7224C49458BB}">
-                <c15:layout/>
                 <c15:showLeaderLines val="1"/>
                 <c15:leaderLines>
                   <c:spPr>
@@ -4517,7 +4493,6 @@
             <c:showLeaderLines val="0"/>
             <c:extLst>
               <c:ext xmlns:c15="http://schemas.microsoft.com/office/drawing/2012/chart" uri="{CE6537A1-D6FC-4f65-9D91-7224C49458BB}">
-                <c15:layout/>
                 <c15:showLeaderLines val="1"/>
                 <c15:leaderLines>
                   <c:spPr>
@@ -4630,7 +4605,6 @@
             <c:showLeaderLines val="0"/>
             <c:extLst>
               <c:ext xmlns:c15="http://schemas.microsoft.com/office/drawing/2012/chart" uri="{CE6537A1-D6FC-4f65-9D91-7224C49458BB}">
-                <c15:layout/>
                 <c15:showLeaderLines val="1"/>
                 <c15:leaderLines>
                   <c:spPr>
@@ -4798,7 +4772,6 @@
             <c:showLeaderLines val="0"/>
             <c:extLst>
               <c:ext xmlns:c15="http://schemas.microsoft.com/office/drawing/2012/chart" uri="{CE6537A1-D6FC-4f65-9D91-7224C49458BB}">
-                <c15:layout/>
                 <c15:showLeaderLines val="1"/>
                 <c15:leaderLines>
                   <c:spPr>
@@ -4858,11 +4831,11 @@
         </c:dLbls>
         <c:gapWidth val="219"/>
         <c:overlap val="-27"/>
-        <c:axId val="-2083665760"/>
-        <c:axId val="2088723984"/>
+        <c:axId val="-2110685200"/>
+        <c:axId val="-2087071840"/>
       </c:barChart>
       <c:catAx>
-        <c:axId val="-2083665760"/>
+        <c:axId val="-2110685200"/>
         <c:scaling>
           <c:orientation val="minMax"/>
         </c:scaling>
@@ -4905,7 +4878,7 @@
             <a:endParaRPr lang="en-US"/>
           </a:p>
         </c:txPr>
-        <c:crossAx val="2088723984"/>
+        <c:crossAx val="-2087071840"/>
         <c:crosses val="autoZero"/>
         <c:auto val="1"/>
         <c:lblAlgn val="ctr"/>
@@ -4913,7 +4886,7 @@
         <c:noMultiLvlLbl val="0"/>
       </c:catAx>
       <c:valAx>
-        <c:axId val="2088723984"/>
+        <c:axId val="-2087071840"/>
         <c:scaling>
           <c:orientation val="minMax"/>
         </c:scaling>
@@ -4976,7 +4949,6 @@
               </a:p>
             </c:rich>
           </c:tx>
-          <c:layout/>
           <c:overlay val="0"/>
           <c:spPr>
             <a:noFill/>
@@ -5037,7 +5009,7 @@
             <a:endParaRPr lang="en-US"/>
           </a:p>
         </c:txPr>
-        <c:crossAx val="-2083665760"/>
+        <c:crossAx val="-2110685200"/>
         <c:crosses val="autoZero"/>
         <c:crossBetween val="between"/>
       </c:valAx>
@@ -5053,7 +5025,6 @@
     </c:plotArea>
     <c:legend>
       <c:legendPos val="b"/>
-      <c:layout/>
       <c:overlay val="0"/>
       <c:spPr>
         <a:noFill/>
@@ -5436,7 +5407,6 @@
             <c:showLeaderLines val="0"/>
             <c:extLst>
               <c:ext xmlns:c15="http://schemas.microsoft.com/office/drawing/2012/chart" uri="{CE6537A1-D6FC-4f65-9D91-7224C49458BB}">
-                <c15:layout/>
                 <c15:showLeaderLines val="1"/>
                 <c15:leaderLines>
                   <c:spPr>
@@ -5749,11 +5719,11 @@
         </c:dLbls>
         <c:gapWidth val="219"/>
         <c:overlap val="100"/>
-        <c:axId val="-2113107568"/>
-        <c:axId val="-2113098448"/>
+        <c:axId val="2114501472"/>
+        <c:axId val="-2062882480"/>
       </c:barChart>
       <c:catAx>
-        <c:axId val="-2113107568"/>
+        <c:axId val="2114501472"/>
         <c:scaling>
           <c:orientation val="minMax"/>
         </c:scaling>
@@ -5763,7 +5733,7 @@
         <c:majorTickMark val="none"/>
         <c:minorTickMark val="none"/>
         <c:tickLblPos val="nextTo"/>
-        <c:crossAx val="-2113098448"/>
+        <c:crossAx val="-2062882480"/>
         <c:crosses val="autoZero"/>
         <c:auto val="1"/>
         <c:lblAlgn val="ctr"/>
@@ -5771,7 +5741,7 @@
         <c:noMultiLvlLbl val="0"/>
       </c:catAx>
       <c:valAx>
-        <c:axId val="-2113098448"/>
+        <c:axId val="-2062882480"/>
         <c:scaling>
           <c:orientation val="minMax"/>
         </c:scaling>
@@ -5900,7 +5870,7 @@
             <a:endParaRPr lang="en-US"/>
           </a:p>
         </c:txPr>
-        <c:crossAx val="-2113107568"/>
+        <c:crossAx val="2114501472"/>
         <c:crosses val="autoZero"/>
         <c:crossBetween val="between"/>
       </c:valAx>
@@ -6067,7 +6037,6 @@
             <c:showLeaderLines val="0"/>
             <c:extLst>
               <c:ext xmlns:c15="http://schemas.microsoft.com/office/drawing/2012/chart" uri="{CE6537A1-D6FC-4f65-9D91-7224C49458BB}">
-                <c15:layout/>
                 <c15:showLeaderLines val="1"/>
                 <c15:leaderLines>
                   <c:spPr>
@@ -6191,7 +6160,6 @@
             <c:showLeaderLines val="0"/>
             <c:extLst>
               <c:ext xmlns:c15="http://schemas.microsoft.com/office/drawing/2012/chart" uri="{CE6537A1-D6FC-4f65-9D91-7224C49458BB}">
-                <c15:layout/>
                 <c15:showLeaderLines val="1"/>
                 <c15:leaderLines>
                   <c:spPr>
@@ -6310,7 +6278,6 @@
             <c:showLeaderLines val="0"/>
             <c:extLst>
               <c:ext xmlns:c15="http://schemas.microsoft.com/office/drawing/2012/chart" uri="{CE6537A1-D6FC-4f65-9D91-7224C49458BB}">
-                <c15:layout/>
                 <c15:showLeaderLines val="1"/>
                 <c15:leaderLines>
                   <c:spPr>
@@ -6375,11 +6342,11 @@
         </c:dLbls>
         <c:gapWidth val="219"/>
         <c:overlap val="-27"/>
-        <c:axId val="-2084211728"/>
-        <c:axId val="-2084215360"/>
+        <c:axId val="-2065978416"/>
+        <c:axId val="2118514064"/>
       </c:barChart>
       <c:catAx>
-        <c:axId val="-2084211728"/>
+        <c:axId val="-2065978416"/>
         <c:scaling>
           <c:orientation val="minMax"/>
         </c:scaling>
@@ -6419,7 +6386,7 @@
             <a:endParaRPr lang="en-US"/>
           </a:p>
         </c:txPr>
-        <c:crossAx val="-2084215360"/>
+        <c:crossAx val="2118514064"/>
         <c:crosses val="autoZero"/>
         <c:auto val="1"/>
         <c:lblAlgn val="ctr"/>
@@ -6427,7 +6394,7 @@
         <c:noMultiLvlLbl val="0"/>
       </c:catAx>
       <c:valAx>
-        <c:axId val="-2084215360"/>
+        <c:axId val="2118514064"/>
         <c:scaling>
           <c:orientation val="minMax"/>
         </c:scaling>
@@ -6486,7 +6453,6 @@
               </a:p>
             </c:rich>
           </c:tx>
-          <c:layout/>
           <c:overlay val="0"/>
           <c:spPr>
             <a:noFill/>
@@ -6549,7 +6515,7 @@
             <a:endParaRPr lang="en-US"/>
           </a:p>
         </c:txPr>
-        <c:crossAx val="-2084211728"/>
+        <c:crossAx val="-2065978416"/>
         <c:crosses val="autoZero"/>
         <c:crossBetween val="between"/>
       </c:valAx>
@@ -6565,7 +6531,6 @@
     </c:plotArea>
     <c:legend>
       <c:legendPos val="b"/>
-      <c:layout/>
       <c:overlay val="0"/>
       <c:spPr>
         <a:noFill/>
@@ -7030,18 +6995,18 @@
             <c:numRef>
               <c:f>Sheet1!$C$2:$C$10</c:f>
               <c:numCache>
-                <c:formatCode>0.0</c:formatCode>
+                <c:formatCode>General</c:formatCode>
                 <c:ptCount val="9"/>
-                <c:pt idx="2">
+                <c:pt idx="2" formatCode="0.0">
                   <c:v>-601.1</c:v>
                 </c:pt>
-                <c:pt idx="3">
+                <c:pt idx="3" formatCode="0.0">
                   <c:v>70.6</c:v>
                 </c:pt>
-                <c:pt idx="4" formatCode="General">
+                <c:pt idx="4">
                   <c:v>310.1</c:v>
                 </c:pt>
-                <c:pt idx="5" formatCode="General">
+                <c:pt idx="5">
                   <c:v>-507.6</c:v>
                 </c:pt>
               </c:numCache>
@@ -7291,11 +7256,11 @@
         </c:dLbls>
         <c:gapWidth val="219"/>
         <c:overlap val="100"/>
-        <c:axId val="-2081492880"/>
-        <c:axId val="-2082051440"/>
+        <c:axId val="-2076270720"/>
+        <c:axId val="-2076878304"/>
       </c:barChart>
       <c:catAx>
-        <c:axId val="-2081492880"/>
+        <c:axId val="-2076270720"/>
         <c:scaling>
           <c:orientation val="minMax"/>
         </c:scaling>
@@ -7305,7 +7270,7 @@
         <c:majorTickMark val="none"/>
         <c:minorTickMark val="none"/>
         <c:tickLblPos val="nextTo"/>
-        <c:crossAx val="-2082051440"/>
+        <c:crossAx val="-2076878304"/>
         <c:crosses val="autoZero"/>
         <c:auto val="1"/>
         <c:lblAlgn val="ctr"/>
@@ -7313,7 +7278,7 @@
         <c:noMultiLvlLbl val="0"/>
       </c:catAx>
       <c:valAx>
-        <c:axId val="-2082051440"/>
+        <c:axId val="-2076878304"/>
         <c:scaling>
           <c:orientation val="minMax"/>
         </c:scaling>
@@ -7442,7 +7407,7 @@
             <a:endParaRPr lang="en-US"/>
           </a:p>
         </c:txPr>
-        <c:crossAx val="-2081492880"/>
+        <c:crossAx val="-2076270720"/>
         <c:crosses val="autoZero"/>
         <c:crossBetween val="between"/>
       </c:valAx>
@@ -8181,11 +8146,11 @@
         </c:dLbls>
         <c:gapWidth val="219"/>
         <c:overlap val="100"/>
-        <c:axId val="-2082800896"/>
-        <c:axId val="-2082805424"/>
+        <c:axId val="2118968288"/>
+        <c:axId val="-2083919616"/>
       </c:barChart>
       <c:catAx>
-        <c:axId val="-2082800896"/>
+        <c:axId val="2118968288"/>
         <c:scaling>
           <c:orientation val="minMax"/>
         </c:scaling>
@@ -8195,7 +8160,7 @@
         <c:majorTickMark val="none"/>
         <c:minorTickMark val="none"/>
         <c:tickLblPos val="nextTo"/>
-        <c:crossAx val="-2082805424"/>
+        <c:crossAx val="-2083919616"/>
         <c:crosses val="autoZero"/>
         <c:auto val="1"/>
         <c:lblAlgn val="ctr"/>
@@ -8203,7 +8168,7 @@
         <c:noMultiLvlLbl val="0"/>
       </c:catAx>
       <c:valAx>
-        <c:axId val="-2082805424"/>
+        <c:axId val="-2083919616"/>
         <c:scaling>
           <c:orientation val="minMax"/>
         </c:scaling>
@@ -8332,7 +8297,7 @@
             <a:endParaRPr lang="en-US"/>
           </a:p>
         </c:txPr>
-        <c:crossAx val="-2082800896"/>
+        <c:crossAx val="2118968288"/>
         <c:crosses val="autoZero"/>
         <c:crossBetween val="between"/>
       </c:valAx>
@@ -8724,11 +8689,11 @@
         </c:dLbls>
         <c:gapWidth val="219"/>
         <c:overlap val="100"/>
-        <c:axId val="-2112143440"/>
-        <c:axId val="2117494832"/>
+        <c:axId val="-2084707056"/>
+        <c:axId val="2142328576"/>
       </c:barChart>
       <c:catAx>
-        <c:axId val="-2112143440"/>
+        <c:axId val="-2084707056"/>
         <c:scaling>
           <c:orientation val="minMax"/>
         </c:scaling>
@@ -8771,7 +8736,7 @@
             <a:endParaRPr lang="en-US"/>
           </a:p>
         </c:txPr>
-        <c:crossAx val="2117494832"/>
+        <c:crossAx val="2142328576"/>
         <c:crosses val="autoZero"/>
         <c:auto val="1"/>
         <c:lblAlgn val="ctr"/>
@@ -8779,7 +8744,7 @@
         <c:noMultiLvlLbl val="0"/>
       </c:catAx>
       <c:valAx>
-        <c:axId val="2117494832"/>
+        <c:axId val="2142328576"/>
         <c:scaling>
           <c:orientation val="minMax"/>
         </c:scaling>
@@ -8830,7 +8795,6 @@
               </a:p>
             </c:rich>
           </c:tx>
-          <c:layout/>
           <c:overlay val="0"/>
           <c:spPr>
             <a:noFill/>
@@ -8871,7 +8835,7 @@
             <a:endParaRPr lang="en-US"/>
           </a:p>
         </c:txPr>
-        <c:crossAx val="-2112143440"/>
+        <c:crossAx val="-2084707056"/>
         <c:crosses val="autoZero"/>
         <c:crossBetween val="between"/>
       </c:valAx>
@@ -8887,7 +8851,6 @@
     </c:plotArea>
     <c:legend>
       <c:legendPos val="b"/>
-      <c:layout/>
       <c:overlay val="0"/>
       <c:spPr>
         <a:noFill/>
@@ -9111,11 +9074,11 @@
         </c:dLbls>
         <c:gapWidth val="219"/>
         <c:overlap val="100"/>
-        <c:axId val="-2082207264"/>
-        <c:axId val="-2082210208"/>
+        <c:axId val="2114419280"/>
+        <c:axId val="-2084545648"/>
       </c:barChart>
       <c:catAx>
-        <c:axId val="-2082207264"/>
+        <c:axId val="2114419280"/>
         <c:scaling>
           <c:orientation val="minMax"/>
         </c:scaling>
@@ -9125,7 +9088,7 @@
         <c:majorTickMark val="none"/>
         <c:minorTickMark val="none"/>
         <c:tickLblPos val="nextTo"/>
-        <c:crossAx val="-2082210208"/>
+        <c:crossAx val="-2084545648"/>
         <c:crosses val="autoZero"/>
         <c:auto val="1"/>
         <c:lblAlgn val="ctr"/>
@@ -9133,7 +9096,7 @@
         <c:noMultiLvlLbl val="0"/>
       </c:catAx>
       <c:valAx>
-        <c:axId val="-2082210208"/>
+        <c:axId val="-2084545648"/>
         <c:scaling>
           <c:orientation val="minMax"/>
         </c:scaling>
@@ -9275,7 +9238,7 @@
             <a:endParaRPr lang="en-US"/>
           </a:p>
         </c:txPr>
-        <c:crossAx val="-2082207264"/>
+        <c:crossAx val="2114419280"/>
         <c:crosses val="autoZero"/>
         <c:crossBetween val="between"/>
         <c:majorUnit val="100.0"/>
@@ -9402,7 +9365,6 @@
             <c:showLeaderLines val="0"/>
             <c:extLst>
               <c:ext xmlns:c15="http://schemas.microsoft.com/office/drawing/2012/chart" uri="{CE6537A1-D6FC-4f65-9D91-7224C49458BB}">
-                <c15:layout/>
                 <c15:showLeaderLines val="1"/>
                 <c15:leaderLines>
                   <c:spPr>
@@ -9532,7 +9494,6 @@
             <c:showLeaderLines val="0"/>
             <c:extLst>
               <c:ext xmlns:c15="http://schemas.microsoft.com/office/drawing/2012/chart" uri="{CE6537A1-D6FC-4f65-9D91-7224C49458BB}">
-                <c15:layout/>
                 <c15:showLeaderLines val="1"/>
                 <c15:leaderLines>
                   <c:spPr>
@@ -9603,11 +9564,11 @@
         </c:dLbls>
         <c:gapWidth val="219"/>
         <c:overlap val="-27"/>
-        <c:axId val="-2087655744"/>
-        <c:axId val="-2087652336"/>
+        <c:axId val="-2083851392"/>
+        <c:axId val="2114719184"/>
       </c:barChart>
       <c:catAx>
-        <c:axId val="-2087655744"/>
+        <c:axId val="-2083851392"/>
         <c:scaling>
           <c:orientation val="minMax"/>
         </c:scaling>
@@ -9647,7 +9608,7 @@
             <a:endParaRPr lang="en-US"/>
           </a:p>
         </c:txPr>
-        <c:crossAx val="-2087652336"/>
+        <c:crossAx val="2114719184"/>
         <c:crosses val="autoZero"/>
         <c:auto val="1"/>
         <c:lblAlgn val="ctr"/>
@@ -9655,7 +9616,7 @@
         <c:noMultiLvlLbl val="0"/>
       </c:catAx>
       <c:valAx>
-        <c:axId val="-2087652336"/>
+        <c:axId val="2114719184"/>
         <c:scaling>
           <c:orientation val="minMax"/>
         </c:scaling>
@@ -9726,7 +9687,6 @@
               </a:p>
             </c:rich>
           </c:tx>
-          <c:layout/>
           <c:overlay val="0"/>
           <c:spPr>
             <a:noFill/>
@@ -9789,7 +9749,7 @@
             <a:endParaRPr lang="en-US"/>
           </a:p>
         </c:txPr>
-        <c:crossAx val="-2087655744"/>
+        <c:crossAx val="-2083851392"/>
         <c:crosses val="autoZero"/>
         <c:crossBetween val="between"/>
       </c:valAx>
@@ -9805,7 +9765,6 @@
     </c:plotArea>
     <c:legend>
       <c:legendPos val="b"/>
-      <c:layout/>
       <c:overlay val="0"/>
       <c:spPr>
         <a:noFill/>
@@ -9947,7 +9906,6 @@
             <c:showLeaderLines val="0"/>
             <c:extLst>
               <c:ext xmlns:c15="http://schemas.microsoft.com/office/drawing/2012/chart" uri="{CE6537A1-D6FC-4f65-9D91-7224C49458BB}">
-                <c15:layout/>
                 <c15:showLeaderLines val="1"/>
                 <c15:leaderLines>
                   <c:spPr>
@@ -10077,7 +10035,6 @@
             <c:showLeaderLines val="0"/>
             <c:extLst>
               <c:ext xmlns:c15="http://schemas.microsoft.com/office/drawing/2012/chart" uri="{CE6537A1-D6FC-4f65-9D91-7224C49458BB}">
-                <c15:layout/>
                 <c15:showLeaderLines val="1"/>
                 <c15:leaderLines>
                   <c:spPr>
@@ -10202,7 +10159,6 @@
             <c:showLeaderLines val="0"/>
             <c:extLst>
               <c:ext xmlns:c15="http://schemas.microsoft.com/office/drawing/2012/chart" uri="{CE6537A1-D6FC-4f65-9D91-7224C49458BB}">
-                <c15:layout/>
                 <c15:showLeaderLines val="1"/>
                 <c15:leaderLines>
                   <c:spPr>
@@ -10327,7 +10283,6 @@
             <c:showLeaderLines val="0"/>
             <c:extLst>
               <c:ext xmlns:c15="http://schemas.microsoft.com/office/drawing/2012/chart" uri="{CE6537A1-D6FC-4f65-9D91-7224C49458BB}">
-                <c15:layout/>
                 <c15:showLeaderLines val="1"/>
                 <c15:leaderLines>
                   <c:spPr>
@@ -10398,11 +10353,11 @@
         </c:dLbls>
         <c:gapWidth val="219"/>
         <c:overlap val="-27"/>
-        <c:axId val="2115369888"/>
-        <c:axId val="2115304912"/>
+        <c:axId val="2119729104"/>
+        <c:axId val="2121443392"/>
       </c:barChart>
       <c:catAx>
-        <c:axId val="2115369888"/>
+        <c:axId val="2119729104"/>
         <c:scaling>
           <c:orientation val="minMax"/>
         </c:scaling>
@@ -10442,7 +10397,7 @@
             <a:endParaRPr lang="en-US"/>
           </a:p>
         </c:txPr>
-        <c:crossAx val="2115304912"/>
+        <c:crossAx val="2121443392"/>
         <c:crosses val="autoZero"/>
         <c:auto val="1"/>
         <c:lblAlgn val="ctr"/>
@@ -10450,7 +10405,7 @@
         <c:noMultiLvlLbl val="0"/>
       </c:catAx>
       <c:valAx>
-        <c:axId val="2115304912"/>
+        <c:axId val="2121443392"/>
         <c:scaling>
           <c:orientation val="minMax"/>
         </c:scaling>
@@ -10526,7 +10481,6 @@
               </a:p>
             </c:rich>
           </c:tx>
-          <c:layout/>
           <c:overlay val="0"/>
           <c:spPr>
             <a:noFill/>
@@ -10589,7 +10543,7 @@
             <a:endParaRPr lang="en-US"/>
           </a:p>
         </c:txPr>
-        <c:crossAx val="2115369888"/>
+        <c:crossAx val="2119729104"/>
         <c:crosses val="autoZero"/>
         <c:crossBetween val="between"/>
       </c:valAx>
@@ -10605,7 +10559,6 @@
     </c:plotArea>
     <c:legend>
       <c:legendPos val="b"/>
-      <c:layout/>
       <c:overlay val="0"/>
       <c:spPr>
         <a:noFill/>
@@ -10981,11 +10934,11 @@
         </c:dLbls>
         <c:gapWidth val="219"/>
         <c:overlap val="-27"/>
-        <c:axId val="-2083626144"/>
-        <c:axId val="-2084305712"/>
+        <c:axId val="-2086454704"/>
+        <c:axId val="-2107716288"/>
       </c:barChart>
       <c:catAx>
-        <c:axId val="-2083626144"/>
+        <c:axId val="-2086454704"/>
         <c:scaling>
           <c:orientation val="minMax"/>
         </c:scaling>
@@ -11025,7 +10978,7 @@
             <a:endParaRPr lang="en-US"/>
           </a:p>
         </c:txPr>
-        <c:crossAx val="-2084305712"/>
+        <c:crossAx val="-2107716288"/>
         <c:crosses val="autoZero"/>
         <c:auto val="1"/>
         <c:lblAlgn val="ctr"/>
@@ -11033,7 +10986,7 @@
         <c:noMultiLvlLbl val="0"/>
       </c:catAx>
       <c:valAx>
-        <c:axId val="-2084305712"/>
+        <c:axId val="-2107716288"/>
         <c:scaling>
           <c:orientation val="minMax"/>
         </c:scaling>
@@ -11101,7 +11054,6 @@
               </a:p>
             </c:rich>
           </c:tx>
-          <c:layout/>
           <c:overlay val="0"/>
           <c:spPr>
             <a:noFill/>
@@ -11164,7 +11116,7 @@
             <a:endParaRPr lang="en-US"/>
           </a:p>
         </c:txPr>
-        <c:crossAx val="-2083626144"/>
+        <c:crossAx val="-2086454704"/>
         <c:crosses val="autoZero"/>
         <c:crossBetween val="between"/>
       </c:valAx>
@@ -11180,7 +11132,6 @@
     </c:plotArea>
     <c:legend>
       <c:legendPos val="b"/>
-      <c:layout/>
       <c:overlay val="0"/>
       <c:spPr>
         <a:noFill/>
@@ -11334,11 +11285,11 @@
         </c:dLbls>
         <c:gapWidth val="219"/>
         <c:overlap val="-27"/>
-        <c:axId val="-2084358272"/>
-        <c:axId val="-2084361792"/>
+        <c:axId val="-2066915344"/>
+        <c:axId val="-2109758592"/>
       </c:barChart>
       <c:catAx>
-        <c:axId val="-2084358272"/>
+        <c:axId val="-2066915344"/>
         <c:scaling>
           <c:orientation val="minMax"/>
         </c:scaling>
@@ -11378,7 +11329,7 @@
             <a:endParaRPr lang="en-US"/>
           </a:p>
         </c:txPr>
-        <c:crossAx val="-2084361792"/>
+        <c:crossAx val="-2109758592"/>
         <c:crosses val="autoZero"/>
         <c:auto val="1"/>
         <c:lblAlgn val="ctr"/>
@@ -11386,7 +11337,7 @@
         <c:noMultiLvlLbl val="0"/>
       </c:catAx>
       <c:valAx>
-        <c:axId val="-2084361792"/>
+        <c:axId val="-2109758592"/>
         <c:scaling>
           <c:orientation val="minMax"/>
         </c:scaling>
@@ -11454,7 +11405,6 @@
               </a:p>
             </c:rich>
           </c:tx>
-          <c:layout/>
           <c:overlay val="0"/>
           <c:spPr>
             <a:noFill/>
@@ -11517,7 +11467,7 @@
             <a:endParaRPr lang="en-US"/>
           </a:p>
         </c:txPr>
-        <c:crossAx val="-2084358272"/>
+        <c:crossAx val="-2066915344"/>
         <c:crosses val="autoZero"/>
         <c:crossBetween val="between"/>
       </c:valAx>
@@ -11827,11 +11777,11 @@
         </c:dLbls>
         <c:gapWidth val="219"/>
         <c:overlap val="100"/>
-        <c:axId val="-2084386416"/>
-        <c:axId val="-2084390096"/>
+        <c:axId val="-2079672224"/>
+        <c:axId val="-2084568528"/>
       </c:barChart>
       <c:catAx>
-        <c:axId val="-2084386416"/>
+        <c:axId val="-2079672224"/>
         <c:scaling>
           <c:orientation val="minMax"/>
         </c:scaling>
@@ -11874,7 +11824,7 @@
             <a:endParaRPr lang="en-US"/>
           </a:p>
         </c:txPr>
-        <c:crossAx val="-2084390096"/>
+        <c:crossAx val="-2084568528"/>
         <c:crosses val="autoZero"/>
         <c:auto val="1"/>
         <c:lblAlgn val="ctr"/>
@@ -11882,7 +11832,7 @@
         <c:noMultiLvlLbl val="0"/>
       </c:catAx>
       <c:valAx>
-        <c:axId val="-2084390096"/>
+        <c:axId val="-2084568528"/>
         <c:scaling>
           <c:orientation val="minMax"/>
         </c:scaling>
@@ -11933,7 +11883,6 @@
               </a:p>
             </c:rich>
           </c:tx>
-          <c:layout/>
           <c:overlay val="0"/>
           <c:spPr>
             <a:noFill/>
@@ -11994,7 +11943,7 @@
             <a:endParaRPr lang="en-US"/>
           </a:p>
         </c:txPr>
-        <c:crossAx val="-2084386416"/>
+        <c:crossAx val="-2079672224"/>
         <c:crosses val="autoZero"/>
         <c:crossBetween val="between"/>
       </c:valAx>
@@ -12285,9 +12234,7 @@
               </c:spPr>
             </c:leaderLines>
             <c:extLst>
-              <c:ext xmlns:c15="http://schemas.microsoft.com/office/drawing/2012/chart" uri="{CE6537A1-D6FC-4f65-9D91-7224C49458BB}">
-                <c15:layout/>
-              </c:ext>
+              <c:ext xmlns:c15="http://schemas.microsoft.com/office/drawing/2012/chart" uri="{CE6537A1-D6FC-4f65-9D91-7224C49458BB}"/>
             </c:extLst>
           </c:dLbls>
           <c:cat>
@@ -12591,9 +12538,7 @@
               </c:spPr>
             </c:leaderLines>
             <c:extLst>
-              <c:ext xmlns:c15="http://schemas.microsoft.com/office/drawing/2012/chart" uri="{CE6537A1-D6FC-4f65-9D91-7224C49458BB}">
-                <c15:layout/>
-              </c:ext>
+              <c:ext xmlns:c15="http://schemas.microsoft.com/office/drawing/2012/chart" uri="{CE6537A1-D6FC-4f65-9D91-7224C49458BB}"/>
             </c:extLst>
           </c:dLbls>
           <c:cat>
@@ -27550,11 +27495,7 @@
             <a:pPr algn="ctr"/>
             <a:r>
               <a:rPr lang="en-US" sz="2000" dirty="0" smtClean="0"/>
-              <a:t>-601.1 </a:t>
-            </a:r>
-            <a:r>
-              <a:rPr lang="en-US" sz="2000" dirty="0" smtClean="0"/>
-              <a:t>gCO</a:t>
+              <a:t>-601.1 gCO</a:t>
             </a:r>
             <a:r>
               <a:rPr lang="en-US" sz="2000" baseline="-25000" dirty="0" smtClean="0"/>
@@ -28774,27 +28715,7 @@
                   </a:schemeClr>
                 </a:solidFill>
               </a:rPr>
-              <a:t>ASF (CIGS) </a:t>
-            </a:r>
-            <a:r>
-              <a:rPr lang="en-US" sz="1600" dirty="0" smtClean="0">
-                <a:solidFill>
-                  <a:schemeClr val="bg2">
-                    <a:lumMod val="25000"/>
-                  </a:schemeClr>
-                </a:solidFill>
-              </a:rPr>
-              <a:t>incl</a:t>
-            </a:r>
-            <a:r>
-              <a:rPr lang="en-US" sz="1600" dirty="0" smtClean="0">
-                <a:solidFill>
-                  <a:schemeClr val="bg2">
-                    <a:lumMod val="25000"/>
-                  </a:schemeClr>
-                </a:solidFill>
-              </a:rPr>
-              <a:t>. shading benefits</a:t>
+              <a:t>ASF (CIGS) incl. shading benefits</a:t>
             </a:r>
           </a:p>
         </p:txBody>
@@ -28830,27 +28751,7 @@
                   </a:schemeClr>
                 </a:solidFill>
               </a:rPr>
-              <a:t>ASF (CIGS) </a:t>
-            </a:r>
-            <a:r>
-              <a:rPr lang="en-US" sz="1600" dirty="0" smtClean="0">
-                <a:solidFill>
-                  <a:schemeClr val="bg2">
-                    <a:lumMod val="25000"/>
-                  </a:schemeClr>
-                </a:solidFill>
-              </a:rPr>
-              <a:t>excl</a:t>
-            </a:r>
-            <a:r>
-              <a:rPr lang="en-US" sz="1600" dirty="0" smtClean="0">
-                <a:solidFill>
-                  <a:schemeClr val="bg2">
-                    <a:lumMod val="25000"/>
-                  </a:schemeClr>
-                </a:solidFill>
-              </a:rPr>
-              <a:t>. shading benefits</a:t>
+              <a:t>ASF (CIGS) excl. shading benefits</a:t>
             </a:r>
           </a:p>
         </p:txBody>
@@ -28886,17 +28787,7 @@
                   </a:schemeClr>
                 </a:solidFill>
               </a:rPr>
-              <a:t>Orientated solar façade (CIGS) </a:t>
-            </a:r>
-            <a:r>
-              <a:rPr lang="en-US" sz="1600" dirty="0" smtClean="0">
-                <a:solidFill>
-                  <a:schemeClr val="bg2">
-                    <a:lumMod val="25000"/>
-                  </a:schemeClr>
-                </a:solidFill>
-              </a:rPr>
-              <a:t>incl. shading benefits</a:t>
+              <a:t>Orientated solar façade (CIGS) incl. shading benefits</a:t>
             </a:r>
           </a:p>
         </p:txBody>
@@ -29111,17 +29002,7 @@
                   </a:schemeClr>
                 </a:solidFill>
               </a:rPr>
-              <a:t>Orientated solar façade (CIGS) </a:t>
-            </a:r>
-            <a:r>
-              <a:rPr lang="en-US" sz="1600" dirty="0" smtClean="0">
-                <a:solidFill>
-                  <a:schemeClr val="bg2">
-                    <a:lumMod val="25000"/>
-                  </a:schemeClr>
-                </a:solidFill>
-              </a:rPr>
-              <a:t>excl. shading benefits</a:t>
+              <a:t>Orientated solar façade (CIGS) excl. shading benefits</a:t>
             </a:r>
           </a:p>
         </p:txBody>
@@ -29350,27 +29231,7 @@
                   </a:schemeClr>
                 </a:solidFill>
               </a:rPr>
-              <a:t>Orientated solar facade</a:t>
-            </a:r>
-            <a:r>
-              <a:rPr lang="en-US" sz="1600" dirty="0" smtClean="0">
-                <a:solidFill>
-                  <a:schemeClr val="bg2">
-                    <a:lumMod val="25000"/>
-                  </a:schemeClr>
-                </a:solidFill>
-              </a:rPr>
-              <a:t> </a:t>
-            </a:r>
-            <a:r>
-              <a:rPr lang="en-US" sz="1600" dirty="0" smtClean="0">
-                <a:solidFill>
-                  <a:schemeClr val="bg2">
-                    <a:lumMod val="25000"/>
-                  </a:schemeClr>
-                </a:solidFill>
-              </a:rPr>
-              <a:t>(CIGS) ENTSO-E mix incl. shading benefits</a:t>
+              <a:t>Orientated solar facade (CIGS) ENTSO-E mix incl. shading benefits</a:t>
             </a:r>
           </a:p>
         </p:txBody>
@@ -29384,70 +29245,7 @@
         <p:spPr>
           <a:xfrm>
             <a:off x="6689253" y="4341886"/>
-            <a:ext cx="1152000" cy="338554"/>
-          </a:xfrm>
-          <a:prstGeom prst="rect">
-            <a:avLst/>
-          </a:prstGeom>
-          <a:noFill/>
-        </p:spPr>
-        <p:txBody>
-          <a:bodyPr wrap="square" rtlCol="0">
-            <a:spAutoFit/>
-          </a:bodyPr>
-          <a:lstStyle/>
-          <a:p>
-            <a:pPr algn="ctr"/>
-            <a:r>
-              <a:rPr lang="en-US" sz="1600" smtClean="0">
-                <a:solidFill>
-                  <a:schemeClr val="bg2">
-                    <a:lumMod val="25000"/>
-                  </a:schemeClr>
-                </a:solidFill>
-              </a:rPr>
-              <a:t>Poly-</a:t>
-            </a:r>
-            <a:r>
-              <a:rPr lang="en-US" sz="1600">
-                <a:solidFill>
-                  <a:schemeClr val="bg2">
-                    <a:lumMod val="25000"/>
-                  </a:schemeClr>
-                </a:solidFill>
-              </a:rPr>
-              <a:t>S</a:t>
-            </a:r>
-            <a:r>
-              <a:rPr lang="en-US" sz="1600" smtClean="0">
-                <a:solidFill>
-                  <a:schemeClr val="bg2">
-                    <a:lumMod val="25000"/>
-                  </a:schemeClr>
-                </a:solidFill>
-              </a:rPr>
-              <a:t>i</a:t>
-            </a:r>
-            <a:endParaRPr lang="en-US" sz="1600" dirty="0" smtClean="0">
-              <a:solidFill>
-                <a:schemeClr val="bg2">
-                  <a:lumMod val="25000"/>
-                </a:schemeClr>
-              </a:solidFill>
-            </a:endParaRPr>
-          </a:p>
-        </p:txBody>
-      </p:sp>
-      <p:sp>
-        <p:nvSpPr>
-          <p:cNvPr id="10" name="TextBox 9"/>
-          <p:cNvSpPr txBox="1"/>
-          <p:nvPr/>
-        </p:nvSpPr>
-        <p:spPr>
-          <a:xfrm>
-            <a:off x="7579196" y="4341886"/>
-            <a:ext cx="1152000" cy="338554"/>
+            <a:ext cx="1152000" cy="830997"/>
           </a:xfrm>
           <a:prstGeom prst="rect">
             <a:avLst/>
@@ -29469,21 +29267,28 @@
                   </a:schemeClr>
                 </a:solidFill>
               </a:rPr>
-              <a:t>CIS</a:t>
+              <a:t>Flat façade mounted Poly-Si</a:t>
             </a:r>
+            <a:endParaRPr lang="en-US" sz="1600" dirty="0" smtClean="0">
+              <a:solidFill>
+                <a:schemeClr val="bg2">
+                  <a:lumMod val="25000"/>
+                </a:schemeClr>
+              </a:solidFill>
+            </a:endParaRPr>
           </a:p>
         </p:txBody>
       </p:sp>
       <p:sp>
         <p:nvSpPr>
-          <p:cNvPr id="11" name="TextBox 10"/>
+          <p:cNvPr id="10" name="TextBox 9"/>
           <p:cNvSpPr txBox="1"/>
           <p:nvPr/>
         </p:nvSpPr>
         <p:spPr>
           <a:xfrm>
-            <a:off x="8469142" y="4341886"/>
-            <a:ext cx="1152000" cy="338554"/>
+            <a:off x="7579196" y="4341886"/>
+            <a:ext cx="1152000" cy="830997"/>
           </a:xfrm>
           <a:prstGeom prst="rect">
             <a:avLst/>
@@ -29498,14 +29303,67 @@
           <a:p>
             <a:pPr algn="ctr"/>
             <a:r>
-              <a:rPr lang="en-US" sz="1600" dirty="0" err="1" smtClean="0">
+              <a:rPr lang="en-US" sz="1600" dirty="0" smtClean="0">
                 <a:solidFill>
                   <a:schemeClr val="bg2">
                     <a:lumMod val="25000"/>
                   </a:schemeClr>
                 </a:solidFill>
               </a:rPr>
-              <a:t>CdTe</a:t>
+              <a:t>Flat façade mounted CIS</a:t>
+            </a:r>
+            <a:endParaRPr lang="en-US" sz="1600" dirty="0" smtClean="0">
+              <a:solidFill>
+                <a:schemeClr val="bg2">
+                  <a:lumMod val="25000"/>
+                </a:schemeClr>
+              </a:solidFill>
+            </a:endParaRPr>
+          </a:p>
+        </p:txBody>
+      </p:sp>
+      <p:sp>
+        <p:nvSpPr>
+          <p:cNvPr id="11" name="TextBox 10"/>
+          <p:cNvSpPr txBox="1"/>
+          <p:nvPr/>
+        </p:nvSpPr>
+        <p:spPr>
+          <a:xfrm>
+            <a:off x="8469142" y="4341886"/>
+            <a:ext cx="1152000" cy="830997"/>
+          </a:xfrm>
+          <a:prstGeom prst="rect">
+            <a:avLst/>
+          </a:prstGeom>
+          <a:noFill/>
+        </p:spPr>
+        <p:txBody>
+          <a:bodyPr wrap="square" rtlCol="0">
+            <a:spAutoFit/>
+          </a:bodyPr>
+          <a:lstStyle/>
+          <a:p>
+            <a:pPr algn="ctr"/>
+            <a:r>
+              <a:rPr lang="en-US" sz="1600" dirty="0" smtClean="0">
+                <a:solidFill>
+                  <a:schemeClr val="bg2">
+                    <a:lumMod val="25000"/>
+                  </a:schemeClr>
+                </a:solidFill>
+              </a:rPr>
+              <a:t>Flat </a:t>
+            </a:r>
+            <a:r>
+              <a:rPr lang="en-US" sz="1600" smtClean="0">
+                <a:solidFill>
+                  <a:schemeClr val="bg2">
+                    <a:lumMod val="25000"/>
+                  </a:schemeClr>
+                </a:solidFill>
+              </a:rPr>
+              <a:t>façade mounted CdTe</a:t>
             </a:r>
             <a:endParaRPr lang="en-US" sz="1600" dirty="0" smtClean="0">
               <a:solidFill>
@@ -29778,25 +29636,8 @@
                   </a:schemeClr>
                 </a:solidFill>
               </a:rPr>
-              <a:t>ASF (CIGS</a:t>
+              <a:t>ASF (CIGS)</a:t>
             </a:r>
-            <a:r>
-              <a:rPr lang="en-US" sz="1600" dirty="0" smtClean="0">
-                <a:solidFill>
-                  <a:schemeClr val="bg2">
-                    <a:lumMod val="25000"/>
-                  </a:schemeClr>
-                </a:solidFill>
-              </a:rPr>
-              <a:t>)</a:t>
-            </a:r>
-            <a:endParaRPr lang="en-US" sz="1600" dirty="0" smtClean="0">
-              <a:solidFill>
-                <a:schemeClr val="bg2">
-                  <a:lumMod val="25000"/>
-                </a:schemeClr>
-              </a:solidFill>
-            </a:endParaRPr>
           </a:p>
         </p:txBody>
       </p:sp>
@@ -29833,13 +29674,6 @@
               </a:rPr>
               <a:t>Orientated solar facade (CIGS)</a:t>
             </a:r>
-            <a:endParaRPr lang="en-US" sz="1600" dirty="0" smtClean="0">
-              <a:solidFill>
-                <a:schemeClr val="bg2">
-                  <a:lumMod val="25000"/>
-                </a:schemeClr>
-              </a:solidFill>
-            </a:endParaRPr>
           </a:p>
         </p:txBody>
       </p:sp>
@@ -29852,70 +29686,7 @@
         <p:spPr>
           <a:xfrm>
             <a:off x="6403423" y="4341886"/>
-            <a:ext cx="1152000" cy="338554"/>
-          </a:xfrm>
-          <a:prstGeom prst="rect">
-            <a:avLst/>
-          </a:prstGeom>
-          <a:noFill/>
-        </p:spPr>
-        <p:txBody>
-          <a:bodyPr wrap="square" rtlCol="0">
-            <a:spAutoFit/>
-          </a:bodyPr>
-          <a:lstStyle/>
-          <a:p>
-            <a:pPr algn="ctr"/>
-            <a:r>
-              <a:rPr lang="en-US" sz="1600" smtClean="0">
-                <a:solidFill>
-                  <a:schemeClr val="bg2">
-                    <a:lumMod val="25000"/>
-                  </a:schemeClr>
-                </a:solidFill>
-              </a:rPr>
-              <a:t>Poly-</a:t>
-            </a:r>
-            <a:r>
-              <a:rPr lang="en-US" sz="1600">
-                <a:solidFill>
-                  <a:schemeClr val="bg2">
-                    <a:lumMod val="25000"/>
-                  </a:schemeClr>
-                </a:solidFill>
-              </a:rPr>
-              <a:t>S</a:t>
-            </a:r>
-            <a:r>
-              <a:rPr lang="en-US" sz="1600" smtClean="0">
-                <a:solidFill>
-                  <a:schemeClr val="bg2">
-                    <a:lumMod val="25000"/>
-                  </a:schemeClr>
-                </a:solidFill>
-              </a:rPr>
-              <a:t>i</a:t>
-            </a:r>
-            <a:endParaRPr lang="en-US" sz="1600" dirty="0" smtClean="0">
-              <a:solidFill>
-                <a:schemeClr val="bg2">
-                  <a:lumMod val="25000"/>
-                </a:schemeClr>
-              </a:solidFill>
-            </a:endParaRPr>
-          </a:p>
-        </p:txBody>
-      </p:sp>
-      <p:sp>
-        <p:nvSpPr>
-          <p:cNvPr id="10" name="TextBox 9"/>
-          <p:cNvSpPr txBox="1"/>
-          <p:nvPr/>
-        </p:nvSpPr>
-        <p:spPr>
-          <a:xfrm>
-            <a:off x="7398181" y="4341886"/>
-            <a:ext cx="1152000" cy="338554"/>
+            <a:ext cx="1152000" cy="830997"/>
           </a:xfrm>
           <a:prstGeom prst="rect">
             <a:avLst/>
@@ -29937,21 +29708,28 @@
                   </a:schemeClr>
                 </a:solidFill>
               </a:rPr>
-              <a:t>CIS</a:t>
+              <a:t>Flat façade mounted Poly-Si</a:t>
             </a:r>
+            <a:endParaRPr lang="en-US" sz="1600" dirty="0" smtClean="0">
+              <a:solidFill>
+                <a:schemeClr val="bg2">
+                  <a:lumMod val="25000"/>
+                </a:schemeClr>
+              </a:solidFill>
+            </a:endParaRPr>
           </a:p>
         </p:txBody>
       </p:sp>
       <p:sp>
         <p:nvSpPr>
-          <p:cNvPr id="11" name="TextBox 10"/>
+          <p:cNvPr id="10" name="TextBox 9"/>
           <p:cNvSpPr txBox="1"/>
           <p:nvPr/>
         </p:nvSpPr>
         <p:spPr>
           <a:xfrm>
-            <a:off x="8392942" y="4341886"/>
-            <a:ext cx="1152000" cy="338554"/>
+            <a:off x="7398181" y="4341886"/>
+            <a:ext cx="1152000" cy="830997"/>
           </a:xfrm>
           <a:prstGeom prst="rect">
             <a:avLst/>
@@ -29965,6 +29743,82 @@
           <a:lstStyle/>
           <a:p>
             <a:pPr algn="ctr"/>
+            <a:r>
+              <a:rPr lang="en-US" sz="1600" dirty="0" smtClean="0">
+                <a:solidFill>
+                  <a:schemeClr val="bg2">
+                    <a:lumMod val="25000"/>
+                  </a:schemeClr>
+                </a:solidFill>
+              </a:rPr>
+              <a:t>Flat façade  </a:t>
+            </a:r>
+            <a:r>
+              <a:rPr lang="en-US" sz="1600" dirty="0">
+                <a:solidFill>
+                  <a:schemeClr val="bg2">
+                    <a:lumMod val="25000"/>
+                  </a:schemeClr>
+                </a:solidFill>
+              </a:rPr>
+              <a:t>mounted</a:t>
+            </a:r>
+          </a:p>
+          <a:p>
+            <a:pPr algn="ctr"/>
+            <a:r>
+              <a:rPr lang="en-US" sz="1600" dirty="0" smtClean="0">
+                <a:solidFill>
+                  <a:schemeClr val="bg2">
+                    <a:lumMod val="25000"/>
+                  </a:schemeClr>
+                </a:solidFill>
+              </a:rPr>
+              <a:t>CIGS</a:t>
+            </a:r>
+            <a:endParaRPr lang="en-US" sz="1600" dirty="0" smtClean="0">
+              <a:solidFill>
+                <a:schemeClr val="bg2">
+                  <a:lumMod val="25000"/>
+                </a:schemeClr>
+              </a:solidFill>
+            </a:endParaRPr>
+          </a:p>
+        </p:txBody>
+      </p:sp>
+      <p:sp>
+        <p:nvSpPr>
+          <p:cNvPr id="11" name="TextBox 10"/>
+          <p:cNvSpPr txBox="1"/>
+          <p:nvPr/>
+        </p:nvSpPr>
+        <p:spPr>
+          <a:xfrm>
+            <a:off x="8392942" y="4341886"/>
+            <a:ext cx="1152000" cy="830997"/>
+          </a:xfrm>
+          <a:prstGeom prst="rect">
+            <a:avLst/>
+          </a:prstGeom>
+          <a:noFill/>
+        </p:spPr>
+        <p:txBody>
+          <a:bodyPr wrap="square" rtlCol="0">
+            <a:spAutoFit/>
+          </a:bodyPr>
+          <a:lstStyle/>
+          <a:p>
+            <a:pPr algn="ctr"/>
+            <a:r>
+              <a:rPr lang="en-US" sz="1600" dirty="0" smtClean="0">
+                <a:solidFill>
+                  <a:schemeClr val="bg2">
+                    <a:lumMod val="25000"/>
+                  </a:schemeClr>
+                </a:solidFill>
+              </a:rPr>
+              <a:t>Flat façade mounted </a:t>
+            </a:r>
             <a:r>
               <a:rPr lang="en-US" sz="1600" dirty="0" err="1" smtClean="0">
                 <a:solidFill>
@@ -30053,25 +29907,8 @@
                   </a:schemeClr>
                 </a:solidFill>
               </a:rPr>
-              <a:t>ASF (CIGS</a:t>
+              <a:t>ASF (CIGS)</a:t>
             </a:r>
-            <a:r>
-              <a:rPr lang="en-US" sz="1600" dirty="0" smtClean="0">
-                <a:solidFill>
-                  <a:schemeClr val="bg2">
-                    <a:lumMod val="25000"/>
-                  </a:schemeClr>
-                </a:solidFill>
-              </a:rPr>
-              <a:t>)</a:t>
-            </a:r>
-            <a:endParaRPr lang="en-US" sz="1600" dirty="0" smtClean="0">
-              <a:solidFill>
-                <a:schemeClr val="bg2">
-                  <a:lumMod val="25000"/>
-                </a:schemeClr>
-              </a:solidFill>
-            </a:endParaRPr>
           </a:p>
         </p:txBody>
       </p:sp>
@@ -30106,27 +29943,7 @@
                   </a:schemeClr>
                 </a:solidFill>
               </a:rPr>
-              <a:t>Orientated solar facade </a:t>
-            </a:r>
-            <a:r>
-              <a:rPr lang="en-US" sz="1600" dirty="0" smtClean="0">
-                <a:solidFill>
-                  <a:schemeClr val="bg2">
-                    <a:lumMod val="25000"/>
-                  </a:schemeClr>
-                </a:solidFill>
-              </a:rPr>
-              <a:t>(</a:t>
-            </a:r>
-            <a:r>
-              <a:rPr lang="en-US" sz="1600" dirty="0" smtClean="0">
-                <a:solidFill>
-                  <a:schemeClr val="bg2">
-                    <a:lumMod val="25000"/>
-                  </a:schemeClr>
-                </a:solidFill>
-              </a:rPr>
-              <a:t>CIGS</a:t>
+              <a:t>Orientated solar facade (CIGS</a:t>
             </a:r>
             <a:r>
               <a:rPr lang="en-US" sz="1600" dirty="0">
@@ -30662,7 +30479,6 @@
               <a:rPr lang="en-GB" dirty="0" smtClean="0"/>
               <a:t>Soft</a:t>
             </a:r>
-            <a:endParaRPr lang="en-GB" dirty="0" smtClean="0"/>
           </a:p>
           <a:p>
             <a:pPr algn="ctr"/>

--- a/elsarticle/Images/Thesis charts.pptx
+++ b/elsarticle/Images/Thesis charts.pptx
@@ -7645,7 +7645,7 @@
                   <c:v>Poly-Si</c:v>
                 </c:pt>
                 <c:pt idx="6">
-                  <c:v>CIS</c:v>
+                  <c:v>CIGS</c:v>
                 </c:pt>
                 <c:pt idx="7">
                   <c:v>CdTe</c:v>
@@ -7834,7 +7834,7 @@
                   <c:v>Poly-Si</c:v>
                 </c:pt>
                 <c:pt idx="6">
-                  <c:v>CIS</c:v>
+                  <c:v>CIGS</c:v>
                 </c:pt>
                 <c:pt idx="7">
                   <c:v>CdTe</c:v>
@@ -7930,7 +7930,7 @@
               <c:layout>
                 <c:manualLayout>
                   <c:x val="-0.00268666504479538"/>
-                  <c:y val="-0.130531086488803"/>
+                  <c:y val="-0.0701701259075999"/>
                 </c:manualLayout>
               </c:layout>
               <c:spPr>
@@ -7985,7 +7985,7 @@
               <c:layout>
                 <c:manualLayout>
                   <c:x val="-0.00268666504479538"/>
-                  <c:y val="-0.0707550636752119"/>
+                  <c:y val="-0.0664435664908402"/>
                 </c:manualLayout>
               </c:layout>
               <c:dLblPos val="ctr"/>
@@ -8103,7 +8103,7 @@
                   <c:v>Poly-Si</c:v>
                 </c:pt>
                 <c:pt idx="6">
-                  <c:v>CIS</c:v>
+                  <c:v>CIGS</c:v>
                 </c:pt>
                 <c:pt idx="7">
                   <c:v>CdTe</c:v>
@@ -8124,13 +8124,13 @@
                   <c:v>257.5</c:v>
                 </c:pt>
                 <c:pt idx="5" formatCode="0.0">
-                  <c:v>457.4</c:v>
+                  <c:v>172.9</c:v>
                 </c:pt>
                 <c:pt idx="6" formatCode="0.0">
-                  <c:v>184.7</c:v>
+                  <c:v>146.6</c:v>
                 </c:pt>
                 <c:pt idx="7" formatCode="0.0">
-                  <c:v>154.7</c:v>
+                  <c:v>127.8</c:v>
                 </c:pt>
               </c:numCache>
             </c:numRef>
@@ -28584,7 +28584,7 @@
 </file>
 
 <file path=ppt/slides/slide17.xml><?xml version="1.0" encoding="utf-8"?>
-<p:sld xmlns:a="http://schemas.openxmlformats.org/drawingml/2006/main" xmlns:r="http://schemas.openxmlformats.org/officeDocument/2006/relationships" xmlns:p="http://schemas.openxmlformats.org/presentationml/2006/main">
+<p:sld xmlns:a="http://schemas.openxmlformats.org/drawingml/2006/main" xmlns:r="http://schemas.openxmlformats.org/officeDocument/2006/relationships" xmlns:p="http://schemas.openxmlformats.org/presentationml/2006/main" show="0">
   <p:cSld>
     <p:spTree>
       <p:nvGrpSpPr>
@@ -29017,6 +29017,14 @@
   <p:clrMapOvr>
     <a:masterClrMapping/>
   </p:clrMapOvr>
+  <mc:AlternateContent xmlns:mc="http://schemas.openxmlformats.org/markup-compatibility/2006">
+    <mc:Choice xmlns:p14="http://schemas.microsoft.com/office/powerpoint/2010/main" Requires="p14">
+      <p:transition spd="slow" p14:dur="2000"/>
+    </mc:Choice>
+    <mc:Fallback>
+      <p:transition spd="slow"/>
+    </mc:Fallback>
+  </mc:AlternateContent>
   <p:timing>
     <p:tnLst>
       <p:par>
@@ -29028,7 +29036,7 @@
 </file>
 
 <file path=ppt/slides/slide18.xml><?xml version="1.0" encoding="utf-8"?>
-<p:sld xmlns:a="http://schemas.openxmlformats.org/drawingml/2006/main" xmlns:r="http://schemas.openxmlformats.org/officeDocument/2006/relationships" xmlns:p="http://schemas.openxmlformats.org/presentationml/2006/main">
+<p:sld xmlns:a="http://schemas.openxmlformats.org/drawingml/2006/main" xmlns:r="http://schemas.openxmlformats.org/officeDocument/2006/relationships" xmlns:p="http://schemas.openxmlformats.org/presentationml/2006/main" show="0">
   <p:cSld>
     <p:spTree>
       <p:nvGrpSpPr>
@@ -29353,17 +29361,17 @@
                   </a:schemeClr>
                 </a:solidFill>
               </a:rPr>
-              <a:t>Flat </a:t>
+              <a:t>Flat façade mounted </a:t>
             </a:r>
             <a:r>
-              <a:rPr lang="en-US" sz="1600" smtClean="0">
+              <a:rPr lang="en-US" sz="1600" dirty="0" err="1" smtClean="0">
                 <a:solidFill>
                   <a:schemeClr val="bg2">
                     <a:lumMod val="25000"/>
                   </a:schemeClr>
                 </a:solidFill>
               </a:rPr>
-              <a:t>façade mounted CdTe</a:t>
+              <a:t>CdTe</a:t>
             </a:r>
             <a:endParaRPr lang="en-US" sz="1600" dirty="0" smtClean="0">
               <a:solidFill>
@@ -29494,6 +29502,14 @@
   <p:clrMapOvr>
     <a:masterClrMapping/>
   </p:clrMapOvr>
+  <mc:AlternateContent xmlns:mc="http://schemas.openxmlformats.org/markup-compatibility/2006">
+    <mc:Choice xmlns:p14="http://schemas.microsoft.com/office/powerpoint/2010/main" Requires="p14">
+      <p:transition spd="slow" p14:dur="2000"/>
+    </mc:Choice>
+    <mc:Fallback>
+      <p:transition spd="slow"/>
+    </mc:Fallback>
+  </mc:AlternateContent>
   <p:timing>
     <p:tnLst>
       <p:par>
@@ -29528,7 +29544,7 @@
           <p:nvPr>
             <p:extLst>
               <p:ext uri="{D42A27DB-BD31-4B8C-83A1-F6EECF244321}">
-                <p14:modId xmlns:p14="http://schemas.microsoft.com/office/powerpoint/2010/main" val="779480019"/>
+                <p14:modId xmlns:p14="http://schemas.microsoft.com/office/powerpoint/2010/main" val="1189552046"/>
               </p:ext>
             </p:extLst>
           </p:nvPr>
@@ -29708,7 +29724,7 @@
                   </a:schemeClr>
                 </a:solidFill>
               </a:rPr>
-              <a:t>Flat façade mounted Poly-Si</a:t>
+              <a:t>Flat facade mounted Poly-Si</a:t>
             </a:r>
             <a:endParaRPr lang="en-US" sz="1600" dirty="0" smtClean="0">
               <a:solidFill>
@@ -29751,7 +29767,7 @@
                   </a:schemeClr>
                 </a:solidFill>
               </a:rPr>
-              <a:t>Flat façade  </a:t>
+              <a:t>Flat facade  </a:t>
             </a:r>
             <a:r>
               <a:rPr lang="en-US" sz="1600" dirty="0">
@@ -29817,7 +29833,7 @@
                   </a:schemeClr>
                 </a:solidFill>
               </a:rPr>
-              <a:t>Flat façade mounted </a:t>
+              <a:t>Flat facade mounted </a:t>
             </a:r>
             <a:r>
               <a:rPr lang="en-US" sz="1600" dirty="0" err="1" smtClean="0">

--- a/elsarticle/Images/Thesis charts.pptx
+++ b/elsarticle/Images/Thesis charts.pptx
@@ -920,7 +920,9 @@
               </c:spPr>
             </c:leaderLines>
             <c:extLst>
-              <c:ext xmlns:c15="http://schemas.microsoft.com/office/drawing/2012/chart" uri="{CE6537A1-D6FC-4f65-9D91-7224C49458BB}"/>
+              <c:ext xmlns:c15="http://schemas.microsoft.com/office/drawing/2012/chart" uri="{CE6537A1-D6FC-4f65-9D91-7224C49458BB}">
+                <c15:layout/>
+              </c:ext>
             </c:extLst>
           </c:dLbls>
           <c:cat>
@@ -1241,7 +1243,9 @@
               <c:showPercent val="0"/>
               <c:showBubbleSize val="0"/>
               <c:extLst>
-                <c:ext xmlns:c15="http://schemas.microsoft.com/office/drawing/2012/chart" uri="{CE6537A1-D6FC-4f65-9D91-7224C49458BB}"/>
+                <c:ext xmlns:c15="http://schemas.microsoft.com/office/drawing/2012/chart" uri="{CE6537A1-D6FC-4f65-9D91-7224C49458BB}">
+                  <c15:layout/>
+                </c:ext>
               </c:extLst>
             </c:dLbl>
             <c:dLbl>
@@ -1259,7 +1263,9 @@
               <c:showPercent val="0"/>
               <c:showBubbleSize val="0"/>
               <c:extLst>
-                <c:ext xmlns:c15="http://schemas.microsoft.com/office/drawing/2012/chart" uri="{CE6537A1-D6FC-4f65-9D91-7224C49458BB}"/>
+                <c:ext xmlns:c15="http://schemas.microsoft.com/office/drawing/2012/chart" uri="{CE6537A1-D6FC-4f65-9D91-7224C49458BB}">
+                  <c15:layout/>
+                </c:ext>
               </c:extLst>
             </c:dLbl>
             <c:spPr>
@@ -1313,7 +1319,9 @@
               </c:spPr>
             </c:leaderLines>
             <c:extLst>
-              <c:ext xmlns:c15="http://schemas.microsoft.com/office/drawing/2012/chart" uri="{CE6537A1-D6FC-4f65-9D91-7224C49458BB}"/>
+              <c:ext xmlns:c15="http://schemas.microsoft.com/office/drawing/2012/chart" uri="{CE6537A1-D6FC-4f65-9D91-7224C49458BB}">
+                <c15:layout/>
+              </c:ext>
             </c:extLst>
           </c:dLbls>
           <c:cat>
@@ -1632,7 +1640,9 @@
               </c:spPr>
             </c:leaderLines>
             <c:extLst>
-              <c:ext xmlns:c15="http://schemas.microsoft.com/office/drawing/2012/chart" uri="{CE6537A1-D6FC-4f65-9D91-7224C49458BB}"/>
+              <c:ext xmlns:c15="http://schemas.microsoft.com/office/drawing/2012/chart" uri="{CE6537A1-D6FC-4f65-9D91-7224C49458BB}">
+                <c15:layout/>
+              </c:ext>
             </c:extLst>
           </c:dLbls>
           <c:cat>
@@ -1927,7 +1937,9 @@
               <c:showPercent val="0"/>
               <c:showBubbleSize val="0"/>
               <c:extLst>
-                <c:ext xmlns:c15="http://schemas.microsoft.com/office/drawing/2012/chart" uri="{CE6537A1-D6FC-4f65-9D91-7224C49458BB}"/>
+                <c:ext xmlns:c15="http://schemas.microsoft.com/office/drawing/2012/chart" uri="{CE6537A1-D6FC-4f65-9D91-7224C49458BB}">
+                  <c15:layout/>
+                </c:ext>
               </c:extLst>
             </c:dLbl>
             <c:dLbl>
@@ -2228,7 +2240,9 @@
               <c:showPercent val="0"/>
               <c:showBubbleSize val="0"/>
               <c:extLst>
-                <c:ext xmlns:c15="http://schemas.microsoft.com/office/drawing/2012/chart" uri="{CE6537A1-D6FC-4f65-9D91-7224C49458BB}"/>
+                <c:ext xmlns:c15="http://schemas.microsoft.com/office/drawing/2012/chart" uri="{CE6537A1-D6FC-4f65-9D91-7224C49458BB}">
+                  <c15:layout/>
+                </c:ext>
               </c:extLst>
             </c:dLbl>
             <c:spPr>
@@ -2428,6 +2442,7 @@
               </a:p>
             </c:rich>
           </c:tx>
+          <c:layout/>
           <c:overlay val="0"/>
           <c:spPr>
             <a:noFill/>
@@ -2991,6 +3006,7 @@
               </a:p>
             </c:rich>
           </c:tx>
+          <c:layout/>
           <c:overlay val="0"/>
           <c:spPr>
             <a:noFill/>
@@ -3069,6 +3085,7 @@
     </c:plotArea>
     <c:legend>
       <c:legendPos val="b"/>
+      <c:layout/>
       <c:overlay val="0"/>
       <c:spPr>
         <a:noFill/>
@@ -3479,6 +3496,7 @@
               </a:p>
             </c:rich>
           </c:tx>
+          <c:layout/>
           <c:overlay val="0"/>
           <c:spPr>
             <a:noFill/>
@@ -3537,6 +3555,7 @@
     </c:plotArea>
     <c:legend>
       <c:legendPos val="b"/>
+      <c:layout/>
       <c:overlay val="0"/>
       <c:spPr>
         <a:noFill/>
@@ -3768,7 +3787,9 @@
               </c:spPr>
             </c:leaderLines>
             <c:extLst>
-              <c:ext xmlns:c15="http://schemas.microsoft.com/office/drawing/2012/chart" uri="{CE6537A1-D6FC-4f65-9D91-7224C49458BB}"/>
+              <c:ext xmlns:c15="http://schemas.microsoft.com/office/drawing/2012/chart" uri="{CE6537A1-D6FC-4f65-9D91-7224C49458BB}">
+                <c15:layout/>
+              </c:ext>
             </c:extLst>
           </c:dLbls>
           <c:cat>
@@ -4184,6 +4205,7 @@
               </a:p>
             </c:rich>
           </c:tx>
+          <c:layout/>
           <c:overlay val="0"/>
           <c:spPr>
             <a:noFill/>
@@ -4240,6 +4262,7 @@
     </c:plotArea>
     <c:legend>
       <c:legendPos val="b"/>
+      <c:layout/>
       <c:overlay val="0"/>
       <c:spPr>
         <a:noFill/>
@@ -4381,6 +4404,7 @@
             <c:showLeaderLines val="0"/>
             <c:extLst>
               <c:ext xmlns:c15="http://schemas.microsoft.com/office/drawing/2012/chart" uri="{CE6537A1-D6FC-4f65-9D91-7224C49458BB}">
+                <c15:layout/>
                 <c15:showLeaderLines val="1"/>
                 <c15:leaderLines>
                   <c:spPr>
@@ -4493,6 +4517,7 @@
             <c:showLeaderLines val="0"/>
             <c:extLst>
               <c:ext xmlns:c15="http://schemas.microsoft.com/office/drawing/2012/chart" uri="{CE6537A1-D6FC-4f65-9D91-7224C49458BB}">
+                <c15:layout/>
                 <c15:showLeaderLines val="1"/>
                 <c15:leaderLines>
                   <c:spPr>
@@ -4605,6 +4630,7 @@
             <c:showLeaderLines val="0"/>
             <c:extLst>
               <c:ext xmlns:c15="http://schemas.microsoft.com/office/drawing/2012/chart" uri="{CE6537A1-D6FC-4f65-9D91-7224C49458BB}">
+                <c15:layout/>
                 <c15:showLeaderLines val="1"/>
                 <c15:leaderLines>
                   <c:spPr>
@@ -4772,6 +4798,7 @@
             <c:showLeaderLines val="0"/>
             <c:extLst>
               <c:ext xmlns:c15="http://schemas.microsoft.com/office/drawing/2012/chart" uri="{CE6537A1-D6FC-4f65-9D91-7224C49458BB}">
+                <c15:layout/>
                 <c15:showLeaderLines val="1"/>
                 <c15:leaderLines>
                   <c:spPr>
@@ -4949,6 +4976,7 @@
               </a:p>
             </c:rich>
           </c:tx>
+          <c:layout/>
           <c:overlay val="0"/>
           <c:spPr>
             <a:noFill/>
@@ -5025,6 +5053,7 @@
     </c:plotArea>
     <c:legend>
       <c:legendPos val="b"/>
+      <c:layout/>
       <c:overlay val="0"/>
       <c:spPr>
         <a:noFill/>
@@ -8795,6 +8824,7 @@
               </a:p>
             </c:rich>
           </c:tx>
+          <c:layout/>
           <c:overlay val="0"/>
           <c:spPr>
             <a:noFill/>
@@ -8851,6 +8881,7 @@
     </c:plotArea>
     <c:legend>
       <c:legendPos val="b"/>
+      <c:layout/>
       <c:overlay val="0"/>
       <c:spPr>
         <a:noFill/>
@@ -11883,6 +11914,7 @@
               </a:p>
             </c:rich>
           </c:tx>
+          <c:layout/>
           <c:overlay val="0"/>
           <c:spPr>
             <a:noFill/>
@@ -12234,7 +12266,9 @@
               </c:spPr>
             </c:leaderLines>
             <c:extLst>
-              <c:ext xmlns:c15="http://schemas.microsoft.com/office/drawing/2012/chart" uri="{CE6537A1-D6FC-4f65-9D91-7224C49458BB}"/>
+              <c:ext xmlns:c15="http://schemas.microsoft.com/office/drawing/2012/chart" uri="{CE6537A1-D6FC-4f65-9D91-7224C49458BB}">
+                <c15:layout/>
+              </c:ext>
             </c:extLst>
           </c:dLbls>
           <c:cat>
@@ -12538,7 +12572,9 @@
               </c:spPr>
             </c:leaderLines>
             <c:extLst>
-              <c:ext xmlns:c15="http://schemas.microsoft.com/office/drawing/2012/chart" uri="{CE6537A1-D6FC-4f65-9D91-7224C49458BB}"/>
+              <c:ext xmlns:c15="http://schemas.microsoft.com/office/drawing/2012/chart" uri="{CE6537A1-D6FC-4f65-9D91-7224C49458BB}">
+                <c15:layout/>
+              </c:ext>
             </c:extLst>
           </c:dLbls>
           <c:cat>

--- a/elsarticle/Images/Thesis charts.pptx
+++ b/elsarticle/Images/Thesis charts.pptx
@@ -130,7 +130,7 @@
   </p:defaultTextStyle>
   <p:extLst>
     <p:ext uri="{EFAFB233-063F-42B5-8137-9DF3F51BA10A}">
-      <p15:sldGuideLst xmlns:p15="http://schemas.microsoft.com/office/powerpoint/2012/main">
+      <p15:sldGuideLst xmlns:p15="http://schemas.microsoft.com/office/powerpoint/2012/main" xmlns="">
         <p15:guide id="1" orient="horz" pos="2160">
           <p15:clr>
             <a:srgbClr val="A4A3A4"/>
@@ -426,11 +426,11 @@
           <c:showPercent val="0"/>
           <c:showBubbleSize val="0"/>
         </c:dLbls>
-        <c:axId val="-2110486864"/>
-        <c:axId val="-2107942656"/>
+        <c:axId val="2147179480"/>
+        <c:axId val="2145853304"/>
       </c:scatterChart>
       <c:valAx>
-        <c:axId val="-2110486864"/>
+        <c:axId val="2147179480"/>
         <c:scaling>
           <c:orientation val="minMax"/>
         </c:scaling>
@@ -494,26 +494,6 @@
             </a:ln>
             <a:effectLst/>
           </c:spPr>
-          <c:txPr>
-            <a:bodyPr rot="0" spcFirstLastPara="1" vertOverflow="ellipsis" vert="horz" wrap="square" anchor="ctr" anchorCtr="1"/>
-            <a:lstStyle/>
-            <a:p>
-              <a:pPr>
-                <a:defRPr sz="1330" b="0" i="0" u="none" strike="noStrike" kern="1200" baseline="0">
-                  <a:solidFill>
-                    <a:schemeClr val="tx1">
-                      <a:lumMod val="65000"/>
-                      <a:lumOff val="35000"/>
-                    </a:schemeClr>
-                  </a:solidFill>
-                  <a:latin typeface="+mn-lt"/>
-                  <a:ea typeface="+mn-ea"/>
-                  <a:cs typeface="+mn-cs"/>
-                </a:defRPr>
-              </a:pPr>
-              <a:endParaRPr lang="en-US"/>
-            </a:p>
-          </c:txPr>
         </c:title>
         <c:numFmt formatCode="General" sourceLinked="1"/>
         <c:majorTickMark val="out"/>
@@ -552,12 +532,12 @@
             <a:endParaRPr lang="en-US"/>
           </a:p>
         </c:txPr>
-        <c:crossAx val="-2107942656"/>
+        <c:crossAx val="2145853304"/>
         <c:crosses val="autoZero"/>
         <c:crossBetween val="midCat"/>
       </c:valAx>
       <c:valAx>
-        <c:axId val="-2107942656"/>
+        <c:axId val="2145853304"/>
         <c:scaling>
           <c:orientation val="minMax"/>
         </c:scaling>
@@ -625,26 +605,6 @@
             </a:ln>
             <a:effectLst/>
           </c:spPr>
-          <c:txPr>
-            <a:bodyPr rot="-5400000" spcFirstLastPara="1" vertOverflow="ellipsis" vert="horz" wrap="square" anchor="ctr" anchorCtr="1"/>
-            <a:lstStyle/>
-            <a:p>
-              <a:pPr>
-                <a:defRPr sz="1330" b="0" i="0" u="none" strike="noStrike" kern="1200" baseline="0">
-                  <a:solidFill>
-                    <a:schemeClr val="tx1">
-                      <a:lumMod val="65000"/>
-                      <a:lumOff val="35000"/>
-                    </a:schemeClr>
-                  </a:solidFill>
-                  <a:latin typeface="+mn-lt"/>
-                  <a:ea typeface="+mn-ea"/>
-                  <a:cs typeface="+mn-cs"/>
-                </a:defRPr>
-              </a:pPr>
-              <a:endParaRPr lang="en-US"/>
-            </a:p>
-          </c:txPr>
         </c:title>
         <c:numFmt formatCode="General" sourceLinked="1"/>
         <c:majorTickMark val="out"/>
@@ -683,7 +643,7 @@
             <a:endParaRPr lang="en-US"/>
           </a:p>
         </c:txPr>
-        <c:crossAx val="-2110486864"/>
+        <c:crossAx val="2147179480"/>
         <c:crosses val="autoZero"/>
         <c:crossBetween val="midCat"/>
       </c:valAx>
@@ -750,7 +710,7 @@
       <a:endParaRPr lang="en-US"/>
     </a:p>
   </c:txPr>
-  <c:externalData r:id="rId3">
+  <c:externalData r:id="rId1">
     <c:autoUpdate val="0"/>
   </c:externalData>
 </c:chartSpace>
@@ -813,26 +773,6 @@
         </a:ln>
         <a:effectLst/>
       </c:spPr>
-      <c:txPr>
-        <a:bodyPr rot="0" spcFirstLastPara="1" vertOverflow="ellipsis" vert="horz" wrap="square" anchor="ctr" anchorCtr="1"/>
-        <a:lstStyle/>
-        <a:p>
-          <a:pPr>
-            <a:defRPr sz="1862" b="0" i="0" u="none" strike="noStrike" kern="1200" spc="0" baseline="0">
-              <a:solidFill>
-                <a:schemeClr val="tx1">
-                  <a:lumMod val="65000"/>
-                  <a:lumOff val="35000"/>
-                </a:schemeClr>
-              </a:solidFill>
-              <a:latin typeface="+mn-lt"/>
-              <a:ea typeface="+mn-ea"/>
-              <a:cs typeface="+mn-cs"/>
-            </a:defRPr>
-          </a:pPr>
-          <a:endParaRPr lang="en-US"/>
-        </a:p>
-      </c:txPr>
     </c:title>
     <c:autoTitleDeleted val="0"/>
     <c:plotArea>
@@ -1030,7 +970,7 @@
       <a:endParaRPr lang="en-US"/>
     </a:p>
   </c:txPr>
-  <c:externalData r:id="rId3">
+  <c:externalData r:id="rId1">
     <c:autoUpdate val="0"/>
   </c:externalData>
 </c:chartSpace>
@@ -1097,26 +1037,6 @@
         </a:ln>
         <a:effectLst/>
       </c:spPr>
-      <c:txPr>
-        <a:bodyPr rot="0" spcFirstLastPara="1" vertOverflow="ellipsis" vert="horz" wrap="square" anchor="ctr" anchorCtr="1"/>
-        <a:lstStyle/>
-        <a:p>
-          <a:pPr>
-            <a:defRPr sz="1862" b="0" i="0" u="none" strike="noStrike" kern="1200" spc="0" baseline="0">
-              <a:solidFill>
-                <a:schemeClr val="tx1">
-                  <a:lumMod val="65000"/>
-                  <a:lumOff val="35000"/>
-                </a:schemeClr>
-              </a:solidFill>
-              <a:latin typeface="+mn-lt"/>
-              <a:ea typeface="+mn-ea"/>
-              <a:cs typeface="+mn-cs"/>
-            </a:defRPr>
-          </a:pPr>
-          <a:endParaRPr lang="en-US"/>
-        </a:p>
-      </c:txPr>
     </c:title>
     <c:autoTitleDeleted val="0"/>
     <c:plotArea>
@@ -1459,7 +1379,7 @@
       <a:endParaRPr lang="en-US"/>
     </a:p>
   </c:txPr>
-  <c:externalData r:id="rId3">
+  <c:externalData r:id="rId1">
     <c:autoUpdate val="0"/>
   </c:externalData>
 </c:chartSpace>
@@ -1780,7 +1700,7 @@
       <a:endParaRPr lang="en-US"/>
     </a:p>
   </c:txPr>
-  <c:externalData r:id="rId3">
+  <c:externalData r:id="rId1">
     <c:autoUpdate val="0"/>
   </c:externalData>
 </c:chartSpace>
@@ -2365,11 +2285,11 @@
         </c:dLbls>
         <c:gapWidth val="150"/>
         <c:overlap val="100"/>
-        <c:axId val="-2078865376"/>
-        <c:axId val="2117811936"/>
+        <c:axId val="2143854168"/>
+        <c:axId val="2144002936"/>
       </c:barChart>
       <c:catAx>
-        <c:axId val="-2078865376"/>
+        <c:axId val="2143854168"/>
         <c:scaling>
           <c:orientation val="minMax"/>
         </c:scaling>
@@ -2379,7 +2299,7 @@
         <c:majorTickMark val="none"/>
         <c:minorTickMark val="none"/>
         <c:tickLblPos val="nextTo"/>
-        <c:crossAx val="2117811936"/>
+        <c:crossAx val="2144002936"/>
         <c:crosses val="autoZero"/>
         <c:auto val="1"/>
         <c:lblAlgn val="ctr"/>
@@ -2387,7 +2307,7 @@
         <c:noMultiLvlLbl val="0"/>
       </c:catAx>
       <c:valAx>
-        <c:axId val="2117811936"/>
+        <c:axId val="2144002936"/>
         <c:scaling>
           <c:orientation val="minMax"/>
         </c:scaling>
@@ -2451,26 +2371,6 @@
             </a:ln>
             <a:effectLst/>
           </c:spPr>
-          <c:txPr>
-            <a:bodyPr rot="-5400000" spcFirstLastPara="1" vertOverflow="ellipsis" vert="horz" wrap="square" anchor="ctr" anchorCtr="1"/>
-            <a:lstStyle/>
-            <a:p>
-              <a:pPr>
-                <a:defRPr sz="1330" b="0" i="0" u="none" strike="noStrike" kern="1200" baseline="0">
-                  <a:solidFill>
-                    <a:schemeClr val="tx1">
-                      <a:lumMod val="65000"/>
-                      <a:lumOff val="35000"/>
-                    </a:schemeClr>
-                  </a:solidFill>
-                  <a:latin typeface="+mn-lt"/>
-                  <a:ea typeface="+mn-ea"/>
-                  <a:cs typeface="+mn-cs"/>
-                </a:defRPr>
-              </a:pPr>
-              <a:endParaRPr lang="en-US"/>
-            </a:p>
-          </c:txPr>
         </c:title>
         <c:numFmt formatCode="0.0" sourceLinked="1"/>
         <c:majorTickMark val="none"/>
@@ -2503,7 +2403,7 @@
             <a:endParaRPr lang="en-US"/>
           </a:p>
         </c:txPr>
-        <c:crossAx val="-2078865376"/>
+        <c:crossAx val="2143854168"/>
         <c:crosses val="autoZero"/>
         <c:crossBetween val="between"/>
       </c:valAx>
@@ -2538,7 +2438,7 @@
       <a:endParaRPr lang="en-US"/>
     </a:p>
   </c:txPr>
-  <c:externalData r:id="rId3">
+  <c:externalData r:id="rId1">
     <c:autoUpdate val="0"/>
   </c:externalData>
 </c:chartSpace>
@@ -2886,11 +2786,11 @@
         </c:dLbls>
         <c:gapWidth val="219"/>
         <c:overlap val="-27"/>
-        <c:axId val="2087362128"/>
-        <c:axId val="2087135776"/>
+        <c:axId val="-2131951240"/>
+        <c:axId val="-2131956136"/>
       </c:barChart>
       <c:catAx>
-        <c:axId val="2087362128"/>
+        <c:axId val="-2131951240"/>
         <c:scaling>
           <c:orientation val="minMax"/>
         </c:scaling>
@@ -2930,7 +2830,7 @@
             <a:endParaRPr lang="en-US"/>
           </a:p>
         </c:txPr>
-        <c:crossAx val="2087135776"/>
+        <c:crossAx val="-2131956136"/>
         <c:crosses val="autoZero"/>
         <c:auto val="1"/>
         <c:lblAlgn val="ctr"/>
@@ -2938,487 +2838,7 @@
         <c:noMultiLvlLbl val="0"/>
       </c:catAx>
       <c:valAx>
-        <c:axId val="2087135776"/>
-        <c:scaling>
-          <c:orientation val="minMax"/>
-        </c:scaling>
-        <c:delete val="0"/>
-        <c:axPos val="l"/>
-        <c:majorGridlines>
-          <c:spPr>
-            <a:ln w="9525" cap="flat" cmpd="sng" algn="ctr">
-              <a:solidFill>
-                <a:schemeClr val="tx1">
-                  <a:lumMod val="15000"/>
-                  <a:lumOff val="85000"/>
-                </a:schemeClr>
-              </a:solidFill>
-              <a:round/>
-            </a:ln>
-            <a:effectLst/>
-          </c:spPr>
-        </c:majorGridlines>
-        <c:title>
-          <c:tx>
-            <c:rich>
-              <a:bodyPr rot="-5400000" spcFirstLastPara="1" vertOverflow="ellipsis" vert="horz" wrap="square" anchor="ctr" anchorCtr="1"/>
-              <a:lstStyle/>
-              <a:p>
-                <a:pPr>
-                  <a:defRPr sz="1400" b="0" i="0" u="none" strike="noStrike" kern="1200" baseline="0">
-                    <a:solidFill>
-                      <a:schemeClr val="tx1">
-                        <a:lumMod val="65000"/>
-                        <a:lumOff val="35000"/>
-                      </a:schemeClr>
-                    </a:solidFill>
-                    <a:latin typeface="+mn-lt"/>
-                    <a:ea typeface="+mn-ea"/>
-                    <a:cs typeface="+mn-cs"/>
-                  </a:defRPr>
-                </a:pPr>
-                <a:r>
-                  <a:rPr lang="en-US" sz="1600" dirty="0" smtClean="0"/>
-                  <a:t>Electricity production at grid</a:t>
-                </a:r>
-              </a:p>
-              <a:p>
-                <a:pPr>
-                  <a:defRPr sz="1400"/>
-                </a:pPr>
-                <a:r>
-                  <a:rPr lang="en-US" sz="1600" noProof="1" smtClean="0"/>
-                  <a:t>(g</a:t>
-                </a:r>
-                <a:r>
-                  <a:rPr lang="en-US" sz="1600" baseline="-25000" noProof="1" smtClean="0"/>
-                  <a:t>CO2eq</a:t>
-                </a:r>
-                <a:r>
-                  <a:rPr lang="en-US" sz="1600" noProof="1" smtClean="0"/>
-                  <a:t>/kWh</a:t>
-                </a:r>
-                <a:r>
-                  <a:rPr lang="de-DE" sz="1600" dirty="0" smtClean="0"/>
-                  <a:t>)</a:t>
-                </a:r>
-                <a:endParaRPr lang="en-US" sz="1600" dirty="0"/>
-              </a:p>
-            </c:rich>
-          </c:tx>
-          <c:layout/>
-          <c:overlay val="0"/>
-          <c:spPr>
-            <a:noFill/>
-            <a:ln>
-              <a:noFill/>
-            </a:ln>
-            <a:effectLst/>
-          </c:spPr>
-          <c:txPr>
-            <a:bodyPr rot="-5400000" spcFirstLastPara="1" vertOverflow="ellipsis" vert="horz" wrap="square" anchor="ctr" anchorCtr="1"/>
-            <a:lstStyle/>
-            <a:p>
-              <a:pPr>
-                <a:defRPr sz="1400" b="0" i="0" u="none" strike="noStrike" kern="1200" baseline="0">
-                  <a:solidFill>
-                    <a:schemeClr val="tx1">
-                      <a:lumMod val="65000"/>
-                      <a:lumOff val="35000"/>
-                    </a:schemeClr>
-                  </a:solidFill>
-                  <a:latin typeface="+mn-lt"/>
-                  <a:ea typeface="+mn-ea"/>
-                  <a:cs typeface="+mn-cs"/>
-                </a:defRPr>
-              </a:pPr>
-              <a:endParaRPr lang="en-US"/>
-            </a:p>
-          </c:txPr>
-        </c:title>
-        <c:numFmt formatCode="General" sourceLinked="1"/>
-        <c:majorTickMark val="none"/>
-        <c:minorTickMark val="none"/>
-        <c:tickLblPos val="nextTo"/>
-        <c:spPr>
-          <a:noFill/>
-          <a:ln>
-            <a:solidFill>
-              <a:schemeClr val="accent3"/>
-            </a:solidFill>
-          </a:ln>
-          <a:effectLst/>
-        </c:spPr>
-        <c:txPr>
-          <a:bodyPr rot="-60000000" spcFirstLastPara="1" vertOverflow="ellipsis" vert="horz" wrap="square" anchor="ctr" anchorCtr="1"/>
-          <a:lstStyle/>
-          <a:p>
-            <a:pPr>
-              <a:defRPr sz="1400" b="0" i="0" u="none" strike="noStrike" kern="1200" baseline="0">
-                <a:solidFill>
-                  <a:schemeClr val="tx1">
-                    <a:lumMod val="65000"/>
-                    <a:lumOff val="35000"/>
-                  </a:schemeClr>
-                </a:solidFill>
-                <a:latin typeface="+mn-lt"/>
-                <a:ea typeface="+mn-ea"/>
-                <a:cs typeface="+mn-cs"/>
-              </a:defRPr>
-            </a:pPr>
-            <a:endParaRPr lang="en-US"/>
-          </a:p>
-        </c:txPr>
-        <c:crossAx val="2087362128"/>
-        <c:crosses val="autoZero"/>
-        <c:crossBetween val="between"/>
-      </c:valAx>
-      <c:spPr>
-        <a:noFill/>
-        <a:ln>
-          <a:solidFill>
-            <a:schemeClr val="accent3"/>
-          </a:solidFill>
-        </a:ln>
-        <a:effectLst/>
-      </c:spPr>
-    </c:plotArea>
-    <c:legend>
-      <c:legendPos val="b"/>
-      <c:layout/>
-      <c:overlay val="0"/>
-      <c:spPr>
-        <a:noFill/>
-        <a:ln>
-          <a:noFill/>
-        </a:ln>
-        <a:effectLst/>
-      </c:spPr>
-      <c:txPr>
-        <a:bodyPr rot="0" spcFirstLastPara="1" vertOverflow="ellipsis" vert="horz" wrap="square" anchor="ctr" anchorCtr="1"/>
-        <a:lstStyle/>
-        <a:p>
-          <a:pPr>
-            <a:defRPr sz="1197" b="0" i="0" u="none" strike="noStrike" kern="1200" baseline="0">
-              <a:solidFill>
-                <a:schemeClr val="tx1">
-                  <a:lumMod val="65000"/>
-                  <a:lumOff val="35000"/>
-                </a:schemeClr>
-              </a:solidFill>
-              <a:latin typeface="+mn-lt"/>
-              <a:ea typeface="+mn-ea"/>
-              <a:cs typeface="+mn-cs"/>
-            </a:defRPr>
-          </a:pPr>
-          <a:endParaRPr lang="en-US"/>
-        </a:p>
-      </c:txPr>
-    </c:legend>
-    <c:plotVisOnly val="1"/>
-    <c:dispBlanksAs val="gap"/>
-    <c:showDLblsOverMax val="0"/>
-  </c:chart>
-  <c:spPr>
-    <a:noFill/>
-    <a:ln>
-      <a:noFill/>
-    </a:ln>
-    <a:effectLst/>
-  </c:spPr>
-  <c:txPr>
-    <a:bodyPr/>
-    <a:lstStyle/>
-    <a:p>
-      <a:pPr>
-        <a:defRPr/>
-      </a:pPr>
-      <a:endParaRPr lang="en-US"/>
-    </a:p>
-  </c:txPr>
-  <c:externalData r:id="rId3">
-    <c:autoUpdate val="0"/>
-  </c:externalData>
-</c:chartSpace>
-</file>
-
-<file path=ppt/charts/chart15.xml><?xml version="1.0" encoding="utf-8"?>
-<c:chartSpace xmlns:c="http://schemas.openxmlformats.org/drawingml/2006/chart" xmlns:a="http://schemas.openxmlformats.org/drawingml/2006/main" xmlns:r="http://schemas.openxmlformats.org/officeDocument/2006/relationships">
-  <c:date1904 val="0"/>
-  <c:lang val="en-US"/>
-  <c:roundedCorners val="0"/>
-  <mc:AlternateContent xmlns:mc="http://schemas.openxmlformats.org/markup-compatibility/2006">
-    <mc:Choice xmlns:c14="http://schemas.microsoft.com/office/drawing/2007/8/2/chart" Requires="c14">
-      <c14:style val="102"/>
-    </mc:Choice>
-    <mc:Fallback>
-      <c:style val="2"/>
-    </mc:Fallback>
-  </mc:AlternateContent>
-  <c:chart>
-    <c:autoTitleDeleted val="1"/>
-    <c:plotArea>
-      <c:layout/>
-      <c:barChart>
-        <c:barDir val="col"/>
-        <c:grouping val="clustered"/>
-        <c:varyColors val="0"/>
-        <c:ser>
-          <c:idx val="0"/>
-          <c:order val="0"/>
-          <c:tx>
-            <c:strRef>
-              <c:f>Sheet1!$B$1</c:f>
-              <c:strCache>
-                <c:ptCount val="1"/>
-                <c:pt idx="0">
-                  <c:v>High voltage at grid</c:v>
-                </c:pt>
-              </c:strCache>
-            </c:strRef>
-          </c:tx>
-          <c:spPr>
-            <a:solidFill>
-              <a:schemeClr val="accent1"/>
-            </a:solidFill>
-            <a:ln>
-              <a:noFill/>
-            </a:ln>
-            <a:effectLst/>
-          </c:spPr>
-          <c:invertIfNegative val="0"/>
-          <c:cat>
-            <c:strRef>
-              <c:f>Sheet1!$A$2:$A$8</c:f>
-              <c:strCache>
-                <c:ptCount val="7"/>
-                <c:pt idx="0">
-                  <c:v>China</c:v>
-                </c:pt>
-                <c:pt idx="1">
-                  <c:v>United States of America</c:v>
-                </c:pt>
-                <c:pt idx="2">
-                  <c:v>Germany</c:v>
-                </c:pt>
-                <c:pt idx="3">
-                  <c:v>UCTE region</c:v>
-                </c:pt>
-                <c:pt idx="4">
-                  <c:v>Switzerland</c:v>
-                </c:pt>
-                <c:pt idx="5">
-                  <c:v>ASF</c:v>
-                </c:pt>
-                <c:pt idx="6">
-                  <c:v>France</c:v>
-                </c:pt>
-              </c:strCache>
-            </c:strRef>
-          </c:cat>
-          <c:val>
-            <c:numRef>
-              <c:f>Sheet1!$B$2:$B$8</c:f>
-              <c:numCache>
-                <c:formatCode>General</c:formatCode>
-                <c:ptCount val="7"/>
-                <c:pt idx="0">
-                  <c:v>1145.8</c:v>
-                </c:pt>
-                <c:pt idx="1">
-                  <c:v>754.8</c:v>
-                </c:pt>
-                <c:pt idx="2">
-                  <c:v>629.5</c:v>
-                </c:pt>
-                <c:pt idx="3">
-                  <c:v>509.3</c:v>
-                </c:pt>
-                <c:pt idx="4">
-                  <c:v>119.6</c:v>
-                </c:pt>
-                <c:pt idx="6">
-                  <c:v>95.7</c:v>
-                </c:pt>
-              </c:numCache>
-            </c:numRef>
-          </c:val>
-        </c:ser>
-        <c:ser>
-          <c:idx val="1"/>
-          <c:order val="1"/>
-          <c:tx>
-            <c:strRef>
-              <c:f>Sheet1!$C$1</c:f>
-              <c:strCache>
-                <c:ptCount val="1"/>
-                <c:pt idx="0">
-                  <c:v>Low voltage at grid</c:v>
-                </c:pt>
-              </c:strCache>
-            </c:strRef>
-          </c:tx>
-          <c:spPr>
-            <a:solidFill>
-              <a:schemeClr val="accent2"/>
-            </a:solidFill>
-            <a:ln>
-              <a:noFill/>
-            </a:ln>
-            <a:effectLst/>
-          </c:spPr>
-          <c:invertIfNegative val="0"/>
-          <c:dPt>
-            <c:idx val="5"/>
-            <c:invertIfNegative val="0"/>
-            <c:bubble3D val="0"/>
-            <c:spPr>
-              <a:solidFill>
-                <a:srgbClr val="C52A15"/>
-              </a:solidFill>
-              <a:ln>
-                <a:noFill/>
-              </a:ln>
-              <a:effectLst/>
-            </c:spPr>
-          </c:dPt>
-          <c:dPt>
-            <c:idx val="14"/>
-            <c:invertIfNegative val="0"/>
-            <c:bubble3D val="0"/>
-            <c:spPr>
-              <a:solidFill>
-                <a:srgbClr val="C00000"/>
-              </a:solidFill>
-              <a:ln>
-                <a:noFill/>
-              </a:ln>
-              <a:effectLst/>
-            </c:spPr>
-          </c:dPt>
-          <c:cat>
-            <c:strRef>
-              <c:f>Sheet1!$A$2:$A$8</c:f>
-              <c:strCache>
-                <c:ptCount val="7"/>
-                <c:pt idx="0">
-                  <c:v>China</c:v>
-                </c:pt>
-                <c:pt idx="1">
-                  <c:v>United States of America</c:v>
-                </c:pt>
-                <c:pt idx="2">
-                  <c:v>Germany</c:v>
-                </c:pt>
-                <c:pt idx="3">
-                  <c:v>UCTE region</c:v>
-                </c:pt>
-                <c:pt idx="4">
-                  <c:v>Switzerland</c:v>
-                </c:pt>
-                <c:pt idx="5">
-                  <c:v>ASF</c:v>
-                </c:pt>
-                <c:pt idx="6">
-                  <c:v>France</c:v>
-                </c:pt>
-              </c:strCache>
-            </c:strRef>
-          </c:cat>
-          <c:val>
-            <c:numRef>
-              <c:f>Sheet1!$C$2:$C$8</c:f>
-              <c:numCache>
-                <c:formatCode>General</c:formatCode>
-                <c:ptCount val="7"/>
-                <c:pt idx="0">
-                  <c:v>1229.6</c:v>
-                </c:pt>
-                <c:pt idx="1">
-                  <c:v>808.4</c:v>
-                </c:pt>
-                <c:pt idx="2">
-                  <c:v>671.5</c:v>
-                </c:pt>
-                <c:pt idx="3">
-                  <c:v>551.7</c:v>
-                </c:pt>
-                <c:pt idx="4">
-                  <c:v>135.0</c:v>
-                </c:pt>
-                <c:pt idx="5">
-                  <c:v>126.8</c:v>
-                </c:pt>
-                <c:pt idx="6">
-                  <c:v>109.0</c:v>
-                </c:pt>
-              </c:numCache>
-            </c:numRef>
-          </c:val>
-        </c:ser>
-        <c:dLbls>
-          <c:showLegendKey val="0"/>
-          <c:showVal val="0"/>
-          <c:showCatName val="0"/>
-          <c:showSerName val="0"/>
-          <c:showPercent val="0"/>
-          <c:showBubbleSize val="0"/>
-        </c:dLbls>
-        <c:gapWidth val="219"/>
-        <c:overlap val="-27"/>
-        <c:axId val="-2065201600"/>
-        <c:axId val="-2107797552"/>
-      </c:barChart>
-      <c:catAx>
-        <c:axId val="-2065201600"/>
-        <c:scaling>
-          <c:orientation val="minMax"/>
-        </c:scaling>
-        <c:delete val="0"/>
-        <c:axPos val="b"/>
-        <c:numFmt formatCode="General" sourceLinked="1"/>
-        <c:majorTickMark val="none"/>
-        <c:minorTickMark val="none"/>
-        <c:tickLblPos val="nextTo"/>
-        <c:spPr>
-          <a:noFill/>
-          <a:ln w="9525" cap="flat" cmpd="sng" algn="ctr">
-            <a:solidFill>
-              <a:schemeClr val="accent3"/>
-            </a:solidFill>
-            <a:round/>
-          </a:ln>
-          <a:effectLst/>
-        </c:spPr>
-        <c:txPr>
-          <a:bodyPr rot="-60000000" spcFirstLastPara="1" vertOverflow="ellipsis" vert="horz" wrap="square" anchor="ctr" anchorCtr="1"/>
-          <a:lstStyle/>
-          <a:p>
-            <a:pPr>
-              <a:defRPr sz="1400" b="0" i="0" u="none" strike="noStrike" kern="1200" baseline="0">
-                <a:solidFill>
-                  <a:schemeClr val="tx1">
-                    <a:lumMod val="65000"/>
-                    <a:lumOff val="35000"/>
-                  </a:schemeClr>
-                </a:solidFill>
-                <a:latin typeface="+mn-lt"/>
-                <a:ea typeface="+mn-ea"/>
-                <a:cs typeface="+mn-cs"/>
-              </a:defRPr>
-            </a:pPr>
-            <a:endParaRPr lang="en-US"/>
-          </a:p>
-        </c:txPr>
-        <c:crossAx val="-2107797552"/>
-        <c:crosses val="autoZero"/>
-        <c:auto val="1"/>
-        <c:lblAlgn val="ctr"/>
-        <c:lblOffset val="100"/>
-        <c:noMultiLvlLbl val="0"/>
-      </c:catAx>
-      <c:valAx>
-        <c:axId val="-2107797552"/>
+        <c:axId val="-2131956136"/>
         <c:scaling>
           <c:orientation val="minMax"/>
         </c:scaling>
@@ -3539,7 +2959,477 @@
             <a:endParaRPr lang="en-US"/>
           </a:p>
         </c:txPr>
-        <c:crossAx val="-2065201600"/>
+        <c:crossAx val="-2131951240"/>
+        <c:crosses val="autoZero"/>
+        <c:crossBetween val="between"/>
+      </c:valAx>
+      <c:spPr>
+        <a:noFill/>
+        <a:ln>
+          <a:solidFill>
+            <a:schemeClr val="accent3"/>
+          </a:solidFill>
+        </a:ln>
+        <a:effectLst/>
+      </c:spPr>
+    </c:plotArea>
+    <c:legend>
+      <c:legendPos val="b"/>
+      <c:layout/>
+      <c:overlay val="0"/>
+      <c:spPr>
+        <a:noFill/>
+        <a:ln>
+          <a:noFill/>
+        </a:ln>
+        <a:effectLst/>
+      </c:spPr>
+      <c:txPr>
+        <a:bodyPr rot="0" spcFirstLastPara="1" vertOverflow="ellipsis" vert="horz" wrap="square" anchor="ctr" anchorCtr="1"/>
+        <a:lstStyle/>
+        <a:p>
+          <a:pPr>
+            <a:defRPr sz="1197" b="0" i="0" u="none" strike="noStrike" kern="1200" baseline="0">
+              <a:solidFill>
+                <a:schemeClr val="tx1">
+                  <a:lumMod val="65000"/>
+                  <a:lumOff val="35000"/>
+                </a:schemeClr>
+              </a:solidFill>
+              <a:latin typeface="+mn-lt"/>
+              <a:ea typeface="+mn-ea"/>
+              <a:cs typeface="+mn-cs"/>
+            </a:defRPr>
+          </a:pPr>
+          <a:endParaRPr lang="en-US"/>
+        </a:p>
+      </c:txPr>
+    </c:legend>
+    <c:plotVisOnly val="1"/>
+    <c:dispBlanksAs val="gap"/>
+    <c:showDLblsOverMax val="0"/>
+  </c:chart>
+  <c:spPr>
+    <a:noFill/>
+    <a:ln>
+      <a:noFill/>
+    </a:ln>
+    <a:effectLst/>
+  </c:spPr>
+  <c:txPr>
+    <a:bodyPr/>
+    <a:lstStyle/>
+    <a:p>
+      <a:pPr>
+        <a:defRPr/>
+      </a:pPr>
+      <a:endParaRPr lang="en-US"/>
+    </a:p>
+  </c:txPr>
+  <c:externalData r:id="rId1">
+    <c:autoUpdate val="0"/>
+  </c:externalData>
+</c:chartSpace>
+</file>
+
+<file path=ppt/charts/chart15.xml><?xml version="1.0" encoding="utf-8"?>
+<c:chartSpace xmlns:c="http://schemas.openxmlformats.org/drawingml/2006/chart" xmlns:a="http://schemas.openxmlformats.org/drawingml/2006/main" xmlns:r="http://schemas.openxmlformats.org/officeDocument/2006/relationships">
+  <c:date1904 val="0"/>
+  <c:lang val="en-US"/>
+  <c:roundedCorners val="0"/>
+  <mc:AlternateContent xmlns:mc="http://schemas.openxmlformats.org/markup-compatibility/2006">
+    <mc:Choice xmlns:c14="http://schemas.microsoft.com/office/drawing/2007/8/2/chart" Requires="c14">
+      <c14:style val="102"/>
+    </mc:Choice>
+    <mc:Fallback>
+      <c:style val="2"/>
+    </mc:Fallback>
+  </mc:AlternateContent>
+  <c:chart>
+    <c:autoTitleDeleted val="1"/>
+    <c:plotArea>
+      <c:layout/>
+      <c:barChart>
+        <c:barDir val="col"/>
+        <c:grouping val="clustered"/>
+        <c:varyColors val="0"/>
+        <c:ser>
+          <c:idx val="0"/>
+          <c:order val="0"/>
+          <c:tx>
+            <c:strRef>
+              <c:f>Sheet1!$B$1</c:f>
+              <c:strCache>
+                <c:ptCount val="1"/>
+                <c:pt idx="0">
+                  <c:v>High voltage at grid</c:v>
+                </c:pt>
+              </c:strCache>
+            </c:strRef>
+          </c:tx>
+          <c:spPr>
+            <a:solidFill>
+              <a:schemeClr val="accent1"/>
+            </a:solidFill>
+            <a:ln>
+              <a:noFill/>
+            </a:ln>
+            <a:effectLst/>
+          </c:spPr>
+          <c:invertIfNegative val="0"/>
+          <c:cat>
+            <c:strRef>
+              <c:f>Sheet1!$A$2:$A$8</c:f>
+              <c:strCache>
+                <c:ptCount val="7"/>
+                <c:pt idx="0">
+                  <c:v>China</c:v>
+                </c:pt>
+                <c:pt idx="1">
+                  <c:v>United States of America</c:v>
+                </c:pt>
+                <c:pt idx="2">
+                  <c:v>Germany</c:v>
+                </c:pt>
+                <c:pt idx="3">
+                  <c:v>UCTE region</c:v>
+                </c:pt>
+                <c:pt idx="4">
+                  <c:v>Switzerland</c:v>
+                </c:pt>
+                <c:pt idx="5">
+                  <c:v>ASF</c:v>
+                </c:pt>
+                <c:pt idx="6">
+                  <c:v>France</c:v>
+                </c:pt>
+              </c:strCache>
+            </c:strRef>
+          </c:cat>
+          <c:val>
+            <c:numRef>
+              <c:f>Sheet1!$B$2:$B$8</c:f>
+              <c:numCache>
+                <c:formatCode>General</c:formatCode>
+                <c:ptCount val="7"/>
+                <c:pt idx="0">
+                  <c:v>1145.8</c:v>
+                </c:pt>
+                <c:pt idx="1">
+                  <c:v>754.8</c:v>
+                </c:pt>
+                <c:pt idx="2">
+                  <c:v>629.5</c:v>
+                </c:pt>
+                <c:pt idx="3">
+                  <c:v>509.3</c:v>
+                </c:pt>
+                <c:pt idx="4">
+                  <c:v>119.6</c:v>
+                </c:pt>
+                <c:pt idx="6">
+                  <c:v>95.7</c:v>
+                </c:pt>
+              </c:numCache>
+            </c:numRef>
+          </c:val>
+        </c:ser>
+        <c:ser>
+          <c:idx val="1"/>
+          <c:order val="1"/>
+          <c:tx>
+            <c:strRef>
+              <c:f>Sheet1!$C$1</c:f>
+              <c:strCache>
+                <c:ptCount val="1"/>
+                <c:pt idx="0">
+                  <c:v>Low voltage at grid</c:v>
+                </c:pt>
+              </c:strCache>
+            </c:strRef>
+          </c:tx>
+          <c:spPr>
+            <a:solidFill>
+              <a:schemeClr val="accent2"/>
+            </a:solidFill>
+            <a:ln>
+              <a:noFill/>
+            </a:ln>
+            <a:effectLst/>
+          </c:spPr>
+          <c:invertIfNegative val="0"/>
+          <c:dPt>
+            <c:idx val="5"/>
+            <c:invertIfNegative val="0"/>
+            <c:bubble3D val="0"/>
+            <c:spPr>
+              <a:solidFill>
+                <a:srgbClr val="C52A15"/>
+              </a:solidFill>
+              <a:ln>
+                <a:noFill/>
+              </a:ln>
+              <a:effectLst/>
+            </c:spPr>
+          </c:dPt>
+          <c:dPt>
+            <c:idx val="14"/>
+            <c:invertIfNegative val="0"/>
+            <c:bubble3D val="0"/>
+            <c:spPr>
+              <a:solidFill>
+                <a:srgbClr val="C00000"/>
+              </a:solidFill>
+              <a:ln>
+                <a:noFill/>
+              </a:ln>
+              <a:effectLst/>
+            </c:spPr>
+          </c:dPt>
+          <c:cat>
+            <c:strRef>
+              <c:f>Sheet1!$A$2:$A$8</c:f>
+              <c:strCache>
+                <c:ptCount val="7"/>
+                <c:pt idx="0">
+                  <c:v>China</c:v>
+                </c:pt>
+                <c:pt idx="1">
+                  <c:v>United States of America</c:v>
+                </c:pt>
+                <c:pt idx="2">
+                  <c:v>Germany</c:v>
+                </c:pt>
+                <c:pt idx="3">
+                  <c:v>UCTE region</c:v>
+                </c:pt>
+                <c:pt idx="4">
+                  <c:v>Switzerland</c:v>
+                </c:pt>
+                <c:pt idx="5">
+                  <c:v>ASF</c:v>
+                </c:pt>
+                <c:pt idx="6">
+                  <c:v>France</c:v>
+                </c:pt>
+              </c:strCache>
+            </c:strRef>
+          </c:cat>
+          <c:val>
+            <c:numRef>
+              <c:f>Sheet1!$C$2:$C$8</c:f>
+              <c:numCache>
+                <c:formatCode>General</c:formatCode>
+                <c:ptCount val="7"/>
+                <c:pt idx="0">
+                  <c:v>1229.6</c:v>
+                </c:pt>
+                <c:pt idx="1">
+                  <c:v>808.4</c:v>
+                </c:pt>
+                <c:pt idx="2">
+                  <c:v>671.5</c:v>
+                </c:pt>
+                <c:pt idx="3">
+                  <c:v>551.7</c:v>
+                </c:pt>
+                <c:pt idx="4">
+                  <c:v>135.0</c:v>
+                </c:pt>
+                <c:pt idx="5">
+                  <c:v>126.8</c:v>
+                </c:pt>
+                <c:pt idx="6">
+                  <c:v>109.0</c:v>
+                </c:pt>
+              </c:numCache>
+            </c:numRef>
+          </c:val>
+        </c:ser>
+        <c:dLbls>
+          <c:showLegendKey val="0"/>
+          <c:showVal val="0"/>
+          <c:showCatName val="0"/>
+          <c:showSerName val="0"/>
+          <c:showPercent val="0"/>
+          <c:showBubbleSize val="0"/>
+        </c:dLbls>
+        <c:gapWidth val="219"/>
+        <c:overlap val="-27"/>
+        <c:axId val="-2138937272"/>
+        <c:axId val="2020100184"/>
+      </c:barChart>
+      <c:catAx>
+        <c:axId val="-2138937272"/>
+        <c:scaling>
+          <c:orientation val="minMax"/>
+        </c:scaling>
+        <c:delete val="0"/>
+        <c:axPos val="b"/>
+        <c:numFmt formatCode="General" sourceLinked="1"/>
+        <c:majorTickMark val="none"/>
+        <c:minorTickMark val="none"/>
+        <c:tickLblPos val="nextTo"/>
+        <c:spPr>
+          <a:noFill/>
+          <a:ln w="9525" cap="flat" cmpd="sng" algn="ctr">
+            <a:solidFill>
+              <a:schemeClr val="accent3"/>
+            </a:solidFill>
+            <a:round/>
+          </a:ln>
+          <a:effectLst/>
+        </c:spPr>
+        <c:txPr>
+          <a:bodyPr rot="-60000000" spcFirstLastPara="1" vertOverflow="ellipsis" vert="horz" wrap="square" anchor="ctr" anchorCtr="1"/>
+          <a:lstStyle/>
+          <a:p>
+            <a:pPr>
+              <a:defRPr sz="1400" b="0" i="0" u="none" strike="noStrike" kern="1200" baseline="0">
+                <a:solidFill>
+                  <a:schemeClr val="tx1">
+                    <a:lumMod val="65000"/>
+                    <a:lumOff val="35000"/>
+                  </a:schemeClr>
+                </a:solidFill>
+                <a:latin typeface="+mn-lt"/>
+                <a:ea typeface="+mn-ea"/>
+                <a:cs typeface="+mn-cs"/>
+              </a:defRPr>
+            </a:pPr>
+            <a:endParaRPr lang="en-US"/>
+          </a:p>
+        </c:txPr>
+        <c:crossAx val="2020100184"/>
+        <c:crosses val="autoZero"/>
+        <c:auto val="1"/>
+        <c:lblAlgn val="ctr"/>
+        <c:lblOffset val="100"/>
+        <c:noMultiLvlLbl val="0"/>
+      </c:catAx>
+      <c:valAx>
+        <c:axId val="2020100184"/>
+        <c:scaling>
+          <c:orientation val="minMax"/>
+        </c:scaling>
+        <c:delete val="0"/>
+        <c:axPos val="l"/>
+        <c:majorGridlines>
+          <c:spPr>
+            <a:ln w="9525" cap="flat" cmpd="sng" algn="ctr">
+              <a:solidFill>
+                <a:schemeClr val="tx1">
+                  <a:lumMod val="15000"/>
+                  <a:lumOff val="85000"/>
+                </a:schemeClr>
+              </a:solidFill>
+              <a:round/>
+            </a:ln>
+            <a:effectLst/>
+          </c:spPr>
+        </c:majorGridlines>
+        <c:title>
+          <c:tx>
+            <c:rich>
+              <a:bodyPr rot="-5400000" spcFirstLastPara="1" vertOverflow="ellipsis" vert="horz" wrap="square" anchor="ctr" anchorCtr="1"/>
+              <a:lstStyle/>
+              <a:p>
+                <a:pPr>
+                  <a:defRPr sz="1400" b="0" i="0" u="none" strike="noStrike" kern="1200" baseline="0">
+                    <a:solidFill>
+                      <a:schemeClr val="tx1">
+                        <a:lumMod val="65000"/>
+                        <a:lumOff val="35000"/>
+                      </a:schemeClr>
+                    </a:solidFill>
+                    <a:latin typeface="+mn-lt"/>
+                    <a:ea typeface="+mn-ea"/>
+                    <a:cs typeface="+mn-cs"/>
+                  </a:defRPr>
+                </a:pPr>
+                <a:r>
+                  <a:rPr lang="en-US" sz="1600" dirty="0" smtClean="0"/>
+                  <a:t>Electricity production at grid</a:t>
+                </a:r>
+              </a:p>
+              <a:p>
+                <a:pPr>
+                  <a:defRPr sz="1400" b="0" i="0" u="none" strike="noStrike" kern="1200" baseline="0">
+                    <a:solidFill>
+                      <a:schemeClr val="tx1">
+                        <a:lumMod val="65000"/>
+                        <a:lumOff val="35000"/>
+                      </a:schemeClr>
+                    </a:solidFill>
+                    <a:latin typeface="+mn-lt"/>
+                    <a:ea typeface="+mn-ea"/>
+                    <a:cs typeface="+mn-cs"/>
+                  </a:defRPr>
+                </a:pPr>
+                <a:r>
+                  <a:rPr lang="en-US" sz="1600" noProof="1" smtClean="0"/>
+                  <a:t>(g</a:t>
+                </a:r>
+                <a:r>
+                  <a:rPr lang="en-US" sz="1600" baseline="-25000" noProof="1" smtClean="0"/>
+                  <a:t>CO2eq</a:t>
+                </a:r>
+                <a:r>
+                  <a:rPr lang="en-US" sz="1600" noProof="1" smtClean="0"/>
+                  <a:t>/kWh</a:t>
+                </a:r>
+                <a:r>
+                  <a:rPr lang="de-DE" sz="1600" dirty="0" smtClean="0"/>
+                  <a:t>)</a:t>
+                </a:r>
+                <a:endParaRPr lang="en-US" sz="1600" dirty="0"/>
+              </a:p>
+            </c:rich>
+          </c:tx>
+          <c:layout/>
+          <c:overlay val="0"/>
+          <c:spPr>
+            <a:noFill/>
+            <a:ln>
+              <a:noFill/>
+            </a:ln>
+            <a:effectLst/>
+          </c:spPr>
+        </c:title>
+        <c:numFmt formatCode="General" sourceLinked="1"/>
+        <c:majorTickMark val="none"/>
+        <c:minorTickMark val="none"/>
+        <c:tickLblPos val="nextTo"/>
+        <c:spPr>
+          <a:noFill/>
+          <a:ln>
+            <a:solidFill>
+              <a:schemeClr val="accent3"/>
+            </a:solidFill>
+          </a:ln>
+          <a:effectLst/>
+        </c:spPr>
+        <c:txPr>
+          <a:bodyPr rot="-60000000" spcFirstLastPara="1" vertOverflow="ellipsis" vert="horz" wrap="square" anchor="ctr" anchorCtr="1"/>
+          <a:lstStyle/>
+          <a:p>
+            <a:pPr>
+              <a:defRPr sz="1400" b="0" i="0" u="none" strike="noStrike" kern="1200" baseline="0">
+                <a:solidFill>
+                  <a:schemeClr val="tx1">
+                    <a:lumMod val="65000"/>
+                    <a:lumOff val="35000"/>
+                  </a:schemeClr>
+                </a:solidFill>
+                <a:latin typeface="+mn-lt"/>
+                <a:ea typeface="+mn-ea"/>
+                <a:cs typeface="+mn-cs"/>
+              </a:defRPr>
+            </a:pPr>
+            <a:endParaRPr lang="en-US"/>
+          </a:p>
+        </c:txPr>
+        <c:crossAx val="-2138937272"/>
         <c:crosses val="autoZero"/>
         <c:crossBetween val="between"/>
       </c:valAx>
@@ -3927,7 +3817,7 @@
       <a:endParaRPr lang="en-US"/>
     </a:p>
   </c:txPr>
-  <c:externalData r:id="rId3">
+  <c:externalData r:id="rId1">
     <c:autoUpdate val="0"/>
   </c:externalData>
 </c:chartSpace>
@@ -4069,7 +3959,7 @@
                   <c:v>-6.43</c:v>
                 </c:pt>
                 <c:pt idx="10">
-                  <c:v>-9.74</c:v>
+                  <c:v>-9.739999999999998</c:v>
                 </c:pt>
                 <c:pt idx="11">
                   <c:v>-13.05</c:v>
@@ -4102,12 +3992,13 @@
           <c:showPercent val="0"/>
           <c:showBubbleSize val="0"/>
         </c:dLbls>
+        <c:marker val="1"/>
         <c:smooth val="0"/>
-        <c:axId val="-2079740976"/>
-        <c:axId val="-2084146704"/>
+        <c:axId val="-2132685768"/>
+        <c:axId val="-2132682088"/>
       </c:lineChart>
       <c:catAx>
-        <c:axId val="-2079740976"/>
+        <c:axId val="-2132685768"/>
         <c:scaling>
           <c:orientation val="minMax"/>
         </c:scaling>
@@ -4150,7 +4041,7 @@
             <a:endParaRPr lang="en-US"/>
           </a:p>
         </c:txPr>
-        <c:crossAx val="-2084146704"/>
+        <c:crossAx val="-2132682088"/>
         <c:crosses val="autoZero"/>
         <c:auto val="1"/>
         <c:lblAlgn val="ctr"/>
@@ -4158,7 +4049,7 @@
         <c:noMultiLvlLbl val="0"/>
       </c:catAx>
       <c:valAx>
-        <c:axId val="-2084146704"/>
+        <c:axId val="-2132682088"/>
         <c:scaling>
           <c:orientation val="minMax"/>
         </c:scaling>
@@ -4246,7 +4137,7 @@
             <a:endParaRPr lang="en-US"/>
           </a:p>
         </c:txPr>
-        <c:crossAx val="-2079740976"/>
+        <c:crossAx val="-2132685768"/>
         <c:crosses val="autoZero"/>
         <c:crossBetween val="between"/>
       </c:valAx>
@@ -4858,11 +4749,11 @@
         </c:dLbls>
         <c:gapWidth val="219"/>
         <c:overlap val="-27"/>
-        <c:axId val="-2110685200"/>
-        <c:axId val="-2087071840"/>
+        <c:axId val="-2132827112"/>
+        <c:axId val="-2132823336"/>
       </c:barChart>
       <c:catAx>
-        <c:axId val="-2110685200"/>
+        <c:axId val="-2132827112"/>
         <c:scaling>
           <c:orientation val="minMax"/>
         </c:scaling>
@@ -4905,7 +4796,7 @@
             <a:endParaRPr lang="en-US"/>
           </a:p>
         </c:txPr>
-        <c:crossAx val="-2087071840"/>
+        <c:crossAx val="-2132823336"/>
         <c:crosses val="autoZero"/>
         <c:auto val="1"/>
         <c:lblAlgn val="ctr"/>
@@ -4913,7 +4804,7 @@
         <c:noMultiLvlLbl val="0"/>
       </c:catAx>
       <c:valAx>
-        <c:axId val="-2087071840"/>
+        <c:axId val="-2132823336"/>
         <c:scaling>
           <c:orientation val="minMax"/>
         </c:scaling>
@@ -4985,26 +4876,6 @@
             </a:ln>
             <a:effectLst/>
           </c:spPr>
-          <c:txPr>
-            <a:bodyPr rot="-5400000" spcFirstLastPara="1" vertOverflow="ellipsis" vert="horz" wrap="square" anchor="ctr" anchorCtr="1"/>
-            <a:lstStyle/>
-            <a:p>
-              <a:pPr>
-                <a:defRPr sz="1600" b="0" i="0" u="none" strike="noStrike" kern="1200" baseline="0">
-                  <a:solidFill>
-                    <a:schemeClr val="tx1">
-                      <a:lumMod val="65000"/>
-                      <a:lumOff val="35000"/>
-                    </a:schemeClr>
-                  </a:solidFill>
-                  <a:latin typeface="+mn-lt"/>
-                  <a:ea typeface="+mn-ea"/>
-                  <a:cs typeface="+mn-cs"/>
-                </a:defRPr>
-              </a:pPr>
-              <a:endParaRPr lang="en-US"/>
-            </a:p>
-          </c:txPr>
         </c:title>
         <c:numFmt formatCode="General" sourceLinked="1"/>
         <c:majorTickMark val="none"/>
@@ -5037,7 +4908,7 @@
             <a:endParaRPr lang="en-US"/>
           </a:p>
         </c:txPr>
-        <c:crossAx val="-2110685200"/>
+        <c:crossAx val="-2132827112"/>
         <c:crosses val="autoZero"/>
         <c:crossBetween val="between"/>
       </c:valAx>
@@ -5104,10 +4975,10 @@
       <a:endParaRPr lang="en-US"/>
     </a:p>
   </c:txPr>
-  <c:externalData r:id="rId3">
+  <c:externalData r:id="rId1">
     <c:autoUpdate val="0"/>
   </c:externalData>
-  <c:userShapes r:id="rId4"/>
+  <c:userShapes r:id="rId2"/>
 </c:chartSpace>
 </file>
 
@@ -5748,11 +5619,11 @@
         </c:dLbls>
         <c:gapWidth val="219"/>
         <c:overlap val="100"/>
-        <c:axId val="2114501472"/>
-        <c:axId val="-2062882480"/>
+        <c:axId val="2144740392"/>
+        <c:axId val="2144726392"/>
       </c:barChart>
       <c:catAx>
-        <c:axId val="2114501472"/>
+        <c:axId val="2144740392"/>
         <c:scaling>
           <c:orientation val="minMax"/>
         </c:scaling>
@@ -5762,7 +5633,7 @@
         <c:majorTickMark val="none"/>
         <c:minorTickMark val="none"/>
         <c:tickLblPos val="nextTo"/>
-        <c:crossAx val="-2062882480"/>
+        <c:crossAx val="2144726392"/>
         <c:crosses val="autoZero"/>
         <c:auto val="1"/>
         <c:lblAlgn val="ctr"/>
@@ -5770,7 +5641,7 @@
         <c:noMultiLvlLbl val="0"/>
       </c:catAx>
       <c:valAx>
-        <c:axId val="-2062882480"/>
+        <c:axId val="2144726392"/>
         <c:scaling>
           <c:orientation val="minMax"/>
         </c:scaling>
@@ -5899,7 +5770,7 @@
             <a:endParaRPr lang="en-US"/>
           </a:p>
         </c:txPr>
-        <c:crossAx val="2114501472"/>
+        <c:crossAx val="2144740392"/>
         <c:crosses val="autoZero"/>
         <c:crossBetween val="between"/>
       </c:valAx>
@@ -6371,11 +6242,11 @@
         </c:dLbls>
         <c:gapWidth val="219"/>
         <c:overlap val="-27"/>
-        <c:axId val="-2065978416"/>
-        <c:axId val="2118514064"/>
+        <c:axId val="2020247096"/>
+        <c:axId val="2020156984"/>
       </c:barChart>
       <c:catAx>
-        <c:axId val="-2065978416"/>
+        <c:axId val="2020247096"/>
         <c:scaling>
           <c:orientation val="minMax"/>
         </c:scaling>
@@ -6415,7 +6286,7 @@
             <a:endParaRPr lang="en-US"/>
           </a:p>
         </c:txPr>
-        <c:crossAx val="2118514064"/>
+        <c:crossAx val="2020156984"/>
         <c:crosses val="autoZero"/>
         <c:auto val="1"/>
         <c:lblAlgn val="ctr"/>
@@ -6423,7 +6294,7 @@
         <c:noMultiLvlLbl val="0"/>
       </c:catAx>
       <c:valAx>
-        <c:axId val="2118514064"/>
+        <c:axId val="2020156984"/>
         <c:scaling>
           <c:orientation val="minMax"/>
         </c:scaling>
@@ -6482,6 +6353,7 @@
               </a:p>
             </c:rich>
           </c:tx>
+          <c:layout/>
           <c:overlay val="0"/>
           <c:spPr>
             <a:noFill/>
@@ -6490,26 +6362,6 @@
             </a:ln>
             <a:effectLst/>
           </c:spPr>
-          <c:txPr>
-            <a:bodyPr rot="-5400000" spcFirstLastPara="1" vertOverflow="ellipsis" vert="horz" wrap="square" anchor="ctr" anchorCtr="1"/>
-            <a:lstStyle/>
-            <a:p>
-              <a:pPr>
-                <a:defRPr sz="1400" b="0" i="0" u="none" strike="noStrike" kern="1200" baseline="0">
-                  <a:solidFill>
-                    <a:schemeClr val="tx1">
-                      <a:lumMod val="65000"/>
-                      <a:lumOff val="35000"/>
-                    </a:schemeClr>
-                  </a:solidFill>
-                  <a:latin typeface="+mn-lt"/>
-                  <a:ea typeface="+mn-ea"/>
-                  <a:cs typeface="+mn-cs"/>
-                </a:defRPr>
-              </a:pPr>
-              <a:endParaRPr lang="en-US"/>
-            </a:p>
-          </c:txPr>
         </c:title>
         <c:numFmt formatCode="General" sourceLinked="1"/>
         <c:majorTickMark val="none"/>
@@ -6544,7 +6396,7 @@
             <a:endParaRPr lang="en-US"/>
           </a:p>
         </c:txPr>
-        <c:crossAx val="-2065978416"/>
+        <c:crossAx val="2020247096"/>
         <c:crosses val="autoZero"/>
         <c:crossBetween val="between"/>
       </c:valAx>
@@ -6560,6 +6412,7 @@
     </c:plotArea>
     <c:legend>
       <c:legendPos val="b"/>
+      <c:layout/>
       <c:overlay val="0"/>
       <c:spPr>
         <a:noFill/>
@@ -6610,7 +6463,7 @@
       <a:endParaRPr lang="en-US"/>
     </a:p>
   </c:txPr>
-  <c:externalData r:id="rId3">
+  <c:externalData r:id="rId1">
     <c:autoUpdate val="0"/>
   </c:externalData>
 </c:chartSpace>
@@ -7285,11 +7138,11 @@
         </c:dLbls>
         <c:gapWidth val="219"/>
         <c:overlap val="100"/>
-        <c:axId val="-2076270720"/>
-        <c:axId val="-2076878304"/>
+        <c:axId val="2145362312"/>
+        <c:axId val="2145022040"/>
       </c:barChart>
       <c:catAx>
-        <c:axId val="-2076270720"/>
+        <c:axId val="2145362312"/>
         <c:scaling>
           <c:orientation val="minMax"/>
         </c:scaling>
@@ -7299,7 +7152,7 @@
         <c:majorTickMark val="none"/>
         <c:minorTickMark val="none"/>
         <c:tickLblPos val="nextTo"/>
-        <c:crossAx val="-2076878304"/>
+        <c:crossAx val="2145022040"/>
         <c:crosses val="autoZero"/>
         <c:auto val="1"/>
         <c:lblAlgn val="ctr"/>
@@ -7307,7 +7160,7 @@
         <c:noMultiLvlLbl val="0"/>
       </c:catAx>
       <c:valAx>
-        <c:axId val="-2076878304"/>
+        <c:axId val="2145022040"/>
         <c:scaling>
           <c:orientation val="minMax"/>
         </c:scaling>
@@ -7436,7 +7289,7 @@
             <a:endParaRPr lang="en-US"/>
           </a:p>
         </c:txPr>
-        <c:crossAx val="-2076270720"/>
+        <c:crossAx val="2145362312"/>
         <c:crosses val="autoZero"/>
         <c:crossBetween val="between"/>
       </c:valAx>
@@ -8175,11 +8028,11 @@
         </c:dLbls>
         <c:gapWidth val="219"/>
         <c:overlap val="100"/>
-        <c:axId val="2118968288"/>
-        <c:axId val="-2083919616"/>
+        <c:axId val="2143192680"/>
+        <c:axId val="2141072920"/>
       </c:barChart>
       <c:catAx>
-        <c:axId val="2118968288"/>
+        <c:axId val="2143192680"/>
         <c:scaling>
           <c:orientation val="minMax"/>
         </c:scaling>
@@ -8189,7 +8042,7 @@
         <c:majorTickMark val="none"/>
         <c:minorTickMark val="none"/>
         <c:tickLblPos val="nextTo"/>
-        <c:crossAx val="-2083919616"/>
+        <c:crossAx val="2141072920"/>
         <c:crosses val="autoZero"/>
         <c:auto val="1"/>
         <c:lblAlgn val="ctr"/>
@@ -8197,7 +8050,7 @@
         <c:noMultiLvlLbl val="0"/>
       </c:catAx>
       <c:valAx>
-        <c:axId val="-2083919616"/>
+        <c:axId val="2141072920"/>
         <c:scaling>
           <c:orientation val="minMax"/>
         </c:scaling>
@@ -8326,7 +8179,7 @@
             <a:endParaRPr lang="en-US"/>
           </a:p>
         </c:txPr>
-        <c:crossAx val="2118968288"/>
+        <c:crossAx val="2143192680"/>
         <c:crosses val="autoZero"/>
         <c:crossBetween val="between"/>
       </c:valAx>
@@ -8718,11 +8571,11 @@
         </c:dLbls>
         <c:gapWidth val="219"/>
         <c:overlap val="100"/>
-        <c:axId val="-2084707056"/>
-        <c:axId val="2142328576"/>
+        <c:axId val="2145816280"/>
+        <c:axId val="2078382952"/>
       </c:barChart>
       <c:catAx>
-        <c:axId val="-2084707056"/>
+        <c:axId val="2145816280"/>
         <c:scaling>
           <c:orientation val="minMax"/>
         </c:scaling>
@@ -8765,7 +8618,7 @@
             <a:endParaRPr lang="en-US"/>
           </a:p>
         </c:txPr>
-        <c:crossAx val="2142328576"/>
+        <c:crossAx val="2078382952"/>
         <c:crosses val="autoZero"/>
         <c:auto val="1"/>
         <c:lblAlgn val="ctr"/>
@@ -8773,7 +8626,7 @@
         <c:noMultiLvlLbl val="0"/>
       </c:catAx>
       <c:valAx>
-        <c:axId val="2142328576"/>
+        <c:axId val="2078382952"/>
         <c:scaling>
           <c:orientation val="minMax"/>
         </c:scaling>
@@ -8865,7 +8718,7 @@
             <a:endParaRPr lang="en-US"/>
           </a:p>
         </c:txPr>
-        <c:crossAx val="-2084707056"/>
+        <c:crossAx val="2145816280"/>
         <c:crosses val="autoZero"/>
         <c:crossBetween val="between"/>
       </c:valAx>
@@ -9105,11 +8958,11 @@
         </c:dLbls>
         <c:gapWidth val="219"/>
         <c:overlap val="100"/>
-        <c:axId val="2114419280"/>
-        <c:axId val="-2084545648"/>
+        <c:axId val="-2132563016"/>
+        <c:axId val="-2132560104"/>
       </c:barChart>
       <c:catAx>
-        <c:axId val="2114419280"/>
+        <c:axId val="-2132563016"/>
         <c:scaling>
           <c:orientation val="minMax"/>
         </c:scaling>
@@ -9119,7 +8972,7 @@
         <c:majorTickMark val="none"/>
         <c:minorTickMark val="none"/>
         <c:tickLblPos val="nextTo"/>
-        <c:crossAx val="-2084545648"/>
+        <c:crossAx val="-2132560104"/>
         <c:crosses val="autoZero"/>
         <c:auto val="1"/>
         <c:lblAlgn val="ctr"/>
@@ -9127,7 +8980,7 @@
         <c:noMultiLvlLbl val="0"/>
       </c:catAx>
       <c:valAx>
-        <c:axId val="-2084545648"/>
+        <c:axId val="-2132560104"/>
         <c:scaling>
           <c:orientation val="minMax"/>
         </c:scaling>
@@ -9217,26 +9070,6 @@
             </a:ln>
             <a:effectLst/>
           </c:spPr>
-          <c:txPr>
-            <a:bodyPr rot="-5400000" spcFirstLastPara="1" vertOverflow="ellipsis" vert="horz" wrap="square" anchor="ctr" anchorCtr="1"/>
-            <a:lstStyle/>
-            <a:p>
-              <a:pPr>
-                <a:defRPr sz="2800" b="0" i="0" u="none" strike="noStrike" kern="1200" baseline="0">
-                  <a:solidFill>
-                    <a:schemeClr val="tx1">
-                      <a:lumMod val="65000"/>
-                      <a:lumOff val="35000"/>
-                    </a:schemeClr>
-                  </a:solidFill>
-                  <a:latin typeface="+mn-lt"/>
-                  <a:ea typeface="+mn-ea"/>
-                  <a:cs typeface="+mn-cs"/>
-                </a:defRPr>
-              </a:pPr>
-              <a:endParaRPr lang="en-US"/>
-            </a:p>
-          </c:txPr>
         </c:title>
         <c:numFmt formatCode="General" sourceLinked="1"/>
         <c:majorTickMark val="none"/>
@@ -9269,7 +9102,7 @@
             <a:endParaRPr lang="en-US"/>
           </a:p>
         </c:txPr>
-        <c:crossAx val="2114419280"/>
+        <c:crossAx val="-2132563016"/>
         <c:crosses val="autoZero"/>
         <c:crossBetween val="between"/>
         <c:majorUnit val="100.0"/>
@@ -9305,7 +9138,7 @@
       <a:endParaRPr lang="en-US"/>
     </a:p>
   </c:txPr>
-  <c:externalData r:id="rId3">
+  <c:externalData r:id="rId1">
     <c:autoUpdate val="0"/>
   </c:externalData>
 </c:chartSpace>
@@ -9595,11 +9428,11 @@
         </c:dLbls>
         <c:gapWidth val="219"/>
         <c:overlap val="-27"/>
-        <c:axId val="-2083851392"/>
-        <c:axId val="2114719184"/>
+        <c:axId val="2020286872"/>
+        <c:axId val="-2132411688"/>
       </c:barChart>
       <c:catAx>
-        <c:axId val="-2083851392"/>
+        <c:axId val="2020286872"/>
         <c:scaling>
           <c:orientation val="minMax"/>
         </c:scaling>
@@ -9639,7 +9472,7 @@
             <a:endParaRPr lang="en-US"/>
           </a:p>
         </c:txPr>
-        <c:crossAx val="2114719184"/>
+        <c:crossAx val="-2132411688"/>
         <c:crosses val="autoZero"/>
         <c:auto val="1"/>
         <c:lblAlgn val="ctr"/>
@@ -9647,7 +9480,7 @@
         <c:noMultiLvlLbl val="0"/>
       </c:catAx>
       <c:valAx>
-        <c:axId val="2114719184"/>
+        <c:axId val="-2132411688"/>
         <c:scaling>
           <c:orientation val="minMax"/>
         </c:scaling>
@@ -9718,6 +9551,7 @@
               </a:p>
             </c:rich>
           </c:tx>
+          <c:layout/>
           <c:overlay val="0"/>
           <c:spPr>
             <a:noFill/>
@@ -9726,26 +9560,6 @@
             </a:ln>
             <a:effectLst/>
           </c:spPr>
-          <c:txPr>
-            <a:bodyPr rot="-5400000" spcFirstLastPara="1" vertOverflow="ellipsis" vert="horz" wrap="square" anchor="ctr" anchorCtr="1"/>
-            <a:lstStyle/>
-            <a:p>
-              <a:pPr>
-                <a:defRPr sz="1400" b="0" i="0" u="none" strike="noStrike" kern="1200" baseline="0">
-                  <a:solidFill>
-                    <a:schemeClr val="tx1">
-                      <a:lumMod val="65000"/>
-                      <a:lumOff val="35000"/>
-                    </a:schemeClr>
-                  </a:solidFill>
-                  <a:latin typeface="+mn-lt"/>
-                  <a:ea typeface="+mn-ea"/>
-                  <a:cs typeface="+mn-cs"/>
-                </a:defRPr>
-              </a:pPr>
-              <a:endParaRPr lang="en-US"/>
-            </a:p>
-          </c:txPr>
         </c:title>
         <c:numFmt formatCode="General" sourceLinked="1"/>
         <c:majorTickMark val="none"/>
@@ -9780,7 +9594,7 @@
             <a:endParaRPr lang="en-US"/>
           </a:p>
         </c:txPr>
-        <c:crossAx val="-2083851392"/>
+        <c:crossAx val="2020286872"/>
         <c:crosses val="autoZero"/>
         <c:crossBetween val="between"/>
       </c:valAx>
@@ -9796,6 +9610,7 @@
     </c:plotArea>
     <c:legend>
       <c:legendPos val="b"/>
+      <c:layout/>
       <c:overlay val="0"/>
       <c:spPr>
         <a:noFill/>
@@ -9846,7 +9661,7 @@
       <a:endParaRPr lang="en-US"/>
     </a:p>
   </c:txPr>
-  <c:externalData r:id="rId3">
+  <c:externalData r:id="rId1">
     <c:autoUpdate val="0"/>
   </c:externalData>
 </c:chartSpace>
@@ -10384,11 +10199,11 @@
         </c:dLbls>
         <c:gapWidth val="219"/>
         <c:overlap val="-27"/>
-        <c:axId val="2119729104"/>
-        <c:axId val="2121443392"/>
+        <c:axId val="2143362216"/>
+        <c:axId val="-2132944760"/>
       </c:barChart>
       <c:catAx>
-        <c:axId val="2119729104"/>
+        <c:axId val="2143362216"/>
         <c:scaling>
           <c:orientation val="minMax"/>
         </c:scaling>
@@ -10428,7 +10243,7 @@
             <a:endParaRPr lang="en-US"/>
           </a:p>
         </c:txPr>
-        <c:crossAx val="2121443392"/>
+        <c:crossAx val="-2132944760"/>
         <c:crosses val="autoZero"/>
         <c:auto val="1"/>
         <c:lblAlgn val="ctr"/>
@@ -10436,7 +10251,7 @@
         <c:noMultiLvlLbl val="0"/>
       </c:catAx>
       <c:valAx>
-        <c:axId val="2121443392"/>
+        <c:axId val="-2132944760"/>
         <c:scaling>
           <c:orientation val="minMax"/>
         </c:scaling>
@@ -10482,7 +10297,17 @@
               </a:p>
               <a:p>
                 <a:pPr>
-                  <a:defRPr sz="1400"/>
+                  <a:defRPr sz="1400" b="0" i="0" u="none" strike="noStrike" kern="1200" baseline="0">
+                    <a:solidFill>
+                      <a:schemeClr val="tx1">
+                        <a:lumMod val="65000"/>
+                        <a:lumOff val="35000"/>
+                      </a:schemeClr>
+                    </a:solidFill>
+                    <a:latin typeface="+mn-lt"/>
+                    <a:ea typeface="+mn-ea"/>
+                    <a:cs typeface="+mn-cs"/>
+                  </a:defRPr>
                 </a:pPr>
                 <a:r>
                   <a:rPr lang="en-US" sz="1600" dirty="0" smtClean="0"/>
@@ -10512,6 +10337,7 @@
               </a:p>
             </c:rich>
           </c:tx>
+          <c:layout/>
           <c:overlay val="0"/>
           <c:spPr>
             <a:noFill/>
@@ -10520,26 +10346,6 @@
             </a:ln>
             <a:effectLst/>
           </c:spPr>
-          <c:txPr>
-            <a:bodyPr rot="-5400000" spcFirstLastPara="1" vertOverflow="ellipsis" vert="horz" wrap="square" anchor="ctr" anchorCtr="1"/>
-            <a:lstStyle/>
-            <a:p>
-              <a:pPr>
-                <a:defRPr sz="1400" b="0" i="0" u="none" strike="noStrike" kern="1200" baseline="0">
-                  <a:solidFill>
-                    <a:schemeClr val="tx1">
-                      <a:lumMod val="65000"/>
-                      <a:lumOff val="35000"/>
-                    </a:schemeClr>
-                  </a:solidFill>
-                  <a:latin typeface="+mn-lt"/>
-                  <a:ea typeface="+mn-ea"/>
-                  <a:cs typeface="+mn-cs"/>
-                </a:defRPr>
-              </a:pPr>
-              <a:endParaRPr lang="en-US"/>
-            </a:p>
-          </c:txPr>
         </c:title>
         <c:numFmt formatCode="General" sourceLinked="1"/>
         <c:majorTickMark val="none"/>
@@ -10574,7 +10380,7 @@
             <a:endParaRPr lang="en-US"/>
           </a:p>
         </c:txPr>
-        <c:crossAx val="2119729104"/>
+        <c:crossAx val="2143362216"/>
         <c:crosses val="autoZero"/>
         <c:crossBetween val="between"/>
       </c:valAx>
@@ -10590,6 +10396,7 @@
     </c:plotArea>
     <c:legend>
       <c:legendPos val="b"/>
+      <c:layout/>
       <c:overlay val="0"/>
       <c:spPr>
         <a:noFill/>
@@ -10640,7 +10447,7 @@
       <a:endParaRPr lang="en-US"/>
     </a:p>
   </c:txPr>
-  <c:externalData r:id="rId3">
+  <c:externalData r:id="rId1">
     <c:autoUpdate val="0"/>
   </c:externalData>
 </c:chartSpace>
@@ -10965,11 +10772,11 @@
         </c:dLbls>
         <c:gapWidth val="219"/>
         <c:overlap val="-27"/>
-        <c:axId val="-2086454704"/>
-        <c:axId val="-2107716288"/>
+        <c:axId val="2144938792"/>
+        <c:axId val="2145119032"/>
       </c:barChart>
       <c:catAx>
-        <c:axId val="-2086454704"/>
+        <c:axId val="2144938792"/>
         <c:scaling>
           <c:orientation val="minMax"/>
         </c:scaling>
@@ -11009,7 +10816,7 @@
             <a:endParaRPr lang="en-US"/>
           </a:p>
         </c:txPr>
-        <c:crossAx val="-2107716288"/>
+        <c:crossAx val="2145119032"/>
         <c:crosses val="autoZero"/>
         <c:auto val="1"/>
         <c:lblAlgn val="ctr"/>
@@ -11017,7 +10824,7 @@
         <c:noMultiLvlLbl val="0"/>
       </c:catAx>
       <c:valAx>
-        <c:axId val="-2107716288"/>
+        <c:axId val="2145119032"/>
         <c:scaling>
           <c:orientation val="minMax"/>
         </c:scaling>
@@ -11063,7 +10870,17 @@
               </a:p>
               <a:p>
                 <a:pPr>
-                  <a:defRPr sz="1400"/>
+                  <a:defRPr sz="1400" b="0" i="0" u="none" strike="noStrike" kern="1200" baseline="0">
+                    <a:solidFill>
+                      <a:schemeClr val="tx1">
+                        <a:lumMod val="65000"/>
+                        <a:lumOff val="35000"/>
+                      </a:schemeClr>
+                    </a:solidFill>
+                    <a:latin typeface="+mn-lt"/>
+                    <a:ea typeface="+mn-ea"/>
+                    <a:cs typeface="+mn-cs"/>
+                  </a:defRPr>
                 </a:pPr>
                 <a:r>
                   <a:rPr lang="en-US" sz="1600" noProof="1" smtClean="0"/>
@@ -11085,6 +10902,7 @@
               </a:p>
             </c:rich>
           </c:tx>
+          <c:layout/>
           <c:overlay val="0"/>
           <c:spPr>
             <a:noFill/>
@@ -11093,26 +10911,6 @@
             </a:ln>
             <a:effectLst/>
           </c:spPr>
-          <c:txPr>
-            <a:bodyPr rot="-5400000" spcFirstLastPara="1" vertOverflow="ellipsis" vert="horz" wrap="square" anchor="ctr" anchorCtr="1"/>
-            <a:lstStyle/>
-            <a:p>
-              <a:pPr>
-                <a:defRPr sz="1400" b="0" i="0" u="none" strike="noStrike" kern="1200" baseline="0">
-                  <a:solidFill>
-                    <a:schemeClr val="tx1">
-                      <a:lumMod val="65000"/>
-                      <a:lumOff val="35000"/>
-                    </a:schemeClr>
-                  </a:solidFill>
-                  <a:latin typeface="+mn-lt"/>
-                  <a:ea typeface="+mn-ea"/>
-                  <a:cs typeface="+mn-cs"/>
-                </a:defRPr>
-              </a:pPr>
-              <a:endParaRPr lang="en-US"/>
-            </a:p>
-          </c:txPr>
         </c:title>
         <c:numFmt formatCode="General" sourceLinked="1"/>
         <c:majorTickMark val="none"/>
@@ -11147,7 +10945,7 @@
             <a:endParaRPr lang="en-US"/>
           </a:p>
         </c:txPr>
-        <c:crossAx val="-2086454704"/>
+        <c:crossAx val="2144938792"/>
         <c:crosses val="autoZero"/>
         <c:crossBetween val="between"/>
       </c:valAx>
@@ -11163,6 +10961,7 @@
     </c:plotArea>
     <c:legend>
       <c:legendPos val="b"/>
+      <c:layout/>
       <c:overlay val="0"/>
       <c:spPr>
         <a:noFill/>
@@ -11213,7 +11012,7 @@
       <a:endParaRPr lang="en-US"/>
     </a:p>
   </c:txPr>
-  <c:externalData r:id="rId3">
+  <c:externalData r:id="rId1">
     <c:autoUpdate val="0"/>
   </c:externalData>
 </c:chartSpace>
@@ -11316,11 +11115,11 @@
         </c:dLbls>
         <c:gapWidth val="219"/>
         <c:overlap val="-27"/>
-        <c:axId val="-2066915344"/>
-        <c:axId val="-2109758592"/>
+        <c:axId val="2107540104"/>
+        <c:axId val="2144415176"/>
       </c:barChart>
       <c:catAx>
-        <c:axId val="-2066915344"/>
+        <c:axId val="2107540104"/>
         <c:scaling>
           <c:orientation val="minMax"/>
         </c:scaling>
@@ -11360,7 +11159,7 @@
             <a:endParaRPr lang="en-US"/>
           </a:p>
         </c:txPr>
-        <c:crossAx val="-2109758592"/>
+        <c:crossAx val="2144415176"/>
         <c:crosses val="autoZero"/>
         <c:auto val="1"/>
         <c:lblAlgn val="ctr"/>
@@ -11368,7 +11167,7 @@
         <c:noMultiLvlLbl val="0"/>
       </c:catAx>
       <c:valAx>
-        <c:axId val="-2109758592"/>
+        <c:axId val="2144415176"/>
         <c:scaling>
           <c:orientation val="minMax"/>
         </c:scaling>
@@ -11414,7 +11213,17 @@
               </a:p>
               <a:p>
                 <a:pPr>
-                  <a:defRPr sz="1400"/>
+                  <a:defRPr sz="1400" b="0" i="0" u="none" strike="noStrike" kern="1200" baseline="0">
+                    <a:solidFill>
+                      <a:schemeClr val="tx1">
+                        <a:lumMod val="65000"/>
+                        <a:lumOff val="35000"/>
+                      </a:schemeClr>
+                    </a:solidFill>
+                    <a:latin typeface="+mn-lt"/>
+                    <a:ea typeface="+mn-ea"/>
+                    <a:cs typeface="+mn-cs"/>
+                  </a:defRPr>
                 </a:pPr>
                 <a:r>
                   <a:rPr lang="en-US" sz="1600" noProof="1" smtClean="0"/>
@@ -11436,6 +11245,7 @@
               </a:p>
             </c:rich>
           </c:tx>
+          <c:layout/>
           <c:overlay val="0"/>
           <c:spPr>
             <a:noFill/>
@@ -11444,26 +11254,6 @@
             </a:ln>
             <a:effectLst/>
           </c:spPr>
-          <c:txPr>
-            <a:bodyPr rot="-5400000" spcFirstLastPara="1" vertOverflow="ellipsis" vert="horz" wrap="square" anchor="ctr" anchorCtr="1"/>
-            <a:lstStyle/>
-            <a:p>
-              <a:pPr>
-                <a:defRPr sz="1400" b="0" i="0" u="none" strike="noStrike" kern="1200" baseline="0">
-                  <a:solidFill>
-                    <a:schemeClr val="tx1">
-                      <a:lumMod val="65000"/>
-                      <a:lumOff val="35000"/>
-                    </a:schemeClr>
-                  </a:solidFill>
-                  <a:latin typeface="+mn-lt"/>
-                  <a:ea typeface="+mn-ea"/>
-                  <a:cs typeface="+mn-cs"/>
-                </a:defRPr>
-              </a:pPr>
-              <a:endParaRPr lang="en-US"/>
-            </a:p>
-          </c:txPr>
         </c:title>
         <c:numFmt formatCode="General" sourceLinked="1"/>
         <c:majorTickMark val="none"/>
@@ -11498,7 +11288,7 @@
             <a:endParaRPr lang="en-US"/>
           </a:p>
         </c:txPr>
-        <c:crossAx val="-2066915344"/>
+        <c:crossAx val="2107540104"/>
         <c:crosses val="autoZero"/>
         <c:crossBetween val="between"/>
       </c:valAx>
@@ -11533,7 +11323,7 @@
       <a:endParaRPr lang="en-US"/>
     </a:p>
   </c:txPr>
-  <c:externalData r:id="rId3">
+  <c:externalData r:id="rId1">
     <c:autoUpdate val="0"/>
   </c:externalData>
 </c:chartSpace>
@@ -11808,11 +11598,11 @@
         </c:dLbls>
         <c:gapWidth val="219"/>
         <c:overlap val="100"/>
-        <c:axId val="-2079672224"/>
-        <c:axId val="-2084568528"/>
+        <c:axId val="2145517144"/>
+        <c:axId val="2079261224"/>
       </c:barChart>
       <c:catAx>
-        <c:axId val="-2079672224"/>
+        <c:axId val="2145517144"/>
         <c:scaling>
           <c:orientation val="minMax"/>
         </c:scaling>
@@ -11855,7 +11645,7 @@
             <a:endParaRPr lang="en-US"/>
           </a:p>
         </c:txPr>
-        <c:crossAx val="-2084568528"/>
+        <c:crossAx val="2079261224"/>
         <c:crosses val="autoZero"/>
         <c:auto val="1"/>
         <c:lblAlgn val="ctr"/>
@@ -11863,7 +11653,7 @@
         <c:noMultiLvlLbl val="0"/>
       </c:catAx>
       <c:valAx>
-        <c:axId val="-2084568528"/>
+        <c:axId val="2079261224"/>
         <c:scaling>
           <c:orientation val="minMax"/>
         </c:scaling>
@@ -11923,26 +11713,6 @@
             </a:ln>
             <a:effectLst/>
           </c:spPr>
-          <c:txPr>
-            <a:bodyPr rot="-5400000" spcFirstLastPara="1" vertOverflow="ellipsis" vert="horz" wrap="square" anchor="ctr" anchorCtr="1"/>
-            <a:lstStyle/>
-            <a:p>
-              <a:pPr>
-                <a:defRPr sz="1330" b="0" i="0" u="none" strike="noStrike" kern="1200" baseline="0">
-                  <a:solidFill>
-                    <a:schemeClr val="tx1">
-                      <a:lumMod val="65000"/>
-                      <a:lumOff val="35000"/>
-                    </a:schemeClr>
-                  </a:solidFill>
-                  <a:latin typeface="+mn-lt"/>
-                  <a:ea typeface="+mn-ea"/>
-                  <a:cs typeface="+mn-cs"/>
-                </a:defRPr>
-              </a:pPr>
-              <a:endParaRPr lang="en-US"/>
-            </a:p>
-          </c:txPr>
         </c:title>
         <c:numFmt formatCode="0" sourceLinked="1"/>
         <c:majorTickMark val="none"/>
@@ -11975,7 +11745,7 @@
             <a:endParaRPr lang="en-US"/>
           </a:p>
         </c:txPr>
-        <c:crossAx val="-2079672224"/>
+        <c:crossAx val="2145517144"/>
         <c:crosses val="autoZero"/>
         <c:crossBetween val="between"/>
       </c:valAx>
@@ -12051,7 +11821,7 @@
       <a:endParaRPr lang="en-US"/>
     </a:p>
   </c:txPr>
-  <c:externalData r:id="rId3">
+  <c:externalData r:id="rId1">
     <c:autoUpdate val="0"/>
   </c:externalData>
 </c:chartSpace>
@@ -12114,26 +11884,6 @@
         </a:ln>
         <a:effectLst/>
       </c:spPr>
-      <c:txPr>
-        <a:bodyPr rot="0" spcFirstLastPara="1" vertOverflow="ellipsis" vert="horz" wrap="square" anchor="ctr" anchorCtr="1"/>
-        <a:lstStyle/>
-        <a:p>
-          <a:pPr>
-            <a:defRPr sz="1862" b="0" i="0" u="none" strike="noStrike" kern="1200" spc="0" baseline="0">
-              <a:solidFill>
-                <a:schemeClr val="tx1">
-                  <a:lumMod val="65000"/>
-                  <a:lumOff val="35000"/>
-                </a:schemeClr>
-              </a:solidFill>
-              <a:latin typeface="+mn-lt"/>
-              <a:ea typeface="+mn-ea"/>
-              <a:cs typeface="+mn-cs"/>
-            </a:defRPr>
-          </a:pPr>
-          <a:endParaRPr lang="en-US"/>
-        </a:p>
-      </c:txPr>
     </c:title>
     <c:autoTitleDeleted val="0"/>
     <c:plotArea>
@@ -12394,7 +12144,7 @@
       <a:endParaRPr lang="en-US"/>
     </a:p>
   </c:txPr>
-  <c:externalData r:id="rId3">
+  <c:externalData r:id="rId1">
     <c:autoUpdate val="0"/>
   </c:externalData>
 </c:chartSpace>
@@ -12465,26 +12215,6 @@
         </a:ln>
         <a:effectLst/>
       </c:spPr>
-      <c:txPr>
-        <a:bodyPr rot="0" spcFirstLastPara="1" vertOverflow="ellipsis" vert="horz" wrap="square" anchor="ctr" anchorCtr="1"/>
-        <a:lstStyle/>
-        <a:p>
-          <a:pPr>
-            <a:defRPr sz="1862" b="0" i="0" u="none" strike="noStrike" kern="1200" spc="0" baseline="0">
-              <a:solidFill>
-                <a:schemeClr val="tx1">
-                  <a:lumMod val="65000"/>
-                  <a:lumOff val="35000"/>
-                </a:schemeClr>
-              </a:solidFill>
-              <a:latin typeface="+mn-lt"/>
-              <a:ea typeface="+mn-ea"/>
-              <a:cs typeface="+mn-cs"/>
-            </a:defRPr>
-          </a:pPr>
-          <a:endParaRPr lang="en-US"/>
-        </a:p>
-      </c:txPr>
     </c:title>
     <c:autoTitleDeleted val="0"/>
     <c:plotArea>
@@ -12682,7 +12412,7 @@
       <a:endParaRPr lang="en-US"/>
     </a:p>
   </c:txPr>
-  <c:externalData r:id="rId3">
+  <c:externalData r:id="rId1">
     <c:autoUpdate val="0"/>
   </c:externalData>
 </c:chartSpace>
@@ -22149,7 +21879,7 @@
           <a:p>
             <a:fld id="{8AF2A637-750D-AC4F-B19A-F61B319C6A55}" type="datetimeFigureOut">
               <a:rPr lang="en-US" smtClean="0"/>
-              <a:t>11/28/15</a:t>
+              <a:t>28/11/15</a:t>
             </a:fld>
             <a:endParaRPr lang="en-US"/>
           </a:p>
@@ -24627,7 +24357,7 @@
           <a:p>
             <a:fld id="{F87648D4-822A-184D-A945-2BBD99FACB30}" type="datetimeFigureOut">
               <a:rPr lang="en-US" smtClean="0"/>
-              <a:t>11/28/15</a:t>
+              <a:t>28/11/15</a:t>
             </a:fld>
             <a:endParaRPr lang="en-US"/>
           </a:p>
@@ -24797,7 +24527,7 @@
           <a:p>
             <a:fld id="{F87648D4-822A-184D-A945-2BBD99FACB30}" type="datetimeFigureOut">
               <a:rPr lang="en-US" smtClean="0"/>
-              <a:t>11/28/15</a:t>
+              <a:t>28/11/15</a:t>
             </a:fld>
             <a:endParaRPr lang="en-US"/>
           </a:p>
@@ -24977,7 +24707,7 @@
           <a:p>
             <a:fld id="{F87648D4-822A-184D-A945-2BBD99FACB30}" type="datetimeFigureOut">
               <a:rPr lang="en-US" smtClean="0"/>
-              <a:t>11/28/15</a:t>
+              <a:t>28/11/15</a:t>
             </a:fld>
             <a:endParaRPr lang="en-US"/>
           </a:p>
@@ -25147,7 +24877,7 @@
           <a:p>
             <a:fld id="{F87648D4-822A-184D-A945-2BBD99FACB30}" type="datetimeFigureOut">
               <a:rPr lang="en-US" smtClean="0"/>
-              <a:t>11/28/15</a:t>
+              <a:t>28/11/15</a:t>
             </a:fld>
             <a:endParaRPr lang="en-US"/>
           </a:p>
@@ -25391,7 +25121,7 @@
           <a:p>
             <a:fld id="{F87648D4-822A-184D-A945-2BBD99FACB30}" type="datetimeFigureOut">
               <a:rPr lang="en-US" smtClean="0"/>
-              <a:t>11/28/15</a:t>
+              <a:t>28/11/15</a:t>
             </a:fld>
             <a:endParaRPr lang="en-US"/>
           </a:p>
@@ -25623,7 +25353,7 @@
           <a:p>
             <a:fld id="{F87648D4-822A-184D-A945-2BBD99FACB30}" type="datetimeFigureOut">
               <a:rPr lang="en-US" smtClean="0"/>
-              <a:t>11/28/15</a:t>
+              <a:t>28/11/15</a:t>
             </a:fld>
             <a:endParaRPr lang="en-US"/>
           </a:p>
@@ -25990,7 +25720,7 @@
           <a:p>
             <a:fld id="{F87648D4-822A-184D-A945-2BBD99FACB30}" type="datetimeFigureOut">
               <a:rPr lang="en-US" smtClean="0"/>
-              <a:t>11/28/15</a:t>
+              <a:t>28/11/15</a:t>
             </a:fld>
             <a:endParaRPr lang="en-US"/>
           </a:p>
@@ -26108,7 +25838,7 @@
           <a:p>
             <a:fld id="{F87648D4-822A-184D-A945-2BBD99FACB30}" type="datetimeFigureOut">
               <a:rPr lang="en-US" smtClean="0"/>
-              <a:t>11/28/15</a:t>
+              <a:t>28/11/15</a:t>
             </a:fld>
             <a:endParaRPr lang="en-US"/>
           </a:p>
@@ -26203,7 +25933,7 @@
           <a:p>
             <a:fld id="{F87648D4-822A-184D-A945-2BBD99FACB30}" type="datetimeFigureOut">
               <a:rPr lang="en-US" smtClean="0"/>
-              <a:t>11/28/15</a:t>
+              <a:t>28/11/15</a:t>
             </a:fld>
             <a:endParaRPr lang="en-US"/>
           </a:p>
@@ -26480,7 +26210,7 @@
           <a:p>
             <a:fld id="{F87648D4-822A-184D-A945-2BBD99FACB30}" type="datetimeFigureOut">
               <a:rPr lang="en-US" smtClean="0"/>
-              <a:t>11/28/15</a:t>
+              <a:t>28/11/15</a:t>
             </a:fld>
             <a:endParaRPr lang="en-US"/>
           </a:p>
@@ -26737,7 +26467,7 @@
           <a:p>
             <a:fld id="{F87648D4-822A-184D-A945-2BBD99FACB30}" type="datetimeFigureOut">
               <a:rPr lang="en-US" smtClean="0"/>
-              <a:t>11/28/15</a:t>
+              <a:t>28/11/15</a:t>
             </a:fld>
             <a:endParaRPr lang="en-US"/>
           </a:p>
@@ -26950,7 +26680,7 @@
           <a:p>
             <a:fld id="{F87648D4-822A-184D-A945-2BBD99FACB30}" type="datetimeFigureOut">
               <a:rPr lang="en-US" smtClean="0"/>
-              <a:t>11/28/15</a:t>
+              <a:t>28/11/15</a:t>
             </a:fld>
             <a:endParaRPr lang="en-US"/>
           </a:p>
@@ -27390,7 +27120,7 @@
   <p:timing>
     <p:tnLst>
       <p:par>
-        <p:cTn id="1" dur="indefinite" restart="never" nodeType="tmRoot"/>
+        <p:cTn xmlns:p14="http://schemas.microsoft.com/office/powerpoint/2010/main" id="1" dur="indefinite" restart="never" nodeType="tmRoot"/>
       </p:par>
     </p:tnLst>
   </p:timing>
@@ -27449,7 +27179,7 @@
   <p:timing>
     <p:tnLst>
       <p:par>
-        <p:cTn id="1" dur="indefinite" restart="never" nodeType="tmRoot"/>
+        <p:cTn xmlns:p14="http://schemas.microsoft.com/office/powerpoint/2010/main" id="1" dur="indefinite" restart="never" nodeType="tmRoot"/>
       </p:par>
     </p:tnLst>
   </p:timing>
@@ -28210,7 +27940,7 @@
   <p:timing>
     <p:tnLst>
       <p:par>
-        <p:cTn id="1" dur="indefinite" restart="never" nodeType="tmRoot"/>
+        <p:cTn xmlns:p14="http://schemas.microsoft.com/office/powerpoint/2010/main" id="1" dur="indefinite" restart="never" nodeType="tmRoot"/>
       </p:par>
     </p:tnLst>
   </p:timing>
@@ -28305,7 +28035,7 @@
   <p:timing>
     <p:tnLst>
       <p:par>
-        <p:cTn id="1" dur="indefinite" restart="never" nodeType="tmRoot"/>
+        <p:cTn xmlns:p14="http://schemas.microsoft.com/office/powerpoint/2010/main" id="1" dur="indefinite" restart="never" nodeType="tmRoot"/>
       </p:par>
     </p:tnLst>
   </p:timing>
@@ -28400,7 +28130,7 @@
   <p:timing>
     <p:tnLst>
       <p:par>
-        <p:cTn id="1" dur="indefinite" restart="never" nodeType="tmRoot"/>
+        <p:cTn xmlns:p14="http://schemas.microsoft.com/office/powerpoint/2010/main" id="1" dur="indefinite" restart="never" nodeType="tmRoot"/>
       </p:par>
     </p:tnLst>
   </p:timing>
@@ -28459,7 +28189,7 @@
   <p:timing>
     <p:tnLst>
       <p:par>
-        <p:cTn id="1" dur="indefinite" restart="never" nodeType="tmRoot"/>
+        <p:cTn xmlns:p14="http://schemas.microsoft.com/office/powerpoint/2010/main" id="1" dur="indefinite" restart="never" nodeType="tmRoot"/>
       </p:par>
     </p:tnLst>
   </p:timing>
@@ -28518,7 +28248,7 @@
   <p:timing>
     <p:tnLst>
       <p:par>
-        <p:cTn id="1" dur="indefinite" restart="never" nodeType="tmRoot"/>
+        <p:cTn xmlns:p14="http://schemas.microsoft.com/office/powerpoint/2010/main" id="1" dur="indefinite" restart="never" nodeType="tmRoot"/>
       </p:par>
     </p:tnLst>
   </p:timing>
@@ -28612,7 +28342,7 @@
   <p:timing>
     <p:tnLst>
       <p:par>
-        <p:cTn id="1" dur="indefinite" restart="never" nodeType="tmRoot"/>
+        <p:cTn xmlns:p14="http://schemas.microsoft.com/office/powerpoint/2010/main" id="1" dur="indefinite" restart="never" nodeType="tmRoot"/>
       </p:par>
     </p:tnLst>
   </p:timing>
@@ -29058,13 +28788,13 @@
       <p:transition spd="slow" p14:dur="2000"/>
     </mc:Choice>
     <mc:Fallback>
-      <p:transition spd="slow"/>
+      <p:transition xmlns:p14="http://schemas.microsoft.com/office/powerpoint/2010/main" spd="slow"/>
     </mc:Fallback>
   </mc:AlternateContent>
   <p:timing>
     <p:tnLst>
       <p:par>
-        <p:cTn id="1" dur="indefinite" restart="never" nodeType="tmRoot"/>
+        <p:cTn xmlns:p14="http://schemas.microsoft.com/office/powerpoint/2010/main" id="1" dur="indefinite" restart="never" nodeType="tmRoot"/>
       </p:par>
     </p:tnLst>
   </p:timing>
@@ -29313,13 +29043,6 @@
               </a:rPr>
               <a:t>Flat façade mounted Poly-Si</a:t>
             </a:r>
-            <a:endParaRPr lang="en-US" sz="1600" dirty="0" smtClean="0">
-              <a:solidFill>
-                <a:schemeClr val="bg2">
-                  <a:lumMod val="25000"/>
-                </a:schemeClr>
-              </a:solidFill>
-            </a:endParaRPr>
           </a:p>
         </p:txBody>
       </p:sp>
@@ -29356,13 +29079,6 @@
               </a:rPr>
               <a:t>Flat façade mounted CIS</a:t>
             </a:r>
-            <a:endParaRPr lang="en-US" sz="1600" dirty="0" smtClean="0">
-              <a:solidFill>
-                <a:schemeClr val="bg2">
-                  <a:lumMod val="25000"/>
-                </a:schemeClr>
-              </a:solidFill>
-            </a:endParaRPr>
           </a:p>
         </p:txBody>
       </p:sp>
@@ -29543,13 +29259,13 @@
       <p:transition spd="slow" p14:dur="2000"/>
     </mc:Choice>
     <mc:Fallback>
-      <p:transition spd="slow"/>
+      <p:transition xmlns:p14="http://schemas.microsoft.com/office/powerpoint/2010/main" spd="slow"/>
     </mc:Fallback>
   </mc:AlternateContent>
   <p:timing>
     <p:tnLst>
       <p:par>
-        <p:cTn id="1" dur="indefinite" restart="never" nodeType="tmRoot"/>
+        <p:cTn xmlns:p14="http://schemas.microsoft.com/office/powerpoint/2010/main" id="1" dur="indefinite" restart="never" nodeType="tmRoot"/>
       </p:par>
     </p:tnLst>
   </p:timing>
@@ -29580,7 +29296,7 @@
           <p:nvPr>
             <p:extLst>
               <p:ext uri="{D42A27DB-BD31-4B8C-83A1-F6EECF244321}">
-                <p14:modId xmlns:p14="http://schemas.microsoft.com/office/powerpoint/2010/main" val="1189552046"/>
+                <p14:modId xmlns:p14="http://schemas.microsoft.com/office/powerpoint/2010/main" val="4089874476"/>
               </p:ext>
             </p:extLst>
           </p:nvPr>
@@ -29702,7 +29418,7 @@
         <p:spPr>
           <a:xfrm>
             <a:off x="3419149" y="4341886"/>
-            <a:ext cx="1152000" cy="1077218"/>
+            <a:ext cx="1152000" cy="1323439"/>
           </a:xfrm>
           <a:prstGeom prst="rect">
             <a:avLst/>
@@ -29724,7 +29440,50 @@
                   </a:schemeClr>
                 </a:solidFill>
               </a:rPr>
-              <a:t>Orientated solar facade (CIGS)</a:t>
+              <a:t>Orientated </a:t>
+            </a:r>
+            <a:r>
+              <a:rPr lang="en-US" sz="1600" dirty="0" smtClean="0">
+                <a:solidFill>
+                  <a:schemeClr val="bg2">
+                    <a:lumMod val="25000"/>
+                  </a:schemeClr>
+                </a:solidFill>
+              </a:rPr>
+              <a:t>static</a:t>
+            </a:r>
+          </a:p>
+          <a:p>
+            <a:pPr algn="ctr"/>
+            <a:r>
+              <a:rPr lang="en-US" sz="1600" dirty="0" smtClean="0">
+                <a:solidFill>
+                  <a:schemeClr val="bg2">
+                    <a:lumMod val="25000"/>
+                  </a:schemeClr>
+                </a:solidFill>
+              </a:rPr>
+              <a:t>solar</a:t>
+            </a:r>
+            <a:r>
+              <a:rPr lang="en-US" sz="1600" dirty="0" smtClean="0">
+                <a:solidFill>
+                  <a:schemeClr val="bg2">
+                    <a:lumMod val="25000"/>
+                  </a:schemeClr>
+                </a:solidFill>
+              </a:rPr>
+              <a:t> </a:t>
+            </a:r>
+            <a:r>
+              <a:rPr lang="en-US" sz="1600" dirty="0" smtClean="0">
+                <a:solidFill>
+                  <a:schemeClr val="bg2">
+                    <a:lumMod val="25000"/>
+                  </a:schemeClr>
+                </a:solidFill>
+              </a:rPr>
+              <a:t>facade (CIGS)</a:t>
             </a:r>
           </a:p>
         </p:txBody>
@@ -29762,13 +29521,6 @@
               </a:rPr>
               <a:t>Flat facade mounted Poly-Si</a:t>
             </a:r>
-            <a:endParaRPr lang="en-US" sz="1600" dirty="0" smtClean="0">
-              <a:solidFill>
-                <a:schemeClr val="bg2">
-                  <a:lumMod val="25000"/>
-                </a:schemeClr>
-              </a:solidFill>
-            </a:endParaRPr>
           </a:p>
         </p:txBody>
       </p:sp>
@@ -29828,13 +29580,6 @@
               </a:rPr>
               <a:t>CIGS</a:t>
             </a:r>
-            <a:endParaRPr lang="en-US" sz="1600" dirty="0" smtClean="0">
-              <a:solidFill>
-                <a:schemeClr val="bg2">
-                  <a:lumMod val="25000"/>
-                </a:schemeClr>
-              </a:solidFill>
-            </a:endParaRPr>
           </a:p>
         </p:txBody>
       </p:sp>
@@ -29973,7 +29718,7 @@
         <p:spPr>
           <a:xfrm>
             <a:off x="5408665" y="4341886"/>
-            <a:ext cx="1152000" cy="1077218"/>
+            <a:ext cx="1152000" cy="1323439"/>
           </a:xfrm>
           <a:prstGeom prst="rect">
             <a:avLst/>
@@ -29995,7 +29740,60 @@
                   </a:schemeClr>
                 </a:solidFill>
               </a:rPr>
-              <a:t>Orientated solar facade (CIGS</a:t>
+              <a:t>Orientated </a:t>
+            </a:r>
+            <a:endParaRPr lang="en-US" sz="1600" dirty="0" smtClean="0">
+              <a:solidFill>
+                <a:schemeClr val="bg2">
+                  <a:lumMod val="25000"/>
+                </a:schemeClr>
+              </a:solidFill>
+            </a:endParaRPr>
+          </a:p>
+          <a:p>
+            <a:pPr algn="ctr"/>
+            <a:r>
+              <a:rPr lang="en-US" sz="1600" dirty="0">
+                <a:solidFill>
+                  <a:schemeClr val="bg2">
+                    <a:lumMod val="25000"/>
+                  </a:schemeClr>
+                </a:solidFill>
+              </a:rPr>
+              <a:t>s</a:t>
+            </a:r>
+            <a:r>
+              <a:rPr lang="en-US" sz="1600" dirty="0" smtClean="0">
+                <a:solidFill>
+                  <a:schemeClr val="bg2">
+                    <a:lumMod val="25000"/>
+                  </a:schemeClr>
+                </a:solidFill>
+              </a:rPr>
+              <a:t>tatic </a:t>
+            </a:r>
+          </a:p>
+          <a:p>
+            <a:pPr algn="ctr"/>
+            <a:r>
+              <a:rPr lang="en-US" sz="1600" dirty="0" smtClean="0">
+                <a:solidFill>
+                  <a:schemeClr val="bg2">
+                    <a:lumMod val="25000"/>
+                  </a:schemeClr>
+                </a:solidFill>
+              </a:rPr>
+              <a:t>solar </a:t>
+            </a:r>
+            <a:r>
+              <a:rPr lang="en-US" sz="1600" dirty="0" smtClean="0">
+                <a:solidFill>
+                  <a:schemeClr val="bg2">
+                    <a:lumMod val="25000"/>
+                  </a:schemeClr>
+                </a:solidFill>
+              </a:rPr>
+              <a:t>facade (CIGS</a:t>
             </a:r>
             <a:r>
               <a:rPr lang="en-US" sz="1600" dirty="0">
@@ -30030,7 +29828,7 @@
   <p:timing>
     <p:tnLst>
       <p:par>
-        <p:cTn id="1" dur="indefinite" restart="never" nodeType="tmRoot"/>
+        <p:cTn xmlns:p14="http://schemas.microsoft.com/office/powerpoint/2010/main" id="1" dur="indefinite" restart="never" nodeType="tmRoot"/>
       </p:par>
     </p:tnLst>
   </p:timing>
@@ -30089,7 +29887,7 @@
   <p:timing>
     <p:tnLst>
       <p:par>
-        <p:cTn id="1" dur="indefinite" restart="never" nodeType="tmRoot"/>
+        <p:cTn xmlns:p14="http://schemas.microsoft.com/office/powerpoint/2010/main" id="1" dur="indefinite" restart="never" nodeType="tmRoot"/>
       </p:par>
     </p:tnLst>
   </p:timing>
@@ -30148,7 +29946,7 @@
   <p:timing>
     <p:tnLst>
       <p:par>
-        <p:cTn id="1" dur="indefinite" restart="never" nodeType="tmRoot"/>
+        <p:cTn xmlns:p14="http://schemas.microsoft.com/office/powerpoint/2010/main" id="1" dur="indefinite" restart="never" nodeType="tmRoot"/>
       </p:par>
     </p:tnLst>
   </p:timing>
@@ -30617,7 +30415,7 @@
   <p:timing>
     <p:tnLst>
       <p:par>
-        <p:cTn id="1" dur="indefinite" restart="never" nodeType="tmRoot"/>
+        <p:cTn xmlns:p14="http://schemas.microsoft.com/office/powerpoint/2010/main" id="1" dur="indefinite" restart="never" nodeType="tmRoot"/>
       </p:par>
     </p:tnLst>
   </p:timing>
@@ -30706,7 +30504,7 @@
   <p:timing>
     <p:tnLst>
       <p:par>
-        <p:cTn id="1" dur="indefinite" restart="never" nodeType="tmRoot"/>
+        <p:cTn xmlns:p14="http://schemas.microsoft.com/office/powerpoint/2010/main" id="1" dur="indefinite" restart="never" nodeType="tmRoot"/>
       </p:par>
     </p:tnLst>
   </p:timing>
@@ -30765,7 +30563,7 @@
   <p:timing>
     <p:tnLst>
       <p:par>
-        <p:cTn id="1" dur="indefinite" restart="never" nodeType="tmRoot"/>
+        <p:cTn xmlns:p14="http://schemas.microsoft.com/office/powerpoint/2010/main" id="1" dur="indefinite" restart="never" nodeType="tmRoot"/>
       </p:par>
     </p:tnLst>
   </p:timing>
@@ -30824,7 +30622,7 @@
   <p:timing>
     <p:tnLst>
       <p:par>
-        <p:cTn id="1" dur="indefinite" restart="never" nodeType="tmRoot"/>
+        <p:cTn xmlns:p14="http://schemas.microsoft.com/office/powerpoint/2010/main" id="1" dur="indefinite" restart="never" nodeType="tmRoot"/>
       </p:par>
     </p:tnLst>
   </p:timing>
@@ -30883,7 +30681,7 @@
   <p:timing>
     <p:tnLst>
       <p:par>
-        <p:cTn id="1" dur="indefinite" restart="never" nodeType="tmRoot"/>
+        <p:cTn xmlns:p14="http://schemas.microsoft.com/office/powerpoint/2010/main" id="1" dur="indefinite" restart="never" nodeType="tmRoot"/>
       </p:par>
     </p:tnLst>
   </p:timing>
@@ -30942,7 +30740,7 @@
   <p:timing>
     <p:tnLst>
       <p:par>
-        <p:cTn id="1" dur="indefinite" restart="never" nodeType="tmRoot"/>
+        <p:cTn xmlns:p14="http://schemas.microsoft.com/office/powerpoint/2010/main" id="1" dur="indefinite" restart="never" nodeType="tmRoot"/>
       </p:par>
     </p:tnLst>
   </p:timing>
@@ -31304,7 +31102,7 @@
   <p:timing>
     <p:tnLst>
       <p:par>
-        <p:cTn id="1" dur="indefinite" restart="never" nodeType="tmRoot"/>
+        <p:cTn xmlns:p14="http://schemas.microsoft.com/office/powerpoint/2010/main" id="1" dur="indefinite" restart="never" nodeType="tmRoot"/>
       </p:par>
     </p:tnLst>
   </p:timing>
@@ -31397,7 +31195,7 @@
   <p:timing>
     <p:tnLst>
       <p:par>
-        <p:cTn id="1" dur="indefinite" restart="never" nodeType="tmRoot"/>
+        <p:cTn xmlns:p14="http://schemas.microsoft.com/office/powerpoint/2010/main" id="1" dur="indefinite" restart="never" nodeType="tmRoot"/>
       </p:par>
     </p:tnLst>
   </p:timing>
@@ -31522,7 +31320,7 @@
   <p:timing>
     <p:tnLst>
       <p:par>
-        <p:cTn id="1" dur="indefinite" restart="never" nodeType="tmRoot"/>
+        <p:cTn xmlns:p14="http://schemas.microsoft.com/office/powerpoint/2010/main" id="1" dur="indefinite" restart="never" nodeType="tmRoot"/>
       </p:par>
     </p:tnLst>
   </p:timing>
@@ -31784,7 +31582,7 @@
   <a:extraClrSchemeLst/>
   <a:extLst>
     <a:ext uri="{05A4C25C-085E-4340-85A3-A5531E510DB2}">
-      <thm15:themeFamily xmlns:thm15="http://schemas.microsoft.com/office/thememl/2012/main" name="Office Theme" id="{62F939B6-93AF-4DB8-9C6B-D6C7DFDC589F}" vid="{4A3C46E8-61CC-4603-A589-7422A47A8E4A}"/>
+      <thm15:themeFamily xmlns:thm15="http://schemas.microsoft.com/office/thememl/2012/main" xmlns="" name="Office Theme" id="{62F939B6-93AF-4DB8-9C6B-D6C7DFDC589F}" vid="{4A3C46E8-61CC-4603-A589-7422A47A8E4A}"/>
     </a:ext>
   </a:extLst>
 </a:theme>
@@ -32045,7 +31843,7 @@
   <a:extraClrSchemeLst/>
   <a:extLst>
     <a:ext uri="{05A4C25C-085E-4340-85A3-A5531E510DB2}">
-      <thm15:themeFamily xmlns:thm15="http://schemas.microsoft.com/office/thememl/2012/main" name="Office Theme" id="{62F939B6-93AF-4DB8-9C6B-D6C7DFDC589F}" vid="{4A3C46E8-61CC-4603-A589-7422A47A8E4A}"/>
+      <thm15:themeFamily xmlns:thm15="http://schemas.microsoft.com/office/thememl/2012/main" xmlns="" name="Office Theme" id="{62F939B6-93AF-4DB8-9C6B-D6C7DFDC589F}" vid="{4A3C46E8-61CC-4603-A589-7422A47A8E4A}"/>
     </a:ext>
   </a:extLst>
 </a:theme>

--- a/elsarticle/Images/Thesis charts.pptx
+++ b/elsarticle/Images/Thesis charts.pptx
@@ -130,7 +130,7 @@
   </p:defaultTextStyle>
   <p:extLst>
     <p:ext uri="{EFAFB233-063F-42B5-8137-9DF3F51BA10A}">
-      <p15:sldGuideLst xmlns:p15="http://schemas.microsoft.com/office/powerpoint/2012/main" xmlns="">
+      <p15:sldGuideLst xmlns:p15="http://schemas.microsoft.com/office/powerpoint/2012/main">
         <p15:guide id="1" orient="horz" pos="2160">
           <p15:clr>
             <a:srgbClr val="A4A3A4"/>
@@ -426,11 +426,11 @@
           <c:showPercent val="0"/>
           <c:showBubbleSize val="0"/>
         </c:dLbls>
-        <c:axId val="2147179480"/>
-        <c:axId val="2145853304"/>
+        <c:axId val="2123966624"/>
+        <c:axId val="-2146510144"/>
       </c:scatterChart>
       <c:valAx>
-        <c:axId val="2147179480"/>
+        <c:axId val="2123966624"/>
         <c:scaling>
           <c:orientation val="minMax"/>
         </c:scaling>
@@ -494,6 +494,26 @@
             </a:ln>
             <a:effectLst/>
           </c:spPr>
+          <c:txPr>
+            <a:bodyPr rot="0" spcFirstLastPara="1" vertOverflow="ellipsis" vert="horz" wrap="square" anchor="ctr" anchorCtr="1"/>
+            <a:lstStyle/>
+            <a:p>
+              <a:pPr>
+                <a:defRPr sz="1330" b="0" i="0" u="none" strike="noStrike" kern="1200" baseline="0">
+                  <a:solidFill>
+                    <a:schemeClr val="tx1">
+                      <a:lumMod val="65000"/>
+                      <a:lumOff val="35000"/>
+                    </a:schemeClr>
+                  </a:solidFill>
+                  <a:latin typeface="+mn-lt"/>
+                  <a:ea typeface="+mn-ea"/>
+                  <a:cs typeface="+mn-cs"/>
+                </a:defRPr>
+              </a:pPr>
+              <a:endParaRPr lang="en-US"/>
+            </a:p>
+          </c:txPr>
         </c:title>
         <c:numFmt formatCode="General" sourceLinked="1"/>
         <c:majorTickMark val="out"/>
@@ -532,12 +552,12 @@
             <a:endParaRPr lang="en-US"/>
           </a:p>
         </c:txPr>
-        <c:crossAx val="2145853304"/>
+        <c:crossAx val="-2146510144"/>
         <c:crosses val="autoZero"/>
         <c:crossBetween val="midCat"/>
       </c:valAx>
       <c:valAx>
-        <c:axId val="2145853304"/>
+        <c:axId val="-2146510144"/>
         <c:scaling>
           <c:orientation val="minMax"/>
         </c:scaling>
@@ -605,6 +625,26 @@
             </a:ln>
             <a:effectLst/>
           </c:spPr>
+          <c:txPr>
+            <a:bodyPr rot="-5400000" spcFirstLastPara="1" vertOverflow="ellipsis" vert="horz" wrap="square" anchor="ctr" anchorCtr="1"/>
+            <a:lstStyle/>
+            <a:p>
+              <a:pPr>
+                <a:defRPr sz="1330" b="0" i="0" u="none" strike="noStrike" kern="1200" baseline="0">
+                  <a:solidFill>
+                    <a:schemeClr val="tx1">
+                      <a:lumMod val="65000"/>
+                      <a:lumOff val="35000"/>
+                    </a:schemeClr>
+                  </a:solidFill>
+                  <a:latin typeface="+mn-lt"/>
+                  <a:ea typeface="+mn-ea"/>
+                  <a:cs typeface="+mn-cs"/>
+                </a:defRPr>
+              </a:pPr>
+              <a:endParaRPr lang="en-US"/>
+            </a:p>
+          </c:txPr>
         </c:title>
         <c:numFmt formatCode="General" sourceLinked="1"/>
         <c:majorTickMark val="out"/>
@@ -643,7 +683,7 @@
             <a:endParaRPr lang="en-US"/>
           </a:p>
         </c:txPr>
-        <c:crossAx val="2147179480"/>
+        <c:crossAx val="2123966624"/>
         <c:crosses val="autoZero"/>
         <c:crossBetween val="midCat"/>
       </c:valAx>
@@ -710,7 +750,7 @@
       <a:endParaRPr lang="en-US"/>
     </a:p>
   </c:txPr>
-  <c:externalData r:id="rId1">
+  <c:externalData r:id="rId3">
     <c:autoUpdate val="0"/>
   </c:externalData>
 </c:chartSpace>
@@ -773,6 +813,26 @@
         </a:ln>
         <a:effectLst/>
       </c:spPr>
+      <c:txPr>
+        <a:bodyPr rot="0" spcFirstLastPara="1" vertOverflow="ellipsis" vert="horz" wrap="square" anchor="ctr" anchorCtr="1"/>
+        <a:lstStyle/>
+        <a:p>
+          <a:pPr>
+            <a:defRPr sz="1862" b="0" i="0" u="none" strike="noStrike" kern="1200" spc="0" baseline="0">
+              <a:solidFill>
+                <a:schemeClr val="tx1">
+                  <a:lumMod val="65000"/>
+                  <a:lumOff val="35000"/>
+                </a:schemeClr>
+              </a:solidFill>
+              <a:latin typeface="+mn-lt"/>
+              <a:ea typeface="+mn-ea"/>
+              <a:cs typeface="+mn-cs"/>
+            </a:defRPr>
+          </a:pPr>
+          <a:endParaRPr lang="en-US"/>
+        </a:p>
+      </c:txPr>
     </c:title>
     <c:autoTitleDeleted val="0"/>
     <c:plotArea>
@@ -860,9 +920,7 @@
               </c:spPr>
             </c:leaderLines>
             <c:extLst>
-              <c:ext xmlns:c15="http://schemas.microsoft.com/office/drawing/2012/chart" uri="{CE6537A1-D6FC-4f65-9D91-7224C49458BB}">
-                <c15:layout/>
-              </c:ext>
+              <c:ext xmlns:c15="http://schemas.microsoft.com/office/drawing/2012/chart" uri="{CE6537A1-D6FC-4f65-9D91-7224C49458BB}"/>
             </c:extLst>
           </c:dLbls>
           <c:cat>
@@ -970,7 +1028,7 @@
       <a:endParaRPr lang="en-US"/>
     </a:p>
   </c:txPr>
-  <c:externalData r:id="rId1">
+  <c:externalData r:id="rId3">
     <c:autoUpdate val="0"/>
   </c:externalData>
 </c:chartSpace>
@@ -1037,6 +1095,26 @@
         </a:ln>
         <a:effectLst/>
       </c:spPr>
+      <c:txPr>
+        <a:bodyPr rot="0" spcFirstLastPara="1" vertOverflow="ellipsis" vert="horz" wrap="square" anchor="ctr" anchorCtr="1"/>
+        <a:lstStyle/>
+        <a:p>
+          <a:pPr>
+            <a:defRPr sz="1862" b="0" i="0" u="none" strike="noStrike" kern="1200" spc="0" baseline="0">
+              <a:solidFill>
+                <a:schemeClr val="tx1">
+                  <a:lumMod val="65000"/>
+                  <a:lumOff val="35000"/>
+                </a:schemeClr>
+              </a:solidFill>
+              <a:latin typeface="+mn-lt"/>
+              <a:ea typeface="+mn-ea"/>
+              <a:cs typeface="+mn-cs"/>
+            </a:defRPr>
+          </a:pPr>
+          <a:endParaRPr lang="en-US"/>
+        </a:p>
+      </c:txPr>
     </c:title>
     <c:autoTitleDeleted val="0"/>
     <c:plotArea>
@@ -1163,9 +1241,7 @@
               <c:showPercent val="0"/>
               <c:showBubbleSize val="0"/>
               <c:extLst>
-                <c:ext xmlns:c15="http://schemas.microsoft.com/office/drawing/2012/chart" uri="{CE6537A1-D6FC-4f65-9D91-7224C49458BB}">
-                  <c15:layout/>
-                </c:ext>
+                <c:ext xmlns:c15="http://schemas.microsoft.com/office/drawing/2012/chart" uri="{CE6537A1-D6FC-4f65-9D91-7224C49458BB}"/>
               </c:extLst>
             </c:dLbl>
             <c:dLbl>
@@ -1183,9 +1259,7 @@
               <c:showPercent val="0"/>
               <c:showBubbleSize val="0"/>
               <c:extLst>
-                <c:ext xmlns:c15="http://schemas.microsoft.com/office/drawing/2012/chart" uri="{CE6537A1-D6FC-4f65-9D91-7224C49458BB}">
-                  <c15:layout/>
-                </c:ext>
+                <c:ext xmlns:c15="http://schemas.microsoft.com/office/drawing/2012/chart" uri="{CE6537A1-D6FC-4f65-9D91-7224C49458BB}"/>
               </c:extLst>
             </c:dLbl>
             <c:spPr>
@@ -1239,9 +1313,7 @@
               </c:spPr>
             </c:leaderLines>
             <c:extLst>
-              <c:ext xmlns:c15="http://schemas.microsoft.com/office/drawing/2012/chart" uri="{CE6537A1-D6FC-4f65-9D91-7224C49458BB}">
-                <c15:layout/>
-              </c:ext>
+              <c:ext xmlns:c15="http://schemas.microsoft.com/office/drawing/2012/chart" uri="{CE6537A1-D6FC-4f65-9D91-7224C49458BB}"/>
             </c:extLst>
           </c:dLbls>
           <c:cat>
@@ -1379,7 +1451,7 @@
       <a:endParaRPr lang="en-US"/>
     </a:p>
   </c:txPr>
-  <c:externalData r:id="rId1">
+  <c:externalData r:id="rId3">
     <c:autoUpdate val="0"/>
   </c:externalData>
 </c:chartSpace>
@@ -1560,9 +1632,7 @@
               </c:spPr>
             </c:leaderLines>
             <c:extLst>
-              <c:ext xmlns:c15="http://schemas.microsoft.com/office/drawing/2012/chart" uri="{CE6537A1-D6FC-4f65-9D91-7224C49458BB}">
-                <c15:layout/>
-              </c:ext>
+              <c:ext xmlns:c15="http://schemas.microsoft.com/office/drawing/2012/chart" uri="{CE6537A1-D6FC-4f65-9D91-7224C49458BB}"/>
             </c:extLst>
           </c:dLbls>
           <c:cat>
@@ -1700,7 +1770,7 @@
       <a:endParaRPr lang="en-US"/>
     </a:p>
   </c:txPr>
-  <c:externalData r:id="rId1">
+  <c:externalData r:id="rId3">
     <c:autoUpdate val="0"/>
   </c:externalData>
 </c:chartSpace>
@@ -1857,9 +1927,7 @@
               <c:showPercent val="0"/>
               <c:showBubbleSize val="0"/>
               <c:extLst>
-                <c:ext xmlns:c15="http://schemas.microsoft.com/office/drawing/2012/chart" uri="{CE6537A1-D6FC-4f65-9D91-7224C49458BB}">
-                  <c15:layout/>
-                </c:ext>
+                <c:ext xmlns:c15="http://schemas.microsoft.com/office/drawing/2012/chart" uri="{CE6537A1-D6FC-4f65-9D91-7224C49458BB}"/>
               </c:extLst>
             </c:dLbl>
             <c:dLbl>
@@ -2160,9 +2228,7 @@
               <c:showPercent val="0"/>
               <c:showBubbleSize val="0"/>
               <c:extLst>
-                <c:ext xmlns:c15="http://schemas.microsoft.com/office/drawing/2012/chart" uri="{CE6537A1-D6FC-4f65-9D91-7224C49458BB}">
-                  <c15:layout/>
-                </c:ext>
+                <c:ext xmlns:c15="http://schemas.microsoft.com/office/drawing/2012/chart" uri="{CE6537A1-D6FC-4f65-9D91-7224C49458BB}"/>
               </c:extLst>
             </c:dLbl>
             <c:spPr>
@@ -2285,11 +2351,11 @@
         </c:dLbls>
         <c:gapWidth val="150"/>
         <c:overlap val="100"/>
-        <c:axId val="2143854168"/>
-        <c:axId val="2144002936"/>
+        <c:axId val="-2117340704"/>
+        <c:axId val="-2076175056"/>
       </c:barChart>
       <c:catAx>
-        <c:axId val="2143854168"/>
+        <c:axId val="-2117340704"/>
         <c:scaling>
           <c:orientation val="minMax"/>
         </c:scaling>
@@ -2299,7 +2365,7 @@
         <c:majorTickMark val="none"/>
         <c:minorTickMark val="none"/>
         <c:tickLblPos val="nextTo"/>
-        <c:crossAx val="2144002936"/>
+        <c:crossAx val="-2076175056"/>
         <c:crosses val="autoZero"/>
         <c:auto val="1"/>
         <c:lblAlgn val="ctr"/>
@@ -2307,7 +2373,7 @@
         <c:noMultiLvlLbl val="0"/>
       </c:catAx>
       <c:valAx>
-        <c:axId val="2144002936"/>
+        <c:axId val="-2076175056"/>
         <c:scaling>
           <c:orientation val="minMax"/>
         </c:scaling>
@@ -2362,7 +2428,6 @@
               </a:p>
             </c:rich>
           </c:tx>
-          <c:layout/>
           <c:overlay val="0"/>
           <c:spPr>
             <a:noFill/>
@@ -2371,6 +2436,26 @@
             </a:ln>
             <a:effectLst/>
           </c:spPr>
+          <c:txPr>
+            <a:bodyPr rot="-5400000" spcFirstLastPara="1" vertOverflow="ellipsis" vert="horz" wrap="square" anchor="ctr" anchorCtr="1"/>
+            <a:lstStyle/>
+            <a:p>
+              <a:pPr>
+                <a:defRPr sz="1330" b="0" i="0" u="none" strike="noStrike" kern="1200" baseline="0">
+                  <a:solidFill>
+                    <a:schemeClr val="tx1">
+                      <a:lumMod val="65000"/>
+                      <a:lumOff val="35000"/>
+                    </a:schemeClr>
+                  </a:solidFill>
+                  <a:latin typeface="+mn-lt"/>
+                  <a:ea typeface="+mn-ea"/>
+                  <a:cs typeface="+mn-cs"/>
+                </a:defRPr>
+              </a:pPr>
+              <a:endParaRPr lang="en-US"/>
+            </a:p>
+          </c:txPr>
         </c:title>
         <c:numFmt formatCode="0.0" sourceLinked="1"/>
         <c:majorTickMark val="none"/>
@@ -2403,7 +2488,7 @@
             <a:endParaRPr lang="en-US"/>
           </a:p>
         </c:txPr>
-        <c:crossAx val="2143854168"/>
+        <c:crossAx val="-2117340704"/>
         <c:crosses val="autoZero"/>
         <c:crossBetween val="between"/>
       </c:valAx>
@@ -2438,7 +2523,7 @@
       <a:endParaRPr lang="en-US"/>
     </a:p>
   </c:txPr>
-  <c:externalData r:id="rId1">
+  <c:externalData r:id="rId3">
     <c:autoUpdate val="0"/>
   </c:externalData>
 </c:chartSpace>
@@ -2786,11 +2871,11 @@
         </c:dLbls>
         <c:gapWidth val="219"/>
         <c:overlap val="-27"/>
-        <c:axId val="-2131951240"/>
-        <c:axId val="-2131956136"/>
+        <c:axId val="-2114968496"/>
+        <c:axId val="-2114962704"/>
       </c:barChart>
       <c:catAx>
-        <c:axId val="-2131951240"/>
+        <c:axId val="-2114968496"/>
         <c:scaling>
           <c:orientation val="minMax"/>
         </c:scaling>
@@ -2830,7 +2915,7 @@
             <a:endParaRPr lang="en-US"/>
           </a:p>
         </c:txPr>
-        <c:crossAx val="-2131956136"/>
+        <c:crossAx val="-2114962704"/>
         <c:crosses val="autoZero"/>
         <c:auto val="1"/>
         <c:lblAlgn val="ctr"/>
@@ -2838,7 +2923,485 @@
         <c:noMultiLvlLbl val="0"/>
       </c:catAx>
       <c:valAx>
-        <c:axId val="-2131956136"/>
+        <c:axId val="-2114962704"/>
+        <c:scaling>
+          <c:orientation val="minMax"/>
+        </c:scaling>
+        <c:delete val="0"/>
+        <c:axPos val="l"/>
+        <c:majorGridlines>
+          <c:spPr>
+            <a:ln w="9525" cap="flat" cmpd="sng" algn="ctr">
+              <a:solidFill>
+                <a:schemeClr val="tx1">
+                  <a:lumMod val="15000"/>
+                  <a:lumOff val="85000"/>
+                </a:schemeClr>
+              </a:solidFill>
+              <a:round/>
+            </a:ln>
+            <a:effectLst/>
+          </c:spPr>
+        </c:majorGridlines>
+        <c:title>
+          <c:tx>
+            <c:rich>
+              <a:bodyPr rot="-5400000" spcFirstLastPara="1" vertOverflow="ellipsis" vert="horz" wrap="square" anchor="ctr" anchorCtr="1"/>
+              <a:lstStyle/>
+              <a:p>
+                <a:pPr>
+                  <a:defRPr sz="1400" b="0" i="0" u="none" strike="noStrike" kern="1200" baseline="0">
+                    <a:solidFill>
+                      <a:schemeClr val="tx1">
+                        <a:lumMod val="65000"/>
+                        <a:lumOff val="35000"/>
+                      </a:schemeClr>
+                    </a:solidFill>
+                    <a:latin typeface="+mn-lt"/>
+                    <a:ea typeface="+mn-ea"/>
+                    <a:cs typeface="+mn-cs"/>
+                  </a:defRPr>
+                </a:pPr>
+                <a:r>
+                  <a:rPr lang="en-US" sz="1600" dirty="0" smtClean="0"/>
+                  <a:t>Electricity production at grid</a:t>
+                </a:r>
+              </a:p>
+              <a:p>
+                <a:pPr>
+                  <a:defRPr sz="1400"/>
+                </a:pPr>
+                <a:r>
+                  <a:rPr lang="en-US" sz="1600" noProof="1" smtClean="0"/>
+                  <a:t>(g</a:t>
+                </a:r>
+                <a:r>
+                  <a:rPr lang="en-US" sz="1600" baseline="-25000" noProof="1" smtClean="0"/>
+                  <a:t>CO2eq</a:t>
+                </a:r>
+                <a:r>
+                  <a:rPr lang="en-US" sz="1600" noProof="1" smtClean="0"/>
+                  <a:t>/kWh</a:t>
+                </a:r>
+                <a:r>
+                  <a:rPr lang="de-DE" sz="1600" dirty="0" smtClean="0"/>
+                  <a:t>)</a:t>
+                </a:r>
+                <a:endParaRPr lang="en-US" sz="1600" dirty="0"/>
+              </a:p>
+            </c:rich>
+          </c:tx>
+          <c:overlay val="0"/>
+          <c:spPr>
+            <a:noFill/>
+            <a:ln>
+              <a:noFill/>
+            </a:ln>
+            <a:effectLst/>
+          </c:spPr>
+          <c:txPr>
+            <a:bodyPr rot="-5400000" spcFirstLastPara="1" vertOverflow="ellipsis" vert="horz" wrap="square" anchor="ctr" anchorCtr="1"/>
+            <a:lstStyle/>
+            <a:p>
+              <a:pPr>
+                <a:defRPr sz="1400" b="0" i="0" u="none" strike="noStrike" kern="1200" baseline="0">
+                  <a:solidFill>
+                    <a:schemeClr val="tx1">
+                      <a:lumMod val="65000"/>
+                      <a:lumOff val="35000"/>
+                    </a:schemeClr>
+                  </a:solidFill>
+                  <a:latin typeface="+mn-lt"/>
+                  <a:ea typeface="+mn-ea"/>
+                  <a:cs typeface="+mn-cs"/>
+                </a:defRPr>
+              </a:pPr>
+              <a:endParaRPr lang="en-US"/>
+            </a:p>
+          </c:txPr>
+        </c:title>
+        <c:numFmt formatCode="General" sourceLinked="1"/>
+        <c:majorTickMark val="none"/>
+        <c:minorTickMark val="none"/>
+        <c:tickLblPos val="nextTo"/>
+        <c:spPr>
+          <a:noFill/>
+          <a:ln>
+            <a:solidFill>
+              <a:schemeClr val="accent3"/>
+            </a:solidFill>
+          </a:ln>
+          <a:effectLst/>
+        </c:spPr>
+        <c:txPr>
+          <a:bodyPr rot="-60000000" spcFirstLastPara="1" vertOverflow="ellipsis" vert="horz" wrap="square" anchor="ctr" anchorCtr="1"/>
+          <a:lstStyle/>
+          <a:p>
+            <a:pPr>
+              <a:defRPr sz="1400" b="0" i="0" u="none" strike="noStrike" kern="1200" baseline="0">
+                <a:solidFill>
+                  <a:schemeClr val="tx1">
+                    <a:lumMod val="65000"/>
+                    <a:lumOff val="35000"/>
+                  </a:schemeClr>
+                </a:solidFill>
+                <a:latin typeface="+mn-lt"/>
+                <a:ea typeface="+mn-ea"/>
+                <a:cs typeface="+mn-cs"/>
+              </a:defRPr>
+            </a:pPr>
+            <a:endParaRPr lang="en-US"/>
+          </a:p>
+        </c:txPr>
+        <c:crossAx val="-2114968496"/>
+        <c:crosses val="autoZero"/>
+        <c:crossBetween val="between"/>
+      </c:valAx>
+      <c:spPr>
+        <a:noFill/>
+        <a:ln>
+          <a:solidFill>
+            <a:schemeClr val="accent3"/>
+          </a:solidFill>
+        </a:ln>
+        <a:effectLst/>
+      </c:spPr>
+    </c:plotArea>
+    <c:legend>
+      <c:legendPos val="b"/>
+      <c:overlay val="0"/>
+      <c:spPr>
+        <a:noFill/>
+        <a:ln>
+          <a:noFill/>
+        </a:ln>
+        <a:effectLst/>
+      </c:spPr>
+      <c:txPr>
+        <a:bodyPr rot="0" spcFirstLastPara="1" vertOverflow="ellipsis" vert="horz" wrap="square" anchor="ctr" anchorCtr="1"/>
+        <a:lstStyle/>
+        <a:p>
+          <a:pPr>
+            <a:defRPr sz="1197" b="0" i="0" u="none" strike="noStrike" kern="1200" baseline="0">
+              <a:solidFill>
+                <a:schemeClr val="tx1">
+                  <a:lumMod val="65000"/>
+                  <a:lumOff val="35000"/>
+                </a:schemeClr>
+              </a:solidFill>
+              <a:latin typeface="+mn-lt"/>
+              <a:ea typeface="+mn-ea"/>
+              <a:cs typeface="+mn-cs"/>
+            </a:defRPr>
+          </a:pPr>
+          <a:endParaRPr lang="en-US"/>
+        </a:p>
+      </c:txPr>
+    </c:legend>
+    <c:plotVisOnly val="1"/>
+    <c:dispBlanksAs val="gap"/>
+    <c:showDLblsOverMax val="0"/>
+  </c:chart>
+  <c:spPr>
+    <a:noFill/>
+    <a:ln>
+      <a:noFill/>
+    </a:ln>
+    <a:effectLst/>
+  </c:spPr>
+  <c:txPr>
+    <a:bodyPr/>
+    <a:lstStyle/>
+    <a:p>
+      <a:pPr>
+        <a:defRPr/>
+      </a:pPr>
+      <a:endParaRPr lang="en-US"/>
+    </a:p>
+  </c:txPr>
+  <c:externalData r:id="rId3">
+    <c:autoUpdate val="0"/>
+  </c:externalData>
+</c:chartSpace>
+</file>
+
+<file path=ppt/charts/chart15.xml><?xml version="1.0" encoding="utf-8"?>
+<c:chartSpace xmlns:c="http://schemas.openxmlformats.org/drawingml/2006/chart" xmlns:a="http://schemas.openxmlformats.org/drawingml/2006/main" xmlns:r="http://schemas.openxmlformats.org/officeDocument/2006/relationships">
+  <c:date1904 val="0"/>
+  <c:lang val="en-US"/>
+  <c:roundedCorners val="0"/>
+  <mc:AlternateContent xmlns:mc="http://schemas.openxmlformats.org/markup-compatibility/2006">
+    <mc:Choice xmlns:c14="http://schemas.microsoft.com/office/drawing/2007/8/2/chart" Requires="c14">
+      <c14:style val="102"/>
+    </mc:Choice>
+    <mc:Fallback>
+      <c:style val="2"/>
+    </mc:Fallback>
+  </mc:AlternateContent>
+  <c:chart>
+    <c:autoTitleDeleted val="1"/>
+    <c:plotArea>
+      <c:layout/>
+      <c:barChart>
+        <c:barDir val="col"/>
+        <c:grouping val="clustered"/>
+        <c:varyColors val="0"/>
+        <c:ser>
+          <c:idx val="0"/>
+          <c:order val="0"/>
+          <c:tx>
+            <c:strRef>
+              <c:f>Sheet1!$B$1</c:f>
+              <c:strCache>
+                <c:ptCount val="1"/>
+                <c:pt idx="0">
+                  <c:v>High voltage at grid</c:v>
+                </c:pt>
+              </c:strCache>
+            </c:strRef>
+          </c:tx>
+          <c:spPr>
+            <a:solidFill>
+              <a:schemeClr val="accent1"/>
+            </a:solidFill>
+            <a:ln>
+              <a:noFill/>
+            </a:ln>
+            <a:effectLst/>
+          </c:spPr>
+          <c:invertIfNegative val="0"/>
+          <c:cat>
+            <c:strRef>
+              <c:f>Sheet1!$A$2:$A$8</c:f>
+              <c:strCache>
+                <c:ptCount val="7"/>
+                <c:pt idx="0">
+                  <c:v>China</c:v>
+                </c:pt>
+                <c:pt idx="1">
+                  <c:v>United States of America</c:v>
+                </c:pt>
+                <c:pt idx="2">
+                  <c:v>Germany</c:v>
+                </c:pt>
+                <c:pt idx="3">
+                  <c:v>UCTE region</c:v>
+                </c:pt>
+                <c:pt idx="4">
+                  <c:v>Switzerland</c:v>
+                </c:pt>
+                <c:pt idx="5">
+                  <c:v>ASF</c:v>
+                </c:pt>
+                <c:pt idx="6">
+                  <c:v>France</c:v>
+                </c:pt>
+              </c:strCache>
+            </c:strRef>
+          </c:cat>
+          <c:val>
+            <c:numRef>
+              <c:f>Sheet1!$B$2:$B$8</c:f>
+              <c:numCache>
+                <c:formatCode>General</c:formatCode>
+                <c:ptCount val="7"/>
+                <c:pt idx="0">
+                  <c:v>1145.8</c:v>
+                </c:pt>
+                <c:pt idx="1">
+                  <c:v>754.8</c:v>
+                </c:pt>
+                <c:pt idx="2">
+                  <c:v>629.5</c:v>
+                </c:pt>
+                <c:pt idx="3">
+                  <c:v>509.3</c:v>
+                </c:pt>
+                <c:pt idx="4">
+                  <c:v>119.6</c:v>
+                </c:pt>
+                <c:pt idx="6">
+                  <c:v>95.7</c:v>
+                </c:pt>
+              </c:numCache>
+            </c:numRef>
+          </c:val>
+        </c:ser>
+        <c:ser>
+          <c:idx val="1"/>
+          <c:order val="1"/>
+          <c:tx>
+            <c:strRef>
+              <c:f>Sheet1!$C$1</c:f>
+              <c:strCache>
+                <c:ptCount val="1"/>
+                <c:pt idx="0">
+                  <c:v>Low voltage at grid</c:v>
+                </c:pt>
+              </c:strCache>
+            </c:strRef>
+          </c:tx>
+          <c:spPr>
+            <a:solidFill>
+              <a:schemeClr val="accent2"/>
+            </a:solidFill>
+            <a:ln>
+              <a:noFill/>
+            </a:ln>
+            <a:effectLst/>
+          </c:spPr>
+          <c:invertIfNegative val="0"/>
+          <c:dPt>
+            <c:idx val="5"/>
+            <c:invertIfNegative val="0"/>
+            <c:bubble3D val="0"/>
+            <c:spPr>
+              <a:solidFill>
+                <a:srgbClr val="C52A15"/>
+              </a:solidFill>
+              <a:ln>
+                <a:noFill/>
+              </a:ln>
+              <a:effectLst/>
+            </c:spPr>
+          </c:dPt>
+          <c:dPt>
+            <c:idx val="14"/>
+            <c:invertIfNegative val="0"/>
+            <c:bubble3D val="0"/>
+            <c:spPr>
+              <a:solidFill>
+                <a:srgbClr val="C00000"/>
+              </a:solidFill>
+              <a:ln>
+                <a:noFill/>
+              </a:ln>
+              <a:effectLst/>
+            </c:spPr>
+          </c:dPt>
+          <c:cat>
+            <c:strRef>
+              <c:f>Sheet1!$A$2:$A$8</c:f>
+              <c:strCache>
+                <c:ptCount val="7"/>
+                <c:pt idx="0">
+                  <c:v>China</c:v>
+                </c:pt>
+                <c:pt idx="1">
+                  <c:v>United States of America</c:v>
+                </c:pt>
+                <c:pt idx="2">
+                  <c:v>Germany</c:v>
+                </c:pt>
+                <c:pt idx="3">
+                  <c:v>UCTE region</c:v>
+                </c:pt>
+                <c:pt idx="4">
+                  <c:v>Switzerland</c:v>
+                </c:pt>
+                <c:pt idx="5">
+                  <c:v>ASF</c:v>
+                </c:pt>
+                <c:pt idx="6">
+                  <c:v>France</c:v>
+                </c:pt>
+              </c:strCache>
+            </c:strRef>
+          </c:cat>
+          <c:val>
+            <c:numRef>
+              <c:f>Sheet1!$C$2:$C$8</c:f>
+              <c:numCache>
+                <c:formatCode>General</c:formatCode>
+                <c:ptCount val="7"/>
+                <c:pt idx="0">
+                  <c:v>1229.6</c:v>
+                </c:pt>
+                <c:pt idx="1">
+                  <c:v>808.4</c:v>
+                </c:pt>
+                <c:pt idx="2">
+                  <c:v>671.5</c:v>
+                </c:pt>
+                <c:pt idx="3">
+                  <c:v>551.7</c:v>
+                </c:pt>
+                <c:pt idx="4">
+                  <c:v>135.0</c:v>
+                </c:pt>
+                <c:pt idx="5">
+                  <c:v>126.8</c:v>
+                </c:pt>
+                <c:pt idx="6">
+                  <c:v>109.0</c:v>
+                </c:pt>
+              </c:numCache>
+            </c:numRef>
+          </c:val>
+        </c:ser>
+        <c:dLbls>
+          <c:showLegendKey val="0"/>
+          <c:showVal val="0"/>
+          <c:showCatName val="0"/>
+          <c:showSerName val="0"/>
+          <c:showPercent val="0"/>
+          <c:showBubbleSize val="0"/>
+        </c:dLbls>
+        <c:gapWidth val="219"/>
+        <c:overlap val="-27"/>
+        <c:axId val="-2114922000"/>
+        <c:axId val="-2114918560"/>
+      </c:barChart>
+      <c:catAx>
+        <c:axId val="-2114922000"/>
+        <c:scaling>
+          <c:orientation val="minMax"/>
+        </c:scaling>
+        <c:delete val="0"/>
+        <c:axPos val="b"/>
+        <c:numFmt formatCode="General" sourceLinked="1"/>
+        <c:majorTickMark val="none"/>
+        <c:minorTickMark val="none"/>
+        <c:tickLblPos val="nextTo"/>
+        <c:spPr>
+          <a:noFill/>
+          <a:ln w="9525" cap="flat" cmpd="sng" algn="ctr">
+            <a:solidFill>
+              <a:schemeClr val="accent3"/>
+            </a:solidFill>
+            <a:round/>
+          </a:ln>
+          <a:effectLst/>
+        </c:spPr>
+        <c:txPr>
+          <a:bodyPr rot="-60000000" spcFirstLastPara="1" vertOverflow="ellipsis" vert="horz" wrap="square" anchor="ctr" anchorCtr="1"/>
+          <a:lstStyle/>
+          <a:p>
+            <a:pPr>
+              <a:defRPr sz="1400" b="0" i="0" u="none" strike="noStrike" kern="1200" baseline="0">
+                <a:solidFill>
+                  <a:schemeClr val="tx1">
+                    <a:lumMod val="65000"/>
+                    <a:lumOff val="35000"/>
+                  </a:schemeClr>
+                </a:solidFill>
+                <a:latin typeface="+mn-lt"/>
+                <a:ea typeface="+mn-ea"/>
+                <a:cs typeface="+mn-cs"/>
+              </a:defRPr>
+            </a:pPr>
+            <a:endParaRPr lang="en-US"/>
+          </a:p>
+        </c:txPr>
+        <c:crossAx val="-2114918560"/>
+        <c:crosses val="autoZero"/>
+        <c:auto val="1"/>
+        <c:lblAlgn val="ctr"/>
+        <c:lblOffset val="100"/>
+        <c:noMultiLvlLbl val="0"/>
+      </c:catAx>
+      <c:valAx>
+        <c:axId val="-2114918560"/>
         <c:scaling>
           <c:orientation val="minMax"/>
         </c:scaling>
@@ -2916,7 +3479,6 @@
               </a:p>
             </c:rich>
           </c:tx>
-          <c:layout/>
           <c:overlay val="0"/>
           <c:spPr>
             <a:noFill/>
@@ -2959,7 +3521,7 @@
             <a:endParaRPr lang="en-US"/>
           </a:p>
         </c:txPr>
-        <c:crossAx val="-2131951240"/>
+        <c:crossAx val="-2114922000"/>
         <c:crosses val="autoZero"/>
         <c:crossBetween val="between"/>
       </c:valAx>
@@ -2975,477 +3537,6 @@
     </c:plotArea>
     <c:legend>
       <c:legendPos val="b"/>
-      <c:layout/>
-      <c:overlay val="0"/>
-      <c:spPr>
-        <a:noFill/>
-        <a:ln>
-          <a:noFill/>
-        </a:ln>
-        <a:effectLst/>
-      </c:spPr>
-      <c:txPr>
-        <a:bodyPr rot="0" spcFirstLastPara="1" vertOverflow="ellipsis" vert="horz" wrap="square" anchor="ctr" anchorCtr="1"/>
-        <a:lstStyle/>
-        <a:p>
-          <a:pPr>
-            <a:defRPr sz="1197" b="0" i="0" u="none" strike="noStrike" kern="1200" baseline="0">
-              <a:solidFill>
-                <a:schemeClr val="tx1">
-                  <a:lumMod val="65000"/>
-                  <a:lumOff val="35000"/>
-                </a:schemeClr>
-              </a:solidFill>
-              <a:latin typeface="+mn-lt"/>
-              <a:ea typeface="+mn-ea"/>
-              <a:cs typeface="+mn-cs"/>
-            </a:defRPr>
-          </a:pPr>
-          <a:endParaRPr lang="en-US"/>
-        </a:p>
-      </c:txPr>
-    </c:legend>
-    <c:plotVisOnly val="1"/>
-    <c:dispBlanksAs val="gap"/>
-    <c:showDLblsOverMax val="0"/>
-  </c:chart>
-  <c:spPr>
-    <a:noFill/>
-    <a:ln>
-      <a:noFill/>
-    </a:ln>
-    <a:effectLst/>
-  </c:spPr>
-  <c:txPr>
-    <a:bodyPr/>
-    <a:lstStyle/>
-    <a:p>
-      <a:pPr>
-        <a:defRPr/>
-      </a:pPr>
-      <a:endParaRPr lang="en-US"/>
-    </a:p>
-  </c:txPr>
-  <c:externalData r:id="rId1">
-    <c:autoUpdate val="0"/>
-  </c:externalData>
-</c:chartSpace>
-</file>
-
-<file path=ppt/charts/chart15.xml><?xml version="1.0" encoding="utf-8"?>
-<c:chartSpace xmlns:c="http://schemas.openxmlformats.org/drawingml/2006/chart" xmlns:a="http://schemas.openxmlformats.org/drawingml/2006/main" xmlns:r="http://schemas.openxmlformats.org/officeDocument/2006/relationships">
-  <c:date1904 val="0"/>
-  <c:lang val="en-US"/>
-  <c:roundedCorners val="0"/>
-  <mc:AlternateContent xmlns:mc="http://schemas.openxmlformats.org/markup-compatibility/2006">
-    <mc:Choice xmlns:c14="http://schemas.microsoft.com/office/drawing/2007/8/2/chart" Requires="c14">
-      <c14:style val="102"/>
-    </mc:Choice>
-    <mc:Fallback>
-      <c:style val="2"/>
-    </mc:Fallback>
-  </mc:AlternateContent>
-  <c:chart>
-    <c:autoTitleDeleted val="1"/>
-    <c:plotArea>
-      <c:layout/>
-      <c:barChart>
-        <c:barDir val="col"/>
-        <c:grouping val="clustered"/>
-        <c:varyColors val="0"/>
-        <c:ser>
-          <c:idx val="0"/>
-          <c:order val="0"/>
-          <c:tx>
-            <c:strRef>
-              <c:f>Sheet1!$B$1</c:f>
-              <c:strCache>
-                <c:ptCount val="1"/>
-                <c:pt idx="0">
-                  <c:v>High voltage at grid</c:v>
-                </c:pt>
-              </c:strCache>
-            </c:strRef>
-          </c:tx>
-          <c:spPr>
-            <a:solidFill>
-              <a:schemeClr val="accent1"/>
-            </a:solidFill>
-            <a:ln>
-              <a:noFill/>
-            </a:ln>
-            <a:effectLst/>
-          </c:spPr>
-          <c:invertIfNegative val="0"/>
-          <c:cat>
-            <c:strRef>
-              <c:f>Sheet1!$A$2:$A$8</c:f>
-              <c:strCache>
-                <c:ptCount val="7"/>
-                <c:pt idx="0">
-                  <c:v>China</c:v>
-                </c:pt>
-                <c:pt idx="1">
-                  <c:v>United States of America</c:v>
-                </c:pt>
-                <c:pt idx="2">
-                  <c:v>Germany</c:v>
-                </c:pt>
-                <c:pt idx="3">
-                  <c:v>UCTE region</c:v>
-                </c:pt>
-                <c:pt idx="4">
-                  <c:v>Switzerland</c:v>
-                </c:pt>
-                <c:pt idx="5">
-                  <c:v>ASF</c:v>
-                </c:pt>
-                <c:pt idx="6">
-                  <c:v>France</c:v>
-                </c:pt>
-              </c:strCache>
-            </c:strRef>
-          </c:cat>
-          <c:val>
-            <c:numRef>
-              <c:f>Sheet1!$B$2:$B$8</c:f>
-              <c:numCache>
-                <c:formatCode>General</c:formatCode>
-                <c:ptCount val="7"/>
-                <c:pt idx="0">
-                  <c:v>1145.8</c:v>
-                </c:pt>
-                <c:pt idx="1">
-                  <c:v>754.8</c:v>
-                </c:pt>
-                <c:pt idx="2">
-                  <c:v>629.5</c:v>
-                </c:pt>
-                <c:pt idx="3">
-                  <c:v>509.3</c:v>
-                </c:pt>
-                <c:pt idx="4">
-                  <c:v>119.6</c:v>
-                </c:pt>
-                <c:pt idx="6">
-                  <c:v>95.7</c:v>
-                </c:pt>
-              </c:numCache>
-            </c:numRef>
-          </c:val>
-        </c:ser>
-        <c:ser>
-          <c:idx val="1"/>
-          <c:order val="1"/>
-          <c:tx>
-            <c:strRef>
-              <c:f>Sheet1!$C$1</c:f>
-              <c:strCache>
-                <c:ptCount val="1"/>
-                <c:pt idx="0">
-                  <c:v>Low voltage at grid</c:v>
-                </c:pt>
-              </c:strCache>
-            </c:strRef>
-          </c:tx>
-          <c:spPr>
-            <a:solidFill>
-              <a:schemeClr val="accent2"/>
-            </a:solidFill>
-            <a:ln>
-              <a:noFill/>
-            </a:ln>
-            <a:effectLst/>
-          </c:spPr>
-          <c:invertIfNegative val="0"/>
-          <c:dPt>
-            <c:idx val="5"/>
-            <c:invertIfNegative val="0"/>
-            <c:bubble3D val="0"/>
-            <c:spPr>
-              <a:solidFill>
-                <a:srgbClr val="C52A15"/>
-              </a:solidFill>
-              <a:ln>
-                <a:noFill/>
-              </a:ln>
-              <a:effectLst/>
-            </c:spPr>
-          </c:dPt>
-          <c:dPt>
-            <c:idx val="14"/>
-            <c:invertIfNegative val="0"/>
-            <c:bubble3D val="0"/>
-            <c:spPr>
-              <a:solidFill>
-                <a:srgbClr val="C00000"/>
-              </a:solidFill>
-              <a:ln>
-                <a:noFill/>
-              </a:ln>
-              <a:effectLst/>
-            </c:spPr>
-          </c:dPt>
-          <c:cat>
-            <c:strRef>
-              <c:f>Sheet1!$A$2:$A$8</c:f>
-              <c:strCache>
-                <c:ptCount val="7"/>
-                <c:pt idx="0">
-                  <c:v>China</c:v>
-                </c:pt>
-                <c:pt idx="1">
-                  <c:v>United States of America</c:v>
-                </c:pt>
-                <c:pt idx="2">
-                  <c:v>Germany</c:v>
-                </c:pt>
-                <c:pt idx="3">
-                  <c:v>UCTE region</c:v>
-                </c:pt>
-                <c:pt idx="4">
-                  <c:v>Switzerland</c:v>
-                </c:pt>
-                <c:pt idx="5">
-                  <c:v>ASF</c:v>
-                </c:pt>
-                <c:pt idx="6">
-                  <c:v>France</c:v>
-                </c:pt>
-              </c:strCache>
-            </c:strRef>
-          </c:cat>
-          <c:val>
-            <c:numRef>
-              <c:f>Sheet1!$C$2:$C$8</c:f>
-              <c:numCache>
-                <c:formatCode>General</c:formatCode>
-                <c:ptCount val="7"/>
-                <c:pt idx="0">
-                  <c:v>1229.6</c:v>
-                </c:pt>
-                <c:pt idx="1">
-                  <c:v>808.4</c:v>
-                </c:pt>
-                <c:pt idx="2">
-                  <c:v>671.5</c:v>
-                </c:pt>
-                <c:pt idx="3">
-                  <c:v>551.7</c:v>
-                </c:pt>
-                <c:pt idx="4">
-                  <c:v>135.0</c:v>
-                </c:pt>
-                <c:pt idx="5">
-                  <c:v>126.8</c:v>
-                </c:pt>
-                <c:pt idx="6">
-                  <c:v>109.0</c:v>
-                </c:pt>
-              </c:numCache>
-            </c:numRef>
-          </c:val>
-        </c:ser>
-        <c:dLbls>
-          <c:showLegendKey val="0"/>
-          <c:showVal val="0"/>
-          <c:showCatName val="0"/>
-          <c:showSerName val="0"/>
-          <c:showPercent val="0"/>
-          <c:showBubbleSize val="0"/>
-        </c:dLbls>
-        <c:gapWidth val="219"/>
-        <c:overlap val="-27"/>
-        <c:axId val="-2138937272"/>
-        <c:axId val="2020100184"/>
-      </c:barChart>
-      <c:catAx>
-        <c:axId val="-2138937272"/>
-        <c:scaling>
-          <c:orientation val="minMax"/>
-        </c:scaling>
-        <c:delete val="0"/>
-        <c:axPos val="b"/>
-        <c:numFmt formatCode="General" sourceLinked="1"/>
-        <c:majorTickMark val="none"/>
-        <c:minorTickMark val="none"/>
-        <c:tickLblPos val="nextTo"/>
-        <c:spPr>
-          <a:noFill/>
-          <a:ln w="9525" cap="flat" cmpd="sng" algn="ctr">
-            <a:solidFill>
-              <a:schemeClr val="accent3"/>
-            </a:solidFill>
-            <a:round/>
-          </a:ln>
-          <a:effectLst/>
-        </c:spPr>
-        <c:txPr>
-          <a:bodyPr rot="-60000000" spcFirstLastPara="1" vertOverflow="ellipsis" vert="horz" wrap="square" anchor="ctr" anchorCtr="1"/>
-          <a:lstStyle/>
-          <a:p>
-            <a:pPr>
-              <a:defRPr sz="1400" b="0" i="0" u="none" strike="noStrike" kern="1200" baseline="0">
-                <a:solidFill>
-                  <a:schemeClr val="tx1">
-                    <a:lumMod val="65000"/>
-                    <a:lumOff val="35000"/>
-                  </a:schemeClr>
-                </a:solidFill>
-                <a:latin typeface="+mn-lt"/>
-                <a:ea typeface="+mn-ea"/>
-                <a:cs typeface="+mn-cs"/>
-              </a:defRPr>
-            </a:pPr>
-            <a:endParaRPr lang="en-US"/>
-          </a:p>
-        </c:txPr>
-        <c:crossAx val="2020100184"/>
-        <c:crosses val="autoZero"/>
-        <c:auto val="1"/>
-        <c:lblAlgn val="ctr"/>
-        <c:lblOffset val="100"/>
-        <c:noMultiLvlLbl val="0"/>
-      </c:catAx>
-      <c:valAx>
-        <c:axId val="2020100184"/>
-        <c:scaling>
-          <c:orientation val="minMax"/>
-        </c:scaling>
-        <c:delete val="0"/>
-        <c:axPos val="l"/>
-        <c:majorGridlines>
-          <c:spPr>
-            <a:ln w="9525" cap="flat" cmpd="sng" algn="ctr">
-              <a:solidFill>
-                <a:schemeClr val="tx1">
-                  <a:lumMod val="15000"/>
-                  <a:lumOff val="85000"/>
-                </a:schemeClr>
-              </a:solidFill>
-              <a:round/>
-            </a:ln>
-            <a:effectLst/>
-          </c:spPr>
-        </c:majorGridlines>
-        <c:title>
-          <c:tx>
-            <c:rich>
-              <a:bodyPr rot="-5400000" spcFirstLastPara="1" vertOverflow="ellipsis" vert="horz" wrap="square" anchor="ctr" anchorCtr="1"/>
-              <a:lstStyle/>
-              <a:p>
-                <a:pPr>
-                  <a:defRPr sz="1400" b="0" i="0" u="none" strike="noStrike" kern="1200" baseline="0">
-                    <a:solidFill>
-                      <a:schemeClr val="tx1">
-                        <a:lumMod val="65000"/>
-                        <a:lumOff val="35000"/>
-                      </a:schemeClr>
-                    </a:solidFill>
-                    <a:latin typeface="+mn-lt"/>
-                    <a:ea typeface="+mn-ea"/>
-                    <a:cs typeface="+mn-cs"/>
-                  </a:defRPr>
-                </a:pPr>
-                <a:r>
-                  <a:rPr lang="en-US" sz="1600" dirty="0" smtClean="0"/>
-                  <a:t>Electricity production at grid</a:t>
-                </a:r>
-              </a:p>
-              <a:p>
-                <a:pPr>
-                  <a:defRPr sz="1400" b="0" i="0" u="none" strike="noStrike" kern="1200" baseline="0">
-                    <a:solidFill>
-                      <a:schemeClr val="tx1">
-                        <a:lumMod val="65000"/>
-                        <a:lumOff val="35000"/>
-                      </a:schemeClr>
-                    </a:solidFill>
-                    <a:latin typeface="+mn-lt"/>
-                    <a:ea typeface="+mn-ea"/>
-                    <a:cs typeface="+mn-cs"/>
-                  </a:defRPr>
-                </a:pPr>
-                <a:r>
-                  <a:rPr lang="en-US" sz="1600" noProof="1" smtClean="0"/>
-                  <a:t>(g</a:t>
-                </a:r>
-                <a:r>
-                  <a:rPr lang="en-US" sz="1600" baseline="-25000" noProof="1" smtClean="0"/>
-                  <a:t>CO2eq</a:t>
-                </a:r>
-                <a:r>
-                  <a:rPr lang="en-US" sz="1600" noProof="1" smtClean="0"/>
-                  <a:t>/kWh</a:t>
-                </a:r>
-                <a:r>
-                  <a:rPr lang="de-DE" sz="1600" dirty="0" smtClean="0"/>
-                  <a:t>)</a:t>
-                </a:r>
-                <a:endParaRPr lang="en-US" sz="1600" dirty="0"/>
-              </a:p>
-            </c:rich>
-          </c:tx>
-          <c:layout/>
-          <c:overlay val="0"/>
-          <c:spPr>
-            <a:noFill/>
-            <a:ln>
-              <a:noFill/>
-            </a:ln>
-            <a:effectLst/>
-          </c:spPr>
-        </c:title>
-        <c:numFmt formatCode="General" sourceLinked="1"/>
-        <c:majorTickMark val="none"/>
-        <c:minorTickMark val="none"/>
-        <c:tickLblPos val="nextTo"/>
-        <c:spPr>
-          <a:noFill/>
-          <a:ln>
-            <a:solidFill>
-              <a:schemeClr val="accent3"/>
-            </a:solidFill>
-          </a:ln>
-          <a:effectLst/>
-        </c:spPr>
-        <c:txPr>
-          <a:bodyPr rot="-60000000" spcFirstLastPara="1" vertOverflow="ellipsis" vert="horz" wrap="square" anchor="ctr" anchorCtr="1"/>
-          <a:lstStyle/>
-          <a:p>
-            <a:pPr>
-              <a:defRPr sz="1400" b="0" i="0" u="none" strike="noStrike" kern="1200" baseline="0">
-                <a:solidFill>
-                  <a:schemeClr val="tx1">
-                    <a:lumMod val="65000"/>
-                    <a:lumOff val="35000"/>
-                  </a:schemeClr>
-                </a:solidFill>
-                <a:latin typeface="+mn-lt"/>
-                <a:ea typeface="+mn-ea"/>
-                <a:cs typeface="+mn-cs"/>
-              </a:defRPr>
-            </a:pPr>
-            <a:endParaRPr lang="en-US"/>
-          </a:p>
-        </c:txPr>
-        <c:crossAx val="-2138937272"/>
-        <c:crosses val="autoZero"/>
-        <c:crossBetween val="between"/>
-      </c:valAx>
-      <c:spPr>
-        <a:noFill/>
-        <a:ln>
-          <a:solidFill>
-            <a:schemeClr val="accent3"/>
-          </a:solidFill>
-        </a:ln>
-        <a:effectLst/>
-      </c:spPr>
-    </c:plotArea>
-    <c:legend>
-      <c:legendPos val="b"/>
-      <c:layout/>
       <c:overlay val="0"/>
       <c:spPr>
         <a:noFill/>
@@ -3677,9 +3768,7 @@
               </c:spPr>
             </c:leaderLines>
             <c:extLst>
-              <c:ext xmlns:c15="http://schemas.microsoft.com/office/drawing/2012/chart" uri="{CE6537A1-D6FC-4f65-9D91-7224C49458BB}">
-                <c15:layout/>
-              </c:ext>
+              <c:ext xmlns:c15="http://schemas.microsoft.com/office/drawing/2012/chart" uri="{CE6537A1-D6FC-4f65-9D91-7224C49458BB}"/>
             </c:extLst>
           </c:dLbls>
           <c:cat>
@@ -3817,7 +3906,7 @@
       <a:endParaRPr lang="en-US"/>
     </a:p>
   </c:txPr>
-  <c:externalData r:id="rId1">
+  <c:externalData r:id="rId3">
     <c:autoUpdate val="0"/>
   </c:externalData>
 </c:chartSpace>
@@ -3959,7 +4048,7 @@
                   <c:v>-6.43</c:v>
                 </c:pt>
                 <c:pt idx="10">
-                  <c:v>-9.739999999999998</c:v>
+                  <c:v>-9.74</c:v>
                 </c:pt>
                 <c:pt idx="11">
                   <c:v>-13.05</c:v>
@@ -3992,13 +4081,12 @@
           <c:showPercent val="0"/>
           <c:showBubbleSize val="0"/>
         </c:dLbls>
-        <c:marker val="1"/>
         <c:smooth val="0"/>
-        <c:axId val="-2132685768"/>
-        <c:axId val="-2132682088"/>
+        <c:axId val="2128518784"/>
+        <c:axId val="2128522144"/>
       </c:lineChart>
       <c:catAx>
-        <c:axId val="-2132685768"/>
+        <c:axId val="2128518784"/>
         <c:scaling>
           <c:orientation val="minMax"/>
         </c:scaling>
@@ -4041,7 +4129,7 @@
             <a:endParaRPr lang="en-US"/>
           </a:p>
         </c:txPr>
-        <c:crossAx val="-2132682088"/>
+        <c:crossAx val="2128522144"/>
         <c:crosses val="autoZero"/>
         <c:auto val="1"/>
         <c:lblAlgn val="ctr"/>
@@ -4049,7 +4137,7 @@
         <c:noMultiLvlLbl val="0"/>
       </c:catAx>
       <c:valAx>
-        <c:axId val="-2132682088"/>
+        <c:axId val="2128522144"/>
         <c:scaling>
           <c:orientation val="minMax"/>
         </c:scaling>
@@ -4096,7 +4184,6 @@
               </a:p>
             </c:rich>
           </c:tx>
-          <c:layout/>
           <c:overlay val="0"/>
           <c:spPr>
             <a:noFill/>
@@ -4137,7 +4224,7 @@
             <a:endParaRPr lang="en-US"/>
           </a:p>
         </c:txPr>
-        <c:crossAx val="-2132685768"/>
+        <c:crossAx val="2128518784"/>
         <c:crosses val="autoZero"/>
         <c:crossBetween val="between"/>
       </c:valAx>
@@ -4153,7 +4240,6 @@
     </c:plotArea>
     <c:legend>
       <c:legendPos val="b"/>
-      <c:layout/>
       <c:overlay val="0"/>
       <c:spPr>
         <a:noFill/>
@@ -4295,7 +4381,6 @@
             <c:showLeaderLines val="0"/>
             <c:extLst>
               <c:ext xmlns:c15="http://schemas.microsoft.com/office/drawing/2012/chart" uri="{CE6537A1-D6FC-4f65-9D91-7224C49458BB}">
-                <c15:layout/>
                 <c15:showLeaderLines val="1"/>
                 <c15:leaderLines>
                   <c:spPr>
@@ -4408,7 +4493,6 @@
             <c:showLeaderLines val="0"/>
             <c:extLst>
               <c:ext xmlns:c15="http://schemas.microsoft.com/office/drawing/2012/chart" uri="{CE6537A1-D6FC-4f65-9D91-7224C49458BB}">
-                <c15:layout/>
                 <c15:showLeaderLines val="1"/>
                 <c15:leaderLines>
                   <c:spPr>
@@ -4521,7 +4605,6 @@
             <c:showLeaderLines val="0"/>
             <c:extLst>
               <c:ext xmlns:c15="http://schemas.microsoft.com/office/drawing/2012/chart" uri="{CE6537A1-D6FC-4f65-9D91-7224C49458BB}">
-                <c15:layout/>
                 <c15:showLeaderLines val="1"/>
                 <c15:leaderLines>
                   <c:spPr>
@@ -4689,7 +4772,6 @@
             <c:showLeaderLines val="0"/>
             <c:extLst>
               <c:ext xmlns:c15="http://schemas.microsoft.com/office/drawing/2012/chart" uri="{CE6537A1-D6FC-4f65-9D91-7224C49458BB}">
-                <c15:layout/>
                 <c15:showLeaderLines val="1"/>
                 <c15:leaderLines>
                   <c:spPr>
@@ -4749,11 +4831,11 @@
         </c:dLbls>
         <c:gapWidth val="219"/>
         <c:overlap val="-27"/>
-        <c:axId val="-2132827112"/>
-        <c:axId val="-2132823336"/>
+        <c:axId val="-2118884752"/>
+        <c:axId val="-2118882576"/>
       </c:barChart>
       <c:catAx>
-        <c:axId val="-2132827112"/>
+        <c:axId val="-2118884752"/>
         <c:scaling>
           <c:orientation val="minMax"/>
         </c:scaling>
@@ -4796,7 +4878,7 @@
             <a:endParaRPr lang="en-US"/>
           </a:p>
         </c:txPr>
-        <c:crossAx val="-2132823336"/>
+        <c:crossAx val="-2118882576"/>
         <c:crosses val="autoZero"/>
         <c:auto val="1"/>
         <c:lblAlgn val="ctr"/>
@@ -4804,7 +4886,7 @@
         <c:noMultiLvlLbl val="0"/>
       </c:catAx>
       <c:valAx>
-        <c:axId val="-2132823336"/>
+        <c:axId val="-2118882576"/>
         <c:scaling>
           <c:orientation val="minMax"/>
         </c:scaling>
@@ -4867,7 +4949,6 @@
               </a:p>
             </c:rich>
           </c:tx>
-          <c:layout/>
           <c:overlay val="0"/>
           <c:spPr>
             <a:noFill/>
@@ -4876,6 +4957,26 @@
             </a:ln>
             <a:effectLst/>
           </c:spPr>
+          <c:txPr>
+            <a:bodyPr rot="-5400000" spcFirstLastPara="1" vertOverflow="ellipsis" vert="horz" wrap="square" anchor="ctr" anchorCtr="1"/>
+            <a:lstStyle/>
+            <a:p>
+              <a:pPr>
+                <a:defRPr sz="1600" b="0" i="0" u="none" strike="noStrike" kern="1200" baseline="0">
+                  <a:solidFill>
+                    <a:schemeClr val="tx1">
+                      <a:lumMod val="65000"/>
+                      <a:lumOff val="35000"/>
+                    </a:schemeClr>
+                  </a:solidFill>
+                  <a:latin typeface="+mn-lt"/>
+                  <a:ea typeface="+mn-ea"/>
+                  <a:cs typeface="+mn-cs"/>
+                </a:defRPr>
+              </a:pPr>
+              <a:endParaRPr lang="en-US"/>
+            </a:p>
+          </c:txPr>
         </c:title>
         <c:numFmt formatCode="General" sourceLinked="1"/>
         <c:majorTickMark val="none"/>
@@ -4908,7 +5009,7 @@
             <a:endParaRPr lang="en-US"/>
           </a:p>
         </c:txPr>
-        <c:crossAx val="-2132827112"/>
+        <c:crossAx val="-2118884752"/>
         <c:crosses val="autoZero"/>
         <c:crossBetween val="between"/>
       </c:valAx>
@@ -4924,7 +5025,6 @@
     </c:plotArea>
     <c:legend>
       <c:legendPos val="b"/>
-      <c:layout/>
       <c:overlay val="0"/>
       <c:spPr>
         <a:noFill/>
@@ -4975,10 +5075,10 @@
       <a:endParaRPr lang="en-US"/>
     </a:p>
   </c:txPr>
-  <c:externalData r:id="rId1">
+  <c:externalData r:id="rId3">
     <c:autoUpdate val="0"/>
   </c:externalData>
-  <c:userShapes r:id="rId2"/>
+  <c:userShapes r:id="rId4"/>
 </c:chartSpace>
 </file>
 
@@ -5053,9 +5153,7 @@
               <c:showPercent val="0"/>
               <c:showBubbleSize val="0"/>
               <c:extLst>
-                <c:ext xmlns:c15="http://schemas.microsoft.com/office/drawing/2012/chart" uri="{CE6537A1-D6FC-4f65-9D91-7224C49458BB}">
-                  <c15:layout/>
-                </c:ext>
+                <c:ext xmlns:c15="http://schemas.microsoft.com/office/drawing/2012/chart" uri="{CE6537A1-D6FC-4f65-9D91-7224C49458BB}"/>
               </c:extLst>
             </c:dLbl>
             <c:spPr>
@@ -5204,9 +5302,7 @@
               <c:showPercent val="0"/>
               <c:showBubbleSize val="0"/>
               <c:extLst>
-                <c:ext xmlns:c15="http://schemas.microsoft.com/office/drawing/2012/chart" uri="{CE6537A1-D6FC-4f65-9D91-7224C49458BB}">
-                  <c15:layout/>
-                </c:ext>
+                <c:ext xmlns:c15="http://schemas.microsoft.com/office/drawing/2012/chart" uri="{CE6537A1-D6FC-4f65-9D91-7224C49458BB}"/>
               </c:extLst>
             </c:dLbl>
             <c:dLbl>
@@ -5224,9 +5320,7 @@
               <c:showPercent val="0"/>
               <c:showBubbleSize val="0"/>
               <c:extLst>
-                <c:ext xmlns:c15="http://schemas.microsoft.com/office/drawing/2012/chart" uri="{CE6537A1-D6FC-4f65-9D91-7224C49458BB}">
-                  <c15:layout/>
-                </c:ext>
+                <c:ext xmlns:c15="http://schemas.microsoft.com/office/drawing/2012/chart" uri="{CE6537A1-D6FC-4f65-9D91-7224C49458BB}"/>
               </c:extLst>
             </c:dLbl>
             <c:dLbl>
@@ -5244,9 +5338,7 @@
               <c:showPercent val="0"/>
               <c:showBubbleSize val="0"/>
               <c:extLst>
-                <c:ext xmlns:c15="http://schemas.microsoft.com/office/drawing/2012/chart" uri="{CE6537A1-D6FC-4f65-9D91-7224C49458BB}">
-                  <c15:layout/>
-                </c:ext>
+                <c:ext xmlns:c15="http://schemas.microsoft.com/office/drawing/2012/chart" uri="{CE6537A1-D6FC-4f65-9D91-7224C49458BB}"/>
               </c:extLst>
             </c:dLbl>
             <c:dLbl>
@@ -5264,9 +5356,7 @@
               <c:showPercent val="0"/>
               <c:showBubbleSize val="0"/>
               <c:extLst>
-                <c:ext xmlns:c15="http://schemas.microsoft.com/office/drawing/2012/chart" uri="{CE6537A1-D6FC-4f65-9D91-7224C49458BB}">
-                  <c15:layout/>
-                </c:ext>
+                <c:ext xmlns:c15="http://schemas.microsoft.com/office/drawing/2012/chart" uri="{CE6537A1-D6FC-4f65-9D91-7224C49458BB}"/>
               </c:extLst>
             </c:dLbl>
             <c:spPr>
@@ -5455,7 +5545,6 @@
                       <a:avLst/>
                     </a:prstGeom>
                   </c15:spPr>
-                  <c15:layout/>
                 </c:ext>
               </c:extLst>
             </c:dLbl>
@@ -5475,9 +5564,7 @@
               <c:showPercent val="0"/>
               <c:showBubbleSize val="0"/>
               <c:extLst>
-                <c:ext xmlns:c15="http://schemas.microsoft.com/office/drawing/2012/chart" uri="{CE6537A1-D6FC-4f65-9D91-7224C49458BB}">
-                  <c15:layout/>
-                </c:ext>
+                <c:ext xmlns:c15="http://schemas.microsoft.com/office/drawing/2012/chart" uri="{CE6537A1-D6FC-4f65-9D91-7224C49458BB}"/>
               </c:extLst>
             </c:dLbl>
             <c:dLbl>
@@ -5496,9 +5583,7 @@
               <c:showPercent val="0"/>
               <c:showBubbleSize val="0"/>
               <c:extLst>
-                <c:ext xmlns:c15="http://schemas.microsoft.com/office/drawing/2012/chart" uri="{CE6537A1-D6FC-4f65-9D91-7224C49458BB}">
-                  <c15:layout/>
-                </c:ext>
+                <c:ext xmlns:c15="http://schemas.microsoft.com/office/drawing/2012/chart" uri="{CE6537A1-D6FC-4f65-9D91-7224C49458BB}"/>
               </c:extLst>
             </c:dLbl>
             <c:spPr>
@@ -5619,11 +5704,11 @@
         </c:dLbls>
         <c:gapWidth val="219"/>
         <c:overlap val="100"/>
-        <c:axId val="2144740392"/>
-        <c:axId val="2144726392"/>
+        <c:axId val="-2117574832"/>
+        <c:axId val="-2117607584"/>
       </c:barChart>
       <c:catAx>
-        <c:axId val="2144740392"/>
+        <c:axId val="-2117574832"/>
         <c:scaling>
           <c:orientation val="minMax"/>
         </c:scaling>
@@ -5633,7 +5718,7 @@
         <c:majorTickMark val="none"/>
         <c:minorTickMark val="none"/>
         <c:tickLblPos val="nextTo"/>
-        <c:crossAx val="2144726392"/>
+        <c:crossAx val="-2117607584"/>
         <c:crosses val="autoZero"/>
         <c:auto val="1"/>
         <c:lblAlgn val="ctr"/>
@@ -5641,7 +5726,7 @@
         <c:noMultiLvlLbl val="0"/>
       </c:catAx>
       <c:valAx>
-        <c:axId val="2144726392"/>
+        <c:axId val="-2117607584"/>
         <c:scaling>
           <c:orientation val="minMax"/>
         </c:scaling>
@@ -5770,7 +5855,7 @@
             <a:endParaRPr lang="en-US"/>
           </a:p>
         </c:txPr>
-        <c:crossAx val="2144740392"/>
+        <c:crossAx val="-2117574832"/>
         <c:crosses val="autoZero"/>
         <c:crossBetween val="between"/>
       </c:valAx>
@@ -6242,11 +6327,11 @@
         </c:dLbls>
         <c:gapWidth val="219"/>
         <c:overlap val="-27"/>
-        <c:axId val="2020247096"/>
-        <c:axId val="2020156984"/>
+        <c:axId val="-2147374256"/>
+        <c:axId val="-2147370784"/>
       </c:barChart>
       <c:catAx>
-        <c:axId val="2020247096"/>
+        <c:axId val="-2147374256"/>
         <c:scaling>
           <c:orientation val="minMax"/>
         </c:scaling>
@@ -6286,7 +6371,7 @@
             <a:endParaRPr lang="en-US"/>
           </a:p>
         </c:txPr>
-        <c:crossAx val="2020156984"/>
+        <c:crossAx val="-2147370784"/>
         <c:crosses val="autoZero"/>
         <c:auto val="1"/>
         <c:lblAlgn val="ctr"/>
@@ -6294,7 +6379,7 @@
         <c:noMultiLvlLbl val="0"/>
       </c:catAx>
       <c:valAx>
-        <c:axId val="2020156984"/>
+        <c:axId val="-2147370784"/>
         <c:scaling>
           <c:orientation val="minMax"/>
         </c:scaling>
@@ -6353,7 +6438,6 @@
               </a:p>
             </c:rich>
           </c:tx>
-          <c:layout/>
           <c:overlay val="0"/>
           <c:spPr>
             <a:noFill/>
@@ -6362,6 +6446,26 @@
             </a:ln>
             <a:effectLst/>
           </c:spPr>
+          <c:txPr>
+            <a:bodyPr rot="-5400000" spcFirstLastPara="1" vertOverflow="ellipsis" vert="horz" wrap="square" anchor="ctr" anchorCtr="1"/>
+            <a:lstStyle/>
+            <a:p>
+              <a:pPr>
+                <a:defRPr sz="1400" b="0" i="0" u="none" strike="noStrike" kern="1200" baseline="0">
+                  <a:solidFill>
+                    <a:schemeClr val="tx1">
+                      <a:lumMod val="65000"/>
+                      <a:lumOff val="35000"/>
+                    </a:schemeClr>
+                  </a:solidFill>
+                  <a:latin typeface="+mn-lt"/>
+                  <a:ea typeface="+mn-ea"/>
+                  <a:cs typeface="+mn-cs"/>
+                </a:defRPr>
+              </a:pPr>
+              <a:endParaRPr lang="en-US"/>
+            </a:p>
+          </c:txPr>
         </c:title>
         <c:numFmt formatCode="General" sourceLinked="1"/>
         <c:majorTickMark val="none"/>
@@ -6396,7 +6500,7 @@
             <a:endParaRPr lang="en-US"/>
           </a:p>
         </c:txPr>
-        <c:crossAx val="2020247096"/>
+        <c:crossAx val="-2147374256"/>
         <c:crosses val="autoZero"/>
         <c:crossBetween val="between"/>
       </c:valAx>
@@ -6412,7 +6516,6 @@
     </c:plotArea>
     <c:legend>
       <c:legendPos val="b"/>
-      <c:layout/>
       <c:overlay val="0"/>
       <c:spPr>
         <a:noFill/>
@@ -6463,7 +6566,7 @@
       <a:endParaRPr lang="en-US"/>
     </a:p>
   </c:txPr>
-  <c:externalData r:id="rId1">
+  <c:externalData r:id="rId3">
     <c:autoUpdate val="0"/>
   </c:externalData>
 </c:chartSpace>
@@ -6540,9 +6643,7 @@
               <c:showPercent val="0"/>
               <c:showBubbleSize val="0"/>
               <c:extLst>
-                <c:ext xmlns:c15="http://schemas.microsoft.com/office/drawing/2012/chart" uri="{CE6537A1-D6FC-4f65-9D91-7224C49458BB}">
-                  <c15:layout/>
-                </c:ext>
+                <c:ext xmlns:c15="http://schemas.microsoft.com/office/drawing/2012/chart" uri="{CE6537A1-D6FC-4f65-9D91-7224C49458BB}"/>
               </c:extLst>
             </c:dLbl>
             <c:dLbl>
@@ -6560,9 +6661,7 @@
               <c:showPercent val="0"/>
               <c:showBubbleSize val="0"/>
               <c:extLst>
-                <c:ext xmlns:c15="http://schemas.microsoft.com/office/drawing/2012/chart" uri="{CE6537A1-D6FC-4f65-9D91-7224C49458BB}">
-                  <c15:layout/>
-                </c:ext>
+                <c:ext xmlns:c15="http://schemas.microsoft.com/office/drawing/2012/chart" uri="{CE6537A1-D6FC-4f65-9D91-7224C49458BB}"/>
               </c:extLst>
             </c:dLbl>
             <c:spPr>
@@ -6717,9 +6816,7 @@
               <c:showPercent val="0"/>
               <c:showBubbleSize val="0"/>
               <c:extLst>
-                <c:ext xmlns:c15="http://schemas.microsoft.com/office/drawing/2012/chart" uri="{CE6537A1-D6FC-4f65-9D91-7224C49458BB}">
-                  <c15:layout/>
-                </c:ext>
+                <c:ext xmlns:c15="http://schemas.microsoft.com/office/drawing/2012/chart" uri="{CE6537A1-D6FC-4f65-9D91-7224C49458BB}"/>
               </c:extLst>
             </c:dLbl>
             <c:dLbl>
@@ -6737,9 +6834,7 @@
               <c:showPercent val="0"/>
               <c:showBubbleSize val="0"/>
               <c:extLst>
-                <c:ext xmlns:c15="http://schemas.microsoft.com/office/drawing/2012/chart" uri="{CE6537A1-D6FC-4f65-9D91-7224C49458BB}">
-                  <c15:layout/>
-                </c:ext>
+                <c:ext xmlns:c15="http://schemas.microsoft.com/office/drawing/2012/chart" uri="{CE6537A1-D6FC-4f65-9D91-7224C49458BB}"/>
               </c:extLst>
             </c:dLbl>
             <c:dLbl>
@@ -6757,9 +6852,7 @@
               <c:showPercent val="0"/>
               <c:showBubbleSize val="0"/>
               <c:extLst>
-                <c:ext xmlns:c15="http://schemas.microsoft.com/office/drawing/2012/chart" uri="{CE6537A1-D6FC-4f65-9D91-7224C49458BB}">
-                  <c15:layout/>
-                </c:ext>
+                <c:ext xmlns:c15="http://schemas.microsoft.com/office/drawing/2012/chart" uri="{CE6537A1-D6FC-4f65-9D91-7224C49458BB}"/>
               </c:extLst>
             </c:dLbl>
             <c:dLbl>
@@ -6777,9 +6870,7 @@
               <c:showPercent val="0"/>
               <c:showBubbleSize val="0"/>
               <c:extLst>
-                <c:ext xmlns:c15="http://schemas.microsoft.com/office/drawing/2012/chart" uri="{CE6537A1-D6FC-4f65-9D91-7224C49458BB}">
-                  <c15:layout/>
-                </c:ext>
+                <c:ext xmlns:c15="http://schemas.microsoft.com/office/drawing/2012/chart" uri="{CE6537A1-D6FC-4f65-9D91-7224C49458BB}"/>
               </c:extLst>
             </c:dLbl>
             <c:spPr>
@@ -6971,7 +7062,6 @@
                       <a:avLst/>
                     </a:prstGeom>
                   </c15:spPr>
-                  <c15:layout/>
                 </c:ext>
               </c:extLst>
             </c:dLbl>
@@ -6991,9 +7081,7 @@
               <c:showPercent val="0"/>
               <c:showBubbleSize val="0"/>
               <c:extLst>
-                <c:ext xmlns:c15="http://schemas.microsoft.com/office/drawing/2012/chart" uri="{CE6537A1-D6FC-4f65-9D91-7224C49458BB}">
-                  <c15:layout/>
-                </c:ext>
+                <c:ext xmlns:c15="http://schemas.microsoft.com/office/drawing/2012/chart" uri="{CE6537A1-D6FC-4f65-9D91-7224C49458BB}"/>
               </c:extLst>
             </c:dLbl>
             <c:dLbl>
@@ -7012,9 +7100,7 @@
               <c:showPercent val="0"/>
               <c:showBubbleSize val="0"/>
               <c:extLst>
-                <c:ext xmlns:c15="http://schemas.microsoft.com/office/drawing/2012/chart" uri="{CE6537A1-D6FC-4f65-9D91-7224C49458BB}">
-                  <c15:layout/>
-                </c:ext>
+                <c:ext xmlns:c15="http://schemas.microsoft.com/office/drawing/2012/chart" uri="{CE6537A1-D6FC-4f65-9D91-7224C49458BB}"/>
               </c:extLst>
             </c:dLbl>
             <c:spPr>
@@ -7138,11 +7224,11 @@
         </c:dLbls>
         <c:gapWidth val="219"/>
         <c:overlap val="100"/>
-        <c:axId val="2145362312"/>
-        <c:axId val="2145022040"/>
+        <c:axId val="-2117091824"/>
+        <c:axId val="-2117096592"/>
       </c:barChart>
       <c:catAx>
-        <c:axId val="2145362312"/>
+        <c:axId val="-2117091824"/>
         <c:scaling>
           <c:orientation val="minMax"/>
         </c:scaling>
@@ -7152,7 +7238,7 @@
         <c:majorTickMark val="none"/>
         <c:minorTickMark val="none"/>
         <c:tickLblPos val="nextTo"/>
-        <c:crossAx val="2145022040"/>
+        <c:crossAx val="-2117096592"/>
         <c:crosses val="autoZero"/>
         <c:auto val="1"/>
         <c:lblAlgn val="ctr"/>
@@ -7160,7 +7246,7 @@
         <c:noMultiLvlLbl val="0"/>
       </c:catAx>
       <c:valAx>
-        <c:axId val="2145022040"/>
+        <c:axId val="-2117096592"/>
         <c:scaling>
           <c:orientation val="minMax"/>
         </c:scaling>
@@ -7289,7 +7375,7 @@
             <a:endParaRPr lang="en-US"/>
           </a:p>
         </c:txPr>
-        <c:crossAx val="2145362312"/>
+        <c:crossAx val="-2117091824"/>
         <c:crosses val="autoZero"/>
         <c:crossBetween val="between"/>
       </c:valAx>
@@ -7432,7 +7518,7 @@
               <c:layout>
                 <c:manualLayout>
                   <c:x val="-0.0026866650447954"/>
-                  <c:y val="-0.139362526469452"/>
+                  <c:y val="-0.126428034916337"/>
                 </c:manualLayout>
               </c:layout>
               <c:showLegendKey val="0"/>
@@ -7512,25 +7598,25 @@
                   <c:v>ENTSO-E</c:v>
                 </c:pt>
                 <c:pt idx="1">
+                  <c:v>ASF (CIGS) ENTSO-E mix excl. shading benefits</c:v>
+                </c:pt>
+                <c:pt idx="2">
+                  <c:v>Static ASF (CIGS) ENTSO-E mix excl. shading benefits </c:v>
+                </c:pt>
+                <c:pt idx="3">
+                  <c:v>Poly-Si</c:v>
+                </c:pt>
+                <c:pt idx="4">
+                  <c:v>CIGS</c:v>
+                </c:pt>
+                <c:pt idx="5">
+                  <c:v>CdTe</c:v>
+                </c:pt>
+                <c:pt idx="6">
                   <c:v>ASF (CIGS) ENTSO-E mix incl. shading benefits</c:v>
                 </c:pt>
-                <c:pt idx="2">
+                <c:pt idx="7">
                   <c:v>Static ASF (CIGS) ENTSO-E mix incl. shading benefits </c:v>
-                </c:pt>
-                <c:pt idx="3">
-                  <c:v>ASF (CIGS) ENTSO-E mix excl. shading benefits</c:v>
-                </c:pt>
-                <c:pt idx="4">
-                  <c:v>Static ASF (CIGS) ENTSO-E mix excl. shading benefits </c:v>
-                </c:pt>
-                <c:pt idx="5">
-                  <c:v>Poly-Si</c:v>
-                </c:pt>
-                <c:pt idx="6">
-                  <c:v>CIGS</c:v>
-                </c:pt>
-                <c:pt idx="7">
-                  <c:v>CdTe</c:v>
                 </c:pt>
               </c:strCache>
             </c:strRef>
@@ -7557,14 +7643,14 @@
               <c:strCache>
                 <c:ptCount val="1"/>
                 <c:pt idx="0">
-                  <c:v>Incl. shading benefits</c:v>
+                  <c:v>Excl. shading benefits</c:v>
                 </c:pt>
               </c:strCache>
             </c:strRef>
           </c:tx>
           <c:spPr>
             <a:solidFill>
-              <a:schemeClr val="accent1"/>
+              <a:schemeClr val="accent2"/>
             </a:solidFill>
             <a:ln>
               <a:noFill/>
@@ -7582,8 +7668,8 @@
               <c:idx val="1"/>
               <c:layout>
                 <c:manualLayout>
-                  <c:x val="0.0"/>
-                  <c:y val="-0.166580966198505"/>
+                  <c:x val="-4.92549568237843E-17"/>
+                  <c:y val="-0.0717280361894173"/>
                 </c:manualLayout>
               </c:layout>
               <c:showLegendKey val="0"/>
@@ -7602,8 +7688,8 @@
               <c:idx val="2"/>
               <c:layout>
                 <c:manualLayout>
-                  <c:x val="-0.00268666504479543"/>
-                  <c:y val="-0.148746313372855"/>
+                  <c:x val="-0.00134333252239769"/>
+                  <c:y val="-0.0840738556072803"/>
                 </c:manualLayout>
               </c:layout>
               <c:showLegendKey val="0"/>
@@ -7623,7 +7709,7 @@
               <c:layout>
                 <c:manualLayout>
                   <c:x val="0.0"/>
-                  <c:y val="-0.101139968381953"/>
+                  <c:y val="-0.0688036868393246"/>
                 </c:manualLayout>
               </c:layout>
               <c:showLegendKey val="0"/>
@@ -7633,7 +7719,89 @@
               <c:showPercent val="0"/>
               <c:showBubbleSize val="0"/>
               <c:extLst>
-                <c:ext xmlns:c15="http://schemas.microsoft.com/office/drawing/2012/chart" uri="{CE6537A1-D6FC-4f65-9D91-7224C49458BB}"/>
+                <c:ext xmlns:c15="http://schemas.microsoft.com/office/drawing/2012/chart" uri="{CE6537A1-D6FC-4f65-9D91-7224C49458BB}">
+                  <c15:layout/>
+                </c:ext>
+              </c:extLst>
+            </c:dLbl>
+            <c:dLbl>
+              <c:idx val="4"/>
+              <c:layout>
+                <c:manualLayout>
+                  <c:x val="0.0"/>
+                  <c:y val="-0.0560494633968317"/>
+                </c:manualLayout>
+              </c:layout>
+              <c:showLegendKey val="0"/>
+              <c:showVal val="1"/>
+              <c:showCatName val="0"/>
+              <c:showSerName val="0"/>
+              <c:showPercent val="0"/>
+              <c:showBubbleSize val="0"/>
+              <c:extLst>
+                <c:ext xmlns:c15="http://schemas.microsoft.com/office/drawing/2012/chart" uri="{CE6537A1-D6FC-4f65-9D91-7224C49458BB}">
+                  <c15:layout/>
+                </c:ext>
+              </c:extLst>
+            </c:dLbl>
+            <c:dLbl>
+              <c:idx val="5"/>
+              <c:layout>
+                <c:manualLayout>
+                  <c:x val="0.0"/>
+                  <c:y val="-0.0495822176202742"/>
+                </c:manualLayout>
+              </c:layout>
+              <c:showLegendKey val="0"/>
+              <c:showVal val="1"/>
+              <c:showCatName val="0"/>
+              <c:showSerName val="0"/>
+              <c:showPercent val="0"/>
+              <c:showBubbleSize val="0"/>
+              <c:extLst>
+                <c:ext xmlns:c15="http://schemas.microsoft.com/office/drawing/2012/chart" uri="{CE6537A1-D6FC-4f65-9D91-7224C49458BB}">
+                  <c15:layout/>
+                </c:ext>
+              </c:extLst>
+            </c:dLbl>
+            <c:dLbl>
+              <c:idx val="6"/>
+              <c:layout>
+                <c:manualLayout>
+                  <c:x val="0.0"/>
+                  <c:y val="-0.1724595478869"/>
+                </c:manualLayout>
+              </c:layout>
+              <c:showLegendKey val="0"/>
+              <c:showVal val="1"/>
+              <c:showCatName val="0"/>
+              <c:showSerName val="0"/>
+              <c:showPercent val="0"/>
+              <c:showBubbleSize val="0"/>
+              <c:extLst>
+                <c:ext xmlns:c15="http://schemas.microsoft.com/office/drawing/2012/chart" uri="{CE6537A1-D6FC-4f65-9D91-7224C49458BB}">
+                  <c15:layout/>
+                </c:ext>
+              </c:extLst>
+            </c:dLbl>
+            <c:dLbl>
+              <c:idx val="7"/>
+              <c:layout>
+                <c:manualLayout>
+                  <c:x val="0.0"/>
+                  <c:y val="-0.144435155676451"/>
+                </c:manualLayout>
+              </c:layout>
+              <c:showLegendKey val="0"/>
+              <c:showVal val="1"/>
+              <c:showCatName val="0"/>
+              <c:showSerName val="0"/>
+              <c:showPercent val="0"/>
+              <c:showBubbleSize val="0"/>
+              <c:extLst>
+                <c:ext xmlns:c15="http://schemas.microsoft.com/office/drawing/2012/chart" uri="{CE6537A1-D6FC-4f65-9D91-7224C49458BB}">
+                  <c15:layout/>
+                </c:ext>
               </c:extLst>
             </c:dLbl>
             <c:spPr>
@@ -7674,6 +7842,7 @@
             <c:showLeaderLines val="0"/>
             <c:extLst>
               <c:ext xmlns:c15="http://schemas.microsoft.com/office/drawing/2012/chart" uri="{CE6537A1-D6FC-4f65-9D91-7224C49458BB}">
+                <c15:layout/>
                 <c15:showLeaderLines val="1"/>
                 <c15:leaderLines>
                   <c:spPr>
@@ -7701,25 +7870,25 @@
                   <c:v>ENTSO-E</c:v>
                 </c:pt>
                 <c:pt idx="1">
+                  <c:v>ASF (CIGS) ENTSO-E mix excl. shading benefits</c:v>
+                </c:pt>
+                <c:pt idx="2">
+                  <c:v>Static ASF (CIGS) ENTSO-E mix excl. shading benefits </c:v>
+                </c:pt>
+                <c:pt idx="3">
+                  <c:v>Poly-Si</c:v>
+                </c:pt>
+                <c:pt idx="4">
+                  <c:v>CIGS</c:v>
+                </c:pt>
+                <c:pt idx="5">
+                  <c:v>CdTe</c:v>
+                </c:pt>
+                <c:pt idx="6">
                   <c:v>ASF (CIGS) ENTSO-E mix incl. shading benefits</c:v>
                 </c:pt>
-                <c:pt idx="2">
+                <c:pt idx="7">
                   <c:v>Static ASF (CIGS) ENTSO-E mix incl. shading benefits </c:v>
-                </c:pt>
-                <c:pt idx="3">
-                  <c:v>ASF (CIGS) ENTSO-E mix excl. shading benefits</c:v>
-                </c:pt>
-                <c:pt idx="4">
-                  <c:v>Static ASF (CIGS) ENTSO-E mix excl. shading benefits </c:v>
-                </c:pt>
-                <c:pt idx="5">
-                  <c:v>Poly-Si</c:v>
-                </c:pt>
-                <c:pt idx="6">
-                  <c:v>CIGS</c:v>
-                </c:pt>
-                <c:pt idx="7">
-                  <c:v>CdTe</c:v>
                 </c:pt>
               </c:strCache>
             </c:strRef>
@@ -7728,13 +7897,22 @@
             <c:numRef>
               <c:f>Sheet1!$C$2:$C$9</c:f>
               <c:numCache>
-                <c:formatCode>0.0</c:formatCode>
+                <c:formatCode>General</c:formatCode>
                 <c:ptCount val="8"/>
                 <c:pt idx="1">
-                  <c:v>-601.1</c:v>
-                </c:pt>
-                <c:pt idx="2" formatCode="General">
-                  <c:v>-507.6</c:v>
+                  <c:v>227.1</c:v>
+                </c:pt>
+                <c:pt idx="2">
+                  <c:v>257.5</c:v>
+                </c:pt>
+                <c:pt idx="3" formatCode="0.0">
+                  <c:v>172.9</c:v>
+                </c:pt>
+                <c:pt idx="4" formatCode="0.0">
+                  <c:v>146.6</c:v>
+                </c:pt>
+                <c:pt idx="5" formatCode="0.0">
+                  <c:v>127.8</c:v>
                 </c:pt>
               </c:numCache>
             </c:numRef>
@@ -7749,14 +7927,14 @@
               <c:strCache>
                 <c:ptCount val="1"/>
                 <c:pt idx="0">
-                  <c:v>Excl. shading benefits</c:v>
+                  <c:v>Incl. shading benefits</c:v>
                 </c:pt>
               </c:strCache>
             </c:strRef>
           </c:tx>
           <c:spPr>
             <a:solidFill>
-              <a:schemeClr val="accent2"/>
+              <a:schemeClr val="accent1"/>
             </a:solidFill>
             <a:ln>
               <a:noFill/>
@@ -7766,11 +7944,53 @@
           <c:invertIfNegative val="0"/>
           <c:dLbls>
             <c:dLbl>
+              <c:idx val="1"/>
+              <c:layout>
+                <c:manualLayout>
+                  <c:x val="-4.92549568237843E-17"/>
+                  <c:y val="-0.0732954521343184"/>
+                </c:manualLayout>
+              </c:layout>
+              <c:dLblPos val="ctr"/>
+              <c:showLegendKey val="0"/>
+              <c:showVal val="1"/>
+              <c:showCatName val="0"/>
+              <c:showSerName val="0"/>
+              <c:showPercent val="0"/>
+              <c:showBubbleSize val="0"/>
+              <c:extLst>
+                <c:ext xmlns:c15="http://schemas.microsoft.com/office/drawing/2012/chart" uri="{CE6537A1-D6FC-4f65-9D91-7224C49458BB}">
+                  <c15:layout/>
+                </c:ext>
+              </c:extLst>
+            </c:dLbl>
+            <c:dLbl>
+              <c:idx val="2"/>
+              <c:layout>
+                <c:manualLayout>
+                  <c:x val="0.0"/>
+                  <c:y val="-0.0819184465030618"/>
+                </c:manualLayout>
+              </c:layout>
+              <c:dLblPos val="ctr"/>
+              <c:showLegendKey val="0"/>
+              <c:showVal val="1"/>
+              <c:showCatName val="0"/>
+              <c:showSerName val="0"/>
+              <c:showPercent val="0"/>
+              <c:showBubbleSize val="0"/>
+              <c:extLst>
+                <c:ext xmlns:c15="http://schemas.microsoft.com/office/drawing/2012/chart" uri="{CE6537A1-D6FC-4f65-9D91-7224C49458BB}">
+                  <c15:layout/>
+                </c:ext>
+              </c:extLst>
+            </c:dLbl>
+            <c:dLbl>
               <c:idx val="3"/>
               <c:layout>
                 <c:manualLayout>
-                  <c:x val="-0.00268666504479538"/>
-                  <c:y val="-0.0797626979108759"/>
+                  <c:x val="-0.00134333252239779"/>
+                  <c:y val="-0.0668282063577609"/>
                 </c:manualLayout>
               </c:layout>
               <c:dLblPos val="ctr"/>
@@ -7790,8 +8010,8 @@
               <c:idx val="4"/>
               <c:layout>
                 <c:manualLayout>
-                  <c:x val="-0.00268666504479538"/>
-                  <c:y val="-0.0840741950952476"/>
+                  <c:x val="-0.00134333252239779"/>
+                  <c:y val="-0.0603609605812034"/>
                 </c:manualLayout>
               </c:layout>
               <c:dLblPos val="ctr"/>
@@ -7811,8 +8031,8 @@
               <c:idx val="5"/>
               <c:layout>
                 <c:manualLayout>
-                  <c:x val="-0.00268666504479538"/>
-                  <c:y val="-0.0701701259075999"/>
+                  <c:x val="-0.00134333252239769"/>
+                  <c:y val="-0.055079885762299"/>
                 </c:manualLayout>
               </c:layout>
               <c:spPr>
@@ -7866,8 +8086,8 @@
               <c:idx val="6"/>
               <c:layout>
                 <c:manualLayout>
-                  <c:x val="-0.00268666504479538"/>
-                  <c:y val="-0.0664435664908402"/>
+                  <c:x val="-0.00134333252239769"/>
+                  <c:y val="-0.172075077763962"/>
                 </c:manualLayout>
               </c:layout>
               <c:dLblPos val="ctr"/>
@@ -7887,8 +8107,8 @@
               <c:idx val="7"/>
               <c:layout>
                 <c:manualLayout>
-                  <c:x val="-0.00268666504479538"/>
-                  <c:y val="-0.0589946912569118"/>
+                  <c:x val="-0.00134333252239789"/>
+                  <c:y val="-0.138757219423804"/>
                 </c:manualLayout>
               </c:layout>
               <c:dLblPos val="ctr"/>
@@ -7943,6 +8163,7 @@
             <c:showLeaderLines val="0"/>
             <c:extLst>
               <c:ext xmlns:c15="http://schemas.microsoft.com/office/drawing/2012/chart" uri="{CE6537A1-D6FC-4f65-9D91-7224C49458BB}">
+                <c15:layout/>
                 <c15:showLeaderLines val="1"/>
                 <c15:leaderLines>
                   <c:spPr>
@@ -7970,25 +8191,25 @@
                   <c:v>ENTSO-E</c:v>
                 </c:pt>
                 <c:pt idx="1">
+                  <c:v>ASF (CIGS) ENTSO-E mix excl. shading benefits</c:v>
+                </c:pt>
+                <c:pt idx="2">
+                  <c:v>Static ASF (CIGS) ENTSO-E mix excl. shading benefits </c:v>
+                </c:pt>
+                <c:pt idx="3">
+                  <c:v>Poly-Si</c:v>
+                </c:pt>
+                <c:pt idx="4">
+                  <c:v>CIGS</c:v>
+                </c:pt>
+                <c:pt idx="5">
+                  <c:v>CdTe</c:v>
+                </c:pt>
+                <c:pt idx="6">
                   <c:v>ASF (CIGS) ENTSO-E mix incl. shading benefits</c:v>
                 </c:pt>
-                <c:pt idx="2">
+                <c:pt idx="7">
                   <c:v>Static ASF (CIGS) ENTSO-E mix incl. shading benefits </c:v>
-                </c:pt>
-                <c:pt idx="3">
-                  <c:v>ASF (CIGS) ENTSO-E mix excl. shading benefits</c:v>
-                </c:pt>
-                <c:pt idx="4">
-                  <c:v>Static ASF (CIGS) ENTSO-E mix excl. shading benefits </c:v>
-                </c:pt>
-                <c:pt idx="5">
-                  <c:v>Poly-Si</c:v>
-                </c:pt>
-                <c:pt idx="6">
-                  <c:v>CIGS</c:v>
-                </c:pt>
-                <c:pt idx="7">
-                  <c:v>CdTe</c:v>
                 </c:pt>
               </c:strCache>
             </c:strRef>
@@ -7999,20 +8220,11 @@
               <c:numCache>
                 <c:formatCode>General</c:formatCode>
                 <c:ptCount val="8"/>
-                <c:pt idx="3">
-                  <c:v>227.1</c:v>
-                </c:pt>
-                <c:pt idx="4">
-                  <c:v>257.5</c:v>
-                </c:pt>
-                <c:pt idx="5" formatCode="0.0">
-                  <c:v>172.9</c:v>
-                </c:pt>
-                <c:pt idx="6" formatCode="0.0">
-                  <c:v>146.6</c:v>
-                </c:pt>
-                <c:pt idx="7" formatCode="0.0">
-                  <c:v>127.8</c:v>
+                <c:pt idx="6">
+                  <c:v>-601.1</c:v>
+                </c:pt>
+                <c:pt idx="7">
+                  <c:v>-507.6</c:v>
                 </c:pt>
               </c:numCache>
             </c:numRef>
@@ -8028,11 +8240,11 @@
         </c:dLbls>
         <c:gapWidth val="219"/>
         <c:overlap val="100"/>
-        <c:axId val="2143192680"/>
-        <c:axId val="2141072920"/>
+        <c:axId val="-2074152208"/>
+        <c:axId val="-2074156864"/>
       </c:barChart>
       <c:catAx>
-        <c:axId val="2143192680"/>
+        <c:axId val="-2074152208"/>
         <c:scaling>
           <c:orientation val="minMax"/>
         </c:scaling>
@@ -8042,7 +8254,7 @@
         <c:majorTickMark val="none"/>
         <c:minorTickMark val="none"/>
         <c:tickLblPos val="nextTo"/>
-        <c:crossAx val="2141072920"/>
+        <c:crossAx val="-2074156864"/>
         <c:crosses val="autoZero"/>
         <c:auto val="1"/>
         <c:lblAlgn val="ctr"/>
@@ -8050,7 +8262,7 @@
         <c:noMultiLvlLbl val="0"/>
       </c:catAx>
       <c:valAx>
-        <c:axId val="2141072920"/>
+        <c:axId val="-2074156864"/>
         <c:scaling>
           <c:orientation val="minMax"/>
         </c:scaling>
@@ -8179,7 +8391,7 @@
             <a:endParaRPr lang="en-US"/>
           </a:p>
         </c:txPr>
-        <c:crossAx val="2143192680"/>
+        <c:crossAx val="-2074152208"/>
         <c:crosses val="autoZero"/>
         <c:crossBetween val="between"/>
       </c:valAx>
@@ -8571,11 +8783,11 @@
         </c:dLbls>
         <c:gapWidth val="219"/>
         <c:overlap val="100"/>
-        <c:axId val="2145816280"/>
-        <c:axId val="2078382952"/>
+        <c:axId val="2128261712"/>
+        <c:axId val="2127927344"/>
       </c:barChart>
       <c:catAx>
-        <c:axId val="2145816280"/>
+        <c:axId val="2128261712"/>
         <c:scaling>
           <c:orientation val="minMax"/>
         </c:scaling>
@@ -8618,7 +8830,7 @@
             <a:endParaRPr lang="en-US"/>
           </a:p>
         </c:txPr>
-        <c:crossAx val="2078382952"/>
+        <c:crossAx val="2127927344"/>
         <c:crosses val="autoZero"/>
         <c:auto val="1"/>
         <c:lblAlgn val="ctr"/>
@@ -8626,7 +8838,7 @@
         <c:noMultiLvlLbl val="0"/>
       </c:catAx>
       <c:valAx>
-        <c:axId val="2078382952"/>
+        <c:axId val="2127927344"/>
         <c:scaling>
           <c:orientation val="minMax"/>
         </c:scaling>
@@ -8677,7 +8889,6 @@
               </a:p>
             </c:rich>
           </c:tx>
-          <c:layout/>
           <c:overlay val="0"/>
           <c:spPr>
             <a:noFill/>
@@ -8718,7 +8929,7 @@
             <a:endParaRPr lang="en-US"/>
           </a:p>
         </c:txPr>
-        <c:crossAx val="2145816280"/>
+        <c:crossAx val="2128261712"/>
         <c:crosses val="autoZero"/>
         <c:crossBetween val="between"/>
       </c:valAx>
@@ -8734,7 +8945,6 @@
     </c:plotArea>
     <c:legend>
       <c:legendPos val="b"/>
-      <c:layout/>
       <c:overlay val="0"/>
       <c:spPr>
         <a:noFill/>
@@ -8958,11 +9168,11 @@
         </c:dLbls>
         <c:gapWidth val="219"/>
         <c:overlap val="100"/>
-        <c:axId val="-2132563016"/>
-        <c:axId val="-2132560104"/>
+        <c:axId val="2128475888"/>
+        <c:axId val="2128398192"/>
       </c:barChart>
       <c:catAx>
-        <c:axId val="-2132563016"/>
+        <c:axId val="2128475888"/>
         <c:scaling>
           <c:orientation val="minMax"/>
         </c:scaling>
@@ -8972,7 +9182,7 @@
         <c:majorTickMark val="none"/>
         <c:minorTickMark val="none"/>
         <c:tickLblPos val="nextTo"/>
-        <c:crossAx val="-2132560104"/>
+        <c:crossAx val="2128398192"/>
         <c:crosses val="autoZero"/>
         <c:auto val="1"/>
         <c:lblAlgn val="ctr"/>
@@ -8980,7 +9190,7 @@
         <c:noMultiLvlLbl val="0"/>
       </c:catAx>
       <c:valAx>
-        <c:axId val="-2132560104"/>
+        <c:axId val="2128398192"/>
         <c:scaling>
           <c:orientation val="minMax"/>
         </c:scaling>
@@ -9061,7 +9271,6 @@
               </a:p>
             </c:rich>
           </c:tx>
-          <c:layout/>
           <c:overlay val="0"/>
           <c:spPr>
             <a:noFill/>
@@ -9070,6 +9279,26 @@
             </a:ln>
             <a:effectLst/>
           </c:spPr>
+          <c:txPr>
+            <a:bodyPr rot="-5400000" spcFirstLastPara="1" vertOverflow="ellipsis" vert="horz" wrap="square" anchor="ctr" anchorCtr="1"/>
+            <a:lstStyle/>
+            <a:p>
+              <a:pPr>
+                <a:defRPr sz="2800" b="0" i="0" u="none" strike="noStrike" kern="1200" baseline="0">
+                  <a:solidFill>
+                    <a:schemeClr val="tx1">
+                      <a:lumMod val="65000"/>
+                      <a:lumOff val="35000"/>
+                    </a:schemeClr>
+                  </a:solidFill>
+                  <a:latin typeface="+mn-lt"/>
+                  <a:ea typeface="+mn-ea"/>
+                  <a:cs typeface="+mn-cs"/>
+                </a:defRPr>
+              </a:pPr>
+              <a:endParaRPr lang="en-US"/>
+            </a:p>
+          </c:txPr>
         </c:title>
         <c:numFmt formatCode="General" sourceLinked="1"/>
         <c:majorTickMark val="none"/>
@@ -9102,7 +9331,7 @@
             <a:endParaRPr lang="en-US"/>
           </a:p>
         </c:txPr>
-        <c:crossAx val="-2132563016"/>
+        <c:crossAx val="2128475888"/>
         <c:crosses val="autoZero"/>
         <c:crossBetween val="between"/>
         <c:majorUnit val="100.0"/>
@@ -9138,7 +9367,7 @@
       <a:endParaRPr lang="en-US"/>
     </a:p>
   </c:txPr>
-  <c:externalData r:id="rId1">
+  <c:externalData r:id="rId3">
     <c:autoUpdate val="0"/>
   </c:externalData>
 </c:chartSpace>
@@ -9428,11 +9657,11 @@
         </c:dLbls>
         <c:gapWidth val="219"/>
         <c:overlap val="-27"/>
-        <c:axId val="2020286872"/>
-        <c:axId val="-2132411688"/>
+        <c:axId val="-2146832752"/>
+        <c:axId val="-2146836624"/>
       </c:barChart>
       <c:catAx>
-        <c:axId val="2020286872"/>
+        <c:axId val="-2146832752"/>
         <c:scaling>
           <c:orientation val="minMax"/>
         </c:scaling>
@@ -9472,7 +9701,7 @@
             <a:endParaRPr lang="en-US"/>
           </a:p>
         </c:txPr>
-        <c:crossAx val="-2132411688"/>
+        <c:crossAx val="-2146836624"/>
         <c:crosses val="autoZero"/>
         <c:auto val="1"/>
         <c:lblAlgn val="ctr"/>
@@ -9480,7 +9709,7 @@
         <c:noMultiLvlLbl val="0"/>
       </c:catAx>
       <c:valAx>
-        <c:axId val="-2132411688"/>
+        <c:axId val="-2146836624"/>
         <c:scaling>
           <c:orientation val="minMax"/>
         </c:scaling>
@@ -9551,7 +9780,6 @@
               </a:p>
             </c:rich>
           </c:tx>
-          <c:layout/>
           <c:overlay val="0"/>
           <c:spPr>
             <a:noFill/>
@@ -9560,6 +9788,26 @@
             </a:ln>
             <a:effectLst/>
           </c:spPr>
+          <c:txPr>
+            <a:bodyPr rot="-5400000" spcFirstLastPara="1" vertOverflow="ellipsis" vert="horz" wrap="square" anchor="ctr" anchorCtr="1"/>
+            <a:lstStyle/>
+            <a:p>
+              <a:pPr>
+                <a:defRPr sz="1400" b="0" i="0" u="none" strike="noStrike" kern="1200" baseline="0">
+                  <a:solidFill>
+                    <a:schemeClr val="tx1">
+                      <a:lumMod val="65000"/>
+                      <a:lumOff val="35000"/>
+                    </a:schemeClr>
+                  </a:solidFill>
+                  <a:latin typeface="+mn-lt"/>
+                  <a:ea typeface="+mn-ea"/>
+                  <a:cs typeface="+mn-cs"/>
+                </a:defRPr>
+              </a:pPr>
+              <a:endParaRPr lang="en-US"/>
+            </a:p>
+          </c:txPr>
         </c:title>
         <c:numFmt formatCode="General" sourceLinked="1"/>
         <c:majorTickMark val="none"/>
@@ -9594,7 +9842,7 @@
             <a:endParaRPr lang="en-US"/>
           </a:p>
         </c:txPr>
-        <c:crossAx val="2020286872"/>
+        <c:crossAx val="-2146832752"/>
         <c:crosses val="autoZero"/>
         <c:crossBetween val="between"/>
       </c:valAx>
@@ -9610,7 +9858,6 @@
     </c:plotArea>
     <c:legend>
       <c:legendPos val="b"/>
-      <c:layout/>
       <c:overlay val="0"/>
       <c:spPr>
         <a:noFill/>
@@ -9661,7 +9908,7 @@
       <a:endParaRPr lang="en-US"/>
     </a:p>
   </c:txPr>
-  <c:externalData r:id="rId1">
+  <c:externalData r:id="rId3">
     <c:autoUpdate val="0"/>
   </c:externalData>
 </c:chartSpace>
@@ -10199,11 +10446,11 @@
         </c:dLbls>
         <c:gapWidth val="219"/>
         <c:overlap val="-27"/>
-        <c:axId val="2143362216"/>
-        <c:axId val="-2132944760"/>
+        <c:axId val="-2114752256"/>
+        <c:axId val="-2114755760"/>
       </c:barChart>
       <c:catAx>
-        <c:axId val="2143362216"/>
+        <c:axId val="-2114752256"/>
         <c:scaling>
           <c:orientation val="minMax"/>
         </c:scaling>
@@ -10243,7 +10490,7 @@
             <a:endParaRPr lang="en-US"/>
           </a:p>
         </c:txPr>
-        <c:crossAx val="-2132944760"/>
+        <c:crossAx val="-2114755760"/>
         <c:crosses val="autoZero"/>
         <c:auto val="1"/>
         <c:lblAlgn val="ctr"/>
@@ -10251,7 +10498,7 @@
         <c:noMultiLvlLbl val="0"/>
       </c:catAx>
       <c:valAx>
-        <c:axId val="-2132944760"/>
+        <c:axId val="-2114755760"/>
         <c:scaling>
           <c:orientation val="minMax"/>
         </c:scaling>
@@ -10297,17 +10544,7 @@
               </a:p>
               <a:p>
                 <a:pPr>
-                  <a:defRPr sz="1400" b="0" i="0" u="none" strike="noStrike" kern="1200" baseline="0">
-                    <a:solidFill>
-                      <a:schemeClr val="tx1">
-                        <a:lumMod val="65000"/>
-                        <a:lumOff val="35000"/>
-                      </a:schemeClr>
-                    </a:solidFill>
-                    <a:latin typeface="+mn-lt"/>
-                    <a:ea typeface="+mn-ea"/>
-                    <a:cs typeface="+mn-cs"/>
-                  </a:defRPr>
+                  <a:defRPr sz="1400"/>
                 </a:pPr>
                 <a:r>
                   <a:rPr lang="en-US" sz="1600" dirty="0" smtClean="0"/>
@@ -10337,7 +10574,6 @@
               </a:p>
             </c:rich>
           </c:tx>
-          <c:layout/>
           <c:overlay val="0"/>
           <c:spPr>
             <a:noFill/>
@@ -10346,6 +10582,26 @@
             </a:ln>
             <a:effectLst/>
           </c:spPr>
+          <c:txPr>
+            <a:bodyPr rot="-5400000" spcFirstLastPara="1" vertOverflow="ellipsis" vert="horz" wrap="square" anchor="ctr" anchorCtr="1"/>
+            <a:lstStyle/>
+            <a:p>
+              <a:pPr>
+                <a:defRPr sz="1400" b="0" i="0" u="none" strike="noStrike" kern="1200" baseline="0">
+                  <a:solidFill>
+                    <a:schemeClr val="tx1">
+                      <a:lumMod val="65000"/>
+                      <a:lumOff val="35000"/>
+                    </a:schemeClr>
+                  </a:solidFill>
+                  <a:latin typeface="+mn-lt"/>
+                  <a:ea typeface="+mn-ea"/>
+                  <a:cs typeface="+mn-cs"/>
+                </a:defRPr>
+              </a:pPr>
+              <a:endParaRPr lang="en-US"/>
+            </a:p>
+          </c:txPr>
         </c:title>
         <c:numFmt formatCode="General" sourceLinked="1"/>
         <c:majorTickMark val="none"/>
@@ -10380,7 +10636,7 @@
             <a:endParaRPr lang="en-US"/>
           </a:p>
         </c:txPr>
-        <c:crossAx val="2143362216"/>
+        <c:crossAx val="-2114752256"/>
         <c:crosses val="autoZero"/>
         <c:crossBetween val="between"/>
       </c:valAx>
@@ -10396,7 +10652,6 @@
     </c:plotArea>
     <c:legend>
       <c:legendPos val="b"/>
-      <c:layout/>
       <c:overlay val="0"/>
       <c:spPr>
         <a:noFill/>
@@ -10447,7 +10702,7 @@
       <a:endParaRPr lang="en-US"/>
     </a:p>
   </c:txPr>
-  <c:externalData r:id="rId1">
+  <c:externalData r:id="rId3">
     <c:autoUpdate val="0"/>
   </c:externalData>
 </c:chartSpace>
@@ -10772,11 +11027,11 @@
         </c:dLbls>
         <c:gapWidth val="219"/>
         <c:overlap val="-27"/>
-        <c:axId val="2144938792"/>
-        <c:axId val="2145119032"/>
+        <c:axId val="-2147328320"/>
+        <c:axId val="-2147324896"/>
       </c:barChart>
       <c:catAx>
-        <c:axId val="2144938792"/>
+        <c:axId val="-2147328320"/>
         <c:scaling>
           <c:orientation val="minMax"/>
         </c:scaling>
@@ -10816,7 +11071,7 @@
             <a:endParaRPr lang="en-US"/>
           </a:p>
         </c:txPr>
-        <c:crossAx val="2145119032"/>
+        <c:crossAx val="-2147324896"/>
         <c:crosses val="autoZero"/>
         <c:auto val="1"/>
         <c:lblAlgn val="ctr"/>
@@ -10824,7 +11079,7 @@
         <c:noMultiLvlLbl val="0"/>
       </c:catAx>
       <c:valAx>
-        <c:axId val="2145119032"/>
+        <c:axId val="-2147324896"/>
         <c:scaling>
           <c:orientation val="minMax"/>
         </c:scaling>
@@ -10870,17 +11125,7 @@
               </a:p>
               <a:p>
                 <a:pPr>
-                  <a:defRPr sz="1400" b="0" i="0" u="none" strike="noStrike" kern="1200" baseline="0">
-                    <a:solidFill>
-                      <a:schemeClr val="tx1">
-                        <a:lumMod val="65000"/>
-                        <a:lumOff val="35000"/>
-                      </a:schemeClr>
-                    </a:solidFill>
-                    <a:latin typeface="+mn-lt"/>
-                    <a:ea typeface="+mn-ea"/>
-                    <a:cs typeface="+mn-cs"/>
-                  </a:defRPr>
+                  <a:defRPr sz="1400"/>
                 </a:pPr>
                 <a:r>
                   <a:rPr lang="en-US" sz="1600" noProof="1" smtClean="0"/>
@@ -10902,7 +11147,6 @@
               </a:p>
             </c:rich>
           </c:tx>
-          <c:layout/>
           <c:overlay val="0"/>
           <c:spPr>
             <a:noFill/>
@@ -10911,6 +11155,26 @@
             </a:ln>
             <a:effectLst/>
           </c:spPr>
+          <c:txPr>
+            <a:bodyPr rot="-5400000" spcFirstLastPara="1" vertOverflow="ellipsis" vert="horz" wrap="square" anchor="ctr" anchorCtr="1"/>
+            <a:lstStyle/>
+            <a:p>
+              <a:pPr>
+                <a:defRPr sz="1400" b="0" i="0" u="none" strike="noStrike" kern="1200" baseline="0">
+                  <a:solidFill>
+                    <a:schemeClr val="tx1">
+                      <a:lumMod val="65000"/>
+                      <a:lumOff val="35000"/>
+                    </a:schemeClr>
+                  </a:solidFill>
+                  <a:latin typeface="+mn-lt"/>
+                  <a:ea typeface="+mn-ea"/>
+                  <a:cs typeface="+mn-cs"/>
+                </a:defRPr>
+              </a:pPr>
+              <a:endParaRPr lang="en-US"/>
+            </a:p>
+          </c:txPr>
         </c:title>
         <c:numFmt formatCode="General" sourceLinked="1"/>
         <c:majorTickMark val="none"/>
@@ -10945,7 +11209,7 @@
             <a:endParaRPr lang="en-US"/>
           </a:p>
         </c:txPr>
-        <c:crossAx val="2144938792"/>
+        <c:crossAx val="-2147328320"/>
         <c:crosses val="autoZero"/>
         <c:crossBetween val="between"/>
       </c:valAx>
@@ -10961,7 +11225,6 @@
     </c:plotArea>
     <c:legend>
       <c:legendPos val="b"/>
-      <c:layout/>
       <c:overlay val="0"/>
       <c:spPr>
         <a:noFill/>
@@ -11012,7 +11275,7 @@
       <a:endParaRPr lang="en-US"/>
     </a:p>
   </c:txPr>
-  <c:externalData r:id="rId1">
+  <c:externalData r:id="rId3">
     <c:autoUpdate val="0"/>
   </c:externalData>
 </c:chartSpace>
@@ -11115,11 +11378,11 @@
         </c:dLbls>
         <c:gapWidth val="219"/>
         <c:overlap val="-27"/>
-        <c:axId val="2107540104"/>
-        <c:axId val="2144415176"/>
+        <c:axId val="-2118722304"/>
+        <c:axId val="-2114710064"/>
       </c:barChart>
       <c:catAx>
-        <c:axId val="2107540104"/>
+        <c:axId val="-2118722304"/>
         <c:scaling>
           <c:orientation val="minMax"/>
         </c:scaling>
@@ -11159,7 +11422,7 @@
             <a:endParaRPr lang="en-US"/>
           </a:p>
         </c:txPr>
-        <c:crossAx val="2144415176"/>
+        <c:crossAx val="-2114710064"/>
         <c:crosses val="autoZero"/>
         <c:auto val="1"/>
         <c:lblAlgn val="ctr"/>
@@ -11167,7 +11430,7 @@
         <c:noMultiLvlLbl val="0"/>
       </c:catAx>
       <c:valAx>
-        <c:axId val="2144415176"/>
+        <c:axId val="-2114710064"/>
         <c:scaling>
           <c:orientation val="minMax"/>
         </c:scaling>
@@ -11213,17 +11476,7 @@
               </a:p>
               <a:p>
                 <a:pPr>
-                  <a:defRPr sz="1400" b="0" i="0" u="none" strike="noStrike" kern="1200" baseline="0">
-                    <a:solidFill>
-                      <a:schemeClr val="tx1">
-                        <a:lumMod val="65000"/>
-                        <a:lumOff val="35000"/>
-                      </a:schemeClr>
-                    </a:solidFill>
-                    <a:latin typeface="+mn-lt"/>
-                    <a:ea typeface="+mn-ea"/>
-                    <a:cs typeface="+mn-cs"/>
-                  </a:defRPr>
+                  <a:defRPr sz="1400"/>
                 </a:pPr>
                 <a:r>
                   <a:rPr lang="en-US" sz="1600" noProof="1" smtClean="0"/>
@@ -11245,7 +11498,6 @@
               </a:p>
             </c:rich>
           </c:tx>
-          <c:layout/>
           <c:overlay val="0"/>
           <c:spPr>
             <a:noFill/>
@@ -11254,6 +11506,26 @@
             </a:ln>
             <a:effectLst/>
           </c:spPr>
+          <c:txPr>
+            <a:bodyPr rot="-5400000" spcFirstLastPara="1" vertOverflow="ellipsis" vert="horz" wrap="square" anchor="ctr" anchorCtr="1"/>
+            <a:lstStyle/>
+            <a:p>
+              <a:pPr>
+                <a:defRPr sz="1400" b="0" i="0" u="none" strike="noStrike" kern="1200" baseline="0">
+                  <a:solidFill>
+                    <a:schemeClr val="tx1">
+                      <a:lumMod val="65000"/>
+                      <a:lumOff val="35000"/>
+                    </a:schemeClr>
+                  </a:solidFill>
+                  <a:latin typeface="+mn-lt"/>
+                  <a:ea typeface="+mn-ea"/>
+                  <a:cs typeface="+mn-cs"/>
+                </a:defRPr>
+              </a:pPr>
+              <a:endParaRPr lang="en-US"/>
+            </a:p>
+          </c:txPr>
         </c:title>
         <c:numFmt formatCode="General" sourceLinked="1"/>
         <c:majorTickMark val="none"/>
@@ -11288,7 +11560,7 @@
             <a:endParaRPr lang="en-US"/>
           </a:p>
         </c:txPr>
-        <c:crossAx val="2107540104"/>
+        <c:crossAx val="-2118722304"/>
         <c:crosses val="autoZero"/>
         <c:crossBetween val="between"/>
       </c:valAx>
@@ -11323,7 +11595,7 @@
       <a:endParaRPr lang="en-US"/>
     </a:p>
   </c:txPr>
-  <c:externalData r:id="rId1">
+  <c:externalData r:id="rId3">
     <c:autoUpdate val="0"/>
   </c:externalData>
 </c:chartSpace>
@@ -11598,11 +11870,11 @@
         </c:dLbls>
         <c:gapWidth val="219"/>
         <c:overlap val="100"/>
-        <c:axId val="2145517144"/>
-        <c:axId val="2079261224"/>
+        <c:axId val="-2118745600"/>
+        <c:axId val="-2118743536"/>
       </c:barChart>
       <c:catAx>
-        <c:axId val="2145517144"/>
+        <c:axId val="-2118745600"/>
         <c:scaling>
           <c:orientation val="minMax"/>
         </c:scaling>
@@ -11645,7 +11917,7 @@
             <a:endParaRPr lang="en-US"/>
           </a:p>
         </c:txPr>
-        <c:crossAx val="2079261224"/>
+        <c:crossAx val="-2118743536"/>
         <c:crosses val="autoZero"/>
         <c:auto val="1"/>
         <c:lblAlgn val="ctr"/>
@@ -11653,7 +11925,7 @@
         <c:noMultiLvlLbl val="0"/>
       </c:catAx>
       <c:valAx>
-        <c:axId val="2079261224"/>
+        <c:axId val="-2118743536"/>
         <c:scaling>
           <c:orientation val="minMax"/>
         </c:scaling>
@@ -11704,7 +11976,6 @@
               </a:p>
             </c:rich>
           </c:tx>
-          <c:layout/>
           <c:overlay val="0"/>
           <c:spPr>
             <a:noFill/>
@@ -11713,6 +11984,26 @@
             </a:ln>
             <a:effectLst/>
           </c:spPr>
+          <c:txPr>
+            <a:bodyPr rot="-5400000" spcFirstLastPara="1" vertOverflow="ellipsis" vert="horz" wrap="square" anchor="ctr" anchorCtr="1"/>
+            <a:lstStyle/>
+            <a:p>
+              <a:pPr>
+                <a:defRPr sz="1330" b="0" i="0" u="none" strike="noStrike" kern="1200" baseline="0">
+                  <a:solidFill>
+                    <a:schemeClr val="tx1">
+                      <a:lumMod val="65000"/>
+                      <a:lumOff val="35000"/>
+                    </a:schemeClr>
+                  </a:solidFill>
+                  <a:latin typeface="+mn-lt"/>
+                  <a:ea typeface="+mn-ea"/>
+                  <a:cs typeface="+mn-cs"/>
+                </a:defRPr>
+              </a:pPr>
+              <a:endParaRPr lang="en-US"/>
+            </a:p>
+          </c:txPr>
         </c:title>
         <c:numFmt formatCode="0" sourceLinked="1"/>
         <c:majorTickMark val="none"/>
@@ -11745,7 +12036,7 @@
             <a:endParaRPr lang="en-US"/>
           </a:p>
         </c:txPr>
-        <c:crossAx val="2145517144"/>
+        <c:crossAx val="-2118745600"/>
         <c:crosses val="autoZero"/>
         <c:crossBetween val="between"/>
       </c:valAx>
@@ -11821,7 +12112,7 @@
       <a:endParaRPr lang="en-US"/>
     </a:p>
   </c:txPr>
-  <c:externalData r:id="rId1">
+  <c:externalData r:id="rId3">
     <c:autoUpdate val="0"/>
   </c:externalData>
 </c:chartSpace>
@@ -11884,6 +12175,26 @@
         </a:ln>
         <a:effectLst/>
       </c:spPr>
+      <c:txPr>
+        <a:bodyPr rot="0" spcFirstLastPara="1" vertOverflow="ellipsis" vert="horz" wrap="square" anchor="ctr" anchorCtr="1"/>
+        <a:lstStyle/>
+        <a:p>
+          <a:pPr>
+            <a:defRPr sz="1862" b="0" i="0" u="none" strike="noStrike" kern="1200" spc="0" baseline="0">
+              <a:solidFill>
+                <a:schemeClr val="tx1">
+                  <a:lumMod val="65000"/>
+                  <a:lumOff val="35000"/>
+                </a:schemeClr>
+              </a:solidFill>
+              <a:latin typeface="+mn-lt"/>
+              <a:ea typeface="+mn-ea"/>
+              <a:cs typeface="+mn-cs"/>
+            </a:defRPr>
+          </a:pPr>
+          <a:endParaRPr lang="en-US"/>
+        </a:p>
+      </c:txPr>
     </c:title>
     <c:autoTitleDeleted val="0"/>
     <c:plotArea>
@@ -12016,9 +12327,7 @@
               </c:spPr>
             </c:leaderLines>
             <c:extLst>
-              <c:ext xmlns:c15="http://schemas.microsoft.com/office/drawing/2012/chart" uri="{CE6537A1-D6FC-4f65-9D91-7224C49458BB}">
-                <c15:layout/>
-              </c:ext>
+              <c:ext xmlns:c15="http://schemas.microsoft.com/office/drawing/2012/chart" uri="{CE6537A1-D6FC-4f65-9D91-7224C49458BB}"/>
             </c:extLst>
           </c:dLbls>
           <c:cat>
@@ -12144,7 +12453,7 @@
       <a:endParaRPr lang="en-US"/>
     </a:p>
   </c:txPr>
-  <c:externalData r:id="rId1">
+  <c:externalData r:id="rId3">
     <c:autoUpdate val="0"/>
   </c:externalData>
 </c:chartSpace>
@@ -12215,6 +12524,26 @@
         </a:ln>
         <a:effectLst/>
       </c:spPr>
+      <c:txPr>
+        <a:bodyPr rot="0" spcFirstLastPara="1" vertOverflow="ellipsis" vert="horz" wrap="square" anchor="ctr" anchorCtr="1"/>
+        <a:lstStyle/>
+        <a:p>
+          <a:pPr>
+            <a:defRPr sz="1862" b="0" i="0" u="none" strike="noStrike" kern="1200" spc="0" baseline="0">
+              <a:solidFill>
+                <a:schemeClr val="tx1">
+                  <a:lumMod val="65000"/>
+                  <a:lumOff val="35000"/>
+                </a:schemeClr>
+              </a:solidFill>
+              <a:latin typeface="+mn-lt"/>
+              <a:ea typeface="+mn-ea"/>
+              <a:cs typeface="+mn-cs"/>
+            </a:defRPr>
+          </a:pPr>
+          <a:endParaRPr lang="en-US"/>
+        </a:p>
+      </c:txPr>
     </c:title>
     <c:autoTitleDeleted val="0"/>
     <c:plotArea>
@@ -12302,9 +12631,7 @@
               </c:spPr>
             </c:leaderLines>
             <c:extLst>
-              <c:ext xmlns:c15="http://schemas.microsoft.com/office/drawing/2012/chart" uri="{CE6537A1-D6FC-4f65-9D91-7224C49458BB}">
-                <c15:layout/>
-              </c:ext>
+              <c:ext xmlns:c15="http://schemas.microsoft.com/office/drawing/2012/chart" uri="{CE6537A1-D6FC-4f65-9D91-7224C49458BB}"/>
             </c:extLst>
           </c:dLbls>
           <c:cat>
@@ -12412,7 +12739,7 @@
       <a:endParaRPr lang="en-US"/>
     </a:p>
   </c:txPr>
-  <c:externalData r:id="rId1">
+  <c:externalData r:id="rId3">
     <c:autoUpdate val="0"/>
   </c:externalData>
 </c:chartSpace>
@@ -21879,7 +22206,7 @@
           <a:p>
             <a:fld id="{8AF2A637-750D-AC4F-B19A-F61B319C6A55}" type="datetimeFigureOut">
               <a:rPr lang="en-US" smtClean="0"/>
-              <a:t>28/11/15</a:t>
+              <a:t>11/30/15</a:t>
             </a:fld>
             <a:endParaRPr lang="en-US"/>
           </a:p>
@@ -24357,7 +24684,7 @@
           <a:p>
             <a:fld id="{F87648D4-822A-184D-A945-2BBD99FACB30}" type="datetimeFigureOut">
               <a:rPr lang="en-US" smtClean="0"/>
-              <a:t>28/11/15</a:t>
+              <a:t>11/30/15</a:t>
             </a:fld>
             <a:endParaRPr lang="en-US"/>
           </a:p>
@@ -24527,7 +24854,7 @@
           <a:p>
             <a:fld id="{F87648D4-822A-184D-A945-2BBD99FACB30}" type="datetimeFigureOut">
               <a:rPr lang="en-US" smtClean="0"/>
-              <a:t>28/11/15</a:t>
+              <a:t>11/30/15</a:t>
             </a:fld>
             <a:endParaRPr lang="en-US"/>
           </a:p>
@@ -24707,7 +25034,7 @@
           <a:p>
             <a:fld id="{F87648D4-822A-184D-A945-2BBD99FACB30}" type="datetimeFigureOut">
               <a:rPr lang="en-US" smtClean="0"/>
-              <a:t>28/11/15</a:t>
+              <a:t>11/30/15</a:t>
             </a:fld>
             <a:endParaRPr lang="en-US"/>
           </a:p>
@@ -24877,7 +25204,7 @@
           <a:p>
             <a:fld id="{F87648D4-822A-184D-A945-2BBD99FACB30}" type="datetimeFigureOut">
               <a:rPr lang="en-US" smtClean="0"/>
-              <a:t>28/11/15</a:t>
+              <a:t>11/30/15</a:t>
             </a:fld>
             <a:endParaRPr lang="en-US"/>
           </a:p>
@@ -25121,7 +25448,7 @@
           <a:p>
             <a:fld id="{F87648D4-822A-184D-A945-2BBD99FACB30}" type="datetimeFigureOut">
               <a:rPr lang="en-US" smtClean="0"/>
-              <a:t>28/11/15</a:t>
+              <a:t>11/30/15</a:t>
             </a:fld>
             <a:endParaRPr lang="en-US"/>
           </a:p>
@@ -25353,7 +25680,7 @@
           <a:p>
             <a:fld id="{F87648D4-822A-184D-A945-2BBD99FACB30}" type="datetimeFigureOut">
               <a:rPr lang="en-US" smtClean="0"/>
-              <a:t>28/11/15</a:t>
+              <a:t>11/30/15</a:t>
             </a:fld>
             <a:endParaRPr lang="en-US"/>
           </a:p>
@@ -25720,7 +26047,7 @@
           <a:p>
             <a:fld id="{F87648D4-822A-184D-A945-2BBD99FACB30}" type="datetimeFigureOut">
               <a:rPr lang="en-US" smtClean="0"/>
-              <a:t>28/11/15</a:t>
+              <a:t>11/30/15</a:t>
             </a:fld>
             <a:endParaRPr lang="en-US"/>
           </a:p>
@@ -25838,7 +26165,7 @@
           <a:p>
             <a:fld id="{F87648D4-822A-184D-A945-2BBD99FACB30}" type="datetimeFigureOut">
               <a:rPr lang="en-US" smtClean="0"/>
-              <a:t>28/11/15</a:t>
+              <a:t>11/30/15</a:t>
             </a:fld>
             <a:endParaRPr lang="en-US"/>
           </a:p>
@@ -25933,7 +26260,7 @@
           <a:p>
             <a:fld id="{F87648D4-822A-184D-A945-2BBD99FACB30}" type="datetimeFigureOut">
               <a:rPr lang="en-US" smtClean="0"/>
-              <a:t>28/11/15</a:t>
+              <a:t>11/30/15</a:t>
             </a:fld>
             <a:endParaRPr lang="en-US"/>
           </a:p>
@@ -26210,7 +26537,7 @@
           <a:p>
             <a:fld id="{F87648D4-822A-184D-A945-2BBD99FACB30}" type="datetimeFigureOut">
               <a:rPr lang="en-US" smtClean="0"/>
-              <a:t>28/11/15</a:t>
+              <a:t>11/30/15</a:t>
             </a:fld>
             <a:endParaRPr lang="en-US"/>
           </a:p>
@@ -26467,7 +26794,7 @@
           <a:p>
             <a:fld id="{F87648D4-822A-184D-A945-2BBD99FACB30}" type="datetimeFigureOut">
               <a:rPr lang="en-US" smtClean="0"/>
-              <a:t>28/11/15</a:t>
+              <a:t>11/30/15</a:t>
             </a:fld>
             <a:endParaRPr lang="en-US"/>
           </a:p>
@@ -26680,7 +27007,7 @@
           <a:p>
             <a:fld id="{F87648D4-822A-184D-A945-2BBD99FACB30}" type="datetimeFigureOut">
               <a:rPr lang="en-US" smtClean="0"/>
-              <a:t>28/11/15</a:t>
+              <a:t>11/30/15</a:t>
             </a:fld>
             <a:endParaRPr lang="en-US"/>
           </a:p>
@@ -27120,7 +27447,7 @@
   <p:timing>
     <p:tnLst>
       <p:par>
-        <p:cTn xmlns:p14="http://schemas.microsoft.com/office/powerpoint/2010/main" id="1" dur="indefinite" restart="never" nodeType="tmRoot"/>
+        <p:cTn id="1" dur="indefinite" restart="never" nodeType="tmRoot"/>
       </p:par>
     </p:tnLst>
   </p:timing>
@@ -27179,7 +27506,7 @@
   <p:timing>
     <p:tnLst>
       <p:par>
-        <p:cTn xmlns:p14="http://schemas.microsoft.com/office/powerpoint/2010/main" id="1" dur="indefinite" restart="never" nodeType="tmRoot"/>
+        <p:cTn id="1" dur="indefinite" restart="never" nodeType="tmRoot"/>
       </p:par>
     </p:tnLst>
   </p:timing>
@@ -27940,7 +28267,7 @@
   <p:timing>
     <p:tnLst>
       <p:par>
-        <p:cTn xmlns:p14="http://schemas.microsoft.com/office/powerpoint/2010/main" id="1" dur="indefinite" restart="never" nodeType="tmRoot"/>
+        <p:cTn id="1" dur="indefinite" restart="never" nodeType="tmRoot"/>
       </p:par>
     </p:tnLst>
   </p:timing>
@@ -28035,7 +28362,7 @@
   <p:timing>
     <p:tnLst>
       <p:par>
-        <p:cTn xmlns:p14="http://schemas.microsoft.com/office/powerpoint/2010/main" id="1" dur="indefinite" restart="never" nodeType="tmRoot"/>
+        <p:cTn id="1" dur="indefinite" restart="never" nodeType="tmRoot"/>
       </p:par>
     </p:tnLst>
   </p:timing>
@@ -28130,7 +28457,7 @@
   <p:timing>
     <p:tnLst>
       <p:par>
-        <p:cTn xmlns:p14="http://schemas.microsoft.com/office/powerpoint/2010/main" id="1" dur="indefinite" restart="never" nodeType="tmRoot"/>
+        <p:cTn id="1" dur="indefinite" restart="never" nodeType="tmRoot"/>
       </p:par>
     </p:tnLst>
   </p:timing>
@@ -28189,7 +28516,7 @@
   <p:timing>
     <p:tnLst>
       <p:par>
-        <p:cTn xmlns:p14="http://schemas.microsoft.com/office/powerpoint/2010/main" id="1" dur="indefinite" restart="never" nodeType="tmRoot"/>
+        <p:cTn id="1" dur="indefinite" restart="never" nodeType="tmRoot"/>
       </p:par>
     </p:tnLst>
   </p:timing>
@@ -28248,7 +28575,7 @@
   <p:timing>
     <p:tnLst>
       <p:par>
-        <p:cTn xmlns:p14="http://schemas.microsoft.com/office/powerpoint/2010/main" id="1" dur="indefinite" restart="never" nodeType="tmRoot"/>
+        <p:cTn id="1" dur="indefinite" restart="never" nodeType="tmRoot"/>
       </p:par>
     </p:tnLst>
   </p:timing>
@@ -28342,7 +28669,7 @@
   <p:timing>
     <p:tnLst>
       <p:par>
-        <p:cTn xmlns:p14="http://schemas.microsoft.com/office/powerpoint/2010/main" id="1" dur="indefinite" restart="never" nodeType="tmRoot"/>
+        <p:cTn id="1" dur="indefinite" restart="never" nodeType="tmRoot"/>
       </p:par>
     </p:tnLst>
   </p:timing>
@@ -28788,13 +29115,13 @@
       <p:transition spd="slow" p14:dur="2000"/>
     </mc:Choice>
     <mc:Fallback>
-      <p:transition xmlns:p14="http://schemas.microsoft.com/office/powerpoint/2010/main" spd="slow"/>
+      <p:transition spd="slow"/>
     </mc:Fallback>
   </mc:AlternateContent>
   <p:timing>
     <p:tnLst>
       <p:par>
-        <p:cTn xmlns:p14="http://schemas.microsoft.com/office/powerpoint/2010/main" id="1" dur="indefinite" restart="never" nodeType="tmRoot"/>
+        <p:cTn id="1" dur="indefinite" restart="never" nodeType="tmRoot"/>
       </p:par>
     </p:tnLst>
   </p:timing>
@@ -29259,13 +29586,13 @@
       <p:transition spd="slow" p14:dur="2000"/>
     </mc:Choice>
     <mc:Fallback>
-      <p:transition xmlns:p14="http://schemas.microsoft.com/office/powerpoint/2010/main" spd="slow"/>
+      <p:transition spd="slow"/>
     </mc:Fallback>
   </mc:AlternateContent>
   <p:timing>
     <p:tnLst>
       <p:par>
-        <p:cTn xmlns:p14="http://schemas.microsoft.com/office/powerpoint/2010/main" id="1" dur="indefinite" restart="never" nodeType="tmRoot"/>
+        <p:cTn id="1" dur="indefinite" restart="never" nodeType="tmRoot"/>
       </p:par>
     </p:tnLst>
   </p:timing>
@@ -29296,7 +29623,7 @@
           <p:nvPr>
             <p:extLst>
               <p:ext uri="{D42A27DB-BD31-4B8C-83A1-F6EECF244321}">
-                <p14:modId xmlns:p14="http://schemas.microsoft.com/office/powerpoint/2010/main" val="4089874476"/>
+                <p14:modId xmlns:p14="http://schemas.microsoft.com/office/powerpoint/2010/main" val="2064189058"/>
               </p:ext>
             </p:extLst>
           </p:nvPr>
@@ -29381,7 +29708,7 @@
         </p:nvSpPr>
         <p:spPr>
           <a:xfrm>
-            <a:off x="2424391" y="4341886"/>
+            <a:off x="7428191" y="4341886"/>
             <a:ext cx="1152000" cy="338554"/>
           </a:xfrm>
           <a:prstGeom prst="rect">
@@ -29417,7 +29744,7 @@
         </p:nvSpPr>
         <p:spPr>
           <a:xfrm>
-            <a:off x="3419149" y="4341886"/>
+            <a:off x="8422949" y="4341886"/>
             <a:ext cx="1152000" cy="1323439"/>
           </a:xfrm>
           <a:prstGeom prst="rect">
@@ -29440,17 +29767,7 @@
                   </a:schemeClr>
                 </a:solidFill>
               </a:rPr>
-              <a:t>Orientated </a:t>
-            </a:r>
-            <a:r>
-              <a:rPr lang="en-US" sz="1600" dirty="0" smtClean="0">
-                <a:solidFill>
-                  <a:schemeClr val="bg2">
-                    <a:lumMod val="25000"/>
-                  </a:schemeClr>
-                </a:solidFill>
-              </a:rPr>
-              <a:t>static</a:t>
+              <a:t>Orientated static</a:t>
             </a:r>
           </a:p>
           <a:p>
@@ -29463,27 +29780,7 @@
                   </a:schemeClr>
                 </a:solidFill>
               </a:rPr>
-              <a:t>solar</a:t>
-            </a:r>
-            <a:r>
-              <a:rPr lang="en-US" sz="1600" dirty="0" smtClean="0">
-                <a:solidFill>
-                  <a:schemeClr val="bg2">
-                    <a:lumMod val="25000"/>
-                  </a:schemeClr>
-                </a:solidFill>
-              </a:rPr>
-              <a:t> </a:t>
-            </a:r>
-            <a:r>
-              <a:rPr lang="en-US" sz="1600" dirty="0" smtClean="0">
-                <a:solidFill>
-                  <a:schemeClr val="bg2">
-                    <a:lumMod val="25000"/>
-                  </a:schemeClr>
-                </a:solidFill>
-              </a:rPr>
-              <a:t>facade (CIGS)</a:t>
+              <a:t>solar facade (CIGS)</a:t>
             </a:r>
           </a:p>
         </p:txBody>
@@ -29496,7 +29793,7 @@
         </p:nvSpPr>
         <p:spPr>
           <a:xfrm>
-            <a:off x="6403423" y="4341886"/>
+            <a:off x="4434923" y="4341886"/>
             <a:ext cx="1152000" cy="830997"/>
           </a:xfrm>
           <a:prstGeom prst="rect">
@@ -29532,7 +29829,7 @@
         </p:nvSpPr>
         <p:spPr>
           <a:xfrm>
-            <a:off x="7398181" y="4341886"/>
+            <a:off x="5429681" y="4341886"/>
             <a:ext cx="1152000" cy="830997"/>
           </a:xfrm>
           <a:prstGeom prst="rect">
@@ -29591,7 +29888,7 @@
         </p:nvSpPr>
         <p:spPr>
           <a:xfrm>
-            <a:off x="8392942" y="4341886"/>
+            <a:off x="6424442" y="4341886"/>
             <a:ext cx="1152000" cy="830997"/>
           </a:xfrm>
           <a:prstGeom prst="rect">
@@ -29681,7 +29978,7 @@
         </p:nvSpPr>
         <p:spPr>
           <a:xfrm>
-            <a:off x="4413907" y="4341886"/>
+            <a:off x="2445407" y="4341886"/>
             <a:ext cx="1152000" cy="338554"/>
           </a:xfrm>
           <a:prstGeom prst="rect">
@@ -29717,7 +30014,7 @@
         </p:nvSpPr>
         <p:spPr>
           <a:xfrm>
-            <a:off x="5408665" y="4341886"/>
+            <a:off x="3440165" y="4341886"/>
             <a:ext cx="1152000" cy="1323439"/>
           </a:xfrm>
           <a:prstGeom prst="rect">
@@ -29742,13 +30039,6 @@
               </a:rPr>
               <a:t>Orientated </a:t>
             </a:r>
-            <a:endParaRPr lang="en-US" sz="1600" dirty="0" smtClean="0">
-              <a:solidFill>
-                <a:schemeClr val="bg2">
-                  <a:lumMod val="25000"/>
-                </a:schemeClr>
-              </a:solidFill>
-            </a:endParaRPr>
           </a:p>
           <a:p>
             <a:pPr algn="ctr"/>
@@ -29783,17 +30073,7 @@
                   </a:schemeClr>
                 </a:solidFill>
               </a:rPr>
-              <a:t>solar </a:t>
-            </a:r>
-            <a:r>
-              <a:rPr lang="en-US" sz="1600" dirty="0" smtClean="0">
-                <a:solidFill>
-                  <a:schemeClr val="bg2">
-                    <a:lumMod val="25000"/>
-                  </a:schemeClr>
-                </a:solidFill>
-              </a:rPr>
-              <a:t>facade (CIGS</a:t>
+              <a:t>solar facade (CIGS</a:t>
             </a:r>
             <a:r>
               <a:rPr lang="en-US" sz="1600" dirty="0">
@@ -29828,7 +30108,7 @@
   <p:timing>
     <p:tnLst>
       <p:par>
-        <p:cTn xmlns:p14="http://schemas.microsoft.com/office/powerpoint/2010/main" id="1" dur="indefinite" restart="never" nodeType="tmRoot"/>
+        <p:cTn id="1" dur="indefinite" restart="never" nodeType="tmRoot"/>
       </p:par>
     </p:tnLst>
   </p:timing>
@@ -29887,7 +30167,7 @@
   <p:timing>
     <p:tnLst>
       <p:par>
-        <p:cTn xmlns:p14="http://schemas.microsoft.com/office/powerpoint/2010/main" id="1" dur="indefinite" restart="never" nodeType="tmRoot"/>
+        <p:cTn id="1" dur="indefinite" restart="never" nodeType="tmRoot"/>
       </p:par>
     </p:tnLst>
   </p:timing>
@@ -29946,7 +30226,7 @@
   <p:timing>
     <p:tnLst>
       <p:par>
-        <p:cTn xmlns:p14="http://schemas.microsoft.com/office/powerpoint/2010/main" id="1" dur="indefinite" restart="never" nodeType="tmRoot"/>
+        <p:cTn id="1" dur="indefinite" restart="never" nodeType="tmRoot"/>
       </p:par>
     </p:tnLst>
   </p:timing>
@@ -30415,7 +30695,7 @@
   <p:timing>
     <p:tnLst>
       <p:par>
-        <p:cTn xmlns:p14="http://schemas.microsoft.com/office/powerpoint/2010/main" id="1" dur="indefinite" restart="never" nodeType="tmRoot"/>
+        <p:cTn id="1" dur="indefinite" restart="never" nodeType="tmRoot"/>
       </p:par>
     </p:tnLst>
   </p:timing>
@@ -30504,7 +30784,7 @@
   <p:timing>
     <p:tnLst>
       <p:par>
-        <p:cTn xmlns:p14="http://schemas.microsoft.com/office/powerpoint/2010/main" id="1" dur="indefinite" restart="never" nodeType="tmRoot"/>
+        <p:cTn id="1" dur="indefinite" restart="never" nodeType="tmRoot"/>
       </p:par>
     </p:tnLst>
   </p:timing>
@@ -30563,7 +30843,7 @@
   <p:timing>
     <p:tnLst>
       <p:par>
-        <p:cTn xmlns:p14="http://schemas.microsoft.com/office/powerpoint/2010/main" id="1" dur="indefinite" restart="never" nodeType="tmRoot"/>
+        <p:cTn id="1" dur="indefinite" restart="never" nodeType="tmRoot"/>
       </p:par>
     </p:tnLst>
   </p:timing>
@@ -30622,7 +30902,7 @@
   <p:timing>
     <p:tnLst>
       <p:par>
-        <p:cTn xmlns:p14="http://schemas.microsoft.com/office/powerpoint/2010/main" id="1" dur="indefinite" restart="never" nodeType="tmRoot"/>
+        <p:cTn id="1" dur="indefinite" restart="never" nodeType="tmRoot"/>
       </p:par>
     </p:tnLst>
   </p:timing>
@@ -30681,7 +30961,7 @@
   <p:timing>
     <p:tnLst>
       <p:par>
-        <p:cTn xmlns:p14="http://schemas.microsoft.com/office/powerpoint/2010/main" id="1" dur="indefinite" restart="never" nodeType="tmRoot"/>
+        <p:cTn id="1" dur="indefinite" restart="never" nodeType="tmRoot"/>
       </p:par>
     </p:tnLst>
   </p:timing>
@@ -30740,7 +31020,7 @@
   <p:timing>
     <p:tnLst>
       <p:par>
-        <p:cTn xmlns:p14="http://schemas.microsoft.com/office/powerpoint/2010/main" id="1" dur="indefinite" restart="never" nodeType="tmRoot"/>
+        <p:cTn id="1" dur="indefinite" restart="never" nodeType="tmRoot"/>
       </p:par>
     </p:tnLst>
   </p:timing>
@@ -31102,7 +31382,7 @@
   <p:timing>
     <p:tnLst>
       <p:par>
-        <p:cTn xmlns:p14="http://schemas.microsoft.com/office/powerpoint/2010/main" id="1" dur="indefinite" restart="never" nodeType="tmRoot"/>
+        <p:cTn id="1" dur="indefinite" restart="never" nodeType="tmRoot"/>
       </p:par>
     </p:tnLst>
   </p:timing>
@@ -31195,7 +31475,7 @@
   <p:timing>
     <p:tnLst>
       <p:par>
-        <p:cTn xmlns:p14="http://schemas.microsoft.com/office/powerpoint/2010/main" id="1" dur="indefinite" restart="never" nodeType="tmRoot"/>
+        <p:cTn id="1" dur="indefinite" restart="never" nodeType="tmRoot"/>
       </p:par>
     </p:tnLst>
   </p:timing>
@@ -31320,7 +31600,7 @@
   <p:timing>
     <p:tnLst>
       <p:par>
-        <p:cTn xmlns:p14="http://schemas.microsoft.com/office/powerpoint/2010/main" id="1" dur="indefinite" restart="never" nodeType="tmRoot"/>
+        <p:cTn id="1" dur="indefinite" restart="never" nodeType="tmRoot"/>
       </p:par>
     </p:tnLst>
   </p:timing>
@@ -31582,7 +31862,7 @@
   <a:extraClrSchemeLst/>
   <a:extLst>
     <a:ext uri="{05A4C25C-085E-4340-85A3-A5531E510DB2}">
-      <thm15:themeFamily xmlns:thm15="http://schemas.microsoft.com/office/thememl/2012/main" xmlns="" name="Office Theme" id="{62F939B6-93AF-4DB8-9C6B-D6C7DFDC589F}" vid="{4A3C46E8-61CC-4603-A589-7422A47A8E4A}"/>
+      <thm15:themeFamily xmlns:thm15="http://schemas.microsoft.com/office/thememl/2012/main" name="Office Theme" id="{62F939B6-93AF-4DB8-9C6B-D6C7DFDC589F}" vid="{4A3C46E8-61CC-4603-A589-7422A47A8E4A}"/>
     </a:ext>
   </a:extLst>
 </a:theme>
@@ -31843,7 +32123,7 @@
   <a:extraClrSchemeLst/>
   <a:extLst>
     <a:ext uri="{05A4C25C-085E-4340-85A3-A5531E510DB2}">
-      <thm15:themeFamily xmlns:thm15="http://schemas.microsoft.com/office/thememl/2012/main" xmlns="" name="Office Theme" id="{62F939B6-93AF-4DB8-9C6B-D6C7DFDC589F}" vid="{4A3C46E8-61CC-4603-A589-7422A47A8E4A}"/>
+      <thm15:themeFamily xmlns:thm15="http://schemas.microsoft.com/office/thememl/2012/main" name="Office Theme" id="{62F939B6-93AF-4DB8-9C6B-D6C7DFDC589F}" vid="{4A3C46E8-61CC-4603-A589-7422A47A8E4A}"/>
     </a:ext>
   </a:extLst>
 </a:theme>

--- a/elsarticle/Images/Thesis charts.pptx
+++ b/elsarticle/Images/Thesis charts.pptx
@@ -5,7 +5,7 @@
     <p:sldMasterId id="2147483660" r:id="rId1"/>
   </p:sldMasterIdLst>
   <p:notesMasterIdLst>
-    <p:notesMasterId r:id="rId24"/>
+    <p:notesMasterId r:id="rId25"/>
   </p:notesMasterIdLst>
   <p:sldIdLst>
     <p:sldId id="262" r:id="rId2"/>
@@ -29,7 +29,8 @@
     <p:sldId id="280" r:id="rId20"/>
     <p:sldId id="277" r:id="rId21"/>
     <p:sldId id="268" r:id="rId22"/>
-    <p:sldId id="266" r:id="rId23"/>
+    <p:sldId id="281" r:id="rId23"/>
+    <p:sldId id="266" r:id="rId24"/>
   </p:sldIdLst>
   <p:sldSz cx="9906000" cy="6858000" type="A4"/>
   <p:notesSz cx="6858000" cy="9144000"/>
@@ -426,11 +427,11 @@
           <c:showPercent val="0"/>
           <c:showBubbleSize val="0"/>
         </c:dLbls>
-        <c:axId val="2123966624"/>
-        <c:axId val="-2146510144"/>
+        <c:axId val="-2118332112"/>
+        <c:axId val="-2118729680"/>
       </c:scatterChart>
       <c:valAx>
-        <c:axId val="2123966624"/>
+        <c:axId val="-2118332112"/>
         <c:scaling>
           <c:orientation val="minMax"/>
         </c:scaling>
@@ -552,12 +553,12 @@
             <a:endParaRPr lang="en-US"/>
           </a:p>
         </c:txPr>
-        <c:crossAx val="-2146510144"/>
+        <c:crossAx val="-2118729680"/>
         <c:crosses val="autoZero"/>
         <c:crossBetween val="midCat"/>
       </c:valAx>
       <c:valAx>
-        <c:axId val="-2146510144"/>
+        <c:axId val="-2118729680"/>
         <c:scaling>
           <c:orientation val="minMax"/>
         </c:scaling>
@@ -683,7 +684,7 @@
             <a:endParaRPr lang="en-US"/>
           </a:p>
         </c:txPr>
-        <c:crossAx val="2123966624"/>
+        <c:crossAx val="-2118332112"/>
         <c:crosses val="autoZero"/>
         <c:crossBetween val="midCat"/>
       </c:valAx>
@@ -2351,11 +2352,11 @@
         </c:dLbls>
         <c:gapWidth val="150"/>
         <c:overlap val="100"/>
-        <c:axId val="-2117340704"/>
-        <c:axId val="-2076175056"/>
+        <c:axId val="-2072240720"/>
+        <c:axId val="-2072255200"/>
       </c:barChart>
       <c:catAx>
-        <c:axId val="-2117340704"/>
+        <c:axId val="-2072240720"/>
         <c:scaling>
           <c:orientation val="minMax"/>
         </c:scaling>
@@ -2365,7 +2366,7 @@
         <c:majorTickMark val="none"/>
         <c:minorTickMark val="none"/>
         <c:tickLblPos val="nextTo"/>
-        <c:crossAx val="-2076175056"/>
+        <c:crossAx val="-2072255200"/>
         <c:crosses val="autoZero"/>
         <c:auto val="1"/>
         <c:lblAlgn val="ctr"/>
@@ -2373,7 +2374,7 @@
         <c:noMultiLvlLbl val="0"/>
       </c:catAx>
       <c:valAx>
-        <c:axId val="-2076175056"/>
+        <c:axId val="-2072255200"/>
         <c:scaling>
           <c:orientation val="minMax"/>
         </c:scaling>
@@ -2488,7 +2489,7 @@
             <a:endParaRPr lang="en-US"/>
           </a:p>
         </c:txPr>
-        <c:crossAx val="-2117340704"/>
+        <c:crossAx val="-2072240720"/>
         <c:crosses val="autoZero"/>
         <c:crossBetween val="between"/>
       </c:valAx>
@@ -2871,11 +2872,11 @@
         </c:dLbls>
         <c:gapWidth val="219"/>
         <c:overlap val="-27"/>
-        <c:axId val="-2114968496"/>
-        <c:axId val="-2114962704"/>
+        <c:axId val="-2074227216"/>
+        <c:axId val="-2140982432"/>
       </c:barChart>
       <c:catAx>
-        <c:axId val="-2114968496"/>
+        <c:axId val="-2074227216"/>
         <c:scaling>
           <c:orientation val="minMax"/>
         </c:scaling>
@@ -2915,7 +2916,7 @@
             <a:endParaRPr lang="en-US"/>
           </a:p>
         </c:txPr>
-        <c:crossAx val="-2114962704"/>
+        <c:crossAx val="-2140982432"/>
         <c:crosses val="autoZero"/>
         <c:auto val="1"/>
         <c:lblAlgn val="ctr"/>
@@ -2923,7 +2924,7 @@
         <c:noMultiLvlLbl val="0"/>
       </c:catAx>
       <c:valAx>
-        <c:axId val="-2114962704"/>
+        <c:axId val="-2140982432"/>
         <c:scaling>
           <c:orientation val="minMax"/>
         </c:scaling>
@@ -3053,7 +3054,7 @@
             <a:endParaRPr lang="en-US"/>
           </a:p>
         </c:txPr>
-        <c:crossAx val="-2114968496"/>
+        <c:crossAx val="-2074227216"/>
         <c:crosses val="autoZero"/>
         <c:crossBetween val="between"/>
       </c:valAx>
@@ -3349,11 +3350,11 @@
         </c:dLbls>
         <c:gapWidth val="219"/>
         <c:overlap val="-27"/>
-        <c:axId val="-2114922000"/>
-        <c:axId val="-2114918560"/>
+        <c:axId val="-2077551616"/>
+        <c:axId val="-2077559632"/>
       </c:barChart>
       <c:catAx>
-        <c:axId val="-2114922000"/>
+        <c:axId val="-2077551616"/>
         <c:scaling>
           <c:orientation val="minMax"/>
         </c:scaling>
@@ -3393,7 +3394,7 @@
             <a:endParaRPr lang="en-US"/>
           </a:p>
         </c:txPr>
-        <c:crossAx val="-2114918560"/>
+        <c:crossAx val="-2077559632"/>
         <c:crosses val="autoZero"/>
         <c:auto val="1"/>
         <c:lblAlgn val="ctr"/>
@@ -3401,7 +3402,7 @@
         <c:noMultiLvlLbl val="0"/>
       </c:catAx>
       <c:valAx>
-        <c:axId val="-2114918560"/>
+        <c:axId val="-2077559632"/>
         <c:scaling>
           <c:orientation val="minMax"/>
         </c:scaling>
@@ -3521,7 +3522,7 @@
             <a:endParaRPr lang="en-US"/>
           </a:p>
         </c:txPr>
-        <c:crossAx val="-2114922000"/>
+        <c:crossAx val="-2077551616"/>
         <c:crosses val="autoZero"/>
         <c:crossBetween val="between"/>
       </c:valAx>
@@ -4048,7 +4049,7 @@
                   <c:v>-6.43</c:v>
                 </c:pt>
                 <c:pt idx="10">
-                  <c:v>-9.74</c:v>
+                  <c:v>-9.739999999999998</c:v>
                 </c:pt>
                 <c:pt idx="11">
                   <c:v>-13.05</c:v>
@@ -4082,11 +4083,11 @@
           <c:showBubbleSize val="0"/>
         </c:dLbls>
         <c:smooth val="0"/>
-        <c:axId val="2128518784"/>
-        <c:axId val="2128522144"/>
+        <c:axId val="-2139621872"/>
+        <c:axId val="-2139668736"/>
       </c:lineChart>
       <c:catAx>
-        <c:axId val="2128518784"/>
+        <c:axId val="-2139621872"/>
         <c:scaling>
           <c:orientation val="minMax"/>
         </c:scaling>
@@ -4129,7 +4130,7 @@
             <a:endParaRPr lang="en-US"/>
           </a:p>
         </c:txPr>
-        <c:crossAx val="2128522144"/>
+        <c:crossAx val="-2139668736"/>
         <c:crosses val="autoZero"/>
         <c:auto val="1"/>
         <c:lblAlgn val="ctr"/>
@@ -4137,7 +4138,7 @@
         <c:noMultiLvlLbl val="0"/>
       </c:catAx>
       <c:valAx>
-        <c:axId val="2128522144"/>
+        <c:axId val="-2139668736"/>
         <c:scaling>
           <c:orientation val="minMax"/>
         </c:scaling>
@@ -4224,7 +4225,7 @@
             <a:endParaRPr lang="en-US"/>
           </a:p>
         </c:txPr>
-        <c:crossAx val="2128518784"/>
+        <c:crossAx val="-2139621872"/>
         <c:crosses val="autoZero"/>
         <c:crossBetween val="between"/>
       </c:valAx>
@@ -4831,11 +4832,11 @@
         </c:dLbls>
         <c:gapWidth val="219"/>
         <c:overlap val="-27"/>
-        <c:axId val="-2118884752"/>
-        <c:axId val="-2118882576"/>
+        <c:axId val="-2077903952"/>
+        <c:axId val="-2077928432"/>
       </c:barChart>
       <c:catAx>
-        <c:axId val="-2118884752"/>
+        <c:axId val="-2077903952"/>
         <c:scaling>
           <c:orientation val="minMax"/>
         </c:scaling>
@@ -4878,7 +4879,7 @@
             <a:endParaRPr lang="en-US"/>
           </a:p>
         </c:txPr>
-        <c:crossAx val="-2118882576"/>
+        <c:crossAx val="-2077928432"/>
         <c:crosses val="autoZero"/>
         <c:auto val="1"/>
         <c:lblAlgn val="ctr"/>
@@ -4886,7 +4887,7 @@
         <c:noMultiLvlLbl val="0"/>
       </c:catAx>
       <c:valAx>
-        <c:axId val="-2118882576"/>
+        <c:axId val="-2077928432"/>
         <c:scaling>
           <c:orientation val="minMax"/>
         </c:scaling>
@@ -5009,7 +5010,7 @@
             <a:endParaRPr lang="en-US"/>
           </a:p>
         </c:txPr>
-        <c:crossAx val="-2118884752"/>
+        <c:crossAx val="-2077903952"/>
         <c:crosses val="autoZero"/>
         <c:crossBetween val="between"/>
       </c:valAx>
@@ -5704,11 +5705,11 @@
         </c:dLbls>
         <c:gapWidth val="219"/>
         <c:overlap val="100"/>
-        <c:axId val="-2117574832"/>
-        <c:axId val="-2117607584"/>
+        <c:axId val="-2074632160"/>
+        <c:axId val="-2077649824"/>
       </c:barChart>
       <c:catAx>
-        <c:axId val="-2117574832"/>
+        <c:axId val="-2074632160"/>
         <c:scaling>
           <c:orientation val="minMax"/>
         </c:scaling>
@@ -5718,7 +5719,7 @@
         <c:majorTickMark val="none"/>
         <c:minorTickMark val="none"/>
         <c:tickLblPos val="nextTo"/>
-        <c:crossAx val="-2117607584"/>
+        <c:crossAx val="-2077649824"/>
         <c:crosses val="autoZero"/>
         <c:auto val="1"/>
         <c:lblAlgn val="ctr"/>
@@ -5726,7 +5727,7 @@
         <c:noMultiLvlLbl val="0"/>
       </c:catAx>
       <c:valAx>
-        <c:axId val="-2117607584"/>
+        <c:axId val="-2077649824"/>
         <c:scaling>
           <c:orientation val="minMax"/>
         </c:scaling>
@@ -5855,7 +5856,7 @@
             <a:endParaRPr lang="en-US"/>
           </a:p>
         </c:txPr>
-        <c:crossAx val="-2117574832"/>
+        <c:crossAx val="-2074632160"/>
         <c:crosses val="autoZero"/>
         <c:crossBetween val="between"/>
       </c:valAx>
@@ -6327,11 +6328,11 @@
         </c:dLbls>
         <c:gapWidth val="219"/>
         <c:overlap val="-27"/>
-        <c:axId val="-2147374256"/>
-        <c:axId val="-2147370784"/>
+        <c:axId val="-2071481952"/>
+        <c:axId val="-2140332336"/>
       </c:barChart>
       <c:catAx>
-        <c:axId val="-2147374256"/>
+        <c:axId val="-2071481952"/>
         <c:scaling>
           <c:orientation val="minMax"/>
         </c:scaling>
@@ -6371,7 +6372,7 @@
             <a:endParaRPr lang="en-US"/>
           </a:p>
         </c:txPr>
-        <c:crossAx val="-2147370784"/>
+        <c:crossAx val="-2140332336"/>
         <c:crosses val="autoZero"/>
         <c:auto val="1"/>
         <c:lblAlgn val="ctr"/>
@@ -6379,7 +6380,7 @@
         <c:noMultiLvlLbl val="0"/>
       </c:catAx>
       <c:valAx>
-        <c:axId val="-2147370784"/>
+        <c:axId val="-2140332336"/>
         <c:scaling>
           <c:orientation val="minMax"/>
         </c:scaling>
@@ -6500,7 +6501,7 @@
             <a:endParaRPr lang="en-US"/>
           </a:p>
         </c:txPr>
-        <c:crossAx val="-2147374256"/>
+        <c:crossAx val="-2071481952"/>
         <c:crosses val="autoZero"/>
         <c:crossBetween val="between"/>
       </c:valAx>
@@ -7224,11 +7225,11 @@
         </c:dLbls>
         <c:gapWidth val="219"/>
         <c:overlap val="100"/>
-        <c:axId val="-2117091824"/>
-        <c:axId val="-2117096592"/>
+        <c:axId val="-2146518784"/>
+        <c:axId val="-2071423248"/>
       </c:barChart>
       <c:catAx>
-        <c:axId val="-2117091824"/>
+        <c:axId val="-2146518784"/>
         <c:scaling>
           <c:orientation val="minMax"/>
         </c:scaling>
@@ -7238,7 +7239,7 @@
         <c:majorTickMark val="none"/>
         <c:minorTickMark val="none"/>
         <c:tickLblPos val="nextTo"/>
-        <c:crossAx val="-2117096592"/>
+        <c:crossAx val="-2071423248"/>
         <c:crosses val="autoZero"/>
         <c:auto val="1"/>
         <c:lblAlgn val="ctr"/>
@@ -7246,7 +7247,7 @@
         <c:noMultiLvlLbl val="0"/>
       </c:catAx>
       <c:valAx>
-        <c:axId val="-2117096592"/>
+        <c:axId val="-2071423248"/>
         <c:scaling>
           <c:orientation val="minMax"/>
         </c:scaling>
@@ -7375,7 +7376,7 @@
             <a:endParaRPr lang="en-US"/>
           </a:p>
         </c:txPr>
-        <c:crossAx val="-2117091824"/>
+        <c:crossAx val="-2146518784"/>
         <c:crosses val="autoZero"/>
         <c:crossBetween val="between"/>
       </c:valAx>
@@ -7779,9 +7780,7 @@
               <c:showPercent val="0"/>
               <c:showBubbleSize val="0"/>
               <c:extLst>
-                <c:ext xmlns:c15="http://schemas.microsoft.com/office/drawing/2012/chart" uri="{CE6537A1-D6FC-4f65-9D91-7224C49458BB}">
-                  <c15:layout/>
-                </c:ext>
+                <c:ext xmlns:c15="http://schemas.microsoft.com/office/drawing/2012/chart" uri="{CE6537A1-D6FC-4f65-9D91-7224C49458BB}"/>
               </c:extLst>
             </c:dLbl>
             <c:dLbl>
@@ -7799,9 +7798,7 @@
               <c:showPercent val="0"/>
               <c:showBubbleSize val="0"/>
               <c:extLst>
-                <c:ext xmlns:c15="http://schemas.microsoft.com/office/drawing/2012/chart" uri="{CE6537A1-D6FC-4f65-9D91-7224C49458BB}">
-                  <c15:layout/>
-                </c:ext>
+                <c:ext xmlns:c15="http://schemas.microsoft.com/office/drawing/2012/chart" uri="{CE6537A1-D6FC-4f65-9D91-7224C49458BB}"/>
               </c:extLst>
             </c:dLbl>
             <c:spPr>
@@ -7842,7 +7839,6 @@
             <c:showLeaderLines val="0"/>
             <c:extLst>
               <c:ext xmlns:c15="http://schemas.microsoft.com/office/drawing/2012/chart" uri="{CE6537A1-D6FC-4f65-9D91-7224C49458BB}">
-                <c15:layout/>
                 <c15:showLeaderLines val="1"/>
                 <c15:leaderLines>
                   <c:spPr>
@@ -7959,9 +7955,7 @@
               <c:showPercent val="0"/>
               <c:showBubbleSize val="0"/>
               <c:extLst>
-                <c:ext xmlns:c15="http://schemas.microsoft.com/office/drawing/2012/chart" uri="{CE6537A1-D6FC-4f65-9D91-7224C49458BB}">
-                  <c15:layout/>
-                </c:ext>
+                <c:ext xmlns:c15="http://schemas.microsoft.com/office/drawing/2012/chart" uri="{CE6537A1-D6FC-4f65-9D91-7224C49458BB}"/>
               </c:extLst>
             </c:dLbl>
             <c:dLbl>
@@ -7980,9 +7974,7 @@
               <c:showPercent val="0"/>
               <c:showBubbleSize val="0"/>
               <c:extLst>
-                <c:ext xmlns:c15="http://schemas.microsoft.com/office/drawing/2012/chart" uri="{CE6537A1-D6FC-4f65-9D91-7224C49458BB}">
-                  <c15:layout/>
-                </c:ext>
+                <c:ext xmlns:c15="http://schemas.microsoft.com/office/drawing/2012/chart" uri="{CE6537A1-D6FC-4f65-9D91-7224C49458BB}"/>
               </c:extLst>
             </c:dLbl>
             <c:dLbl>
@@ -8001,9 +7993,7 @@
               <c:showPercent val="0"/>
               <c:showBubbleSize val="0"/>
               <c:extLst>
-                <c:ext xmlns:c15="http://schemas.microsoft.com/office/drawing/2012/chart" uri="{CE6537A1-D6FC-4f65-9D91-7224C49458BB}">
-                  <c15:layout/>
-                </c:ext>
+                <c:ext xmlns:c15="http://schemas.microsoft.com/office/drawing/2012/chart" uri="{CE6537A1-D6FC-4f65-9D91-7224C49458BB}"/>
               </c:extLst>
             </c:dLbl>
             <c:dLbl>
@@ -8022,9 +8012,7 @@
               <c:showPercent val="0"/>
               <c:showBubbleSize val="0"/>
               <c:extLst>
-                <c:ext xmlns:c15="http://schemas.microsoft.com/office/drawing/2012/chart" uri="{CE6537A1-D6FC-4f65-9D91-7224C49458BB}">
-                  <c15:layout/>
-                </c:ext>
+                <c:ext xmlns:c15="http://schemas.microsoft.com/office/drawing/2012/chart" uri="{CE6537A1-D6FC-4f65-9D91-7224C49458BB}"/>
               </c:extLst>
             </c:dLbl>
             <c:dLbl>
@@ -8078,7 +8066,6 @@
                       <a:avLst/>
                     </a:prstGeom>
                   </c15:spPr>
-                  <c15:layout/>
                 </c:ext>
               </c:extLst>
             </c:dLbl>
@@ -8163,7 +8150,6 @@
             <c:showLeaderLines val="0"/>
             <c:extLst>
               <c:ext xmlns:c15="http://schemas.microsoft.com/office/drawing/2012/chart" uri="{CE6537A1-D6FC-4f65-9D91-7224C49458BB}">
-                <c15:layout/>
                 <c15:showLeaderLines val="1"/>
                 <c15:leaderLines>
                   <c:spPr>
@@ -8240,11 +8226,11 @@
         </c:dLbls>
         <c:gapWidth val="219"/>
         <c:overlap val="100"/>
-        <c:axId val="-2074152208"/>
-        <c:axId val="-2074156864"/>
+        <c:axId val="-2120291568"/>
+        <c:axId val="2128498848"/>
       </c:barChart>
       <c:catAx>
-        <c:axId val="-2074152208"/>
+        <c:axId val="-2120291568"/>
         <c:scaling>
           <c:orientation val="minMax"/>
         </c:scaling>
@@ -8254,7 +8240,7 @@
         <c:majorTickMark val="none"/>
         <c:minorTickMark val="none"/>
         <c:tickLblPos val="nextTo"/>
-        <c:crossAx val="-2074156864"/>
+        <c:crossAx val="2128498848"/>
         <c:crosses val="autoZero"/>
         <c:auto val="1"/>
         <c:lblAlgn val="ctr"/>
@@ -8262,7 +8248,7 @@
         <c:noMultiLvlLbl val="0"/>
       </c:catAx>
       <c:valAx>
-        <c:axId val="-2074156864"/>
+        <c:axId val="2128498848"/>
         <c:scaling>
           <c:orientation val="minMax"/>
         </c:scaling>
@@ -8391,7 +8377,7 @@
             <a:endParaRPr lang="en-US"/>
           </a:p>
         </c:txPr>
-        <c:crossAx val="-2074152208"/>
+        <c:crossAx val="-2120291568"/>
         <c:crosses val="autoZero"/>
         <c:crossBetween val="between"/>
       </c:valAx>
@@ -8783,11 +8769,11 @@
         </c:dLbls>
         <c:gapWidth val="219"/>
         <c:overlap val="100"/>
-        <c:axId val="2128261712"/>
-        <c:axId val="2127927344"/>
+        <c:axId val="-2074930336"/>
+        <c:axId val="-2140992528"/>
       </c:barChart>
       <c:catAx>
-        <c:axId val="2128261712"/>
+        <c:axId val="-2074930336"/>
         <c:scaling>
           <c:orientation val="minMax"/>
         </c:scaling>
@@ -8830,7 +8816,7 @@
             <a:endParaRPr lang="en-US"/>
           </a:p>
         </c:txPr>
-        <c:crossAx val="2127927344"/>
+        <c:crossAx val="-2140992528"/>
         <c:crosses val="autoZero"/>
         <c:auto val="1"/>
         <c:lblAlgn val="ctr"/>
@@ -8838,7 +8824,7 @@
         <c:noMultiLvlLbl val="0"/>
       </c:catAx>
       <c:valAx>
-        <c:axId val="2127927344"/>
+        <c:axId val="-2140992528"/>
         <c:scaling>
           <c:orientation val="minMax"/>
         </c:scaling>
@@ -8929,7 +8915,7 @@
             <a:endParaRPr lang="en-US"/>
           </a:p>
         </c:txPr>
-        <c:crossAx val="2128261712"/>
+        <c:crossAx val="-2074930336"/>
         <c:crosses val="autoZero"/>
         <c:crossBetween val="between"/>
       </c:valAx>
@@ -9168,11 +9154,11 @@
         </c:dLbls>
         <c:gapWidth val="219"/>
         <c:overlap val="100"/>
-        <c:axId val="2128475888"/>
-        <c:axId val="2128398192"/>
+        <c:axId val="-2071021648"/>
+        <c:axId val="-2070976576"/>
       </c:barChart>
       <c:catAx>
-        <c:axId val="2128475888"/>
+        <c:axId val="-2071021648"/>
         <c:scaling>
           <c:orientation val="minMax"/>
         </c:scaling>
@@ -9182,7 +9168,7 @@
         <c:majorTickMark val="none"/>
         <c:minorTickMark val="none"/>
         <c:tickLblPos val="nextTo"/>
-        <c:crossAx val="2128398192"/>
+        <c:crossAx val="-2070976576"/>
         <c:crosses val="autoZero"/>
         <c:auto val="1"/>
         <c:lblAlgn val="ctr"/>
@@ -9190,7 +9176,7 @@
         <c:noMultiLvlLbl val="0"/>
       </c:catAx>
       <c:valAx>
-        <c:axId val="2128398192"/>
+        <c:axId val="-2070976576"/>
         <c:scaling>
           <c:orientation val="minMax"/>
         </c:scaling>
@@ -9271,6 +9257,7 @@
               </a:p>
             </c:rich>
           </c:tx>
+          <c:layout/>
           <c:overlay val="0"/>
           <c:spPr>
             <a:noFill/>
@@ -9331,7 +9318,620 @@
             <a:endParaRPr lang="en-US"/>
           </a:p>
         </c:txPr>
-        <c:crossAx val="2128475888"/>
+        <c:crossAx val="-2071021648"/>
+        <c:crosses val="autoZero"/>
+        <c:crossBetween val="between"/>
+        <c:majorUnit val="100.0"/>
+      </c:valAx>
+      <c:spPr>
+        <a:noFill/>
+        <a:ln>
+          <a:solidFill>
+            <a:schemeClr val="accent3"/>
+          </a:solidFill>
+        </a:ln>
+        <a:effectLst/>
+      </c:spPr>
+    </c:plotArea>
+    <c:plotVisOnly val="1"/>
+    <c:dispBlanksAs val="gap"/>
+    <c:showDLblsOverMax val="0"/>
+  </c:chart>
+  <c:spPr>
+    <a:noFill/>
+    <a:ln>
+      <a:noFill/>
+    </a:ln>
+    <a:effectLst/>
+  </c:spPr>
+  <c:txPr>
+    <a:bodyPr/>
+    <a:lstStyle/>
+    <a:p>
+      <a:pPr>
+        <a:defRPr/>
+      </a:pPr>
+      <a:endParaRPr lang="en-US"/>
+    </a:p>
+  </c:txPr>
+  <c:externalData r:id="rId3">
+    <c:autoUpdate val="0"/>
+  </c:externalData>
+</c:chartSpace>
+</file>
+
+<file path=ppt/charts/chart24.xml><?xml version="1.0" encoding="utf-8"?>
+<c:chartSpace xmlns:c="http://schemas.openxmlformats.org/drawingml/2006/chart" xmlns:a="http://schemas.openxmlformats.org/drawingml/2006/main" xmlns:r="http://schemas.openxmlformats.org/officeDocument/2006/relationships">
+  <c:date1904 val="0"/>
+  <c:lang val="en-US"/>
+  <c:roundedCorners val="0"/>
+  <mc:AlternateContent xmlns:mc="http://schemas.openxmlformats.org/markup-compatibility/2006">
+    <mc:Choice xmlns:c14="http://schemas.microsoft.com/office/drawing/2007/8/2/chart" Requires="c14">
+      <c14:style val="102"/>
+    </mc:Choice>
+    <mc:Fallback>
+      <c:style val="2"/>
+    </mc:Fallback>
+  </mc:AlternateContent>
+  <c:chart>
+    <c:autoTitleDeleted val="1"/>
+    <c:plotArea>
+      <c:layout>
+        <c:manualLayout>
+          <c:layoutTarget val="inner"/>
+          <c:xMode val="edge"/>
+          <c:yMode val="edge"/>
+          <c:x val="0.197429986874228"/>
+          <c:y val="0.0558250129005389"/>
+          <c:w val="0.659765076797658"/>
+          <c:h val="0.905990549559483"/>
+        </c:manualLayout>
+      </c:layout>
+      <c:barChart>
+        <c:barDir val="col"/>
+        <c:grouping val="stacked"/>
+        <c:varyColors val="0"/>
+        <c:ser>
+          <c:idx val="0"/>
+          <c:order val="0"/>
+          <c:tx>
+            <c:strRef>
+              <c:f>Sheet1!$B$1</c:f>
+              <c:strCache>
+                <c:ptCount val="1"/>
+                <c:pt idx="0">
+                  <c:v>Series 1</c:v>
+                </c:pt>
+              </c:strCache>
+            </c:strRef>
+          </c:tx>
+          <c:spPr>
+            <a:noFill/>
+            <a:ln>
+              <a:noFill/>
+            </a:ln>
+            <a:effectLst/>
+          </c:spPr>
+          <c:invertIfNegative val="0"/>
+          <c:dPt>
+            <c:idx val="0"/>
+            <c:invertIfNegative val="0"/>
+            <c:bubble3D val="0"/>
+            <c:spPr>
+              <a:solidFill>
+                <a:schemeClr val="accent2"/>
+              </a:solidFill>
+              <a:ln>
+                <a:solidFill>
+                  <a:schemeClr val="accent3"/>
+                </a:solidFill>
+              </a:ln>
+              <a:effectLst/>
+            </c:spPr>
+          </c:dPt>
+          <c:cat>
+            <c:strRef>
+              <c:f>Sheet1!$A$2</c:f>
+              <c:strCache>
+                <c:ptCount val="1"/>
+                <c:pt idx="0">
+                  <c:v>Operation location: CH/GER</c:v>
+                </c:pt>
+              </c:strCache>
+            </c:strRef>
+          </c:cat>
+          <c:val>
+            <c:numRef>
+              <c:f>Sheet1!$B$2</c:f>
+              <c:numCache>
+                <c:formatCode>General</c:formatCode>
+                <c:ptCount val="1"/>
+                <c:pt idx="0">
+                  <c:v>-887.5</c:v>
+                </c:pt>
+              </c:numCache>
+            </c:numRef>
+          </c:val>
+        </c:ser>
+        <c:ser>
+          <c:idx val="1"/>
+          <c:order val="1"/>
+          <c:tx>
+            <c:strRef>
+              <c:f>Sheet1!$C$1</c:f>
+              <c:strCache>
+                <c:ptCount val="1"/>
+                <c:pt idx="0">
+                  <c:v>Series 2</c:v>
+                </c:pt>
+              </c:strCache>
+            </c:strRef>
+          </c:tx>
+          <c:spPr>
+            <a:solidFill>
+              <a:schemeClr val="accent2"/>
+            </a:solidFill>
+            <a:ln>
+              <a:solidFill>
+                <a:schemeClr val="accent3"/>
+              </a:solidFill>
+            </a:ln>
+            <a:effectLst/>
+          </c:spPr>
+          <c:invertIfNegative val="0"/>
+          <c:cat>
+            <c:strRef>
+              <c:f>Sheet1!$A$2</c:f>
+              <c:strCache>
+                <c:ptCount val="1"/>
+                <c:pt idx="0">
+                  <c:v>Operation location: CH/GER</c:v>
+                </c:pt>
+              </c:strCache>
+            </c:strRef>
+          </c:cat>
+          <c:val>
+            <c:numRef>
+              <c:f>Sheet1!$C$2</c:f>
+              <c:numCache>
+                <c:formatCode>General</c:formatCode>
+                <c:ptCount val="1"/>
+                <c:pt idx="0">
+                  <c:v>70.6</c:v>
+                </c:pt>
+              </c:numCache>
+            </c:numRef>
+          </c:val>
+        </c:ser>
+        <c:dLbls>
+          <c:showLegendKey val="0"/>
+          <c:showVal val="0"/>
+          <c:showCatName val="0"/>
+          <c:showSerName val="0"/>
+          <c:showPercent val="0"/>
+          <c:showBubbleSize val="0"/>
+        </c:dLbls>
+        <c:gapWidth val="219"/>
+        <c:overlap val="100"/>
+        <c:axId val="-2072935328"/>
+        <c:axId val="-2072836608"/>
+      </c:barChart>
+      <c:catAx>
+        <c:axId val="-2072935328"/>
+        <c:scaling>
+          <c:orientation val="minMax"/>
+        </c:scaling>
+        <c:delete val="1"/>
+        <c:axPos val="b"/>
+        <c:numFmt formatCode="General" sourceLinked="1"/>
+        <c:majorTickMark val="none"/>
+        <c:minorTickMark val="none"/>
+        <c:tickLblPos val="nextTo"/>
+        <c:crossAx val="-2072836608"/>
+        <c:crosses val="autoZero"/>
+        <c:auto val="1"/>
+        <c:lblAlgn val="ctr"/>
+        <c:lblOffset val="100"/>
+        <c:noMultiLvlLbl val="0"/>
+      </c:catAx>
+      <c:valAx>
+        <c:axId val="-2072836608"/>
+        <c:scaling>
+          <c:orientation val="minMax"/>
+        </c:scaling>
+        <c:delete val="0"/>
+        <c:axPos val="l"/>
+        <c:majorGridlines>
+          <c:spPr>
+            <a:ln w="9525" cap="flat" cmpd="sng" algn="ctr">
+              <a:solidFill>
+                <a:schemeClr val="tx1">
+                  <a:lumMod val="15000"/>
+                  <a:lumOff val="85000"/>
+                </a:schemeClr>
+              </a:solidFill>
+              <a:round/>
+            </a:ln>
+            <a:effectLst/>
+          </c:spPr>
+        </c:majorGridlines>
+        <c:title>
+          <c:tx>
+            <c:rich>
+              <a:bodyPr rot="-5400000" spcFirstLastPara="1" vertOverflow="ellipsis" vert="horz" wrap="square" anchor="ctr" anchorCtr="1"/>
+              <a:lstStyle/>
+              <a:p>
+                <a:pPr>
+                  <a:defRPr sz="2800" b="0" i="0" u="none" strike="noStrike" kern="1200" baseline="0">
+                    <a:solidFill>
+                      <a:schemeClr val="tx1">
+                        <a:lumMod val="65000"/>
+                        <a:lumOff val="35000"/>
+                      </a:schemeClr>
+                    </a:solidFill>
+                    <a:latin typeface="+mn-lt"/>
+                    <a:ea typeface="+mn-ea"/>
+                    <a:cs typeface="+mn-cs"/>
+                  </a:defRPr>
+                </a:pPr>
+                <a:r>
+                  <a:rPr lang="en-US" sz="2800" b="0" i="0" baseline="0" dirty="0" smtClean="0">
+                    <a:effectLst/>
+                  </a:rPr>
+                  <a:t>GWP (g CO</a:t>
+                </a:r>
+                <a:r>
+                  <a:rPr lang="en-US" sz="2800" b="0" i="0" baseline="-25000" dirty="0" smtClean="0">
+                    <a:effectLst/>
+                  </a:rPr>
+                  <a:t>2eq</a:t>
+                </a:r>
+                <a:r>
+                  <a:rPr lang="en-US" sz="2800" b="0" i="0" baseline="0" dirty="0" smtClean="0">
+                    <a:effectLst/>
+                  </a:rPr>
+                  <a:t>/</a:t>
+                </a:r>
+                <a:r>
+                  <a:rPr lang="en-US" sz="2800" b="0" i="0" baseline="0" dirty="0" err="1" smtClean="0">
+                    <a:effectLst/>
+                  </a:rPr>
+                  <a:t>kWh</a:t>
+                </a:r>
+                <a:r>
+                  <a:rPr lang="en-US" sz="2800" b="0" i="0" baseline="-25000" dirty="0" err="1" smtClean="0">
+                    <a:effectLst/>
+                  </a:rPr>
+                  <a:t>pv</a:t>
+                </a:r>
+                <a:r>
+                  <a:rPr lang="en-US" sz="2800" b="0" i="0" baseline="0" dirty="0" smtClean="0">
+                    <a:effectLst/>
+                  </a:rPr>
+                  <a:t>)</a:t>
+                </a:r>
+                <a:endParaRPr lang="en-US" sz="2800" dirty="0">
+                  <a:effectLst/>
+                </a:endParaRPr>
+              </a:p>
+            </c:rich>
+          </c:tx>
+          <c:layout/>
+          <c:overlay val="0"/>
+          <c:spPr>
+            <a:noFill/>
+            <a:ln>
+              <a:noFill/>
+            </a:ln>
+            <a:effectLst/>
+          </c:spPr>
+          <c:txPr>
+            <a:bodyPr rot="-5400000" spcFirstLastPara="1" vertOverflow="ellipsis" vert="horz" wrap="square" anchor="ctr" anchorCtr="1"/>
+            <a:lstStyle/>
+            <a:p>
+              <a:pPr>
+                <a:defRPr sz="2800" b="0" i="0" u="none" strike="noStrike" kern="1200" baseline="0">
+                  <a:solidFill>
+                    <a:schemeClr val="tx1">
+                      <a:lumMod val="65000"/>
+                      <a:lumOff val="35000"/>
+                    </a:schemeClr>
+                  </a:solidFill>
+                  <a:latin typeface="+mn-lt"/>
+                  <a:ea typeface="+mn-ea"/>
+                  <a:cs typeface="+mn-cs"/>
+                </a:defRPr>
+              </a:pPr>
+              <a:endParaRPr lang="en-US"/>
+            </a:p>
+          </c:txPr>
+        </c:title>
+        <c:numFmt formatCode="General" sourceLinked="1"/>
+        <c:majorTickMark val="none"/>
+        <c:minorTickMark val="none"/>
+        <c:tickLblPos val="nextTo"/>
+        <c:spPr>
+          <a:noFill/>
+          <a:ln>
+            <a:noFill/>
+          </a:ln>
+          <a:effectLst/>
+        </c:spPr>
+        <c:txPr>
+          <a:bodyPr rot="-60000000" spcFirstLastPara="1" vertOverflow="ellipsis" vert="horz" wrap="square" anchor="ctr" anchorCtr="1"/>
+          <a:lstStyle/>
+          <a:p>
+            <a:pPr>
+              <a:defRPr sz="1800" b="0" i="0" u="none" strike="noStrike" kern="1200" baseline="0">
+                <a:solidFill>
+                  <a:schemeClr val="tx1">
+                    <a:lumMod val="65000"/>
+                    <a:lumOff val="35000"/>
+                  </a:schemeClr>
+                </a:solidFill>
+                <a:latin typeface="+mn-lt"/>
+                <a:ea typeface="+mn-ea"/>
+                <a:cs typeface="+mn-cs"/>
+              </a:defRPr>
+            </a:pPr>
+            <a:endParaRPr lang="en-US"/>
+          </a:p>
+        </c:txPr>
+        <c:crossAx val="-2072935328"/>
+        <c:crosses val="autoZero"/>
+        <c:crossBetween val="between"/>
+        <c:majorUnit val="100.0"/>
+      </c:valAx>
+      <c:spPr>
+        <a:noFill/>
+        <a:ln>
+          <a:solidFill>
+            <a:schemeClr val="accent3"/>
+          </a:solidFill>
+        </a:ln>
+        <a:effectLst/>
+      </c:spPr>
+    </c:plotArea>
+    <c:plotVisOnly val="1"/>
+    <c:dispBlanksAs val="gap"/>
+    <c:showDLblsOverMax val="0"/>
+  </c:chart>
+  <c:spPr>
+    <a:noFill/>
+    <a:ln>
+      <a:noFill/>
+    </a:ln>
+    <a:effectLst/>
+  </c:spPr>
+  <c:txPr>
+    <a:bodyPr/>
+    <a:lstStyle/>
+    <a:p>
+      <a:pPr>
+        <a:defRPr/>
+      </a:pPr>
+      <a:endParaRPr lang="en-US"/>
+    </a:p>
+  </c:txPr>
+  <c:externalData r:id="rId3">
+    <c:autoUpdate val="0"/>
+  </c:externalData>
+</c:chartSpace>
+</file>
+
+<file path=ppt/charts/chart25.xml><?xml version="1.0" encoding="utf-8"?>
+<c:chartSpace xmlns:c="http://schemas.openxmlformats.org/drawingml/2006/chart" xmlns:a="http://schemas.openxmlformats.org/drawingml/2006/main" xmlns:r="http://schemas.openxmlformats.org/officeDocument/2006/relationships">
+  <c:date1904 val="0"/>
+  <c:lang val="en-US"/>
+  <c:roundedCorners val="0"/>
+  <mc:AlternateContent xmlns:mc="http://schemas.openxmlformats.org/markup-compatibility/2006">
+    <mc:Choice xmlns:c14="http://schemas.microsoft.com/office/drawing/2007/8/2/chart" Requires="c14">
+      <c14:style val="102"/>
+    </mc:Choice>
+    <mc:Fallback>
+      <c:style val="2"/>
+    </mc:Fallback>
+  </mc:AlternateContent>
+  <c:chart>
+    <c:autoTitleDeleted val="1"/>
+    <c:plotArea>
+      <c:layout/>
+      <c:barChart>
+        <c:barDir val="col"/>
+        <c:grouping val="stacked"/>
+        <c:varyColors val="0"/>
+        <c:ser>
+          <c:idx val="0"/>
+          <c:order val="0"/>
+          <c:tx>
+            <c:strRef>
+              <c:f>Sheet1!$B$1</c:f>
+              <c:strCache>
+                <c:ptCount val="1"/>
+                <c:pt idx="0">
+                  <c:v>Series 1</c:v>
+                </c:pt>
+              </c:strCache>
+            </c:strRef>
+          </c:tx>
+          <c:spPr>
+            <a:noFill/>
+            <a:ln>
+              <a:noFill/>
+            </a:ln>
+            <a:effectLst/>
+          </c:spPr>
+          <c:invertIfNegative val="0"/>
+          <c:cat>
+            <c:strRef>
+              <c:f>Sheet1!$A$2:$A$3</c:f>
+              <c:strCache>
+                <c:ptCount val="2"/>
+                <c:pt idx="0">
+                  <c:v>Actuator: motor/soft</c:v>
+                </c:pt>
+                <c:pt idx="1">
+                  <c:v>Control: individual/row</c:v>
+                </c:pt>
+              </c:strCache>
+            </c:strRef>
+          </c:cat>
+          <c:val>
+            <c:numRef>
+              <c:f>Sheet1!$B$2:$B$3</c:f>
+              <c:numCache>
+                <c:formatCode>General</c:formatCode>
+                <c:ptCount val="2"/>
+                <c:pt idx="0">
+                  <c:v>-588.4</c:v>
+                </c:pt>
+                <c:pt idx="1">
+                  <c:v>-599.5</c:v>
+                </c:pt>
+              </c:numCache>
+            </c:numRef>
+          </c:val>
+        </c:ser>
+        <c:ser>
+          <c:idx val="1"/>
+          <c:order val="1"/>
+          <c:tx>
+            <c:strRef>
+              <c:f>Sheet1!$C$1</c:f>
+              <c:strCache>
+                <c:ptCount val="1"/>
+                <c:pt idx="0">
+                  <c:v>Series 2</c:v>
+                </c:pt>
+              </c:strCache>
+            </c:strRef>
+          </c:tx>
+          <c:spPr>
+            <a:solidFill>
+              <a:schemeClr val="accent2"/>
+            </a:solidFill>
+            <a:ln>
+              <a:solidFill>
+                <a:schemeClr val="accent3"/>
+              </a:solidFill>
+            </a:ln>
+            <a:effectLst/>
+          </c:spPr>
+          <c:invertIfNegative val="0"/>
+          <c:cat>
+            <c:strRef>
+              <c:f>Sheet1!$A$2:$A$3</c:f>
+              <c:strCache>
+                <c:ptCount val="2"/>
+                <c:pt idx="0">
+                  <c:v>Actuator: motor/soft</c:v>
+                </c:pt>
+                <c:pt idx="1">
+                  <c:v>Control: individual/row</c:v>
+                </c:pt>
+              </c:strCache>
+            </c:strRef>
+          </c:cat>
+          <c:val>
+            <c:numRef>
+              <c:f>Sheet1!$C$2:$C$3</c:f>
+              <c:numCache>
+                <c:formatCode>General</c:formatCode>
+                <c:ptCount val="2"/>
+                <c:pt idx="0">
+                  <c:v>-12.70000000000005</c:v>
+                </c:pt>
+                <c:pt idx="1">
+                  <c:v>-1.600000000000023</c:v>
+                </c:pt>
+              </c:numCache>
+            </c:numRef>
+          </c:val>
+        </c:ser>
+        <c:dLbls>
+          <c:showLegendKey val="0"/>
+          <c:showVal val="0"/>
+          <c:showCatName val="0"/>
+          <c:showSerName val="0"/>
+          <c:showPercent val="0"/>
+          <c:showBubbleSize val="0"/>
+        </c:dLbls>
+        <c:gapWidth val="219"/>
+        <c:overlap val="100"/>
+        <c:axId val="-2076683792"/>
+        <c:axId val="-2117136320"/>
+      </c:barChart>
+      <c:catAx>
+        <c:axId val="-2076683792"/>
+        <c:scaling>
+          <c:orientation val="minMax"/>
+        </c:scaling>
+        <c:delete val="1"/>
+        <c:axPos val="b"/>
+        <c:numFmt formatCode="General" sourceLinked="1"/>
+        <c:majorTickMark val="none"/>
+        <c:minorTickMark val="none"/>
+        <c:tickLblPos val="nextTo"/>
+        <c:crossAx val="-2117136320"/>
+        <c:crosses val="autoZero"/>
+        <c:auto val="1"/>
+        <c:lblAlgn val="ctr"/>
+        <c:lblOffset val="100"/>
+        <c:noMultiLvlLbl val="0"/>
+      </c:catAx>
+      <c:valAx>
+        <c:axId val="-2117136320"/>
+        <c:scaling>
+          <c:orientation val="minMax"/>
+        </c:scaling>
+        <c:delete val="0"/>
+        <c:axPos val="l"/>
+        <c:majorGridlines>
+          <c:spPr>
+            <a:ln w="9525" cap="flat" cmpd="sng" algn="ctr">
+              <a:solidFill>
+                <a:schemeClr val="tx1">
+                  <a:lumMod val="15000"/>
+                  <a:lumOff val="85000"/>
+                </a:schemeClr>
+              </a:solidFill>
+              <a:round/>
+            </a:ln>
+            <a:effectLst/>
+          </c:spPr>
+        </c:majorGridlines>
+        <c:numFmt formatCode="General" sourceLinked="1"/>
+        <c:majorTickMark val="none"/>
+        <c:minorTickMark val="none"/>
+        <c:tickLblPos val="nextTo"/>
+        <c:spPr>
+          <a:noFill/>
+          <a:ln>
+            <a:noFill/>
+          </a:ln>
+          <a:effectLst/>
+        </c:spPr>
+        <c:txPr>
+          <a:bodyPr rot="-60000000" spcFirstLastPara="1" vertOverflow="ellipsis" vert="horz" wrap="square" anchor="ctr" anchorCtr="1"/>
+          <a:lstStyle/>
+          <a:p>
+            <a:pPr>
+              <a:defRPr sz="1800" b="0" i="0" u="none" strike="noStrike" kern="1200" baseline="0">
+                <a:solidFill>
+                  <a:schemeClr val="tx1">
+                    <a:lumMod val="65000"/>
+                    <a:lumOff val="35000"/>
+                  </a:schemeClr>
+                </a:solidFill>
+                <a:latin typeface="+mn-lt"/>
+                <a:ea typeface="+mn-ea"/>
+                <a:cs typeface="+mn-cs"/>
+              </a:defRPr>
+            </a:pPr>
+            <a:endParaRPr lang="en-US"/>
+          </a:p>
+        </c:txPr>
+        <c:crossAx val="-2076683792"/>
         <c:crosses val="autoZero"/>
         <c:crossBetween val="between"/>
         <c:majorUnit val="100.0"/>
@@ -9657,11 +10257,11 @@
         </c:dLbls>
         <c:gapWidth val="219"/>
         <c:overlap val="-27"/>
-        <c:axId val="-2146832752"/>
-        <c:axId val="-2146836624"/>
+        <c:axId val="-2071672608"/>
+        <c:axId val="-2140453152"/>
       </c:barChart>
       <c:catAx>
-        <c:axId val="-2146832752"/>
+        <c:axId val="-2071672608"/>
         <c:scaling>
           <c:orientation val="minMax"/>
         </c:scaling>
@@ -9701,7 +10301,7 @@
             <a:endParaRPr lang="en-US"/>
           </a:p>
         </c:txPr>
-        <c:crossAx val="-2146836624"/>
+        <c:crossAx val="-2140453152"/>
         <c:crosses val="autoZero"/>
         <c:auto val="1"/>
         <c:lblAlgn val="ctr"/>
@@ -9709,7 +10309,7 @@
         <c:noMultiLvlLbl val="0"/>
       </c:catAx>
       <c:valAx>
-        <c:axId val="-2146836624"/>
+        <c:axId val="-2140453152"/>
         <c:scaling>
           <c:orientation val="minMax"/>
         </c:scaling>
@@ -9842,7 +10442,7 @@
             <a:endParaRPr lang="en-US"/>
           </a:p>
         </c:txPr>
-        <c:crossAx val="-2146832752"/>
+        <c:crossAx val="-2071672608"/>
         <c:crosses val="autoZero"/>
         <c:crossBetween val="between"/>
       </c:valAx>
@@ -10446,11 +11046,11 @@
         </c:dLbls>
         <c:gapWidth val="219"/>
         <c:overlap val="-27"/>
-        <c:axId val="-2114752256"/>
-        <c:axId val="-2114755760"/>
+        <c:axId val="-2075856256"/>
+        <c:axId val="-2079703296"/>
       </c:barChart>
       <c:catAx>
-        <c:axId val="-2114752256"/>
+        <c:axId val="-2075856256"/>
         <c:scaling>
           <c:orientation val="minMax"/>
         </c:scaling>
@@ -10490,7 +11090,7 @@
             <a:endParaRPr lang="en-US"/>
           </a:p>
         </c:txPr>
-        <c:crossAx val="-2114755760"/>
+        <c:crossAx val="-2079703296"/>
         <c:crosses val="autoZero"/>
         <c:auto val="1"/>
         <c:lblAlgn val="ctr"/>
@@ -10498,7 +11098,7 @@
         <c:noMultiLvlLbl val="0"/>
       </c:catAx>
       <c:valAx>
-        <c:axId val="-2114755760"/>
+        <c:axId val="-2079703296"/>
         <c:scaling>
           <c:orientation val="minMax"/>
         </c:scaling>
@@ -10636,7 +11236,7 @@
             <a:endParaRPr lang="en-US"/>
           </a:p>
         </c:txPr>
-        <c:crossAx val="-2114752256"/>
+        <c:crossAx val="-2075856256"/>
         <c:crosses val="autoZero"/>
         <c:crossBetween val="between"/>
       </c:valAx>
@@ -11027,11 +11627,11 @@
         </c:dLbls>
         <c:gapWidth val="219"/>
         <c:overlap val="-27"/>
-        <c:axId val="-2147328320"/>
-        <c:axId val="-2147324896"/>
+        <c:axId val="2086342384"/>
+        <c:axId val="-2080173296"/>
       </c:barChart>
       <c:catAx>
-        <c:axId val="-2147328320"/>
+        <c:axId val="2086342384"/>
         <c:scaling>
           <c:orientation val="minMax"/>
         </c:scaling>
@@ -11071,7 +11671,7 @@
             <a:endParaRPr lang="en-US"/>
           </a:p>
         </c:txPr>
-        <c:crossAx val="-2147324896"/>
+        <c:crossAx val="-2080173296"/>
         <c:crosses val="autoZero"/>
         <c:auto val="1"/>
         <c:lblAlgn val="ctr"/>
@@ -11079,7 +11679,7 @@
         <c:noMultiLvlLbl val="0"/>
       </c:catAx>
       <c:valAx>
-        <c:axId val="-2147324896"/>
+        <c:axId val="-2080173296"/>
         <c:scaling>
           <c:orientation val="minMax"/>
         </c:scaling>
@@ -11209,7 +11809,7 @@
             <a:endParaRPr lang="en-US"/>
           </a:p>
         </c:txPr>
-        <c:crossAx val="-2147328320"/>
+        <c:crossAx val="2086342384"/>
         <c:crosses val="autoZero"/>
         <c:crossBetween val="between"/>
       </c:valAx>
@@ -11378,11 +11978,11 @@
         </c:dLbls>
         <c:gapWidth val="219"/>
         <c:overlap val="-27"/>
-        <c:axId val="-2118722304"/>
-        <c:axId val="-2114710064"/>
+        <c:axId val="-2140404208"/>
+        <c:axId val="-2077274192"/>
       </c:barChart>
       <c:catAx>
-        <c:axId val="-2118722304"/>
+        <c:axId val="-2140404208"/>
         <c:scaling>
           <c:orientation val="minMax"/>
         </c:scaling>
@@ -11422,7 +12022,7 @@
             <a:endParaRPr lang="en-US"/>
           </a:p>
         </c:txPr>
-        <c:crossAx val="-2114710064"/>
+        <c:crossAx val="-2077274192"/>
         <c:crosses val="autoZero"/>
         <c:auto val="1"/>
         <c:lblAlgn val="ctr"/>
@@ -11430,7 +12030,7 @@
         <c:noMultiLvlLbl val="0"/>
       </c:catAx>
       <c:valAx>
-        <c:axId val="-2114710064"/>
+        <c:axId val="-2077274192"/>
         <c:scaling>
           <c:orientation val="minMax"/>
         </c:scaling>
@@ -11560,7 +12160,7 @@
             <a:endParaRPr lang="en-US"/>
           </a:p>
         </c:txPr>
-        <c:crossAx val="-2118722304"/>
+        <c:crossAx val="-2140404208"/>
         <c:crosses val="autoZero"/>
         <c:crossBetween val="between"/>
       </c:valAx>
@@ -11870,11 +12470,11 @@
         </c:dLbls>
         <c:gapWidth val="219"/>
         <c:overlap val="100"/>
-        <c:axId val="-2118745600"/>
-        <c:axId val="-2118743536"/>
+        <c:axId val="-2141060048"/>
+        <c:axId val="-2071692384"/>
       </c:barChart>
       <c:catAx>
-        <c:axId val="-2118745600"/>
+        <c:axId val="-2141060048"/>
         <c:scaling>
           <c:orientation val="minMax"/>
         </c:scaling>
@@ -11917,7 +12517,7 @@
             <a:endParaRPr lang="en-US"/>
           </a:p>
         </c:txPr>
-        <c:crossAx val="-2118743536"/>
+        <c:crossAx val="-2071692384"/>
         <c:crosses val="autoZero"/>
         <c:auto val="1"/>
         <c:lblAlgn val="ctr"/>
@@ -11925,7 +12525,7 @@
         <c:noMultiLvlLbl val="0"/>
       </c:catAx>
       <c:valAx>
-        <c:axId val="-2118743536"/>
+        <c:axId val="-2071692384"/>
         <c:scaling>
           <c:orientation val="minMax"/>
         </c:scaling>
@@ -12036,7 +12636,7 @@
             <a:endParaRPr lang="en-US"/>
           </a:p>
         </c:txPr>
-        <c:crossAx val="-2118745600"/>
+        <c:crossAx val="-2141060048"/>
         <c:crosses val="autoZero"/>
         <c:crossBetween val="between"/>
       </c:valAx>
@@ -13105,6 +13705,86 @@
 </cs:colorStyle>
 </file>
 
+<file path=ppt/charts/colors18.xml><?xml version="1.0" encoding="utf-8"?>
+<cs:colorStyle xmlns:cs="http://schemas.microsoft.com/office/drawing/2012/chartStyle" xmlns:a="http://schemas.openxmlformats.org/drawingml/2006/main" meth="cycle" id="10">
+  <a:schemeClr val="accent1"/>
+  <a:schemeClr val="accent2"/>
+  <a:schemeClr val="accent3"/>
+  <a:schemeClr val="accent4"/>
+  <a:schemeClr val="accent5"/>
+  <a:schemeClr val="accent6"/>
+  <cs:variation/>
+  <cs:variation>
+    <a:lumMod val="60000"/>
+  </cs:variation>
+  <cs:variation>
+    <a:lumMod val="80000"/>
+    <a:lumOff val="20000"/>
+  </cs:variation>
+  <cs:variation>
+    <a:lumMod val="80000"/>
+  </cs:variation>
+  <cs:variation>
+    <a:lumMod val="60000"/>
+    <a:lumOff val="40000"/>
+  </cs:variation>
+  <cs:variation>
+    <a:lumMod val="50000"/>
+  </cs:variation>
+  <cs:variation>
+    <a:lumMod val="70000"/>
+    <a:lumOff val="30000"/>
+  </cs:variation>
+  <cs:variation>
+    <a:lumMod val="70000"/>
+  </cs:variation>
+  <cs:variation>
+    <a:lumMod val="50000"/>
+    <a:lumOff val="50000"/>
+  </cs:variation>
+</cs:colorStyle>
+</file>
+
+<file path=ppt/charts/colors19.xml><?xml version="1.0" encoding="utf-8"?>
+<cs:colorStyle xmlns:cs="http://schemas.microsoft.com/office/drawing/2012/chartStyle" xmlns:a="http://schemas.openxmlformats.org/drawingml/2006/main" meth="cycle" id="10">
+  <a:schemeClr val="accent1"/>
+  <a:schemeClr val="accent2"/>
+  <a:schemeClr val="accent3"/>
+  <a:schemeClr val="accent4"/>
+  <a:schemeClr val="accent5"/>
+  <a:schemeClr val="accent6"/>
+  <cs:variation/>
+  <cs:variation>
+    <a:lumMod val="60000"/>
+  </cs:variation>
+  <cs:variation>
+    <a:lumMod val="80000"/>
+    <a:lumOff val="20000"/>
+  </cs:variation>
+  <cs:variation>
+    <a:lumMod val="80000"/>
+  </cs:variation>
+  <cs:variation>
+    <a:lumMod val="60000"/>
+    <a:lumOff val="40000"/>
+  </cs:variation>
+  <cs:variation>
+    <a:lumMod val="50000"/>
+  </cs:variation>
+  <cs:variation>
+    <a:lumMod val="70000"/>
+    <a:lumOff val="30000"/>
+  </cs:variation>
+  <cs:variation>
+    <a:lumMod val="70000"/>
+  </cs:variation>
+  <cs:variation>
+    <a:lumMod val="50000"/>
+    <a:lumOff val="50000"/>
+  </cs:variation>
+</cs:colorStyle>
+</file>
+
 <file path=ppt/charts/colors2.xml><?xml version="1.0" encoding="utf-8"?>
 <cs:colorStyle xmlns:cs="http://schemas.microsoft.com/office/drawing/2012/chartStyle" xmlns:a="http://schemas.openxmlformats.org/drawingml/2006/main" meth="cycle" id="10">
   <a:schemeClr val="accent1"/>
@@ -17529,6 +18209,1012 @@
 </file>
 
 <file path=ppt/charts/style17.xml><?xml version="1.0" encoding="utf-8"?>
+<cs:chartStyle xmlns:cs="http://schemas.microsoft.com/office/drawing/2012/chartStyle" xmlns:a="http://schemas.openxmlformats.org/drawingml/2006/main" id="201">
+  <cs:axisTitle>
+    <cs:lnRef idx="0"/>
+    <cs:fillRef idx="0"/>
+    <cs:effectRef idx="0"/>
+    <cs:fontRef idx="minor">
+      <a:schemeClr val="tx1">
+        <a:lumMod val="65000"/>
+        <a:lumOff val="35000"/>
+      </a:schemeClr>
+    </cs:fontRef>
+    <cs:defRPr sz="1330" kern="1200"/>
+  </cs:axisTitle>
+  <cs:categoryAxis>
+    <cs:lnRef idx="0"/>
+    <cs:fillRef idx="0"/>
+    <cs:effectRef idx="0"/>
+    <cs:fontRef idx="minor">
+      <a:schemeClr val="tx1">
+        <a:lumMod val="65000"/>
+        <a:lumOff val="35000"/>
+      </a:schemeClr>
+    </cs:fontRef>
+    <cs:spPr>
+      <a:ln w="9525" cap="flat" cmpd="sng" algn="ctr">
+        <a:solidFill>
+          <a:schemeClr val="tx1">
+            <a:lumMod val="15000"/>
+            <a:lumOff val="85000"/>
+          </a:schemeClr>
+        </a:solidFill>
+        <a:round/>
+      </a:ln>
+    </cs:spPr>
+    <cs:defRPr sz="1197" kern="1200"/>
+  </cs:categoryAxis>
+  <cs:chartArea mods="allowNoFillOverride allowNoLineOverride">
+    <cs:lnRef idx="0"/>
+    <cs:fillRef idx="0"/>
+    <cs:effectRef idx="0"/>
+    <cs:fontRef idx="minor">
+      <a:schemeClr val="tx1"/>
+    </cs:fontRef>
+    <cs:spPr>
+      <a:solidFill>
+        <a:schemeClr val="bg1"/>
+      </a:solidFill>
+      <a:ln w="9525" cap="flat" cmpd="sng" algn="ctr">
+        <a:solidFill>
+          <a:schemeClr val="tx1">
+            <a:lumMod val="15000"/>
+            <a:lumOff val="85000"/>
+          </a:schemeClr>
+        </a:solidFill>
+        <a:round/>
+      </a:ln>
+    </cs:spPr>
+    <cs:defRPr sz="1330" kern="1200"/>
+  </cs:chartArea>
+  <cs:dataLabel>
+    <cs:lnRef idx="0"/>
+    <cs:fillRef idx="0"/>
+    <cs:effectRef idx="0"/>
+    <cs:fontRef idx="minor">
+      <a:schemeClr val="tx1">
+        <a:lumMod val="75000"/>
+        <a:lumOff val="25000"/>
+      </a:schemeClr>
+    </cs:fontRef>
+    <cs:defRPr sz="1197" kern="1200"/>
+  </cs:dataLabel>
+  <cs:dataLabelCallout>
+    <cs:lnRef idx="0"/>
+    <cs:fillRef idx="0"/>
+    <cs:effectRef idx="0"/>
+    <cs:fontRef idx="minor">
+      <a:schemeClr val="dk1">
+        <a:lumMod val="65000"/>
+        <a:lumOff val="35000"/>
+      </a:schemeClr>
+    </cs:fontRef>
+    <cs:spPr>
+      <a:solidFill>
+        <a:schemeClr val="lt1"/>
+      </a:solidFill>
+      <a:ln>
+        <a:solidFill>
+          <a:schemeClr val="dk1">
+            <a:lumMod val="25000"/>
+            <a:lumOff val="75000"/>
+          </a:schemeClr>
+        </a:solidFill>
+      </a:ln>
+    </cs:spPr>
+    <cs:defRPr sz="1197" kern="1200"/>
+    <cs:bodyPr rot="0" spcFirstLastPara="1" vertOverflow="clip" horzOverflow="clip" vert="horz" wrap="square" lIns="36576" tIns="18288" rIns="36576" bIns="18288" anchor="ctr" anchorCtr="1">
+      <a:spAutoFit/>
+    </cs:bodyPr>
+  </cs:dataLabelCallout>
+  <cs:dataPoint>
+    <cs:lnRef idx="0"/>
+    <cs:fillRef idx="1">
+      <cs:styleClr val="auto"/>
+    </cs:fillRef>
+    <cs:effectRef idx="0"/>
+    <cs:fontRef idx="minor">
+      <a:schemeClr val="tx1"/>
+    </cs:fontRef>
+  </cs:dataPoint>
+  <cs:dataPoint3D>
+    <cs:lnRef idx="0"/>
+    <cs:fillRef idx="1">
+      <cs:styleClr val="auto"/>
+    </cs:fillRef>
+    <cs:effectRef idx="0"/>
+    <cs:fontRef idx="minor">
+      <a:schemeClr val="tx1"/>
+    </cs:fontRef>
+  </cs:dataPoint3D>
+  <cs:dataPointLine>
+    <cs:lnRef idx="0">
+      <cs:styleClr val="auto"/>
+    </cs:lnRef>
+    <cs:fillRef idx="1"/>
+    <cs:effectRef idx="0"/>
+    <cs:fontRef idx="minor">
+      <a:schemeClr val="tx1"/>
+    </cs:fontRef>
+    <cs:spPr>
+      <a:ln w="28575" cap="rnd">
+        <a:solidFill>
+          <a:schemeClr val="phClr"/>
+        </a:solidFill>
+        <a:round/>
+      </a:ln>
+    </cs:spPr>
+  </cs:dataPointLine>
+  <cs:dataPointMarker>
+    <cs:lnRef idx="0">
+      <cs:styleClr val="auto"/>
+    </cs:lnRef>
+    <cs:fillRef idx="1">
+      <cs:styleClr val="auto"/>
+    </cs:fillRef>
+    <cs:effectRef idx="0"/>
+    <cs:fontRef idx="minor">
+      <a:schemeClr val="tx1"/>
+    </cs:fontRef>
+    <cs:spPr>
+      <a:ln w="9525">
+        <a:solidFill>
+          <a:schemeClr val="phClr"/>
+        </a:solidFill>
+      </a:ln>
+    </cs:spPr>
+  </cs:dataPointMarker>
+  <cs:dataPointMarkerLayout symbol="circle" size="5"/>
+  <cs:dataPointWireframe>
+    <cs:lnRef idx="0">
+      <cs:styleClr val="auto"/>
+    </cs:lnRef>
+    <cs:fillRef idx="1"/>
+    <cs:effectRef idx="0"/>
+    <cs:fontRef idx="minor">
+      <a:schemeClr val="tx1"/>
+    </cs:fontRef>
+    <cs:spPr>
+      <a:ln w="9525" cap="rnd">
+        <a:solidFill>
+          <a:schemeClr val="phClr"/>
+        </a:solidFill>
+        <a:round/>
+      </a:ln>
+    </cs:spPr>
+  </cs:dataPointWireframe>
+  <cs:dataTable>
+    <cs:lnRef idx="0"/>
+    <cs:fillRef idx="0"/>
+    <cs:effectRef idx="0"/>
+    <cs:fontRef idx="minor">
+      <a:schemeClr val="tx1">
+        <a:lumMod val="65000"/>
+        <a:lumOff val="35000"/>
+      </a:schemeClr>
+    </cs:fontRef>
+    <cs:spPr>
+      <a:noFill/>
+      <a:ln w="9525" cap="flat" cmpd="sng" algn="ctr">
+        <a:solidFill>
+          <a:schemeClr val="tx1">
+            <a:lumMod val="15000"/>
+            <a:lumOff val="85000"/>
+          </a:schemeClr>
+        </a:solidFill>
+        <a:round/>
+      </a:ln>
+    </cs:spPr>
+    <cs:defRPr sz="1197" kern="1200"/>
+  </cs:dataTable>
+  <cs:downBar>
+    <cs:lnRef idx="0"/>
+    <cs:fillRef idx="0"/>
+    <cs:effectRef idx="0"/>
+    <cs:fontRef idx="minor">
+      <a:schemeClr val="dk1"/>
+    </cs:fontRef>
+    <cs:spPr>
+      <a:solidFill>
+        <a:schemeClr val="dk1">
+          <a:lumMod val="65000"/>
+          <a:lumOff val="35000"/>
+        </a:schemeClr>
+      </a:solidFill>
+      <a:ln w="9525">
+        <a:solidFill>
+          <a:schemeClr val="tx1">
+            <a:lumMod val="65000"/>
+            <a:lumOff val="35000"/>
+          </a:schemeClr>
+        </a:solidFill>
+      </a:ln>
+    </cs:spPr>
+  </cs:downBar>
+  <cs:dropLine>
+    <cs:lnRef idx="0"/>
+    <cs:fillRef idx="0"/>
+    <cs:effectRef idx="0"/>
+    <cs:fontRef idx="minor">
+      <a:schemeClr val="tx1"/>
+    </cs:fontRef>
+    <cs:spPr>
+      <a:ln w="9525" cap="flat" cmpd="sng" algn="ctr">
+        <a:solidFill>
+          <a:schemeClr val="tx1">
+            <a:lumMod val="35000"/>
+            <a:lumOff val="65000"/>
+          </a:schemeClr>
+        </a:solidFill>
+        <a:round/>
+      </a:ln>
+    </cs:spPr>
+  </cs:dropLine>
+  <cs:errorBar>
+    <cs:lnRef idx="0"/>
+    <cs:fillRef idx="0"/>
+    <cs:effectRef idx="0"/>
+    <cs:fontRef idx="minor">
+      <a:schemeClr val="tx1"/>
+    </cs:fontRef>
+    <cs:spPr>
+      <a:ln w="9525" cap="flat" cmpd="sng" algn="ctr">
+        <a:solidFill>
+          <a:schemeClr val="tx1">
+            <a:lumMod val="65000"/>
+            <a:lumOff val="35000"/>
+          </a:schemeClr>
+        </a:solidFill>
+        <a:round/>
+      </a:ln>
+    </cs:spPr>
+  </cs:errorBar>
+  <cs:floor>
+    <cs:lnRef idx="0"/>
+    <cs:fillRef idx="0"/>
+    <cs:effectRef idx="0"/>
+    <cs:fontRef idx="minor">
+      <a:schemeClr val="tx1"/>
+    </cs:fontRef>
+    <cs:spPr>
+      <a:noFill/>
+      <a:ln>
+        <a:noFill/>
+      </a:ln>
+    </cs:spPr>
+  </cs:floor>
+  <cs:gridlineMajor>
+    <cs:lnRef idx="0"/>
+    <cs:fillRef idx="0"/>
+    <cs:effectRef idx="0"/>
+    <cs:fontRef idx="minor">
+      <a:schemeClr val="tx1"/>
+    </cs:fontRef>
+    <cs:spPr>
+      <a:ln w="9525" cap="flat" cmpd="sng" algn="ctr">
+        <a:solidFill>
+          <a:schemeClr val="tx1">
+            <a:lumMod val="15000"/>
+            <a:lumOff val="85000"/>
+          </a:schemeClr>
+        </a:solidFill>
+        <a:round/>
+      </a:ln>
+    </cs:spPr>
+  </cs:gridlineMajor>
+  <cs:gridlineMinor>
+    <cs:lnRef idx="0"/>
+    <cs:fillRef idx="0"/>
+    <cs:effectRef idx="0"/>
+    <cs:fontRef idx="minor">
+      <a:schemeClr val="tx1"/>
+    </cs:fontRef>
+    <cs:spPr>
+      <a:ln w="9525" cap="flat" cmpd="sng" algn="ctr">
+        <a:solidFill>
+          <a:schemeClr val="tx1">
+            <a:lumMod val="5000"/>
+            <a:lumOff val="95000"/>
+          </a:schemeClr>
+        </a:solidFill>
+        <a:round/>
+      </a:ln>
+    </cs:spPr>
+  </cs:gridlineMinor>
+  <cs:hiLoLine>
+    <cs:lnRef idx="0"/>
+    <cs:fillRef idx="0"/>
+    <cs:effectRef idx="0"/>
+    <cs:fontRef idx="minor">
+      <a:schemeClr val="tx1"/>
+    </cs:fontRef>
+    <cs:spPr>
+      <a:ln w="9525" cap="flat" cmpd="sng" algn="ctr">
+        <a:solidFill>
+          <a:schemeClr val="tx1">
+            <a:lumMod val="75000"/>
+            <a:lumOff val="25000"/>
+          </a:schemeClr>
+        </a:solidFill>
+        <a:round/>
+      </a:ln>
+    </cs:spPr>
+  </cs:hiLoLine>
+  <cs:leaderLine>
+    <cs:lnRef idx="0"/>
+    <cs:fillRef idx="0"/>
+    <cs:effectRef idx="0"/>
+    <cs:fontRef idx="minor">
+      <a:schemeClr val="tx1"/>
+    </cs:fontRef>
+    <cs:spPr>
+      <a:ln w="9525" cap="flat" cmpd="sng" algn="ctr">
+        <a:solidFill>
+          <a:schemeClr val="tx1">
+            <a:lumMod val="35000"/>
+            <a:lumOff val="65000"/>
+          </a:schemeClr>
+        </a:solidFill>
+        <a:round/>
+      </a:ln>
+    </cs:spPr>
+  </cs:leaderLine>
+  <cs:legend>
+    <cs:lnRef idx="0"/>
+    <cs:fillRef idx="0"/>
+    <cs:effectRef idx="0"/>
+    <cs:fontRef idx="minor">
+      <a:schemeClr val="tx1">
+        <a:lumMod val="65000"/>
+        <a:lumOff val="35000"/>
+      </a:schemeClr>
+    </cs:fontRef>
+    <cs:defRPr sz="1197" kern="1200"/>
+  </cs:legend>
+  <cs:plotArea mods="allowNoFillOverride allowNoLineOverride">
+    <cs:lnRef idx="0"/>
+    <cs:fillRef idx="0"/>
+    <cs:effectRef idx="0"/>
+    <cs:fontRef idx="minor">
+      <a:schemeClr val="tx1"/>
+    </cs:fontRef>
+  </cs:plotArea>
+  <cs:plotArea3D mods="allowNoFillOverride allowNoLineOverride">
+    <cs:lnRef idx="0"/>
+    <cs:fillRef idx="0"/>
+    <cs:effectRef idx="0"/>
+    <cs:fontRef idx="minor">
+      <a:schemeClr val="tx1"/>
+    </cs:fontRef>
+  </cs:plotArea3D>
+  <cs:seriesAxis>
+    <cs:lnRef idx="0"/>
+    <cs:fillRef idx="0"/>
+    <cs:effectRef idx="0"/>
+    <cs:fontRef idx="minor">
+      <a:schemeClr val="tx1">
+        <a:lumMod val="65000"/>
+        <a:lumOff val="35000"/>
+      </a:schemeClr>
+    </cs:fontRef>
+    <cs:defRPr sz="1197" kern="1200"/>
+  </cs:seriesAxis>
+  <cs:seriesLine>
+    <cs:lnRef idx="0"/>
+    <cs:fillRef idx="0"/>
+    <cs:effectRef idx="0"/>
+    <cs:fontRef idx="minor">
+      <a:schemeClr val="tx1"/>
+    </cs:fontRef>
+    <cs:spPr>
+      <a:ln w="9525" cap="flat" cmpd="sng" algn="ctr">
+        <a:solidFill>
+          <a:schemeClr val="tx1">
+            <a:lumMod val="35000"/>
+            <a:lumOff val="65000"/>
+          </a:schemeClr>
+        </a:solidFill>
+        <a:round/>
+      </a:ln>
+    </cs:spPr>
+  </cs:seriesLine>
+  <cs:title>
+    <cs:lnRef idx="0"/>
+    <cs:fillRef idx="0"/>
+    <cs:effectRef idx="0"/>
+    <cs:fontRef idx="minor">
+      <a:schemeClr val="tx1">
+        <a:lumMod val="65000"/>
+        <a:lumOff val="35000"/>
+      </a:schemeClr>
+    </cs:fontRef>
+    <cs:defRPr sz="1862" b="0" kern="1200" spc="0" baseline="0"/>
+  </cs:title>
+  <cs:trendline>
+    <cs:lnRef idx="0">
+      <cs:styleClr val="auto"/>
+    </cs:lnRef>
+    <cs:fillRef idx="0"/>
+    <cs:effectRef idx="0"/>
+    <cs:fontRef idx="minor">
+      <a:schemeClr val="tx1"/>
+    </cs:fontRef>
+    <cs:spPr>
+      <a:ln w="19050" cap="rnd">
+        <a:solidFill>
+          <a:schemeClr val="phClr"/>
+        </a:solidFill>
+        <a:prstDash val="sysDot"/>
+      </a:ln>
+    </cs:spPr>
+  </cs:trendline>
+  <cs:trendlineLabel>
+    <cs:lnRef idx="0"/>
+    <cs:fillRef idx="0"/>
+    <cs:effectRef idx="0"/>
+    <cs:fontRef idx="minor">
+      <a:schemeClr val="tx1">
+        <a:lumMod val="65000"/>
+        <a:lumOff val="35000"/>
+      </a:schemeClr>
+    </cs:fontRef>
+    <cs:defRPr sz="1197" kern="1200"/>
+  </cs:trendlineLabel>
+  <cs:upBar>
+    <cs:lnRef idx="0"/>
+    <cs:fillRef idx="0"/>
+    <cs:effectRef idx="0"/>
+    <cs:fontRef idx="minor">
+      <a:schemeClr val="dk1"/>
+    </cs:fontRef>
+    <cs:spPr>
+      <a:solidFill>
+        <a:schemeClr val="lt1"/>
+      </a:solidFill>
+      <a:ln w="9525">
+        <a:solidFill>
+          <a:schemeClr val="tx1">
+            <a:lumMod val="15000"/>
+            <a:lumOff val="85000"/>
+          </a:schemeClr>
+        </a:solidFill>
+      </a:ln>
+    </cs:spPr>
+  </cs:upBar>
+  <cs:valueAxis>
+    <cs:lnRef idx="0"/>
+    <cs:fillRef idx="0"/>
+    <cs:effectRef idx="0"/>
+    <cs:fontRef idx="minor">
+      <a:schemeClr val="tx1">
+        <a:lumMod val="65000"/>
+        <a:lumOff val="35000"/>
+      </a:schemeClr>
+    </cs:fontRef>
+    <cs:defRPr sz="1197" kern="1200"/>
+  </cs:valueAxis>
+  <cs:wall>
+    <cs:lnRef idx="0"/>
+    <cs:fillRef idx="0"/>
+    <cs:effectRef idx="0"/>
+    <cs:fontRef idx="minor">
+      <a:schemeClr val="tx1"/>
+    </cs:fontRef>
+    <cs:spPr>
+      <a:noFill/>
+      <a:ln>
+        <a:noFill/>
+      </a:ln>
+    </cs:spPr>
+  </cs:wall>
+</cs:chartStyle>
+</file>
+
+<file path=ppt/charts/style18.xml><?xml version="1.0" encoding="utf-8"?>
+<cs:chartStyle xmlns:cs="http://schemas.microsoft.com/office/drawing/2012/chartStyle" xmlns:a="http://schemas.openxmlformats.org/drawingml/2006/main" id="201">
+  <cs:axisTitle>
+    <cs:lnRef idx="0"/>
+    <cs:fillRef idx="0"/>
+    <cs:effectRef idx="0"/>
+    <cs:fontRef idx="minor">
+      <a:schemeClr val="tx1">
+        <a:lumMod val="65000"/>
+        <a:lumOff val="35000"/>
+      </a:schemeClr>
+    </cs:fontRef>
+    <cs:defRPr sz="1330" kern="1200"/>
+  </cs:axisTitle>
+  <cs:categoryAxis>
+    <cs:lnRef idx="0"/>
+    <cs:fillRef idx="0"/>
+    <cs:effectRef idx="0"/>
+    <cs:fontRef idx="minor">
+      <a:schemeClr val="tx1">
+        <a:lumMod val="65000"/>
+        <a:lumOff val="35000"/>
+      </a:schemeClr>
+    </cs:fontRef>
+    <cs:spPr>
+      <a:ln w="9525" cap="flat" cmpd="sng" algn="ctr">
+        <a:solidFill>
+          <a:schemeClr val="tx1">
+            <a:lumMod val="15000"/>
+            <a:lumOff val="85000"/>
+          </a:schemeClr>
+        </a:solidFill>
+        <a:round/>
+      </a:ln>
+    </cs:spPr>
+    <cs:defRPr sz="1197" kern="1200"/>
+  </cs:categoryAxis>
+  <cs:chartArea mods="allowNoFillOverride allowNoLineOverride">
+    <cs:lnRef idx="0"/>
+    <cs:fillRef idx="0"/>
+    <cs:effectRef idx="0"/>
+    <cs:fontRef idx="minor">
+      <a:schemeClr val="tx1"/>
+    </cs:fontRef>
+    <cs:spPr>
+      <a:solidFill>
+        <a:schemeClr val="bg1"/>
+      </a:solidFill>
+      <a:ln w="9525" cap="flat" cmpd="sng" algn="ctr">
+        <a:solidFill>
+          <a:schemeClr val="tx1">
+            <a:lumMod val="15000"/>
+            <a:lumOff val="85000"/>
+          </a:schemeClr>
+        </a:solidFill>
+        <a:round/>
+      </a:ln>
+    </cs:spPr>
+    <cs:defRPr sz="1330" kern="1200"/>
+  </cs:chartArea>
+  <cs:dataLabel>
+    <cs:lnRef idx="0"/>
+    <cs:fillRef idx="0"/>
+    <cs:effectRef idx="0"/>
+    <cs:fontRef idx="minor">
+      <a:schemeClr val="tx1">
+        <a:lumMod val="75000"/>
+        <a:lumOff val="25000"/>
+      </a:schemeClr>
+    </cs:fontRef>
+    <cs:defRPr sz="1197" kern="1200"/>
+  </cs:dataLabel>
+  <cs:dataLabelCallout>
+    <cs:lnRef idx="0"/>
+    <cs:fillRef idx="0"/>
+    <cs:effectRef idx="0"/>
+    <cs:fontRef idx="minor">
+      <a:schemeClr val="dk1">
+        <a:lumMod val="65000"/>
+        <a:lumOff val="35000"/>
+      </a:schemeClr>
+    </cs:fontRef>
+    <cs:spPr>
+      <a:solidFill>
+        <a:schemeClr val="lt1"/>
+      </a:solidFill>
+      <a:ln>
+        <a:solidFill>
+          <a:schemeClr val="dk1">
+            <a:lumMod val="25000"/>
+            <a:lumOff val="75000"/>
+          </a:schemeClr>
+        </a:solidFill>
+      </a:ln>
+    </cs:spPr>
+    <cs:defRPr sz="1197" kern="1200"/>
+    <cs:bodyPr rot="0" spcFirstLastPara="1" vertOverflow="clip" horzOverflow="clip" vert="horz" wrap="square" lIns="36576" tIns="18288" rIns="36576" bIns="18288" anchor="ctr" anchorCtr="1">
+      <a:spAutoFit/>
+    </cs:bodyPr>
+  </cs:dataLabelCallout>
+  <cs:dataPoint>
+    <cs:lnRef idx="0"/>
+    <cs:fillRef idx="1">
+      <cs:styleClr val="auto"/>
+    </cs:fillRef>
+    <cs:effectRef idx="0"/>
+    <cs:fontRef idx="minor">
+      <a:schemeClr val="tx1"/>
+    </cs:fontRef>
+  </cs:dataPoint>
+  <cs:dataPoint3D>
+    <cs:lnRef idx="0"/>
+    <cs:fillRef idx="1">
+      <cs:styleClr val="auto"/>
+    </cs:fillRef>
+    <cs:effectRef idx="0"/>
+    <cs:fontRef idx="minor">
+      <a:schemeClr val="tx1"/>
+    </cs:fontRef>
+  </cs:dataPoint3D>
+  <cs:dataPointLine>
+    <cs:lnRef idx="0">
+      <cs:styleClr val="auto"/>
+    </cs:lnRef>
+    <cs:fillRef idx="1"/>
+    <cs:effectRef idx="0"/>
+    <cs:fontRef idx="minor">
+      <a:schemeClr val="tx1"/>
+    </cs:fontRef>
+    <cs:spPr>
+      <a:ln w="28575" cap="rnd">
+        <a:solidFill>
+          <a:schemeClr val="phClr"/>
+        </a:solidFill>
+        <a:round/>
+      </a:ln>
+    </cs:spPr>
+  </cs:dataPointLine>
+  <cs:dataPointMarker>
+    <cs:lnRef idx="0">
+      <cs:styleClr val="auto"/>
+    </cs:lnRef>
+    <cs:fillRef idx="1">
+      <cs:styleClr val="auto"/>
+    </cs:fillRef>
+    <cs:effectRef idx="0"/>
+    <cs:fontRef idx="minor">
+      <a:schemeClr val="tx1"/>
+    </cs:fontRef>
+    <cs:spPr>
+      <a:ln w="9525">
+        <a:solidFill>
+          <a:schemeClr val="phClr"/>
+        </a:solidFill>
+      </a:ln>
+    </cs:spPr>
+  </cs:dataPointMarker>
+  <cs:dataPointMarkerLayout symbol="circle" size="5"/>
+  <cs:dataPointWireframe>
+    <cs:lnRef idx="0">
+      <cs:styleClr val="auto"/>
+    </cs:lnRef>
+    <cs:fillRef idx="1"/>
+    <cs:effectRef idx="0"/>
+    <cs:fontRef idx="minor">
+      <a:schemeClr val="tx1"/>
+    </cs:fontRef>
+    <cs:spPr>
+      <a:ln w="9525" cap="rnd">
+        <a:solidFill>
+          <a:schemeClr val="phClr"/>
+        </a:solidFill>
+        <a:round/>
+      </a:ln>
+    </cs:spPr>
+  </cs:dataPointWireframe>
+  <cs:dataTable>
+    <cs:lnRef idx="0"/>
+    <cs:fillRef idx="0"/>
+    <cs:effectRef idx="0"/>
+    <cs:fontRef idx="minor">
+      <a:schemeClr val="tx1">
+        <a:lumMod val="65000"/>
+        <a:lumOff val="35000"/>
+      </a:schemeClr>
+    </cs:fontRef>
+    <cs:spPr>
+      <a:noFill/>
+      <a:ln w="9525" cap="flat" cmpd="sng" algn="ctr">
+        <a:solidFill>
+          <a:schemeClr val="tx1">
+            <a:lumMod val="15000"/>
+            <a:lumOff val="85000"/>
+          </a:schemeClr>
+        </a:solidFill>
+        <a:round/>
+      </a:ln>
+    </cs:spPr>
+    <cs:defRPr sz="1197" kern="1200"/>
+  </cs:dataTable>
+  <cs:downBar>
+    <cs:lnRef idx="0"/>
+    <cs:fillRef idx="0"/>
+    <cs:effectRef idx="0"/>
+    <cs:fontRef idx="minor">
+      <a:schemeClr val="dk1"/>
+    </cs:fontRef>
+    <cs:spPr>
+      <a:solidFill>
+        <a:schemeClr val="dk1">
+          <a:lumMod val="65000"/>
+          <a:lumOff val="35000"/>
+        </a:schemeClr>
+      </a:solidFill>
+      <a:ln w="9525">
+        <a:solidFill>
+          <a:schemeClr val="tx1">
+            <a:lumMod val="65000"/>
+            <a:lumOff val="35000"/>
+          </a:schemeClr>
+        </a:solidFill>
+      </a:ln>
+    </cs:spPr>
+  </cs:downBar>
+  <cs:dropLine>
+    <cs:lnRef idx="0"/>
+    <cs:fillRef idx="0"/>
+    <cs:effectRef idx="0"/>
+    <cs:fontRef idx="minor">
+      <a:schemeClr val="tx1"/>
+    </cs:fontRef>
+    <cs:spPr>
+      <a:ln w="9525" cap="flat" cmpd="sng" algn="ctr">
+        <a:solidFill>
+          <a:schemeClr val="tx1">
+            <a:lumMod val="35000"/>
+            <a:lumOff val="65000"/>
+          </a:schemeClr>
+        </a:solidFill>
+        <a:round/>
+      </a:ln>
+    </cs:spPr>
+  </cs:dropLine>
+  <cs:errorBar>
+    <cs:lnRef idx="0"/>
+    <cs:fillRef idx="0"/>
+    <cs:effectRef idx="0"/>
+    <cs:fontRef idx="minor">
+      <a:schemeClr val="tx1"/>
+    </cs:fontRef>
+    <cs:spPr>
+      <a:ln w="9525" cap="flat" cmpd="sng" algn="ctr">
+        <a:solidFill>
+          <a:schemeClr val="tx1">
+            <a:lumMod val="65000"/>
+            <a:lumOff val="35000"/>
+          </a:schemeClr>
+        </a:solidFill>
+        <a:round/>
+      </a:ln>
+    </cs:spPr>
+  </cs:errorBar>
+  <cs:floor>
+    <cs:lnRef idx="0"/>
+    <cs:fillRef idx="0"/>
+    <cs:effectRef idx="0"/>
+    <cs:fontRef idx="minor">
+      <a:schemeClr val="tx1"/>
+    </cs:fontRef>
+    <cs:spPr>
+      <a:noFill/>
+      <a:ln>
+        <a:noFill/>
+      </a:ln>
+    </cs:spPr>
+  </cs:floor>
+  <cs:gridlineMajor>
+    <cs:lnRef idx="0"/>
+    <cs:fillRef idx="0"/>
+    <cs:effectRef idx="0"/>
+    <cs:fontRef idx="minor">
+      <a:schemeClr val="tx1"/>
+    </cs:fontRef>
+    <cs:spPr>
+      <a:ln w="9525" cap="flat" cmpd="sng" algn="ctr">
+        <a:solidFill>
+          <a:schemeClr val="tx1">
+            <a:lumMod val="15000"/>
+            <a:lumOff val="85000"/>
+          </a:schemeClr>
+        </a:solidFill>
+        <a:round/>
+      </a:ln>
+    </cs:spPr>
+  </cs:gridlineMajor>
+  <cs:gridlineMinor>
+    <cs:lnRef idx="0"/>
+    <cs:fillRef idx="0"/>
+    <cs:effectRef idx="0"/>
+    <cs:fontRef idx="minor">
+      <a:schemeClr val="tx1"/>
+    </cs:fontRef>
+    <cs:spPr>
+      <a:ln w="9525" cap="flat" cmpd="sng" algn="ctr">
+        <a:solidFill>
+          <a:schemeClr val="tx1">
+            <a:lumMod val="5000"/>
+            <a:lumOff val="95000"/>
+          </a:schemeClr>
+        </a:solidFill>
+        <a:round/>
+      </a:ln>
+    </cs:spPr>
+  </cs:gridlineMinor>
+  <cs:hiLoLine>
+    <cs:lnRef idx="0"/>
+    <cs:fillRef idx="0"/>
+    <cs:effectRef idx="0"/>
+    <cs:fontRef idx="minor">
+      <a:schemeClr val="tx1"/>
+    </cs:fontRef>
+    <cs:spPr>
+      <a:ln w="9525" cap="flat" cmpd="sng" algn="ctr">
+        <a:solidFill>
+          <a:schemeClr val="tx1">
+            <a:lumMod val="75000"/>
+            <a:lumOff val="25000"/>
+          </a:schemeClr>
+        </a:solidFill>
+        <a:round/>
+      </a:ln>
+    </cs:spPr>
+  </cs:hiLoLine>
+  <cs:leaderLine>
+    <cs:lnRef idx="0"/>
+    <cs:fillRef idx="0"/>
+    <cs:effectRef idx="0"/>
+    <cs:fontRef idx="minor">
+      <a:schemeClr val="tx1"/>
+    </cs:fontRef>
+    <cs:spPr>
+      <a:ln w="9525" cap="flat" cmpd="sng" algn="ctr">
+        <a:solidFill>
+          <a:schemeClr val="tx1">
+            <a:lumMod val="35000"/>
+            <a:lumOff val="65000"/>
+          </a:schemeClr>
+        </a:solidFill>
+        <a:round/>
+      </a:ln>
+    </cs:spPr>
+  </cs:leaderLine>
+  <cs:legend>
+    <cs:lnRef idx="0"/>
+    <cs:fillRef idx="0"/>
+    <cs:effectRef idx="0"/>
+    <cs:fontRef idx="minor">
+      <a:schemeClr val="tx1">
+        <a:lumMod val="65000"/>
+        <a:lumOff val="35000"/>
+      </a:schemeClr>
+    </cs:fontRef>
+    <cs:defRPr sz="1197" kern="1200"/>
+  </cs:legend>
+  <cs:plotArea mods="allowNoFillOverride allowNoLineOverride">
+    <cs:lnRef idx="0"/>
+    <cs:fillRef idx="0"/>
+    <cs:effectRef idx="0"/>
+    <cs:fontRef idx="minor">
+      <a:schemeClr val="tx1"/>
+    </cs:fontRef>
+  </cs:plotArea>
+  <cs:plotArea3D mods="allowNoFillOverride allowNoLineOverride">
+    <cs:lnRef idx="0"/>
+    <cs:fillRef idx="0"/>
+    <cs:effectRef idx="0"/>
+    <cs:fontRef idx="minor">
+      <a:schemeClr val="tx1"/>
+    </cs:fontRef>
+  </cs:plotArea3D>
+  <cs:seriesAxis>
+    <cs:lnRef idx="0"/>
+    <cs:fillRef idx="0"/>
+    <cs:effectRef idx="0"/>
+    <cs:fontRef idx="minor">
+      <a:schemeClr val="tx1">
+        <a:lumMod val="65000"/>
+        <a:lumOff val="35000"/>
+      </a:schemeClr>
+    </cs:fontRef>
+    <cs:defRPr sz="1197" kern="1200"/>
+  </cs:seriesAxis>
+  <cs:seriesLine>
+    <cs:lnRef idx="0"/>
+    <cs:fillRef idx="0"/>
+    <cs:effectRef idx="0"/>
+    <cs:fontRef idx="minor">
+      <a:schemeClr val="tx1"/>
+    </cs:fontRef>
+    <cs:spPr>
+      <a:ln w="9525" cap="flat" cmpd="sng" algn="ctr">
+        <a:solidFill>
+          <a:schemeClr val="tx1">
+            <a:lumMod val="35000"/>
+            <a:lumOff val="65000"/>
+          </a:schemeClr>
+        </a:solidFill>
+        <a:round/>
+      </a:ln>
+    </cs:spPr>
+  </cs:seriesLine>
+  <cs:title>
+    <cs:lnRef idx="0"/>
+    <cs:fillRef idx="0"/>
+    <cs:effectRef idx="0"/>
+    <cs:fontRef idx="minor">
+      <a:schemeClr val="tx1">
+        <a:lumMod val="65000"/>
+        <a:lumOff val="35000"/>
+      </a:schemeClr>
+    </cs:fontRef>
+    <cs:defRPr sz="1862" b="0" kern="1200" spc="0" baseline="0"/>
+  </cs:title>
+  <cs:trendline>
+    <cs:lnRef idx="0">
+      <cs:styleClr val="auto"/>
+    </cs:lnRef>
+    <cs:fillRef idx="0"/>
+    <cs:effectRef idx="0"/>
+    <cs:fontRef idx="minor">
+      <a:schemeClr val="tx1"/>
+    </cs:fontRef>
+    <cs:spPr>
+      <a:ln w="19050" cap="rnd">
+        <a:solidFill>
+          <a:schemeClr val="phClr"/>
+        </a:solidFill>
+        <a:prstDash val="sysDot"/>
+      </a:ln>
+    </cs:spPr>
+  </cs:trendline>
+  <cs:trendlineLabel>
+    <cs:lnRef idx="0"/>
+    <cs:fillRef idx="0"/>
+    <cs:effectRef idx="0"/>
+    <cs:fontRef idx="minor">
+      <a:schemeClr val="tx1">
+        <a:lumMod val="65000"/>
+        <a:lumOff val="35000"/>
+      </a:schemeClr>
+    </cs:fontRef>
+    <cs:defRPr sz="1197" kern="1200"/>
+  </cs:trendlineLabel>
+  <cs:upBar>
+    <cs:lnRef idx="0"/>
+    <cs:fillRef idx="0"/>
+    <cs:effectRef idx="0"/>
+    <cs:fontRef idx="minor">
+      <a:schemeClr val="dk1"/>
+    </cs:fontRef>
+    <cs:spPr>
+      <a:solidFill>
+        <a:schemeClr val="lt1"/>
+      </a:solidFill>
+      <a:ln w="9525">
+        <a:solidFill>
+          <a:schemeClr val="tx1">
+            <a:lumMod val="15000"/>
+            <a:lumOff val="85000"/>
+          </a:schemeClr>
+        </a:solidFill>
+      </a:ln>
+    </cs:spPr>
+  </cs:upBar>
+  <cs:valueAxis>
+    <cs:lnRef idx="0"/>
+    <cs:fillRef idx="0"/>
+    <cs:effectRef idx="0"/>
+    <cs:fontRef idx="minor">
+      <a:schemeClr val="tx1">
+        <a:lumMod val="65000"/>
+        <a:lumOff val="35000"/>
+      </a:schemeClr>
+    </cs:fontRef>
+    <cs:defRPr sz="1197" kern="1200"/>
+  </cs:valueAxis>
+  <cs:wall>
+    <cs:lnRef idx="0"/>
+    <cs:fillRef idx="0"/>
+    <cs:effectRef idx="0"/>
+    <cs:fontRef idx="minor">
+      <a:schemeClr val="tx1"/>
+    </cs:fontRef>
+    <cs:spPr>
+      <a:noFill/>
+      <a:ln>
+        <a:noFill/>
+      </a:ln>
+    </cs:spPr>
+  </cs:wall>
+</cs:chartStyle>
+</file>
+
+<file path=ppt/charts/style19.xml><?xml version="1.0" encoding="utf-8"?>
 <cs:chartStyle xmlns:cs="http://schemas.microsoft.com/office/drawing/2012/chartStyle" xmlns:a="http://schemas.openxmlformats.org/drawingml/2006/main" id="201">
   <cs:axisTitle>
     <cs:lnRef idx="0"/>
@@ -23869,6 +25555,10 @@
           <a:bodyPr/>
           <a:lstStyle/>
           <a:p>
+            <a:r>
+              <a:rPr lang="en-US" dirty="0" smtClean="0"/>
+              <a:t>Sensitivity</a:t>
+            </a:r>
             <a:endParaRPr lang="en-US" baseline="0" dirty="0" smtClean="0"/>
           </a:p>
         </p:txBody>
@@ -23891,6 +25581,95 @@
             <a:fld id="{CBB4D0D9-A80C-8E44-A98C-B80FACCCE6B7}" type="slidenum">
               <a:rPr lang="en-US" smtClean="0"/>
               <a:t>22</a:t>
+            </a:fld>
+            <a:endParaRPr lang="en-US"/>
+          </a:p>
+        </p:txBody>
+      </p:sp>
+    </p:spTree>
+    <p:extLst>
+      <p:ext uri="{BB962C8B-B14F-4D97-AF65-F5344CB8AC3E}">
+        <p14:creationId xmlns:p14="http://schemas.microsoft.com/office/powerpoint/2010/main" val="198831073"/>
+      </p:ext>
+    </p:extLst>
+  </p:cSld>
+  <p:clrMapOvr>
+    <a:masterClrMapping/>
+  </p:clrMapOvr>
+</p:notes>
+</file>
+
+<file path=ppt/notesSlides/notesSlide23.xml><?xml version="1.0" encoding="utf-8"?>
+<p:notes xmlns:a="http://schemas.openxmlformats.org/drawingml/2006/main" xmlns:r="http://schemas.openxmlformats.org/officeDocument/2006/relationships" xmlns:p="http://schemas.openxmlformats.org/presentationml/2006/main">
+  <p:cSld>
+    <p:spTree>
+      <p:nvGrpSpPr>
+        <p:cNvPr id="1" name=""/>
+        <p:cNvGrpSpPr/>
+        <p:nvPr/>
+      </p:nvGrpSpPr>
+      <p:grpSpPr>
+        <a:xfrm>
+          <a:off x="0" y="0"/>
+          <a:ext cx="0" cy="0"/>
+          <a:chOff x="0" y="0"/>
+          <a:chExt cx="0" cy="0"/>
+        </a:xfrm>
+      </p:grpSpPr>
+      <p:sp>
+        <p:nvSpPr>
+          <p:cNvPr id="2" name="Slide Image Placeholder 1"/>
+          <p:cNvSpPr>
+            <a:spLocks noGrp="1" noRot="1" noChangeAspect="1"/>
+          </p:cNvSpPr>
+          <p:nvPr>
+            <p:ph type="sldImg"/>
+          </p:nvPr>
+        </p:nvSpPr>
+        <p:spPr>
+          <a:xfrm>
+            <a:off x="1200150" y="1143000"/>
+            <a:ext cx="4457700" cy="3086100"/>
+          </a:xfrm>
+        </p:spPr>
+      </p:sp>
+      <p:sp>
+        <p:nvSpPr>
+          <p:cNvPr id="3" name="Notes Placeholder 2"/>
+          <p:cNvSpPr>
+            <a:spLocks noGrp="1"/>
+          </p:cNvSpPr>
+          <p:nvPr>
+            <p:ph type="body" idx="1"/>
+          </p:nvPr>
+        </p:nvSpPr>
+        <p:spPr/>
+        <p:txBody>
+          <a:bodyPr/>
+          <a:lstStyle/>
+          <a:p>
+            <a:endParaRPr lang="en-US" baseline="0" dirty="0" smtClean="0"/>
+          </a:p>
+        </p:txBody>
+      </p:sp>
+      <p:sp>
+        <p:nvSpPr>
+          <p:cNvPr id="4" name="Slide Number Placeholder 3"/>
+          <p:cNvSpPr>
+            <a:spLocks noGrp="1"/>
+          </p:cNvSpPr>
+          <p:nvPr>
+            <p:ph type="sldNum" sz="quarter" idx="10"/>
+          </p:nvPr>
+        </p:nvSpPr>
+        <p:spPr/>
+        <p:txBody>
+          <a:bodyPr/>
+          <a:lstStyle/>
+          <a:p>
+            <a:fld id="{CBB4D0D9-A80C-8E44-A98C-B80FACCCE6B7}" type="slidenum">
+              <a:rPr lang="en-US" smtClean="0"/>
+              <a:t>23</a:t>
             </a:fld>
             <a:endParaRPr lang="en-US"/>
           </a:p>
@@ -30721,6 +32500,497 @@
       </p:grpSpPr>
       <p:sp>
         <p:nvSpPr>
+          <p:cNvPr id="3" name="TextBox 2"/>
+          <p:cNvSpPr txBox="1"/>
+          <p:nvPr/>
+        </p:nvSpPr>
+        <p:spPr>
+          <a:xfrm>
+            <a:off x="9746166" y="2709746"/>
+            <a:ext cx="184731" cy="369332"/>
+          </a:xfrm>
+          <a:prstGeom prst="rect">
+            <a:avLst/>
+          </a:prstGeom>
+          <a:noFill/>
+        </p:spPr>
+        <p:txBody>
+          <a:bodyPr wrap="none" rtlCol="0">
+            <a:spAutoFit/>
+          </a:bodyPr>
+          <a:lstStyle/>
+          <a:p>
+            <a:endParaRPr lang="en-US" dirty="0"/>
+          </a:p>
+        </p:txBody>
+      </p:sp>
+      <p:graphicFrame>
+        <p:nvGraphicFramePr>
+          <p:cNvPr id="4" name="Chart 3"/>
+          <p:cNvGraphicFramePr/>
+          <p:nvPr>
+            <p:extLst>
+              <p:ext uri="{D42A27DB-BD31-4B8C-83A1-F6EECF244321}">
+                <p14:modId xmlns:p14="http://schemas.microsoft.com/office/powerpoint/2010/main" val="221034253"/>
+              </p:ext>
+            </p:extLst>
+          </p:nvPr>
+        </p:nvGraphicFramePr>
+        <p:xfrm>
+          <a:off x="379310" y="909026"/>
+          <a:ext cx="4624490" cy="4319587"/>
+        </p:xfrm>
+        <a:graphic>
+          <a:graphicData uri="http://schemas.openxmlformats.org/drawingml/2006/chart">
+            <c:chart xmlns:c="http://schemas.openxmlformats.org/drawingml/2006/chart" xmlns:r="http://schemas.openxmlformats.org/officeDocument/2006/relationships" r:id="rId3"/>
+          </a:graphicData>
+        </a:graphic>
+      </p:graphicFrame>
+      <p:cxnSp>
+        <p:nvCxnSpPr>
+          <p:cNvPr id="7" name="Straight Connector 6"/>
+          <p:cNvCxnSpPr/>
+          <p:nvPr/>
+        </p:nvCxnSpPr>
+        <p:spPr>
+          <a:xfrm>
+            <a:off x="1303995" y="3755327"/>
+            <a:ext cx="6858439" cy="0"/>
+          </a:xfrm>
+          <a:prstGeom prst="line">
+            <a:avLst/>
+          </a:prstGeom>
+          <a:ln w="3175" cmpd="sng">
+            <a:solidFill>
+              <a:srgbClr val="C00000"/>
+            </a:solidFill>
+            <a:prstDash val="sysDash"/>
+          </a:ln>
+        </p:spPr>
+        <p:style>
+          <a:lnRef idx="1">
+            <a:schemeClr val="accent1"/>
+          </a:lnRef>
+          <a:fillRef idx="0">
+            <a:schemeClr val="accent1"/>
+          </a:fillRef>
+          <a:effectRef idx="0">
+            <a:schemeClr val="accent1"/>
+          </a:effectRef>
+          <a:fontRef idx="minor">
+            <a:schemeClr val="tx1"/>
+          </a:fontRef>
+        </p:style>
+      </p:cxnSp>
+      <p:sp>
+        <p:nvSpPr>
+          <p:cNvPr id="5" name="TextBox 4"/>
+          <p:cNvSpPr txBox="1"/>
+          <p:nvPr/>
+        </p:nvSpPr>
+        <p:spPr>
+          <a:xfrm>
+            <a:off x="1959323" y="5083718"/>
+            <a:ext cx="1800000" cy="1015663"/>
+          </a:xfrm>
+          <a:prstGeom prst="rect">
+            <a:avLst/>
+          </a:prstGeom>
+          <a:noFill/>
+        </p:spPr>
+        <p:txBody>
+          <a:bodyPr wrap="square" rtlCol="0">
+            <a:spAutoFit/>
+          </a:bodyPr>
+          <a:lstStyle/>
+          <a:p>
+            <a:pPr algn="ctr"/>
+            <a:r>
+              <a:rPr lang="en-US" sz="2000" dirty="0" smtClean="0">
+                <a:solidFill>
+                  <a:schemeClr val="bg2">
+                    <a:lumMod val="25000"/>
+                  </a:schemeClr>
+                </a:solidFill>
+              </a:rPr>
+              <a:t>Operation location: CH/DE</a:t>
+            </a:r>
+          </a:p>
+        </p:txBody>
+      </p:sp>
+      <p:sp>
+        <p:nvSpPr>
+          <p:cNvPr id="6" name="TextBox 5"/>
+          <p:cNvSpPr txBox="1"/>
+          <p:nvPr/>
+        </p:nvSpPr>
+        <p:spPr>
+          <a:xfrm>
+            <a:off x="5301250" y="5083718"/>
+            <a:ext cx="1800000" cy="707886"/>
+          </a:xfrm>
+          <a:prstGeom prst="rect">
+            <a:avLst/>
+          </a:prstGeom>
+          <a:noFill/>
+        </p:spPr>
+        <p:txBody>
+          <a:bodyPr wrap="square" rtlCol="0">
+            <a:spAutoFit/>
+          </a:bodyPr>
+          <a:lstStyle/>
+          <a:p>
+            <a:pPr algn="ctr"/>
+            <a:r>
+              <a:rPr lang="en-US" sz="2000" dirty="0" smtClean="0">
+                <a:solidFill>
+                  <a:schemeClr val="bg2">
+                    <a:lumMod val="25000"/>
+                  </a:schemeClr>
+                </a:solidFill>
+              </a:rPr>
+              <a:t>Actuator: motor/soft</a:t>
+            </a:r>
+          </a:p>
+        </p:txBody>
+      </p:sp>
+      <p:sp>
+        <p:nvSpPr>
+          <p:cNvPr id="8" name="TextBox 7"/>
+          <p:cNvSpPr txBox="1"/>
+          <p:nvPr/>
+        </p:nvSpPr>
+        <p:spPr>
+          <a:xfrm>
+            <a:off x="7576376" y="5083718"/>
+            <a:ext cx="1800000" cy="707886"/>
+          </a:xfrm>
+          <a:prstGeom prst="rect">
+            <a:avLst/>
+          </a:prstGeom>
+          <a:noFill/>
+        </p:spPr>
+        <p:txBody>
+          <a:bodyPr wrap="square" rtlCol="0">
+            <a:spAutoFit/>
+          </a:bodyPr>
+          <a:lstStyle/>
+          <a:p>
+            <a:pPr algn="ctr"/>
+            <a:r>
+              <a:rPr lang="en-US" sz="2000" dirty="0" smtClean="0">
+                <a:solidFill>
+                  <a:schemeClr val="bg2">
+                    <a:lumMod val="25000"/>
+                  </a:schemeClr>
+                </a:solidFill>
+              </a:rPr>
+              <a:t>Control: </a:t>
+            </a:r>
+          </a:p>
+          <a:p>
+            <a:pPr algn="ctr"/>
+            <a:r>
+              <a:rPr lang="en-US" sz="2000" dirty="0" smtClean="0">
+                <a:solidFill>
+                  <a:schemeClr val="bg2">
+                    <a:lumMod val="25000"/>
+                  </a:schemeClr>
+                </a:solidFill>
+              </a:rPr>
+              <a:t>Individual/row</a:t>
+            </a:r>
+          </a:p>
+        </p:txBody>
+      </p:sp>
+      <p:cxnSp>
+        <p:nvCxnSpPr>
+          <p:cNvPr id="9" name="Straight Connector 8"/>
+          <p:cNvCxnSpPr/>
+          <p:nvPr/>
+        </p:nvCxnSpPr>
+        <p:spPr>
+          <a:xfrm>
+            <a:off x="1287815" y="1780964"/>
+            <a:ext cx="6912000" cy="0"/>
+          </a:xfrm>
+          <a:prstGeom prst="line">
+            <a:avLst/>
+          </a:prstGeom>
+          <a:ln>
+            <a:solidFill>
+              <a:schemeClr val="bg2">
+                <a:lumMod val="50000"/>
+              </a:schemeClr>
+            </a:solidFill>
+          </a:ln>
+        </p:spPr>
+        <p:style>
+          <a:lnRef idx="1">
+            <a:schemeClr val="accent1"/>
+          </a:lnRef>
+          <a:fillRef idx="0">
+            <a:schemeClr val="accent1"/>
+          </a:fillRef>
+          <a:effectRef idx="0">
+            <a:schemeClr val="accent1"/>
+          </a:effectRef>
+          <a:fontRef idx="minor">
+            <a:schemeClr val="tx1"/>
+          </a:fontRef>
+        </p:style>
+      </p:cxnSp>
+      <p:sp>
+        <p:nvSpPr>
+          <p:cNvPr id="2" name="TextBox 1"/>
+          <p:cNvSpPr txBox="1"/>
+          <p:nvPr/>
+        </p:nvSpPr>
+        <p:spPr>
+          <a:xfrm>
+            <a:off x="2579794" y="1202267"/>
+            <a:ext cx="451566" cy="369332"/>
+          </a:xfrm>
+          <a:prstGeom prst="rect">
+            <a:avLst/>
+          </a:prstGeom>
+          <a:noFill/>
+        </p:spPr>
+        <p:txBody>
+          <a:bodyPr wrap="none" rtlCol="0">
+            <a:spAutoFit/>
+          </a:bodyPr>
+          <a:lstStyle/>
+          <a:p>
+            <a:r>
+              <a:rPr lang="en-GB" dirty="0" smtClean="0"/>
+              <a:t>CH</a:t>
+            </a:r>
+            <a:endParaRPr lang="en-GB" dirty="0"/>
+          </a:p>
+        </p:txBody>
+      </p:sp>
+      <p:sp>
+        <p:nvSpPr>
+          <p:cNvPr id="10" name="TextBox 9"/>
+          <p:cNvSpPr txBox="1"/>
+          <p:nvPr/>
+        </p:nvSpPr>
+        <p:spPr>
+          <a:xfrm>
+            <a:off x="2611281" y="4684754"/>
+            <a:ext cx="439393" cy="369332"/>
+          </a:xfrm>
+          <a:prstGeom prst="rect">
+            <a:avLst/>
+          </a:prstGeom>
+          <a:noFill/>
+        </p:spPr>
+        <p:txBody>
+          <a:bodyPr wrap="none" rtlCol="0">
+            <a:spAutoFit/>
+          </a:bodyPr>
+          <a:lstStyle/>
+          <a:p>
+            <a:r>
+              <a:rPr lang="en-GB" dirty="0" smtClean="0"/>
+              <a:t>DE</a:t>
+            </a:r>
+            <a:endParaRPr lang="en-GB" dirty="0"/>
+          </a:p>
+        </p:txBody>
+      </p:sp>
+      <p:sp>
+        <p:nvSpPr>
+          <p:cNvPr id="11" name="TextBox 10"/>
+          <p:cNvSpPr txBox="1"/>
+          <p:nvPr/>
+        </p:nvSpPr>
+        <p:spPr>
+          <a:xfrm>
+            <a:off x="5219469" y="3325683"/>
+            <a:ext cx="712054" cy="369332"/>
+          </a:xfrm>
+          <a:prstGeom prst="rect">
+            <a:avLst/>
+          </a:prstGeom>
+          <a:noFill/>
+        </p:spPr>
+        <p:txBody>
+          <a:bodyPr wrap="none" rtlCol="0">
+            <a:spAutoFit/>
+          </a:bodyPr>
+          <a:lstStyle/>
+          <a:p>
+            <a:r>
+              <a:rPr lang="en-GB" dirty="0" smtClean="0"/>
+              <a:t>Servo</a:t>
+            </a:r>
+            <a:endParaRPr lang="en-GB" dirty="0"/>
+          </a:p>
+        </p:txBody>
+      </p:sp>
+      <p:sp>
+        <p:nvSpPr>
+          <p:cNvPr id="12" name="TextBox 11"/>
+          <p:cNvSpPr txBox="1"/>
+          <p:nvPr/>
+        </p:nvSpPr>
+        <p:spPr>
+          <a:xfrm>
+            <a:off x="5101649" y="3723061"/>
+            <a:ext cx="1005403" cy="646331"/>
+          </a:xfrm>
+          <a:prstGeom prst="rect">
+            <a:avLst/>
+          </a:prstGeom>
+          <a:noFill/>
+        </p:spPr>
+        <p:txBody>
+          <a:bodyPr wrap="none" rtlCol="0">
+            <a:spAutoFit/>
+          </a:bodyPr>
+          <a:lstStyle/>
+          <a:p>
+            <a:pPr algn="ctr"/>
+            <a:r>
+              <a:rPr lang="en-GB" dirty="0" smtClean="0"/>
+              <a:t>Soft</a:t>
+            </a:r>
+          </a:p>
+          <a:p>
+            <a:pPr algn="ctr"/>
+            <a:r>
+              <a:rPr lang="en-GB" dirty="0" smtClean="0"/>
+              <a:t>Actuator</a:t>
+            </a:r>
+            <a:endParaRPr lang="en-GB" dirty="0"/>
+          </a:p>
+        </p:txBody>
+      </p:sp>
+      <p:sp>
+        <p:nvSpPr>
+          <p:cNvPr id="13" name="TextBox 12"/>
+          <p:cNvSpPr txBox="1"/>
+          <p:nvPr/>
+        </p:nvSpPr>
+        <p:spPr>
+          <a:xfrm>
+            <a:off x="7327883" y="3325683"/>
+            <a:ext cx="1103186" cy="369332"/>
+          </a:xfrm>
+          <a:prstGeom prst="rect">
+            <a:avLst/>
+          </a:prstGeom>
+          <a:noFill/>
+        </p:spPr>
+        <p:txBody>
+          <a:bodyPr wrap="none" rtlCol="0">
+            <a:spAutoFit/>
+          </a:bodyPr>
+          <a:lstStyle/>
+          <a:p>
+            <a:pPr algn="ctr"/>
+            <a:r>
+              <a:rPr lang="en-GB" smtClean="0"/>
+              <a:t>Individual</a:t>
+            </a:r>
+            <a:endParaRPr lang="en-GB" dirty="0"/>
+          </a:p>
+        </p:txBody>
+      </p:sp>
+      <p:sp>
+        <p:nvSpPr>
+          <p:cNvPr id="14" name="TextBox 13"/>
+          <p:cNvSpPr txBox="1"/>
+          <p:nvPr/>
+        </p:nvSpPr>
+        <p:spPr>
+          <a:xfrm>
+            <a:off x="7583818" y="3723061"/>
+            <a:ext cx="591316" cy="369332"/>
+          </a:xfrm>
+          <a:prstGeom prst="rect">
+            <a:avLst/>
+          </a:prstGeom>
+          <a:noFill/>
+        </p:spPr>
+        <p:txBody>
+          <a:bodyPr wrap="none" rtlCol="0">
+            <a:spAutoFit/>
+          </a:bodyPr>
+          <a:lstStyle/>
+          <a:p>
+            <a:pPr algn="ctr"/>
+            <a:r>
+              <a:rPr lang="en-GB" smtClean="0"/>
+              <a:t>Row</a:t>
+            </a:r>
+            <a:endParaRPr lang="en-GB" dirty="0"/>
+          </a:p>
+        </p:txBody>
+      </p:sp>
+      <p:graphicFrame>
+        <p:nvGraphicFramePr>
+          <p:cNvPr id="15" name="Chart 14"/>
+          <p:cNvGraphicFramePr/>
+          <p:nvPr>
+            <p:extLst>
+              <p:ext uri="{D42A27DB-BD31-4B8C-83A1-F6EECF244321}">
+                <p14:modId xmlns:p14="http://schemas.microsoft.com/office/powerpoint/2010/main" val="1078591759"/>
+              </p:ext>
+            </p:extLst>
+          </p:nvPr>
+        </p:nvGraphicFramePr>
+        <p:xfrm>
+          <a:off x="4301914" y="919284"/>
+          <a:ext cx="5444252" cy="4319587"/>
+        </p:xfrm>
+        <a:graphic>
+          <a:graphicData uri="http://schemas.openxmlformats.org/drawingml/2006/chart">
+            <c:chart xmlns:c="http://schemas.openxmlformats.org/drawingml/2006/chart" xmlns:r="http://schemas.openxmlformats.org/officeDocument/2006/relationships" r:id="rId4"/>
+          </a:graphicData>
+        </a:graphic>
+      </p:graphicFrame>
+    </p:spTree>
+    <p:extLst>
+      <p:ext uri="{BB962C8B-B14F-4D97-AF65-F5344CB8AC3E}">
+        <p14:creationId xmlns:p14="http://schemas.microsoft.com/office/powerpoint/2010/main" val="857753112"/>
+      </p:ext>
+    </p:extLst>
+  </p:cSld>
+  <p:clrMapOvr>
+    <a:masterClrMapping/>
+  </p:clrMapOvr>
+  <p:timing>
+    <p:tnLst>
+      <p:par>
+        <p:cTn id="1" dur="indefinite" restart="never" nodeType="tmRoot"/>
+      </p:par>
+    </p:tnLst>
+  </p:timing>
+</p:sld>
+</file>
+
+<file path=ppt/slides/slide23.xml><?xml version="1.0" encoding="utf-8"?>
+<p:sld xmlns:a="http://schemas.openxmlformats.org/drawingml/2006/main" xmlns:r="http://schemas.openxmlformats.org/officeDocument/2006/relationships" xmlns:p="http://schemas.openxmlformats.org/presentationml/2006/main">
+  <p:cSld>
+    <p:spTree>
+      <p:nvGrpSpPr>
+        <p:cNvPr id="1" name=""/>
+        <p:cNvGrpSpPr/>
+        <p:nvPr/>
+      </p:nvGrpSpPr>
+      <p:grpSpPr>
+        <a:xfrm>
+          <a:off x="0" y="0"/>
+          <a:ext cx="0" cy="0"/>
+          <a:chOff x="0" y="0"/>
+          <a:chExt cx="0" cy="0"/>
+        </a:xfrm>
+      </p:grpSpPr>
+      <p:sp>
+        <p:nvSpPr>
           <p:cNvPr id="7" name="Rectangle 6"/>
           <p:cNvSpPr/>
           <p:nvPr/>

--- a/elsarticle/Images/Thesis charts.pptx
+++ b/elsarticle/Images/Thesis charts.pptx
@@ -427,11 +427,11 @@
           <c:showPercent val="0"/>
           <c:showBubbleSize val="0"/>
         </c:dLbls>
-        <c:axId val="-2118332112"/>
-        <c:axId val="-2118729680"/>
+        <c:axId val="-2076101744"/>
+        <c:axId val="-2118882464"/>
       </c:scatterChart>
       <c:valAx>
-        <c:axId val="-2118332112"/>
+        <c:axId val="-2076101744"/>
         <c:scaling>
           <c:orientation val="minMax"/>
         </c:scaling>
@@ -553,12 +553,12 @@
             <a:endParaRPr lang="en-US"/>
           </a:p>
         </c:txPr>
-        <c:crossAx val="-2118729680"/>
+        <c:crossAx val="-2118882464"/>
         <c:crosses val="autoZero"/>
         <c:crossBetween val="midCat"/>
       </c:valAx>
       <c:valAx>
-        <c:axId val="-2118729680"/>
+        <c:axId val="-2118882464"/>
         <c:scaling>
           <c:orientation val="minMax"/>
         </c:scaling>
@@ -684,7 +684,7 @@
             <a:endParaRPr lang="en-US"/>
           </a:p>
         </c:txPr>
-        <c:crossAx val="-2118332112"/>
+        <c:crossAx val="-2076101744"/>
         <c:crosses val="autoZero"/>
         <c:crossBetween val="midCat"/>
       </c:valAx>
@@ -2352,11 +2352,11 @@
         </c:dLbls>
         <c:gapWidth val="150"/>
         <c:overlap val="100"/>
-        <c:axId val="-2072240720"/>
-        <c:axId val="-2072255200"/>
+        <c:axId val="-2072928352"/>
+        <c:axId val="-2072762144"/>
       </c:barChart>
       <c:catAx>
-        <c:axId val="-2072240720"/>
+        <c:axId val="-2072928352"/>
         <c:scaling>
           <c:orientation val="minMax"/>
         </c:scaling>
@@ -2366,7 +2366,7 @@
         <c:majorTickMark val="none"/>
         <c:minorTickMark val="none"/>
         <c:tickLblPos val="nextTo"/>
-        <c:crossAx val="-2072255200"/>
+        <c:crossAx val="-2072762144"/>
         <c:crosses val="autoZero"/>
         <c:auto val="1"/>
         <c:lblAlgn val="ctr"/>
@@ -2374,7 +2374,7 @@
         <c:noMultiLvlLbl val="0"/>
       </c:catAx>
       <c:valAx>
-        <c:axId val="-2072255200"/>
+        <c:axId val="-2072762144"/>
         <c:scaling>
           <c:orientation val="minMax"/>
         </c:scaling>
@@ -2489,7 +2489,7 @@
             <a:endParaRPr lang="en-US"/>
           </a:p>
         </c:txPr>
-        <c:crossAx val="-2072240720"/>
+        <c:crossAx val="-2072928352"/>
         <c:crosses val="autoZero"/>
         <c:crossBetween val="between"/>
       </c:valAx>
@@ -2872,11 +2872,11 @@
         </c:dLbls>
         <c:gapWidth val="219"/>
         <c:overlap val="-27"/>
-        <c:axId val="-2074227216"/>
-        <c:axId val="-2140982432"/>
+        <c:axId val="2125751008"/>
+        <c:axId val="2124661552"/>
       </c:barChart>
       <c:catAx>
-        <c:axId val="-2074227216"/>
+        <c:axId val="2125751008"/>
         <c:scaling>
           <c:orientation val="minMax"/>
         </c:scaling>
@@ -2916,7 +2916,7 @@
             <a:endParaRPr lang="en-US"/>
           </a:p>
         </c:txPr>
-        <c:crossAx val="-2140982432"/>
+        <c:crossAx val="2124661552"/>
         <c:crosses val="autoZero"/>
         <c:auto val="1"/>
         <c:lblAlgn val="ctr"/>
@@ -2924,7 +2924,7 @@
         <c:noMultiLvlLbl val="0"/>
       </c:catAx>
       <c:valAx>
-        <c:axId val="-2140982432"/>
+        <c:axId val="2124661552"/>
         <c:scaling>
           <c:orientation val="minMax"/>
         </c:scaling>
@@ -3054,7 +3054,7 @@
             <a:endParaRPr lang="en-US"/>
           </a:p>
         </c:txPr>
-        <c:crossAx val="-2074227216"/>
+        <c:crossAx val="2125751008"/>
         <c:crosses val="autoZero"/>
         <c:crossBetween val="between"/>
       </c:valAx>
@@ -3350,11 +3350,11 @@
         </c:dLbls>
         <c:gapWidth val="219"/>
         <c:overlap val="-27"/>
-        <c:axId val="-2077551616"/>
-        <c:axId val="-2077559632"/>
+        <c:axId val="2130073728"/>
+        <c:axId val="2130675824"/>
       </c:barChart>
       <c:catAx>
-        <c:axId val="-2077551616"/>
+        <c:axId val="2130073728"/>
         <c:scaling>
           <c:orientation val="minMax"/>
         </c:scaling>
@@ -3394,7 +3394,7 @@
             <a:endParaRPr lang="en-US"/>
           </a:p>
         </c:txPr>
-        <c:crossAx val="-2077559632"/>
+        <c:crossAx val="2130675824"/>
         <c:crosses val="autoZero"/>
         <c:auto val="1"/>
         <c:lblAlgn val="ctr"/>
@@ -3402,7 +3402,7 @@
         <c:noMultiLvlLbl val="0"/>
       </c:catAx>
       <c:valAx>
-        <c:axId val="-2077559632"/>
+        <c:axId val="2130675824"/>
         <c:scaling>
           <c:orientation val="minMax"/>
         </c:scaling>
@@ -3522,7 +3522,7 @@
             <a:endParaRPr lang="en-US"/>
           </a:p>
         </c:txPr>
-        <c:crossAx val="-2077551616"/>
+        <c:crossAx val="2130073728"/>
         <c:crosses val="autoZero"/>
         <c:crossBetween val="between"/>
       </c:valAx>
@@ -4049,7 +4049,7 @@
                   <c:v>-6.43</c:v>
                 </c:pt>
                 <c:pt idx="10">
-                  <c:v>-9.739999999999998</c:v>
+                  <c:v>-9.74</c:v>
                 </c:pt>
                 <c:pt idx="11">
                   <c:v>-13.05</c:v>
@@ -4083,11 +4083,11 @@
           <c:showBubbleSize val="0"/>
         </c:dLbls>
         <c:smooth val="0"/>
-        <c:axId val="-2139621872"/>
-        <c:axId val="-2139668736"/>
+        <c:axId val="-2068292576"/>
+        <c:axId val="-2068289072"/>
       </c:lineChart>
       <c:catAx>
-        <c:axId val="-2139621872"/>
+        <c:axId val="-2068292576"/>
         <c:scaling>
           <c:orientation val="minMax"/>
         </c:scaling>
@@ -4130,7 +4130,7 @@
             <a:endParaRPr lang="en-US"/>
           </a:p>
         </c:txPr>
-        <c:crossAx val="-2139668736"/>
+        <c:crossAx val="-2068289072"/>
         <c:crosses val="autoZero"/>
         <c:auto val="1"/>
         <c:lblAlgn val="ctr"/>
@@ -4138,7 +4138,7 @@
         <c:noMultiLvlLbl val="0"/>
       </c:catAx>
       <c:valAx>
-        <c:axId val="-2139668736"/>
+        <c:axId val="-2068289072"/>
         <c:scaling>
           <c:orientation val="minMax"/>
         </c:scaling>
@@ -4225,7 +4225,7 @@
             <a:endParaRPr lang="en-US"/>
           </a:p>
         </c:txPr>
-        <c:crossAx val="-2139621872"/>
+        <c:crossAx val="-2068292576"/>
         <c:crosses val="autoZero"/>
         <c:crossBetween val="between"/>
       </c:valAx>
@@ -4832,11 +4832,11 @@
         </c:dLbls>
         <c:gapWidth val="219"/>
         <c:overlap val="-27"/>
-        <c:axId val="-2077903952"/>
-        <c:axId val="-2077928432"/>
+        <c:axId val="-2068194032"/>
+        <c:axId val="-2068920304"/>
       </c:barChart>
       <c:catAx>
-        <c:axId val="-2077903952"/>
+        <c:axId val="-2068194032"/>
         <c:scaling>
           <c:orientation val="minMax"/>
         </c:scaling>
@@ -4879,7 +4879,7 @@
             <a:endParaRPr lang="en-US"/>
           </a:p>
         </c:txPr>
-        <c:crossAx val="-2077928432"/>
+        <c:crossAx val="-2068920304"/>
         <c:crosses val="autoZero"/>
         <c:auto val="1"/>
         <c:lblAlgn val="ctr"/>
@@ -4887,7 +4887,7 @@
         <c:noMultiLvlLbl val="0"/>
       </c:catAx>
       <c:valAx>
-        <c:axId val="-2077928432"/>
+        <c:axId val="-2068920304"/>
         <c:scaling>
           <c:orientation val="minMax"/>
         </c:scaling>
@@ -5010,7 +5010,7 @@
             <a:endParaRPr lang="en-US"/>
           </a:p>
         </c:txPr>
-        <c:crossAx val="-2077903952"/>
+        <c:crossAx val="-2068194032"/>
         <c:crosses val="autoZero"/>
         <c:crossBetween val="between"/>
       </c:valAx>
@@ -5705,11 +5705,11 @@
         </c:dLbls>
         <c:gapWidth val="219"/>
         <c:overlap val="100"/>
-        <c:axId val="-2074632160"/>
-        <c:axId val="-2077649824"/>
+        <c:axId val="-2071866016"/>
+        <c:axId val="-2071894384"/>
       </c:barChart>
       <c:catAx>
-        <c:axId val="-2074632160"/>
+        <c:axId val="-2071866016"/>
         <c:scaling>
           <c:orientation val="minMax"/>
         </c:scaling>
@@ -5719,7 +5719,7 @@
         <c:majorTickMark val="none"/>
         <c:minorTickMark val="none"/>
         <c:tickLblPos val="nextTo"/>
-        <c:crossAx val="-2077649824"/>
+        <c:crossAx val="-2071894384"/>
         <c:crosses val="autoZero"/>
         <c:auto val="1"/>
         <c:lblAlgn val="ctr"/>
@@ -5727,7 +5727,7 @@
         <c:noMultiLvlLbl val="0"/>
       </c:catAx>
       <c:valAx>
-        <c:axId val="-2077649824"/>
+        <c:axId val="-2071894384"/>
         <c:scaling>
           <c:orientation val="minMax"/>
         </c:scaling>
@@ -5856,7 +5856,7 @@
             <a:endParaRPr lang="en-US"/>
           </a:p>
         </c:txPr>
-        <c:crossAx val="-2074632160"/>
+        <c:crossAx val="-2071866016"/>
         <c:crosses val="autoZero"/>
         <c:crossBetween val="between"/>
       </c:valAx>
@@ -6328,11 +6328,11 @@
         </c:dLbls>
         <c:gapWidth val="219"/>
         <c:overlap val="-27"/>
-        <c:axId val="-2071481952"/>
-        <c:axId val="-2140332336"/>
+        <c:axId val="2130361040"/>
+        <c:axId val="2126207280"/>
       </c:barChart>
       <c:catAx>
-        <c:axId val="-2071481952"/>
+        <c:axId val="2130361040"/>
         <c:scaling>
           <c:orientation val="minMax"/>
         </c:scaling>
@@ -6372,7 +6372,7 @@
             <a:endParaRPr lang="en-US"/>
           </a:p>
         </c:txPr>
-        <c:crossAx val="-2140332336"/>
+        <c:crossAx val="2126207280"/>
         <c:crosses val="autoZero"/>
         <c:auto val="1"/>
         <c:lblAlgn val="ctr"/>
@@ -6380,7 +6380,7 @@
         <c:noMultiLvlLbl val="0"/>
       </c:catAx>
       <c:valAx>
-        <c:axId val="-2140332336"/>
+        <c:axId val="2126207280"/>
         <c:scaling>
           <c:orientation val="minMax"/>
         </c:scaling>
@@ -6501,7 +6501,7 @@
             <a:endParaRPr lang="en-US"/>
           </a:p>
         </c:txPr>
-        <c:crossAx val="-2071481952"/>
+        <c:crossAx val="2130361040"/>
         <c:crosses val="autoZero"/>
         <c:crossBetween val="between"/>
       </c:valAx>
@@ -7225,11 +7225,11 @@
         </c:dLbls>
         <c:gapWidth val="219"/>
         <c:overlap val="100"/>
-        <c:axId val="-2146518784"/>
-        <c:axId val="-2071423248"/>
+        <c:axId val="-2070368960"/>
+        <c:axId val="-2070365920"/>
       </c:barChart>
       <c:catAx>
-        <c:axId val="-2146518784"/>
+        <c:axId val="-2070368960"/>
         <c:scaling>
           <c:orientation val="minMax"/>
         </c:scaling>
@@ -7239,7 +7239,7 @@
         <c:majorTickMark val="none"/>
         <c:minorTickMark val="none"/>
         <c:tickLblPos val="nextTo"/>
-        <c:crossAx val="-2071423248"/>
+        <c:crossAx val="-2070365920"/>
         <c:crosses val="autoZero"/>
         <c:auto val="1"/>
         <c:lblAlgn val="ctr"/>
@@ -7247,7 +7247,7 @@
         <c:noMultiLvlLbl val="0"/>
       </c:catAx>
       <c:valAx>
-        <c:axId val="-2071423248"/>
+        <c:axId val="-2070365920"/>
         <c:scaling>
           <c:orientation val="minMax"/>
         </c:scaling>
@@ -7376,7 +7376,7 @@
             <a:endParaRPr lang="en-US"/>
           </a:p>
         </c:txPr>
-        <c:crossAx val="-2146518784"/>
+        <c:crossAx val="-2070368960"/>
         <c:crosses val="autoZero"/>
         <c:crossBetween val="between"/>
       </c:valAx>
@@ -8226,11 +8226,11 @@
         </c:dLbls>
         <c:gapWidth val="219"/>
         <c:overlap val="100"/>
-        <c:axId val="-2120291568"/>
-        <c:axId val="2128498848"/>
+        <c:axId val="-2069323776"/>
+        <c:axId val="-2071483408"/>
       </c:barChart>
       <c:catAx>
-        <c:axId val="-2120291568"/>
+        <c:axId val="-2069323776"/>
         <c:scaling>
           <c:orientation val="minMax"/>
         </c:scaling>
@@ -8240,7 +8240,7 @@
         <c:majorTickMark val="none"/>
         <c:minorTickMark val="none"/>
         <c:tickLblPos val="nextTo"/>
-        <c:crossAx val="2128498848"/>
+        <c:crossAx val="-2071483408"/>
         <c:crosses val="autoZero"/>
         <c:auto val="1"/>
         <c:lblAlgn val="ctr"/>
@@ -8248,7 +8248,7 @@
         <c:noMultiLvlLbl val="0"/>
       </c:catAx>
       <c:valAx>
-        <c:axId val="2128498848"/>
+        <c:axId val="-2071483408"/>
         <c:scaling>
           <c:orientation val="minMax"/>
         </c:scaling>
@@ -8377,7 +8377,7 @@
             <a:endParaRPr lang="en-US"/>
           </a:p>
         </c:txPr>
-        <c:crossAx val="-2120291568"/>
+        <c:crossAx val="-2069323776"/>
         <c:crosses val="autoZero"/>
         <c:crossBetween val="between"/>
       </c:valAx>
@@ -8769,11 +8769,11 @@
         </c:dLbls>
         <c:gapWidth val="219"/>
         <c:overlap val="100"/>
-        <c:axId val="-2074930336"/>
-        <c:axId val="-2140992528"/>
+        <c:axId val="-2117430352"/>
+        <c:axId val="-2079819728"/>
       </c:barChart>
       <c:catAx>
-        <c:axId val="-2074930336"/>
+        <c:axId val="-2117430352"/>
         <c:scaling>
           <c:orientation val="minMax"/>
         </c:scaling>
@@ -8816,7 +8816,7 @@
             <a:endParaRPr lang="en-US"/>
           </a:p>
         </c:txPr>
-        <c:crossAx val="-2140992528"/>
+        <c:crossAx val="-2079819728"/>
         <c:crosses val="autoZero"/>
         <c:auto val="1"/>
         <c:lblAlgn val="ctr"/>
@@ -8824,7 +8824,7 @@
         <c:noMultiLvlLbl val="0"/>
       </c:catAx>
       <c:valAx>
-        <c:axId val="-2140992528"/>
+        <c:axId val="-2079819728"/>
         <c:scaling>
           <c:orientation val="minMax"/>
         </c:scaling>
@@ -8915,7 +8915,7 @@
             <a:endParaRPr lang="en-US"/>
           </a:p>
         </c:txPr>
-        <c:crossAx val="-2074930336"/>
+        <c:crossAx val="-2117430352"/>
         <c:crosses val="autoZero"/>
         <c:crossBetween val="between"/>
       </c:valAx>
@@ -9154,11 +9154,11 @@
         </c:dLbls>
         <c:gapWidth val="219"/>
         <c:overlap val="100"/>
-        <c:axId val="-2071021648"/>
-        <c:axId val="-2070976576"/>
+        <c:axId val="-2069572528"/>
+        <c:axId val="-2069575472"/>
       </c:barChart>
       <c:catAx>
-        <c:axId val="-2071021648"/>
+        <c:axId val="-2069572528"/>
         <c:scaling>
           <c:orientation val="minMax"/>
         </c:scaling>
@@ -9168,7 +9168,7 @@
         <c:majorTickMark val="none"/>
         <c:minorTickMark val="none"/>
         <c:tickLblPos val="nextTo"/>
-        <c:crossAx val="-2070976576"/>
+        <c:crossAx val="-2069575472"/>
         <c:crosses val="autoZero"/>
         <c:auto val="1"/>
         <c:lblAlgn val="ctr"/>
@@ -9176,7 +9176,7 @@
         <c:noMultiLvlLbl val="0"/>
       </c:catAx>
       <c:valAx>
-        <c:axId val="-2070976576"/>
+        <c:axId val="-2069575472"/>
         <c:scaling>
           <c:orientation val="minMax"/>
         </c:scaling>
@@ -9318,7 +9318,7 @@
             <a:endParaRPr lang="en-US"/>
           </a:p>
         </c:txPr>
-        <c:crossAx val="-2071021648"/>
+        <c:crossAx val="-2069572528"/>
         <c:crosses val="autoZero"/>
         <c:crossBetween val="between"/>
         <c:majorUnit val="100.0"/>
@@ -9381,9 +9381,275 @@
           <c:layoutTarget val="inner"/>
           <c:xMode val="edge"/>
           <c:yMode val="edge"/>
-          <c:x val="0.197429986874228"/>
+          <c:x val="0.137300279392014"/>
+          <c:y val="0.0440646293268315"/>
+          <c:w val="0.83408841643941"/>
+          <c:h val="0.905990549559483"/>
+        </c:manualLayout>
+      </c:layout>
+      <c:barChart>
+        <c:barDir val="col"/>
+        <c:grouping val="stacked"/>
+        <c:varyColors val="0"/>
+        <c:ser>
+          <c:idx val="0"/>
+          <c:order val="0"/>
+          <c:tx>
+            <c:strRef>
+              <c:f>Sheet1!$B$1</c:f>
+              <c:strCache>
+                <c:ptCount val="1"/>
+                <c:pt idx="0">
+                  <c:v>Series 1</c:v>
+                </c:pt>
+              </c:strCache>
+            </c:strRef>
+          </c:tx>
+          <c:spPr>
+            <a:noFill/>
+            <a:ln>
+              <a:noFill/>
+            </a:ln>
+            <a:effectLst/>
+          </c:spPr>
+          <c:invertIfNegative val="0"/>
+          <c:cat>
+            <c:strRef>
+              <c:f>Sheet1!$A$2:$A$3</c:f>
+              <c:strCache>
+                <c:ptCount val="2"/>
+                <c:pt idx="0">
+                  <c:v>Actuator: motor/soft</c:v>
+                </c:pt>
+                <c:pt idx="1">
+                  <c:v>Control: individual/row</c:v>
+                </c:pt>
+              </c:strCache>
+            </c:strRef>
+          </c:cat>
+          <c:val>
+            <c:numRef>
+              <c:f>Sheet1!$B$2:$B$3</c:f>
+              <c:numCache>
+                <c:formatCode>General</c:formatCode>
+                <c:ptCount val="2"/>
+                <c:pt idx="0">
+                  <c:v>-588.4</c:v>
+                </c:pt>
+                <c:pt idx="1">
+                  <c:v>-599.5</c:v>
+                </c:pt>
+              </c:numCache>
+            </c:numRef>
+          </c:val>
+        </c:ser>
+        <c:ser>
+          <c:idx val="1"/>
+          <c:order val="1"/>
+          <c:tx>
+            <c:strRef>
+              <c:f>Sheet1!$C$1</c:f>
+              <c:strCache>
+                <c:ptCount val="1"/>
+                <c:pt idx="0">
+                  <c:v>Series 2</c:v>
+                </c:pt>
+              </c:strCache>
+            </c:strRef>
+          </c:tx>
+          <c:spPr>
+            <a:solidFill>
+              <a:schemeClr val="accent2"/>
+            </a:solidFill>
+            <a:ln>
+              <a:solidFill>
+                <a:schemeClr val="accent3"/>
+              </a:solidFill>
+            </a:ln>
+            <a:effectLst/>
+          </c:spPr>
+          <c:invertIfNegative val="0"/>
+          <c:cat>
+            <c:strRef>
+              <c:f>Sheet1!$A$2:$A$3</c:f>
+              <c:strCache>
+                <c:ptCount val="2"/>
+                <c:pt idx="0">
+                  <c:v>Actuator: motor/soft</c:v>
+                </c:pt>
+                <c:pt idx="1">
+                  <c:v>Control: individual/row</c:v>
+                </c:pt>
+              </c:strCache>
+            </c:strRef>
+          </c:cat>
+          <c:val>
+            <c:numRef>
+              <c:f>Sheet1!$C$2:$C$3</c:f>
+              <c:numCache>
+                <c:formatCode>General</c:formatCode>
+                <c:ptCount val="2"/>
+                <c:pt idx="0">
+                  <c:v>-12.70000000000005</c:v>
+                </c:pt>
+                <c:pt idx="1">
+                  <c:v>-1.600000000000023</c:v>
+                </c:pt>
+              </c:numCache>
+            </c:numRef>
+          </c:val>
+        </c:ser>
+        <c:dLbls>
+          <c:showLegendKey val="0"/>
+          <c:showVal val="0"/>
+          <c:showCatName val="0"/>
+          <c:showSerName val="0"/>
+          <c:showPercent val="0"/>
+          <c:showBubbleSize val="0"/>
+        </c:dLbls>
+        <c:gapWidth val="219"/>
+        <c:overlap val="100"/>
+        <c:axId val="-2069092208"/>
+        <c:axId val="-2069086032"/>
+      </c:barChart>
+      <c:catAx>
+        <c:axId val="-2069092208"/>
+        <c:scaling>
+          <c:orientation val="minMax"/>
+        </c:scaling>
+        <c:delete val="1"/>
+        <c:axPos val="b"/>
+        <c:numFmt formatCode="General" sourceLinked="1"/>
+        <c:majorTickMark val="none"/>
+        <c:minorTickMark val="none"/>
+        <c:tickLblPos val="nextTo"/>
+        <c:crossAx val="-2069086032"/>
+        <c:crosses val="autoZero"/>
+        <c:auto val="1"/>
+        <c:lblAlgn val="ctr"/>
+        <c:lblOffset val="100"/>
+        <c:noMultiLvlLbl val="0"/>
+      </c:catAx>
+      <c:valAx>
+        <c:axId val="-2069086032"/>
+        <c:scaling>
+          <c:orientation val="minMax"/>
+          <c:max val="-540.0"/>
+          <c:min val="-630.0"/>
+        </c:scaling>
+        <c:delete val="0"/>
+        <c:axPos val="l"/>
+        <c:majorGridlines>
+          <c:spPr>
+            <a:ln w="9525" cap="flat" cmpd="sng" algn="ctr">
+              <a:solidFill>
+                <a:schemeClr val="tx1">
+                  <a:lumMod val="15000"/>
+                  <a:lumOff val="85000"/>
+                </a:schemeClr>
+              </a:solidFill>
+              <a:round/>
+            </a:ln>
+            <a:effectLst/>
+          </c:spPr>
+        </c:majorGridlines>
+        <c:numFmt formatCode="General" sourceLinked="1"/>
+        <c:majorTickMark val="none"/>
+        <c:minorTickMark val="none"/>
+        <c:tickLblPos val="nextTo"/>
+        <c:spPr>
+          <a:noFill/>
+          <a:ln>
+            <a:noFill/>
+          </a:ln>
+          <a:effectLst/>
+        </c:spPr>
+        <c:txPr>
+          <a:bodyPr rot="-60000000" spcFirstLastPara="1" vertOverflow="ellipsis" vert="horz" wrap="square" anchor="ctr" anchorCtr="1"/>
+          <a:lstStyle/>
+          <a:p>
+            <a:pPr>
+              <a:defRPr sz="1800" b="0" i="0" u="none" strike="noStrike" kern="1200" baseline="0">
+                <a:solidFill>
+                  <a:schemeClr val="tx1">
+                    <a:lumMod val="65000"/>
+                    <a:lumOff val="35000"/>
+                  </a:schemeClr>
+                </a:solidFill>
+                <a:latin typeface="+mn-lt"/>
+                <a:ea typeface="+mn-ea"/>
+                <a:cs typeface="+mn-cs"/>
+              </a:defRPr>
+            </a:pPr>
+            <a:endParaRPr lang="en-US"/>
+          </a:p>
+        </c:txPr>
+        <c:crossAx val="-2069092208"/>
+        <c:crosses val="autoZero"/>
+        <c:crossBetween val="between"/>
+        <c:majorUnit val="10.0"/>
+      </c:valAx>
+      <c:spPr>
+        <a:noFill/>
+        <a:ln>
+          <a:solidFill>
+            <a:schemeClr val="accent3"/>
+          </a:solidFill>
+        </a:ln>
+        <a:effectLst/>
+      </c:spPr>
+    </c:plotArea>
+    <c:plotVisOnly val="1"/>
+    <c:dispBlanksAs val="gap"/>
+    <c:showDLblsOverMax val="0"/>
+  </c:chart>
+  <c:spPr>
+    <a:noFill/>
+    <a:ln>
+      <a:noFill/>
+    </a:ln>
+    <a:effectLst/>
+  </c:spPr>
+  <c:txPr>
+    <a:bodyPr/>
+    <a:lstStyle/>
+    <a:p>
+      <a:pPr>
+        <a:defRPr/>
+      </a:pPr>
+      <a:endParaRPr lang="en-US"/>
+    </a:p>
+  </c:txPr>
+  <c:externalData r:id="rId3">
+    <c:autoUpdate val="0"/>
+  </c:externalData>
+</c:chartSpace>
+</file>
+
+<file path=ppt/charts/chart25.xml><?xml version="1.0" encoding="utf-8"?>
+<c:chartSpace xmlns:c="http://schemas.openxmlformats.org/drawingml/2006/chart" xmlns:a="http://schemas.openxmlformats.org/drawingml/2006/main" xmlns:r="http://schemas.openxmlformats.org/officeDocument/2006/relationships">
+  <c:date1904 val="0"/>
+  <c:lang val="en-US"/>
+  <c:roundedCorners val="0"/>
+  <mc:AlternateContent xmlns:mc="http://schemas.openxmlformats.org/markup-compatibility/2006">
+    <mc:Choice xmlns:c14="http://schemas.microsoft.com/office/drawing/2007/8/2/chart" Requires="c14">
+      <c14:style val="102"/>
+    </mc:Choice>
+    <mc:Fallback>
+      <c:style val="2"/>
+    </mc:Fallback>
+  </mc:AlternateContent>
+  <c:chart>
+    <c:autoTitleDeleted val="1"/>
+    <c:plotArea>
+      <c:layout>
+        <c:manualLayout>
+          <c:layoutTarget val="inner"/>
+          <c:xMode val="edge"/>
+          <c:yMode val="edge"/>
+          <c:x val="0.236391042028837"/>
           <c:y val="0.0558250129005389"/>
-          <c:w val="0.659765076797658"/>
+          <c:w val="0.620803967685857"/>
           <c:h val="0.905990549559483"/>
         </c:manualLayout>
       </c:layout>
@@ -9513,11 +9779,11 @@
         </c:dLbls>
         <c:gapWidth val="219"/>
         <c:overlap val="100"/>
-        <c:axId val="-2072935328"/>
-        <c:axId val="-2072836608"/>
+        <c:axId val="2130228784"/>
+        <c:axId val="2130021744"/>
       </c:barChart>
       <c:catAx>
-        <c:axId val="-2072935328"/>
+        <c:axId val="2130228784"/>
         <c:scaling>
           <c:orientation val="minMax"/>
         </c:scaling>
@@ -9527,7 +9793,7 @@
         <c:majorTickMark val="none"/>
         <c:minorTickMark val="none"/>
         <c:tickLblPos val="nextTo"/>
-        <c:crossAx val="-2072836608"/>
+        <c:crossAx val="2130021744"/>
         <c:crosses val="autoZero"/>
         <c:auto val="1"/>
         <c:lblAlgn val="ctr"/>
@@ -9535,7 +9801,7 @@
         <c:noMultiLvlLbl val="0"/>
       </c:catAx>
       <c:valAx>
-        <c:axId val="-2072836608"/>
+        <c:axId val="2130021744"/>
         <c:scaling>
           <c:orientation val="minMax"/>
         </c:scaling>
@@ -9677,261 +9943,7 @@
             <a:endParaRPr lang="en-US"/>
           </a:p>
         </c:txPr>
-        <c:crossAx val="-2072935328"/>
-        <c:crosses val="autoZero"/>
-        <c:crossBetween val="between"/>
-        <c:majorUnit val="100.0"/>
-      </c:valAx>
-      <c:spPr>
-        <a:noFill/>
-        <a:ln>
-          <a:solidFill>
-            <a:schemeClr val="accent3"/>
-          </a:solidFill>
-        </a:ln>
-        <a:effectLst/>
-      </c:spPr>
-    </c:plotArea>
-    <c:plotVisOnly val="1"/>
-    <c:dispBlanksAs val="gap"/>
-    <c:showDLblsOverMax val="0"/>
-  </c:chart>
-  <c:spPr>
-    <a:noFill/>
-    <a:ln>
-      <a:noFill/>
-    </a:ln>
-    <a:effectLst/>
-  </c:spPr>
-  <c:txPr>
-    <a:bodyPr/>
-    <a:lstStyle/>
-    <a:p>
-      <a:pPr>
-        <a:defRPr/>
-      </a:pPr>
-      <a:endParaRPr lang="en-US"/>
-    </a:p>
-  </c:txPr>
-  <c:externalData r:id="rId3">
-    <c:autoUpdate val="0"/>
-  </c:externalData>
-</c:chartSpace>
-</file>
-
-<file path=ppt/charts/chart25.xml><?xml version="1.0" encoding="utf-8"?>
-<c:chartSpace xmlns:c="http://schemas.openxmlformats.org/drawingml/2006/chart" xmlns:a="http://schemas.openxmlformats.org/drawingml/2006/main" xmlns:r="http://schemas.openxmlformats.org/officeDocument/2006/relationships">
-  <c:date1904 val="0"/>
-  <c:lang val="en-US"/>
-  <c:roundedCorners val="0"/>
-  <mc:AlternateContent xmlns:mc="http://schemas.openxmlformats.org/markup-compatibility/2006">
-    <mc:Choice xmlns:c14="http://schemas.microsoft.com/office/drawing/2007/8/2/chart" Requires="c14">
-      <c14:style val="102"/>
-    </mc:Choice>
-    <mc:Fallback>
-      <c:style val="2"/>
-    </mc:Fallback>
-  </mc:AlternateContent>
-  <c:chart>
-    <c:autoTitleDeleted val="1"/>
-    <c:plotArea>
-      <c:layout/>
-      <c:barChart>
-        <c:barDir val="col"/>
-        <c:grouping val="stacked"/>
-        <c:varyColors val="0"/>
-        <c:ser>
-          <c:idx val="0"/>
-          <c:order val="0"/>
-          <c:tx>
-            <c:strRef>
-              <c:f>Sheet1!$B$1</c:f>
-              <c:strCache>
-                <c:ptCount val="1"/>
-                <c:pt idx="0">
-                  <c:v>Series 1</c:v>
-                </c:pt>
-              </c:strCache>
-            </c:strRef>
-          </c:tx>
-          <c:spPr>
-            <a:noFill/>
-            <a:ln>
-              <a:noFill/>
-            </a:ln>
-            <a:effectLst/>
-          </c:spPr>
-          <c:invertIfNegative val="0"/>
-          <c:cat>
-            <c:strRef>
-              <c:f>Sheet1!$A$2:$A$3</c:f>
-              <c:strCache>
-                <c:ptCount val="2"/>
-                <c:pt idx="0">
-                  <c:v>Actuator: motor/soft</c:v>
-                </c:pt>
-                <c:pt idx="1">
-                  <c:v>Control: individual/row</c:v>
-                </c:pt>
-              </c:strCache>
-            </c:strRef>
-          </c:cat>
-          <c:val>
-            <c:numRef>
-              <c:f>Sheet1!$B$2:$B$3</c:f>
-              <c:numCache>
-                <c:formatCode>General</c:formatCode>
-                <c:ptCount val="2"/>
-                <c:pt idx="0">
-                  <c:v>-588.4</c:v>
-                </c:pt>
-                <c:pt idx="1">
-                  <c:v>-599.5</c:v>
-                </c:pt>
-              </c:numCache>
-            </c:numRef>
-          </c:val>
-        </c:ser>
-        <c:ser>
-          <c:idx val="1"/>
-          <c:order val="1"/>
-          <c:tx>
-            <c:strRef>
-              <c:f>Sheet1!$C$1</c:f>
-              <c:strCache>
-                <c:ptCount val="1"/>
-                <c:pt idx="0">
-                  <c:v>Series 2</c:v>
-                </c:pt>
-              </c:strCache>
-            </c:strRef>
-          </c:tx>
-          <c:spPr>
-            <a:solidFill>
-              <a:schemeClr val="accent2"/>
-            </a:solidFill>
-            <a:ln>
-              <a:solidFill>
-                <a:schemeClr val="accent3"/>
-              </a:solidFill>
-            </a:ln>
-            <a:effectLst/>
-          </c:spPr>
-          <c:invertIfNegative val="0"/>
-          <c:cat>
-            <c:strRef>
-              <c:f>Sheet1!$A$2:$A$3</c:f>
-              <c:strCache>
-                <c:ptCount val="2"/>
-                <c:pt idx="0">
-                  <c:v>Actuator: motor/soft</c:v>
-                </c:pt>
-                <c:pt idx="1">
-                  <c:v>Control: individual/row</c:v>
-                </c:pt>
-              </c:strCache>
-            </c:strRef>
-          </c:cat>
-          <c:val>
-            <c:numRef>
-              <c:f>Sheet1!$C$2:$C$3</c:f>
-              <c:numCache>
-                <c:formatCode>General</c:formatCode>
-                <c:ptCount val="2"/>
-                <c:pt idx="0">
-                  <c:v>-12.70000000000005</c:v>
-                </c:pt>
-                <c:pt idx="1">
-                  <c:v>-1.600000000000023</c:v>
-                </c:pt>
-              </c:numCache>
-            </c:numRef>
-          </c:val>
-        </c:ser>
-        <c:dLbls>
-          <c:showLegendKey val="0"/>
-          <c:showVal val="0"/>
-          <c:showCatName val="0"/>
-          <c:showSerName val="0"/>
-          <c:showPercent val="0"/>
-          <c:showBubbleSize val="0"/>
-        </c:dLbls>
-        <c:gapWidth val="219"/>
-        <c:overlap val="100"/>
-        <c:axId val="-2076683792"/>
-        <c:axId val="-2117136320"/>
-      </c:barChart>
-      <c:catAx>
-        <c:axId val="-2076683792"/>
-        <c:scaling>
-          <c:orientation val="minMax"/>
-        </c:scaling>
-        <c:delete val="1"/>
-        <c:axPos val="b"/>
-        <c:numFmt formatCode="General" sourceLinked="1"/>
-        <c:majorTickMark val="none"/>
-        <c:minorTickMark val="none"/>
-        <c:tickLblPos val="nextTo"/>
-        <c:crossAx val="-2117136320"/>
-        <c:crosses val="autoZero"/>
-        <c:auto val="1"/>
-        <c:lblAlgn val="ctr"/>
-        <c:lblOffset val="100"/>
-        <c:noMultiLvlLbl val="0"/>
-      </c:catAx>
-      <c:valAx>
-        <c:axId val="-2117136320"/>
-        <c:scaling>
-          <c:orientation val="minMax"/>
-        </c:scaling>
-        <c:delete val="0"/>
-        <c:axPos val="l"/>
-        <c:majorGridlines>
-          <c:spPr>
-            <a:ln w="9525" cap="flat" cmpd="sng" algn="ctr">
-              <a:solidFill>
-                <a:schemeClr val="tx1">
-                  <a:lumMod val="15000"/>
-                  <a:lumOff val="85000"/>
-                </a:schemeClr>
-              </a:solidFill>
-              <a:round/>
-            </a:ln>
-            <a:effectLst/>
-          </c:spPr>
-        </c:majorGridlines>
-        <c:numFmt formatCode="General" sourceLinked="1"/>
-        <c:majorTickMark val="none"/>
-        <c:minorTickMark val="none"/>
-        <c:tickLblPos val="nextTo"/>
-        <c:spPr>
-          <a:noFill/>
-          <a:ln>
-            <a:noFill/>
-          </a:ln>
-          <a:effectLst/>
-        </c:spPr>
-        <c:txPr>
-          <a:bodyPr rot="-60000000" spcFirstLastPara="1" vertOverflow="ellipsis" vert="horz" wrap="square" anchor="ctr" anchorCtr="1"/>
-          <a:lstStyle/>
-          <a:p>
-            <a:pPr>
-              <a:defRPr sz="1800" b="0" i="0" u="none" strike="noStrike" kern="1200" baseline="0">
-                <a:solidFill>
-                  <a:schemeClr val="tx1">
-                    <a:lumMod val="65000"/>
-                    <a:lumOff val="35000"/>
-                  </a:schemeClr>
-                </a:solidFill>
-                <a:latin typeface="+mn-lt"/>
-                <a:ea typeface="+mn-ea"/>
-                <a:cs typeface="+mn-cs"/>
-              </a:defRPr>
-            </a:pPr>
-            <a:endParaRPr lang="en-US"/>
-          </a:p>
-        </c:txPr>
-        <c:crossAx val="-2076683792"/>
+        <c:crossAx val="2130228784"/>
         <c:crosses val="autoZero"/>
         <c:crossBetween val="between"/>
         <c:majorUnit val="100.0"/>
@@ -10257,11 +10269,11 @@
         </c:dLbls>
         <c:gapWidth val="219"/>
         <c:overlap val="-27"/>
-        <c:axId val="-2071672608"/>
-        <c:axId val="-2140453152"/>
+        <c:axId val="-2071694688"/>
+        <c:axId val="-2071642432"/>
       </c:barChart>
       <c:catAx>
-        <c:axId val="-2071672608"/>
+        <c:axId val="-2071694688"/>
         <c:scaling>
           <c:orientation val="minMax"/>
         </c:scaling>
@@ -10301,7 +10313,7 @@
             <a:endParaRPr lang="en-US"/>
           </a:p>
         </c:txPr>
-        <c:crossAx val="-2140453152"/>
+        <c:crossAx val="-2071642432"/>
         <c:crosses val="autoZero"/>
         <c:auto val="1"/>
         <c:lblAlgn val="ctr"/>
@@ -10309,7 +10321,7 @@
         <c:noMultiLvlLbl val="0"/>
       </c:catAx>
       <c:valAx>
-        <c:axId val="-2140453152"/>
+        <c:axId val="-2071642432"/>
         <c:scaling>
           <c:orientation val="minMax"/>
         </c:scaling>
@@ -10442,7 +10454,7 @@
             <a:endParaRPr lang="en-US"/>
           </a:p>
         </c:txPr>
-        <c:crossAx val="-2071672608"/>
+        <c:crossAx val="-2071694688"/>
         <c:crosses val="autoZero"/>
         <c:crossBetween val="between"/>
       </c:valAx>
@@ -11046,11 +11058,11 @@
         </c:dLbls>
         <c:gapWidth val="219"/>
         <c:overlap val="-27"/>
-        <c:axId val="-2075856256"/>
-        <c:axId val="-2079703296"/>
+        <c:axId val="-2072634720"/>
+        <c:axId val="-2072229376"/>
       </c:barChart>
       <c:catAx>
-        <c:axId val="-2075856256"/>
+        <c:axId val="-2072634720"/>
         <c:scaling>
           <c:orientation val="minMax"/>
         </c:scaling>
@@ -11090,7 +11102,7 @@
             <a:endParaRPr lang="en-US"/>
           </a:p>
         </c:txPr>
-        <c:crossAx val="-2079703296"/>
+        <c:crossAx val="-2072229376"/>
         <c:crosses val="autoZero"/>
         <c:auto val="1"/>
         <c:lblAlgn val="ctr"/>
@@ -11098,7 +11110,7 @@
         <c:noMultiLvlLbl val="0"/>
       </c:catAx>
       <c:valAx>
-        <c:axId val="-2079703296"/>
+        <c:axId val="-2072229376"/>
         <c:scaling>
           <c:orientation val="minMax"/>
         </c:scaling>
@@ -11236,7 +11248,7 @@
             <a:endParaRPr lang="en-US"/>
           </a:p>
         </c:txPr>
-        <c:crossAx val="-2075856256"/>
+        <c:crossAx val="-2072634720"/>
         <c:crosses val="autoZero"/>
         <c:crossBetween val="between"/>
       </c:valAx>
@@ -11627,11 +11639,11 @@
         </c:dLbls>
         <c:gapWidth val="219"/>
         <c:overlap val="-27"/>
-        <c:axId val="2086342384"/>
-        <c:axId val="-2080173296"/>
+        <c:axId val="-2121731472"/>
+        <c:axId val="-2073468736"/>
       </c:barChart>
       <c:catAx>
-        <c:axId val="2086342384"/>
+        <c:axId val="-2121731472"/>
         <c:scaling>
           <c:orientation val="minMax"/>
         </c:scaling>
@@ -11671,7 +11683,7 @@
             <a:endParaRPr lang="en-US"/>
           </a:p>
         </c:txPr>
-        <c:crossAx val="-2080173296"/>
+        <c:crossAx val="-2073468736"/>
         <c:crosses val="autoZero"/>
         <c:auto val="1"/>
         <c:lblAlgn val="ctr"/>
@@ -11679,7 +11691,7 @@
         <c:noMultiLvlLbl val="0"/>
       </c:catAx>
       <c:valAx>
-        <c:axId val="-2080173296"/>
+        <c:axId val="-2073468736"/>
         <c:scaling>
           <c:orientation val="minMax"/>
         </c:scaling>
@@ -11809,7 +11821,7 @@
             <a:endParaRPr lang="en-US"/>
           </a:p>
         </c:txPr>
-        <c:crossAx val="2086342384"/>
+        <c:crossAx val="-2121731472"/>
         <c:crosses val="autoZero"/>
         <c:crossBetween val="between"/>
       </c:valAx>
@@ -11978,11 +11990,11 @@
         </c:dLbls>
         <c:gapWidth val="219"/>
         <c:overlap val="-27"/>
-        <c:axId val="-2140404208"/>
-        <c:axId val="-2077274192"/>
+        <c:axId val="2125301088"/>
+        <c:axId val="2125474992"/>
       </c:barChart>
       <c:catAx>
-        <c:axId val="-2140404208"/>
+        <c:axId val="2125301088"/>
         <c:scaling>
           <c:orientation val="minMax"/>
         </c:scaling>
@@ -12022,7 +12034,7 @@
             <a:endParaRPr lang="en-US"/>
           </a:p>
         </c:txPr>
-        <c:crossAx val="-2077274192"/>
+        <c:crossAx val="2125474992"/>
         <c:crosses val="autoZero"/>
         <c:auto val="1"/>
         <c:lblAlgn val="ctr"/>
@@ -12030,7 +12042,7 @@
         <c:noMultiLvlLbl val="0"/>
       </c:catAx>
       <c:valAx>
-        <c:axId val="-2077274192"/>
+        <c:axId val="2125474992"/>
         <c:scaling>
           <c:orientation val="minMax"/>
         </c:scaling>
@@ -12160,7 +12172,7 @@
             <a:endParaRPr lang="en-US"/>
           </a:p>
         </c:txPr>
-        <c:crossAx val="-2140404208"/>
+        <c:crossAx val="2125301088"/>
         <c:crosses val="autoZero"/>
         <c:crossBetween val="between"/>
       </c:valAx>
@@ -12470,11 +12482,11 @@
         </c:dLbls>
         <c:gapWidth val="219"/>
         <c:overlap val="100"/>
-        <c:axId val="-2141060048"/>
-        <c:axId val="-2071692384"/>
+        <c:axId val="-2117909152"/>
+        <c:axId val="-2139411136"/>
       </c:barChart>
       <c:catAx>
-        <c:axId val="-2141060048"/>
+        <c:axId val="-2117909152"/>
         <c:scaling>
           <c:orientation val="minMax"/>
         </c:scaling>
@@ -12517,7 +12529,7 @@
             <a:endParaRPr lang="en-US"/>
           </a:p>
         </c:txPr>
-        <c:crossAx val="-2071692384"/>
+        <c:crossAx val="-2139411136"/>
         <c:crosses val="autoZero"/>
         <c:auto val="1"/>
         <c:lblAlgn val="ctr"/>
@@ -12525,7 +12537,7 @@
         <c:noMultiLvlLbl val="0"/>
       </c:catAx>
       <c:valAx>
-        <c:axId val="-2071692384"/>
+        <c:axId val="-2139411136"/>
         <c:scaling>
           <c:orientation val="minMax"/>
         </c:scaling>
@@ -12636,7 +12648,7 @@
             <a:endParaRPr lang="en-US"/>
           </a:p>
         </c:txPr>
-        <c:crossAx val="-2141060048"/>
+        <c:crossAx val="-2117909152"/>
         <c:crosses val="autoZero"/>
         <c:crossBetween val="between"/>
       </c:valAx>
@@ -32498,6 +32510,28 @@
           <a:chExt cx="0" cy="0"/>
         </a:xfrm>
       </p:grpSpPr>
+      <p:graphicFrame>
+        <p:nvGraphicFramePr>
+          <p:cNvPr id="15" name="Chart 14"/>
+          <p:cNvGraphicFramePr/>
+          <p:nvPr>
+            <p:extLst>
+              <p:ext uri="{D42A27DB-BD31-4B8C-83A1-F6EECF244321}">
+                <p14:modId xmlns:p14="http://schemas.microsoft.com/office/powerpoint/2010/main" val="614129087"/>
+              </p:ext>
+            </p:extLst>
+          </p:nvPr>
+        </p:nvGraphicFramePr>
+        <p:xfrm>
+          <a:off x="4419600" y="919284"/>
+          <a:ext cx="5326566" cy="4319587"/>
+        </p:xfrm>
+        <a:graphic>
+          <a:graphicData uri="http://schemas.openxmlformats.org/drawingml/2006/chart">
+            <c:chart xmlns:c="http://schemas.openxmlformats.org/drawingml/2006/chart" xmlns:r="http://schemas.openxmlformats.org/officeDocument/2006/relationships" r:id="rId3"/>
+          </a:graphicData>
+        </a:graphic>
+      </p:graphicFrame>
       <p:sp>
         <p:nvSpPr>
           <p:cNvPr id="3" name="TextBox 2"/>
@@ -32531,18 +32565,18 @@
           <p:nvPr>
             <p:extLst>
               <p:ext uri="{D42A27DB-BD31-4B8C-83A1-F6EECF244321}">
-                <p14:modId xmlns:p14="http://schemas.microsoft.com/office/powerpoint/2010/main" val="221034253"/>
+                <p14:modId xmlns:p14="http://schemas.microsoft.com/office/powerpoint/2010/main" val="917190252"/>
               </p:ext>
             </p:extLst>
           </p:nvPr>
         </p:nvGraphicFramePr>
         <p:xfrm>
-          <a:off x="379310" y="909026"/>
-          <a:ext cx="4624490" cy="4319587"/>
+          <a:off x="114300" y="909026"/>
+          <a:ext cx="4889500" cy="4319587"/>
         </p:xfrm>
         <a:graphic>
           <a:graphicData uri="http://schemas.openxmlformats.org/drawingml/2006/chart">
-            <c:chart xmlns:c="http://schemas.openxmlformats.org/drawingml/2006/chart" xmlns:r="http://schemas.openxmlformats.org/officeDocument/2006/relationships" r:id="rId3"/>
+            <c:chart xmlns:c="http://schemas.openxmlformats.org/drawingml/2006/chart" xmlns:r="http://schemas.openxmlformats.org